--- a/Gestion projet/Projet intégration robotique – IMERIR.pptx
+++ b/Gestion projet/Projet intégration robotique – IMERIR.pptx
@@ -7,6 +7,13 @@
   <p:sldIdLst>
     <p:sldId id="256" r:id="rId2"/>
     <p:sldId id="257" r:id="rId3"/>
+    <p:sldId id="259" r:id="rId4"/>
+    <p:sldId id="260" r:id="rId5"/>
+    <p:sldId id="261" r:id="rId6"/>
+    <p:sldId id="262" r:id="rId7"/>
+    <p:sldId id="263" r:id="rId8"/>
+    <p:sldId id="264" r:id="rId9"/>
+    <p:sldId id="258" r:id="rId10"/>
   </p:sldIdLst>
   <p:sldSz cx="12192000" cy="6858000"/>
   <p:notesSz cx="6858000" cy="9144000"/>
@@ -105,7 +112,4865 @@
       </a:defRPr>
     </a:lvl9pPr>
   </p:defaultTextStyle>
+  <p:extLst>
+    <p:ext uri="{EFAFB233-063F-42B5-8137-9DF3F51BA10A}">
+      <p15:sldGuideLst xmlns:p15="http://schemas.microsoft.com/office/powerpoint/2012/main"/>
+    </p:ext>
+  </p:extLst>
 </p:presentation>
+</file>
+
+<file path=ppt/diagrams/colors1.xml><?xml version="1.0" encoding="utf-8"?>
+<dgm:colorsDef xmlns:dgm="http://schemas.openxmlformats.org/drawingml/2006/diagram" xmlns:a="http://schemas.openxmlformats.org/drawingml/2006/main" uniqueId="urn:microsoft.com/office/officeart/2005/8/colors/accent1_2">
+  <dgm:title val=""/>
+  <dgm:desc val=""/>
+  <dgm:catLst>
+    <dgm:cat type="accent1" pri="11200"/>
+  </dgm:catLst>
+  <dgm:styleLbl name="node0">
+    <dgm:fillClrLst meth="repeat">
+      <a:schemeClr val="accent1"/>
+    </dgm:fillClrLst>
+    <dgm:linClrLst meth="repeat">
+      <a:schemeClr val="lt1"/>
+    </dgm:linClrLst>
+    <dgm:effectClrLst/>
+    <dgm:txLinClrLst/>
+    <dgm:txFillClrLst/>
+    <dgm:txEffectClrLst/>
+  </dgm:styleLbl>
+  <dgm:styleLbl name="alignNode1">
+    <dgm:fillClrLst meth="repeat">
+      <a:schemeClr val="accent1"/>
+    </dgm:fillClrLst>
+    <dgm:linClrLst meth="repeat">
+      <a:schemeClr val="accent1"/>
+    </dgm:linClrLst>
+    <dgm:effectClrLst/>
+    <dgm:txLinClrLst/>
+    <dgm:txFillClrLst/>
+    <dgm:txEffectClrLst/>
+  </dgm:styleLbl>
+  <dgm:styleLbl name="node1">
+    <dgm:fillClrLst meth="repeat">
+      <a:schemeClr val="accent1"/>
+    </dgm:fillClrLst>
+    <dgm:linClrLst meth="repeat">
+      <a:schemeClr val="lt1"/>
+    </dgm:linClrLst>
+    <dgm:effectClrLst/>
+    <dgm:txLinClrLst/>
+    <dgm:txFillClrLst/>
+    <dgm:txEffectClrLst/>
+  </dgm:styleLbl>
+  <dgm:styleLbl name="lnNode1">
+    <dgm:fillClrLst meth="repeat">
+      <a:schemeClr val="accent1"/>
+    </dgm:fillClrLst>
+    <dgm:linClrLst meth="repeat">
+      <a:schemeClr val="lt1"/>
+    </dgm:linClrLst>
+    <dgm:effectClrLst/>
+    <dgm:txLinClrLst/>
+    <dgm:txFillClrLst/>
+    <dgm:txEffectClrLst/>
+  </dgm:styleLbl>
+  <dgm:styleLbl name="vennNode1">
+    <dgm:fillClrLst meth="repeat">
+      <a:schemeClr val="accent1">
+        <a:alpha val="50000"/>
+      </a:schemeClr>
+    </dgm:fillClrLst>
+    <dgm:linClrLst meth="repeat">
+      <a:schemeClr val="lt1"/>
+    </dgm:linClrLst>
+    <dgm:effectClrLst/>
+    <dgm:txLinClrLst/>
+    <dgm:txFillClrLst/>
+    <dgm:txEffectClrLst/>
+  </dgm:styleLbl>
+  <dgm:styleLbl name="node2">
+    <dgm:fillClrLst meth="repeat">
+      <a:schemeClr val="accent1"/>
+    </dgm:fillClrLst>
+    <dgm:linClrLst meth="repeat">
+      <a:schemeClr val="lt1"/>
+    </dgm:linClrLst>
+    <dgm:effectClrLst/>
+    <dgm:txLinClrLst/>
+    <dgm:txFillClrLst/>
+    <dgm:txEffectClrLst/>
+  </dgm:styleLbl>
+  <dgm:styleLbl name="node3">
+    <dgm:fillClrLst meth="repeat">
+      <a:schemeClr val="accent1"/>
+    </dgm:fillClrLst>
+    <dgm:linClrLst meth="repeat">
+      <a:schemeClr val="lt1"/>
+    </dgm:linClrLst>
+    <dgm:effectClrLst/>
+    <dgm:txLinClrLst/>
+    <dgm:txFillClrLst/>
+    <dgm:txEffectClrLst/>
+  </dgm:styleLbl>
+  <dgm:styleLbl name="node4">
+    <dgm:fillClrLst meth="repeat">
+      <a:schemeClr val="accent1"/>
+    </dgm:fillClrLst>
+    <dgm:linClrLst meth="repeat">
+      <a:schemeClr val="lt1"/>
+    </dgm:linClrLst>
+    <dgm:effectClrLst/>
+    <dgm:txLinClrLst/>
+    <dgm:txFillClrLst/>
+    <dgm:txEffectClrLst/>
+  </dgm:styleLbl>
+  <dgm:styleLbl name="fgImgPlace1">
+    <dgm:fillClrLst meth="repeat">
+      <a:schemeClr val="accent1">
+        <a:tint val="50000"/>
+      </a:schemeClr>
+    </dgm:fillClrLst>
+    <dgm:linClrLst meth="repeat">
+      <a:schemeClr val="lt1"/>
+    </dgm:linClrLst>
+    <dgm:effectClrLst/>
+    <dgm:txLinClrLst/>
+    <dgm:txFillClrLst meth="repeat">
+      <a:schemeClr val="lt1"/>
+    </dgm:txFillClrLst>
+    <dgm:txEffectClrLst/>
+  </dgm:styleLbl>
+  <dgm:styleLbl name="alignImgPlace1">
+    <dgm:fillClrLst meth="repeat">
+      <a:schemeClr val="accent1">
+        <a:tint val="50000"/>
+      </a:schemeClr>
+    </dgm:fillClrLst>
+    <dgm:linClrLst meth="repeat">
+      <a:schemeClr val="lt1"/>
+    </dgm:linClrLst>
+    <dgm:effectClrLst/>
+    <dgm:txLinClrLst/>
+    <dgm:txFillClrLst meth="repeat">
+      <a:schemeClr val="lt1"/>
+    </dgm:txFillClrLst>
+    <dgm:txEffectClrLst/>
+  </dgm:styleLbl>
+  <dgm:styleLbl name="bgImgPlace1">
+    <dgm:fillClrLst meth="repeat">
+      <a:schemeClr val="accent1">
+        <a:tint val="50000"/>
+      </a:schemeClr>
+    </dgm:fillClrLst>
+    <dgm:linClrLst meth="repeat">
+      <a:schemeClr val="lt1"/>
+    </dgm:linClrLst>
+    <dgm:effectClrLst/>
+    <dgm:txLinClrLst/>
+    <dgm:txFillClrLst meth="repeat">
+      <a:schemeClr val="lt1"/>
+    </dgm:txFillClrLst>
+    <dgm:txEffectClrLst/>
+  </dgm:styleLbl>
+  <dgm:styleLbl name="sibTrans2D1">
+    <dgm:fillClrLst meth="repeat">
+      <a:schemeClr val="accent1">
+        <a:tint val="60000"/>
+      </a:schemeClr>
+    </dgm:fillClrLst>
+    <dgm:linClrLst meth="repeat">
+      <a:schemeClr val="accent1">
+        <a:tint val="60000"/>
+      </a:schemeClr>
+    </dgm:linClrLst>
+    <dgm:effectClrLst/>
+    <dgm:txLinClrLst/>
+    <dgm:txFillClrLst/>
+    <dgm:txEffectClrLst/>
+  </dgm:styleLbl>
+  <dgm:styleLbl name="fgSibTrans2D1">
+    <dgm:fillClrLst meth="repeat">
+      <a:schemeClr val="accent1">
+        <a:tint val="60000"/>
+      </a:schemeClr>
+    </dgm:fillClrLst>
+    <dgm:linClrLst meth="repeat">
+      <a:schemeClr val="accent1">
+        <a:tint val="60000"/>
+      </a:schemeClr>
+    </dgm:linClrLst>
+    <dgm:effectClrLst/>
+    <dgm:txLinClrLst/>
+    <dgm:txFillClrLst/>
+    <dgm:txEffectClrLst/>
+  </dgm:styleLbl>
+  <dgm:styleLbl name="bgSibTrans2D1">
+    <dgm:fillClrLst meth="repeat">
+      <a:schemeClr val="accent1">
+        <a:tint val="60000"/>
+      </a:schemeClr>
+    </dgm:fillClrLst>
+    <dgm:linClrLst meth="repeat">
+      <a:schemeClr val="accent1">
+        <a:tint val="60000"/>
+      </a:schemeClr>
+    </dgm:linClrLst>
+    <dgm:effectClrLst/>
+    <dgm:txLinClrLst/>
+    <dgm:txFillClrLst/>
+    <dgm:txEffectClrLst/>
+  </dgm:styleLbl>
+  <dgm:styleLbl name="sibTrans1D1">
+    <dgm:fillClrLst meth="repeat">
+      <a:schemeClr val="accent1"/>
+    </dgm:fillClrLst>
+    <dgm:linClrLst meth="repeat">
+      <a:schemeClr val="accent1"/>
+    </dgm:linClrLst>
+    <dgm:effectClrLst/>
+    <dgm:txLinClrLst/>
+    <dgm:txFillClrLst meth="repeat">
+      <a:schemeClr val="tx1"/>
+    </dgm:txFillClrLst>
+    <dgm:txEffectClrLst/>
+  </dgm:styleLbl>
+  <dgm:styleLbl name="callout">
+    <dgm:fillClrLst meth="repeat">
+      <a:schemeClr val="accent1"/>
+    </dgm:fillClrLst>
+    <dgm:linClrLst meth="repeat">
+      <a:schemeClr val="accent1">
+        <a:tint val="50000"/>
+      </a:schemeClr>
+    </dgm:linClrLst>
+    <dgm:effectClrLst/>
+    <dgm:txLinClrLst/>
+    <dgm:txFillClrLst meth="repeat">
+      <a:schemeClr val="tx1"/>
+    </dgm:txFillClrLst>
+    <dgm:txEffectClrLst/>
+  </dgm:styleLbl>
+  <dgm:styleLbl name="asst0">
+    <dgm:fillClrLst meth="repeat">
+      <a:schemeClr val="accent1"/>
+    </dgm:fillClrLst>
+    <dgm:linClrLst meth="repeat">
+      <a:schemeClr val="lt1"/>
+    </dgm:linClrLst>
+    <dgm:effectClrLst/>
+    <dgm:txLinClrLst/>
+    <dgm:txFillClrLst/>
+    <dgm:txEffectClrLst/>
+  </dgm:styleLbl>
+  <dgm:styleLbl name="asst1">
+    <dgm:fillClrLst meth="repeat">
+      <a:schemeClr val="accent1"/>
+    </dgm:fillClrLst>
+    <dgm:linClrLst meth="repeat">
+      <a:schemeClr val="lt1"/>
+    </dgm:linClrLst>
+    <dgm:effectClrLst/>
+    <dgm:txLinClrLst/>
+    <dgm:txFillClrLst/>
+    <dgm:txEffectClrLst/>
+  </dgm:styleLbl>
+  <dgm:styleLbl name="asst2">
+    <dgm:fillClrLst meth="repeat">
+      <a:schemeClr val="accent1"/>
+    </dgm:fillClrLst>
+    <dgm:linClrLst meth="repeat">
+      <a:schemeClr val="lt1"/>
+    </dgm:linClrLst>
+    <dgm:effectClrLst/>
+    <dgm:txLinClrLst/>
+    <dgm:txFillClrLst/>
+    <dgm:txEffectClrLst/>
+  </dgm:styleLbl>
+  <dgm:styleLbl name="asst3">
+    <dgm:fillClrLst meth="repeat">
+      <a:schemeClr val="accent1"/>
+    </dgm:fillClrLst>
+    <dgm:linClrLst meth="repeat">
+      <a:schemeClr val="lt1"/>
+    </dgm:linClrLst>
+    <dgm:effectClrLst/>
+    <dgm:txLinClrLst/>
+    <dgm:txFillClrLst/>
+    <dgm:txEffectClrLst/>
+  </dgm:styleLbl>
+  <dgm:styleLbl name="asst4">
+    <dgm:fillClrLst meth="repeat">
+      <a:schemeClr val="accent1"/>
+    </dgm:fillClrLst>
+    <dgm:linClrLst meth="repeat">
+      <a:schemeClr val="lt1"/>
+    </dgm:linClrLst>
+    <dgm:effectClrLst/>
+    <dgm:txLinClrLst/>
+    <dgm:txFillClrLst/>
+    <dgm:txEffectClrLst/>
+  </dgm:styleLbl>
+  <dgm:styleLbl name="parChTrans2D1">
+    <dgm:fillClrLst meth="repeat">
+      <a:schemeClr val="accent1">
+        <a:tint val="60000"/>
+      </a:schemeClr>
+    </dgm:fillClrLst>
+    <dgm:linClrLst meth="repeat">
+      <a:schemeClr val="accent1">
+        <a:tint val="60000"/>
+      </a:schemeClr>
+    </dgm:linClrLst>
+    <dgm:effectClrLst/>
+    <dgm:txLinClrLst/>
+    <dgm:txFillClrLst meth="repeat">
+      <a:schemeClr val="lt1"/>
+    </dgm:txFillClrLst>
+    <dgm:txEffectClrLst/>
+  </dgm:styleLbl>
+  <dgm:styleLbl name="parChTrans2D2">
+    <dgm:fillClrLst meth="repeat">
+      <a:schemeClr val="accent1"/>
+    </dgm:fillClrLst>
+    <dgm:linClrLst meth="repeat">
+      <a:schemeClr val="accent1"/>
+    </dgm:linClrLst>
+    <dgm:effectClrLst/>
+    <dgm:txLinClrLst/>
+    <dgm:txFillClrLst meth="repeat">
+      <a:schemeClr val="lt1"/>
+    </dgm:txFillClrLst>
+    <dgm:txEffectClrLst/>
+  </dgm:styleLbl>
+  <dgm:styleLbl name="parChTrans2D3">
+    <dgm:fillClrLst meth="repeat">
+      <a:schemeClr val="accent1"/>
+    </dgm:fillClrLst>
+    <dgm:linClrLst meth="repeat">
+      <a:schemeClr val="accent1"/>
+    </dgm:linClrLst>
+    <dgm:effectClrLst/>
+    <dgm:txLinClrLst/>
+    <dgm:txFillClrLst meth="repeat">
+      <a:schemeClr val="lt1"/>
+    </dgm:txFillClrLst>
+    <dgm:txEffectClrLst/>
+  </dgm:styleLbl>
+  <dgm:styleLbl name="parChTrans2D4">
+    <dgm:fillClrLst meth="repeat">
+      <a:schemeClr val="accent1"/>
+    </dgm:fillClrLst>
+    <dgm:linClrLst meth="repeat">
+      <a:schemeClr val="accent1"/>
+    </dgm:linClrLst>
+    <dgm:effectClrLst/>
+    <dgm:txLinClrLst/>
+    <dgm:txFillClrLst meth="repeat">
+      <a:schemeClr val="lt1"/>
+    </dgm:txFillClrLst>
+    <dgm:txEffectClrLst/>
+  </dgm:styleLbl>
+  <dgm:styleLbl name="parChTrans1D1">
+    <dgm:fillClrLst meth="repeat">
+      <a:schemeClr val="accent1"/>
+    </dgm:fillClrLst>
+    <dgm:linClrLst meth="repeat">
+      <a:schemeClr val="accent1">
+        <a:shade val="60000"/>
+      </a:schemeClr>
+    </dgm:linClrLst>
+    <dgm:effectClrLst/>
+    <dgm:txLinClrLst/>
+    <dgm:txFillClrLst meth="repeat">
+      <a:schemeClr val="tx1"/>
+    </dgm:txFillClrLst>
+    <dgm:txEffectClrLst/>
+  </dgm:styleLbl>
+  <dgm:styleLbl name="parChTrans1D2">
+    <dgm:fillClrLst meth="repeat">
+      <a:schemeClr val="accent1"/>
+    </dgm:fillClrLst>
+    <dgm:linClrLst meth="repeat">
+      <a:schemeClr val="accent1">
+        <a:shade val="60000"/>
+      </a:schemeClr>
+    </dgm:linClrLst>
+    <dgm:effectClrLst/>
+    <dgm:txLinClrLst/>
+    <dgm:txFillClrLst meth="repeat">
+      <a:schemeClr val="tx1"/>
+    </dgm:txFillClrLst>
+    <dgm:txEffectClrLst/>
+  </dgm:styleLbl>
+  <dgm:styleLbl name="parChTrans1D3">
+    <dgm:fillClrLst meth="repeat">
+      <a:schemeClr val="accent1"/>
+    </dgm:fillClrLst>
+    <dgm:linClrLst meth="repeat">
+      <a:schemeClr val="accent1">
+        <a:shade val="80000"/>
+      </a:schemeClr>
+    </dgm:linClrLst>
+    <dgm:effectClrLst/>
+    <dgm:txLinClrLst/>
+    <dgm:txFillClrLst meth="repeat">
+      <a:schemeClr val="tx1"/>
+    </dgm:txFillClrLst>
+    <dgm:txEffectClrLst/>
+  </dgm:styleLbl>
+  <dgm:styleLbl name="parChTrans1D4">
+    <dgm:fillClrLst meth="repeat">
+      <a:schemeClr val="accent1"/>
+    </dgm:fillClrLst>
+    <dgm:linClrLst meth="repeat">
+      <a:schemeClr val="accent1">
+        <a:shade val="80000"/>
+      </a:schemeClr>
+    </dgm:linClrLst>
+    <dgm:effectClrLst/>
+    <dgm:txLinClrLst/>
+    <dgm:txFillClrLst meth="repeat">
+      <a:schemeClr val="tx1"/>
+    </dgm:txFillClrLst>
+    <dgm:txEffectClrLst/>
+  </dgm:styleLbl>
+  <dgm:styleLbl name="fgAcc1">
+    <dgm:fillClrLst meth="repeat">
+      <a:schemeClr val="lt1">
+        <a:alpha val="90000"/>
+      </a:schemeClr>
+    </dgm:fillClrLst>
+    <dgm:linClrLst meth="repeat">
+      <a:schemeClr val="accent1"/>
+    </dgm:linClrLst>
+    <dgm:effectClrLst/>
+    <dgm:txLinClrLst/>
+    <dgm:txFillClrLst meth="repeat">
+      <a:schemeClr val="dk1"/>
+    </dgm:txFillClrLst>
+    <dgm:txEffectClrLst/>
+  </dgm:styleLbl>
+  <dgm:styleLbl name="conFgAcc1">
+    <dgm:fillClrLst meth="repeat">
+      <a:schemeClr val="lt1">
+        <a:alpha val="90000"/>
+      </a:schemeClr>
+    </dgm:fillClrLst>
+    <dgm:linClrLst meth="repeat">
+      <a:schemeClr val="accent1"/>
+    </dgm:linClrLst>
+    <dgm:effectClrLst/>
+    <dgm:txLinClrLst/>
+    <dgm:txFillClrLst meth="repeat">
+      <a:schemeClr val="dk1"/>
+    </dgm:txFillClrLst>
+    <dgm:txEffectClrLst/>
+  </dgm:styleLbl>
+  <dgm:styleLbl name="alignAcc1">
+    <dgm:fillClrLst meth="repeat">
+      <a:schemeClr val="lt1">
+        <a:alpha val="90000"/>
+      </a:schemeClr>
+    </dgm:fillClrLst>
+    <dgm:linClrLst meth="repeat">
+      <a:schemeClr val="accent1"/>
+    </dgm:linClrLst>
+    <dgm:effectClrLst/>
+    <dgm:txLinClrLst/>
+    <dgm:txFillClrLst meth="repeat">
+      <a:schemeClr val="dk1"/>
+    </dgm:txFillClrLst>
+    <dgm:txEffectClrLst/>
+  </dgm:styleLbl>
+  <dgm:styleLbl name="trAlignAcc1">
+    <dgm:fillClrLst meth="repeat">
+      <a:schemeClr val="lt1">
+        <a:alpha val="40000"/>
+      </a:schemeClr>
+    </dgm:fillClrLst>
+    <dgm:linClrLst meth="repeat">
+      <a:schemeClr val="accent1"/>
+    </dgm:linClrLst>
+    <dgm:effectClrLst/>
+    <dgm:txLinClrLst/>
+    <dgm:txFillClrLst meth="repeat">
+      <a:schemeClr val="dk1"/>
+    </dgm:txFillClrLst>
+    <dgm:txEffectClrLst/>
+  </dgm:styleLbl>
+  <dgm:styleLbl name="bgAcc1">
+    <dgm:fillClrLst meth="repeat">
+      <a:schemeClr val="lt1">
+        <a:alpha val="90000"/>
+      </a:schemeClr>
+    </dgm:fillClrLst>
+    <dgm:linClrLst meth="repeat">
+      <a:schemeClr val="accent1"/>
+    </dgm:linClrLst>
+    <dgm:effectClrLst/>
+    <dgm:txLinClrLst/>
+    <dgm:txFillClrLst meth="repeat">
+      <a:schemeClr val="dk1"/>
+    </dgm:txFillClrLst>
+    <dgm:txEffectClrLst/>
+  </dgm:styleLbl>
+  <dgm:styleLbl name="solidFgAcc1">
+    <dgm:fillClrLst meth="repeat">
+      <a:schemeClr val="lt1"/>
+    </dgm:fillClrLst>
+    <dgm:linClrLst meth="repeat">
+      <a:schemeClr val="accent1"/>
+    </dgm:linClrLst>
+    <dgm:effectClrLst/>
+    <dgm:txLinClrLst/>
+    <dgm:txFillClrLst meth="repeat">
+      <a:schemeClr val="dk1"/>
+    </dgm:txFillClrLst>
+    <dgm:txEffectClrLst/>
+  </dgm:styleLbl>
+  <dgm:styleLbl name="solidAlignAcc1">
+    <dgm:fillClrLst meth="repeat">
+      <a:schemeClr val="lt1"/>
+    </dgm:fillClrLst>
+    <dgm:linClrLst meth="repeat">
+      <a:schemeClr val="accent1"/>
+    </dgm:linClrLst>
+    <dgm:effectClrLst/>
+    <dgm:txLinClrLst/>
+    <dgm:txFillClrLst meth="repeat">
+      <a:schemeClr val="dk1"/>
+    </dgm:txFillClrLst>
+    <dgm:txEffectClrLst/>
+  </dgm:styleLbl>
+  <dgm:styleLbl name="solidBgAcc1">
+    <dgm:fillClrLst meth="repeat">
+      <a:schemeClr val="lt1"/>
+    </dgm:fillClrLst>
+    <dgm:linClrLst meth="repeat">
+      <a:schemeClr val="accent1"/>
+    </dgm:linClrLst>
+    <dgm:effectClrLst/>
+    <dgm:txLinClrLst/>
+    <dgm:txFillClrLst meth="repeat">
+      <a:schemeClr val="dk1"/>
+    </dgm:txFillClrLst>
+    <dgm:txEffectClrLst/>
+  </dgm:styleLbl>
+  <dgm:styleLbl name="fgAccFollowNode1">
+    <dgm:fillClrLst meth="repeat">
+      <a:schemeClr val="accent1">
+        <a:alpha val="90000"/>
+        <a:tint val="40000"/>
+      </a:schemeClr>
+    </dgm:fillClrLst>
+    <dgm:linClrLst meth="repeat">
+      <a:schemeClr val="accent1">
+        <a:alpha val="90000"/>
+        <a:tint val="40000"/>
+      </a:schemeClr>
+    </dgm:linClrLst>
+    <dgm:effectClrLst/>
+    <dgm:txLinClrLst/>
+    <dgm:txFillClrLst meth="repeat">
+      <a:schemeClr val="dk1"/>
+    </dgm:txFillClrLst>
+    <dgm:txEffectClrLst/>
+  </dgm:styleLbl>
+  <dgm:styleLbl name="alignAccFollowNode1">
+    <dgm:fillClrLst meth="repeat">
+      <a:schemeClr val="accent1">
+        <a:alpha val="90000"/>
+        <a:tint val="40000"/>
+      </a:schemeClr>
+    </dgm:fillClrLst>
+    <dgm:linClrLst meth="repeat">
+      <a:schemeClr val="accent1">
+        <a:alpha val="90000"/>
+        <a:tint val="40000"/>
+      </a:schemeClr>
+    </dgm:linClrLst>
+    <dgm:effectClrLst/>
+    <dgm:txLinClrLst/>
+    <dgm:txFillClrLst meth="repeat">
+      <a:schemeClr val="dk1"/>
+    </dgm:txFillClrLst>
+    <dgm:txEffectClrLst/>
+  </dgm:styleLbl>
+  <dgm:styleLbl name="bgAccFollowNode1">
+    <dgm:fillClrLst meth="repeat">
+      <a:schemeClr val="accent1">
+        <a:alpha val="90000"/>
+        <a:tint val="40000"/>
+      </a:schemeClr>
+    </dgm:fillClrLst>
+    <dgm:linClrLst meth="repeat">
+      <a:schemeClr val="accent1">
+        <a:alpha val="90000"/>
+        <a:tint val="40000"/>
+      </a:schemeClr>
+    </dgm:linClrLst>
+    <dgm:effectClrLst/>
+    <dgm:txLinClrLst/>
+    <dgm:txFillClrLst meth="repeat">
+      <a:schemeClr val="dk1"/>
+    </dgm:txFillClrLst>
+    <dgm:txEffectClrLst/>
+  </dgm:styleLbl>
+  <dgm:styleLbl name="fgAcc0">
+    <dgm:fillClrLst meth="repeat">
+      <a:schemeClr val="lt1">
+        <a:alpha val="90000"/>
+      </a:schemeClr>
+    </dgm:fillClrLst>
+    <dgm:linClrLst meth="repeat">
+      <a:schemeClr val="accent1"/>
+    </dgm:linClrLst>
+    <dgm:effectClrLst/>
+    <dgm:txLinClrLst/>
+    <dgm:txFillClrLst meth="repeat">
+      <a:schemeClr val="dk1"/>
+    </dgm:txFillClrLst>
+    <dgm:txEffectClrLst/>
+  </dgm:styleLbl>
+  <dgm:styleLbl name="fgAcc2">
+    <dgm:fillClrLst meth="repeat">
+      <a:schemeClr val="lt1">
+        <a:alpha val="90000"/>
+      </a:schemeClr>
+    </dgm:fillClrLst>
+    <dgm:linClrLst meth="repeat">
+      <a:schemeClr val="accent1"/>
+    </dgm:linClrLst>
+    <dgm:effectClrLst/>
+    <dgm:txLinClrLst/>
+    <dgm:txFillClrLst meth="repeat">
+      <a:schemeClr val="dk1"/>
+    </dgm:txFillClrLst>
+    <dgm:txEffectClrLst/>
+  </dgm:styleLbl>
+  <dgm:styleLbl name="fgAcc3">
+    <dgm:fillClrLst meth="repeat">
+      <a:schemeClr val="lt1">
+        <a:alpha val="90000"/>
+      </a:schemeClr>
+    </dgm:fillClrLst>
+    <dgm:linClrLst meth="repeat">
+      <a:schemeClr val="accent1"/>
+    </dgm:linClrLst>
+    <dgm:effectClrLst/>
+    <dgm:txLinClrLst/>
+    <dgm:txFillClrLst meth="repeat">
+      <a:schemeClr val="dk1"/>
+    </dgm:txFillClrLst>
+    <dgm:txEffectClrLst/>
+  </dgm:styleLbl>
+  <dgm:styleLbl name="fgAcc4">
+    <dgm:fillClrLst meth="repeat">
+      <a:schemeClr val="lt1">
+        <a:alpha val="90000"/>
+      </a:schemeClr>
+    </dgm:fillClrLst>
+    <dgm:linClrLst meth="repeat">
+      <a:schemeClr val="accent1"/>
+    </dgm:linClrLst>
+    <dgm:effectClrLst/>
+    <dgm:txLinClrLst/>
+    <dgm:txFillClrLst meth="repeat">
+      <a:schemeClr val="dk1"/>
+    </dgm:txFillClrLst>
+    <dgm:txEffectClrLst/>
+  </dgm:styleLbl>
+  <dgm:styleLbl name="bgShp">
+    <dgm:fillClrLst meth="repeat">
+      <a:schemeClr val="accent1">
+        <a:tint val="40000"/>
+      </a:schemeClr>
+    </dgm:fillClrLst>
+    <dgm:linClrLst meth="repeat">
+      <a:schemeClr val="accent1"/>
+    </dgm:linClrLst>
+    <dgm:effectClrLst/>
+    <dgm:txLinClrLst/>
+    <dgm:txFillClrLst meth="repeat">
+      <a:schemeClr val="dk1"/>
+    </dgm:txFillClrLst>
+    <dgm:txEffectClrLst/>
+  </dgm:styleLbl>
+  <dgm:styleLbl name="dkBgShp">
+    <dgm:fillClrLst meth="repeat">
+      <a:schemeClr val="accent1">
+        <a:shade val="80000"/>
+      </a:schemeClr>
+    </dgm:fillClrLst>
+    <dgm:linClrLst meth="repeat">
+      <a:schemeClr val="accent1"/>
+    </dgm:linClrLst>
+    <dgm:effectClrLst/>
+    <dgm:txLinClrLst/>
+    <dgm:txFillClrLst meth="repeat">
+      <a:schemeClr val="lt1"/>
+    </dgm:txFillClrLst>
+    <dgm:txEffectClrLst/>
+  </dgm:styleLbl>
+  <dgm:styleLbl name="trBgShp">
+    <dgm:fillClrLst meth="repeat">
+      <a:schemeClr val="accent1">
+        <a:tint val="50000"/>
+        <a:alpha val="40000"/>
+      </a:schemeClr>
+    </dgm:fillClrLst>
+    <dgm:linClrLst meth="repeat">
+      <a:schemeClr val="accent1"/>
+    </dgm:linClrLst>
+    <dgm:effectClrLst/>
+    <dgm:txLinClrLst/>
+    <dgm:txFillClrLst meth="repeat">
+      <a:schemeClr val="lt1"/>
+    </dgm:txFillClrLst>
+    <dgm:txEffectClrLst/>
+  </dgm:styleLbl>
+  <dgm:styleLbl name="fgShp">
+    <dgm:fillClrLst meth="repeat">
+      <a:schemeClr val="accent1">
+        <a:tint val="60000"/>
+      </a:schemeClr>
+    </dgm:fillClrLst>
+    <dgm:linClrLst meth="repeat">
+      <a:schemeClr val="lt1"/>
+    </dgm:linClrLst>
+    <dgm:effectClrLst/>
+    <dgm:txLinClrLst/>
+    <dgm:txFillClrLst meth="repeat">
+      <a:schemeClr val="dk1"/>
+    </dgm:txFillClrLst>
+    <dgm:txEffectClrLst/>
+  </dgm:styleLbl>
+  <dgm:styleLbl name="revTx">
+    <dgm:fillClrLst meth="repeat">
+      <a:schemeClr val="lt1">
+        <a:alpha val="0"/>
+      </a:schemeClr>
+    </dgm:fillClrLst>
+    <dgm:linClrLst meth="repeat">
+      <a:schemeClr val="dk1">
+        <a:alpha val="0"/>
+      </a:schemeClr>
+    </dgm:linClrLst>
+    <dgm:effectClrLst/>
+    <dgm:txLinClrLst/>
+    <dgm:txFillClrLst meth="repeat">
+      <a:schemeClr val="tx1"/>
+    </dgm:txFillClrLst>
+    <dgm:txEffectClrLst/>
+  </dgm:styleLbl>
+</dgm:colorsDef>
+</file>
+
+<file path=ppt/diagrams/data1.xml><?xml version="1.0" encoding="utf-8"?>
+<dgm:dataModel xmlns:dgm="http://schemas.openxmlformats.org/drawingml/2006/diagram" xmlns:a="http://schemas.openxmlformats.org/drawingml/2006/main">
+  <dgm:ptLst>
+    <dgm:pt modelId="{B09FE774-3F9D-4DF1-BC83-1B2D4BDE4114}" type="doc">
+      <dgm:prSet loTypeId="urn:microsoft.com/office/officeart/2008/layout/NameandTitleOrganizationalChart" loCatId="hierarchy" qsTypeId="urn:microsoft.com/office/officeart/2005/8/quickstyle/simple4" qsCatId="simple" csTypeId="urn:microsoft.com/office/officeart/2005/8/colors/accent1_2" csCatId="accent1" phldr="1"/>
+      <dgm:spPr/>
+      <dgm:t>
+        <a:bodyPr/>
+        <a:lstStyle/>
+        <a:p>
+          <a:endParaRPr lang="fr-FR"/>
+        </a:p>
+      </dgm:t>
+    </dgm:pt>
+    <dgm:pt modelId="{031F03A1-D11D-426A-A91F-A1838446D945}">
+      <dgm:prSet phldrT="[Texte]"/>
+      <dgm:spPr/>
+      <dgm:t>
+        <a:bodyPr/>
+        <a:lstStyle/>
+        <a:p>
+          <a:r>
+            <a:rPr lang="fr-FR"/>
+            <a:t>Chef de Projet</a:t>
+          </a:r>
+        </a:p>
+      </dgm:t>
+    </dgm:pt>
+    <dgm:pt modelId="{F212F318-3366-4E87-8137-4313CF783753}" type="parTrans" cxnId="{70A6D11C-8555-4E5F-AD68-FCA75662C906}">
+      <dgm:prSet/>
+      <dgm:spPr/>
+      <dgm:t>
+        <a:bodyPr/>
+        <a:lstStyle/>
+        <a:p>
+          <a:endParaRPr lang="fr-FR"/>
+        </a:p>
+      </dgm:t>
+    </dgm:pt>
+    <dgm:pt modelId="{E08328F8-73AC-44B9-A528-2A20E2BB73B8}" type="sibTrans" cxnId="{70A6D11C-8555-4E5F-AD68-FCA75662C906}">
+      <dgm:prSet/>
+      <dgm:spPr/>
+      <dgm:t>
+        <a:bodyPr/>
+        <a:lstStyle/>
+        <a:p>
+          <a:r>
+            <a:rPr lang="fr-FR"/>
+            <a:t>Cyril PY</a:t>
+          </a:r>
+        </a:p>
+      </dgm:t>
+    </dgm:pt>
+    <dgm:pt modelId="{8DBD821B-0FD6-4B52-B079-003F288E5D34}">
+      <dgm:prSet phldrT="[Texte]"/>
+      <dgm:spPr/>
+      <dgm:t>
+        <a:bodyPr/>
+        <a:lstStyle/>
+        <a:p>
+          <a:r>
+            <a:rPr lang="fr-FR"/>
+            <a:t>Calculs</a:t>
+          </a:r>
+        </a:p>
+      </dgm:t>
+    </dgm:pt>
+    <dgm:pt modelId="{B35AC538-A515-417B-B7F9-1B9646A739CD}" type="parTrans" cxnId="{18A9C787-27E3-4ED7-A604-BD8FCB6AE99C}">
+      <dgm:prSet/>
+      <dgm:spPr/>
+      <dgm:t>
+        <a:bodyPr/>
+        <a:lstStyle/>
+        <a:p>
+          <a:endParaRPr lang="fr-FR"/>
+        </a:p>
+      </dgm:t>
+    </dgm:pt>
+    <dgm:pt modelId="{1A528B00-6AE1-4ABD-8D5B-17919833341D}" type="sibTrans" cxnId="{18A9C787-27E3-4ED7-A604-BD8FCB6AE99C}">
+      <dgm:prSet/>
+      <dgm:spPr/>
+      <dgm:t>
+        <a:bodyPr/>
+        <a:lstStyle/>
+        <a:p>
+          <a:r>
+            <a:rPr lang="fr-FR"/>
+            <a:t>Thomas PRAK</a:t>
+          </a:r>
+        </a:p>
+      </dgm:t>
+    </dgm:pt>
+    <dgm:pt modelId="{5AA3635A-3E57-4753-8FEA-4F1BB995E080}">
+      <dgm:prSet phldrT="[Texte]"/>
+      <dgm:spPr/>
+      <dgm:t>
+        <a:bodyPr/>
+        <a:lstStyle/>
+        <a:p>
+          <a:r>
+            <a:rPr lang="fr-FR"/>
+            <a:t>Client</a:t>
+          </a:r>
+        </a:p>
+      </dgm:t>
+    </dgm:pt>
+    <dgm:pt modelId="{208E881D-F644-4D49-A298-3B1E9EF27ED3}" type="parTrans" cxnId="{DEEAEBD6-4828-46A2-9DBC-7D5C2E3EA851}">
+      <dgm:prSet/>
+      <dgm:spPr/>
+      <dgm:t>
+        <a:bodyPr/>
+        <a:lstStyle/>
+        <a:p>
+          <a:endParaRPr lang="fr-FR"/>
+        </a:p>
+      </dgm:t>
+    </dgm:pt>
+    <dgm:pt modelId="{E4FE5431-22CA-4AEA-913E-E7226B8FA659}" type="sibTrans" cxnId="{DEEAEBD6-4828-46A2-9DBC-7D5C2E3EA851}">
+      <dgm:prSet/>
+      <dgm:spPr/>
+      <dgm:t>
+        <a:bodyPr/>
+        <a:lstStyle/>
+        <a:p>
+          <a:r>
+            <a:rPr lang="fr-FR"/>
+            <a:t>Justine SABBATIER</a:t>
+          </a:r>
+        </a:p>
+      </dgm:t>
+    </dgm:pt>
+    <dgm:pt modelId="{7CC6FC0E-3E56-4DFB-8554-F6503FD2ABFB}">
+      <dgm:prSet phldrT="[Texte]"/>
+      <dgm:spPr/>
+      <dgm:t>
+        <a:bodyPr/>
+        <a:lstStyle/>
+        <a:p>
+          <a:r>
+            <a:rPr lang="fr-FR"/>
+            <a:t>Serveur Web</a:t>
+          </a:r>
+        </a:p>
+      </dgm:t>
+    </dgm:pt>
+    <dgm:pt modelId="{CC8B3E05-5128-4B0E-B625-87C5E5106321}" type="parTrans" cxnId="{572F320D-2F13-4B87-B73A-C64F670DDD7D}">
+      <dgm:prSet/>
+      <dgm:spPr/>
+      <dgm:t>
+        <a:bodyPr/>
+        <a:lstStyle/>
+        <a:p>
+          <a:endParaRPr lang="fr-FR"/>
+        </a:p>
+      </dgm:t>
+    </dgm:pt>
+    <dgm:pt modelId="{22012B92-4D3B-4DFC-ADE4-AD48761BC057}" type="sibTrans" cxnId="{572F320D-2F13-4B87-B73A-C64F670DDD7D}">
+      <dgm:prSet/>
+      <dgm:spPr/>
+      <dgm:t>
+        <a:bodyPr/>
+        <a:lstStyle/>
+        <a:p>
+          <a:r>
+            <a:rPr lang="fr-FR"/>
+            <a:t>Julien LOEVE</a:t>
+          </a:r>
+        </a:p>
+      </dgm:t>
+    </dgm:pt>
+    <dgm:pt modelId="{DF382519-7BCD-4B76-9A15-EC2CE8177DE6}">
+      <dgm:prSet phldrT="[Texte]"/>
+      <dgm:spPr/>
+      <dgm:t>
+        <a:bodyPr/>
+        <a:lstStyle/>
+        <a:p>
+          <a:r>
+            <a:rPr lang="fr-FR"/>
+            <a:t>Arduino</a:t>
+          </a:r>
+        </a:p>
+      </dgm:t>
+    </dgm:pt>
+    <dgm:pt modelId="{54A889A0-A444-42E4-8DC8-3A10AF9A3814}" type="parTrans" cxnId="{BC04EF43-D439-4687-83CF-CFC9BDBA623E}">
+      <dgm:prSet/>
+      <dgm:spPr/>
+      <dgm:t>
+        <a:bodyPr/>
+        <a:lstStyle/>
+        <a:p>
+          <a:endParaRPr lang="fr-FR"/>
+        </a:p>
+      </dgm:t>
+    </dgm:pt>
+    <dgm:pt modelId="{EB0E38B7-1918-42E9-9670-E7466CE99D19}" type="sibTrans" cxnId="{BC04EF43-D439-4687-83CF-CFC9BDBA623E}">
+      <dgm:prSet/>
+      <dgm:spPr/>
+      <dgm:t>
+        <a:bodyPr/>
+        <a:lstStyle/>
+        <a:p>
+          <a:r>
+            <a:rPr lang="fr-FR"/>
+            <a:t>Mathias DA COSTA</a:t>
+          </a:r>
+        </a:p>
+      </dgm:t>
+    </dgm:pt>
+    <dgm:pt modelId="{586A4E3F-B436-4E27-B3F0-40AA61BCC1A3}" type="pres">
+      <dgm:prSet presAssocID="{B09FE774-3F9D-4DF1-BC83-1B2D4BDE4114}" presName="hierChild1" presStyleCnt="0">
+        <dgm:presLayoutVars>
+          <dgm:orgChart val="1"/>
+          <dgm:chPref val="1"/>
+          <dgm:dir/>
+          <dgm:animOne val="branch"/>
+          <dgm:animLvl val="lvl"/>
+          <dgm:resizeHandles/>
+        </dgm:presLayoutVars>
+      </dgm:prSet>
+      <dgm:spPr/>
+      <dgm:t>
+        <a:bodyPr/>
+        <a:lstStyle/>
+        <a:p>
+          <a:endParaRPr lang="fr-FR"/>
+        </a:p>
+      </dgm:t>
+    </dgm:pt>
+    <dgm:pt modelId="{B5400788-F81C-4106-AC39-BC11E04FBE40}" type="pres">
+      <dgm:prSet presAssocID="{031F03A1-D11D-426A-A91F-A1838446D945}" presName="hierRoot1" presStyleCnt="0">
+        <dgm:presLayoutVars>
+          <dgm:hierBranch val="init"/>
+        </dgm:presLayoutVars>
+      </dgm:prSet>
+      <dgm:spPr/>
+      <dgm:t>
+        <a:bodyPr/>
+        <a:lstStyle/>
+        <a:p>
+          <a:endParaRPr lang="fr-FR"/>
+        </a:p>
+      </dgm:t>
+    </dgm:pt>
+    <dgm:pt modelId="{426E7B4E-947D-4381-8980-DCC81EC6AA45}" type="pres">
+      <dgm:prSet presAssocID="{031F03A1-D11D-426A-A91F-A1838446D945}" presName="rootComposite1" presStyleCnt="0"/>
+      <dgm:spPr/>
+      <dgm:t>
+        <a:bodyPr/>
+        <a:lstStyle/>
+        <a:p>
+          <a:endParaRPr lang="fr-FR"/>
+        </a:p>
+      </dgm:t>
+    </dgm:pt>
+    <dgm:pt modelId="{153DF482-9B63-4F22-A2E6-E0985D657AE7}" type="pres">
+      <dgm:prSet presAssocID="{031F03A1-D11D-426A-A91F-A1838446D945}" presName="rootText1" presStyleLbl="node0" presStyleIdx="0" presStyleCnt="1">
+        <dgm:presLayoutVars>
+          <dgm:chMax/>
+          <dgm:chPref val="3"/>
+        </dgm:presLayoutVars>
+      </dgm:prSet>
+      <dgm:spPr/>
+      <dgm:t>
+        <a:bodyPr/>
+        <a:lstStyle/>
+        <a:p>
+          <a:endParaRPr lang="fr-FR"/>
+        </a:p>
+      </dgm:t>
+    </dgm:pt>
+    <dgm:pt modelId="{113EA813-3BA6-403B-BFBC-C6C029177D40}" type="pres">
+      <dgm:prSet presAssocID="{031F03A1-D11D-426A-A91F-A1838446D945}" presName="titleText1" presStyleLbl="fgAcc0" presStyleIdx="0" presStyleCnt="1">
+        <dgm:presLayoutVars>
+          <dgm:chMax val="0"/>
+          <dgm:chPref val="0"/>
+        </dgm:presLayoutVars>
+      </dgm:prSet>
+      <dgm:spPr/>
+      <dgm:t>
+        <a:bodyPr/>
+        <a:lstStyle/>
+        <a:p>
+          <a:endParaRPr lang="fr-FR"/>
+        </a:p>
+      </dgm:t>
+    </dgm:pt>
+    <dgm:pt modelId="{E84267ED-E17E-48CB-9BFE-4B01A635313F}" type="pres">
+      <dgm:prSet presAssocID="{031F03A1-D11D-426A-A91F-A1838446D945}" presName="rootConnector1" presStyleLbl="node1" presStyleIdx="0" presStyleCnt="4"/>
+      <dgm:spPr/>
+      <dgm:t>
+        <a:bodyPr/>
+        <a:lstStyle/>
+        <a:p>
+          <a:endParaRPr lang="fr-FR"/>
+        </a:p>
+      </dgm:t>
+    </dgm:pt>
+    <dgm:pt modelId="{F1EFDF07-38B4-4DBA-A6E8-49F15D01F9CC}" type="pres">
+      <dgm:prSet presAssocID="{031F03A1-D11D-426A-A91F-A1838446D945}" presName="hierChild2" presStyleCnt="0"/>
+      <dgm:spPr/>
+      <dgm:t>
+        <a:bodyPr/>
+        <a:lstStyle/>
+        <a:p>
+          <a:endParaRPr lang="fr-FR"/>
+        </a:p>
+      </dgm:t>
+    </dgm:pt>
+    <dgm:pt modelId="{095703D4-98CA-460D-B2F6-CA110B625919}" type="pres">
+      <dgm:prSet presAssocID="{B35AC538-A515-417B-B7F9-1B9646A739CD}" presName="Name37" presStyleLbl="parChTrans1D2" presStyleIdx="0" presStyleCnt="4"/>
+      <dgm:spPr/>
+      <dgm:t>
+        <a:bodyPr/>
+        <a:lstStyle/>
+        <a:p>
+          <a:endParaRPr lang="fr-FR"/>
+        </a:p>
+      </dgm:t>
+    </dgm:pt>
+    <dgm:pt modelId="{2F50F1E3-2868-4BD0-A012-516919C30126}" type="pres">
+      <dgm:prSet presAssocID="{8DBD821B-0FD6-4B52-B079-003F288E5D34}" presName="hierRoot2" presStyleCnt="0">
+        <dgm:presLayoutVars>
+          <dgm:hierBranch val="init"/>
+        </dgm:presLayoutVars>
+      </dgm:prSet>
+      <dgm:spPr/>
+      <dgm:t>
+        <a:bodyPr/>
+        <a:lstStyle/>
+        <a:p>
+          <a:endParaRPr lang="fr-FR"/>
+        </a:p>
+      </dgm:t>
+    </dgm:pt>
+    <dgm:pt modelId="{0757D19A-AAD2-4DFA-BE92-F10EB5A8B25C}" type="pres">
+      <dgm:prSet presAssocID="{8DBD821B-0FD6-4B52-B079-003F288E5D34}" presName="rootComposite" presStyleCnt="0"/>
+      <dgm:spPr/>
+      <dgm:t>
+        <a:bodyPr/>
+        <a:lstStyle/>
+        <a:p>
+          <a:endParaRPr lang="fr-FR"/>
+        </a:p>
+      </dgm:t>
+    </dgm:pt>
+    <dgm:pt modelId="{5676D32F-1CE3-4176-81F2-A39E244B0416}" type="pres">
+      <dgm:prSet presAssocID="{8DBD821B-0FD6-4B52-B079-003F288E5D34}" presName="rootText" presStyleLbl="node1" presStyleIdx="0" presStyleCnt="4">
+        <dgm:presLayoutVars>
+          <dgm:chMax/>
+          <dgm:chPref val="3"/>
+        </dgm:presLayoutVars>
+      </dgm:prSet>
+      <dgm:spPr/>
+      <dgm:t>
+        <a:bodyPr/>
+        <a:lstStyle/>
+        <a:p>
+          <a:endParaRPr lang="fr-FR"/>
+        </a:p>
+      </dgm:t>
+    </dgm:pt>
+    <dgm:pt modelId="{809562EB-4A18-496D-99D9-E0B60B4EAEA5}" type="pres">
+      <dgm:prSet presAssocID="{8DBD821B-0FD6-4B52-B079-003F288E5D34}" presName="titleText2" presStyleLbl="fgAcc1" presStyleIdx="0" presStyleCnt="4" custLinFactNeighborX="4466">
+        <dgm:presLayoutVars>
+          <dgm:chMax val="0"/>
+          <dgm:chPref val="0"/>
+        </dgm:presLayoutVars>
+      </dgm:prSet>
+      <dgm:spPr/>
+      <dgm:t>
+        <a:bodyPr/>
+        <a:lstStyle/>
+        <a:p>
+          <a:endParaRPr lang="fr-FR"/>
+        </a:p>
+      </dgm:t>
+    </dgm:pt>
+    <dgm:pt modelId="{9746671F-44E9-4CCD-A408-F9B238BBA523}" type="pres">
+      <dgm:prSet presAssocID="{8DBD821B-0FD6-4B52-B079-003F288E5D34}" presName="rootConnector" presStyleLbl="node2" presStyleIdx="0" presStyleCnt="0"/>
+      <dgm:spPr/>
+      <dgm:t>
+        <a:bodyPr/>
+        <a:lstStyle/>
+        <a:p>
+          <a:endParaRPr lang="fr-FR"/>
+        </a:p>
+      </dgm:t>
+    </dgm:pt>
+    <dgm:pt modelId="{7B51A319-379C-4AB2-83EB-C74F56FA64D2}" type="pres">
+      <dgm:prSet presAssocID="{8DBD821B-0FD6-4B52-B079-003F288E5D34}" presName="hierChild4" presStyleCnt="0"/>
+      <dgm:spPr/>
+      <dgm:t>
+        <a:bodyPr/>
+        <a:lstStyle/>
+        <a:p>
+          <a:endParaRPr lang="fr-FR"/>
+        </a:p>
+      </dgm:t>
+    </dgm:pt>
+    <dgm:pt modelId="{B1B57271-591F-4C30-B408-C9C54B294FF6}" type="pres">
+      <dgm:prSet presAssocID="{8DBD821B-0FD6-4B52-B079-003F288E5D34}" presName="hierChild5" presStyleCnt="0"/>
+      <dgm:spPr/>
+      <dgm:t>
+        <a:bodyPr/>
+        <a:lstStyle/>
+        <a:p>
+          <a:endParaRPr lang="fr-FR"/>
+        </a:p>
+      </dgm:t>
+    </dgm:pt>
+    <dgm:pt modelId="{31D35D76-771E-4FDE-BA75-EC484194EBC2}" type="pres">
+      <dgm:prSet presAssocID="{208E881D-F644-4D49-A298-3B1E9EF27ED3}" presName="Name37" presStyleLbl="parChTrans1D2" presStyleIdx="1" presStyleCnt="4"/>
+      <dgm:spPr/>
+      <dgm:t>
+        <a:bodyPr/>
+        <a:lstStyle/>
+        <a:p>
+          <a:endParaRPr lang="fr-FR"/>
+        </a:p>
+      </dgm:t>
+    </dgm:pt>
+    <dgm:pt modelId="{F0B0184B-4452-4BBC-AEED-E0885D589958}" type="pres">
+      <dgm:prSet presAssocID="{5AA3635A-3E57-4753-8FEA-4F1BB995E080}" presName="hierRoot2" presStyleCnt="0">
+        <dgm:presLayoutVars>
+          <dgm:hierBranch val="init"/>
+        </dgm:presLayoutVars>
+      </dgm:prSet>
+      <dgm:spPr/>
+      <dgm:t>
+        <a:bodyPr/>
+        <a:lstStyle/>
+        <a:p>
+          <a:endParaRPr lang="fr-FR"/>
+        </a:p>
+      </dgm:t>
+    </dgm:pt>
+    <dgm:pt modelId="{56A843C0-8954-4D6E-8CBC-9CB43C0C5EB1}" type="pres">
+      <dgm:prSet presAssocID="{5AA3635A-3E57-4753-8FEA-4F1BB995E080}" presName="rootComposite" presStyleCnt="0"/>
+      <dgm:spPr/>
+      <dgm:t>
+        <a:bodyPr/>
+        <a:lstStyle/>
+        <a:p>
+          <a:endParaRPr lang="fr-FR"/>
+        </a:p>
+      </dgm:t>
+    </dgm:pt>
+    <dgm:pt modelId="{F522147D-7926-4BE8-A844-0FB48C50D80C}" type="pres">
+      <dgm:prSet presAssocID="{5AA3635A-3E57-4753-8FEA-4F1BB995E080}" presName="rootText" presStyleLbl="node1" presStyleIdx="1" presStyleCnt="4">
+        <dgm:presLayoutVars>
+          <dgm:chMax/>
+          <dgm:chPref val="3"/>
+        </dgm:presLayoutVars>
+      </dgm:prSet>
+      <dgm:spPr/>
+      <dgm:t>
+        <a:bodyPr/>
+        <a:lstStyle/>
+        <a:p>
+          <a:endParaRPr lang="fr-FR"/>
+        </a:p>
+      </dgm:t>
+    </dgm:pt>
+    <dgm:pt modelId="{BDDE5DF6-64AC-499B-A204-5D73CD5189A5}" type="pres">
+      <dgm:prSet presAssocID="{5AA3635A-3E57-4753-8FEA-4F1BB995E080}" presName="titleText2" presStyleLbl="fgAcc1" presStyleIdx="1" presStyleCnt="4">
+        <dgm:presLayoutVars>
+          <dgm:chMax val="0"/>
+          <dgm:chPref val="0"/>
+        </dgm:presLayoutVars>
+      </dgm:prSet>
+      <dgm:spPr/>
+      <dgm:t>
+        <a:bodyPr/>
+        <a:lstStyle/>
+        <a:p>
+          <a:endParaRPr lang="fr-FR"/>
+        </a:p>
+      </dgm:t>
+    </dgm:pt>
+    <dgm:pt modelId="{A494DB84-18EF-4FF7-B085-5696CA70A4F2}" type="pres">
+      <dgm:prSet presAssocID="{5AA3635A-3E57-4753-8FEA-4F1BB995E080}" presName="rootConnector" presStyleLbl="node2" presStyleIdx="0" presStyleCnt="0"/>
+      <dgm:spPr/>
+      <dgm:t>
+        <a:bodyPr/>
+        <a:lstStyle/>
+        <a:p>
+          <a:endParaRPr lang="fr-FR"/>
+        </a:p>
+      </dgm:t>
+    </dgm:pt>
+    <dgm:pt modelId="{68CA8A6F-2CBD-4F61-BD7A-3F46652E4400}" type="pres">
+      <dgm:prSet presAssocID="{5AA3635A-3E57-4753-8FEA-4F1BB995E080}" presName="hierChild4" presStyleCnt="0"/>
+      <dgm:spPr/>
+      <dgm:t>
+        <a:bodyPr/>
+        <a:lstStyle/>
+        <a:p>
+          <a:endParaRPr lang="fr-FR"/>
+        </a:p>
+      </dgm:t>
+    </dgm:pt>
+    <dgm:pt modelId="{5AD5EF1F-18A5-4FEF-97A6-13B66D453DF1}" type="pres">
+      <dgm:prSet presAssocID="{5AA3635A-3E57-4753-8FEA-4F1BB995E080}" presName="hierChild5" presStyleCnt="0"/>
+      <dgm:spPr/>
+      <dgm:t>
+        <a:bodyPr/>
+        <a:lstStyle/>
+        <a:p>
+          <a:endParaRPr lang="fr-FR"/>
+        </a:p>
+      </dgm:t>
+    </dgm:pt>
+    <dgm:pt modelId="{4A968BB4-BA07-4A5B-A53B-F2957ABC86FB}" type="pres">
+      <dgm:prSet presAssocID="{54A889A0-A444-42E4-8DC8-3A10AF9A3814}" presName="Name37" presStyleLbl="parChTrans1D2" presStyleIdx="2" presStyleCnt="4"/>
+      <dgm:spPr/>
+      <dgm:t>
+        <a:bodyPr/>
+        <a:lstStyle/>
+        <a:p>
+          <a:endParaRPr lang="fr-FR"/>
+        </a:p>
+      </dgm:t>
+    </dgm:pt>
+    <dgm:pt modelId="{83180E0A-F0FD-451A-B525-5966DA3095D1}" type="pres">
+      <dgm:prSet presAssocID="{DF382519-7BCD-4B76-9A15-EC2CE8177DE6}" presName="hierRoot2" presStyleCnt="0">
+        <dgm:presLayoutVars>
+          <dgm:hierBranch val="init"/>
+        </dgm:presLayoutVars>
+      </dgm:prSet>
+      <dgm:spPr/>
+      <dgm:t>
+        <a:bodyPr/>
+        <a:lstStyle/>
+        <a:p>
+          <a:endParaRPr lang="fr-FR"/>
+        </a:p>
+      </dgm:t>
+    </dgm:pt>
+    <dgm:pt modelId="{961BC7A3-F5B5-4220-9517-AB831E988473}" type="pres">
+      <dgm:prSet presAssocID="{DF382519-7BCD-4B76-9A15-EC2CE8177DE6}" presName="rootComposite" presStyleCnt="0"/>
+      <dgm:spPr/>
+      <dgm:t>
+        <a:bodyPr/>
+        <a:lstStyle/>
+        <a:p>
+          <a:endParaRPr lang="fr-FR"/>
+        </a:p>
+      </dgm:t>
+    </dgm:pt>
+    <dgm:pt modelId="{5662567F-F7A3-40C3-B265-EF28650FB1CC}" type="pres">
+      <dgm:prSet presAssocID="{DF382519-7BCD-4B76-9A15-EC2CE8177DE6}" presName="rootText" presStyleLbl="node1" presStyleIdx="2" presStyleCnt="4">
+        <dgm:presLayoutVars>
+          <dgm:chMax/>
+          <dgm:chPref val="3"/>
+        </dgm:presLayoutVars>
+      </dgm:prSet>
+      <dgm:spPr/>
+      <dgm:t>
+        <a:bodyPr/>
+        <a:lstStyle/>
+        <a:p>
+          <a:endParaRPr lang="fr-FR"/>
+        </a:p>
+      </dgm:t>
+    </dgm:pt>
+    <dgm:pt modelId="{0E9E0690-608D-4BF4-8CCF-3E5EC47EB681}" type="pres">
+      <dgm:prSet presAssocID="{DF382519-7BCD-4B76-9A15-EC2CE8177DE6}" presName="titleText2" presStyleLbl="fgAcc1" presStyleIdx="2" presStyleCnt="4">
+        <dgm:presLayoutVars>
+          <dgm:chMax val="0"/>
+          <dgm:chPref val="0"/>
+        </dgm:presLayoutVars>
+      </dgm:prSet>
+      <dgm:spPr/>
+      <dgm:t>
+        <a:bodyPr/>
+        <a:lstStyle/>
+        <a:p>
+          <a:endParaRPr lang="fr-FR"/>
+        </a:p>
+      </dgm:t>
+    </dgm:pt>
+    <dgm:pt modelId="{8E7A81BB-71BB-4C22-A81D-6D4470329481}" type="pres">
+      <dgm:prSet presAssocID="{DF382519-7BCD-4B76-9A15-EC2CE8177DE6}" presName="rootConnector" presStyleLbl="node2" presStyleIdx="0" presStyleCnt="0"/>
+      <dgm:spPr/>
+      <dgm:t>
+        <a:bodyPr/>
+        <a:lstStyle/>
+        <a:p>
+          <a:endParaRPr lang="fr-FR"/>
+        </a:p>
+      </dgm:t>
+    </dgm:pt>
+    <dgm:pt modelId="{C2006D9B-0033-4F92-87DE-07489A5B8BE5}" type="pres">
+      <dgm:prSet presAssocID="{DF382519-7BCD-4B76-9A15-EC2CE8177DE6}" presName="hierChild4" presStyleCnt="0"/>
+      <dgm:spPr/>
+      <dgm:t>
+        <a:bodyPr/>
+        <a:lstStyle/>
+        <a:p>
+          <a:endParaRPr lang="fr-FR"/>
+        </a:p>
+      </dgm:t>
+    </dgm:pt>
+    <dgm:pt modelId="{53281A61-F9AE-4AD3-8A72-9D159D127649}" type="pres">
+      <dgm:prSet presAssocID="{DF382519-7BCD-4B76-9A15-EC2CE8177DE6}" presName="hierChild5" presStyleCnt="0"/>
+      <dgm:spPr/>
+      <dgm:t>
+        <a:bodyPr/>
+        <a:lstStyle/>
+        <a:p>
+          <a:endParaRPr lang="fr-FR"/>
+        </a:p>
+      </dgm:t>
+    </dgm:pt>
+    <dgm:pt modelId="{C690D0CD-7211-42BB-BA22-C909A7CA1954}" type="pres">
+      <dgm:prSet presAssocID="{CC8B3E05-5128-4B0E-B625-87C5E5106321}" presName="Name37" presStyleLbl="parChTrans1D2" presStyleIdx="3" presStyleCnt="4"/>
+      <dgm:spPr/>
+      <dgm:t>
+        <a:bodyPr/>
+        <a:lstStyle/>
+        <a:p>
+          <a:endParaRPr lang="fr-FR"/>
+        </a:p>
+      </dgm:t>
+    </dgm:pt>
+    <dgm:pt modelId="{26E6CB5E-B50B-40BB-BF7C-AA19BD42A711}" type="pres">
+      <dgm:prSet presAssocID="{7CC6FC0E-3E56-4DFB-8554-F6503FD2ABFB}" presName="hierRoot2" presStyleCnt="0">
+        <dgm:presLayoutVars>
+          <dgm:hierBranch val="init"/>
+        </dgm:presLayoutVars>
+      </dgm:prSet>
+      <dgm:spPr/>
+      <dgm:t>
+        <a:bodyPr/>
+        <a:lstStyle/>
+        <a:p>
+          <a:endParaRPr lang="fr-FR"/>
+        </a:p>
+      </dgm:t>
+    </dgm:pt>
+    <dgm:pt modelId="{0CBEB078-DF1A-434F-9CF3-83D99B406695}" type="pres">
+      <dgm:prSet presAssocID="{7CC6FC0E-3E56-4DFB-8554-F6503FD2ABFB}" presName="rootComposite" presStyleCnt="0"/>
+      <dgm:spPr/>
+      <dgm:t>
+        <a:bodyPr/>
+        <a:lstStyle/>
+        <a:p>
+          <a:endParaRPr lang="fr-FR"/>
+        </a:p>
+      </dgm:t>
+    </dgm:pt>
+    <dgm:pt modelId="{96FA1259-64E4-404F-B34D-D3DE19F6B678}" type="pres">
+      <dgm:prSet presAssocID="{7CC6FC0E-3E56-4DFB-8554-F6503FD2ABFB}" presName="rootText" presStyleLbl="node1" presStyleIdx="3" presStyleCnt="4">
+        <dgm:presLayoutVars>
+          <dgm:chMax/>
+          <dgm:chPref val="3"/>
+        </dgm:presLayoutVars>
+      </dgm:prSet>
+      <dgm:spPr/>
+      <dgm:t>
+        <a:bodyPr/>
+        <a:lstStyle/>
+        <a:p>
+          <a:endParaRPr lang="fr-FR"/>
+        </a:p>
+      </dgm:t>
+    </dgm:pt>
+    <dgm:pt modelId="{A8EA838F-3B0C-4F99-BFF0-CFB047931BD1}" type="pres">
+      <dgm:prSet presAssocID="{7CC6FC0E-3E56-4DFB-8554-F6503FD2ABFB}" presName="titleText2" presStyleLbl="fgAcc1" presStyleIdx="3" presStyleCnt="4">
+        <dgm:presLayoutVars>
+          <dgm:chMax val="0"/>
+          <dgm:chPref val="0"/>
+        </dgm:presLayoutVars>
+      </dgm:prSet>
+      <dgm:spPr/>
+      <dgm:t>
+        <a:bodyPr/>
+        <a:lstStyle/>
+        <a:p>
+          <a:endParaRPr lang="fr-FR"/>
+        </a:p>
+      </dgm:t>
+    </dgm:pt>
+    <dgm:pt modelId="{2FCD1CC5-FC37-42C0-9950-9BCB82E15293}" type="pres">
+      <dgm:prSet presAssocID="{7CC6FC0E-3E56-4DFB-8554-F6503FD2ABFB}" presName="rootConnector" presStyleLbl="node2" presStyleIdx="0" presStyleCnt="0"/>
+      <dgm:spPr/>
+      <dgm:t>
+        <a:bodyPr/>
+        <a:lstStyle/>
+        <a:p>
+          <a:endParaRPr lang="fr-FR"/>
+        </a:p>
+      </dgm:t>
+    </dgm:pt>
+    <dgm:pt modelId="{4A143AED-2320-4209-9054-43447B9E8F71}" type="pres">
+      <dgm:prSet presAssocID="{7CC6FC0E-3E56-4DFB-8554-F6503FD2ABFB}" presName="hierChild4" presStyleCnt="0"/>
+      <dgm:spPr/>
+      <dgm:t>
+        <a:bodyPr/>
+        <a:lstStyle/>
+        <a:p>
+          <a:endParaRPr lang="fr-FR"/>
+        </a:p>
+      </dgm:t>
+    </dgm:pt>
+    <dgm:pt modelId="{AFE8C4CE-D09E-44C2-913C-CFBBFBCCE4E5}" type="pres">
+      <dgm:prSet presAssocID="{7CC6FC0E-3E56-4DFB-8554-F6503FD2ABFB}" presName="hierChild5" presStyleCnt="0"/>
+      <dgm:spPr/>
+      <dgm:t>
+        <a:bodyPr/>
+        <a:lstStyle/>
+        <a:p>
+          <a:endParaRPr lang="fr-FR"/>
+        </a:p>
+      </dgm:t>
+    </dgm:pt>
+    <dgm:pt modelId="{EFECC9A4-6E9F-4AD2-8C5E-8A344DEA0ED0}" type="pres">
+      <dgm:prSet presAssocID="{031F03A1-D11D-426A-A91F-A1838446D945}" presName="hierChild3" presStyleCnt="0"/>
+      <dgm:spPr/>
+      <dgm:t>
+        <a:bodyPr/>
+        <a:lstStyle/>
+        <a:p>
+          <a:endParaRPr lang="fr-FR"/>
+        </a:p>
+      </dgm:t>
+    </dgm:pt>
+  </dgm:ptLst>
+  <dgm:cxnLst>
+    <dgm:cxn modelId="{B7A40C92-EA8D-4086-9E10-14D88E0D91C8}" type="presOf" srcId="{E08328F8-73AC-44B9-A528-2A20E2BB73B8}" destId="{113EA813-3BA6-403B-BFBC-C6C029177D40}" srcOrd="0" destOrd="0" presId="urn:microsoft.com/office/officeart/2008/layout/NameandTitleOrganizationalChart"/>
+    <dgm:cxn modelId="{70A6D11C-8555-4E5F-AD68-FCA75662C906}" srcId="{B09FE774-3F9D-4DF1-BC83-1B2D4BDE4114}" destId="{031F03A1-D11D-426A-A91F-A1838446D945}" srcOrd="0" destOrd="0" parTransId="{F212F318-3366-4E87-8137-4313CF783753}" sibTransId="{E08328F8-73AC-44B9-A528-2A20E2BB73B8}"/>
+    <dgm:cxn modelId="{396F3C76-0B61-4675-8C23-0BB3D40CD6F3}" type="presOf" srcId="{CC8B3E05-5128-4B0E-B625-87C5E5106321}" destId="{C690D0CD-7211-42BB-BA22-C909A7CA1954}" srcOrd="0" destOrd="0" presId="urn:microsoft.com/office/officeart/2008/layout/NameandTitleOrganizationalChart"/>
+    <dgm:cxn modelId="{A86ACE3E-4D51-4A54-B12A-72234DAA48B2}" type="presOf" srcId="{7CC6FC0E-3E56-4DFB-8554-F6503FD2ABFB}" destId="{2FCD1CC5-FC37-42C0-9950-9BCB82E15293}" srcOrd="1" destOrd="0" presId="urn:microsoft.com/office/officeart/2008/layout/NameandTitleOrganizationalChart"/>
+    <dgm:cxn modelId="{201C5992-4366-4A90-98E6-887C3630B11D}" type="presOf" srcId="{1A528B00-6AE1-4ABD-8D5B-17919833341D}" destId="{809562EB-4A18-496D-99D9-E0B60B4EAEA5}" srcOrd="0" destOrd="0" presId="urn:microsoft.com/office/officeart/2008/layout/NameandTitleOrganizationalChart"/>
+    <dgm:cxn modelId="{17304BC9-34FC-4AE9-B00E-6C6859103AEA}" type="presOf" srcId="{B09FE774-3F9D-4DF1-BC83-1B2D4BDE4114}" destId="{586A4E3F-B436-4E27-B3F0-40AA61BCC1A3}" srcOrd="0" destOrd="0" presId="urn:microsoft.com/office/officeart/2008/layout/NameandTitleOrganizationalChart"/>
+    <dgm:cxn modelId="{DDC5BBE1-214E-4421-93F1-EDC6B29C7F64}" type="presOf" srcId="{7CC6FC0E-3E56-4DFB-8554-F6503FD2ABFB}" destId="{96FA1259-64E4-404F-B34D-D3DE19F6B678}" srcOrd="0" destOrd="0" presId="urn:microsoft.com/office/officeart/2008/layout/NameandTitleOrganizationalChart"/>
+    <dgm:cxn modelId="{1EF98BF2-8D96-43E0-8FAA-7787E12B8A7E}" type="presOf" srcId="{031F03A1-D11D-426A-A91F-A1838446D945}" destId="{E84267ED-E17E-48CB-9BFE-4B01A635313F}" srcOrd="1" destOrd="0" presId="urn:microsoft.com/office/officeart/2008/layout/NameandTitleOrganizationalChart"/>
+    <dgm:cxn modelId="{DEEAEBD6-4828-46A2-9DBC-7D5C2E3EA851}" srcId="{031F03A1-D11D-426A-A91F-A1838446D945}" destId="{5AA3635A-3E57-4753-8FEA-4F1BB995E080}" srcOrd="1" destOrd="0" parTransId="{208E881D-F644-4D49-A298-3B1E9EF27ED3}" sibTransId="{E4FE5431-22CA-4AEA-913E-E7226B8FA659}"/>
+    <dgm:cxn modelId="{0DB89A0A-FA09-4B1D-883F-9A92C591217C}" type="presOf" srcId="{E4FE5431-22CA-4AEA-913E-E7226B8FA659}" destId="{BDDE5DF6-64AC-499B-A204-5D73CD5189A5}" srcOrd="0" destOrd="0" presId="urn:microsoft.com/office/officeart/2008/layout/NameandTitleOrganizationalChart"/>
+    <dgm:cxn modelId="{572F320D-2F13-4B87-B73A-C64F670DDD7D}" srcId="{031F03A1-D11D-426A-A91F-A1838446D945}" destId="{7CC6FC0E-3E56-4DFB-8554-F6503FD2ABFB}" srcOrd="3" destOrd="0" parTransId="{CC8B3E05-5128-4B0E-B625-87C5E5106321}" sibTransId="{22012B92-4D3B-4DFC-ADE4-AD48761BC057}"/>
+    <dgm:cxn modelId="{18A9C787-27E3-4ED7-A604-BD8FCB6AE99C}" srcId="{031F03A1-D11D-426A-A91F-A1838446D945}" destId="{8DBD821B-0FD6-4B52-B079-003F288E5D34}" srcOrd="0" destOrd="0" parTransId="{B35AC538-A515-417B-B7F9-1B9646A739CD}" sibTransId="{1A528B00-6AE1-4ABD-8D5B-17919833341D}"/>
+    <dgm:cxn modelId="{807C6E2C-01E2-4A58-868E-2423B7D37B31}" type="presOf" srcId="{DF382519-7BCD-4B76-9A15-EC2CE8177DE6}" destId="{8E7A81BB-71BB-4C22-A81D-6D4470329481}" srcOrd="1" destOrd="0" presId="urn:microsoft.com/office/officeart/2008/layout/NameandTitleOrganizationalChart"/>
+    <dgm:cxn modelId="{849A7319-54B2-463B-94E6-6C839D9945FE}" type="presOf" srcId="{5AA3635A-3E57-4753-8FEA-4F1BB995E080}" destId="{A494DB84-18EF-4FF7-B085-5696CA70A4F2}" srcOrd="1" destOrd="0" presId="urn:microsoft.com/office/officeart/2008/layout/NameandTitleOrganizationalChart"/>
+    <dgm:cxn modelId="{1CDCC76B-1181-426A-9E89-3FF31F478B27}" type="presOf" srcId="{8DBD821B-0FD6-4B52-B079-003F288E5D34}" destId="{5676D32F-1CE3-4176-81F2-A39E244B0416}" srcOrd="0" destOrd="0" presId="urn:microsoft.com/office/officeart/2008/layout/NameandTitleOrganizationalChart"/>
+    <dgm:cxn modelId="{719F61BD-4FEF-400B-A04D-216DFD020427}" type="presOf" srcId="{5AA3635A-3E57-4753-8FEA-4F1BB995E080}" destId="{F522147D-7926-4BE8-A844-0FB48C50D80C}" srcOrd="0" destOrd="0" presId="urn:microsoft.com/office/officeart/2008/layout/NameandTitleOrganizationalChart"/>
+    <dgm:cxn modelId="{1C866EC1-5335-4BEF-9BEF-5550E67003F6}" type="presOf" srcId="{DF382519-7BCD-4B76-9A15-EC2CE8177DE6}" destId="{5662567F-F7A3-40C3-B265-EF28650FB1CC}" srcOrd="0" destOrd="0" presId="urn:microsoft.com/office/officeart/2008/layout/NameandTitleOrganizationalChart"/>
+    <dgm:cxn modelId="{C8DB2DF9-C812-4ED6-ABF2-83609C88DE04}" type="presOf" srcId="{22012B92-4D3B-4DFC-ADE4-AD48761BC057}" destId="{A8EA838F-3B0C-4F99-BFF0-CFB047931BD1}" srcOrd="0" destOrd="0" presId="urn:microsoft.com/office/officeart/2008/layout/NameandTitleOrganizationalChart"/>
+    <dgm:cxn modelId="{4749B853-3562-4788-AA4E-892698C0FF75}" type="presOf" srcId="{54A889A0-A444-42E4-8DC8-3A10AF9A3814}" destId="{4A968BB4-BA07-4A5B-A53B-F2957ABC86FB}" srcOrd="0" destOrd="0" presId="urn:microsoft.com/office/officeart/2008/layout/NameandTitleOrganizationalChart"/>
+    <dgm:cxn modelId="{BC04EF43-D439-4687-83CF-CFC9BDBA623E}" srcId="{031F03A1-D11D-426A-A91F-A1838446D945}" destId="{DF382519-7BCD-4B76-9A15-EC2CE8177DE6}" srcOrd="2" destOrd="0" parTransId="{54A889A0-A444-42E4-8DC8-3A10AF9A3814}" sibTransId="{EB0E38B7-1918-42E9-9670-E7466CE99D19}"/>
+    <dgm:cxn modelId="{2764B3C5-C994-4C01-A8BE-018988502C79}" type="presOf" srcId="{208E881D-F644-4D49-A298-3B1E9EF27ED3}" destId="{31D35D76-771E-4FDE-BA75-EC484194EBC2}" srcOrd="0" destOrd="0" presId="urn:microsoft.com/office/officeart/2008/layout/NameandTitleOrganizationalChart"/>
+    <dgm:cxn modelId="{6281C386-20CB-46B8-914C-8C9C0F1EA2FF}" type="presOf" srcId="{EB0E38B7-1918-42E9-9670-E7466CE99D19}" destId="{0E9E0690-608D-4BF4-8CCF-3E5EC47EB681}" srcOrd="0" destOrd="0" presId="urn:microsoft.com/office/officeart/2008/layout/NameandTitleOrganizationalChart"/>
+    <dgm:cxn modelId="{D90259B5-2A19-403E-AAED-98BEFE4E93D6}" type="presOf" srcId="{8DBD821B-0FD6-4B52-B079-003F288E5D34}" destId="{9746671F-44E9-4CCD-A408-F9B238BBA523}" srcOrd="1" destOrd="0" presId="urn:microsoft.com/office/officeart/2008/layout/NameandTitleOrganizationalChart"/>
+    <dgm:cxn modelId="{04A1A8D9-90A7-458A-94B8-A05344791FCD}" type="presOf" srcId="{031F03A1-D11D-426A-A91F-A1838446D945}" destId="{153DF482-9B63-4F22-A2E6-E0985D657AE7}" srcOrd="0" destOrd="0" presId="urn:microsoft.com/office/officeart/2008/layout/NameandTitleOrganizationalChart"/>
+    <dgm:cxn modelId="{51949015-4319-4CDA-9C8E-837594DEC0E0}" type="presOf" srcId="{B35AC538-A515-417B-B7F9-1B9646A739CD}" destId="{095703D4-98CA-460D-B2F6-CA110B625919}" srcOrd="0" destOrd="0" presId="urn:microsoft.com/office/officeart/2008/layout/NameandTitleOrganizationalChart"/>
+    <dgm:cxn modelId="{02F6C130-2245-4A37-A685-AEE6E2CD984D}" type="presParOf" srcId="{586A4E3F-B436-4E27-B3F0-40AA61BCC1A3}" destId="{B5400788-F81C-4106-AC39-BC11E04FBE40}" srcOrd="0" destOrd="0" presId="urn:microsoft.com/office/officeart/2008/layout/NameandTitleOrganizationalChart"/>
+    <dgm:cxn modelId="{C30543B9-D1AB-4E19-A418-840FF716856A}" type="presParOf" srcId="{B5400788-F81C-4106-AC39-BC11E04FBE40}" destId="{426E7B4E-947D-4381-8980-DCC81EC6AA45}" srcOrd="0" destOrd="0" presId="urn:microsoft.com/office/officeart/2008/layout/NameandTitleOrganizationalChart"/>
+    <dgm:cxn modelId="{CF77B64D-7512-4FB5-9D4A-9283BBB7D010}" type="presParOf" srcId="{426E7B4E-947D-4381-8980-DCC81EC6AA45}" destId="{153DF482-9B63-4F22-A2E6-E0985D657AE7}" srcOrd="0" destOrd="0" presId="urn:microsoft.com/office/officeart/2008/layout/NameandTitleOrganizationalChart"/>
+    <dgm:cxn modelId="{7A8FBA72-94E4-46DC-B8E2-D504D920E839}" type="presParOf" srcId="{426E7B4E-947D-4381-8980-DCC81EC6AA45}" destId="{113EA813-3BA6-403B-BFBC-C6C029177D40}" srcOrd="1" destOrd="0" presId="urn:microsoft.com/office/officeart/2008/layout/NameandTitleOrganizationalChart"/>
+    <dgm:cxn modelId="{6925EC47-0C1C-4149-BD19-276FF4B5AB31}" type="presParOf" srcId="{426E7B4E-947D-4381-8980-DCC81EC6AA45}" destId="{E84267ED-E17E-48CB-9BFE-4B01A635313F}" srcOrd="2" destOrd="0" presId="urn:microsoft.com/office/officeart/2008/layout/NameandTitleOrganizationalChart"/>
+    <dgm:cxn modelId="{C789346D-4C2B-4400-AABC-A4FB292C8CEA}" type="presParOf" srcId="{B5400788-F81C-4106-AC39-BC11E04FBE40}" destId="{F1EFDF07-38B4-4DBA-A6E8-49F15D01F9CC}" srcOrd="1" destOrd="0" presId="urn:microsoft.com/office/officeart/2008/layout/NameandTitleOrganizationalChart"/>
+    <dgm:cxn modelId="{D77D03B5-6E5A-4834-AEDA-72786EEB0CA6}" type="presParOf" srcId="{F1EFDF07-38B4-4DBA-A6E8-49F15D01F9CC}" destId="{095703D4-98CA-460D-B2F6-CA110B625919}" srcOrd="0" destOrd="0" presId="urn:microsoft.com/office/officeart/2008/layout/NameandTitleOrganizationalChart"/>
+    <dgm:cxn modelId="{BE30C9BB-4A3D-4E20-A179-C676F5D9F607}" type="presParOf" srcId="{F1EFDF07-38B4-4DBA-A6E8-49F15D01F9CC}" destId="{2F50F1E3-2868-4BD0-A012-516919C30126}" srcOrd="1" destOrd="0" presId="urn:microsoft.com/office/officeart/2008/layout/NameandTitleOrganizationalChart"/>
+    <dgm:cxn modelId="{B293E873-F23D-495C-9FCC-3B975CDA8986}" type="presParOf" srcId="{2F50F1E3-2868-4BD0-A012-516919C30126}" destId="{0757D19A-AAD2-4DFA-BE92-F10EB5A8B25C}" srcOrd="0" destOrd="0" presId="urn:microsoft.com/office/officeart/2008/layout/NameandTitleOrganizationalChart"/>
+    <dgm:cxn modelId="{87B58540-B7F0-495C-BEEB-80438D783EBF}" type="presParOf" srcId="{0757D19A-AAD2-4DFA-BE92-F10EB5A8B25C}" destId="{5676D32F-1CE3-4176-81F2-A39E244B0416}" srcOrd="0" destOrd="0" presId="urn:microsoft.com/office/officeart/2008/layout/NameandTitleOrganizationalChart"/>
+    <dgm:cxn modelId="{AAD5B730-60DA-4AB6-BD6D-5E05474E4E03}" type="presParOf" srcId="{0757D19A-AAD2-4DFA-BE92-F10EB5A8B25C}" destId="{809562EB-4A18-496D-99D9-E0B60B4EAEA5}" srcOrd="1" destOrd="0" presId="urn:microsoft.com/office/officeart/2008/layout/NameandTitleOrganizationalChart"/>
+    <dgm:cxn modelId="{A518F73A-A040-4EA0-9711-AF67CC4E7B92}" type="presParOf" srcId="{0757D19A-AAD2-4DFA-BE92-F10EB5A8B25C}" destId="{9746671F-44E9-4CCD-A408-F9B238BBA523}" srcOrd="2" destOrd="0" presId="urn:microsoft.com/office/officeart/2008/layout/NameandTitleOrganizationalChart"/>
+    <dgm:cxn modelId="{91C90B76-C9BD-43B5-A24C-5BF82E3F9F1A}" type="presParOf" srcId="{2F50F1E3-2868-4BD0-A012-516919C30126}" destId="{7B51A319-379C-4AB2-83EB-C74F56FA64D2}" srcOrd="1" destOrd="0" presId="urn:microsoft.com/office/officeart/2008/layout/NameandTitleOrganizationalChart"/>
+    <dgm:cxn modelId="{474E2613-916B-46AB-99F7-34064EFFDE88}" type="presParOf" srcId="{2F50F1E3-2868-4BD0-A012-516919C30126}" destId="{B1B57271-591F-4C30-B408-C9C54B294FF6}" srcOrd="2" destOrd="0" presId="urn:microsoft.com/office/officeart/2008/layout/NameandTitleOrganizationalChart"/>
+    <dgm:cxn modelId="{6EE7269F-8EAE-425E-8E4D-34B22E39823D}" type="presParOf" srcId="{F1EFDF07-38B4-4DBA-A6E8-49F15D01F9CC}" destId="{31D35D76-771E-4FDE-BA75-EC484194EBC2}" srcOrd="2" destOrd="0" presId="urn:microsoft.com/office/officeart/2008/layout/NameandTitleOrganizationalChart"/>
+    <dgm:cxn modelId="{AD615B44-E0FD-49E4-8032-FFDA9DC3568F}" type="presParOf" srcId="{F1EFDF07-38B4-4DBA-A6E8-49F15D01F9CC}" destId="{F0B0184B-4452-4BBC-AEED-E0885D589958}" srcOrd="3" destOrd="0" presId="urn:microsoft.com/office/officeart/2008/layout/NameandTitleOrganizationalChart"/>
+    <dgm:cxn modelId="{9DFA13D4-D368-468F-AF1A-5AD761DAC2D7}" type="presParOf" srcId="{F0B0184B-4452-4BBC-AEED-E0885D589958}" destId="{56A843C0-8954-4D6E-8CBC-9CB43C0C5EB1}" srcOrd="0" destOrd="0" presId="urn:microsoft.com/office/officeart/2008/layout/NameandTitleOrganizationalChart"/>
+    <dgm:cxn modelId="{FEE38757-00BB-4353-94B9-547D941694D1}" type="presParOf" srcId="{56A843C0-8954-4D6E-8CBC-9CB43C0C5EB1}" destId="{F522147D-7926-4BE8-A844-0FB48C50D80C}" srcOrd="0" destOrd="0" presId="urn:microsoft.com/office/officeart/2008/layout/NameandTitleOrganizationalChart"/>
+    <dgm:cxn modelId="{54C630A0-2E9C-459D-BC25-848C69EF3CC7}" type="presParOf" srcId="{56A843C0-8954-4D6E-8CBC-9CB43C0C5EB1}" destId="{BDDE5DF6-64AC-499B-A204-5D73CD5189A5}" srcOrd="1" destOrd="0" presId="urn:microsoft.com/office/officeart/2008/layout/NameandTitleOrganizationalChart"/>
+    <dgm:cxn modelId="{6DCE88EB-E285-4A9A-9272-95F36FC0C007}" type="presParOf" srcId="{56A843C0-8954-4D6E-8CBC-9CB43C0C5EB1}" destId="{A494DB84-18EF-4FF7-B085-5696CA70A4F2}" srcOrd="2" destOrd="0" presId="urn:microsoft.com/office/officeart/2008/layout/NameandTitleOrganizationalChart"/>
+    <dgm:cxn modelId="{E695193B-1145-4034-8C87-9BD5D8B02EC3}" type="presParOf" srcId="{F0B0184B-4452-4BBC-AEED-E0885D589958}" destId="{68CA8A6F-2CBD-4F61-BD7A-3F46652E4400}" srcOrd="1" destOrd="0" presId="urn:microsoft.com/office/officeart/2008/layout/NameandTitleOrganizationalChart"/>
+    <dgm:cxn modelId="{2836DEFB-801E-4C8D-B5B0-5A4D793ADF5A}" type="presParOf" srcId="{F0B0184B-4452-4BBC-AEED-E0885D589958}" destId="{5AD5EF1F-18A5-4FEF-97A6-13B66D453DF1}" srcOrd="2" destOrd="0" presId="urn:microsoft.com/office/officeart/2008/layout/NameandTitleOrganizationalChart"/>
+    <dgm:cxn modelId="{41F1B17D-06BB-461C-BFCB-71DFC3182468}" type="presParOf" srcId="{F1EFDF07-38B4-4DBA-A6E8-49F15D01F9CC}" destId="{4A968BB4-BA07-4A5B-A53B-F2957ABC86FB}" srcOrd="4" destOrd="0" presId="urn:microsoft.com/office/officeart/2008/layout/NameandTitleOrganizationalChart"/>
+    <dgm:cxn modelId="{E6FF1D2D-BE5B-4317-95A5-FC8BBE55E717}" type="presParOf" srcId="{F1EFDF07-38B4-4DBA-A6E8-49F15D01F9CC}" destId="{83180E0A-F0FD-451A-B525-5966DA3095D1}" srcOrd="5" destOrd="0" presId="urn:microsoft.com/office/officeart/2008/layout/NameandTitleOrganizationalChart"/>
+    <dgm:cxn modelId="{74CF12F0-6FC3-4976-B87C-4AB14C1E1EC8}" type="presParOf" srcId="{83180E0A-F0FD-451A-B525-5966DA3095D1}" destId="{961BC7A3-F5B5-4220-9517-AB831E988473}" srcOrd="0" destOrd="0" presId="urn:microsoft.com/office/officeart/2008/layout/NameandTitleOrganizationalChart"/>
+    <dgm:cxn modelId="{464255AD-5D15-4926-80C0-A0861F2C5E34}" type="presParOf" srcId="{961BC7A3-F5B5-4220-9517-AB831E988473}" destId="{5662567F-F7A3-40C3-B265-EF28650FB1CC}" srcOrd="0" destOrd="0" presId="urn:microsoft.com/office/officeart/2008/layout/NameandTitleOrganizationalChart"/>
+    <dgm:cxn modelId="{7BE08C4C-D38C-4F1E-93FA-AF6D8716434F}" type="presParOf" srcId="{961BC7A3-F5B5-4220-9517-AB831E988473}" destId="{0E9E0690-608D-4BF4-8CCF-3E5EC47EB681}" srcOrd="1" destOrd="0" presId="urn:microsoft.com/office/officeart/2008/layout/NameandTitleOrganizationalChart"/>
+    <dgm:cxn modelId="{0033E0D1-46B7-4D2A-B68B-D1A47F89D42E}" type="presParOf" srcId="{961BC7A3-F5B5-4220-9517-AB831E988473}" destId="{8E7A81BB-71BB-4C22-A81D-6D4470329481}" srcOrd="2" destOrd="0" presId="urn:microsoft.com/office/officeart/2008/layout/NameandTitleOrganizationalChart"/>
+    <dgm:cxn modelId="{0F6D2116-BA88-413C-B041-65F5D112B78D}" type="presParOf" srcId="{83180E0A-F0FD-451A-B525-5966DA3095D1}" destId="{C2006D9B-0033-4F92-87DE-07489A5B8BE5}" srcOrd="1" destOrd="0" presId="urn:microsoft.com/office/officeart/2008/layout/NameandTitleOrganizationalChart"/>
+    <dgm:cxn modelId="{38EC04B5-7B9E-45EC-AD0F-DF7CCB7EC768}" type="presParOf" srcId="{83180E0A-F0FD-451A-B525-5966DA3095D1}" destId="{53281A61-F9AE-4AD3-8A72-9D159D127649}" srcOrd="2" destOrd="0" presId="urn:microsoft.com/office/officeart/2008/layout/NameandTitleOrganizationalChart"/>
+    <dgm:cxn modelId="{A45D1A01-A77D-416D-8177-188003B3CBD4}" type="presParOf" srcId="{F1EFDF07-38B4-4DBA-A6E8-49F15D01F9CC}" destId="{C690D0CD-7211-42BB-BA22-C909A7CA1954}" srcOrd="6" destOrd="0" presId="urn:microsoft.com/office/officeart/2008/layout/NameandTitleOrganizationalChart"/>
+    <dgm:cxn modelId="{A8C755DC-7F75-43C4-8B86-16280BFF588F}" type="presParOf" srcId="{F1EFDF07-38B4-4DBA-A6E8-49F15D01F9CC}" destId="{26E6CB5E-B50B-40BB-BF7C-AA19BD42A711}" srcOrd="7" destOrd="0" presId="urn:microsoft.com/office/officeart/2008/layout/NameandTitleOrganizationalChart"/>
+    <dgm:cxn modelId="{12138377-C346-4D96-823F-0154A3AA8CC0}" type="presParOf" srcId="{26E6CB5E-B50B-40BB-BF7C-AA19BD42A711}" destId="{0CBEB078-DF1A-434F-9CF3-83D99B406695}" srcOrd="0" destOrd="0" presId="urn:microsoft.com/office/officeart/2008/layout/NameandTitleOrganizationalChart"/>
+    <dgm:cxn modelId="{7D1E976E-2E9D-4308-8846-E250F5A8A11F}" type="presParOf" srcId="{0CBEB078-DF1A-434F-9CF3-83D99B406695}" destId="{96FA1259-64E4-404F-B34D-D3DE19F6B678}" srcOrd="0" destOrd="0" presId="urn:microsoft.com/office/officeart/2008/layout/NameandTitleOrganizationalChart"/>
+    <dgm:cxn modelId="{64CED263-FF58-4C45-97E8-FBC15B389770}" type="presParOf" srcId="{0CBEB078-DF1A-434F-9CF3-83D99B406695}" destId="{A8EA838F-3B0C-4F99-BFF0-CFB047931BD1}" srcOrd="1" destOrd="0" presId="urn:microsoft.com/office/officeart/2008/layout/NameandTitleOrganizationalChart"/>
+    <dgm:cxn modelId="{F167D7CA-FC7E-44D4-A18C-503EE177EB6E}" type="presParOf" srcId="{0CBEB078-DF1A-434F-9CF3-83D99B406695}" destId="{2FCD1CC5-FC37-42C0-9950-9BCB82E15293}" srcOrd="2" destOrd="0" presId="urn:microsoft.com/office/officeart/2008/layout/NameandTitleOrganizationalChart"/>
+    <dgm:cxn modelId="{ED25A171-8E8B-4684-96D8-A6B882581493}" type="presParOf" srcId="{26E6CB5E-B50B-40BB-BF7C-AA19BD42A711}" destId="{4A143AED-2320-4209-9054-43447B9E8F71}" srcOrd="1" destOrd="0" presId="urn:microsoft.com/office/officeart/2008/layout/NameandTitleOrganizationalChart"/>
+    <dgm:cxn modelId="{56574310-C989-4AE4-B9CA-6566954328CE}" type="presParOf" srcId="{26E6CB5E-B50B-40BB-BF7C-AA19BD42A711}" destId="{AFE8C4CE-D09E-44C2-913C-CFBBFBCCE4E5}" srcOrd="2" destOrd="0" presId="urn:microsoft.com/office/officeart/2008/layout/NameandTitleOrganizationalChart"/>
+    <dgm:cxn modelId="{02F7CFAD-2E56-4B53-9F73-433C3D31FE96}" type="presParOf" srcId="{B5400788-F81C-4106-AC39-BC11E04FBE40}" destId="{EFECC9A4-6E9F-4AD2-8C5E-8A344DEA0ED0}" srcOrd="2" destOrd="0" presId="urn:microsoft.com/office/officeart/2008/layout/NameandTitleOrganizationalChart"/>
+  </dgm:cxnLst>
+  <dgm:bg/>
+  <dgm:whole/>
+  <dgm:extLst>
+    <a:ext uri="http://schemas.microsoft.com/office/drawing/2008/diagram">
+      <dsp:dataModelExt xmlns:dsp="http://schemas.microsoft.com/office/drawing/2008/diagram" relId="rId6" minVer="http://schemas.openxmlformats.org/drawingml/2006/diagram"/>
+    </a:ext>
+  </dgm:extLst>
+</dgm:dataModel>
+</file>
+
+<file path=ppt/diagrams/drawing1.xml><?xml version="1.0" encoding="utf-8"?>
+<dsp:drawing xmlns:dgm="http://schemas.openxmlformats.org/drawingml/2006/diagram" xmlns:dsp="http://schemas.microsoft.com/office/drawing/2008/diagram" xmlns:a="http://schemas.openxmlformats.org/drawingml/2006/main">
+  <dsp:spTree>
+    <dsp:nvGrpSpPr>
+      <dsp:cNvPr id="0" name=""/>
+      <dsp:cNvGrpSpPr/>
+    </dsp:nvGrpSpPr>
+    <dsp:grpSpPr/>
+    <dsp:sp modelId="{C690D0CD-7211-42BB-BA22-C909A7CA1954}">
+      <dsp:nvSpPr>
+        <dsp:cNvPr id="0" name=""/>
+        <dsp:cNvSpPr/>
+      </dsp:nvSpPr>
+      <dsp:spPr>
+        <a:xfrm>
+          <a:off x="5077836" y="1676507"/>
+          <a:ext cx="3984630" cy="592315"/>
+        </a:xfrm>
+        <a:custGeom>
+          <a:avLst/>
+          <a:gdLst/>
+          <a:ahLst/>
+          <a:cxnLst/>
+          <a:rect l="0" t="0" r="0" b="0"/>
+          <a:pathLst>
+            <a:path>
+              <a:moveTo>
+                <a:pt x="0" y="0"/>
+              </a:moveTo>
+              <a:lnTo>
+                <a:pt x="0" y="353111"/>
+              </a:lnTo>
+              <a:lnTo>
+                <a:pt x="3984630" y="353111"/>
+              </a:lnTo>
+              <a:lnTo>
+                <a:pt x="3984630" y="592315"/>
+              </a:lnTo>
+            </a:path>
+          </a:pathLst>
+        </a:custGeom>
+        <a:noFill/>
+        <a:ln w="9525" cap="rnd" cmpd="sng" algn="ctr">
+          <a:solidFill>
+            <a:schemeClr val="accent1">
+              <a:shade val="60000"/>
+              <a:hueOff val="0"/>
+              <a:satOff val="0"/>
+              <a:lumOff val="0"/>
+              <a:alphaOff val="0"/>
+            </a:schemeClr>
+          </a:solidFill>
+          <a:prstDash val="solid"/>
+        </a:ln>
+        <a:effectLst/>
+      </dsp:spPr>
+      <dsp:style>
+        <a:lnRef idx="1">
+          <a:scrgbClr r="0" g="0" b="0"/>
+        </a:lnRef>
+        <a:fillRef idx="0">
+          <a:scrgbClr r="0" g="0" b="0"/>
+        </a:fillRef>
+        <a:effectRef idx="0">
+          <a:scrgbClr r="0" g="0" b="0"/>
+        </a:effectRef>
+        <a:fontRef idx="minor"/>
+      </dsp:style>
+    </dsp:sp>
+    <dsp:sp modelId="{4A968BB4-BA07-4A5B-A53B-F2957ABC86FB}">
+      <dsp:nvSpPr>
+        <dsp:cNvPr id="0" name=""/>
+        <dsp:cNvSpPr/>
+      </dsp:nvSpPr>
+      <dsp:spPr>
+        <a:xfrm>
+          <a:off x="5077836" y="1676507"/>
+          <a:ext cx="1328210" cy="592315"/>
+        </a:xfrm>
+        <a:custGeom>
+          <a:avLst/>
+          <a:gdLst/>
+          <a:ahLst/>
+          <a:cxnLst/>
+          <a:rect l="0" t="0" r="0" b="0"/>
+          <a:pathLst>
+            <a:path>
+              <a:moveTo>
+                <a:pt x="0" y="0"/>
+              </a:moveTo>
+              <a:lnTo>
+                <a:pt x="0" y="353111"/>
+              </a:lnTo>
+              <a:lnTo>
+                <a:pt x="1328210" y="353111"/>
+              </a:lnTo>
+              <a:lnTo>
+                <a:pt x="1328210" y="592315"/>
+              </a:lnTo>
+            </a:path>
+          </a:pathLst>
+        </a:custGeom>
+        <a:noFill/>
+        <a:ln w="9525" cap="rnd" cmpd="sng" algn="ctr">
+          <a:solidFill>
+            <a:schemeClr val="accent1">
+              <a:shade val="60000"/>
+              <a:hueOff val="0"/>
+              <a:satOff val="0"/>
+              <a:lumOff val="0"/>
+              <a:alphaOff val="0"/>
+            </a:schemeClr>
+          </a:solidFill>
+          <a:prstDash val="solid"/>
+        </a:ln>
+        <a:effectLst/>
+      </dsp:spPr>
+      <dsp:style>
+        <a:lnRef idx="1">
+          <a:scrgbClr r="0" g="0" b="0"/>
+        </a:lnRef>
+        <a:fillRef idx="0">
+          <a:scrgbClr r="0" g="0" b="0"/>
+        </a:fillRef>
+        <a:effectRef idx="0">
+          <a:scrgbClr r="0" g="0" b="0"/>
+        </a:effectRef>
+        <a:fontRef idx="minor"/>
+      </dsp:style>
+    </dsp:sp>
+    <dsp:sp modelId="{31D35D76-771E-4FDE-BA75-EC484194EBC2}">
+      <dsp:nvSpPr>
+        <dsp:cNvPr id="0" name=""/>
+        <dsp:cNvSpPr/>
+      </dsp:nvSpPr>
+      <dsp:spPr>
+        <a:xfrm>
+          <a:off x="3749626" y="1676507"/>
+          <a:ext cx="1328210" cy="592315"/>
+        </a:xfrm>
+        <a:custGeom>
+          <a:avLst/>
+          <a:gdLst/>
+          <a:ahLst/>
+          <a:cxnLst/>
+          <a:rect l="0" t="0" r="0" b="0"/>
+          <a:pathLst>
+            <a:path>
+              <a:moveTo>
+                <a:pt x="1328210" y="0"/>
+              </a:moveTo>
+              <a:lnTo>
+                <a:pt x="1328210" y="353111"/>
+              </a:lnTo>
+              <a:lnTo>
+                <a:pt x="0" y="353111"/>
+              </a:lnTo>
+              <a:lnTo>
+                <a:pt x="0" y="592315"/>
+              </a:lnTo>
+            </a:path>
+          </a:pathLst>
+        </a:custGeom>
+        <a:noFill/>
+        <a:ln w="9525" cap="rnd" cmpd="sng" algn="ctr">
+          <a:solidFill>
+            <a:schemeClr val="accent1">
+              <a:shade val="60000"/>
+              <a:hueOff val="0"/>
+              <a:satOff val="0"/>
+              <a:lumOff val="0"/>
+              <a:alphaOff val="0"/>
+            </a:schemeClr>
+          </a:solidFill>
+          <a:prstDash val="solid"/>
+        </a:ln>
+        <a:effectLst/>
+      </dsp:spPr>
+      <dsp:style>
+        <a:lnRef idx="1">
+          <a:scrgbClr r="0" g="0" b="0"/>
+        </a:lnRef>
+        <a:fillRef idx="0">
+          <a:scrgbClr r="0" g="0" b="0"/>
+        </a:fillRef>
+        <a:effectRef idx="0">
+          <a:scrgbClr r="0" g="0" b="0"/>
+        </a:effectRef>
+        <a:fontRef idx="minor"/>
+      </dsp:style>
+    </dsp:sp>
+    <dsp:sp modelId="{095703D4-98CA-460D-B2F6-CA110B625919}">
+      <dsp:nvSpPr>
+        <dsp:cNvPr id="0" name=""/>
+        <dsp:cNvSpPr/>
+      </dsp:nvSpPr>
+      <dsp:spPr>
+        <a:xfrm>
+          <a:off x="1093206" y="1676507"/>
+          <a:ext cx="3984630" cy="592315"/>
+        </a:xfrm>
+        <a:custGeom>
+          <a:avLst/>
+          <a:gdLst/>
+          <a:ahLst/>
+          <a:cxnLst/>
+          <a:rect l="0" t="0" r="0" b="0"/>
+          <a:pathLst>
+            <a:path>
+              <a:moveTo>
+                <a:pt x="3984630" y="0"/>
+              </a:moveTo>
+              <a:lnTo>
+                <a:pt x="3984630" y="353111"/>
+              </a:lnTo>
+              <a:lnTo>
+                <a:pt x="0" y="353111"/>
+              </a:lnTo>
+              <a:lnTo>
+                <a:pt x="0" y="592315"/>
+              </a:lnTo>
+            </a:path>
+          </a:pathLst>
+        </a:custGeom>
+        <a:noFill/>
+        <a:ln w="9525" cap="rnd" cmpd="sng" algn="ctr">
+          <a:solidFill>
+            <a:schemeClr val="accent1">
+              <a:shade val="60000"/>
+              <a:hueOff val="0"/>
+              <a:satOff val="0"/>
+              <a:lumOff val="0"/>
+              <a:alphaOff val="0"/>
+            </a:schemeClr>
+          </a:solidFill>
+          <a:prstDash val="solid"/>
+        </a:ln>
+        <a:effectLst/>
+      </dsp:spPr>
+      <dsp:style>
+        <a:lnRef idx="1">
+          <a:scrgbClr r="0" g="0" b="0"/>
+        </a:lnRef>
+        <a:fillRef idx="0">
+          <a:scrgbClr r="0" g="0" b="0"/>
+        </a:fillRef>
+        <a:effectRef idx="0">
+          <a:scrgbClr r="0" g="0" b="0"/>
+        </a:effectRef>
+        <a:fontRef idx="minor"/>
+      </dsp:style>
+    </dsp:sp>
+    <dsp:sp modelId="{153DF482-9B63-4F22-A2E6-E0985D657AE7}">
+      <dsp:nvSpPr>
+        <dsp:cNvPr id="0" name=""/>
+        <dsp:cNvSpPr/>
+      </dsp:nvSpPr>
+      <dsp:spPr>
+        <a:xfrm>
+          <a:off x="4087831" y="651345"/>
+          <a:ext cx="1980010" cy="1025161"/>
+        </a:xfrm>
+        <a:prstGeom prst="rect">
+          <a:avLst/>
+        </a:prstGeom>
+        <a:gradFill rotWithShape="0">
+          <a:gsLst>
+            <a:gs pos="0">
+              <a:schemeClr val="accent1">
+                <a:hueOff val="0"/>
+                <a:satOff val="0"/>
+                <a:lumOff val="0"/>
+                <a:alphaOff val="0"/>
+                <a:tint val="96000"/>
+                <a:lumMod val="104000"/>
+              </a:schemeClr>
+            </a:gs>
+            <a:gs pos="100000">
+              <a:schemeClr val="accent1">
+                <a:hueOff val="0"/>
+                <a:satOff val="0"/>
+                <a:lumOff val="0"/>
+                <a:alphaOff val="0"/>
+                <a:shade val="90000"/>
+                <a:lumMod val="90000"/>
+              </a:schemeClr>
+            </a:gs>
+          </a:gsLst>
+          <a:lin ang="5400000" scaled="0"/>
+        </a:gradFill>
+        <a:ln>
+          <a:noFill/>
+        </a:ln>
+        <a:effectLst>
+          <a:outerShdw blurRad="63500" dist="25400" dir="5400000" rotWithShape="0">
+            <a:srgbClr val="000000">
+              <a:alpha val="60000"/>
+            </a:srgbClr>
+          </a:outerShdw>
+        </a:effectLst>
+      </dsp:spPr>
+      <dsp:style>
+        <a:lnRef idx="0">
+          <a:scrgbClr r="0" g="0" b="0"/>
+        </a:lnRef>
+        <a:fillRef idx="3">
+          <a:scrgbClr r="0" g="0" b="0"/>
+        </a:fillRef>
+        <a:effectRef idx="2">
+          <a:scrgbClr r="0" g="0" b="0"/>
+        </a:effectRef>
+        <a:fontRef idx="minor">
+          <a:schemeClr val="lt1"/>
+        </a:fontRef>
+      </dsp:style>
+      <dsp:txBody>
+        <a:bodyPr spcFirstLastPara="0" vert="horz" wrap="square" lIns="20320" tIns="20320" rIns="20320" bIns="144662" numCol="1" spcCol="1270" anchor="ctr" anchorCtr="0">
+          <a:noAutofit/>
+        </a:bodyPr>
+        <a:lstStyle/>
+        <a:p>
+          <a:pPr lvl="0" algn="ctr" defTabSz="1422400">
+            <a:lnSpc>
+              <a:spcPct val="90000"/>
+            </a:lnSpc>
+            <a:spcBef>
+              <a:spcPct val="0"/>
+            </a:spcBef>
+            <a:spcAft>
+              <a:spcPct val="35000"/>
+            </a:spcAft>
+          </a:pPr>
+          <a:r>
+            <a:rPr lang="fr-FR" sz="3200" kern="1200"/>
+            <a:t>Chef de Projet</a:t>
+          </a:r>
+        </a:p>
+      </dsp:txBody>
+      <dsp:txXfrm>
+        <a:off x="4087831" y="651345"/>
+        <a:ext cx="1980010" cy="1025161"/>
+      </dsp:txXfrm>
+    </dsp:sp>
+    <dsp:sp modelId="{113EA813-3BA6-403B-BFBC-C6C029177D40}">
+      <dsp:nvSpPr>
+        <dsp:cNvPr id="0" name=""/>
+        <dsp:cNvSpPr/>
+      </dsp:nvSpPr>
+      <dsp:spPr>
+        <a:xfrm>
+          <a:off x="4483833" y="1448693"/>
+          <a:ext cx="1782009" cy="341720"/>
+        </a:xfrm>
+        <a:prstGeom prst="rect">
+          <a:avLst/>
+        </a:prstGeom>
+        <a:solidFill>
+          <a:schemeClr val="lt1">
+            <a:alpha val="90000"/>
+            <a:hueOff val="0"/>
+            <a:satOff val="0"/>
+            <a:lumOff val="0"/>
+            <a:alphaOff val="0"/>
+          </a:schemeClr>
+        </a:solidFill>
+        <a:ln w="9525" cap="rnd" cmpd="sng" algn="ctr">
+          <a:solidFill>
+            <a:schemeClr val="accent1">
+              <a:hueOff val="0"/>
+              <a:satOff val="0"/>
+              <a:lumOff val="0"/>
+              <a:alphaOff val="0"/>
+            </a:schemeClr>
+          </a:solidFill>
+          <a:prstDash val="solid"/>
+        </a:ln>
+        <a:effectLst/>
+      </dsp:spPr>
+      <dsp:style>
+        <a:lnRef idx="1">
+          <a:scrgbClr r="0" g="0" b="0"/>
+        </a:lnRef>
+        <a:fillRef idx="1">
+          <a:scrgbClr r="0" g="0" b="0"/>
+        </a:fillRef>
+        <a:effectRef idx="0">
+          <a:scrgbClr r="0" g="0" b="0"/>
+        </a:effectRef>
+        <a:fontRef idx="minor"/>
+      </dsp:style>
+      <dsp:txBody>
+        <a:bodyPr spcFirstLastPara="0" vert="horz" wrap="square" lIns="58420" tIns="14605" rIns="58420" bIns="14605" numCol="1" spcCol="1270" anchor="ctr" anchorCtr="0">
+          <a:noAutofit/>
+        </a:bodyPr>
+        <a:lstStyle/>
+        <a:p>
+          <a:pPr lvl="0" algn="r" defTabSz="1022350">
+            <a:lnSpc>
+              <a:spcPct val="90000"/>
+            </a:lnSpc>
+            <a:spcBef>
+              <a:spcPct val="0"/>
+            </a:spcBef>
+            <a:spcAft>
+              <a:spcPct val="35000"/>
+            </a:spcAft>
+          </a:pPr>
+          <a:r>
+            <a:rPr lang="fr-FR" sz="2300" kern="1200"/>
+            <a:t>Cyril PY</a:t>
+          </a:r>
+        </a:p>
+      </dsp:txBody>
+      <dsp:txXfrm>
+        <a:off x="4483833" y="1448693"/>
+        <a:ext cx="1782009" cy="341720"/>
+      </dsp:txXfrm>
+    </dsp:sp>
+    <dsp:sp modelId="{5676D32F-1CE3-4176-81F2-A39E244B0416}">
+      <dsp:nvSpPr>
+        <dsp:cNvPr id="0" name=""/>
+        <dsp:cNvSpPr/>
+      </dsp:nvSpPr>
+      <dsp:spPr>
+        <a:xfrm>
+          <a:off x="103201" y="2268822"/>
+          <a:ext cx="1980010" cy="1025161"/>
+        </a:xfrm>
+        <a:prstGeom prst="rect">
+          <a:avLst/>
+        </a:prstGeom>
+        <a:gradFill rotWithShape="0">
+          <a:gsLst>
+            <a:gs pos="0">
+              <a:schemeClr val="accent1">
+                <a:hueOff val="0"/>
+                <a:satOff val="0"/>
+                <a:lumOff val="0"/>
+                <a:alphaOff val="0"/>
+                <a:tint val="96000"/>
+                <a:lumMod val="104000"/>
+              </a:schemeClr>
+            </a:gs>
+            <a:gs pos="100000">
+              <a:schemeClr val="accent1">
+                <a:hueOff val="0"/>
+                <a:satOff val="0"/>
+                <a:lumOff val="0"/>
+                <a:alphaOff val="0"/>
+                <a:shade val="90000"/>
+                <a:lumMod val="90000"/>
+              </a:schemeClr>
+            </a:gs>
+          </a:gsLst>
+          <a:lin ang="5400000" scaled="0"/>
+        </a:gradFill>
+        <a:ln>
+          <a:noFill/>
+        </a:ln>
+        <a:effectLst>
+          <a:outerShdw blurRad="63500" dist="25400" dir="5400000" rotWithShape="0">
+            <a:srgbClr val="000000">
+              <a:alpha val="60000"/>
+            </a:srgbClr>
+          </a:outerShdw>
+        </a:effectLst>
+      </dsp:spPr>
+      <dsp:style>
+        <a:lnRef idx="0">
+          <a:scrgbClr r="0" g="0" b="0"/>
+        </a:lnRef>
+        <a:fillRef idx="3">
+          <a:scrgbClr r="0" g="0" b="0"/>
+        </a:fillRef>
+        <a:effectRef idx="2">
+          <a:scrgbClr r="0" g="0" b="0"/>
+        </a:effectRef>
+        <a:fontRef idx="minor">
+          <a:schemeClr val="lt1"/>
+        </a:fontRef>
+      </dsp:style>
+      <dsp:txBody>
+        <a:bodyPr spcFirstLastPara="0" vert="horz" wrap="square" lIns="20320" tIns="20320" rIns="20320" bIns="144662" numCol="1" spcCol="1270" anchor="ctr" anchorCtr="0">
+          <a:noAutofit/>
+        </a:bodyPr>
+        <a:lstStyle/>
+        <a:p>
+          <a:pPr lvl="0" algn="ctr" defTabSz="1422400">
+            <a:lnSpc>
+              <a:spcPct val="90000"/>
+            </a:lnSpc>
+            <a:spcBef>
+              <a:spcPct val="0"/>
+            </a:spcBef>
+            <a:spcAft>
+              <a:spcPct val="35000"/>
+            </a:spcAft>
+          </a:pPr>
+          <a:r>
+            <a:rPr lang="fr-FR" sz="3200" kern="1200"/>
+            <a:t>Calculs</a:t>
+          </a:r>
+        </a:p>
+      </dsp:txBody>
+      <dsp:txXfrm>
+        <a:off x="103201" y="2268822"/>
+        <a:ext cx="1980010" cy="1025161"/>
+      </dsp:txXfrm>
+    </dsp:sp>
+    <dsp:sp modelId="{809562EB-4A18-496D-99D9-E0B60B4EAEA5}">
+      <dsp:nvSpPr>
+        <dsp:cNvPr id="0" name=""/>
+        <dsp:cNvSpPr/>
+      </dsp:nvSpPr>
+      <dsp:spPr>
+        <a:xfrm>
+          <a:off x="578787" y="3066170"/>
+          <a:ext cx="1782009" cy="341720"/>
+        </a:xfrm>
+        <a:prstGeom prst="rect">
+          <a:avLst/>
+        </a:prstGeom>
+        <a:solidFill>
+          <a:schemeClr val="lt1">
+            <a:alpha val="90000"/>
+            <a:hueOff val="0"/>
+            <a:satOff val="0"/>
+            <a:lumOff val="0"/>
+            <a:alphaOff val="0"/>
+          </a:schemeClr>
+        </a:solidFill>
+        <a:ln w="9525" cap="rnd" cmpd="sng" algn="ctr">
+          <a:solidFill>
+            <a:schemeClr val="accent1">
+              <a:hueOff val="0"/>
+              <a:satOff val="0"/>
+              <a:lumOff val="0"/>
+              <a:alphaOff val="0"/>
+            </a:schemeClr>
+          </a:solidFill>
+          <a:prstDash val="solid"/>
+        </a:ln>
+        <a:effectLst/>
+      </dsp:spPr>
+      <dsp:style>
+        <a:lnRef idx="1">
+          <a:scrgbClr r="0" g="0" b="0"/>
+        </a:lnRef>
+        <a:fillRef idx="1">
+          <a:scrgbClr r="0" g="0" b="0"/>
+        </a:fillRef>
+        <a:effectRef idx="0">
+          <a:scrgbClr r="0" g="0" b="0"/>
+        </a:effectRef>
+        <a:fontRef idx="minor"/>
+      </dsp:style>
+      <dsp:txBody>
+        <a:bodyPr spcFirstLastPara="0" vert="horz" wrap="square" lIns="50800" tIns="12700" rIns="50800" bIns="12700" numCol="1" spcCol="1270" anchor="ctr" anchorCtr="0">
+          <a:noAutofit/>
+        </a:bodyPr>
+        <a:lstStyle/>
+        <a:p>
+          <a:pPr lvl="0" algn="r" defTabSz="889000">
+            <a:lnSpc>
+              <a:spcPct val="90000"/>
+            </a:lnSpc>
+            <a:spcBef>
+              <a:spcPct val="0"/>
+            </a:spcBef>
+            <a:spcAft>
+              <a:spcPct val="35000"/>
+            </a:spcAft>
+          </a:pPr>
+          <a:r>
+            <a:rPr lang="fr-FR" sz="2000" kern="1200"/>
+            <a:t>Thomas PRAK</a:t>
+          </a:r>
+        </a:p>
+      </dsp:txBody>
+      <dsp:txXfrm>
+        <a:off x="578787" y="3066170"/>
+        <a:ext cx="1782009" cy="341720"/>
+      </dsp:txXfrm>
+    </dsp:sp>
+    <dsp:sp modelId="{F522147D-7926-4BE8-A844-0FB48C50D80C}">
+      <dsp:nvSpPr>
+        <dsp:cNvPr id="0" name=""/>
+        <dsp:cNvSpPr/>
+      </dsp:nvSpPr>
+      <dsp:spPr>
+        <a:xfrm>
+          <a:off x="2759621" y="2268822"/>
+          <a:ext cx="1980010" cy="1025161"/>
+        </a:xfrm>
+        <a:prstGeom prst="rect">
+          <a:avLst/>
+        </a:prstGeom>
+        <a:gradFill rotWithShape="0">
+          <a:gsLst>
+            <a:gs pos="0">
+              <a:schemeClr val="accent1">
+                <a:hueOff val="0"/>
+                <a:satOff val="0"/>
+                <a:lumOff val="0"/>
+                <a:alphaOff val="0"/>
+                <a:tint val="96000"/>
+                <a:lumMod val="104000"/>
+              </a:schemeClr>
+            </a:gs>
+            <a:gs pos="100000">
+              <a:schemeClr val="accent1">
+                <a:hueOff val="0"/>
+                <a:satOff val="0"/>
+                <a:lumOff val="0"/>
+                <a:alphaOff val="0"/>
+                <a:shade val="90000"/>
+                <a:lumMod val="90000"/>
+              </a:schemeClr>
+            </a:gs>
+          </a:gsLst>
+          <a:lin ang="5400000" scaled="0"/>
+        </a:gradFill>
+        <a:ln>
+          <a:noFill/>
+        </a:ln>
+        <a:effectLst>
+          <a:outerShdw blurRad="63500" dist="25400" dir="5400000" rotWithShape="0">
+            <a:srgbClr val="000000">
+              <a:alpha val="60000"/>
+            </a:srgbClr>
+          </a:outerShdw>
+        </a:effectLst>
+      </dsp:spPr>
+      <dsp:style>
+        <a:lnRef idx="0">
+          <a:scrgbClr r="0" g="0" b="0"/>
+        </a:lnRef>
+        <a:fillRef idx="3">
+          <a:scrgbClr r="0" g="0" b="0"/>
+        </a:fillRef>
+        <a:effectRef idx="2">
+          <a:scrgbClr r="0" g="0" b="0"/>
+        </a:effectRef>
+        <a:fontRef idx="minor">
+          <a:schemeClr val="lt1"/>
+        </a:fontRef>
+      </dsp:style>
+      <dsp:txBody>
+        <a:bodyPr spcFirstLastPara="0" vert="horz" wrap="square" lIns="20320" tIns="20320" rIns="20320" bIns="144662" numCol="1" spcCol="1270" anchor="ctr" anchorCtr="0">
+          <a:noAutofit/>
+        </a:bodyPr>
+        <a:lstStyle/>
+        <a:p>
+          <a:pPr lvl="0" algn="ctr" defTabSz="1422400">
+            <a:lnSpc>
+              <a:spcPct val="90000"/>
+            </a:lnSpc>
+            <a:spcBef>
+              <a:spcPct val="0"/>
+            </a:spcBef>
+            <a:spcAft>
+              <a:spcPct val="35000"/>
+            </a:spcAft>
+          </a:pPr>
+          <a:r>
+            <a:rPr lang="fr-FR" sz="3200" kern="1200"/>
+            <a:t>Client</a:t>
+          </a:r>
+        </a:p>
+      </dsp:txBody>
+      <dsp:txXfrm>
+        <a:off x="2759621" y="2268822"/>
+        <a:ext cx="1980010" cy="1025161"/>
+      </dsp:txXfrm>
+    </dsp:sp>
+    <dsp:sp modelId="{BDDE5DF6-64AC-499B-A204-5D73CD5189A5}">
+      <dsp:nvSpPr>
+        <dsp:cNvPr id="0" name=""/>
+        <dsp:cNvSpPr/>
+      </dsp:nvSpPr>
+      <dsp:spPr>
+        <a:xfrm>
+          <a:off x="3155623" y="3066170"/>
+          <a:ext cx="1782009" cy="341720"/>
+        </a:xfrm>
+        <a:prstGeom prst="rect">
+          <a:avLst/>
+        </a:prstGeom>
+        <a:solidFill>
+          <a:schemeClr val="lt1">
+            <a:alpha val="90000"/>
+            <a:hueOff val="0"/>
+            <a:satOff val="0"/>
+            <a:lumOff val="0"/>
+            <a:alphaOff val="0"/>
+          </a:schemeClr>
+        </a:solidFill>
+        <a:ln w="9525" cap="rnd" cmpd="sng" algn="ctr">
+          <a:solidFill>
+            <a:schemeClr val="accent1">
+              <a:hueOff val="0"/>
+              <a:satOff val="0"/>
+              <a:lumOff val="0"/>
+              <a:alphaOff val="0"/>
+            </a:schemeClr>
+          </a:solidFill>
+          <a:prstDash val="solid"/>
+        </a:ln>
+        <a:effectLst/>
+      </dsp:spPr>
+      <dsp:style>
+        <a:lnRef idx="1">
+          <a:scrgbClr r="0" g="0" b="0"/>
+        </a:lnRef>
+        <a:fillRef idx="1">
+          <a:scrgbClr r="0" g="0" b="0"/>
+        </a:fillRef>
+        <a:effectRef idx="0">
+          <a:scrgbClr r="0" g="0" b="0"/>
+        </a:effectRef>
+        <a:fontRef idx="minor"/>
+      </dsp:style>
+      <dsp:txBody>
+        <a:bodyPr spcFirstLastPara="0" vert="horz" wrap="square" lIns="38100" tIns="9525" rIns="38100" bIns="9525" numCol="1" spcCol="1270" anchor="ctr" anchorCtr="0">
+          <a:noAutofit/>
+        </a:bodyPr>
+        <a:lstStyle/>
+        <a:p>
+          <a:pPr lvl="0" algn="r" defTabSz="666750">
+            <a:lnSpc>
+              <a:spcPct val="90000"/>
+            </a:lnSpc>
+            <a:spcBef>
+              <a:spcPct val="0"/>
+            </a:spcBef>
+            <a:spcAft>
+              <a:spcPct val="35000"/>
+            </a:spcAft>
+          </a:pPr>
+          <a:r>
+            <a:rPr lang="fr-FR" sz="1500" kern="1200"/>
+            <a:t>Justine SABBATIER</a:t>
+          </a:r>
+        </a:p>
+      </dsp:txBody>
+      <dsp:txXfrm>
+        <a:off x="3155623" y="3066170"/>
+        <a:ext cx="1782009" cy="341720"/>
+      </dsp:txXfrm>
+    </dsp:sp>
+    <dsp:sp modelId="{5662567F-F7A3-40C3-B265-EF28650FB1CC}">
+      <dsp:nvSpPr>
+        <dsp:cNvPr id="0" name=""/>
+        <dsp:cNvSpPr/>
+      </dsp:nvSpPr>
+      <dsp:spPr>
+        <a:xfrm>
+          <a:off x="5416041" y="2268822"/>
+          <a:ext cx="1980010" cy="1025161"/>
+        </a:xfrm>
+        <a:prstGeom prst="rect">
+          <a:avLst/>
+        </a:prstGeom>
+        <a:gradFill rotWithShape="0">
+          <a:gsLst>
+            <a:gs pos="0">
+              <a:schemeClr val="accent1">
+                <a:hueOff val="0"/>
+                <a:satOff val="0"/>
+                <a:lumOff val="0"/>
+                <a:alphaOff val="0"/>
+                <a:tint val="96000"/>
+                <a:lumMod val="104000"/>
+              </a:schemeClr>
+            </a:gs>
+            <a:gs pos="100000">
+              <a:schemeClr val="accent1">
+                <a:hueOff val="0"/>
+                <a:satOff val="0"/>
+                <a:lumOff val="0"/>
+                <a:alphaOff val="0"/>
+                <a:shade val="90000"/>
+                <a:lumMod val="90000"/>
+              </a:schemeClr>
+            </a:gs>
+          </a:gsLst>
+          <a:lin ang="5400000" scaled="0"/>
+        </a:gradFill>
+        <a:ln>
+          <a:noFill/>
+        </a:ln>
+        <a:effectLst>
+          <a:outerShdw blurRad="63500" dist="25400" dir="5400000" rotWithShape="0">
+            <a:srgbClr val="000000">
+              <a:alpha val="60000"/>
+            </a:srgbClr>
+          </a:outerShdw>
+        </a:effectLst>
+      </dsp:spPr>
+      <dsp:style>
+        <a:lnRef idx="0">
+          <a:scrgbClr r="0" g="0" b="0"/>
+        </a:lnRef>
+        <a:fillRef idx="3">
+          <a:scrgbClr r="0" g="0" b="0"/>
+        </a:fillRef>
+        <a:effectRef idx="2">
+          <a:scrgbClr r="0" g="0" b="0"/>
+        </a:effectRef>
+        <a:fontRef idx="minor">
+          <a:schemeClr val="lt1"/>
+        </a:fontRef>
+      </dsp:style>
+      <dsp:txBody>
+        <a:bodyPr spcFirstLastPara="0" vert="horz" wrap="square" lIns="20320" tIns="20320" rIns="20320" bIns="144662" numCol="1" spcCol="1270" anchor="ctr" anchorCtr="0">
+          <a:noAutofit/>
+        </a:bodyPr>
+        <a:lstStyle/>
+        <a:p>
+          <a:pPr lvl="0" algn="ctr" defTabSz="1422400">
+            <a:lnSpc>
+              <a:spcPct val="90000"/>
+            </a:lnSpc>
+            <a:spcBef>
+              <a:spcPct val="0"/>
+            </a:spcBef>
+            <a:spcAft>
+              <a:spcPct val="35000"/>
+            </a:spcAft>
+          </a:pPr>
+          <a:r>
+            <a:rPr lang="fr-FR" sz="3200" kern="1200"/>
+            <a:t>Arduino</a:t>
+          </a:r>
+        </a:p>
+      </dsp:txBody>
+      <dsp:txXfrm>
+        <a:off x="5416041" y="2268822"/>
+        <a:ext cx="1980010" cy="1025161"/>
+      </dsp:txXfrm>
+    </dsp:sp>
+    <dsp:sp modelId="{0E9E0690-608D-4BF4-8CCF-3E5EC47EB681}">
+      <dsp:nvSpPr>
+        <dsp:cNvPr id="0" name=""/>
+        <dsp:cNvSpPr/>
+      </dsp:nvSpPr>
+      <dsp:spPr>
+        <a:xfrm>
+          <a:off x="5812044" y="3066170"/>
+          <a:ext cx="1782009" cy="341720"/>
+        </a:xfrm>
+        <a:prstGeom prst="rect">
+          <a:avLst/>
+        </a:prstGeom>
+        <a:solidFill>
+          <a:schemeClr val="lt1">
+            <a:alpha val="90000"/>
+            <a:hueOff val="0"/>
+            <a:satOff val="0"/>
+            <a:lumOff val="0"/>
+            <a:alphaOff val="0"/>
+          </a:schemeClr>
+        </a:solidFill>
+        <a:ln w="9525" cap="rnd" cmpd="sng" algn="ctr">
+          <a:solidFill>
+            <a:schemeClr val="accent1">
+              <a:hueOff val="0"/>
+              <a:satOff val="0"/>
+              <a:lumOff val="0"/>
+              <a:alphaOff val="0"/>
+            </a:schemeClr>
+          </a:solidFill>
+          <a:prstDash val="solid"/>
+        </a:ln>
+        <a:effectLst/>
+      </dsp:spPr>
+      <dsp:style>
+        <a:lnRef idx="1">
+          <a:scrgbClr r="0" g="0" b="0"/>
+        </a:lnRef>
+        <a:fillRef idx="1">
+          <a:scrgbClr r="0" g="0" b="0"/>
+        </a:fillRef>
+        <a:effectRef idx="0">
+          <a:scrgbClr r="0" g="0" b="0"/>
+        </a:effectRef>
+        <a:fontRef idx="minor"/>
+      </dsp:style>
+      <dsp:txBody>
+        <a:bodyPr spcFirstLastPara="0" vert="horz" wrap="square" lIns="38100" tIns="9525" rIns="38100" bIns="9525" numCol="1" spcCol="1270" anchor="ctr" anchorCtr="0">
+          <a:noAutofit/>
+        </a:bodyPr>
+        <a:lstStyle/>
+        <a:p>
+          <a:pPr lvl="0" algn="r" defTabSz="666750">
+            <a:lnSpc>
+              <a:spcPct val="90000"/>
+            </a:lnSpc>
+            <a:spcBef>
+              <a:spcPct val="0"/>
+            </a:spcBef>
+            <a:spcAft>
+              <a:spcPct val="35000"/>
+            </a:spcAft>
+          </a:pPr>
+          <a:r>
+            <a:rPr lang="fr-FR" sz="1500" kern="1200"/>
+            <a:t>Mathias DA COSTA</a:t>
+          </a:r>
+        </a:p>
+      </dsp:txBody>
+      <dsp:txXfrm>
+        <a:off x="5812044" y="3066170"/>
+        <a:ext cx="1782009" cy="341720"/>
+      </dsp:txXfrm>
+    </dsp:sp>
+    <dsp:sp modelId="{96FA1259-64E4-404F-B34D-D3DE19F6B678}">
+      <dsp:nvSpPr>
+        <dsp:cNvPr id="0" name=""/>
+        <dsp:cNvSpPr/>
+      </dsp:nvSpPr>
+      <dsp:spPr>
+        <a:xfrm>
+          <a:off x="8072462" y="2268822"/>
+          <a:ext cx="1980010" cy="1025161"/>
+        </a:xfrm>
+        <a:prstGeom prst="rect">
+          <a:avLst/>
+        </a:prstGeom>
+        <a:gradFill rotWithShape="0">
+          <a:gsLst>
+            <a:gs pos="0">
+              <a:schemeClr val="accent1">
+                <a:hueOff val="0"/>
+                <a:satOff val="0"/>
+                <a:lumOff val="0"/>
+                <a:alphaOff val="0"/>
+                <a:tint val="96000"/>
+                <a:lumMod val="104000"/>
+              </a:schemeClr>
+            </a:gs>
+            <a:gs pos="100000">
+              <a:schemeClr val="accent1">
+                <a:hueOff val="0"/>
+                <a:satOff val="0"/>
+                <a:lumOff val="0"/>
+                <a:alphaOff val="0"/>
+                <a:shade val="90000"/>
+                <a:lumMod val="90000"/>
+              </a:schemeClr>
+            </a:gs>
+          </a:gsLst>
+          <a:lin ang="5400000" scaled="0"/>
+        </a:gradFill>
+        <a:ln>
+          <a:noFill/>
+        </a:ln>
+        <a:effectLst>
+          <a:outerShdw blurRad="63500" dist="25400" dir="5400000" rotWithShape="0">
+            <a:srgbClr val="000000">
+              <a:alpha val="60000"/>
+            </a:srgbClr>
+          </a:outerShdw>
+        </a:effectLst>
+      </dsp:spPr>
+      <dsp:style>
+        <a:lnRef idx="0">
+          <a:scrgbClr r="0" g="0" b="0"/>
+        </a:lnRef>
+        <a:fillRef idx="3">
+          <a:scrgbClr r="0" g="0" b="0"/>
+        </a:fillRef>
+        <a:effectRef idx="2">
+          <a:scrgbClr r="0" g="0" b="0"/>
+        </a:effectRef>
+        <a:fontRef idx="minor">
+          <a:schemeClr val="lt1"/>
+        </a:fontRef>
+      </dsp:style>
+      <dsp:txBody>
+        <a:bodyPr spcFirstLastPara="0" vert="horz" wrap="square" lIns="20320" tIns="20320" rIns="20320" bIns="144662" numCol="1" spcCol="1270" anchor="ctr" anchorCtr="0">
+          <a:noAutofit/>
+        </a:bodyPr>
+        <a:lstStyle/>
+        <a:p>
+          <a:pPr lvl="0" algn="ctr" defTabSz="1422400">
+            <a:lnSpc>
+              <a:spcPct val="90000"/>
+            </a:lnSpc>
+            <a:spcBef>
+              <a:spcPct val="0"/>
+            </a:spcBef>
+            <a:spcAft>
+              <a:spcPct val="35000"/>
+            </a:spcAft>
+          </a:pPr>
+          <a:r>
+            <a:rPr lang="fr-FR" sz="3200" kern="1200"/>
+            <a:t>Serveur Web</a:t>
+          </a:r>
+        </a:p>
+      </dsp:txBody>
+      <dsp:txXfrm>
+        <a:off x="8072462" y="2268822"/>
+        <a:ext cx="1980010" cy="1025161"/>
+      </dsp:txXfrm>
+    </dsp:sp>
+    <dsp:sp modelId="{A8EA838F-3B0C-4F99-BFF0-CFB047931BD1}">
+      <dsp:nvSpPr>
+        <dsp:cNvPr id="0" name=""/>
+        <dsp:cNvSpPr/>
+      </dsp:nvSpPr>
+      <dsp:spPr>
+        <a:xfrm>
+          <a:off x="8468464" y="3066170"/>
+          <a:ext cx="1782009" cy="341720"/>
+        </a:xfrm>
+        <a:prstGeom prst="rect">
+          <a:avLst/>
+        </a:prstGeom>
+        <a:solidFill>
+          <a:schemeClr val="lt1">
+            <a:alpha val="90000"/>
+            <a:hueOff val="0"/>
+            <a:satOff val="0"/>
+            <a:lumOff val="0"/>
+            <a:alphaOff val="0"/>
+          </a:schemeClr>
+        </a:solidFill>
+        <a:ln w="9525" cap="rnd" cmpd="sng" algn="ctr">
+          <a:solidFill>
+            <a:schemeClr val="accent1">
+              <a:hueOff val="0"/>
+              <a:satOff val="0"/>
+              <a:lumOff val="0"/>
+              <a:alphaOff val="0"/>
+            </a:schemeClr>
+          </a:solidFill>
+          <a:prstDash val="solid"/>
+        </a:ln>
+        <a:effectLst/>
+      </dsp:spPr>
+      <dsp:style>
+        <a:lnRef idx="1">
+          <a:scrgbClr r="0" g="0" b="0"/>
+        </a:lnRef>
+        <a:fillRef idx="1">
+          <a:scrgbClr r="0" g="0" b="0"/>
+        </a:fillRef>
+        <a:effectRef idx="0">
+          <a:scrgbClr r="0" g="0" b="0"/>
+        </a:effectRef>
+        <a:fontRef idx="minor"/>
+      </dsp:style>
+      <dsp:txBody>
+        <a:bodyPr spcFirstLastPara="0" vert="horz" wrap="square" lIns="53340" tIns="13335" rIns="53340" bIns="13335" numCol="1" spcCol="1270" anchor="ctr" anchorCtr="0">
+          <a:noAutofit/>
+        </a:bodyPr>
+        <a:lstStyle/>
+        <a:p>
+          <a:pPr lvl="0" algn="r" defTabSz="933450">
+            <a:lnSpc>
+              <a:spcPct val="90000"/>
+            </a:lnSpc>
+            <a:spcBef>
+              <a:spcPct val="0"/>
+            </a:spcBef>
+            <a:spcAft>
+              <a:spcPct val="35000"/>
+            </a:spcAft>
+          </a:pPr>
+          <a:r>
+            <a:rPr lang="fr-FR" sz="2100" kern="1200"/>
+            <a:t>Julien LOEVE</a:t>
+          </a:r>
+        </a:p>
+      </dsp:txBody>
+      <dsp:txXfrm>
+        <a:off x="8468464" y="3066170"/>
+        <a:ext cx="1782009" cy="341720"/>
+      </dsp:txXfrm>
+    </dsp:sp>
+  </dsp:spTree>
+</dsp:drawing>
+</file>
+
+<file path=ppt/diagrams/layout1.xml><?xml version="1.0" encoding="utf-8"?>
+<dgm:layoutDef xmlns:dgm="http://schemas.openxmlformats.org/drawingml/2006/diagram" xmlns:a="http://schemas.openxmlformats.org/drawingml/2006/main" uniqueId="urn:microsoft.com/office/officeart/2008/layout/NameandTitleOrganizationalChart">
+  <dgm:title val=""/>
+  <dgm:desc val=""/>
+  <dgm:catLst>
+    <dgm:cat type="hierarchy" pri="1250"/>
+  </dgm:catLst>
+  <dgm:sampData>
+    <dgm:dataModel>
+      <dgm:ptLst>
+        <dgm:pt modelId="0" type="doc"/>
+        <dgm:pt modelId="1">
+          <dgm:prSet phldr="1"/>
+        </dgm:pt>
+        <dgm:pt modelId="2" type="asst">
+          <dgm:prSet phldr="1"/>
+        </dgm:pt>
+        <dgm:pt modelId="3">
+          <dgm:prSet phldr="1"/>
+        </dgm:pt>
+        <dgm:pt modelId="4">
+          <dgm:prSet phldr="1"/>
+        </dgm:pt>
+        <dgm:pt modelId="5">
+          <dgm:prSet phldr="1"/>
+        </dgm:pt>
+      </dgm:ptLst>
+      <dgm:cxnLst>
+        <dgm:cxn modelId="5" srcId="0" destId="1" srcOrd="0" destOrd="0"/>
+        <dgm:cxn modelId="6" srcId="1" destId="2" srcOrd="0" destOrd="0"/>
+        <dgm:cxn modelId="7" srcId="1" destId="3" srcOrd="1" destOrd="0"/>
+        <dgm:cxn modelId="8" srcId="1" destId="4" srcOrd="2" destOrd="0"/>
+        <dgm:cxn modelId="9" srcId="1" destId="5" srcOrd="3" destOrd="0"/>
+      </dgm:cxnLst>
+      <dgm:bg/>
+      <dgm:whole/>
+    </dgm:dataModel>
+  </dgm:sampData>
+  <dgm:styleData>
+    <dgm:dataModel>
+      <dgm:ptLst>
+        <dgm:pt modelId="0" type="doc"/>
+        <dgm:pt modelId="1"/>
+        <dgm:pt modelId="12"/>
+        <dgm:pt modelId="13"/>
+      </dgm:ptLst>
+      <dgm:cxnLst>
+        <dgm:cxn modelId="2" srcId="0" destId="1" srcOrd="0" destOrd="0"/>
+        <dgm:cxn modelId="16" srcId="1" destId="12" srcOrd="1" destOrd="0"/>
+        <dgm:cxn modelId="17" srcId="1" destId="13" srcOrd="2" destOrd="0"/>
+      </dgm:cxnLst>
+      <dgm:bg/>
+      <dgm:whole/>
+    </dgm:dataModel>
+  </dgm:styleData>
+  <dgm:clrData>
+    <dgm:dataModel>
+      <dgm:ptLst>
+        <dgm:pt modelId="0" type="doc"/>
+        <dgm:pt modelId="1"/>
+        <dgm:pt modelId="11" type="asst"/>
+        <dgm:pt modelId="12"/>
+        <dgm:pt modelId="13"/>
+        <dgm:pt modelId="14"/>
+      </dgm:ptLst>
+      <dgm:cxnLst>
+        <dgm:cxn modelId="2" srcId="0" destId="1" srcOrd="0" destOrd="0"/>
+        <dgm:cxn modelId="15" srcId="1" destId="11" srcOrd="0" destOrd="0"/>
+        <dgm:cxn modelId="16" srcId="1" destId="12" srcOrd="1" destOrd="0"/>
+        <dgm:cxn modelId="17" srcId="1" destId="13" srcOrd="2" destOrd="0"/>
+        <dgm:cxn modelId="18" srcId="1" destId="14" srcOrd="2" destOrd="0"/>
+      </dgm:cxnLst>
+      <dgm:bg/>
+      <dgm:whole/>
+    </dgm:dataModel>
+  </dgm:clrData>
+  <dgm:layoutNode name="hierChild1">
+    <dgm:varLst>
+      <dgm:orgChart val="1"/>
+      <dgm:chPref val="1"/>
+      <dgm:dir/>
+      <dgm:animOne val="branch"/>
+      <dgm:animLvl val="lvl"/>
+      <dgm:resizeHandles/>
+    </dgm:varLst>
+    <dgm:choose name="Name0">
+      <dgm:if name="Name1" func="var" arg="dir" op="equ" val="norm">
+        <dgm:alg type="hierChild">
+          <dgm:param type="linDir" val="fromL"/>
+        </dgm:alg>
+      </dgm:if>
+      <dgm:else name="Name2">
+        <dgm:alg type="hierChild">
+          <dgm:param type="linDir" val="fromR"/>
+        </dgm:alg>
+      </dgm:else>
+    </dgm:choose>
+    <dgm:shape xmlns:r="http://schemas.openxmlformats.org/officeDocument/2006/relationships" r:blip="">
+      <dgm:adjLst/>
+    </dgm:shape>
+    <dgm:presOf/>
+    <dgm:constrLst>
+      <dgm:constr type="w" for="des" forName="rootComposite1" refType="w" fact="10"/>
+      <dgm:constr type="h" for="des" forName="rootComposite1" refType="w" refFor="des" refForName="rootComposite1" fact="0.5"/>
+      <dgm:constr type="w" for="des" forName="rootComposite" refType="w" fact="10"/>
+      <dgm:constr type="h" for="des" forName="rootComposite" refType="w" refFor="des" refForName="rootComposite1" fact="0.5"/>
+      <dgm:constr type="w" for="des" forName="rootComposite3" refType="w" fact="10"/>
+      <dgm:constr type="h" for="des" forName="rootComposite3" refType="w" refFor="des" refForName="rootComposite1" fact="0.5"/>
+      <dgm:constr type="primFontSz" for="des" ptType="node" op="equ"/>
+      <dgm:constr type="sp" for="des" op="equ"/>
+      <dgm:constr type="sp" for="des" forName="hierRoot1" refType="w" refFor="des" refForName="rootComposite1" fact="0.21"/>
+      <dgm:constr type="sp" for="des" forName="hierRoot2" refType="sp" refFor="des" refForName="hierRoot1"/>
+      <dgm:constr type="sp" for="des" forName="hierRoot3" refType="sp" refFor="des" refForName="hierRoot1"/>
+      <dgm:constr type="sibSp" refType="w" refFor="des" refForName="rootComposite1" fact="0.21"/>
+      <dgm:constr type="sibSp" for="des" forName="hierChild2" refType="sibSp"/>
+      <dgm:constr type="sibSp" for="des" forName="hierChild3" refType="sibSp"/>
+      <dgm:constr type="sibSp" for="des" forName="hierChild4" refType="sibSp"/>
+      <dgm:constr type="sibSp" for="des" forName="hierChild5" refType="sibSp"/>
+      <dgm:constr type="sibSp" for="des" forName="hierChild6" refType="sibSp"/>
+      <dgm:constr type="sibSp" for="des" forName="hierChild7" refType="sibSp"/>
+      <dgm:constr type="secSibSp" refType="w" refFor="des" refForName="rootComposite1" fact="0.21"/>
+      <dgm:constr type="secSibSp" for="des" forName="hierChild2" refType="secSibSp"/>
+      <dgm:constr type="secSibSp" for="des" forName="hierChild3" refType="secSibSp"/>
+      <dgm:constr type="secSibSp" for="des" forName="hierChild4" refType="secSibSp"/>
+      <dgm:constr type="secSibSp" for="des" forName="hierChild5" refType="secSibSp"/>
+      <dgm:constr type="secSibSp" for="des" forName="hierChild6" refType="secSibSp"/>
+      <dgm:constr type="secSibSp" for="des" forName="hierChild7" refType="secSibSp"/>
+    </dgm:constrLst>
+    <dgm:ruleLst/>
+    <dgm:forEach name="Name3" axis="ch">
+      <dgm:forEach name="Name4" axis="self" ptType="node">
+        <dgm:layoutNode name="hierRoot1">
+          <dgm:varLst>
+            <dgm:hierBranch val="init"/>
+          </dgm:varLst>
+          <dgm:choose name="Name5">
+            <dgm:if name="Name6" func="var" arg="hierBranch" op="equ" val="l">
+              <dgm:choose name="Name7">
+                <dgm:if name="Name8" axis="ch" ptType="asst" func="cnt" op="gte" val="1">
+                  <dgm:alg type="hierRoot">
+                    <dgm:param type="hierAlign" val="tR"/>
+                  </dgm:alg>
+                  <dgm:constrLst>
+                    <dgm:constr type="alignOff" val="0.65"/>
+                  </dgm:constrLst>
+                </dgm:if>
+                <dgm:else name="Name9">
+                  <dgm:alg type="hierRoot">
+                    <dgm:param type="hierAlign" val="tR"/>
+                  </dgm:alg>
+                  <dgm:constrLst>
+                    <dgm:constr type="alignOff" val="0.25"/>
+                  </dgm:constrLst>
+                </dgm:else>
+              </dgm:choose>
+            </dgm:if>
+            <dgm:if name="Name10" func="var" arg="hierBranch" op="equ" val="r">
+              <dgm:choose name="Name11">
+                <dgm:if name="Name12" axis="ch" ptType="asst" func="cnt" op="gte" val="1">
+                  <dgm:alg type="hierRoot">
+                    <dgm:param type="hierAlign" val="tL"/>
+                  </dgm:alg>
+                  <dgm:constrLst>
+                    <dgm:constr type="alignOff" val="0.65"/>
+                  </dgm:constrLst>
+                </dgm:if>
+                <dgm:else name="Name13">
+                  <dgm:alg type="hierRoot">
+                    <dgm:param type="hierAlign" val="tL"/>
+                  </dgm:alg>
+                  <dgm:constrLst>
+                    <dgm:constr type="alignOff" val="0.25"/>
+                  </dgm:constrLst>
+                </dgm:else>
+              </dgm:choose>
+            </dgm:if>
+            <dgm:if name="Name14" func="var" arg="hierBranch" op="equ" val="hang">
+              <dgm:alg type="hierRoot"/>
+              <dgm:constrLst>
+                <dgm:constr type="alignOff" val="0.65"/>
+              </dgm:constrLst>
+            </dgm:if>
+            <dgm:else name="Name15">
+              <dgm:alg type="hierRoot"/>
+              <dgm:constrLst>
+                <dgm:constr type="alignOff"/>
+                <dgm:constr type="bendDist" for="des" ptType="parTrans" refType="sp" fact="0.5"/>
+              </dgm:constrLst>
+            </dgm:else>
+          </dgm:choose>
+          <dgm:shape xmlns:r="http://schemas.openxmlformats.org/officeDocument/2006/relationships" r:blip="">
+            <dgm:adjLst/>
+          </dgm:shape>
+          <dgm:presOf/>
+          <dgm:ruleLst/>
+          <dgm:layoutNode name="rootComposite1">
+            <dgm:alg type="composite"/>
+            <dgm:shape xmlns:r="http://schemas.openxmlformats.org/officeDocument/2006/relationships" r:blip="">
+              <dgm:adjLst/>
+            </dgm:shape>
+            <dgm:presOf axis="self" ptType="node" cnt="1"/>
+            <dgm:choose name="Name16">
+              <dgm:if name="Name17" func="var" arg="hierBranch" op="equ" val="init">
+                <dgm:constrLst>
+                  <dgm:constr type="l" for="ch" forName="rootText1"/>
+                  <dgm:constr type="t" for="ch" forName="rootText1"/>
+                  <dgm:constr type="w" for="ch" forName="rootText1" refType="w"/>
+                  <dgm:constr type="h" for="ch" forName="rootText1" refType="h" fact="0.9"/>
+                  <dgm:constr type="l" for="ch" forName="titleText1" refType="w" fact="0.2"/>
+                  <dgm:constr type="t" for="ch" forName="titleText1" refType="h" fact="0.7"/>
+                  <dgm:constr type="w" for="ch" forName="titleText1" refType="w" fact="0.9"/>
+                  <dgm:constr type="h" for="ch" forName="titleText1" refType="h" fact="0.3"/>
+                  <dgm:constr type="primFontSz" for="des" forName="titleText1" refType="primFontSz" refFor="des" refForName="rootText1" op="lte"/>
+                  <dgm:constr type="l" for="ch" forName="rootConnector1"/>
+                  <dgm:constr type="t" for="ch" forName="rootConnector1"/>
+                  <dgm:constr type="w" for="ch" forName="rootConnector1" refType="w" refFor="ch" refForName="rootText1" fact="0.2"/>
+                  <dgm:constr type="h" for="ch" forName="rootConnector1" refType="h" refFor="ch" refForName="rootText1"/>
+                </dgm:constrLst>
+              </dgm:if>
+              <dgm:if name="Name18" func="var" arg="hierBranch" op="equ" val="l">
+                <dgm:constrLst>
+                  <dgm:constr type="l" for="ch" forName="rootText1"/>
+                  <dgm:constr type="t" for="ch" forName="rootText1"/>
+                  <dgm:constr type="w" for="ch" forName="rootText1" refType="w"/>
+                  <dgm:constr type="h" for="ch" forName="rootText1" refType="h" fact="0.9"/>
+                  <dgm:constr type="l" for="ch" forName="titleText1" refType="w" fact="0.2"/>
+                  <dgm:constr type="t" for="ch" forName="titleText1" refType="h" fact="0.7"/>
+                  <dgm:constr type="w" for="ch" forName="titleText1" refType="w" fact="0.9"/>
+                  <dgm:constr type="h" for="ch" forName="titleText1" refType="h" fact="0.3"/>
+                  <dgm:constr type="primFontSz" for="des" forName="titleText1" refType="primFontSz" refFor="des" refForName="rootText1" op="lte"/>
+                  <dgm:constr type="r" for="ch" forName="rootConnector1" refType="w"/>
+                  <dgm:constr type="t" for="ch" forName="rootConnector1"/>
+                  <dgm:constr type="w" for="ch" forName="rootConnector1" refType="w" refFor="ch" refForName="rootText1" fact="0.2"/>
+                  <dgm:constr type="h" for="ch" forName="rootConnector1" refType="h" refFor="ch" refForName="rootText1"/>
+                </dgm:constrLst>
+              </dgm:if>
+              <dgm:if name="Name19" func="var" arg="hierBranch" op="equ" val="r">
+                <dgm:constrLst>
+                  <dgm:constr type="l" for="ch" forName="rootText1"/>
+                  <dgm:constr type="t" for="ch" forName="rootText1"/>
+                  <dgm:constr type="w" for="ch" forName="rootText1" refType="w"/>
+                  <dgm:constr type="h" for="ch" forName="rootText1" refType="h" fact="0.9"/>
+                  <dgm:constr type="l" for="ch" forName="titleText1" refType="w" fact="0.2"/>
+                  <dgm:constr type="t" for="ch" forName="titleText1" refType="h" fact="0.7"/>
+                  <dgm:constr type="w" for="ch" forName="titleText1" refType="w" fact="0.9"/>
+                  <dgm:constr type="h" for="ch" forName="titleText1" refType="h" fact="0.3"/>
+                  <dgm:constr type="primFontSz" for="des" forName="titleText1" refType="primFontSz" refFor="des" refForName="rootText1" op="lte"/>
+                  <dgm:constr type="l" for="ch" forName="rootConnector1"/>
+                  <dgm:constr type="t" for="ch" forName="rootConnector1"/>
+                  <dgm:constr type="w" for="ch" forName="rootConnector1" refType="w" refFor="ch" refForName="rootText1" fact="0.2"/>
+                  <dgm:constr type="h" for="ch" forName="rootConnector1" refType="h" refFor="ch" refForName="rootText1"/>
+                </dgm:constrLst>
+              </dgm:if>
+              <dgm:else name="Name20">
+                <dgm:constrLst>
+                  <dgm:constr type="l" for="ch" forName="rootText1"/>
+                  <dgm:constr type="t" for="ch" forName="rootText1"/>
+                  <dgm:constr type="w" for="ch" forName="rootText1" refType="w"/>
+                  <dgm:constr type="h" for="ch" forName="rootText1" refType="h" fact="0.9"/>
+                  <dgm:constr type="l" for="ch" forName="titleText1" refType="w" fact="0.2"/>
+                  <dgm:constr type="t" for="ch" forName="titleText1" refType="h" fact="0.7"/>
+                  <dgm:constr type="w" for="ch" forName="titleText1" refType="w" fact="0.9"/>
+                  <dgm:constr type="h" for="ch" forName="titleText1" refType="h" fact="0.3"/>
+                  <dgm:constr type="primFontSz" for="des" forName="titleText1" refType="primFontSz" refFor="des" refForName="rootText1" op="lte"/>
+                  <dgm:constr type="r" for="ch" forName="rootConnector1" refType="w"/>
+                  <dgm:constr type="t" for="ch" forName="rootConnector1"/>
+                  <dgm:constr type="w" for="ch" forName="rootConnector1" refType="w" refFor="ch" refForName="rootText1" fact="0.2"/>
+                  <dgm:constr type="h" for="ch" forName="rootConnector1" refType="h" refFor="ch" refForName="rootText1"/>
+                </dgm:constrLst>
+              </dgm:else>
+            </dgm:choose>
+            <dgm:ruleLst/>
+            <dgm:layoutNode name="rootText1" styleLbl="node0">
+              <dgm:varLst>
+                <dgm:chMax/>
+                <dgm:chPref val="3"/>
+              </dgm:varLst>
+              <dgm:alg type="tx"/>
+              <dgm:shape xmlns:r="http://schemas.openxmlformats.org/officeDocument/2006/relationships" type="rect" r:blip="">
+                <dgm:adjLst/>
+              </dgm:shape>
+              <dgm:presOf axis="self" ptType="node" cnt="1"/>
+              <dgm:constrLst>
+                <dgm:constr type="primFontSz" val="65"/>
+                <dgm:constr type="lMarg" refType="primFontSz" fact="0.05"/>
+                <dgm:constr type="rMarg" refType="primFontSz" fact="0.05"/>
+                <dgm:constr type="tMarg" refType="primFontSz" fact="0.05"/>
+                <dgm:constr type="bMarg" refType="h" fact="0.4"/>
+              </dgm:constrLst>
+              <dgm:ruleLst>
+                <dgm:rule type="primFontSz" val="5" fact="NaN" max="NaN"/>
+              </dgm:ruleLst>
+            </dgm:layoutNode>
+            <dgm:layoutNode name="titleText1" styleLbl="fgAcc0">
+              <dgm:varLst>
+                <dgm:chMax val="0"/>
+                <dgm:chPref val="0"/>
+              </dgm:varLst>
+              <dgm:alg type="tx">
+                <dgm:param type="parTxLTRAlign" val="r"/>
+              </dgm:alg>
+              <dgm:shape xmlns:r="http://schemas.openxmlformats.org/officeDocument/2006/relationships" type="rect" r:blip="">
+                <dgm:adjLst/>
+              </dgm:shape>
+              <dgm:presOf axis="followSib" ptType="sibTrans" hideLastTrans="0" cnt="1"/>
+              <dgm:constrLst>
+                <dgm:constr type="primFontSz" val="65"/>
+                <dgm:constr type="lMarg" refType="primFontSz" fact="0.2"/>
+                <dgm:constr type="rMarg" refType="primFontSz" fact="0.2"/>
+                <dgm:constr type="tMarg" refType="primFontSz" fact="0.05"/>
+                <dgm:constr type="bMarg" refType="primFontSz" fact="0.05"/>
+              </dgm:constrLst>
+              <dgm:ruleLst>
+                <dgm:rule type="primFontSz" val="5" fact="NaN" max="NaN"/>
+              </dgm:ruleLst>
+            </dgm:layoutNode>
+            <dgm:layoutNode name="rootConnector1" moveWith="rootText1">
+              <dgm:alg type="sp"/>
+              <dgm:shape xmlns:r="http://schemas.openxmlformats.org/officeDocument/2006/relationships" type="rect" r:blip="" hideGeom="1">
+                <dgm:adjLst/>
+              </dgm:shape>
+              <dgm:presOf axis="self" ptType="node" cnt="1"/>
+              <dgm:constrLst/>
+              <dgm:ruleLst/>
+            </dgm:layoutNode>
+          </dgm:layoutNode>
+          <dgm:layoutNode name="hierChild2">
+            <dgm:choose name="Name21">
+              <dgm:if name="Name22" func="var" arg="hierBranch" op="equ" val="l">
+                <dgm:alg type="hierChild">
+                  <dgm:param type="chAlign" val="r"/>
+                  <dgm:param type="linDir" val="fromT"/>
+                </dgm:alg>
+              </dgm:if>
+              <dgm:if name="Name23" func="var" arg="hierBranch" op="equ" val="r">
+                <dgm:alg type="hierChild">
+                  <dgm:param type="chAlign" val="l"/>
+                  <dgm:param type="linDir" val="fromT"/>
+                </dgm:alg>
+              </dgm:if>
+              <dgm:if name="Name24" func="var" arg="hierBranch" op="equ" val="hang">
+                <dgm:choose name="Name25">
+                  <dgm:if name="Name26" func="var" arg="dir" op="equ" val="norm">
+                    <dgm:alg type="hierChild">
+                      <dgm:param type="chAlign" val="l"/>
+                      <dgm:param type="linDir" val="fromL"/>
+                      <dgm:param type="secChAlign" val="t"/>
+                      <dgm:param type="secLinDir" val="fromT"/>
+                    </dgm:alg>
+                  </dgm:if>
+                  <dgm:else name="Name27">
+                    <dgm:alg type="hierChild">
+                      <dgm:param type="chAlign" val="l"/>
+                      <dgm:param type="linDir" val="fromR"/>
+                      <dgm:param type="secChAlign" val="t"/>
+                      <dgm:param type="secLinDir" val="fromT"/>
+                    </dgm:alg>
+                  </dgm:else>
+                </dgm:choose>
+              </dgm:if>
+              <dgm:else name="Name28">
+                <dgm:choose name="Name29">
+                  <dgm:if name="Name30" func="var" arg="dir" op="equ" val="norm">
+                    <dgm:alg type="hierChild"/>
+                  </dgm:if>
+                  <dgm:else name="Name31">
+                    <dgm:alg type="hierChild">
+                      <dgm:param type="linDir" val="fromR"/>
+                    </dgm:alg>
+                  </dgm:else>
+                </dgm:choose>
+              </dgm:else>
+            </dgm:choose>
+            <dgm:shape xmlns:r="http://schemas.openxmlformats.org/officeDocument/2006/relationships" r:blip="">
+              <dgm:adjLst/>
+            </dgm:shape>
+            <dgm:presOf/>
+            <dgm:constrLst/>
+            <dgm:ruleLst/>
+            <dgm:forEach name="rep2a" axis="ch" ptType="nonAsst">
+              <dgm:forEach name="Name32" axis="precedSib" ptType="parTrans" st="-1" cnt="1">
+                <dgm:choose name="Name33">
+                  <dgm:if name="Name34" func="var" arg="hierBranch" op="equ" val="std">
+                    <dgm:layoutNode name="Name35">
+                      <dgm:alg type="conn">
+                        <dgm:param type="connRout" val="bend"/>
+                        <dgm:param type="dim" val="1D"/>
+                        <dgm:param type="endSty" val="noArr"/>
+                        <dgm:param type="begPts" val="bCtr"/>
+                        <dgm:param type="endPts" val="tCtr"/>
+                        <dgm:param type="bendPt" val="end"/>
+                      </dgm:alg>
+                      <dgm:shape xmlns:r="http://schemas.openxmlformats.org/officeDocument/2006/relationships" type="conn" r:blip="" zOrderOff="-99999">
+                        <dgm:adjLst/>
+                      </dgm:shape>
+                      <dgm:presOf axis="self"/>
+                      <dgm:constrLst>
+                        <dgm:constr type="begPad"/>
+                        <dgm:constr type="endPad"/>
+                      </dgm:constrLst>
+                      <dgm:ruleLst/>
+                    </dgm:layoutNode>
+                  </dgm:if>
+                  <dgm:if name="Name36" func="var" arg="hierBranch" op="equ" val="init">
+                    <dgm:layoutNode name="Name37">
+                      <dgm:choose name="Name38">
+                        <dgm:if name="Name39" axis="self" func="depth" op="lte" val="2">
+                          <dgm:alg type="conn">
+                            <dgm:param type="connRout" val="bend"/>
+                            <dgm:param type="dim" val="1D"/>
+                            <dgm:param type="endSty" val="noArr"/>
+                            <dgm:param type="begPts" val="bCtr"/>
+                            <dgm:param type="endPts" val="tCtr"/>
+                            <dgm:param type="bendPt" val="end"/>
+                          </dgm:alg>
+                        </dgm:if>
+                        <dgm:else name="Name40">
+                          <dgm:alg type="conn">
+                            <dgm:param type="connRout" val="bend"/>
+                            <dgm:param type="dim" val="1D"/>
+                            <dgm:param type="endSty" val="noArr"/>
+                            <dgm:param type="begPts" val="bCtr"/>
+                            <dgm:param type="endPts" val="tCtr"/>
+                            <dgm:param type="bendPt" val="end"/>
+                          </dgm:alg>
+                        </dgm:else>
+                      </dgm:choose>
+                      <dgm:shape xmlns:r="http://schemas.openxmlformats.org/officeDocument/2006/relationships" type="conn" r:blip="" zOrderOff="-99999">
+                        <dgm:adjLst/>
+                      </dgm:shape>
+                      <dgm:presOf axis="self"/>
+                      <dgm:constrLst>
+                        <dgm:constr type="begPad"/>
+                        <dgm:constr type="endPad"/>
+                      </dgm:constrLst>
+                      <dgm:ruleLst/>
+                    </dgm:layoutNode>
+                  </dgm:if>
+                  <dgm:if name="Name41" func="var" arg="hierBranch" op="equ" val="hang">
+                    <dgm:layoutNode name="Name42">
+                      <dgm:alg type="conn">
+                        <dgm:param type="connRout" val="bend"/>
+                        <dgm:param type="dim" val="1D"/>
+                        <dgm:param type="endSty" val="noArr"/>
+                        <dgm:param type="begPts" val="bCtr"/>
+                        <dgm:param type="endPts" val="midL midR"/>
+                      </dgm:alg>
+                      <dgm:shape xmlns:r="http://schemas.openxmlformats.org/officeDocument/2006/relationships" type="conn" r:blip="" zOrderOff="-99999">
+                        <dgm:adjLst/>
+                      </dgm:shape>
+                      <dgm:presOf axis="self"/>
+                      <dgm:constrLst>
+                        <dgm:constr type="begPad"/>
+                        <dgm:constr type="endPad"/>
+                      </dgm:constrLst>
+                      <dgm:ruleLst/>
+                    </dgm:layoutNode>
+                  </dgm:if>
+                  <dgm:else name="Name43">
+                    <dgm:layoutNode name="Name44">
+                      <dgm:choose name="Name45">
+                        <dgm:if name="Name46" axis="self" func="depth" op="lte" val="2">
+                          <dgm:choose name="Name47">
+                            <dgm:if name="Name48" axis="par ch" ptType="node asst" func="cnt" op="gte" val="1">
+                              <dgm:alg type="conn">
+                                <dgm:param type="connRout" val="bend"/>
+                                <dgm:param type="dim" val="1D"/>
+                                <dgm:param type="endSty" val="noArr"/>
+                                <dgm:param type="begPts" val="bCtr"/>
+                                <dgm:param type="endPts" val="midL midR"/>
+                              </dgm:alg>
+                            </dgm:if>
+                            <dgm:else name="Name49">
+                              <dgm:alg type="conn">
+                                <dgm:param type="connRout" val="bend"/>
+                                <dgm:param type="dim" val="1D"/>
+                                <dgm:param type="endSty" val="noArr"/>
+                                <dgm:param type="begPts" val="bCtr"/>
+                                <dgm:param type="endPts" val="midL midR"/>
+                                <dgm:param type="srcNode" val="rootConnector1"/>
+                              </dgm:alg>
+                            </dgm:else>
+                          </dgm:choose>
+                        </dgm:if>
+                        <dgm:else name="Name50">
+                          <dgm:choose name="Name51">
+                            <dgm:if name="Name52" axis="par ch" ptType="node asst" func="cnt" op="gte" val="1">
+                              <dgm:alg type="conn">
+                                <dgm:param type="connRout" val="bend"/>
+                                <dgm:param type="dim" val="1D"/>
+                                <dgm:param type="endSty" val="noArr"/>
+                                <dgm:param type="begPts" val="bCtr"/>
+                                <dgm:param type="endPts" val="midL midR"/>
+                              </dgm:alg>
+                            </dgm:if>
+                            <dgm:else name="Name53">
+                              <dgm:alg type="conn">
+                                <dgm:param type="connRout" val="bend"/>
+                                <dgm:param type="dim" val="1D"/>
+                                <dgm:param type="endSty" val="noArr"/>
+                                <dgm:param type="begPts" val="bCtr"/>
+                                <dgm:param type="endPts" val="midL midR"/>
+                                <dgm:param type="srcNode" val="rootConnector"/>
+                              </dgm:alg>
+                            </dgm:else>
+                          </dgm:choose>
+                        </dgm:else>
+                      </dgm:choose>
+                      <dgm:shape xmlns:r="http://schemas.openxmlformats.org/officeDocument/2006/relationships" type="conn" r:blip="" zOrderOff="-99999">
+                        <dgm:adjLst/>
+                      </dgm:shape>
+                      <dgm:presOf axis="self"/>
+                      <dgm:constrLst>
+                        <dgm:constr type="begPad"/>
+                        <dgm:constr type="endPad"/>
+                      </dgm:constrLst>
+                      <dgm:ruleLst/>
+                    </dgm:layoutNode>
+                  </dgm:else>
+                </dgm:choose>
+              </dgm:forEach>
+              <dgm:layoutNode name="hierRoot2">
+                <dgm:varLst>
+                  <dgm:hierBranch val="init"/>
+                </dgm:varLst>
+                <dgm:choose name="Name54">
+                  <dgm:if name="Name55" func="var" arg="hierBranch" op="equ" val="l">
+                    <dgm:choose name="Name56">
+                      <dgm:if name="Name57" axis="ch" ptType="asst" func="cnt" op="gte" val="1">
+                        <dgm:alg type="hierRoot">
+                          <dgm:param type="hierAlign" val="tR"/>
+                        </dgm:alg>
+                        <dgm:shape xmlns:r="http://schemas.openxmlformats.org/officeDocument/2006/relationships" r:blip="">
+                          <dgm:adjLst/>
+                        </dgm:shape>
+                        <dgm:presOf/>
+                        <dgm:constrLst>
+                          <dgm:constr type="alignOff" val="0.65"/>
+                        </dgm:constrLst>
+                      </dgm:if>
+                      <dgm:else name="Name58">
+                        <dgm:alg type="hierRoot">
+                          <dgm:param type="hierAlign" val="tR"/>
+                        </dgm:alg>
+                        <dgm:shape xmlns:r="http://schemas.openxmlformats.org/officeDocument/2006/relationships" r:blip="">
+                          <dgm:adjLst/>
+                        </dgm:shape>
+                        <dgm:presOf/>
+                        <dgm:constrLst>
+                          <dgm:constr type="alignOff" val="0.25"/>
+                        </dgm:constrLst>
+                      </dgm:else>
+                    </dgm:choose>
+                  </dgm:if>
+                  <dgm:if name="Name59" func="var" arg="hierBranch" op="equ" val="r">
+                    <dgm:choose name="Name60">
+                      <dgm:if name="Name61" axis="ch" ptType="asst" func="cnt" op="gte" val="1">
+                        <dgm:alg type="hierRoot">
+                          <dgm:param type="hierAlign" val="tL"/>
+                        </dgm:alg>
+                        <dgm:shape xmlns:r="http://schemas.openxmlformats.org/officeDocument/2006/relationships" r:blip="">
+                          <dgm:adjLst/>
+                        </dgm:shape>
+                        <dgm:presOf/>
+                        <dgm:constrLst>
+                          <dgm:constr type="alignOff" val="0.65"/>
+                        </dgm:constrLst>
+                      </dgm:if>
+                      <dgm:else name="Name62">
+                        <dgm:alg type="hierRoot">
+                          <dgm:param type="hierAlign" val="tL"/>
+                        </dgm:alg>
+                        <dgm:shape xmlns:r="http://schemas.openxmlformats.org/officeDocument/2006/relationships" r:blip="">
+                          <dgm:adjLst/>
+                        </dgm:shape>
+                        <dgm:presOf/>
+                        <dgm:constrLst>
+                          <dgm:constr type="alignOff" val="0.25"/>
+                        </dgm:constrLst>
+                      </dgm:else>
+                    </dgm:choose>
+                  </dgm:if>
+                  <dgm:if name="Name63" func="var" arg="hierBranch" op="equ" val="std">
+                    <dgm:alg type="hierRoot"/>
+                    <dgm:shape xmlns:r="http://schemas.openxmlformats.org/officeDocument/2006/relationships" r:blip="">
+                      <dgm:adjLst/>
+                    </dgm:shape>
+                    <dgm:presOf/>
+                    <dgm:constrLst>
+                      <dgm:constr type="alignOff"/>
+                      <dgm:constr type="bendDist" for="des" ptType="parTrans" refType="sp" fact="0.5"/>
+                    </dgm:constrLst>
+                  </dgm:if>
+                  <dgm:if name="Name64" func="var" arg="hierBranch" op="equ" val="init">
+                    <dgm:alg type="hierRoot"/>
+                    <dgm:shape xmlns:r="http://schemas.openxmlformats.org/officeDocument/2006/relationships" r:blip="">
+                      <dgm:adjLst/>
+                    </dgm:shape>
+                    <dgm:presOf/>
+                    <dgm:constrLst>
+                      <dgm:constr type="alignOff"/>
+                      <dgm:constr type="bendDist" for="des" ptType="parTrans" refType="sp" fact="0.5"/>
+                    </dgm:constrLst>
+                  </dgm:if>
+                  <dgm:else name="Name65">
+                    <dgm:alg type="hierRoot"/>
+                    <dgm:shape xmlns:r="http://schemas.openxmlformats.org/officeDocument/2006/relationships" r:blip="">
+                      <dgm:adjLst/>
+                    </dgm:shape>
+                    <dgm:presOf/>
+                    <dgm:constrLst>
+                      <dgm:constr type="alignOff" val="0.65"/>
+                    </dgm:constrLst>
+                  </dgm:else>
+                </dgm:choose>
+                <dgm:ruleLst/>
+                <dgm:layoutNode name="rootComposite">
+                  <dgm:alg type="composite"/>
+                  <dgm:shape xmlns:r="http://schemas.openxmlformats.org/officeDocument/2006/relationships" r:blip="">
+                    <dgm:adjLst/>
+                  </dgm:shape>
+                  <dgm:presOf axis="self" ptType="node" cnt="1"/>
+                  <dgm:choose name="Name66">
+                    <dgm:if name="Name67" func="var" arg="hierBranch" op="equ" val="init">
+                      <dgm:constrLst>
+                        <dgm:constr type="l" for="ch" forName="rootText"/>
+                        <dgm:constr type="t" for="ch" forName="rootText"/>
+                        <dgm:constr type="w" for="ch" forName="rootText" refType="w"/>
+                        <dgm:constr type="h" for="ch" forName="rootText" refType="h" fact="0.9"/>
+                        <dgm:constr type="l" for="ch" forName="titleText2" refType="w" fact="0.2"/>
+                        <dgm:constr type="t" for="ch" forName="titleText2" refType="h" fact="0.7"/>
+                        <dgm:constr type="w" for="ch" forName="titleText2" refType="w" fact="0.9"/>
+                        <dgm:constr type="h" for="ch" forName="titleText2" refType="h" fact="0.3"/>
+                        <dgm:constr type="primFontSz" for="des" forName="titleText2" refType="primFontSz" refFor="des" refForName="rootText1" op="lte"/>
+                        <dgm:constr type="l" for="ch" forName="rootConnector"/>
+                        <dgm:constr type="t" for="ch" forName="rootConnector"/>
+                        <dgm:constr type="w" for="ch" forName="rootConnector" refType="w" refFor="ch" refForName="rootText" fact="0.2"/>
+                        <dgm:constr type="h" for="ch" forName="rootConnector" refType="h" refFor="ch" refForName="rootText"/>
+                      </dgm:constrLst>
+                    </dgm:if>
+                    <dgm:if name="Name68" func="var" arg="hierBranch" op="equ" val="l">
+                      <dgm:constrLst>
+                        <dgm:constr type="l" for="ch" forName="rootText"/>
+                        <dgm:constr type="t" for="ch" forName="rootText"/>
+                        <dgm:constr type="w" for="ch" forName="rootText" refType="w"/>
+                        <dgm:constr type="h" for="ch" forName="rootText" refType="h" fact="0.9"/>
+                        <dgm:constr type="l" for="ch" forName="titleText2" refType="w" fact="0.2"/>
+                        <dgm:constr type="t" for="ch" forName="titleText2" refType="h" fact="0.7"/>
+                        <dgm:constr type="w" for="ch" forName="titleText2" refType="w" fact="0.9"/>
+                        <dgm:constr type="h" for="ch" forName="titleText2" refType="h" fact="0.3"/>
+                        <dgm:constr type="primFontSz" for="des" forName="titleText2" refType="primFontSz" refFor="des" refForName="rootText1" op="lte"/>
+                        <dgm:constr type="r" for="ch" forName="rootConnector" refType="w"/>
+                        <dgm:constr type="t" for="ch" forName="rootConnector"/>
+                        <dgm:constr type="w" for="ch" forName="rootConnector" refType="w" refFor="ch" refForName="rootText" fact="0.2"/>
+                        <dgm:constr type="h" for="ch" forName="rootConnector" refType="h" refFor="ch" refForName="rootText"/>
+                      </dgm:constrLst>
+                    </dgm:if>
+                    <dgm:if name="Name69" func="var" arg="hierBranch" op="equ" val="r">
+                      <dgm:constrLst>
+                        <dgm:constr type="l" for="ch" forName="rootText"/>
+                        <dgm:constr type="t" for="ch" forName="rootText"/>
+                        <dgm:constr type="w" for="ch" forName="rootText" refType="w"/>
+                        <dgm:constr type="h" for="ch" forName="rootText" refType="h" fact="0.9"/>
+                        <dgm:constr type="l" for="ch" forName="titleText2" refType="w" fact="0.2"/>
+                        <dgm:constr type="t" for="ch" forName="titleText2" refType="h" fact="0.7"/>
+                        <dgm:constr type="w" for="ch" forName="titleText2" refType="w" fact="0.9"/>
+                        <dgm:constr type="h" for="ch" forName="titleText2" refType="h" fact="0.3"/>
+                        <dgm:constr type="primFontSz" for="des" forName="titleText2" refType="primFontSz" refFor="des" refForName="rootText1" op="lte"/>
+                        <dgm:constr type="l" for="ch" forName="rootConnector"/>
+                        <dgm:constr type="t" for="ch" forName="rootConnector"/>
+                        <dgm:constr type="w" for="ch" forName="rootConnector" refType="w" refFor="ch" refForName="rootText" fact="0.2"/>
+                        <dgm:constr type="h" for="ch" forName="rootConnector" refType="h" refFor="ch" refForName="rootText"/>
+                      </dgm:constrLst>
+                    </dgm:if>
+                    <dgm:else name="Name70">
+                      <dgm:constrLst>
+                        <dgm:constr type="l" for="ch" forName="rootText"/>
+                        <dgm:constr type="t" for="ch" forName="rootText"/>
+                        <dgm:constr type="w" for="ch" forName="rootText" refType="w"/>
+                        <dgm:constr type="h" for="ch" forName="rootText" refType="h" fact="0.9"/>
+                        <dgm:constr type="l" for="ch" forName="titleText2" refType="w" fact="0.2"/>
+                        <dgm:constr type="t" for="ch" forName="titleText2" refType="h" fact="0.7"/>
+                        <dgm:constr type="w" for="ch" forName="titleText2" refType="w" fact="0.9"/>
+                        <dgm:constr type="h" for="ch" forName="titleText2" refType="h" fact="0.3"/>
+                        <dgm:constr type="primFontSz" for="des" forName="titleText2" refType="primFontSz" refFor="des" refForName="rootText1" op="lte"/>
+                        <dgm:constr type="r" for="ch" forName="rootConnector" refType="w"/>
+                        <dgm:constr type="t" for="ch" forName="rootConnector"/>
+                        <dgm:constr type="w" for="ch" forName="rootConnector" refType="w" refFor="ch" refForName="rootText" fact="0.2"/>
+                        <dgm:constr type="h" for="ch" forName="rootConnector" refType="h" refFor="ch" refForName="rootText"/>
+                      </dgm:constrLst>
+                    </dgm:else>
+                  </dgm:choose>
+                  <dgm:ruleLst/>
+                  <dgm:layoutNode name="rootText" styleLbl="node1">
+                    <dgm:varLst>
+                      <dgm:chMax/>
+                      <dgm:chPref val="3"/>
+                    </dgm:varLst>
+                    <dgm:alg type="tx"/>
+                    <dgm:shape xmlns:r="http://schemas.openxmlformats.org/officeDocument/2006/relationships" type="rect" r:blip="">
+                      <dgm:adjLst/>
+                    </dgm:shape>
+                    <dgm:presOf axis="self" ptType="node" cnt="1"/>
+                    <dgm:constrLst>
+                      <dgm:constr type="primFontSz" val="65"/>
+                      <dgm:constr type="lMarg" refType="primFontSz" fact="0.05"/>
+                      <dgm:constr type="rMarg" refType="primFontSz" fact="0.05"/>
+                      <dgm:constr type="tMarg" refType="primFontSz" fact="0.05"/>
+                      <dgm:constr type="bMarg" refType="h" fact="0.4"/>
+                    </dgm:constrLst>
+                    <dgm:ruleLst>
+                      <dgm:rule type="primFontSz" val="5" fact="NaN" max="NaN"/>
+                    </dgm:ruleLst>
+                  </dgm:layoutNode>
+                  <dgm:layoutNode name="titleText2" styleLbl="fgAcc1">
+                    <dgm:varLst>
+                      <dgm:chMax val="0"/>
+                      <dgm:chPref val="0"/>
+                    </dgm:varLst>
+                    <dgm:alg type="tx">
+                      <dgm:param type="parTxLTRAlign" val="r"/>
+                    </dgm:alg>
+                    <dgm:shape xmlns:r="http://schemas.openxmlformats.org/officeDocument/2006/relationships" type="rect" r:blip="">
+                      <dgm:adjLst/>
+                    </dgm:shape>
+                    <dgm:presOf axis="followSib" ptType="sibTrans" hideLastTrans="0" cnt="1"/>
+                    <dgm:constrLst>
+                      <dgm:constr type="primFontSz" val="65"/>
+                      <dgm:constr type="lMarg" refType="primFontSz" fact="0.2"/>
+                      <dgm:constr type="rMarg" refType="primFontSz" fact="0.2"/>
+                      <dgm:constr type="tMarg" refType="primFontSz" fact="0.05"/>
+                      <dgm:constr type="bMarg" refType="primFontSz" fact="0.05"/>
+                    </dgm:constrLst>
+                    <dgm:ruleLst>
+                      <dgm:rule type="primFontSz" val="5" fact="NaN" max="NaN"/>
+                    </dgm:ruleLst>
+                  </dgm:layoutNode>
+                  <dgm:layoutNode name="rootConnector" moveWith="rootText">
+                    <dgm:alg type="sp"/>
+                    <dgm:shape xmlns:r="http://schemas.openxmlformats.org/officeDocument/2006/relationships" type="rect" r:blip="" hideGeom="1">
+                      <dgm:adjLst/>
+                    </dgm:shape>
+                    <dgm:presOf axis="self" ptType="node" cnt="1"/>
+                    <dgm:constrLst/>
+                    <dgm:ruleLst/>
+                  </dgm:layoutNode>
+                </dgm:layoutNode>
+                <dgm:layoutNode name="hierChild4">
+                  <dgm:choose name="Name71">
+                    <dgm:if name="Name72" func="var" arg="hierBranch" op="equ" val="l">
+                      <dgm:alg type="hierChild">
+                        <dgm:param type="chAlign" val="r"/>
+                        <dgm:param type="linDir" val="fromT"/>
+                      </dgm:alg>
+                    </dgm:if>
+                    <dgm:if name="Name73" func="var" arg="hierBranch" op="equ" val="r">
+                      <dgm:alg type="hierChild">
+                        <dgm:param type="chAlign" val="l"/>
+                        <dgm:param type="linDir" val="fromT"/>
+                      </dgm:alg>
+                    </dgm:if>
+                    <dgm:if name="Name74" func="var" arg="hierBranch" op="equ" val="hang">
+                      <dgm:choose name="Name75">
+                        <dgm:if name="Name76" func="var" arg="dir" op="equ" val="norm">
+                          <dgm:alg type="hierChild">
+                            <dgm:param type="chAlign" val="l"/>
+                            <dgm:param type="linDir" val="fromL"/>
+                            <dgm:param type="secChAlign" val="t"/>
+                            <dgm:param type="secLinDir" val="fromT"/>
+                          </dgm:alg>
+                        </dgm:if>
+                        <dgm:else name="Name77">
+                          <dgm:alg type="hierChild">
+                            <dgm:param type="chAlign" val="l"/>
+                            <dgm:param type="linDir" val="fromR"/>
+                            <dgm:param type="secChAlign" val="t"/>
+                            <dgm:param type="secLinDir" val="fromT"/>
+                          </dgm:alg>
+                        </dgm:else>
+                      </dgm:choose>
+                    </dgm:if>
+                    <dgm:if name="Name78" func="var" arg="hierBranch" op="equ" val="std">
+                      <dgm:choose name="Name79">
+                        <dgm:if name="Name80" func="var" arg="dir" op="equ" val="norm">
+                          <dgm:alg type="hierChild"/>
+                        </dgm:if>
+                        <dgm:else name="Name81">
+                          <dgm:alg type="hierChild">
+                            <dgm:param type="linDir" val="fromR"/>
+                          </dgm:alg>
+                        </dgm:else>
+                      </dgm:choose>
+                    </dgm:if>
+                    <dgm:if name="Name82" func="var" arg="hierBranch" op="equ" val="init">
+                      <dgm:choose name="Name83">
+                        <dgm:if name="Name84" func="var" arg="dir" op="equ" val="norm">
+                          <dgm:alg type="hierChild"/>
+                        </dgm:if>
+                        <dgm:else name="Name85">
+                          <dgm:alg type="hierChild">
+                            <dgm:param type="linDir" val="fromR"/>
+                          </dgm:alg>
+                        </dgm:else>
+                      </dgm:choose>
+                    </dgm:if>
+                    <dgm:else name="Name86"/>
+                  </dgm:choose>
+                  <dgm:shape xmlns:r="http://schemas.openxmlformats.org/officeDocument/2006/relationships" r:blip="">
+                    <dgm:adjLst/>
+                  </dgm:shape>
+                  <dgm:presOf/>
+                  <dgm:constrLst/>
+                  <dgm:ruleLst/>
+                  <dgm:forEach name="Name87" ref="rep2a"/>
+                </dgm:layoutNode>
+                <dgm:layoutNode name="hierChild5">
+                  <dgm:choose name="Name88">
+                    <dgm:if name="Name89" func="var" arg="dir" op="equ" val="norm">
+                      <dgm:alg type="hierChild">
+                        <dgm:param type="chAlign" val="l"/>
+                        <dgm:param type="linDir" val="fromL"/>
+                        <dgm:param type="secChAlign" val="t"/>
+                        <dgm:param type="secLinDir" val="fromT"/>
+                      </dgm:alg>
+                    </dgm:if>
+                    <dgm:else name="Name90">
+                      <dgm:alg type="hierChild">
+                        <dgm:param type="chAlign" val="l"/>
+                        <dgm:param type="linDir" val="fromR"/>
+                        <dgm:param type="secChAlign" val="t"/>
+                        <dgm:param type="secLinDir" val="fromT"/>
+                      </dgm:alg>
+                    </dgm:else>
+                  </dgm:choose>
+                  <dgm:shape xmlns:r="http://schemas.openxmlformats.org/officeDocument/2006/relationships" r:blip="">
+                    <dgm:adjLst/>
+                  </dgm:shape>
+                  <dgm:presOf/>
+                  <dgm:constrLst/>
+                  <dgm:ruleLst/>
+                  <dgm:forEach name="Name91" ref="rep2b"/>
+                </dgm:layoutNode>
+              </dgm:layoutNode>
+            </dgm:forEach>
+          </dgm:layoutNode>
+          <dgm:layoutNode name="hierChild3">
+            <dgm:choose name="Name92">
+              <dgm:if name="Name93" func="var" arg="dir" op="equ" val="norm">
+                <dgm:alg type="hierChild">
+                  <dgm:param type="chAlign" val="l"/>
+                  <dgm:param type="linDir" val="fromL"/>
+                  <dgm:param type="secChAlign" val="t"/>
+                  <dgm:param type="secLinDir" val="fromT"/>
+                </dgm:alg>
+              </dgm:if>
+              <dgm:else name="Name94">
+                <dgm:alg type="hierChild">
+                  <dgm:param type="chAlign" val="l"/>
+                  <dgm:param type="linDir" val="fromR"/>
+                  <dgm:param type="secChAlign" val="t"/>
+                  <dgm:param type="secLinDir" val="fromT"/>
+                </dgm:alg>
+              </dgm:else>
+            </dgm:choose>
+            <dgm:shape xmlns:r="http://schemas.openxmlformats.org/officeDocument/2006/relationships" r:blip="">
+              <dgm:adjLst/>
+            </dgm:shape>
+            <dgm:presOf/>
+            <dgm:constrLst/>
+            <dgm:ruleLst/>
+            <dgm:forEach name="rep2b" axis="ch" ptType="asst">
+              <dgm:forEach name="Name95" axis="precedSib" ptType="parTrans" st="-1" cnt="1">
+                <dgm:layoutNode name="Name96">
+                  <dgm:alg type="conn">
+                    <dgm:param type="connRout" val="bend"/>
+                    <dgm:param type="dim" val="1D"/>
+                    <dgm:param type="endSty" val="noArr"/>
+                    <dgm:param type="begPts" val="bCtr"/>
+                    <dgm:param type="endPts" val="midL midR"/>
+                  </dgm:alg>
+                  <dgm:shape xmlns:r="http://schemas.openxmlformats.org/officeDocument/2006/relationships" type="conn" r:blip="" zOrderOff="-99999">
+                    <dgm:adjLst/>
+                  </dgm:shape>
+                  <dgm:presOf axis="self"/>
+                  <dgm:constrLst>
+                    <dgm:constr type="begPad"/>
+                    <dgm:constr type="endPad"/>
+                  </dgm:constrLst>
+                  <dgm:ruleLst/>
+                </dgm:layoutNode>
+              </dgm:forEach>
+              <dgm:layoutNode name="hierRoot3">
+                <dgm:varLst>
+                  <dgm:hierBranch val="init"/>
+                </dgm:varLst>
+                <dgm:choose name="Name97">
+                  <dgm:if name="Name98" func="var" arg="hierBranch" op="equ" val="l">
+                    <dgm:alg type="hierRoot">
+                      <dgm:param type="hierAlign" val="tR"/>
+                    </dgm:alg>
+                    <dgm:shape xmlns:r="http://schemas.openxmlformats.org/officeDocument/2006/relationships" r:blip="">
+                      <dgm:adjLst/>
+                    </dgm:shape>
+                    <dgm:presOf/>
+                    <dgm:constrLst>
+                      <dgm:constr type="alignOff" val="0.65"/>
+                    </dgm:constrLst>
+                  </dgm:if>
+                  <dgm:if name="Name99" func="var" arg="hierBranch" op="equ" val="r">
+                    <dgm:alg type="hierRoot">
+                      <dgm:param type="hierAlign" val="tL"/>
+                    </dgm:alg>
+                    <dgm:shape xmlns:r="http://schemas.openxmlformats.org/officeDocument/2006/relationships" r:blip="">
+                      <dgm:adjLst/>
+                    </dgm:shape>
+                    <dgm:presOf/>
+                    <dgm:constrLst>
+                      <dgm:constr type="alignOff" val="0.65"/>
+                    </dgm:constrLst>
+                  </dgm:if>
+                  <dgm:if name="Name100" func="var" arg="hierBranch" op="equ" val="hang">
+                    <dgm:alg type="hierRoot"/>
+                    <dgm:shape xmlns:r="http://schemas.openxmlformats.org/officeDocument/2006/relationships" r:blip="">
+                      <dgm:adjLst/>
+                    </dgm:shape>
+                    <dgm:presOf/>
+                    <dgm:constrLst>
+                      <dgm:constr type="alignOff" val="0.65"/>
+                    </dgm:constrLst>
+                  </dgm:if>
+                  <dgm:if name="Name101" func="var" arg="hierBranch" op="equ" val="std">
+                    <dgm:alg type="hierRoot"/>
+                    <dgm:shape xmlns:r="http://schemas.openxmlformats.org/officeDocument/2006/relationships" r:blip="">
+                      <dgm:adjLst/>
+                    </dgm:shape>
+                    <dgm:presOf/>
+                    <dgm:constrLst>
+                      <dgm:constr type="alignOff"/>
+                      <dgm:constr type="bendDist" for="des" ptType="parTrans" refType="sp" fact="0.5"/>
+                    </dgm:constrLst>
+                  </dgm:if>
+                  <dgm:if name="Name102" func="var" arg="hierBranch" op="equ" val="init">
+                    <dgm:alg type="hierRoot"/>
+                    <dgm:shape xmlns:r="http://schemas.openxmlformats.org/officeDocument/2006/relationships" r:blip="">
+                      <dgm:adjLst/>
+                    </dgm:shape>
+                    <dgm:presOf/>
+                    <dgm:constrLst>
+                      <dgm:constr type="alignOff"/>
+                      <dgm:constr type="bendDist" for="des" ptType="parTrans" refType="sp" fact="0.5"/>
+                    </dgm:constrLst>
+                  </dgm:if>
+                  <dgm:else name="Name103"/>
+                </dgm:choose>
+                <dgm:ruleLst/>
+                <dgm:layoutNode name="rootComposite3">
+                  <dgm:alg type="composite"/>
+                  <dgm:shape xmlns:r="http://schemas.openxmlformats.org/officeDocument/2006/relationships" r:blip="">
+                    <dgm:adjLst/>
+                  </dgm:shape>
+                  <dgm:presOf axis="self" ptType="node" cnt="1"/>
+                  <dgm:choose name="Name104">
+                    <dgm:if name="Name105" func="var" arg="hierBranch" op="equ" val="init">
+                      <dgm:constrLst>
+                        <dgm:constr type="l" for="ch" forName="rootText3"/>
+                        <dgm:constr type="t" for="ch" forName="rootText3"/>
+                        <dgm:constr type="w" for="ch" forName="rootText3" refType="w"/>
+                        <dgm:constr type="h" for="ch" forName="rootText3" refType="h" fact="0.9"/>
+                        <dgm:constr type="l" for="ch" forName="titleText3" refType="w" fact="0.2"/>
+                        <dgm:constr type="t" for="ch" forName="titleText3" refType="h" fact="0.7"/>
+                        <dgm:constr type="w" for="ch" forName="titleText3" refType="w" fact="0.9"/>
+                        <dgm:constr type="h" for="ch" forName="titleText3" refType="h" fact="0.3"/>
+                        <dgm:constr type="primFontSz" for="des" forName="titleText3" refType="primFontSz" refFor="des" refForName="rootText3" op="lte"/>
+                        <dgm:constr type="l" for="ch" forName="rootConnector3"/>
+                        <dgm:constr type="t" for="ch" forName="rootConnector3"/>
+                        <dgm:constr type="w" for="ch" forName="rootConnector3" refType="w" refFor="ch" refForName="rootText3" fact="0.2"/>
+                        <dgm:constr type="h" for="ch" forName="rootConnector3" refType="h" refFor="ch" refForName="rootText3"/>
+                      </dgm:constrLst>
+                    </dgm:if>
+                    <dgm:if name="Name106" func="var" arg="hierBranch" op="equ" val="l">
+                      <dgm:constrLst>
+                        <dgm:constr type="l" for="ch" forName="rootText3"/>
+                        <dgm:constr type="t" for="ch" forName="rootText3"/>
+                        <dgm:constr type="w" for="ch" forName="rootText3" refType="w"/>
+                        <dgm:constr type="h" for="ch" forName="rootText3" refType="h" fact="0.9"/>
+                        <dgm:constr type="l" for="ch" forName="titleText3" refType="w" fact="0.2"/>
+                        <dgm:constr type="t" for="ch" forName="titleText3" refType="h" fact="0.7"/>
+                        <dgm:constr type="w" for="ch" forName="titleText3" refType="w" fact="0.9"/>
+                        <dgm:constr type="h" for="ch" forName="titleText3" refType="h" fact="0.3"/>
+                        <dgm:constr type="primFontSz" for="des" forName="titleText3" refType="primFontSz" refFor="des" refForName="rootText3" op="lte"/>
+                        <dgm:constr type="r" for="ch" forName="rootConnector3" refType="w"/>
+                        <dgm:constr type="t" for="ch" forName="rootConnector3"/>
+                        <dgm:constr type="w" for="ch" forName="rootConnector3" refType="w" refFor="ch" refForName="rootText3" fact="0.2"/>
+                        <dgm:constr type="h" for="ch" forName="rootConnector3" refType="h" refFor="ch" refForName="rootText3"/>
+                      </dgm:constrLst>
+                    </dgm:if>
+                    <dgm:if name="Name107" func="var" arg="hierBranch" op="equ" val="r">
+                      <dgm:constrLst>
+                        <dgm:constr type="l" for="ch" forName="rootText3"/>
+                        <dgm:constr type="t" for="ch" forName="rootText3"/>
+                        <dgm:constr type="w" for="ch" forName="rootText3" refType="w"/>
+                        <dgm:constr type="h" for="ch" forName="rootText3" refType="h" fact="0.9"/>
+                        <dgm:constr type="l" for="ch" forName="titleText3" refType="w" fact="0.2"/>
+                        <dgm:constr type="t" for="ch" forName="titleText3" refType="h" fact="0.7"/>
+                        <dgm:constr type="w" for="ch" forName="titleText3" refType="w" fact="0.9"/>
+                        <dgm:constr type="h" for="ch" forName="titleText3" refType="h" fact="0.3"/>
+                        <dgm:constr type="primFontSz" for="des" forName="titleText3" refType="primFontSz" refFor="des" refForName="rootText3" op="lte"/>
+                        <dgm:constr type="l" for="ch" forName="rootConnector3"/>
+                        <dgm:constr type="t" for="ch" forName="rootConnector3"/>
+                        <dgm:constr type="w" for="ch" forName="rootConnector3" refType="w" refFor="ch" refForName="rootText3" fact="0.2"/>
+                        <dgm:constr type="h" for="ch" forName="rootConnector3" refType="h" refFor="ch" refForName="rootText3"/>
+                      </dgm:constrLst>
+                    </dgm:if>
+                    <dgm:else name="Name108">
+                      <dgm:constrLst>
+                        <dgm:constr type="l" for="ch" forName="rootText3"/>
+                        <dgm:constr type="t" for="ch" forName="rootText3"/>
+                        <dgm:constr type="w" for="ch" forName="rootText3" refType="w"/>
+                        <dgm:constr type="h" for="ch" forName="rootText3" refType="h" fact="0.9"/>
+                        <dgm:constr type="l" for="ch" forName="titleText3" refType="w" fact="0.2"/>
+                        <dgm:constr type="t" for="ch" forName="titleText3" refType="h" fact="0.7"/>
+                        <dgm:constr type="w" for="ch" forName="titleText3" refType="w" fact="0.9"/>
+                        <dgm:constr type="h" for="ch" forName="titleText3" refType="h" fact="0.3"/>
+                        <dgm:constr type="primFontSz" for="des" forName="titleText3" refType="primFontSz" refFor="des" refForName="rootText3" op="lte"/>
+                        <dgm:constr type="r" for="ch" forName="rootConnector3" refType="w"/>
+                        <dgm:constr type="t" for="ch" forName="rootConnector3"/>
+                        <dgm:constr type="w" for="ch" forName="rootConnector3" refType="w" refFor="ch" refForName="rootText3" fact="0.2"/>
+                        <dgm:constr type="h" for="ch" forName="rootConnector3" refType="h" refFor="ch" refForName="rootText3"/>
+                      </dgm:constrLst>
+                    </dgm:else>
+                  </dgm:choose>
+                  <dgm:ruleLst/>
+                  <dgm:layoutNode name="rootText3" styleLbl="asst1">
+                    <dgm:varLst>
+                      <dgm:chPref val="3"/>
+                    </dgm:varLst>
+                    <dgm:alg type="tx"/>
+                    <dgm:shape xmlns:r="http://schemas.openxmlformats.org/officeDocument/2006/relationships" type="rect" r:blip="">
+                      <dgm:adjLst/>
+                    </dgm:shape>
+                    <dgm:presOf axis="self" ptType="node" cnt="1"/>
+                    <dgm:constrLst>
+                      <dgm:constr type="primFontSz" val="65"/>
+                      <dgm:constr type="lMarg" refType="primFontSz" fact="0.05"/>
+                      <dgm:constr type="rMarg" refType="primFontSz" fact="0.05"/>
+                      <dgm:constr type="tMarg" refType="primFontSz" fact="0.05"/>
+                      <dgm:constr type="bMarg" refType="h" fact="0.4"/>
+                    </dgm:constrLst>
+                    <dgm:ruleLst>
+                      <dgm:rule type="primFontSz" val="5" fact="NaN" max="NaN"/>
+                    </dgm:ruleLst>
+                  </dgm:layoutNode>
+                  <dgm:layoutNode name="titleText3" styleLbl="fgAcc2">
+                    <dgm:varLst>
+                      <dgm:chMax val="0"/>
+                      <dgm:chPref val="0"/>
+                    </dgm:varLst>
+                    <dgm:alg type="tx">
+                      <dgm:param type="parTxLTRAlign" val="r"/>
+                    </dgm:alg>
+                    <dgm:shape xmlns:r="http://schemas.openxmlformats.org/officeDocument/2006/relationships" type="rect" r:blip="">
+                      <dgm:adjLst/>
+                    </dgm:shape>
+                    <dgm:presOf axis="followSib" ptType="sibTrans" hideLastTrans="0" cnt="1"/>
+                    <dgm:constrLst>
+                      <dgm:constr type="primFontSz" val="65"/>
+                      <dgm:constr type="lMarg" refType="primFontSz" fact="0.2"/>
+                      <dgm:constr type="rMarg" refType="primFontSz" fact="0.2"/>
+                      <dgm:constr type="tMarg" refType="primFontSz" fact="0.05"/>
+                      <dgm:constr type="bMarg" refType="primFontSz" fact="0.05"/>
+                    </dgm:constrLst>
+                    <dgm:ruleLst>
+                      <dgm:rule type="primFontSz" val="5" fact="NaN" max="NaN"/>
+                    </dgm:ruleLst>
+                  </dgm:layoutNode>
+                  <dgm:layoutNode name="rootConnector3" moveWith="rootText1">
+                    <dgm:alg type="sp"/>
+                    <dgm:shape xmlns:r="http://schemas.openxmlformats.org/officeDocument/2006/relationships" type="rect" r:blip="" hideGeom="1">
+                      <dgm:adjLst/>
+                    </dgm:shape>
+                    <dgm:presOf axis="self" ptType="node" cnt="1"/>
+                    <dgm:constrLst/>
+                    <dgm:ruleLst/>
+                  </dgm:layoutNode>
+                </dgm:layoutNode>
+                <dgm:layoutNode name="hierChild6">
+                  <dgm:choose name="Name109">
+                    <dgm:if name="Name110" func="var" arg="hierBranch" op="equ" val="l">
+                      <dgm:alg type="hierChild">
+                        <dgm:param type="chAlign" val="r"/>
+                        <dgm:param type="linDir" val="fromT"/>
+                      </dgm:alg>
+                    </dgm:if>
+                    <dgm:if name="Name111" func="var" arg="hierBranch" op="equ" val="r">
+                      <dgm:alg type="hierChild">
+                        <dgm:param type="chAlign" val="l"/>
+                        <dgm:param type="linDir" val="fromT"/>
+                      </dgm:alg>
+                    </dgm:if>
+                    <dgm:if name="Name112" func="var" arg="hierBranch" op="equ" val="hang">
+                      <dgm:choose name="Name113">
+                        <dgm:if name="Name114" func="var" arg="dir" op="equ" val="norm">
+                          <dgm:alg type="hierChild">
+                            <dgm:param type="chAlign" val="l"/>
+                            <dgm:param type="linDir" val="fromL"/>
+                            <dgm:param type="secChAlign" val="t"/>
+                            <dgm:param type="secLinDir" val="fromT"/>
+                          </dgm:alg>
+                        </dgm:if>
+                        <dgm:else name="Name115">
+                          <dgm:alg type="hierChild">
+                            <dgm:param type="chAlign" val="l"/>
+                            <dgm:param type="linDir" val="fromR"/>
+                            <dgm:param type="secChAlign" val="t"/>
+                            <dgm:param type="secLinDir" val="fromT"/>
+                          </dgm:alg>
+                        </dgm:else>
+                      </dgm:choose>
+                    </dgm:if>
+                    <dgm:if name="Name116" func="var" arg="hierBranch" op="equ" val="std">
+                      <dgm:choose name="Name117">
+                        <dgm:if name="Name118" func="var" arg="dir" op="equ" val="norm">
+                          <dgm:alg type="hierChild"/>
+                        </dgm:if>
+                        <dgm:else name="Name119">
+                          <dgm:alg type="hierChild">
+                            <dgm:param type="linDir" val="fromR"/>
+                          </dgm:alg>
+                        </dgm:else>
+                      </dgm:choose>
+                    </dgm:if>
+                    <dgm:if name="Name120" func="var" arg="hierBranch" op="equ" val="init">
+                      <dgm:alg type="hierChild"/>
+                    </dgm:if>
+                    <dgm:else name="Name121"/>
+                  </dgm:choose>
+                  <dgm:shape xmlns:r="http://schemas.openxmlformats.org/officeDocument/2006/relationships" r:blip="">
+                    <dgm:adjLst/>
+                  </dgm:shape>
+                  <dgm:presOf/>
+                  <dgm:constrLst/>
+                  <dgm:ruleLst/>
+                  <dgm:forEach name="Name122" ref="rep2a"/>
+                </dgm:layoutNode>
+                <dgm:layoutNode name="hierChild7">
+                  <dgm:choose name="Name123">
+                    <dgm:if name="Name124" func="var" arg="dir" op="equ" val="norm">
+                      <dgm:alg type="hierChild">
+                        <dgm:param type="chAlign" val="l"/>
+                        <dgm:param type="linDir" val="fromL"/>
+                        <dgm:param type="secChAlign" val="t"/>
+                        <dgm:param type="secLinDir" val="fromT"/>
+                      </dgm:alg>
+                    </dgm:if>
+                    <dgm:else name="Name125">
+                      <dgm:alg type="hierChild">
+                        <dgm:param type="chAlign" val="l"/>
+                        <dgm:param type="linDir" val="fromR"/>
+                        <dgm:param type="secChAlign" val="t"/>
+                        <dgm:param type="secLinDir" val="fromT"/>
+                      </dgm:alg>
+                    </dgm:else>
+                  </dgm:choose>
+                  <dgm:shape xmlns:r="http://schemas.openxmlformats.org/officeDocument/2006/relationships" r:blip="">
+                    <dgm:adjLst/>
+                  </dgm:shape>
+                  <dgm:presOf/>
+                  <dgm:constrLst/>
+                  <dgm:ruleLst/>
+                  <dgm:forEach name="Name126" ref="rep2b"/>
+                </dgm:layoutNode>
+              </dgm:layoutNode>
+            </dgm:forEach>
+          </dgm:layoutNode>
+        </dgm:layoutNode>
+      </dgm:forEach>
+    </dgm:forEach>
+  </dgm:layoutNode>
+</dgm:layoutDef>
+</file>
+
+<file path=ppt/diagrams/quickStyle1.xml><?xml version="1.0" encoding="utf-8"?>
+<dgm:styleDef xmlns:dgm="http://schemas.openxmlformats.org/drawingml/2006/diagram" xmlns:a="http://schemas.openxmlformats.org/drawingml/2006/main" uniqueId="urn:microsoft.com/office/officeart/2005/8/quickstyle/simple4">
+  <dgm:title val=""/>
+  <dgm:desc val=""/>
+  <dgm:catLst>
+    <dgm:cat type="simple" pri="10400"/>
+  </dgm:catLst>
+  <dgm:scene3d>
+    <a:camera prst="orthographicFront"/>
+    <a:lightRig rig="threePt" dir="t"/>
+  </dgm:scene3d>
+  <dgm:styleLbl name="node0">
+    <dgm:scene3d>
+      <a:camera prst="orthographicFront"/>
+      <a:lightRig rig="threePt" dir="t"/>
+    </dgm:scene3d>
+    <dgm:sp3d/>
+    <dgm:txPr/>
+    <dgm:style>
+      <a:lnRef idx="0">
+        <a:scrgbClr r="0" g="0" b="0"/>
+      </a:lnRef>
+      <a:fillRef idx="3">
+        <a:scrgbClr r="0" g="0" b="0"/>
+      </a:fillRef>
+      <a:effectRef idx="2">
+        <a:scrgbClr r="0" g="0" b="0"/>
+      </a:effectRef>
+      <a:fontRef idx="minor">
+        <a:schemeClr val="lt1"/>
+      </a:fontRef>
+    </dgm:style>
+  </dgm:styleLbl>
+  <dgm:styleLbl name="lnNode1">
+    <dgm:scene3d>
+      <a:camera prst="orthographicFront"/>
+      <a:lightRig rig="threePt" dir="t"/>
+    </dgm:scene3d>
+    <dgm:sp3d/>
+    <dgm:txPr/>
+    <dgm:style>
+      <a:lnRef idx="1">
+        <a:scrgbClr r="0" g="0" b="0"/>
+      </a:lnRef>
+      <a:fillRef idx="3">
+        <a:scrgbClr r="0" g="0" b="0"/>
+      </a:fillRef>
+      <a:effectRef idx="2">
+        <a:scrgbClr r="0" g="0" b="0"/>
+      </a:effectRef>
+      <a:fontRef idx="minor">
+        <a:schemeClr val="lt1"/>
+      </a:fontRef>
+    </dgm:style>
+  </dgm:styleLbl>
+  <dgm:styleLbl name="vennNode1">
+    <dgm:scene3d>
+      <a:camera prst="orthographicFront"/>
+      <a:lightRig rig="threePt" dir="t"/>
+    </dgm:scene3d>
+    <dgm:sp3d/>
+    <dgm:txPr/>
+    <dgm:style>
+      <a:lnRef idx="0">
+        <a:scrgbClr r="0" g="0" b="0"/>
+      </a:lnRef>
+      <a:fillRef idx="3">
+        <a:scrgbClr r="0" g="0" b="0"/>
+      </a:fillRef>
+      <a:effectRef idx="0">
+        <a:scrgbClr r="0" g="0" b="0"/>
+      </a:effectRef>
+      <a:fontRef idx="minor">
+        <a:schemeClr val="tx1"/>
+      </a:fontRef>
+    </dgm:style>
+  </dgm:styleLbl>
+  <dgm:styleLbl name="alignNode1">
+    <dgm:scene3d>
+      <a:camera prst="orthographicFront"/>
+      <a:lightRig rig="threePt" dir="t"/>
+    </dgm:scene3d>
+    <dgm:sp3d/>
+    <dgm:txPr/>
+    <dgm:style>
+      <a:lnRef idx="1">
+        <a:scrgbClr r="0" g="0" b="0"/>
+      </a:lnRef>
+      <a:fillRef idx="3">
+        <a:scrgbClr r="0" g="0" b="0"/>
+      </a:fillRef>
+      <a:effectRef idx="2">
+        <a:scrgbClr r="0" g="0" b="0"/>
+      </a:effectRef>
+      <a:fontRef idx="minor">
+        <a:schemeClr val="lt1"/>
+      </a:fontRef>
+    </dgm:style>
+  </dgm:styleLbl>
+  <dgm:styleLbl name="node1">
+    <dgm:scene3d>
+      <a:camera prst="orthographicFront"/>
+      <a:lightRig rig="threePt" dir="t"/>
+    </dgm:scene3d>
+    <dgm:sp3d/>
+    <dgm:txPr/>
+    <dgm:style>
+      <a:lnRef idx="0">
+        <a:scrgbClr r="0" g="0" b="0"/>
+      </a:lnRef>
+      <a:fillRef idx="3">
+        <a:scrgbClr r="0" g="0" b="0"/>
+      </a:fillRef>
+      <a:effectRef idx="2">
+        <a:scrgbClr r="0" g="0" b="0"/>
+      </a:effectRef>
+      <a:fontRef idx="minor">
+        <a:schemeClr val="lt1"/>
+      </a:fontRef>
+    </dgm:style>
+  </dgm:styleLbl>
+  <dgm:styleLbl name="node2">
+    <dgm:scene3d>
+      <a:camera prst="orthographicFront"/>
+      <a:lightRig rig="threePt" dir="t"/>
+    </dgm:scene3d>
+    <dgm:sp3d/>
+    <dgm:txPr/>
+    <dgm:style>
+      <a:lnRef idx="0">
+        <a:scrgbClr r="0" g="0" b="0"/>
+      </a:lnRef>
+      <a:fillRef idx="3">
+        <a:scrgbClr r="0" g="0" b="0"/>
+      </a:fillRef>
+      <a:effectRef idx="2">
+        <a:scrgbClr r="0" g="0" b="0"/>
+      </a:effectRef>
+      <a:fontRef idx="minor">
+        <a:schemeClr val="lt1"/>
+      </a:fontRef>
+    </dgm:style>
+  </dgm:styleLbl>
+  <dgm:styleLbl name="node3">
+    <dgm:scene3d>
+      <a:camera prst="orthographicFront"/>
+      <a:lightRig rig="threePt" dir="t"/>
+    </dgm:scene3d>
+    <dgm:sp3d/>
+    <dgm:txPr/>
+    <dgm:style>
+      <a:lnRef idx="0">
+        <a:scrgbClr r="0" g="0" b="0"/>
+      </a:lnRef>
+      <a:fillRef idx="3">
+        <a:scrgbClr r="0" g="0" b="0"/>
+      </a:fillRef>
+      <a:effectRef idx="2">
+        <a:scrgbClr r="0" g="0" b="0"/>
+      </a:effectRef>
+      <a:fontRef idx="minor">
+        <a:schemeClr val="lt1"/>
+      </a:fontRef>
+    </dgm:style>
+  </dgm:styleLbl>
+  <dgm:styleLbl name="node4">
+    <dgm:scene3d>
+      <a:camera prst="orthographicFront"/>
+      <a:lightRig rig="threePt" dir="t"/>
+    </dgm:scene3d>
+    <dgm:sp3d/>
+    <dgm:txPr/>
+    <dgm:style>
+      <a:lnRef idx="0">
+        <a:scrgbClr r="0" g="0" b="0"/>
+      </a:lnRef>
+      <a:fillRef idx="3">
+        <a:scrgbClr r="0" g="0" b="0"/>
+      </a:fillRef>
+      <a:effectRef idx="2">
+        <a:scrgbClr r="0" g="0" b="0"/>
+      </a:effectRef>
+      <a:fontRef idx="minor">
+        <a:schemeClr val="lt1"/>
+      </a:fontRef>
+    </dgm:style>
+  </dgm:styleLbl>
+  <dgm:styleLbl name="fgImgPlace1">
+    <dgm:scene3d>
+      <a:camera prst="orthographicFront"/>
+      <a:lightRig rig="threePt" dir="t"/>
+    </dgm:scene3d>
+    <dgm:sp3d/>
+    <dgm:txPr/>
+    <dgm:style>
+      <a:lnRef idx="0">
+        <a:scrgbClr r="0" g="0" b="0"/>
+      </a:lnRef>
+      <a:fillRef idx="1">
+        <a:scrgbClr r="0" g="0" b="0"/>
+      </a:fillRef>
+      <a:effectRef idx="2">
+        <a:scrgbClr r="0" g="0" b="0"/>
+      </a:effectRef>
+      <a:fontRef idx="minor"/>
+    </dgm:style>
+  </dgm:styleLbl>
+  <dgm:styleLbl name="alignImgPlace1">
+    <dgm:scene3d>
+      <a:camera prst="orthographicFront"/>
+      <a:lightRig rig="threePt" dir="t"/>
+    </dgm:scene3d>
+    <dgm:sp3d/>
+    <dgm:txPr/>
+    <dgm:style>
+      <a:lnRef idx="0">
+        <a:scrgbClr r="0" g="0" b="0"/>
+      </a:lnRef>
+      <a:fillRef idx="1">
+        <a:scrgbClr r="0" g="0" b="0"/>
+      </a:fillRef>
+      <a:effectRef idx="2">
+        <a:scrgbClr r="0" g="0" b="0"/>
+      </a:effectRef>
+      <a:fontRef idx="minor"/>
+    </dgm:style>
+  </dgm:styleLbl>
+  <dgm:styleLbl name="bgImgPlace1">
+    <dgm:scene3d>
+      <a:camera prst="orthographicFront"/>
+      <a:lightRig rig="threePt" dir="t"/>
+    </dgm:scene3d>
+    <dgm:sp3d/>
+    <dgm:txPr/>
+    <dgm:style>
+      <a:lnRef idx="0">
+        <a:scrgbClr r="0" g="0" b="0"/>
+      </a:lnRef>
+      <a:fillRef idx="1">
+        <a:scrgbClr r="0" g="0" b="0"/>
+      </a:fillRef>
+      <a:effectRef idx="2">
+        <a:scrgbClr r="0" g="0" b="0"/>
+      </a:effectRef>
+      <a:fontRef idx="minor"/>
+    </dgm:style>
+  </dgm:styleLbl>
+  <dgm:styleLbl name="sibTrans2D1">
+    <dgm:scene3d>
+      <a:camera prst="orthographicFront"/>
+      <a:lightRig rig="threePt" dir="t"/>
+    </dgm:scene3d>
+    <dgm:sp3d/>
+    <dgm:txPr/>
+    <dgm:style>
+      <a:lnRef idx="0">
+        <a:scrgbClr r="0" g="0" b="0"/>
+      </a:lnRef>
+      <a:fillRef idx="3">
+        <a:scrgbClr r="0" g="0" b="0"/>
+      </a:fillRef>
+      <a:effectRef idx="2">
+        <a:scrgbClr r="0" g="0" b="0"/>
+      </a:effectRef>
+      <a:fontRef idx="minor">
+        <a:schemeClr val="lt1"/>
+      </a:fontRef>
+    </dgm:style>
+  </dgm:styleLbl>
+  <dgm:styleLbl name="fgSibTrans2D1">
+    <dgm:scene3d>
+      <a:camera prst="orthographicFront"/>
+      <a:lightRig rig="threePt" dir="t"/>
+    </dgm:scene3d>
+    <dgm:sp3d/>
+    <dgm:txPr/>
+    <dgm:style>
+      <a:lnRef idx="0">
+        <a:scrgbClr r="0" g="0" b="0"/>
+      </a:lnRef>
+      <a:fillRef idx="3">
+        <a:scrgbClr r="0" g="0" b="0"/>
+      </a:fillRef>
+      <a:effectRef idx="2">
+        <a:scrgbClr r="0" g="0" b="0"/>
+      </a:effectRef>
+      <a:fontRef idx="minor">
+        <a:schemeClr val="lt1"/>
+      </a:fontRef>
+    </dgm:style>
+  </dgm:styleLbl>
+  <dgm:styleLbl name="bgSibTrans2D1">
+    <dgm:scene3d>
+      <a:camera prst="orthographicFront"/>
+      <a:lightRig rig="threePt" dir="t"/>
+    </dgm:scene3d>
+    <dgm:sp3d/>
+    <dgm:txPr/>
+    <dgm:style>
+      <a:lnRef idx="0">
+        <a:scrgbClr r="0" g="0" b="0"/>
+      </a:lnRef>
+      <a:fillRef idx="3">
+        <a:scrgbClr r="0" g="0" b="0"/>
+      </a:fillRef>
+      <a:effectRef idx="2">
+        <a:scrgbClr r="0" g="0" b="0"/>
+      </a:effectRef>
+      <a:fontRef idx="minor">
+        <a:schemeClr val="lt1"/>
+      </a:fontRef>
+    </dgm:style>
+  </dgm:styleLbl>
+  <dgm:styleLbl name="sibTrans1D1">
+    <dgm:scene3d>
+      <a:camera prst="orthographicFront"/>
+      <a:lightRig rig="threePt" dir="t"/>
+    </dgm:scene3d>
+    <dgm:sp3d/>
+    <dgm:txPr/>
+    <dgm:style>
+      <a:lnRef idx="1">
+        <a:scrgbClr r="0" g="0" b="0"/>
+      </a:lnRef>
+      <a:fillRef idx="0">
+        <a:scrgbClr r="0" g="0" b="0"/>
+      </a:fillRef>
+      <a:effectRef idx="0">
+        <a:scrgbClr r="0" g="0" b="0"/>
+      </a:effectRef>
+      <a:fontRef idx="minor"/>
+    </dgm:style>
+  </dgm:styleLbl>
+  <dgm:styleLbl name="callout">
+    <dgm:scene3d>
+      <a:camera prst="orthographicFront"/>
+      <a:lightRig rig="threePt" dir="t"/>
+    </dgm:scene3d>
+    <dgm:sp3d/>
+    <dgm:txPr/>
+    <dgm:style>
+      <a:lnRef idx="2">
+        <a:scrgbClr r="0" g="0" b="0"/>
+      </a:lnRef>
+      <a:fillRef idx="1">
+        <a:scrgbClr r="0" g="0" b="0"/>
+      </a:fillRef>
+      <a:effectRef idx="1">
+        <a:scrgbClr r="0" g="0" b="0"/>
+      </a:effectRef>
+      <a:fontRef idx="minor"/>
+    </dgm:style>
+  </dgm:styleLbl>
+  <dgm:styleLbl name="asst0">
+    <dgm:scene3d>
+      <a:camera prst="orthographicFront"/>
+      <a:lightRig rig="threePt" dir="t"/>
+    </dgm:scene3d>
+    <dgm:sp3d/>
+    <dgm:txPr/>
+    <dgm:style>
+      <a:lnRef idx="0">
+        <a:scrgbClr r="0" g="0" b="0"/>
+      </a:lnRef>
+      <a:fillRef idx="3">
+        <a:scrgbClr r="0" g="0" b="0"/>
+      </a:fillRef>
+      <a:effectRef idx="2">
+        <a:scrgbClr r="0" g="0" b="0"/>
+      </a:effectRef>
+      <a:fontRef idx="minor">
+        <a:schemeClr val="lt1"/>
+      </a:fontRef>
+    </dgm:style>
+  </dgm:styleLbl>
+  <dgm:styleLbl name="asst1">
+    <dgm:scene3d>
+      <a:camera prst="orthographicFront"/>
+      <a:lightRig rig="threePt" dir="t"/>
+    </dgm:scene3d>
+    <dgm:sp3d/>
+    <dgm:txPr/>
+    <dgm:style>
+      <a:lnRef idx="0">
+        <a:scrgbClr r="0" g="0" b="0"/>
+      </a:lnRef>
+      <a:fillRef idx="3">
+        <a:scrgbClr r="0" g="0" b="0"/>
+      </a:fillRef>
+      <a:effectRef idx="2">
+        <a:scrgbClr r="0" g="0" b="0"/>
+      </a:effectRef>
+      <a:fontRef idx="minor">
+        <a:schemeClr val="lt1"/>
+      </a:fontRef>
+    </dgm:style>
+  </dgm:styleLbl>
+  <dgm:styleLbl name="asst2">
+    <dgm:scene3d>
+      <a:camera prst="orthographicFront"/>
+      <a:lightRig rig="threePt" dir="t"/>
+    </dgm:scene3d>
+    <dgm:sp3d/>
+    <dgm:txPr/>
+    <dgm:style>
+      <a:lnRef idx="0">
+        <a:scrgbClr r="0" g="0" b="0"/>
+      </a:lnRef>
+      <a:fillRef idx="3">
+        <a:scrgbClr r="0" g="0" b="0"/>
+      </a:fillRef>
+      <a:effectRef idx="2">
+        <a:scrgbClr r="0" g="0" b="0"/>
+      </a:effectRef>
+      <a:fontRef idx="minor">
+        <a:schemeClr val="lt1"/>
+      </a:fontRef>
+    </dgm:style>
+  </dgm:styleLbl>
+  <dgm:styleLbl name="asst3">
+    <dgm:scene3d>
+      <a:camera prst="orthographicFront"/>
+      <a:lightRig rig="threePt" dir="t"/>
+    </dgm:scene3d>
+    <dgm:sp3d/>
+    <dgm:txPr/>
+    <dgm:style>
+      <a:lnRef idx="0">
+        <a:scrgbClr r="0" g="0" b="0"/>
+      </a:lnRef>
+      <a:fillRef idx="3">
+        <a:scrgbClr r="0" g="0" b="0"/>
+      </a:fillRef>
+      <a:effectRef idx="2">
+        <a:scrgbClr r="0" g="0" b="0"/>
+      </a:effectRef>
+      <a:fontRef idx="minor">
+        <a:schemeClr val="lt1"/>
+      </a:fontRef>
+    </dgm:style>
+  </dgm:styleLbl>
+  <dgm:styleLbl name="asst4">
+    <dgm:scene3d>
+      <a:camera prst="orthographicFront"/>
+      <a:lightRig rig="threePt" dir="t"/>
+    </dgm:scene3d>
+    <dgm:sp3d/>
+    <dgm:txPr/>
+    <dgm:style>
+      <a:lnRef idx="0">
+        <a:scrgbClr r="0" g="0" b="0"/>
+      </a:lnRef>
+      <a:fillRef idx="3">
+        <a:scrgbClr r="0" g="0" b="0"/>
+      </a:fillRef>
+      <a:effectRef idx="2">
+        <a:scrgbClr r="0" g="0" b="0"/>
+      </a:effectRef>
+      <a:fontRef idx="minor">
+        <a:schemeClr val="lt1"/>
+      </a:fontRef>
+    </dgm:style>
+  </dgm:styleLbl>
+  <dgm:styleLbl name="parChTrans2D1">
+    <dgm:scene3d>
+      <a:camera prst="orthographicFront"/>
+      <a:lightRig rig="threePt" dir="t"/>
+    </dgm:scene3d>
+    <dgm:sp3d/>
+    <dgm:txPr/>
+    <dgm:style>
+      <a:lnRef idx="0">
+        <a:scrgbClr r="0" g="0" b="0"/>
+      </a:lnRef>
+      <a:fillRef idx="3">
+        <a:scrgbClr r="0" g="0" b="0"/>
+      </a:fillRef>
+      <a:effectRef idx="2">
+        <a:scrgbClr r="0" g="0" b="0"/>
+      </a:effectRef>
+      <a:fontRef idx="minor">
+        <a:schemeClr val="lt1"/>
+      </a:fontRef>
+    </dgm:style>
+  </dgm:styleLbl>
+  <dgm:styleLbl name="parChTrans2D2">
+    <dgm:scene3d>
+      <a:camera prst="orthographicFront"/>
+      <a:lightRig rig="threePt" dir="t"/>
+    </dgm:scene3d>
+    <dgm:sp3d/>
+    <dgm:txPr/>
+    <dgm:style>
+      <a:lnRef idx="0">
+        <a:scrgbClr r="0" g="0" b="0"/>
+      </a:lnRef>
+      <a:fillRef idx="3">
+        <a:scrgbClr r="0" g="0" b="0"/>
+      </a:fillRef>
+      <a:effectRef idx="2">
+        <a:scrgbClr r="0" g="0" b="0"/>
+      </a:effectRef>
+      <a:fontRef idx="minor">
+        <a:schemeClr val="lt1"/>
+      </a:fontRef>
+    </dgm:style>
+  </dgm:styleLbl>
+  <dgm:styleLbl name="parChTrans2D3">
+    <dgm:scene3d>
+      <a:camera prst="orthographicFront"/>
+      <a:lightRig rig="threePt" dir="t"/>
+    </dgm:scene3d>
+    <dgm:sp3d/>
+    <dgm:txPr/>
+    <dgm:style>
+      <a:lnRef idx="1">
+        <a:scrgbClr r="0" g="0" b="0"/>
+      </a:lnRef>
+      <a:fillRef idx="3">
+        <a:scrgbClr r="0" g="0" b="0"/>
+      </a:fillRef>
+      <a:effectRef idx="2">
+        <a:scrgbClr r="0" g="0" b="0"/>
+      </a:effectRef>
+      <a:fontRef idx="minor">
+        <a:schemeClr val="lt1"/>
+      </a:fontRef>
+    </dgm:style>
+  </dgm:styleLbl>
+  <dgm:styleLbl name="parChTrans2D4">
+    <dgm:scene3d>
+      <a:camera prst="orthographicFront"/>
+      <a:lightRig rig="threePt" dir="t"/>
+    </dgm:scene3d>
+    <dgm:sp3d/>
+    <dgm:txPr/>
+    <dgm:style>
+      <a:lnRef idx="1">
+        <a:scrgbClr r="0" g="0" b="0"/>
+      </a:lnRef>
+      <a:fillRef idx="3">
+        <a:scrgbClr r="0" g="0" b="0"/>
+      </a:fillRef>
+      <a:effectRef idx="2">
+        <a:scrgbClr r="0" g="0" b="0"/>
+      </a:effectRef>
+      <a:fontRef idx="minor">
+        <a:schemeClr val="lt1"/>
+      </a:fontRef>
+    </dgm:style>
+  </dgm:styleLbl>
+  <dgm:styleLbl name="parChTrans1D1">
+    <dgm:scene3d>
+      <a:camera prst="orthographicFront"/>
+      <a:lightRig rig="threePt" dir="t"/>
+    </dgm:scene3d>
+    <dgm:sp3d/>
+    <dgm:txPr/>
+    <dgm:style>
+      <a:lnRef idx="1">
+        <a:scrgbClr r="0" g="0" b="0"/>
+      </a:lnRef>
+      <a:fillRef idx="0">
+        <a:scrgbClr r="0" g="0" b="0"/>
+      </a:fillRef>
+      <a:effectRef idx="0">
+        <a:scrgbClr r="0" g="0" b="0"/>
+      </a:effectRef>
+      <a:fontRef idx="minor"/>
+    </dgm:style>
+  </dgm:styleLbl>
+  <dgm:styleLbl name="parChTrans1D2">
+    <dgm:scene3d>
+      <a:camera prst="orthographicFront"/>
+      <a:lightRig rig="threePt" dir="t"/>
+    </dgm:scene3d>
+    <dgm:sp3d/>
+    <dgm:txPr/>
+    <dgm:style>
+      <a:lnRef idx="1">
+        <a:scrgbClr r="0" g="0" b="0"/>
+      </a:lnRef>
+      <a:fillRef idx="0">
+        <a:scrgbClr r="0" g="0" b="0"/>
+      </a:fillRef>
+      <a:effectRef idx="0">
+        <a:scrgbClr r="0" g="0" b="0"/>
+      </a:effectRef>
+      <a:fontRef idx="minor"/>
+    </dgm:style>
+  </dgm:styleLbl>
+  <dgm:styleLbl name="parChTrans1D3">
+    <dgm:scene3d>
+      <a:camera prst="orthographicFront"/>
+      <a:lightRig rig="threePt" dir="t"/>
+    </dgm:scene3d>
+    <dgm:sp3d/>
+    <dgm:txPr/>
+    <dgm:style>
+      <a:lnRef idx="1">
+        <a:scrgbClr r="0" g="0" b="0"/>
+      </a:lnRef>
+      <a:fillRef idx="0">
+        <a:scrgbClr r="0" g="0" b="0"/>
+      </a:fillRef>
+      <a:effectRef idx="0">
+        <a:scrgbClr r="0" g="0" b="0"/>
+      </a:effectRef>
+      <a:fontRef idx="minor"/>
+    </dgm:style>
+  </dgm:styleLbl>
+  <dgm:styleLbl name="parChTrans1D4">
+    <dgm:scene3d>
+      <a:camera prst="orthographicFront"/>
+      <a:lightRig rig="threePt" dir="t"/>
+    </dgm:scene3d>
+    <dgm:sp3d/>
+    <dgm:txPr/>
+    <dgm:style>
+      <a:lnRef idx="1">
+        <a:scrgbClr r="0" g="0" b="0"/>
+      </a:lnRef>
+      <a:fillRef idx="0">
+        <a:scrgbClr r="0" g="0" b="0"/>
+      </a:fillRef>
+      <a:effectRef idx="0">
+        <a:scrgbClr r="0" g="0" b="0"/>
+      </a:effectRef>
+      <a:fontRef idx="minor"/>
+    </dgm:style>
+  </dgm:styleLbl>
+  <dgm:styleLbl name="fgAcc1">
+    <dgm:scene3d>
+      <a:camera prst="orthographicFront"/>
+      <a:lightRig rig="threePt" dir="t"/>
+    </dgm:scene3d>
+    <dgm:sp3d/>
+    <dgm:txPr/>
+    <dgm:style>
+      <a:lnRef idx="1">
+        <a:scrgbClr r="0" g="0" b="0"/>
+      </a:lnRef>
+      <a:fillRef idx="1">
+        <a:scrgbClr r="0" g="0" b="0"/>
+      </a:fillRef>
+      <a:effectRef idx="0">
+        <a:scrgbClr r="0" g="0" b="0"/>
+      </a:effectRef>
+      <a:fontRef idx="minor"/>
+    </dgm:style>
+  </dgm:styleLbl>
+  <dgm:styleLbl name="conFgAcc1">
+    <dgm:scene3d>
+      <a:camera prst="orthographicFront"/>
+      <a:lightRig rig="threePt" dir="t"/>
+    </dgm:scene3d>
+    <dgm:sp3d/>
+    <dgm:txPr/>
+    <dgm:style>
+      <a:lnRef idx="1">
+        <a:scrgbClr r="0" g="0" b="0"/>
+      </a:lnRef>
+      <a:fillRef idx="1">
+        <a:scrgbClr r="0" g="0" b="0"/>
+      </a:fillRef>
+      <a:effectRef idx="0">
+        <a:scrgbClr r="0" g="0" b="0"/>
+      </a:effectRef>
+      <a:fontRef idx="minor"/>
+    </dgm:style>
+  </dgm:styleLbl>
+  <dgm:styleLbl name="alignAcc1">
+    <dgm:scene3d>
+      <a:camera prst="orthographicFront"/>
+      <a:lightRig rig="threePt" dir="t"/>
+    </dgm:scene3d>
+    <dgm:sp3d/>
+    <dgm:txPr/>
+    <dgm:style>
+      <a:lnRef idx="1">
+        <a:scrgbClr r="0" g="0" b="0"/>
+      </a:lnRef>
+      <a:fillRef idx="1">
+        <a:scrgbClr r="0" g="0" b="0"/>
+      </a:fillRef>
+      <a:effectRef idx="0">
+        <a:scrgbClr r="0" g="0" b="0"/>
+      </a:effectRef>
+      <a:fontRef idx="minor"/>
+    </dgm:style>
+  </dgm:styleLbl>
+  <dgm:styleLbl name="trAlignAcc1">
+    <dgm:scene3d>
+      <a:camera prst="orthographicFront"/>
+      <a:lightRig rig="threePt" dir="t"/>
+    </dgm:scene3d>
+    <dgm:sp3d/>
+    <dgm:txPr/>
+    <dgm:style>
+      <a:lnRef idx="1">
+        <a:scrgbClr r="0" g="0" b="0"/>
+      </a:lnRef>
+      <a:fillRef idx="1">
+        <a:scrgbClr r="0" g="0" b="0"/>
+      </a:fillRef>
+      <a:effectRef idx="0">
+        <a:scrgbClr r="0" g="0" b="0"/>
+      </a:effectRef>
+      <a:fontRef idx="minor"/>
+    </dgm:style>
+  </dgm:styleLbl>
+  <dgm:styleLbl name="bgAcc1">
+    <dgm:scene3d>
+      <a:camera prst="orthographicFront"/>
+      <a:lightRig rig="threePt" dir="t"/>
+    </dgm:scene3d>
+    <dgm:sp3d/>
+    <dgm:txPr/>
+    <dgm:style>
+      <a:lnRef idx="1">
+        <a:scrgbClr r="0" g="0" b="0"/>
+      </a:lnRef>
+      <a:fillRef idx="1">
+        <a:scrgbClr r="0" g="0" b="0"/>
+      </a:fillRef>
+      <a:effectRef idx="0">
+        <a:scrgbClr r="0" g="0" b="0"/>
+      </a:effectRef>
+      <a:fontRef idx="minor"/>
+    </dgm:style>
+  </dgm:styleLbl>
+  <dgm:styleLbl name="solidFgAcc1">
+    <dgm:scene3d>
+      <a:camera prst="orthographicFront"/>
+      <a:lightRig rig="threePt" dir="t"/>
+    </dgm:scene3d>
+    <dgm:sp3d/>
+    <dgm:txPr/>
+    <dgm:style>
+      <a:lnRef idx="1">
+        <a:scrgbClr r="0" g="0" b="0"/>
+      </a:lnRef>
+      <a:fillRef idx="1">
+        <a:scrgbClr r="0" g="0" b="0"/>
+      </a:fillRef>
+      <a:effectRef idx="0">
+        <a:scrgbClr r="0" g="0" b="0"/>
+      </a:effectRef>
+      <a:fontRef idx="minor"/>
+    </dgm:style>
+  </dgm:styleLbl>
+  <dgm:styleLbl name="solidAlignAcc1">
+    <dgm:scene3d>
+      <a:camera prst="orthographicFront"/>
+      <a:lightRig rig="threePt" dir="t"/>
+    </dgm:scene3d>
+    <dgm:sp3d/>
+    <dgm:txPr/>
+    <dgm:style>
+      <a:lnRef idx="1">
+        <a:scrgbClr r="0" g="0" b="0"/>
+      </a:lnRef>
+      <a:fillRef idx="1">
+        <a:scrgbClr r="0" g="0" b="0"/>
+      </a:fillRef>
+      <a:effectRef idx="0">
+        <a:scrgbClr r="0" g="0" b="0"/>
+      </a:effectRef>
+      <a:fontRef idx="minor"/>
+    </dgm:style>
+  </dgm:styleLbl>
+  <dgm:styleLbl name="solidBgAcc1">
+    <dgm:scene3d>
+      <a:camera prst="orthographicFront"/>
+      <a:lightRig rig="threePt" dir="t"/>
+    </dgm:scene3d>
+    <dgm:sp3d/>
+    <dgm:txPr/>
+    <dgm:style>
+      <a:lnRef idx="1">
+        <a:scrgbClr r="0" g="0" b="0"/>
+      </a:lnRef>
+      <a:fillRef idx="1">
+        <a:scrgbClr r="0" g="0" b="0"/>
+      </a:fillRef>
+      <a:effectRef idx="0">
+        <a:scrgbClr r="0" g="0" b="0"/>
+      </a:effectRef>
+      <a:fontRef idx="minor"/>
+    </dgm:style>
+  </dgm:styleLbl>
+  <dgm:styleLbl name="fgAccFollowNode1">
+    <dgm:scene3d>
+      <a:camera prst="orthographicFront"/>
+      <a:lightRig rig="threePt" dir="t"/>
+    </dgm:scene3d>
+    <dgm:sp3d/>
+    <dgm:txPr/>
+    <dgm:style>
+      <a:lnRef idx="1">
+        <a:scrgbClr r="0" g="0" b="0"/>
+      </a:lnRef>
+      <a:fillRef idx="1">
+        <a:scrgbClr r="0" g="0" b="0"/>
+      </a:fillRef>
+      <a:effectRef idx="0">
+        <a:scrgbClr r="0" g="0" b="0"/>
+      </a:effectRef>
+      <a:fontRef idx="minor"/>
+    </dgm:style>
+  </dgm:styleLbl>
+  <dgm:styleLbl name="alignAccFollowNode1">
+    <dgm:scene3d>
+      <a:camera prst="orthographicFront"/>
+      <a:lightRig rig="threePt" dir="t"/>
+    </dgm:scene3d>
+    <dgm:sp3d/>
+    <dgm:txPr/>
+    <dgm:style>
+      <a:lnRef idx="1">
+        <a:scrgbClr r="0" g="0" b="0"/>
+      </a:lnRef>
+      <a:fillRef idx="1">
+        <a:scrgbClr r="0" g="0" b="0"/>
+      </a:fillRef>
+      <a:effectRef idx="0">
+        <a:scrgbClr r="0" g="0" b="0"/>
+      </a:effectRef>
+      <a:fontRef idx="minor"/>
+    </dgm:style>
+  </dgm:styleLbl>
+  <dgm:styleLbl name="bgAccFollowNode1">
+    <dgm:scene3d>
+      <a:camera prst="orthographicFront"/>
+      <a:lightRig rig="threePt" dir="t"/>
+    </dgm:scene3d>
+    <dgm:sp3d/>
+    <dgm:txPr/>
+    <dgm:style>
+      <a:lnRef idx="1">
+        <a:scrgbClr r="0" g="0" b="0"/>
+      </a:lnRef>
+      <a:fillRef idx="1">
+        <a:scrgbClr r="0" g="0" b="0"/>
+      </a:fillRef>
+      <a:effectRef idx="0">
+        <a:scrgbClr r="0" g="0" b="0"/>
+      </a:effectRef>
+      <a:fontRef idx="minor"/>
+    </dgm:style>
+  </dgm:styleLbl>
+  <dgm:styleLbl name="fgAcc0">
+    <dgm:scene3d>
+      <a:camera prst="orthographicFront"/>
+      <a:lightRig rig="threePt" dir="t"/>
+    </dgm:scene3d>
+    <dgm:sp3d/>
+    <dgm:txPr/>
+    <dgm:style>
+      <a:lnRef idx="1">
+        <a:scrgbClr r="0" g="0" b="0"/>
+      </a:lnRef>
+      <a:fillRef idx="1">
+        <a:scrgbClr r="0" g="0" b="0"/>
+      </a:fillRef>
+      <a:effectRef idx="0">
+        <a:scrgbClr r="0" g="0" b="0"/>
+      </a:effectRef>
+      <a:fontRef idx="minor"/>
+    </dgm:style>
+  </dgm:styleLbl>
+  <dgm:styleLbl name="fgAcc2">
+    <dgm:scene3d>
+      <a:camera prst="orthographicFront"/>
+      <a:lightRig rig="threePt" dir="t"/>
+    </dgm:scene3d>
+    <dgm:sp3d/>
+    <dgm:txPr/>
+    <dgm:style>
+      <a:lnRef idx="1">
+        <a:scrgbClr r="0" g="0" b="0"/>
+      </a:lnRef>
+      <a:fillRef idx="1">
+        <a:scrgbClr r="0" g="0" b="0"/>
+      </a:fillRef>
+      <a:effectRef idx="0">
+        <a:scrgbClr r="0" g="0" b="0"/>
+      </a:effectRef>
+      <a:fontRef idx="minor"/>
+    </dgm:style>
+  </dgm:styleLbl>
+  <dgm:styleLbl name="fgAcc3">
+    <dgm:scene3d>
+      <a:camera prst="orthographicFront"/>
+      <a:lightRig rig="threePt" dir="t"/>
+    </dgm:scene3d>
+    <dgm:sp3d/>
+    <dgm:txPr/>
+    <dgm:style>
+      <a:lnRef idx="1">
+        <a:scrgbClr r="0" g="0" b="0"/>
+      </a:lnRef>
+      <a:fillRef idx="1">
+        <a:scrgbClr r="0" g="0" b="0"/>
+      </a:fillRef>
+      <a:effectRef idx="0">
+        <a:scrgbClr r="0" g="0" b="0"/>
+      </a:effectRef>
+      <a:fontRef idx="minor"/>
+    </dgm:style>
+  </dgm:styleLbl>
+  <dgm:styleLbl name="fgAcc4">
+    <dgm:scene3d>
+      <a:camera prst="orthographicFront"/>
+      <a:lightRig rig="threePt" dir="t"/>
+    </dgm:scene3d>
+    <dgm:sp3d/>
+    <dgm:txPr/>
+    <dgm:style>
+      <a:lnRef idx="1">
+        <a:scrgbClr r="0" g="0" b="0"/>
+      </a:lnRef>
+      <a:fillRef idx="1">
+        <a:scrgbClr r="0" g="0" b="0"/>
+      </a:fillRef>
+      <a:effectRef idx="0">
+        <a:scrgbClr r="0" g="0" b="0"/>
+      </a:effectRef>
+      <a:fontRef idx="minor"/>
+    </dgm:style>
+  </dgm:styleLbl>
+  <dgm:styleLbl name="bgShp">
+    <dgm:scene3d>
+      <a:camera prst="orthographicFront"/>
+      <a:lightRig rig="threePt" dir="t"/>
+    </dgm:scene3d>
+    <dgm:sp3d/>
+    <dgm:txPr/>
+    <dgm:style>
+      <a:lnRef idx="0">
+        <a:scrgbClr r="0" g="0" b="0"/>
+      </a:lnRef>
+      <a:fillRef idx="1">
+        <a:scrgbClr r="0" g="0" b="0"/>
+      </a:fillRef>
+      <a:effectRef idx="2">
+        <a:scrgbClr r="0" g="0" b="0"/>
+      </a:effectRef>
+      <a:fontRef idx="minor"/>
+    </dgm:style>
+  </dgm:styleLbl>
+  <dgm:styleLbl name="dkBgShp">
+    <dgm:scene3d>
+      <a:camera prst="orthographicFront"/>
+      <a:lightRig rig="threePt" dir="t"/>
+    </dgm:scene3d>
+    <dgm:sp3d/>
+    <dgm:txPr/>
+    <dgm:style>
+      <a:lnRef idx="0">
+        <a:scrgbClr r="0" g="0" b="0"/>
+      </a:lnRef>
+      <a:fillRef idx="1">
+        <a:scrgbClr r="0" g="0" b="0"/>
+      </a:fillRef>
+      <a:effectRef idx="2">
+        <a:scrgbClr r="0" g="0" b="0"/>
+      </a:effectRef>
+      <a:fontRef idx="minor"/>
+    </dgm:style>
+  </dgm:styleLbl>
+  <dgm:styleLbl name="trBgShp">
+    <dgm:scene3d>
+      <a:camera prst="orthographicFront"/>
+      <a:lightRig rig="threePt" dir="t"/>
+    </dgm:scene3d>
+    <dgm:sp3d/>
+    <dgm:txPr/>
+    <dgm:style>
+      <a:lnRef idx="0">
+        <a:scrgbClr r="0" g="0" b="0"/>
+      </a:lnRef>
+      <a:fillRef idx="1">
+        <a:scrgbClr r="0" g="0" b="0"/>
+      </a:fillRef>
+      <a:effectRef idx="0">
+        <a:scrgbClr r="0" g="0" b="0"/>
+      </a:effectRef>
+      <a:fontRef idx="minor"/>
+    </dgm:style>
+  </dgm:styleLbl>
+  <dgm:styleLbl name="fgShp">
+    <dgm:scene3d>
+      <a:camera prst="orthographicFront"/>
+      <a:lightRig rig="threePt" dir="t"/>
+    </dgm:scene3d>
+    <dgm:sp3d/>
+    <dgm:txPr/>
+    <dgm:style>
+      <a:lnRef idx="0">
+        <a:scrgbClr r="0" g="0" b="0"/>
+      </a:lnRef>
+      <a:fillRef idx="3">
+        <a:scrgbClr r="0" g="0" b="0"/>
+      </a:fillRef>
+      <a:effectRef idx="2">
+        <a:scrgbClr r="0" g="0" b="0"/>
+      </a:effectRef>
+      <a:fontRef idx="minor"/>
+    </dgm:style>
+  </dgm:styleLbl>
+  <dgm:styleLbl name="revTx">
+    <dgm:scene3d>
+      <a:camera prst="orthographicFront"/>
+      <a:lightRig rig="threePt" dir="t"/>
+    </dgm:scene3d>
+    <dgm:sp3d/>
+    <dgm:txPr/>
+    <dgm:style>
+      <a:lnRef idx="0">
+        <a:scrgbClr r="0" g="0" b="0"/>
+      </a:lnRef>
+      <a:fillRef idx="0">
+        <a:scrgbClr r="0" g="0" b="0"/>
+      </a:fillRef>
+      <a:effectRef idx="0">
+        <a:scrgbClr r="0" g="0" b="0"/>
+      </a:effectRef>
+      <a:fontRef idx="minor"/>
+    </dgm:style>
+  </dgm:styleLbl>
+</dgm:styleDef>
 </file>
 
 <file path=ppt/slideLayouts/slideLayout1.xml><?xml version="1.0" encoding="utf-8"?>
@@ -6051,49 +10916,19 @@
           <a:chExt cx="0" cy="0"/>
         </a:xfrm>
       </p:grpSpPr>
-      <p:pic>
-        <p:nvPicPr>
-          <p:cNvPr id="6" name="Image 5"/>
-          <p:cNvPicPr>
-            <a:picLocks noChangeAspect="1"/>
-          </p:cNvPicPr>
-          <p:nvPr/>
-        </p:nvPicPr>
-        <p:blipFill>
-          <a:blip r:embed="rId2">
-            <a:extLst>
-              <a:ext uri="{28A0092B-C50C-407E-A947-70E740481C1C}">
-                <a14:useLocalDpi xmlns:a14="http://schemas.microsoft.com/office/drawing/2010/main" val="0"/>
-              </a:ext>
-            </a:extLst>
-          </a:blip>
-          <a:stretch>
-            <a:fillRect/>
-          </a:stretch>
-        </p:blipFill>
+      <p:sp>
+        <p:nvSpPr>
+          <p:cNvPr id="2" name="Titre 1"/>
+          <p:cNvSpPr>
+            <a:spLocks noGrp="1"/>
+          </p:cNvSpPr>
+          <p:nvPr>
+            <p:ph type="ctrTitle"/>
+          </p:nvPr>
+        </p:nvSpPr>
         <p:spPr>
           <a:xfrm>
-            <a:off x="3683977" y="1733012"/>
-            <a:ext cx="4824046" cy="4674229"/>
-          </a:xfrm>
-          <a:prstGeom prst="rect">
-            <a:avLst/>
-          </a:prstGeom>
-        </p:spPr>
-      </p:pic>
-      <p:sp>
-        <p:nvSpPr>
-          <p:cNvPr id="2" name="Titre 1"/>
-          <p:cNvSpPr>
-            <a:spLocks noGrp="1"/>
-          </p:cNvSpPr>
-          <p:nvPr>
-            <p:ph type="ctrTitle"/>
-          </p:nvPr>
-        </p:nvSpPr>
-        <p:spPr>
-          <a:xfrm>
-            <a:off x="0" y="0"/>
+            <a:off x="0" y="2292440"/>
             <a:ext cx="12192000" cy="1210614"/>
           </a:xfrm>
         </p:spPr>
@@ -6129,7 +10964,7 @@
         </p:nvSpPr>
         <p:spPr>
           <a:xfrm>
-            <a:off x="1375983" y="1208078"/>
+            <a:off x="1375983" y="3564912"/>
             <a:ext cx="9440034" cy="524934"/>
           </a:xfrm>
         </p:spPr>
@@ -6158,36 +10993,6 @@
           </a:p>
         </p:txBody>
       </p:sp>
-      <p:pic>
-        <p:nvPicPr>
-          <p:cNvPr id="8" name="Image 7"/>
-          <p:cNvPicPr>
-            <a:picLocks noChangeAspect="1"/>
-          </p:cNvPicPr>
-          <p:nvPr/>
-        </p:nvPicPr>
-        <p:blipFill>
-          <a:blip r:embed="rId3">
-            <a:extLst>
-              <a:ext uri="{28A0092B-C50C-407E-A947-70E740481C1C}">
-                <a14:useLocalDpi xmlns:a14="http://schemas.microsoft.com/office/drawing/2010/main" val="0"/>
-              </a:ext>
-            </a:extLst>
-          </a:blip>
-          <a:stretch>
-            <a:fillRect/>
-          </a:stretch>
-        </p:blipFill>
-        <p:spPr>
-          <a:xfrm>
-            <a:off x="755917" y="2940005"/>
-            <a:ext cx="2260242" cy="2260242"/>
-          </a:xfrm>
-          <a:prstGeom prst="rect">
-            <a:avLst/>
-          </a:prstGeom>
-        </p:spPr>
-      </p:pic>
     </p:spTree>
     <p:extLst>
       <p:ext uri="{BB962C8B-B14F-4D97-AF65-F5344CB8AC3E}">
@@ -6240,33 +11045,767 @@
           <a:bodyPr/>
           <a:lstStyle/>
           <a:p>
-            <a:endParaRPr lang="fr-FR"/>
-          </a:p>
-        </p:txBody>
-      </p:sp>
-      <p:sp>
-        <p:nvSpPr>
-          <p:cNvPr id="3" name="Espace réservé du contenu 2"/>
-          <p:cNvSpPr>
-            <a:spLocks noGrp="1"/>
-          </p:cNvSpPr>
-          <p:nvPr>
-            <p:ph idx="1"/>
-          </p:nvPr>
-        </p:nvSpPr>
-        <p:spPr/>
-        <p:txBody>
-          <a:bodyPr/>
+            <a:pPr algn="l"/>
+            <a:r>
+              <a:rPr lang="fr-FR" dirty="0" smtClean="0"/>
+              <a:t>Sommaire</a:t>
+            </a:r>
+            <a:endParaRPr lang="fr-FR" dirty="0"/>
+          </a:p>
+        </p:txBody>
+      </p:sp>
+      <p:sp>
+        <p:nvSpPr>
+          <p:cNvPr id="5" name="ZoneTexte 4"/>
+          <p:cNvSpPr txBox="1"/>
+          <p:nvPr/>
+        </p:nvSpPr>
+        <p:spPr>
+          <a:xfrm>
+            <a:off x="913795" y="1580050"/>
+            <a:ext cx="10353762" cy="4154984"/>
+          </a:xfrm>
+          <a:prstGeom prst="rect">
+            <a:avLst/>
+          </a:prstGeom>
+          <a:noFill/>
+        </p:spPr>
+        <p:txBody>
+          <a:bodyPr wrap="square" rtlCol="0">
+            <a:spAutoFit/>
+          </a:bodyPr>
           <a:lstStyle/>
           <a:p>
-            <a:endParaRPr lang="fr-FR"/>
-          </a:p>
-        </p:txBody>
-      </p:sp>
+            <a:pPr marL="285750" indent="-285750">
+              <a:buFont typeface="Arial" panose="020B0604020202020204" pitchFamily="34" charset="0"/>
+              <a:buChar char="•"/>
+            </a:pPr>
+            <a:r>
+              <a:rPr lang="fr-FR" sz="2400" dirty="0" smtClean="0"/>
+              <a:t>Membres du groupe</a:t>
+            </a:r>
+          </a:p>
+          <a:p>
+            <a:pPr marL="285750" indent="-285750">
+              <a:buFont typeface="Arial" panose="020B0604020202020204" pitchFamily="34" charset="0"/>
+              <a:buChar char="•"/>
+            </a:pPr>
+            <a:endParaRPr lang="fr-FR" sz="2400" dirty="0" smtClean="0"/>
+          </a:p>
+          <a:p>
+            <a:pPr marL="285750" indent="-285750">
+              <a:buFont typeface="Arial" panose="020B0604020202020204" pitchFamily="34" charset="0"/>
+              <a:buChar char="•"/>
+            </a:pPr>
+            <a:r>
+              <a:rPr lang="fr-FR" sz="2400" dirty="0" smtClean="0"/>
+              <a:t>Calcul</a:t>
+            </a:r>
+          </a:p>
+          <a:p>
+            <a:pPr marL="285750" indent="-285750">
+              <a:buFont typeface="Arial" panose="020B0604020202020204" pitchFamily="34" charset="0"/>
+              <a:buChar char="•"/>
+            </a:pPr>
+            <a:endParaRPr lang="fr-FR" sz="2400" dirty="0" smtClean="0"/>
+          </a:p>
+          <a:p>
+            <a:pPr marL="285750" indent="-285750">
+              <a:buFont typeface="Arial" panose="020B0604020202020204" pitchFamily="34" charset="0"/>
+              <a:buChar char="•"/>
+            </a:pPr>
+            <a:r>
+              <a:rPr lang="fr-FR" sz="2400" dirty="0" smtClean="0"/>
+              <a:t>Serveur Web</a:t>
+            </a:r>
+          </a:p>
+          <a:p>
+            <a:pPr marL="285750" indent="-285750">
+              <a:buFont typeface="Arial" panose="020B0604020202020204" pitchFamily="34" charset="0"/>
+              <a:buChar char="•"/>
+            </a:pPr>
+            <a:endParaRPr lang="fr-FR" sz="2400" dirty="0" smtClean="0"/>
+          </a:p>
+          <a:p>
+            <a:pPr marL="285750" indent="-285750">
+              <a:buFont typeface="Arial" panose="020B0604020202020204" pitchFamily="34" charset="0"/>
+              <a:buChar char="•"/>
+            </a:pPr>
+            <a:r>
+              <a:rPr lang="fr-FR" sz="2400" dirty="0" err="1" smtClean="0"/>
+              <a:t>Arduino</a:t>
+            </a:r>
+            <a:endParaRPr lang="fr-FR" sz="2400" dirty="0" smtClean="0"/>
+          </a:p>
+          <a:p>
+            <a:pPr marL="285750" indent="-285750">
+              <a:buFont typeface="Arial" panose="020B0604020202020204" pitchFamily="34" charset="0"/>
+              <a:buChar char="•"/>
+            </a:pPr>
+            <a:endParaRPr lang="fr-FR" sz="2400" dirty="0" smtClean="0"/>
+          </a:p>
+          <a:p>
+            <a:pPr marL="285750" indent="-285750">
+              <a:buFont typeface="Arial" panose="020B0604020202020204" pitchFamily="34" charset="0"/>
+              <a:buChar char="•"/>
+            </a:pPr>
+            <a:r>
+              <a:rPr lang="fr-FR" sz="2400" dirty="0" smtClean="0"/>
+              <a:t>Client Web</a:t>
+            </a:r>
+          </a:p>
+          <a:p>
+            <a:pPr marL="285750" indent="-285750">
+              <a:buFont typeface="Arial" panose="020B0604020202020204" pitchFamily="34" charset="0"/>
+              <a:buChar char="•"/>
+            </a:pPr>
+            <a:endParaRPr lang="fr-FR" sz="2400" dirty="0"/>
+          </a:p>
+          <a:p>
+            <a:pPr marL="285750" indent="-285750">
+              <a:buFont typeface="Arial" panose="020B0604020202020204" pitchFamily="34" charset="0"/>
+              <a:buChar char="•"/>
+            </a:pPr>
+            <a:r>
+              <a:rPr lang="fr-FR" sz="2400" dirty="0" smtClean="0"/>
+              <a:t>Conclusion</a:t>
+            </a:r>
+          </a:p>
+        </p:txBody>
+      </p:sp>
+      <p:pic>
+        <p:nvPicPr>
+          <p:cNvPr id="6" name="Image 5"/>
+          <p:cNvPicPr>
+            <a:picLocks noChangeAspect="1"/>
+          </p:cNvPicPr>
+          <p:nvPr/>
+        </p:nvPicPr>
+        <p:blipFill>
+          <a:blip r:embed="rId2">
+            <a:extLst>
+              <a:ext uri="{28A0092B-C50C-407E-A947-70E740481C1C}">
+                <a14:useLocalDpi xmlns:a14="http://schemas.microsoft.com/office/drawing/2010/main" val="0"/>
+              </a:ext>
+            </a:extLst>
+          </a:blip>
+          <a:stretch>
+            <a:fillRect/>
+          </a:stretch>
+        </p:blipFill>
+        <p:spPr>
+          <a:xfrm>
+            <a:off x="5693081" y="1320428"/>
+            <a:ext cx="4824046" cy="4674229"/>
+          </a:xfrm>
+          <a:prstGeom prst="rect">
+            <a:avLst/>
+          </a:prstGeom>
+        </p:spPr>
+      </p:pic>
     </p:spTree>
     <p:extLst>
       <p:ext uri="{BB962C8B-B14F-4D97-AF65-F5344CB8AC3E}">
         <p14:creationId xmlns:p14="http://schemas.microsoft.com/office/powerpoint/2010/main" val="2290834341"/>
+      </p:ext>
+    </p:extLst>
+  </p:cSld>
+  <p:clrMapOvr>
+    <a:masterClrMapping/>
+  </p:clrMapOvr>
+  <p:timing>
+    <p:tnLst>
+      <p:par>
+        <p:cTn id="1" dur="indefinite" restart="never" nodeType="tmRoot"/>
+      </p:par>
+    </p:tnLst>
+  </p:timing>
+</p:sld>
+</file>
+
+<file path=ppt/slides/slide3.xml><?xml version="1.0" encoding="utf-8"?>
+<p:sld xmlns:a="http://schemas.openxmlformats.org/drawingml/2006/main" xmlns:r="http://schemas.openxmlformats.org/officeDocument/2006/relationships" xmlns:p="http://schemas.openxmlformats.org/presentationml/2006/main">
+  <p:cSld>
+    <p:spTree>
+      <p:nvGrpSpPr>
+        <p:cNvPr id="1" name=""/>
+        <p:cNvGrpSpPr/>
+        <p:nvPr/>
+      </p:nvGrpSpPr>
+      <p:grpSpPr>
+        <a:xfrm>
+          <a:off x="0" y="0"/>
+          <a:ext cx="0" cy="0"/>
+          <a:chOff x="0" y="0"/>
+          <a:chExt cx="0" cy="0"/>
+        </a:xfrm>
+      </p:grpSpPr>
+      <p:sp>
+        <p:nvSpPr>
+          <p:cNvPr id="2" name="Titre 1"/>
+          <p:cNvSpPr>
+            <a:spLocks noGrp="1"/>
+          </p:cNvSpPr>
+          <p:nvPr>
+            <p:ph type="title"/>
+          </p:nvPr>
+        </p:nvSpPr>
+        <p:spPr/>
+        <p:txBody>
+          <a:bodyPr/>
+          <a:lstStyle/>
+          <a:p>
+            <a:pPr algn="l"/>
+            <a:r>
+              <a:rPr lang="fr-FR" dirty="0" smtClean="0"/>
+              <a:t>Membres du groupe</a:t>
+            </a:r>
+            <a:endParaRPr lang="fr-FR" dirty="0"/>
+          </a:p>
+        </p:txBody>
+      </p:sp>
+      <p:graphicFrame>
+        <p:nvGraphicFramePr>
+          <p:cNvPr id="5" name="Espace réservé du contenu 4"/>
+          <p:cNvGraphicFramePr>
+            <a:graphicFrameLocks noGrp="1"/>
+          </p:cNvGraphicFramePr>
+          <p:nvPr>
+            <p:ph idx="1"/>
+            <p:extLst>
+              <p:ext uri="{D42A27DB-BD31-4B8C-83A1-F6EECF244321}">
+                <p14:modId xmlns:p14="http://schemas.microsoft.com/office/powerpoint/2010/main" val="2935852564"/>
+              </p:ext>
+            </p:extLst>
+          </p:nvPr>
+        </p:nvGraphicFramePr>
+        <p:xfrm>
+          <a:off x="913882" y="1873631"/>
+          <a:ext cx="10353675" cy="4059237"/>
+        </p:xfrm>
+        <a:graphic>
+          <a:graphicData uri="http://schemas.openxmlformats.org/drawingml/2006/diagram">
+            <dgm:relIds xmlns:dgm="http://schemas.openxmlformats.org/drawingml/2006/diagram" xmlns:r="http://schemas.openxmlformats.org/officeDocument/2006/relationships" r:dm="rId2" r:lo="rId3" r:qs="rId4" r:cs="rId5"/>
+          </a:graphicData>
+        </a:graphic>
+      </p:graphicFrame>
+    </p:spTree>
+    <p:extLst>
+      <p:ext uri="{BB962C8B-B14F-4D97-AF65-F5344CB8AC3E}">
+        <p14:creationId xmlns:p14="http://schemas.microsoft.com/office/powerpoint/2010/main" val="228310942"/>
+      </p:ext>
+    </p:extLst>
+  </p:cSld>
+  <p:clrMapOvr>
+    <a:masterClrMapping/>
+  </p:clrMapOvr>
+  <p:timing>
+    <p:tnLst>
+      <p:par>
+        <p:cTn id="1" dur="indefinite" restart="never" nodeType="tmRoot"/>
+      </p:par>
+    </p:tnLst>
+  </p:timing>
+</p:sld>
+</file>
+
+<file path=ppt/slides/slide4.xml><?xml version="1.0" encoding="utf-8"?>
+<p:sld xmlns:a="http://schemas.openxmlformats.org/drawingml/2006/main" xmlns:r="http://schemas.openxmlformats.org/officeDocument/2006/relationships" xmlns:p="http://schemas.openxmlformats.org/presentationml/2006/main">
+  <p:cSld>
+    <p:spTree>
+      <p:nvGrpSpPr>
+        <p:cNvPr id="1" name=""/>
+        <p:cNvGrpSpPr/>
+        <p:nvPr/>
+      </p:nvGrpSpPr>
+      <p:grpSpPr>
+        <a:xfrm>
+          <a:off x="0" y="0"/>
+          <a:ext cx="0" cy="0"/>
+          <a:chOff x="0" y="0"/>
+          <a:chExt cx="0" cy="0"/>
+        </a:xfrm>
+      </p:grpSpPr>
+      <p:sp>
+        <p:nvSpPr>
+          <p:cNvPr id="2" name="Titre 1"/>
+          <p:cNvSpPr>
+            <a:spLocks noGrp="1"/>
+          </p:cNvSpPr>
+          <p:nvPr>
+            <p:ph type="title"/>
+          </p:nvPr>
+        </p:nvSpPr>
+        <p:spPr/>
+        <p:txBody>
+          <a:bodyPr/>
+          <a:lstStyle/>
+          <a:p>
+            <a:pPr algn="l"/>
+            <a:r>
+              <a:rPr lang="fr-FR" dirty="0" smtClean="0"/>
+              <a:t>Calculs</a:t>
+            </a:r>
+            <a:endParaRPr lang="fr-FR" dirty="0"/>
+          </a:p>
+        </p:txBody>
+      </p:sp>
+      <p:sp>
+        <p:nvSpPr>
+          <p:cNvPr id="3" name="Espace réservé du contenu 2"/>
+          <p:cNvSpPr>
+            <a:spLocks noGrp="1"/>
+          </p:cNvSpPr>
+          <p:nvPr>
+            <p:ph idx="1"/>
+          </p:nvPr>
+        </p:nvSpPr>
+        <p:spPr/>
+        <p:txBody>
+          <a:bodyPr/>
+          <a:lstStyle/>
+          <a:p>
+            <a:r>
+              <a:rPr lang="fr-FR" dirty="0" smtClean="0"/>
+              <a:t>Odométrie</a:t>
+            </a:r>
+            <a:endParaRPr lang="fr-FR" dirty="0"/>
+          </a:p>
+        </p:txBody>
+      </p:sp>
+    </p:spTree>
+    <p:extLst>
+      <p:ext uri="{BB962C8B-B14F-4D97-AF65-F5344CB8AC3E}">
+        <p14:creationId xmlns:p14="http://schemas.microsoft.com/office/powerpoint/2010/main" val="1194455758"/>
+      </p:ext>
+    </p:extLst>
+  </p:cSld>
+  <p:clrMapOvr>
+    <a:masterClrMapping/>
+  </p:clrMapOvr>
+  <p:timing>
+    <p:tnLst>
+      <p:par>
+        <p:cTn id="1" dur="indefinite" restart="never" nodeType="tmRoot"/>
+      </p:par>
+    </p:tnLst>
+  </p:timing>
+</p:sld>
+</file>
+
+<file path=ppt/slides/slide5.xml><?xml version="1.0" encoding="utf-8"?>
+<p:sld xmlns:a="http://schemas.openxmlformats.org/drawingml/2006/main" xmlns:r="http://schemas.openxmlformats.org/officeDocument/2006/relationships" xmlns:p="http://schemas.openxmlformats.org/presentationml/2006/main">
+  <p:cSld>
+    <p:spTree>
+      <p:nvGrpSpPr>
+        <p:cNvPr id="1" name=""/>
+        <p:cNvGrpSpPr/>
+        <p:nvPr/>
+      </p:nvGrpSpPr>
+      <p:grpSpPr>
+        <a:xfrm>
+          <a:off x="0" y="0"/>
+          <a:ext cx="0" cy="0"/>
+          <a:chOff x="0" y="0"/>
+          <a:chExt cx="0" cy="0"/>
+        </a:xfrm>
+      </p:grpSpPr>
+      <p:sp>
+        <p:nvSpPr>
+          <p:cNvPr id="2" name="Titre 1"/>
+          <p:cNvSpPr>
+            <a:spLocks noGrp="1"/>
+          </p:cNvSpPr>
+          <p:nvPr>
+            <p:ph type="title"/>
+          </p:nvPr>
+        </p:nvSpPr>
+        <p:spPr/>
+        <p:txBody>
+          <a:bodyPr/>
+          <a:lstStyle/>
+          <a:p>
+            <a:pPr algn="l"/>
+            <a:r>
+              <a:rPr lang="fr-FR" dirty="0" smtClean="0"/>
+              <a:t>Serveur Web</a:t>
+            </a:r>
+            <a:endParaRPr lang="fr-FR" dirty="0"/>
+          </a:p>
+        </p:txBody>
+      </p:sp>
+      <p:sp>
+        <p:nvSpPr>
+          <p:cNvPr id="3" name="Espace réservé du contenu 2"/>
+          <p:cNvSpPr>
+            <a:spLocks noGrp="1"/>
+          </p:cNvSpPr>
+          <p:nvPr>
+            <p:ph idx="1"/>
+          </p:nvPr>
+        </p:nvSpPr>
+        <p:spPr/>
+        <p:txBody>
+          <a:bodyPr/>
+          <a:lstStyle/>
+          <a:p>
+            <a:endParaRPr lang="fr-FR"/>
+          </a:p>
+        </p:txBody>
+      </p:sp>
+    </p:spTree>
+    <p:extLst>
+      <p:ext uri="{BB962C8B-B14F-4D97-AF65-F5344CB8AC3E}">
+        <p14:creationId xmlns:p14="http://schemas.microsoft.com/office/powerpoint/2010/main" val="3497991419"/>
+      </p:ext>
+    </p:extLst>
+  </p:cSld>
+  <p:clrMapOvr>
+    <a:masterClrMapping/>
+  </p:clrMapOvr>
+  <p:timing>
+    <p:tnLst>
+      <p:par>
+        <p:cTn id="1" dur="indefinite" restart="never" nodeType="tmRoot"/>
+      </p:par>
+    </p:tnLst>
+  </p:timing>
+</p:sld>
+</file>
+
+<file path=ppt/slides/slide6.xml><?xml version="1.0" encoding="utf-8"?>
+<p:sld xmlns:a="http://schemas.openxmlformats.org/drawingml/2006/main" xmlns:r="http://schemas.openxmlformats.org/officeDocument/2006/relationships" xmlns:p="http://schemas.openxmlformats.org/presentationml/2006/main">
+  <p:cSld>
+    <p:spTree>
+      <p:nvGrpSpPr>
+        <p:cNvPr id="1" name=""/>
+        <p:cNvGrpSpPr/>
+        <p:nvPr/>
+      </p:nvGrpSpPr>
+      <p:grpSpPr>
+        <a:xfrm>
+          <a:off x="0" y="0"/>
+          <a:ext cx="0" cy="0"/>
+          <a:chOff x="0" y="0"/>
+          <a:chExt cx="0" cy="0"/>
+        </a:xfrm>
+      </p:grpSpPr>
+      <p:sp>
+        <p:nvSpPr>
+          <p:cNvPr id="2" name="Titre 1"/>
+          <p:cNvSpPr>
+            <a:spLocks noGrp="1"/>
+          </p:cNvSpPr>
+          <p:nvPr>
+            <p:ph type="title"/>
+          </p:nvPr>
+        </p:nvSpPr>
+        <p:spPr/>
+        <p:txBody>
+          <a:bodyPr/>
+          <a:lstStyle/>
+          <a:p>
+            <a:pPr algn="l"/>
+            <a:r>
+              <a:rPr lang="fr-FR" dirty="0" err="1" smtClean="0"/>
+              <a:t>Arduino</a:t>
+            </a:r>
+            <a:endParaRPr lang="fr-FR" dirty="0"/>
+          </a:p>
+        </p:txBody>
+      </p:sp>
+      <p:sp>
+        <p:nvSpPr>
+          <p:cNvPr id="3" name="Espace réservé du contenu 2"/>
+          <p:cNvSpPr>
+            <a:spLocks noGrp="1"/>
+          </p:cNvSpPr>
+          <p:nvPr>
+            <p:ph idx="1"/>
+          </p:nvPr>
+        </p:nvSpPr>
+        <p:spPr/>
+        <p:txBody>
+          <a:bodyPr/>
+          <a:lstStyle/>
+          <a:p>
+            <a:r>
+              <a:rPr lang="fr-FR" dirty="0" smtClean="0"/>
+              <a:t>Algorithme de la main gauche</a:t>
+            </a:r>
+          </a:p>
+          <a:p>
+            <a:r>
+              <a:rPr lang="fr-FR" dirty="0" smtClean="0"/>
+              <a:t>Machine à état</a:t>
+            </a:r>
+            <a:endParaRPr lang="fr-FR" dirty="0"/>
+          </a:p>
+        </p:txBody>
+      </p:sp>
+      <p:pic>
+        <p:nvPicPr>
+          <p:cNvPr id="4" name="Image 3"/>
+          <p:cNvPicPr>
+            <a:picLocks noChangeAspect="1"/>
+          </p:cNvPicPr>
+          <p:nvPr/>
+        </p:nvPicPr>
+        <p:blipFill>
+          <a:blip r:embed="rId2">
+            <a:extLst>
+              <a:ext uri="{28A0092B-C50C-407E-A947-70E740481C1C}">
+                <a14:useLocalDpi xmlns:a14="http://schemas.microsoft.com/office/drawing/2010/main" val="0"/>
+              </a:ext>
+            </a:extLst>
+          </a:blip>
+          <a:stretch>
+            <a:fillRect/>
+          </a:stretch>
+        </p:blipFill>
+        <p:spPr>
+          <a:xfrm>
+            <a:off x="10397721" y="5336147"/>
+            <a:ext cx="1794279" cy="1794279"/>
+          </a:xfrm>
+          <a:prstGeom prst="rect">
+            <a:avLst/>
+          </a:prstGeom>
+        </p:spPr>
+      </p:pic>
+    </p:spTree>
+    <p:extLst>
+      <p:ext uri="{BB962C8B-B14F-4D97-AF65-F5344CB8AC3E}">
+        <p14:creationId xmlns:p14="http://schemas.microsoft.com/office/powerpoint/2010/main" val="2836795985"/>
+      </p:ext>
+    </p:extLst>
+  </p:cSld>
+  <p:clrMapOvr>
+    <a:masterClrMapping/>
+  </p:clrMapOvr>
+  <p:timing>
+    <p:tnLst>
+      <p:par>
+        <p:cTn id="1" dur="indefinite" restart="never" nodeType="tmRoot"/>
+      </p:par>
+    </p:tnLst>
+  </p:timing>
+</p:sld>
+</file>
+
+<file path=ppt/slides/slide7.xml><?xml version="1.0" encoding="utf-8"?>
+<p:sld xmlns:a="http://schemas.openxmlformats.org/drawingml/2006/main" xmlns:r="http://schemas.openxmlformats.org/officeDocument/2006/relationships" xmlns:p="http://schemas.openxmlformats.org/presentationml/2006/main">
+  <p:cSld>
+    <p:spTree>
+      <p:nvGrpSpPr>
+        <p:cNvPr id="1" name=""/>
+        <p:cNvGrpSpPr/>
+        <p:nvPr/>
+      </p:nvGrpSpPr>
+      <p:grpSpPr>
+        <a:xfrm>
+          <a:off x="0" y="0"/>
+          <a:ext cx="0" cy="0"/>
+          <a:chOff x="0" y="0"/>
+          <a:chExt cx="0" cy="0"/>
+        </a:xfrm>
+      </p:grpSpPr>
+      <p:sp>
+        <p:nvSpPr>
+          <p:cNvPr id="2" name="Titre 1"/>
+          <p:cNvSpPr>
+            <a:spLocks noGrp="1"/>
+          </p:cNvSpPr>
+          <p:nvPr>
+            <p:ph type="title"/>
+          </p:nvPr>
+        </p:nvSpPr>
+        <p:spPr/>
+        <p:txBody>
+          <a:bodyPr/>
+          <a:lstStyle/>
+          <a:p>
+            <a:pPr algn="l"/>
+            <a:r>
+              <a:rPr lang="fr-FR" dirty="0" smtClean="0"/>
+              <a:t>Client Web</a:t>
+            </a:r>
+            <a:endParaRPr lang="fr-FR" dirty="0"/>
+          </a:p>
+        </p:txBody>
+      </p:sp>
+      <p:sp>
+        <p:nvSpPr>
+          <p:cNvPr id="3" name="Espace réservé du contenu 2"/>
+          <p:cNvSpPr>
+            <a:spLocks noGrp="1"/>
+          </p:cNvSpPr>
+          <p:nvPr>
+            <p:ph idx="1"/>
+          </p:nvPr>
+        </p:nvSpPr>
+        <p:spPr/>
+        <p:txBody>
+          <a:bodyPr/>
+          <a:lstStyle/>
+          <a:p>
+            <a:r>
+              <a:rPr lang="fr-FR" dirty="0" smtClean="0"/>
+              <a:t>Interface</a:t>
+            </a:r>
+            <a:endParaRPr lang="fr-FR" dirty="0"/>
+          </a:p>
+        </p:txBody>
+      </p:sp>
+    </p:spTree>
+    <p:extLst>
+      <p:ext uri="{BB962C8B-B14F-4D97-AF65-F5344CB8AC3E}">
+        <p14:creationId xmlns:p14="http://schemas.microsoft.com/office/powerpoint/2010/main" val="4040444002"/>
+      </p:ext>
+    </p:extLst>
+  </p:cSld>
+  <p:clrMapOvr>
+    <a:masterClrMapping/>
+  </p:clrMapOvr>
+  <p:timing>
+    <p:tnLst>
+      <p:par>
+        <p:cTn id="1" dur="indefinite" restart="never" nodeType="tmRoot"/>
+      </p:par>
+    </p:tnLst>
+  </p:timing>
+</p:sld>
+</file>
+
+<file path=ppt/slides/slide8.xml><?xml version="1.0" encoding="utf-8"?>
+<p:sld xmlns:a="http://schemas.openxmlformats.org/drawingml/2006/main" xmlns:r="http://schemas.openxmlformats.org/officeDocument/2006/relationships" xmlns:p="http://schemas.openxmlformats.org/presentationml/2006/main">
+  <p:cSld>
+    <p:spTree>
+      <p:nvGrpSpPr>
+        <p:cNvPr id="1" name=""/>
+        <p:cNvGrpSpPr/>
+        <p:nvPr/>
+      </p:nvGrpSpPr>
+      <p:grpSpPr>
+        <a:xfrm>
+          <a:off x="0" y="0"/>
+          <a:ext cx="0" cy="0"/>
+          <a:chOff x="0" y="0"/>
+          <a:chExt cx="0" cy="0"/>
+        </a:xfrm>
+      </p:grpSpPr>
+      <p:sp>
+        <p:nvSpPr>
+          <p:cNvPr id="2" name="Titre 1"/>
+          <p:cNvSpPr>
+            <a:spLocks noGrp="1"/>
+          </p:cNvSpPr>
+          <p:nvPr>
+            <p:ph type="title"/>
+          </p:nvPr>
+        </p:nvSpPr>
+        <p:spPr/>
+        <p:txBody>
+          <a:bodyPr/>
+          <a:lstStyle/>
+          <a:p>
+            <a:pPr algn="l"/>
+            <a:r>
+              <a:rPr lang="fr-FR" dirty="0" smtClean="0"/>
+              <a:t>Démonstration</a:t>
+            </a:r>
+            <a:endParaRPr lang="fr-FR" dirty="0"/>
+          </a:p>
+        </p:txBody>
+      </p:sp>
+      <p:sp>
+        <p:nvSpPr>
+          <p:cNvPr id="3" name="Espace réservé du contenu 2"/>
+          <p:cNvSpPr>
+            <a:spLocks noGrp="1"/>
+          </p:cNvSpPr>
+          <p:nvPr>
+            <p:ph idx="1"/>
+          </p:nvPr>
+        </p:nvSpPr>
+        <p:spPr/>
+        <p:txBody>
+          <a:bodyPr/>
+          <a:lstStyle/>
+          <a:p>
+            <a:r>
+              <a:rPr lang="fr-FR" dirty="0" smtClean="0"/>
+              <a:t>Insérer la vidéo de démo</a:t>
+            </a:r>
+            <a:endParaRPr lang="fr-FR" dirty="0"/>
+          </a:p>
+        </p:txBody>
+      </p:sp>
+    </p:spTree>
+    <p:extLst>
+      <p:ext uri="{BB962C8B-B14F-4D97-AF65-F5344CB8AC3E}">
+        <p14:creationId xmlns:p14="http://schemas.microsoft.com/office/powerpoint/2010/main" val="2374672127"/>
+      </p:ext>
+    </p:extLst>
+  </p:cSld>
+  <p:clrMapOvr>
+    <a:masterClrMapping/>
+  </p:clrMapOvr>
+  <p:timing>
+    <p:tnLst>
+      <p:par>
+        <p:cTn id="1" dur="indefinite" restart="never" nodeType="tmRoot"/>
+      </p:par>
+    </p:tnLst>
+  </p:timing>
+</p:sld>
+</file>
+
+<file path=ppt/slides/slide9.xml><?xml version="1.0" encoding="utf-8"?>
+<p:sld xmlns:a="http://schemas.openxmlformats.org/drawingml/2006/main" xmlns:r="http://schemas.openxmlformats.org/officeDocument/2006/relationships" xmlns:p="http://schemas.openxmlformats.org/presentationml/2006/main">
+  <p:cSld>
+    <p:spTree>
+      <p:nvGrpSpPr>
+        <p:cNvPr id="1" name=""/>
+        <p:cNvGrpSpPr/>
+        <p:nvPr/>
+      </p:nvGrpSpPr>
+      <p:grpSpPr>
+        <a:xfrm>
+          <a:off x="0" y="0"/>
+          <a:ext cx="0" cy="0"/>
+          <a:chOff x="0" y="0"/>
+          <a:chExt cx="0" cy="0"/>
+        </a:xfrm>
+      </p:grpSpPr>
+      <p:sp>
+        <p:nvSpPr>
+          <p:cNvPr id="2" name="Titre 1"/>
+          <p:cNvSpPr>
+            <a:spLocks noGrp="1"/>
+          </p:cNvSpPr>
+          <p:nvPr>
+            <p:ph type="title"/>
+          </p:nvPr>
+        </p:nvSpPr>
+        <p:spPr/>
+        <p:txBody>
+          <a:bodyPr/>
+          <a:lstStyle/>
+          <a:p>
+            <a:pPr algn="l"/>
+            <a:r>
+              <a:rPr lang="fr-FR" dirty="0" smtClean="0"/>
+              <a:t>Conclusion</a:t>
+            </a:r>
+            <a:endParaRPr lang="fr-FR" dirty="0"/>
+          </a:p>
+        </p:txBody>
+      </p:sp>
+    </p:spTree>
+    <p:extLst>
+      <p:ext uri="{BB962C8B-B14F-4D97-AF65-F5344CB8AC3E}">
+        <p14:creationId xmlns:p14="http://schemas.microsoft.com/office/powerpoint/2010/main" val="933693841"/>
       </p:ext>
     </p:extLst>
   </p:cSld>

--- a/Gestion projet/Projet intégration robotique – IMERIR.pptx
+++ b/Gestion projet/Projet intégration robotique – IMERIR.pptx
@@ -8,12 +8,16 @@
     <p:sldId id="256" r:id="rId2"/>
     <p:sldId id="257" r:id="rId3"/>
     <p:sldId id="259" r:id="rId4"/>
-    <p:sldId id="260" r:id="rId5"/>
-    <p:sldId id="261" r:id="rId6"/>
-    <p:sldId id="262" r:id="rId7"/>
-    <p:sldId id="263" r:id="rId8"/>
-    <p:sldId id="264" r:id="rId9"/>
-    <p:sldId id="258" r:id="rId10"/>
+    <p:sldId id="265" r:id="rId5"/>
+    <p:sldId id="266" r:id="rId6"/>
+    <p:sldId id="267" r:id="rId7"/>
+    <p:sldId id="268" r:id="rId8"/>
+    <p:sldId id="262" r:id="rId9"/>
+    <p:sldId id="260" r:id="rId10"/>
+    <p:sldId id="261" r:id="rId11"/>
+    <p:sldId id="263" r:id="rId12"/>
+    <p:sldId id="264" r:id="rId13"/>
+    <p:sldId id="258" r:id="rId14"/>
   </p:sldIdLst>
   <p:sldSz cx="12192000" cy="6858000"/>
   <p:notesSz cx="6858000" cy="9144000"/>
@@ -907,14 +911,14 @@
       </dgm:t>
     </dgm:pt>
     <dgm:pt modelId="{E08328F8-73AC-44B9-A528-2A20E2BB73B8}" type="sibTrans" cxnId="{70A6D11C-8555-4E5F-AD68-FCA75662C906}">
-      <dgm:prSet/>
+      <dgm:prSet custT="1"/>
       <dgm:spPr/>
       <dgm:t>
         <a:bodyPr/>
         <a:lstStyle/>
         <a:p>
           <a:r>
-            <a:rPr lang="fr-FR"/>
+            <a:rPr lang="fr-FR" sz="1500" dirty="0"/>
             <a:t>Cyril PY</a:t>
           </a:r>
         </a:p>
@@ -928,9 +932,10 @@
         <a:lstStyle/>
         <a:p>
           <a:r>
-            <a:rPr lang="fr-FR"/>
-            <a:t>Calculs</a:t>
+            <a:rPr lang="fr-FR" dirty="0" smtClean="0"/>
+            <a:t>Odométrie</a:t>
           </a:r>
+          <a:endParaRPr lang="fr-FR" dirty="0"/>
         </a:p>
       </dgm:t>
     </dgm:pt>
@@ -946,14 +951,14 @@
       </dgm:t>
     </dgm:pt>
     <dgm:pt modelId="{1A528B00-6AE1-4ABD-8D5B-17919833341D}" type="sibTrans" cxnId="{18A9C787-27E3-4ED7-A604-BD8FCB6AE99C}">
-      <dgm:prSet/>
+      <dgm:prSet custT="1"/>
       <dgm:spPr/>
       <dgm:t>
         <a:bodyPr/>
         <a:lstStyle/>
         <a:p>
           <a:r>
-            <a:rPr lang="fr-FR"/>
+            <a:rPr lang="fr-FR" sz="1500" dirty="0"/>
             <a:t>Thomas PRAK</a:t>
           </a:r>
         </a:p>
@@ -967,9 +972,10 @@
         <a:lstStyle/>
         <a:p>
           <a:r>
-            <a:rPr lang="fr-FR"/>
-            <a:t>Client</a:t>
+            <a:rPr lang="fr-FR" dirty="0" smtClean="0"/>
+            <a:t>Client Web</a:t>
           </a:r>
+          <a:endParaRPr lang="fr-FR" dirty="0"/>
         </a:p>
       </dgm:t>
     </dgm:pt>
@@ -985,14 +991,14 @@
       </dgm:t>
     </dgm:pt>
     <dgm:pt modelId="{E4FE5431-22CA-4AEA-913E-E7226B8FA659}" type="sibTrans" cxnId="{DEEAEBD6-4828-46A2-9DBC-7D5C2E3EA851}">
-      <dgm:prSet/>
+      <dgm:prSet custT="1"/>
       <dgm:spPr/>
       <dgm:t>
         <a:bodyPr/>
         <a:lstStyle/>
         <a:p>
           <a:r>
-            <a:rPr lang="fr-FR"/>
+            <a:rPr lang="fr-FR" sz="1500" dirty="0"/>
             <a:t>Justine SABBATIER</a:t>
           </a:r>
         </a:p>
@@ -1006,9 +1012,10 @@
         <a:lstStyle/>
         <a:p>
           <a:r>
-            <a:rPr lang="fr-FR"/>
-            <a:t>Serveur Web</a:t>
+            <a:rPr lang="fr-FR" dirty="0" smtClean="0"/>
+            <a:t>Communication</a:t>
           </a:r>
+          <a:endParaRPr lang="fr-FR" dirty="0"/>
         </a:p>
       </dgm:t>
     </dgm:pt>
@@ -1024,14 +1031,14 @@
       </dgm:t>
     </dgm:pt>
     <dgm:pt modelId="{22012B92-4D3B-4DFC-ADE4-AD48761BC057}" type="sibTrans" cxnId="{572F320D-2F13-4B87-B73A-C64F670DDD7D}">
-      <dgm:prSet/>
+      <dgm:prSet custT="1"/>
       <dgm:spPr/>
       <dgm:t>
         <a:bodyPr/>
         <a:lstStyle/>
         <a:p>
           <a:r>
-            <a:rPr lang="fr-FR"/>
+            <a:rPr lang="fr-FR" sz="1500"/>
             <a:t>Julien LOEVE</a:t>
           </a:r>
         </a:p>
@@ -1045,9 +1052,10 @@
         <a:lstStyle/>
         <a:p>
           <a:r>
-            <a:rPr lang="fr-FR"/>
-            <a:t>Arduino</a:t>
+            <a:rPr lang="fr-FR" dirty="0" smtClean="0"/>
+            <a:t>Algorithme</a:t>
           </a:r>
+          <a:endParaRPr lang="fr-FR" dirty="0"/>
         </a:p>
       </dgm:t>
     </dgm:pt>
@@ -1063,14 +1071,14 @@
       </dgm:t>
     </dgm:pt>
     <dgm:pt modelId="{EB0E38B7-1918-42E9-9670-E7466CE99D19}" type="sibTrans" cxnId="{BC04EF43-D439-4687-83CF-CFC9BDBA623E}">
-      <dgm:prSet/>
+      <dgm:prSet custT="1"/>
       <dgm:spPr/>
       <dgm:t>
         <a:bodyPr/>
         <a:lstStyle/>
         <a:p>
           <a:r>
-            <a:rPr lang="fr-FR"/>
+            <a:rPr lang="fr-FR" sz="1500"/>
             <a:t>Mathias DA COSTA</a:t>
           </a:r>
         </a:p>
@@ -1988,12 +1996,12 @@
         </a:fontRef>
       </dsp:style>
       <dsp:txBody>
-        <a:bodyPr spcFirstLastPara="0" vert="horz" wrap="square" lIns="20320" tIns="20320" rIns="20320" bIns="144662" numCol="1" spcCol="1270" anchor="ctr" anchorCtr="0">
+        <a:bodyPr spcFirstLastPara="0" vert="horz" wrap="square" lIns="13970" tIns="13970" rIns="13970" bIns="144662" numCol="1" spcCol="1270" anchor="ctr" anchorCtr="0">
           <a:noAutofit/>
         </a:bodyPr>
         <a:lstStyle/>
         <a:p>
-          <a:pPr lvl="0" algn="ctr" defTabSz="1422400">
+          <a:pPr lvl="0" algn="ctr" defTabSz="977900">
             <a:lnSpc>
               <a:spcPct val="90000"/>
             </a:lnSpc>
@@ -2005,7 +2013,7 @@
             </a:spcAft>
           </a:pPr>
           <a:r>
-            <a:rPr lang="fr-FR" sz="3200" kern="1200"/>
+            <a:rPr lang="fr-FR" sz="2200" kern="1200"/>
             <a:t>Chef de Projet</a:t>
           </a:r>
         </a:p>
@@ -2063,12 +2071,12 @@
         <a:fontRef idx="minor"/>
       </dsp:style>
       <dsp:txBody>
-        <a:bodyPr spcFirstLastPara="0" vert="horz" wrap="square" lIns="58420" tIns="14605" rIns="58420" bIns="14605" numCol="1" spcCol="1270" anchor="ctr" anchorCtr="0">
+        <a:bodyPr spcFirstLastPara="0" vert="horz" wrap="square" lIns="38100" tIns="9525" rIns="38100" bIns="9525" numCol="1" spcCol="1270" anchor="ctr" anchorCtr="0">
           <a:noAutofit/>
         </a:bodyPr>
         <a:lstStyle/>
         <a:p>
-          <a:pPr lvl="0" algn="r" defTabSz="1022350">
+          <a:pPr lvl="0" algn="r" defTabSz="666750">
             <a:lnSpc>
               <a:spcPct val="90000"/>
             </a:lnSpc>
@@ -2080,7 +2088,7 @@
             </a:spcAft>
           </a:pPr>
           <a:r>
-            <a:rPr lang="fr-FR" sz="2300" kern="1200"/>
+            <a:rPr lang="fr-FR" sz="1500" kern="1200" dirty="0"/>
             <a:t>Cyril PY</a:t>
           </a:r>
         </a:p>
@@ -2154,12 +2162,12 @@
         </a:fontRef>
       </dsp:style>
       <dsp:txBody>
-        <a:bodyPr spcFirstLastPara="0" vert="horz" wrap="square" lIns="20320" tIns="20320" rIns="20320" bIns="144662" numCol="1" spcCol="1270" anchor="ctr" anchorCtr="0">
+        <a:bodyPr spcFirstLastPara="0" vert="horz" wrap="square" lIns="13970" tIns="13970" rIns="13970" bIns="144662" numCol="1" spcCol="1270" anchor="ctr" anchorCtr="0">
           <a:noAutofit/>
         </a:bodyPr>
         <a:lstStyle/>
         <a:p>
-          <a:pPr lvl="0" algn="ctr" defTabSz="1422400">
+          <a:pPr lvl="0" algn="ctr" defTabSz="977900">
             <a:lnSpc>
               <a:spcPct val="90000"/>
             </a:lnSpc>
@@ -2171,9 +2179,10 @@
             </a:spcAft>
           </a:pPr>
           <a:r>
-            <a:rPr lang="fr-FR" sz="3200" kern="1200"/>
-            <a:t>Calculs</a:t>
+            <a:rPr lang="fr-FR" sz="2200" kern="1200" dirty="0" smtClean="0"/>
+            <a:t>Odométrie</a:t>
           </a:r>
+          <a:endParaRPr lang="fr-FR" sz="2200" kern="1200" dirty="0"/>
         </a:p>
       </dsp:txBody>
       <dsp:txXfrm>
@@ -2229,12 +2238,12 @@
         <a:fontRef idx="minor"/>
       </dsp:style>
       <dsp:txBody>
-        <a:bodyPr spcFirstLastPara="0" vert="horz" wrap="square" lIns="50800" tIns="12700" rIns="50800" bIns="12700" numCol="1" spcCol="1270" anchor="ctr" anchorCtr="0">
+        <a:bodyPr spcFirstLastPara="0" vert="horz" wrap="square" lIns="38100" tIns="9525" rIns="38100" bIns="9525" numCol="1" spcCol="1270" anchor="ctr" anchorCtr="0">
           <a:noAutofit/>
         </a:bodyPr>
         <a:lstStyle/>
         <a:p>
-          <a:pPr lvl="0" algn="r" defTabSz="889000">
+          <a:pPr lvl="0" algn="r" defTabSz="666750">
             <a:lnSpc>
               <a:spcPct val="90000"/>
             </a:lnSpc>
@@ -2246,7 +2255,7 @@
             </a:spcAft>
           </a:pPr>
           <a:r>
-            <a:rPr lang="fr-FR" sz="2000" kern="1200"/>
+            <a:rPr lang="fr-FR" sz="1500" kern="1200" dirty="0"/>
             <a:t>Thomas PRAK</a:t>
           </a:r>
         </a:p>
@@ -2320,12 +2329,12 @@
         </a:fontRef>
       </dsp:style>
       <dsp:txBody>
-        <a:bodyPr spcFirstLastPara="0" vert="horz" wrap="square" lIns="20320" tIns="20320" rIns="20320" bIns="144662" numCol="1" spcCol="1270" anchor="ctr" anchorCtr="0">
+        <a:bodyPr spcFirstLastPara="0" vert="horz" wrap="square" lIns="13970" tIns="13970" rIns="13970" bIns="144662" numCol="1" spcCol="1270" anchor="ctr" anchorCtr="0">
           <a:noAutofit/>
         </a:bodyPr>
         <a:lstStyle/>
         <a:p>
-          <a:pPr lvl="0" algn="ctr" defTabSz="1422400">
+          <a:pPr lvl="0" algn="ctr" defTabSz="977900">
             <a:lnSpc>
               <a:spcPct val="90000"/>
             </a:lnSpc>
@@ -2337,9 +2346,10 @@
             </a:spcAft>
           </a:pPr>
           <a:r>
-            <a:rPr lang="fr-FR" sz="3200" kern="1200"/>
-            <a:t>Client</a:t>
+            <a:rPr lang="fr-FR" sz="2200" kern="1200" dirty="0" smtClean="0"/>
+            <a:t>Client Web</a:t>
           </a:r>
+          <a:endParaRPr lang="fr-FR" sz="2200" kern="1200" dirty="0"/>
         </a:p>
       </dsp:txBody>
       <dsp:txXfrm>
@@ -2412,7 +2422,7 @@
             </a:spcAft>
           </a:pPr>
           <a:r>
-            <a:rPr lang="fr-FR" sz="1500" kern="1200"/>
+            <a:rPr lang="fr-FR" sz="1500" kern="1200" dirty="0"/>
             <a:t>Justine SABBATIER</a:t>
           </a:r>
         </a:p>
@@ -2486,12 +2496,12 @@
         </a:fontRef>
       </dsp:style>
       <dsp:txBody>
-        <a:bodyPr spcFirstLastPara="0" vert="horz" wrap="square" lIns="20320" tIns="20320" rIns="20320" bIns="144662" numCol="1" spcCol="1270" anchor="ctr" anchorCtr="0">
+        <a:bodyPr spcFirstLastPara="0" vert="horz" wrap="square" lIns="13970" tIns="13970" rIns="13970" bIns="144662" numCol="1" spcCol="1270" anchor="ctr" anchorCtr="0">
           <a:noAutofit/>
         </a:bodyPr>
         <a:lstStyle/>
         <a:p>
-          <a:pPr lvl="0" algn="ctr" defTabSz="1422400">
+          <a:pPr lvl="0" algn="ctr" defTabSz="977900">
             <a:lnSpc>
               <a:spcPct val="90000"/>
             </a:lnSpc>
@@ -2503,9 +2513,10 @@
             </a:spcAft>
           </a:pPr>
           <a:r>
-            <a:rPr lang="fr-FR" sz="3200" kern="1200"/>
-            <a:t>Arduino</a:t>
+            <a:rPr lang="fr-FR" sz="2200" kern="1200" dirty="0" smtClean="0"/>
+            <a:t>Algorithme</a:t>
           </a:r>
+          <a:endParaRPr lang="fr-FR" sz="2200" kern="1200" dirty="0"/>
         </a:p>
       </dsp:txBody>
       <dsp:txXfrm>
@@ -2652,12 +2663,12 @@
         </a:fontRef>
       </dsp:style>
       <dsp:txBody>
-        <a:bodyPr spcFirstLastPara="0" vert="horz" wrap="square" lIns="20320" tIns="20320" rIns="20320" bIns="144662" numCol="1" spcCol="1270" anchor="ctr" anchorCtr="0">
+        <a:bodyPr spcFirstLastPara="0" vert="horz" wrap="square" lIns="13970" tIns="13970" rIns="13970" bIns="144662" numCol="1" spcCol="1270" anchor="ctr" anchorCtr="0">
           <a:noAutofit/>
         </a:bodyPr>
         <a:lstStyle/>
         <a:p>
-          <a:pPr lvl="0" algn="ctr" defTabSz="1422400">
+          <a:pPr lvl="0" algn="ctr" defTabSz="977900">
             <a:lnSpc>
               <a:spcPct val="90000"/>
             </a:lnSpc>
@@ -2669,9 +2680,10 @@
             </a:spcAft>
           </a:pPr>
           <a:r>
-            <a:rPr lang="fr-FR" sz="3200" kern="1200"/>
-            <a:t>Serveur Web</a:t>
+            <a:rPr lang="fr-FR" sz="2200" kern="1200" dirty="0" smtClean="0"/>
+            <a:t>Communication</a:t>
           </a:r>
+          <a:endParaRPr lang="fr-FR" sz="2200" kern="1200" dirty="0"/>
         </a:p>
       </dsp:txBody>
       <dsp:txXfrm>
@@ -2727,12 +2739,12 @@
         <a:fontRef idx="minor"/>
       </dsp:style>
       <dsp:txBody>
-        <a:bodyPr spcFirstLastPara="0" vert="horz" wrap="square" lIns="53340" tIns="13335" rIns="53340" bIns="13335" numCol="1" spcCol="1270" anchor="ctr" anchorCtr="0">
+        <a:bodyPr spcFirstLastPara="0" vert="horz" wrap="square" lIns="38100" tIns="9525" rIns="38100" bIns="9525" numCol="1" spcCol="1270" anchor="ctr" anchorCtr="0">
           <a:noAutofit/>
         </a:bodyPr>
         <a:lstStyle/>
         <a:p>
-          <a:pPr lvl="0" algn="r" defTabSz="933450">
+          <a:pPr lvl="0" algn="r" defTabSz="666750">
             <a:lnSpc>
               <a:spcPct val="90000"/>
             </a:lnSpc>
@@ -2744,7 +2756,7 @@
             </a:spcAft>
           </a:pPr>
           <a:r>
-            <a:rPr lang="fr-FR" sz="2100" kern="1200"/>
+            <a:rPr lang="fr-FR" sz="1500" kern="1200"/>
             <a:t>Julien LOEVE</a:t>
           </a:r>
         </a:p>
@@ -5159,7 +5171,7 @@
             <a:fld id="{B61BEF0D-F0BB-DE4B-95CE-6DB70DBA9567}" type="datetimeFigureOut">
               <a:rPr lang="en-US" smtClean="0"/>
               <a:pPr/>
-              <a:t>10/15/2014</a:t>
+              <a:t>10/17/2014</a:t>
             </a:fld>
             <a:endParaRPr lang="en-US" dirty="0"/>
           </a:p>
@@ -5459,7 +5471,7 @@
             <a:fld id="{B61BEF0D-F0BB-DE4B-95CE-6DB70DBA9567}" type="datetimeFigureOut">
               <a:rPr lang="en-US" smtClean="0"/>
               <a:pPr/>
-              <a:t>10/15/2014</a:t>
+              <a:t>10/17/2014</a:t>
             </a:fld>
             <a:endParaRPr lang="en-US" dirty="0"/>
           </a:p>
@@ -5653,7 +5665,7 @@
             <a:fld id="{B61BEF0D-F0BB-DE4B-95CE-6DB70DBA9567}" type="datetimeFigureOut">
               <a:rPr lang="en-US" smtClean="0"/>
               <a:pPr/>
-              <a:t>10/15/2014</a:t>
+              <a:t>10/17/2014</a:t>
             </a:fld>
             <a:endParaRPr lang="en-US" dirty="0"/>
           </a:p>
@@ -5916,7 +5928,7 @@
             <a:fld id="{B61BEF0D-F0BB-DE4B-95CE-6DB70DBA9567}" type="datetimeFigureOut">
               <a:rPr lang="en-US" smtClean="0"/>
               <a:pPr/>
-              <a:t>10/15/2014</a:t>
+              <a:t>10/17/2014</a:t>
             </a:fld>
             <a:endParaRPr lang="en-US" dirty="0"/>
           </a:p>
@@ -6342,7 +6354,7 @@
             <a:fld id="{B61BEF0D-F0BB-DE4B-95CE-6DB70DBA9567}" type="datetimeFigureOut">
               <a:rPr lang="en-US" smtClean="0"/>
               <a:pPr/>
-              <a:t>10/15/2014</a:t>
+              <a:t>10/17/2014</a:t>
             </a:fld>
             <a:endParaRPr lang="en-US" dirty="0"/>
           </a:p>
@@ -6881,7 +6893,7 @@
             <a:fld id="{B61BEF0D-F0BB-DE4B-95CE-6DB70DBA9567}" type="datetimeFigureOut">
               <a:rPr lang="en-US" smtClean="0"/>
               <a:pPr/>
-              <a:t>10/15/2014</a:t>
+              <a:t>10/17/2014</a:t>
             </a:fld>
             <a:endParaRPr lang="en-US" dirty="0"/>
           </a:p>
@@ -7747,7 +7759,7 @@
             <a:fld id="{B61BEF0D-F0BB-DE4B-95CE-6DB70DBA9567}" type="datetimeFigureOut">
               <a:rPr lang="en-US" smtClean="0"/>
               <a:pPr/>
-              <a:t>10/15/2014</a:t>
+              <a:t>10/17/2014</a:t>
             </a:fld>
             <a:endParaRPr lang="en-US" dirty="0"/>
           </a:p>
@@ -7919,7 +7931,7 @@
             <a:fld id="{B61BEF0D-F0BB-DE4B-95CE-6DB70DBA9567}" type="datetimeFigureOut">
               <a:rPr lang="en-US" smtClean="0"/>
               <a:pPr/>
-              <a:t>10/15/2014</a:t>
+              <a:t>10/17/2014</a:t>
             </a:fld>
             <a:endParaRPr lang="en-US" dirty="0"/>
           </a:p>
@@ -8105,7 +8117,7 @@
             <a:fld id="{B61BEF0D-F0BB-DE4B-95CE-6DB70DBA9567}" type="datetimeFigureOut">
               <a:rPr lang="en-US" smtClean="0"/>
               <a:pPr/>
-              <a:t>10/15/2014</a:t>
+              <a:t>10/17/2014</a:t>
             </a:fld>
             <a:endParaRPr lang="en-US" dirty="0"/>
           </a:p>
@@ -8277,7 +8289,7 @@
             <a:fld id="{B61BEF0D-F0BB-DE4B-95CE-6DB70DBA9567}" type="datetimeFigureOut">
               <a:rPr lang="en-US" smtClean="0"/>
               <a:pPr/>
-              <a:t>10/15/2014</a:t>
+              <a:t>10/17/2014</a:t>
             </a:fld>
             <a:endParaRPr lang="en-US" dirty="0"/>
           </a:p>
@@ -8523,7 +8535,7 @@
             <a:fld id="{B61BEF0D-F0BB-DE4B-95CE-6DB70DBA9567}" type="datetimeFigureOut">
               <a:rPr lang="en-US" smtClean="0"/>
               <a:pPr/>
-              <a:t>10/15/2014</a:t>
+              <a:t>10/17/2014</a:t>
             </a:fld>
             <a:endParaRPr lang="en-US" dirty="0"/>
           </a:p>
@@ -8761,7 +8773,7 @@
             <a:fld id="{B61BEF0D-F0BB-DE4B-95CE-6DB70DBA9567}" type="datetimeFigureOut">
               <a:rPr lang="en-US" smtClean="0"/>
               <a:pPr/>
-              <a:t>10/15/2014</a:t>
+              <a:t>10/17/2014</a:t>
             </a:fld>
             <a:endParaRPr lang="en-US" dirty="0"/>
           </a:p>
@@ -9229,7 +9241,7 @@
             <a:fld id="{B61BEF0D-F0BB-DE4B-95CE-6DB70DBA9567}" type="datetimeFigureOut">
               <a:rPr lang="en-US" smtClean="0"/>
               <a:pPr/>
-              <a:t>10/15/2014</a:t>
+              <a:t>10/17/2014</a:t>
             </a:fld>
             <a:endParaRPr lang="en-US" dirty="0"/>
           </a:p>
@@ -9349,7 +9361,7 @@
             <a:fld id="{B61BEF0D-F0BB-DE4B-95CE-6DB70DBA9567}" type="datetimeFigureOut">
               <a:rPr lang="en-US" smtClean="0"/>
               <a:pPr/>
-              <a:t>10/15/2014</a:t>
+              <a:t>10/17/2014</a:t>
             </a:fld>
             <a:endParaRPr lang="en-US" dirty="0"/>
           </a:p>
@@ -9446,7 +9458,7 @@
             <a:fld id="{B61BEF0D-F0BB-DE4B-95CE-6DB70DBA9567}" type="datetimeFigureOut">
               <a:rPr lang="en-US" smtClean="0"/>
               <a:pPr/>
-              <a:t>10/15/2014</a:t>
+              <a:t>10/17/2014</a:t>
             </a:fld>
             <a:endParaRPr lang="en-US" dirty="0"/>
           </a:p>
@@ -9703,7 +9715,7 @@
             <a:fld id="{B61BEF0D-F0BB-DE4B-95CE-6DB70DBA9567}" type="datetimeFigureOut">
               <a:rPr lang="en-US" smtClean="0"/>
               <a:pPr/>
-              <a:t>10/15/2014</a:t>
+              <a:t>10/17/2014</a:t>
             </a:fld>
             <a:endParaRPr lang="en-US" dirty="0"/>
           </a:p>
@@ -10005,7 +10017,7 @@
             <a:fld id="{B61BEF0D-F0BB-DE4B-95CE-6DB70DBA9567}" type="datetimeFigureOut">
               <a:rPr lang="en-US" smtClean="0"/>
               <a:pPr/>
-              <a:t>10/15/2014</a:t>
+              <a:t>10/17/2014</a:t>
             </a:fld>
             <a:endParaRPr lang="en-US" dirty="0"/>
           </a:p>
@@ -10241,7 +10253,7 @@
             <a:fld id="{B61BEF0D-F0BB-DE4B-95CE-6DB70DBA9567}" type="datetimeFigureOut">
               <a:rPr lang="en-US" smtClean="0"/>
               <a:pPr/>
-              <a:t>10/15/2014</a:t>
+              <a:t>10/17/2014</a:t>
             </a:fld>
             <a:endParaRPr lang="en-US" dirty="0"/>
           </a:p>
@@ -10943,7 +10955,35 @@
                 <a:latin typeface="Andalus" panose="02020603050405020304" pitchFamily="18" charset="-78"/>
                 <a:cs typeface="Andalus" panose="02020603050405020304" pitchFamily="18" charset="-78"/>
               </a:rPr>
-              <a:t>Projet intégration robotique – IMERIR</a:t>
+              <a:t>Projet </a:t>
+            </a:r>
+            <a:r>
+              <a:rPr lang="fr-FR" dirty="0" smtClean="0">
+                <a:latin typeface="Andalus" panose="02020603050405020304" pitchFamily="18" charset="-78"/>
+                <a:cs typeface="Andalus" panose="02020603050405020304" pitchFamily="18" charset="-78"/>
+              </a:rPr>
+              <a:t>Intégration </a:t>
+            </a:r>
+            <a:r>
+              <a:rPr lang="fr-FR" dirty="0">
+                <a:latin typeface="Andalus" panose="02020603050405020304" pitchFamily="18" charset="-78"/>
+                <a:cs typeface="Andalus" panose="02020603050405020304" pitchFamily="18" charset="-78"/>
+              </a:rPr>
+              <a:t>R</a:t>
+            </a:r>
+            <a:r>
+              <a:rPr lang="fr-FR" dirty="0" smtClean="0">
+                <a:latin typeface="Andalus" panose="02020603050405020304" pitchFamily="18" charset="-78"/>
+                <a:cs typeface="Andalus" panose="02020603050405020304" pitchFamily="18" charset="-78"/>
+              </a:rPr>
+              <a:t>obotique </a:t>
+            </a:r>
+            <a:r>
+              <a:rPr lang="fr-FR" dirty="0" smtClean="0">
+                <a:latin typeface="Andalus" panose="02020603050405020304" pitchFamily="18" charset="-78"/>
+                <a:cs typeface="Andalus" panose="02020603050405020304" pitchFamily="18" charset="-78"/>
+              </a:rPr>
+              <a:t>– IMERIR</a:t>
             </a:r>
             <a:endParaRPr lang="fr-FR" dirty="0">
               <a:latin typeface="Andalus" panose="02020603050405020304" pitchFamily="18" charset="-78"/>
@@ -10980,11 +11020,18 @@
               <a:t>Bad </a:t>
             </a:r>
             <a:r>
-              <a:rPr lang="fr-FR" dirty="0" err="1" smtClean="0">
+              <a:rPr lang="fr-FR" dirty="0">
                 <a:latin typeface="Andalus" panose="02020603050405020304" pitchFamily="18" charset="-78"/>
                 <a:cs typeface="Andalus" panose="02020603050405020304" pitchFamily="18" charset="-78"/>
               </a:rPr>
-              <a:t>monkey</a:t>
+              <a:t>M</a:t>
+            </a:r>
+            <a:r>
+              <a:rPr lang="fr-FR" dirty="0" smtClean="0">
+                <a:latin typeface="Andalus" panose="02020603050405020304" pitchFamily="18" charset="-78"/>
+                <a:cs typeface="Andalus" panose="02020603050405020304" pitchFamily="18" charset="-78"/>
+              </a:rPr>
+              <a:t>onkey</a:t>
             </a:r>
             <a:endParaRPr lang="fr-FR" dirty="0">
               <a:latin typeface="Andalus" panose="02020603050405020304" pitchFamily="18" charset="-78"/>
@@ -10993,10 +11040,349 @@
           </a:p>
         </p:txBody>
       </p:sp>
+      <p:pic>
+        <p:nvPicPr>
+          <p:cNvPr id="4" name="Image 3"/>
+          <p:cNvPicPr>
+            <a:picLocks noChangeAspect="1"/>
+          </p:cNvPicPr>
+          <p:nvPr/>
+        </p:nvPicPr>
+        <p:blipFill>
+          <a:blip r:embed="rId2">
+            <a:extLst>
+              <a:ext uri="{28A0092B-C50C-407E-A947-70E740481C1C}">
+                <a14:useLocalDpi xmlns:a14="http://schemas.microsoft.com/office/drawing/2010/main" val="0"/>
+              </a:ext>
+            </a:extLst>
+          </a:blip>
+          <a:stretch>
+            <a:fillRect/>
+          </a:stretch>
+        </p:blipFill>
+        <p:spPr>
+          <a:xfrm>
+            <a:off x="10397721" y="5336147"/>
+            <a:ext cx="1794279" cy="1794279"/>
+          </a:xfrm>
+          <a:prstGeom prst="rect">
+            <a:avLst/>
+          </a:prstGeom>
+        </p:spPr>
+      </p:pic>
     </p:spTree>
     <p:extLst>
       <p:ext uri="{BB962C8B-B14F-4D97-AF65-F5344CB8AC3E}">
         <p14:creationId xmlns:p14="http://schemas.microsoft.com/office/powerpoint/2010/main" val="3233911165"/>
+      </p:ext>
+    </p:extLst>
+  </p:cSld>
+  <p:clrMapOvr>
+    <a:masterClrMapping/>
+  </p:clrMapOvr>
+  <p:timing>
+    <p:tnLst>
+      <p:par>
+        <p:cTn id="1" dur="indefinite" restart="never" nodeType="tmRoot"/>
+      </p:par>
+    </p:tnLst>
+  </p:timing>
+</p:sld>
+</file>
+
+<file path=ppt/slides/slide10.xml><?xml version="1.0" encoding="utf-8"?>
+<p:sld xmlns:a="http://schemas.openxmlformats.org/drawingml/2006/main" xmlns:r="http://schemas.openxmlformats.org/officeDocument/2006/relationships" xmlns:p="http://schemas.openxmlformats.org/presentationml/2006/main">
+  <p:cSld>
+    <p:spTree>
+      <p:nvGrpSpPr>
+        <p:cNvPr id="1" name=""/>
+        <p:cNvGrpSpPr/>
+        <p:nvPr/>
+      </p:nvGrpSpPr>
+      <p:grpSpPr>
+        <a:xfrm>
+          <a:off x="0" y="0"/>
+          <a:ext cx="0" cy="0"/>
+          <a:chOff x="0" y="0"/>
+          <a:chExt cx="0" cy="0"/>
+        </a:xfrm>
+      </p:grpSpPr>
+      <p:sp>
+        <p:nvSpPr>
+          <p:cNvPr id="2" name="Titre 1"/>
+          <p:cNvSpPr>
+            <a:spLocks noGrp="1"/>
+          </p:cNvSpPr>
+          <p:nvPr>
+            <p:ph type="title"/>
+          </p:nvPr>
+        </p:nvSpPr>
+        <p:spPr/>
+        <p:txBody>
+          <a:bodyPr/>
+          <a:lstStyle/>
+          <a:p>
+            <a:pPr algn="l"/>
+            <a:r>
+              <a:rPr lang="fr-FR" dirty="0" smtClean="0"/>
+              <a:t>Serveur Web</a:t>
+            </a:r>
+            <a:endParaRPr lang="fr-FR" dirty="0"/>
+          </a:p>
+        </p:txBody>
+      </p:sp>
+      <p:sp>
+        <p:nvSpPr>
+          <p:cNvPr id="3" name="Espace réservé du contenu 2"/>
+          <p:cNvSpPr>
+            <a:spLocks noGrp="1"/>
+          </p:cNvSpPr>
+          <p:nvPr>
+            <p:ph idx="1"/>
+          </p:nvPr>
+        </p:nvSpPr>
+        <p:spPr/>
+        <p:txBody>
+          <a:bodyPr/>
+          <a:lstStyle/>
+          <a:p>
+            <a:endParaRPr lang="fr-FR" dirty="0"/>
+          </a:p>
+        </p:txBody>
+      </p:sp>
+    </p:spTree>
+    <p:extLst>
+      <p:ext uri="{BB962C8B-B14F-4D97-AF65-F5344CB8AC3E}">
+        <p14:creationId xmlns:p14="http://schemas.microsoft.com/office/powerpoint/2010/main" val="3497991419"/>
+      </p:ext>
+    </p:extLst>
+  </p:cSld>
+  <p:clrMapOvr>
+    <a:masterClrMapping/>
+  </p:clrMapOvr>
+  <p:timing>
+    <p:tnLst>
+      <p:par>
+        <p:cTn id="1" dur="indefinite" restart="never" nodeType="tmRoot"/>
+      </p:par>
+    </p:tnLst>
+  </p:timing>
+</p:sld>
+</file>
+
+<file path=ppt/slides/slide11.xml><?xml version="1.0" encoding="utf-8"?>
+<p:sld xmlns:a="http://schemas.openxmlformats.org/drawingml/2006/main" xmlns:r="http://schemas.openxmlformats.org/officeDocument/2006/relationships" xmlns:p="http://schemas.openxmlformats.org/presentationml/2006/main">
+  <p:cSld>
+    <p:spTree>
+      <p:nvGrpSpPr>
+        <p:cNvPr id="1" name=""/>
+        <p:cNvGrpSpPr/>
+        <p:nvPr/>
+      </p:nvGrpSpPr>
+      <p:grpSpPr>
+        <a:xfrm>
+          <a:off x="0" y="0"/>
+          <a:ext cx="0" cy="0"/>
+          <a:chOff x="0" y="0"/>
+          <a:chExt cx="0" cy="0"/>
+        </a:xfrm>
+      </p:grpSpPr>
+      <p:sp>
+        <p:nvSpPr>
+          <p:cNvPr id="2" name="Titre 1"/>
+          <p:cNvSpPr>
+            <a:spLocks noGrp="1"/>
+          </p:cNvSpPr>
+          <p:nvPr>
+            <p:ph type="title"/>
+          </p:nvPr>
+        </p:nvSpPr>
+        <p:spPr/>
+        <p:txBody>
+          <a:bodyPr/>
+          <a:lstStyle/>
+          <a:p>
+            <a:pPr algn="l"/>
+            <a:r>
+              <a:rPr lang="fr-FR" dirty="0" smtClean="0"/>
+              <a:t>Client Web</a:t>
+            </a:r>
+            <a:endParaRPr lang="fr-FR" dirty="0"/>
+          </a:p>
+        </p:txBody>
+      </p:sp>
+      <p:sp>
+        <p:nvSpPr>
+          <p:cNvPr id="3" name="Espace réservé du contenu 2"/>
+          <p:cNvSpPr>
+            <a:spLocks noGrp="1"/>
+          </p:cNvSpPr>
+          <p:nvPr>
+            <p:ph idx="1"/>
+          </p:nvPr>
+        </p:nvSpPr>
+        <p:spPr/>
+        <p:txBody>
+          <a:bodyPr/>
+          <a:lstStyle/>
+          <a:p>
+            <a:r>
+              <a:rPr lang="fr-FR" dirty="0" smtClean="0"/>
+              <a:t>Interface</a:t>
+            </a:r>
+            <a:endParaRPr lang="fr-FR" dirty="0"/>
+          </a:p>
+        </p:txBody>
+      </p:sp>
+    </p:spTree>
+    <p:extLst>
+      <p:ext uri="{BB962C8B-B14F-4D97-AF65-F5344CB8AC3E}">
+        <p14:creationId xmlns:p14="http://schemas.microsoft.com/office/powerpoint/2010/main" val="4040444002"/>
+      </p:ext>
+    </p:extLst>
+  </p:cSld>
+  <p:clrMapOvr>
+    <a:masterClrMapping/>
+  </p:clrMapOvr>
+  <p:timing>
+    <p:tnLst>
+      <p:par>
+        <p:cTn id="1" dur="indefinite" restart="never" nodeType="tmRoot"/>
+      </p:par>
+    </p:tnLst>
+  </p:timing>
+</p:sld>
+</file>
+
+<file path=ppt/slides/slide12.xml><?xml version="1.0" encoding="utf-8"?>
+<p:sld xmlns:a="http://schemas.openxmlformats.org/drawingml/2006/main" xmlns:r="http://schemas.openxmlformats.org/officeDocument/2006/relationships" xmlns:p="http://schemas.openxmlformats.org/presentationml/2006/main">
+  <p:cSld>
+    <p:spTree>
+      <p:nvGrpSpPr>
+        <p:cNvPr id="1" name=""/>
+        <p:cNvGrpSpPr/>
+        <p:nvPr/>
+      </p:nvGrpSpPr>
+      <p:grpSpPr>
+        <a:xfrm>
+          <a:off x="0" y="0"/>
+          <a:ext cx="0" cy="0"/>
+          <a:chOff x="0" y="0"/>
+          <a:chExt cx="0" cy="0"/>
+        </a:xfrm>
+      </p:grpSpPr>
+      <p:sp>
+        <p:nvSpPr>
+          <p:cNvPr id="2" name="Titre 1"/>
+          <p:cNvSpPr>
+            <a:spLocks noGrp="1"/>
+          </p:cNvSpPr>
+          <p:nvPr>
+            <p:ph type="title"/>
+          </p:nvPr>
+        </p:nvSpPr>
+        <p:spPr/>
+        <p:txBody>
+          <a:bodyPr/>
+          <a:lstStyle/>
+          <a:p>
+            <a:pPr algn="l"/>
+            <a:r>
+              <a:rPr lang="fr-FR" dirty="0" smtClean="0"/>
+              <a:t>Démonstration</a:t>
+            </a:r>
+            <a:endParaRPr lang="fr-FR" dirty="0"/>
+          </a:p>
+        </p:txBody>
+      </p:sp>
+      <p:sp>
+        <p:nvSpPr>
+          <p:cNvPr id="3" name="Espace réservé du contenu 2"/>
+          <p:cNvSpPr>
+            <a:spLocks noGrp="1"/>
+          </p:cNvSpPr>
+          <p:nvPr>
+            <p:ph idx="1"/>
+          </p:nvPr>
+        </p:nvSpPr>
+        <p:spPr/>
+        <p:txBody>
+          <a:bodyPr/>
+          <a:lstStyle/>
+          <a:p>
+            <a:r>
+              <a:rPr lang="fr-FR" dirty="0" smtClean="0"/>
+              <a:t>Insérer la vidéo de démo</a:t>
+            </a:r>
+            <a:endParaRPr lang="fr-FR" dirty="0"/>
+          </a:p>
+        </p:txBody>
+      </p:sp>
+    </p:spTree>
+    <p:extLst>
+      <p:ext uri="{BB962C8B-B14F-4D97-AF65-F5344CB8AC3E}">
+        <p14:creationId xmlns:p14="http://schemas.microsoft.com/office/powerpoint/2010/main" val="2374672127"/>
+      </p:ext>
+    </p:extLst>
+  </p:cSld>
+  <p:clrMapOvr>
+    <a:masterClrMapping/>
+  </p:clrMapOvr>
+  <p:timing>
+    <p:tnLst>
+      <p:par>
+        <p:cTn id="1" dur="indefinite" restart="never" nodeType="tmRoot"/>
+      </p:par>
+    </p:tnLst>
+  </p:timing>
+</p:sld>
+</file>
+
+<file path=ppt/slides/slide13.xml><?xml version="1.0" encoding="utf-8"?>
+<p:sld xmlns:a="http://schemas.openxmlformats.org/drawingml/2006/main" xmlns:r="http://schemas.openxmlformats.org/officeDocument/2006/relationships" xmlns:p="http://schemas.openxmlformats.org/presentationml/2006/main">
+  <p:cSld>
+    <p:spTree>
+      <p:nvGrpSpPr>
+        <p:cNvPr id="1" name=""/>
+        <p:cNvGrpSpPr/>
+        <p:nvPr/>
+      </p:nvGrpSpPr>
+      <p:grpSpPr>
+        <a:xfrm>
+          <a:off x="0" y="0"/>
+          <a:ext cx="0" cy="0"/>
+          <a:chOff x="0" y="0"/>
+          <a:chExt cx="0" cy="0"/>
+        </a:xfrm>
+      </p:grpSpPr>
+      <p:sp>
+        <p:nvSpPr>
+          <p:cNvPr id="2" name="Titre 1"/>
+          <p:cNvSpPr>
+            <a:spLocks noGrp="1"/>
+          </p:cNvSpPr>
+          <p:nvPr>
+            <p:ph type="title"/>
+          </p:nvPr>
+        </p:nvSpPr>
+        <p:spPr/>
+        <p:txBody>
+          <a:bodyPr/>
+          <a:lstStyle/>
+          <a:p>
+            <a:pPr algn="l"/>
+            <a:r>
+              <a:rPr lang="fr-FR" dirty="0" smtClean="0"/>
+              <a:t>Conclusion</a:t>
+            </a:r>
+            <a:endParaRPr lang="fr-FR" dirty="0"/>
+          </a:p>
+        </p:txBody>
+      </p:sp>
+    </p:spTree>
+    <p:extLst>
+      <p:ext uri="{BB962C8B-B14F-4D97-AF65-F5344CB8AC3E}">
+        <p14:creationId xmlns:p14="http://schemas.microsoft.com/office/powerpoint/2010/main" val="933693841"/>
       </p:ext>
     </p:extLst>
   </p:cSld>
@@ -11063,7 +11449,7 @@
         <p:spPr>
           <a:xfrm>
             <a:off x="913795" y="1580050"/>
-            <a:ext cx="10353762" cy="4154984"/>
+            <a:ext cx="10353762" cy="4524315"/>
           </a:xfrm>
           <a:prstGeom prst="rect">
             <a:avLst/>
@@ -11099,8 +11485,57 @@
             </a:pPr>
             <a:r>
               <a:rPr lang="fr-FR" sz="2400" dirty="0" smtClean="0"/>
-              <a:t>Calcul</a:t>
-            </a:r>
+              <a:t>Odométrie</a:t>
+            </a:r>
+          </a:p>
+          <a:p>
+            <a:endParaRPr lang="fr-FR" sz="2400" dirty="0" smtClean="0"/>
+          </a:p>
+          <a:p>
+            <a:pPr marL="285750" indent="-285750">
+              <a:buFont typeface="Arial" panose="020B0604020202020204" pitchFamily="34" charset="0"/>
+              <a:buChar char="•"/>
+            </a:pPr>
+            <a:r>
+              <a:rPr lang="fr-FR" sz="2400" dirty="0" smtClean="0"/>
+              <a:t>Client </a:t>
+            </a:r>
+            <a:r>
+              <a:rPr lang="fr-FR" sz="2400" dirty="0" smtClean="0"/>
+              <a:t>Web</a:t>
+            </a:r>
+          </a:p>
+          <a:p>
+            <a:endParaRPr lang="fr-FR" sz="2400" dirty="0"/>
+          </a:p>
+          <a:p>
+            <a:pPr marL="285750" indent="-285750">
+              <a:buFont typeface="Arial" panose="020B0604020202020204" pitchFamily="34" charset="0"/>
+              <a:buChar char="•"/>
+            </a:pPr>
+            <a:r>
+              <a:rPr lang="fr-FR" sz="2400" dirty="0" smtClean="0"/>
+              <a:t>Algorithme</a:t>
+            </a:r>
+            <a:endParaRPr lang="fr-FR" sz="2400" dirty="0"/>
+          </a:p>
+          <a:p>
+            <a:pPr marL="285750" indent="-285750">
+              <a:buFont typeface="Arial" panose="020B0604020202020204" pitchFamily="34" charset="0"/>
+              <a:buChar char="•"/>
+            </a:pPr>
+            <a:endParaRPr lang="fr-FR" sz="2400" dirty="0"/>
+          </a:p>
+          <a:p>
+            <a:pPr marL="285750" indent="-285750">
+              <a:buFont typeface="Arial" panose="020B0604020202020204" pitchFamily="34" charset="0"/>
+              <a:buChar char="•"/>
+            </a:pPr>
+            <a:r>
+              <a:rPr lang="fr-FR" sz="2400" dirty="0" smtClean="0"/>
+              <a:t>Communication</a:t>
+            </a:r>
+            <a:endParaRPr lang="fr-FR" sz="2400" dirty="0"/>
           </a:p>
           <a:p>
             <a:pPr marL="285750" indent="-285750">
@@ -11108,51 +11543,6 @@
               <a:buChar char="•"/>
             </a:pPr>
             <a:endParaRPr lang="fr-FR" sz="2400" dirty="0" smtClean="0"/>
-          </a:p>
-          <a:p>
-            <a:pPr marL="285750" indent="-285750">
-              <a:buFont typeface="Arial" panose="020B0604020202020204" pitchFamily="34" charset="0"/>
-              <a:buChar char="•"/>
-            </a:pPr>
-            <a:r>
-              <a:rPr lang="fr-FR" sz="2400" dirty="0" smtClean="0"/>
-              <a:t>Serveur Web</a:t>
-            </a:r>
-          </a:p>
-          <a:p>
-            <a:pPr marL="285750" indent="-285750">
-              <a:buFont typeface="Arial" panose="020B0604020202020204" pitchFamily="34" charset="0"/>
-              <a:buChar char="•"/>
-            </a:pPr>
-            <a:endParaRPr lang="fr-FR" sz="2400" dirty="0" smtClean="0"/>
-          </a:p>
-          <a:p>
-            <a:pPr marL="285750" indent="-285750">
-              <a:buFont typeface="Arial" panose="020B0604020202020204" pitchFamily="34" charset="0"/>
-              <a:buChar char="•"/>
-            </a:pPr>
-            <a:r>
-              <a:rPr lang="fr-FR" sz="2400" dirty="0" err="1" smtClean="0"/>
-              <a:t>Arduino</a:t>
-            </a:r>
-            <a:endParaRPr lang="fr-FR" sz="2400" dirty="0" smtClean="0"/>
-          </a:p>
-          <a:p>
-            <a:pPr marL="285750" indent="-285750">
-              <a:buFont typeface="Arial" panose="020B0604020202020204" pitchFamily="34" charset="0"/>
-              <a:buChar char="•"/>
-            </a:pPr>
-            <a:endParaRPr lang="fr-FR" sz="2400" dirty="0" smtClean="0"/>
-          </a:p>
-          <a:p>
-            <a:pPr marL="285750" indent="-285750">
-              <a:buFont typeface="Arial" panose="020B0604020202020204" pitchFamily="34" charset="0"/>
-              <a:buChar char="•"/>
-            </a:pPr>
-            <a:r>
-              <a:rPr lang="fr-FR" sz="2400" dirty="0" smtClean="0"/>
-              <a:t>Client Web</a:t>
-            </a:r>
           </a:p>
           <a:p>
             <a:pPr marL="285750" indent="-285750">
@@ -11274,7 +11664,7 @@
             <p:ph idx="1"/>
             <p:extLst>
               <p:ext uri="{D42A27DB-BD31-4B8C-83A1-F6EECF244321}">
-                <p14:modId xmlns:p14="http://schemas.microsoft.com/office/powerpoint/2010/main" val="2935852564"/>
+                <p14:modId xmlns:p14="http://schemas.microsoft.com/office/powerpoint/2010/main" val="3808798321"/>
               </p:ext>
             </p:extLst>
           </p:nvPr>
@@ -11344,7 +11734,7 @@
             <a:pPr algn="l"/>
             <a:r>
               <a:rPr lang="fr-FR" dirty="0" smtClean="0"/>
-              <a:t>Calculs</a:t>
+              <a:t>Le robot</a:t>
             </a:r>
             <a:endParaRPr lang="fr-FR" dirty="0"/>
           </a:p>
@@ -11367,8 +11757,22 @@
           <a:p>
             <a:r>
               <a:rPr lang="fr-FR" dirty="0" smtClean="0"/>
-              <a:t>Odométrie</a:t>
-            </a:r>
+              <a:t>La carte</a:t>
+            </a:r>
+          </a:p>
+          <a:p>
+            <a:r>
+              <a:rPr lang="fr-FR" dirty="0" smtClean="0"/>
+              <a:t>Les moteurs</a:t>
+            </a:r>
+          </a:p>
+          <a:p>
+            <a:r>
+              <a:rPr lang="fr-FR" dirty="0" smtClean="0"/>
+              <a:t>Le capteur</a:t>
+            </a:r>
+          </a:p>
+          <a:p>
             <a:endParaRPr lang="fr-FR" dirty="0"/>
           </a:p>
         </p:txBody>
@@ -11376,20 +11780,13 @@
     </p:spTree>
     <p:extLst>
       <p:ext uri="{BB962C8B-B14F-4D97-AF65-F5344CB8AC3E}">
-        <p14:creationId xmlns:p14="http://schemas.microsoft.com/office/powerpoint/2010/main" val="1194455758"/>
+        <p14:creationId xmlns:p14="http://schemas.microsoft.com/office/powerpoint/2010/main" val="2120670570"/>
       </p:ext>
     </p:extLst>
   </p:cSld>
   <p:clrMapOvr>
     <a:masterClrMapping/>
   </p:clrMapOvr>
-  <p:timing>
-    <p:tnLst>
-      <p:par>
-        <p:cTn id="1" dur="indefinite" restart="never" nodeType="tmRoot"/>
-      </p:par>
-    </p:tnLst>
-  </p:timing>
 </p:sld>
 </file>
 
@@ -11428,7 +11825,7 @@
             <a:pPr algn="l"/>
             <a:r>
               <a:rPr lang="fr-FR" dirty="0" smtClean="0"/>
-              <a:t>Serveur Web</a:t>
+              <a:t>Le robot – La carte</a:t>
             </a:r>
             <a:endParaRPr lang="fr-FR" dirty="0"/>
           </a:p>
@@ -11449,27 +11846,20 @@
           <a:bodyPr/>
           <a:lstStyle/>
           <a:p>
-            <a:endParaRPr lang="fr-FR"/>
+            <a:endParaRPr lang="fr-FR" dirty="0"/>
           </a:p>
         </p:txBody>
       </p:sp>
     </p:spTree>
     <p:extLst>
       <p:ext uri="{BB962C8B-B14F-4D97-AF65-F5344CB8AC3E}">
-        <p14:creationId xmlns:p14="http://schemas.microsoft.com/office/powerpoint/2010/main" val="3497991419"/>
+        <p14:creationId xmlns:p14="http://schemas.microsoft.com/office/powerpoint/2010/main" val="2985243064"/>
       </p:ext>
     </p:extLst>
   </p:cSld>
   <p:clrMapOvr>
     <a:masterClrMapping/>
   </p:clrMapOvr>
-  <p:timing>
-    <p:tnLst>
-      <p:par>
-        <p:cTn id="1" dur="indefinite" restart="never" nodeType="tmRoot"/>
-      </p:par>
-    </p:tnLst>
-  </p:timing>
 </p:sld>
 </file>
 
@@ -11507,8 +11897,8 @@
           <a:p>
             <a:pPr algn="l"/>
             <a:r>
-              <a:rPr lang="fr-FR" dirty="0" err="1" smtClean="0"/>
-              <a:t>Arduino</a:t>
+              <a:rPr lang="fr-FR" dirty="0" smtClean="0"/>
+              <a:t>Le robot – Les moteurs</a:t>
             </a:r>
             <a:endParaRPr lang="fr-FR" dirty="0"/>
           </a:p>
@@ -11529,67 +11919,20 @@
           <a:bodyPr/>
           <a:lstStyle/>
           <a:p>
-            <a:r>
-              <a:rPr lang="fr-FR" dirty="0" smtClean="0"/>
-              <a:t>Algorithme de la main gauche</a:t>
-            </a:r>
-          </a:p>
-          <a:p>
-            <a:r>
-              <a:rPr lang="fr-FR" dirty="0" smtClean="0"/>
-              <a:t>Machine à état</a:t>
-            </a:r>
             <a:endParaRPr lang="fr-FR" dirty="0"/>
           </a:p>
         </p:txBody>
       </p:sp>
-      <p:pic>
-        <p:nvPicPr>
-          <p:cNvPr id="4" name="Image 3"/>
-          <p:cNvPicPr>
-            <a:picLocks noChangeAspect="1"/>
-          </p:cNvPicPr>
-          <p:nvPr/>
-        </p:nvPicPr>
-        <p:blipFill>
-          <a:blip r:embed="rId2">
-            <a:extLst>
-              <a:ext uri="{28A0092B-C50C-407E-A947-70E740481C1C}">
-                <a14:useLocalDpi xmlns:a14="http://schemas.microsoft.com/office/drawing/2010/main" val="0"/>
-              </a:ext>
-            </a:extLst>
-          </a:blip>
-          <a:stretch>
-            <a:fillRect/>
-          </a:stretch>
-        </p:blipFill>
-        <p:spPr>
-          <a:xfrm>
-            <a:off x="10397721" y="5336147"/>
-            <a:ext cx="1794279" cy="1794279"/>
-          </a:xfrm>
-          <a:prstGeom prst="rect">
-            <a:avLst/>
-          </a:prstGeom>
-        </p:spPr>
-      </p:pic>
     </p:spTree>
     <p:extLst>
       <p:ext uri="{BB962C8B-B14F-4D97-AF65-F5344CB8AC3E}">
-        <p14:creationId xmlns:p14="http://schemas.microsoft.com/office/powerpoint/2010/main" val="2836795985"/>
+        <p14:creationId xmlns:p14="http://schemas.microsoft.com/office/powerpoint/2010/main" val="1683227371"/>
       </p:ext>
     </p:extLst>
   </p:cSld>
   <p:clrMapOvr>
     <a:masterClrMapping/>
   </p:clrMapOvr>
-  <p:timing>
-    <p:tnLst>
-      <p:par>
-        <p:cTn id="1" dur="indefinite" restart="never" nodeType="tmRoot"/>
-      </p:par>
-    </p:tnLst>
-  </p:timing>
 </p:sld>
 </file>
 
@@ -11628,7 +11971,7 @@
             <a:pPr algn="l"/>
             <a:r>
               <a:rPr lang="fr-FR" dirty="0" smtClean="0"/>
-              <a:t>Client Web</a:t>
+              <a:t>Le robot – Le capteur</a:t>
             </a:r>
             <a:endParaRPr lang="fr-FR" dirty="0"/>
           </a:p>
@@ -11651,16 +11994,86 @@
           <a:p>
             <a:r>
               <a:rPr lang="fr-FR" dirty="0" smtClean="0"/>
-              <a:t>Interface</a:t>
+              <a:t>CAN</a:t>
+            </a:r>
+          </a:p>
+          <a:p>
+            <a:pPr lvl="1"/>
+            <a:r>
+              <a:rPr lang="fr-FR" dirty="0" smtClean="0"/>
+              <a:t>0V 	</a:t>
+            </a:r>
+            <a:r>
+              <a:rPr lang="fr-FR" dirty="0" smtClean="0">
+                <a:sym typeface="Wingdings" panose="05000000000000000000" pitchFamily="2" charset="2"/>
+              </a:rPr>
+              <a:t></a:t>
+            </a:r>
+            <a:r>
+              <a:rPr lang="fr-FR" dirty="0" smtClean="0"/>
+              <a:t> 0</a:t>
+            </a:r>
+          </a:p>
+          <a:p>
+            <a:pPr lvl="1"/>
+            <a:r>
+              <a:rPr lang="fr-FR" dirty="0" smtClean="0"/>
+              <a:t>3,5V 	</a:t>
+            </a:r>
+            <a:r>
+              <a:rPr lang="fr-FR" smtClean="0">
+                <a:sym typeface="Wingdings" panose="05000000000000000000" pitchFamily="2" charset="2"/>
+              </a:rPr>
+              <a:t></a:t>
+            </a:r>
+            <a:r>
+              <a:rPr lang="fr-FR" smtClean="0"/>
+              <a:t> 1024</a:t>
             </a:r>
             <a:endParaRPr lang="fr-FR" dirty="0"/>
           </a:p>
         </p:txBody>
       </p:sp>
+      <p:pic>
+        <p:nvPicPr>
+          <p:cNvPr id="4" name="Image 3"/>
+          <p:cNvPicPr>
+            <a:picLocks noChangeAspect="1"/>
+          </p:cNvPicPr>
+          <p:nvPr/>
+        </p:nvPicPr>
+        <p:blipFill>
+          <a:blip r:embed="rId2"/>
+          <a:stretch>
+            <a:fillRect/>
+          </a:stretch>
+        </p:blipFill>
+        <p:spPr>
+          <a:xfrm>
+            <a:off x="5415249" y="1732449"/>
+            <a:ext cx="5852308" cy="4592844"/>
+          </a:xfrm>
+          <a:prstGeom prst="rect">
+            <a:avLst/>
+          </a:prstGeom>
+          <a:ln w="88900" cap="sq" cmpd="thickThin">
+            <a:solidFill>
+              <a:srgbClr val="000000"/>
+            </a:solidFill>
+            <a:prstDash val="solid"/>
+            <a:miter lim="800000"/>
+          </a:ln>
+          <a:effectLst>
+            <a:innerShdw blurRad="76200">
+              <a:srgbClr val="000000"/>
+            </a:innerShdw>
+          </a:effectLst>
+        </p:spPr>
+      </p:pic>
     </p:spTree>
     <p:extLst>
       <p:ext uri="{BB962C8B-B14F-4D97-AF65-F5344CB8AC3E}">
-        <p14:creationId xmlns:p14="http://schemas.microsoft.com/office/powerpoint/2010/main" val="4040444002"/>
+        <p14:creationId xmlns:p14="http://schemas.microsoft.com/office/powerpoint/2010/main" val="307979065"/>
       </p:ext>
     </p:extLst>
   </p:cSld>
@@ -11712,7 +12125,7 @@
             <a:pPr algn="l"/>
             <a:r>
               <a:rPr lang="fr-FR" dirty="0" smtClean="0"/>
-              <a:t>Démonstration</a:t>
+              <a:t>Algorithme</a:t>
             </a:r>
             <a:endParaRPr lang="fr-FR" dirty="0"/>
           </a:p>
@@ -11735,7 +12148,13 @@
           <a:p>
             <a:r>
               <a:rPr lang="fr-FR" dirty="0" smtClean="0"/>
-              <a:t>Insérer la vidéo de démo</a:t>
+              <a:t>Algorithme de la main gauche</a:t>
+            </a:r>
+          </a:p>
+          <a:p>
+            <a:r>
+              <a:rPr lang="fr-FR" dirty="0" smtClean="0"/>
+              <a:t>Machine à état</a:t>
             </a:r>
             <a:endParaRPr lang="fr-FR" dirty="0"/>
           </a:p>
@@ -11744,7 +12163,7 @@
     </p:spTree>
     <p:extLst>
       <p:ext uri="{BB962C8B-B14F-4D97-AF65-F5344CB8AC3E}">
-        <p14:creationId xmlns:p14="http://schemas.microsoft.com/office/powerpoint/2010/main" val="2374672127"/>
+        <p14:creationId xmlns:p14="http://schemas.microsoft.com/office/powerpoint/2010/main" val="2836795985"/>
       </p:ext>
     </p:extLst>
   </p:cSld>
@@ -11796,7 +12215,36 @@
             <a:pPr algn="l"/>
             <a:r>
               <a:rPr lang="fr-FR" dirty="0" smtClean="0"/>
-              <a:t>Conclusion</a:t>
+              <a:t>Odométrie</a:t>
+            </a:r>
+            <a:endParaRPr lang="fr-FR" dirty="0"/>
+          </a:p>
+        </p:txBody>
+      </p:sp>
+      <p:sp>
+        <p:nvSpPr>
+          <p:cNvPr id="3" name="Espace réservé du contenu 2"/>
+          <p:cNvSpPr>
+            <a:spLocks noGrp="1"/>
+          </p:cNvSpPr>
+          <p:nvPr>
+            <p:ph idx="1"/>
+          </p:nvPr>
+        </p:nvSpPr>
+        <p:spPr/>
+        <p:txBody>
+          <a:bodyPr/>
+          <a:lstStyle/>
+          <a:p>
+            <a:r>
+              <a:rPr lang="fr-FR" dirty="0" smtClean="0"/>
+              <a:t>Position</a:t>
+            </a:r>
+          </a:p>
+          <a:p>
+            <a:r>
+              <a:rPr lang="fr-FR" dirty="0" smtClean="0"/>
+              <a:t>Orientation</a:t>
             </a:r>
             <a:endParaRPr lang="fr-FR" dirty="0"/>
           </a:p>
@@ -11805,7 +12253,7 @@
     </p:spTree>
     <p:extLst>
       <p:ext uri="{BB962C8B-B14F-4D97-AF65-F5344CB8AC3E}">
-        <p14:creationId xmlns:p14="http://schemas.microsoft.com/office/powerpoint/2010/main" val="933693841"/>
+        <p14:creationId xmlns:p14="http://schemas.microsoft.com/office/powerpoint/2010/main" val="1194455758"/>
       </p:ext>
     </p:extLst>
   </p:cSld>

--- a/Gestion projet/Projet intégration robotique – IMERIR.pptx
+++ b/Gestion projet/Projet intégration robotique – IMERIR.pptx
@@ -121,6 +121,753 @@
 </file>
 
 <file path=ppt/diagrams/colors1.xml><?xml version="1.0" encoding="utf-8"?>
+<dgm:colorsDef xmlns:dgm="http://schemas.openxmlformats.org/drawingml/2006/diagram" xmlns:a="http://schemas.openxmlformats.org/drawingml/2006/main" uniqueId="urn:microsoft.com/office/officeart/2005/8/colors/accent1_2">
+  <dgm:title val=""/>
+  <dgm:desc val=""/>
+  <dgm:catLst>
+    <dgm:cat type="accent1" pri="11200"/>
+  </dgm:catLst>
+  <dgm:styleLbl name="node0">
+    <dgm:fillClrLst meth="repeat">
+      <a:schemeClr val="accent1"/>
+    </dgm:fillClrLst>
+    <dgm:linClrLst meth="repeat">
+      <a:schemeClr val="lt1"/>
+    </dgm:linClrLst>
+    <dgm:effectClrLst/>
+    <dgm:txLinClrLst/>
+    <dgm:txFillClrLst/>
+    <dgm:txEffectClrLst/>
+  </dgm:styleLbl>
+  <dgm:styleLbl name="alignNode1">
+    <dgm:fillClrLst meth="repeat">
+      <a:schemeClr val="accent1"/>
+    </dgm:fillClrLst>
+    <dgm:linClrLst meth="repeat">
+      <a:schemeClr val="accent1"/>
+    </dgm:linClrLst>
+    <dgm:effectClrLst/>
+    <dgm:txLinClrLst/>
+    <dgm:txFillClrLst/>
+    <dgm:txEffectClrLst/>
+  </dgm:styleLbl>
+  <dgm:styleLbl name="node1">
+    <dgm:fillClrLst meth="repeat">
+      <a:schemeClr val="accent1"/>
+    </dgm:fillClrLst>
+    <dgm:linClrLst meth="repeat">
+      <a:schemeClr val="lt1"/>
+    </dgm:linClrLst>
+    <dgm:effectClrLst/>
+    <dgm:txLinClrLst/>
+    <dgm:txFillClrLst/>
+    <dgm:txEffectClrLst/>
+  </dgm:styleLbl>
+  <dgm:styleLbl name="lnNode1">
+    <dgm:fillClrLst meth="repeat">
+      <a:schemeClr val="accent1"/>
+    </dgm:fillClrLst>
+    <dgm:linClrLst meth="repeat">
+      <a:schemeClr val="lt1"/>
+    </dgm:linClrLst>
+    <dgm:effectClrLst/>
+    <dgm:txLinClrLst/>
+    <dgm:txFillClrLst/>
+    <dgm:txEffectClrLst/>
+  </dgm:styleLbl>
+  <dgm:styleLbl name="vennNode1">
+    <dgm:fillClrLst meth="repeat">
+      <a:schemeClr val="accent1">
+        <a:alpha val="50000"/>
+      </a:schemeClr>
+    </dgm:fillClrLst>
+    <dgm:linClrLst meth="repeat">
+      <a:schemeClr val="lt1"/>
+    </dgm:linClrLst>
+    <dgm:effectClrLst/>
+    <dgm:txLinClrLst/>
+    <dgm:txFillClrLst/>
+    <dgm:txEffectClrLst/>
+  </dgm:styleLbl>
+  <dgm:styleLbl name="node2">
+    <dgm:fillClrLst meth="repeat">
+      <a:schemeClr val="accent1"/>
+    </dgm:fillClrLst>
+    <dgm:linClrLst meth="repeat">
+      <a:schemeClr val="lt1"/>
+    </dgm:linClrLst>
+    <dgm:effectClrLst/>
+    <dgm:txLinClrLst/>
+    <dgm:txFillClrLst/>
+    <dgm:txEffectClrLst/>
+  </dgm:styleLbl>
+  <dgm:styleLbl name="node3">
+    <dgm:fillClrLst meth="repeat">
+      <a:schemeClr val="accent1"/>
+    </dgm:fillClrLst>
+    <dgm:linClrLst meth="repeat">
+      <a:schemeClr val="lt1"/>
+    </dgm:linClrLst>
+    <dgm:effectClrLst/>
+    <dgm:txLinClrLst/>
+    <dgm:txFillClrLst/>
+    <dgm:txEffectClrLst/>
+  </dgm:styleLbl>
+  <dgm:styleLbl name="node4">
+    <dgm:fillClrLst meth="repeat">
+      <a:schemeClr val="accent1"/>
+    </dgm:fillClrLst>
+    <dgm:linClrLst meth="repeat">
+      <a:schemeClr val="lt1"/>
+    </dgm:linClrLst>
+    <dgm:effectClrLst/>
+    <dgm:txLinClrLst/>
+    <dgm:txFillClrLst/>
+    <dgm:txEffectClrLst/>
+  </dgm:styleLbl>
+  <dgm:styleLbl name="fgImgPlace1">
+    <dgm:fillClrLst meth="repeat">
+      <a:schemeClr val="accent1">
+        <a:tint val="50000"/>
+      </a:schemeClr>
+    </dgm:fillClrLst>
+    <dgm:linClrLst meth="repeat">
+      <a:schemeClr val="lt1"/>
+    </dgm:linClrLst>
+    <dgm:effectClrLst/>
+    <dgm:txLinClrLst/>
+    <dgm:txFillClrLst meth="repeat">
+      <a:schemeClr val="lt1"/>
+    </dgm:txFillClrLst>
+    <dgm:txEffectClrLst/>
+  </dgm:styleLbl>
+  <dgm:styleLbl name="alignImgPlace1">
+    <dgm:fillClrLst meth="repeat">
+      <a:schemeClr val="accent1">
+        <a:tint val="50000"/>
+      </a:schemeClr>
+    </dgm:fillClrLst>
+    <dgm:linClrLst meth="repeat">
+      <a:schemeClr val="lt1"/>
+    </dgm:linClrLst>
+    <dgm:effectClrLst/>
+    <dgm:txLinClrLst/>
+    <dgm:txFillClrLst meth="repeat">
+      <a:schemeClr val="lt1"/>
+    </dgm:txFillClrLst>
+    <dgm:txEffectClrLst/>
+  </dgm:styleLbl>
+  <dgm:styleLbl name="bgImgPlace1">
+    <dgm:fillClrLst meth="repeat">
+      <a:schemeClr val="accent1">
+        <a:tint val="50000"/>
+      </a:schemeClr>
+    </dgm:fillClrLst>
+    <dgm:linClrLst meth="repeat">
+      <a:schemeClr val="lt1"/>
+    </dgm:linClrLst>
+    <dgm:effectClrLst/>
+    <dgm:txLinClrLst/>
+    <dgm:txFillClrLst meth="repeat">
+      <a:schemeClr val="lt1"/>
+    </dgm:txFillClrLst>
+    <dgm:txEffectClrLst/>
+  </dgm:styleLbl>
+  <dgm:styleLbl name="sibTrans2D1">
+    <dgm:fillClrLst meth="repeat">
+      <a:schemeClr val="accent1">
+        <a:tint val="60000"/>
+      </a:schemeClr>
+    </dgm:fillClrLst>
+    <dgm:linClrLst meth="repeat">
+      <a:schemeClr val="accent1">
+        <a:tint val="60000"/>
+      </a:schemeClr>
+    </dgm:linClrLst>
+    <dgm:effectClrLst/>
+    <dgm:txLinClrLst/>
+    <dgm:txFillClrLst/>
+    <dgm:txEffectClrLst/>
+  </dgm:styleLbl>
+  <dgm:styleLbl name="fgSibTrans2D1">
+    <dgm:fillClrLst meth="repeat">
+      <a:schemeClr val="accent1">
+        <a:tint val="60000"/>
+      </a:schemeClr>
+    </dgm:fillClrLst>
+    <dgm:linClrLst meth="repeat">
+      <a:schemeClr val="accent1">
+        <a:tint val="60000"/>
+      </a:schemeClr>
+    </dgm:linClrLst>
+    <dgm:effectClrLst/>
+    <dgm:txLinClrLst/>
+    <dgm:txFillClrLst/>
+    <dgm:txEffectClrLst/>
+  </dgm:styleLbl>
+  <dgm:styleLbl name="bgSibTrans2D1">
+    <dgm:fillClrLst meth="repeat">
+      <a:schemeClr val="accent1">
+        <a:tint val="60000"/>
+      </a:schemeClr>
+    </dgm:fillClrLst>
+    <dgm:linClrLst meth="repeat">
+      <a:schemeClr val="accent1">
+        <a:tint val="60000"/>
+      </a:schemeClr>
+    </dgm:linClrLst>
+    <dgm:effectClrLst/>
+    <dgm:txLinClrLst/>
+    <dgm:txFillClrLst/>
+    <dgm:txEffectClrLst/>
+  </dgm:styleLbl>
+  <dgm:styleLbl name="sibTrans1D1">
+    <dgm:fillClrLst meth="repeat">
+      <a:schemeClr val="accent1"/>
+    </dgm:fillClrLst>
+    <dgm:linClrLst meth="repeat">
+      <a:schemeClr val="accent1"/>
+    </dgm:linClrLst>
+    <dgm:effectClrLst/>
+    <dgm:txLinClrLst/>
+    <dgm:txFillClrLst meth="repeat">
+      <a:schemeClr val="tx1"/>
+    </dgm:txFillClrLst>
+    <dgm:txEffectClrLst/>
+  </dgm:styleLbl>
+  <dgm:styleLbl name="callout">
+    <dgm:fillClrLst meth="repeat">
+      <a:schemeClr val="accent1"/>
+    </dgm:fillClrLst>
+    <dgm:linClrLst meth="repeat">
+      <a:schemeClr val="accent1">
+        <a:tint val="50000"/>
+      </a:schemeClr>
+    </dgm:linClrLst>
+    <dgm:effectClrLst/>
+    <dgm:txLinClrLst/>
+    <dgm:txFillClrLst meth="repeat">
+      <a:schemeClr val="tx1"/>
+    </dgm:txFillClrLst>
+    <dgm:txEffectClrLst/>
+  </dgm:styleLbl>
+  <dgm:styleLbl name="asst0">
+    <dgm:fillClrLst meth="repeat">
+      <a:schemeClr val="accent1"/>
+    </dgm:fillClrLst>
+    <dgm:linClrLst meth="repeat">
+      <a:schemeClr val="lt1"/>
+    </dgm:linClrLst>
+    <dgm:effectClrLst/>
+    <dgm:txLinClrLst/>
+    <dgm:txFillClrLst/>
+    <dgm:txEffectClrLst/>
+  </dgm:styleLbl>
+  <dgm:styleLbl name="asst1">
+    <dgm:fillClrLst meth="repeat">
+      <a:schemeClr val="accent1"/>
+    </dgm:fillClrLst>
+    <dgm:linClrLst meth="repeat">
+      <a:schemeClr val="lt1"/>
+    </dgm:linClrLst>
+    <dgm:effectClrLst/>
+    <dgm:txLinClrLst/>
+    <dgm:txFillClrLst/>
+    <dgm:txEffectClrLst/>
+  </dgm:styleLbl>
+  <dgm:styleLbl name="asst2">
+    <dgm:fillClrLst meth="repeat">
+      <a:schemeClr val="accent1"/>
+    </dgm:fillClrLst>
+    <dgm:linClrLst meth="repeat">
+      <a:schemeClr val="lt1"/>
+    </dgm:linClrLst>
+    <dgm:effectClrLst/>
+    <dgm:txLinClrLst/>
+    <dgm:txFillClrLst/>
+    <dgm:txEffectClrLst/>
+  </dgm:styleLbl>
+  <dgm:styleLbl name="asst3">
+    <dgm:fillClrLst meth="repeat">
+      <a:schemeClr val="accent1"/>
+    </dgm:fillClrLst>
+    <dgm:linClrLst meth="repeat">
+      <a:schemeClr val="lt1"/>
+    </dgm:linClrLst>
+    <dgm:effectClrLst/>
+    <dgm:txLinClrLst/>
+    <dgm:txFillClrLst/>
+    <dgm:txEffectClrLst/>
+  </dgm:styleLbl>
+  <dgm:styleLbl name="asst4">
+    <dgm:fillClrLst meth="repeat">
+      <a:schemeClr val="accent1"/>
+    </dgm:fillClrLst>
+    <dgm:linClrLst meth="repeat">
+      <a:schemeClr val="lt1"/>
+    </dgm:linClrLst>
+    <dgm:effectClrLst/>
+    <dgm:txLinClrLst/>
+    <dgm:txFillClrLst/>
+    <dgm:txEffectClrLst/>
+  </dgm:styleLbl>
+  <dgm:styleLbl name="parChTrans2D1">
+    <dgm:fillClrLst meth="repeat">
+      <a:schemeClr val="accent1">
+        <a:tint val="60000"/>
+      </a:schemeClr>
+    </dgm:fillClrLst>
+    <dgm:linClrLst meth="repeat">
+      <a:schemeClr val="accent1">
+        <a:tint val="60000"/>
+      </a:schemeClr>
+    </dgm:linClrLst>
+    <dgm:effectClrLst/>
+    <dgm:txLinClrLst/>
+    <dgm:txFillClrLst meth="repeat">
+      <a:schemeClr val="lt1"/>
+    </dgm:txFillClrLst>
+    <dgm:txEffectClrLst/>
+  </dgm:styleLbl>
+  <dgm:styleLbl name="parChTrans2D2">
+    <dgm:fillClrLst meth="repeat">
+      <a:schemeClr val="accent1"/>
+    </dgm:fillClrLst>
+    <dgm:linClrLst meth="repeat">
+      <a:schemeClr val="accent1"/>
+    </dgm:linClrLst>
+    <dgm:effectClrLst/>
+    <dgm:txLinClrLst/>
+    <dgm:txFillClrLst meth="repeat">
+      <a:schemeClr val="lt1"/>
+    </dgm:txFillClrLst>
+    <dgm:txEffectClrLst/>
+  </dgm:styleLbl>
+  <dgm:styleLbl name="parChTrans2D3">
+    <dgm:fillClrLst meth="repeat">
+      <a:schemeClr val="accent1"/>
+    </dgm:fillClrLst>
+    <dgm:linClrLst meth="repeat">
+      <a:schemeClr val="accent1"/>
+    </dgm:linClrLst>
+    <dgm:effectClrLst/>
+    <dgm:txLinClrLst/>
+    <dgm:txFillClrLst meth="repeat">
+      <a:schemeClr val="lt1"/>
+    </dgm:txFillClrLst>
+    <dgm:txEffectClrLst/>
+  </dgm:styleLbl>
+  <dgm:styleLbl name="parChTrans2D4">
+    <dgm:fillClrLst meth="repeat">
+      <a:schemeClr val="accent1"/>
+    </dgm:fillClrLst>
+    <dgm:linClrLst meth="repeat">
+      <a:schemeClr val="accent1"/>
+    </dgm:linClrLst>
+    <dgm:effectClrLst/>
+    <dgm:txLinClrLst/>
+    <dgm:txFillClrLst meth="repeat">
+      <a:schemeClr val="lt1"/>
+    </dgm:txFillClrLst>
+    <dgm:txEffectClrLst/>
+  </dgm:styleLbl>
+  <dgm:styleLbl name="parChTrans1D1">
+    <dgm:fillClrLst meth="repeat">
+      <a:schemeClr val="accent1"/>
+    </dgm:fillClrLst>
+    <dgm:linClrLst meth="repeat">
+      <a:schemeClr val="accent1">
+        <a:shade val="60000"/>
+      </a:schemeClr>
+    </dgm:linClrLst>
+    <dgm:effectClrLst/>
+    <dgm:txLinClrLst/>
+    <dgm:txFillClrLst meth="repeat">
+      <a:schemeClr val="tx1"/>
+    </dgm:txFillClrLst>
+    <dgm:txEffectClrLst/>
+  </dgm:styleLbl>
+  <dgm:styleLbl name="parChTrans1D2">
+    <dgm:fillClrLst meth="repeat">
+      <a:schemeClr val="accent1"/>
+    </dgm:fillClrLst>
+    <dgm:linClrLst meth="repeat">
+      <a:schemeClr val="accent1">
+        <a:shade val="60000"/>
+      </a:schemeClr>
+    </dgm:linClrLst>
+    <dgm:effectClrLst/>
+    <dgm:txLinClrLst/>
+    <dgm:txFillClrLst meth="repeat">
+      <a:schemeClr val="tx1"/>
+    </dgm:txFillClrLst>
+    <dgm:txEffectClrLst/>
+  </dgm:styleLbl>
+  <dgm:styleLbl name="parChTrans1D3">
+    <dgm:fillClrLst meth="repeat">
+      <a:schemeClr val="accent1"/>
+    </dgm:fillClrLst>
+    <dgm:linClrLst meth="repeat">
+      <a:schemeClr val="accent1">
+        <a:shade val="80000"/>
+      </a:schemeClr>
+    </dgm:linClrLst>
+    <dgm:effectClrLst/>
+    <dgm:txLinClrLst/>
+    <dgm:txFillClrLst meth="repeat">
+      <a:schemeClr val="tx1"/>
+    </dgm:txFillClrLst>
+    <dgm:txEffectClrLst/>
+  </dgm:styleLbl>
+  <dgm:styleLbl name="parChTrans1D4">
+    <dgm:fillClrLst meth="repeat">
+      <a:schemeClr val="accent1"/>
+    </dgm:fillClrLst>
+    <dgm:linClrLst meth="repeat">
+      <a:schemeClr val="accent1">
+        <a:shade val="80000"/>
+      </a:schemeClr>
+    </dgm:linClrLst>
+    <dgm:effectClrLst/>
+    <dgm:txLinClrLst/>
+    <dgm:txFillClrLst meth="repeat">
+      <a:schemeClr val="tx1"/>
+    </dgm:txFillClrLst>
+    <dgm:txEffectClrLst/>
+  </dgm:styleLbl>
+  <dgm:styleLbl name="fgAcc1">
+    <dgm:fillClrLst meth="repeat">
+      <a:schemeClr val="lt1">
+        <a:alpha val="90000"/>
+      </a:schemeClr>
+    </dgm:fillClrLst>
+    <dgm:linClrLst meth="repeat">
+      <a:schemeClr val="accent1"/>
+    </dgm:linClrLst>
+    <dgm:effectClrLst/>
+    <dgm:txLinClrLst/>
+    <dgm:txFillClrLst meth="repeat">
+      <a:schemeClr val="dk1"/>
+    </dgm:txFillClrLst>
+    <dgm:txEffectClrLst/>
+  </dgm:styleLbl>
+  <dgm:styleLbl name="conFgAcc1">
+    <dgm:fillClrLst meth="repeat">
+      <a:schemeClr val="lt1">
+        <a:alpha val="90000"/>
+      </a:schemeClr>
+    </dgm:fillClrLst>
+    <dgm:linClrLst meth="repeat">
+      <a:schemeClr val="accent1"/>
+    </dgm:linClrLst>
+    <dgm:effectClrLst/>
+    <dgm:txLinClrLst/>
+    <dgm:txFillClrLst meth="repeat">
+      <a:schemeClr val="dk1"/>
+    </dgm:txFillClrLst>
+    <dgm:txEffectClrLst/>
+  </dgm:styleLbl>
+  <dgm:styleLbl name="alignAcc1">
+    <dgm:fillClrLst meth="repeat">
+      <a:schemeClr val="lt1">
+        <a:alpha val="90000"/>
+      </a:schemeClr>
+    </dgm:fillClrLst>
+    <dgm:linClrLst meth="repeat">
+      <a:schemeClr val="accent1"/>
+    </dgm:linClrLst>
+    <dgm:effectClrLst/>
+    <dgm:txLinClrLst/>
+    <dgm:txFillClrLst meth="repeat">
+      <a:schemeClr val="dk1"/>
+    </dgm:txFillClrLst>
+    <dgm:txEffectClrLst/>
+  </dgm:styleLbl>
+  <dgm:styleLbl name="trAlignAcc1">
+    <dgm:fillClrLst meth="repeat">
+      <a:schemeClr val="lt1">
+        <a:alpha val="40000"/>
+      </a:schemeClr>
+    </dgm:fillClrLst>
+    <dgm:linClrLst meth="repeat">
+      <a:schemeClr val="accent1"/>
+    </dgm:linClrLst>
+    <dgm:effectClrLst/>
+    <dgm:txLinClrLst/>
+    <dgm:txFillClrLst meth="repeat">
+      <a:schemeClr val="dk1"/>
+    </dgm:txFillClrLst>
+    <dgm:txEffectClrLst/>
+  </dgm:styleLbl>
+  <dgm:styleLbl name="bgAcc1">
+    <dgm:fillClrLst meth="repeat">
+      <a:schemeClr val="lt1">
+        <a:alpha val="90000"/>
+      </a:schemeClr>
+    </dgm:fillClrLst>
+    <dgm:linClrLst meth="repeat">
+      <a:schemeClr val="accent1"/>
+    </dgm:linClrLst>
+    <dgm:effectClrLst/>
+    <dgm:txLinClrLst/>
+    <dgm:txFillClrLst meth="repeat">
+      <a:schemeClr val="dk1"/>
+    </dgm:txFillClrLst>
+    <dgm:txEffectClrLst/>
+  </dgm:styleLbl>
+  <dgm:styleLbl name="solidFgAcc1">
+    <dgm:fillClrLst meth="repeat">
+      <a:schemeClr val="lt1"/>
+    </dgm:fillClrLst>
+    <dgm:linClrLst meth="repeat">
+      <a:schemeClr val="accent1"/>
+    </dgm:linClrLst>
+    <dgm:effectClrLst/>
+    <dgm:txLinClrLst/>
+    <dgm:txFillClrLst meth="repeat">
+      <a:schemeClr val="dk1"/>
+    </dgm:txFillClrLst>
+    <dgm:txEffectClrLst/>
+  </dgm:styleLbl>
+  <dgm:styleLbl name="solidAlignAcc1">
+    <dgm:fillClrLst meth="repeat">
+      <a:schemeClr val="lt1"/>
+    </dgm:fillClrLst>
+    <dgm:linClrLst meth="repeat">
+      <a:schemeClr val="accent1"/>
+    </dgm:linClrLst>
+    <dgm:effectClrLst/>
+    <dgm:txLinClrLst/>
+    <dgm:txFillClrLst meth="repeat">
+      <a:schemeClr val="dk1"/>
+    </dgm:txFillClrLst>
+    <dgm:txEffectClrLst/>
+  </dgm:styleLbl>
+  <dgm:styleLbl name="solidBgAcc1">
+    <dgm:fillClrLst meth="repeat">
+      <a:schemeClr val="lt1"/>
+    </dgm:fillClrLst>
+    <dgm:linClrLst meth="repeat">
+      <a:schemeClr val="accent1"/>
+    </dgm:linClrLst>
+    <dgm:effectClrLst/>
+    <dgm:txLinClrLst/>
+    <dgm:txFillClrLst meth="repeat">
+      <a:schemeClr val="dk1"/>
+    </dgm:txFillClrLst>
+    <dgm:txEffectClrLst/>
+  </dgm:styleLbl>
+  <dgm:styleLbl name="fgAccFollowNode1">
+    <dgm:fillClrLst meth="repeat">
+      <a:schemeClr val="accent1">
+        <a:alpha val="90000"/>
+        <a:tint val="40000"/>
+      </a:schemeClr>
+    </dgm:fillClrLst>
+    <dgm:linClrLst meth="repeat">
+      <a:schemeClr val="accent1">
+        <a:alpha val="90000"/>
+        <a:tint val="40000"/>
+      </a:schemeClr>
+    </dgm:linClrLst>
+    <dgm:effectClrLst/>
+    <dgm:txLinClrLst/>
+    <dgm:txFillClrLst meth="repeat">
+      <a:schemeClr val="dk1"/>
+    </dgm:txFillClrLst>
+    <dgm:txEffectClrLst/>
+  </dgm:styleLbl>
+  <dgm:styleLbl name="alignAccFollowNode1">
+    <dgm:fillClrLst meth="repeat">
+      <a:schemeClr val="accent1">
+        <a:alpha val="90000"/>
+        <a:tint val="40000"/>
+      </a:schemeClr>
+    </dgm:fillClrLst>
+    <dgm:linClrLst meth="repeat">
+      <a:schemeClr val="accent1">
+        <a:alpha val="90000"/>
+        <a:tint val="40000"/>
+      </a:schemeClr>
+    </dgm:linClrLst>
+    <dgm:effectClrLst/>
+    <dgm:txLinClrLst/>
+    <dgm:txFillClrLst meth="repeat">
+      <a:schemeClr val="dk1"/>
+    </dgm:txFillClrLst>
+    <dgm:txEffectClrLst/>
+  </dgm:styleLbl>
+  <dgm:styleLbl name="bgAccFollowNode1">
+    <dgm:fillClrLst meth="repeat">
+      <a:schemeClr val="accent1">
+        <a:alpha val="90000"/>
+        <a:tint val="40000"/>
+      </a:schemeClr>
+    </dgm:fillClrLst>
+    <dgm:linClrLst meth="repeat">
+      <a:schemeClr val="accent1">
+        <a:alpha val="90000"/>
+        <a:tint val="40000"/>
+      </a:schemeClr>
+    </dgm:linClrLst>
+    <dgm:effectClrLst/>
+    <dgm:txLinClrLst/>
+    <dgm:txFillClrLst meth="repeat">
+      <a:schemeClr val="dk1"/>
+    </dgm:txFillClrLst>
+    <dgm:txEffectClrLst/>
+  </dgm:styleLbl>
+  <dgm:styleLbl name="fgAcc0">
+    <dgm:fillClrLst meth="repeat">
+      <a:schemeClr val="lt1">
+        <a:alpha val="90000"/>
+      </a:schemeClr>
+    </dgm:fillClrLst>
+    <dgm:linClrLst meth="repeat">
+      <a:schemeClr val="accent1"/>
+    </dgm:linClrLst>
+    <dgm:effectClrLst/>
+    <dgm:txLinClrLst/>
+    <dgm:txFillClrLst meth="repeat">
+      <a:schemeClr val="dk1"/>
+    </dgm:txFillClrLst>
+    <dgm:txEffectClrLst/>
+  </dgm:styleLbl>
+  <dgm:styleLbl name="fgAcc2">
+    <dgm:fillClrLst meth="repeat">
+      <a:schemeClr val="lt1">
+        <a:alpha val="90000"/>
+      </a:schemeClr>
+    </dgm:fillClrLst>
+    <dgm:linClrLst meth="repeat">
+      <a:schemeClr val="accent1"/>
+    </dgm:linClrLst>
+    <dgm:effectClrLst/>
+    <dgm:txLinClrLst/>
+    <dgm:txFillClrLst meth="repeat">
+      <a:schemeClr val="dk1"/>
+    </dgm:txFillClrLst>
+    <dgm:txEffectClrLst/>
+  </dgm:styleLbl>
+  <dgm:styleLbl name="fgAcc3">
+    <dgm:fillClrLst meth="repeat">
+      <a:schemeClr val="lt1">
+        <a:alpha val="90000"/>
+      </a:schemeClr>
+    </dgm:fillClrLst>
+    <dgm:linClrLst meth="repeat">
+      <a:schemeClr val="accent1"/>
+    </dgm:linClrLst>
+    <dgm:effectClrLst/>
+    <dgm:txLinClrLst/>
+    <dgm:txFillClrLst meth="repeat">
+      <a:schemeClr val="dk1"/>
+    </dgm:txFillClrLst>
+    <dgm:txEffectClrLst/>
+  </dgm:styleLbl>
+  <dgm:styleLbl name="fgAcc4">
+    <dgm:fillClrLst meth="repeat">
+      <a:schemeClr val="lt1">
+        <a:alpha val="90000"/>
+      </a:schemeClr>
+    </dgm:fillClrLst>
+    <dgm:linClrLst meth="repeat">
+      <a:schemeClr val="accent1"/>
+    </dgm:linClrLst>
+    <dgm:effectClrLst/>
+    <dgm:txLinClrLst/>
+    <dgm:txFillClrLst meth="repeat">
+      <a:schemeClr val="dk1"/>
+    </dgm:txFillClrLst>
+    <dgm:txEffectClrLst/>
+  </dgm:styleLbl>
+  <dgm:styleLbl name="bgShp">
+    <dgm:fillClrLst meth="repeat">
+      <a:schemeClr val="accent1">
+        <a:tint val="40000"/>
+      </a:schemeClr>
+    </dgm:fillClrLst>
+    <dgm:linClrLst meth="repeat">
+      <a:schemeClr val="accent1"/>
+    </dgm:linClrLst>
+    <dgm:effectClrLst/>
+    <dgm:txLinClrLst/>
+    <dgm:txFillClrLst meth="repeat">
+      <a:schemeClr val="dk1"/>
+    </dgm:txFillClrLst>
+    <dgm:txEffectClrLst/>
+  </dgm:styleLbl>
+  <dgm:styleLbl name="dkBgShp">
+    <dgm:fillClrLst meth="repeat">
+      <a:schemeClr val="accent1">
+        <a:shade val="80000"/>
+      </a:schemeClr>
+    </dgm:fillClrLst>
+    <dgm:linClrLst meth="repeat">
+      <a:schemeClr val="accent1"/>
+    </dgm:linClrLst>
+    <dgm:effectClrLst/>
+    <dgm:txLinClrLst/>
+    <dgm:txFillClrLst meth="repeat">
+      <a:schemeClr val="lt1"/>
+    </dgm:txFillClrLst>
+    <dgm:txEffectClrLst/>
+  </dgm:styleLbl>
+  <dgm:styleLbl name="trBgShp">
+    <dgm:fillClrLst meth="repeat">
+      <a:schemeClr val="accent1">
+        <a:tint val="50000"/>
+        <a:alpha val="40000"/>
+      </a:schemeClr>
+    </dgm:fillClrLst>
+    <dgm:linClrLst meth="repeat">
+      <a:schemeClr val="accent1"/>
+    </dgm:linClrLst>
+    <dgm:effectClrLst/>
+    <dgm:txLinClrLst/>
+    <dgm:txFillClrLst meth="repeat">
+      <a:schemeClr val="lt1"/>
+    </dgm:txFillClrLst>
+    <dgm:txEffectClrLst/>
+  </dgm:styleLbl>
+  <dgm:styleLbl name="fgShp">
+    <dgm:fillClrLst meth="repeat">
+      <a:schemeClr val="accent1">
+        <a:tint val="60000"/>
+      </a:schemeClr>
+    </dgm:fillClrLst>
+    <dgm:linClrLst meth="repeat">
+      <a:schemeClr val="lt1"/>
+    </dgm:linClrLst>
+    <dgm:effectClrLst/>
+    <dgm:txLinClrLst/>
+    <dgm:txFillClrLst meth="repeat">
+      <a:schemeClr val="dk1"/>
+    </dgm:txFillClrLst>
+    <dgm:txEffectClrLst/>
+  </dgm:styleLbl>
+  <dgm:styleLbl name="revTx">
+    <dgm:fillClrLst meth="repeat">
+      <a:schemeClr val="lt1">
+        <a:alpha val="0"/>
+      </a:schemeClr>
+    </dgm:fillClrLst>
+    <dgm:linClrLst meth="repeat">
+      <a:schemeClr val="dk1">
+        <a:alpha val="0"/>
+      </a:schemeClr>
+    </dgm:linClrLst>
+    <dgm:effectClrLst/>
+    <dgm:txLinClrLst/>
+    <dgm:txFillClrLst meth="repeat">
+      <a:schemeClr val="tx1"/>
+    </dgm:txFillClrLst>
+    <dgm:txEffectClrLst/>
+  </dgm:styleLbl>
+</dgm:colorsDef>
+</file>
+
+<file path=ppt/diagrams/colors2.xml><?xml version="1.0" encoding="utf-8"?>
 <dgm:colorsDef xmlns:dgm="http://schemas.openxmlformats.org/drawingml/2006/diagram" xmlns:a="http://schemas.openxmlformats.org/drawingml/2006/main" uniqueId="urn:microsoft.com/office/officeart/2005/8/colors/accent1_2">
   <dgm:title val=""/>
   <dgm:desc val=""/>
@@ -1661,6 +2408,525 @@
     <dgm:cxn modelId="{ED25A171-8E8B-4684-96D8-A6B882581493}" type="presParOf" srcId="{26E6CB5E-B50B-40BB-BF7C-AA19BD42A711}" destId="{4A143AED-2320-4209-9054-43447B9E8F71}" srcOrd="1" destOrd="0" presId="urn:microsoft.com/office/officeart/2008/layout/NameandTitleOrganizationalChart"/>
     <dgm:cxn modelId="{56574310-C989-4AE4-B9CA-6566954328CE}" type="presParOf" srcId="{26E6CB5E-B50B-40BB-BF7C-AA19BD42A711}" destId="{AFE8C4CE-D09E-44C2-913C-CFBBFBCCE4E5}" srcOrd="2" destOrd="0" presId="urn:microsoft.com/office/officeart/2008/layout/NameandTitleOrganizationalChart"/>
     <dgm:cxn modelId="{02F7CFAD-2E56-4B53-9F73-433C3D31FE96}" type="presParOf" srcId="{B5400788-F81C-4106-AC39-BC11E04FBE40}" destId="{EFECC9A4-6E9F-4AD2-8C5E-8A344DEA0ED0}" srcOrd="2" destOrd="0" presId="urn:microsoft.com/office/officeart/2008/layout/NameandTitleOrganizationalChart"/>
+  </dgm:cxnLst>
+  <dgm:bg/>
+  <dgm:whole/>
+  <dgm:extLst>
+    <a:ext uri="http://schemas.microsoft.com/office/drawing/2008/diagram">
+      <dsp:dataModelExt xmlns:dsp="http://schemas.microsoft.com/office/drawing/2008/diagram" relId="rId6" minVer="http://schemas.openxmlformats.org/drawingml/2006/diagram"/>
+    </a:ext>
+  </dgm:extLst>
+</dgm:dataModel>
+</file>
+
+<file path=ppt/diagrams/data2.xml><?xml version="1.0" encoding="utf-8"?>
+<dgm:dataModel xmlns:dgm="http://schemas.openxmlformats.org/drawingml/2006/diagram" xmlns:a="http://schemas.openxmlformats.org/drawingml/2006/main">
+  <dgm:ptLst>
+    <dgm:pt modelId="{4041D5A6-EFA7-4379-AF69-7023FD9A8951}" type="doc">
+      <dgm:prSet loTypeId="urn:microsoft.com/office/officeart/2009/layout/CircleArrowProcess" loCatId="process" qsTypeId="urn:microsoft.com/office/officeart/2005/8/quickstyle/simple4" qsCatId="simple" csTypeId="urn:microsoft.com/office/officeart/2005/8/colors/accent1_2" csCatId="accent1" phldr="1"/>
+      <dgm:spPr/>
+      <dgm:t>
+        <a:bodyPr/>
+        <a:lstStyle/>
+        <a:p>
+          <a:endParaRPr lang="fr-FR"/>
+        </a:p>
+      </dgm:t>
+    </dgm:pt>
+    <dgm:pt modelId="{7CD5459F-9B65-41C3-B3F4-3ABA1DD9967B}">
+      <dgm:prSet phldrT="[Texte]"/>
+      <dgm:spPr/>
+      <dgm:t>
+        <a:bodyPr/>
+        <a:lstStyle/>
+        <a:p>
+          <a:r>
+            <a:rPr lang="fr-FR" dirty="0" smtClean="0"/>
+            <a:t>Ajax</a:t>
+          </a:r>
+          <a:endParaRPr lang="fr-FR" dirty="0"/>
+        </a:p>
+      </dgm:t>
+    </dgm:pt>
+    <dgm:pt modelId="{4B590894-32CB-4FD8-95CD-18E0B3F41D75}" type="parTrans" cxnId="{6E4A312E-169C-4869-95B4-EC9C6D958140}">
+      <dgm:prSet/>
+      <dgm:spPr/>
+      <dgm:t>
+        <a:bodyPr/>
+        <a:lstStyle/>
+        <a:p>
+          <a:endParaRPr lang="fr-FR"/>
+        </a:p>
+      </dgm:t>
+    </dgm:pt>
+    <dgm:pt modelId="{A619818D-12C9-49EF-B6D4-813C87BC76F6}" type="sibTrans" cxnId="{6E4A312E-169C-4869-95B4-EC9C6D958140}">
+      <dgm:prSet/>
+      <dgm:spPr/>
+      <dgm:t>
+        <a:bodyPr/>
+        <a:lstStyle/>
+        <a:p>
+          <a:endParaRPr lang="fr-FR"/>
+        </a:p>
+      </dgm:t>
+    </dgm:pt>
+    <dgm:pt modelId="{C9593560-A897-4C8B-89ED-80ED5563C04C}">
+      <dgm:prSet phldrT="[Texte]" custT="1"/>
+      <dgm:spPr/>
+      <dgm:t>
+        <a:bodyPr/>
+        <a:lstStyle/>
+        <a:p>
+          <a:r>
+            <a:rPr lang="fr-FR" sz="2400" b="1" dirty="0" smtClean="0"/>
+            <a:t>Requête GET </a:t>
+          </a:r>
+          <a:endParaRPr lang="fr-FR" sz="2400" b="1" dirty="0"/>
+        </a:p>
+      </dgm:t>
+    </dgm:pt>
+    <dgm:pt modelId="{539423CA-8FC0-473C-B5E9-DB45606EFE8C}" type="parTrans" cxnId="{6079A9DD-F517-4C7A-9CE0-31FE6C56F7F6}">
+      <dgm:prSet/>
+      <dgm:spPr/>
+      <dgm:t>
+        <a:bodyPr/>
+        <a:lstStyle/>
+        <a:p>
+          <a:endParaRPr lang="fr-FR"/>
+        </a:p>
+      </dgm:t>
+    </dgm:pt>
+    <dgm:pt modelId="{6A6C69A4-DFB5-471C-830A-2710A9093555}" type="sibTrans" cxnId="{6079A9DD-F517-4C7A-9CE0-31FE6C56F7F6}">
+      <dgm:prSet/>
+      <dgm:spPr/>
+      <dgm:t>
+        <a:bodyPr/>
+        <a:lstStyle/>
+        <a:p>
+          <a:endParaRPr lang="fr-FR"/>
+        </a:p>
+      </dgm:t>
+    </dgm:pt>
+    <dgm:pt modelId="{A0644472-B457-468F-BB15-6CC03188A635}">
+      <dgm:prSet phldrT="[Texte]" custT="1"/>
+      <dgm:spPr/>
+      <dgm:t>
+        <a:bodyPr/>
+        <a:lstStyle/>
+        <a:p>
+          <a:r>
+            <a:rPr lang="fr-FR" sz="2400" dirty="0" smtClean="0"/>
+            <a:t>Récupération du </a:t>
+          </a:r>
+          <a:r>
+            <a:rPr lang="fr-FR" sz="2400" dirty="0" err="1" smtClean="0"/>
+            <a:t>Json</a:t>
+          </a:r>
+          <a:endParaRPr lang="fr-FR" sz="2400" dirty="0"/>
+        </a:p>
+      </dgm:t>
+    </dgm:pt>
+    <dgm:pt modelId="{4C27362E-F6CD-43F3-9107-3FF409674343}" type="parTrans" cxnId="{7768C823-5CC6-40C6-AACD-CC5AB3AFADA5}">
+      <dgm:prSet/>
+      <dgm:spPr/>
+      <dgm:t>
+        <a:bodyPr/>
+        <a:lstStyle/>
+        <a:p>
+          <a:endParaRPr lang="fr-FR"/>
+        </a:p>
+      </dgm:t>
+    </dgm:pt>
+    <dgm:pt modelId="{B15F89C0-E876-474F-9B28-3F2A079E39C8}" type="sibTrans" cxnId="{7768C823-5CC6-40C6-AACD-CC5AB3AFADA5}">
+      <dgm:prSet/>
+      <dgm:spPr/>
+      <dgm:t>
+        <a:bodyPr/>
+        <a:lstStyle/>
+        <a:p>
+          <a:endParaRPr lang="fr-FR"/>
+        </a:p>
+      </dgm:t>
+    </dgm:pt>
+    <dgm:pt modelId="{1F9CA264-1B86-4BD2-8B9A-84CA313D033D}">
+      <dgm:prSet phldrT="[Texte]"/>
+      <dgm:spPr/>
+      <dgm:t>
+        <a:bodyPr/>
+        <a:lstStyle/>
+        <a:p>
+          <a:r>
+            <a:rPr lang="fr-FR" dirty="0" err="1" smtClean="0"/>
+            <a:t>Jquery</a:t>
+          </a:r>
+          <a:endParaRPr lang="fr-FR" dirty="0"/>
+        </a:p>
+      </dgm:t>
+    </dgm:pt>
+    <dgm:pt modelId="{0D980070-17E8-4E28-8854-2A99047BC30C}" type="parTrans" cxnId="{E5A26671-D814-4A22-AEF4-75CBA7F22DCC}">
+      <dgm:prSet/>
+      <dgm:spPr/>
+      <dgm:t>
+        <a:bodyPr/>
+        <a:lstStyle/>
+        <a:p>
+          <a:endParaRPr lang="fr-FR"/>
+        </a:p>
+      </dgm:t>
+    </dgm:pt>
+    <dgm:pt modelId="{D021B73B-84EB-4540-9578-E6043F01260F}" type="sibTrans" cxnId="{E5A26671-D814-4A22-AEF4-75CBA7F22DCC}">
+      <dgm:prSet/>
+      <dgm:spPr/>
+      <dgm:t>
+        <a:bodyPr/>
+        <a:lstStyle/>
+        <a:p>
+          <a:endParaRPr lang="fr-FR"/>
+        </a:p>
+      </dgm:t>
+    </dgm:pt>
+    <dgm:pt modelId="{84919E70-9B4F-4D79-9665-8453D8341421}">
+      <dgm:prSet phldrT="[Texte]" custT="1"/>
+      <dgm:spPr/>
+      <dgm:t>
+        <a:bodyPr/>
+        <a:lstStyle/>
+        <a:p>
+          <a:r>
+            <a:rPr lang="fr-FR" sz="2400" b="1" dirty="0" smtClean="0"/>
+            <a:t>Nativement interprété</a:t>
+          </a:r>
+          <a:endParaRPr lang="fr-FR" sz="2400" b="1" dirty="0"/>
+        </a:p>
+      </dgm:t>
+    </dgm:pt>
+    <dgm:pt modelId="{91561C5E-2FBC-4ED8-A224-A3FF86B58D00}" type="parTrans" cxnId="{DB3CE0BA-724B-4B6A-8AC3-5B4BE98DA7FD}">
+      <dgm:prSet/>
+      <dgm:spPr/>
+      <dgm:t>
+        <a:bodyPr/>
+        <a:lstStyle/>
+        <a:p>
+          <a:endParaRPr lang="fr-FR"/>
+        </a:p>
+      </dgm:t>
+    </dgm:pt>
+    <dgm:pt modelId="{882FCC67-F6DA-43F9-8470-BC66C7C83D2B}" type="sibTrans" cxnId="{DB3CE0BA-724B-4B6A-8AC3-5B4BE98DA7FD}">
+      <dgm:prSet/>
+      <dgm:spPr/>
+      <dgm:t>
+        <a:bodyPr/>
+        <a:lstStyle/>
+        <a:p>
+          <a:endParaRPr lang="fr-FR"/>
+        </a:p>
+      </dgm:t>
+    </dgm:pt>
+    <dgm:pt modelId="{EF7C191B-BF65-466C-918B-1BAD2BF8A7B7}">
+      <dgm:prSet phldrT="[Texte]" custT="1"/>
+      <dgm:spPr/>
+      <dgm:t>
+        <a:bodyPr/>
+        <a:lstStyle/>
+        <a:p>
+          <a:r>
+            <a:rPr lang="fr-FR" sz="2400" dirty="0" smtClean="0"/>
+            <a:t>Extraction des données</a:t>
+          </a:r>
+          <a:endParaRPr lang="fr-FR" sz="2400" dirty="0"/>
+        </a:p>
+      </dgm:t>
+    </dgm:pt>
+    <dgm:pt modelId="{354FE11E-2244-45E6-8C7A-B87421DACE89}" type="parTrans" cxnId="{4E544032-EFD8-4587-9BFD-45A1B8ED3179}">
+      <dgm:prSet/>
+      <dgm:spPr/>
+      <dgm:t>
+        <a:bodyPr/>
+        <a:lstStyle/>
+        <a:p>
+          <a:endParaRPr lang="fr-FR"/>
+        </a:p>
+      </dgm:t>
+    </dgm:pt>
+    <dgm:pt modelId="{C4F0ABDB-1F70-4ABB-BBF9-0B301FEC7A08}" type="sibTrans" cxnId="{4E544032-EFD8-4587-9BFD-45A1B8ED3179}">
+      <dgm:prSet/>
+      <dgm:spPr/>
+      <dgm:t>
+        <a:bodyPr/>
+        <a:lstStyle/>
+        <a:p>
+          <a:endParaRPr lang="fr-FR"/>
+        </a:p>
+      </dgm:t>
+    </dgm:pt>
+    <dgm:pt modelId="{2EA95732-DAA1-4ECB-8F01-6C0A8C021423}">
+      <dgm:prSet phldrT="[Texte]"/>
+      <dgm:spPr/>
+      <dgm:t>
+        <a:bodyPr/>
+        <a:lstStyle/>
+        <a:p>
+          <a:r>
+            <a:rPr lang="fr-FR" dirty="0" smtClean="0"/>
+            <a:t>HTML5</a:t>
+          </a:r>
+          <a:endParaRPr lang="fr-FR" dirty="0"/>
+        </a:p>
+      </dgm:t>
+    </dgm:pt>
+    <dgm:pt modelId="{B214AB28-58E2-4157-B455-F267C3CEAD0E}" type="parTrans" cxnId="{66A3B824-E1E4-4A8F-A083-794840523C00}">
+      <dgm:prSet/>
+      <dgm:spPr/>
+      <dgm:t>
+        <a:bodyPr/>
+        <a:lstStyle/>
+        <a:p>
+          <a:endParaRPr lang="fr-FR"/>
+        </a:p>
+      </dgm:t>
+    </dgm:pt>
+    <dgm:pt modelId="{A3A48081-99A1-4D50-A30C-5F10BDEF2AB1}" type="sibTrans" cxnId="{66A3B824-E1E4-4A8F-A083-794840523C00}">
+      <dgm:prSet/>
+      <dgm:spPr/>
+      <dgm:t>
+        <a:bodyPr/>
+        <a:lstStyle/>
+        <a:p>
+          <a:endParaRPr lang="fr-FR"/>
+        </a:p>
+      </dgm:t>
+    </dgm:pt>
+    <dgm:pt modelId="{1EF92BF0-523D-4167-A929-E449312042A6}">
+      <dgm:prSet phldrT="[Texte]" custT="1"/>
+      <dgm:spPr/>
+      <dgm:t>
+        <a:bodyPr/>
+        <a:lstStyle/>
+        <a:p>
+          <a:r>
+            <a:rPr lang="fr-FR" sz="2400" b="1" dirty="0" smtClean="0"/>
+            <a:t>Balise &lt;</a:t>
+          </a:r>
+          <a:r>
+            <a:rPr lang="fr-FR" sz="2400" b="1" dirty="0" err="1" smtClean="0"/>
+            <a:t>canvas</a:t>
+          </a:r>
+          <a:r>
+            <a:rPr lang="fr-FR" sz="2400" b="1" dirty="0" smtClean="0"/>
+            <a:t>&gt;</a:t>
+          </a:r>
+          <a:endParaRPr lang="fr-FR" sz="2400" b="1" dirty="0"/>
+        </a:p>
+      </dgm:t>
+    </dgm:pt>
+    <dgm:pt modelId="{0F800D49-D309-4894-A680-3B82917AE028}" type="parTrans" cxnId="{95B1DC73-AA09-4F24-8795-66EE5D1C7BC9}">
+      <dgm:prSet/>
+      <dgm:spPr/>
+      <dgm:t>
+        <a:bodyPr/>
+        <a:lstStyle/>
+        <a:p>
+          <a:endParaRPr lang="fr-FR"/>
+        </a:p>
+      </dgm:t>
+    </dgm:pt>
+    <dgm:pt modelId="{AE012977-2E80-49C9-BC15-D80BF63BBD4F}" type="sibTrans" cxnId="{95B1DC73-AA09-4F24-8795-66EE5D1C7BC9}">
+      <dgm:prSet/>
+      <dgm:spPr/>
+      <dgm:t>
+        <a:bodyPr/>
+        <a:lstStyle/>
+        <a:p>
+          <a:endParaRPr lang="fr-FR"/>
+        </a:p>
+      </dgm:t>
+    </dgm:pt>
+    <dgm:pt modelId="{AC16A478-D167-43B1-9FEB-0E4465E7E322}">
+      <dgm:prSet phldrT="[Texte]" custT="1"/>
+      <dgm:spPr/>
+      <dgm:t>
+        <a:bodyPr/>
+        <a:lstStyle/>
+        <a:p>
+          <a:r>
+            <a:rPr lang="fr-FR" sz="2400" dirty="0" smtClean="0"/>
+            <a:t>Modélisation des obstacles</a:t>
+          </a:r>
+          <a:endParaRPr lang="fr-FR" sz="2400" dirty="0"/>
+        </a:p>
+      </dgm:t>
+    </dgm:pt>
+    <dgm:pt modelId="{D49DABBB-E83F-4098-8C6B-DF7BB302866B}" type="parTrans" cxnId="{184DD8A7-3007-465F-8887-E0A27B5C5B6D}">
+      <dgm:prSet/>
+      <dgm:spPr/>
+      <dgm:t>
+        <a:bodyPr/>
+        <a:lstStyle/>
+        <a:p>
+          <a:endParaRPr lang="fr-FR"/>
+        </a:p>
+      </dgm:t>
+    </dgm:pt>
+    <dgm:pt modelId="{399DDFC6-EFD7-4B0D-8BB3-7EDEF039B3D0}" type="sibTrans" cxnId="{184DD8A7-3007-465F-8887-E0A27B5C5B6D}">
+      <dgm:prSet/>
+      <dgm:spPr/>
+      <dgm:t>
+        <a:bodyPr/>
+        <a:lstStyle/>
+        <a:p>
+          <a:endParaRPr lang="fr-FR"/>
+        </a:p>
+      </dgm:t>
+    </dgm:pt>
+    <dgm:pt modelId="{D165AC83-D079-45A7-B2C9-09689FA36580}" type="pres">
+      <dgm:prSet presAssocID="{4041D5A6-EFA7-4379-AF69-7023FD9A8951}" presName="Name0" presStyleCnt="0">
+        <dgm:presLayoutVars>
+          <dgm:chMax val="7"/>
+          <dgm:chPref val="7"/>
+          <dgm:dir/>
+          <dgm:animLvl val="lvl"/>
+        </dgm:presLayoutVars>
+      </dgm:prSet>
+      <dgm:spPr/>
+    </dgm:pt>
+    <dgm:pt modelId="{7F889367-D500-4ED1-A577-709A271CEF5F}" type="pres">
+      <dgm:prSet presAssocID="{7CD5459F-9B65-41C3-B3F4-3ABA1DD9967B}" presName="Accent1" presStyleCnt="0"/>
+      <dgm:spPr/>
+    </dgm:pt>
+    <dgm:pt modelId="{6A1FC33C-BD54-48D9-8848-B8051814CA7A}" type="pres">
+      <dgm:prSet presAssocID="{7CD5459F-9B65-41C3-B3F4-3ABA1DD9967B}" presName="Accent" presStyleLbl="node1" presStyleIdx="0" presStyleCnt="3" custLinFactNeighborX="1126" custLinFactNeighborY="375"/>
+      <dgm:spPr/>
+    </dgm:pt>
+    <dgm:pt modelId="{2BC33A24-C019-40DB-B4F8-D236F35960DA}" type="pres">
+      <dgm:prSet presAssocID="{7CD5459F-9B65-41C3-B3F4-3ABA1DD9967B}" presName="Child1" presStyleLbl="revTx" presStyleIdx="0" presStyleCnt="6" custScaleX="235296" custLinFactNeighborX="96861" custLinFactNeighborY="-12192">
+        <dgm:presLayoutVars>
+          <dgm:chMax val="0"/>
+          <dgm:chPref val="0"/>
+          <dgm:bulletEnabled val="1"/>
+        </dgm:presLayoutVars>
+      </dgm:prSet>
+      <dgm:spPr/>
+      <dgm:t>
+        <a:bodyPr/>
+        <a:lstStyle/>
+        <a:p>
+          <a:endParaRPr lang="fr-FR"/>
+        </a:p>
+      </dgm:t>
+    </dgm:pt>
+    <dgm:pt modelId="{41EA7880-1A0E-4CC2-B59F-914DDD351791}" type="pres">
+      <dgm:prSet presAssocID="{7CD5459F-9B65-41C3-B3F4-3ABA1DD9967B}" presName="Parent1" presStyleLbl="revTx" presStyleIdx="1" presStyleCnt="6">
+        <dgm:presLayoutVars>
+          <dgm:chMax val="1"/>
+          <dgm:chPref val="1"/>
+          <dgm:bulletEnabled val="1"/>
+        </dgm:presLayoutVars>
+      </dgm:prSet>
+      <dgm:spPr/>
+    </dgm:pt>
+    <dgm:pt modelId="{6B757FA9-AD12-4C48-9EFF-307AF192F35A}" type="pres">
+      <dgm:prSet presAssocID="{1F9CA264-1B86-4BD2-8B9A-84CA313D033D}" presName="Accent2" presStyleCnt="0"/>
+      <dgm:spPr/>
+    </dgm:pt>
+    <dgm:pt modelId="{1EAF82E5-DF36-4432-8EFB-3660BDEAF403}" type="pres">
+      <dgm:prSet presAssocID="{1F9CA264-1B86-4BD2-8B9A-84CA313D033D}" presName="Accent" presStyleLbl="node1" presStyleIdx="1" presStyleCnt="3"/>
+      <dgm:spPr/>
+    </dgm:pt>
+    <dgm:pt modelId="{EED53FE3-01A0-4A4A-B958-999558A60657}" type="pres">
+      <dgm:prSet presAssocID="{1F9CA264-1B86-4BD2-8B9A-84CA313D033D}" presName="Child2" presStyleLbl="revTx" presStyleIdx="2" presStyleCnt="6" custScaleX="389896" custLinFactX="56436" custLinFactNeighborX="100000" custLinFactNeighborY="-8533">
+        <dgm:presLayoutVars>
+          <dgm:chMax val="0"/>
+          <dgm:chPref val="0"/>
+          <dgm:bulletEnabled val="1"/>
+        </dgm:presLayoutVars>
+      </dgm:prSet>
+      <dgm:spPr/>
+      <dgm:t>
+        <a:bodyPr/>
+        <a:lstStyle/>
+        <a:p>
+          <a:endParaRPr lang="fr-FR"/>
+        </a:p>
+      </dgm:t>
+    </dgm:pt>
+    <dgm:pt modelId="{6AA25D69-5E05-40A3-9F00-9387D55331A8}" type="pres">
+      <dgm:prSet presAssocID="{1F9CA264-1B86-4BD2-8B9A-84CA313D033D}" presName="Parent2" presStyleLbl="revTx" presStyleIdx="3" presStyleCnt="6">
+        <dgm:presLayoutVars>
+          <dgm:chMax val="1"/>
+          <dgm:chPref val="1"/>
+          <dgm:bulletEnabled val="1"/>
+        </dgm:presLayoutVars>
+      </dgm:prSet>
+      <dgm:spPr/>
+    </dgm:pt>
+    <dgm:pt modelId="{FC9BEDCD-C59D-4CF8-A60B-815EEB58E35D}" type="pres">
+      <dgm:prSet presAssocID="{2EA95732-DAA1-4ECB-8F01-6C0A8C021423}" presName="Accent3" presStyleCnt="0"/>
+      <dgm:spPr/>
+    </dgm:pt>
+    <dgm:pt modelId="{A7590864-E6C3-49D8-9B22-DF9210EFF756}" type="pres">
+      <dgm:prSet presAssocID="{2EA95732-DAA1-4ECB-8F01-6C0A8C021423}" presName="Accent" presStyleLbl="node1" presStyleIdx="2" presStyleCnt="3"/>
+      <dgm:spPr/>
+    </dgm:pt>
+    <dgm:pt modelId="{1EC2A02A-3E8D-473F-97D1-1FB993A4303A}" type="pres">
+      <dgm:prSet presAssocID="{2EA95732-DAA1-4ECB-8F01-6C0A8C021423}" presName="Child3" presStyleLbl="revTx" presStyleIdx="4" presStyleCnt="6" custScaleX="313229" custLinFactX="41048" custLinFactNeighborX="100000" custLinFactNeighborY="1563">
+        <dgm:presLayoutVars>
+          <dgm:chMax val="0"/>
+          <dgm:chPref val="0"/>
+          <dgm:bulletEnabled val="1"/>
+        </dgm:presLayoutVars>
+      </dgm:prSet>
+      <dgm:spPr/>
+      <dgm:t>
+        <a:bodyPr/>
+        <a:lstStyle/>
+        <a:p>
+          <a:endParaRPr lang="fr-FR"/>
+        </a:p>
+      </dgm:t>
+    </dgm:pt>
+    <dgm:pt modelId="{7D2E6C7C-9586-4A0C-B907-A004212DF446}" type="pres">
+      <dgm:prSet presAssocID="{2EA95732-DAA1-4ECB-8F01-6C0A8C021423}" presName="Parent3" presStyleLbl="revTx" presStyleIdx="5" presStyleCnt="6">
+        <dgm:presLayoutVars>
+          <dgm:chMax val="1"/>
+          <dgm:chPref val="1"/>
+          <dgm:bulletEnabled val="1"/>
+        </dgm:presLayoutVars>
+      </dgm:prSet>
+      <dgm:spPr/>
+    </dgm:pt>
+  </dgm:ptLst>
+  <dgm:cxnLst>
+    <dgm:cxn modelId="{4A21C4EB-4653-439C-8901-3A4F170B65AD}" type="presOf" srcId="{EF7C191B-BF65-466C-918B-1BAD2BF8A7B7}" destId="{EED53FE3-01A0-4A4A-B958-999558A60657}" srcOrd="0" destOrd="1" presId="urn:microsoft.com/office/officeart/2009/layout/CircleArrowProcess"/>
+    <dgm:cxn modelId="{7768C823-5CC6-40C6-AACD-CC5AB3AFADA5}" srcId="{C9593560-A897-4C8B-89ED-80ED5563C04C}" destId="{A0644472-B457-468F-BB15-6CC03188A635}" srcOrd="0" destOrd="0" parTransId="{4C27362E-F6CD-43F3-9107-3FF409674343}" sibTransId="{B15F89C0-E876-474F-9B28-3F2A079E39C8}"/>
+    <dgm:cxn modelId="{4612739A-13F7-49BC-B5DD-8D30875F3F09}" type="presOf" srcId="{4041D5A6-EFA7-4379-AF69-7023FD9A8951}" destId="{D165AC83-D079-45A7-B2C9-09689FA36580}" srcOrd="0" destOrd="0" presId="urn:microsoft.com/office/officeart/2009/layout/CircleArrowProcess"/>
+    <dgm:cxn modelId="{5D647F77-C034-4BAB-B931-FBA00C865159}" type="presOf" srcId="{7CD5459F-9B65-41C3-B3F4-3ABA1DD9967B}" destId="{41EA7880-1A0E-4CC2-B59F-914DDD351791}" srcOrd="0" destOrd="0" presId="urn:microsoft.com/office/officeart/2009/layout/CircleArrowProcess"/>
+    <dgm:cxn modelId="{70A9D3CE-447E-484A-A74A-1F4975D4F921}" type="presOf" srcId="{1F9CA264-1B86-4BD2-8B9A-84CA313D033D}" destId="{6AA25D69-5E05-40A3-9F00-9387D55331A8}" srcOrd="0" destOrd="0" presId="urn:microsoft.com/office/officeart/2009/layout/CircleArrowProcess"/>
+    <dgm:cxn modelId="{4E544032-EFD8-4587-9BFD-45A1B8ED3179}" srcId="{84919E70-9B4F-4D79-9665-8453D8341421}" destId="{EF7C191B-BF65-466C-918B-1BAD2BF8A7B7}" srcOrd="0" destOrd="0" parTransId="{354FE11E-2244-45E6-8C7A-B87421DACE89}" sibTransId="{C4F0ABDB-1F70-4ABB-BBF9-0B301FEC7A08}"/>
+    <dgm:cxn modelId="{95C311F3-BA32-49B9-BB07-8DBA2750BF14}" type="presOf" srcId="{C9593560-A897-4C8B-89ED-80ED5563C04C}" destId="{2BC33A24-C019-40DB-B4F8-D236F35960DA}" srcOrd="0" destOrd="0" presId="urn:microsoft.com/office/officeart/2009/layout/CircleArrowProcess"/>
+    <dgm:cxn modelId="{184DD8A7-3007-465F-8887-E0A27B5C5B6D}" srcId="{1EF92BF0-523D-4167-A929-E449312042A6}" destId="{AC16A478-D167-43B1-9FEB-0E4465E7E322}" srcOrd="0" destOrd="0" parTransId="{D49DABBB-E83F-4098-8C6B-DF7BB302866B}" sibTransId="{399DDFC6-EFD7-4B0D-8BB3-7EDEF039B3D0}"/>
+    <dgm:cxn modelId="{6079A9DD-F517-4C7A-9CE0-31FE6C56F7F6}" srcId="{7CD5459F-9B65-41C3-B3F4-3ABA1DD9967B}" destId="{C9593560-A897-4C8B-89ED-80ED5563C04C}" srcOrd="0" destOrd="0" parTransId="{539423CA-8FC0-473C-B5E9-DB45606EFE8C}" sibTransId="{6A6C69A4-DFB5-471C-830A-2710A9093555}"/>
+    <dgm:cxn modelId="{6E4A312E-169C-4869-95B4-EC9C6D958140}" srcId="{4041D5A6-EFA7-4379-AF69-7023FD9A8951}" destId="{7CD5459F-9B65-41C3-B3F4-3ABA1DD9967B}" srcOrd="0" destOrd="0" parTransId="{4B590894-32CB-4FD8-95CD-18E0B3F41D75}" sibTransId="{A619818D-12C9-49EF-B6D4-813C87BC76F6}"/>
+    <dgm:cxn modelId="{47789EC1-EACF-44C3-8D5C-9F37488E3B84}" type="presOf" srcId="{A0644472-B457-468F-BB15-6CC03188A635}" destId="{2BC33A24-C019-40DB-B4F8-D236F35960DA}" srcOrd="0" destOrd="1" presId="urn:microsoft.com/office/officeart/2009/layout/CircleArrowProcess"/>
+    <dgm:cxn modelId="{66A3B824-E1E4-4A8F-A083-794840523C00}" srcId="{4041D5A6-EFA7-4379-AF69-7023FD9A8951}" destId="{2EA95732-DAA1-4ECB-8F01-6C0A8C021423}" srcOrd="2" destOrd="0" parTransId="{B214AB28-58E2-4157-B455-F267C3CEAD0E}" sibTransId="{A3A48081-99A1-4D50-A30C-5F10BDEF2AB1}"/>
+    <dgm:cxn modelId="{DCC0DA95-37AE-4D73-A218-087ABF6273E6}" type="presOf" srcId="{2EA95732-DAA1-4ECB-8F01-6C0A8C021423}" destId="{7D2E6C7C-9586-4A0C-B907-A004212DF446}" srcOrd="0" destOrd="0" presId="urn:microsoft.com/office/officeart/2009/layout/CircleArrowProcess"/>
+    <dgm:cxn modelId="{E5A26671-D814-4A22-AEF4-75CBA7F22DCC}" srcId="{4041D5A6-EFA7-4379-AF69-7023FD9A8951}" destId="{1F9CA264-1B86-4BD2-8B9A-84CA313D033D}" srcOrd="1" destOrd="0" parTransId="{0D980070-17E8-4E28-8854-2A99047BC30C}" sibTransId="{D021B73B-84EB-4540-9578-E6043F01260F}"/>
+    <dgm:cxn modelId="{AB58AD76-E55B-4AE3-9D6E-812BC896FE1E}" type="presOf" srcId="{84919E70-9B4F-4D79-9665-8453D8341421}" destId="{EED53FE3-01A0-4A4A-B958-999558A60657}" srcOrd="0" destOrd="0" presId="urn:microsoft.com/office/officeart/2009/layout/CircleArrowProcess"/>
+    <dgm:cxn modelId="{EE857A1F-F0FF-4546-B1C1-017DE41331CA}" type="presOf" srcId="{AC16A478-D167-43B1-9FEB-0E4465E7E322}" destId="{1EC2A02A-3E8D-473F-97D1-1FB993A4303A}" srcOrd="0" destOrd="1" presId="urn:microsoft.com/office/officeart/2009/layout/CircleArrowProcess"/>
+    <dgm:cxn modelId="{DB3CE0BA-724B-4B6A-8AC3-5B4BE98DA7FD}" srcId="{1F9CA264-1B86-4BD2-8B9A-84CA313D033D}" destId="{84919E70-9B4F-4D79-9665-8453D8341421}" srcOrd="0" destOrd="0" parTransId="{91561C5E-2FBC-4ED8-A224-A3FF86B58D00}" sibTransId="{882FCC67-F6DA-43F9-8470-BC66C7C83D2B}"/>
+    <dgm:cxn modelId="{658C4519-BC79-4C47-B741-F95E29038EEF}" type="presOf" srcId="{1EF92BF0-523D-4167-A929-E449312042A6}" destId="{1EC2A02A-3E8D-473F-97D1-1FB993A4303A}" srcOrd="0" destOrd="0" presId="urn:microsoft.com/office/officeart/2009/layout/CircleArrowProcess"/>
+    <dgm:cxn modelId="{95B1DC73-AA09-4F24-8795-66EE5D1C7BC9}" srcId="{2EA95732-DAA1-4ECB-8F01-6C0A8C021423}" destId="{1EF92BF0-523D-4167-A929-E449312042A6}" srcOrd="0" destOrd="0" parTransId="{0F800D49-D309-4894-A680-3B82917AE028}" sibTransId="{AE012977-2E80-49C9-BC15-D80BF63BBD4F}"/>
+    <dgm:cxn modelId="{30CAC81D-3811-4F2A-AB75-3CFD242E6CC6}" type="presParOf" srcId="{D165AC83-D079-45A7-B2C9-09689FA36580}" destId="{7F889367-D500-4ED1-A577-709A271CEF5F}" srcOrd="0" destOrd="0" presId="urn:microsoft.com/office/officeart/2009/layout/CircleArrowProcess"/>
+    <dgm:cxn modelId="{19B04D30-34DD-49A3-B03F-BF0C1121BA46}" type="presParOf" srcId="{7F889367-D500-4ED1-A577-709A271CEF5F}" destId="{6A1FC33C-BD54-48D9-8848-B8051814CA7A}" srcOrd="0" destOrd="0" presId="urn:microsoft.com/office/officeart/2009/layout/CircleArrowProcess"/>
+    <dgm:cxn modelId="{94521738-C586-42AA-A5A6-6B84EE5D0119}" type="presParOf" srcId="{D165AC83-D079-45A7-B2C9-09689FA36580}" destId="{2BC33A24-C019-40DB-B4F8-D236F35960DA}" srcOrd="1" destOrd="0" presId="urn:microsoft.com/office/officeart/2009/layout/CircleArrowProcess"/>
+    <dgm:cxn modelId="{1F31C85E-4BDC-48A0-B8AA-04ECB40695E8}" type="presParOf" srcId="{D165AC83-D079-45A7-B2C9-09689FA36580}" destId="{41EA7880-1A0E-4CC2-B59F-914DDD351791}" srcOrd="2" destOrd="0" presId="urn:microsoft.com/office/officeart/2009/layout/CircleArrowProcess"/>
+    <dgm:cxn modelId="{2EB4FA7C-74B6-4A47-AD71-E8D09B83EC10}" type="presParOf" srcId="{D165AC83-D079-45A7-B2C9-09689FA36580}" destId="{6B757FA9-AD12-4C48-9EFF-307AF192F35A}" srcOrd="3" destOrd="0" presId="urn:microsoft.com/office/officeart/2009/layout/CircleArrowProcess"/>
+    <dgm:cxn modelId="{58333C66-CD1A-4664-A492-3E8C4411D005}" type="presParOf" srcId="{6B757FA9-AD12-4C48-9EFF-307AF192F35A}" destId="{1EAF82E5-DF36-4432-8EFB-3660BDEAF403}" srcOrd="0" destOrd="0" presId="urn:microsoft.com/office/officeart/2009/layout/CircleArrowProcess"/>
+    <dgm:cxn modelId="{6CC55F4D-7059-4556-9042-B0B19C36DEDB}" type="presParOf" srcId="{D165AC83-D079-45A7-B2C9-09689FA36580}" destId="{EED53FE3-01A0-4A4A-B958-999558A60657}" srcOrd="4" destOrd="0" presId="urn:microsoft.com/office/officeart/2009/layout/CircleArrowProcess"/>
+    <dgm:cxn modelId="{BD48A4DC-07AA-4EAF-8ED3-72CC130DE277}" type="presParOf" srcId="{D165AC83-D079-45A7-B2C9-09689FA36580}" destId="{6AA25D69-5E05-40A3-9F00-9387D55331A8}" srcOrd="5" destOrd="0" presId="urn:microsoft.com/office/officeart/2009/layout/CircleArrowProcess"/>
+    <dgm:cxn modelId="{5078F2F6-D10B-477F-BE7F-6D7EC6AC7F9D}" type="presParOf" srcId="{D165AC83-D079-45A7-B2C9-09689FA36580}" destId="{FC9BEDCD-C59D-4CF8-A60B-815EEB58E35D}" srcOrd="6" destOrd="0" presId="urn:microsoft.com/office/officeart/2009/layout/CircleArrowProcess"/>
+    <dgm:cxn modelId="{32FBC34A-4CC4-442B-8002-FBA469096560}" type="presParOf" srcId="{FC9BEDCD-C59D-4CF8-A60B-815EEB58E35D}" destId="{A7590864-E6C3-49D8-9B22-DF9210EFF756}" srcOrd="0" destOrd="0" presId="urn:microsoft.com/office/officeart/2009/layout/CircleArrowProcess"/>
+    <dgm:cxn modelId="{901FB468-53DA-4913-8B33-3EF9CC1F62D2}" type="presParOf" srcId="{D165AC83-D079-45A7-B2C9-09689FA36580}" destId="{1EC2A02A-3E8D-473F-97D1-1FB993A4303A}" srcOrd="7" destOrd="0" presId="urn:microsoft.com/office/officeart/2009/layout/CircleArrowProcess"/>
+    <dgm:cxn modelId="{2DECD3AD-1904-4A1C-8F33-60E0DCC8CC41}" type="presParOf" srcId="{D165AC83-D079-45A7-B2C9-09689FA36580}" destId="{7D2E6C7C-9586-4A0C-B907-A004212DF446}" srcOrd="8" destOrd="0" presId="urn:microsoft.com/office/officeart/2009/layout/CircleArrowProcess"/>
   </dgm:cxnLst>
   <dgm:bg/>
   <dgm:whole/>
@@ -2752,6 +4018,658 @@
       <dsp:txXfrm>
         <a:off x="8468464" y="3066170"/>
         <a:ext cx="1782009" cy="341720"/>
+      </dsp:txXfrm>
+    </dsp:sp>
+  </dsp:spTree>
+</dsp:drawing>
+</file>
+
+<file path=ppt/diagrams/drawing2.xml><?xml version="1.0" encoding="utf-8"?>
+<dsp:drawing xmlns:dgm="http://schemas.openxmlformats.org/drawingml/2006/diagram" xmlns:dsp="http://schemas.microsoft.com/office/drawing/2008/diagram" xmlns:a="http://schemas.openxmlformats.org/drawingml/2006/main">
+  <dsp:spTree>
+    <dsp:nvGrpSpPr>
+      <dsp:cNvPr id="0" name=""/>
+      <dsp:cNvGrpSpPr/>
+    </dsp:nvGrpSpPr>
+    <dsp:grpSpPr/>
+    <dsp:sp modelId="{6A1FC33C-BD54-48D9-8848-B8051814CA7A}">
+      <dsp:nvSpPr>
+        <dsp:cNvPr id="0" name=""/>
+        <dsp:cNvSpPr/>
+      </dsp:nvSpPr>
+      <dsp:spPr>
+        <a:xfrm>
+          <a:off x="2656565" y="9048"/>
+          <a:ext cx="2412531" cy="2412899"/>
+        </a:xfrm>
+        <a:prstGeom prst="circularArrow">
+          <a:avLst>
+            <a:gd name="adj1" fmla="val 10980"/>
+            <a:gd name="adj2" fmla="val 1142322"/>
+            <a:gd name="adj3" fmla="val 4500000"/>
+            <a:gd name="adj4" fmla="val 10800000"/>
+            <a:gd name="adj5" fmla="val 12500"/>
+          </a:avLst>
+        </a:prstGeom>
+        <a:gradFill rotWithShape="0">
+          <a:gsLst>
+            <a:gs pos="0">
+              <a:schemeClr val="accent1">
+                <a:hueOff val="0"/>
+                <a:satOff val="0"/>
+                <a:lumOff val="0"/>
+                <a:alphaOff val="0"/>
+                <a:tint val="96000"/>
+                <a:lumMod val="104000"/>
+              </a:schemeClr>
+            </a:gs>
+            <a:gs pos="100000">
+              <a:schemeClr val="accent1">
+                <a:hueOff val="0"/>
+                <a:satOff val="0"/>
+                <a:lumOff val="0"/>
+                <a:alphaOff val="0"/>
+                <a:shade val="90000"/>
+                <a:lumMod val="90000"/>
+              </a:schemeClr>
+            </a:gs>
+          </a:gsLst>
+          <a:lin ang="5400000" scaled="0"/>
+        </a:gradFill>
+        <a:ln>
+          <a:noFill/>
+        </a:ln>
+        <a:effectLst>
+          <a:outerShdw blurRad="63500" dist="25400" dir="5400000" rotWithShape="0">
+            <a:srgbClr val="000000">
+              <a:alpha val="60000"/>
+            </a:srgbClr>
+          </a:outerShdw>
+        </a:effectLst>
+      </dsp:spPr>
+      <dsp:style>
+        <a:lnRef idx="0">
+          <a:scrgbClr r="0" g="0" b="0"/>
+        </a:lnRef>
+        <a:fillRef idx="3">
+          <a:scrgbClr r="0" g="0" b="0"/>
+        </a:fillRef>
+        <a:effectRef idx="2">
+          <a:scrgbClr r="0" g="0" b="0"/>
+        </a:effectRef>
+        <a:fontRef idx="minor">
+          <a:schemeClr val="lt1"/>
+        </a:fontRef>
+      </dsp:style>
+    </dsp:sp>
+    <dsp:sp modelId="{2BC33A24-C019-40DB-B4F8-D236F35960DA}">
+      <dsp:nvSpPr>
+        <dsp:cNvPr id="0" name=""/>
+        <dsp:cNvSpPr/>
+      </dsp:nvSpPr>
+      <dsp:spPr>
+        <a:xfrm>
+          <a:off x="5465248" y="601561"/>
+          <a:ext cx="3405954" cy="965360"/>
+        </a:xfrm>
+        <a:prstGeom prst="rect">
+          <a:avLst/>
+        </a:prstGeom>
+        <a:noFill/>
+        <a:ln>
+          <a:noFill/>
+        </a:ln>
+        <a:effectLst/>
+      </dsp:spPr>
+      <dsp:style>
+        <a:lnRef idx="0">
+          <a:scrgbClr r="0" g="0" b="0"/>
+        </a:lnRef>
+        <a:fillRef idx="0">
+          <a:scrgbClr r="0" g="0" b="0"/>
+        </a:fillRef>
+        <a:effectRef idx="0">
+          <a:scrgbClr r="0" g="0" b="0"/>
+        </a:effectRef>
+        <a:fontRef idx="minor"/>
+      </dsp:style>
+      <dsp:txBody>
+        <a:bodyPr spcFirstLastPara="0" vert="horz" wrap="square" lIns="15240" tIns="15240" rIns="15240" bIns="15240" numCol="1" spcCol="1270" anchor="ctr" anchorCtr="0">
+          <a:noAutofit/>
+        </a:bodyPr>
+        <a:lstStyle/>
+        <a:p>
+          <a:pPr marL="228600" lvl="1" indent="-228600" algn="l" defTabSz="1066800">
+            <a:lnSpc>
+              <a:spcPct val="90000"/>
+            </a:lnSpc>
+            <a:spcBef>
+              <a:spcPct val="0"/>
+            </a:spcBef>
+            <a:spcAft>
+              <a:spcPct val="15000"/>
+            </a:spcAft>
+            <a:buChar char="••"/>
+          </a:pPr>
+          <a:r>
+            <a:rPr lang="fr-FR" sz="2400" b="1" kern="1200" dirty="0" smtClean="0"/>
+            <a:t>Requête GET </a:t>
+          </a:r>
+          <a:endParaRPr lang="fr-FR" sz="2400" b="1" kern="1200" dirty="0"/>
+        </a:p>
+        <a:p>
+          <a:pPr marL="457200" lvl="2" indent="-228600" algn="l" defTabSz="1066800">
+            <a:lnSpc>
+              <a:spcPct val="90000"/>
+            </a:lnSpc>
+            <a:spcBef>
+              <a:spcPct val="0"/>
+            </a:spcBef>
+            <a:spcAft>
+              <a:spcPct val="15000"/>
+            </a:spcAft>
+            <a:buChar char="••"/>
+          </a:pPr>
+          <a:r>
+            <a:rPr lang="fr-FR" sz="2400" kern="1200" dirty="0" smtClean="0"/>
+            <a:t>Récupération du </a:t>
+          </a:r>
+          <a:r>
+            <a:rPr lang="fr-FR" sz="2400" kern="1200" dirty="0" err="1" smtClean="0"/>
+            <a:t>Json</a:t>
+          </a:r>
+          <a:endParaRPr lang="fr-FR" sz="2400" kern="1200" dirty="0"/>
+        </a:p>
+      </dsp:txBody>
+      <dsp:txXfrm>
+        <a:off x="5465248" y="601561"/>
+        <a:ext cx="3405954" cy="965360"/>
+      </dsp:txXfrm>
+    </dsp:sp>
+    <dsp:sp modelId="{41EA7880-1A0E-4CC2-B59F-914DDD351791}">
+      <dsp:nvSpPr>
+        <dsp:cNvPr id="0" name=""/>
+        <dsp:cNvSpPr/>
+      </dsp:nvSpPr>
+      <dsp:spPr>
+        <a:xfrm>
+          <a:off x="3162648" y="871129"/>
+          <a:ext cx="1340597" cy="670138"/>
+        </a:xfrm>
+        <a:prstGeom prst="rect">
+          <a:avLst/>
+        </a:prstGeom>
+        <a:noFill/>
+        <a:ln>
+          <a:noFill/>
+        </a:ln>
+        <a:effectLst/>
+      </dsp:spPr>
+      <dsp:style>
+        <a:lnRef idx="0">
+          <a:scrgbClr r="0" g="0" b="0"/>
+        </a:lnRef>
+        <a:fillRef idx="0">
+          <a:scrgbClr r="0" g="0" b="0"/>
+        </a:fillRef>
+        <a:effectRef idx="0">
+          <a:scrgbClr r="0" g="0" b="0"/>
+        </a:effectRef>
+        <a:fontRef idx="minor"/>
+      </dsp:style>
+      <dsp:txBody>
+        <a:bodyPr spcFirstLastPara="0" vert="horz" wrap="square" lIns="17780" tIns="17780" rIns="17780" bIns="17780" numCol="1" spcCol="1270" anchor="ctr" anchorCtr="0">
+          <a:noAutofit/>
+        </a:bodyPr>
+        <a:lstStyle/>
+        <a:p>
+          <a:pPr lvl="0" algn="ctr" defTabSz="1244600">
+            <a:lnSpc>
+              <a:spcPct val="90000"/>
+            </a:lnSpc>
+            <a:spcBef>
+              <a:spcPct val="0"/>
+            </a:spcBef>
+            <a:spcAft>
+              <a:spcPct val="35000"/>
+            </a:spcAft>
+          </a:pPr>
+          <a:r>
+            <a:rPr lang="fr-FR" sz="2800" kern="1200" dirty="0" smtClean="0"/>
+            <a:t>Ajax</a:t>
+          </a:r>
+          <a:endParaRPr lang="fr-FR" sz="2800" kern="1200" dirty="0"/>
+        </a:p>
+      </dsp:txBody>
+      <dsp:txXfrm>
+        <a:off x="3162648" y="871129"/>
+        <a:ext cx="1340597" cy="670138"/>
+      </dsp:txXfrm>
+    </dsp:sp>
+    <dsp:sp modelId="{1EAF82E5-DF36-4432-8EFB-3660BDEAF403}">
+      <dsp:nvSpPr>
+        <dsp:cNvPr id="0" name=""/>
+        <dsp:cNvSpPr/>
+      </dsp:nvSpPr>
+      <dsp:spPr>
+        <a:xfrm>
+          <a:off x="1959327" y="1386389"/>
+          <a:ext cx="2412531" cy="2412899"/>
+        </a:xfrm>
+        <a:prstGeom prst="leftCircularArrow">
+          <a:avLst>
+            <a:gd name="adj1" fmla="val 10980"/>
+            <a:gd name="adj2" fmla="val 1142322"/>
+            <a:gd name="adj3" fmla="val 6300000"/>
+            <a:gd name="adj4" fmla="val 18900000"/>
+            <a:gd name="adj5" fmla="val 12500"/>
+          </a:avLst>
+        </a:prstGeom>
+        <a:gradFill rotWithShape="0">
+          <a:gsLst>
+            <a:gs pos="0">
+              <a:schemeClr val="accent1">
+                <a:hueOff val="0"/>
+                <a:satOff val="0"/>
+                <a:lumOff val="0"/>
+                <a:alphaOff val="0"/>
+                <a:tint val="96000"/>
+                <a:lumMod val="104000"/>
+              </a:schemeClr>
+            </a:gs>
+            <a:gs pos="100000">
+              <a:schemeClr val="accent1">
+                <a:hueOff val="0"/>
+                <a:satOff val="0"/>
+                <a:lumOff val="0"/>
+                <a:alphaOff val="0"/>
+                <a:shade val="90000"/>
+                <a:lumMod val="90000"/>
+              </a:schemeClr>
+            </a:gs>
+          </a:gsLst>
+          <a:lin ang="5400000" scaled="0"/>
+        </a:gradFill>
+        <a:ln>
+          <a:noFill/>
+        </a:ln>
+        <a:effectLst>
+          <a:outerShdw blurRad="63500" dist="25400" dir="5400000" rotWithShape="0">
+            <a:srgbClr val="000000">
+              <a:alpha val="60000"/>
+            </a:srgbClr>
+          </a:outerShdw>
+        </a:effectLst>
+      </dsp:spPr>
+      <dsp:style>
+        <a:lnRef idx="0">
+          <a:scrgbClr r="0" g="0" b="0"/>
+        </a:lnRef>
+        <a:fillRef idx="3">
+          <a:scrgbClr r="0" g="0" b="0"/>
+        </a:fillRef>
+        <a:effectRef idx="2">
+          <a:scrgbClr r="0" g="0" b="0"/>
+        </a:effectRef>
+        <a:fontRef idx="minor">
+          <a:schemeClr val="lt1"/>
+        </a:fontRef>
+      </dsp:style>
+    </dsp:sp>
+    <dsp:sp modelId="{EED53FE3-01A0-4A4A-B958-999558A60657}">
+      <dsp:nvSpPr>
+        <dsp:cNvPr id="0" name=""/>
+        <dsp:cNvSpPr/>
+      </dsp:nvSpPr>
+      <dsp:spPr>
+        <a:xfrm>
+          <a:off x="4348677" y="2031293"/>
+          <a:ext cx="5643819" cy="965360"/>
+        </a:xfrm>
+        <a:prstGeom prst="rect">
+          <a:avLst/>
+        </a:prstGeom>
+        <a:noFill/>
+        <a:ln>
+          <a:noFill/>
+        </a:ln>
+        <a:effectLst/>
+      </dsp:spPr>
+      <dsp:style>
+        <a:lnRef idx="0">
+          <a:scrgbClr r="0" g="0" b="0"/>
+        </a:lnRef>
+        <a:fillRef idx="0">
+          <a:scrgbClr r="0" g="0" b="0"/>
+        </a:fillRef>
+        <a:effectRef idx="0">
+          <a:scrgbClr r="0" g="0" b="0"/>
+        </a:effectRef>
+        <a:fontRef idx="minor"/>
+      </dsp:style>
+      <dsp:txBody>
+        <a:bodyPr spcFirstLastPara="0" vert="horz" wrap="square" lIns="15240" tIns="15240" rIns="15240" bIns="15240" numCol="1" spcCol="1270" anchor="ctr" anchorCtr="0">
+          <a:noAutofit/>
+        </a:bodyPr>
+        <a:lstStyle/>
+        <a:p>
+          <a:pPr marL="228600" lvl="1" indent="-228600" algn="l" defTabSz="1066800">
+            <a:lnSpc>
+              <a:spcPct val="90000"/>
+            </a:lnSpc>
+            <a:spcBef>
+              <a:spcPct val="0"/>
+            </a:spcBef>
+            <a:spcAft>
+              <a:spcPct val="15000"/>
+            </a:spcAft>
+            <a:buChar char="••"/>
+          </a:pPr>
+          <a:r>
+            <a:rPr lang="fr-FR" sz="2400" b="1" kern="1200" dirty="0" smtClean="0"/>
+            <a:t>Nativement interprété</a:t>
+          </a:r>
+          <a:endParaRPr lang="fr-FR" sz="2400" b="1" kern="1200" dirty="0"/>
+        </a:p>
+        <a:p>
+          <a:pPr marL="457200" lvl="2" indent="-228600" algn="l" defTabSz="1066800">
+            <a:lnSpc>
+              <a:spcPct val="90000"/>
+            </a:lnSpc>
+            <a:spcBef>
+              <a:spcPct val="0"/>
+            </a:spcBef>
+            <a:spcAft>
+              <a:spcPct val="15000"/>
+            </a:spcAft>
+            <a:buChar char="••"/>
+          </a:pPr>
+          <a:r>
+            <a:rPr lang="fr-FR" sz="2400" kern="1200" dirty="0" smtClean="0"/>
+            <a:t>Extraction des données</a:t>
+          </a:r>
+          <a:endParaRPr lang="fr-FR" sz="2400" kern="1200" dirty="0"/>
+        </a:p>
+      </dsp:txBody>
+      <dsp:txXfrm>
+        <a:off x="4348677" y="2031293"/>
+        <a:ext cx="5643819" cy="965360"/>
+      </dsp:txXfrm>
+    </dsp:sp>
+    <dsp:sp modelId="{6AA25D69-5E05-40A3-9F00-9387D55331A8}">
+      <dsp:nvSpPr>
+        <dsp:cNvPr id="0" name=""/>
+        <dsp:cNvSpPr/>
+      </dsp:nvSpPr>
+      <dsp:spPr>
+        <a:xfrm>
+          <a:off x="2495294" y="2265538"/>
+          <a:ext cx="1340597" cy="670138"/>
+        </a:xfrm>
+        <a:prstGeom prst="rect">
+          <a:avLst/>
+        </a:prstGeom>
+        <a:noFill/>
+        <a:ln>
+          <a:noFill/>
+        </a:ln>
+        <a:effectLst/>
+      </dsp:spPr>
+      <dsp:style>
+        <a:lnRef idx="0">
+          <a:scrgbClr r="0" g="0" b="0"/>
+        </a:lnRef>
+        <a:fillRef idx="0">
+          <a:scrgbClr r="0" g="0" b="0"/>
+        </a:fillRef>
+        <a:effectRef idx="0">
+          <a:scrgbClr r="0" g="0" b="0"/>
+        </a:effectRef>
+        <a:fontRef idx="minor"/>
+      </dsp:style>
+      <dsp:txBody>
+        <a:bodyPr spcFirstLastPara="0" vert="horz" wrap="square" lIns="17780" tIns="17780" rIns="17780" bIns="17780" numCol="1" spcCol="1270" anchor="ctr" anchorCtr="0">
+          <a:noAutofit/>
+        </a:bodyPr>
+        <a:lstStyle/>
+        <a:p>
+          <a:pPr lvl="0" algn="ctr" defTabSz="1244600">
+            <a:lnSpc>
+              <a:spcPct val="90000"/>
+            </a:lnSpc>
+            <a:spcBef>
+              <a:spcPct val="0"/>
+            </a:spcBef>
+            <a:spcAft>
+              <a:spcPct val="35000"/>
+            </a:spcAft>
+          </a:pPr>
+          <a:r>
+            <a:rPr lang="fr-FR" sz="2800" kern="1200" dirty="0" err="1" smtClean="0"/>
+            <a:t>Jquery</a:t>
+          </a:r>
+          <a:endParaRPr lang="fr-FR" sz="2800" kern="1200" dirty="0"/>
+        </a:p>
+      </dsp:txBody>
+      <dsp:txXfrm>
+        <a:off x="2495294" y="2265538"/>
+        <a:ext cx="1340597" cy="670138"/>
+      </dsp:txXfrm>
+    </dsp:sp>
+    <dsp:sp modelId="{A7590864-E6C3-49D8-9B22-DF9210EFF756}">
+      <dsp:nvSpPr>
+        <dsp:cNvPr id="0" name=""/>
+        <dsp:cNvSpPr/>
+      </dsp:nvSpPr>
+      <dsp:spPr>
+        <a:xfrm>
+          <a:off x="2801108" y="2938684"/>
+          <a:ext cx="2072738" cy="2073569"/>
+        </a:xfrm>
+        <a:prstGeom prst="blockArc">
+          <a:avLst>
+            <a:gd name="adj1" fmla="val 13500000"/>
+            <a:gd name="adj2" fmla="val 10800000"/>
+            <a:gd name="adj3" fmla="val 12740"/>
+          </a:avLst>
+        </a:prstGeom>
+        <a:gradFill rotWithShape="0">
+          <a:gsLst>
+            <a:gs pos="0">
+              <a:schemeClr val="accent1">
+                <a:hueOff val="0"/>
+                <a:satOff val="0"/>
+                <a:lumOff val="0"/>
+                <a:alphaOff val="0"/>
+                <a:tint val="96000"/>
+                <a:lumMod val="104000"/>
+              </a:schemeClr>
+            </a:gs>
+            <a:gs pos="100000">
+              <a:schemeClr val="accent1">
+                <a:hueOff val="0"/>
+                <a:satOff val="0"/>
+                <a:lumOff val="0"/>
+                <a:alphaOff val="0"/>
+                <a:shade val="90000"/>
+                <a:lumMod val="90000"/>
+              </a:schemeClr>
+            </a:gs>
+          </a:gsLst>
+          <a:lin ang="5400000" scaled="0"/>
+        </a:gradFill>
+        <a:ln>
+          <a:noFill/>
+        </a:ln>
+        <a:effectLst>
+          <a:outerShdw blurRad="63500" dist="25400" dir="5400000" rotWithShape="0">
+            <a:srgbClr val="000000">
+              <a:alpha val="60000"/>
+            </a:srgbClr>
+          </a:outerShdw>
+        </a:effectLst>
+      </dsp:spPr>
+      <dsp:style>
+        <a:lnRef idx="0">
+          <a:scrgbClr r="0" g="0" b="0"/>
+        </a:lnRef>
+        <a:fillRef idx="3">
+          <a:scrgbClr r="0" g="0" b="0"/>
+        </a:fillRef>
+        <a:effectRef idx="2">
+          <a:scrgbClr r="0" g="0" b="0"/>
+        </a:effectRef>
+        <a:fontRef idx="minor">
+          <a:schemeClr val="lt1"/>
+        </a:fontRef>
+      </dsp:style>
+    </dsp:sp>
+    <dsp:sp modelId="{1EC2A02A-3E8D-473F-97D1-1FB993A4303A}">
+      <dsp:nvSpPr>
+        <dsp:cNvPr id="0" name=""/>
+        <dsp:cNvSpPr/>
+      </dsp:nvSpPr>
+      <dsp:spPr>
+        <a:xfrm>
+          <a:off x="5458447" y="3522663"/>
+          <a:ext cx="4534049" cy="965360"/>
+        </a:xfrm>
+        <a:prstGeom prst="rect">
+          <a:avLst/>
+        </a:prstGeom>
+        <a:noFill/>
+        <a:ln>
+          <a:noFill/>
+        </a:ln>
+        <a:effectLst/>
+      </dsp:spPr>
+      <dsp:style>
+        <a:lnRef idx="0">
+          <a:scrgbClr r="0" g="0" b="0"/>
+        </a:lnRef>
+        <a:fillRef idx="0">
+          <a:scrgbClr r="0" g="0" b="0"/>
+        </a:fillRef>
+        <a:effectRef idx="0">
+          <a:scrgbClr r="0" g="0" b="0"/>
+        </a:effectRef>
+        <a:fontRef idx="minor"/>
+      </dsp:style>
+      <dsp:txBody>
+        <a:bodyPr spcFirstLastPara="0" vert="horz" wrap="square" lIns="15240" tIns="15240" rIns="15240" bIns="15240" numCol="1" spcCol="1270" anchor="ctr" anchorCtr="0">
+          <a:noAutofit/>
+        </a:bodyPr>
+        <a:lstStyle/>
+        <a:p>
+          <a:pPr marL="228600" lvl="1" indent="-228600" algn="l" defTabSz="1066800">
+            <a:lnSpc>
+              <a:spcPct val="90000"/>
+            </a:lnSpc>
+            <a:spcBef>
+              <a:spcPct val="0"/>
+            </a:spcBef>
+            <a:spcAft>
+              <a:spcPct val="15000"/>
+            </a:spcAft>
+            <a:buChar char="••"/>
+          </a:pPr>
+          <a:r>
+            <a:rPr lang="fr-FR" sz="2400" b="1" kern="1200" dirty="0" smtClean="0"/>
+            <a:t>Balise &lt;</a:t>
+          </a:r>
+          <a:r>
+            <a:rPr lang="fr-FR" sz="2400" b="1" kern="1200" dirty="0" err="1" smtClean="0"/>
+            <a:t>canvas</a:t>
+          </a:r>
+          <a:r>
+            <a:rPr lang="fr-FR" sz="2400" b="1" kern="1200" dirty="0" smtClean="0"/>
+            <a:t>&gt;</a:t>
+          </a:r>
+          <a:endParaRPr lang="fr-FR" sz="2400" b="1" kern="1200" dirty="0"/>
+        </a:p>
+        <a:p>
+          <a:pPr marL="457200" lvl="2" indent="-228600" algn="l" defTabSz="1066800">
+            <a:lnSpc>
+              <a:spcPct val="90000"/>
+            </a:lnSpc>
+            <a:spcBef>
+              <a:spcPct val="0"/>
+            </a:spcBef>
+            <a:spcAft>
+              <a:spcPct val="15000"/>
+            </a:spcAft>
+            <a:buChar char="••"/>
+          </a:pPr>
+          <a:r>
+            <a:rPr lang="fr-FR" sz="2400" kern="1200" dirty="0" smtClean="0"/>
+            <a:t>Modélisation des obstacles</a:t>
+          </a:r>
+          <a:endParaRPr lang="fr-FR" sz="2400" kern="1200" dirty="0"/>
+        </a:p>
+      </dsp:txBody>
+      <dsp:txXfrm>
+        <a:off x="5458447" y="3522663"/>
+        <a:ext cx="4534049" cy="965360"/>
+      </dsp:txXfrm>
+    </dsp:sp>
+    <dsp:sp modelId="{7D2E6C7C-9586-4A0C-B907-A004212DF446}">
+      <dsp:nvSpPr>
+        <dsp:cNvPr id="0" name=""/>
+        <dsp:cNvSpPr/>
+      </dsp:nvSpPr>
+      <dsp:spPr>
+        <a:xfrm>
+          <a:off x="3165820" y="3661952"/>
+          <a:ext cx="1340597" cy="670138"/>
+        </a:xfrm>
+        <a:prstGeom prst="rect">
+          <a:avLst/>
+        </a:prstGeom>
+        <a:noFill/>
+        <a:ln>
+          <a:noFill/>
+        </a:ln>
+        <a:effectLst/>
+      </dsp:spPr>
+      <dsp:style>
+        <a:lnRef idx="0">
+          <a:scrgbClr r="0" g="0" b="0"/>
+        </a:lnRef>
+        <a:fillRef idx="0">
+          <a:scrgbClr r="0" g="0" b="0"/>
+        </a:fillRef>
+        <a:effectRef idx="0">
+          <a:scrgbClr r="0" g="0" b="0"/>
+        </a:effectRef>
+        <a:fontRef idx="minor"/>
+      </dsp:style>
+      <dsp:txBody>
+        <a:bodyPr spcFirstLastPara="0" vert="horz" wrap="square" lIns="17780" tIns="17780" rIns="17780" bIns="17780" numCol="1" spcCol="1270" anchor="ctr" anchorCtr="0">
+          <a:noAutofit/>
+        </a:bodyPr>
+        <a:lstStyle/>
+        <a:p>
+          <a:pPr lvl="0" algn="ctr" defTabSz="1244600">
+            <a:lnSpc>
+              <a:spcPct val="90000"/>
+            </a:lnSpc>
+            <a:spcBef>
+              <a:spcPct val="0"/>
+            </a:spcBef>
+            <a:spcAft>
+              <a:spcPct val="35000"/>
+            </a:spcAft>
+          </a:pPr>
+          <a:r>
+            <a:rPr lang="fr-FR" sz="2800" kern="1200" dirty="0" smtClean="0"/>
+            <a:t>HTML5</a:t>
+          </a:r>
+          <a:endParaRPr lang="fr-FR" sz="2800" kern="1200" dirty="0"/>
+        </a:p>
+      </dsp:txBody>
+      <dsp:txXfrm>
+        <a:off x="3165820" y="3661952"/>
+        <a:ext cx="1340597" cy="670138"/>
       </dsp:txXfrm>
     </dsp:sp>
   </dsp:spTree>
@@ -3939,7 +5857,3117 @@
 </dgm:layoutDef>
 </file>
 
+<file path=ppt/diagrams/layout2.xml><?xml version="1.0" encoding="utf-8"?>
+<dgm:layoutDef xmlns:dgm="http://schemas.openxmlformats.org/drawingml/2006/diagram" xmlns:a="http://schemas.openxmlformats.org/drawingml/2006/main" uniqueId="urn:microsoft.com/office/officeart/2009/layout/CircleArrowProcess">
+  <dgm:title val=""/>
+  <dgm:desc val=""/>
+  <dgm:catLst>
+    <dgm:cat type="process" pri="16500"/>
+    <dgm:cat type="cycle" pri="16000"/>
+  </dgm:catLst>
+  <dgm:sampData>
+    <dgm:dataModel>
+      <dgm:ptLst>
+        <dgm:pt modelId="0" type="doc"/>
+        <dgm:pt modelId="10">
+          <dgm:prSet phldr="1"/>
+        </dgm:pt>
+        <dgm:pt modelId="20">
+          <dgm:prSet phldr="1"/>
+        </dgm:pt>
+        <dgm:pt modelId="30">
+          <dgm:prSet phldr="1"/>
+        </dgm:pt>
+      </dgm:ptLst>
+      <dgm:cxnLst>
+        <dgm:cxn modelId="40" srcId="0" destId="10" srcOrd="0" destOrd="0"/>
+        <dgm:cxn modelId="50" srcId="0" destId="20" srcOrd="1" destOrd="0"/>
+        <dgm:cxn modelId="60" srcId="0" destId="30" srcOrd="2" destOrd="0"/>
+      </dgm:cxnLst>
+      <dgm:bg/>
+      <dgm:whole/>
+    </dgm:dataModel>
+  </dgm:sampData>
+  <dgm:styleData>
+    <dgm:dataModel>
+      <dgm:ptLst>
+        <dgm:pt modelId="0" type="doc"/>
+        <dgm:pt modelId="10">
+          <dgm:prSet phldr="1"/>
+        </dgm:pt>
+        <dgm:pt modelId="20">
+          <dgm:prSet phldr="1"/>
+        </dgm:pt>
+      </dgm:ptLst>
+      <dgm:cxnLst>
+        <dgm:cxn modelId="30" srcId="0" destId="10" srcOrd="0" destOrd="0"/>
+        <dgm:cxn modelId="40" srcId="0" destId="20" srcOrd="1" destOrd="0"/>
+      </dgm:cxnLst>
+      <dgm:bg/>
+      <dgm:whole/>
+    </dgm:dataModel>
+  </dgm:styleData>
+  <dgm:clrData>
+    <dgm:dataModel>
+      <dgm:ptLst>
+        <dgm:pt modelId="0" type="doc"/>
+        <dgm:pt modelId="10">
+          <dgm:prSet phldr="1"/>
+        </dgm:pt>
+        <dgm:pt modelId="20">
+          <dgm:prSet phldr="1"/>
+        </dgm:pt>
+        <dgm:pt modelId="30">
+          <dgm:prSet phldr="1"/>
+        </dgm:pt>
+        <dgm:pt modelId="40">
+          <dgm:prSet phldr="1"/>
+        </dgm:pt>
+      </dgm:ptLst>
+      <dgm:cxnLst>
+        <dgm:cxn modelId="50" srcId="0" destId="10" srcOrd="0" destOrd="0"/>
+        <dgm:cxn modelId="60" srcId="0" destId="20" srcOrd="1" destOrd="0"/>
+        <dgm:cxn modelId="70" srcId="0" destId="30" srcOrd="2" destOrd="0"/>
+        <dgm:cxn modelId="80" srcId="0" destId="40" srcOrd="3" destOrd="0"/>
+      </dgm:cxnLst>
+      <dgm:bg/>
+      <dgm:whole/>
+    </dgm:dataModel>
+  </dgm:clrData>
+  <dgm:layoutNode name="Name0">
+    <dgm:varLst>
+      <dgm:chMax val="7"/>
+      <dgm:chPref val="7"/>
+      <dgm:dir/>
+      <dgm:animLvl val="lvl"/>
+    </dgm:varLst>
+    <dgm:shape xmlns:r="http://schemas.openxmlformats.org/officeDocument/2006/relationships" r:blip="">
+      <dgm:adjLst/>
+    </dgm:shape>
+    <dgm:choose name="Name1">
+      <dgm:if name="Name2" func="var" arg="dir" op="equ" val="norm">
+        <dgm:choose name="Name3">
+          <dgm:if name="Name4" axis="ch" ptType="node" func="cnt" op="equ" val="1">
+            <dgm:alg type="composite">
+              <dgm:param type="ar" val="1.5999"/>
+            </dgm:alg>
+            <dgm:constrLst>
+              <dgm:constr type="primFontSz" for="des" forName="Child1" val="65"/>
+              <dgm:constr type="primFontSz" for="des" forName="Parent1" val="65"/>
+              <dgm:constr type="primFontSz" for="des" forName="Child1" refType="primFontSz" refFor="des" refForName="Parent1" op="lte"/>
+              <dgm:constr type="l" for="ch" forName="Child1" refType="w" fact="0.625"/>
+              <dgm:constr type="t" for="ch" forName="Child1" refType="h" fact="0.2981"/>
+              <dgm:constr type="w" for="ch" forName="Child1" refType="w" fact="0.375"/>
+              <dgm:constr type="h" for="ch" forName="Child1" refType="h" fact="0.4001"/>
+              <dgm:constr type="l" for="ch" forName="Accent1" refType="w" fact="0"/>
+              <dgm:constr type="t" for="ch" forName="Accent1" refType="h" fact="0"/>
+              <dgm:constr type="w" for="ch" forName="Accent1" refType="w" fact="0.6249"/>
+              <dgm:constr type="h" for="ch" forName="Accent1" refType="h"/>
+              <dgm:constr type="l" for="ch" forName="Parent1" refType="w" fact="0.138"/>
+              <dgm:constr type="t" for="ch" forName="Parent1" refType="h" fact="0.362"/>
+              <dgm:constr type="w" for="ch" forName="Parent1" refType="w" fact="0.3487"/>
+              <dgm:constr type="h" for="ch" forName="Parent1" refType="h" fact="0.2789"/>
+            </dgm:constrLst>
+          </dgm:if>
+          <dgm:if name="Name5" axis="ch" ptType="node" func="cnt" op="equ" val="2">
+            <dgm:alg type="composite">
+              <dgm:param type="ar" val="1.2026"/>
+            </dgm:alg>
+            <dgm:constrLst>
+              <dgm:constr type="primFontSz" for="des" forName="Child1" val="65"/>
+              <dgm:constr type="primFontSz" for="des" forName="Parent1" val="65"/>
+              <dgm:constr type="primFontSz" for="des" forName="Child1" refType="primFontSz" refFor="des" refForName="Parent1" op="lte"/>
+              <dgm:constr type="primFontSz" for="des" forName="Child2" refType="primFontSz" refFor="des" refForName="Parent1" op="lte"/>
+              <dgm:constr type="primFontSz" for="des" forName="Child1" refType="primFontSz" refFor="des" refForName="Parent2" op="lte"/>
+              <dgm:constr type="primFontSz" for="des" forName="Child2" refType="primFontSz" refFor="des" refForName="Parent2" op="lte"/>
+              <dgm:constr type="primFontSz" for="des" forName="Parent2" refType="primFontSz" refFor="des" refForName="Parent1" op="equ"/>
+              <dgm:constr type="primFontSz" for="des" forName="Child2" refType="primFontSz" refFor="des" refForName="Child1" op="equ"/>
+              <dgm:constr type="l" for="ch" forName="Accent1" refType="w" fact="0.1144"/>
+              <dgm:constr type="t" for="ch" forName="Accent1" refType="h" fact="0"/>
+              <dgm:constr type="w" for="ch" forName="Accent1" refType="w" fact="0.5542"/>
+              <dgm:constr type="h" for="ch" forName="Accent1" refType="h" fact="0.6665"/>
+              <dgm:constr type="l" for="ch" forName="Parent1" refType="w" fact="0.2368"/>
+              <dgm:constr type="t" for="ch" forName="Parent1" refType="h" fact="0.2413"/>
+              <dgm:constr type="w" for="ch" forName="Parent1" refType="w" fact="0.3092"/>
+              <dgm:constr type="h" for="ch" forName="Parent1" refType="h" fact="0.1859"/>
+              <dgm:constr type="l" for="ch" forName="Parent2" refType="w" fact="0.0822"/>
+              <dgm:constr type="t" for="ch" forName="Parent2" refType="h" fact="0.625"/>
+              <dgm:constr type="w" for="ch" forName="Parent2" refType="w" fact="0.3092"/>
+              <dgm:constr type="h" for="ch" forName="Parent2" refType="h" fact="0.1859"/>
+              <dgm:constr type="l" for="ch" forName="Child1" refType="w" fact="0.6678"/>
+              <dgm:constr type="t" for="ch" forName="Child1" refType="h" fact="0.1978"/>
+              <dgm:constr type="w" for="ch" forName="Child1" refType="w" fact="0.3322"/>
+              <dgm:constr type="h" for="ch" forName="Child1" refType="h" fact="0.265"/>
+              <dgm:constr type="l" for="ch" forName="Child2" refType="w" fact="0.5164"/>
+              <dgm:constr type="t" for="ch" forName="Child2" refType="h" fact="0.5855"/>
+              <dgm:constr type="w" for="ch" forName="Child2" refType="w" fact="0.3322"/>
+              <dgm:constr type="h" for="ch" forName="Child2" refType="h" fact="0.265"/>
+              <dgm:constr type="l" for="ch" forName="Accent2" refType="w" fact="0"/>
+              <dgm:constr type="t" for="ch" forName="Accent2" refType="h" fact="0.4272"/>
+              <dgm:constr type="w" for="ch" forName="Accent2" refType="w" fact="0.4761"/>
+              <dgm:constr type="h" for="ch" forName="Accent2" refType="h" fact="0.5728"/>
+            </dgm:constrLst>
+          </dgm:if>
+          <dgm:if name="Name6" axis="ch" ptType="node" func="cnt" op="equ" val="3">
+            <dgm:alg type="composite">
+              <dgm:param type="ar" val="0.9039"/>
+            </dgm:alg>
+            <dgm:shape xmlns:r="http://schemas.openxmlformats.org/officeDocument/2006/relationships" r:blip="">
+              <dgm:adjLst/>
+            </dgm:shape>
+            <dgm:constrLst>
+              <dgm:constr type="primFontSz" for="des" forName="Child1" val="65"/>
+              <dgm:constr type="primFontSz" for="des" forName="Parent1" val="65"/>
+              <dgm:constr type="primFontSz" for="des" forName="Child1" refType="primFontSz" refFor="des" refForName="Parent1" op="lte"/>
+              <dgm:constr type="primFontSz" for="des" forName="Child2" refType="primFontSz" refFor="des" refForName="Parent1" op="lte"/>
+              <dgm:constr type="primFontSz" for="des" forName="Child3" refType="primFontSz" refFor="des" refForName="Parent1" op="lte"/>
+              <dgm:constr type="primFontSz" for="des" forName="Child1" refType="primFontSz" refFor="des" refForName="Parent2" op="lte"/>
+              <dgm:constr type="primFontSz" for="des" forName="Child2" refType="primFontSz" refFor="des" refForName="Parent2" op="lte"/>
+              <dgm:constr type="primFontSz" for="des" forName="Child3" refType="primFontSz" refFor="des" refForName="Parent2" op="lte"/>
+              <dgm:constr type="primFontSz" for="des" forName="Child1" refType="primFontSz" refFor="des" refForName="Parent3" op="lte"/>
+              <dgm:constr type="primFontSz" for="des" forName="Child2" refType="primFontSz" refFor="des" refForName="Parent3" op="lte"/>
+              <dgm:constr type="primFontSz" for="des" forName="Child3" refType="primFontSz" refFor="des" refForName="Parent3" op="lte"/>
+              <dgm:constr type="primFontSz" for="des" forName="Parent2" refType="primFontSz" refFor="des" refForName="Parent1" op="equ"/>
+              <dgm:constr type="primFontSz" for="des" forName="Parent3" refType="primFontSz" refFor="des" refForName="Parent1" op="equ"/>
+              <dgm:constr type="primFontSz" for="des" forName="Child2" refType="primFontSz" refFor="des" refForName="Child1" op="equ"/>
+              <dgm:constr type="primFontSz" for="des" forName="Child3" refType="primFontSz" refFor="des" refForName="Child1" op="equ"/>
+              <dgm:constr type="l" for="ch" forName="Accent1" refType="w" fact="0.1479"/>
+              <dgm:constr type="t" for="ch" forName="Accent1" refType="h" fact="0"/>
+              <dgm:constr type="w" for="ch" forName="Accent1" refType="w" fact="0.5325"/>
+              <dgm:constr type="h" for="ch" forName="Accent1" refType="h" fact="0.4814"/>
+              <dgm:constr type="l" for="ch" forName="Accent2" refType="w" fact="0"/>
+              <dgm:constr type="t" for="ch" forName="Accent2" refType="h" fact="0.2766"/>
+              <dgm:constr type="w" for="ch" forName="Accent2" refType="w" fact="0.5325"/>
+              <dgm:constr type="h" for="ch" forName="Accent2" refType="h" fact="0.4814"/>
+              <dgm:constr type="l" for="ch" forName="Parent1" refType="w" fact="0.2656"/>
+              <dgm:constr type="t" for="ch" forName="Parent1" refType="h" fact="0.1738"/>
+              <dgm:constr type="w" for="ch" forName="Parent1" refType="w" fact="0.2959"/>
+              <dgm:constr type="h" for="ch" forName="Parent1" refType="h" fact="0.1337"/>
+              <dgm:constr type="l" for="ch" forName="Accent3" refType="w" fact="0.1858"/>
+              <dgm:constr type="t" for="ch" forName="Accent3" refType="h" fact="0.5863"/>
+              <dgm:constr type="w" for="ch" forName="Accent3" refType="w" fact="0.4575"/>
+              <dgm:constr type="h" for="ch" forName="Accent3" refType="h" fact="0.4137"/>
+              <dgm:constr type="l" for="ch" forName="Parent2" refType="w" fact="0.1183"/>
+              <dgm:constr type="t" for="ch" forName="Parent2" refType="h" fact="0.452"/>
+              <dgm:constr type="w" for="ch" forName="Parent2" refType="w" fact="0.2959"/>
+              <dgm:constr type="h" for="ch" forName="Parent2" refType="h" fact="0.1337"/>
+              <dgm:constr type="l" for="ch" forName="Parent3" refType="w" fact="0.2663"/>
+              <dgm:constr type="t" for="ch" forName="Parent3" refType="h" fact="0.7306"/>
+              <dgm:constr type="w" for="ch" forName="Parent3" refType="w" fact="0.2959"/>
+              <dgm:constr type="h" for="ch" forName="Parent3" refType="h" fact="0.1337"/>
+              <dgm:constr type="l" for="ch" forName="Child2" refType="w" fact="0.5325"/>
+              <dgm:constr type="t" for="ch" forName="Child2" refType="h" fact="0.4217"/>
+              <dgm:constr type="w" for="ch" forName="Child2" refType="w" fact="0.3195"/>
+              <dgm:constr type="h" for="ch" forName="Child2" refType="h" fact="0.1926"/>
+              <dgm:constr type="l" for="ch" forName="Child1" refType="w" fact="0.6805"/>
+              <dgm:constr type="t" for="ch" forName="Child1" refType="h" fact="0.1435"/>
+              <dgm:constr type="w" for="ch" forName="Child1" refType="w" fact="0.3195"/>
+              <dgm:constr type="h" for="ch" forName="Child1" refType="h" fact="0.1926"/>
+              <dgm:constr type="l" for="ch" forName="Child3" refType="w" fact="0.6805"/>
+              <dgm:constr type="t" for="ch" forName="Child3" refType="h" fact="0.6998"/>
+              <dgm:constr type="w" for="ch" forName="Child3" refType="w" fact="0.3195"/>
+              <dgm:constr type="h" for="ch" forName="Child3" refType="h" fact="0.1926"/>
+            </dgm:constrLst>
+          </dgm:if>
+          <dgm:if name="Name7" axis="ch" ptType="node" func="cnt" op="equ" val="4">
+            <dgm:alg type="composite">
+              <dgm:param type="ar" val="0.7073"/>
+            </dgm:alg>
+            <dgm:constrLst>
+              <dgm:constr type="primFontSz" for="des" forName="Child1" val="65"/>
+              <dgm:constr type="primFontSz" for="des" forName="Parent1" val="65"/>
+              <dgm:constr type="primFontSz" for="des" forName="Child1" refType="primFontSz" refFor="des" refForName="Parent1" op="lte"/>
+              <dgm:constr type="primFontSz" for="des" forName="Child2" refType="primFontSz" refFor="des" refForName="Parent1" op="lte"/>
+              <dgm:constr type="primFontSz" for="des" forName="Child3" refType="primFontSz" refFor="des" refForName="Parent1" op="lte"/>
+              <dgm:constr type="primFontSz" for="des" forName="Child4" refType="primFontSz" refFor="des" refForName="Parent1" op="lte"/>
+              <dgm:constr type="primFontSz" for="des" forName="Child1" refType="primFontSz" refFor="des" refForName="Parent2" op="lte"/>
+              <dgm:constr type="primFontSz" for="des" forName="Child2" refType="primFontSz" refFor="des" refForName="Parent2" op="lte"/>
+              <dgm:constr type="primFontSz" for="des" forName="Child3" refType="primFontSz" refFor="des" refForName="Parent2" op="lte"/>
+              <dgm:constr type="primFontSz" for="des" forName="Child4" refType="primFontSz" refFor="des" refForName="Parent2" op="lte"/>
+              <dgm:constr type="primFontSz" for="des" forName="Child1" refType="primFontSz" refFor="des" refForName="Parent3" op="lte"/>
+              <dgm:constr type="primFontSz" for="des" forName="Child2" refType="primFontSz" refFor="des" refForName="Parent3" op="lte"/>
+              <dgm:constr type="primFontSz" for="des" forName="Child3" refType="primFontSz" refFor="des" refForName="Parent3" op="lte"/>
+              <dgm:constr type="primFontSz" for="des" forName="Child4" refType="primFontSz" refFor="des" refForName="Parent3" op="lte"/>
+              <dgm:constr type="primFontSz" for="des" forName="Child1" refType="primFontSz" refFor="des" refForName="Parent4" op="lte"/>
+              <dgm:constr type="primFontSz" for="des" forName="Child2" refType="primFontSz" refFor="des" refForName="Parent4" op="lte"/>
+              <dgm:constr type="primFontSz" for="des" forName="Child3" refType="primFontSz" refFor="des" refForName="Parent4" op="lte"/>
+              <dgm:constr type="primFontSz" for="des" forName="Child4" refType="primFontSz" refFor="des" refForName="Parent4" op="lte"/>
+              <dgm:constr type="primFontSz" for="des" forName="Parent2" refType="primFontSz" refFor="des" refForName="Parent1" op="equ"/>
+              <dgm:constr type="primFontSz" for="des" forName="Parent3" refType="primFontSz" refFor="des" refForName="Parent1" op="equ"/>
+              <dgm:constr type="primFontSz" for="des" forName="Parent4" refType="primFontSz" refFor="des" refForName="Parent1" op="equ"/>
+              <dgm:constr type="primFontSz" for="des" forName="Child2" refType="primFontSz" refFor="des" refForName="Child1" op="equ"/>
+              <dgm:constr type="primFontSz" for="des" forName="Child3" refType="primFontSz" refFor="des" refForName="Child1" op="equ"/>
+              <dgm:constr type="primFontSz" for="des" forName="Child4" refType="primFontSz" refFor="des" refForName="Child1" op="equ"/>
+              <dgm:constr type="l" for="ch" forName="Accent1" refType="w" fact="0.1481"/>
+              <dgm:constr type="t" for="ch" forName="Accent1" refType="h" fact="0"/>
+              <dgm:constr type="w" for="ch" forName="Accent1" refType="w" fact="0.5331"/>
+              <dgm:constr type="h" for="ch" forName="Accent1" refType="h" fact="0.3771"/>
+              <dgm:constr type="l" for="ch" forName="Accent2" refType="w" fact="0"/>
+              <dgm:constr type="t" for="ch" forName="Accent2" refType="h" fact="0.2167"/>
+              <dgm:constr type="w" for="ch" forName="Accent2" refType="w" fact="0.5331"/>
+              <dgm:constr type="h" for="ch" forName="Accent2" refType="h" fact="0.3771"/>
+              <dgm:constr type="l" for="ch" forName="Accent3" refType="w" fact="0.1481"/>
+              <dgm:constr type="t" for="ch" forName="Accent3" refType="h" fact="0.4342"/>
+              <dgm:constr type="w" for="ch" forName="Accent3" refType="w" fact="0.5331"/>
+              <dgm:constr type="h" for="ch" forName="Accent3" refType="h" fact="0.3771"/>
+              <dgm:constr type="l" for="ch" forName="Parent1" refType="w" fact="0.2658"/>
+              <dgm:constr type="t" for="ch" forName="Parent1" refType="h" fact="0.1365"/>
+              <dgm:constr type="w" for="ch" forName="Parent1" refType="w" fact="0.2975"/>
+              <dgm:constr type="h" for="ch" forName="Parent1" refType="h" fact="0.1052"/>
+              <dgm:constr type="l" for="ch" forName="Parent2" refType="w" fact="0.1171"/>
+              <dgm:constr type="t" for="ch" forName="Parent2" refType="h" fact="0.3536"/>
+              <dgm:constr type="w" for="ch" forName="Parent2" refType="w" fact="0.2975"/>
+              <dgm:constr type="h" for="ch" forName="Parent2" refType="h" fact="0.1052"/>
+              <dgm:constr type="l" for="ch" forName="Parent3" refType="w" fact="0.2658"/>
+              <dgm:constr type="t" for="ch" forName="Parent3" refType="h" fact="0.5707"/>
+              <dgm:constr type="w" for="ch" forName="Parent3" refType="w" fact="0.2975"/>
+              <dgm:constr type="h" for="ch" forName="Parent3" refType="h" fact="0.1052"/>
+              <dgm:constr type="l" for="ch" forName="Parent4" refType="w" fact="0.1171"/>
+              <dgm:constr type="t" for="ch" forName="Parent4" refType="h" fact="0.7878"/>
+              <dgm:constr type="w" for="ch" forName="Parent4" refType="w" fact="0.2975"/>
+              <dgm:constr type="h" for="ch" forName="Parent4" refType="h" fact="0.1052"/>
+              <dgm:constr type="l" for="ch" forName="Child1" refType="w" fact="0.6804"/>
+              <dgm:constr type="t" for="ch" forName="Child1" refType="h" fact="0.1119"/>
+              <dgm:constr type="w" for="ch" forName="Child1" refType="w" fact="0.3196"/>
+              <dgm:constr type="h" for="ch" forName="Child1" refType="h" fact="0.15"/>
+              <dgm:constr type="l" for="ch" forName="Child2" refType="w" fact="0.5348"/>
+              <dgm:constr type="t" for="ch" forName="Child2" refType="h" fact="0.3312"/>
+              <dgm:constr type="w" for="ch" forName="Child2" refType="w" fact="0.3196"/>
+              <dgm:constr type="h" for="ch" forName="Child2" refType="h" fact="0.15"/>
+              <dgm:constr type="l" for="ch" forName="Child3" refType="w" fact="0.6804"/>
+              <dgm:constr type="t" for="ch" forName="Child3" refType="h" fact="0.5461"/>
+              <dgm:constr type="w" for="ch" forName="Child3" refType="w" fact="0.3196"/>
+              <dgm:constr type="h" for="ch" forName="Child3" refType="h" fact="0.15"/>
+              <dgm:constr type="l" for="ch" forName="Child4" refType="w" fact="0.5348"/>
+              <dgm:constr type="t" for="ch" forName="Child4" refType="h" fact="0.7632"/>
+              <dgm:constr type="w" for="ch" forName="Child4" refType="w" fact="0.3196"/>
+              <dgm:constr type="h" for="ch" forName="Child4" refType="h" fact="0.15"/>
+              <dgm:constr type="l" for="ch" forName="Accent4" refType="w" fact="0.038"/>
+              <dgm:constr type="t" for="ch" forName="Accent4" refType="h" fact="0.6759"/>
+              <dgm:constr type="w" for="ch" forName="Accent4" refType="w" fact="0.458"/>
+              <dgm:constr type="h" for="ch" forName="Accent4" refType="h" fact="0.3241"/>
+            </dgm:constrLst>
+          </dgm:if>
+          <dgm:if name="Name8" axis="ch" ptType="node" func="cnt" op="equ" val="5">
+            <dgm:alg type="composite">
+              <dgm:param type="ar" val="0.5811"/>
+            </dgm:alg>
+            <dgm:constrLst>
+              <dgm:constr type="primFontSz" for="des" forName="Child1" val="65"/>
+              <dgm:constr type="primFontSz" for="des" forName="Parent1" val="65"/>
+              <dgm:constr type="primFontSz" for="des" forName="Child1" refType="primFontSz" refFor="des" refForName="Parent1" op="lte"/>
+              <dgm:constr type="primFontSz" for="des" forName="Child2" refType="primFontSz" refFor="des" refForName="Parent1" op="lte"/>
+              <dgm:constr type="primFontSz" for="des" forName="Child3" refType="primFontSz" refFor="des" refForName="Parent1" op="lte"/>
+              <dgm:constr type="primFontSz" for="des" forName="Child4" refType="primFontSz" refFor="des" refForName="Parent1" op="lte"/>
+              <dgm:constr type="primFontSz" for="des" forName="Child5" refType="primFontSz" refFor="des" refForName="Parent1" op="lte"/>
+              <dgm:constr type="primFontSz" for="des" forName="Child1" refType="primFontSz" refFor="des" refForName="Parent2" op="lte"/>
+              <dgm:constr type="primFontSz" for="des" forName="Child2" refType="primFontSz" refFor="des" refForName="Parent2" op="lte"/>
+              <dgm:constr type="primFontSz" for="des" forName="Child3" refType="primFontSz" refFor="des" refForName="Parent2" op="lte"/>
+              <dgm:constr type="primFontSz" for="des" forName="Child4" refType="primFontSz" refFor="des" refForName="Parent2" op="lte"/>
+              <dgm:constr type="primFontSz" for="des" forName="Child5" refType="primFontSz" refFor="des" refForName="Parent2" op="lte"/>
+              <dgm:constr type="primFontSz" for="des" forName="Child1" refType="primFontSz" refFor="des" refForName="Parent3" op="lte"/>
+              <dgm:constr type="primFontSz" for="des" forName="Child2" refType="primFontSz" refFor="des" refForName="Parent3" op="lte"/>
+              <dgm:constr type="primFontSz" for="des" forName="Child3" refType="primFontSz" refFor="des" refForName="Parent3" op="lte"/>
+              <dgm:constr type="primFontSz" for="des" forName="Child4" refType="primFontSz" refFor="des" refForName="Parent3" op="lte"/>
+              <dgm:constr type="primFontSz" for="des" forName="Child5" refType="primFontSz" refFor="des" refForName="Parent3" op="lte"/>
+              <dgm:constr type="primFontSz" for="des" forName="Child1" refType="primFontSz" refFor="des" refForName="Parent4" op="lte"/>
+              <dgm:constr type="primFontSz" for="des" forName="Child2" refType="primFontSz" refFor="des" refForName="Parent4" op="lte"/>
+              <dgm:constr type="primFontSz" for="des" forName="Child3" refType="primFontSz" refFor="des" refForName="Parent4" op="lte"/>
+              <dgm:constr type="primFontSz" for="des" forName="Child4" refType="primFontSz" refFor="des" refForName="Parent4" op="lte"/>
+              <dgm:constr type="primFontSz" for="des" forName="Child5" refType="primFontSz" refFor="des" refForName="Parent4" op="lte"/>
+              <dgm:constr type="primFontSz" for="des" forName="Child1" refType="primFontSz" refFor="des" refForName="Parent5" op="lte"/>
+              <dgm:constr type="primFontSz" for="des" forName="Child2" refType="primFontSz" refFor="des" refForName="Parent5" op="lte"/>
+              <dgm:constr type="primFontSz" for="des" forName="Child3" refType="primFontSz" refFor="des" refForName="Parent5" op="lte"/>
+              <dgm:constr type="primFontSz" for="des" forName="Child4" refType="primFontSz" refFor="des" refForName="Parent5" op="lte"/>
+              <dgm:constr type="primFontSz" for="des" forName="Child5" refType="primFontSz" refFor="des" refForName="Parent5" op="lte"/>
+              <dgm:constr type="primFontSz" for="des" forName="Parent2" refType="primFontSz" refFor="des" refForName="Parent1" op="equ"/>
+              <dgm:constr type="primFontSz" for="des" forName="Parent3" refType="primFontSz" refFor="des" refForName="Parent1" op="equ"/>
+              <dgm:constr type="primFontSz" for="des" forName="Parent4" refType="primFontSz" refFor="des" refForName="Parent1" op="equ"/>
+              <dgm:constr type="primFontSz" for="des" forName="Parent5" refType="primFontSz" refFor="des" refForName="Parent1" op="equ"/>
+              <dgm:constr type="primFontSz" for="des" forName="Child2" refType="primFontSz" refFor="des" refForName="Child1" op="equ"/>
+              <dgm:constr type="primFontSz" for="des" forName="Child3" refType="primFontSz" refFor="des" refForName="Child1" op="equ"/>
+              <dgm:constr type="primFontSz" for="des" forName="Child4" refType="primFontSz" refFor="des" refForName="Child1" op="equ"/>
+              <dgm:constr type="primFontSz" for="des" forName="Child5" refType="primFontSz" refFor="des" refForName="Child1" op="equ"/>
+              <dgm:constr type="l" for="ch" forName="Accent1" refType="w" fact="0.1481"/>
+              <dgm:constr type="t" for="ch" forName="Accent1" refType="h" fact="0"/>
+              <dgm:constr type="w" for="ch" forName="Accent1" refType="w" fact="0.5331"/>
+              <dgm:constr type="h" for="ch" forName="Accent1" refType="h" fact="0.3098"/>
+              <dgm:constr type="l" for="ch" forName="Accent2" refType="w" fact="0"/>
+              <dgm:constr type="t" for="ch" forName="Accent2" refType="h" fact="0.178"/>
+              <dgm:constr type="w" for="ch" forName="Accent2" refType="w" fact="0.5331"/>
+              <dgm:constr type="h" for="ch" forName="Accent2" refType="h" fact="0.3098"/>
+              <dgm:constr type="l" for="ch" forName="Accent3" refType="w" fact="0.1481"/>
+              <dgm:constr type="t" for="ch" forName="Accent3" refType="h" fact="0.3568"/>
+              <dgm:constr type="w" for="ch" forName="Accent3" refType="w" fact="0.5331"/>
+              <dgm:constr type="h" for="ch" forName="Accent3" refType="h" fact="0.3098"/>
+              <dgm:constr type="l" for="ch" forName="Accent4" refType="w" fact="0"/>
+              <dgm:constr type="t" for="ch" forName="Accent4" refType="h" fact="0.5351"/>
+              <dgm:constr type="w" for="ch" forName="Accent4" refType="w" fact="0.5331"/>
+              <dgm:constr type="h" for="ch" forName="Accent4" refType="h" fact="0.3098"/>
+              <dgm:constr type="l" for="ch" forName="Accent5" refType="w" fact="0.186"/>
+              <dgm:constr type="t" for="ch" forName="Accent5" refType="h" fact="0.7337"/>
+              <dgm:constr type="w" for="ch" forName="Accent5" refType="w" fact="0.458"/>
+              <dgm:constr type="h" for="ch" forName="Accent5" refType="h" fact="0.2663"/>
+              <dgm:constr type="l" for="ch" forName="Parent1" refType="w" fact="0.2658"/>
+              <dgm:constr type="t" for="ch" forName="Parent1" refType="h" fact="0.1122"/>
+              <dgm:constr type="w" for="ch" forName="Parent1" refType="w" fact="0.2975"/>
+              <dgm:constr type="h" for="ch" forName="Parent1" refType="h" fact="0.0864"/>
+              <dgm:constr type="l" for="ch" forName="Parent2" refType="w" fact="0.1171"/>
+              <dgm:constr type="t" for="ch" forName="Parent2" refType="h" fact="0.2906"/>
+              <dgm:constr type="w" for="ch" forName="Parent2" refType="w" fact="0.2975"/>
+              <dgm:constr type="h" for="ch" forName="Parent2" refType="h" fact="0.0864"/>
+              <dgm:constr type="l" for="ch" forName="Parent3" refType="w" fact="0.2658"/>
+              <dgm:constr type="t" for="ch" forName="Parent3" refType="h" fact="0.4689"/>
+              <dgm:constr type="w" for="ch" forName="Parent3" refType="w" fact="0.2975"/>
+              <dgm:constr type="h" for="ch" forName="Parent3" refType="h" fact="0.0864"/>
+              <dgm:constr type="l" for="ch" forName="Parent4" refType="w" fact="0.1171"/>
+              <dgm:constr type="t" for="ch" forName="Parent4" refType="h" fact="0.6473"/>
+              <dgm:constr type="w" for="ch" forName="Parent4" refType="w" fact="0.2975"/>
+              <dgm:constr type="h" for="ch" forName="Parent4" refType="h" fact="0.0864"/>
+              <dgm:constr type="l" for="ch" forName="Parent5" refType="w" fact="0.2658"/>
+              <dgm:constr type="t" for="ch" forName="Parent5" refType="h" fact="0.8257"/>
+              <dgm:constr type="w" for="ch" forName="Parent5" refType="w" fact="0.2975"/>
+              <dgm:constr type="h" for="ch" forName="Parent5" refType="h" fact="0.0864"/>
+              <dgm:constr type="l" for="ch" forName="Child1" refType="w" fact="0.6804"/>
+              <dgm:constr type="t" for="ch" forName="Child1" refType="h" fact="0.0919"/>
+              <dgm:constr type="w" for="ch" forName="Child1" refType="w" fact="0.3196"/>
+              <dgm:constr type="h" for="ch" forName="Child1" refType="h" fact="0.1232"/>
+              <dgm:constr type="l" for="ch" forName="Child2" refType="w" fact="0.5348"/>
+              <dgm:constr type="t" for="ch" forName="Child2" refType="h" fact="0.2722"/>
+              <dgm:constr type="w" for="ch" forName="Child2" refType="w" fact="0.3196"/>
+              <dgm:constr type="h" for="ch" forName="Child2" refType="h" fact="0.1232"/>
+              <dgm:constr type="l" for="ch" forName="Child3" refType="w" fact="0.6804"/>
+              <dgm:constr type="t" for="ch" forName="Child3" refType="h" fact="0.4487"/>
+              <dgm:constr type="w" for="ch" forName="Child3" refType="w" fact="0.3196"/>
+              <dgm:constr type="h" for="ch" forName="Child3" refType="h" fact="0.1232"/>
+              <dgm:constr type="l" for="ch" forName="Child4" refType="w" fact="0.5348"/>
+              <dgm:constr type="t" for="ch" forName="Child4" refType="h" fact="0.6271"/>
+              <dgm:constr type="w" for="ch" forName="Child4" refType="w" fact="0.3196"/>
+              <dgm:constr type="h" for="ch" forName="Child4" refType="h" fact="0.1232"/>
+              <dgm:constr type="l" for="ch" forName="Child5" refType="w" fact="0.6804"/>
+              <dgm:constr type="t" for="ch" forName="Child5" refType="h" fact="0.8073"/>
+              <dgm:constr type="w" for="ch" forName="Child5" refType="w" fact="0.3196"/>
+              <dgm:constr type="h" for="ch" forName="Child5" refType="h" fact="0.1232"/>
+            </dgm:constrLst>
+          </dgm:if>
+          <dgm:if name="Name9" axis="ch" ptType="node" func="cnt" op="equ" val="6">
+            <dgm:alg type="composite">
+              <dgm:param type="ar" val="0.4931"/>
+            </dgm:alg>
+            <dgm:constrLst>
+              <dgm:constr type="primFontSz" for="des" forName="Child1" val="65"/>
+              <dgm:constr type="primFontSz" for="des" forName="Parent1" val="65"/>
+              <dgm:constr type="primFontSz" for="des" forName="Child1" refType="primFontSz" refFor="des" refForName="Parent1" op="lte"/>
+              <dgm:constr type="primFontSz" for="des" forName="Child2" refType="primFontSz" refFor="des" refForName="Parent1" op="lte"/>
+              <dgm:constr type="primFontSz" for="des" forName="Child3" refType="primFontSz" refFor="des" refForName="Parent1" op="lte"/>
+              <dgm:constr type="primFontSz" for="des" forName="Child4" refType="primFontSz" refFor="des" refForName="Parent1" op="lte"/>
+              <dgm:constr type="primFontSz" for="des" forName="Child5" refType="primFontSz" refFor="des" refForName="Parent1" op="lte"/>
+              <dgm:constr type="primFontSz" for="des" forName="Child6" refType="primFontSz" refFor="des" refForName="Parent1" op="lte"/>
+              <dgm:constr type="primFontSz" for="des" forName="Child1" refType="primFontSz" refFor="des" refForName="Parent2" op="lte"/>
+              <dgm:constr type="primFontSz" for="des" forName="Child2" refType="primFontSz" refFor="des" refForName="Parent2" op="lte"/>
+              <dgm:constr type="primFontSz" for="des" forName="Child3" refType="primFontSz" refFor="des" refForName="Parent2" op="lte"/>
+              <dgm:constr type="primFontSz" for="des" forName="Child4" refType="primFontSz" refFor="des" refForName="Parent2" op="lte"/>
+              <dgm:constr type="primFontSz" for="des" forName="Child5" refType="primFontSz" refFor="des" refForName="Parent2" op="lte"/>
+              <dgm:constr type="primFontSz" for="des" forName="Child6" refType="primFontSz" refFor="des" refForName="Parent2" op="lte"/>
+              <dgm:constr type="primFontSz" for="des" forName="Child1" refType="primFontSz" refFor="des" refForName="Parent3" op="lte"/>
+              <dgm:constr type="primFontSz" for="des" forName="Child2" refType="primFontSz" refFor="des" refForName="Parent3" op="lte"/>
+              <dgm:constr type="primFontSz" for="des" forName="Child3" refType="primFontSz" refFor="des" refForName="Parent3" op="lte"/>
+              <dgm:constr type="primFontSz" for="des" forName="Child4" refType="primFontSz" refFor="des" refForName="Parent3" op="lte"/>
+              <dgm:constr type="primFontSz" for="des" forName="Child5" refType="primFontSz" refFor="des" refForName="Parent3" op="lte"/>
+              <dgm:constr type="primFontSz" for="des" forName="Child6" refType="primFontSz" refFor="des" refForName="Parent3" op="lte"/>
+              <dgm:constr type="primFontSz" for="des" forName="Child1" refType="primFontSz" refFor="des" refForName="Parent4" op="lte"/>
+              <dgm:constr type="primFontSz" for="des" forName="Child2" refType="primFontSz" refFor="des" refForName="Parent4" op="lte"/>
+              <dgm:constr type="primFontSz" for="des" forName="Child3" refType="primFontSz" refFor="des" refForName="Parent4" op="lte"/>
+              <dgm:constr type="primFontSz" for="des" forName="Child4" refType="primFontSz" refFor="des" refForName="Parent4" op="lte"/>
+              <dgm:constr type="primFontSz" for="des" forName="Child5" refType="primFontSz" refFor="des" refForName="Parent4" op="lte"/>
+              <dgm:constr type="primFontSz" for="des" forName="Child6" refType="primFontSz" refFor="des" refForName="Parent4" op="lte"/>
+              <dgm:constr type="primFontSz" for="des" forName="Child1" refType="primFontSz" refFor="des" refForName="Parent5" op="lte"/>
+              <dgm:constr type="primFontSz" for="des" forName="Child2" refType="primFontSz" refFor="des" refForName="Parent5" op="lte"/>
+              <dgm:constr type="primFontSz" for="des" forName="Child3" refType="primFontSz" refFor="des" refForName="Parent5" op="lte"/>
+              <dgm:constr type="primFontSz" for="des" forName="Child4" refType="primFontSz" refFor="des" refForName="Parent5" op="lte"/>
+              <dgm:constr type="primFontSz" for="des" forName="Child5" refType="primFontSz" refFor="des" refForName="Parent5" op="lte"/>
+              <dgm:constr type="primFontSz" for="des" forName="Child6" refType="primFontSz" refFor="des" refForName="Parent5" op="lte"/>
+              <dgm:constr type="primFontSz" for="des" forName="Child1" refType="primFontSz" refFor="des" refForName="Parent6" op="lte"/>
+              <dgm:constr type="primFontSz" for="des" forName="Child2" refType="primFontSz" refFor="des" refForName="Parent6" op="lte"/>
+              <dgm:constr type="primFontSz" for="des" forName="Child3" refType="primFontSz" refFor="des" refForName="Parent6" op="lte"/>
+              <dgm:constr type="primFontSz" for="des" forName="Child4" refType="primFontSz" refFor="des" refForName="Parent6" op="lte"/>
+              <dgm:constr type="primFontSz" for="des" forName="Child5" refType="primFontSz" refFor="des" refForName="Parent6" op="lte"/>
+              <dgm:constr type="primFontSz" for="des" forName="Child6" refType="primFontSz" refFor="des" refForName="Parent6" op="lte"/>
+              <dgm:constr type="primFontSz" for="des" forName="Parent2" refType="primFontSz" refFor="des" refForName="Parent1" op="equ"/>
+              <dgm:constr type="primFontSz" for="des" forName="Parent3" refType="primFontSz" refFor="des" refForName="Parent1" op="equ"/>
+              <dgm:constr type="primFontSz" for="des" forName="Parent4" refType="primFontSz" refFor="des" refForName="Parent1" op="equ"/>
+              <dgm:constr type="primFontSz" for="des" forName="Parent5" refType="primFontSz" refFor="des" refForName="Parent1" op="equ"/>
+              <dgm:constr type="primFontSz" for="des" forName="Parent6" refType="primFontSz" refFor="des" refForName="Parent1" op="equ"/>
+              <dgm:constr type="primFontSz" for="des" forName="Child2" refType="primFontSz" refFor="des" refForName="Child1" op="equ"/>
+              <dgm:constr type="primFontSz" for="des" forName="Child3" refType="primFontSz" refFor="des" refForName="Child1" op="equ"/>
+              <dgm:constr type="primFontSz" for="des" forName="Child4" refType="primFontSz" refFor="des" refForName="Child1" op="equ"/>
+              <dgm:constr type="primFontSz" for="des" forName="Child5" refType="primFontSz" refFor="des" refForName="Child1" op="equ"/>
+              <dgm:constr type="primFontSz" for="des" forName="Child6" refType="primFontSz" refFor="des" refForName="Child1" op="equ"/>
+              <dgm:constr type="l" for="ch" forName="Accent1" refType="w" fact="0.1481"/>
+              <dgm:constr type="t" for="ch" forName="Accent1" refType="h" fact="0"/>
+              <dgm:constr type="w" for="ch" forName="Accent1" refType="w" fact="0.5331"/>
+              <dgm:constr type="h" for="ch" forName="Accent1" refType="h" fact="0.2629"/>
+              <dgm:constr type="l" for="ch" forName="Accent2" refType="w" fact="0"/>
+              <dgm:constr type="t" for="ch" forName="Accent2" refType="h" fact="0.1511"/>
+              <dgm:constr type="w" for="ch" forName="Accent2" refType="w" fact="0.5331"/>
+              <dgm:constr type="h" for="ch" forName="Accent2" refType="h" fact="0.2629"/>
+              <dgm:constr type="l" for="ch" forName="Accent3" refType="w" fact="0.1481"/>
+              <dgm:constr type="t" for="ch" forName="Accent3" refType="h" fact="0.3027"/>
+              <dgm:constr type="w" for="ch" forName="Accent3" refType="w" fact="0.5331"/>
+              <dgm:constr type="h" for="ch" forName="Accent3" refType="h" fact="0.2629"/>
+              <dgm:constr type="l" for="ch" forName="Accent4" refType="w" fact="0"/>
+              <dgm:constr type="t" for="ch" forName="Accent4" refType="h" fact="0.4541"/>
+              <dgm:constr type="w" for="ch" forName="Accent4" refType="w" fact="0.5331"/>
+              <dgm:constr type="h" for="ch" forName="Accent4" refType="h" fact="0.2629"/>
+              <dgm:constr type="l" for="ch" forName="Parent1" refType="w" fact="0.2658"/>
+              <dgm:constr type="t" for="ch" forName="Parent1" refType="h" fact="0.0952"/>
+              <dgm:constr type="w" for="ch" forName="Parent1" refType="w" fact="0.2975"/>
+              <dgm:constr type="h" for="ch" forName="Parent1" refType="h" fact="0.0733"/>
+              <dgm:constr type="l" for="ch" forName="Parent2" refType="w" fact="0.1171"/>
+              <dgm:constr type="t" for="ch" forName="Parent2" refType="h" fact="0.2466"/>
+              <dgm:constr type="w" for="ch" forName="Parent2" refType="w" fact="0.2975"/>
+              <dgm:constr type="h" for="ch" forName="Parent2" refType="h" fact="0.0733"/>
+              <dgm:constr type="l" for="ch" forName="Parent3" refType="w" fact="0.2658"/>
+              <dgm:constr type="t" for="ch" forName="Parent3" refType="h" fact="0.3979"/>
+              <dgm:constr type="w" for="ch" forName="Parent3" refType="w" fact="0.2975"/>
+              <dgm:constr type="h" for="ch" forName="Parent3" refType="h" fact="0.0733"/>
+              <dgm:constr type="l" for="ch" forName="Parent4" refType="w" fact="0.1171"/>
+              <dgm:constr type="t" for="ch" forName="Parent4" refType="h" fact="0.5493"/>
+              <dgm:constr type="w" for="ch" forName="Parent4" refType="w" fact="0.2975"/>
+              <dgm:constr type="h" for="ch" forName="Parent4" refType="h" fact="0.0733"/>
+              <dgm:constr type="l" for="ch" forName="Child1" refType="w" fact="0.6804"/>
+              <dgm:constr type="t" for="ch" forName="Child1" refType="h" fact="0.078"/>
+              <dgm:constr type="w" for="ch" forName="Child1" refType="w" fact="0.3196"/>
+              <dgm:constr type="h" for="ch" forName="Child1" refType="h" fact="0.1046"/>
+              <dgm:constr type="l" for="ch" forName="Child2" refType="w" fact="0.5348"/>
+              <dgm:constr type="t" for="ch" forName="Child2" refType="h" fact="0.231"/>
+              <dgm:constr type="w" for="ch" forName="Child2" refType="w" fact="0.3196"/>
+              <dgm:constr type="h" for="ch" forName="Child2" refType="h" fact="0.1046"/>
+              <dgm:constr type="l" for="ch" forName="Child3" refType="w" fact="0.6804"/>
+              <dgm:constr type="t" for="ch" forName="Child3" refType="h" fact="0.3808"/>
+              <dgm:constr type="w" for="ch" forName="Child3" refType="w" fact="0.3196"/>
+              <dgm:constr type="h" for="ch" forName="Child3" refType="h" fact="0.1046"/>
+              <dgm:constr type="l" for="ch" forName="Child4" refType="w" fact="0.5348"/>
+              <dgm:constr type="t" for="ch" forName="Child4" refType="h" fact="0.5322"/>
+              <dgm:constr type="w" for="ch" forName="Child4" refType="w" fact="0.3196"/>
+              <dgm:constr type="h" for="ch" forName="Child4" refType="h" fact="0.1046"/>
+              <dgm:constr type="l" for="ch" forName="Accent5" refType="w" fact="0.1481"/>
+              <dgm:constr type="t" for="ch" forName="Accent5" refType="h" fact="0.6053"/>
+              <dgm:constr type="w" for="ch" forName="Accent5" refType="w" fact="0.5331"/>
+              <dgm:constr type="h" for="ch" forName="Accent5" refType="h" fact="0.2629"/>
+              <dgm:constr type="l" for="ch" forName="Accent6" refType="w" fact="0.038"/>
+              <dgm:constr type="t" for="ch" forName="Accent6" refType="h" fact="0.774"/>
+              <dgm:constr type="w" for="ch" forName="Accent6" refType="w" fact="0.458"/>
+              <dgm:constr type="h" for="ch" forName="Accent6" refType="h" fact="0.226"/>
+              <dgm:constr type="l" for="ch" forName="Parent5" refType="w" fact="0.2658"/>
+              <dgm:constr type="t" for="ch" forName="Parent5" refType="h" fact="0.7005"/>
+              <dgm:constr type="w" for="ch" forName="Parent5" refType="w" fact="0.2975"/>
+              <dgm:constr type="h" for="ch" forName="Parent5" refType="h" fact="0.0733"/>
+              <dgm:constr type="l" for="ch" forName="Parent6" refType="w" fact="0.1171"/>
+              <dgm:constr type="t" for="ch" forName="Parent6" refType="h" fact="0.8519"/>
+              <dgm:constr type="w" for="ch" forName="Parent6" refType="w" fact="0.2975"/>
+              <dgm:constr type="h" for="ch" forName="Parent6" refType="h" fact="0.0733"/>
+              <dgm:constr type="l" for="ch" forName="Child5" refType="w" fact="0.6804"/>
+              <dgm:constr type="t" for="ch" forName="Child5" refType="h" fact="0.6833"/>
+              <dgm:constr type="w" for="ch" forName="Child5" refType="w" fact="0.3196"/>
+              <dgm:constr type="h" for="ch" forName="Child5" refType="h" fact="0.1046"/>
+              <dgm:constr type="l" for="ch" forName="Child6" refType="w" fact="0.5348"/>
+              <dgm:constr type="t" for="ch" forName="Child6" refType="h" fact="0.8347"/>
+              <dgm:constr type="w" for="ch" forName="Child6" refType="w" fact="0.3196"/>
+              <dgm:constr type="h" for="ch" forName="Child6" refType="h" fact="0.1046"/>
+            </dgm:constrLst>
+          </dgm:if>
+          <dgm:else name="Name10">
+            <dgm:alg type="composite">
+              <dgm:param type="ar" val="0.4284"/>
+            </dgm:alg>
+            <dgm:constrLst>
+              <dgm:constr type="primFontSz" for="des" forName="Child1" val="65"/>
+              <dgm:constr type="primFontSz" for="des" forName="Parent1" val="65"/>
+              <dgm:constr type="primFontSz" for="des" forName="Child1" refType="primFontSz" refFor="des" refForName="Parent1" op="lte"/>
+              <dgm:constr type="primFontSz" for="des" forName="Child2" refType="primFontSz" refFor="des" refForName="Parent1" op="lte"/>
+              <dgm:constr type="primFontSz" for="des" forName="Child3" refType="primFontSz" refFor="des" refForName="Parent1" op="lte"/>
+              <dgm:constr type="primFontSz" for="des" forName="Child4" refType="primFontSz" refFor="des" refForName="Parent1" op="lte"/>
+              <dgm:constr type="primFontSz" for="des" forName="Child5" refType="primFontSz" refFor="des" refForName="Parent1" op="lte"/>
+              <dgm:constr type="primFontSz" for="des" forName="Child6" refType="primFontSz" refFor="des" refForName="Parent1" op="lte"/>
+              <dgm:constr type="primFontSz" for="des" forName="Child7" refType="primFontSz" refFor="des" refForName="Parent1" op="lte"/>
+              <dgm:constr type="primFontSz" for="des" forName="Child1" refType="primFontSz" refFor="des" refForName="Parent2" op="lte"/>
+              <dgm:constr type="primFontSz" for="des" forName="Child2" refType="primFontSz" refFor="des" refForName="Parent2" op="lte"/>
+              <dgm:constr type="primFontSz" for="des" forName="Child3" refType="primFontSz" refFor="des" refForName="Parent2" op="lte"/>
+              <dgm:constr type="primFontSz" for="des" forName="Child4" refType="primFontSz" refFor="des" refForName="Parent2" op="lte"/>
+              <dgm:constr type="primFontSz" for="des" forName="Child5" refType="primFontSz" refFor="des" refForName="Parent2" op="lte"/>
+              <dgm:constr type="primFontSz" for="des" forName="Child6" refType="primFontSz" refFor="des" refForName="Parent2" op="lte"/>
+              <dgm:constr type="primFontSz" for="des" forName="Child7" refType="primFontSz" refFor="des" refForName="Parent2" op="lte"/>
+              <dgm:constr type="primFontSz" for="des" forName="Child1" refType="primFontSz" refFor="des" refForName="Parent3" op="lte"/>
+              <dgm:constr type="primFontSz" for="des" forName="Child2" refType="primFontSz" refFor="des" refForName="Parent3" op="lte"/>
+              <dgm:constr type="primFontSz" for="des" forName="Child3" refType="primFontSz" refFor="des" refForName="Parent3" op="lte"/>
+              <dgm:constr type="primFontSz" for="des" forName="Child4" refType="primFontSz" refFor="des" refForName="Parent3" op="lte"/>
+              <dgm:constr type="primFontSz" for="des" forName="Child5" refType="primFontSz" refFor="des" refForName="Parent3" op="lte"/>
+              <dgm:constr type="primFontSz" for="des" forName="Child6" refType="primFontSz" refFor="des" refForName="Parent3" op="lte"/>
+              <dgm:constr type="primFontSz" for="des" forName="Child7" refType="primFontSz" refFor="des" refForName="Parent3" op="lte"/>
+              <dgm:constr type="primFontSz" for="des" forName="Child1" refType="primFontSz" refFor="des" refForName="Parent4" op="lte"/>
+              <dgm:constr type="primFontSz" for="des" forName="Child2" refType="primFontSz" refFor="des" refForName="Parent4" op="lte"/>
+              <dgm:constr type="primFontSz" for="des" forName="Child3" refType="primFontSz" refFor="des" refForName="Parent4" op="lte"/>
+              <dgm:constr type="primFontSz" for="des" forName="Child4" refType="primFontSz" refFor="des" refForName="Parent4" op="lte"/>
+              <dgm:constr type="primFontSz" for="des" forName="Child5" refType="primFontSz" refFor="des" refForName="Parent4" op="lte"/>
+              <dgm:constr type="primFontSz" for="des" forName="Child6" refType="primFontSz" refFor="des" refForName="Parent4" op="lte"/>
+              <dgm:constr type="primFontSz" for="des" forName="Child7" refType="primFontSz" refFor="des" refForName="Parent4" op="lte"/>
+              <dgm:constr type="primFontSz" for="des" forName="Child1" refType="primFontSz" refFor="des" refForName="Parent5" op="lte"/>
+              <dgm:constr type="primFontSz" for="des" forName="Child2" refType="primFontSz" refFor="des" refForName="Parent5" op="lte"/>
+              <dgm:constr type="primFontSz" for="des" forName="Child3" refType="primFontSz" refFor="des" refForName="Parent5" op="lte"/>
+              <dgm:constr type="primFontSz" for="des" forName="Child4" refType="primFontSz" refFor="des" refForName="Parent5" op="lte"/>
+              <dgm:constr type="primFontSz" for="des" forName="Child5" refType="primFontSz" refFor="des" refForName="Parent5" op="lte"/>
+              <dgm:constr type="primFontSz" for="des" forName="Child6" refType="primFontSz" refFor="des" refForName="Parent5" op="lte"/>
+              <dgm:constr type="primFontSz" for="des" forName="Child7" refType="primFontSz" refFor="des" refForName="Parent5" op="lte"/>
+              <dgm:constr type="primFontSz" for="des" forName="Child1" refType="primFontSz" refFor="des" refForName="Parent6" op="lte"/>
+              <dgm:constr type="primFontSz" for="des" forName="Child2" refType="primFontSz" refFor="des" refForName="Parent6" op="lte"/>
+              <dgm:constr type="primFontSz" for="des" forName="Child3" refType="primFontSz" refFor="des" refForName="Parent6" op="lte"/>
+              <dgm:constr type="primFontSz" for="des" forName="Child4" refType="primFontSz" refFor="des" refForName="Parent6" op="lte"/>
+              <dgm:constr type="primFontSz" for="des" forName="Child5" refType="primFontSz" refFor="des" refForName="Parent6" op="lte"/>
+              <dgm:constr type="primFontSz" for="des" forName="Child6" refType="primFontSz" refFor="des" refForName="Parent6" op="lte"/>
+              <dgm:constr type="primFontSz" for="des" forName="Child7" refType="primFontSz" refFor="des" refForName="Parent6" op="lte"/>
+              <dgm:constr type="primFontSz" for="des" forName="Child1" refType="primFontSz" refFor="des" refForName="Parent7" op="lte"/>
+              <dgm:constr type="primFontSz" for="des" forName="Child2" refType="primFontSz" refFor="des" refForName="Parent7" op="lte"/>
+              <dgm:constr type="primFontSz" for="des" forName="Child3" refType="primFontSz" refFor="des" refForName="Parent7" op="lte"/>
+              <dgm:constr type="primFontSz" for="des" forName="Child4" refType="primFontSz" refFor="des" refForName="Parent7" op="lte"/>
+              <dgm:constr type="primFontSz" for="des" forName="Child5" refType="primFontSz" refFor="des" refForName="Parent7" op="lte"/>
+              <dgm:constr type="primFontSz" for="des" forName="Child6" refType="primFontSz" refFor="des" refForName="Parent7" op="lte"/>
+              <dgm:constr type="primFontSz" for="des" forName="Child7" refType="primFontSz" refFor="des" refForName="Parent7" op="lte"/>
+              <dgm:constr type="primFontSz" for="des" forName="Parent2" refType="primFontSz" refFor="des" refForName="Parent1" op="equ"/>
+              <dgm:constr type="primFontSz" for="des" forName="Parent3" refType="primFontSz" refFor="des" refForName="Parent1" op="equ"/>
+              <dgm:constr type="primFontSz" for="des" forName="Parent4" refType="primFontSz" refFor="des" refForName="Parent1" op="equ"/>
+              <dgm:constr type="primFontSz" for="des" forName="Parent5" refType="primFontSz" refFor="des" refForName="Parent1" op="equ"/>
+              <dgm:constr type="primFontSz" for="des" forName="Parent6" refType="primFontSz" refFor="des" refForName="Parent1" op="equ"/>
+              <dgm:constr type="primFontSz" for="des" forName="Parent7" refType="primFontSz" refFor="des" refForName="Parent1" op="equ"/>
+              <dgm:constr type="primFontSz" for="des" forName="Child2" refType="primFontSz" refFor="des" refForName="Child1" op="equ"/>
+              <dgm:constr type="primFontSz" for="des" forName="Child3" refType="primFontSz" refFor="des" refForName="Child1" op="equ"/>
+              <dgm:constr type="primFontSz" for="des" forName="Child4" refType="primFontSz" refFor="des" refForName="Child1" op="equ"/>
+              <dgm:constr type="primFontSz" for="des" forName="Child5" refType="primFontSz" refFor="des" refForName="Child1" op="equ"/>
+              <dgm:constr type="primFontSz" for="des" forName="Child6" refType="primFontSz" refFor="des" refForName="Child1" op="equ"/>
+              <dgm:constr type="primFontSz" for="des" forName="Child7" refType="primFontSz" refFor="des" refForName="Child1" op="equ"/>
+              <dgm:constr type="l" for="ch" forName="Accent1" refType="w" fact="0.1481"/>
+              <dgm:constr type="t" for="ch" forName="Accent1" refType="h" fact="0"/>
+              <dgm:constr type="w" for="ch" forName="Accent1" refType="w" fact="0.5331"/>
+              <dgm:constr type="h" for="ch" forName="Accent1" refType="h" fact="0.2284"/>
+              <dgm:constr type="l" for="ch" forName="Accent2" refType="w" fact="0"/>
+              <dgm:constr type="t" for="ch" forName="Accent2" refType="h" fact="0.1312"/>
+              <dgm:constr type="w" for="ch" forName="Accent2" refType="w" fact="0.5331"/>
+              <dgm:constr type="h" for="ch" forName="Accent2" refType="h" fact="0.2284"/>
+              <dgm:constr type="l" for="ch" forName="Accent3" refType="w" fact="0.1481"/>
+              <dgm:constr type="t" for="ch" forName="Accent3" refType="h" fact="0.263"/>
+              <dgm:constr type="w" for="ch" forName="Accent3" refType="w" fact="0.5331"/>
+              <dgm:constr type="h" for="ch" forName="Accent3" refType="h" fact="0.2284"/>
+              <dgm:constr type="l" for="ch" forName="Accent4" refType="w" fact="0"/>
+              <dgm:constr type="t" for="ch" forName="Accent4" refType="h" fact="0.3945"/>
+              <dgm:constr type="w" for="ch" forName="Accent4" refType="w" fact="0.5331"/>
+              <dgm:constr type="h" for="ch" forName="Accent4" refType="h" fact="0.2284"/>
+              <dgm:constr type="l" for="ch" forName="Parent1" refType="w" fact="0.2658"/>
+              <dgm:constr type="t" for="ch" forName="Parent1" refType="h" fact="0.0827"/>
+              <dgm:constr type="w" for="ch" forName="Parent1" refType="w" fact="0.2975"/>
+              <dgm:constr type="h" for="ch" forName="Parent1" refType="h" fact="0.0637"/>
+              <dgm:constr type="l" for="ch" forName="Parent2" refType="w" fact="0.1171"/>
+              <dgm:constr type="t" for="ch" forName="Parent2" refType="h" fact="0.2142"/>
+              <dgm:constr type="w" for="ch" forName="Parent2" refType="w" fact="0.2975"/>
+              <dgm:constr type="h" for="ch" forName="Parent2" refType="h" fact="0.0637"/>
+              <dgm:constr type="l" for="ch" forName="Parent3" refType="w" fact="0.2658"/>
+              <dgm:constr type="t" for="ch" forName="Parent3" refType="h" fact="0.3457"/>
+              <dgm:constr type="w" for="ch" forName="Parent3" refType="w" fact="0.2975"/>
+              <dgm:constr type="h" for="ch" forName="Parent3" refType="h" fact="0.0637"/>
+              <dgm:constr type="l" for="ch" forName="Parent4" refType="w" fact="0.1171"/>
+              <dgm:constr type="t" for="ch" forName="Parent4" refType="h" fact="0.4772"/>
+              <dgm:constr type="w" for="ch" forName="Parent4" refType="w" fact="0.2975"/>
+              <dgm:constr type="h" for="ch" forName="Parent4" refType="h" fact="0.0637"/>
+              <dgm:constr type="l" for="ch" forName="Child1" refType="w" fact="0.6804"/>
+              <dgm:constr type="t" for="ch" forName="Child1" refType="h" fact="0.0678"/>
+              <dgm:constr type="w" for="ch" forName="Child1" refType="w" fact="0.3196"/>
+              <dgm:constr type="h" for="ch" forName="Child1" refType="h" fact="0.0908"/>
+              <dgm:constr type="l" for="ch" forName="Child2" refType="w" fact="0.5348"/>
+              <dgm:constr type="t" for="ch" forName="Child2" refType="h" fact="0.2006"/>
+              <dgm:constr type="w" for="ch" forName="Child2" refType="w" fact="0.3196"/>
+              <dgm:constr type="h" for="ch" forName="Child2" refType="h" fact="0.0908"/>
+              <dgm:constr type="l" for="ch" forName="Child3" refType="w" fact="0.6804"/>
+              <dgm:constr type="t" for="ch" forName="Child3" refType="h" fact="0.3308"/>
+              <dgm:constr type="w" for="ch" forName="Child3" refType="w" fact="0.3196"/>
+              <dgm:constr type="h" for="ch" forName="Child3" refType="h" fact="0.0908"/>
+              <dgm:constr type="l" for="ch" forName="Child4" refType="w" fact="0.5348"/>
+              <dgm:constr type="t" for="ch" forName="Child4" refType="h" fact="0.4623"/>
+              <dgm:constr type="w" for="ch" forName="Child4" refType="w" fact="0.3196"/>
+              <dgm:constr type="h" for="ch" forName="Child4" refType="h" fact="0.0908"/>
+              <dgm:constr type="l" for="ch" forName="Accent5" refType="w" fact="0.1481"/>
+              <dgm:constr type="t" for="ch" forName="Accent5" refType="h" fact="0.5258"/>
+              <dgm:constr type="w" for="ch" forName="Accent5" refType="w" fact="0.5331"/>
+              <dgm:constr type="h" for="ch" forName="Accent5" refType="h" fact="0.2284"/>
+              <dgm:constr type="l" for="ch" forName="Accent6" refType="w" fact="0"/>
+              <dgm:constr type="t" for="ch" forName="Accent6" refType="h" fact="0.6573"/>
+              <dgm:constr type="w" for="ch" forName="Accent6" refType="w" fact="0.5331"/>
+              <dgm:constr type="h" for="ch" forName="Accent6" refType="h" fact="0.2284"/>
+              <dgm:constr type="l" for="ch" forName="Accent7" refType="w" fact="0.186"/>
+              <dgm:constr type="t" for="ch" forName="Accent7" refType="h" fact="0.8037"/>
+              <dgm:constr type="w" for="ch" forName="Accent7" refType="w" fact="0.458"/>
+              <dgm:constr type="h" for="ch" forName="Accent7" refType="h" fact="0.1963"/>
+              <dgm:constr type="l" for="ch" forName="Parent5" refType="w" fact="0.2658"/>
+              <dgm:constr type="t" for="ch" forName="Parent5" refType="h" fact="0.6085"/>
+              <dgm:constr type="w" for="ch" forName="Parent5" refType="w" fact="0.2975"/>
+              <dgm:constr type="h" for="ch" forName="Parent5" refType="h" fact="0.0637"/>
+              <dgm:constr type="l" for="ch" forName="Parent6" refType="w" fact="0.1171"/>
+              <dgm:constr type="t" for="ch" forName="Parent6" refType="h" fact="0.74"/>
+              <dgm:constr type="w" for="ch" forName="Parent6" refType="w" fact="0.2975"/>
+              <dgm:constr type="h" for="ch" forName="Parent6" refType="h" fact="0.0637"/>
+              <dgm:constr type="l" for="ch" forName="Parent7" refType="w" fact="0.2658"/>
+              <dgm:constr type="t" for="ch" forName="Parent7" refType="h" fact="0.8715"/>
+              <dgm:constr type="w" for="ch" forName="Parent7" refType="w" fact="0.2975"/>
+              <dgm:constr type="h" for="ch" forName="Parent7" refType="h" fact="0.0637"/>
+              <dgm:constr type="l" for="ch" forName="Child5" refType="w" fact="0.6804"/>
+              <dgm:constr type="t" for="ch" forName="Child5" refType="h" fact="0.5936"/>
+              <dgm:constr type="w" for="ch" forName="Child5" refType="w" fact="0.3196"/>
+              <dgm:constr type="h" for="ch" forName="Child5" refType="h" fact="0.0908"/>
+              <dgm:constr type="l" for="ch" forName="Child6" refType="w" fact="0.5348"/>
+              <dgm:constr type="t" for="ch" forName="Child6" refType="h" fact="0.7251"/>
+              <dgm:constr type="w" for="ch" forName="Child6" refType="w" fact="0.3196"/>
+              <dgm:constr type="h" for="ch" forName="Child6" refType="h" fact="0.0908"/>
+              <dgm:constr type="l" for="ch" forName="Child7" refType="w" fact="0.6804"/>
+              <dgm:constr type="t" for="ch" forName="Child7" refType="h" fact="0.8579"/>
+              <dgm:constr type="w" for="ch" forName="Child7" refType="w" fact="0.3196"/>
+              <dgm:constr type="h" for="ch" forName="Child7" refType="h" fact="0.0908"/>
+            </dgm:constrLst>
+          </dgm:else>
+        </dgm:choose>
+      </dgm:if>
+      <dgm:else name="Name11">
+        <dgm:choose name="Name12">
+          <dgm:if name="Name13" axis="ch" ptType="node" func="cnt" op="equ" val="1">
+            <dgm:alg type="composite">
+              <dgm:param type="ar" val="1.5999"/>
+            </dgm:alg>
+            <dgm:constrLst>
+              <dgm:constr type="primFontSz" for="des" forName="Child1" val="65"/>
+              <dgm:constr type="primFontSz" for="des" forName="Parent1" val="65"/>
+              <dgm:constr type="primFontSz" for="des" forName="Child1" refType="primFontSz" refFor="des" refForName="Parent1" op="lte"/>
+              <dgm:constr type="l" for="ch" forName="Child1" refType="w" fact="0.625"/>
+              <dgm:constr type="t" for="ch" forName="Child1" refType="h" fact="0.2981"/>
+              <dgm:constr type="w" for="ch" forName="Child1" refType="w" fact="0.375"/>
+              <dgm:constr type="h" for="ch" forName="Child1" refType="h" fact="0.4001"/>
+              <dgm:constr type="l" for="ch" forName="Accent1" refType="w" fact="0"/>
+              <dgm:constr type="t" for="ch" forName="Accent1" refType="h" fact="0"/>
+              <dgm:constr type="w" for="ch" forName="Accent1" refType="w" fact="0.6249"/>
+              <dgm:constr type="h" for="ch" forName="Accent1" refType="h"/>
+              <dgm:constr type="l" for="ch" forName="Parent1" refType="w" fact="0.138"/>
+              <dgm:constr type="t" for="ch" forName="Parent1" refType="h" fact="0.362"/>
+              <dgm:constr type="w" for="ch" forName="Parent1" refType="w" fact="0.3487"/>
+              <dgm:constr type="h" for="ch" forName="Parent1" refType="h" fact="0.2789"/>
+            </dgm:constrLst>
+          </dgm:if>
+          <dgm:if name="Name14" axis="ch" ptType="node" func="cnt" op="equ" val="2">
+            <dgm:alg type="composite">
+              <dgm:param type="ar" val="1.2026"/>
+            </dgm:alg>
+            <dgm:constrLst>
+              <dgm:constr type="primFontSz" for="des" forName="Child1" val="65"/>
+              <dgm:constr type="primFontSz" for="des" forName="Parent1" val="65"/>
+              <dgm:constr type="primFontSz" for="des" forName="Child1" refType="primFontSz" refFor="des" refForName="Parent1" op="lte"/>
+              <dgm:constr type="primFontSz" for="des" forName="Child2" refType="primFontSz" refFor="des" refForName="Parent1" op="lte"/>
+              <dgm:constr type="primFontSz" for="des" forName="Child1" refType="primFontSz" refFor="des" refForName="Parent2" op="lte"/>
+              <dgm:constr type="primFontSz" for="des" forName="Child2" refType="primFontSz" refFor="des" refForName="Parent2" op="lte"/>
+              <dgm:constr type="primFontSz" for="des" forName="Parent2" refType="primFontSz" refFor="des" refForName="Parent1" op="equ"/>
+              <dgm:constr type="primFontSz" for="des" forName="Child2" refType="primFontSz" refFor="des" refForName="Child1" op="equ"/>
+              <dgm:constr type="l" for="ch" forName="Accent1" refType="w" fact="-0.0407"/>
+              <dgm:constr type="t" for="ch" forName="Accent1" refType="h" fact="0"/>
+              <dgm:constr type="w" for="ch" forName="Accent1" refType="w" fact="0.5542"/>
+              <dgm:constr type="h" for="ch" forName="Accent1" refType="h" fact="0.6665"/>
+              <dgm:constr type="l" for="ch" forName="Accent2" refType="w" fact="0.1533"/>
+              <dgm:constr type="t" for="ch" forName="Accent2" refType="h" fact="0.4272"/>
+              <dgm:constr type="w" for="ch" forName="Accent2" refType="w" fact="0.4761"/>
+              <dgm:constr type="h" for="ch" forName="Accent2" refType="h" fact="0.5728"/>
+              <dgm:constr type="l" for="ch" forName="Parent1" refType="w" fact="0.0822"/>
+              <dgm:constr type="t" for="ch" forName="Parent1" refType="h" fact="0.2413"/>
+              <dgm:constr type="w" for="ch" forName="Parent1" refType="w" fact="0.3092"/>
+              <dgm:constr type="h" for="ch" forName="Parent1" refType="h" fact="0.1859"/>
+              <dgm:constr type="l" for="ch" forName="Parent2" refType="w" fact="0.2368"/>
+              <dgm:constr type="t" for="ch" forName="Parent2" refType="h" fact="0.625"/>
+              <dgm:constr type="w" for="ch" forName="Parent2" refType="w" fact="0.3092"/>
+              <dgm:constr type="h" for="ch" forName="Parent2" refType="h" fact="0.1859"/>
+              <dgm:constr type="l" for="ch" forName="Child1" refType="w" fact="0.5164"/>
+              <dgm:constr type="t" for="ch" forName="Child1" refType="h" fact="0.1978"/>
+              <dgm:constr type="w" for="ch" forName="Child1" refType="w" fact="0.3322"/>
+              <dgm:constr type="h" for="ch" forName="Child1" refType="h" fact="0.265"/>
+              <dgm:constr type="l" for="ch" forName="Child2" refType="w" fact="0.6678"/>
+              <dgm:constr type="t" for="ch" forName="Child2" refType="h" fact="0.5855"/>
+              <dgm:constr type="w" for="ch" forName="Child2" refType="w" fact="0.3322"/>
+              <dgm:constr type="h" for="ch" forName="Child2" refType="h" fact="0.265"/>
+            </dgm:constrLst>
+          </dgm:if>
+          <dgm:if name="Name15" axis="ch" ptType="node" func="cnt" op="equ" val="3">
+            <dgm:alg type="composite">
+              <dgm:param type="ar" val="0.9039"/>
+            </dgm:alg>
+            <dgm:shape xmlns:r="http://schemas.openxmlformats.org/officeDocument/2006/relationships" r:blip="">
+              <dgm:adjLst/>
+            </dgm:shape>
+            <dgm:constrLst>
+              <dgm:constr type="primFontSz" for="des" forName="Child1" val="65"/>
+              <dgm:constr type="primFontSz" for="des" forName="Parent1" val="65"/>
+              <dgm:constr type="primFontSz" for="des" forName="Child1" refType="primFontSz" refFor="des" refForName="Parent1" op="lte"/>
+              <dgm:constr type="primFontSz" for="des" forName="Child2" refType="primFontSz" refFor="des" refForName="Parent1" op="lte"/>
+              <dgm:constr type="primFontSz" for="des" forName="Child3" refType="primFontSz" refFor="des" refForName="Parent1" op="lte"/>
+              <dgm:constr type="primFontSz" for="des" forName="Child1" refType="primFontSz" refFor="des" refForName="Parent2" op="lte"/>
+              <dgm:constr type="primFontSz" for="des" forName="Child2" refType="primFontSz" refFor="des" refForName="Parent2" op="lte"/>
+              <dgm:constr type="primFontSz" for="des" forName="Child3" refType="primFontSz" refFor="des" refForName="Parent2" op="lte"/>
+              <dgm:constr type="primFontSz" for="des" forName="Child1" refType="primFontSz" refFor="des" refForName="Parent3" op="lte"/>
+              <dgm:constr type="primFontSz" for="des" forName="Child2" refType="primFontSz" refFor="des" refForName="Parent3" op="lte"/>
+              <dgm:constr type="primFontSz" for="des" forName="Child3" refType="primFontSz" refFor="des" refForName="Parent3" op="lte"/>
+              <dgm:constr type="primFontSz" for="des" forName="Parent2" refType="primFontSz" refFor="des" refForName="Parent1" op="equ"/>
+              <dgm:constr type="primFontSz" for="des" forName="Parent3" refType="primFontSz" refFor="des" refForName="Parent1" op="equ"/>
+              <dgm:constr type="primFontSz" for="des" forName="Child2" refType="primFontSz" refFor="des" refForName="Child1" op="equ"/>
+              <dgm:constr type="primFontSz" for="des" forName="Child3" refType="primFontSz" refFor="des" refForName="Child1" op="equ"/>
+              <dgm:constr type="l" for="ch" forName="Accent1" refType="w" fact="0"/>
+              <dgm:constr type="t" for="ch" forName="Accent1" refType="h" fact="0"/>
+              <dgm:constr type="w" for="ch" forName="Accent1" refType="w" fact="0.5325"/>
+              <dgm:constr type="h" for="ch" forName="Accent1" refType="h" fact="0.4814"/>
+              <dgm:constr type="l" for="ch" forName="Accent2" refType="w" fact="0.1479"/>
+              <dgm:constr type="t" for="ch" forName="Accent2" refType="h" fact="0.2766"/>
+              <dgm:constr type="w" for="ch" forName="Accent2" refType="w" fact="0.5325"/>
+              <dgm:constr type="h" for="ch" forName="Accent2" refType="h" fact="0.4814"/>
+              <dgm:constr type="l" for="ch" forName="Accent3" refType="w" fact="0.0378"/>
+              <dgm:constr type="t" for="ch" forName="Accent3" refType="h" fact="0.5863"/>
+              <dgm:constr type="w" for="ch" forName="Accent3" refType="w" fact="0.4575"/>
+              <dgm:constr type="h" for="ch" forName="Accent3" refType="h" fact="0.4137"/>
+              <dgm:constr type="l" for="ch" forName="Parent1" refType="w" fact="0.1183"/>
+              <dgm:constr type="t" for="ch" forName="Parent1" refType="h" fact="0.1738"/>
+              <dgm:constr type="w" for="ch" forName="Parent1" refType="w" fact="0.2959"/>
+              <dgm:constr type="h" for="ch" forName="Parent1" refType="h" fact="0.1337"/>
+              <dgm:constr type="l" for="ch" forName="Parent2" refType="w" fact="0.2656"/>
+              <dgm:constr type="t" for="ch" forName="Parent2" refType="h" fact="0.452"/>
+              <dgm:constr type="w" for="ch" forName="Parent2" refType="w" fact="0.2959"/>
+              <dgm:constr type="h" for="ch" forName="Parent2" refType="h" fact="0.1337"/>
+              <dgm:constr type="l" for="ch" forName="Parent3" refType="w" fact="0.1183"/>
+              <dgm:constr type="t" for="ch" forName="Parent3" refType="h" fact="0.7306"/>
+              <dgm:constr type="w" for="ch" forName="Parent3" refType="w" fact="0.2959"/>
+              <dgm:constr type="h" for="ch" forName="Parent3" refType="h" fact="0.1337"/>
+              <dgm:constr type="l" for="ch" forName="Child1" refType="w" fact="0.5325"/>
+              <dgm:constr type="t" for="ch" forName="Child1" refType="h" fact="0.1435"/>
+              <dgm:constr type="w" for="ch" forName="Child1" refType="w" fact="0.3195"/>
+              <dgm:constr type="h" for="ch" forName="Child1" refType="h" fact="0.1926"/>
+              <dgm:constr type="l" for="ch" forName="Child2" refType="w" fact="0.6805"/>
+              <dgm:constr type="t" for="ch" forName="Child2" refType="h" fact="0.4217"/>
+              <dgm:constr type="w" for="ch" forName="Child2" refType="w" fact="0.3195"/>
+              <dgm:constr type="h" for="ch" forName="Child2" refType="h" fact="0.1926"/>
+              <dgm:constr type="l" for="ch" forName="Child3" refType="w" fact="0.5325"/>
+              <dgm:constr type="t" for="ch" forName="Child3" refType="h" fact="0.6998"/>
+              <dgm:constr type="w" for="ch" forName="Child3" refType="w" fact="0.3195"/>
+              <dgm:constr type="h" for="ch" forName="Child3" refType="h" fact="0.1926"/>
+            </dgm:constrLst>
+          </dgm:if>
+          <dgm:if name="Name16" axis="ch" ptType="node" func="cnt" op="equ" val="4">
+            <dgm:alg type="composite">
+              <dgm:param type="ar" val="0.7073"/>
+            </dgm:alg>
+            <dgm:constrLst>
+              <dgm:constr type="primFontSz" for="des" forName="Child1" val="65"/>
+              <dgm:constr type="primFontSz" for="des" forName="Parent1" val="65"/>
+              <dgm:constr type="primFontSz" for="des" forName="Child1" refType="primFontSz" refFor="des" refForName="Parent1" op="lte"/>
+              <dgm:constr type="primFontSz" for="des" forName="Child2" refType="primFontSz" refFor="des" refForName="Parent1" op="lte"/>
+              <dgm:constr type="primFontSz" for="des" forName="Child3" refType="primFontSz" refFor="des" refForName="Parent1" op="lte"/>
+              <dgm:constr type="primFontSz" for="des" forName="Child4" refType="primFontSz" refFor="des" refForName="Parent1" op="lte"/>
+              <dgm:constr type="primFontSz" for="des" forName="Child1" refType="primFontSz" refFor="des" refForName="Parent2" op="lte"/>
+              <dgm:constr type="primFontSz" for="des" forName="Child2" refType="primFontSz" refFor="des" refForName="Parent2" op="lte"/>
+              <dgm:constr type="primFontSz" for="des" forName="Child3" refType="primFontSz" refFor="des" refForName="Parent2" op="lte"/>
+              <dgm:constr type="primFontSz" for="des" forName="Child4" refType="primFontSz" refFor="des" refForName="Parent2" op="lte"/>
+              <dgm:constr type="primFontSz" for="des" forName="Child1" refType="primFontSz" refFor="des" refForName="Parent3" op="lte"/>
+              <dgm:constr type="primFontSz" for="des" forName="Child2" refType="primFontSz" refFor="des" refForName="Parent3" op="lte"/>
+              <dgm:constr type="primFontSz" for="des" forName="Child3" refType="primFontSz" refFor="des" refForName="Parent3" op="lte"/>
+              <dgm:constr type="primFontSz" for="des" forName="Child4" refType="primFontSz" refFor="des" refForName="Parent3" op="lte"/>
+              <dgm:constr type="primFontSz" for="des" forName="Child1" refType="primFontSz" refFor="des" refForName="Parent4" op="lte"/>
+              <dgm:constr type="primFontSz" for="des" forName="Child2" refType="primFontSz" refFor="des" refForName="Parent4" op="lte"/>
+              <dgm:constr type="primFontSz" for="des" forName="Child3" refType="primFontSz" refFor="des" refForName="Parent4" op="lte"/>
+              <dgm:constr type="primFontSz" for="des" forName="Child4" refType="primFontSz" refFor="des" refForName="Parent4" op="lte"/>
+              <dgm:constr type="primFontSz" for="des" forName="Parent2" refType="primFontSz" refFor="des" refForName="Parent1" op="equ"/>
+              <dgm:constr type="primFontSz" for="des" forName="Parent3" refType="primFontSz" refFor="des" refForName="Parent1" op="equ"/>
+              <dgm:constr type="primFontSz" for="des" forName="Parent4" refType="primFontSz" refFor="des" refForName="Parent1" op="equ"/>
+              <dgm:constr type="primFontSz" for="des" forName="Child2" refType="primFontSz" refFor="des" refForName="Child1" op="equ"/>
+              <dgm:constr type="primFontSz" for="des" forName="Child3" refType="primFontSz" refFor="des" refForName="Child1" op="equ"/>
+              <dgm:constr type="primFontSz" for="des" forName="Child4" refType="primFontSz" refFor="des" refForName="Child1" op="equ"/>
+              <dgm:constr type="l" for="ch" forName="Accent1" refType="w" fact="0"/>
+              <dgm:constr type="t" for="ch" forName="Accent1" refType="h" fact="0"/>
+              <dgm:constr type="w" for="ch" forName="Accent1" refType="w" fact="0.5331"/>
+              <dgm:constr type="h" for="ch" forName="Accent1" refType="h" fact="0.3771"/>
+              <dgm:constr type="l" for="ch" forName="Accent2" refType="w" fact="0.1481"/>
+              <dgm:constr type="t" for="ch" forName="Accent2" refType="h" fact="0.2167"/>
+              <dgm:constr type="w" for="ch" forName="Accent2" refType="w" fact="0.5331"/>
+              <dgm:constr type="h" for="ch" forName="Accent2" refType="h" fact="0.3771"/>
+              <dgm:constr type="l" for="ch" forName="Accent3" refType="w" fact="0"/>
+              <dgm:constr type="t" for="ch" forName="Accent3" refType="h" fact="0.4342"/>
+              <dgm:constr type="w" for="ch" forName="Accent3" refType="w" fact="0.5331"/>
+              <dgm:constr type="h" for="ch" forName="Accent3" refType="h" fact="0.3771"/>
+              <dgm:constr type="l" for="ch" forName="Accent4" refType="w" fact="0.186"/>
+              <dgm:constr type="t" for="ch" forName="Accent4" refType="h" fact="0.6759"/>
+              <dgm:constr type="w" for="ch" forName="Accent4" refType="w" fact="0.458"/>
+              <dgm:constr type="h" for="ch" forName="Accent4" refType="h" fact="0.3241"/>
+              <dgm:constr type="l" for="ch" forName="Parent1" refType="w" fact="0.1171"/>
+              <dgm:constr type="t" for="ch" forName="Parent1" refType="h" fact="0.1365"/>
+              <dgm:constr type="w" for="ch" forName="Parent1" refType="w" fact="0.2975"/>
+              <dgm:constr type="h" for="ch" forName="Parent1" refType="h" fact="0.1052"/>
+              <dgm:constr type="l" for="ch" forName="Parent2" refType="w" fact="0.2658"/>
+              <dgm:constr type="t" for="ch" forName="Parent2" refType="h" fact="0.3536"/>
+              <dgm:constr type="w" for="ch" forName="Parent2" refType="w" fact="0.2975"/>
+              <dgm:constr type="h" for="ch" forName="Parent2" refType="h" fact="0.1052"/>
+              <dgm:constr type="l" for="ch" forName="Parent3" refType="w" fact="0.1171"/>
+              <dgm:constr type="t" for="ch" forName="Parent3" refType="h" fact="0.5707"/>
+              <dgm:constr type="w" for="ch" forName="Parent3" refType="w" fact="0.2975"/>
+              <dgm:constr type="h" for="ch" forName="Parent3" refType="h" fact="0.1052"/>
+              <dgm:constr type="l" for="ch" forName="Parent4" refType="w" fact="0.2658"/>
+              <dgm:constr type="t" for="ch" forName="Parent4" refType="h" fact="0.7878"/>
+              <dgm:constr type="w" for="ch" forName="Parent4" refType="w" fact="0.2975"/>
+              <dgm:constr type="h" for="ch" forName="Parent4" refType="h" fact="0.1052"/>
+              <dgm:constr type="l" for="ch" forName="Child1" refType="w" fact="0.5348"/>
+              <dgm:constr type="t" for="ch" forName="Child1" refType="h" fact="0.1119"/>
+              <dgm:constr type="w" for="ch" forName="Child1" refType="w" fact="0.3196"/>
+              <dgm:constr type="h" for="ch" forName="Child1" refType="h" fact="0.15"/>
+              <dgm:constr type="l" for="ch" forName="Child2" refType="w" fact="0.6804"/>
+              <dgm:constr type="t" for="ch" forName="Child2" refType="h" fact="0.3312"/>
+              <dgm:constr type="w" for="ch" forName="Child2" refType="w" fact="0.3196"/>
+              <dgm:constr type="h" for="ch" forName="Child2" refType="h" fact="0.15"/>
+              <dgm:constr type="l" for="ch" forName="Child3" refType="w" fact="0.5348"/>
+              <dgm:constr type="t" for="ch" forName="Child3" refType="h" fact="0.5461"/>
+              <dgm:constr type="w" for="ch" forName="Child3" refType="w" fact="0.3196"/>
+              <dgm:constr type="h" for="ch" forName="Child3" refType="h" fact="0.15"/>
+              <dgm:constr type="l" for="ch" forName="Child4" refType="w" fact="0.6804"/>
+              <dgm:constr type="t" for="ch" forName="Child4" refType="h" fact="0.7632"/>
+              <dgm:constr type="w" for="ch" forName="Child4" refType="w" fact="0.3196"/>
+              <dgm:constr type="h" for="ch" forName="Child4" refType="h" fact="0.15"/>
+            </dgm:constrLst>
+          </dgm:if>
+          <dgm:if name="Name17" axis="ch" ptType="node" func="cnt" op="equ" val="5">
+            <dgm:alg type="composite">
+              <dgm:param type="ar" val="0.5811"/>
+            </dgm:alg>
+            <dgm:constrLst>
+              <dgm:constr type="primFontSz" for="des" forName="Child1" val="65"/>
+              <dgm:constr type="primFontSz" for="des" forName="Parent1" val="65"/>
+              <dgm:constr type="primFontSz" for="des" forName="Child1" refType="primFontSz" refFor="des" refForName="Parent1" op="lte"/>
+              <dgm:constr type="primFontSz" for="des" forName="Child2" refType="primFontSz" refFor="des" refForName="Parent1" op="lte"/>
+              <dgm:constr type="primFontSz" for="des" forName="Child3" refType="primFontSz" refFor="des" refForName="Parent1" op="lte"/>
+              <dgm:constr type="primFontSz" for="des" forName="Child4" refType="primFontSz" refFor="des" refForName="Parent1" op="lte"/>
+              <dgm:constr type="primFontSz" for="des" forName="Child5" refType="primFontSz" refFor="des" refForName="Parent1" op="lte"/>
+              <dgm:constr type="primFontSz" for="des" forName="Child1" refType="primFontSz" refFor="des" refForName="Parent2" op="lte"/>
+              <dgm:constr type="primFontSz" for="des" forName="Child2" refType="primFontSz" refFor="des" refForName="Parent2" op="lte"/>
+              <dgm:constr type="primFontSz" for="des" forName="Child3" refType="primFontSz" refFor="des" refForName="Parent2" op="lte"/>
+              <dgm:constr type="primFontSz" for="des" forName="Child4" refType="primFontSz" refFor="des" refForName="Parent2" op="lte"/>
+              <dgm:constr type="primFontSz" for="des" forName="Child5" refType="primFontSz" refFor="des" refForName="Parent2" op="lte"/>
+              <dgm:constr type="primFontSz" for="des" forName="Child1" refType="primFontSz" refFor="des" refForName="Parent3" op="lte"/>
+              <dgm:constr type="primFontSz" for="des" forName="Child2" refType="primFontSz" refFor="des" refForName="Parent3" op="lte"/>
+              <dgm:constr type="primFontSz" for="des" forName="Child3" refType="primFontSz" refFor="des" refForName="Parent3" op="lte"/>
+              <dgm:constr type="primFontSz" for="des" forName="Child4" refType="primFontSz" refFor="des" refForName="Parent3" op="lte"/>
+              <dgm:constr type="primFontSz" for="des" forName="Child5" refType="primFontSz" refFor="des" refForName="Parent3" op="lte"/>
+              <dgm:constr type="primFontSz" for="des" forName="Child1" refType="primFontSz" refFor="des" refForName="Parent4" op="lte"/>
+              <dgm:constr type="primFontSz" for="des" forName="Child2" refType="primFontSz" refFor="des" refForName="Parent4" op="lte"/>
+              <dgm:constr type="primFontSz" for="des" forName="Child3" refType="primFontSz" refFor="des" refForName="Parent4" op="lte"/>
+              <dgm:constr type="primFontSz" for="des" forName="Child4" refType="primFontSz" refFor="des" refForName="Parent4" op="lte"/>
+              <dgm:constr type="primFontSz" for="des" forName="Child5" refType="primFontSz" refFor="des" refForName="Parent4" op="lte"/>
+              <dgm:constr type="primFontSz" for="des" forName="Child1" refType="primFontSz" refFor="des" refForName="Parent5" op="lte"/>
+              <dgm:constr type="primFontSz" for="des" forName="Child2" refType="primFontSz" refFor="des" refForName="Parent5" op="lte"/>
+              <dgm:constr type="primFontSz" for="des" forName="Child3" refType="primFontSz" refFor="des" refForName="Parent5" op="lte"/>
+              <dgm:constr type="primFontSz" for="des" forName="Child4" refType="primFontSz" refFor="des" refForName="Parent5" op="lte"/>
+              <dgm:constr type="primFontSz" for="des" forName="Child5" refType="primFontSz" refFor="des" refForName="Parent5" op="lte"/>
+              <dgm:constr type="primFontSz" for="des" forName="Parent2" refType="primFontSz" refFor="des" refForName="Parent1" op="equ"/>
+              <dgm:constr type="primFontSz" for="des" forName="Parent3" refType="primFontSz" refFor="des" refForName="Parent1" op="equ"/>
+              <dgm:constr type="primFontSz" for="des" forName="Parent4" refType="primFontSz" refFor="des" refForName="Parent1" op="equ"/>
+              <dgm:constr type="primFontSz" for="des" forName="Parent5" refType="primFontSz" refFor="des" refForName="Parent1" op="equ"/>
+              <dgm:constr type="primFontSz" for="des" forName="Child2" refType="primFontSz" refFor="des" refForName="Child1" op="equ"/>
+              <dgm:constr type="primFontSz" for="des" forName="Child3" refType="primFontSz" refFor="des" refForName="Child1" op="equ"/>
+              <dgm:constr type="primFontSz" for="des" forName="Child4" refType="primFontSz" refFor="des" refForName="Child1" op="equ"/>
+              <dgm:constr type="primFontSz" for="des" forName="Child5" refType="primFontSz" refFor="des" refForName="Child1" op="equ"/>
+              <dgm:constr type="l" for="ch" forName="Accent1" refType="w" fact="0"/>
+              <dgm:constr type="t" for="ch" forName="Accent1" refType="h" fact="0"/>
+              <dgm:constr type="w" for="ch" forName="Accent1" refType="w" fact="0.5331"/>
+              <dgm:constr type="h" for="ch" forName="Accent1" refType="h" fact="0.3098"/>
+              <dgm:constr type="l" for="ch" forName="Accent2" refType="w" fact="0.1481"/>
+              <dgm:constr type="t" for="ch" forName="Accent2" refType="h" fact="0.178"/>
+              <dgm:constr type="w" for="ch" forName="Accent2" refType="w" fact="0.5331"/>
+              <dgm:constr type="h" for="ch" forName="Accent2" refType="h" fact="0.3098"/>
+              <dgm:constr type="l" for="ch" forName="Accent3" refType="w" fact="0"/>
+              <dgm:constr type="t" for="ch" forName="Accent3" refType="h" fact="0.3568"/>
+              <dgm:constr type="w" for="ch" forName="Accent3" refType="w" fact="0.5331"/>
+              <dgm:constr type="h" for="ch" forName="Accent3" refType="h" fact="0.3098"/>
+              <dgm:constr type="l" for="ch" forName="Accent4" refType="w" fact="0.1481"/>
+              <dgm:constr type="t" for="ch" forName="Accent4" refType="h" fact="0.5351"/>
+              <dgm:constr type="w" for="ch" forName="Accent4" refType="w" fact="0.5331"/>
+              <dgm:constr type="h" for="ch" forName="Accent4" refType="h" fact="0.3098"/>
+              <dgm:constr type="l" for="ch" forName="Accent5" refType="w" fact="0.0378"/>
+              <dgm:constr type="t" for="ch" forName="Accent5" refType="h" fact="0.7337"/>
+              <dgm:constr type="w" for="ch" forName="Accent5" refType="w" fact="0.458"/>
+              <dgm:constr type="h" for="ch" forName="Accent5" refType="h" fact="0.2663"/>
+              <dgm:constr type="l" for="ch" forName="Parent1" refType="w" fact="0.1171"/>
+              <dgm:constr type="t" for="ch" forName="Parent1" refType="h" fact="0.1122"/>
+              <dgm:constr type="w" for="ch" forName="Parent1" refType="w" fact="0.2975"/>
+              <dgm:constr type="h" for="ch" forName="Parent1" refType="h" fact="0.0864"/>
+              <dgm:constr type="l" for="ch" forName="Parent2" refType="w" fact="0.2658"/>
+              <dgm:constr type="t" for="ch" forName="Parent2" refType="h" fact="0.2906"/>
+              <dgm:constr type="w" for="ch" forName="Parent2" refType="w" fact="0.2975"/>
+              <dgm:constr type="h" for="ch" forName="Parent2" refType="h" fact="0.0864"/>
+              <dgm:constr type="l" for="ch" forName="Parent3" refType="w" fact="0.1171"/>
+              <dgm:constr type="t" for="ch" forName="Parent3" refType="h" fact="0.4689"/>
+              <dgm:constr type="w" for="ch" forName="Parent3" refType="w" fact="0.2975"/>
+              <dgm:constr type="h" for="ch" forName="Parent3" refType="h" fact="0.0864"/>
+              <dgm:constr type="l" for="ch" forName="Parent4" refType="w" fact="0.2658"/>
+              <dgm:constr type="t" for="ch" forName="Parent4" refType="h" fact="0.6473"/>
+              <dgm:constr type="w" for="ch" forName="Parent4" refType="w" fact="0.2975"/>
+              <dgm:constr type="h" for="ch" forName="Parent4" refType="h" fact="0.0864"/>
+              <dgm:constr type="l" for="ch" forName="Parent5" refType="w" fact="0.1171"/>
+              <dgm:constr type="t" for="ch" forName="Parent5" refType="h" fact="0.8257"/>
+              <dgm:constr type="w" for="ch" forName="Parent5" refType="w" fact="0.2975"/>
+              <dgm:constr type="h" for="ch" forName="Parent5" refType="h" fact="0.0864"/>
+              <dgm:constr type="l" for="ch" forName="Child1" refType="w" fact="0.5348"/>
+              <dgm:constr type="t" for="ch" forName="Child1" refType="h" fact="0.0919"/>
+              <dgm:constr type="w" for="ch" forName="Child1" refType="w" fact="0.3196"/>
+              <dgm:constr type="h" for="ch" forName="Child1" refType="h" fact="0.1232"/>
+              <dgm:constr type="l" for="ch" forName="Child2" refType="w" fact="0.6804"/>
+              <dgm:constr type="t" for="ch" forName="Child2" refType="h" fact="0.2722"/>
+              <dgm:constr type="w" for="ch" forName="Child2" refType="w" fact="0.3196"/>
+              <dgm:constr type="h" for="ch" forName="Child2" refType="h" fact="0.1232"/>
+              <dgm:constr type="l" for="ch" forName="Child3" refType="w" fact="0.5348"/>
+              <dgm:constr type="t" for="ch" forName="Child3" refType="h" fact="0.4487"/>
+              <dgm:constr type="w" for="ch" forName="Child3" refType="w" fact="0.3196"/>
+              <dgm:constr type="h" for="ch" forName="Child3" refType="h" fact="0.1232"/>
+              <dgm:constr type="l" for="ch" forName="Child4" refType="w" fact="0.6804"/>
+              <dgm:constr type="t" for="ch" forName="Child4" refType="h" fact="0.6271"/>
+              <dgm:constr type="w" for="ch" forName="Child4" refType="w" fact="0.3196"/>
+              <dgm:constr type="h" for="ch" forName="Child4" refType="h" fact="0.1232"/>
+              <dgm:constr type="l" for="ch" forName="Child5" refType="w" fact="0.5348"/>
+              <dgm:constr type="t" for="ch" forName="Child5" refType="h" fact="0.8073"/>
+              <dgm:constr type="w" for="ch" forName="Child5" refType="w" fact="0.3196"/>
+              <dgm:constr type="h" for="ch" forName="Child5" refType="h" fact="0.1232"/>
+            </dgm:constrLst>
+          </dgm:if>
+          <dgm:if name="Name18" axis="ch" ptType="node" func="cnt" op="equ" val="6">
+            <dgm:alg type="composite">
+              <dgm:param type="ar" val="0.4931"/>
+            </dgm:alg>
+            <dgm:constrLst>
+              <dgm:constr type="primFontSz" for="des" forName="Child1" val="65"/>
+              <dgm:constr type="primFontSz" for="des" forName="Parent1" val="65"/>
+              <dgm:constr type="primFontSz" for="des" forName="Child1" refType="primFontSz" refFor="des" refForName="Parent1" op="lte"/>
+              <dgm:constr type="primFontSz" for="des" forName="Child2" refType="primFontSz" refFor="des" refForName="Parent1" op="lte"/>
+              <dgm:constr type="primFontSz" for="des" forName="Child3" refType="primFontSz" refFor="des" refForName="Parent1" op="lte"/>
+              <dgm:constr type="primFontSz" for="des" forName="Child4" refType="primFontSz" refFor="des" refForName="Parent1" op="lte"/>
+              <dgm:constr type="primFontSz" for="des" forName="Child5" refType="primFontSz" refFor="des" refForName="Parent1" op="lte"/>
+              <dgm:constr type="primFontSz" for="des" forName="Child6" refType="primFontSz" refFor="des" refForName="Parent1" op="lte"/>
+              <dgm:constr type="primFontSz" for="des" forName="Child1" refType="primFontSz" refFor="des" refForName="Parent2" op="lte"/>
+              <dgm:constr type="primFontSz" for="des" forName="Child2" refType="primFontSz" refFor="des" refForName="Parent2" op="lte"/>
+              <dgm:constr type="primFontSz" for="des" forName="Child3" refType="primFontSz" refFor="des" refForName="Parent2" op="lte"/>
+              <dgm:constr type="primFontSz" for="des" forName="Child4" refType="primFontSz" refFor="des" refForName="Parent2" op="lte"/>
+              <dgm:constr type="primFontSz" for="des" forName="Child5" refType="primFontSz" refFor="des" refForName="Parent2" op="lte"/>
+              <dgm:constr type="primFontSz" for="des" forName="Child6" refType="primFontSz" refFor="des" refForName="Parent2" op="lte"/>
+              <dgm:constr type="primFontSz" for="des" forName="Child1" refType="primFontSz" refFor="des" refForName="Parent3" op="lte"/>
+              <dgm:constr type="primFontSz" for="des" forName="Child2" refType="primFontSz" refFor="des" refForName="Parent3" op="lte"/>
+              <dgm:constr type="primFontSz" for="des" forName="Child3" refType="primFontSz" refFor="des" refForName="Parent3" op="lte"/>
+              <dgm:constr type="primFontSz" for="des" forName="Child4" refType="primFontSz" refFor="des" refForName="Parent3" op="lte"/>
+              <dgm:constr type="primFontSz" for="des" forName="Child5" refType="primFontSz" refFor="des" refForName="Parent3" op="lte"/>
+              <dgm:constr type="primFontSz" for="des" forName="Child6" refType="primFontSz" refFor="des" refForName="Parent3" op="lte"/>
+              <dgm:constr type="primFontSz" for="des" forName="Child1" refType="primFontSz" refFor="des" refForName="Parent4" op="lte"/>
+              <dgm:constr type="primFontSz" for="des" forName="Child2" refType="primFontSz" refFor="des" refForName="Parent4" op="lte"/>
+              <dgm:constr type="primFontSz" for="des" forName="Child3" refType="primFontSz" refFor="des" refForName="Parent4" op="lte"/>
+              <dgm:constr type="primFontSz" for="des" forName="Child4" refType="primFontSz" refFor="des" refForName="Parent4" op="lte"/>
+              <dgm:constr type="primFontSz" for="des" forName="Child5" refType="primFontSz" refFor="des" refForName="Parent4" op="lte"/>
+              <dgm:constr type="primFontSz" for="des" forName="Child6" refType="primFontSz" refFor="des" refForName="Parent4" op="lte"/>
+              <dgm:constr type="primFontSz" for="des" forName="Child1" refType="primFontSz" refFor="des" refForName="Parent5" op="lte"/>
+              <dgm:constr type="primFontSz" for="des" forName="Child2" refType="primFontSz" refFor="des" refForName="Parent5" op="lte"/>
+              <dgm:constr type="primFontSz" for="des" forName="Child3" refType="primFontSz" refFor="des" refForName="Parent5" op="lte"/>
+              <dgm:constr type="primFontSz" for="des" forName="Child4" refType="primFontSz" refFor="des" refForName="Parent5" op="lte"/>
+              <dgm:constr type="primFontSz" for="des" forName="Child5" refType="primFontSz" refFor="des" refForName="Parent5" op="lte"/>
+              <dgm:constr type="primFontSz" for="des" forName="Child6" refType="primFontSz" refFor="des" refForName="Parent5" op="lte"/>
+              <dgm:constr type="primFontSz" for="des" forName="Child1" refType="primFontSz" refFor="des" refForName="Parent6" op="lte"/>
+              <dgm:constr type="primFontSz" for="des" forName="Child2" refType="primFontSz" refFor="des" refForName="Parent6" op="lte"/>
+              <dgm:constr type="primFontSz" for="des" forName="Child3" refType="primFontSz" refFor="des" refForName="Parent6" op="lte"/>
+              <dgm:constr type="primFontSz" for="des" forName="Child4" refType="primFontSz" refFor="des" refForName="Parent6" op="lte"/>
+              <dgm:constr type="primFontSz" for="des" forName="Child5" refType="primFontSz" refFor="des" refForName="Parent6" op="lte"/>
+              <dgm:constr type="primFontSz" for="des" forName="Child6" refType="primFontSz" refFor="des" refForName="Parent6" op="lte"/>
+              <dgm:constr type="primFontSz" for="des" forName="Parent2" refType="primFontSz" refFor="des" refForName="Parent1" op="equ"/>
+              <dgm:constr type="primFontSz" for="des" forName="Parent3" refType="primFontSz" refFor="des" refForName="Parent1" op="equ"/>
+              <dgm:constr type="primFontSz" for="des" forName="Parent4" refType="primFontSz" refFor="des" refForName="Parent1" op="equ"/>
+              <dgm:constr type="primFontSz" for="des" forName="Parent5" refType="primFontSz" refFor="des" refForName="Parent1" op="equ"/>
+              <dgm:constr type="primFontSz" for="des" forName="Parent6" refType="primFontSz" refFor="des" refForName="Parent1" op="equ"/>
+              <dgm:constr type="primFontSz" for="des" forName="Child2" refType="primFontSz" refFor="des" refForName="Child1" op="equ"/>
+              <dgm:constr type="primFontSz" for="des" forName="Child3" refType="primFontSz" refFor="des" refForName="Child1" op="equ"/>
+              <dgm:constr type="primFontSz" for="des" forName="Child4" refType="primFontSz" refFor="des" refForName="Child1" op="equ"/>
+              <dgm:constr type="primFontSz" for="des" forName="Child5" refType="primFontSz" refFor="des" refForName="Child1" op="equ"/>
+              <dgm:constr type="primFontSz" for="des" forName="Child6" refType="primFontSz" refFor="des" refForName="Child1" op="equ"/>
+              <dgm:constr type="l" for="ch" forName="Accent1" refType="w" fact="0"/>
+              <dgm:constr type="t" for="ch" forName="Accent1" refType="h" fact="0"/>
+              <dgm:constr type="w" for="ch" forName="Accent1" refType="w" fact="0.5331"/>
+              <dgm:constr type="h" for="ch" forName="Accent1" refType="h" fact="0.2629"/>
+              <dgm:constr type="l" for="ch" forName="Accent2" refType="w" fact="0.1481"/>
+              <dgm:constr type="t" for="ch" forName="Accent2" refType="h" fact="0.1511"/>
+              <dgm:constr type="w" for="ch" forName="Accent2" refType="w" fact="0.5331"/>
+              <dgm:constr type="h" for="ch" forName="Accent2" refType="h" fact="0.2629"/>
+              <dgm:constr type="l" for="ch" forName="Accent3" refType="w" fact="0"/>
+              <dgm:constr type="t" for="ch" forName="Accent3" refType="h" fact="0.3027"/>
+              <dgm:constr type="w" for="ch" forName="Accent3" refType="w" fact="0.5331"/>
+              <dgm:constr type="h" for="ch" forName="Accent3" refType="h" fact="0.2629"/>
+              <dgm:constr type="l" for="ch" forName="Accent4" refType="w" fact="0.1481"/>
+              <dgm:constr type="t" for="ch" forName="Accent4" refType="h" fact="0.4541"/>
+              <dgm:constr type="w" for="ch" forName="Accent4" refType="w" fact="0.5331"/>
+              <dgm:constr type="h" for="ch" forName="Accent4" refType="h" fact="0.2629"/>
+              <dgm:constr type="l" for="ch" forName="Accent5" refType="w" fact="0"/>
+              <dgm:constr type="t" for="ch" forName="Accent5" refType="h" fact="0.6053"/>
+              <dgm:constr type="w" for="ch" forName="Accent5" refType="w" fact="0.5331"/>
+              <dgm:constr type="h" for="ch" forName="Accent5" refType="h" fact="0.2629"/>
+              <dgm:constr type="l" for="ch" forName="Accent6" refType="w" fact="0.186"/>
+              <dgm:constr type="t" for="ch" forName="Accent6" refType="h" fact="0.774"/>
+              <dgm:constr type="w" for="ch" forName="Accent6" refType="w" fact="0.458"/>
+              <dgm:constr type="h" for="ch" forName="Accent6" refType="h" fact="0.226"/>
+              <dgm:constr type="l" for="ch" forName="Parent1" refType="w" fact="0.1171"/>
+              <dgm:constr type="t" for="ch" forName="Parent1" refType="h" fact="0.0952"/>
+              <dgm:constr type="w" for="ch" forName="Parent1" refType="w" fact="0.2975"/>
+              <dgm:constr type="h" for="ch" forName="Parent1" refType="h" fact="0.0733"/>
+              <dgm:constr type="l" for="ch" forName="Parent2" refType="w" fact="0.2658"/>
+              <dgm:constr type="t" for="ch" forName="Parent2" refType="h" fact="0.2466"/>
+              <dgm:constr type="w" for="ch" forName="Parent2" refType="w" fact="0.2975"/>
+              <dgm:constr type="h" for="ch" forName="Parent2" refType="h" fact="0.0733"/>
+              <dgm:constr type="l" for="ch" forName="Parent3" refType="w" fact="0.1171"/>
+              <dgm:constr type="t" for="ch" forName="Parent3" refType="h" fact="0.3979"/>
+              <dgm:constr type="w" for="ch" forName="Parent3" refType="w" fact="0.2975"/>
+              <dgm:constr type="h" for="ch" forName="Parent3" refType="h" fact="0.0733"/>
+              <dgm:constr type="l" for="ch" forName="Parent4" refType="w" fact="0.2658"/>
+              <dgm:constr type="t" for="ch" forName="Parent4" refType="h" fact="0.5493"/>
+              <dgm:constr type="w" for="ch" forName="Parent4" refType="w" fact="0.2975"/>
+              <dgm:constr type="h" for="ch" forName="Parent4" refType="h" fact="0.0733"/>
+              <dgm:constr type="l" for="ch" forName="Parent5" refType="w" fact="0.1171"/>
+              <dgm:constr type="t" for="ch" forName="Parent5" refType="h" fact="0.7005"/>
+              <dgm:constr type="w" for="ch" forName="Parent5" refType="w" fact="0.2975"/>
+              <dgm:constr type="h" for="ch" forName="Parent5" refType="h" fact="0.0733"/>
+              <dgm:constr type="l" for="ch" forName="Parent6" refType="w" fact="0.2658"/>
+              <dgm:constr type="t" for="ch" forName="Parent6" refType="h" fact="0.8519"/>
+              <dgm:constr type="w" for="ch" forName="Parent6" refType="w" fact="0.2975"/>
+              <dgm:constr type="h" for="ch" forName="Parent6" refType="h" fact="0.0733"/>
+              <dgm:constr type="l" for="ch" forName="Child1" refType="w" fact="0.5348"/>
+              <dgm:constr type="t" for="ch" forName="Child1" refType="h" fact="0.078"/>
+              <dgm:constr type="w" for="ch" forName="Child1" refType="w" fact="0.3196"/>
+              <dgm:constr type="h" for="ch" forName="Child1" refType="h" fact="0.1046"/>
+              <dgm:constr type="l" for="ch" forName="Child2" refType="w" fact="0.6804"/>
+              <dgm:constr type="t" for="ch" forName="Child2" refType="h" fact="0.231"/>
+              <dgm:constr type="w" for="ch" forName="Child2" refType="w" fact="0.3196"/>
+              <dgm:constr type="h" for="ch" forName="Child2" refType="h" fact="0.1046"/>
+              <dgm:constr type="l" for="ch" forName="Child3" refType="w" fact="0.5348"/>
+              <dgm:constr type="t" for="ch" forName="Child3" refType="h" fact="0.3808"/>
+              <dgm:constr type="w" for="ch" forName="Child3" refType="w" fact="0.3196"/>
+              <dgm:constr type="h" for="ch" forName="Child3" refType="h" fact="0.1046"/>
+              <dgm:constr type="l" for="ch" forName="Child4" refType="w" fact="0.6804"/>
+              <dgm:constr type="t" for="ch" forName="Child4" refType="h" fact="0.5322"/>
+              <dgm:constr type="w" for="ch" forName="Child4" refType="w" fact="0.3196"/>
+              <dgm:constr type="h" for="ch" forName="Child4" refType="h" fact="0.1046"/>
+              <dgm:constr type="l" for="ch" forName="Child5" refType="w" fact="0.5348"/>
+              <dgm:constr type="t" for="ch" forName="Child5" refType="h" fact="0.6833"/>
+              <dgm:constr type="w" for="ch" forName="Child5" refType="w" fact="0.3196"/>
+              <dgm:constr type="h" for="ch" forName="Child5" refType="h" fact="0.1046"/>
+              <dgm:constr type="l" for="ch" forName="Child6" refType="w" fact="0.6804"/>
+              <dgm:constr type="t" for="ch" forName="Child6" refType="h" fact="0.8347"/>
+              <dgm:constr type="w" for="ch" forName="Child6" refType="w" fact="0.3196"/>
+              <dgm:constr type="h" for="ch" forName="Child6" refType="h" fact="0.1046"/>
+            </dgm:constrLst>
+          </dgm:if>
+          <dgm:else name="Name19">
+            <dgm:alg type="composite">
+              <dgm:param type="ar" val="0.4284"/>
+            </dgm:alg>
+            <dgm:constrLst>
+              <dgm:constr type="primFontSz" for="des" forName="Child1" val="65"/>
+              <dgm:constr type="primFontSz" for="des" forName="Parent1" val="65"/>
+              <dgm:constr type="primFontSz" for="des" forName="Child1" refType="primFontSz" refFor="des" refForName="Parent1" op="lte"/>
+              <dgm:constr type="primFontSz" for="des" forName="Child2" refType="primFontSz" refFor="des" refForName="Parent1" op="lte"/>
+              <dgm:constr type="primFontSz" for="des" forName="Child3" refType="primFontSz" refFor="des" refForName="Parent1" op="lte"/>
+              <dgm:constr type="primFontSz" for="des" forName="Child4" refType="primFontSz" refFor="des" refForName="Parent1" op="lte"/>
+              <dgm:constr type="primFontSz" for="des" forName="Child5" refType="primFontSz" refFor="des" refForName="Parent1" op="lte"/>
+              <dgm:constr type="primFontSz" for="des" forName="Child6" refType="primFontSz" refFor="des" refForName="Parent1" op="lte"/>
+              <dgm:constr type="primFontSz" for="des" forName="Child7" refType="primFontSz" refFor="des" refForName="Parent1" op="lte"/>
+              <dgm:constr type="primFontSz" for="des" forName="Child1" refType="primFontSz" refFor="des" refForName="Parent2" op="lte"/>
+              <dgm:constr type="primFontSz" for="des" forName="Child2" refType="primFontSz" refFor="des" refForName="Parent2" op="lte"/>
+              <dgm:constr type="primFontSz" for="des" forName="Child3" refType="primFontSz" refFor="des" refForName="Parent2" op="lte"/>
+              <dgm:constr type="primFontSz" for="des" forName="Child4" refType="primFontSz" refFor="des" refForName="Parent2" op="lte"/>
+              <dgm:constr type="primFontSz" for="des" forName="Child5" refType="primFontSz" refFor="des" refForName="Parent2" op="lte"/>
+              <dgm:constr type="primFontSz" for="des" forName="Child6" refType="primFontSz" refFor="des" refForName="Parent2" op="lte"/>
+              <dgm:constr type="primFontSz" for="des" forName="Child7" refType="primFontSz" refFor="des" refForName="Parent2" op="lte"/>
+              <dgm:constr type="primFontSz" for="des" forName="Child1" refType="primFontSz" refFor="des" refForName="Parent3" op="lte"/>
+              <dgm:constr type="primFontSz" for="des" forName="Child2" refType="primFontSz" refFor="des" refForName="Parent3" op="lte"/>
+              <dgm:constr type="primFontSz" for="des" forName="Child3" refType="primFontSz" refFor="des" refForName="Parent3" op="lte"/>
+              <dgm:constr type="primFontSz" for="des" forName="Child4" refType="primFontSz" refFor="des" refForName="Parent3" op="lte"/>
+              <dgm:constr type="primFontSz" for="des" forName="Child5" refType="primFontSz" refFor="des" refForName="Parent3" op="lte"/>
+              <dgm:constr type="primFontSz" for="des" forName="Child6" refType="primFontSz" refFor="des" refForName="Parent3" op="lte"/>
+              <dgm:constr type="primFontSz" for="des" forName="Child7" refType="primFontSz" refFor="des" refForName="Parent3" op="lte"/>
+              <dgm:constr type="primFontSz" for="des" forName="Child1" refType="primFontSz" refFor="des" refForName="Parent4" op="lte"/>
+              <dgm:constr type="primFontSz" for="des" forName="Child2" refType="primFontSz" refFor="des" refForName="Parent4" op="lte"/>
+              <dgm:constr type="primFontSz" for="des" forName="Child3" refType="primFontSz" refFor="des" refForName="Parent4" op="lte"/>
+              <dgm:constr type="primFontSz" for="des" forName="Child4" refType="primFontSz" refFor="des" refForName="Parent4" op="lte"/>
+              <dgm:constr type="primFontSz" for="des" forName="Child5" refType="primFontSz" refFor="des" refForName="Parent4" op="lte"/>
+              <dgm:constr type="primFontSz" for="des" forName="Child6" refType="primFontSz" refFor="des" refForName="Parent4" op="lte"/>
+              <dgm:constr type="primFontSz" for="des" forName="Child7" refType="primFontSz" refFor="des" refForName="Parent4" op="lte"/>
+              <dgm:constr type="primFontSz" for="des" forName="Child1" refType="primFontSz" refFor="des" refForName="Parent5" op="lte"/>
+              <dgm:constr type="primFontSz" for="des" forName="Child2" refType="primFontSz" refFor="des" refForName="Parent5" op="lte"/>
+              <dgm:constr type="primFontSz" for="des" forName="Child3" refType="primFontSz" refFor="des" refForName="Parent5" op="lte"/>
+              <dgm:constr type="primFontSz" for="des" forName="Child4" refType="primFontSz" refFor="des" refForName="Parent5" op="lte"/>
+              <dgm:constr type="primFontSz" for="des" forName="Child5" refType="primFontSz" refFor="des" refForName="Parent5" op="lte"/>
+              <dgm:constr type="primFontSz" for="des" forName="Child6" refType="primFontSz" refFor="des" refForName="Parent5" op="lte"/>
+              <dgm:constr type="primFontSz" for="des" forName="Child7" refType="primFontSz" refFor="des" refForName="Parent5" op="lte"/>
+              <dgm:constr type="primFontSz" for="des" forName="Child1" refType="primFontSz" refFor="des" refForName="Parent6" op="lte"/>
+              <dgm:constr type="primFontSz" for="des" forName="Child2" refType="primFontSz" refFor="des" refForName="Parent6" op="lte"/>
+              <dgm:constr type="primFontSz" for="des" forName="Child3" refType="primFontSz" refFor="des" refForName="Parent6" op="lte"/>
+              <dgm:constr type="primFontSz" for="des" forName="Child4" refType="primFontSz" refFor="des" refForName="Parent6" op="lte"/>
+              <dgm:constr type="primFontSz" for="des" forName="Child5" refType="primFontSz" refFor="des" refForName="Parent6" op="lte"/>
+              <dgm:constr type="primFontSz" for="des" forName="Child6" refType="primFontSz" refFor="des" refForName="Parent6" op="lte"/>
+              <dgm:constr type="primFontSz" for="des" forName="Child7" refType="primFontSz" refFor="des" refForName="Parent6" op="lte"/>
+              <dgm:constr type="primFontSz" for="des" forName="Child1" refType="primFontSz" refFor="des" refForName="Parent7" op="lte"/>
+              <dgm:constr type="primFontSz" for="des" forName="Child2" refType="primFontSz" refFor="des" refForName="Parent7" op="lte"/>
+              <dgm:constr type="primFontSz" for="des" forName="Child3" refType="primFontSz" refFor="des" refForName="Parent7" op="lte"/>
+              <dgm:constr type="primFontSz" for="des" forName="Child4" refType="primFontSz" refFor="des" refForName="Parent7" op="lte"/>
+              <dgm:constr type="primFontSz" for="des" forName="Child5" refType="primFontSz" refFor="des" refForName="Parent7" op="lte"/>
+              <dgm:constr type="primFontSz" for="des" forName="Child6" refType="primFontSz" refFor="des" refForName="Parent7" op="lte"/>
+              <dgm:constr type="primFontSz" for="des" forName="Child7" refType="primFontSz" refFor="des" refForName="Parent7" op="lte"/>
+              <dgm:constr type="primFontSz" for="des" forName="Parent2" refType="primFontSz" refFor="des" refForName="Parent1" op="equ"/>
+              <dgm:constr type="primFontSz" for="des" forName="Parent3" refType="primFontSz" refFor="des" refForName="Parent1" op="equ"/>
+              <dgm:constr type="primFontSz" for="des" forName="Parent4" refType="primFontSz" refFor="des" refForName="Parent1" op="equ"/>
+              <dgm:constr type="primFontSz" for="des" forName="Parent5" refType="primFontSz" refFor="des" refForName="Parent1" op="equ"/>
+              <dgm:constr type="primFontSz" for="des" forName="Parent6" refType="primFontSz" refFor="des" refForName="Parent1" op="equ"/>
+              <dgm:constr type="primFontSz" for="des" forName="Parent7" refType="primFontSz" refFor="des" refForName="Parent1" op="equ"/>
+              <dgm:constr type="primFontSz" for="des" forName="Child2" refType="primFontSz" refFor="des" refForName="Child1" op="equ"/>
+              <dgm:constr type="primFontSz" for="des" forName="Child3" refType="primFontSz" refFor="des" refForName="Child1" op="equ"/>
+              <dgm:constr type="primFontSz" for="des" forName="Child4" refType="primFontSz" refFor="des" refForName="Child1" op="equ"/>
+              <dgm:constr type="primFontSz" for="des" forName="Child5" refType="primFontSz" refFor="des" refForName="Child1" op="equ"/>
+              <dgm:constr type="primFontSz" for="des" forName="Child6" refType="primFontSz" refFor="des" refForName="Child1" op="equ"/>
+              <dgm:constr type="primFontSz" for="des" forName="Child7" refType="primFontSz" refFor="des" refForName="Child1" op="equ"/>
+              <dgm:constr type="l" for="ch" forName="Accent1" refType="w" fact="0"/>
+              <dgm:constr type="t" for="ch" forName="Accent1" refType="h" fact="0"/>
+              <dgm:constr type="w" for="ch" forName="Accent1" refType="w" fact="0.5331"/>
+              <dgm:constr type="h" for="ch" forName="Accent1" refType="h" fact="0.2284"/>
+              <dgm:constr type="l" for="ch" forName="Accent2" refType="w" fact="0.1481"/>
+              <dgm:constr type="t" for="ch" forName="Accent2" refType="h" fact="0.1312"/>
+              <dgm:constr type="w" for="ch" forName="Accent2" refType="w" fact="0.5331"/>
+              <dgm:constr type="h" for="ch" forName="Accent2" refType="h" fact="0.2284"/>
+              <dgm:constr type="l" for="ch" forName="Accent3" refType="w" fact="0"/>
+              <dgm:constr type="t" for="ch" forName="Accent3" refType="h" fact="0.263"/>
+              <dgm:constr type="w" for="ch" forName="Accent3" refType="w" fact="0.5331"/>
+              <dgm:constr type="h" for="ch" forName="Accent3" refType="h" fact="0.2284"/>
+              <dgm:constr type="l" for="ch" forName="Accent4" refType="w" fact="0.1481"/>
+              <dgm:constr type="t" for="ch" forName="Accent4" refType="h" fact="0.3945"/>
+              <dgm:constr type="w" for="ch" forName="Accent4" refType="w" fact="0.5331"/>
+              <dgm:constr type="h" for="ch" forName="Accent4" refType="h" fact="0.2284"/>
+              <dgm:constr type="l" for="ch" forName="Accent5" refType="w" fact="0"/>
+              <dgm:constr type="t" for="ch" forName="Accent5" refType="h" fact="0.5258"/>
+              <dgm:constr type="w" for="ch" forName="Accent5" refType="w" fact="0.5331"/>
+              <dgm:constr type="h" for="ch" forName="Accent5" refType="h" fact="0.2284"/>
+              <dgm:constr type="l" for="ch" forName="Accent6" refType="w" fact="0.1481"/>
+              <dgm:constr type="t" for="ch" forName="Accent6" refType="h" fact="0.6573"/>
+              <dgm:constr type="w" for="ch" forName="Accent6" refType="w" fact="0.5331"/>
+              <dgm:constr type="h" for="ch" forName="Accent6" refType="h" fact="0.2284"/>
+              <dgm:constr type="l" for="ch" forName="Accent7" refType="w" fact="0.0378"/>
+              <dgm:constr type="t" for="ch" forName="Accent7" refType="h" fact="0.8037"/>
+              <dgm:constr type="w" for="ch" forName="Accent7" refType="w" fact="0.458"/>
+              <dgm:constr type="h" for="ch" forName="Accent7" refType="h" fact="0.1963"/>
+              <dgm:constr type="l" for="ch" forName="Parent1" refType="w" fact="0.1171"/>
+              <dgm:constr type="t" for="ch" forName="Parent1" refType="h" fact="0.0827"/>
+              <dgm:constr type="w" for="ch" forName="Parent1" refType="w" fact="0.2975"/>
+              <dgm:constr type="h" for="ch" forName="Parent1" refType="h" fact="0.0637"/>
+              <dgm:constr type="l" for="ch" forName="Parent2" refType="w" fact="0.2658"/>
+              <dgm:constr type="t" for="ch" forName="Parent2" refType="h" fact="0.2142"/>
+              <dgm:constr type="w" for="ch" forName="Parent2" refType="w" fact="0.2975"/>
+              <dgm:constr type="h" for="ch" forName="Parent2" refType="h" fact="0.0637"/>
+              <dgm:constr type="l" for="ch" forName="Parent3" refType="w" fact="0.1171"/>
+              <dgm:constr type="t" for="ch" forName="Parent3" refType="h" fact="0.3457"/>
+              <dgm:constr type="w" for="ch" forName="Parent3" refType="w" fact="0.2975"/>
+              <dgm:constr type="h" for="ch" forName="Parent3" refType="h" fact="0.0637"/>
+              <dgm:constr type="l" for="ch" forName="Parent4" refType="w" fact="0.2658"/>
+              <dgm:constr type="t" for="ch" forName="Parent4" refType="h" fact="0.4772"/>
+              <dgm:constr type="w" for="ch" forName="Parent4" refType="w" fact="0.2975"/>
+              <dgm:constr type="h" for="ch" forName="Parent4" refType="h" fact="0.0637"/>
+              <dgm:constr type="l" for="ch" forName="Parent5" refType="w" fact="0.1171"/>
+              <dgm:constr type="t" for="ch" forName="Parent5" refType="h" fact="0.6085"/>
+              <dgm:constr type="w" for="ch" forName="Parent5" refType="w" fact="0.2975"/>
+              <dgm:constr type="h" for="ch" forName="Parent5" refType="h" fact="0.0637"/>
+              <dgm:constr type="l" for="ch" forName="Parent6" refType="w" fact="0.2658"/>
+              <dgm:constr type="t" for="ch" forName="Parent6" refType="h" fact="0.74"/>
+              <dgm:constr type="w" for="ch" forName="Parent6" refType="w" fact="0.2975"/>
+              <dgm:constr type="h" for="ch" forName="Parent6" refType="h" fact="0.0637"/>
+              <dgm:constr type="l" for="ch" forName="Parent7" refType="w" fact="0.1171"/>
+              <dgm:constr type="t" for="ch" forName="Parent7" refType="h" fact="0.8715"/>
+              <dgm:constr type="w" for="ch" forName="Parent7" refType="w" fact="0.2975"/>
+              <dgm:constr type="h" for="ch" forName="Parent7" refType="h" fact="0.0637"/>
+              <dgm:constr type="l" for="ch" forName="Child1" refType="w" fact="0.5348"/>
+              <dgm:constr type="t" for="ch" forName="Child1" refType="h" fact="0.0678"/>
+              <dgm:constr type="w" for="ch" forName="Child1" refType="w" fact="0.3196"/>
+              <dgm:constr type="h" for="ch" forName="Child1" refType="h" fact="0.0908"/>
+              <dgm:constr type="l" for="ch" forName="Child2" refType="w" fact="0.6804"/>
+              <dgm:constr type="t" for="ch" forName="Child2" refType="h" fact="0.2006"/>
+              <dgm:constr type="w" for="ch" forName="Child2" refType="w" fact="0.3196"/>
+              <dgm:constr type="h" for="ch" forName="Child2" refType="h" fact="0.0908"/>
+              <dgm:constr type="l" for="ch" forName="Child3" refType="w" fact="0.5348"/>
+              <dgm:constr type="t" for="ch" forName="Child3" refType="h" fact="0.3308"/>
+              <dgm:constr type="w" for="ch" forName="Child3" refType="w" fact="0.3196"/>
+              <dgm:constr type="h" for="ch" forName="Child3" refType="h" fact="0.0908"/>
+              <dgm:constr type="l" for="ch" forName="Child4" refType="w" fact="0.6804"/>
+              <dgm:constr type="t" for="ch" forName="Child4" refType="h" fact="0.4623"/>
+              <dgm:constr type="w" for="ch" forName="Child4" refType="w" fact="0.3196"/>
+              <dgm:constr type="h" for="ch" forName="Child4" refType="h" fact="0.0908"/>
+              <dgm:constr type="l" for="ch" forName="Child5" refType="w" fact="0.5348"/>
+              <dgm:constr type="t" for="ch" forName="Child5" refType="h" fact="0.5936"/>
+              <dgm:constr type="w" for="ch" forName="Child5" refType="w" fact="0.3196"/>
+              <dgm:constr type="h" for="ch" forName="Child5" refType="h" fact="0.0908"/>
+              <dgm:constr type="l" for="ch" forName="Child6" refType="w" fact="0.6804"/>
+              <dgm:constr type="t" for="ch" forName="Child6" refType="h" fact="0.7251"/>
+              <dgm:constr type="w" for="ch" forName="Child6" refType="w" fact="0.3196"/>
+              <dgm:constr type="h" for="ch" forName="Child6" refType="h" fact="0.0908"/>
+              <dgm:constr type="l" for="ch" forName="Child7" refType="w" fact="0.5348"/>
+              <dgm:constr type="t" for="ch" forName="Child7" refType="h" fact="0.8579"/>
+              <dgm:constr type="w" for="ch" forName="Child7" refType="w" fact="0.3196"/>
+              <dgm:constr type="h" for="ch" forName="Child7" refType="h" fact="0.0908"/>
+            </dgm:constrLst>
+          </dgm:else>
+        </dgm:choose>
+      </dgm:else>
+    </dgm:choose>
+    <dgm:forEach name="wrapper" axis="self" ptType="parTrans">
+      <dgm:forEach name="accentRepeat" axis="self">
+        <dgm:layoutNode name="Accent" styleLbl="node1">
+          <dgm:alg type="sp"/>
+          <dgm:choose name="Name20">
+            <dgm:if name="Name21" func="var" arg="dir" op="equ" val="norm">
+              <dgm:choose name="Name22">
+                <dgm:if name="Name23" axis="precedSib" ptType="node" func="cnt" op="equ" val="0">
+                  <dgm:choose name="Name24">
+                    <dgm:if name="Name25" axis="followSib" ptType="node" func="cnt" op="equ" val="0">
+                      <dgm:shape xmlns:r="http://schemas.openxmlformats.org/officeDocument/2006/relationships" type="circularArrow" r:blip="">
+                        <dgm:adjLst>
+                          <dgm:adj idx="1" val="0.1098"/>
+                          <dgm:adj idx="2" val="19.0387"/>
+                          <dgm:adj idx="3" val="150"/>
+                          <dgm:adj idx="4" val="180"/>
+                          <dgm:adj idx="5" val="0.125"/>
+                        </dgm:adjLst>
+                      </dgm:shape>
+                    </dgm:if>
+                    <dgm:else name="Name26">
+                      <dgm:shape xmlns:r="http://schemas.openxmlformats.org/officeDocument/2006/relationships" type="circularArrow" r:blip="">
+                        <dgm:adjLst>
+                          <dgm:adj idx="1" val="0.1098"/>
+                          <dgm:adj idx="2" val="19.0387"/>
+                          <dgm:adj idx="3" val="75"/>
+                          <dgm:adj idx="4" val="180"/>
+                          <dgm:adj idx="5" val="0.125"/>
+                        </dgm:adjLst>
+                      </dgm:shape>
+                    </dgm:else>
+                  </dgm:choose>
+                </dgm:if>
+                <dgm:else name="Name27">
+                  <dgm:choose name="Name28">
+                    <dgm:if name="Name29" axis="followSib" ptType="node" func="cnt" op="equ" val="0">
+                      <dgm:choose name="Name30">
+                        <dgm:if name="Name31" axis="precedSib" ptType="node" func="cnt" op="equ" val="1">
+                          <dgm:shape xmlns:r="http://schemas.openxmlformats.org/officeDocument/2006/relationships" type="blockArc" r:blip="">
+                            <dgm:adjLst>
+                              <dgm:adj idx="1" val="0"/>
+                              <dgm:adj idx="2" val="-45"/>
+                              <dgm:adj idx="3" val="0.1274"/>
+                            </dgm:adjLst>
+                          </dgm:shape>
+                        </dgm:if>
+                        <dgm:if name="Name32" axis="precedSib" ptType="node" func="cnt" op="equ" val="2">
+                          <dgm:shape xmlns:r="http://schemas.openxmlformats.org/officeDocument/2006/relationships" type="blockArc" r:blip="">
+                            <dgm:adjLst>
+                              <dgm:adj idx="1" val="-135"/>
+                              <dgm:adj idx="2" val="180"/>
+                              <dgm:adj idx="3" val="0.1274"/>
+                            </dgm:adjLst>
+                          </dgm:shape>
+                        </dgm:if>
+                        <dgm:if name="Name33" axis="precedSib" ptType="node" func="cnt" op="equ" val="3">
+                          <dgm:shape xmlns:r="http://schemas.openxmlformats.org/officeDocument/2006/relationships" type="blockArc" r:blip="">
+                            <dgm:adjLst>
+                              <dgm:adj idx="1" val="0"/>
+                              <dgm:adj idx="2" val="-45"/>
+                              <dgm:adj idx="3" val="0.1274"/>
+                            </dgm:adjLst>
+                          </dgm:shape>
+                        </dgm:if>
+                        <dgm:if name="Name34" axis="precedSib" ptType="node" func="cnt" op="equ" val="4">
+                          <dgm:shape xmlns:r="http://schemas.openxmlformats.org/officeDocument/2006/relationships" type="blockArc" r:blip="">
+                            <dgm:adjLst>
+                              <dgm:adj idx="1" val="-135"/>
+                              <dgm:adj idx="2" val="180"/>
+                              <dgm:adj idx="3" val="0.1274"/>
+                            </dgm:adjLst>
+                          </dgm:shape>
+                        </dgm:if>
+                        <dgm:if name="Name35" axis="precedSib" ptType="node" func="cnt" op="equ" val="5">
+                          <dgm:shape xmlns:r="http://schemas.openxmlformats.org/officeDocument/2006/relationships" type="blockArc" r:blip="">
+                            <dgm:adjLst>
+                              <dgm:adj idx="1" val="0"/>
+                              <dgm:adj idx="2" val="-45"/>
+                              <dgm:adj idx="3" val="0.1274"/>
+                            </dgm:adjLst>
+                          </dgm:shape>
+                        </dgm:if>
+                        <dgm:if name="Name36" axis="precedSib" ptType="node" func="cnt" op="equ" val="6">
+                          <dgm:shape xmlns:r="http://schemas.openxmlformats.org/officeDocument/2006/relationships" type="blockArc" r:blip="">
+                            <dgm:adjLst>
+                              <dgm:adj idx="1" val="-135"/>
+                              <dgm:adj idx="2" val="180"/>
+                              <dgm:adj idx="3" val="0.1274"/>
+                            </dgm:adjLst>
+                          </dgm:shape>
+                        </dgm:if>
+                        <dgm:else name="Name37"/>
+                      </dgm:choose>
+                    </dgm:if>
+                    <dgm:else name="Name38">
+                      <dgm:choose name="Name39">
+                        <dgm:if name="Name40" axis="precedSib" ptType="node" func="cnt" op="equ" val="0">
+                          <dgm:shape xmlns:r="http://schemas.openxmlformats.org/officeDocument/2006/relationships" type="blockArc" r:blip="">
+                            <dgm:adjLst>
+                              <dgm:adj idx="1" val="-133.1632"/>
+                              <dgm:adj idx="2" val="65"/>
+                              <dgm:adj idx="3" val="0.13"/>
+                            </dgm:adjLst>
+                          </dgm:shape>
+                        </dgm:if>
+                        <dgm:if name="Name41" axis="precedSib" ptType="node" func="cnt" op="equ" val="1">
+                          <dgm:shape xmlns:r="http://schemas.openxmlformats.org/officeDocument/2006/relationships" type="leftCircularArrow" r:blip="">
+                            <dgm:adjLst>
+                              <dgm:adj idx="1" val="0.1098"/>
+                              <dgm:adj idx="2" val="19.0387"/>
+                              <dgm:adj idx="3" val="105"/>
+                              <dgm:adj idx="4" val="-45"/>
+                              <dgm:adj idx="5" val="0.125"/>
+                            </dgm:adjLst>
+                          </dgm:shape>
+                        </dgm:if>
+                        <dgm:if name="Name42" axis="precedSib" ptType="node" func="cnt" op="equ" val="2">
+                          <dgm:shape xmlns:r="http://schemas.openxmlformats.org/officeDocument/2006/relationships" type="circularArrow" r:blip="">
+                            <dgm:adjLst>
+                              <dgm:adj idx="1" val="0.1098"/>
+                              <dgm:adj idx="2" val="19.0387"/>
+                              <dgm:adj idx="3" val="75"/>
+                              <dgm:adj idx="4" val="-135"/>
+                              <dgm:adj idx="5" val="0.125"/>
+                            </dgm:adjLst>
+                          </dgm:shape>
+                        </dgm:if>
+                        <dgm:if name="Name43" axis="precedSib" ptType="node" func="cnt" op="equ" val="3">
+                          <dgm:shape xmlns:r="http://schemas.openxmlformats.org/officeDocument/2006/relationships" type="leftCircularArrow" r:blip="">
+                            <dgm:adjLst>
+                              <dgm:adj idx="1" val="0.1098"/>
+                              <dgm:adj idx="2" val="19.0387"/>
+                              <dgm:adj idx="3" val="105"/>
+                              <dgm:adj idx="4" val="-45"/>
+                              <dgm:adj idx="5" val="0.125"/>
+                            </dgm:adjLst>
+                          </dgm:shape>
+                        </dgm:if>
+                        <dgm:if name="Name44" axis="precedSib" ptType="node" func="cnt" op="equ" val="4">
+                          <dgm:shape xmlns:r="http://schemas.openxmlformats.org/officeDocument/2006/relationships" type="circularArrow" r:blip="">
+                            <dgm:adjLst>
+                              <dgm:adj idx="1" val="0.1098"/>
+                              <dgm:adj idx="2" val="19.0387"/>
+                              <dgm:adj idx="3" val="75"/>
+                              <dgm:adj idx="4" val="-135"/>
+                              <dgm:adj idx="5" val="0.125"/>
+                            </dgm:adjLst>
+                          </dgm:shape>
+                        </dgm:if>
+                        <dgm:if name="Name45" axis="precedSib" ptType="node" func="cnt" op="equ" val="5">
+                          <dgm:shape xmlns:r="http://schemas.openxmlformats.org/officeDocument/2006/relationships" type="leftCircularArrow" r:blip="">
+                            <dgm:adjLst>
+                              <dgm:adj idx="1" val="0.1098"/>
+                              <dgm:adj idx="2" val="19.0387"/>
+                              <dgm:adj idx="3" val="105"/>
+                              <dgm:adj idx="4" val="-45"/>
+                              <dgm:adj idx="5" val="0.125"/>
+                            </dgm:adjLst>
+                          </dgm:shape>
+                        </dgm:if>
+                        <dgm:if name="Name46" axis="precedSib" ptType="node" func="cnt" op="equ" val="6">
+                          <dgm:shape xmlns:r="http://schemas.openxmlformats.org/officeDocument/2006/relationships" type="blockArc" r:blip="">
+                            <dgm:adjLst>
+                              <dgm:adj idx="1" val="-135"/>
+                              <dgm:adj idx="2" val="180"/>
+                              <dgm:adj idx="3" val="0.1274"/>
+                            </dgm:adjLst>
+                          </dgm:shape>
+                        </dgm:if>
+                        <dgm:else name="Name47"/>
+                      </dgm:choose>
+                    </dgm:else>
+                  </dgm:choose>
+                </dgm:else>
+              </dgm:choose>
+            </dgm:if>
+            <dgm:else name="Name48">
+              <dgm:choose name="Name49">
+                <dgm:if name="Name50" axis="precedSib" ptType="node" func="cnt" op="equ" val="0">
+                  <dgm:choose name="Name51">
+                    <dgm:if name="Name52" axis="followSib" ptType="node" func="cnt" op="equ" val="0">
+                      <dgm:shape xmlns:r="http://schemas.openxmlformats.org/officeDocument/2006/relationships" type="leftCircularArrow" r:blip="">
+                        <dgm:adjLst>
+                          <dgm:adj idx="1" val="0.1098"/>
+                          <dgm:adj idx="2" val="19.0387"/>
+                          <dgm:adj idx="3" val="30"/>
+                          <dgm:adj idx="4" val="0"/>
+                          <dgm:adj idx="5" val="0.125"/>
+                        </dgm:adjLst>
+                      </dgm:shape>
+                    </dgm:if>
+                    <dgm:else name="Name53">
+                      <dgm:shape xmlns:r="http://schemas.openxmlformats.org/officeDocument/2006/relationships" type="leftCircularArrow" r:blip="">
+                        <dgm:adjLst>
+                          <dgm:adj idx="1" val="0.1098"/>
+                          <dgm:adj idx="2" val="19.0387"/>
+                          <dgm:adj idx="3" val="105"/>
+                          <dgm:adj idx="4" val="0"/>
+                          <dgm:adj idx="5" val="0.125"/>
+                        </dgm:adjLst>
+                      </dgm:shape>
+                    </dgm:else>
+                  </dgm:choose>
+                </dgm:if>
+                <dgm:else name="Name54">
+                  <dgm:choose name="Name55">
+                    <dgm:if name="Name56" axis="followSib" ptType="node" func="cnt" op="equ" val="0">
+                      <dgm:choose name="Name57">
+                        <dgm:if name="Name58" axis="precedSib" ptType="node" func="cnt" op="equ" val="1">
+                          <dgm:shape xmlns:r="http://schemas.openxmlformats.org/officeDocument/2006/relationships" type="blockArc" r:blip="">
+                            <dgm:adjLst>
+                              <dgm:adj idx="1" val="-135"/>
+                              <dgm:adj idx="2" val="180"/>
+                              <dgm:adj idx="3" val="0.1274"/>
+                            </dgm:adjLst>
+                          </dgm:shape>
+                        </dgm:if>
+                        <dgm:if name="Name59" axis="precedSib" ptType="node" func="cnt" op="equ" val="2">
+                          <dgm:shape xmlns:r="http://schemas.openxmlformats.org/officeDocument/2006/relationships" type="blockArc" r:blip="">
+                            <dgm:adjLst>
+                              <dgm:adj idx="1" val="0"/>
+                              <dgm:adj idx="2" val="-45"/>
+                              <dgm:adj idx="3" val="0.1274"/>
+                            </dgm:adjLst>
+                          </dgm:shape>
+                        </dgm:if>
+                        <dgm:if name="Name60" axis="precedSib" ptType="node" func="cnt" op="equ" val="3">
+                          <dgm:shape xmlns:r="http://schemas.openxmlformats.org/officeDocument/2006/relationships" type="blockArc" r:blip="">
+                            <dgm:adjLst>
+                              <dgm:adj idx="1" val="-135"/>
+                              <dgm:adj idx="2" val="180"/>
+                              <dgm:adj idx="3" val="0.1274"/>
+                            </dgm:adjLst>
+                          </dgm:shape>
+                        </dgm:if>
+                        <dgm:if name="Name61" axis="precedSib" ptType="node" func="cnt" op="equ" val="4">
+                          <dgm:shape xmlns:r="http://schemas.openxmlformats.org/officeDocument/2006/relationships" type="blockArc" r:blip="">
+                            <dgm:adjLst>
+                              <dgm:adj idx="1" val="0"/>
+                              <dgm:adj idx="2" val="-45"/>
+                              <dgm:adj idx="3" val="0.1274"/>
+                            </dgm:adjLst>
+                          </dgm:shape>
+                        </dgm:if>
+                        <dgm:if name="Name62" axis="precedSib" ptType="node" func="cnt" op="equ" val="5">
+                          <dgm:shape xmlns:r="http://schemas.openxmlformats.org/officeDocument/2006/relationships" type="blockArc" r:blip="">
+                            <dgm:adjLst>
+                              <dgm:adj idx="1" val="-135"/>
+                              <dgm:adj idx="2" val="180"/>
+                              <dgm:adj idx="3" val="0.1274"/>
+                            </dgm:adjLst>
+                          </dgm:shape>
+                        </dgm:if>
+                        <dgm:if name="Name63" axis="precedSib" ptType="node" func="cnt" op="equ" val="6">
+                          <dgm:shape xmlns:r="http://schemas.openxmlformats.org/officeDocument/2006/relationships" type="blockArc" r:blip="">
+                            <dgm:adjLst>
+                              <dgm:adj idx="1" val="0"/>
+                              <dgm:adj idx="2" val="-45"/>
+                              <dgm:adj idx="3" val="0.1274"/>
+                            </dgm:adjLst>
+                          </dgm:shape>
+                        </dgm:if>
+                        <dgm:else name="Name64"/>
+                      </dgm:choose>
+                    </dgm:if>
+                    <dgm:else name="Name65">
+                      <dgm:choose name="Name66">
+                        <dgm:if name="Name67" axis="precedSib" ptType="node" func="cnt" op="equ" val="0">
+                          <dgm:shape xmlns:r="http://schemas.openxmlformats.org/officeDocument/2006/relationships" type="blockArc" r:blip="">
+                            <dgm:adjLst>
+                              <dgm:adj idx="1" val="-133.1632"/>
+                              <dgm:adj idx="2" val="65"/>
+                              <dgm:adj idx="3" val="0.13"/>
+                            </dgm:adjLst>
+                          </dgm:shape>
+                        </dgm:if>
+                        <dgm:if name="Name68" axis="precedSib" ptType="node" func="cnt" op="equ" val="1">
+                          <dgm:shape xmlns:r="http://schemas.openxmlformats.org/officeDocument/2006/relationships" type="circularArrow" r:blip="">
+                            <dgm:adjLst>
+                              <dgm:adj idx="1" val="0.1098"/>
+                              <dgm:adj idx="2" val="19.0387"/>
+                              <dgm:adj idx="3" val="75"/>
+                              <dgm:adj idx="4" val="-135"/>
+                              <dgm:adj idx="5" val="0.125"/>
+                            </dgm:adjLst>
+                          </dgm:shape>
+                        </dgm:if>
+                        <dgm:if name="Name69" axis="precedSib" ptType="node" func="cnt" op="equ" val="2">
+                          <dgm:shape xmlns:r="http://schemas.openxmlformats.org/officeDocument/2006/relationships" type="leftCircularArrow" r:blip="">
+                            <dgm:adjLst>
+                              <dgm:adj idx="1" val="0.1098"/>
+                              <dgm:adj idx="2" val="19.0387"/>
+                              <dgm:adj idx="3" val="105"/>
+                              <dgm:adj idx="4" val="-45"/>
+                              <dgm:adj idx="5" val="0.125"/>
+                            </dgm:adjLst>
+                          </dgm:shape>
+                        </dgm:if>
+                        <dgm:if name="Name70" axis="precedSib" ptType="node" func="cnt" op="equ" val="3">
+                          <dgm:shape xmlns:r="http://schemas.openxmlformats.org/officeDocument/2006/relationships" type="circularArrow" r:blip="">
+                            <dgm:adjLst>
+                              <dgm:adj idx="1" val="0.1098"/>
+                              <dgm:adj idx="2" val="19.0387"/>
+                              <dgm:adj idx="3" val="75"/>
+                              <dgm:adj idx="4" val="-135"/>
+                              <dgm:adj idx="5" val="0.125"/>
+                            </dgm:adjLst>
+                          </dgm:shape>
+                        </dgm:if>
+                        <dgm:if name="Name71" axis="precedSib" ptType="node" func="cnt" op="equ" val="4">
+                          <dgm:shape xmlns:r="http://schemas.openxmlformats.org/officeDocument/2006/relationships" type="leftCircularArrow" r:blip="">
+                            <dgm:adjLst>
+                              <dgm:adj idx="1" val="0.1098"/>
+                              <dgm:adj idx="2" val="19.0387"/>
+                              <dgm:adj idx="3" val="105"/>
+                              <dgm:adj idx="4" val="-45"/>
+                              <dgm:adj idx="5" val="0.125"/>
+                            </dgm:adjLst>
+                          </dgm:shape>
+                        </dgm:if>
+                        <dgm:if name="Name72" axis="precedSib" ptType="node" func="cnt" op="equ" val="5">
+                          <dgm:shape xmlns:r="http://schemas.openxmlformats.org/officeDocument/2006/relationships" type="circularArrow" r:blip="">
+                            <dgm:adjLst>
+                              <dgm:adj idx="1" val="0.1098"/>
+                              <dgm:adj idx="2" val="19.0387"/>
+                              <dgm:adj idx="3" val="75"/>
+                              <dgm:adj idx="4" val="-135"/>
+                              <dgm:adj idx="5" val="0.125"/>
+                            </dgm:adjLst>
+                          </dgm:shape>
+                        </dgm:if>
+                        <dgm:if name="Name73" axis="precedSib" ptType="node" func="cnt" op="equ" val="6">
+                          <dgm:shape xmlns:r="http://schemas.openxmlformats.org/officeDocument/2006/relationships" type="blockArc" r:blip="">
+                            <dgm:adjLst>
+                              <dgm:adj idx="1" val="0"/>
+                              <dgm:adj idx="2" val="-45"/>
+                              <dgm:adj idx="3" val="0.1274"/>
+                            </dgm:adjLst>
+                          </dgm:shape>
+                        </dgm:if>
+                        <dgm:else name="Name74"/>
+                      </dgm:choose>
+                    </dgm:else>
+                  </dgm:choose>
+                </dgm:else>
+              </dgm:choose>
+            </dgm:else>
+          </dgm:choose>
+          <dgm:presOf/>
+        </dgm:layoutNode>
+      </dgm:forEach>
+    </dgm:forEach>
+    <dgm:forEach name="Name75" axis="ch" ptType="node" cnt="1">
+      <dgm:layoutNode name="Accent1">
+        <dgm:alg type="sp"/>
+        <dgm:shape xmlns:r="http://schemas.openxmlformats.org/officeDocument/2006/relationships" r:blip="">
+          <dgm:adjLst/>
+        </dgm:shape>
+        <dgm:presOf/>
+        <dgm:constrLst/>
+        <dgm:forEach name="Name76" ref="accentRepeat"/>
+      </dgm:layoutNode>
+      <dgm:choose name="Name77">
+        <dgm:if name="Name78" axis="ch" ptType="node" func="cnt" op="gte" val="1">
+          <dgm:layoutNode name="Child1" styleLbl="revTx">
+            <dgm:varLst>
+              <dgm:chMax val="0"/>
+              <dgm:chPref val="0"/>
+              <dgm:bulletEnabled val="1"/>
+            </dgm:varLst>
+            <dgm:alg type="tx">
+              <dgm:param type="stBulletLvl" val="1"/>
+              <dgm:param type="parTxLTRAlign" val="l"/>
+              <dgm:param type="txAnchorVertCh" val="mid"/>
+            </dgm:alg>
+            <dgm:shape xmlns:r="http://schemas.openxmlformats.org/officeDocument/2006/relationships" type="rect" r:blip="">
+              <dgm:adjLst/>
+            </dgm:shape>
+            <dgm:presOf axis="des" ptType="node"/>
+            <dgm:constrLst>
+              <dgm:constr type="lMarg" refType="primFontSz" fact="0.05"/>
+              <dgm:constr type="rMarg" refType="primFontSz" fact="0.05"/>
+              <dgm:constr type="tMarg" refType="primFontSz" fact="0.05"/>
+              <dgm:constr type="bMarg" refType="primFontSz" fact="0.05"/>
+            </dgm:constrLst>
+            <dgm:ruleLst>
+              <dgm:rule type="primFontSz" val="5" fact="NaN" max="NaN"/>
+            </dgm:ruleLst>
+          </dgm:layoutNode>
+        </dgm:if>
+        <dgm:else name="Name79"/>
+      </dgm:choose>
+      <dgm:layoutNode name="Parent1" styleLbl="revTx">
+        <dgm:varLst>
+          <dgm:chMax val="1"/>
+          <dgm:chPref val="1"/>
+          <dgm:bulletEnabled val="1"/>
+        </dgm:varLst>
+        <dgm:alg type="tx">
+          <dgm:param type="shpTxLTRAlignCh" val="ctr"/>
+          <dgm:param type="txAnchorVertCh" val="mid"/>
+        </dgm:alg>
+        <dgm:shape xmlns:r="http://schemas.openxmlformats.org/officeDocument/2006/relationships" type="rect" r:blip="">
+          <dgm:adjLst/>
+        </dgm:shape>
+        <dgm:presOf axis="self" ptType="node"/>
+        <dgm:constrLst>
+          <dgm:constr type="lMarg" refType="primFontSz" fact="0.05"/>
+          <dgm:constr type="rMarg" refType="primFontSz" fact="0.05"/>
+          <dgm:constr type="tMarg" refType="primFontSz" fact="0.05"/>
+          <dgm:constr type="bMarg" refType="primFontSz" fact="0.05"/>
+        </dgm:constrLst>
+        <dgm:ruleLst>
+          <dgm:rule type="primFontSz" val="5" fact="NaN" max="NaN"/>
+        </dgm:ruleLst>
+      </dgm:layoutNode>
+    </dgm:forEach>
+    <dgm:forEach name="Name80" axis="ch" ptType="node" st="2" cnt="1">
+      <dgm:layoutNode name="Accent2">
+        <dgm:alg type="sp"/>
+        <dgm:shape xmlns:r="http://schemas.openxmlformats.org/officeDocument/2006/relationships" r:blip="">
+          <dgm:adjLst/>
+        </dgm:shape>
+        <dgm:presOf/>
+        <dgm:constrLst/>
+        <dgm:forEach name="Name81" ref="accentRepeat"/>
+      </dgm:layoutNode>
+      <dgm:choose name="Name82">
+        <dgm:if name="Name83" axis="ch" ptType="node" func="cnt" op="gte" val="1">
+          <dgm:layoutNode name="Child2" styleLbl="revTx">
+            <dgm:varLst>
+              <dgm:chMax val="0"/>
+              <dgm:chPref val="0"/>
+              <dgm:bulletEnabled val="1"/>
+            </dgm:varLst>
+            <dgm:alg type="tx">
+              <dgm:param type="stBulletLvl" val="1"/>
+              <dgm:param type="parTxLTRAlign" val="l"/>
+              <dgm:param type="txAnchorVertCh" val="mid"/>
+            </dgm:alg>
+            <dgm:shape xmlns:r="http://schemas.openxmlformats.org/officeDocument/2006/relationships" type="rect" r:blip="">
+              <dgm:adjLst/>
+            </dgm:shape>
+            <dgm:presOf axis="des" ptType="node"/>
+            <dgm:constrLst>
+              <dgm:constr type="lMarg" refType="primFontSz" fact="0.05"/>
+              <dgm:constr type="rMarg" refType="primFontSz" fact="0.05"/>
+              <dgm:constr type="tMarg" refType="primFontSz" fact="0.05"/>
+              <dgm:constr type="bMarg" refType="primFontSz" fact="0.05"/>
+            </dgm:constrLst>
+            <dgm:ruleLst>
+              <dgm:rule type="primFontSz" val="5" fact="NaN" max="NaN"/>
+            </dgm:ruleLst>
+          </dgm:layoutNode>
+        </dgm:if>
+        <dgm:else name="Name84"/>
+      </dgm:choose>
+      <dgm:layoutNode name="Parent2" styleLbl="revTx">
+        <dgm:varLst>
+          <dgm:chMax val="1"/>
+          <dgm:chPref val="1"/>
+          <dgm:bulletEnabled val="1"/>
+        </dgm:varLst>
+        <dgm:alg type="tx">
+          <dgm:param type="shpTxLTRAlignCh" val="ctr"/>
+          <dgm:param type="txAnchorVertCh" val="mid"/>
+        </dgm:alg>
+        <dgm:shape xmlns:r="http://schemas.openxmlformats.org/officeDocument/2006/relationships" type="rect" r:blip="">
+          <dgm:adjLst/>
+        </dgm:shape>
+        <dgm:presOf axis="self" ptType="node"/>
+        <dgm:constrLst>
+          <dgm:constr type="lMarg" refType="primFontSz" fact="0.05"/>
+          <dgm:constr type="rMarg" refType="primFontSz" fact="0.05"/>
+          <dgm:constr type="tMarg" refType="primFontSz" fact="0.05"/>
+          <dgm:constr type="bMarg" refType="primFontSz" fact="0.05"/>
+        </dgm:constrLst>
+        <dgm:ruleLst>
+          <dgm:rule type="primFontSz" val="5" fact="NaN" max="NaN"/>
+        </dgm:ruleLst>
+      </dgm:layoutNode>
+    </dgm:forEach>
+    <dgm:forEach name="Name85" axis="ch" ptType="node" st="3" cnt="1">
+      <dgm:layoutNode name="Accent3">
+        <dgm:alg type="sp"/>
+        <dgm:shape xmlns:r="http://schemas.openxmlformats.org/officeDocument/2006/relationships" r:blip="">
+          <dgm:adjLst/>
+        </dgm:shape>
+        <dgm:presOf/>
+        <dgm:constrLst/>
+        <dgm:forEach name="Name86" ref="accentRepeat"/>
+      </dgm:layoutNode>
+      <dgm:choose name="Name87">
+        <dgm:if name="Name88" axis="ch" ptType="node" func="cnt" op="gte" val="1">
+          <dgm:layoutNode name="Child3" styleLbl="revTx">
+            <dgm:varLst>
+              <dgm:chMax val="0"/>
+              <dgm:chPref val="0"/>
+              <dgm:bulletEnabled val="1"/>
+            </dgm:varLst>
+            <dgm:alg type="tx">
+              <dgm:param type="stBulletLvl" val="1"/>
+              <dgm:param type="parTxLTRAlign" val="l"/>
+              <dgm:param type="txAnchorVertCh" val="mid"/>
+            </dgm:alg>
+            <dgm:shape xmlns:r="http://schemas.openxmlformats.org/officeDocument/2006/relationships" type="rect" r:blip="">
+              <dgm:adjLst/>
+            </dgm:shape>
+            <dgm:presOf axis="des" ptType="node"/>
+            <dgm:constrLst>
+              <dgm:constr type="lMarg" refType="primFontSz" fact="0.05"/>
+              <dgm:constr type="rMarg" refType="primFontSz" fact="0.05"/>
+              <dgm:constr type="tMarg" refType="primFontSz" fact="0.05"/>
+              <dgm:constr type="bMarg" refType="primFontSz" fact="0.05"/>
+            </dgm:constrLst>
+            <dgm:ruleLst>
+              <dgm:rule type="primFontSz" val="5" fact="NaN" max="NaN"/>
+            </dgm:ruleLst>
+          </dgm:layoutNode>
+        </dgm:if>
+        <dgm:else name="Name89"/>
+      </dgm:choose>
+      <dgm:layoutNode name="Parent3" styleLbl="revTx">
+        <dgm:varLst>
+          <dgm:chMax val="1"/>
+          <dgm:chPref val="1"/>
+          <dgm:bulletEnabled val="1"/>
+        </dgm:varLst>
+        <dgm:alg type="tx">
+          <dgm:param type="shpTxLTRAlignCh" val="ctr"/>
+          <dgm:param type="txAnchorVertCh" val="mid"/>
+        </dgm:alg>
+        <dgm:shape xmlns:r="http://schemas.openxmlformats.org/officeDocument/2006/relationships" type="rect" r:blip="">
+          <dgm:adjLst/>
+        </dgm:shape>
+        <dgm:presOf axis="self" ptType="node"/>
+        <dgm:constrLst>
+          <dgm:constr type="lMarg" refType="primFontSz" fact="0.05"/>
+          <dgm:constr type="rMarg" refType="primFontSz" fact="0.05"/>
+          <dgm:constr type="tMarg" refType="primFontSz" fact="0.05"/>
+          <dgm:constr type="bMarg" refType="primFontSz" fact="0.05"/>
+        </dgm:constrLst>
+        <dgm:ruleLst>
+          <dgm:rule type="primFontSz" val="5" fact="NaN" max="NaN"/>
+        </dgm:ruleLst>
+      </dgm:layoutNode>
+    </dgm:forEach>
+    <dgm:forEach name="Name90" axis="ch" ptType="node" st="4" cnt="1">
+      <dgm:layoutNode name="Accent4">
+        <dgm:alg type="sp"/>
+        <dgm:shape xmlns:r="http://schemas.openxmlformats.org/officeDocument/2006/relationships" r:blip="">
+          <dgm:adjLst/>
+        </dgm:shape>
+        <dgm:presOf/>
+        <dgm:constrLst/>
+        <dgm:forEach name="Name91" ref="accentRepeat"/>
+      </dgm:layoutNode>
+      <dgm:choose name="Name92">
+        <dgm:if name="Name93" axis="ch" ptType="node" func="cnt" op="gte" val="1">
+          <dgm:layoutNode name="Child4" styleLbl="revTx">
+            <dgm:varLst>
+              <dgm:chMax val="0"/>
+              <dgm:chPref val="0"/>
+              <dgm:bulletEnabled val="1"/>
+            </dgm:varLst>
+            <dgm:alg type="tx">
+              <dgm:param type="stBulletLvl" val="1"/>
+              <dgm:param type="parTxLTRAlign" val="l"/>
+              <dgm:param type="txAnchorVertCh" val="mid"/>
+            </dgm:alg>
+            <dgm:shape xmlns:r="http://schemas.openxmlformats.org/officeDocument/2006/relationships" type="rect" r:blip="">
+              <dgm:adjLst/>
+            </dgm:shape>
+            <dgm:presOf axis="des" ptType="node"/>
+            <dgm:constrLst>
+              <dgm:constr type="lMarg" refType="primFontSz" fact="0.05"/>
+              <dgm:constr type="rMarg" refType="primFontSz" fact="0.05"/>
+              <dgm:constr type="tMarg" refType="primFontSz" fact="0.05"/>
+              <dgm:constr type="bMarg" refType="primFontSz" fact="0.05"/>
+            </dgm:constrLst>
+            <dgm:ruleLst>
+              <dgm:rule type="primFontSz" val="5" fact="NaN" max="NaN"/>
+            </dgm:ruleLst>
+          </dgm:layoutNode>
+        </dgm:if>
+        <dgm:else name="Name94"/>
+      </dgm:choose>
+      <dgm:layoutNode name="Parent4" styleLbl="revTx">
+        <dgm:varLst>
+          <dgm:chMax val="1"/>
+          <dgm:chPref val="1"/>
+          <dgm:bulletEnabled val="1"/>
+        </dgm:varLst>
+        <dgm:alg type="tx">
+          <dgm:param type="shpTxLTRAlignCh" val="ctr"/>
+          <dgm:param type="txAnchorVertCh" val="mid"/>
+        </dgm:alg>
+        <dgm:shape xmlns:r="http://schemas.openxmlformats.org/officeDocument/2006/relationships" type="rect" r:blip="">
+          <dgm:adjLst/>
+        </dgm:shape>
+        <dgm:presOf axis="self" ptType="node"/>
+        <dgm:constrLst>
+          <dgm:constr type="lMarg" refType="primFontSz" fact="0.05"/>
+          <dgm:constr type="rMarg" refType="primFontSz" fact="0.05"/>
+          <dgm:constr type="tMarg" refType="primFontSz" fact="0.05"/>
+          <dgm:constr type="bMarg" refType="primFontSz" fact="0.05"/>
+        </dgm:constrLst>
+        <dgm:ruleLst>
+          <dgm:rule type="primFontSz" val="5" fact="NaN" max="NaN"/>
+        </dgm:ruleLst>
+      </dgm:layoutNode>
+    </dgm:forEach>
+    <dgm:forEach name="Name95" axis="ch" ptType="node" st="5" cnt="1">
+      <dgm:layoutNode name="Accent5">
+        <dgm:alg type="sp"/>
+        <dgm:shape xmlns:r="http://schemas.openxmlformats.org/officeDocument/2006/relationships" r:blip="">
+          <dgm:adjLst/>
+        </dgm:shape>
+        <dgm:presOf/>
+        <dgm:constrLst/>
+        <dgm:forEach name="Name96" ref="accentRepeat"/>
+      </dgm:layoutNode>
+      <dgm:choose name="Name97">
+        <dgm:if name="Name98" axis="ch" ptType="node" func="cnt" op="gte" val="1">
+          <dgm:layoutNode name="Child5" styleLbl="revTx">
+            <dgm:varLst>
+              <dgm:chMax val="0"/>
+              <dgm:chPref val="0"/>
+              <dgm:bulletEnabled val="1"/>
+            </dgm:varLst>
+            <dgm:alg type="tx">
+              <dgm:param type="stBulletLvl" val="1"/>
+              <dgm:param type="parTxLTRAlign" val="l"/>
+              <dgm:param type="txAnchorVertCh" val="mid"/>
+            </dgm:alg>
+            <dgm:shape xmlns:r="http://schemas.openxmlformats.org/officeDocument/2006/relationships" type="rect" r:blip="">
+              <dgm:adjLst/>
+            </dgm:shape>
+            <dgm:presOf axis="des" ptType="node"/>
+            <dgm:constrLst>
+              <dgm:constr type="lMarg" refType="primFontSz" fact="0.05"/>
+              <dgm:constr type="rMarg" refType="primFontSz" fact="0.05"/>
+              <dgm:constr type="tMarg" refType="primFontSz" fact="0.05"/>
+              <dgm:constr type="bMarg" refType="primFontSz" fact="0.05"/>
+            </dgm:constrLst>
+            <dgm:ruleLst>
+              <dgm:rule type="primFontSz" val="5" fact="NaN" max="NaN"/>
+            </dgm:ruleLst>
+          </dgm:layoutNode>
+        </dgm:if>
+        <dgm:else name="Name99"/>
+      </dgm:choose>
+      <dgm:layoutNode name="Parent5" styleLbl="revTx">
+        <dgm:varLst>
+          <dgm:chMax val="1"/>
+          <dgm:chPref val="1"/>
+          <dgm:bulletEnabled val="1"/>
+        </dgm:varLst>
+        <dgm:alg type="tx">
+          <dgm:param type="shpTxLTRAlignCh" val="ctr"/>
+          <dgm:param type="txAnchorVertCh" val="mid"/>
+        </dgm:alg>
+        <dgm:shape xmlns:r="http://schemas.openxmlformats.org/officeDocument/2006/relationships" type="rect" r:blip="">
+          <dgm:adjLst/>
+        </dgm:shape>
+        <dgm:presOf axis="self" ptType="node"/>
+        <dgm:constrLst>
+          <dgm:constr type="lMarg" refType="primFontSz" fact="0.05"/>
+          <dgm:constr type="rMarg" refType="primFontSz" fact="0.05"/>
+          <dgm:constr type="tMarg" refType="primFontSz" fact="0.05"/>
+          <dgm:constr type="bMarg" refType="primFontSz" fact="0.05"/>
+        </dgm:constrLst>
+        <dgm:ruleLst>
+          <dgm:rule type="primFontSz" val="5" fact="NaN" max="NaN"/>
+        </dgm:ruleLst>
+      </dgm:layoutNode>
+    </dgm:forEach>
+    <dgm:forEach name="Name100" axis="ch" ptType="node" st="6" cnt="1">
+      <dgm:layoutNode name="Accent6">
+        <dgm:alg type="sp"/>
+        <dgm:shape xmlns:r="http://schemas.openxmlformats.org/officeDocument/2006/relationships" r:blip="">
+          <dgm:adjLst/>
+        </dgm:shape>
+        <dgm:presOf/>
+        <dgm:constrLst/>
+        <dgm:forEach name="Name101" ref="accentRepeat"/>
+      </dgm:layoutNode>
+      <dgm:choose name="Name102">
+        <dgm:if name="Name103" axis="ch" ptType="node" func="cnt" op="gte" val="1">
+          <dgm:layoutNode name="Child6" styleLbl="revTx">
+            <dgm:varLst>
+              <dgm:chMax val="0"/>
+              <dgm:chPref val="0"/>
+              <dgm:bulletEnabled val="1"/>
+            </dgm:varLst>
+            <dgm:alg type="tx">
+              <dgm:param type="stBulletLvl" val="1"/>
+              <dgm:param type="parTxLTRAlign" val="l"/>
+              <dgm:param type="txAnchorVertCh" val="mid"/>
+            </dgm:alg>
+            <dgm:shape xmlns:r="http://schemas.openxmlformats.org/officeDocument/2006/relationships" type="rect" r:blip="">
+              <dgm:adjLst/>
+            </dgm:shape>
+            <dgm:presOf axis="des" ptType="node"/>
+            <dgm:constrLst>
+              <dgm:constr type="lMarg" refType="primFontSz" fact="0.05"/>
+              <dgm:constr type="rMarg" refType="primFontSz" fact="0.05"/>
+              <dgm:constr type="tMarg" refType="primFontSz" fact="0.05"/>
+              <dgm:constr type="bMarg" refType="primFontSz" fact="0.05"/>
+            </dgm:constrLst>
+            <dgm:ruleLst>
+              <dgm:rule type="primFontSz" val="5" fact="NaN" max="NaN"/>
+            </dgm:ruleLst>
+          </dgm:layoutNode>
+        </dgm:if>
+        <dgm:else name="Name104"/>
+      </dgm:choose>
+      <dgm:layoutNode name="Parent6" styleLbl="revTx">
+        <dgm:varLst>
+          <dgm:chMax val="1"/>
+          <dgm:chPref val="1"/>
+          <dgm:bulletEnabled val="1"/>
+        </dgm:varLst>
+        <dgm:alg type="tx">
+          <dgm:param type="shpTxLTRAlignCh" val="ctr"/>
+          <dgm:param type="txAnchorVertCh" val="mid"/>
+        </dgm:alg>
+        <dgm:shape xmlns:r="http://schemas.openxmlformats.org/officeDocument/2006/relationships" type="rect" r:blip="">
+          <dgm:adjLst/>
+        </dgm:shape>
+        <dgm:presOf axis="self" ptType="node"/>
+        <dgm:constrLst>
+          <dgm:constr type="lMarg" refType="primFontSz" fact="0.05"/>
+          <dgm:constr type="rMarg" refType="primFontSz" fact="0.05"/>
+          <dgm:constr type="tMarg" refType="primFontSz" fact="0.05"/>
+          <dgm:constr type="bMarg" refType="primFontSz" fact="0.05"/>
+        </dgm:constrLst>
+        <dgm:ruleLst>
+          <dgm:rule type="primFontSz" val="5" fact="NaN" max="NaN"/>
+        </dgm:ruleLst>
+      </dgm:layoutNode>
+    </dgm:forEach>
+    <dgm:forEach name="Name105" axis="ch" ptType="node" st="7" cnt="1">
+      <dgm:layoutNode name="Accent7">
+        <dgm:alg type="sp"/>
+        <dgm:shape xmlns:r="http://schemas.openxmlformats.org/officeDocument/2006/relationships" r:blip="">
+          <dgm:adjLst/>
+        </dgm:shape>
+        <dgm:presOf/>
+        <dgm:constrLst/>
+        <dgm:forEach name="Name106" ref="accentRepeat"/>
+      </dgm:layoutNode>
+      <dgm:choose name="Name107">
+        <dgm:if name="Name108" axis="ch" ptType="node" func="cnt" op="gte" val="1">
+          <dgm:layoutNode name="Child7" styleLbl="revTx">
+            <dgm:varLst>
+              <dgm:chMax val="0"/>
+              <dgm:chPref val="0"/>
+              <dgm:bulletEnabled val="1"/>
+            </dgm:varLst>
+            <dgm:alg type="tx">
+              <dgm:param type="stBulletLvl" val="1"/>
+              <dgm:param type="parTxLTRAlign" val="l"/>
+              <dgm:param type="txAnchorVertCh" val="mid"/>
+            </dgm:alg>
+            <dgm:shape xmlns:r="http://schemas.openxmlformats.org/officeDocument/2006/relationships" type="rect" r:blip="">
+              <dgm:adjLst/>
+            </dgm:shape>
+            <dgm:presOf axis="des" ptType="node"/>
+            <dgm:constrLst>
+              <dgm:constr type="lMarg" refType="primFontSz" fact="0.05"/>
+              <dgm:constr type="rMarg" refType="primFontSz" fact="0.05"/>
+              <dgm:constr type="tMarg" refType="primFontSz" fact="0.05"/>
+              <dgm:constr type="bMarg" refType="primFontSz" fact="0.05"/>
+            </dgm:constrLst>
+            <dgm:ruleLst>
+              <dgm:rule type="primFontSz" val="5" fact="NaN" max="NaN"/>
+            </dgm:ruleLst>
+          </dgm:layoutNode>
+        </dgm:if>
+        <dgm:else name="Name109"/>
+      </dgm:choose>
+      <dgm:layoutNode name="Parent7" styleLbl="revTx">
+        <dgm:varLst>
+          <dgm:chMax val="1"/>
+          <dgm:chPref val="1"/>
+          <dgm:bulletEnabled val="1"/>
+        </dgm:varLst>
+        <dgm:alg type="tx">
+          <dgm:param type="shpTxLTRAlignCh" val="ctr"/>
+          <dgm:param type="txAnchorVertCh" val="mid"/>
+        </dgm:alg>
+        <dgm:shape xmlns:r="http://schemas.openxmlformats.org/officeDocument/2006/relationships" type="rect" r:blip="">
+          <dgm:adjLst/>
+        </dgm:shape>
+        <dgm:presOf axis="self" ptType="node"/>
+        <dgm:constrLst>
+          <dgm:constr type="lMarg" refType="primFontSz" fact="0.05"/>
+          <dgm:constr type="rMarg" refType="primFontSz" fact="0.05"/>
+          <dgm:constr type="tMarg" refType="primFontSz" fact="0.05"/>
+          <dgm:constr type="bMarg" refType="primFontSz" fact="0.05"/>
+        </dgm:constrLst>
+        <dgm:ruleLst>
+          <dgm:rule type="primFontSz" val="5" fact="NaN" max="NaN"/>
+        </dgm:ruleLst>
+      </dgm:layoutNode>
+    </dgm:forEach>
+  </dgm:layoutNode>
+</dgm:layoutDef>
+</file>
+
 <file path=ppt/diagrams/quickStyle1.xml><?xml version="1.0" encoding="utf-8"?>
+<dgm:styleDef xmlns:dgm="http://schemas.openxmlformats.org/drawingml/2006/diagram" xmlns:a="http://schemas.openxmlformats.org/drawingml/2006/main" uniqueId="urn:microsoft.com/office/officeart/2005/8/quickstyle/simple4">
+  <dgm:title val=""/>
+  <dgm:desc val=""/>
+  <dgm:catLst>
+    <dgm:cat type="simple" pri="10400"/>
+  </dgm:catLst>
+  <dgm:scene3d>
+    <a:camera prst="orthographicFront"/>
+    <a:lightRig rig="threePt" dir="t"/>
+  </dgm:scene3d>
+  <dgm:styleLbl name="node0">
+    <dgm:scene3d>
+      <a:camera prst="orthographicFront"/>
+      <a:lightRig rig="threePt" dir="t"/>
+    </dgm:scene3d>
+    <dgm:sp3d/>
+    <dgm:txPr/>
+    <dgm:style>
+      <a:lnRef idx="0">
+        <a:scrgbClr r="0" g="0" b="0"/>
+      </a:lnRef>
+      <a:fillRef idx="3">
+        <a:scrgbClr r="0" g="0" b="0"/>
+      </a:fillRef>
+      <a:effectRef idx="2">
+        <a:scrgbClr r="0" g="0" b="0"/>
+      </a:effectRef>
+      <a:fontRef idx="minor">
+        <a:schemeClr val="lt1"/>
+      </a:fontRef>
+    </dgm:style>
+  </dgm:styleLbl>
+  <dgm:styleLbl name="lnNode1">
+    <dgm:scene3d>
+      <a:camera prst="orthographicFront"/>
+      <a:lightRig rig="threePt" dir="t"/>
+    </dgm:scene3d>
+    <dgm:sp3d/>
+    <dgm:txPr/>
+    <dgm:style>
+      <a:lnRef idx="1">
+        <a:scrgbClr r="0" g="0" b="0"/>
+      </a:lnRef>
+      <a:fillRef idx="3">
+        <a:scrgbClr r="0" g="0" b="0"/>
+      </a:fillRef>
+      <a:effectRef idx="2">
+        <a:scrgbClr r="0" g="0" b="0"/>
+      </a:effectRef>
+      <a:fontRef idx="minor">
+        <a:schemeClr val="lt1"/>
+      </a:fontRef>
+    </dgm:style>
+  </dgm:styleLbl>
+  <dgm:styleLbl name="vennNode1">
+    <dgm:scene3d>
+      <a:camera prst="orthographicFront"/>
+      <a:lightRig rig="threePt" dir="t"/>
+    </dgm:scene3d>
+    <dgm:sp3d/>
+    <dgm:txPr/>
+    <dgm:style>
+      <a:lnRef idx="0">
+        <a:scrgbClr r="0" g="0" b="0"/>
+      </a:lnRef>
+      <a:fillRef idx="3">
+        <a:scrgbClr r="0" g="0" b="0"/>
+      </a:fillRef>
+      <a:effectRef idx="0">
+        <a:scrgbClr r="0" g="0" b="0"/>
+      </a:effectRef>
+      <a:fontRef idx="minor">
+        <a:schemeClr val="tx1"/>
+      </a:fontRef>
+    </dgm:style>
+  </dgm:styleLbl>
+  <dgm:styleLbl name="alignNode1">
+    <dgm:scene3d>
+      <a:camera prst="orthographicFront"/>
+      <a:lightRig rig="threePt" dir="t"/>
+    </dgm:scene3d>
+    <dgm:sp3d/>
+    <dgm:txPr/>
+    <dgm:style>
+      <a:lnRef idx="1">
+        <a:scrgbClr r="0" g="0" b="0"/>
+      </a:lnRef>
+      <a:fillRef idx="3">
+        <a:scrgbClr r="0" g="0" b="0"/>
+      </a:fillRef>
+      <a:effectRef idx="2">
+        <a:scrgbClr r="0" g="0" b="0"/>
+      </a:effectRef>
+      <a:fontRef idx="minor">
+        <a:schemeClr val="lt1"/>
+      </a:fontRef>
+    </dgm:style>
+  </dgm:styleLbl>
+  <dgm:styleLbl name="node1">
+    <dgm:scene3d>
+      <a:camera prst="orthographicFront"/>
+      <a:lightRig rig="threePt" dir="t"/>
+    </dgm:scene3d>
+    <dgm:sp3d/>
+    <dgm:txPr/>
+    <dgm:style>
+      <a:lnRef idx="0">
+        <a:scrgbClr r="0" g="0" b="0"/>
+      </a:lnRef>
+      <a:fillRef idx="3">
+        <a:scrgbClr r="0" g="0" b="0"/>
+      </a:fillRef>
+      <a:effectRef idx="2">
+        <a:scrgbClr r="0" g="0" b="0"/>
+      </a:effectRef>
+      <a:fontRef idx="minor">
+        <a:schemeClr val="lt1"/>
+      </a:fontRef>
+    </dgm:style>
+  </dgm:styleLbl>
+  <dgm:styleLbl name="node2">
+    <dgm:scene3d>
+      <a:camera prst="orthographicFront"/>
+      <a:lightRig rig="threePt" dir="t"/>
+    </dgm:scene3d>
+    <dgm:sp3d/>
+    <dgm:txPr/>
+    <dgm:style>
+      <a:lnRef idx="0">
+        <a:scrgbClr r="0" g="0" b="0"/>
+      </a:lnRef>
+      <a:fillRef idx="3">
+        <a:scrgbClr r="0" g="0" b="0"/>
+      </a:fillRef>
+      <a:effectRef idx="2">
+        <a:scrgbClr r="0" g="0" b="0"/>
+      </a:effectRef>
+      <a:fontRef idx="minor">
+        <a:schemeClr val="lt1"/>
+      </a:fontRef>
+    </dgm:style>
+  </dgm:styleLbl>
+  <dgm:styleLbl name="node3">
+    <dgm:scene3d>
+      <a:camera prst="orthographicFront"/>
+      <a:lightRig rig="threePt" dir="t"/>
+    </dgm:scene3d>
+    <dgm:sp3d/>
+    <dgm:txPr/>
+    <dgm:style>
+      <a:lnRef idx="0">
+        <a:scrgbClr r="0" g="0" b="0"/>
+      </a:lnRef>
+      <a:fillRef idx="3">
+        <a:scrgbClr r="0" g="0" b="0"/>
+      </a:fillRef>
+      <a:effectRef idx="2">
+        <a:scrgbClr r="0" g="0" b="0"/>
+      </a:effectRef>
+      <a:fontRef idx="minor">
+        <a:schemeClr val="lt1"/>
+      </a:fontRef>
+    </dgm:style>
+  </dgm:styleLbl>
+  <dgm:styleLbl name="node4">
+    <dgm:scene3d>
+      <a:camera prst="orthographicFront"/>
+      <a:lightRig rig="threePt" dir="t"/>
+    </dgm:scene3d>
+    <dgm:sp3d/>
+    <dgm:txPr/>
+    <dgm:style>
+      <a:lnRef idx="0">
+        <a:scrgbClr r="0" g="0" b="0"/>
+      </a:lnRef>
+      <a:fillRef idx="3">
+        <a:scrgbClr r="0" g="0" b="0"/>
+      </a:fillRef>
+      <a:effectRef idx="2">
+        <a:scrgbClr r="0" g="0" b="0"/>
+      </a:effectRef>
+      <a:fontRef idx="minor">
+        <a:schemeClr val="lt1"/>
+      </a:fontRef>
+    </dgm:style>
+  </dgm:styleLbl>
+  <dgm:styleLbl name="fgImgPlace1">
+    <dgm:scene3d>
+      <a:camera prst="orthographicFront"/>
+      <a:lightRig rig="threePt" dir="t"/>
+    </dgm:scene3d>
+    <dgm:sp3d/>
+    <dgm:txPr/>
+    <dgm:style>
+      <a:lnRef idx="0">
+        <a:scrgbClr r="0" g="0" b="0"/>
+      </a:lnRef>
+      <a:fillRef idx="1">
+        <a:scrgbClr r="0" g="0" b="0"/>
+      </a:fillRef>
+      <a:effectRef idx="2">
+        <a:scrgbClr r="0" g="0" b="0"/>
+      </a:effectRef>
+      <a:fontRef idx="minor"/>
+    </dgm:style>
+  </dgm:styleLbl>
+  <dgm:styleLbl name="alignImgPlace1">
+    <dgm:scene3d>
+      <a:camera prst="orthographicFront"/>
+      <a:lightRig rig="threePt" dir="t"/>
+    </dgm:scene3d>
+    <dgm:sp3d/>
+    <dgm:txPr/>
+    <dgm:style>
+      <a:lnRef idx="0">
+        <a:scrgbClr r="0" g="0" b="0"/>
+      </a:lnRef>
+      <a:fillRef idx="1">
+        <a:scrgbClr r="0" g="0" b="0"/>
+      </a:fillRef>
+      <a:effectRef idx="2">
+        <a:scrgbClr r="0" g="0" b="0"/>
+      </a:effectRef>
+      <a:fontRef idx="minor"/>
+    </dgm:style>
+  </dgm:styleLbl>
+  <dgm:styleLbl name="bgImgPlace1">
+    <dgm:scene3d>
+      <a:camera prst="orthographicFront"/>
+      <a:lightRig rig="threePt" dir="t"/>
+    </dgm:scene3d>
+    <dgm:sp3d/>
+    <dgm:txPr/>
+    <dgm:style>
+      <a:lnRef idx="0">
+        <a:scrgbClr r="0" g="0" b="0"/>
+      </a:lnRef>
+      <a:fillRef idx="1">
+        <a:scrgbClr r="0" g="0" b="0"/>
+      </a:fillRef>
+      <a:effectRef idx="2">
+        <a:scrgbClr r="0" g="0" b="0"/>
+      </a:effectRef>
+      <a:fontRef idx="minor"/>
+    </dgm:style>
+  </dgm:styleLbl>
+  <dgm:styleLbl name="sibTrans2D1">
+    <dgm:scene3d>
+      <a:camera prst="orthographicFront"/>
+      <a:lightRig rig="threePt" dir="t"/>
+    </dgm:scene3d>
+    <dgm:sp3d/>
+    <dgm:txPr/>
+    <dgm:style>
+      <a:lnRef idx="0">
+        <a:scrgbClr r="0" g="0" b="0"/>
+      </a:lnRef>
+      <a:fillRef idx="3">
+        <a:scrgbClr r="0" g="0" b="0"/>
+      </a:fillRef>
+      <a:effectRef idx="2">
+        <a:scrgbClr r="0" g="0" b="0"/>
+      </a:effectRef>
+      <a:fontRef idx="minor">
+        <a:schemeClr val="lt1"/>
+      </a:fontRef>
+    </dgm:style>
+  </dgm:styleLbl>
+  <dgm:styleLbl name="fgSibTrans2D1">
+    <dgm:scene3d>
+      <a:camera prst="orthographicFront"/>
+      <a:lightRig rig="threePt" dir="t"/>
+    </dgm:scene3d>
+    <dgm:sp3d/>
+    <dgm:txPr/>
+    <dgm:style>
+      <a:lnRef idx="0">
+        <a:scrgbClr r="0" g="0" b="0"/>
+      </a:lnRef>
+      <a:fillRef idx="3">
+        <a:scrgbClr r="0" g="0" b="0"/>
+      </a:fillRef>
+      <a:effectRef idx="2">
+        <a:scrgbClr r="0" g="0" b="0"/>
+      </a:effectRef>
+      <a:fontRef idx="minor">
+        <a:schemeClr val="lt1"/>
+      </a:fontRef>
+    </dgm:style>
+  </dgm:styleLbl>
+  <dgm:styleLbl name="bgSibTrans2D1">
+    <dgm:scene3d>
+      <a:camera prst="orthographicFront"/>
+      <a:lightRig rig="threePt" dir="t"/>
+    </dgm:scene3d>
+    <dgm:sp3d/>
+    <dgm:txPr/>
+    <dgm:style>
+      <a:lnRef idx="0">
+        <a:scrgbClr r="0" g="0" b="0"/>
+      </a:lnRef>
+      <a:fillRef idx="3">
+        <a:scrgbClr r="0" g="0" b="0"/>
+      </a:fillRef>
+      <a:effectRef idx="2">
+        <a:scrgbClr r="0" g="0" b="0"/>
+      </a:effectRef>
+      <a:fontRef idx="minor">
+        <a:schemeClr val="lt1"/>
+      </a:fontRef>
+    </dgm:style>
+  </dgm:styleLbl>
+  <dgm:styleLbl name="sibTrans1D1">
+    <dgm:scene3d>
+      <a:camera prst="orthographicFront"/>
+      <a:lightRig rig="threePt" dir="t"/>
+    </dgm:scene3d>
+    <dgm:sp3d/>
+    <dgm:txPr/>
+    <dgm:style>
+      <a:lnRef idx="1">
+        <a:scrgbClr r="0" g="0" b="0"/>
+      </a:lnRef>
+      <a:fillRef idx="0">
+        <a:scrgbClr r="0" g="0" b="0"/>
+      </a:fillRef>
+      <a:effectRef idx="0">
+        <a:scrgbClr r="0" g="0" b="0"/>
+      </a:effectRef>
+      <a:fontRef idx="minor"/>
+    </dgm:style>
+  </dgm:styleLbl>
+  <dgm:styleLbl name="callout">
+    <dgm:scene3d>
+      <a:camera prst="orthographicFront"/>
+      <a:lightRig rig="threePt" dir="t"/>
+    </dgm:scene3d>
+    <dgm:sp3d/>
+    <dgm:txPr/>
+    <dgm:style>
+      <a:lnRef idx="2">
+        <a:scrgbClr r="0" g="0" b="0"/>
+      </a:lnRef>
+      <a:fillRef idx="1">
+        <a:scrgbClr r="0" g="0" b="0"/>
+      </a:fillRef>
+      <a:effectRef idx="1">
+        <a:scrgbClr r="0" g="0" b="0"/>
+      </a:effectRef>
+      <a:fontRef idx="minor"/>
+    </dgm:style>
+  </dgm:styleLbl>
+  <dgm:styleLbl name="asst0">
+    <dgm:scene3d>
+      <a:camera prst="orthographicFront"/>
+      <a:lightRig rig="threePt" dir="t"/>
+    </dgm:scene3d>
+    <dgm:sp3d/>
+    <dgm:txPr/>
+    <dgm:style>
+      <a:lnRef idx="0">
+        <a:scrgbClr r="0" g="0" b="0"/>
+      </a:lnRef>
+      <a:fillRef idx="3">
+        <a:scrgbClr r="0" g="0" b="0"/>
+      </a:fillRef>
+      <a:effectRef idx="2">
+        <a:scrgbClr r="0" g="0" b="0"/>
+      </a:effectRef>
+      <a:fontRef idx="minor">
+        <a:schemeClr val="lt1"/>
+      </a:fontRef>
+    </dgm:style>
+  </dgm:styleLbl>
+  <dgm:styleLbl name="asst1">
+    <dgm:scene3d>
+      <a:camera prst="orthographicFront"/>
+      <a:lightRig rig="threePt" dir="t"/>
+    </dgm:scene3d>
+    <dgm:sp3d/>
+    <dgm:txPr/>
+    <dgm:style>
+      <a:lnRef idx="0">
+        <a:scrgbClr r="0" g="0" b="0"/>
+      </a:lnRef>
+      <a:fillRef idx="3">
+        <a:scrgbClr r="0" g="0" b="0"/>
+      </a:fillRef>
+      <a:effectRef idx="2">
+        <a:scrgbClr r="0" g="0" b="0"/>
+      </a:effectRef>
+      <a:fontRef idx="minor">
+        <a:schemeClr val="lt1"/>
+      </a:fontRef>
+    </dgm:style>
+  </dgm:styleLbl>
+  <dgm:styleLbl name="asst2">
+    <dgm:scene3d>
+      <a:camera prst="orthographicFront"/>
+      <a:lightRig rig="threePt" dir="t"/>
+    </dgm:scene3d>
+    <dgm:sp3d/>
+    <dgm:txPr/>
+    <dgm:style>
+      <a:lnRef idx="0">
+        <a:scrgbClr r="0" g="0" b="0"/>
+      </a:lnRef>
+      <a:fillRef idx="3">
+        <a:scrgbClr r="0" g="0" b="0"/>
+      </a:fillRef>
+      <a:effectRef idx="2">
+        <a:scrgbClr r="0" g="0" b="0"/>
+      </a:effectRef>
+      <a:fontRef idx="minor">
+        <a:schemeClr val="lt1"/>
+      </a:fontRef>
+    </dgm:style>
+  </dgm:styleLbl>
+  <dgm:styleLbl name="asst3">
+    <dgm:scene3d>
+      <a:camera prst="orthographicFront"/>
+      <a:lightRig rig="threePt" dir="t"/>
+    </dgm:scene3d>
+    <dgm:sp3d/>
+    <dgm:txPr/>
+    <dgm:style>
+      <a:lnRef idx="0">
+        <a:scrgbClr r="0" g="0" b="0"/>
+      </a:lnRef>
+      <a:fillRef idx="3">
+        <a:scrgbClr r="0" g="0" b="0"/>
+      </a:fillRef>
+      <a:effectRef idx="2">
+        <a:scrgbClr r="0" g="0" b="0"/>
+      </a:effectRef>
+      <a:fontRef idx="minor">
+        <a:schemeClr val="lt1"/>
+      </a:fontRef>
+    </dgm:style>
+  </dgm:styleLbl>
+  <dgm:styleLbl name="asst4">
+    <dgm:scene3d>
+      <a:camera prst="orthographicFront"/>
+      <a:lightRig rig="threePt" dir="t"/>
+    </dgm:scene3d>
+    <dgm:sp3d/>
+    <dgm:txPr/>
+    <dgm:style>
+      <a:lnRef idx="0">
+        <a:scrgbClr r="0" g="0" b="0"/>
+      </a:lnRef>
+      <a:fillRef idx="3">
+        <a:scrgbClr r="0" g="0" b="0"/>
+      </a:fillRef>
+      <a:effectRef idx="2">
+        <a:scrgbClr r="0" g="0" b="0"/>
+      </a:effectRef>
+      <a:fontRef idx="minor">
+        <a:schemeClr val="lt1"/>
+      </a:fontRef>
+    </dgm:style>
+  </dgm:styleLbl>
+  <dgm:styleLbl name="parChTrans2D1">
+    <dgm:scene3d>
+      <a:camera prst="orthographicFront"/>
+      <a:lightRig rig="threePt" dir="t"/>
+    </dgm:scene3d>
+    <dgm:sp3d/>
+    <dgm:txPr/>
+    <dgm:style>
+      <a:lnRef idx="0">
+        <a:scrgbClr r="0" g="0" b="0"/>
+      </a:lnRef>
+      <a:fillRef idx="3">
+        <a:scrgbClr r="0" g="0" b="0"/>
+      </a:fillRef>
+      <a:effectRef idx="2">
+        <a:scrgbClr r="0" g="0" b="0"/>
+      </a:effectRef>
+      <a:fontRef idx="minor">
+        <a:schemeClr val="lt1"/>
+      </a:fontRef>
+    </dgm:style>
+  </dgm:styleLbl>
+  <dgm:styleLbl name="parChTrans2D2">
+    <dgm:scene3d>
+      <a:camera prst="orthographicFront"/>
+      <a:lightRig rig="threePt" dir="t"/>
+    </dgm:scene3d>
+    <dgm:sp3d/>
+    <dgm:txPr/>
+    <dgm:style>
+      <a:lnRef idx="0">
+        <a:scrgbClr r="0" g="0" b="0"/>
+      </a:lnRef>
+      <a:fillRef idx="3">
+        <a:scrgbClr r="0" g="0" b="0"/>
+      </a:fillRef>
+      <a:effectRef idx="2">
+        <a:scrgbClr r="0" g="0" b="0"/>
+      </a:effectRef>
+      <a:fontRef idx="minor">
+        <a:schemeClr val="lt1"/>
+      </a:fontRef>
+    </dgm:style>
+  </dgm:styleLbl>
+  <dgm:styleLbl name="parChTrans2D3">
+    <dgm:scene3d>
+      <a:camera prst="orthographicFront"/>
+      <a:lightRig rig="threePt" dir="t"/>
+    </dgm:scene3d>
+    <dgm:sp3d/>
+    <dgm:txPr/>
+    <dgm:style>
+      <a:lnRef idx="1">
+        <a:scrgbClr r="0" g="0" b="0"/>
+      </a:lnRef>
+      <a:fillRef idx="3">
+        <a:scrgbClr r="0" g="0" b="0"/>
+      </a:fillRef>
+      <a:effectRef idx="2">
+        <a:scrgbClr r="0" g="0" b="0"/>
+      </a:effectRef>
+      <a:fontRef idx="minor">
+        <a:schemeClr val="lt1"/>
+      </a:fontRef>
+    </dgm:style>
+  </dgm:styleLbl>
+  <dgm:styleLbl name="parChTrans2D4">
+    <dgm:scene3d>
+      <a:camera prst="orthographicFront"/>
+      <a:lightRig rig="threePt" dir="t"/>
+    </dgm:scene3d>
+    <dgm:sp3d/>
+    <dgm:txPr/>
+    <dgm:style>
+      <a:lnRef idx="1">
+        <a:scrgbClr r="0" g="0" b="0"/>
+      </a:lnRef>
+      <a:fillRef idx="3">
+        <a:scrgbClr r="0" g="0" b="0"/>
+      </a:fillRef>
+      <a:effectRef idx="2">
+        <a:scrgbClr r="0" g="0" b="0"/>
+      </a:effectRef>
+      <a:fontRef idx="minor">
+        <a:schemeClr val="lt1"/>
+      </a:fontRef>
+    </dgm:style>
+  </dgm:styleLbl>
+  <dgm:styleLbl name="parChTrans1D1">
+    <dgm:scene3d>
+      <a:camera prst="orthographicFront"/>
+      <a:lightRig rig="threePt" dir="t"/>
+    </dgm:scene3d>
+    <dgm:sp3d/>
+    <dgm:txPr/>
+    <dgm:style>
+      <a:lnRef idx="1">
+        <a:scrgbClr r="0" g="0" b="0"/>
+      </a:lnRef>
+      <a:fillRef idx="0">
+        <a:scrgbClr r="0" g="0" b="0"/>
+      </a:fillRef>
+      <a:effectRef idx="0">
+        <a:scrgbClr r="0" g="0" b="0"/>
+      </a:effectRef>
+      <a:fontRef idx="minor"/>
+    </dgm:style>
+  </dgm:styleLbl>
+  <dgm:styleLbl name="parChTrans1D2">
+    <dgm:scene3d>
+      <a:camera prst="orthographicFront"/>
+      <a:lightRig rig="threePt" dir="t"/>
+    </dgm:scene3d>
+    <dgm:sp3d/>
+    <dgm:txPr/>
+    <dgm:style>
+      <a:lnRef idx="1">
+        <a:scrgbClr r="0" g="0" b="0"/>
+      </a:lnRef>
+      <a:fillRef idx="0">
+        <a:scrgbClr r="0" g="0" b="0"/>
+      </a:fillRef>
+      <a:effectRef idx="0">
+        <a:scrgbClr r="0" g="0" b="0"/>
+      </a:effectRef>
+      <a:fontRef idx="minor"/>
+    </dgm:style>
+  </dgm:styleLbl>
+  <dgm:styleLbl name="parChTrans1D3">
+    <dgm:scene3d>
+      <a:camera prst="orthographicFront"/>
+      <a:lightRig rig="threePt" dir="t"/>
+    </dgm:scene3d>
+    <dgm:sp3d/>
+    <dgm:txPr/>
+    <dgm:style>
+      <a:lnRef idx="1">
+        <a:scrgbClr r="0" g="0" b="0"/>
+      </a:lnRef>
+      <a:fillRef idx="0">
+        <a:scrgbClr r="0" g="0" b="0"/>
+      </a:fillRef>
+      <a:effectRef idx="0">
+        <a:scrgbClr r="0" g="0" b="0"/>
+      </a:effectRef>
+      <a:fontRef idx="minor"/>
+    </dgm:style>
+  </dgm:styleLbl>
+  <dgm:styleLbl name="parChTrans1D4">
+    <dgm:scene3d>
+      <a:camera prst="orthographicFront"/>
+      <a:lightRig rig="threePt" dir="t"/>
+    </dgm:scene3d>
+    <dgm:sp3d/>
+    <dgm:txPr/>
+    <dgm:style>
+      <a:lnRef idx="1">
+        <a:scrgbClr r="0" g="0" b="0"/>
+      </a:lnRef>
+      <a:fillRef idx="0">
+        <a:scrgbClr r="0" g="0" b="0"/>
+      </a:fillRef>
+      <a:effectRef idx="0">
+        <a:scrgbClr r="0" g="0" b="0"/>
+      </a:effectRef>
+      <a:fontRef idx="minor"/>
+    </dgm:style>
+  </dgm:styleLbl>
+  <dgm:styleLbl name="fgAcc1">
+    <dgm:scene3d>
+      <a:camera prst="orthographicFront"/>
+      <a:lightRig rig="threePt" dir="t"/>
+    </dgm:scene3d>
+    <dgm:sp3d/>
+    <dgm:txPr/>
+    <dgm:style>
+      <a:lnRef idx="1">
+        <a:scrgbClr r="0" g="0" b="0"/>
+      </a:lnRef>
+      <a:fillRef idx="1">
+        <a:scrgbClr r="0" g="0" b="0"/>
+      </a:fillRef>
+      <a:effectRef idx="0">
+        <a:scrgbClr r="0" g="0" b="0"/>
+      </a:effectRef>
+      <a:fontRef idx="minor"/>
+    </dgm:style>
+  </dgm:styleLbl>
+  <dgm:styleLbl name="conFgAcc1">
+    <dgm:scene3d>
+      <a:camera prst="orthographicFront"/>
+      <a:lightRig rig="threePt" dir="t"/>
+    </dgm:scene3d>
+    <dgm:sp3d/>
+    <dgm:txPr/>
+    <dgm:style>
+      <a:lnRef idx="1">
+        <a:scrgbClr r="0" g="0" b="0"/>
+      </a:lnRef>
+      <a:fillRef idx="1">
+        <a:scrgbClr r="0" g="0" b="0"/>
+      </a:fillRef>
+      <a:effectRef idx="0">
+        <a:scrgbClr r="0" g="0" b="0"/>
+      </a:effectRef>
+      <a:fontRef idx="minor"/>
+    </dgm:style>
+  </dgm:styleLbl>
+  <dgm:styleLbl name="alignAcc1">
+    <dgm:scene3d>
+      <a:camera prst="orthographicFront"/>
+      <a:lightRig rig="threePt" dir="t"/>
+    </dgm:scene3d>
+    <dgm:sp3d/>
+    <dgm:txPr/>
+    <dgm:style>
+      <a:lnRef idx="1">
+        <a:scrgbClr r="0" g="0" b="0"/>
+      </a:lnRef>
+      <a:fillRef idx="1">
+        <a:scrgbClr r="0" g="0" b="0"/>
+      </a:fillRef>
+      <a:effectRef idx="0">
+        <a:scrgbClr r="0" g="0" b="0"/>
+      </a:effectRef>
+      <a:fontRef idx="minor"/>
+    </dgm:style>
+  </dgm:styleLbl>
+  <dgm:styleLbl name="trAlignAcc1">
+    <dgm:scene3d>
+      <a:camera prst="orthographicFront"/>
+      <a:lightRig rig="threePt" dir="t"/>
+    </dgm:scene3d>
+    <dgm:sp3d/>
+    <dgm:txPr/>
+    <dgm:style>
+      <a:lnRef idx="1">
+        <a:scrgbClr r="0" g="0" b="0"/>
+      </a:lnRef>
+      <a:fillRef idx="1">
+        <a:scrgbClr r="0" g="0" b="0"/>
+      </a:fillRef>
+      <a:effectRef idx="0">
+        <a:scrgbClr r="0" g="0" b="0"/>
+      </a:effectRef>
+      <a:fontRef idx="minor"/>
+    </dgm:style>
+  </dgm:styleLbl>
+  <dgm:styleLbl name="bgAcc1">
+    <dgm:scene3d>
+      <a:camera prst="orthographicFront"/>
+      <a:lightRig rig="threePt" dir="t"/>
+    </dgm:scene3d>
+    <dgm:sp3d/>
+    <dgm:txPr/>
+    <dgm:style>
+      <a:lnRef idx="1">
+        <a:scrgbClr r="0" g="0" b="0"/>
+      </a:lnRef>
+      <a:fillRef idx="1">
+        <a:scrgbClr r="0" g="0" b="0"/>
+      </a:fillRef>
+      <a:effectRef idx="0">
+        <a:scrgbClr r="0" g="0" b="0"/>
+      </a:effectRef>
+      <a:fontRef idx="minor"/>
+    </dgm:style>
+  </dgm:styleLbl>
+  <dgm:styleLbl name="solidFgAcc1">
+    <dgm:scene3d>
+      <a:camera prst="orthographicFront"/>
+      <a:lightRig rig="threePt" dir="t"/>
+    </dgm:scene3d>
+    <dgm:sp3d/>
+    <dgm:txPr/>
+    <dgm:style>
+      <a:lnRef idx="1">
+        <a:scrgbClr r="0" g="0" b="0"/>
+      </a:lnRef>
+      <a:fillRef idx="1">
+        <a:scrgbClr r="0" g="0" b="0"/>
+      </a:fillRef>
+      <a:effectRef idx="0">
+        <a:scrgbClr r="0" g="0" b="0"/>
+      </a:effectRef>
+      <a:fontRef idx="minor"/>
+    </dgm:style>
+  </dgm:styleLbl>
+  <dgm:styleLbl name="solidAlignAcc1">
+    <dgm:scene3d>
+      <a:camera prst="orthographicFront"/>
+      <a:lightRig rig="threePt" dir="t"/>
+    </dgm:scene3d>
+    <dgm:sp3d/>
+    <dgm:txPr/>
+    <dgm:style>
+      <a:lnRef idx="1">
+        <a:scrgbClr r="0" g="0" b="0"/>
+      </a:lnRef>
+      <a:fillRef idx="1">
+        <a:scrgbClr r="0" g="0" b="0"/>
+      </a:fillRef>
+      <a:effectRef idx="0">
+        <a:scrgbClr r="0" g="0" b="0"/>
+      </a:effectRef>
+      <a:fontRef idx="minor"/>
+    </dgm:style>
+  </dgm:styleLbl>
+  <dgm:styleLbl name="solidBgAcc1">
+    <dgm:scene3d>
+      <a:camera prst="orthographicFront"/>
+      <a:lightRig rig="threePt" dir="t"/>
+    </dgm:scene3d>
+    <dgm:sp3d/>
+    <dgm:txPr/>
+    <dgm:style>
+      <a:lnRef idx="1">
+        <a:scrgbClr r="0" g="0" b="0"/>
+      </a:lnRef>
+      <a:fillRef idx="1">
+        <a:scrgbClr r="0" g="0" b="0"/>
+      </a:fillRef>
+      <a:effectRef idx="0">
+        <a:scrgbClr r="0" g="0" b="0"/>
+      </a:effectRef>
+      <a:fontRef idx="minor"/>
+    </dgm:style>
+  </dgm:styleLbl>
+  <dgm:styleLbl name="fgAccFollowNode1">
+    <dgm:scene3d>
+      <a:camera prst="orthographicFront"/>
+      <a:lightRig rig="threePt" dir="t"/>
+    </dgm:scene3d>
+    <dgm:sp3d/>
+    <dgm:txPr/>
+    <dgm:style>
+      <a:lnRef idx="1">
+        <a:scrgbClr r="0" g="0" b="0"/>
+      </a:lnRef>
+      <a:fillRef idx="1">
+        <a:scrgbClr r="0" g="0" b="0"/>
+      </a:fillRef>
+      <a:effectRef idx="0">
+        <a:scrgbClr r="0" g="0" b="0"/>
+      </a:effectRef>
+      <a:fontRef idx="minor"/>
+    </dgm:style>
+  </dgm:styleLbl>
+  <dgm:styleLbl name="alignAccFollowNode1">
+    <dgm:scene3d>
+      <a:camera prst="orthographicFront"/>
+      <a:lightRig rig="threePt" dir="t"/>
+    </dgm:scene3d>
+    <dgm:sp3d/>
+    <dgm:txPr/>
+    <dgm:style>
+      <a:lnRef idx="1">
+        <a:scrgbClr r="0" g="0" b="0"/>
+      </a:lnRef>
+      <a:fillRef idx="1">
+        <a:scrgbClr r="0" g="0" b="0"/>
+      </a:fillRef>
+      <a:effectRef idx="0">
+        <a:scrgbClr r="0" g="0" b="0"/>
+      </a:effectRef>
+      <a:fontRef idx="minor"/>
+    </dgm:style>
+  </dgm:styleLbl>
+  <dgm:styleLbl name="bgAccFollowNode1">
+    <dgm:scene3d>
+      <a:camera prst="orthographicFront"/>
+      <a:lightRig rig="threePt" dir="t"/>
+    </dgm:scene3d>
+    <dgm:sp3d/>
+    <dgm:txPr/>
+    <dgm:style>
+      <a:lnRef idx="1">
+        <a:scrgbClr r="0" g="0" b="0"/>
+      </a:lnRef>
+      <a:fillRef idx="1">
+        <a:scrgbClr r="0" g="0" b="0"/>
+      </a:fillRef>
+      <a:effectRef idx="0">
+        <a:scrgbClr r="0" g="0" b="0"/>
+      </a:effectRef>
+      <a:fontRef idx="minor"/>
+    </dgm:style>
+  </dgm:styleLbl>
+  <dgm:styleLbl name="fgAcc0">
+    <dgm:scene3d>
+      <a:camera prst="orthographicFront"/>
+      <a:lightRig rig="threePt" dir="t"/>
+    </dgm:scene3d>
+    <dgm:sp3d/>
+    <dgm:txPr/>
+    <dgm:style>
+      <a:lnRef idx="1">
+        <a:scrgbClr r="0" g="0" b="0"/>
+      </a:lnRef>
+      <a:fillRef idx="1">
+        <a:scrgbClr r="0" g="0" b="0"/>
+      </a:fillRef>
+      <a:effectRef idx="0">
+        <a:scrgbClr r="0" g="0" b="0"/>
+      </a:effectRef>
+      <a:fontRef idx="minor"/>
+    </dgm:style>
+  </dgm:styleLbl>
+  <dgm:styleLbl name="fgAcc2">
+    <dgm:scene3d>
+      <a:camera prst="orthographicFront"/>
+      <a:lightRig rig="threePt" dir="t"/>
+    </dgm:scene3d>
+    <dgm:sp3d/>
+    <dgm:txPr/>
+    <dgm:style>
+      <a:lnRef idx="1">
+        <a:scrgbClr r="0" g="0" b="0"/>
+      </a:lnRef>
+      <a:fillRef idx="1">
+        <a:scrgbClr r="0" g="0" b="0"/>
+      </a:fillRef>
+      <a:effectRef idx="0">
+        <a:scrgbClr r="0" g="0" b="0"/>
+      </a:effectRef>
+      <a:fontRef idx="minor"/>
+    </dgm:style>
+  </dgm:styleLbl>
+  <dgm:styleLbl name="fgAcc3">
+    <dgm:scene3d>
+      <a:camera prst="orthographicFront"/>
+      <a:lightRig rig="threePt" dir="t"/>
+    </dgm:scene3d>
+    <dgm:sp3d/>
+    <dgm:txPr/>
+    <dgm:style>
+      <a:lnRef idx="1">
+        <a:scrgbClr r="0" g="0" b="0"/>
+      </a:lnRef>
+      <a:fillRef idx="1">
+        <a:scrgbClr r="0" g="0" b="0"/>
+      </a:fillRef>
+      <a:effectRef idx="0">
+        <a:scrgbClr r="0" g="0" b="0"/>
+      </a:effectRef>
+      <a:fontRef idx="minor"/>
+    </dgm:style>
+  </dgm:styleLbl>
+  <dgm:styleLbl name="fgAcc4">
+    <dgm:scene3d>
+      <a:camera prst="orthographicFront"/>
+      <a:lightRig rig="threePt" dir="t"/>
+    </dgm:scene3d>
+    <dgm:sp3d/>
+    <dgm:txPr/>
+    <dgm:style>
+      <a:lnRef idx="1">
+        <a:scrgbClr r="0" g="0" b="0"/>
+      </a:lnRef>
+      <a:fillRef idx="1">
+        <a:scrgbClr r="0" g="0" b="0"/>
+      </a:fillRef>
+      <a:effectRef idx="0">
+        <a:scrgbClr r="0" g="0" b="0"/>
+      </a:effectRef>
+      <a:fontRef idx="minor"/>
+    </dgm:style>
+  </dgm:styleLbl>
+  <dgm:styleLbl name="bgShp">
+    <dgm:scene3d>
+      <a:camera prst="orthographicFront"/>
+      <a:lightRig rig="threePt" dir="t"/>
+    </dgm:scene3d>
+    <dgm:sp3d/>
+    <dgm:txPr/>
+    <dgm:style>
+      <a:lnRef idx="0">
+        <a:scrgbClr r="0" g="0" b="0"/>
+      </a:lnRef>
+      <a:fillRef idx="1">
+        <a:scrgbClr r="0" g="0" b="0"/>
+      </a:fillRef>
+      <a:effectRef idx="2">
+        <a:scrgbClr r="0" g="0" b="0"/>
+      </a:effectRef>
+      <a:fontRef idx="minor"/>
+    </dgm:style>
+  </dgm:styleLbl>
+  <dgm:styleLbl name="dkBgShp">
+    <dgm:scene3d>
+      <a:camera prst="orthographicFront"/>
+      <a:lightRig rig="threePt" dir="t"/>
+    </dgm:scene3d>
+    <dgm:sp3d/>
+    <dgm:txPr/>
+    <dgm:style>
+      <a:lnRef idx="0">
+        <a:scrgbClr r="0" g="0" b="0"/>
+      </a:lnRef>
+      <a:fillRef idx="1">
+        <a:scrgbClr r="0" g="0" b="0"/>
+      </a:fillRef>
+      <a:effectRef idx="2">
+        <a:scrgbClr r="0" g="0" b="0"/>
+      </a:effectRef>
+      <a:fontRef idx="minor"/>
+    </dgm:style>
+  </dgm:styleLbl>
+  <dgm:styleLbl name="trBgShp">
+    <dgm:scene3d>
+      <a:camera prst="orthographicFront"/>
+      <a:lightRig rig="threePt" dir="t"/>
+    </dgm:scene3d>
+    <dgm:sp3d/>
+    <dgm:txPr/>
+    <dgm:style>
+      <a:lnRef idx="0">
+        <a:scrgbClr r="0" g="0" b="0"/>
+      </a:lnRef>
+      <a:fillRef idx="1">
+        <a:scrgbClr r="0" g="0" b="0"/>
+      </a:fillRef>
+      <a:effectRef idx="0">
+        <a:scrgbClr r="0" g="0" b="0"/>
+      </a:effectRef>
+      <a:fontRef idx="minor"/>
+    </dgm:style>
+  </dgm:styleLbl>
+  <dgm:styleLbl name="fgShp">
+    <dgm:scene3d>
+      <a:camera prst="orthographicFront"/>
+      <a:lightRig rig="threePt" dir="t"/>
+    </dgm:scene3d>
+    <dgm:sp3d/>
+    <dgm:txPr/>
+    <dgm:style>
+      <a:lnRef idx="0">
+        <a:scrgbClr r="0" g="0" b="0"/>
+      </a:lnRef>
+      <a:fillRef idx="3">
+        <a:scrgbClr r="0" g="0" b="0"/>
+      </a:fillRef>
+      <a:effectRef idx="2">
+        <a:scrgbClr r="0" g="0" b="0"/>
+      </a:effectRef>
+      <a:fontRef idx="minor"/>
+    </dgm:style>
+  </dgm:styleLbl>
+  <dgm:styleLbl name="revTx">
+    <dgm:scene3d>
+      <a:camera prst="orthographicFront"/>
+      <a:lightRig rig="threePt" dir="t"/>
+    </dgm:scene3d>
+    <dgm:sp3d/>
+    <dgm:txPr/>
+    <dgm:style>
+      <a:lnRef idx="0">
+        <a:scrgbClr r="0" g="0" b="0"/>
+      </a:lnRef>
+      <a:fillRef idx="0">
+        <a:scrgbClr r="0" g="0" b="0"/>
+      </a:fillRef>
+      <a:effectRef idx="0">
+        <a:scrgbClr r="0" g="0" b="0"/>
+      </a:effectRef>
+      <a:fontRef idx="minor"/>
+    </dgm:style>
+  </dgm:styleLbl>
+</dgm:styleDef>
+</file>
+
+<file path=ppt/diagrams/quickStyle2.xml><?xml version="1.0" encoding="utf-8"?>
 <dgm:styleDef xmlns:dgm="http://schemas.openxmlformats.org/drawingml/2006/diagram" xmlns:a="http://schemas.openxmlformats.org/drawingml/2006/main" uniqueId="urn:microsoft.com/office/officeart/2005/8/quickstyle/simple4">
   <dgm:title val=""/>
   <dgm:desc val=""/>
@@ -5159,7 +10187,7 @@
             <a:fld id="{B61BEF0D-F0BB-DE4B-95CE-6DB70DBA9567}" type="datetimeFigureOut">
               <a:rPr lang="en-US" smtClean="0"/>
               <a:pPr/>
-              <a:t>10/15/2014</a:t>
+              <a:t>10/17/2014</a:t>
             </a:fld>
             <a:endParaRPr lang="en-US" dirty="0"/>
           </a:p>
@@ -5459,7 +10487,7 @@
             <a:fld id="{B61BEF0D-F0BB-DE4B-95CE-6DB70DBA9567}" type="datetimeFigureOut">
               <a:rPr lang="en-US" smtClean="0"/>
               <a:pPr/>
-              <a:t>10/15/2014</a:t>
+              <a:t>10/17/2014</a:t>
             </a:fld>
             <a:endParaRPr lang="en-US" dirty="0"/>
           </a:p>
@@ -5653,7 +10681,7 @@
             <a:fld id="{B61BEF0D-F0BB-DE4B-95CE-6DB70DBA9567}" type="datetimeFigureOut">
               <a:rPr lang="en-US" smtClean="0"/>
               <a:pPr/>
-              <a:t>10/15/2014</a:t>
+              <a:t>10/17/2014</a:t>
             </a:fld>
             <a:endParaRPr lang="en-US" dirty="0"/>
           </a:p>
@@ -5916,7 +10944,7 @@
             <a:fld id="{B61BEF0D-F0BB-DE4B-95CE-6DB70DBA9567}" type="datetimeFigureOut">
               <a:rPr lang="en-US" smtClean="0"/>
               <a:pPr/>
-              <a:t>10/15/2014</a:t>
+              <a:t>10/17/2014</a:t>
             </a:fld>
             <a:endParaRPr lang="en-US" dirty="0"/>
           </a:p>
@@ -6342,7 +11370,7 @@
             <a:fld id="{B61BEF0D-F0BB-DE4B-95CE-6DB70DBA9567}" type="datetimeFigureOut">
               <a:rPr lang="en-US" smtClean="0"/>
               <a:pPr/>
-              <a:t>10/15/2014</a:t>
+              <a:t>10/17/2014</a:t>
             </a:fld>
             <a:endParaRPr lang="en-US" dirty="0"/>
           </a:p>
@@ -6881,7 +11909,7 @@
             <a:fld id="{B61BEF0D-F0BB-DE4B-95CE-6DB70DBA9567}" type="datetimeFigureOut">
               <a:rPr lang="en-US" smtClean="0"/>
               <a:pPr/>
-              <a:t>10/15/2014</a:t>
+              <a:t>10/17/2014</a:t>
             </a:fld>
             <a:endParaRPr lang="en-US" dirty="0"/>
           </a:p>
@@ -7747,7 +12775,7 @@
             <a:fld id="{B61BEF0D-F0BB-DE4B-95CE-6DB70DBA9567}" type="datetimeFigureOut">
               <a:rPr lang="en-US" smtClean="0"/>
               <a:pPr/>
-              <a:t>10/15/2014</a:t>
+              <a:t>10/17/2014</a:t>
             </a:fld>
             <a:endParaRPr lang="en-US" dirty="0"/>
           </a:p>
@@ -7919,7 +12947,7 @@
             <a:fld id="{B61BEF0D-F0BB-DE4B-95CE-6DB70DBA9567}" type="datetimeFigureOut">
               <a:rPr lang="en-US" smtClean="0"/>
               <a:pPr/>
-              <a:t>10/15/2014</a:t>
+              <a:t>10/17/2014</a:t>
             </a:fld>
             <a:endParaRPr lang="en-US" dirty="0"/>
           </a:p>
@@ -8105,7 +13133,7 @@
             <a:fld id="{B61BEF0D-F0BB-DE4B-95CE-6DB70DBA9567}" type="datetimeFigureOut">
               <a:rPr lang="en-US" smtClean="0"/>
               <a:pPr/>
-              <a:t>10/15/2014</a:t>
+              <a:t>10/17/2014</a:t>
             </a:fld>
             <a:endParaRPr lang="en-US" dirty="0"/>
           </a:p>
@@ -8277,7 +13305,7 @@
             <a:fld id="{B61BEF0D-F0BB-DE4B-95CE-6DB70DBA9567}" type="datetimeFigureOut">
               <a:rPr lang="en-US" smtClean="0"/>
               <a:pPr/>
-              <a:t>10/15/2014</a:t>
+              <a:t>10/17/2014</a:t>
             </a:fld>
             <a:endParaRPr lang="en-US" dirty="0"/>
           </a:p>
@@ -8523,7 +13551,7 @@
             <a:fld id="{B61BEF0D-F0BB-DE4B-95CE-6DB70DBA9567}" type="datetimeFigureOut">
               <a:rPr lang="en-US" smtClean="0"/>
               <a:pPr/>
-              <a:t>10/15/2014</a:t>
+              <a:t>10/17/2014</a:t>
             </a:fld>
             <a:endParaRPr lang="en-US" dirty="0"/>
           </a:p>
@@ -8761,7 +13789,7 @@
             <a:fld id="{B61BEF0D-F0BB-DE4B-95CE-6DB70DBA9567}" type="datetimeFigureOut">
               <a:rPr lang="en-US" smtClean="0"/>
               <a:pPr/>
-              <a:t>10/15/2014</a:t>
+              <a:t>10/17/2014</a:t>
             </a:fld>
             <a:endParaRPr lang="en-US" dirty="0"/>
           </a:p>
@@ -9229,7 +14257,7 @@
             <a:fld id="{B61BEF0D-F0BB-DE4B-95CE-6DB70DBA9567}" type="datetimeFigureOut">
               <a:rPr lang="en-US" smtClean="0"/>
               <a:pPr/>
-              <a:t>10/15/2014</a:t>
+              <a:t>10/17/2014</a:t>
             </a:fld>
             <a:endParaRPr lang="en-US" dirty="0"/>
           </a:p>
@@ -9349,7 +14377,7 @@
             <a:fld id="{B61BEF0D-F0BB-DE4B-95CE-6DB70DBA9567}" type="datetimeFigureOut">
               <a:rPr lang="en-US" smtClean="0"/>
               <a:pPr/>
-              <a:t>10/15/2014</a:t>
+              <a:t>10/17/2014</a:t>
             </a:fld>
             <a:endParaRPr lang="en-US" dirty="0"/>
           </a:p>
@@ -9446,7 +14474,7 @@
             <a:fld id="{B61BEF0D-F0BB-DE4B-95CE-6DB70DBA9567}" type="datetimeFigureOut">
               <a:rPr lang="en-US" smtClean="0"/>
               <a:pPr/>
-              <a:t>10/15/2014</a:t>
+              <a:t>10/17/2014</a:t>
             </a:fld>
             <a:endParaRPr lang="en-US" dirty="0"/>
           </a:p>
@@ -9703,7 +14731,7 @@
             <a:fld id="{B61BEF0D-F0BB-DE4B-95CE-6DB70DBA9567}" type="datetimeFigureOut">
               <a:rPr lang="en-US" smtClean="0"/>
               <a:pPr/>
-              <a:t>10/15/2014</a:t>
+              <a:t>10/17/2014</a:t>
             </a:fld>
             <a:endParaRPr lang="en-US" dirty="0"/>
           </a:p>
@@ -10005,7 +15033,7 @@
             <a:fld id="{B61BEF0D-F0BB-DE4B-95CE-6DB70DBA9567}" type="datetimeFigureOut">
               <a:rPr lang="en-US" smtClean="0"/>
               <a:pPr/>
-              <a:t>10/15/2014</a:t>
+              <a:t>10/17/2014</a:t>
             </a:fld>
             <a:endParaRPr lang="en-US" dirty="0"/>
           </a:p>
@@ -10241,7 +15269,7 @@
             <a:fld id="{B61BEF0D-F0BB-DE4B-95CE-6DB70DBA9567}" type="datetimeFigureOut">
               <a:rPr lang="en-US" smtClean="0"/>
               <a:pPr/>
-              <a:t>10/15/2014</a:t>
+              <a:t>10/17/2014</a:t>
             </a:fld>
             <a:endParaRPr lang="en-US" dirty="0"/>
           </a:p>
@@ -11634,29 +16662,105 @@
           </a:p>
         </p:txBody>
       </p:sp>
+      <p:graphicFrame>
+        <p:nvGraphicFramePr>
+          <p:cNvPr id="4" name="Diagramme 3"/>
+          <p:cNvGraphicFramePr/>
+          <p:nvPr>
+            <p:extLst>
+              <p:ext uri="{D42A27DB-BD31-4B8C-83A1-F6EECF244321}">
+                <p14:modId xmlns:p14="http://schemas.microsoft.com/office/powerpoint/2010/main" val="76506682"/>
+              </p:ext>
+            </p:extLst>
+          </p:nvPr>
+        </p:nvGraphicFramePr>
+        <p:xfrm>
+          <a:off x="-605484" y="1408670"/>
+          <a:ext cx="9992497" cy="5012254"/>
+        </p:xfrm>
+        <a:graphic>
+          <a:graphicData uri="http://schemas.openxmlformats.org/drawingml/2006/diagram">
+            <dgm:relIds xmlns:dgm="http://schemas.openxmlformats.org/drawingml/2006/diagram" xmlns:r="http://schemas.openxmlformats.org/officeDocument/2006/relationships" r:dm="rId2" r:lo="rId3" r:qs="rId4" r:cs="rId5"/>
+          </a:graphicData>
+        </a:graphic>
+      </p:graphicFrame>
       <p:sp>
         <p:nvSpPr>
-          <p:cNvPr id="3" name="Espace réservé du contenu 2"/>
-          <p:cNvSpPr>
-            <a:spLocks noGrp="1"/>
-          </p:cNvSpPr>
-          <p:nvPr>
-            <p:ph idx="1"/>
-          </p:nvPr>
+          <p:cNvPr id="5" name="ZoneTexte 4"/>
+          <p:cNvSpPr txBox="1"/>
+          <p:nvPr/>
         </p:nvSpPr>
-        <p:spPr/>
+        <p:spPr>
+          <a:xfrm>
+            <a:off x="4390765" y="863992"/>
+            <a:ext cx="4720281" cy="461665"/>
+          </a:xfrm>
+          <a:prstGeom prst="rect">
+            <a:avLst/>
+          </a:prstGeom>
+        </p:spPr>
+        <p:style>
+          <a:lnRef idx="1">
+            <a:schemeClr val="accent1"/>
+          </a:lnRef>
+          <a:fillRef idx="2">
+            <a:schemeClr val="accent1"/>
+          </a:fillRef>
+          <a:effectRef idx="1">
+            <a:schemeClr val="accent1"/>
+          </a:effectRef>
+          <a:fontRef idx="minor">
+            <a:schemeClr val="dk1"/>
+          </a:fontRef>
+        </p:style>
         <p:txBody>
-          <a:bodyPr/>
+          <a:bodyPr wrap="square" rtlCol="0">
+            <a:spAutoFit/>
+          </a:bodyPr>
           <a:lstStyle/>
           <a:p>
+            <a:pPr marL="342900" indent="-342900">
+              <a:buFont typeface="Wingdings" panose="05000000000000000000" pitchFamily="2" charset="2"/>
+              <a:buChar char="Ø"/>
+            </a:pPr>
             <a:r>
-              <a:rPr lang="fr-FR" dirty="0" smtClean="0"/>
-              <a:t>Interface</a:t>
+              <a:rPr lang="fr-FR" sz="2400" dirty="0" smtClean="0"/>
+              <a:t>Portabilité optimisée</a:t>
             </a:r>
-            <a:endParaRPr lang="fr-FR" dirty="0"/>
+            <a:endParaRPr lang="fr-FR" sz="2400" dirty="0"/>
           </a:p>
         </p:txBody>
       </p:sp>
+      <p:pic>
+        <p:nvPicPr>
+          <p:cNvPr id="7" name="Image 6"/>
+          <p:cNvPicPr>
+            <a:picLocks noChangeAspect="1"/>
+          </p:cNvPicPr>
+          <p:nvPr/>
+        </p:nvPicPr>
+        <p:blipFill>
+          <a:blip r:embed="rId7">
+            <a:extLst>
+              <a:ext uri="{28A0092B-C50C-407E-A947-70E740481C1C}">
+                <a14:useLocalDpi xmlns:a14="http://schemas.microsoft.com/office/drawing/2010/main" val="0"/>
+              </a:ext>
+            </a:extLst>
+          </a:blip>
+          <a:stretch>
+            <a:fillRect/>
+          </a:stretch>
+        </p:blipFill>
+        <p:spPr>
+          <a:xfrm>
+            <a:off x="9728885" y="5313751"/>
+            <a:ext cx="2388973" cy="1399789"/>
+          </a:xfrm>
+          <a:prstGeom prst="rect">
+            <a:avLst/>
+          </a:prstGeom>
+        </p:spPr>
+      </p:pic>
     </p:spTree>
     <p:extLst>
       <p:ext uri="{BB962C8B-B14F-4D97-AF65-F5344CB8AC3E}">

--- a/Gestion projet/Projet intégration robotique – IMERIR.pptx
+++ b/Gestion projet/Projet intégration robotique – IMERIR.pptx
@@ -12,12 +12,13 @@
     <p:sldId id="266" r:id="rId6"/>
     <p:sldId id="267" r:id="rId7"/>
     <p:sldId id="268" r:id="rId8"/>
-    <p:sldId id="262" r:id="rId9"/>
-    <p:sldId id="260" r:id="rId10"/>
-    <p:sldId id="261" r:id="rId11"/>
-    <p:sldId id="269" r:id="rId12"/>
-    <p:sldId id="264" r:id="rId13"/>
-    <p:sldId id="258" r:id="rId14"/>
+    <p:sldId id="270" r:id="rId9"/>
+    <p:sldId id="262" r:id="rId10"/>
+    <p:sldId id="260" r:id="rId11"/>
+    <p:sldId id="261" r:id="rId12"/>
+    <p:sldId id="269" r:id="rId13"/>
+    <p:sldId id="264" r:id="rId14"/>
+    <p:sldId id="258" r:id="rId15"/>
   </p:sldIdLst>
   <p:sldSz cx="12192000" cy="6858000"/>
   <p:notesSz cx="6858000" cy="9144000"/>
@@ -2796,6 +2797,13 @@
         </dgm:presLayoutVars>
       </dgm:prSet>
       <dgm:spPr/>
+      <dgm:t>
+        <a:bodyPr/>
+        <a:lstStyle/>
+        <a:p>
+          <a:endParaRPr lang="fr-FR"/>
+        </a:p>
+      </dgm:t>
     </dgm:pt>
     <dgm:pt modelId="{7F889367-D500-4ED1-A577-709A271CEF5F}" type="pres">
       <dgm:prSet presAssocID="{7CD5459F-9B65-41C3-B3F4-3ABA1DD9967B}" presName="Accent1" presStyleCnt="0"/>
@@ -2831,6 +2839,13 @@
         </dgm:presLayoutVars>
       </dgm:prSet>
       <dgm:spPr/>
+      <dgm:t>
+        <a:bodyPr/>
+        <a:lstStyle/>
+        <a:p>
+          <a:endParaRPr lang="fr-FR"/>
+        </a:p>
+      </dgm:t>
     </dgm:pt>
     <dgm:pt modelId="{6B757FA9-AD12-4C48-9EFF-307AF192F35A}" type="pres">
       <dgm:prSet presAssocID="{1F9CA264-1B86-4BD2-8B9A-84CA313D033D}" presName="Accent2" presStyleCnt="0"/>
@@ -2866,6 +2881,13 @@
         </dgm:presLayoutVars>
       </dgm:prSet>
       <dgm:spPr/>
+      <dgm:t>
+        <a:bodyPr/>
+        <a:lstStyle/>
+        <a:p>
+          <a:endParaRPr lang="fr-FR"/>
+        </a:p>
+      </dgm:t>
     </dgm:pt>
     <dgm:pt modelId="{FC9BEDCD-C59D-4CF8-A60B-815EEB58E35D}" type="pres">
       <dgm:prSet presAssocID="{2EA95732-DAA1-4ECB-8F01-6C0A8C021423}" presName="Accent3" presStyleCnt="0"/>
@@ -2901,28 +2923,35 @@
         </dgm:presLayoutVars>
       </dgm:prSet>
       <dgm:spPr/>
+      <dgm:t>
+        <a:bodyPr/>
+        <a:lstStyle/>
+        <a:p>
+          <a:endParaRPr lang="fr-FR"/>
+        </a:p>
+      </dgm:t>
     </dgm:pt>
   </dgm:ptLst>
   <dgm:cxnLst>
     <dgm:cxn modelId="{2A96F8BF-E28A-41B1-ADE8-37D7912C3D6C}" type="presOf" srcId="{EF7C191B-BF65-466C-918B-1BAD2BF8A7B7}" destId="{EED53FE3-01A0-4A4A-B958-999558A60657}" srcOrd="0" destOrd="1" presId="urn:microsoft.com/office/officeart/2009/layout/CircleArrowProcess"/>
-    <dgm:cxn modelId="{184DD8A7-3007-465F-8887-E0A27B5C5B6D}" srcId="{1EF92BF0-523D-4167-A929-E449312042A6}" destId="{AC16A478-D167-43B1-9FEB-0E4465E7E322}" srcOrd="0" destOrd="0" parTransId="{D49DABBB-E83F-4098-8C6B-DF7BB302866B}" sibTransId="{399DDFC6-EFD7-4B0D-8BB3-7EDEF039B3D0}"/>
-    <dgm:cxn modelId="{C82AEF7F-33A4-4053-A91B-463897CE0044}" type="presOf" srcId="{A0644472-B457-468F-BB15-6CC03188A635}" destId="{2BC33A24-C019-40DB-B4F8-D236F35960DA}" srcOrd="0" destOrd="1" presId="urn:microsoft.com/office/officeart/2009/layout/CircleArrowProcess"/>
-    <dgm:cxn modelId="{444C028B-E5EA-48C2-86D0-45669E869909}" type="presOf" srcId="{4041D5A6-EFA7-4379-AF69-7023FD9A8951}" destId="{D165AC83-D079-45A7-B2C9-09689FA36580}" srcOrd="0" destOrd="0" presId="urn:microsoft.com/office/officeart/2009/layout/CircleArrowProcess"/>
-    <dgm:cxn modelId="{0BE5D9B0-1DF3-43DF-9387-ED52FB7FDA22}" type="presOf" srcId="{84919E70-9B4F-4D79-9665-8453D8341421}" destId="{EED53FE3-01A0-4A4A-B958-999558A60657}" srcOrd="0" destOrd="0" presId="urn:microsoft.com/office/officeart/2009/layout/CircleArrowProcess"/>
-    <dgm:cxn modelId="{47440840-90F2-4528-9D69-BFE79E58D757}" type="presOf" srcId="{2EA95732-DAA1-4ECB-8F01-6C0A8C021423}" destId="{7D2E6C7C-9586-4A0C-B907-A004212DF446}" srcOrd="0" destOrd="0" presId="urn:microsoft.com/office/officeart/2009/layout/CircleArrowProcess"/>
-    <dgm:cxn modelId="{79343A65-7C69-4D6B-A2D6-0D479767627D}" type="presOf" srcId="{AC16A478-D167-43B1-9FEB-0E4465E7E322}" destId="{1EC2A02A-3E8D-473F-97D1-1FB993A4303A}" srcOrd="0" destOrd="1" presId="urn:microsoft.com/office/officeart/2009/layout/CircleArrowProcess"/>
-    <dgm:cxn modelId="{C39CA187-A98C-4F8C-B0C6-72776A5B528D}" type="presOf" srcId="{C9593560-A897-4C8B-89ED-80ED5563C04C}" destId="{2BC33A24-C019-40DB-B4F8-D236F35960DA}" srcOrd="0" destOrd="0" presId="urn:microsoft.com/office/officeart/2009/layout/CircleArrowProcess"/>
-    <dgm:cxn modelId="{66A3B824-E1E4-4A8F-A083-794840523C00}" srcId="{4041D5A6-EFA7-4379-AF69-7023FD9A8951}" destId="{2EA95732-DAA1-4ECB-8F01-6C0A8C021423}" srcOrd="2" destOrd="0" parTransId="{B214AB28-58E2-4157-B455-F267C3CEAD0E}" sibTransId="{A3A48081-99A1-4D50-A30C-5F10BDEF2AB1}"/>
-    <dgm:cxn modelId="{E5A26671-D814-4A22-AEF4-75CBA7F22DCC}" srcId="{4041D5A6-EFA7-4379-AF69-7023FD9A8951}" destId="{1F9CA264-1B86-4BD2-8B9A-84CA313D033D}" srcOrd="1" destOrd="0" parTransId="{0D980070-17E8-4E28-8854-2A99047BC30C}" sibTransId="{D021B73B-84EB-4540-9578-E6043F01260F}"/>
-    <dgm:cxn modelId="{4E544032-EFD8-4587-9BFD-45A1B8ED3179}" srcId="{84919E70-9B4F-4D79-9665-8453D8341421}" destId="{EF7C191B-BF65-466C-918B-1BAD2BF8A7B7}" srcOrd="0" destOrd="0" parTransId="{354FE11E-2244-45E6-8C7A-B87421DACE89}" sibTransId="{C4F0ABDB-1F70-4ABB-BBF9-0B301FEC7A08}"/>
-    <dgm:cxn modelId="{6E4A312E-169C-4869-95B4-EC9C6D958140}" srcId="{4041D5A6-EFA7-4379-AF69-7023FD9A8951}" destId="{7CD5459F-9B65-41C3-B3F4-3ABA1DD9967B}" srcOrd="0" destOrd="0" parTransId="{4B590894-32CB-4FD8-95CD-18E0B3F41D75}" sibTransId="{A619818D-12C9-49EF-B6D4-813C87BC76F6}"/>
+    <dgm:cxn modelId="{7768C823-5CC6-40C6-AACD-CC5AB3AFADA5}" srcId="{C9593560-A897-4C8B-89ED-80ED5563C04C}" destId="{A0644472-B457-468F-BB15-6CC03188A635}" srcOrd="0" destOrd="0" parTransId="{4C27362E-F6CD-43F3-9107-3FF409674343}" sibTransId="{B15F89C0-E876-474F-9B28-3F2A079E39C8}"/>
     <dgm:cxn modelId="{AB36AE28-EA04-43D5-91B5-6913A07C188D}" type="presOf" srcId="{1EF92BF0-523D-4167-A929-E449312042A6}" destId="{1EC2A02A-3E8D-473F-97D1-1FB993A4303A}" srcOrd="0" destOrd="0" presId="urn:microsoft.com/office/officeart/2009/layout/CircleArrowProcess"/>
     <dgm:cxn modelId="{FB031FFF-8E2D-4974-B636-2B46DED1979A}" type="presOf" srcId="{1F9CA264-1B86-4BD2-8B9A-84CA313D033D}" destId="{6AA25D69-5E05-40A3-9F00-9387D55331A8}" srcOrd="0" destOrd="0" presId="urn:microsoft.com/office/officeart/2009/layout/CircleArrowProcess"/>
-    <dgm:cxn modelId="{7768C823-5CC6-40C6-AACD-CC5AB3AFADA5}" srcId="{C9593560-A897-4C8B-89ED-80ED5563C04C}" destId="{A0644472-B457-468F-BB15-6CC03188A635}" srcOrd="0" destOrd="0" parTransId="{4C27362E-F6CD-43F3-9107-3FF409674343}" sibTransId="{B15F89C0-E876-474F-9B28-3F2A079E39C8}"/>
     <dgm:cxn modelId="{95B1DC73-AA09-4F24-8795-66EE5D1C7BC9}" srcId="{2EA95732-DAA1-4ECB-8F01-6C0A8C021423}" destId="{1EF92BF0-523D-4167-A929-E449312042A6}" srcOrd="0" destOrd="0" parTransId="{0F800D49-D309-4894-A680-3B82917AE028}" sibTransId="{AE012977-2E80-49C9-BC15-D80BF63BBD4F}"/>
+    <dgm:cxn modelId="{6E4A312E-169C-4869-95B4-EC9C6D958140}" srcId="{4041D5A6-EFA7-4379-AF69-7023FD9A8951}" destId="{7CD5459F-9B65-41C3-B3F4-3ABA1DD9967B}" srcOrd="0" destOrd="0" parTransId="{4B590894-32CB-4FD8-95CD-18E0B3F41D75}" sibTransId="{A619818D-12C9-49EF-B6D4-813C87BC76F6}"/>
+    <dgm:cxn modelId="{7F59044B-77AA-4FFB-856B-96D406B33949}" type="presOf" srcId="{7CD5459F-9B65-41C3-B3F4-3ABA1DD9967B}" destId="{41EA7880-1A0E-4CC2-B59F-914DDD351791}" srcOrd="0" destOrd="0" presId="urn:microsoft.com/office/officeart/2009/layout/CircleArrowProcess"/>
+    <dgm:cxn modelId="{47440840-90F2-4528-9D69-BFE79E58D757}" type="presOf" srcId="{2EA95732-DAA1-4ECB-8F01-6C0A8C021423}" destId="{7D2E6C7C-9586-4A0C-B907-A004212DF446}" srcOrd="0" destOrd="0" presId="urn:microsoft.com/office/officeart/2009/layout/CircleArrowProcess"/>
+    <dgm:cxn modelId="{0BE5D9B0-1DF3-43DF-9387-ED52FB7FDA22}" type="presOf" srcId="{84919E70-9B4F-4D79-9665-8453D8341421}" destId="{EED53FE3-01A0-4A4A-B958-999558A60657}" srcOrd="0" destOrd="0" presId="urn:microsoft.com/office/officeart/2009/layout/CircleArrowProcess"/>
+    <dgm:cxn modelId="{E5A26671-D814-4A22-AEF4-75CBA7F22DCC}" srcId="{4041D5A6-EFA7-4379-AF69-7023FD9A8951}" destId="{1F9CA264-1B86-4BD2-8B9A-84CA313D033D}" srcOrd="1" destOrd="0" parTransId="{0D980070-17E8-4E28-8854-2A99047BC30C}" sibTransId="{D021B73B-84EB-4540-9578-E6043F01260F}"/>
+    <dgm:cxn modelId="{66A3B824-E1E4-4A8F-A083-794840523C00}" srcId="{4041D5A6-EFA7-4379-AF69-7023FD9A8951}" destId="{2EA95732-DAA1-4ECB-8F01-6C0A8C021423}" srcOrd="2" destOrd="0" parTransId="{B214AB28-58E2-4157-B455-F267C3CEAD0E}" sibTransId="{A3A48081-99A1-4D50-A30C-5F10BDEF2AB1}"/>
+    <dgm:cxn modelId="{4E544032-EFD8-4587-9BFD-45A1B8ED3179}" srcId="{84919E70-9B4F-4D79-9665-8453D8341421}" destId="{EF7C191B-BF65-466C-918B-1BAD2BF8A7B7}" srcOrd="0" destOrd="0" parTransId="{354FE11E-2244-45E6-8C7A-B87421DACE89}" sibTransId="{C4F0ABDB-1F70-4ABB-BBF9-0B301FEC7A08}"/>
+    <dgm:cxn modelId="{C82AEF7F-33A4-4053-A91B-463897CE0044}" type="presOf" srcId="{A0644472-B457-468F-BB15-6CC03188A635}" destId="{2BC33A24-C019-40DB-B4F8-D236F35960DA}" srcOrd="0" destOrd="1" presId="urn:microsoft.com/office/officeart/2009/layout/CircleArrowProcess"/>
+    <dgm:cxn modelId="{184DD8A7-3007-465F-8887-E0A27B5C5B6D}" srcId="{1EF92BF0-523D-4167-A929-E449312042A6}" destId="{AC16A478-D167-43B1-9FEB-0E4465E7E322}" srcOrd="0" destOrd="0" parTransId="{D49DABBB-E83F-4098-8C6B-DF7BB302866B}" sibTransId="{399DDFC6-EFD7-4B0D-8BB3-7EDEF039B3D0}"/>
+    <dgm:cxn modelId="{444C028B-E5EA-48C2-86D0-45669E869909}" type="presOf" srcId="{4041D5A6-EFA7-4379-AF69-7023FD9A8951}" destId="{D165AC83-D079-45A7-B2C9-09689FA36580}" srcOrd="0" destOrd="0" presId="urn:microsoft.com/office/officeart/2009/layout/CircleArrowProcess"/>
+    <dgm:cxn modelId="{6079A9DD-F517-4C7A-9CE0-31FE6C56F7F6}" srcId="{7CD5459F-9B65-41C3-B3F4-3ABA1DD9967B}" destId="{C9593560-A897-4C8B-89ED-80ED5563C04C}" srcOrd="0" destOrd="0" parTransId="{539423CA-8FC0-473C-B5E9-DB45606EFE8C}" sibTransId="{6A6C69A4-DFB5-471C-830A-2710A9093555}"/>
     <dgm:cxn modelId="{DB3CE0BA-724B-4B6A-8AC3-5B4BE98DA7FD}" srcId="{1F9CA264-1B86-4BD2-8B9A-84CA313D033D}" destId="{84919E70-9B4F-4D79-9665-8453D8341421}" srcOrd="0" destOrd="0" parTransId="{91561C5E-2FBC-4ED8-A224-A3FF86B58D00}" sibTransId="{882FCC67-F6DA-43F9-8470-BC66C7C83D2B}"/>
-    <dgm:cxn modelId="{7F59044B-77AA-4FFB-856B-96D406B33949}" type="presOf" srcId="{7CD5459F-9B65-41C3-B3F4-3ABA1DD9967B}" destId="{41EA7880-1A0E-4CC2-B59F-914DDD351791}" srcOrd="0" destOrd="0" presId="urn:microsoft.com/office/officeart/2009/layout/CircleArrowProcess"/>
-    <dgm:cxn modelId="{6079A9DD-F517-4C7A-9CE0-31FE6C56F7F6}" srcId="{7CD5459F-9B65-41C3-B3F4-3ABA1DD9967B}" destId="{C9593560-A897-4C8B-89ED-80ED5563C04C}" srcOrd="0" destOrd="0" parTransId="{539423CA-8FC0-473C-B5E9-DB45606EFE8C}" sibTransId="{6A6C69A4-DFB5-471C-830A-2710A9093555}"/>
+    <dgm:cxn modelId="{C39CA187-A98C-4F8C-B0C6-72776A5B528D}" type="presOf" srcId="{C9593560-A897-4C8B-89ED-80ED5563C04C}" destId="{2BC33A24-C019-40DB-B4F8-D236F35960DA}" srcOrd="0" destOrd="0" presId="urn:microsoft.com/office/officeart/2009/layout/CircleArrowProcess"/>
+    <dgm:cxn modelId="{79343A65-7C69-4D6B-A2D6-0D479767627D}" type="presOf" srcId="{AC16A478-D167-43B1-9FEB-0E4465E7E322}" destId="{1EC2A02A-3E8D-473F-97D1-1FB993A4303A}" srcOrd="0" destOrd="1" presId="urn:microsoft.com/office/officeart/2009/layout/CircleArrowProcess"/>
     <dgm:cxn modelId="{C8D810D8-43E4-4A7D-BD05-250DD72E1175}" type="presParOf" srcId="{D165AC83-D079-45A7-B2C9-09689FA36580}" destId="{7F889367-D500-4ED1-A577-709A271CEF5F}" srcOrd="0" destOrd="0" presId="urn:microsoft.com/office/officeart/2009/layout/CircleArrowProcess"/>
     <dgm:cxn modelId="{7669E34A-BCE0-4B67-8116-EBB2B90EE701}" type="presParOf" srcId="{7F889367-D500-4ED1-A577-709A271CEF5F}" destId="{6A1FC33C-BD54-48D9-8848-B8051814CA7A}" srcOrd="0" destOrd="0" presId="urn:microsoft.com/office/officeart/2009/layout/CircleArrowProcess"/>
     <dgm:cxn modelId="{7031183A-702C-4F56-A23C-1324502A911D}" type="presParOf" srcId="{D165AC83-D079-45A7-B2C9-09689FA36580}" destId="{2BC33A24-C019-40DB-B4F8-D236F35960DA}" srcOrd="1" destOrd="0" presId="urn:microsoft.com/office/officeart/2009/layout/CircleArrowProcess"/>
@@ -2954,1084 +2983,6 @@
       <dsp:cNvGrpSpPr/>
     </dsp:nvGrpSpPr>
     <dsp:grpSpPr/>
-    <dsp:sp modelId="{C690D0CD-7211-42BB-BA22-C909A7CA1954}">
-      <dsp:nvSpPr>
-        <dsp:cNvPr id="0" name=""/>
-        <dsp:cNvSpPr/>
-      </dsp:nvSpPr>
-      <dsp:spPr>
-        <a:xfrm>
-          <a:off x="5077836" y="1676507"/>
-          <a:ext cx="3984630" cy="592315"/>
-        </a:xfrm>
-        <a:custGeom>
-          <a:avLst/>
-          <a:gdLst/>
-          <a:ahLst/>
-          <a:cxnLst/>
-          <a:rect l="0" t="0" r="0" b="0"/>
-          <a:pathLst>
-            <a:path>
-              <a:moveTo>
-                <a:pt x="0" y="0"/>
-              </a:moveTo>
-              <a:lnTo>
-                <a:pt x="0" y="353111"/>
-              </a:lnTo>
-              <a:lnTo>
-                <a:pt x="3984630" y="353111"/>
-              </a:lnTo>
-              <a:lnTo>
-                <a:pt x="3984630" y="592315"/>
-              </a:lnTo>
-            </a:path>
-          </a:pathLst>
-        </a:custGeom>
-        <a:noFill/>
-        <a:ln w="9525" cap="rnd" cmpd="sng" algn="ctr">
-          <a:solidFill>
-            <a:schemeClr val="accent1">
-              <a:shade val="60000"/>
-              <a:hueOff val="0"/>
-              <a:satOff val="0"/>
-              <a:lumOff val="0"/>
-              <a:alphaOff val="0"/>
-            </a:schemeClr>
-          </a:solidFill>
-          <a:prstDash val="solid"/>
-        </a:ln>
-        <a:effectLst/>
-      </dsp:spPr>
-      <dsp:style>
-        <a:lnRef idx="1">
-          <a:scrgbClr r="0" g="0" b="0"/>
-        </a:lnRef>
-        <a:fillRef idx="0">
-          <a:scrgbClr r="0" g="0" b="0"/>
-        </a:fillRef>
-        <a:effectRef idx="0">
-          <a:scrgbClr r="0" g="0" b="0"/>
-        </a:effectRef>
-        <a:fontRef idx="minor"/>
-      </dsp:style>
-    </dsp:sp>
-    <dsp:sp modelId="{4A968BB4-BA07-4A5B-A53B-F2957ABC86FB}">
-      <dsp:nvSpPr>
-        <dsp:cNvPr id="0" name=""/>
-        <dsp:cNvSpPr/>
-      </dsp:nvSpPr>
-      <dsp:spPr>
-        <a:xfrm>
-          <a:off x="5077836" y="1676507"/>
-          <a:ext cx="1328210" cy="592315"/>
-        </a:xfrm>
-        <a:custGeom>
-          <a:avLst/>
-          <a:gdLst/>
-          <a:ahLst/>
-          <a:cxnLst/>
-          <a:rect l="0" t="0" r="0" b="0"/>
-          <a:pathLst>
-            <a:path>
-              <a:moveTo>
-                <a:pt x="0" y="0"/>
-              </a:moveTo>
-              <a:lnTo>
-                <a:pt x="0" y="353111"/>
-              </a:lnTo>
-              <a:lnTo>
-                <a:pt x="1328210" y="353111"/>
-              </a:lnTo>
-              <a:lnTo>
-                <a:pt x="1328210" y="592315"/>
-              </a:lnTo>
-            </a:path>
-          </a:pathLst>
-        </a:custGeom>
-        <a:noFill/>
-        <a:ln w="9525" cap="rnd" cmpd="sng" algn="ctr">
-          <a:solidFill>
-            <a:schemeClr val="accent1">
-              <a:shade val="60000"/>
-              <a:hueOff val="0"/>
-              <a:satOff val="0"/>
-              <a:lumOff val="0"/>
-              <a:alphaOff val="0"/>
-            </a:schemeClr>
-          </a:solidFill>
-          <a:prstDash val="solid"/>
-        </a:ln>
-        <a:effectLst/>
-      </dsp:spPr>
-      <dsp:style>
-        <a:lnRef idx="1">
-          <a:scrgbClr r="0" g="0" b="0"/>
-        </a:lnRef>
-        <a:fillRef idx="0">
-          <a:scrgbClr r="0" g="0" b="0"/>
-        </a:fillRef>
-        <a:effectRef idx="0">
-          <a:scrgbClr r="0" g="0" b="0"/>
-        </a:effectRef>
-        <a:fontRef idx="minor"/>
-      </dsp:style>
-    </dsp:sp>
-    <dsp:sp modelId="{31D35D76-771E-4FDE-BA75-EC484194EBC2}">
-      <dsp:nvSpPr>
-        <dsp:cNvPr id="0" name=""/>
-        <dsp:cNvSpPr/>
-      </dsp:nvSpPr>
-      <dsp:spPr>
-        <a:xfrm>
-          <a:off x="3749626" y="1676507"/>
-          <a:ext cx="1328210" cy="592315"/>
-        </a:xfrm>
-        <a:custGeom>
-          <a:avLst/>
-          <a:gdLst/>
-          <a:ahLst/>
-          <a:cxnLst/>
-          <a:rect l="0" t="0" r="0" b="0"/>
-          <a:pathLst>
-            <a:path>
-              <a:moveTo>
-                <a:pt x="1328210" y="0"/>
-              </a:moveTo>
-              <a:lnTo>
-                <a:pt x="1328210" y="353111"/>
-              </a:lnTo>
-              <a:lnTo>
-                <a:pt x="0" y="353111"/>
-              </a:lnTo>
-              <a:lnTo>
-                <a:pt x="0" y="592315"/>
-              </a:lnTo>
-            </a:path>
-          </a:pathLst>
-        </a:custGeom>
-        <a:noFill/>
-        <a:ln w="9525" cap="rnd" cmpd="sng" algn="ctr">
-          <a:solidFill>
-            <a:schemeClr val="accent1">
-              <a:shade val="60000"/>
-              <a:hueOff val="0"/>
-              <a:satOff val="0"/>
-              <a:lumOff val="0"/>
-              <a:alphaOff val="0"/>
-            </a:schemeClr>
-          </a:solidFill>
-          <a:prstDash val="solid"/>
-        </a:ln>
-        <a:effectLst/>
-      </dsp:spPr>
-      <dsp:style>
-        <a:lnRef idx="1">
-          <a:scrgbClr r="0" g="0" b="0"/>
-        </a:lnRef>
-        <a:fillRef idx="0">
-          <a:scrgbClr r="0" g="0" b="0"/>
-        </a:fillRef>
-        <a:effectRef idx="0">
-          <a:scrgbClr r="0" g="0" b="0"/>
-        </a:effectRef>
-        <a:fontRef idx="minor"/>
-      </dsp:style>
-    </dsp:sp>
-    <dsp:sp modelId="{095703D4-98CA-460D-B2F6-CA110B625919}">
-      <dsp:nvSpPr>
-        <dsp:cNvPr id="0" name=""/>
-        <dsp:cNvSpPr/>
-      </dsp:nvSpPr>
-      <dsp:spPr>
-        <a:xfrm>
-          <a:off x="1093206" y="1676507"/>
-          <a:ext cx="3984630" cy="592315"/>
-        </a:xfrm>
-        <a:custGeom>
-          <a:avLst/>
-          <a:gdLst/>
-          <a:ahLst/>
-          <a:cxnLst/>
-          <a:rect l="0" t="0" r="0" b="0"/>
-          <a:pathLst>
-            <a:path>
-              <a:moveTo>
-                <a:pt x="3984630" y="0"/>
-              </a:moveTo>
-              <a:lnTo>
-                <a:pt x="3984630" y="353111"/>
-              </a:lnTo>
-              <a:lnTo>
-                <a:pt x="0" y="353111"/>
-              </a:lnTo>
-              <a:lnTo>
-                <a:pt x="0" y="592315"/>
-              </a:lnTo>
-            </a:path>
-          </a:pathLst>
-        </a:custGeom>
-        <a:noFill/>
-        <a:ln w="9525" cap="rnd" cmpd="sng" algn="ctr">
-          <a:solidFill>
-            <a:schemeClr val="accent1">
-              <a:shade val="60000"/>
-              <a:hueOff val="0"/>
-              <a:satOff val="0"/>
-              <a:lumOff val="0"/>
-              <a:alphaOff val="0"/>
-            </a:schemeClr>
-          </a:solidFill>
-          <a:prstDash val="solid"/>
-        </a:ln>
-        <a:effectLst/>
-      </dsp:spPr>
-      <dsp:style>
-        <a:lnRef idx="1">
-          <a:scrgbClr r="0" g="0" b="0"/>
-        </a:lnRef>
-        <a:fillRef idx="0">
-          <a:scrgbClr r="0" g="0" b="0"/>
-        </a:fillRef>
-        <a:effectRef idx="0">
-          <a:scrgbClr r="0" g="0" b="0"/>
-        </a:effectRef>
-        <a:fontRef idx="minor"/>
-      </dsp:style>
-    </dsp:sp>
-    <dsp:sp modelId="{153DF482-9B63-4F22-A2E6-E0985D657AE7}">
-      <dsp:nvSpPr>
-        <dsp:cNvPr id="0" name=""/>
-        <dsp:cNvSpPr/>
-      </dsp:nvSpPr>
-      <dsp:spPr>
-        <a:xfrm>
-          <a:off x="4087831" y="651345"/>
-          <a:ext cx="1980010" cy="1025161"/>
-        </a:xfrm>
-        <a:prstGeom prst="rect">
-          <a:avLst/>
-        </a:prstGeom>
-        <a:gradFill rotWithShape="0">
-          <a:gsLst>
-            <a:gs pos="0">
-              <a:schemeClr val="accent1">
-                <a:hueOff val="0"/>
-                <a:satOff val="0"/>
-                <a:lumOff val="0"/>
-                <a:alphaOff val="0"/>
-                <a:tint val="96000"/>
-                <a:lumMod val="104000"/>
-              </a:schemeClr>
-            </a:gs>
-            <a:gs pos="100000">
-              <a:schemeClr val="accent1">
-                <a:hueOff val="0"/>
-                <a:satOff val="0"/>
-                <a:lumOff val="0"/>
-                <a:alphaOff val="0"/>
-                <a:shade val="90000"/>
-                <a:lumMod val="90000"/>
-              </a:schemeClr>
-            </a:gs>
-          </a:gsLst>
-          <a:lin ang="5400000" scaled="0"/>
-        </a:gradFill>
-        <a:ln>
-          <a:noFill/>
-        </a:ln>
-        <a:effectLst>
-          <a:outerShdw blurRad="63500" dist="25400" dir="5400000" rotWithShape="0">
-            <a:srgbClr val="000000">
-              <a:alpha val="60000"/>
-            </a:srgbClr>
-          </a:outerShdw>
-        </a:effectLst>
-      </dsp:spPr>
-      <dsp:style>
-        <a:lnRef idx="0">
-          <a:scrgbClr r="0" g="0" b="0"/>
-        </a:lnRef>
-        <a:fillRef idx="3">
-          <a:scrgbClr r="0" g="0" b="0"/>
-        </a:fillRef>
-        <a:effectRef idx="2">
-          <a:scrgbClr r="0" g="0" b="0"/>
-        </a:effectRef>
-        <a:fontRef idx="minor">
-          <a:schemeClr val="lt1"/>
-        </a:fontRef>
-      </dsp:style>
-      <dsp:txBody>
-        <a:bodyPr spcFirstLastPara="0" vert="horz" wrap="square" lIns="13970" tIns="13970" rIns="13970" bIns="144662" numCol="1" spcCol="1270" anchor="ctr" anchorCtr="0">
-          <a:noAutofit/>
-        </a:bodyPr>
-        <a:lstStyle/>
-        <a:p>
-          <a:pPr lvl="0" algn="ctr" defTabSz="977900">
-            <a:lnSpc>
-              <a:spcPct val="90000"/>
-            </a:lnSpc>
-            <a:spcBef>
-              <a:spcPct val="0"/>
-            </a:spcBef>
-            <a:spcAft>
-              <a:spcPct val="35000"/>
-            </a:spcAft>
-          </a:pPr>
-          <a:r>
-            <a:rPr lang="fr-FR" sz="2200" kern="1200"/>
-            <a:t>Chef de Projet</a:t>
-          </a:r>
-        </a:p>
-      </dsp:txBody>
-      <dsp:txXfrm>
-        <a:off x="4087831" y="651345"/>
-        <a:ext cx="1980010" cy="1025161"/>
-      </dsp:txXfrm>
-    </dsp:sp>
-    <dsp:sp modelId="{113EA813-3BA6-403B-BFBC-C6C029177D40}">
-      <dsp:nvSpPr>
-        <dsp:cNvPr id="0" name=""/>
-        <dsp:cNvSpPr/>
-      </dsp:nvSpPr>
-      <dsp:spPr>
-        <a:xfrm>
-          <a:off x="4483833" y="1448693"/>
-          <a:ext cx="1782009" cy="341720"/>
-        </a:xfrm>
-        <a:prstGeom prst="rect">
-          <a:avLst/>
-        </a:prstGeom>
-        <a:solidFill>
-          <a:schemeClr val="lt1">
-            <a:alpha val="90000"/>
-            <a:hueOff val="0"/>
-            <a:satOff val="0"/>
-            <a:lumOff val="0"/>
-            <a:alphaOff val="0"/>
-          </a:schemeClr>
-        </a:solidFill>
-        <a:ln w="9525" cap="rnd" cmpd="sng" algn="ctr">
-          <a:solidFill>
-            <a:schemeClr val="accent1">
-              <a:hueOff val="0"/>
-              <a:satOff val="0"/>
-              <a:lumOff val="0"/>
-              <a:alphaOff val="0"/>
-            </a:schemeClr>
-          </a:solidFill>
-          <a:prstDash val="solid"/>
-        </a:ln>
-        <a:effectLst/>
-      </dsp:spPr>
-      <dsp:style>
-        <a:lnRef idx="1">
-          <a:scrgbClr r="0" g="0" b="0"/>
-        </a:lnRef>
-        <a:fillRef idx="1">
-          <a:scrgbClr r="0" g="0" b="0"/>
-        </a:fillRef>
-        <a:effectRef idx="0">
-          <a:scrgbClr r="0" g="0" b="0"/>
-        </a:effectRef>
-        <a:fontRef idx="minor"/>
-      </dsp:style>
-      <dsp:txBody>
-        <a:bodyPr spcFirstLastPara="0" vert="horz" wrap="square" lIns="38100" tIns="9525" rIns="38100" bIns="9525" numCol="1" spcCol="1270" anchor="ctr" anchorCtr="0">
-          <a:noAutofit/>
-        </a:bodyPr>
-        <a:lstStyle/>
-        <a:p>
-          <a:pPr lvl="0" algn="r" defTabSz="666750">
-            <a:lnSpc>
-              <a:spcPct val="90000"/>
-            </a:lnSpc>
-            <a:spcBef>
-              <a:spcPct val="0"/>
-            </a:spcBef>
-            <a:spcAft>
-              <a:spcPct val="35000"/>
-            </a:spcAft>
-          </a:pPr>
-          <a:r>
-            <a:rPr lang="fr-FR" sz="1500" kern="1200" dirty="0"/>
-            <a:t>Cyril PY</a:t>
-          </a:r>
-        </a:p>
-      </dsp:txBody>
-      <dsp:txXfrm>
-        <a:off x="4483833" y="1448693"/>
-        <a:ext cx="1782009" cy="341720"/>
-      </dsp:txXfrm>
-    </dsp:sp>
-    <dsp:sp modelId="{5676D32F-1CE3-4176-81F2-A39E244B0416}">
-      <dsp:nvSpPr>
-        <dsp:cNvPr id="0" name=""/>
-        <dsp:cNvSpPr/>
-      </dsp:nvSpPr>
-      <dsp:spPr>
-        <a:xfrm>
-          <a:off x="103201" y="2268822"/>
-          <a:ext cx="1980010" cy="1025161"/>
-        </a:xfrm>
-        <a:prstGeom prst="rect">
-          <a:avLst/>
-        </a:prstGeom>
-        <a:gradFill rotWithShape="0">
-          <a:gsLst>
-            <a:gs pos="0">
-              <a:schemeClr val="accent1">
-                <a:hueOff val="0"/>
-                <a:satOff val="0"/>
-                <a:lumOff val="0"/>
-                <a:alphaOff val="0"/>
-                <a:tint val="96000"/>
-                <a:lumMod val="104000"/>
-              </a:schemeClr>
-            </a:gs>
-            <a:gs pos="100000">
-              <a:schemeClr val="accent1">
-                <a:hueOff val="0"/>
-                <a:satOff val="0"/>
-                <a:lumOff val="0"/>
-                <a:alphaOff val="0"/>
-                <a:shade val="90000"/>
-                <a:lumMod val="90000"/>
-              </a:schemeClr>
-            </a:gs>
-          </a:gsLst>
-          <a:lin ang="5400000" scaled="0"/>
-        </a:gradFill>
-        <a:ln>
-          <a:noFill/>
-        </a:ln>
-        <a:effectLst>
-          <a:outerShdw blurRad="63500" dist="25400" dir="5400000" rotWithShape="0">
-            <a:srgbClr val="000000">
-              <a:alpha val="60000"/>
-            </a:srgbClr>
-          </a:outerShdw>
-        </a:effectLst>
-      </dsp:spPr>
-      <dsp:style>
-        <a:lnRef idx="0">
-          <a:scrgbClr r="0" g="0" b="0"/>
-        </a:lnRef>
-        <a:fillRef idx="3">
-          <a:scrgbClr r="0" g="0" b="0"/>
-        </a:fillRef>
-        <a:effectRef idx="2">
-          <a:scrgbClr r="0" g="0" b="0"/>
-        </a:effectRef>
-        <a:fontRef idx="minor">
-          <a:schemeClr val="lt1"/>
-        </a:fontRef>
-      </dsp:style>
-      <dsp:txBody>
-        <a:bodyPr spcFirstLastPara="0" vert="horz" wrap="square" lIns="13970" tIns="13970" rIns="13970" bIns="144662" numCol="1" spcCol="1270" anchor="ctr" anchorCtr="0">
-          <a:noAutofit/>
-        </a:bodyPr>
-        <a:lstStyle/>
-        <a:p>
-          <a:pPr lvl="0" algn="ctr" defTabSz="977900">
-            <a:lnSpc>
-              <a:spcPct val="90000"/>
-            </a:lnSpc>
-            <a:spcBef>
-              <a:spcPct val="0"/>
-            </a:spcBef>
-            <a:spcAft>
-              <a:spcPct val="35000"/>
-            </a:spcAft>
-          </a:pPr>
-          <a:r>
-            <a:rPr lang="fr-FR" sz="2200" kern="1200" dirty="0" smtClean="0"/>
-            <a:t>Odométrie</a:t>
-          </a:r>
-          <a:endParaRPr lang="fr-FR" sz="2200" kern="1200" dirty="0"/>
-        </a:p>
-      </dsp:txBody>
-      <dsp:txXfrm>
-        <a:off x="103201" y="2268822"/>
-        <a:ext cx="1980010" cy="1025161"/>
-      </dsp:txXfrm>
-    </dsp:sp>
-    <dsp:sp modelId="{809562EB-4A18-496D-99D9-E0B60B4EAEA5}">
-      <dsp:nvSpPr>
-        <dsp:cNvPr id="0" name=""/>
-        <dsp:cNvSpPr/>
-      </dsp:nvSpPr>
-      <dsp:spPr>
-        <a:xfrm>
-          <a:off x="578787" y="3066170"/>
-          <a:ext cx="1782009" cy="341720"/>
-        </a:xfrm>
-        <a:prstGeom prst="rect">
-          <a:avLst/>
-        </a:prstGeom>
-        <a:solidFill>
-          <a:schemeClr val="lt1">
-            <a:alpha val="90000"/>
-            <a:hueOff val="0"/>
-            <a:satOff val="0"/>
-            <a:lumOff val="0"/>
-            <a:alphaOff val="0"/>
-          </a:schemeClr>
-        </a:solidFill>
-        <a:ln w="9525" cap="rnd" cmpd="sng" algn="ctr">
-          <a:solidFill>
-            <a:schemeClr val="accent1">
-              <a:hueOff val="0"/>
-              <a:satOff val="0"/>
-              <a:lumOff val="0"/>
-              <a:alphaOff val="0"/>
-            </a:schemeClr>
-          </a:solidFill>
-          <a:prstDash val="solid"/>
-        </a:ln>
-        <a:effectLst/>
-      </dsp:spPr>
-      <dsp:style>
-        <a:lnRef idx="1">
-          <a:scrgbClr r="0" g="0" b="0"/>
-        </a:lnRef>
-        <a:fillRef idx="1">
-          <a:scrgbClr r="0" g="0" b="0"/>
-        </a:fillRef>
-        <a:effectRef idx="0">
-          <a:scrgbClr r="0" g="0" b="0"/>
-        </a:effectRef>
-        <a:fontRef idx="minor"/>
-      </dsp:style>
-      <dsp:txBody>
-        <a:bodyPr spcFirstLastPara="0" vert="horz" wrap="square" lIns="38100" tIns="9525" rIns="38100" bIns="9525" numCol="1" spcCol="1270" anchor="ctr" anchorCtr="0">
-          <a:noAutofit/>
-        </a:bodyPr>
-        <a:lstStyle/>
-        <a:p>
-          <a:pPr lvl="0" algn="r" defTabSz="666750">
-            <a:lnSpc>
-              <a:spcPct val="90000"/>
-            </a:lnSpc>
-            <a:spcBef>
-              <a:spcPct val="0"/>
-            </a:spcBef>
-            <a:spcAft>
-              <a:spcPct val="35000"/>
-            </a:spcAft>
-          </a:pPr>
-          <a:r>
-            <a:rPr lang="fr-FR" sz="1500" kern="1200" dirty="0"/>
-            <a:t>Thomas PRAK</a:t>
-          </a:r>
-        </a:p>
-      </dsp:txBody>
-      <dsp:txXfrm>
-        <a:off x="578787" y="3066170"/>
-        <a:ext cx="1782009" cy="341720"/>
-      </dsp:txXfrm>
-    </dsp:sp>
-    <dsp:sp modelId="{F522147D-7926-4BE8-A844-0FB48C50D80C}">
-      <dsp:nvSpPr>
-        <dsp:cNvPr id="0" name=""/>
-        <dsp:cNvSpPr/>
-      </dsp:nvSpPr>
-      <dsp:spPr>
-        <a:xfrm>
-          <a:off x="2759621" y="2268822"/>
-          <a:ext cx="1980010" cy="1025161"/>
-        </a:xfrm>
-        <a:prstGeom prst="rect">
-          <a:avLst/>
-        </a:prstGeom>
-        <a:gradFill rotWithShape="0">
-          <a:gsLst>
-            <a:gs pos="0">
-              <a:schemeClr val="accent1">
-                <a:hueOff val="0"/>
-                <a:satOff val="0"/>
-                <a:lumOff val="0"/>
-                <a:alphaOff val="0"/>
-                <a:tint val="96000"/>
-                <a:lumMod val="104000"/>
-              </a:schemeClr>
-            </a:gs>
-            <a:gs pos="100000">
-              <a:schemeClr val="accent1">
-                <a:hueOff val="0"/>
-                <a:satOff val="0"/>
-                <a:lumOff val="0"/>
-                <a:alphaOff val="0"/>
-                <a:shade val="90000"/>
-                <a:lumMod val="90000"/>
-              </a:schemeClr>
-            </a:gs>
-          </a:gsLst>
-          <a:lin ang="5400000" scaled="0"/>
-        </a:gradFill>
-        <a:ln>
-          <a:noFill/>
-        </a:ln>
-        <a:effectLst>
-          <a:outerShdw blurRad="63500" dist="25400" dir="5400000" rotWithShape="0">
-            <a:srgbClr val="000000">
-              <a:alpha val="60000"/>
-            </a:srgbClr>
-          </a:outerShdw>
-        </a:effectLst>
-      </dsp:spPr>
-      <dsp:style>
-        <a:lnRef idx="0">
-          <a:scrgbClr r="0" g="0" b="0"/>
-        </a:lnRef>
-        <a:fillRef idx="3">
-          <a:scrgbClr r="0" g="0" b="0"/>
-        </a:fillRef>
-        <a:effectRef idx="2">
-          <a:scrgbClr r="0" g="0" b="0"/>
-        </a:effectRef>
-        <a:fontRef idx="minor">
-          <a:schemeClr val="lt1"/>
-        </a:fontRef>
-      </dsp:style>
-      <dsp:txBody>
-        <a:bodyPr spcFirstLastPara="0" vert="horz" wrap="square" lIns="13970" tIns="13970" rIns="13970" bIns="144662" numCol="1" spcCol="1270" anchor="ctr" anchorCtr="0">
-          <a:noAutofit/>
-        </a:bodyPr>
-        <a:lstStyle/>
-        <a:p>
-          <a:pPr lvl="0" algn="ctr" defTabSz="977900">
-            <a:lnSpc>
-              <a:spcPct val="90000"/>
-            </a:lnSpc>
-            <a:spcBef>
-              <a:spcPct val="0"/>
-            </a:spcBef>
-            <a:spcAft>
-              <a:spcPct val="35000"/>
-            </a:spcAft>
-          </a:pPr>
-          <a:r>
-            <a:rPr lang="fr-FR" sz="2200" kern="1200" dirty="0" smtClean="0"/>
-            <a:t>Client Web</a:t>
-          </a:r>
-          <a:endParaRPr lang="fr-FR" sz="2200" kern="1200" dirty="0"/>
-        </a:p>
-      </dsp:txBody>
-      <dsp:txXfrm>
-        <a:off x="2759621" y="2268822"/>
-        <a:ext cx="1980010" cy="1025161"/>
-      </dsp:txXfrm>
-    </dsp:sp>
-    <dsp:sp modelId="{BDDE5DF6-64AC-499B-A204-5D73CD5189A5}">
-      <dsp:nvSpPr>
-        <dsp:cNvPr id="0" name=""/>
-        <dsp:cNvSpPr/>
-      </dsp:nvSpPr>
-      <dsp:spPr>
-        <a:xfrm>
-          <a:off x="3155623" y="3066170"/>
-          <a:ext cx="1782009" cy="341720"/>
-        </a:xfrm>
-        <a:prstGeom prst="rect">
-          <a:avLst/>
-        </a:prstGeom>
-        <a:solidFill>
-          <a:schemeClr val="lt1">
-            <a:alpha val="90000"/>
-            <a:hueOff val="0"/>
-            <a:satOff val="0"/>
-            <a:lumOff val="0"/>
-            <a:alphaOff val="0"/>
-          </a:schemeClr>
-        </a:solidFill>
-        <a:ln w="9525" cap="rnd" cmpd="sng" algn="ctr">
-          <a:solidFill>
-            <a:schemeClr val="accent1">
-              <a:hueOff val="0"/>
-              <a:satOff val="0"/>
-              <a:lumOff val="0"/>
-              <a:alphaOff val="0"/>
-            </a:schemeClr>
-          </a:solidFill>
-          <a:prstDash val="solid"/>
-        </a:ln>
-        <a:effectLst/>
-      </dsp:spPr>
-      <dsp:style>
-        <a:lnRef idx="1">
-          <a:scrgbClr r="0" g="0" b="0"/>
-        </a:lnRef>
-        <a:fillRef idx="1">
-          <a:scrgbClr r="0" g="0" b="0"/>
-        </a:fillRef>
-        <a:effectRef idx="0">
-          <a:scrgbClr r="0" g="0" b="0"/>
-        </a:effectRef>
-        <a:fontRef idx="minor"/>
-      </dsp:style>
-      <dsp:txBody>
-        <a:bodyPr spcFirstLastPara="0" vert="horz" wrap="square" lIns="38100" tIns="9525" rIns="38100" bIns="9525" numCol="1" spcCol="1270" anchor="ctr" anchorCtr="0">
-          <a:noAutofit/>
-        </a:bodyPr>
-        <a:lstStyle/>
-        <a:p>
-          <a:pPr lvl="0" algn="r" defTabSz="666750">
-            <a:lnSpc>
-              <a:spcPct val="90000"/>
-            </a:lnSpc>
-            <a:spcBef>
-              <a:spcPct val="0"/>
-            </a:spcBef>
-            <a:spcAft>
-              <a:spcPct val="35000"/>
-            </a:spcAft>
-          </a:pPr>
-          <a:r>
-            <a:rPr lang="fr-FR" sz="1500" kern="1200" dirty="0"/>
-            <a:t>Justine SABBATIER</a:t>
-          </a:r>
-        </a:p>
-      </dsp:txBody>
-      <dsp:txXfrm>
-        <a:off x="3155623" y="3066170"/>
-        <a:ext cx="1782009" cy="341720"/>
-      </dsp:txXfrm>
-    </dsp:sp>
-    <dsp:sp modelId="{5662567F-F7A3-40C3-B265-EF28650FB1CC}">
-      <dsp:nvSpPr>
-        <dsp:cNvPr id="0" name=""/>
-        <dsp:cNvSpPr/>
-      </dsp:nvSpPr>
-      <dsp:spPr>
-        <a:xfrm>
-          <a:off x="5416041" y="2268822"/>
-          <a:ext cx="1980010" cy="1025161"/>
-        </a:xfrm>
-        <a:prstGeom prst="rect">
-          <a:avLst/>
-        </a:prstGeom>
-        <a:gradFill rotWithShape="0">
-          <a:gsLst>
-            <a:gs pos="0">
-              <a:schemeClr val="accent1">
-                <a:hueOff val="0"/>
-                <a:satOff val="0"/>
-                <a:lumOff val="0"/>
-                <a:alphaOff val="0"/>
-                <a:tint val="96000"/>
-                <a:lumMod val="104000"/>
-              </a:schemeClr>
-            </a:gs>
-            <a:gs pos="100000">
-              <a:schemeClr val="accent1">
-                <a:hueOff val="0"/>
-                <a:satOff val="0"/>
-                <a:lumOff val="0"/>
-                <a:alphaOff val="0"/>
-                <a:shade val="90000"/>
-                <a:lumMod val="90000"/>
-              </a:schemeClr>
-            </a:gs>
-          </a:gsLst>
-          <a:lin ang="5400000" scaled="0"/>
-        </a:gradFill>
-        <a:ln>
-          <a:noFill/>
-        </a:ln>
-        <a:effectLst>
-          <a:outerShdw blurRad="63500" dist="25400" dir="5400000" rotWithShape="0">
-            <a:srgbClr val="000000">
-              <a:alpha val="60000"/>
-            </a:srgbClr>
-          </a:outerShdw>
-        </a:effectLst>
-      </dsp:spPr>
-      <dsp:style>
-        <a:lnRef idx="0">
-          <a:scrgbClr r="0" g="0" b="0"/>
-        </a:lnRef>
-        <a:fillRef idx="3">
-          <a:scrgbClr r="0" g="0" b="0"/>
-        </a:fillRef>
-        <a:effectRef idx="2">
-          <a:scrgbClr r="0" g="0" b="0"/>
-        </a:effectRef>
-        <a:fontRef idx="minor">
-          <a:schemeClr val="lt1"/>
-        </a:fontRef>
-      </dsp:style>
-      <dsp:txBody>
-        <a:bodyPr spcFirstLastPara="0" vert="horz" wrap="square" lIns="13970" tIns="13970" rIns="13970" bIns="144662" numCol="1" spcCol="1270" anchor="ctr" anchorCtr="0">
-          <a:noAutofit/>
-        </a:bodyPr>
-        <a:lstStyle/>
-        <a:p>
-          <a:pPr lvl="0" algn="ctr" defTabSz="977900">
-            <a:lnSpc>
-              <a:spcPct val="90000"/>
-            </a:lnSpc>
-            <a:spcBef>
-              <a:spcPct val="0"/>
-            </a:spcBef>
-            <a:spcAft>
-              <a:spcPct val="35000"/>
-            </a:spcAft>
-          </a:pPr>
-          <a:r>
-            <a:rPr lang="fr-FR" sz="2200" kern="1200" dirty="0" smtClean="0"/>
-            <a:t>Algorithme</a:t>
-          </a:r>
-          <a:endParaRPr lang="fr-FR" sz="2200" kern="1200" dirty="0"/>
-        </a:p>
-      </dsp:txBody>
-      <dsp:txXfrm>
-        <a:off x="5416041" y="2268822"/>
-        <a:ext cx="1980010" cy="1025161"/>
-      </dsp:txXfrm>
-    </dsp:sp>
-    <dsp:sp modelId="{0E9E0690-608D-4BF4-8CCF-3E5EC47EB681}">
-      <dsp:nvSpPr>
-        <dsp:cNvPr id="0" name=""/>
-        <dsp:cNvSpPr/>
-      </dsp:nvSpPr>
-      <dsp:spPr>
-        <a:xfrm>
-          <a:off x="5812044" y="3066170"/>
-          <a:ext cx="1782009" cy="341720"/>
-        </a:xfrm>
-        <a:prstGeom prst="rect">
-          <a:avLst/>
-        </a:prstGeom>
-        <a:solidFill>
-          <a:schemeClr val="lt1">
-            <a:alpha val="90000"/>
-            <a:hueOff val="0"/>
-            <a:satOff val="0"/>
-            <a:lumOff val="0"/>
-            <a:alphaOff val="0"/>
-          </a:schemeClr>
-        </a:solidFill>
-        <a:ln w="9525" cap="rnd" cmpd="sng" algn="ctr">
-          <a:solidFill>
-            <a:schemeClr val="accent1">
-              <a:hueOff val="0"/>
-              <a:satOff val="0"/>
-              <a:lumOff val="0"/>
-              <a:alphaOff val="0"/>
-            </a:schemeClr>
-          </a:solidFill>
-          <a:prstDash val="solid"/>
-        </a:ln>
-        <a:effectLst/>
-      </dsp:spPr>
-      <dsp:style>
-        <a:lnRef idx="1">
-          <a:scrgbClr r="0" g="0" b="0"/>
-        </a:lnRef>
-        <a:fillRef idx="1">
-          <a:scrgbClr r="0" g="0" b="0"/>
-        </a:fillRef>
-        <a:effectRef idx="0">
-          <a:scrgbClr r="0" g="0" b="0"/>
-        </a:effectRef>
-        <a:fontRef idx="minor"/>
-      </dsp:style>
-      <dsp:txBody>
-        <a:bodyPr spcFirstLastPara="0" vert="horz" wrap="square" lIns="38100" tIns="9525" rIns="38100" bIns="9525" numCol="1" spcCol="1270" anchor="ctr" anchorCtr="0">
-          <a:noAutofit/>
-        </a:bodyPr>
-        <a:lstStyle/>
-        <a:p>
-          <a:pPr lvl="0" algn="r" defTabSz="666750">
-            <a:lnSpc>
-              <a:spcPct val="90000"/>
-            </a:lnSpc>
-            <a:spcBef>
-              <a:spcPct val="0"/>
-            </a:spcBef>
-            <a:spcAft>
-              <a:spcPct val="35000"/>
-            </a:spcAft>
-          </a:pPr>
-          <a:r>
-            <a:rPr lang="fr-FR" sz="1500" kern="1200"/>
-            <a:t>Mathias DA COSTA</a:t>
-          </a:r>
-        </a:p>
-      </dsp:txBody>
-      <dsp:txXfrm>
-        <a:off x="5812044" y="3066170"/>
-        <a:ext cx="1782009" cy="341720"/>
-      </dsp:txXfrm>
-    </dsp:sp>
-    <dsp:sp modelId="{96FA1259-64E4-404F-B34D-D3DE19F6B678}">
-      <dsp:nvSpPr>
-        <dsp:cNvPr id="0" name=""/>
-        <dsp:cNvSpPr/>
-      </dsp:nvSpPr>
-      <dsp:spPr>
-        <a:xfrm>
-          <a:off x="8072462" y="2268822"/>
-          <a:ext cx="1980010" cy="1025161"/>
-        </a:xfrm>
-        <a:prstGeom prst="rect">
-          <a:avLst/>
-        </a:prstGeom>
-        <a:gradFill rotWithShape="0">
-          <a:gsLst>
-            <a:gs pos="0">
-              <a:schemeClr val="accent1">
-                <a:hueOff val="0"/>
-                <a:satOff val="0"/>
-                <a:lumOff val="0"/>
-                <a:alphaOff val="0"/>
-                <a:tint val="96000"/>
-                <a:lumMod val="104000"/>
-              </a:schemeClr>
-            </a:gs>
-            <a:gs pos="100000">
-              <a:schemeClr val="accent1">
-                <a:hueOff val="0"/>
-                <a:satOff val="0"/>
-                <a:lumOff val="0"/>
-                <a:alphaOff val="0"/>
-                <a:shade val="90000"/>
-                <a:lumMod val="90000"/>
-              </a:schemeClr>
-            </a:gs>
-          </a:gsLst>
-          <a:lin ang="5400000" scaled="0"/>
-        </a:gradFill>
-        <a:ln>
-          <a:noFill/>
-        </a:ln>
-        <a:effectLst>
-          <a:outerShdw blurRad="63500" dist="25400" dir="5400000" rotWithShape="0">
-            <a:srgbClr val="000000">
-              <a:alpha val="60000"/>
-            </a:srgbClr>
-          </a:outerShdw>
-        </a:effectLst>
-      </dsp:spPr>
-      <dsp:style>
-        <a:lnRef idx="0">
-          <a:scrgbClr r="0" g="0" b="0"/>
-        </a:lnRef>
-        <a:fillRef idx="3">
-          <a:scrgbClr r="0" g="0" b="0"/>
-        </a:fillRef>
-        <a:effectRef idx="2">
-          <a:scrgbClr r="0" g="0" b="0"/>
-        </a:effectRef>
-        <a:fontRef idx="minor">
-          <a:schemeClr val="lt1"/>
-        </a:fontRef>
-      </dsp:style>
-      <dsp:txBody>
-        <a:bodyPr spcFirstLastPara="0" vert="horz" wrap="square" lIns="13970" tIns="13970" rIns="13970" bIns="144662" numCol="1" spcCol="1270" anchor="ctr" anchorCtr="0">
-          <a:noAutofit/>
-        </a:bodyPr>
-        <a:lstStyle/>
-        <a:p>
-          <a:pPr lvl="0" algn="ctr" defTabSz="977900">
-            <a:lnSpc>
-              <a:spcPct val="90000"/>
-            </a:lnSpc>
-            <a:spcBef>
-              <a:spcPct val="0"/>
-            </a:spcBef>
-            <a:spcAft>
-              <a:spcPct val="35000"/>
-            </a:spcAft>
-          </a:pPr>
-          <a:r>
-            <a:rPr lang="fr-FR" sz="2200" kern="1200" dirty="0" smtClean="0"/>
-            <a:t>Communication</a:t>
-          </a:r>
-          <a:endParaRPr lang="fr-FR" sz="2200" kern="1200" dirty="0"/>
-        </a:p>
-      </dsp:txBody>
-      <dsp:txXfrm>
-        <a:off x="8072462" y="2268822"/>
-        <a:ext cx="1980010" cy="1025161"/>
-      </dsp:txXfrm>
-    </dsp:sp>
-    <dsp:sp modelId="{A8EA838F-3B0C-4F99-BFF0-CFB047931BD1}">
-      <dsp:nvSpPr>
-        <dsp:cNvPr id="0" name=""/>
-        <dsp:cNvSpPr/>
-      </dsp:nvSpPr>
-      <dsp:spPr>
-        <a:xfrm>
-          <a:off x="8468464" y="3066170"/>
-          <a:ext cx="1782009" cy="341720"/>
-        </a:xfrm>
-        <a:prstGeom prst="rect">
-          <a:avLst/>
-        </a:prstGeom>
-        <a:solidFill>
-          <a:schemeClr val="lt1">
-            <a:alpha val="90000"/>
-            <a:hueOff val="0"/>
-            <a:satOff val="0"/>
-            <a:lumOff val="0"/>
-            <a:alphaOff val="0"/>
-          </a:schemeClr>
-        </a:solidFill>
-        <a:ln w="9525" cap="rnd" cmpd="sng" algn="ctr">
-          <a:solidFill>
-            <a:schemeClr val="accent1">
-              <a:hueOff val="0"/>
-              <a:satOff val="0"/>
-              <a:lumOff val="0"/>
-              <a:alphaOff val="0"/>
-            </a:schemeClr>
-          </a:solidFill>
-          <a:prstDash val="solid"/>
-        </a:ln>
-        <a:effectLst/>
-      </dsp:spPr>
-      <dsp:style>
-        <a:lnRef idx="1">
-          <a:scrgbClr r="0" g="0" b="0"/>
-        </a:lnRef>
-        <a:fillRef idx="1">
-          <a:scrgbClr r="0" g="0" b="0"/>
-        </a:fillRef>
-        <a:effectRef idx="0">
-          <a:scrgbClr r="0" g="0" b="0"/>
-        </a:effectRef>
-        <a:fontRef idx="minor"/>
-      </dsp:style>
-      <dsp:txBody>
-        <a:bodyPr spcFirstLastPara="0" vert="horz" wrap="square" lIns="38100" tIns="9525" rIns="38100" bIns="9525" numCol="1" spcCol="1270" anchor="ctr" anchorCtr="0">
-          <a:noAutofit/>
-        </a:bodyPr>
-        <a:lstStyle/>
-        <a:p>
-          <a:pPr lvl="0" algn="r" defTabSz="666750">
-            <a:lnSpc>
-              <a:spcPct val="90000"/>
-            </a:lnSpc>
-            <a:spcBef>
-              <a:spcPct val="0"/>
-            </a:spcBef>
-            <a:spcAft>
-              <a:spcPct val="35000"/>
-            </a:spcAft>
-          </a:pPr>
-          <a:r>
-            <a:rPr lang="fr-FR" sz="1500" kern="1200"/>
-            <a:t>Julien LOEVE</a:t>
-          </a:r>
-        </a:p>
-      </dsp:txBody>
-      <dsp:txXfrm>
-        <a:off x="8468464" y="3066170"/>
-        <a:ext cx="1782009" cy="341720"/>
-      </dsp:txXfrm>
-    </dsp:sp>
   </dsp:spTree>
 </dsp:drawing>
 </file>
@@ -4044,646 +2995,6 @@
       <dsp:cNvGrpSpPr/>
     </dsp:nvGrpSpPr>
     <dsp:grpSpPr/>
-    <dsp:sp modelId="{6A1FC33C-BD54-48D9-8848-B8051814CA7A}">
-      <dsp:nvSpPr>
-        <dsp:cNvPr id="0" name=""/>
-        <dsp:cNvSpPr/>
-      </dsp:nvSpPr>
-      <dsp:spPr>
-        <a:xfrm>
-          <a:off x="2656565" y="9048"/>
-          <a:ext cx="2412531" cy="2412899"/>
-        </a:xfrm>
-        <a:prstGeom prst="circularArrow">
-          <a:avLst>
-            <a:gd name="adj1" fmla="val 10980"/>
-            <a:gd name="adj2" fmla="val 1142322"/>
-            <a:gd name="adj3" fmla="val 4500000"/>
-            <a:gd name="adj4" fmla="val 10800000"/>
-            <a:gd name="adj5" fmla="val 12500"/>
-          </a:avLst>
-        </a:prstGeom>
-        <a:gradFill rotWithShape="0">
-          <a:gsLst>
-            <a:gs pos="0">
-              <a:schemeClr val="accent1">
-                <a:hueOff val="0"/>
-                <a:satOff val="0"/>
-                <a:lumOff val="0"/>
-                <a:alphaOff val="0"/>
-                <a:tint val="96000"/>
-                <a:lumMod val="104000"/>
-              </a:schemeClr>
-            </a:gs>
-            <a:gs pos="100000">
-              <a:schemeClr val="accent1">
-                <a:hueOff val="0"/>
-                <a:satOff val="0"/>
-                <a:lumOff val="0"/>
-                <a:alphaOff val="0"/>
-                <a:shade val="90000"/>
-                <a:lumMod val="90000"/>
-              </a:schemeClr>
-            </a:gs>
-          </a:gsLst>
-          <a:lin ang="5400000" scaled="0"/>
-        </a:gradFill>
-        <a:ln>
-          <a:noFill/>
-        </a:ln>
-        <a:effectLst>
-          <a:outerShdw blurRad="63500" dist="25400" dir="5400000" rotWithShape="0">
-            <a:srgbClr val="000000">
-              <a:alpha val="60000"/>
-            </a:srgbClr>
-          </a:outerShdw>
-        </a:effectLst>
-      </dsp:spPr>
-      <dsp:style>
-        <a:lnRef idx="0">
-          <a:scrgbClr r="0" g="0" b="0"/>
-        </a:lnRef>
-        <a:fillRef idx="3">
-          <a:scrgbClr r="0" g="0" b="0"/>
-        </a:fillRef>
-        <a:effectRef idx="2">
-          <a:scrgbClr r="0" g="0" b="0"/>
-        </a:effectRef>
-        <a:fontRef idx="minor">
-          <a:schemeClr val="lt1"/>
-        </a:fontRef>
-      </dsp:style>
-    </dsp:sp>
-    <dsp:sp modelId="{2BC33A24-C019-40DB-B4F8-D236F35960DA}">
-      <dsp:nvSpPr>
-        <dsp:cNvPr id="0" name=""/>
-        <dsp:cNvSpPr/>
-      </dsp:nvSpPr>
-      <dsp:spPr>
-        <a:xfrm>
-          <a:off x="5465248" y="601561"/>
-          <a:ext cx="3405954" cy="965360"/>
-        </a:xfrm>
-        <a:prstGeom prst="rect">
-          <a:avLst/>
-        </a:prstGeom>
-        <a:noFill/>
-        <a:ln>
-          <a:noFill/>
-        </a:ln>
-        <a:effectLst/>
-      </dsp:spPr>
-      <dsp:style>
-        <a:lnRef idx="0">
-          <a:scrgbClr r="0" g="0" b="0"/>
-        </a:lnRef>
-        <a:fillRef idx="0">
-          <a:scrgbClr r="0" g="0" b="0"/>
-        </a:fillRef>
-        <a:effectRef idx="0">
-          <a:scrgbClr r="0" g="0" b="0"/>
-        </a:effectRef>
-        <a:fontRef idx="minor"/>
-      </dsp:style>
-      <dsp:txBody>
-        <a:bodyPr spcFirstLastPara="0" vert="horz" wrap="square" lIns="15240" tIns="15240" rIns="15240" bIns="15240" numCol="1" spcCol="1270" anchor="ctr" anchorCtr="0">
-          <a:noAutofit/>
-        </a:bodyPr>
-        <a:lstStyle/>
-        <a:p>
-          <a:pPr marL="228600" lvl="1" indent="-228600" algn="l" defTabSz="1066800">
-            <a:lnSpc>
-              <a:spcPct val="90000"/>
-            </a:lnSpc>
-            <a:spcBef>
-              <a:spcPct val="0"/>
-            </a:spcBef>
-            <a:spcAft>
-              <a:spcPct val="15000"/>
-            </a:spcAft>
-            <a:buChar char="••"/>
-          </a:pPr>
-          <a:r>
-            <a:rPr lang="fr-FR" sz="2400" b="1" kern="1200" dirty="0" smtClean="0"/>
-            <a:t>Requête GET </a:t>
-          </a:r>
-          <a:endParaRPr lang="fr-FR" sz="2400" b="1" kern="1200" dirty="0"/>
-        </a:p>
-        <a:p>
-          <a:pPr marL="457200" lvl="2" indent="-228600" algn="l" defTabSz="1066800">
-            <a:lnSpc>
-              <a:spcPct val="90000"/>
-            </a:lnSpc>
-            <a:spcBef>
-              <a:spcPct val="0"/>
-            </a:spcBef>
-            <a:spcAft>
-              <a:spcPct val="15000"/>
-            </a:spcAft>
-            <a:buChar char="••"/>
-          </a:pPr>
-          <a:r>
-            <a:rPr lang="fr-FR" sz="2400" kern="1200" dirty="0" smtClean="0"/>
-            <a:t>Récupération du </a:t>
-          </a:r>
-          <a:r>
-            <a:rPr lang="fr-FR" sz="2400" kern="1200" dirty="0" err="1" smtClean="0"/>
-            <a:t>Json</a:t>
-          </a:r>
-          <a:endParaRPr lang="fr-FR" sz="2400" kern="1200" dirty="0"/>
-        </a:p>
-      </dsp:txBody>
-      <dsp:txXfrm>
-        <a:off x="5465248" y="601561"/>
-        <a:ext cx="3405954" cy="965360"/>
-      </dsp:txXfrm>
-    </dsp:sp>
-    <dsp:sp modelId="{41EA7880-1A0E-4CC2-B59F-914DDD351791}">
-      <dsp:nvSpPr>
-        <dsp:cNvPr id="0" name=""/>
-        <dsp:cNvSpPr/>
-      </dsp:nvSpPr>
-      <dsp:spPr>
-        <a:xfrm>
-          <a:off x="3162648" y="871129"/>
-          <a:ext cx="1340597" cy="670138"/>
-        </a:xfrm>
-        <a:prstGeom prst="rect">
-          <a:avLst/>
-        </a:prstGeom>
-        <a:noFill/>
-        <a:ln>
-          <a:noFill/>
-        </a:ln>
-        <a:effectLst/>
-      </dsp:spPr>
-      <dsp:style>
-        <a:lnRef idx="0">
-          <a:scrgbClr r="0" g="0" b="0"/>
-        </a:lnRef>
-        <a:fillRef idx="0">
-          <a:scrgbClr r="0" g="0" b="0"/>
-        </a:fillRef>
-        <a:effectRef idx="0">
-          <a:scrgbClr r="0" g="0" b="0"/>
-        </a:effectRef>
-        <a:fontRef idx="minor"/>
-      </dsp:style>
-      <dsp:txBody>
-        <a:bodyPr spcFirstLastPara="0" vert="horz" wrap="square" lIns="17780" tIns="17780" rIns="17780" bIns="17780" numCol="1" spcCol="1270" anchor="ctr" anchorCtr="0">
-          <a:noAutofit/>
-        </a:bodyPr>
-        <a:lstStyle/>
-        <a:p>
-          <a:pPr lvl="0" algn="ctr" defTabSz="1244600">
-            <a:lnSpc>
-              <a:spcPct val="90000"/>
-            </a:lnSpc>
-            <a:spcBef>
-              <a:spcPct val="0"/>
-            </a:spcBef>
-            <a:spcAft>
-              <a:spcPct val="35000"/>
-            </a:spcAft>
-          </a:pPr>
-          <a:r>
-            <a:rPr lang="fr-FR" sz="2800" kern="1200" dirty="0" smtClean="0"/>
-            <a:t>Ajax</a:t>
-          </a:r>
-          <a:endParaRPr lang="fr-FR" sz="2800" kern="1200" dirty="0"/>
-        </a:p>
-      </dsp:txBody>
-      <dsp:txXfrm>
-        <a:off x="3162648" y="871129"/>
-        <a:ext cx="1340597" cy="670138"/>
-      </dsp:txXfrm>
-    </dsp:sp>
-    <dsp:sp modelId="{1EAF82E5-DF36-4432-8EFB-3660BDEAF403}">
-      <dsp:nvSpPr>
-        <dsp:cNvPr id="0" name=""/>
-        <dsp:cNvSpPr/>
-      </dsp:nvSpPr>
-      <dsp:spPr>
-        <a:xfrm>
-          <a:off x="1959327" y="1386389"/>
-          <a:ext cx="2412531" cy="2412899"/>
-        </a:xfrm>
-        <a:prstGeom prst="leftCircularArrow">
-          <a:avLst>
-            <a:gd name="adj1" fmla="val 10980"/>
-            <a:gd name="adj2" fmla="val 1142322"/>
-            <a:gd name="adj3" fmla="val 6300000"/>
-            <a:gd name="adj4" fmla="val 18900000"/>
-            <a:gd name="adj5" fmla="val 12500"/>
-          </a:avLst>
-        </a:prstGeom>
-        <a:gradFill rotWithShape="0">
-          <a:gsLst>
-            <a:gs pos="0">
-              <a:schemeClr val="accent1">
-                <a:hueOff val="0"/>
-                <a:satOff val="0"/>
-                <a:lumOff val="0"/>
-                <a:alphaOff val="0"/>
-                <a:tint val="96000"/>
-                <a:lumMod val="104000"/>
-              </a:schemeClr>
-            </a:gs>
-            <a:gs pos="100000">
-              <a:schemeClr val="accent1">
-                <a:hueOff val="0"/>
-                <a:satOff val="0"/>
-                <a:lumOff val="0"/>
-                <a:alphaOff val="0"/>
-                <a:shade val="90000"/>
-                <a:lumMod val="90000"/>
-              </a:schemeClr>
-            </a:gs>
-          </a:gsLst>
-          <a:lin ang="5400000" scaled="0"/>
-        </a:gradFill>
-        <a:ln>
-          <a:noFill/>
-        </a:ln>
-        <a:effectLst>
-          <a:outerShdw blurRad="63500" dist="25400" dir="5400000" rotWithShape="0">
-            <a:srgbClr val="000000">
-              <a:alpha val="60000"/>
-            </a:srgbClr>
-          </a:outerShdw>
-        </a:effectLst>
-      </dsp:spPr>
-      <dsp:style>
-        <a:lnRef idx="0">
-          <a:scrgbClr r="0" g="0" b="0"/>
-        </a:lnRef>
-        <a:fillRef idx="3">
-          <a:scrgbClr r="0" g="0" b="0"/>
-        </a:fillRef>
-        <a:effectRef idx="2">
-          <a:scrgbClr r="0" g="0" b="0"/>
-        </a:effectRef>
-        <a:fontRef idx="minor">
-          <a:schemeClr val="lt1"/>
-        </a:fontRef>
-      </dsp:style>
-    </dsp:sp>
-    <dsp:sp modelId="{EED53FE3-01A0-4A4A-B958-999558A60657}">
-      <dsp:nvSpPr>
-        <dsp:cNvPr id="0" name=""/>
-        <dsp:cNvSpPr/>
-      </dsp:nvSpPr>
-      <dsp:spPr>
-        <a:xfrm>
-          <a:off x="4348677" y="2031293"/>
-          <a:ext cx="5643819" cy="965360"/>
-        </a:xfrm>
-        <a:prstGeom prst="rect">
-          <a:avLst/>
-        </a:prstGeom>
-        <a:noFill/>
-        <a:ln>
-          <a:noFill/>
-        </a:ln>
-        <a:effectLst/>
-      </dsp:spPr>
-      <dsp:style>
-        <a:lnRef idx="0">
-          <a:scrgbClr r="0" g="0" b="0"/>
-        </a:lnRef>
-        <a:fillRef idx="0">
-          <a:scrgbClr r="0" g="0" b="0"/>
-        </a:fillRef>
-        <a:effectRef idx="0">
-          <a:scrgbClr r="0" g="0" b="0"/>
-        </a:effectRef>
-        <a:fontRef idx="minor"/>
-      </dsp:style>
-      <dsp:txBody>
-        <a:bodyPr spcFirstLastPara="0" vert="horz" wrap="square" lIns="15240" tIns="15240" rIns="15240" bIns="15240" numCol="1" spcCol="1270" anchor="ctr" anchorCtr="0">
-          <a:noAutofit/>
-        </a:bodyPr>
-        <a:lstStyle/>
-        <a:p>
-          <a:pPr marL="228600" lvl="1" indent="-228600" algn="l" defTabSz="1066800">
-            <a:lnSpc>
-              <a:spcPct val="90000"/>
-            </a:lnSpc>
-            <a:spcBef>
-              <a:spcPct val="0"/>
-            </a:spcBef>
-            <a:spcAft>
-              <a:spcPct val="15000"/>
-            </a:spcAft>
-            <a:buChar char="••"/>
-          </a:pPr>
-          <a:r>
-            <a:rPr lang="fr-FR" sz="2400" b="1" kern="1200" dirty="0" smtClean="0"/>
-            <a:t>Nativement interprété</a:t>
-          </a:r>
-          <a:endParaRPr lang="fr-FR" sz="2400" b="1" kern="1200" dirty="0"/>
-        </a:p>
-        <a:p>
-          <a:pPr marL="457200" lvl="2" indent="-228600" algn="l" defTabSz="1066800">
-            <a:lnSpc>
-              <a:spcPct val="90000"/>
-            </a:lnSpc>
-            <a:spcBef>
-              <a:spcPct val="0"/>
-            </a:spcBef>
-            <a:spcAft>
-              <a:spcPct val="15000"/>
-            </a:spcAft>
-            <a:buChar char="••"/>
-          </a:pPr>
-          <a:r>
-            <a:rPr lang="fr-FR" sz="2400" kern="1200" dirty="0" smtClean="0"/>
-            <a:t>Extraction des données</a:t>
-          </a:r>
-          <a:endParaRPr lang="fr-FR" sz="2400" kern="1200" dirty="0"/>
-        </a:p>
-      </dsp:txBody>
-      <dsp:txXfrm>
-        <a:off x="4348677" y="2031293"/>
-        <a:ext cx="5643819" cy="965360"/>
-      </dsp:txXfrm>
-    </dsp:sp>
-    <dsp:sp modelId="{6AA25D69-5E05-40A3-9F00-9387D55331A8}">
-      <dsp:nvSpPr>
-        <dsp:cNvPr id="0" name=""/>
-        <dsp:cNvSpPr/>
-      </dsp:nvSpPr>
-      <dsp:spPr>
-        <a:xfrm>
-          <a:off x="2495294" y="2265538"/>
-          <a:ext cx="1340597" cy="670138"/>
-        </a:xfrm>
-        <a:prstGeom prst="rect">
-          <a:avLst/>
-        </a:prstGeom>
-        <a:noFill/>
-        <a:ln>
-          <a:noFill/>
-        </a:ln>
-        <a:effectLst/>
-      </dsp:spPr>
-      <dsp:style>
-        <a:lnRef idx="0">
-          <a:scrgbClr r="0" g="0" b="0"/>
-        </a:lnRef>
-        <a:fillRef idx="0">
-          <a:scrgbClr r="0" g="0" b="0"/>
-        </a:fillRef>
-        <a:effectRef idx="0">
-          <a:scrgbClr r="0" g="0" b="0"/>
-        </a:effectRef>
-        <a:fontRef idx="minor"/>
-      </dsp:style>
-      <dsp:txBody>
-        <a:bodyPr spcFirstLastPara="0" vert="horz" wrap="square" lIns="17780" tIns="17780" rIns="17780" bIns="17780" numCol="1" spcCol="1270" anchor="ctr" anchorCtr="0">
-          <a:noAutofit/>
-        </a:bodyPr>
-        <a:lstStyle/>
-        <a:p>
-          <a:pPr lvl="0" algn="ctr" defTabSz="1244600">
-            <a:lnSpc>
-              <a:spcPct val="90000"/>
-            </a:lnSpc>
-            <a:spcBef>
-              <a:spcPct val="0"/>
-            </a:spcBef>
-            <a:spcAft>
-              <a:spcPct val="35000"/>
-            </a:spcAft>
-          </a:pPr>
-          <a:r>
-            <a:rPr lang="fr-FR" sz="2800" kern="1200" dirty="0" err="1" smtClean="0"/>
-            <a:t>Jquery</a:t>
-          </a:r>
-          <a:endParaRPr lang="fr-FR" sz="2800" kern="1200" dirty="0"/>
-        </a:p>
-      </dsp:txBody>
-      <dsp:txXfrm>
-        <a:off x="2495294" y="2265538"/>
-        <a:ext cx="1340597" cy="670138"/>
-      </dsp:txXfrm>
-    </dsp:sp>
-    <dsp:sp modelId="{A7590864-E6C3-49D8-9B22-DF9210EFF756}">
-      <dsp:nvSpPr>
-        <dsp:cNvPr id="0" name=""/>
-        <dsp:cNvSpPr/>
-      </dsp:nvSpPr>
-      <dsp:spPr>
-        <a:xfrm>
-          <a:off x="2801108" y="2938684"/>
-          <a:ext cx="2072738" cy="2073569"/>
-        </a:xfrm>
-        <a:prstGeom prst="blockArc">
-          <a:avLst>
-            <a:gd name="adj1" fmla="val 13500000"/>
-            <a:gd name="adj2" fmla="val 10800000"/>
-            <a:gd name="adj3" fmla="val 12740"/>
-          </a:avLst>
-        </a:prstGeom>
-        <a:gradFill rotWithShape="0">
-          <a:gsLst>
-            <a:gs pos="0">
-              <a:schemeClr val="accent1">
-                <a:hueOff val="0"/>
-                <a:satOff val="0"/>
-                <a:lumOff val="0"/>
-                <a:alphaOff val="0"/>
-                <a:tint val="96000"/>
-                <a:lumMod val="104000"/>
-              </a:schemeClr>
-            </a:gs>
-            <a:gs pos="100000">
-              <a:schemeClr val="accent1">
-                <a:hueOff val="0"/>
-                <a:satOff val="0"/>
-                <a:lumOff val="0"/>
-                <a:alphaOff val="0"/>
-                <a:shade val="90000"/>
-                <a:lumMod val="90000"/>
-              </a:schemeClr>
-            </a:gs>
-          </a:gsLst>
-          <a:lin ang="5400000" scaled="0"/>
-        </a:gradFill>
-        <a:ln>
-          <a:noFill/>
-        </a:ln>
-        <a:effectLst>
-          <a:outerShdw blurRad="63500" dist="25400" dir="5400000" rotWithShape="0">
-            <a:srgbClr val="000000">
-              <a:alpha val="60000"/>
-            </a:srgbClr>
-          </a:outerShdw>
-        </a:effectLst>
-      </dsp:spPr>
-      <dsp:style>
-        <a:lnRef idx="0">
-          <a:scrgbClr r="0" g="0" b="0"/>
-        </a:lnRef>
-        <a:fillRef idx="3">
-          <a:scrgbClr r="0" g="0" b="0"/>
-        </a:fillRef>
-        <a:effectRef idx="2">
-          <a:scrgbClr r="0" g="0" b="0"/>
-        </a:effectRef>
-        <a:fontRef idx="minor">
-          <a:schemeClr val="lt1"/>
-        </a:fontRef>
-      </dsp:style>
-    </dsp:sp>
-    <dsp:sp modelId="{1EC2A02A-3E8D-473F-97D1-1FB993A4303A}">
-      <dsp:nvSpPr>
-        <dsp:cNvPr id="0" name=""/>
-        <dsp:cNvSpPr/>
-      </dsp:nvSpPr>
-      <dsp:spPr>
-        <a:xfrm>
-          <a:off x="5458447" y="3522663"/>
-          <a:ext cx="4534049" cy="965360"/>
-        </a:xfrm>
-        <a:prstGeom prst="rect">
-          <a:avLst/>
-        </a:prstGeom>
-        <a:noFill/>
-        <a:ln>
-          <a:noFill/>
-        </a:ln>
-        <a:effectLst/>
-      </dsp:spPr>
-      <dsp:style>
-        <a:lnRef idx="0">
-          <a:scrgbClr r="0" g="0" b="0"/>
-        </a:lnRef>
-        <a:fillRef idx="0">
-          <a:scrgbClr r="0" g="0" b="0"/>
-        </a:fillRef>
-        <a:effectRef idx="0">
-          <a:scrgbClr r="0" g="0" b="0"/>
-        </a:effectRef>
-        <a:fontRef idx="minor"/>
-      </dsp:style>
-      <dsp:txBody>
-        <a:bodyPr spcFirstLastPara="0" vert="horz" wrap="square" lIns="15240" tIns="15240" rIns="15240" bIns="15240" numCol="1" spcCol="1270" anchor="ctr" anchorCtr="0">
-          <a:noAutofit/>
-        </a:bodyPr>
-        <a:lstStyle/>
-        <a:p>
-          <a:pPr marL="228600" lvl="1" indent="-228600" algn="l" defTabSz="1066800">
-            <a:lnSpc>
-              <a:spcPct val="90000"/>
-            </a:lnSpc>
-            <a:spcBef>
-              <a:spcPct val="0"/>
-            </a:spcBef>
-            <a:spcAft>
-              <a:spcPct val="15000"/>
-            </a:spcAft>
-            <a:buChar char="••"/>
-          </a:pPr>
-          <a:r>
-            <a:rPr lang="fr-FR" sz="2400" b="1" kern="1200" dirty="0" smtClean="0"/>
-            <a:t>Balise &lt;</a:t>
-          </a:r>
-          <a:r>
-            <a:rPr lang="fr-FR" sz="2400" b="1" kern="1200" dirty="0" err="1" smtClean="0"/>
-            <a:t>canvas</a:t>
-          </a:r>
-          <a:r>
-            <a:rPr lang="fr-FR" sz="2400" b="1" kern="1200" dirty="0" smtClean="0"/>
-            <a:t>&gt;</a:t>
-          </a:r>
-          <a:endParaRPr lang="fr-FR" sz="2400" b="1" kern="1200" dirty="0"/>
-        </a:p>
-        <a:p>
-          <a:pPr marL="457200" lvl="2" indent="-228600" algn="l" defTabSz="1066800">
-            <a:lnSpc>
-              <a:spcPct val="90000"/>
-            </a:lnSpc>
-            <a:spcBef>
-              <a:spcPct val="0"/>
-            </a:spcBef>
-            <a:spcAft>
-              <a:spcPct val="15000"/>
-            </a:spcAft>
-            <a:buChar char="••"/>
-          </a:pPr>
-          <a:r>
-            <a:rPr lang="fr-FR" sz="2400" kern="1200" dirty="0" smtClean="0"/>
-            <a:t>Modélisation des obstacles</a:t>
-          </a:r>
-          <a:endParaRPr lang="fr-FR" sz="2400" kern="1200" dirty="0"/>
-        </a:p>
-      </dsp:txBody>
-      <dsp:txXfrm>
-        <a:off x="5458447" y="3522663"/>
-        <a:ext cx="4534049" cy="965360"/>
-      </dsp:txXfrm>
-    </dsp:sp>
-    <dsp:sp modelId="{7D2E6C7C-9586-4A0C-B907-A004212DF446}">
-      <dsp:nvSpPr>
-        <dsp:cNvPr id="0" name=""/>
-        <dsp:cNvSpPr/>
-      </dsp:nvSpPr>
-      <dsp:spPr>
-        <a:xfrm>
-          <a:off x="3165820" y="3661952"/>
-          <a:ext cx="1340597" cy="670138"/>
-        </a:xfrm>
-        <a:prstGeom prst="rect">
-          <a:avLst/>
-        </a:prstGeom>
-        <a:noFill/>
-        <a:ln>
-          <a:noFill/>
-        </a:ln>
-        <a:effectLst/>
-      </dsp:spPr>
-      <dsp:style>
-        <a:lnRef idx="0">
-          <a:scrgbClr r="0" g="0" b="0"/>
-        </a:lnRef>
-        <a:fillRef idx="0">
-          <a:scrgbClr r="0" g="0" b="0"/>
-        </a:fillRef>
-        <a:effectRef idx="0">
-          <a:scrgbClr r="0" g="0" b="0"/>
-        </a:effectRef>
-        <a:fontRef idx="minor"/>
-      </dsp:style>
-      <dsp:txBody>
-        <a:bodyPr spcFirstLastPara="0" vert="horz" wrap="square" lIns="17780" tIns="17780" rIns="17780" bIns="17780" numCol="1" spcCol="1270" anchor="ctr" anchorCtr="0">
-          <a:noAutofit/>
-        </a:bodyPr>
-        <a:lstStyle/>
-        <a:p>
-          <a:pPr lvl="0" algn="ctr" defTabSz="1244600">
-            <a:lnSpc>
-              <a:spcPct val="90000"/>
-            </a:lnSpc>
-            <a:spcBef>
-              <a:spcPct val="0"/>
-            </a:spcBef>
-            <a:spcAft>
-              <a:spcPct val="35000"/>
-            </a:spcAft>
-          </a:pPr>
-          <a:r>
-            <a:rPr lang="fr-FR" sz="2800" kern="1200" dirty="0" smtClean="0"/>
-            <a:t>HTML5</a:t>
-          </a:r>
-          <a:endParaRPr lang="fr-FR" sz="2800" kern="1200" dirty="0"/>
-        </a:p>
-      </dsp:txBody>
-      <dsp:txXfrm>
-        <a:off x="3165820" y="3661952"/>
-        <a:ext cx="1340597" cy="670138"/>
-      </dsp:txXfrm>
-    </dsp:sp>
   </dsp:spTree>
 </dsp:drawing>
 </file>
@@ -16139,6 +14450,96 @@
             <a:pPr algn="l"/>
             <a:r>
               <a:rPr lang="fr-FR" dirty="0" smtClean="0"/>
+              <a:t>Odométrie</a:t>
+            </a:r>
+            <a:endParaRPr lang="fr-FR" dirty="0"/>
+          </a:p>
+        </p:txBody>
+      </p:sp>
+      <p:sp>
+        <p:nvSpPr>
+          <p:cNvPr id="3" name="Espace réservé du contenu 2"/>
+          <p:cNvSpPr>
+            <a:spLocks noGrp="1"/>
+          </p:cNvSpPr>
+          <p:nvPr>
+            <p:ph idx="1"/>
+          </p:nvPr>
+        </p:nvSpPr>
+        <p:spPr/>
+        <p:txBody>
+          <a:bodyPr/>
+          <a:lstStyle/>
+          <a:p>
+            <a:r>
+              <a:rPr lang="fr-FR" dirty="0" smtClean="0"/>
+              <a:t>Position</a:t>
+            </a:r>
+          </a:p>
+          <a:p>
+            <a:r>
+              <a:rPr lang="fr-FR" dirty="0" smtClean="0"/>
+              <a:t>Orientation</a:t>
+            </a:r>
+            <a:endParaRPr lang="fr-FR" dirty="0"/>
+          </a:p>
+        </p:txBody>
+      </p:sp>
+    </p:spTree>
+    <p:extLst>
+      <p:ext uri="{BB962C8B-B14F-4D97-AF65-F5344CB8AC3E}">
+        <p14:creationId xmlns:p14="http://schemas.microsoft.com/office/powerpoint/2010/main" val="1194455758"/>
+      </p:ext>
+    </p:extLst>
+  </p:cSld>
+  <p:clrMapOvr>
+    <a:masterClrMapping/>
+  </p:clrMapOvr>
+  <p:timing>
+    <p:tnLst>
+      <p:par>
+        <p:cTn id="1" dur="indefinite" restart="never" nodeType="tmRoot"/>
+      </p:par>
+    </p:tnLst>
+  </p:timing>
+</p:sld>
+</file>
+
+<file path=ppt/slides/slide11.xml><?xml version="1.0" encoding="utf-8"?>
+<p:sld xmlns:a="http://schemas.openxmlformats.org/drawingml/2006/main" xmlns:r="http://schemas.openxmlformats.org/officeDocument/2006/relationships" xmlns:p="http://schemas.openxmlformats.org/presentationml/2006/main">
+  <p:cSld>
+    <p:spTree>
+      <p:nvGrpSpPr>
+        <p:cNvPr id="1" name=""/>
+        <p:cNvGrpSpPr/>
+        <p:nvPr/>
+      </p:nvGrpSpPr>
+      <p:grpSpPr>
+        <a:xfrm>
+          <a:off x="0" y="0"/>
+          <a:ext cx="0" cy="0"/>
+          <a:chOff x="0" y="0"/>
+          <a:chExt cx="0" cy="0"/>
+        </a:xfrm>
+      </p:grpSpPr>
+      <p:sp>
+        <p:nvSpPr>
+          <p:cNvPr id="2" name="Titre 1"/>
+          <p:cNvSpPr>
+            <a:spLocks noGrp="1"/>
+          </p:cNvSpPr>
+          <p:nvPr>
+            <p:ph type="title"/>
+          </p:nvPr>
+        </p:nvSpPr>
+        <p:spPr/>
+        <p:txBody>
+          <a:bodyPr/>
+          <a:lstStyle/>
+          <a:p>
+            <a:pPr algn="l"/>
+            <a:r>
+              <a:rPr lang="fr-FR" dirty="0" smtClean="0"/>
               <a:t>Serveur Web</a:t>
             </a:r>
             <a:endParaRPr lang="fr-FR" dirty="0"/>
@@ -16184,7 +14585,7 @@
 </p:sld>
 </file>
 
-<file path=ppt/slides/slide11.xml><?xml version="1.0" encoding="utf-8"?>
+<file path=ppt/slides/slide12.xml><?xml version="1.0" encoding="utf-8"?>
 <p:sld xmlns:a="http://schemas.openxmlformats.org/drawingml/2006/main" xmlns:r="http://schemas.openxmlformats.org/officeDocument/2006/relationships" xmlns:p="http://schemas.openxmlformats.org/presentationml/2006/main">
   <p:cSld>
     <p:spTree>
@@ -16338,7 +14739,7 @@
 </p:sld>
 </file>
 
-<file path=ppt/slides/slide12.xml><?xml version="1.0" encoding="utf-8"?>
+<file path=ppt/slides/slide13.xml><?xml version="1.0" encoding="utf-8"?>
 <p:sld xmlns:a="http://schemas.openxmlformats.org/drawingml/2006/main" xmlns:r="http://schemas.openxmlformats.org/officeDocument/2006/relationships" xmlns:p="http://schemas.openxmlformats.org/presentationml/2006/main">
   <p:cSld>
     <p:spTree>
@@ -16422,7 +14823,7 @@
 </p:sld>
 </file>
 
-<file path=ppt/slides/slide13.xml><?xml version="1.0" encoding="utf-8"?>
+<file path=ppt/slides/slide14.xml><?xml version="1.0" encoding="utf-8"?>
 <p:sld xmlns:a="http://schemas.openxmlformats.org/drawingml/2006/main" xmlns:r="http://schemas.openxmlformats.org/officeDocument/2006/relationships" xmlns:p="http://schemas.openxmlformats.org/presentationml/2006/main">
   <p:cSld>
     <p:spTree>
@@ -16837,8 +15238,9 @@
           <a:p>
             <a:r>
               <a:rPr lang="fr-FR" dirty="0" smtClean="0"/>
-              <a:t>La carte</a:t>
+              <a:t>Le microcontrôleur</a:t>
             </a:r>
+            <a:endParaRPr lang="fr-FR" dirty="0" smtClean="0"/>
           </a:p>
           <a:p>
             <a:r>
@@ -16905,7 +15307,11 @@
             <a:pPr algn="l"/>
             <a:r>
               <a:rPr lang="fr-FR" dirty="0" smtClean="0"/>
-              <a:t>Le robot – La carte</a:t>
+              <a:t>Le robot – </a:t>
+            </a:r>
+            <a:r>
+              <a:rPr lang="fr-FR" dirty="0"/>
+              <a:t>Le microcontrôleur</a:t>
             </a:r>
             <a:endParaRPr lang="fr-FR" dirty="0"/>
           </a:p>
@@ -17067,7 +15473,15 @@
             <p:ph idx="1"/>
           </p:nvPr>
         </p:nvSpPr>
-        <p:spPr/>
+        <p:spPr>
+          <a:xfrm>
+            <a:off x="913795" y="1732449"/>
+            <a:ext cx="4501453" cy="4058751"/>
+          </a:xfrm>
+          <a:ln>
+            <a:noFill/>
+          </a:ln>
+        </p:spPr>
         <p:txBody>
           <a:bodyPr/>
           <a:lstStyle/>
@@ -17098,17 +15512,59 @@
             <a:pPr lvl="1"/>
             <a:r>
               <a:rPr lang="fr-FR" dirty="0" smtClean="0"/>
-              <a:t>3,5V 	</a:t>
+              <a:t>5V </a:t>
             </a:r>
             <a:r>
-              <a:rPr lang="fr-FR" smtClean="0">
+              <a:rPr lang="fr-FR" dirty="0" smtClean="0"/>
+              <a:t>	</a:t>
+            </a:r>
+            <a:r>
+              <a:rPr lang="fr-FR" dirty="0" smtClean="0">
                 <a:sym typeface="Wingdings" panose="05000000000000000000" pitchFamily="2" charset="2"/>
               </a:rPr>
               <a:t></a:t>
             </a:r>
             <a:r>
-              <a:rPr lang="fr-FR" smtClean="0"/>
-              <a:t> 1024</a:t>
+              <a:rPr lang="fr-FR" dirty="0" smtClean="0"/>
+              <a:t> </a:t>
+            </a:r>
+            <a:r>
+              <a:rPr lang="fr-FR" dirty="0" smtClean="0"/>
+              <a:t>1024</a:t>
+            </a:r>
+          </a:p>
+          <a:p>
+            <a:r>
+              <a:rPr lang="fr-FR" dirty="0" smtClean="0"/>
+              <a:t>Test</a:t>
+            </a:r>
+          </a:p>
+          <a:p>
+            <a:pPr lvl="1"/>
+            <a:r>
+              <a:rPr lang="fr-FR" dirty="0" smtClean="0"/>
+              <a:t>20cm </a:t>
+            </a:r>
+            <a:r>
+              <a:rPr lang="fr-FR" dirty="0" smtClean="0">
+                <a:sym typeface="Wingdings" panose="05000000000000000000" pitchFamily="2" charset="2"/>
+              </a:rPr>
+              <a:t> 236  1,15V</a:t>
+            </a:r>
+          </a:p>
+          <a:p>
+            <a:pPr lvl="1"/>
+            <a:r>
+              <a:rPr lang="fr-FR" dirty="0" smtClean="0">
+                <a:sym typeface="Wingdings" panose="05000000000000000000" pitchFamily="2" charset="2"/>
+              </a:rPr>
+              <a:t>Nécessité de faire un </a:t>
+            </a:r>
+            <a:r>
+              <a:rPr lang="fr-FR" dirty="0" err="1" smtClean="0">
+                <a:sym typeface="Wingdings" panose="05000000000000000000" pitchFamily="2" charset="2"/>
+              </a:rPr>
+              <a:t>étalonage</a:t>
             </a:r>
             <a:endParaRPr lang="fr-FR" dirty="0"/>
           </a:p>
@@ -17150,6 +15606,137 @@
           </a:effectLst>
         </p:spPr>
       </p:pic>
+      <p:cxnSp>
+        <p:nvCxnSpPr>
+          <p:cNvPr id="6" name="Connecteur droit 5"/>
+          <p:cNvCxnSpPr/>
+          <p:nvPr/>
+        </p:nvCxnSpPr>
+        <p:spPr>
+          <a:xfrm flipV="1">
+            <a:off x="7328079" y="4353059"/>
+            <a:ext cx="0" cy="1468192"/>
+          </a:xfrm>
+          <a:prstGeom prst="line">
+            <a:avLst/>
+          </a:prstGeom>
+        </p:spPr>
+        <p:style>
+          <a:lnRef idx="1">
+            <a:schemeClr val="accent1"/>
+          </a:lnRef>
+          <a:fillRef idx="0">
+            <a:schemeClr val="accent1"/>
+          </a:fillRef>
+          <a:effectRef idx="0">
+            <a:schemeClr val="accent1"/>
+          </a:effectRef>
+          <a:fontRef idx="minor">
+            <a:schemeClr val="tx1"/>
+          </a:fontRef>
+        </p:style>
+      </p:cxnSp>
+      <p:cxnSp>
+        <p:nvCxnSpPr>
+          <p:cNvPr id="11" name="Connecteur droit 10"/>
+          <p:cNvCxnSpPr/>
+          <p:nvPr/>
+        </p:nvCxnSpPr>
+        <p:spPr>
+          <a:xfrm flipH="1">
+            <a:off x="6040192" y="4353059"/>
+            <a:ext cx="1287887" cy="0"/>
+          </a:xfrm>
+          <a:prstGeom prst="line">
+            <a:avLst/>
+          </a:prstGeom>
+        </p:spPr>
+        <p:style>
+          <a:lnRef idx="1">
+            <a:schemeClr val="accent1"/>
+          </a:lnRef>
+          <a:fillRef idx="0">
+            <a:schemeClr val="accent1"/>
+          </a:fillRef>
+          <a:effectRef idx="0">
+            <a:schemeClr val="accent1"/>
+          </a:effectRef>
+          <a:fontRef idx="minor">
+            <a:schemeClr val="tx1"/>
+          </a:fontRef>
+        </p:style>
+      </p:cxnSp>
+      <p:cxnSp>
+        <p:nvCxnSpPr>
+          <p:cNvPr id="13" name="Connecteur droit avec flèche 12"/>
+          <p:cNvCxnSpPr/>
+          <p:nvPr/>
+        </p:nvCxnSpPr>
+        <p:spPr>
+          <a:xfrm>
+            <a:off x="3958975" y="3614912"/>
+            <a:ext cx="1965307" cy="738147"/>
+          </a:xfrm>
+          <a:prstGeom prst="straightConnector1">
+            <a:avLst/>
+          </a:prstGeom>
+          <a:ln>
+            <a:tailEnd type="triangle"/>
+          </a:ln>
+        </p:spPr>
+        <p:style>
+          <a:lnRef idx="1">
+            <a:schemeClr val="accent1"/>
+          </a:lnRef>
+          <a:fillRef idx="0">
+            <a:schemeClr val="accent1"/>
+          </a:fillRef>
+          <a:effectRef idx="0">
+            <a:schemeClr val="accent1"/>
+          </a:effectRef>
+          <a:fontRef idx="minor">
+            <a:schemeClr val="tx1"/>
+          </a:fontRef>
+        </p:style>
+      </p:cxnSp>
+      <p:sp>
+        <p:nvSpPr>
+          <p:cNvPr id="14" name="ZoneTexte 13"/>
+          <p:cNvSpPr txBox="1"/>
+          <p:nvPr/>
+        </p:nvSpPr>
+        <p:spPr>
+          <a:xfrm>
+            <a:off x="5887745" y="4149005"/>
+            <a:ext cx="304892" cy="369332"/>
+          </a:xfrm>
+          <a:prstGeom prst="rect">
+            <a:avLst/>
+          </a:prstGeom>
+          <a:noFill/>
+        </p:spPr>
+        <p:txBody>
+          <a:bodyPr wrap="none" rtlCol="0">
+            <a:spAutoFit/>
+          </a:bodyPr>
+          <a:lstStyle/>
+          <a:p>
+            <a:r>
+              <a:rPr lang="fr-FR" dirty="0" smtClean="0">
+                <a:solidFill>
+                  <a:srgbClr val="FF0000"/>
+                </a:solidFill>
+              </a:rPr>
+              <a:t>x</a:t>
+            </a:r>
+            <a:endParaRPr lang="fr-FR" dirty="0">
+              <a:solidFill>
+                <a:srgbClr val="FF0000"/>
+              </a:solidFill>
+            </a:endParaRPr>
+          </a:p>
+        </p:txBody>
+      </p:sp>
     </p:spTree>
     <p:extLst>
       <p:ext uri="{BB962C8B-B14F-4D97-AF65-F5344CB8AC3E}">
@@ -17205,45 +15792,54 @@
             <a:pPr algn="l"/>
             <a:r>
               <a:rPr lang="fr-FR" dirty="0" smtClean="0"/>
-              <a:t>Algorithme</a:t>
+              <a:t>Le robot – Le capteur</a:t>
             </a:r>
             <a:endParaRPr lang="fr-FR" dirty="0"/>
           </a:p>
         </p:txBody>
       </p:sp>
-      <p:sp>
-        <p:nvSpPr>
-          <p:cNvPr id="3" name="Espace réservé du contenu 2"/>
-          <p:cNvSpPr>
-            <a:spLocks noGrp="1"/>
-          </p:cNvSpPr>
-          <p:nvPr>
-            <p:ph idx="1"/>
-          </p:nvPr>
-        </p:nvSpPr>
-        <p:spPr/>
-        <p:txBody>
-          <a:bodyPr/>
-          <a:lstStyle/>
-          <a:p>
-            <a:r>
-              <a:rPr lang="fr-FR" dirty="0" smtClean="0"/>
-              <a:t>Algorithme de la main gauche</a:t>
-            </a:r>
-          </a:p>
-          <a:p>
-            <a:r>
-              <a:rPr lang="fr-FR" dirty="0" smtClean="0"/>
-              <a:t>Machine à état</a:t>
-            </a:r>
-            <a:endParaRPr lang="fr-FR" dirty="0"/>
-          </a:p>
-        </p:txBody>
-      </p:sp>
+      <p:pic>
+        <p:nvPicPr>
+          <p:cNvPr id="9" name="Image 8"/>
+          <p:cNvPicPr>
+            <a:picLocks noChangeAspect="1"/>
+          </p:cNvPicPr>
+          <p:nvPr/>
+        </p:nvPicPr>
+        <p:blipFill>
+          <a:blip r:embed="rId2"/>
+          <a:stretch>
+            <a:fillRect/>
+          </a:stretch>
+        </p:blipFill>
+        <p:spPr>
+          <a:xfrm>
+            <a:off x="197811" y="1480735"/>
+            <a:ext cx="11805299" cy="5210175"/>
+          </a:xfrm>
+          <a:prstGeom prst="rect">
+            <a:avLst/>
+          </a:prstGeom>
+          <a:ln w="38100" cap="sq">
+            <a:solidFill>
+              <a:srgbClr val="000000"/>
+            </a:solidFill>
+            <a:prstDash val="solid"/>
+            <a:miter lim="800000"/>
+          </a:ln>
+          <a:effectLst>
+            <a:outerShdw blurRad="50800" dist="38100" dir="2700000" algn="tl" rotWithShape="0">
+              <a:srgbClr val="000000">
+                <a:alpha val="43000"/>
+              </a:srgbClr>
+            </a:outerShdw>
+          </a:effectLst>
+        </p:spPr>
+      </p:pic>
     </p:spTree>
     <p:extLst>
       <p:ext uri="{BB962C8B-B14F-4D97-AF65-F5344CB8AC3E}">
-        <p14:creationId xmlns:p14="http://schemas.microsoft.com/office/powerpoint/2010/main" val="2836795985"/>
+        <p14:creationId xmlns:p14="http://schemas.microsoft.com/office/powerpoint/2010/main" val="3312832204"/>
       </p:ext>
     </p:extLst>
   </p:cSld>
@@ -17295,7 +15891,7 @@
             <a:pPr algn="l"/>
             <a:r>
               <a:rPr lang="fr-FR" dirty="0" smtClean="0"/>
-              <a:t>Odométrie</a:t>
+              <a:t>Algorithme</a:t>
             </a:r>
             <a:endParaRPr lang="fr-FR" dirty="0"/>
           </a:p>
@@ -17318,13 +15914,13 @@
           <a:p>
             <a:r>
               <a:rPr lang="fr-FR" dirty="0" smtClean="0"/>
-              <a:t>Position</a:t>
+              <a:t>Algorithme de la main gauche</a:t>
             </a:r>
           </a:p>
           <a:p>
             <a:r>
               <a:rPr lang="fr-FR" dirty="0" smtClean="0"/>
-              <a:t>Orientation</a:t>
+              <a:t>Machine à état</a:t>
             </a:r>
             <a:endParaRPr lang="fr-FR" dirty="0"/>
           </a:p>
@@ -17333,7 +15929,7 @@
     </p:spTree>
     <p:extLst>
       <p:ext uri="{BB962C8B-B14F-4D97-AF65-F5344CB8AC3E}">
-        <p14:creationId xmlns:p14="http://schemas.microsoft.com/office/powerpoint/2010/main" val="1194455758"/>
+        <p14:creationId xmlns:p14="http://schemas.microsoft.com/office/powerpoint/2010/main" val="2836795985"/>
       </p:ext>
     </p:extLst>
   </p:cSld>

--- a/Gestion projet/Projet intégration robotique – IMERIR.pptx
+++ b/Gestion projet/Projet intégration robotique – IMERIR.pptx
@@ -2934,12 +2934,12 @@
   </dgm:ptLst>
   <dgm:cxnLst>
     <dgm:cxn modelId="{2A96F8BF-E28A-41B1-ADE8-37D7912C3D6C}" type="presOf" srcId="{EF7C191B-BF65-466C-918B-1BAD2BF8A7B7}" destId="{EED53FE3-01A0-4A4A-B958-999558A60657}" srcOrd="0" destOrd="1" presId="urn:microsoft.com/office/officeart/2009/layout/CircleArrowProcess"/>
+    <dgm:cxn modelId="{AB36AE28-EA04-43D5-91B5-6913A07C188D}" type="presOf" srcId="{1EF92BF0-523D-4167-A929-E449312042A6}" destId="{1EC2A02A-3E8D-473F-97D1-1FB993A4303A}" srcOrd="0" destOrd="0" presId="urn:microsoft.com/office/officeart/2009/layout/CircleArrowProcess"/>
     <dgm:cxn modelId="{7768C823-5CC6-40C6-AACD-CC5AB3AFADA5}" srcId="{C9593560-A897-4C8B-89ED-80ED5563C04C}" destId="{A0644472-B457-468F-BB15-6CC03188A635}" srcOrd="0" destOrd="0" parTransId="{4C27362E-F6CD-43F3-9107-3FF409674343}" sibTransId="{B15F89C0-E876-474F-9B28-3F2A079E39C8}"/>
-    <dgm:cxn modelId="{AB36AE28-EA04-43D5-91B5-6913A07C188D}" type="presOf" srcId="{1EF92BF0-523D-4167-A929-E449312042A6}" destId="{1EC2A02A-3E8D-473F-97D1-1FB993A4303A}" srcOrd="0" destOrd="0" presId="urn:microsoft.com/office/officeart/2009/layout/CircleArrowProcess"/>
     <dgm:cxn modelId="{FB031FFF-8E2D-4974-B636-2B46DED1979A}" type="presOf" srcId="{1F9CA264-1B86-4BD2-8B9A-84CA313D033D}" destId="{6AA25D69-5E05-40A3-9F00-9387D55331A8}" srcOrd="0" destOrd="0" presId="urn:microsoft.com/office/officeart/2009/layout/CircleArrowProcess"/>
     <dgm:cxn modelId="{95B1DC73-AA09-4F24-8795-66EE5D1C7BC9}" srcId="{2EA95732-DAA1-4ECB-8F01-6C0A8C021423}" destId="{1EF92BF0-523D-4167-A929-E449312042A6}" srcOrd="0" destOrd="0" parTransId="{0F800D49-D309-4894-A680-3B82917AE028}" sibTransId="{AE012977-2E80-49C9-BC15-D80BF63BBD4F}"/>
+    <dgm:cxn modelId="{7F59044B-77AA-4FFB-856B-96D406B33949}" type="presOf" srcId="{7CD5459F-9B65-41C3-B3F4-3ABA1DD9967B}" destId="{41EA7880-1A0E-4CC2-B59F-914DDD351791}" srcOrd="0" destOrd="0" presId="urn:microsoft.com/office/officeart/2009/layout/CircleArrowProcess"/>
     <dgm:cxn modelId="{6E4A312E-169C-4869-95B4-EC9C6D958140}" srcId="{4041D5A6-EFA7-4379-AF69-7023FD9A8951}" destId="{7CD5459F-9B65-41C3-B3F4-3ABA1DD9967B}" srcOrd="0" destOrd="0" parTransId="{4B590894-32CB-4FD8-95CD-18E0B3F41D75}" sibTransId="{A619818D-12C9-49EF-B6D4-813C87BC76F6}"/>
-    <dgm:cxn modelId="{7F59044B-77AA-4FFB-856B-96D406B33949}" type="presOf" srcId="{7CD5459F-9B65-41C3-B3F4-3ABA1DD9967B}" destId="{41EA7880-1A0E-4CC2-B59F-914DDD351791}" srcOrd="0" destOrd="0" presId="urn:microsoft.com/office/officeart/2009/layout/CircleArrowProcess"/>
     <dgm:cxn modelId="{47440840-90F2-4528-9D69-BFE79E58D757}" type="presOf" srcId="{2EA95732-DAA1-4ECB-8F01-6C0A8C021423}" destId="{7D2E6C7C-9586-4A0C-B907-A004212DF446}" srcOrd="0" destOrd="0" presId="urn:microsoft.com/office/officeart/2009/layout/CircleArrowProcess"/>
     <dgm:cxn modelId="{0BE5D9B0-1DF3-43DF-9387-ED52FB7FDA22}" type="presOf" srcId="{84919E70-9B4F-4D79-9665-8453D8341421}" destId="{EED53FE3-01A0-4A4A-B958-999558A60657}" srcOrd="0" destOrd="0" presId="urn:microsoft.com/office/officeart/2009/layout/CircleArrowProcess"/>
     <dgm:cxn modelId="{E5A26671-D814-4A22-AEF4-75CBA7F22DCC}" srcId="{4041D5A6-EFA7-4379-AF69-7023FD9A8951}" destId="{1F9CA264-1B86-4BD2-8B9A-84CA313D033D}" srcOrd="1" destOrd="0" parTransId="{0D980070-17E8-4E28-8854-2A99047BC30C}" sibTransId="{D021B73B-84EB-4540-9578-E6043F01260F}"/>
@@ -15240,7 +15240,6 @@
               <a:rPr lang="fr-FR" dirty="0" smtClean="0"/>
               <a:t>Le microcontrôleur</a:t>
             </a:r>
-            <a:endParaRPr lang="fr-FR" dirty="0" smtClean="0"/>
           </a:p>
           <a:p>
             <a:r>
@@ -15313,7 +15312,6 @@
               <a:rPr lang="fr-FR" dirty="0"/>
               <a:t>Le microcontrôleur</a:t>
             </a:r>
-            <a:endParaRPr lang="fr-FR" dirty="0"/>
           </a:p>
         </p:txBody>
       </p:sp>
@@ -15512,11 +15510,7 @@
             <a:pPr lvl="1"/>
             <a:r>
               <a:rPr lang="fr-FR" dirty="0" smtClean="0"/>
-              <a:t>5V </a:t>
-            </a:r>
-            <a:r>
-              <a:rPr lang="fr-FR" dirty="0" smtClean="0"/>
-              <a:t>	</a:t>
+              <a:t>5V 	</a:t>
             </a:r>
             <a:r>
               <a:rPr lang="fr-FR" dirty="0" smtClean="0">
@@ -15526,11 +15520,7 @@
             </a:r>
             <a:r>
               <a:rPr lang="fr-FR" dirty="0" smtClean="0"/>
-              <a:t> </a:t>
-            </a:r>
-            <a:r>
-              <a:rPr lang="fr-FR" dirty="0" smtClean="0"/>
-              <a:t>1024</a:t>
+              <a:t> 1024</a:t>
             </a:r>
           </a:p>
           <a:p>
@@ -15558,13 +15548,13 @@
               <a:rPr lang="fr-FR" dirty="0" smtClean="0">
                 <a:sym typeface="Wingdings" panose="05000000000000000000" pitchFamily="2" charset="2"/>
               </a:rPr>
-              <a:t>Nécessité de faire un </a:t>
+              <a:t>Nécessité de </a:t>
             </a:r>
             <a:r>
-              <a:rPr lang="fr-FR" dirty="0" err="1" smtClean="0">
+              <a:rPr lang="fr-FR" dirty="0" smtClean="0">
                 <a:sym typeface="Wingdings" panose="05000000000000000000" pitchFamily="2" charset="2"/>
               </a:rPr>
-              <a:t>étalonage</a:t>
+              <a:t>faire un étalonnage</a:t>
             </a:r>
             <a:endParaRPr lang="fr-FR" dirty="0"/>
           </a:p>
@@ -15800,7 +15790,7 @@
       </p:sp>
       <p:pic>
         <p:nvPicPr>
-          <p:cNvPr id="9" name="Image 8"/>
+          <p:cNvPr id="3" name="Image 2"/>
           <p:cNvPicPr>
             <a:picLocks noChangeAspect="1"/>
           </p:cNvPicPr>
@@ -15814,8 +15804,8 @@
         </p:blipFill>
         <p:spPr>
           <a:xfrm>
-            <a:off x="197811" y="1480735"/>
-            <a:ext cx="11805299" cy="5210175"/>
+            <a:off x="185492" y="1468182"/>
+            <a:ext cx="11804739" cy="5209524"/>
           </a:xfrm>
           <a:prstGeom prst="rect">
             <a:avLst/>

--- a/Gestion projet/Projet intégration robotique – IMERIR.pptx
+++ b/Gestion projet/Projet intégration robotique – IMERIR.pptx
@@ -11,14 +11,16 @@
     <p:sldId id="265" r:id="rId5"/>
     <p:sldId id="266" r:id="rId6"/>
     <p:sldId id="267" r:id="rId7"/>
-    <p:sldId id="268" r:id="rId8"/>
-    <p:sldId id="270" r:id="rId9"/>
-    <p:sldId id="262" r:id="rId10"/>
-    <p:sldId id="260" r:id="rId11"/>
-    <p:sldId id="261" r:id="rId12"/>
-    <p:sldId id="269" r:id="rId13"/>
-    <p:sldId id="264" r:id="rId14"/>
-    <p:sldId id="258" r:id="rId15"/>
+    <p:sldId id="271" r:id="rId8"/>
+    <p:sldId id="272" r:id="rId9"/>
+    <p:sldId id="268" r:id="rId10"/>
+    <p:sldId id="270" r:id="rId11"/>
+    <p:sldId id="262" r:id="rId12"/>
+    <p:sldId id="260" r:id="rId13"/>
+    <p:sldId id="261" r:id="rId14"/>
+    <p:sldId id="269" r:id="rId15"/>
+    <p:sldId id="264" r:id="rId16"/>
+    <p:sldId id="258" r:id="rId17"/>
   </p:sldIdLst>
   <p:sldSz cx="12192000" cy="6858000"/>
   <p:notesSz cx="6858000" cy="9144000"/>
@@ -2983,6 +2985,1084 @@
       <dsp:cNvGrpSpPr/>
     </dsp:nvGrpSpPr>
     <dsp:grpSpPr/>
+    <dsp:sp modelId="{C690D0CD-7211-42BB-BA22-C909A7CA1954}">
+      <dsp:nvSpPr>
+        <dsp:cNvPr id="0" name=""/>
+        <dsp:cNvSpPr/>
+      </dsp:nvSpPr>
+      <dsp:spPr>
+        <a:xfrm>
+          <a:off x="5077836" y="1676507"/>
+          <a:ext cx="3984630" cy="592315"/>
+        </a:xfrm>
+        <a:custGeom>
+          <a:avLst/>
+          <a:gdLst/>
+          <a:ahLst/>
+          <a:cxnLst/>
+          <a:rect l="0" t="0" r="0" b="0"/>
+          <a:pathLst>
+            <a:path>
+              <a:moveTo>
+                <a:pt x="0" y="0"/>
+              </a:moveTo>
+              <a:lnTo>
+                <a:pt x="0" y="353111"/>
+              </a:lnTo>
+              <a:lnTo>
+                <a:pt x="3984630" y="353111"/>
+              </a:lnTo>
+              <a:lnTo>
+                <a:pt x="3984630" y="592315"/>
+              </a:lnTo>
+            </a:path>
+          </a:pathLst>
+        </a:custGeom>
+        <a:noFill/>
+        <a:ln w="9525" cap="rnd" cmpd="sng" algn="ctr">
+          <a:solidFill>
+            <a:schemeClr val="accent1">
+              <a:shade val="60000"/>
+              <a:hueOff val="0"/>
+              <a:satOff val="0"/>
+              <a:lumOff val="0"/>
+              <a:alphaOff val="0"/>
+            </a:schemeClr>
+          </a:solidFill>
+          <a:prstDash val="solid"/>
+        </a:ln>
+        <a:effectLst/>
+      </dsp:spPr>
+      <dsp:style>
+        <a:lnRef idx="1">
+          <a:scrgbClr r="0" g="0" b="0"/>
+        </a:lnRef>
+        <a:fillRef idx="0">
+          <a:scrgbClr r="0" g="0" b="0"/>
+        </a:fillRef>
+        <a:effectRef idx="0">
+          <a:scrgbClr r="0" g="0" b="0"/>
+        </a:effectRef>
+        <a:fontRef idx="minor"/>
+      </dsp:style>
+    </dsp:sp>
+    <dsp:sp modelId="{4A968BB4-BA07-4A5B-A53B-F2957ABC86FB}">
+      <dsp:nvSpPr>
+        <dsp:cNvPr id="0" name=""/>
+        <dsp:cNvSpPr/>
+      </dsp:nvSpPr>
+      <dsp:spPr>
+        <a:xfrm>
+          <a:off x="5077836" y="1676507"/>
+          <a:ext cx="1328210" cy="592315"/>
+        </a:xfrm>
+        <a:custGeom>
+          <a:avLst/>
+          <a:gdLst/>
+          <a:ahLst/>
+          <a:cxnLst/>
+          <a:rect l="0" t="0" r="0" b="0"/>
+          <a:pathLst>
+            <a:path>
+              <a:moveTo>
+                <a:pt x="0" y="0"/>
+              </a:moveTo>
+              <a:lnTo>
+                <a:pt x="0" y="353111"/>
+              </a:lnTo>
+              <a:lnTo>
+                <a:pt x="1328210" y="353111"/>
+              </a:lnTo>
+              <a:lnTo>
+                <a:pt x="1328210" y="592315"/>
+              </a:lnTo>
+            </a:path>
+          </a:pathLst>
+        </a:custGeom>
+        <a:noFill/>
+        <a:ln w="9525" cap="rnd" cmpd="sng" algn="ctr">
+          <a:solidFill>
+            <a:schemeClr val="accent1">
+              <a:shade val="60000"/>
+              <a:hueOff val="0"/>
+              <a:satOff val="0"/>
+              <a:lumOff val="0"/>
+              <a:alphaOff val="0"/>
+            </a:schemeClr>
+          </a:solidFill>
+          <a:prstDash val="solid"/>
+        </a:ln>
+        <a:effectLst/>
+      </dsp:spPr>
+      <dsp:style>
+        <a:lnRef idx="1">
+          <a:scrgbClr r="0" g="0" b="0"/>
+        </a:lnRef>
+        <a:fillRef idx="0">
+          <a:scrgbClr r="0" g="0" b="0"/>
+        </a:fillRef>
+        <a:effectRef idx="0">
+          <a:scrgbClr r="0" g="0" b="0"/>
+        </a:effectRef>
+        <a:fontRef idx="minor"/>
+      </dsp:style>
+    </dsp:sp>
+    <dsp:sp modelId="{31D35D76-771E-4FDE-BA75-EC484194EBC2}">
+      <dsp:nvSpPr>
+        <dsp:cNvPr id="0" name=""/>
+        <dsp:cNvSpPr/>
+      </dsp:nvSpPr>
+      <dsp:spPr>
+        <a:xfrm>
+          <a:off x="3749626" y="1676507"/>
+          <a:ext cx="1328210" cy="592315"/>
+        </a:xfrm>
+        <a:custGeom>
+          <a:avLst/>
+          <a:gdLst/>
+          <a:ahLst/>
+          <a:cxnLst/>
+          <a:rect l="0" t="0" r="0" b="0"/>
+          <a:pathLst>
+            <a:path>
+              <a:moveTo>
+                <a:pt x="1328210" y="0"/>
+              </a:moveTo>
+              <a:lnTo>
+                <a:pt x="1328210" y="353111"/>
+              </a:lnTo>
+              <a:lnTo>
+                <a:pt x="0" y="353111"/>
+              </a:lnTo>
+              <a:lnTo>
+                <a:pt x="0" y="592315"/>
+              </a:lnTo>
+            </a:path>
+          </a:pathLst>
+        </a:custGeom>
+        <a:noFill/>
+        <a:ln w="9525" cap="rnd" cmpd="sng" algn="ctr">
+          <a:solidFill>
+            <a:schemeClr val="accent1">
+              <a:shade val="60000"/>
+              <a:hueOff val="0"/>
+              <a:satOff val="0"/>
+              <a:lumOff val="0"/>
+              <a:alphaOff val="0"/>
+            </a:schemeClr>
+          </a:solidFill>
+          <a:prstDash val="solid"/>
+        </a:ln>
+        <a:effectLst/>
+      </dsp:spPr>
+      <dsp:style>
+        <a:lnRef idx="1">
+          <a:scrgbClr r="0" g="0" b="0"/>
+        </a:lnRef>
+        <a:fillRef idx="0">
+          <a:scrgbClr r="0" g="0" b="0"/>
+        </a:fillRef>
+        <a:effectRef idx="0">
+          <a:scrgbClr r="0" g="0" b="0"/>
+        </a:effectRef>
+        <a:fontRef idx="minor"/>
+      </dsp:style>
+    </dsp:sp>
+    <dsp:sp modelId="{095703D4-98CA-460D-B2F6-CA110B625919}">
+      <dsp:nvSpPr>
+        <dsp:cNvPr id="0" name=""/>
+        <dsp:cNvSpPr/>
+      </dsp:nvSpPr>
+      <dsp:spPr>
+        <a:xfrm>
+          <a:off x="1093206" y="1676507"/>
+          <a:ext cx="3984630" cy="592315"/>
+        </a:xfrm>
+        <a:custGeom>
+          <a:avLst/>
+          <a:gdLst/>
+          <a:ahLst/>
+          <a:cxnLst/>
+          <a:rect l="0" t="0" r="0" b="0"/>
+          <a:pathLst>
+            <a:path>
+              <a:moveTo>
+                <a:pt x="3984630" y="0"/>
+              </a:moveTo>
+              <a:lnTo>
+                <a:pt x="3984630" y="353111"/>
+              </a:lnTo>
+              <a:lnTo>
+                <a:pt x="0" y="353111"/>
+              </a:lnTo>
+              <a:lnTo>
+                <a:pt x="0" y="592315"/>
+              </a:lnTo>
+            </a:path>
+          </a:pathLst>
+        </a:custGeom>
+        <a:noFill/>
+        <a:ln w="9525" cap="rnd" cmpd="sng" algn="ctr">
+          <a:solidFill>
+            <a:schemeClr val="accent1">
+              <a:shade val="60000"/>
+              <a:hueOff val="0"/>
+              <a:satOff val="0"/>
+              <a:lumOff val="0"/>
+              <a:alphaOff val="0"/>
+            </a:schemeClr>
+          </a:solidFill>
+          <a:prstDash val="solid"/>
+        </a:ln>
+        <a:effectLst/>
+      </dsp:spPr>
+      <dsp:style>
+        <a:lnRef idx="1">
+          <a:scrgbClr r="0" g="0" b="0"/>
+        </a:lnRef>
+        <a:fillRef idx="0">
+          <a:scrgbClr r="0" g="0" b="0"/>
+        </a:fillRef>
+        <a:effectRef idx="0">
+          <a:scrgbClr r="0" g="0" b="0"/>
+        </a:effectRef>
+        <a:fontRef idx="minor"/>
+      </dsp:style>
+    </dsp:sp>
+    <dsp:sp modelId="{153DF482-9B63-4F22-A2E6-E0985D657AE7}">
+      <dsp:nvSpPr>
+        <dsp:cNvPr id="0" name=""/>
+        <dsp:cNvSpPr/>
+      </dsp:nvSpPr>
+      <dsp:spPr>
+        <a:xfrm>
+          <a:off x="4087831" y="651345"/>
+          <a:ext cx="1980010" cy="1025161"/>
+        </a:xfrm>
+        <a:prstGeom prst="rect">
+          <a:avLst/>
+        </a:prstGeom>
+        <a:gradFill rotWithShape="0">
+          <a:gsLst>
+            <a:gs pos="0">
+              <a:schemeClr val="accent1">
+                <a:hueOff val="0"/>
+                <a:satOff val="0"/>
+                <a:lumOff val="0"/>
+                <a:alphaOff val="0"/>
+                <a:tint val="96000"/>
+                <a:lumMod val="104000"/>
+              </a:schemeClr>
+            </a:gs>
+            <a:gs pos="100000">
+              <a:schemeClr val="accent1">
+                <a:hueOff val="0"/>
+                <a:satOff val="0"/>
+                <a:lumOff val="0"/>
+                <a:alphaOff val="0"/>
+                <a:shade val="90000"/>
+                <a:lumMod val="90000"/>
+              </a:schemeClr>
+            </a:gs>
+          </a:gsLst>
+          <a:lin ang="5400000" scaled="0"/>
+        </a:gradFill>
+        <a:ln>
+          <a:noFill/>
+        </a:ln>
+        <a:effectLst>
+          <a:outerShdw blurRad="63500" dist="25400" dir="5400000" rotWithShape="0">
+            <a:srgbClr val="000000">
+              <a:alpha val="60000"/>
+            </a:srgbClr>
+          </a:outerShdw>
+        </a:effectLst>
+      </dsp:spPr>
+      <dsp:style>
+        <a:lnRef idx="0">
+          <a:scrgbClr r="0" g="0" b="0"/>
+        </a:lnRef>
+        <a:fillRef idx="3">
+          <a:scrgbClr r="0" g="0" b="0"/>
+        </a:fillRef>
+        <a:effectRef idx="2">
+          <a:scrgbClr r="0" g="0" b="0"/>
+        </a:effectRef>
+        <a:fontRef idx="minor">
+          <a:schemeClr val="lt1"/>
+        </a:fontRef>
+      </dsp:style>
+      <dsp:txBody>
+        <a:bodyPr spcFirstLastPara="0" vert="horz" wrap="square" lIns="13970" tIns="13970" rIns="13970" bIns="144662" numCol="1" spcCol="1270" anchor="ctr" anchorCtr="0">
+          <a:noAutofit/>
+        </a:bodyPr>
+        <a:lstStyle/>
+        <a:p>
+          <a:pPr lvl="0" algn="ctr" defTabSz="977900">
+            <a:lnSpc>
+              <a:spcPct val="90000"/>
+            </a:lnSpc>
+            <a:spcBef>
+              <a:spcPct val="0"/>
+            </a:spcBef>
+            <a:spcAft>
+              <a:spcPct val="35000"/>
+            </a:spcAft>
+          </a:pPr>
+          <a:r>
+            <a:rPr lang="fr-FR" sz="2200" kern="1200"/>
+            <a:t>Chef de Projet</a:t>
+          </a:r>
+        </a:p>
+      </dsp:txBody>
+      <dsp:txXfrm>
+        <a:off x="4087831" y="651345"/>
+        <a:ext cx="1980010" cy="1025161"/>
+      </dsp:txXfrm>
+    </dsp:sp>
+    <dsp:sp modelId="{113EA813-3BA6-403B-BFBC-C6C029177D40}">
+      <dsp:nvSpPr>
+        <dsp:cNvPr id="0" name=""/>
+        <dsp:cNvSpPr/>
+      </dsp:nvSpPr>
+      <dsp:spPr>
+        <a:xfrm>
+          <a:off x="4483833" y="1448693"/>
+          <a:ext cx="1782009" cy="341720"/>
+        </a:xfrm>
+        <a:prstGeom prst="rect">
+          <a:avLst/>
+        </a:prstGeom>
+        <a:solidFill>
+          <a:schemeClr val="lt1">
+            <a:alpha val="90000"/>
+            <a:hueOff val="0"/>
+            <a:satOff val="0"/>
+            <a:lumOff val="0"/>
+            <a:alphaOff val="0"/>
+          </a:schemeClr>
+        </a:solidFill>
+        <a:ln w="9525" cap="rnd" cmpd="sng" algn="ctr">
+          <a:solidFill>
+            <a:schemeClr val="accent1">
+              <a:hueOff val="0"/>
+              <a:satOff val="0"/>
+              <a:lumOff val="0"/>
+              <a:alphaOff val="0"/>
+            </a:schemeClr>
+          </a:solidFill>
+          <a:prstDash val="solid"/>
+        </a:ln>
+        <a:effectLst/>
+      </dsp:spPr>
+      <dsp:style>
+        <a:lnRef idx="1">
+          <a:scrgbClr r="0" g="0" b="0"/>
+        </a:lnRef>
+        <a:fillRef idx="1">
+          <a:scrgbClr r="0" g="0" b="0"/>
+        </a:fillRef>
+        <a:effectRef idx="0">
+          <a:scrgbClr r="0" g="0" b="0"/>
+        </a:effectRef>
+        <a:fontRef idx="minor"/>
+      </dsp:style>
+      <dsp:txBody>
+        <a:bodyPr spcFirstLastPara="0" vert="horz" wrap="square" lIns="38100" tIns="9525" rIns="38100" bIns="9525" numCol="1" spcCol="1270" anchor="ctr" anchorCtr="0">
+          <a:noAutofit/>
+        </a:bodyPr>
+        <a:lstStyle/>
+        <a:p>
+          <a:pPr lvl="0" algn="r" defTabSz="666750">
+            <a:lnSpc>
+              <a:spcPct val="90000"/>
+            </a:lnSpc>
+            <a:spcBef>
+              <a:spcPct val="0"/>
+            </a:spcBef>
+            <a:spcAft>
+              <a:spcPct val="35000"/>
+            </a:spcAft>
+          </a:pPr>
+          <a:r>
+            <a:rPr lang="fr-FR" sz="1500" kern="1200" dirty="0"/>
+            <a:t>Cyril PY</a:t>
+          </a:r>
+        </a:p>
+      </dsp:txBody>
+      <dsp:txXfrm>
+        <a:off x="4483833" y="1448693"/>
+        <a:ext cx="1782009" cy="341720"/>
+      </dsp:txXfrm>
+    </dsp:sp>
+    <dsp:sp modelId="{5676D32F-1CE3-4176-81F2-A39E244B0416}">
+      <dsp:nvSpPr>
+        <dsp:cNvPr id="0" name=""/>
+        <dsp:cNvSpPr/>
+      </dsp:nvSpPr>
+      <dsp:spPr>
+        <a:xfrm>
+          <a:off x="103201" y="2268822"/>
+          <a:ext cx="1980010" cy="1025161"/>
+        </a:xfrm>
+        <a:prstGeom prst="rect">
+          <a:avLst/>
+        </a:prstGeom>
+        <a:gradFill rotWithShape="0">
+          <a:gsLst>
+            <a:gs pos="0">
+              <a:schemeClr val="accent1">
+                <a:hueOff val="0"/>
+                <a:satOff val="0"/>
+                <a:lumOff val="0"/>
+                <a:alphaOff val="0"/>
+                <a:tint val="96000"/>
+                <a:lumMod val="104000"/>
+              </a:schemeClr>
+            </a:gs>
+            <a:gs pos="100000">
+              <a:schemeClr val="accent1">
+                <a:hueOff val="0"/>
+                <a:satOff val="0"/>
+                <a:lumOff val="0"/>
+                <a:alphaOff val="0"/>
+                <a:shade val="90000"/>
+                <a:lumMod val="90000"/>
+              </a:schemeClr>
+            </a:gs>
+          </a:gsLst>
+          <a:lin ang="5400000" scaled="0"/>
+        </a:gradFill>
+        <a:ln>
+          <a:noFill/>
+        </a:ln>
+        <a:effectLst>
+          <a:outerShdw blurRad="63500" dist="25400" dir="5400000" rotWithShape="0">
+            <a:srgbClr val="000000">
+              <a:alpha val="60000"/>
+            </a:srgbClr>
+          </a:outerShdw>
+        </a:effectLst>
+      </dsp:spPr>
+      <dsp:style>
+        <a:lnRef idx="0">
+          <a:scrgbClr r="0" g="0" b="0"/>
+        </a:lnRef>
+        <a:fillRef idx="3">
+          <a:scrgbClr r="0" g="0" b="0"/>
+        </a:fillRef>
+        <a:effectRef idx="2">
+          <a:scrgbClr r="0" g="0" b="0"/>
+        </a:effectRef>
+        <a:fontRef idx="minor">
+          <a:schemeClr val="lt1"/>
+        </a:fontRef>
+      </dsp:style>
+      <dsp:txBody>
+        <a:bodyPr spcFirstLastPara="0" vert="horz" wrap="square" lIns="13970" tIns="13970" rIns="13970" bIns="144662" numCol="1" spcCol="1270" anchor="ctr" anchorCtr="0">
+          <a:noAutofit/>
+        </a:bodyPr>
+        <a:lstStyle/>
+        <a:p>
+          <a:pPr lvl="0" algn="ctr" defTabSz="977900">
+            <a:lnSpc>
+              <a:spcPct val="90000"/>
+            </a:lnSpc>
+            <a:spcBef>
+              <a:spcPct val="0"/>
+            </a:spcBef>
+            <a:spcAft>
+              <a:spcPct val="35000"/>
+            </a:spcAft>
+          </a:pPr>
+          <a:r>
+            <a:rPr lang="fr-FR" sz="2200" kern="1200" dirty="0" smtClean="0"/>
+            <a:t>Odométrie</a:t>
+          </a:r>
+          <a:endParaRPr lang="fr-FR" sz="2200" kern="1200" dirty="0"/>
+        </a:p>
+      </dsp:txBody>
+      <dsp:txXfrm>
+        <a:off x="103201" y="2268822"/>
+        <a:ext cx="1980010" cy="1025161"/>
+      </dsp:txXfrm>
+    </dsp:sp>
+    <dsp:sp modelId="{809562EB-4A18-496D-99D9-E0B60B4EAEA5}">
+      <dsp:nvSpPr>
+        <dsp:cNvPr id="0" name=""/>
+        <dsp:cNvSpPr/>
+      </dsp:nvSpPr>
+      <dsp:spPr>
+        <a:xfrm>
+          <a:off x="578787" y="3066170"/>
+          <a:ext cx="1782009" cy="341720"/>
+        </a:xfrm>
+        <a:prstGeom prst="rect">
+          <a:avLst/>
+        </a:prstGeom>
+        <a:solidFill>
+          <a:schemeClr val="lt1">
+            <a:alpha val="90000"/>
+            <a:hueOff val="0"/>
+            <a:satOff val="0"/>
+            <a:lumOff val="0"/>
+            <a:alphaOff val="0"/>
+          </a:schemeClr>
+        </a:solidFill>
+        <a:ln w="9525" cap="rnd" cmpd="sng" algn="ctr">
+          <a:solidFill>
+            <a:schemeClr val="accent1">
+              <a:hueOff val="0"/>
+              <a:satOff val="0"/>
+              <a:lumOff val="0"/>
+              <a:alphaOff val="0"/>
+            </a:schemeClr>
+          </a:solidFill>
+          <a:prstDash val="solid"/>
+        </a:ln>
+        <a:effectLst/>
+      </dsp:spPr>
+      <dsp:style>
+        <a:lnRef idx="1">
+          <a:scrgbClr r="0" g="0" b="0"/>
+        </a:lnRef>
+        <a:fillRef idx="1">
+          <a:scrgbClr r="0" g="0" b="0"/>
+        </a:fillRef>
+        <a:effectRef idx="0">
+          <a:scrgbClr r="0" g="0" b="0"/>
+        </a:effectRef>
+        <a:fontRef idx="minor"/>
+      </dsp:style>
+      <dsp:txBody>
+        <a:bodyPr spcFirstLastPara="0" vert="horz" wrap="square" lIns="38100" tIns="9525" rIns="38100" bIns="9525" numCol="1" spcCol="1270" anchor="ctr" anchorCtr="0">
+          <a:noAutofit/>
+        </a:bodyPr>
+        <a:lstStyle/>
+        <a:p>
+          <a:pPr lvl="0" algn="r" defTabSz="666750">
+            <a:lnSpc>
+              <a:spcPct val="90000"/>
+            </a:lnSpc>
+            <a:spcBef>
+              <a:spcPct val="0"/>
+            </a:spcBef>
+            <a:spcAft>
+              <a:spcPct val="35000"/>
+            </a:spcAft>
+          </a:pPr>
+          <a:r>
+            <a:rPr lang="fr-FR" sz="1500" kern="1200" dirty="0"/>
+            <a:t>Thomas PRAK</a:t>
+          </a:r>
+        </a:p>
+      </dsp:txBody>
+      <dsp:txXfrm>
+        <a:off x="578787" y="3066170"/>
+        <a:ext cx="1782009" cy="341720"/>
+      </dsp:txXfrm>
+    </dsp:sp>
+    <dsp:sp modelId="{F522147D-7926-4BE8-A844-0FB48C50D80C}">
+      <dsp:nvSpPr>
+        <dsp:cNvPr id="0" name=""/>
+        <dsp:cNvSpPr/>
+      </dsp:nvSpPr>
+      <dsp:spPr>
+        <a:xfrm>
+          <a:off x="2759621" y="2268822"/>
+          <a:ext cx="1980010" cy="1025161"/>
+        </a:xfrm>
+        <a:prstGeom prst="rect">
+          <a:avLst/>
+        </a:prstGeom>
+        <a:gradFill rotWithShape="0">
+          <a:gsLst>
+            <a:gs pos="0">
+              <a:schemeClr val="accent1">
+                <a:hueOff val="0"/>
+                <a:satOff val="0"/>
+                <a:lumOff val="0"/>
+                <a:alphaOff val="0"/>
+                <a:tint val="96000"/>
+                <a:lumMod val="104000"/>
+              </a:schemeClr>
+            </a:gs>
+            <a:gs pos="100000">
+              <a:schemeClr val="accent1">
+                <a:hueOff val="0"/>
+                <a:satOff val="0"/>
+                <a:lumOff val="0"/>
+                <a:alphaOff val="0"/>
+                <a:shade val="90000"/>
+                <a:lumMod val="90000"/>
+              </a:schemeClr>
+            </a:gs>
+          </a:gsLst>
+          <a:lin ang="5400000" scaled="0"/>
+        </a:gradFill>
+        <a:ln>
+          <a:noFill/>
+        </a:ln>
+        <a:effectLst>
+          <a:outerShdw blurRad="63500" dist="25400" dir="5400000" rotWithShape="0">
+            <a:srgbClr val="000000">
+              <a:alpha val="60000"/>
+            </a:srgbClr>
+          </a:outerShdw>
+        </a:effectLst>
+      </dsp:spPr>
+      <dsp:style>
+        <a:lnRef idx="0">
+          <a:scrgbClr r="0" g="0" b="0"/>
+        </a:lnRef>
+        <a:fillRef idx="3">
+          <a:scrgbClr r="0" g="0" b="0"/>
+        </a:fillRef>
+        <a:effectRef idx="2">
+          <a:scrgbClr r="0" g="0" b="0"/>
+        </a:effectRef>
+        <a:fontRef idx="minor">
+          <a:schemeClr val="lt1"/>
+        </a:fontRef>
+      </dsp:style>
+      <dsp:txBody>
+        <a:bodyPr spcFirstLastPara="0" vert="horz" wrap="square" lIns="13970" tIns="13970" rIns="13970" bIns="144662" numCol="1" spcCol="1270" anchor="ctr" anchorCtr="0">
+          <a:noAutofit/>
+        </a:bodyPr>
+        <a:lstStyle/>
+        <a:p>
+          <a:pPr lvl="0" algn="ctr" defTabSz="977900">
+            <a:lnSpc>
+              <a:spcPct val="90000"/>
+            </a:lnSpc>
+            <a:spcBef>
+              <a:spcPct val="0"/>
+            </a:spcBef>
+            <a:spcAft>
+              <a:spcPct val="35000"/>
+            </a:spcAft>
+          </a:pPr>
+          <a:r>
+            <a:rPr lang="fr-FR" sz="2200" kern="1200" dirty="0" smtClean="0"/>
+            <a:t>Client Web</a:t>
+          </a:r>
+          <a:endParaRPr lang="fr-FR" sz="2200" kern="1200" dirty="0"/>
+        </a:p>
+      </dsp:txBody>
+      <dsp:txXfrm>
+        <a:off x="2759621" y="2268822"/>
+        <a:ext cx="1980010" cy="1025161"/>
+      </dsp:txXfrm>
+    </dsp:sp>
+    <dsp:sp modelId="{BDDE5DF6-64AC-499B-A204-5D73CD5189A5}">
+      <dsp:nvSpPr>
+        <dsp:cNvPr id="0" name=""/>
+        <dsp:cNvSpPr/>
+      </dsp:nvSpPr>
+      <dsp:spPr>
+        <a:xfrm>
+          <a:off x="3155623" y="3066170"/>
+          <a:ext cx="1782009" cy="341720"/>
+        </a:xfrm>
+        <a:prstGeom prst="rect">
+          <a:avLst/>
+        </a:prstGeom>
+        <a:solidFill>
+          <a:schemeClr val="lt1">
+            <a:alpha val="90000"/>
+            <a:hueOff val="0"/>
+            <a:satOff val="0"/>
+            <a:lumOff val="0"/>
+            <a:alphaOff val="0"/>
+          </a:schemeClr>
+        </a:solidFill>
+        <a:ln w="9525" cap="rnd" cmpd="sng" algn="ctr">
+          <a:solidFill>
+            <a:schemeClr val="accent1">
+              <a:hueOff val="0"/>
+              <a:satOff val="0"/>
+              <a:lumOff val="0"/>
+              <a:alphaOff val="0"/>
+            </a:schemeClr>
+          </a:solidFill>
+          <a:prstDash val="solid"/>
+        </a:ln>
+        <a:effectLst/>
+      </dsp:spPr>
+      <dsp:style>
+        <a:lnRef idx="1">
+          <a:scrgbClr r="0" g="0" b="0"/>
+        </a:lnRef>
+        <a:fillRef idx="1">
+          <a:scrgbClr r="0" g="0" b="0"/>
+        </a:fillRef>
+        <a:effectRef idx="0">
+          <a:scrgbClr r="0" g="0" b="0"/>
+        </a:effectRef>
+        <a:fontRef idx="minor"/>
+      </dsp:style>
+      <dsp:txBody>
+        <a:bodyPr spcFirstLastPara="0" vert="horz" wrap="square" lIns="38100" tIns="9525" rIns="38100" bIns="9525" numCol="1" spcCol="1270" anchor="ctr" anchorCtr="0">
+          <a:noAutofit/>
+        </a:bodyPr>
+        <a:lstStyle/>
+        <a:p>
+          <a:pPr lvl="0" algn="r" defTabSz="666750">
+            <a:lnSpc>
+              <a:spcPct val="90000"/>
+            </a:lnSpc>
+            <a:spcBef>
+              <a:spcPct val="0"/>
+            </a:spcBef>
+            <a:spcAft>
+              <a:spcPct val="35000"/>
+            </a:spcAft>
+          </a:pPr>
+          <a:r>
+            <a:rPr lang="fr-FR" sz="1500" kern="1200" dirty="0"/>
+            <a:t>Justine SABBATIER</a:t>
+          </a:r>
+        </a:p>
+      </dsp:txBody>
+      <dsp:txXfrm>
+        <a:off x="3155623" y="3066170"/>
+        <a:ext cx="1782009" cy="341720"/>
+      </dsp:txXfrm>
+    </dsp:sp>
+    <dsp:sp modelId="{5662567F-F7A3-40C3-B265-EF28650FB1CC}">
+      <dsp:nvSpPr>
+        <dsp:cNvPr id="0" name=""/>
+        <dsp:cNvSpPr/>
+      </dsp:nvSpPr>
+      <dsp:spPr>
+        <a:xfrm>
+          <a:off x="5416041" y="2268822"/>
+          <a:ext cx="1980010" cy="1025161"/>
+        </a:xfrm>
+        <a:prstGeom prst="rect">
+          <a:avLst/>
+        </a:prstGeom>
+        <a:gradFill rotWithShape="0">
+          <a:gsLst>
+            <a:gs pos="0">
+              <a:schemeClr val="accent1">
+                <a:hueOff val="0"/>
+                <a:satOff val="0"/>
+                <a:lumOff val="0"/>
+                <a:alphaOff val="0"/>
+                <a:tint val="96000"/>
+                <a:lumMod val="104000"/>
+              </a:schemeClr>
+            </a:gs>
+            <a:gs pos="100000">
+              <a:schemeClr val="accent1">
+                <a:hueOff val="0"/>
+                <a:satOff val="0"/>
+                <a:lumOff val="0"/>
+                <a:alphaOff val="0"/>
+                <a:shade val="90000"/>
+                <a:lumMod val="90000"/>
+              </a:schemeClr>
+            </a:gs>
+          </a:gsLst>
+          <a:lin ang="5400000" scaled="0"/>
+        </a:gradFill>
+        <a:ln>
+          <a:noFill/>
+        </a:ln>
+        <a:effectLst>
+          <a:outerShdw blurRad="63500" dist="25400" dir="5400000" rotWithShape="0">
+            <a:srgbClr val="000000">
+              <a:alpha val="60000"/>
+            </a:srgbClr>
+          </a:outerShdw>
+        </a:effectLst>
+      </dsp:spPr>
+      <dsp:style>
+        <a:lnRef idx="0">
+          <a:scrgbClr r="0" g="0" b="0"/>
+        </a:lnRef>
+        <a:fillRef idx="3">
+          <a:scrgbClr r="0" g="0" b="0"/>
+        </a:fillRef>
+        <a:effectRef idx="2">
+          <a:scrgbClr r="0" g="0" b="0"/>
+        </a:effectRef>
+        <a:fontRef idx="minor">
+          <a:schemeClr val="lt1"/>
+        </a:fontRef>
+      </dsp:style>
+      <dsp:txBody>
+        <a:bodyPr spcFirstLastPara="0" vert="horz" wrap="square" lIns="13970" tIns="13970" rIns="13970" bIns="144662" numCol="1" spcCol="1270" anchor="ctr" anchorCtr="0">
+          <a:noAutofit/>
+        </a:bodyPr>
+        <a:lstStyle/>
+        <a:p>
+          <a:pPr lvl="0" algn="ctr" defTabSz="977900">
+            <a:lnSpc>
+              <a:spcPct val="90000"/>
+            </a:lnSpc>
+            <a:spcBef>
+              <a:spcPct val="0"/>
+            </a:spcBef>
+            <a:spcAft>
+              <a:spcPct val="35000"/>
+            </a:spcAft>
+          </a:pPr>
+          <a:r>
+            <a:rPr lang="fr-FR" sz="2200" kern="1200" dirty="0" smtClean="0"/>
+            <a:t>Algorithme</a:t>
+          </a:r>
+          <a:endParaRPr lang="fr-FR" sz="2200" kern="1200" dirty="0"/>
+        </a:p>
+      </dsp:txBody>
+      <dsp:txXfrm>
+        <a:off x="5416041" y="2268822"/>
+        <a:ext cx="1980010" cy="1025161"/>
+      </dsp:txXfrm>
+    </dsp:sp>
+    <dsp:sp modelId="{0E9E0690-608D-4BF4-8CCF-3E5EC47EB681}">
+      <dsp:nvSpPr>
+        <dsp:cNvPr id="0" name=""/>
+        <dsp:cNvSpPr/>
+      </dsp:nvSpPr>
+      <dsp:spPr>
+        <a:xfrm>
+          <a:off x="5812044" y="3066170"/>
+          <a:ext cx="1782009" cy="341720"/>
+        </a:xfrm>
+        <a:prstGeom prst="rect">
+          <a:avLst/>
+        </a:prstGeom>
+        <a:solidFill>
+          <a:schemeClr val="lt1">
+            <a:alpha val="90000"/>
+            <a:hueOff val="0"/>
+            <a:satOff val="0"/>
+            <a:lumOff val="0"/>
+            <a:alphaOff val="0"/>
+          </a:schemeClr>
+        </a:solidFill>
+        <a:ln w="9525" cap="rnd" cmpd="sng" algn="ctr">
+          <a:solidFill>
+            <a:schemeClr val="accent1">
+              <a:hueOff val="0"/>
+              <a:satOff val="0"/>
+              <a:lumOff val="0"/>
+              <a:alphaOff val="0"/>
+            </a:schemeClr>
+          </a:solidFill>
+          <a:prstDash val="solid"/>
+        </a:ln>
+        <a:effectLst/>
+      </dsp:spPr>
+      <dsp:style>
+        <a:lnRef idx="1">
+          <a:scrgbClr r="0" g="0" b="0"/>
+        </a:lnRef>
+        <a:fillRef idx="1">
+          <a:scrgbClr r="0" g="0" b="0"/>
+        </a:fillRef>
+        <a:effectRef idx="0">
+          <a:scrgbClr r="0" g="0" b="0"/>
+        </a:effectRef>
+        <a:fontRef idx="minor"/>
+      </dsp:style>
+      <dsp:txBody>
+        <a:bodyPr spcFirstLastPara="0" vert="horz" wrap="square" lIns="38100" tIns="9525" rIns="38100" bIns="9525" numCol="1" spcCol="1270" anchor="ctr" anchorCtr="0">
+          <a:noAutofit/>
+        </a:bodyPr>
+        <a:lstStyle/>
+        <a:p>
+          <a:pPr lvl="0" algn="r" defTabSz="666750">
+            <a:lnSpc>
+              <a:spcPct val="90000"/>
+            </a:lnSpc>
+            <a:spcBef>
+              <a:spcPct val="0"/>
+            </a:spcBef>
+            <a:spcAft>
+              <a:spcPct val="35000"/>
+            </a:spcAft>
+          </a:pPr>
+          <a:r>
+            <a:rPr lang="fr-FR" sz="1500" kern="1200"/>
+            <a:t>Mathias DA COSTA</a:t>
+          </a:r>
+        </a:p>
+      </dsp:txBody>
+      <dsp:txXfrm>
+        <a:off x="5812044" y="3066170"/>
+        <a:ext cx="1782009" cy="341720"/>
+      </dsp:txXfrm>
+    </dsp:sp>
+    <dsp:sp modelId="{96FA1259-64E4-404F-B34D-D3DE19F6B678}">
+      <dsp:nvSpPr>
+        <dsp:cNvPr id="0" name=""/>
+        <dsp:cNvSpPr/>
+      </dsp:nvSpPr>
+      <dsp:spPr>
+        <a:xfrm>
+          <a:off x="8072462" y="2268822"/>
+          <a:ext cx="1980010" cy="1025161"/>
+        </a:xfrm>
+        <a:prstGeom prst="rect">
+          <a:avLst/>
+        </a:prstGeom>
+        <a:gradFill rotWithShape="0">
+          <a:gsLst>
+            <a:gs pos="0">
+              <a:schemeClr val="accent1">
+                <a:hueOff val="0"/>
+                <a:satOff val="0"/>
+                <a:lumOff val="0"/>
+                <a:alphaOff val="0"/>
+                <a:tint val="96000"/>
+                <a:lumMod val="104000"/>
+              </a:schemeClr>
+            </a:gs>
+            <a:gs pos="100000">
+              <a:schemeClr val="accent1">
+                <a:hueOff val="0"/>
+                <a:satOff val="0"/>
+                <a:lumOff val="0"/>
+                <a:alphaOff val="0"/>
+                <a:shade val="90000"/>
+                <a:lumMod val="90000"/>
+              </a:schemeClr>
+            </a:gs>
+          </a:gsLst>
+          <a:lin ang="5400000" scaled="0"/>
+        </a:gradFill>
+        <a:ln>
+          <a:noFill/>
+        </a:ln>
+        <a:effectLst>
+          <a:outerShdw blurRad="63500" dist="25400" dir="5400000" rotWithShape="0">
+            <a:srgbClr val="000000">
+              <a:alpha val="60000"/>
+            </a:srgbClr>
+          </a:outerShdw>
+        </a:effectLst>
+      </dsp:spPr>
+      <dsp:style>
+        <a:lnRef idx="0">
+          <a:scrgbClr r="0" g="0" b="0"/>
+        </a:lnRef>
+        <a:fillRef idx="3">
+          <a:scrgbClr r="0" g="0" b="0"/>
+        </a:fillRef>
+        <a:effectRef idx="2">
+          <a:scrgbClr r="0" g="0" b="0"/>
+        </a:effectRef>
+        <a:fontRef idx="minor">
+          <a:schemeClr val="lt1"/>
+        </a:fontRef>
+      </dsp:style>
+      <dsp:txBody>
+        <a:bodyPr spcFirstLastPara="0" vert="horz" wrap="square" lIns="13970" tIns="13970" rIns="13970" bIns="144662" numCol="1" spcCol="1270" anchor="ctr" anchorCtr="0">
+          <a:noAutofit/>
+        </a:bodyPr>
+        <a:lstStyle/>
+        <a:p>
+          <a:pPr lvl="0" algn="ctr" defTabSz="977900">
+            <a:lnSpc>
+              <a:spcPct val="90000"/>
+            </a:lnSpc>
+            <a:spcBef>
+              <a:spcPct val="0"/>
+            </a:spcBef>
+            <a:spcAft>
+              <a:spcPct val="35000"/>
+            </a:spcAft>
+          </a:pPr>
+          <a:r>
+            <a:rPr lang="fr-FR" sz="2200" kern="1200" dirty="0" smtClean="0"/>
+            <a:t>Communication</a:t>
+          </a:r>
+          <a:endParaRPr lang="fr-FR" sz="2200" kern="1200" dirty="0"/>
+        </a:p>
+      </dsp:txBody>
+      <dsp:txXfrm>
+        <a:off x="8072462" y="2268822"/>
+        <a:ext cx="1980010" cy="1025161"/>
+      </dsp:txXfrm>
+    </dsp:sp>
+    <dsp:sp modelId="{A8EA838F-3B0C-4F99-BFF0-CFB047931BD1}">
+      <dsp:nvSpPr>
+        <dsp:cNvPr id="0" name=""/>
+        <dsp:cNvSpPr/>
+      </dsp:nvSpPr>
+      <dsp:spPr>
+        <a:xfrm>
+          <a:off x="8468464" y="3066170"/>
+          <a:ext cx="1782009" cy="341720"/>
+        </a:xfrm>
+        <a:prstGeom prst="rect">
+          <a:avLst/>
+        </a:prstGeom>
+        <a:solidFill>
+          <a:schemeClr val="lt1">
+            <a:alpha val="90000"/>
+            <a:hueOff val="0"/>
+            <a:satOff val="0"/>
+            <a:lumOff val="0"/>
+            <a:alphaOff val="0"/>
+          </a:schemeClr>
+        </a:solidFill>
+        <a:ln w="9525" cap="rnd" cmpd="sng" algn="ctr">
+          <a:solidFill>
+            <a:schemeClr val="accent1">
+              <a:hueOff val="0"/>
+              <a:satOff val="0"/>
+              <a:lumOff val="0"/>
+              <a:alphaOff val="0"/>
+            </a:schemeClr>
+          </a:solidFill>
+          <a:prstDash val="solid"/>
+        </a:ln>
+        <a:effectLst/>
+      </dsp:spPr>
+      <dsp:style>
+        <a:lnRef idx="1">
+          <a:scrgbClr r="0" g="0" b="0"/>
+        </a:lnRef>
+        <a:fillRef idx="1">
+          <a:scrgbClr r="0" g="0" b="0"/>
+        </a:fillRef>
+        <a:effectRef idx="0">
+          <a:scrgbClr r="0" g="0" b="0"/>
+        </a:effectRef>
+        <a:fontRef idx="minor"/>
+      </dsp:style>
+      <dsp:txBody>
+        <a:bodyPr spcFirstLastPara="0" vert="horz" wrap="square" lIns="38100" tIns="9525" rIns="38100" bIns="9525" numCol="1" spcCol="1270" anchor="ctr" anchorCtr="0">
+          <a:noAutofit/>
+        </a:bodyPr>
+        <a:lstStyle/>
+        <a:p>
+          <a:pPr lvl="0" algn="r" defTabSz="666750">
+            <a:lnSpc>
+              <a:spcPct val="90000"/>
+            </a:lnSpc>
+            <a:spcBef>
+              <a:spcPct val="0"/>
+            </a:spcBef>
+            <a:spcAft>
+              <a:spcPct val="35000"/>
+            </a:spcAft>
+          </a:pPr>
+          <a:r>
+            <a:rPr lang="fr-FR" sz="1500" kern="1200"/>
+            <a:t>Julien LOEVE</a:t>
+          </a:r>
+        </a:p>
+      </dsp:txBody>
+      <dsp:txXfrm>
+        <a:off x="8468464" y="3066170"/>
+        <a:ext cx="1782009" cy="341720"/>
+      </dsp:txXfrm>
+    </dsp:sp>
   </dsp:spTree>
 </dsp:drawing>
 </file>
@@ -2995,6 +4075,646 @@
       <dsp:cNvGrpSpPr/>
     </dsp:nvGrpSpPr>
     <dsp:grpSpPr/>
+    <dsp:sp modelId="{6A1FC33C-BD54-48D9-8848-B8051814CA7A}">
+      <dsp:nvSpPr>
+        <dsp:cNvPr id="0" name=""/>
+        <dsp:cNvSpPr/>
+      </dsp:nvSpPr>
+      <dsp:spPr>
+        <a:xfrm>
+          <a:off x="2656565" y="9048"/>
+          <a:ext cx="2412531" cy="2412899"/>
+        </a:xfrm>
+        <a:prstGeom prst="circularArrow">
+          <a:avLst>
+            <a:gd name="adj1" fmla="val 10980"/>
+            <a:gd name="adj2" fmla="val 1142322"/>
+            <a:gd name="adj3" fmla="val 4500000"/>
+            <a:gd name="adj4" fmla="val 10800000"/>
+            <a:gd name="adj5" fmla="val 12500"/>
+          </a:avLst>
+        </a:prstGeom>
+        <a:gradFill rotWithShape="0">
+          <a:gsLst>
+            <a:gs pos="0">
+              <a:schemeClr val="accent1">
+                <a:hueOff val="0"/>
+                <a:satOff val="0"/>
+                <a:lumOff val="0"/>
+                <a:alphaOff val="0"/>
+                <a:tint val="96000"/>
+                <a:lumMod val="104000"/>
+              </a:schemeClr>
+            </a:gs>
+            <a:gs pos="100000">
+              <a:schemeClr val="accent1">
+                <a:hueOff val="0"/>
+                <a:satOff val="0"/>
+                <a:lumOff val="0"/>
+                <a:alphaOff val="0"/>
+                <a:shade val="90000"/>
+                <a:lumMod val="90000"/>
+              </a:schemeClr>
+            </a:gs>
+          </a:gsLst>
+          <a:lin ang="5400000" scaled="0"/>
+        </a:gradFill>
+        <a:ln>
+          <a:noFill/>
+        </a:ln>
+        <a:effectLst>
+          <a:outerShdw blurRad="63500" dist="25400" dir="5400000" rotWithShape="0">
+            <a:srgbClr val="000000">
+              <a:alpha val="60000"/>
+            </a:srgbClr>
+          </a:outerShdw>
+        </a:effectLst>
+      </dsp:spPr>
+      <dsp:style>
+        <a:lnRef idx="0">
+          <a:scrgbClr r="0" g="0" b="0"/>
+        </a:lnRef>
+        <a:fillRef idx="3">
+          <a:scrgbClr r="0" g="0" b="0"/>
+        </a:fillRef>
+        <a:effectRef idx="2">
+          <a:scrgbClr r="0" g="0" b="0"/>
+        </a:effectRef>
+        <a:fontRef idx="minor">
+          <a:schemeClr val="lt1"/>
+        </a:fontRef>
+      </dsp:style>
+    </dsp:sp>
+    <dsp:sp modelId="{2BC33A24-C019-40DB-B4F8-D236F35960DA}">
+      <dsp:nvSpPr>
+        <dsp:cNvPr id="0" name=""/>
+        <dsp:cNvSpPr/>
+      </dsp:nvSpPr>
+      <dsp:spPr>
+        <a:xfrm>
+          <a:off x="5465248" y="601561"/>
+          <a:ext cx="3405954" cy="965360"/>
+        </a:xfrm>
+        <a:prstGeom prst="rect">
+          <a:avLst/>
+        </a:prstGeom>
+        <a:noFill/>
+        <a:ln>
+          <a:noFill/>
+        </a:ln>
+        <a:effectLst/>
+      </dsp:spPr>
+      <dsp:style>
+        <a:lnRef idx="0">
+          <a:scrgbClr r="0" g="0" b="0"/>
+        </a:lnRef>
+        <a:fillRef idx="0">
+          <a:scrgbClr r="0" g="0" b="0"/>
+        </a:fillRef>
+        <a:effectRef idx="0">
+          <a:scrgbClr r="0" g="0" b="0"/>
+        </a:effectRef>
+        <a:fontRef idx="minor"/>
+      </dsp:style>
+      <dsp:txBody>
+        <a:bodyPr spcFirstLastPara="0" vert="horz" wrap="square" lIns="15240" tIns="15240" rIns="15240" bIns="15240" numCol="1" spcCol="1270" anchor="ctr" anchorCtr="0">
+          <a:noAutofit/>
+        </a:bodyPr>
+        <a:lstStyle/>
+        <a:p>
+          <a:pPr marL="228600" lvl="1" indent="-228600" algn="l" defTabSz="1066800">
+            <a:lnSpc>
+              <a:spcPct val="90000"/>
+            </a:lnSpc>
+            <a:spcBef>
+              <a:spcPct val="0"/>
+            </a:spcBef>
+            <a:spcAft>
+              <a:spcPct val="15000"/>
+            </a:spcAft>
+            <a:buChar char="••"/>
+          </a:pPr>
+          <a:r>
+            <a:rPr lang="fr-FR" sz="2400" b="1" kern="1200" dirty="0" smtClean="0"/>
+            <a:t>Requête GET </a:t>
+          </a:r>
+          <a:endParaRPr lang="fr-FR" sz="2400" b="1" kern="1200" dirty="0"/>
+        </a:p>
+        <a:p>
+          <a:pPr marL="457200" lvl="2" indent="-228600" algn="l" defTabSz="1066800">
+            <a:lnSpc>
+              <a:spcPct val="90000"/>
+            </a:lnSpc>
+            <a:spcBef>
+              <a:spcPct val="0"/>
+            </a:spcBef>
+            <a:spcAft>
+              <a:spcPct val="15000"/>
+            </a:spcAft>
+            <a:buChar char="••"/>
+          </a:pPr>
+          <a:r>
+            <a:rPr lang="fr-FR" sz="2400" kern="1200" dirty="0" smtClean="0"/>
+            <a:t>Récupération du </a:t>
+          </a:r>
+          <a:r>
+            <a:rPr lang="fr-FR" sz="2400" kern="1200" dirty="0" err="1" smtClean="0"/>
+            <a:t>Json</a:t>
+          </a:r>
+          <a:endParaRPr lang="fr-FR" sz="2400" kern="1200" dirty="0"/>
+        </a:p>
+      </dsp:txBody>
+      <dsp:txXfrm>
+        <a:off x="5465248" y="601561"/>
+        <a:ext cx="3405954" cy="965360"/>
+      </dsp:txXfrm>
+    </dsp:sp>
+    <dsp:sp modelId="{41EA7880-1A0E-4CC2-B59F-914DDD351791}">
+      <dsp:nvSpPr>
+        <dsp:cNvPr id="0" name=""/>
+        <dsp:cNvSpPr/>
+      </dsp:nvSpPr>
+      <dsp:spPr>
+        <a:xfrm>
+          <a:off x="3162648" y="871129"/>
+          <a:ext cx="1340597" cy="670138"/>
+        </a:xfrm>
+        <a:prstGeom prst="rect">
+          <a:avLst/>
+        </a:prstGeom>
+        <a:noFill/>
+        <a:ln>
+          <a:noFill/>
+        </a:ln>
+        <a:effectLst/>
+      </dsp:spPr>
+      <dsp:style>
+        <a:lnRef idx="0">
+          <a:scrgbClr r="0" g="0" b="0"/>
+        </a:lnRef>
+        <a:fillRef idx="0">
+          <a:scrgbClr r="0" g="0" b="0"/>
+        </a:fillRef>
+        <a:effectRef idx="0">
+          <a:scrgbClr r="0" g="0" b="0"/>
+        </a:effectRef>
+        <a:fontRef idx="minor"/>
+      </dsp:style>
+      <dsp:txBody>
+        <a:bodyPr spcFirstLastPara="0" vert="horz" wrap="square" lIns="17780" tIns="17780" rIns="17780" bIns="17780" numCol="1" spcCol="1270" anchor="ctr" anchorCtr="0">
+          <a:noAutofit/>
+        </a:bodyPr>
+        <a:lstStyle/>
+        <a:p>
+          <a:pPr lvl="0" algn="ctr" defTabSz="1244600">
+            <a:lnSpc>
+              <a:spcPct val="90000"/>
+            </a:lnSpc>
+            <a:spcBef>
+              <a:spcPct val="0"/>
+            </a:spcBef>
+            <a:spcAft>
+              <a:spcPct val="35000"/>
+            </a:spcAft>
+          </a:pPr>
+          <a:r>
+            <a:rPr lang="fr-FR" sz="2800" kern="1200" dirty="0" smtClean="0"/>
+            <a:t>Ajax</a:t>
+          </a:r>
+          <a:endParaRPr lang="fr-FR" sz="2800" kern="1200" dirty="0"/>
+        </a:p>
+      </dsp:txBody>
+      <dsp:txXfrm>
+        <a:off x="3162648" y="871129"/>
+        <a:ext cx="1340597" cy="670138"/>
+      </dsp:txXfrm>
+    </dsp:sp>
+    <dsp:sp modelId="{1EAF82E5-DF36-4432-8EFB-3660BDEAF403}">
+      <dsp:nvSpPr>
+        <dsp:cNvPr id="0" name=""/>
+        <dsp:cNvSpPr/>
+      </dsp:nvSpPr>
+      <dsp:spPr>
+        <a:xfrm>
+          <a:off x="1959327" y="1386389"/>
+          <a:ext cx="2412531" cy="2412899"/>
+        </a:xfrm>
+        <a:prstGeom prst="leftCircularArrow">
+          <a:avLst>
+            <a:gd name="adj1" fmla="val 10980"/>
+            <a:gd name="adj2" fmla="val 1142322"/>
+            <a:gd name="adj3" fmla="val 6300000"/>
+            <a:gd name="adj4" fmla="val 18900000"/>
+            <a:gd name="adj5" fmla="val 12500"/>
+          </a:avLst>
+        </a:prstGeom>
+        <a:gradFill rotWithShape="0">
+          <a:gsLst>
+            <a:gs pos="0">
+              <a:schemeClr val="accent1">
+                <a:hueOff val="0"/>
+                <a:satOff val="0"/>
+                <a:lumOff val="0"/>
+                <a:alphaOff val="0"/>
+                <a:tint val="96000"/>
+                <a:lumMod val="104000"/>
+              </a:schemeClr>
+            </a:gs>
+            <a:gs pos="100000">
+              <a:schemeClr val="accent1">
+                <a:hueOff val="0"/>
+                <a:satOff val="0"/>
+                <a:lumOff val="0"/>
+                <a:alphaOff val="0"/>
+                <a:shade val="90000"/>
+                <a:lumMod val="90000"/>
+              </a:schemeClr>
+            </a:gs>
+          </a:gsLst>
+          <a:lin ang="5400000" scaled="0"/>
+        </a:gradFill>
+        <a:ln>
+          <a:noFill/>
+        </a:ln>
+        <a:effectLst>
+          <a:outerShdw blurRad="63500" dist="25400" dir="5400000" rotWithShape="0">
+            <a:srgbClr val="000000">
+              <a:alpha val="60000"/>
+            </a:srgbClr>
+          </a:outerShdw>
+        </a:effectLst>
+      </dsp:spPr>
+      <dsp:style>
+        <a:lnRef idx="0">
+          <a:scrgbClr r="0" g="0" b="0"/>
+        </a:lnRef>
+        <a:fillRef idx="3">
+          <a:scrgbClr r="0" g="0" b="0"/>
+        </a:fillRef>
+        <a:effectRef idx="2">
+          <a:scrgbClr r="0" g="0" b="0"/>
+        </a:effectRef>
+        <a:fontRef idx="minor">
+          <a:schemeClr val="lt1"/>
+        </a:fontRef>
+      </dsp:style>
+    </dsp:sp>
+    <dsp:sp modelId="{EED53FE3-01A0-4A4A-B958-999558A60657}">
+      <dsp:nvSpPr>
+        <dsp:cNvPr id="0" name=""/>
+        <dsp:cNvSpPr/>
+      </dsp:nvSpPr>
+      <dsp:spPr>
+        <a:xfrm>
+          <a:off x="4348677" y="2031293"/>
+          <a:ext cx="5643819" cy="965360"/>
+        </a:xfrm>
+        <a:prstGeom prst="rect">
+          <a:avLst/>
+        </a:prstGeom>
+        <a:noFill/>
+        <a:ln>
+          <a:noFill/>
+        </a:ln>
+        <a:effectLst/>
+      </dsp:spPr>
+      <dsp:style>
+        <a:lnRef idx="0">
+          <a:scrgbClr r="0" g="0" b="0"/>
+        </a:lnRef>
+        <a:fillRef idx="0">
+          <a:scrgbClr r="0" g="0" b="0"/>
+        </a:fillRef>
+        <a:effectRef idx="0">
+          <a:scrgbClr r="0" g="0" b="0"/>
+        </a:effectRef>
+        <a:fontRef idx="minor"/>
+      </dsp:style>
+      <dsp:txBody>
+        <a:bodyPr spcFirstLastPara="0" vert="horz" wrap="square" lIns="15240" tIns="15240" rIns="15240" bIns="15240" numCol="1" spcCol="1270" anchor="ctr" anchorCtr="0">
+          <a:noAutofit/>
+        </a:bodyPr>
+        <a:lstStyle/>
+        <a:p>
+          <a:pPr marL="228600" lvl="1" indent="-228600" algn="l" defTabSz="1066800">
+            <a:lnSpc>
+              <a:spcPct val="90000"/>
+            </a:lnSpc>
+            <a:spcBef>
+              <a:spcPct val="0"/>
+            </a:spcBef>
+            <a:spcAft>
+              <a:spcPct val="15000"/>
+            </a:spcAft>
+            <a:buChar char="••"/>
+          </a:pPr>
+          <a:r>
+            <a:rPr lang="fr-FR" sz="2400" b="1" kern="1200" dirty="0" smtClean="0"/>
+            <a:t>Nativement interprété</a:t>
+          </a:r>
+          <a:endParaRPr lang="fr-FR" sz="2400" b="1" kern="1200" dirty="0"/>
+        </a:p>
+        <a:p>
+          <a:pPr marL="457200" lvl="2" indent="-228600" algn="l" defTabSz="1066800">
+            <a:lnSpc>
+              <a:spcPct val="90000"/>
+            </a:lnSpc>
+            <a:spcBef>
+              <a:spcPct val="0"/>
+            </a:spcBef>
+            <a:spcAft>
+              <a:spcPct val="15000"/>
+            </a:spcAft>
+            <a:buChar char="••"/>
+          </a:pPr>
+          <a:r>
+            <a:rPr lang="fr-FR" sz="2400" kern="1200" dirty="0" smtClean="0"/>
+            <a:t>Extraction des données</a:t>
+          </a:r>
+          <a:endParaRPr lang="fr-FR" sz="2400" kern="1200" dirty="0"/>
+        </a:p>
+      </dsp:txBody>
+      <dsp:txXfrm>
+        <a:off x="4348677" y="2031293"/>
+        <a:ext cx="5643819" cy="965360"/>
+      </dsp:txXfrm>
+    </dsp:sp>
+    <dsp:sp modelId="{6AA25D69-5E05-40A3-9F00-9387D55331A8}">
+      <dsp:nvSpPr>
+        <dsp:cNvPr id="0" name=""/>
+        <dsp:cNvSpPr/>
+      </dsp:nvSpPr>
+      <dsp:spPr>
+        <a:xfrm>
+          <a:off x="2495294" y="2265538"/>
+          <a:ext cx="1340597" cy="670138"/>
+        </a:xfrm>
+        <a:prstGeom prst="rect">
+          <a:avLst/>
+        </a:prstGeom>
+        <a:noFill/>
+        <a:ln>
+          <a:noFill/>
+        </a:ln>
+        <a:effectLst/>
+      </dsp:spPr>
+      <dsp:style>
+        <a:lnRef idx="0">
+          <a:scrgbClr r="0" g="0" b="0"/>
+        </a:lnRef>
+        <a:fillRef idx="0">
+          <a:scrgbClr r="0" g="0" b="0"/>
+        </a:fillRef>
+        <a:effectRef idx="0">
+          <a:scrgbClr r="0" g="0" b="0"/>
+        </a:effectRef>
+        <a:fontRef idx="minor"/>
+      </dsp:style>
+      <dsp:txBody>
+        <a:bodyPr spcFirstLastPara="0" vert="horz" wrap="square" lIns="17780" tIns="17780" rIns="17780" bIns="17780" numCol="1" spcCol="1270" anchor="ctr" anchorCtr="0">
+          <a:noAutofit/>
+        </a:bodyPr>
+        <a:lstStyle/>
+        <a:p>
+          <a:pPr lvl="0" algn="ctr" defTabSz="1244600">
+            <a:lnSpc>
+              <a:spcPct val="90000"/>
+            </a:lnSpc>
+            <a:spcBef>
+              <a:spcPct val="0"/>
+            </a:spcBef>
+            <a:spcAft>
+              <a:spcPct val="35000"/>
+            </a:spcAft>
+          </a:pPr>
+          <a:r>
+            <a:rPr lang="fr-FR" sz="2800" kern="1200" dirty="0" err="1" smtClean="0"/>
+            <a:t>Jquery</a:t>
+          </a:r>
+          <a:endParaRPr lang="fr-FR" sz="2800" kern="1200" dirty="0"/>
+        </a:p>
+      </dsp:txBody>
+      <dsp:txXfrm>
+        <a:off x="2495294" y="2265538"/>
+        <a:ext cx="1340597" cy="670138"/>
+      </dsp:txXfrm>
+    </dsp:sp>
+    <dsp:sp modelId="{A7590864-E6C3-49D8-9B22-DF9210EFF756}">
+      <dsp:nvSpPr>
+        <dsp:cNvPr id="0" name=""/>
+        <dsp:cNvSpPr/>
+      </dsp:nvSpPr>
+      <dsp:spPr>
+        <a:xfrm>
+          <a:off x="2801108" y="2938684"/>
+          <a:ext cx="2072738" cy="2073569"/>
+        </a:xfrm>
+        <a:prstGeom prst="blockArc">
+          <a:avLst>
+            <a:gd name="adj1" fmla="val 13500000"/>
+            <a:gd name="adj2" fmla="val 10800000"/>
+            <a:gd name="adj3" fmla="val 12740"/>
+          </a:avLst>
+        </a:prstGeom>
+        <a:gradFill rotWithShape="0">
+          <a:gsLst>
+            <a:gs pos="0">
+              <a:schemeClr val="accent1">
+                <a:hueOff val="0"/>
+                <a:satOff val="0"/>
+                <a:lumOff val="0"/>
+                <a:alphaOff val="0"/>
+                <a:tint val="96000"/>
+                <a:lumMod val="104000"/>
+              </a:schemeClr>
+            </a:gs>
+            <a:gs pos="100000">
+              <a:schemeClr val="accent1">
+                <a:hueOff val="0"/>
+                <a:satOff val="0"/>
+                <a:lumOff val="0"/>
+                <a:alphaOff val="0"/>
+                <a:shade val="90000"/>
+                <a:lumMod val="90000"/>
+              </a:schemeClr>
+            </a:gs>
+          </a:gsLst>
+          <a:lin ang="5400000" scaled="0"/>
+        </a:gradFill>
+        <a:ln>
+          <a:noFill/>
+        </a:ln>
+        <a:effectLst>
+          <a:outerShdw blurRad="63500" dist="25400" dir="5400000" rotWithShape="0">
+            <a:srgbClr val="000000">
+              <a:alpha val="60000"/>
+            </a:srgbClr>
+          </a:outerShdw>
+        </a:effectLst>
+      </dsp:spPr>
+      <dsp:style>
+        <a:lnRef idx="0">
+          <a:scrgbClr r="0" g="0" b="0"/>
+        </a:lnRef>
+        <a:fillRef idx="3">
+          <a:scrgbClr r="0" g="0" b="0"/>
+        </a:fillRef>
+        <a:effectRef idx="2">
+          <a:scrgbClr r="0" g="0" b="0"/>
+        </a:effectRef>
+        <a:fontRef idx="minor">
+          <a:schemeClr val="lt1"/>
+        </a:fontRef>
+      </dsp:style>
+    </dsp:sp>
+    <dsp:sp modelId="{1EC2A02A-3E8D-473F-97D1-1FB993A4303A}">
+      <dsp:nvSpPr>
+        <dsp:cNvPr id="0" name=""/>
+        <dsp:cNvSpPr/>
+      </dsp:nvSpPr>
+      <dsp:spPr>
+        <a:xfrm>
+          <a:off x="5458447" y="3522663"/>
+          <a:ext cx="4534049" cy="965360"/>
+        </a:xfrm>
+        <a:prstGeom prst="rect">
+          <a:avLst/>
+        </a:prstGeom>
+        <a:noFill/>
+        <a:ln>
+          <a:noFill/>
+        </a:ln>
+        <a:effectLst/>
+      </dsp:spPr>
+      <dsp:style>
+        <a:lnRef idx="0">
+          <a:scrgbClr r="0" g="0" b="0"/>
+        </a:lnRef>
+        <a:fillRef idx="0">
+          <a:scrgbClr r="0" g="0" b="0"/>
+        </a:fillRef>
+        <a:effectRef idx="0">
+          <a:scrgbClr r="0" g="0" b="0"/>
+        </a:effectRef>
+        <a:fontRef idx="minor"/>
+      </dsp:style>
+      <dsp:txBody>
+        <a:bodyPr spcFirstLastPara="0" vert="horz" wrap="square" lIns="15240" tIns="15240" rIns="15240" bIns="15240" numCol="1" spcCol="1270" anchor="ctr" anchorCtr="0">
+          <a:noAutofit/>
+        </a:bodyPr>
+        <a:lstStyle/>
+        <a:p>
+          <a:pPr marL="228600" lvl="1" indent="-228600" algn="l" defTabSz="1066800">
+            <a:lnSpc>
+              <a:spcPct val="90000"/>
+            </a:lnSpc>
+            <a:spcBef>
+              <a:spcPct val="0"/>
+            </a:spcBef>
+            <a:spcAft>
+              <a:spcPct val="15000"/>
+            </a:spcAft>
+            <a:buChar char="••"/>
+          </a:pPr>
+          <a:r>
+            <a:rPr lang="fr-FR" sz="2400" b="1" kern="1200" dirty="0" smtClean="0"/>
+            <a:t>Balise &lt;</a:t>
+          </a:r>
+          <a:r>
+            <a:rPr lang="fr-FR" sz="2400" b="1" kern="1200" dirty="0" err="1" smtClean="0"/>
+            <a:t>canvas</a:t>
+          </a:r>
+          <a:r>
+            <a:rPr lang="fr-FR" sz="2400" b="1" kern="1200" dirty="0" smtClean="0"/>
+            <a:t>&gt;</a:t>
+          </a:r>
+          <a:endParaRPr lang="fr-FR" sz="2400" b="1" kern="1200" dirty="0"/>
+        </a:p>
+        <a:p>
+          <a:pPr marL="457200" lvl="2" indent="-228600" algn="l" defTabSz="1066800">
+            <a:lnSpc>
+              <a:spcPct val="90000"/>
+            </a:lnSpc>
+            <a:spcBef>
+              <a:spcPct val="0"/>
+            </a:spcBef>
+            <a:spcAft>
+              <a:spcPct val="15000"/>
+            </a:spcAft>
+            <a:buChar char="••"/>
+          </a:pPr>
+          <a:r>
+            <a:rPr lang="fr-FR" sz="2400" kern="1200" dirty="0" smtClean="0"/>
+            <a:t>Modélisation des obstacles</a:t>
+          </a:r>
+          <a:endParaRPr lang="fr-FR" sz="2400" kern="1200" dirty="0"/>
+        </a:p>
+      </dsp:txBody>
+      <dsp:txXfrm>
+        <a:off x="5458447" y="3522663"/>
+        <a:ext cx="4534049" cy="965360"/>
+      </dsp:txXfrm>
+    </dsp:sp>
+    <dsp:sp modelId="{7D2E6C7C-9586-4A0C-B907-A004212DF446}">
+      <dsp:nvSpPr>
+        <dsp:cNvPr id="0" name=""/>
+        <dsp:cNvSpPr/>
+      </dsp:nvSpPr>
+      <dsp:spPr>
+        <a:xfrm>
+          <a:off x="3165820" y="3661952"/>
+          <a:ext cx="1340597" cy="670138"/>
+        </a:xfrm>
+        <a:prstGeom prst="rect">
+          <a:avLst/>
+        </a:prstGeom>
+        <a:noFill/>
+        <a:ln>
+          <a:noFill/>
+        </a:ln>
+        <a:effectLst/>
+      </dsp:spPr>
+      <dsp:style>
+        <a:lnRef idx="0">
+          <a:scrgbClr r="0" g="0" b="0"/>
+        </a:lnRef>
+        <a:fillRef idx="0">
+          <a:scrgbClr r="0" g="0" b="0"/>
+        </a:fillRef>
+        <a:effectRef idx="0">
+          <a:scrgbClr r="0" g="0" b="0"/>
+        </a:effectRef>
+        <a:fontRef idx="minor"/>
+      </dsp:style>
+      <dsp:txBody>
+        <a:bodyPr spcFirstLastPara="0" vert="horz" wrap="square" lIns="17780" tIns="17780" rIns="17780" bIns="17780" numCol="1" spcCol="1270" anchor="ctr" anchorCtr="0">
+          <a:noAutofit/>
+        </a:bodyPr>
+        <a:lstStyle/>
+        <a:p>
+          <a:pPr lvl="0" algn="ctr" defTabSz="1244600">
+            <a:lnSpc>
+              <a:spcPct val="90000"/>
+            </a:lnSpc>
+            <a:spcBef>
+              <a:spcPct val="0"/>
+            </a:spcBef>
+            <a:spcAft>
+              <a:spcPct val="35000"/>
+            </a:spcAft>
+          </a:pPr>
+          <a:r>
+            <a:rPr lang="fr-FR" sz="2800" kern="1200" dirty="0" smtClean="0"/>
+            <a:t>HTML5</a:t>
+          </a:r>
+          <a:endParaRPr lang="fr-FR" sz="2800" kern="1200" dirty="0"/>
+        </a:p>
+      </dsp:txBody>
+      <dsp:txXfrm>
+        <a:off x="3165820" y="3661952"/>
+        <a:ext cx="1340597" cy="670138"/>
+      </dsp:txXfrm>
+    </dsp:sp>
   </dsp:spTree>
 </dsp:drawing>
 </file>
@@ -14450,45 +16170,54 @@
             <a:pPr algn="l"/>
             <a:r>
               <a:rPr lang="fr-FR" dirty="0" smtClean="0"/>
-              <a:t>Odométrie</a:t>
+              <a:t>Le robot – Le capteur</a:t>
             </a:r>
             <a:endParaRPr lang="fr-FR" dirty="0"/>
           </a:p>
         </p:txBody>
       </p:sp>
-      <p:sp>
-        <p:nvSpPr>
-          <p:cNvPr id="3" name="Espace réservé du contenu 2"/>
-          <p:cNvSpPr>
-            <a:spLocks noGrp="1"/>
-          </p:cNvSpPr>
-          <p:nvPr>
-            <p:ph idx="1"/>
-          </p:nvPr>
-        </p:nvSpPr>
-        <p:spPr/>
-        <p:txBody>
-          <a:bodyPr/>
-          <a:lstStyle/>
-          <a:p>
-            <a:r>
-              <a:rPr lang="fr-FR" dirty="0" smtClean="0"/>
-              <a:t>Position</a:t>
-            </a:r>
-          </a:p>
-          <a:p>
-            <a:r>
-              <a:rPr lang="fr-FR" dirty="0" smtClean="0"/>
-              <a:t>Orientation</a:t>
-            </a:r>
-            <a:endParaRPr lang="fr-FR" dirty="0"/>
-          </a:p>
-        </p:txBody>
-      </p:sp>
+      <p:pic>
+        <p:nvPicPr>
+          <p:cNvPr id="3" name="Image 2"/>
+          <p:cNvPicPr>
+            <a:picLocks noChangeAspect="1"/>
+          </p:cNvPicPr>
+          <p:nvPr/>
+        </p:nvPicPr>
+        <p:blipFill>
+          <a:blip r:embed="rId2"/>
+          <a:stretch>
+            <a:fillRect/>
+          </a:stretch>
+        </p:blipFill>
+        <p:spPr>
+          <a:xfrm>
+            <a:off x="185492" y="1468182"/>
+            <a:ext cx="11804739" cy="5209524"/>
+          </a:xfrm>
+          <a:prstGeom prst="rect">
+            <a:avLst/>
+          </a:prstGeom>
+          <a:ln w="38100" cap="sq">
+            <a:solidFill>
+              <a:srgbClr val="000000"/>
+            </a:solidFill>
+            <a:prstDash val="solid"/>
+            <a:miter lim="800000"/>
+          </a:ln>
+          <a:effectLst>
+            <a:outerShdw blurRad="50800" dist="38100" dir="2700000" algn="tl" rotWithShape="0">
+              <a:srgbClr val="000000">
+                <a:alpha val="43000"/>
+              </a:srgbClr>
+            </a:outerShdw>
+          </a:effectLst>
+        </p:spPr>
+      </p:pic>
     </p:spTree>
     <p:extLst>
       <p:ext uri="{BB962C8B-B14F-4D97-AF65-F5344CB8AC3E}">
-        <p14:creationId xmlns:p14="http://schemas.microsoft.com/office/powerpoint/2010/main" val="1194455758"/>
+        <p14:creationId xmlns:p14="http://schemas.microsoft.com/office/powerpoint/2010/main" val="3312832204"/>
       </p:ext>
     </p:extLst>
   </p:cSld>
@@ -14540,6 +16269,186 @@
             <a:pPr algn="l"/>
             <a:r>
               <a:rPr lang="fr-FR" dirty="0" smtClean="0"/>
+              <a:t>Algorithme</a:t>
+            </a:r>
+            <a:endParaRPr lang="fr-FR" dirty="0"/>
+          </a:p>
+        </p:txBody>
+      </p:sp>
+      <p:sp>
+        <p:nvSpPr>
+          <p:cNvPr id="3" name="Espace réservé du contenu 2"/>
+          <p:cNvSpPr>
+            <a:spLocks noGrp="1"/>
+          </p:cNvSpPr>
+          <p:nvPr>
+            <p:ph idx="1"/>
+          </p:nvPr>
+        </p:nvSpPr>
+        <p:spPr/>
+        <p:txBody>
+          <a:bodyPr/>
+          <a:lstStyle/>
+          <a:p>
+            <a:r>
+              <a:rPr lang="fr-FR" dirty="0" smtClean="0"/>
+              <a:t>Algorithme de la main gauche</a:t>
+            </a:r>
+          </a:p>
+          <a:p>
+            <a:r>
+              <a:rPr lang="fr-FR" dirty="0" smtClean="0"/>
+              <a:t>Machine à état</a:t>
+            </a:r>
+            <a:endParaRPr lang="fr-FR" dirty="0"/>
+          </a:p>
+        </p:txBody>
+      </p:sp>
+    </p:spTree>
+    <p:extLst>
+      <p:ext uri="{BB962C8B-B14F-4D97-AF65-F5344CB8AC3E}">
+        <p14:creationId xmlns:p14="http://schemas.microsoft.com/office/powerpoint/2010/main" val="2836795985"/>
+      </p:ext>
+    </p:extLst>
+  </p:cSld>
+  <p:clrMapOvr>
+    <a:masterClrMapping/>
+  </p:clrMapOvr>
+  <p:timing>
+    <p:tnLst>
+      <p:par>
+        <p:cTn id="1" dur="indefinite" restart="never" nodeType="tmRoot"/>
+      </p:par>
+    </p:tnLst>
+  </p:timing>
+</p:sld>
+</file>
+
+<file path=ppt/slides/slide12.xml><?xml version="1.0" encoding="utf-8"?>
+<p:sld xmlns:a="http://schemas.openxmlformats.org/drawingml/2006/main" xmlns:r="http://schemas.openxmlformats.org/officeDocument/2006/relationships" xmlns:p="http://schemas.openxmlformats.org/presentationml/2006/main">
+  <p:cSld>
+    <p:spTree>
+      <p:nvGrpSpPr>
+        <p:cNvPr id="1" name=""/>
+        <p:cNvGrpSpPr/>
+        <p:nvPr/>
+      </p:nvGrpSpPr>
+      <p:grpSpPr>
+        <a:xfrm>
+          <a:off x="0" y="0"/>
+          <a:ext cx="0" cy="0"/>
+          <a:chOff x="0" y="0"/>
+          <a:chExt cx="0" cy="0"/>
+        </a:xfrm>
+      </p:grpSpPr>
+      <p:sp>
+        <p:nvSpPr>
+          <p:cNvPr id="2" name="Titre 1"/>
+          <p:cNvSpPr>
+            <a:spLocks noGrp="1"/>
+          </p:cNvSpPr>
+          <p:nvPr>
+            <p:ph type="title"/>
+          </p:nvPr>
+        </p:nvSpPr>
+        <p:spPr/>
+        <p:txBody>
+          <a:bodyPr/>
+          <a:lstStyle/>
+          <a:p>
+            <a:pPr algn="l"/>
+            <a:r>
+              <a:rPr lang="fr-FR" dirty="0" smtClean="0"/>
+              <a:t>Odométrie</a:t>
+            </a:r>
+            <a:endParaRPr lang="fr-FR" dirty="0"/>
+          </a:p>
+        </p:txBody>
+      </p:sp>
+      <p:sp>
+        <p:nvSpPr>
+          <p:cNvPr id="3" name="Espace réservé du contenu 2"/>
+          <p:cNvSpPr>
+            <a:spLocks noGrp="1"/>
+          </p:cNvSpPr>
+          <p:nvPr>
+            <p:ph idx="1"/>
+          </p:nvPr>
+        </p:nvSpPr>
+        <p:spPr/>
+        <p:txBody>
+          <a:bodyPr/>
+          <a:lstStyle/>
+          <a:p>
+            <a:r>
+              <a:rPr lang="fr-FR" dirty="0" smtClean="0"/>
+              <a:t>Position</a:t>
+            </a:r>
+          </a:p>
+          <a:p>
+            <a:r>
+              <a:rPr lang="fr-FR" dirty="0" smtClean="0"/>
+              <a:t>Orientation</a:t>
+            </a:r>
+            <a:endParaRPr lang="fr-FR" dirty="0"/>
+          </a:p>
+        </p:txBody>
+      </p:sp>
+    </p:spTree>
+    <p:extLst>
+      <p:ext uri="{BB962C8B-B14F-4D97-AF65-F5344CB8AC3E}">
+        <p14:creationId xmlns:p14="http://schemas.microsoft.com/office/powerpoint/2010/main" val="1194455758"/>
+      </p:ext>
+    </p:extLst>
+  </p:cSld>
+  <p:clrMapOvr>
+    <a:masterClrMapping/>
+  </p:clrMapOvr>
+  <p:timing>
+    <p:tnLst>
+      <p:par>
+        <p:cTn id="1" dur="indefinite" restart="never" nodeType="tmRoot"/>
+      </p:par>
+    </p:tnLst>
+  </p:timing>
+</p:sld>
+</file>
+
+<file path=ppt/slides/slide13.xml><?xml version="1.0" encoding="utf-8"?>
+<p:sld xmlns:a="http://schemas.openxmlformats.org/drawingml/2006/main" xmlns:r="http://schemas.openxmlformats.org/officeDocument/2006/relationships" xmlns:p="http://schemas.openxmlformats.org/presentationml/2006/main">
+  <p:cSld>
+    <p:spTree>
+      <p:nvGrpSpPr>
+        <p:cNvPr id="1" name=""/>
+        <p:cNvGrpSpPr/>
+        <p:nvPr/>
+      </p:nvGrpSpPr>
+      <p:grpSpPr>
+        <a:xfrm>
+          <a:off x="0" y="0"/>
+          <a:ext cx="0" cy="0"/>
+          <a:chOff x="0" y="0"/>
+          <a:chExt cx="0" cy="0"/>
+        </a:xfrm>
+      </p:grpSpPr>
+      <p:sp>
+        <p:nvSpPr>
+          <p:cNvPr id="2" name="Titre 1"/>
+          <p:cNvSpPr>
+            <a:spLocks noGrp="1"/>
+          </p:cNvSpPr>
+          <p:nvPr>
+            <p:ph type="title"/>
+          </p:nvPr>
+        </p:nvSpPr>
+        <p:spPr/>
+        <p:txBody>
+          <a:bodyPr/>
+          <a:lstStyle/>
+          <a:p>
+            <a:pPr algn="l"/>
+            <a:r>
+              <a:rPr lang="fr-FR" dirty="0" smtClean="0"/>
               <a:t>Serveur Web</a:t>
             </a:r>
             <a:endParaRPr lang="fr-FR" dirty="0"/>
@@ -14585,7 +16494,7 @@
 </p:sld>
 </file>
 
-<file path=ppt/slides/slide12.xml><?xml version="1.0" encoding="utf-8"?>
+<file path=ppt/slides/slide14.xml><?xml version="1.0" encoding="utf-8"?>
 <p:sld xmlns:a="http://schemas.openxmlformats.org/drawingml/2006/main" xmlns:r="http://schemas.openxmlformats.org/officeDocument/2006/relationships" xmlns:p="http://schemas.openxmlformats.org/presentationml/2006/main">
   <p:cSld>
     <p:spTree>
@@ -14739,7 +16648,7 @@
 </p:sld>
 </file>
 
-<file path=ppt/slides/slide13.xml><?xml version="1.0" encoding="utf-8"?>
+<file path=ppt/slides/slide15.xml><?xml version="1.0" encoding="utf-8"?>
 <p:sld xmlns:a="http://schemas.openxmlformats.org/drawingml/2006/main" xmlns:r="http://schemas.openxmlformats.org/officeDocument/2006/relationships" xmlns:p="http://schemas.openxmlformats.org/presentationml/2006/main">
   <p:cSld>
     <p:spTree>
@@ -14823,7 +16732,7 @@
 </p:sld>
 </file>
 
-<file path=ppt/slides/slide14.xml><?xml version="1.0" encoding="utf-8"?>
+<file path=ppt/slides/slide16.xml><?xml version="1.0" encoding="utf-8"?>
 <p:sld xmlns:a="http://schemas.openxmlformats.org/drawingml/2006/main" xmlns:r="http://schemas.openxmlformats.org/officeDocument/2006/relationships" xmlns:p="http://schemas.openxmlformats.org/presentationml/2006/main">
   <p:cSld>
     <p:spTree>
@@ -15388,22 +17297,271 @@
           </a:p>
         </p:txBody>
       </p:sp>
-      <p:sp>
-        <p:nvSpPr>
-          <p:cNvPr id="3" name="Espace réservé du contenu 2"/>
-          <p:cNvSpPr>
-            <a:spLocks noGrp="1"/>
-          </p:cNvSpPr>
+      <p:pic>
+        <p:nvPicPr>
+          <p:cNvPr id="5" name="Espace réservé du contenu 4"/>
+          <p:cNvPicPr>
+            <a:picLocks noGrp="1" noChangeAspect="1"/>
+          </p:cNvPicPr>
           <p:nvPr>
             <p:ph idx="1"/>
           </p:nvPr>
+        </p:nvPicPr>
+        <p:blipFill rotWithShape="1">
+          <a:blip r:embed="rId2">
+            <a:extLst>
+              <a:ext uri="{28A0092B-C50C-407E-A947-70E740481C1C}">
+                <a14:useLocalDpi xmlns:a14="http://schemas.microsoft.com/office/drawing/2010/main" val="0"/>
+              </a:ext>
+            </a:extLst>
+          </a:blip>
+          <a:srcRect b="3642"/>
+          <a:stretch/>
+        </p:blipFill>
+        <p:spPr>
+          <a:xfrm>
+            <a:off x="1077569" y="2092041"/>
+            <a:ext cx="1295476" cy="1117257"/>
+          </a:xfrm>
+        </p:spPr>
+      </p:pic>
+      <p:sp>
+        <p:nvSpPr>
+          <p:cNvPr id="6" name="Titre 1"/>
+          <p:cNvSpPr txBox="1">
+            <a:spLocks/>
+          </p:cNvSpPr>
+          <p:nvPr/>
         </p:nvSpPr>
-        <p:spPr/>
+        <p:spPr>
+          <a:xfrm>
+            <a:off x="2772164" y="1884006"/>
+            <a:ext cx="7935834" cy="4107361"/>
+          </a:xfrm>
+          <a:prstGeom prst="rect">
+            <a:avLst/>
+          </a:prstGeom>
+          <a:effectLst>
+            <a:outerShdw blurRad="25400" dir="17880000">
+              <a:srgbClr val="000000">
+                <a:alpha val="46000"/>
+              </a:srgbClr>
+            </a:outerShdw>
+          </a:effectLst>
+        </p:spPr>
         <p:txBody>
-          <a:bodyPr/>
-          <a:lstStyle/>
-          <a:p>
-            <a:endParaRPr lang="fr-FR" dirty="0"/>
+          <a:bodyPr vert="horz" lIns="91440" tIns="45720" rIns="91440" bIns="45720" rtlCol="0" anchor="t">
+            <a:normAutofit/>
+          </a:bodyPr>
+          <a:lstStyle>
+            <a:lvl1pPr algn="ctr" defTabSz="457200" rtl="0" eaLnBrk="1" latinLnBrk="0" hangingPunct="1">
+              <a:spcBef>
+                <a:spcPct val="0"/>
+              </a:spcBef>
+              <a:buNone/>
+              <a:defRPr sz="4000" kern="1200">
+                <a:ln>
+                  <a:solidFill>
+                    <a:schemeClr val="bg1">
+                      <a:lumMod val="75000"/>
+                      <a:lumOff val="25000"/>
+                      <a:alpha val="10000"/>
+                    </a:schemeClr>
+                  </a:solidFill>
+                </a:ln>
+                <a:solidFill>
+                  <a:schemeClr val="tx2"/>
+                </a:solidFill>
+                <a:effectLst>
+                  <a:outerShdw blurRad="9525" dist="25400" dir="14640000" algn="tl" rotWithShape="0">
+                    <a:schemeClr val="bg1">
+                      <a:alpha val="30000"/>
+                    </a:schemeClr>
+                  </a:outerShdw>
+                </a:effectLst>
+                <a:latin typeface="+mj-lt"/>
+                <a:ea typeface="+mj-ea"/>
+                <a:cs typeface="Trebuchet MS"/>
+              </a:defRPr>
+            </a:lvl1pPr>
+            <a:lvl2pPr eaLnBrk="1" hangingPunct="1">
+              <a:defRPr>
+                <a:solidFill>
+                  <a:schemeClr val="tx2"/>
+                </a:solidFill>
+              </a:defRPr>
+            </a:lvl2pPr>
+            <a:lvl3pPr eaLnBrk="1" hangingPunct="1">
+              <a:defRPr>
+                <a:solidFill>
+                  <a:schemeClr val="tx2"/>
+                </a:solidFill>
+              </a:defRPr>
+            </a:lvl3pPr>
+            <a:lvl4pPr eaLnBrk="1" hangingPunct="1">
+              <a:defRPr>
+                <a:solidFill>
+                  <a:schemeClr val="tx2"/>
+                </a:solidFill>
+              </a:defRPr>
+            </a:lvl4pPr>
+            <a:lvl5pPr eaLnBrk="1" hangingPunct="1">
+              <a:defRPr>
+                <a:solidFill>
+                  <a:schemeClr val="tx2"/>
+                </a:solidFill>
+              </a:defRPr>
+            </a:lvl5pPr>
+            <a:lvl6pPr eaLnBrk="1" hangingPunct="1">
+              <a:defRPr>
+                <a:solidFill>
+                  <a:schemeClr val="tx2"/>
+                </a:solidFill>
+              </a:defRPr>
+            </a:lvl6pPr>
+            <a:lvl7pPr eaLnBrk="1" hangingPunct="1">
+              <a:defRPr>
+                <a:solidFill>
+                  <a:schemeClr val="tx2"/>
+                </a:solidFill>
+              </a:defRPr>
+            </a:lvl7pPr>
+            <a:lvl8pPr eaLnBrk="1" hangingPunct="1">
+              <a:defRPr>
+                <a:solidFill>
+                  <a:schemeClr val="tx2"/>
+                </a:solidFill>
+              </a:defRPr>
+            </a:lvl8pPr>
+            <a:lvl9pPr eaLnBrk="1" hangingPunct="1">
+              <a:defRPr>
+                <a:solidFill>
+                  <a:schemeClr val="tx2"/>
+                </a:solidFill>
+              </a:defRPr>
+            </a:lvl9pPr>
+          </a:lstStyle>
+          <a:p>
+            <a:pPr algn="l"/>
+            <a:r>
+              <a:rPr lang="fr-FR" sz="2000" dirty="0" smtClean="0"/>
+              <a:t>Moteurs pas à pas  ( </a:t>
+            </a:r>
+            <a:r>
+              <a:rPr lang="fr-FR" sz="2000" dirty="0" err="1" smtClean="0"/>
+              <a:t>MotionKing</a:t>
+            </a:r>
+            <a:r>
+              <a:rPr lang="fr-FR" sz="2000" dirty="0" smtClean="0"/>
+              <a:t> </a:t>
+            </a:r>
+            <a:r>
+              <a:rPr lang="fr-FR" sz="2000" b="1" dirty="0" smtClean="0"/>
+              <a:t>17HS3401 )</a:t>
+            </a:r>
+          </a:p>
+          <a:p>
+            <a:pPr algn="l"/>
+            <a:endParaRPr lang="fr-FR" sz="2000" b="1" dirty="0"/>
+          </a:p>
+          <a:p>
+            <a:pPr algn="l"/>
+            <a:r>
+              <a:rPr lang="fr-FR" sz="2000" dirty="0" smtClean="0">
+                <a:effectLst/>
+              </a:rPr>
+              <a:t>Angle pour 1 pas = 1,8°</a:t>
+            </a:r>
+          </a:p>
+          <a:p>
+            <a:pPr algn="l"/>
+            <a:endParaRPr lang="fr-FR" sz="2000" dirty="0" smtClean="0">
+              <a:effectLst/>
+            </a:endParaRPr>
+          </a:p>
+          <a:p>
+            <a:pPr algn="l"/>
+            <a:r>
+              <a:rPr lang="fr-FR" sz="2000" dirty="0" smtClean="0">
+                <a:effectLst/>
+              </a:rPr>
+              <a:t>Pas pour 1 tour =  200    (360°/1,8°)</a:t>
+            </a:r>
+          </a:p>
+          <a:p>
+            <a:pPr algn="l"/>
+            <a:endParaRPr lang="fr-FR" sz="2000" dirty="0" smtClean="0">
+              <a:effectLst/>
+            </a:endParaRPr>
+          </a:p>
+          <a:p>
+            <a:pPr algn="l"/>
+            <a:r>
+              <a:rPr lang="fr-FR" sz="2000" dirty="0" smtClean="0">
+                <a:effectLst/>
+              </a:rPr>
+              <a:t>Fonction de contrôle du moteur:</a:t>
+            </a:r>
+            <a:endParaRPr lang="fr-FR" sz="2000" dirty="0">
+              <a:effectLst/>
+            </a:endParaRPr>
+          </a:p>
+          <a:p>
+            <a:pPr algn="l"/>
+            <a:r>
+              <a:rPr lang="fr-FR" sz="2000" dirty="0" smtClean="0">
+                <a:effectLst/>
+              </a:rPr>
+              <a:t>	Stepper : </a:t>
+            </a:r>
+            <a:r>
+              <a:rPr lang="fr-FR" sz="2000" dirty="0" err="1" smtClean="0">
+                <a:effectLst/>
+              </a:rPr>
+              <a:t>step</a:t>
+            </a:r>
+            <a:r>
+              <a:rPr lang="fr-FR" sz="2000" dirty="0" smtClean="0">
+                <a:effectLst/>
+              </a:rPr>
+              <a:t>(</a:t>
+            </a:r>
+            <a:r>
+              <a:rPr lang="fr-FR" sz="2000" dirty="0" err="1" smtClean="0">
+                <a:effectLst/>
+              </a:rPr>
+              <a:t>steps</a:t>
+            </a:r>
+            <a:r>
+              <a:rPr lang="fr-FR" sz="2000" dirty="0" smtClean="0">
+                <a:effectLst/>
+              </a:rPr>
+              <a:t>) </a:t>
+            </a:r>
+            <a:r>
+              <a:rPr lang="fr-FR" sz="2000" dirty="0">
+                <a:effectLst/>
+              </a:rPr>
+              <a:t>-&gt; fonction bloquante</a:t>
+            </a:r>
+          </a:p>
+          <a:p>
+            <a:pPr algn="l"/>
+            <a:endParaRPr lang="fr-FR" sz="2000" dirty="0" smtClean="0">
+              <a:effectLst/>
+            </a:endParaRPr>
+          </a:p>
+          <a:p>
+            <a:pPr algn="l"/>
+            <a:r>
+              <a:rPr lang="fr-FR" sz="2000" dirty="0">
+                <a:effectLst/>
+              </a:rPr>
+              <a:t>	</a:t>
+            </a:r>
+            <a:endParaRPr lang="fr-FR" sz="2000" dirty="0" smtClean="0">
+              <a:effectLst/>
+            </a:endParaRPr>
           </a:p>
         </p:txBody>
       </p:sp>
@@ -15439,6 +17597,2052 @@
       </p:grpSpPr>
       <p:sp>
         <p:nvSpPr>
+          <p:cNvPr id="4" name="Titre 1"/>
+          <p:cNvSpPr>
+            <a:spLocks noGrp="1"/>
+          </p:cNvSpPr>
+          <p:nvPr>
+            <p:ph type="title"/>
+          </p:nvPr>
+        </p:nvSpPr>
+        <p:spPr>
+          <a:xfrm>
+            <a:off x="913795" y="568656"/>
+            <a:ext cx="10353762" cy="970450"/>
+          </a:xfrm>
+        </p:spPr>
+        <p:txBody>
+          <a:bodyPr/>
+          <a:lstStyle/>
+          <a:p>
+            <a:pPr algn="l"/>
+            <a:r>
+              <a:rPr lang="fr-FR" dirty="0" smtClean="0"/>
+              <a:t>Odométrie – Position Robot</a:t>
+            </a:r>
+            <a:endParaRPr lang="fr-FR" dirty="0"/>
+          </a:p>
+        </p:txBody>
+      </p:sp>
+      <p:sp>
+        <p:nvSpPr>
+          <p:cNvPr id="14" name="Titre 1"/>
+          <p:cNvSpPr txBox="1">
+            <a:spLocks/>
+          </p:cNvSpPr>
+          <p:nvPr/>
+        </p:nvSpPr>
+        <p:spPr>
+          <a:xfrm>
+            <a:off x="913795" y="1740397"/>
+            <a:ext cx="5828199" cy="4714994"/>
+          </a:xfrm>
+          <a:prstGeom prst="rect">
+            <a:avLst/>
+          </a:prstGeom>
+          <a:effectLst>
+            <a:outerShdw blurRad="25400" dir="17880000">
+              <a:srgbClr val="000000">
+                <a:alpha val="46000"/>
+              </a:srgbClr>
+            </a:outerShdw>
+          </a:effectLst>
+        </p:spPr>
+        <p:txBody>
+          <a:bodyPr vert="horz" lIns="91440" tIns="45720" rIns="91440" bIns="45720" rtlCol="0" anchor="t">
+            <a:normAutofit/>
+          </a:bodyPr>
+          <a:lstStyle>
+            <a:lvl1pPr algn="ctr" defTabSz="457200" rtl="0" eaLnBrk="1" latinLnBrk="0" hangingPunct="1">
+              <a:spcBef>
+                <a:spcPct val="0"/>
+              </a:spcBef>
+              <a:buNone/>
+              <a:defRPr sz="4000" kern="1200">
+                <a:ln>
+                  <a:solidFill>
+                    <a:schemeClr val="bg1">
+                      <a:lumMod val="75000"/>
+                      <a:lumOff val="25000"/>
+                      <a:alpha val="10000"/>
+                    </a:schemeClr>
+                  </a:solidFill>
+                </a:ln>
+                <a:solidFill>
+                  <a:schemeClr val="tx2"/>
+                </a:solidFill>
+                <a:effectLst>
+                  <a:outerShdw blurRad="9525" dist="25400" dir="14640000" algn="tl" rotWithShape="0">
+                    <a:schemeClr val="bg1">
+                      <a:alpha val="30000"/>
+                    </a:schemeClr>
+                  </a:outerShdw>
+                </a:effectLst>
+                <a:latin typeface="+mj-lt"/>
+                <a:ea typeface="+mj-ea"/>
+                <a:cs typeface="Trebuchet MS"/>
+              </a:defRPr>
+            </a:lvl1pPr>
+            <a:lvl2pPr eaLnBrk="1" hangingPunct="1">
+              <a:defRPr>
+                <a:solidFill>
+                  <a:schemeClr val="tx2"/>
+                </a:solidFill>
+              </a:defRPr>
+            </a:lvl2pPr>
+            <a:lvl3pPr eaLnBrk="1" hangingPunct="1">
+              <a:defRPr>
+                <a:solidFill>
+                  <a:schemeClr val="tx2"/>
+                </a:solidFill>
+              </a:defRPr>
+            </a:lvl3pPr>
+            <a:lvl4pPr eaLnBrk="1" hangingPunct="1">
+              <a:defRPr>
+                <a:solidFill>
+                  <a:schemeClr val="tx2"/>
+                </a:solidFill>
+              </a:defRPr>
+            </a:lvl4pPr>
+            <a:lvl5pPr eaLnBrk="1" hangingPunct="1">
+              <a:defRPr>
+                <a:solidFill>
+                  <a:schemeClr val="tx2"/>
+                </a:solidFill>
+              </a:defRPr>
+            </a:lvl5pPr>
+            <a:lvl6pPr eaLnBrk="1" hangingPunct="1">
+              <a:defRPr>
+                <a:solidFill>
+                  <a:schemeClr val="tx2"/>
+                </a:solidFill>
+              </a:defRPr>
+            </a:lvl6pPr>
+            <a:lvl7pPr eaLnBrk="1" hangingPunct="1">
+              <a:defRPr>
+                <a:solidFill>
+                  <a:schemeClr val="tx2"/>
+                </a:solidFill>
+              </a:defRPr>
+            </a:lvl7pPr>
+            <a:lvl8pPr eaLnBrk="1" hangingPunct="1">
+              <a:defRPr>
+                <a:solidFill>
+                  <a:schemeClr val="tx2"/>
+                </a:solidFill>
+              </a:defRPr>
+            </a:lvl8pPr>
+            <a:lvl9pPr eaLnBrk="1" hangingPunct="1">
+              <a:defRPr>
+                <a:solidFill>
+                  <a:schemeClr val="tx2"/>
+                </a:solidFill>
+              </a:defRPr>
+            </a:lvl9pPr>
+          </a:lstStyle>
+          <a:p>
+            <a:pPr algn="l"/>
+            <a:r>
+              <a:rPr lang="fr-FR" sz="2000" dirty="0" smtClean="0">
+                <a:effectLst/>
+              </a:rPr>
+              <a:t>Actions effectuées :</a:t>
+            </a:r>
+          </a:p>
+          <a:p>
+            <a:pPr algn="l"/>
+            <a:r>
+              <a:rPr lang="fr-FR" sz="2000" dirty="0" smtClean="0">
+                <a:effectLst/>
+              </a:rPr>
+              <a:t>Rotation -&gt; Calcul de l’orientation</a:t>
+            </a:r>
+          </a:p>
+          <a:p>
+            <a:pPr algn="l"/>
+            <a:r>
+              <a:rPr lang="fr-FR" sz="2000" dirty="0" smtClean="0">
+                <a:effectLst/>
+              </a:rPr>
+              <a:t>Avance/Recul -&gt; Calcul de la position </a:t>
+            </a:r>
+          </a:p>
+          <a:p>
+            <a:pPr algn="l"/>
+            <a:endParaRPr lang="fr-FR" sz="2000" dirty="0">
+              <a:effectLst/>
+            </a:endParaRPr>
+          </a:p>
+          <a:p>
+            <a:pPr algn="l"/>
+            <a:endParaRPr lang="fr-FR" sz="2000" dirty="0" smtClean="0">
+              <a:effectLst/>
+            </a:endParaRPr>
+          </a:p>
+          <a:p>
+            <a:pPr algn="l"/>
+            <a:r>
+              <a:rPr lang="fr-FR" sz="2000" dirty="0" smtClean="0">
+                <a:effectLst/>
+              </a:rPr>
+              <a:t>Repère de départ -&gt; position robot de départ</a:t>
+            </a:r>
+          </a:p>
+          <a:p>
+            <a:pPr algn="l"/>
+            <a:endParaRPr lang="fr-FR" sz="2000" dirty="0">
+              <a:effectLst/>
+            </a:endParaRPr>
+          </a:p>
+          <a:p>
+            <a:pPr algn="l"/>
+            <a:r>
+              <a:rPr lang="fr-FR" sz="2000" dirty="0" smtClean="0">
+                <a:effectLst/>
+              </a:rPr>
+              <a:t>Déplacement </a:t>
+            </a:r>
+            <a:endParaRPr lang="fr-FR" sz="2000" dirty="0">
+              <a:effectLst/>
+            </a:endParaRPr>
+          </a:p>
+          <a:p>
+            <a:pPr algn="l"/>
+            <a:endParaRPr lang="fr-FR" sz="2000" dirty="0" smtClean="0">
+              <a:effectLst/>
+            </a:endParaRPr>
+          </a:p>
+          <a:p>
+            <a:pPr algn="l"/>
+            <a:r>
+              <a:rPr lang="fr-FR" sz="2000" dirty="0">
+                <a:effectLst/>
+              </a:rPr>
+              <a:t>	</a:t>
+            </a:r>
+            <a:endParaRPr lang="fr-FR" sz="2000" dirty="0" smtClean="0">
+              <a:effectLst/>
+            </a:endParaRPr>
+          </a:p>
+        </p:txBody>
+      </p:sp>
+      <p:pic>
+        <p:nvPicPr>
+          <p:cNvPr id="26" name="Espace réservé du contenu 4"/>
+          <p:cNvPicPr>
+            <a:picLocks noChangeAspect="1"/>
+          </p:cNvPicPr>
+          <p:nvPr/>
+        </p:nvPicPr>
+        <p:blipFill>
+          <a:blip r:embed="rId2">
+            <a:extLst>
+              <a:ext uri="{28A0092B-C50C-407E-A947-70E740481C1C}">
+                <a14:useLocalDpi xmlns:a14="http://schemas.microsoft.com/office/drawing/2010/main" val="0"/>
+              </a:ext>
+            </a:extLst>
+          </a:blip>
+          <a:stretch>
+            <a:fillRect/>
+          </a:stretch>
+        </p:blipFill>
+        <p:spPr>
+          <a:xfrm rot="19698045">
+            <a:off x="10555535" y="4890408"/>
+            <a:ext cx="1091646" cy="1336174"/>
+          </a:xfrm>
+          <a:prstGeom prst="rect">
+            <a:avLst/>
+          </a:prstGeom>
+          <a:effectLst>
+            <a:outerShdw blurRad="25400" dir="17880000">
+              <a:srgbClr val="000000">
+                <a:alpha val="46000"/>
+              </a:srgbClr>
+            </a:outerShdw>
+          </a:effectLst>
+        </p:spPr>
+      </p:pic>
+      <p:pic>
+        <p:nvPicPr>
+          <p:cNvPr id="33" name="Espace réservé du contenu 4"/>
+          <p:cNvPicPr>
+            <a:picLocks noChangeAspect="1"/>
+          </p:cNvPicPr>
+          <p:nvPr/>
+        </p:nvPicPr>
+        <p:blipFill>
+          <a:blip r:embed="rId2">
+            <a:extLst>
+              <a:ext uri="{28A0092B-C50C-407E-A947-70E740481C1C}">
+                <a14:useLocalDpi xmlns:a14="http://schemas.microsoft.com/office/drawing/2010/main" val="0"/>
+              </a:ext>
+            </a:extLst>
+          </a:blip>
+          <a:stretch>
+            <a:fillRect/>
+          </a:stretch>
+        </p:blipFill>
+        <p:spPr>
+          <a:xfrm>
+            <a:off x="7893039" y="4878372"/>
+            <a:ext cx="1091646" cy="1336174"/>
+          </a:xfrm>
+          <a:prstGeom prst="rect">
+            <a:avLst/>
+          </a:prstGeom>
+          <a:effectLst>
+            <a:outerShdw blurRad="25400" dir="17880000">
+              <a:srgbClr val="000000">
+                <a:alpha val="46000"/>
+              </a:srgbClr>
+            </a:outerShdw>
+          </a:effectLst>
+        </p:spPr>
+      </p:pic>
+      <p:grpSp>
+        <p:nvGrpSpPr>
+          <p:cNvPr id="34" name="Groupe 33"/>
+          <p:cNvGrpSpPr/>
+          <p:nvPr/>
+        </p:nvGrpSpPr>
+        <p:grpSpPr>
+          <a:xfrm>
+            <a:off x="7893039" y="4629748"/>
+            <a:ext cx="586321" cy="600731"/>
+            <a:chOff x="7812726" y="4187586"/>
+            <a:chExt cx="806414" cy="768373"/>
+          </a:xfrm>
+        </p:grpSpPr>
+        <p:cxnSp>
+          <p:nvCxnSpPr>
+            <p:cNvPr id="35" name="Connecteur droit avec flèche 34"/>
+            <p:cNvCxnSpPr/>
+            <p:nvPr/>
+          </p:nvCxnSpPr>
+          <p:spPr>
+            <a:xfrm flipH="1" flipV="1">
+              <a:off x="7812726" y="4913534"/>
+              <a:ext cx="750726" cy="42425"/>
+            </a:xfrm>
+            <a:prstGeom prst="straightConnector1">
+              <a:avLst/>
+            </a:prstGeom>
+            <a:ln w="57150">
+              <a:solidFill>
+                <a:srgbClr val="7030A0"/>
+              </a:solidFill>
+              <a:tailEnd type="triangle"/>
+            </a:ln>
+          </p:spPr>
+          <p:style>
+            <a:lnRef idx="1">
+              <a:schemeClr val="accent1"/>
+            </a:lnRef>
+            <a:fillRef idx="0">
+              <a:schemeClr val="accent1"/>
+            </a:fillRef>
+            <a:effectRef idx="0">
+              <a:schemeClr val="accent1"/>
+            </a:effectRef>
+            <a:fontRef idx="minor">
+              <a:schemeClr val="tx1"/>
+            </a:fontRef>
+          </p:style>
+        </p:cxnSp>
+        <p:cxnSp>
+          <p:nvCxnSpPr>
+            <p:cNvPr id="36" name="Connecteur droit avec flèche 35"/>
+            <p:cNvCxnSpPr/>
+            <p:nvPr/>
+          </p:nvCxnSpPr>
+          <p:spPr>
+            <a:xfrm flipV="1">
+              <a:off x="8581903" y="4187586"/>
+              <a:ext cx="37237" cy="725948"/>
+            </a:xfrm>
+            <a:prstGeom prst="straightConnector1">
+              <a:avLst/>
+            </a:prstGeom>
+            <a:ln w="57150">
+              <a:solidFill>
+                <a:srgbClr val="00B0F0"/>
+              </a:solidFill>
+              <a:tailEnd type="triangle"/>
+            </a:ln>
+          </p:spPr>
+          <p:style>
+            <a:lnRef idx="1">
+              <a:schemeClr val="accent1"/>
+            </a:lnRef>
+            <a:fillRef idx="0">
+              <a:schemeClr val="accent1"/>
+            </a:fillRef>
+            <a:effectRef idx="0">
+              <a:schemeClr val="accent1"/>
+            </a:effectRef>
+            <a:fontRef idx="minor">
+              <a:schemeClr val="tx1"/>
+            </a:fontRef>
+          </p:style>
+        </p:cxnSp>
+      </p:grpSp>
+      <p:grpSp>
+        <p:nvGrpSpPr>
+          <p:cNvPr id="37" name="Groupe 36"/>
+          <p:cNvGrpSpPr/>
+          <p:nvPr/>
+        </p:nvGrpSpPr>
+        <p:grpSpPr>
+          <a:xfrm>
+            <a:off x="10369178" y="4672995"/>
+            <a:ext cx="586321" cy="600731"/>
+            <a:chOff x="7812726" y="4187586"/>
+            <a:chExt cx="806414" cy="768373"/>
+          </a:xfrm>
+        </p:grpSpPr>
+        <p:cxnSp>
+          <p:nvCxnSpPr>
+            <p:cNvPr id="38" name="Connecteur droit avec flèche 37"/>
+            <p:cNvCxnSpPr/>
+            <p:nvPr/>
+          </p:nvCxnSpPr>
+          <p:spPr>
+            <a:xfrm flipH="1" flipV="1">
+              <a:off x="7812726" y="4913534"/>
+              <a:ext cx="750726" cy="42425"/>
+            </a:xfrm>
+            <a:prstGeom prst="straightConnector1">
+              <a:avLst/>
+            </a:prstGeom>
+            <a:ln w="57150">
+              <a:solidFill>
+                <a:srgbClr val="7030A0"/>
+              </a:solidFill>
+              <a:tailEnd type="triangle"/>
+            </a:ln>
+          </p:spPr>
+          <p:style>
+            <a:lnRef idx="1">
+              <a:schemeClr val="accent1"/>
+            </a:lnRef>
+            <a:fillRef idx="0">
+              <a:schemeClr val="accent1"/>
+            </a:fillRef>
+            <a:effectRef idx="0">
+              <a:schemeClr val="accent1"/>
+            </a:effectRef>
+            <a:fontRef idx="minor">
+              <a:schemeClr val="tx1"/>
+            </a:fontRef>
+          </p:style>
+        </p:cxnSp>
+        <p:cxnSp>
+          <p:nvCxnSpPr>
+            <p:cNvPr id="39" name="Connecteur droit avec flèche 38"/>
+            <p:cNvCxnSpPr/>
+            <p:nvPr/>
+          </p:nvCxnSpPr>
+          <p:spPr>
+            <a:xfrm flipV="1">
+              <a:off x="8581903" y="4187586"/>
+              <a:ext cx="37237" cy="725948"/>
+            </a:xfrm>
+            <a:prstGeom prst="straightConnector1">
+              <a:avLst/>
+            </a:prstGeom>
+            <a:ln w="57150">
+              <a:solidFill>
+                <a:srgbClr val="00B0F0"/>
+              </a:solidFill>
+              <a:tailEnd type="triangle"/>
+            </a:ln>
+          </p:spPr>
+          <p:style>
+            <a:lnRef idx="1">
+              <a:schemeClr val="accent1"/>
+            </a:lnRef>
+            <a:fillRef idx="0">
+              <a:schemeClr val="accent1"/>
+            </a:fillRef>
+            <a:effectRef idx="0">
+              <a:schemeClr val="accent1"/>
+            </a:effectRef>
+            <a:fontRef idx="minor">
+              <a:schemeClr val="tx1"/>
+            </a:fontRef>
+          </p:style>
+        </p:cxnSp>
+      </p:grpSp>
+      <p:pic>
+        <p:nvPicPr>
+          <p:cNvPr id="41" name="Espace réservé du contenu 4"/>
+          <p:cNvPicPr>
+            <a:picLocks noChangeAspect="1"/>
+          </p:cNvPicPr>
+          <p:nvPr/>
+        </p:nvPicPr>
+        <p:blipFill>
+          <a:blip r:embed="rId2">
+            <a:extLst>
+              <a:ext uri="{28A0092B-C50C-407E-A947-70E740481C1C}">
+                <a14:useLocalDpi xmlns:a14="http://schemas.microsoft.com/office/drawing/2010/main" val="0"/>
+              </a:ext>
+            </a:extLst>
+          </a:blip>
+          <a:stretch>
+            <a:fillRect/>
+          </a:stretch>
+        </p:blipFill>
+        <p:spPr>
+          <a:xfrm rot="19698045">
+            <a:off x="9107735" y="2263274"/>
+            <a:ext cx="1091646" cy="1336174"/>
+          </a:xfrm>
+          <a:prstGeom prst="rect">
+            <a:avLst/>
+          </a:prstGeom>
+          <a:effectLst>
+            <a:outerShdw blurRad="25400" dir="17880000">
+              <a:srgbClr val="000000">
+                <a:alpha val="46000"/>
+              </a:srgbClr>
+            </a:outerShdw>
+          </a:effectLst>
+        </p:spPr>
+      </p:pic>
+      <p:sp>
+        <p:nvSpPr>
+          <p:cNvPr id="42" name="Ellipse 41"/>
+          <p:cNvSpPr/>
+          <p:nvPr/>
+        </p:nvSpPr>
+        <p:spPr>
+          <a:xfrm>
+            <a:off x="7893039" y="4708847"/>
+            <a:ext cx="1091646" cy="1154936"/>
+          </a:xfrm>
+          <a:prstGeom prst="ellipse">
+            <a:avLst/>
+          </a:prstGeom>
+          <a:noFill/>
+        </p:spPr>
+        <p:style>
+          <a:lnRef idx="2">
+            <a:schemeClr val="accent1">
+              <a:shade val="50000"/>
+            </a:schemeClr>
+          </a:lnRef>
+          <a:fillRef idx="1">
+            <a:schemeClr val="accent1"/>
+          </a:fillRef>
+          <a:effectRef idx="0">
+            <a:schemeClr val="accent1"/>
+          </a:effectRef>
+          <a:fontRef idx="minor">
+            <a:schemeClr val="lt1"/>
+          </a:fontRef>
+        </p:style>
+        <p:txBody>
+          <a:bodyPr rtlCol="0" anchor="ctr"/>
+          <a:lstStyle/>
+          <a:p>
+            <a:pPr algn="ctr"/>
+            <a:endParaRPr lang="fr-FR"/>
+          </a:p>
+        </p:txBody>
+      </p:sp>
+      <p:sp>
+        <p:nvSpPr>
+          <p:cNvPr id="44" name="Ellipse 43"/>
+          <p:cNvSpPr/>
+          <p:nvPr/>
+        </p:nvSpPr>
+        <p:spPr>
+          <a:xfrm>
+            <a:off x="10383570" y="4703266"/>
+            <a:ext cx="1091646" cy="1154936"/>
+          </a:xfrm>
+          <a:prstGeom prst="ellipse">
+            <a:avLst/>
+          </a:prstGeom>
+          <a:noFill/>
+        </p:spPr>
+        <p:style>
+          <a:lnRef idx="2">
+            <a:schemeClr val="accent1">
+              <a:shade val="50000"/>
+            </a:schemeClr>
+          </a:lnRef>
+          <a:fillRef idx="1">
+            <a:schemeClr val="accent1"/>
+          </a:fillRef>
+          <a:effectRef idx="0">
+            <a:schemeClr val="accent1"/>
+          </a:effectRef>
+          <a:fontRef idx="minor">
+            <a:schemeClr val="lt1"/>
+          </a:fontRef>
+        </p:style>
+        <p:txBody>
+          <a:bodyPr rtlCol="0" anchor="ctr"/>
+          <a:lstStyle/>
+          <a:p>
+            <a:pPr algn="ctr"/>
+            <a:endParaRPr lang="fr-FR"/>
+          </a:p>
+        </p:txBody>
+      </p:sp>
+      <p:sp>
+        <p:nvSpPr>
+          <p:cNvPr id="45" name="Arc plein 44"/>
+          <p:cNvSpPr/>
+          <p:nvPr/>
+        </p:nvSpPr>
+        <p:spPr>
+          <a:xfrm rot="16564194">
+            <a:off x="10326869" y="4788999"/>
+            <a:ext cx="1081703" cy="936282"/>
+          </a:xfrm>
+          <a:prstGeom prst="blockArc">
+            <a:avLst>
+              <a:gd name="adj1" fmla="val 19688497"/>
+              <a:gd name="adj2" fmla="val 5"/>
+              <a:gd name="adj3" fmla="val 4710"/>
+            </a:avLst>
+          </a:prstGeom>
+          <a:solidFill>
+            <a:srgbClr val="FF0000"/>
+          </a:solidFill>
+          <a:ln>
+            <a:solidFill>
+              <a:srgbClr val="FF0000"/>
+            </a:solidFill>
+          </a:ln>
+        </p:spPr>
+        <p:style>
+          <a:lnRef idx="2">
+            <a:schemeClr val="accent1">
+              <a:shade val="50000"/>
+            </a:schemeClr>
+          </a:lnRef>
+          <a:fillRef idx="1">
+            <a:schemeClr val="accent1"/>
+          </a:fillRef>
+          <a:effectRef idx="0">
+            <a:schemeClr val="accent1"/>
+          </a:effectRef>
+          <a:fontRef idx="minor">
+            <a:schemeClr val="lt1"/>
+          </a:fontRef>
+        </p:style>
+        <p:txBody>
+          <a:bodyPr rtlCol="0" anchor="ctr"/>
+          <a:lstStyle/>
+          <a:p>
+            <a:pPr algn="ctr"/>
+            <a:endParaRPr lang="fr-FR">
+              <a:solidFill>
+                <a:schemeClr val="tx1"/>
+              </a:solidFill>
+            </a:endParaRPr>
+          </a:p>
+        </p:txBody>
+      </p:sp>
+      <p:cxnSp>
+        <p:nvCxnSpPr>
+          <p:cNvPr id="47" name="Connecteur droit 46"/>
+          <p:cNvCxnSpPr>
+            <a:endCxn id="45" idx="0"/>
+          </p:cNvCxnSpPr>
+          <p:nvPr/>
+        </p:nvCxnSpPr>
+        <p:spPr>
+          <a:xfrm flipH="1" flipV="1">
+            <a:off x="10652348" y="4811393"/>
+            <a:ext cx="276077" cy="462333"/>
+          </a:xfrm>
+          <a:prstGeom prst="line">
+            <a:avLst/>
+          </a:prstGeom>
+        </p:spPr>
+        <p:style>
+          <a:lnRef idx="1">
+            <a:schemeClr val="accent1"/>
+          </a:lnRef>
+          <a:fillRef idx="0">
+            <a:schemeClr val="accent1"/>
+          </a:fillRef>
+          <a:effectRef idx="0">
+            <a:schemeClr val="accent1"/>
+          </a:effectRef>
+          <a:fontRef idx="minor">
+            <a:schemeClr val="tx1"/>
+          </a:fontRef>
+        </p:style>
+      </p:cxnSp>
+      <p:sp>
+        <p:nvSpPr>
+          <p:cNvPr id="49" name="ZoneTexte 48"/>
+          <p:cNvSpPr txBox="1"/>
+          <p:nvPr/>
+        </p:nvSpPr>
+        <p:spPr>
+          <a:xfrm>
+            <a:off x="6572708" y="5645407"/>
+            <a:ext cx="1392085" cy="738664"/>
+          </a:xfrm>
+          <a:prstGeom prst="rect">
+            <a:avLst/>
+          </a:prstGeom>
+          <a:noFill/>
+        </p:spPr>
+        <p:txBody>
+          <a:bodyPr wrap="square" rtlCol="0">
+            <a:spAutoFit/>
+          </a:bodyPr>
+          <a:lstStyle/>
+          <a:p>
+            <a:r>
+              <a:rPr lang="fr-FR" sz="1400" dirty="0" smtClean="0"/>
+              <a:t>Départ</a:t>
+            </a:r>
+          </a:p>
+          <a:p>
+            <a:r>
+              <a:rPr lang="el-GR" sz="1400" dirty="0" smtClean="0">
+                <a:latin typeface="Times New Roman" panose="02020603050405020304" pitchFamily="18" charset="0"/>
+                <a:cs typeface="Times New Roman" panose="02020603050405020304" pitchFamily="18" charset="0"/>
+              </a:rPr>
+              <a:t>α</a:t>
+            </a:r>
+            <a:r>
+              <a:rPr lang="fr-FR" sz="1400" dirty="0" smtClean="0">
+                <a:latin typeface="Times New Roman" panose="02020603050405020304" pitchFamily="18" charset="0"/>
+                <a:cs typeface="Times New Roman" panose="02020603050405020304" pitchFamily="18" charset="0"/>
+              </a:rPr>
+              <a:t>		</a:t>
+            </a:r>
+            <a:r>
+              <a:rPr lang="fr-FR" sz="1400" dirty="0" smtClean="0"/>
+              <a:t> 0°</a:t>
+            </a:r>
+          </a:p>
+          <a:p>
+            <a:r>
+              <a:rPr lang="fr-FR" sz="1400" dirty="0" smtClean="0"/>
+              <a:t>Pos 	    {0 ; 0}</a:t>
+            </a:r>
+            <a:endParaRPr lang="fr-FR" sz="1400" dirty="0"/>
+          </a:p>
+        </p:txBody>
+      </p:sp>
+      <p:sp>
+        <p:nvSpPr>
+          <p:cNvPr id="51" name="ZoneTexte 50"/>
+          <p:cNvSpPr txBox="1"/>
+          <p:nvPr/>
+        </p:nvSpPr>
+        <p:spPr>
+          <a:xfrm>
+            <a:off x="9545832" y="5716727"/>
+            <a:ext cx="1124557" cy="738664"/>
+          </a:xfrm>
+          <a:prstGeom prst="rect">
+            <a:avLst/>
+          </a:prstGeom>
+          <a:noFill/>
+        </p:spPr>
+        <p:txBody>
+          <a:bodyPr wrap="square" rtlCol="0">
+            <a:spAutoFit/>
+          </a:bodyPr>
+          <a:lstStyle/>
+          <a:p>
+            <a:r>
+              <a:rPr lang="fr-FR" sz="1400" dirty="0" smtClean="0"/>
+              <a:t>Rotation</a:t>
+            </a:r>
+          </a:p>
+          <a:p>
+            <a:r>
+              <a:rPr lang="el-GR" sz="1400" dirty="0" smtClean="0">
+                <a:latin typeface="Times New Roman" panose="02020603050405020304" pitchFamily="18" charset="0"/>
+                <a:cs typeface="Times New Roman" panose="02020603050405020304" pitchFamily="18" charset="0"/>
+              </a:rPr>
+              <a:t>α</a:t>
+            </a:r>
+            <a:r>
+              <a:rPr lang="fr-FR" sz="1400" dirty="0" smtClean="0">
+                <a:latin typeface="Times New Roman" panose="02020603050405020304" pitchFamily="18" charset="0"/>
+                <a:cs typeface="Times New Roman" panose="02020603050405020304" pitchFamily="18" charset="0"/>
+              </a:rPr>
+              <a:t>	</a:t>
+            </a:r>
+            <a:r>
+              <a:rPr lang="fr-FR" sz="1400" dirty="0" smtClean="0">
+                <a:solidFill>
+                  <a:srgbClr val="FF0000"/>
+                </a:solidFill>
+              </a:rPr>
+              <a:t> 45°</a:t>
+            </a:r>
+          </a:p>
+          <a:p>
+            <a:r>
+              <a:rPr lang="fr-FR" sz="1400" dirty="0" smtClean="0"/>
+              <a:t>Pos   {0 ; 0}</a:t>
+            </a:r>
+            <a:endParaRPr lang="fr-FR" sz="1400" dirty="0"/>
+          </a:p>
+        </p:txBody>
+      </p:sp>
+    </p:spTree>
+    <p:extLst>
+      <p:ext uri="{BB962C8B-B14F-4D97-AF65-F5344CB8AC3E}">
+        <p14:creationId xmlns:p14="http://schemas.microsoft.com/office/powerpoint/2010/main" val="1552532595"/>
+      </p:ext>
+    </p:extLst>
+  </p:cSld>
+  <p:clrMapOvr>
+    <a:masterClrMapping/>
+  </p:clrMapOvr>
+</p:sld>
+</file>
+
+<file path=ppt/slides/slide8.xml><?xml version="1.0" encoding="utf-8"?>
+<p:sld xmlns:a="http://schemas.openxmlformats.org/drawingml/2006/main" xmlns:r="http://schemas.openxmlformats.org/officeDocument/2006/relationships" xmlns:p="http://schemas.openxmlformats.org/presentationml/2006/main">
+  <p:cSld>
+    <p:spTree>
+      <p:nvGrpSpPr>
+        <p:cNvPr id="1" name=""/>
+        <p:cNvGrpSpPr/>
+        <p:nvPr/>
+      </p:nvGrpSpPr>
+      <p:grpSpPr>
+        <a:xfrm>
+          <a:off x="0" y="0"/>
+          <a:ext cx="0" cy="0"/>
+          <a:chOff x="0" y="0"/>
+          <a:chExt cx="0" cy="0"/>
+        </a:xfrm>
+      </p:grpSpPr>
+      <p:sp>
+        <p:nvSpPr>
+          <p:cNvPr id="2" name="Titre 1"/>
+          <p:cNvSpPr>
+            <a:spLocks noGrp="1"/>
+          </p:cNvSpPr>
+          <p:nvPr>
+            <p:ph type="title"/>
+          </p:nvPr>
+        </p:nvSpPr>
+        <p:spPr/>
+        <p:txBody>
+          <a:bodyPr/>
+          <a:lstStyle/>
+          <a:p>
+            <a:pPr algn="l"/>
+            <a:r>
+              <a:rPr lang="fr-FR" dirty="0" smtClean="0"/>
+              <a:t>Odométrie - Position des obstacles</a:t>
+            </a:r>
+            <a:endParaRPr lang="fr-FR" dirty="0"/>
+          </a:p>
+        </p:txBody>
+      </p:sp>
+      <p:sp>
+        <p:nvSpPr>
+          <p:cNvPr id="8" name="Ellipse 7"/>
+          <p:cNvSpPr/>
+          <p:nvPr/>
+        </p:nvSpPr>
+        <p:spPr>
+          <a:xfrm>
+            <a:off x="8419085" y="2400801"/>
+            <a:ext cx="641445" cy="617700"/>
+          </a:xfrm>
+          <a:prstGeom prst="ellipse">
+            <a:avLst/>
+          </a:prstGeom>
+        </p:spPr>
+        <p:style>
+          <a:lnRef idx="2">
+            <a:schemeClr val="accent1">
+              <a:shade val="50000"/>
+            </a:schemeClr>
+          </a:lnRef>
+          <a:fillRef idx="1">
+            <a:schemeClr val="accent1"/>
+          </a:fillRef>
+          <a:effectRef idx="0">
+            <a:schemeClr val="accent1"/>
+          </a:effectRef>
+          <a:fontRef idx="minor">
+            <a:schemeClr val="lt1"/>
+          </a:fontRef>
+        </p:style>
+        <p:txBody>
+          <a:bodyPr rtlCol="0" anchor="ctr"/>
+          <a:lstStyle/>
+          <a:p>
+            <a:pPr algn="ctr"/>
+            <a:endParaRPr lang="fr-FR"/>
+          </a:p>
+        </p:txBody>
+      </p:sp>
+      <p:grpSp>
+        <p:nvGrpSpPr>
+          <p:cNvPr id="5" name="Groupe 4"/>
+          <p:cNvGrpSpPr/>
+          <p:nvPr/>
+        </p:nvGrpSpPr>
+        <p:grpSpPr>
+          <a:xfrm>
+            <a:off x="8783358" y="5152330"/>
+            <a:ext cx="507476" cy="642656"/>
+            <a:chOff x="6985234" y="4027155"/>
+            <a:chExt cx="507476" cy="642656"/>
+          </a:xfrm>
+        </p:grpSpPr>
+        <p:cxnSp>
+          <p:nvCxnSpPr>
+            <p:cNvPr id="6" name="Connecteur droit avec flèche 5"/>
+            <p:cNvCxnSpPr/>
+            <p:nvPr/>
+          </p:nvCxnSpPr>
+          <p:spPr>
+            <a:xfrm flipV="1">
+              <a:off x="7492709" y="4027155"/>
+              <a:ext cx="1" cy="613085"/>
+            </a:xfrm>
+            <a:prstGeom prst="straightConnector1">
+              <a:avLst/>
+            </a:prstGeom>
+            <a:ln w="57150">
+              <a:solidFill>
+                <a:srgbClr val="7030A0"/>
+              </a:solidFill>
+              <a:tailEnd type="triangle"/>
+            </a:ln>
+          </p:spPr>
+          <p:style>
+            <a:lnRef idx="1">
+              <a:schemeClr val="accent1"/>
+            </a:lnRef>
+            <a:fillRef idx="0">
+              <a:schemeClr val="accent1"/>
+            </a:fillRef>
+            <a:effectRef idx="0">
+              <a:schemeClr val="accent1"/>
+            </a:effectRef>
+            <a:fontRef idx="minor">
+              <a:schemeClr val="tx1"/>
+            </a:fontRef>
+          </p:style>
+        </p:cxnSp>
+        <p:cxnSp>
+          <p:nvCxnSpPr>
+            <p:cNvPr id="7" name="Connecteur droit avec flèche 6"/>
+            <p:cNvCxnSpPr/>
+            <p:nvPr/>
+          </p:nvCxnSpPr>
+          <p:spPr>
+            <a:xfrm flipH="1" flipV="1">
+              <a:off x="6985234" y="4665570"/>
+              <a:ext cx="507476" cy="4241"/>
+            </a:xfrm>
+            <a:prstGeom prst="straightConnector1">
+              <a:avLst/>
+            </a:prstGeom>
+            <a:ln w="57150">
+              <a:solidFill>
+                <a:srgbClr val="00B0F0"/>
+              </a:solidFill>
+              <a:tailEnd type="triangle"/>
+            </a:ln>
+          </p:spPr>
+          <p:style>
+            <a:lnRef idx="1">
+              <a:schemeClr val="accent1"/>
+            </a:lnRef>
+            <a:fillRef idx="0">
+              <a:schemeClr val="accent1"/>
+            </a:fillRef>
+            <a:effectRef idx="0">
+              <a:schemeClr val="accent1"/>
+            </a:effectRef>
+            <a:fontRef idx="minor">
+              <a:schemeClr val="tx1"/>
+            </a:fontRef>
+          </p:style>
+        </p:cxnSp>
+      </p:grpSp>
+      <p:pic>
+        <p:nvPicPr>
+          <p:cNvPr id="4" name="Espace réservé du contenu 4"/>
+          <p:cNvPicPr>
+            <a:picLocks noChangeAspect="1"/>
+          </p:cNvPicPr>
+          <p:nvPr/>
+        </p:nvPicPr>
+        <p:blipFill>
+          <a:blip r:embed="rId2">
+            <a:extLst>
+              <a:ext uri="{28A0092B-C50C-407E-A947-70E740481C1C}">
+                <a14:useLocalDpi xmlns:a14="http://schemas.microsoft.com/office/drawing/2010/main" val="0"/>
+              </a:ext>
+            </a:extLst>
+          </a:blip>
+          <a:stretch>
+            <a:fillRect/>
+          </a:stretch>
+        </p:blipFill>
+        <p:spPr>
+          <a:xfrm rot="19089525">
+            <a:off x="10239397" y="4428587"/>
+            <a:ext cx="1091646" cy="1336174"/>
+          </a:xfrm>
+          <a:prstGeom prst="rect">
+            <a:avLst/>
+          </a:prstGeom>
+          <a:effectLst>
+            <a:outerShdw blurRad="25400" dir="17880000">
+              <a:srgbClr val="000000">
+                <a:alpha val="46000"/>
+              </a:srgbClr>
+            </a:outerShdw>
+          </a:effectLst>
+        </p:spPr>
+      </p:pic>
+      <p:cxnSp>
+        <p:nvCxnSpPr>
+          <p:cNvPr id="10" name="Connecteur droit 9"/>
+          <p:cNvCxnSpPr>
+            <a:endCxn id="8" idx="5"/>
+          </p:cNvCxnSpPr>
+          <p:nvPr/>
+        </p:nvCxnSpPr>
+        <p:spPr>
+          <a:xfrm flipH="1" flipV="1">
+            <a:off x="8966593" y="2928041"/>
+            <a:ext cx="1606883" cy="1910978"/>
+          </a:xfrm>
+          <a:prstGeom prst="line">
+            <a:avLst/>
+          </a:prstGeom>
+          <a:ln w="28575">
+            <a:solidFill>
+              <a:srgbClr val="FF0000"/>
+            </a:solidFill>
+            <a:prstDash val="dashDot"/>
+          </a:ln>
+        </p:spPr>
+        <p:style>
+          <a:lnRef idx="1">
+            <a:schemeClr val="accent1"/>
+          </a:lnRef>
+          <a:fillRef idx="0">
+            <a:schemeClr val="accent1"/>
+          </a:fillRef>
+          <a:effectRef idx="0">
+            <a:schemeClr val="accent1"/>
+          </a:effectRef>
+          <a:fontRef idx="minor">
+            <a:schemeClr val="tx1"/>
+          </a:fontRef>
+        </p:style>
+      </p:cxnSp>
+      <p:cxnSp>
+        <p:nvCxnSpPr>
+          <p:cNvPr id="16" name="Connecteur droit avec flèche 15"/>
+          <p:cNvCxnSpPr/>
+          <p:nvPr/>
+        </p:nvCxnSpPr>
+        <p:spPr>
+          <a:xfrm flipV="1">
+            <a:off x="10590679" y="4339987"/>
+            <a:ext cx="1" cy="502612"/>
+          </a:xfrm>
+          <a:prstGeom prst="straightConnector1">
+            <a:avLst/>
+          </a:prstGeom>
+          <a:ln w="57150">
+            <a:solidFill>
+              <a:srgbClr val="7030A0"/>
+            </a:solidFill>
+            <a:tailEnd type="triangle"/>
+          </a:ln>
+        </p:spPr>
+        <p:style>
+          <a:lnRef idx="1">
+            <a:schemeClr val="accent1"/>
+          </a:lnRef>
+          <a:fillRef idx="0">
+            <a:schemeClr val="accent1"/>
+          </a:fillRef>
+          <a:effectRef idx="0">
+            <a:schemeClr val="accent1"/>
+          </a:effectRef>
+          <a:fontRef idx="minor">
+            <a:schemeClr val="tx1"/>
+          </a:fontRef>
+        </p:style>
+      </p:cxnSp>
+      <p:cxnSp>
+        <p:nvCxnSpPr>
+          <p:cNvPr id="17" name="Connecteur droit avec flèche 16"/>
+          <p:cNvCxnSpPr/>
+          <p:nvPr/>
+        </p:nvCxnSpPr>
+        <p:spPr>
+          <a:xfrm flipH="1" flipV="1">
+            <a:off x="10126656" y="4867928"/>
+            <a:ext cx="464025" cy="4241"/>
+          </a:xfrm>
+          <a:prstGeom prst="straightConnector1">
+            <a:avLst/>
+          </a:prstGeom>
+          <a:ln w="57150">
+            <a:solidFill>
+              <a:srgbClr val="00B0F0"/>
+            </a:solidFill>
+            <a:tailEnd type="triangle"/>
+          </a:ln>
+        </p:spPr>
+        <p:style>
+          <a:lnRef idx="1">
+            <a:schemeClr val="accent1"/>
+          </a:lnRef>
+          <a:fillRef idx="0">
+            <a:schemeClr val="accent1"/>
+          </a:fillRef>
+          <a:effectRef idx="0">
+            <a:schemeClr val="accent1"/>
+          </a:effectRef>
+          <a:fontRef idx="minor">
+            <a:schemeClr val="tx1"/>
+          </a:fontRef>
+        </p:style>
+      </p:cxnSp>
+      <p:sp>
+        <p:nvSpPr>
+          <p:cNvPr id="23" name="ZoneTexte 22"/>
+          <p:cNvSpPr txBox="1"/>
+          <p:nvPr/>
+        </p:nvSpPr>
+        <p:spPr>
+          <a:xfrm>
+            <a:off x="9235871" y="5845648"/>
+            <a:ext cx="470405" cy="307777"/>
+          </a:xfrm>
+          <a:prstGeom prst="rect">
+            <a:avLst/>
+          </a:prstGeom>
+          <a:noFill/>
+        </p:spPr>
+        <p:txBody>
+          <a:bodyPr wrap="square" rtlCol="0">
+            <a:spAutoFit/>
+          </a:bodyPr>
+          <a:lstStyle/>
+          <a:p>
+            <a:r>
+              <a:rPr lang="fr-FR" sz="1400" dirty="0" smtClean="0"/>
+              <a:t>R0</a:t>
+            </a:r>
+            <a:endParaRPr lang="fr-FR" sz="1400" dirty="0"/>
+          </a:p>
+        </p:txBody>
+      </p:sp>
+      <p:sp>
+        <p:nvSpPr>
+          <p:cNvPr id="24" name="ZoneTexte 23"/>
+          <p:cNvSpPr txBox="1"/>
+          <p:nvPr/>
+        </p:nvSpPr>
+        <p:spPr>
+          <a:xfrm>
+            <a:off x="11016232" y="4685130"/>
+            <a:ext cx="461831" cy="307777"/>
+          </a:xfrm>
+          <a:prstGeom prst="rect">
+            <a:avLst/>
+          </a:prstGeom>
+          <a:noFill/>
+        </p:spPr>
+        <p:txBody>
+          <a:bodyPr wrap="square" rtlCol="0">
+            <a:spAutoFit/>
+          </a:bodyPr>
+          <a:lstStyle/>
+          <a:p>
+            <a:r>
+              <a:rPr lang="fr-FR" sz="1400" dirty="0" smtClean="0"/>
+              <a:t>R0’</a:t>
+            </a:r>
+            <a:endParaRPr lang="fr-FR" sz="1400" dirty="0"/>
+          </a:p>
+        </p:txBody>
+      </p:sp>
+      <p:sp>
+        <p:nvSpPr>
+          <p:cNvPr id="25" name="Titre 1"/>
+          <p:cNvSpPr txBox="1">
+            <a:spLocks/>
+          </p:cNvSpPr>
+          <p:nvPr/>
+        </p:nvSpPr>
+        <p:spPr>
+          <a:xfrm>
+            <a:off x="913795" y="1740397"/>
+            <a:ext cx="5828199" cy="4714994"/>
+          </a:xfrm>
+          <a:prstGeom prst="rect">
+            <a:avLst/>
+          </a:prstGeom>
+          <a:effectLst>
+            <a:outerShdw blurRad="25400" dir="17880000">
+              <a:srgbClr val="000000">
+                <a:alpha val="46000"/>
+              </a:srgbClr>
+            </a:outerShdw>
+          </a:effectLst>
+        </p:spPr>
+        <p:txBody>
+          <a:bodyPr vert="horz" lIns="91440" tIns="45720" rIns="91440" bIns="45720" rtlCol="0" anchor="t">
+            <a:normAutofit/>
+          </a:bodyPr>
+          <a:lstStyle>
+            <a:lvl1pPr algn="ctr" defTabSz="457200" rtl="0" eaLnBrk="1" latinLnBrk="0" hangingPunct="1">
+              <a:spcBef>
+                <a:spcPct val="0"/>
+              </a:spcBef>
+              <a:buNone/>
+              <a:defRPr sz="4000" kern="1200">
+                <a:ln>
+                  <a:solidFill>
+                    <a:schemeClr val="bg1">
+                      <a:lumMod val="75000"/>
+                      <a:lumOff val="25000"/>
+                      <a:alpha val="10000"/>
+                    </a:schemeClr>
+                  </a:solidFill>
+                </a:ln>
+                <a:solidFill>
+                  <a:schemeClr val="tx2"/>
+                </a:solidFill>
+                <a:effectLst>
+                  <a:outerShdw blurRad="9525" dist="25400" dir="14640000" algn="tl" rotWithShape="0">
+                    <a:schemeClr val="bg1">
+                      <a:alpha val="30000"/>
+                    </a:schemeClr>
+                  </a:outerShdw>
+                </a:effectLst>
+                <a:latin typeface="+mj-lt"/>
+                <a:ea typeface="+mj-ea"/>
+                <a:cs typeface="Trebuchet MS"/>
+              </a:defRPr>
+            </a:lvl1pPr>
+            <a:lvl2pPr eaLnBrk="1" hangingPunct="1">
+              <a:defRPr>
+                <a:solidFill>
+                  <a:schemeClr val="tx2"/>
+                </a:solidFill>
+              </a:defRPr>
+            </a:lvl2pPr>
+            <a:lvl3pPr eaLnBrk="1" hangingPunct="1">
+              <a:defRPr>
+                <a:solidFill>
+                  <a:schemeClr val="tx2"/>
+                </a:solidFill>
+              </a:defRPr>
+            </a:lvl3pPr>
+            <a:lvl4pPr eaLnBrk="1" hangingPunct="1">
+              <a:defRPr>
+                <a:solidFill>
+                  <a:schemeClr val="tx2"/>
+                </a:solidFill>
+              </a:defRPr>
+            </a:lvl4pPr>
+            <a:lvl5pPr eaLnBrk="1" hangingPunct="1">
+              <a:defRPr>
+                <a:solidFill>
+                  <a:schemeClr val="tx2"/>
+                </a:solidFill>
+              </a:defRPr>
+            </a:lvl5pPr>
+            <a:lvl6pPr eaLnBrk="1" hangingPunct="1">
+              <a:defRPr>
+                <a:solidFill>
+                  <a:schemeClr val="tx2"/>
+                </a:solidFill>
+              </a:defRPr>
+            </a:lvl6pPr>
+            <a:lvl7pPr eaLnBrk="1" hangingPunct="1">
+              <a:defRPr>
+                <a:solidFill>
+                  <a:schemeClr val="tx2"/>
+                </a:solidFill>
+              </a:defRPr>
+            </a:lvl7pPr>
+            <a:lvl8pPr eaLnBrk="1" hangingPunct="1">
+              <a:defRPr>
+                <a:solidFill>
+                  <a:schemeClr val="tx2"/>
+                </a:solidFill>
+              </a:defRPr>
+            </a:lvl8pPr>
+            <a:lvl9pPr eaLnBrk="1" hangingPunct="1">
+              <a:defRPr>
+                <a:solidFill>
+                  <a:schemeClr val="tx2"/>
+                </a:solidFill>
+              </a:defRPr>
+            </a:lvl9pPr>
+          </a:lstStyle>
+          <a:p>
+            <a:pPr algn="l"/>
+            <a:endParaRPr lang="fr-FR" sz="2000" dirty="0" smtClean="0">
+              <a:effectLst/>
+            </a:endParaRPr>
+          </a:p>
+          <a:p>
+            <a:pPr algn="l"/>
+            <a:r>
+              <a:rPr lang="fr-FR" sz="2000" dirty="0">
+                <a:effectLst/>
+              </a:rPr>
+              <a:t>	</a:t>
+            </a:r>
+            <a:endParaRPr lang="fr-FR" sz="2000" dirty="0" smtClean="0">
+              <a:effectLst/>
+            </a:endParaRPr>
+          </a:p>
+        </p:txBody>
+      </p:sp>
+      <p:sp>
+        <p:nvSpPr>
+          <p:cNvPr id="26" name="Titre 1"/>
+          <p:cNvSpPr txBox="1">
+            <a:spLocks/>
+          </p:cNvSpPr>
+          <p:nvPr/>
+        </p:nvSpPr>
+        <p:spPr>
+          <a:xfrm>
+            <a:off x="1066195" y="1892797"/>
+            <a:ext cx="5828199" cy="3758209"/>
+          </a:xfrm>
+          <a:prstGeom prst="rect">
+            <a:avLst/>
+          </a:prstGeom>
+          <a:effectLst>
+            <a:outerShdw blurRad="25400" dir="17880000">
+              <a:srgbClr val="000000">
+                <a:alpha val="46000"/>
+              </a:srgbClr>
+            </a:outerShdw>
+          </a:effectLst>
+        </p:spPr>
+        <p:txBody>
+          <a:bodyPr vert="horz" lIns="91440" tIns="45720" rIns="91440" bIns="45720" rtlCol="0" anchor="t">
+            <a:normAutofit/>
+          </a:bodyPr>
+          <a:lstStyle>
+            <a:lvl1pPr algn="ctr" defTabSz="457200" rtl="0" eaLnBrk="1" latinLnBrk="0" hangingPunct="1">
+              <a:spcBef>
+                <a:spcPct val="0"/>
+              </a:spcBef>
+              <a:buNone/>
+              <a:defRPr sz="4000" kern="1200">
+                <a:ln>
+                  <a:solidFill>
+                    <a:schemeClr val="bg1">
+                      <a:lumMod val="75000"/>
+                      <a:lumOff val="25000"/>
+                      <a:alpha val="10000"/>
+                    </a:schemeClr>
+                  </a:solidFill>
+                </a:ln>
+                <a:solidFill>
+                  <a:schemeClr val="tx2"/>
+                </a:solidFill>
+                <a:effectLst>
+                  <a:outerShdw blurRad="9525" dist="25400" dir="14640000" algn="tl" rotWithShape="0">
+                    <a:schemeClr val="bg1">
+                      <a:alpha val="30000"/>
+                    </a:schemeClr>
+                  </a:outerShdw>
+                </a:effectLst>
+                <a:latin typeface="+mj-lt"/>
+                <a:ea typeface="+mj-ea"/>
+                <a:cs typeface="Trebuchet MS"/>
+              </a:defRPr>
+            </a:lvl1pPr>
+            <a:lvl2pPr eaLnBrk="1" hangingPunct="1">
+              <a:defRPr>
+                <a:solidFill>
+                  <a:schemeClr val="tx2"/>
+                </a:solidFill>
+              </a:defRPr>
+            </a:lvl2pPr>
+            <a:lvl3pPr eaLnBrk="1" hangingPunct="1">
+              <a:defRPr>
+                <a:solidFill>
+                  <a:schemeClr val="tx2"/>
+                </a:solidFill>
+              </a:defRPr>
+            </a:lvl3pPr>
+            <a:lvl4pPr eaLnBrk="1" hangingPunct="1">
+              <a:defRPr>
+                <a:solidFill>
+                  <a:schemeClr val="tx2"/>
+                </a:solidFill>
+              </a:defRPr>
+            </a:lvl4pPr>
+            <a:lvl5pPr eaLnBrk="1" hangingPunct="1">
+              <a:defRPr>
+                <a:solidFill>
+                  <a:schemeClr val="tx2"/>
+                </a:solidFill>
+              </a:defRPr>
+            </a:lvl5pPr>
+            <a:lvl6pPr eaLnBrk="1" hangingPunct="1">
+              <a:defRPr>
+                <a:solidFill>
+                  <a:schemeClr val="tx2"/>
+                </a:solidFill>
+              </a:defRPr>
+            </a:lvl6pPr>
+            <a:lvl7pPr eaLnBrk="1" hangingPunct="1">
+              <a:defRPr>
+                <a:solidFill>
+                  <a:schemeClr val="tx2"/>
+                </a:solidFill>
+              </a:defRPr>
+            </a:lvl7pPr>
+            <a:lvl8pPr eaLnBrk="1" hangingPunct="1">
+              <a:defRPr>
+                <a:solidFill>
+                  <a:schemeClr val="tx2"/>
+                </a:solidFill>
+              </a:defRPr>
+            </a:lvl8pPr>
+            <a:lvl9pPr eaLnBrk="1" hangingPunct="1">
+              <a:defRPr>
+                <a:solidFill>
+                  <a:schemeClr val="tx2"/>
+                </a:solidFill>
+              </a:defRPr>
+            </a:lvl9pPr>
+          </a:lstStyle>
+          <a:p>
+            <a:pPr algn="l"/>
+            <a:r>
+              <a:rPr lang="fr-FR" sz="2000" dirty="0" smtClean="0">
+                <a:effectLst/>
+              </a:rPr>
+              <a:t>Balayage successif des points d’un obstacles</a:t>
+            </a:r>
+          </a:p>
+          <a:p>
+            <a:pPr algn="l"/>
+            <a:r>
+              <a:rPr lang="fr-FR" sz="2000" dirty="0">
+                <a:effectLst/>
+              </a:rPr>
+              <a:t>	</a:t>
+            </a:r>
+          </a:p>
+          <a:p>
+            <a:pPr algn="l"/>
+            <a:r>
+              <a:rPr lang="fr-FR" sz="2000" dirty="0" smtClean="0">
+                <a:effectLst/>
+              </a:rPr>
+              <a:t>Calcul de la position d’un point d’un obstacle</a:t>
+            </a:r>
+          </a:p>
+          <a:p>
+            <a:r>
+              <a:rPr lang="fr-FR" sz="2000" dirty="0">
+                <a:effectLst/>
+              </a:rPr>
+              <a:t>	</a:t>
+            </a:r>
+            <a:endParaRPr lang="fr-FR" sz="2000" dirty="0" smtClean="0">
+              <a:effectLst/>
+            </a:endParaRPr>
+          </a:p>
+          <a:p>
+            <a:r>
+              <a:rPr lang="fr-FR" sz="2000" dirty="0" err="1" smtClean="0">
+                <a:effectLst/>
+              </a:rPr>
+              <a:t>posObj</a:t>
+            </a:r>
+            <a:r>
+              <a:rPr lang="fr-FR" sz="2000" dirty="0" smtClean="0">
+                <a:effectLst/>
+              </a:rPr>
+              <a:t> X = </a:t>
+            </a:r>
+            <a:r>
+              <a:rPr lang="fr-FR" sz="2000" dirty="0" err="1" smtClean="0">
+                <a:effectLst/>
+              </a:rPr>
+              <a:t>Xr</a:t>
+            </a:r>
+            <a:r>
+              <a:rPr lang="fr-FR" sz="2000" dirty="0" smtClean="0">
+                <a:effectLst/>
+              </a:rPr>
+              <a:t> + ( d x sin (</a:t>
+            </a:r>
+            <a:r>
+              <a:rPr lang="el-GR" sz="2000" dirty="0" smtClean="0">
+                <a:latin typeface="Times New Roman" panose="02020603050405020304" pitchFamily="18" charset="0"/>
+                <a:cs typeface="Times New Roman" panose="02020603050405020304" pitchFamily="18" charset="0"/>
+              </a:rPr>
+              <a:t>α</a:t>
+            </a:r>
+            <a:r>
+              <a:rPr lang="fr-FR" sz="2000" dirty="0" smtClean="0">
+                <a:latin typeface="Times New Roman" panose="02020603050405020304" pitchFamily="18" charset="0"/>
+                <a:cs typeface="Times New Roman" panose="02020603050405020304" pitchFamily="18" charset="0"/>
+              </a:rPr>
+              <a:t>)) </a:t>
+            </a:r>
+            <a:endParaRPr lang="fr-FR" sz="2000" dirty="0" smtClean="0">
+              <a:cs typeface="Times New Roman" panose="02020603050405020304" pitchFamily="18" charset="0"/>
+            </a:endParaRPr>
+          </a:p>
+          <a:p>
+            <a:endParaRPr lang="fr-FR" sz="2000" dirty="0">
+              <a:effectLst/>
+            </a:endParaRPr>
+          </a:p>
+          <a:p>
+            <a:r>
+              <a:rPr lang="fr-FR" sz="2000" dirty="0" err="1" smtClean="0">
+                <a:effectLst/>
+              </a:rPr>
+              <a:t>posObj</a:t>
+            </a:r>
+            <a:r>
+              <a:rPr lang="fr-FR" sz="2000" dirty="0" smtClean="0">
+                <a:effectLst/>
+              </a:rPr>
+              <a:t> Y = </a:t>
+            </a:r>
+            <a:r>
+              <a:rPr lang="fr-FR" sz="2000" dirty="0" err="1" smtClean="0">
+                <a:effectLst/>
+              </a:rPr>
+              <a:t>Yr</a:t>
+            </a:r>
+            <a:r>
+              <a:rPr lang="fr-FR" sz="2000" dirty="0" smtClean="0">
+                <a:effectLst/>
+              </a:rPr>
+              <a:t> + ( d x cos</a:t>
+            </a:r>
+            <a:r>
+              <a:rPr lang="fr-FR" sz="2000" dirty="0">
+                <a:effectLst/>
+              </a:rPr>
+              <a:t> (</a:t>
+            </a:r>
+            <a:r>
+              <a:rPr lang="el-GR" sz="2000" dirty="0">
+                <a:latin typeface="Times New Roman" panose="02020603050405020304" pitchFamily="18" charset="0"/>
+                <a:cs typeface="Times New Roman" panose="02020603050405020304" pitchFamily="18" charset="0"/>
+              </a:rPr>
+              <a:t>α</a:t>
+            </a:r>
+            <a:r>
+              <a:rPr lang="fr-FR" sz="2000" dirty="0" smtClean="0">
+                <a:latin typeface="Times New Roman" panose="02020603050405020304" pitchFamily="18" charset="0"/>
+                <a:cs typeface="Times New Roman" panose="02020603050405020304" pitchFamily="18" charset="0"/>
+              </a:rPr>
+              <a:t>))</a:t>
+            </a:r>
+          </a:p>
+          <a:p>
+            <a:endParaRPr lang="fr-FR" sz="2000" dirty="0">
+              <a:effectLst/>
+              <a:latin typeface="Times New Roman" panose="02020603050405020304" pitchFamily="18" charset="0"/>
+              <a:cs typeface="Times New Roman" panose="02020603050405020304" pitchFamily="18" charset="0"/>
+            </a:endParaRPr>
+          </a:p>
+          <a:p>
+            <a:pPr algn="l"/>
+            <a:r>
+              <a:rPr lang="fr-FR" sz="1400" dirty="0">
+                <a:effectLst/>
+              </a:rPr>
+              <a:t>Position du robot 		 </a:t>
+            </a:r>
+            <a:r>
+              <a:rPr lang="fr-FR" sz="1400" dirty="0" err="1">
+                <a:effectLst/>
+              </a:rPr>
+              <a:t>posRob</a:t>
+            </a:r>
+            <a:r>
+              <a:rPr lang="fr-FR" sz="1400" dirty="0">
+                <a:effectLst/>
+              </a:rPr>
+              <a:t>{ </a:t>
+            </a:r>
+            <a:r>
+              <a:rPr lang="fr-FR" sz="1400" dirty="0" err="1">
+                <a:effectLst/>
+              </a:rPr>
+              <a:t>Xr</a:t>
+            </a:r>
+            <a:r>
+              <a:rPr lang="fr-FR" sz="1400" dirty="0">
+                <a:effectLst/>
+              </a:rPr>
+              <a:t> ; </a:t>
+            </a:r>
+            <a:r>
+              <a:rPr lang="fr-FR" sz="1400" dirty="0" err="1">
+                <a:effectLst/>
+              </a:rPr>
+              <a:t>Yr</a:t>
+            </a:r>
+            <a:r>
+              <a:rPr lang="fr-FR" sz="1400" dirty="0">
+                <a:effectLst/>
+              </a:rPr>
+              <a:t> }</a:t>
+            </a:r>
+          </a:p>
+          <a:p>
+            <a:pPr algn="l"/>
+            <a:r>
+              <a:rPr lang="fr-FR" sz="1400" dirty="0">
+                <a:effectLst/>
+              </a:rPr>
+              <a:t>Orientation du robot 	 </a:t>
+            </a:r>
+            <a:r>
+              <a:rPr lang="el-GR" sz="1400" dirty="0">
+                <a:latin typeface="Times New Roman" panose="02020603050405020304" pitchFamily="18" charset="0"/>
+                <a:cs typeface="Times New Roman" panose="02020603050405020304" pitchFamily="18" charset="0"/>
+              </a:rPr>
+              <a:t>α</a:t>
+            </a:r>
+            <a:endParaRPr lang="fr-FR" sz="1400" dirty="0">
+              <a:effectLst/>
+            </a:endParaRPr>
+          </a:p>
+          <a:p>
+            <a:pPr algn="l"/>
+            <a:r>
+              <a:rPr lang="fr-FR" sz="1400" dirty="0">
+                <a:effectLst/>
+              </a:rPr>
+              <a:t>Distance infra-rouge  	 d </a:t>
+            </a:r>
+            <a:endParaRPr lang="fr-FR" sz="1400" dirty="0" smtClean="0">
+              <a:effectLst/>
+            </a:endParaRPr>
+          </a:p>
+          <a:p>
+            <a:pPr algn="l"/>
+            <a:r>
+              <a:rPr lang="fr-FR" sz="1400" dirty="0" smtClean="0">
+                <a:effectLst/>
+              </a:rPr>
+              <a:t>Repère de base		 R0</a:t>
+            </a:r>
+            <a:endParaRPr lang="fr-FR" sz="2000" dirty="0">
+              <a:effectLst/>
+            </a:endParaRPr>
+          </a:p>
+          <a:p>
+            <a:pPr algn="l"/>
+            <a:r>
+              <a:rPr lang="fr-FR" sz="1400" dirty="0" smtClean="0">
+                <a:effectLst/>
+              </a:rPr>
+              <a:t>Repère projeté de R0	 R0’</a:t>
+            </a:r>
+            <a:endParaRPr lang="fr-FR" sz="1400" dirty="0">
+              <a:effectLst/>
+            </a:endParaRPr>
+          </a:p>
+        </p:txBody>
+      </p:sp>
+      <p:sp>
+        <p:nvSpPr>
+          <p:cNvPr id="28" name="ZoneTexte 27"/>
+          <p:cNvSpPr txBox="1"/>
+          <p:nvPr/>
+        </p:nvSpPr>
+        <p:spPr>
+          <a:xfrm>
+            <a:off x="8880885" y="1991352"/>
+            <a:ext cx="1692591" cy="307777"/>
+          </a:xfrm>
+          <a:prstGeom prst="rect">
+            <a:avLst/>
+          </a:prstGeom>
+          <a:noFill/>
+        </p:spPr>
+        <p:txBody>
+          <a:bodyPr wrap="square" rtlCol="0">
+            <a:spAutoFit/>
+          </a:bodyPr>
+          <a:lstStyle/>
+          <a:p>
+            <a:r>
+              <a:rPr lang="fr-FR" sz="1400" dirty="0" err="1" smtClean="0"/>
+              <a:t>posObj</a:t>
+            </a:r>
+            <a:r>
+              <a:rPr lang="fr-FR" sz="1400" dirty="0" smtClean="0"/>
+              <a:t> { ? ; ? }</a:t>
+            </a:r>
+            <a:endParaRPr lang="fr-FR" sz="1400" dirty="0"/>
+          </a:p>
+        </p:txBody>
+      </p:sp>
+      <p:sp>
+        <p:nvSpPr>
+          <p:cNvPr id="29" name="ZoneTexte 28"/>
+          <p:cNvSpPr txBox="1"/>
+          <p:nvPr/>
+        </p:nvSpPr>
+        <p:spPr>
+          <a:xfrm>
+            <a:off x="10345192" y="5690744"/>
+            <a:ext cx="1342081" cy="276999"/>
+          </a:xfrm>
+          <a:prstGeom prst="rect">
+            <a:avLst/>
+          </a:prstGeom>
+          <a:noFill/>
+        </p:spPr>
+        <p:txBody>
+          <a:bodyPr wrap="square" rtlCol="0">
+            <a:spAutoFit/>
+          </a:bodyPr>
+          <a:lstStyle/>
+          <a:p>
+            <a:r>
+              <a:rPr lang="fr-FR" sz="1200" dirty="0" err="1" smtClean="0"/>
+              <a:t>posRob</a:t>
+            </a:r>
+            <a:r>
+              <a:rPr lang="fr-FR" sz="1200" dirty="0" smtClean="0"/>
+              <a:t> {-50; 20 }</a:t>
+            </a:r>
+            <a:endParaRPr lang="fr-FR" sz="1200" dirty="0"/>
+          </a:p>
+        </p:txBody>
+      </p:sp>
+      <p:sp>
+        <p:nvSpPr>
+          <p:cNvPr id="35" name="Arc plein 34"/>
+          <p:cNvSpPr/>
+          <p:nvPr/>
+        </p:nvSpPr>
+        <p:spPr>
+          <a:xfrm rot="20712329">
+            <a:off x="10190278" y="4343732"/>
+            <a:ext cx="652273" cy="654275"/>
+          </a:xfrm>
+          <a:prstGeom prst="blockArc">
+            <a:avLst>
+              <a:gd name="adj1" fmla="val 14197834"/>
+              <a:gd name="adj2" fmla="val 17793518"/>
+              <a:gd name="adj3" fmla="val 2085"/>
+            </a:avLst>
+          </a:prstGeom>
+          <a:noFill/>
+          <a:ln w="3175"/>
+        </p:spPr>
+        <p:style>
+          <a:lnRef idx="2">
+            <a:schemeClr val="accent1">
+              <a:shade val="50000"/>
+            </a:schemeClr>
+          </a:lnRef>
+          <a:fillRef idx="1">
+            <a:schemeClr val="accent1"/>
+          </a:fillRef>
+          <a:effectRef idx="0">
+            <a:schemeClr val="accent1"/>
+          </a:effectRef>
+          <a:fontRef idx="minor">
+            <a:schemeClr val="lt1"/>
+          </a:fontRef>
+        </p:style>
+        <p:txBody>
+          <a:bodyPr rtlCol="0" anchor="ctr"/>
+          <a:lstStyle/>
+          <a:p>
+            <a:pPr algn="ctr"/>
+            <a:endParaRPr lang="fr-FR">
+              <a:solidFill>
+                <a:schemeClr val="tx1"/>
+              </a:solidFill>
+            </a:endParaRPr>
+          </a:p>
+        </p:txBody>
+      </p:sp>
+      <p:sp>
+        <p:nvSpPr>
+          <p:cNvPr id="36" name="ZoneTexte 35"/>
+          <p:cNvSpPr txBox="1"/>
+          <p:nvPr/>
+        </p:nvSpPr>
+        <p:spPr>
+          <a:xfrm>
+            <a:off x="9219302" y="3698864"/>
+            <a:ext cx="327546" cy="369332"/>
+          </a:xfrm>
+          <a:prstGeom prst="rect">
+            <a:avLst/>
+          </a:prstGeom>
+          <a:noFill/>
+        </p:spPr>
+        <p:txBody>
+          <a:bodyPr wrap="square" rtlCol="0">
+            <a:spAutoFit/>
+          </a:bodyPr>
+          <a:lstStyle/>
+          <a:p>
+            <a:r>
+              <a:rPr lang="fr-FR" dirty="0" smtClean="0"/>
+              <a:t>d</a:t>
+            </a:r>
+            <a:endParaRPr lang="fr-FR" dirty="0"/>
+          </a:p>
+        </p:txBody>
+      </p:sp>
+      <p:sp>
+        <p:nvSpPr>
+          <p:cNvPr id="37" name="ZoneTexte 36"/>
+          <p:cNvSpPr txBox="1"/>
+          <p:nvPr/>
+        </p:nvSpPr>
+        <p:spPr>
+          <a:xfrm>
+            <a:off x="10238445" y="4049419"/>
+            <a:ext cx="327546" cy="369332"/>
+          </a:xfrm>
+          <a:prstGeom prst="rect">
+            <a:avLst/>
+          </a:prstGeom>
+          <a:noFill/>
+        </p:spPr>
+        <p:txBody>
+          <a:bodyPr wrap="square" rtlCol="0">
+            <a:spAutoFit/>
+          </a:bodyPr>
+          <a:lstStyle/>
+          <a:p>
+            <a:r>
+              <a:rPr lang="el-GR" dirty="0" smtClean="0">
+                <a:latin typeface="Times New Roman" panose="02020603050405020304" pitchFamily="18" charset="0"/>
+                <a:cs typeface="Times New Roman" panose="02020603050405020304" pitchFamily="18" charset="0"/>
+              </a:rPr>
+              <a:t>α</a:t>
+            </a:r>
+            <a:endParaRPr lang="fr-FR" dirty="0"/>
+          </a:p>
+        </p:txBody>
+      </p:sp>
+      <p:cxnSp>
+        <p:nvCxnSpPr>
+          <p:cNvPr id="39" name="Connecteur droit 38"/>
+          <p:cNvCxnSpPr>
+            <a:stCxn id="4" idx="0"/>
+          </p:cNvCxnSpPr>
+          <p:nvPr/>
+        </p:nvCxnSpPr>
+        <p:spPr>
+          <a:xfrm flipH="1" flipV="1">
+            <a:off x="9041472" y="2744293"/>
+            <a:ext cx="1298088" cy="1854659"/>
+          </a:xfrm>
+          <a:prstGeom prst="line">
+            <a:avLst/>
+          </a:prstGeom>
+          <a:ln w="28575">
+            <a:solidFill>
+              <a:srgbClr val="FF0000"/>
+            </a:solidFill>
+            <a:prstDash val="dashDot"/>
+          </a:ln>
+        </p:spPr>
+        <p:style>
+          <a:lnRef idx="1">
+            <a:schemeClr val="accent1"/>
+          </a:lnRef>
+          <a:fillRef idx="0">
+            <a:schemeClr val="accent1"/>
+          </a:fillRef>
+          <a:effectRef idx="0">
+            <a:schemeClr val="accent1"/>
+          </a:effectRef>
+          <a:fontRef idx="minor">
+            <a:schemeClr val="tx1"/>
+          </a:fontRef>
+        </p:style>
+      </p:cxnSp>
+      <p:cxnSp>
+        <p:nvCxnSpPr>
+          <p:cNvPr id="42" name="Connecteur droit 41"/>
+          <p:cNvCxnSpPr>
+            <a:stCxn id="4" idx="0"/>
+          </p:cNvCxnSpPr>
+          <p:nvPr/>
+        </p:nvCxnSpPr>
+        <p:spPr>
+          <a:xfrm flipH="1" flipV="1">
+            <a:off x="8783358" y="2973107"/>
+            <a:ext cx="1556202" cy="1625845"/>
+          </a:xfrm>
+          <a:prstGeom prst="line">
+            <a:avLst/>
+          </a:prstGeom>
+          <a:ln w="28575">
+            <a:solidFill>
+              <a:srgbClr val="FF0000"/>
+            </a:solidFill>
+            <a:prstDash val="dashDot"/>
+          </a:ln>
+        </p:spPr>
+        <p:style>
+          <a:lnRef idx="1">
+            <a:schemeClr val="accent1"/>
+          </a:lnRef>
+          <a:fillRef idx="0">
+            <a:schemeClr val="accent1"/>
+          </a:fillRef>
+          <a:effectRef idx="0">
+            <a:schemeClr val="accent1"/>
+          </a:effectRef>
+          <a:fontRef idx="minor">
+            <a:schemeClr val="tx1"/>
+          </a:fontRef>
+        </p:style>
+      </p:cxnSp>
+      <p:sp>
+        <p:nvSpPr>
+          <p:cNvPr id="44" name="ZoneTexte 43"/>
+          <p:cNvSpPr txBox="1"/>
+          <p:nvPr/>
+        </p:nvSpPr>
+        <p:spPr>
+          <a:xfrm>
+            <a:off x="8467049" y="5651006"/>
+            <a:ext cx="340619" cy="338554"/>
+          </a:xfrm>
+          <a:prstGeom prst="rect">
+            <a:avLst/>
+          </a:prstGeom>
+          <a:noFill/>
+        </p:spPr>
+        <p:txBody>
+          <a:bodyPr wrap="square" rtlCol="0">
+            <a:spAutoFit/>
+          </a:bodyPr>
+          <a:lstStyle/>
+          <a:p>
+            <a:r>
+              <a:rPr lang="fr-FR" sz="1600" b="1" dirty="0" smtClean="0">
+                <a:solidFill>
+                  <a:srgbClr val="0070C0"/>
+                </a:solidFill>
+              </a:rPr>
+              <a:t>X</a:t>
+            </a:r>
+            <a:endParaRPr lang="fr-FR" sz="1600" b="1" dirty="0">
+              <a:solidFill>
+                <a:srgbClr val="0070C0"/>
+              </a:solidFill>
+            </a:endParaRPr>
+          </a:p>
+        </p:txBody>
+      </p:sp>
+      <p:sp>
+        <p:nvSpPr>
+          <p:cNvPr id="45" name="ZoneTexte 44"/>
+          <p:cNvSpPr txBox="1"/>
+          <p:nvPr/>
+        </p:nvSpPr>
+        <p:spPr>
+          <a:xfrm>
+            <a:off x="9109139" y="4754923"/>
+            <a:ext cx="340619" cy="338554"/>
+          </a:xfrm>
+          <a:prstGeom prst="rect">
+            <a:avLst/>
+          </a:prstGeom>
+          <a:noFill/>
+        </p:spPr>
+        <p:txBody>
+          <a:bodyPr wrap="square" rtlCol="0">
+            <a:spAutoFit/>
+          </a:bodyPr>
+          <a:lstStyle/>
+          <a:p>
+            <a:r>
+              <a:rPr lang="fr-FR" sz="1600" b="1" dirty="0" smtClean="0">
+                <a:solidFill>
+                  <a:srgbClr val="7030A0"/>
+                </a:solidFill>
+              </a:rPr>
+              <a:t>Y</a:t>
+            </a:r>
+            <a:endParaRPr lang="fr-FR" sz="1600" b="1" dirty="0">
+              <a:solidFill>
+                <a:srgbClr val="7030A0"/>
+              </a:solidFill>
+            </a:endParaRPr>
+          </a:p>
+        </p:txBody>
+      </p:sp>
+    </p:spTree>
+    <p:extLst>
+      <p:ext uri="{BB962C8B-B14F-4D97-AF65-F5344CB8AC3E}">
+        <p14:creationId xmlns:p14="http://schemas.microsoft.com/office/powerpoint/2010/main" val="1964165358"/>
+      </p:ext>
+    </p:extLst>
+  </p:cSld>
+  <p:clrMapOvr>
+    <a:masterClrMapping/>
+  </p:clrMapOvr>
+</p:sld>
+</file>
+
+<file path=ppt/slides/slide9.xml><?xml version="1.0" encoding="utf-8"?>
+<p:sld xmlns:a="http://schemas.openxmlformats.org/drawingml/2006/main" xmlns:r="http://schemas.openxmlformats.org/officeDocument/2006/relationships" xmlns:p="http://schemas.openxmlformats.org/presentationml/2006/main">
+  <p:cSld>
+    <p:spTree>
+      <p:nvGrpSpPr>
+        <p:cNvPr id="1" name=""/>
+        <p:cNvGrpSpPr/>
+        <p:nvPr/>
+      </p:nvGrpSpPr>
+      <p:grpSpPr>
+        <a:xfrm>
+          <a:off x="0" y="0"/>
+          <a:ext cx="0" cy="0"/>
+          <a:chOff x="0" y="0"/>
+          <a:chExt cx="0" cy="0"/>
+        </a:xfrm>
+      </p:grpSpPr>
+      <p:sp>
+        <p:nvSpPr>
           <p:cNvPr id="2" name="Titre 1"/>
           <p:cNvSpPr>
             <a:spLocks noGrp="1"/>
@@ -15548,13 +19752,7 @@
               <a:rPr lang="fr-FR" dirty="0" smtClean="0">
                 <a:sym typeface="Wingdings" panose="05000000000000000000" pitchFamily="2" charset="2"/>
               </a:rPr>
-              <a:t>Nécessité de </a:t>
-            </a:r>
-            <a:r>
-              <a:rPr lang="fr-FR" dirty="0" smtClean="0">
-                <a:sym typeface="Wingdings" panose="05000000000000000000" pitchFamily="2" charset="2"/>
-              </a:rPr>
-              <a:t>faire un étalonnage</a:t>
+              <a:t>Nécessité de faire un étalonnage</a:t>
             </a:r>
             <a:endParaRPr lang="fr-FR" dirty="0"/>
           </a:p>
@@ -15731,195 +19929,6 @@
     <p:extLst>
       <p:ext uri="{BB962C8B-B14F-4D97-AF65-F5344CB8AC3E}">
         <p14:creationId xmlns:p14="http://schemas.microsoft.com/office/powerpoint/2010/main" val="307979065"/>
-      </p:ext>
-    </p:extLst>
-  </p:cSld>
-  <p:clrMapOvr>
-    <a:masterClrMapping/>
-  </p:clrMapOvr>
-  <p:timing>
-    <p:tnLst>
-      <p:par>
-        <p:cTn id="1" dur="indefinite" restart="never" nodeType="tmRoot"/>
-      </p:par>
-    </p:tnLst>
-  </p:timing>
-</p:sld>
-</file>
-
-<file path=ppt/slides/slide8.xml><?xml version="1.0" encoding="utf-8"?>
-<p:sld xmlns:a="http://schemas.openxmlformats.org/drawingml/2006/main" xmlns:r="http://schemas.openxmlformats.org/officeDocument/2006/relationships" xmlns:p="http://schemas.openxmlformats.org/presentationml/2006/main">
-  <p:cSld>
-    <p:spTree>
-      <p:nvGrpSpPr>
-        <p:cNvPr id="1" name=""/>
-        <p:cNvGrpSpPr/>
-        <p:nvPr/>
-      </p:nvGrpSpPr>
-      <p:grpSpPr>
-        <a:xfrm>
-          <a:off x="0" y="0"/>
-          <a:ext cx="0" cy="0"/>
-          <a:chOff x="0" y="0"/>
-          <a:chExt cx="0" cy="0"/>
-        </a:xfrm>
-      </p:grpSpPr>
-      <p:sp>
-        <p:nvSpPr>
-          <p:cNvPr id="2" name="Titre 1"/>
-          <p:cNvSpPr>
-            <a:spLocks noGrp="1"/>
-          </p:cNvSpPr>
-          <p:nvPr>
-            <p:ph type="title"/>
-          </p:nvPr>
-        </p:nvSpPr>
-        <p:spPr/>
-        <p:txBody>
-          <a:bodyPr/>
-          <a:lstStyle/>
-          <a:p>
-            <a:pPr algn="l"/>
-            <a:r>
-              <a:rPr lang="fr-FR" dirty="0" smtClean="0"/>
-              <a:t>Le robot – Le capteur</a:t>
-            </a:r>
-            <a:endParaRPr lang="fr-FR" dirty="0"/>
-          </a:p>
-        </p:txBody>
-      </p:sp>
-      <p:pic>
-        <p:nvPicPr>
-          <p:cNvPr id="3" name="Image 2"/>
-          <p:cNvPicPr>
-            <a:picLocks noChangeAspect="1"/>
-          </p:cNvPicPr>
-          <p:nvPr/>
-        </p:nvPicPr>
-        <p:blipFill>
-          <a:blip r:embed="rId2"/>
-          <a:stretch>
-            <a:fillRect/>
-          </a:stretch>
-        </p:blipFill>
-        <p:spPr>
-          <a:xfrm>
-            <a:off x="185492" y="1468182"/>
-            <a:ext cx="11804739" cy="5209524"/>
-          </a:xfrm>
-          <a:prstGeom prst="rect">
-            <a:avLst/>
-          </a:prstGeom>
-          <a:ln w="38100" cap="sq">
-            <a:solidFill>
-              <a:srgbClr val="000000"/>
-            </a:solidFill>
-            <a:prstDash val="solid"/>
-            <a:miter lim="800000"/>
-          </a:ln>
-          <a:effectLst>
-            <a:outerShdw blurRad="50800" dist="38100" dir="2700000" algn="tl" rotWithShape="0">
-              <a:srgbClr val="000000">
-                <a:alpha val="43000"/>
-              </a:srgbClr>
-            </a:outerShdw>
-          </a:effectLst>
-        </p:spPr>
-      </p:pic>
-    </p:spTree>
-    <p:extLst>
-      <p:ext uri="{BB962C8B-B14F-4D97-AF65-F5344CB8AC3E}">
-        <p14:creationId xmlns:p14="http://schemas.microsoft.com/office/powerpoint/2010/main" val="3312832204"/>
-      </p:ext>
-    </p:extLst>
-  </p:cSld>
-  <p:clrMapOvr>
-    <a:masterClrMapping/>
-  </p:clrMapOvr>
-  <p:timing>
-    <p:tnLst>
-      <p:par>
-        <p:cTn id="1" dur="indefinite" restart="never" nodeType="tmRoot"/>
-      </p:par>
-    </p:tnLst>
-  </p:timing>
-</p:sld>
-</file>
-
-<file path=ppt/slides/slide9.xml><?xml version="1.0" encoding="utf-8"?>
-<p:sld xmlns:a="http://schemas.openxmlformats.org/drawingml/2006/main" xmlns:r="http://schemas.openxmlformats.org/officeDocument/2006/relationships" xmlns:p="http://schemas.openxmlformats.org/presentationml/2006/main">
-  <p:cSld>
-    <p:spTree>
-      <p:nvGrpSpPr>
-        <p:cNvPr id="1" name=""/>
-        <p:cNvGrpSpPr/>
-        <p:nvPr/>
-      </p:nvGrpSpPr>
-      <p:grpSpPr>
-        <a:xfrm>
-          <a:off x="0" y="0"/>
-          <a:ext cx="0" cy="0"/>
-          <a:chOff x="0" y="0"/>
-          <a:chExt cx="0" cy="0"/>
-        </a:xfrm>
-      </p:grpSpPr>
-      <p:sp>
-        <p:nvSpPr>
-          <p:cNvPr id="2" name="Titre 1"/>
-          <p:cNvSpPr>
-            <a:spLocks noGrp="1"/>
-          </p:cNvSpPr>
-          <p:nvPr>
-            <p:ph type="title"/>
-          </p:nvPr>
-        </p:nvSpPr>
-        <p:spPr/>
-        <p:txBody>
-          <a:bodyPr/>
-          <a:lstStyle/>
-          <a:p>
-            <a:pPr algn="l"/>
-            <a:r>
-              <a:rPr lang="fr-FR" dirty="0" smtClean="0"/>
-              <a:t>Algorithme</a:t>
-            </a:r>
-            <a:endParaRPr lang="fr-FR" dirty="0"/>
-          </a:p>
-        </p:txBody>
-      </p:sp>
-      <p:sp>
-        <p:nvSpPr>
-          <p:cNvPr id="3" name="Espace réservé du contenu 2"/>
-          <p:cNvSpPr>
-            <a:spLocks noGrp="1"/>
-          </p:cNvSpPr>
-          <p:nvPr>
-            <p:ph idx="1"/>
-          </p:nvPr>
-        </p:nvSpPr>
-        <p:spPr/>
-        <p:txBody>
-          <a:bodyPr/>
-          <a:lstStyle/>
-          <a:p>
-            <a:r>
-              <a:rPr lang="fr-FR" dirty="0" smtClean="0"/>
-              <a:t>Algorithme de la main gauche</a:t>
-            </a:r>
-          </a:p>
-          <a:p>
-            <a:r>
-              <a:rPr lang="fr-FR" dirty="0" smtClean="0"/>
-              <a:t>Machine à état</a:t>
-            </a:r>
-            <a:endParaRPr lang="fr-FR" dirty="0"/>
-          </a:p>
-        </p:txBody>
-      </p:sp>
-    </p:spTree>
-    <p:extLst>
-      <p:ext uri="{BB962C8B-B14F-4D97-AF65-F5344CB8AC3E}">
-        <p14:creationId xmlns:p14="http://schemas.microsoft.com/office/powerpoint/2010/main" val="2836795985"/>
       </p:ext>
     </p:extLst>
   </p:cSld>

--- a/Gestion projet/Projet intégration robotique – IMERIR.pptx
+++ b/Gestion projet/Projet intégration robotique – IMERIR.pptx
@@ -7,16 +7,16 @@
   <p:sldIdLst>
     <p:sldId id="256" r:id="rId2"/>
     <p:sldId id="257" r:id="rId3"/>
-    <p:sldId id="259" r:id="rId4"/>
-    <p:sldId id="265" r:id="rId5"/>
-    <p:sldId id="266" r:id="rId6"/>
-    <p:sldId id="267" r:id="rId7"/>
-    <p:sldId id="271" r:id="rId8"/>
-    <p:sldId id="272" r:id="rId9"/>
-    <p:sldId id="268" r:id="rId10"/>
-    <p:sldId id="270" r:id="rId11"/>
-    <p:sldId id="262" r:id="rId12"/>
-    <p:sldId id="260" r:id="rId13"/>
+    <p:sldId id="280" r:id="rId4"/>
+    <p:sldId id="259" r:id="rId5"/>
+    <p:sldId id="262" r:id="rId6"/>
+    <p:sldId id="278" r:id="rId7"/>
+    <p:sldId id="279" r:id="rId8"/>
+    <p:sldId id="265" r:id="rId9"/>
+    <p:sldId id="266" r:id="rId10"/>
+    <p:sldId id="267" r:id="rId11"/>
+    <p:sldId id="268" r:id="rId12"/>
+    <p:sldId id="270" r:id="rId13"/>
     <p:sldId id="261" r:id="rId14"/>
     <p:sldId id="269" r:id="rId15"/>
     <p:sldId id="264" r:id="rId16"/>
@@ -10230,7 +10230,7 @@
             <a:fld id="{B61BEF0D-F0BB-DE4B-95CE-6DB70DBA9567}" type="datetimeFigureOut">
               <a:rPr lang="en-US" smtClean="0"/>
               <a:pPr/>
-              <a:t>10/17/2014</a:t>
+              <a:t>10/20/2014</a:t>
             </a:fld>
             <a:endParaRPr lang="en-US" dirty="0"/>
           </a:p>
@@ -10530,7 +10530,7 @@
             <a:fld id="{B61BEF0D-F0BB-DE4B-95CE-6DB70DBA9567}" type="datetimeFigureOut">
               <a:rPr lang="en-US" smtClean="0"/>
               <a:pPr/>
-              <a:t>10/17/2014</a:t>
+              <a:t>10/20/2014</a:t>
             </a:fld>
             <a:endParaRPr lang="en-US" dirty="0"/>
           </a:p>
@@ -10724,7 +10724,7 @@
             <a:fld id="{B61BEF0D-F0BB-DE4B-95CE-6DB70DBA9567}" type="datetimeFigureOut">
               <a:rPr lang="en-US" smtClean="0"/>
               <a:pPr/>
-              <a:t>10/17/2014</a:t>
+              <a:t>10/20/2014</a:t>
             </a:fld>
             <a:endParaRPr lang="en-US" dirty="0"/>
           </a:p>
@@ -10987,7 +10987,7 @@
             <a:fld id="{B61BEF0D-F0BB-DE4B-95CE-6DB70DBA9567}" type="datetimeFigureOut">
               <a:rPr lang="en-US" smtClean="0"/>
               <a:pPr/>
-              <a:t>10/17/2014</a:t>
+              <a:t>10/20/2014</a:t>
             </a:fld>
             <a:endParaRPr lang="en-US" dirty="0"/>
           </a:p>
@@ -11413,7 +11413,7 @@
             <a:fld id="{B61BEF0D-F0BB-DE4B-95CE-6DB70DBA9567}" type="datetimeFigureOut">
               <a:rPr lang="en-US" smtClean="0"/>
               <a:pPr/>
-              <a:t>10/17/2014</a:t>
+              <a:t>10/20/2014</a:t>
             </a:fld>
             <a:endParaRPr lang="en-US" dirty="0"/>
           </a:p>
@@ -11952,7 +11952,7 @@
             <a:fld id="{B61BEF0D-F0BB-DE4B-95CE-6DB70DBA9567}" type="datetimeFigureOut">
               <a:rPr lang="en-US" smtClean="0"/>
               <a:pPr/>
-              <a:t>10/17/2014</a:t>
+              <a:t>10/20/2014</a:t>
             </a:fld>
             <a:endParaRPr lang="en-US" dirty="0"/>
           </a:p>
@@ -12818,7 +12818,7 @@
             <a:fld id="{B61BEF0D-F0BB-DE4B-95CE-6DB70DBA9567}" type="datetimeFigureOut">
               <a:rPr lang="en-US" smtClean="0"/>
               <a:pPr/>
-              <a:t>10/17/2014</a:t>
+              <a:t>10/20/2014</a:t>
             </a:fld>
             <a:endParaRPr lang="en-US" dirty="0"/>
           </a:p>
@@ -12990,7 +12990,7 @@
             <a:fld id="{B61BEF0D-F0BB-DE4B-95CE-6DB70DBA9567}" type="datetimeFigureOut">
               <a:rPr lang="en-US" smtClean="0"/>
               <a:pPr/>
-              <a:t>10/17/2014</a:t>
+              <a:t>10/20/2014</a:t>
             </a:fld>
             <a:endParaRPr lang="en-US" dirty="0"/>
           </a:p>
@@ -13176,7 +13176,7 @@
             <a:fld id="{B61BEF0D-F0BB-DE4B-95CE-6DB70DBA9567}" type="datetimeFigureOut">
               <a:rPr lang="en-US" smtClean="0"/>
               <a:pPr/>
-              <a:t>10/17/2014</a:t>
+              <a:t>10/20/2014</a:t>
             </a:fld>
             <a:endParaRPr lang="en-US" dirty="0"/>
           </a:p>
@@ -13348,7 +13348,7 @@
             <a:fld id="{B61BEF0D-F0BB-DE4B-95CE-6DB70DBA9567}" type="datetimeFigureOut">
               <a:rPr lang="en-US" smtClean="0"/>
               <a:pPr/>
-              <a:t>10/17/2014</a:t>
+              <a:t>10/20/2014</a:t>
             </a:fld>
             <a:endParaRPr lang="en-US" dirty="0"/>
           </a:p>
@@ -13594,7 +13594,7 @@
             <a:fld id="{B61BEF0D-F0BB-DE4B-95CE-6DB70DBA9567}" type="datetimeFigureOut">
               <a:rPr lang="en-US" smtClean="0"/>
               <a:pPr/>
-              <a:t>10/17/2014</a:t>
+              <a:t>10/20/2014</a:t>
             </a:fld>
             <a:endParaRPr lang="en-US" dirty="0"/>
           </a:p>
@@ -13832,7 +13832,7 @@
             <a:fld id="{B61BEF0D-F0BB-DE4B-95CE-6DB70DBA9567}" type="datetimeFigureOut">
               <a:rPr lang="en-US" smtClean="0"/>
               <a:pPr/>
-              <a:t>10/17/2014</a:t>
+              <a:t>10/20/2014</a:t>
             </a:fld>
             <a:endParaRPr lang="en-US" dirty="0"/>
           </a:p>
@@ -14300,7 +14300,7 @@
             <a:fld id="{B61BEF0D-F0BB-DE4B-95CE-6DB70DBA9567}" type="datetimeFigureOut">
               <a:rPr lang="en-US" smtClean="0"/>
               <a:pPr/>
-              <a:t>10/17/2014</a:t>
+              <a:t>10/20/2014</a:t>
             </a:fld>
             <a:endParaRPr lang="en-US" dirty="0"/>
           </a:p>
@@ -14420,7 +14420,7 @@
             <a:fld id="{B61BEF0D-F0BB-DE4B-95CE-6DB70DBA9567}" type="datetimeFigureOut">
               <a:rPr lang="en-US" smtClean="0"/>
               <a:pPr/>
-              <a:t>10/17/2014</a:t>
+              <a:t>10/20/2014</a:t>
             </a:fld>
             <a:endParaRPr lang="en-US" dirty="0"/>
           </a:p>
@@ -14517,7 +14517,7 @@
             <a:fld id="{B61BEF0D-F0BB-DE4B-95CE-6DB70DBA9567}" type="datetimeFigureOut">
               <a:rPr lang="en-US" smtClean="0"/>
               <a:pPr/>
-              <a:t>10/17/2014</a:t>
+              <a:t>10/20/2014</a:t>
             </a:fld>
             <a:endParaRPr lang="en-US" dirty="0"/>
           </a:p>
@@ -14774,7 +14774,7 @@
             <a:fld id="{B61BEF0D-F0BB-DE4B-95CE-6DB70DBA9567}" type="datetimeFigureOut">
               <a:rPr lang="en-US" smtClean="0"/>
               <a:pPr/>
-              <a:t>10/17/2014</a:t>
+              <a:t>10/20/2014</a:t>
             </a:fld>
             <a:endParaRPr lang="en-US" dirty="0"/>
           </a:p>
@@ -15076,7 +15076,7 @@
             <a:fld id="{B61BEF0D-F0BB-DE4B-95CE-6DB70DBA9567}" type="datetimeFigureOut">
               <a:rPr lang="en-US" smtClean="0"/>
               <a:pPr/>
-              <a:t>10/17/2014</a:t>
+              <a:t>10/20/2014</a:t>
             </a:fld>
             <a:endParaRPr lang="en-US" dirty="0"/>
           </a:p>
@@ -15312,7 +15312,7 @@
             <a:fld id="{B61BEF0D-F0BB-DE4B-95CE-6DB70DBA9567}" type="datetimeFigureOut">
               <a:rPr lang="en-US" smtClean="0"/>
               <a:pPr/>
-              <a:t>10/17/2014</a:t>
+              <a:t>10/20/2014</a:t>
             </a:fld>
             <a:endParaRPr lang="en-US" dirty="0"/>
           </a:p>
@@ -16170,7 +16170,7 @@
             <a:pPr algn="l"/>
             <a:r>
               <a:rPr lang="fr-FR" dirty="0" smtClean="0"/>
-              <a:t>Le robot – Le capteur</a:t>
+              <a:t>Le robot – Les moteurs</a:t>
             </a:r>
             <a:endParaRPr lang="fr-FR" dirty="0"/>
           </a:p>
@@ -16178,46 +16178,276 @@
       </p:sp>
       <p:pic>
         <p:nvPicPr>
-          <p:cNvPr id="3" name="Image 2"/>
+          <p:cNvPr id="5" name="Espace réservé du contenu 4"/>
           <p:cNvPicPr>
-            <a:picLocks noChangeAspect="1"/>
+            <a:picLocks noGrp="1" noChangeAspect="1"/>
           </p:cNvPicPr>
-          <p:nvPr/>
+          <p:nvPr>
+            <p:ph idx="1"/>
+          </p:nvPr>
         </p:nvPicPr>
-        <p:blipFill>
-          <a:blip r:embed="rId2"/>
-          <a:stretch>
-            <a:fillRect/>
-          </a:stretch>
+        <p:blipFill rotWithShape="1">
+          <a:blip r:embed="rId2">
+            <a:extLst>
+              <a:ext uri="{28A0092B-C50C-407E-A947-70E740481C1C}">
+                <a14:useLocalDpi xmlns:a14="http://schemas.microsoft.com/office/drawing/2010/main" val="0"/>
+              </a:ext>
+            </a:extLst>
+          </a:blip>
+          <a:srcRect b="3642"/>
+          <a:stretch/>
         </p:blipFill>
         <p:spPr>
           <a:xfrm>
-            <a:off x="185492" y="1468182"/>
-            <a:ext cx="11804739" cy="5209524"/>
+            <a:off x="1077569" y="2092041"/>
+            <a:ext cx="1295476" cy="1117257"/>
+          </a:xfrm>
+        </p:spPr>
+      </p:pic>
+      <p:sp>
+        <p:nvSpPr>
+          <p:cNvPr id="6" name="Titre 1"/>
+          <p:cNvSpPr txBox="1">
+            <a:spLocks/>
+          </p:cNvSpPr>
+          <p:nvPr/>
+        </p:nvSpPr>
+        <p:spPr>
+          <a:xfrm>
+            <a:off x="2772164" y="1884006"/>
+            <a:ext cx="7935834" cy="4107361"/>
           </a:xfrm>
           <a:prstGeom prst="rect">
             <a:avLst/>
           </a:prstGeom>
-          <a:ln w="38100" cap="sq">
-            <a:solidFill>
-              <a:srgbClr val="000000"/>
-            </a:solidFill>
-            <a:prstDash val="solid"/>
-            <a:miter lim="800000"/>
-          </a:ln>
           <a:effectLst>
-            <a:outerShdw blurRad="50800" dist="38100" dir="2700000" algn="tl" rotWithShape="0">
+            <a:outerShdw blurRad="25400" dir="17880000">
               <a:srgbClr val="000000">
-                <a:alpha val="43000"/>
+                <a:alpha val="46000"/>
               </a:srgbClr>
             </a:outerShdw>
           </a:effectLst>
         </p:spPr>
-      </p:pic>
+        <p:txBody>
+          <a:bodyPr vert="horz" lIns="91440" tIns="45720" rIns="91440" bIns="45720" rtlCol="0" anchor="t">
+            <a:normAutofit/>
+          </a:bodyPr>
+          <a:lstStyle>
+            <a:lvl1pPr algn="ctr" defTabSz="457200" rtl="0" eaLnBrk="1" latinLnBrk="0" hangingPunct="1">
+              <a:spcBef>
+                <a:spcPct val="0"/>
+              </a:spcBef>
+              <a:buNone/>
+              <a:defRPr sz="4000" kern="1200">
+                <a:ln>
+                  <a:solidFill>
+                    <a:schemeClr val="bg1">
+                      <a:lumMod val="75000"/>
+                      <a:lumOff val="25000"/>
+                      <a:alpha val="10000"/>
+                    </a:schemeClr>
+                  </a:solidFill>
+                </a:ln>
+                <a:solidFill>
+                  <a:schemeClr val="tx2"/>
+                </a:solidFill>
+                <a:effectLst>
+                  <a:outerShdw blurRad="9525" dist="25400" dir="14640000" algn="tl" rotWithShape="0">
+                    <a:schemeClr val="bg1">
+                      <a:alpha val="30000"/>
+                    </a:schemeClr>
+                  </a:outerShdw>
+                </a:effectLst>
+                <a:latin typeface="+mj-lt"/>
+                <a:ea typeface="+mj-ea"/>
+                <a:cs typeface="Trebuchet MS"/>
+              </a:defRPr>
+            </a:lvl1pPr>
+            <a:lvl2pPr eaLnBrk="1" hangingPunct="1">
+              <a:defRPr>
+                <a:solidFill>
+                  <a:schemeClr val="tx2"/>
+                </a:solidFill>
+              </a:defRPr>
+            </a:lvl2pPr>
+            <a:lvl3pPr eaLnBrk="1" hangingPunct="1">
+              <a:defRPr>
+                <a:solidFill>
+                  <a:schemeClr val="tx2"/>
+                </a:solidFill>
+              </a:defRPr>
+            </a:lvl3pPr>
+            <a:lvl4pPr eaLnBrk="1" hangingPunct="1">
+              <a:defRPr>
+                <a:solidFill>
+                  <a:schemeClr val="tx2"/>
+                </a:solidFill>
+              </a:defRPr>
+            </a:lvl4pPr>
+            <a:lvl5pPr eaLnBrk="1" hangingPunct="1">
+              <a:defRPr>
+                <a:solidFill>
+                  <a:schemeClr val="tx2"/>
+                </a:solidFill>
+              </a:defRPr>
+            </a:lvl5pPr>
+            <a:lvl6pPr eaLnBrk="1" hangingPunct="1">
+              <a:defRPr>
+                <a:solidFill>
+                  <a:schemeClr val="tx2"/>
+                </a:solidFill>
+              </a:defRPr>
+            </a:lvl6pPr>
+            <a:lvl7pPr eaLnBrk="1" hangingPunct="1">
+              <a:defRPr>
+                <a:solidFill>
+                  <a:schemeClr val="tx2"/>
+                </a:solidFill>
+              </a:defRPr>
+            </a:lvl7pPr>
+            <a:lvl8pPr eaLnBrk="1" hangingPunct="1">
+              <a:defRPr>
+                <a:solidFill>
+                  <a:schemeClr val="tx2"/>
+                </a:solidFill>
+              </a:defRPr>
+            </a:lvl8pPr>
+            <a:lvl9pPr eaLnBrk="1" hangingPunct="1">
+              <a:defRPr>
+                <a:solidFill>
+                  <a:schemeClr val="tx2"/>
+                </a:solidFill>
+              </a:defRPr>
+            </a:lvl9pPr>
+          </a:lstStyle>
+          <a:p>
+            <a:pPr algn="l"/>
+            <a:r>
+              <a:rPr lang="fr-FR" sz="2000" dirty="0" smtClean="0"/>
+              <a:t>Moteurs pas à pas  ( </a:t>
+            </a:r>
+            <a:r>
+              <a:rPr lang="fr-FR" sz="2000" dirty="0" err="1" smtClean="0"/>
+              <a:t>MotionKing</a:t>
+            </a:r>
+            <a:r>
+              <a:rPr lang="fr-FR" sz="2000" dirty="0" smtClean="0"/>
+              <a:t> </a:t>
+            </a:r>
+            <a:r>
+              <a:rPr lang="fr-FR" sz="2000" b="1" dirty="0" smtClean="0"/>
+              <a:t>17HS3401 )</a:t>
+            </a:r>
+          </a:p>
+          <a:p>
+            <a:pPr algn="l"/>
+            <a:endParaRPr lang="fr-FR" sz="2000" b="1" dirty="0"/>
+          </a:p>
+          <a:p>
+            <a:pPr algn="l"/>
+            <a:r>
+              <a:rPr lang="fr-FR" sz="2000" dirty="0" smtClean="0">
+                <a:effectLst/>
+              </a:rPr>
+              <a:t>Angle pour 1 pas = 1,8°</a:t>
+            </a:r>
+          </a:p>
+          <a:p>
+            <a:pPr algn="l"/>
+            <a:endParaRPr lang="fr-FR" sz="2000" dirty="0" smtClean="0">
+              <a:effectLst/>
+            </a:endParaRPr>
+          </a:p>
+          <a:p>
+            <a:pPr algn="l"/>
+            <a:r>
+              <a:rPr lang="fr-FR" sz="2000" dirty="0" smtClean="0">
+                <a:effectLst/>
+              </a:rPr>
+              <a:t>Pas pour 1 tour =  200    (360°/1,8°)</a:t>
+            </a:r>
+          </a:p>
+          <a:p>
+            <a:pPr algn="l"/>
+            <a:endParaRPr lang="fr-FR" sz="2000" dirty="0" smtClean="0">
+              <a:effectLst/>
+            </a:endParaRPr>
+          </a:p>
+          <a:p>
+            <a:pPr algn="l"/>
+            <a:r>
+              <a:rPr lang="fr-FR" sz="2000" dirty="0" smtClean="0">
+                <a:effectLst/>
+              </a:rPr>
+              <a:t>Fonction de contrôle du moteur:</a:t>
+            </a:r>
+            <a:endParaRPr lang="fr-FR" sz="2000" dirty="0">
+              <a:effectLst/>
+            </a:endParaRPr>
+          </a:p>
+          <a:p>
+            <a:pPr algn="l"/>
+            <a:r>
+              <a:rPr lang="fr-FR" sz="2000" dirty="0" smtClean="0">
+                <a:effectLst/>
+              </a:rPr>
+              <a:t>	Stepper : </a:t>
+            </a:r>
+            <a:r>
+              <a:rPr lang="fr-FR" sz="2000" dirty="0" err="1" smtClean="0">
+                <a:effectLst/>
+              </a:rPr>
+              <a:t>step</a:t>
+            </a:r>
+            <a:r>
+              <a:rPr lang="fr-FR" sz="2000" dirty="0" smtClean="0">
+                <a:effectLst/>
+              </a:rPr>
+              <a:t>(</a:t>
+            </a:r>
+            <a:r>
+              <a:rPr lang="fr-FR" sz="2000" dirty="0" err="1" smtClean="0">
+                <a:effectLst/>
+              </a:rPr>
+              <a:t>steps</a:t>
+            </a:r>
+            <a:r>
+              <a:rPr lang="fr-FR" sz="2000" dirty="0" smtClean="0">
+                <a:effectLst/>
+              </a:rPr>
+              <a:t>) </a:t>
+            </a:r>
+            <a:r>
+              <a:rPr lang="fr-FR" sz="2000" dirty="0">
+                <a:effectLst/>
+              </a:rPr>
+              <a:t>-&gt; fonction bloquante</a:t>
+            </a:r>
+          </a:p>
+          <a:p>
+            <a:pPr algn="l"/>
+            <a:endParaRPr lang="fr-FR" sz="2000" dirty="0" smtClean="0">
+              <a:effectLst/>
+            </a:endParaRPr>
+          </a:p>
+          <a:p>
+            <a:pPr algn="l"/>
+            <a:r>
+              <a:rPr lang="fr-FR" sz="2000" dirty="0">
+                <a:effectLst/>
+              </a:rPr>
+              <a:t>	</a:t>
+            </a:r>
+            <a:endParaRPr lang="fr-FR" sz="2000" dirty="0" smtClean="0">
+              <a:effectLst/>
+            </a:endParaRPr>
+          </a:p>
+        </p:txBody>
+      </p:sp>
     </p:spTree>
     <p:extLst>
       <p:ext uri="{BB962C8B-B14F-4D97-AF65-F5344CB8AC3E}">
-        <p14:creationId xmlns:p14="http://schemas.microsoft.com/office/powerpoint/2010/main" val="3312832204"/>
+        <p14:creationId xmlns:p14="http://schemas.microsoft.com/office/powerpoint/2010/main" val="1683227371"/>
       </p:ext>
     </p:extLst>
   </p:cSld>
@@ -16269,7 +16499,7 @@
             <a:pPr algn="l"/>
             <a:r>
               <a:rPr lang="fr-FR" dirty="0" smtClean="0"/>
-              <a:t>Algorithme</a:t>
+              <a:t>Le robot – Le capteur</a:t>
             </a:r>
             <a:endParaRPr lang="fr-FR" dirty="0"/>
           </a:p>
@@ -16285,29 +16515,260 @@
             <p:ph idx="1"/>
           </p:nvPr>
         </p:nvSpPr>
-        <p:spPr/>
+        <p:spPr>
+          <a:xfrm>
+            <a:off x="913795" y="1732449"/>
+            <a:ext cx="4501453" cy="4058751"/>
+          </a:xfrm>
+          <a:ln>
+            <a:noFill/>
+          </a:ln>
+        </p:spPr>
         <p:txBody>
           <a:bodyPr/>
           <a:lstStyle/>
           <a:p>
             <a:r>
               <a:rPr lang="fr-FR" dirty="0" smtClean="0"/>
-              <a:t>Algorithme de la main gauche</a:t>
-            </a:r>
-          </a:p>
-          <a:p>
+              <a:t>CAN</a:t>
+            </a:r>
+          </a:p>
+          <a:p>
+            <a:pPr lvl="1"/>
             <a:r>
               <a:rPr lang="fr-FR" dirty="0" smtClean="0"/>
-              <a:t>Machine à état</a:t>
+              <a:t>0V 	</a:t>
+            </a:r>
+            <a:r>
+              <a:rPr lang="fr-FR" dirty="0" smtClean="0">
+                <a:sym typeface="Wingdings" panose="05000000000000000000" pitchFamily="2" charset="2"/>
+              </a:rPr>
+              <a:t></a:t>
+            </a:r>
+            <a:r>
+              <a:rPr lang="fr-FR" dirty="0" smtClean="0"/>
+              <a:t> 0</a:t>
+            </a:r>
+          </a:p>
+          <a:p>
+            <a:pPr lvl="1"/>
+            <a:r>
+              <a:rPr lang="fr-FR" dirty="0" smtClean="0"/>
+              <a:t>5V 	</a:t>
+            </a:r>
+            <a:r>
+              <a:rPr lang="fr-FR" dirty="0" smtClean="0">
+                <a:sym typeface="Wingdings" panose="05000000000000000000" pitchFamily="2" charset="2"/>
+              </a:rPr>
+              <a:t></a:t>
+            </a:r>
+            <a:r>
+              <a:rPr lang="fr-FR" dirty="0" smtClean="0"/>
+              <a:t> 1024</a:t>
+            </a:r>
+          </a:p>
+          <a:p>
+            <a:r>
+              <a:rPr lang="fr-FR" dirty="0" smtClean="0"/>
+              <a:t>Test</a:t>
+            </a:r>
+          </a:p>
+          <a:p>
+            <a:pPr lvl="1"/>
+            <a:r>
+              <a:rPr lang="fr-FR" dirty="0" smtClean="0"/>
+              <a:t>20cm </a:t>
+            </a:r>
+            <a:r>
+              <a:rPr lang="fr-FR" dirty="0" smtClean="0">
+                <a:sym typeface="Wingdings" panose="05000000000000000000" pitchFamily="2" charset="2"/>
+              </a:rPr>
+              <a:t> 236  1,15V</a:t>
+            </a:r>
+          </a:p>
+          <a:p>
+            <a:pPr lvl="1"/>
+            <a:r>
+              <a:rPr lang="fr-FR" dirty="0" smtClean="0">
+                <a:sym typeface="Wingdings" panose="05000000000000000000" pitchFamily="2" charset="2"/>
+              </a:rPr>
+              <a:t>Nécessité de faire un étalonnage</a:t>
             </a:r>
             <a:endParaRPr lang="fr-FR" dirty="0"/>
+          </a:p>
+        </p:txBody>
+      </p:sp>
+      <p:pic>
+        <p:nvPicPr>
+          <p:cNvPr id="4" name="Image 3"/>
+          <p:cNvPicPr>
+            <a:picLocks noChangeAspect="1"/>
+          </p:cNvPicPr>
+          <p:nvPr/>
+        </p:nvPicPr>
+        <p:blipFill>
+          <a:blip r:embed="rId2"/>
+          <a:stretch>
+            <a:fillRect/>
+          </a:stretch>
+        </p:blipFill>
+        <p:spPr>
+          <a:xfrm>
+            <a:off x="5415249" y="1732449"/>
+            <a:ext cx="5852308" cy="4592844"/>
+          </a:xfrm>
+          <a:prstGeom prst="rect">
+            <a:avLst/>
+          </a:prstGeom>
+          <a:ln w="88900" cap="sq" cmpd="thickThin">
+            <a:solidFill>
+              <a:srgbClr val="000000"/>
+            </a:solidFill>
+            <a:prstDash val="solid"/>
+            <a:miter lim="800000"/>
+          </a:ln>
+          <a:effectLst>
+            <a:innerShdw blurRad="76200">
+              <a:srgbClr val="000000"/>
+            </a:innerShdw>
+          </a:effectLst>
+        </p:spPr>
+      </p:pic>
+      <p:cxnSp>
+        <p:nvCxnSpPr>
+          <p:cNvPr id="6" name="Connecteur droit 5"/>
+          <p:cNvCxnSpPr/>
+          <p:nvPr/>
+        </p:nvCxnSpPr>
+        <p:spPr>
+          <a:xfrm flipV="1">
+            <a:off x="7328079" y="4353059"/>
+            <a:ext cx="0" cy="1468192"/>
+          </a:xfrm>
+          <a:prstGeom prst="line">
+            <a:avLst/>
+          </a:prstGeom>
+        </p:spPr>
+        <p:style>
+          <a:lnRef idx="1">
+            <a:schemeClr val="accent1"/>
+          </a:lnRef>
+          <a:fillRef idx="0">
+            <a:schemeClr val="accent1"/>
+          </a:fillRef>
+          <a:effectRef idx="0">
+            <a:schemeClr val="accent1"/>
+          </a:effectRef>
+          <a:fontRef idx="minor">
+            <a:schemeClr val="tx1"/>
+          </a:fontRef>
+        </p:style>
+      </p:cxnSp>
+      <p:cxnSp>
+        <p:nvCxnSpPr>
+          <p:cNvPr id="11" name="Connecteur droit 10"/>
+          <p:cNvCxnSpPr/>
+          <p:nvPr/>
+        </p:nvCxnSpPr>
+        <p:spPr>
+          <a:xfrm flipH="1">
+            <a:off x="6040192" y="4353059"/>
+            <a:ext cx="1287887" cy="0"/>
+          </a:xfrm>
+          <a:prstGeom prst="line">
+            <a:avLst/>
+          </a:prstGeom>
+        </p:spPr>
+        <p:style>
+          <a:lnRef idx="1">
+            <a:schemeClr val="accent1"/>
+          </a:lnRef>
+          <a:fillRef idx="0">
+            <a:schemeClr val="accent1"/>
+          </a:fillRef>
+          <a:effectRef idx="0">
+            <a:schemeClr val="accent1"/>
+          </a:effectRef>
+          <a:fontRef idx="minor">
+            <a:schemeClr val="tx1"/>
+          </a:fontRef>
+        </p:style>
+      </p:cxnSp>
+      <p:cxnSp>
+        <p:nvCxnSpPr>
+          <p:cNvPr id="13" name="Connecteur droit avec flèche 12"/>
+          <p:cNvCxnSpPr/>
+          <p:nvPr/>
+        </p:nvCxnSpPr>
+        <p:spPr>
+          <a:xfrm>
+            <a:off x="3958975" y="3614912"/>
+            <a:ext cx="1965307" cy="738147"/>
+          </a:xfrm>
+          <a:prstGeom prst="straightConnector1">
+            <a:avLst/>
+          </a:prstGeom>
+          <a:ln>
+            <a:tailEnd type="triangle"/>
+          </a:ln>
+        </p:spPr>
+        <p:style>
+          <a:lnRef idx="1">
+            <a:schemeClr val="accent1"/>
+          </a:lnRef>
+          <a:fillRef idx="0">
+            <a:schemeClr val="accent1"/>
+          </a:fillRef>
+          <a:effectRef idx="0">
+            <a:schemeClr val="accent1"/>
+          </a:effectRef>
+          <a:fontRef idx="minor">
+            <a:schemeClr val="tx1"/>
+          </a:fontRef>
+        </p:style>
+      </p:cxnSp>
+      <p:sp>
+        <p:nvSpPr>
+          <p:cNvPr id="14" name="ZoneTexte 13"/>
+          <p:cNvSpPr txBox="1"/>
+          <p:nvPr/>
+        </p:nvSpPr>
+        <p:spPr>
+          <a:xfrm>
+            <a:off x="5887745" y="4149005"/>
+            <a:ext cx="304892" cy="369332"/>
+          </a:xfrm>
+          <a:prstGeom prst="rect">
+            <a:avLst/>
+          </a:prstGeom>
+          <a:noFill/>
+        </p:spPr>
+        <p:txBody>
+          <a:bodyPr wrap="none" rtlCol="0">
+            <a:spAutoFit/>
+          </a:bodyPr>
+          <a:lstStyle/>
+          <a:p>
+            <a:r>
+              <a:rPr lang="fr-FR" dirty="0" smtClean="0">
+                <a:solidFill>
+                  <a:srgbClr val="FF0000"/>
+                </a:solidFill>
+              </a:rPr>
+              <a:t>x</a:t>
+            </a:r>
+            <a:endParaRPr lang="fr-FR" dirty="0">
+              <a:solidFill>
+                <a:srgbClr val="FF0000"/>
+              </a:solidFill>
+            </a:endParaRPr>
           </a:p>
         </p:txBody>
       </p:sp>
     </p:spTree>
     <p:extLst>
       <p:ext uri="{BB962C8B-B14F-4D97-AF65-F5344CB8AC3E}">
-        <p14:creationId xmlns:p14="http://schemas.microsoft.com/office/powerpoint/2010/main" val="2836795985"/>
+        <p14:creationId xmlns:p14="http://schemas.microsoft.com/office/powerpoint/2010/main" val="307979065"/>
       </p:ext>
     </p:extLst>
   </p:cSld>
@@ -16359,45 +16820,54 @@
             <a:pPr algn="l"/>
             <a:r>
               <a:rPr lang="fr-FR" dirty="0" smtClean="0"/>
-              <a:t>Odométrie</a:t>
+              <a:t>Le robot – Le capteur</a:t>
             </a:r>
             <a:endParaRPr lang="fr-FR" dirty="0"/>
           </a:p>
         </p:txBody>
       </p:sp>
-      <p:sp>
-        <p:nvSpPr>
-          <p:cNvPr id="3" name="Espace réservé du contenu 2"/>
-          <p:cNvSpPr>
-            <a:spLocks noGrp="1"/>
-          </p:cNvSpPr>
-          <p:nvPr>
-            <p:ph idx="1"/>
-          </p:nvPr>
-        </p:nvSpPr>
-        <p:spPr/>
-        <p:txBody>
-          <a:bodyPr/>
-          <a:lstStyle/>
-          <a:p>
-            <a:r>
-              <a:rPr lang="fr-FR" dirty="0" smtClean="0"/>
-              <a:t>Position</a:t>
-            </a:r>
-          </a:p>
-          <a:p>
-            <a:r>
-              <a:rPr lang="fr-FR" dirty="0" smtClean="0"/>
-              <a:t>Orientation</a:t>
-            </a:r>
-            <a:endParaRPr lang="fr-FR" dirty="0"/>
-          </a:p>
-        </p:txBody>
-      </p:sp>
+      <p:pic>
+        <p:nvPicPr>
+          <p:cNvPr id="3" name="Image 2"/>
+          <p:cNvPicPr>
+            <a:picLocks noChangeAspect="1"/>
+          </p:cNvPicPr>
+          <p:nvPr/>
+        </p:nvPicPr>
+        <p:blipFill>
+          <a:blip r:embed="rId2"/>
+          <a:stretch>
+            <a:fillRect/>
+          </a:stretch>
+        </p:blipFill>
+        <p:spPr>
+          <a:xfrm>
+            <a:off x="185492" y="1468182"/>
+            <a:ext cx="11804739" cy="5209524"/>
+          </a:xfrm>
+          <a:prstGeom prst="rect">
+            <a:avLst/>
+          </a:prstGeom>
+          <a:ln w="38100" cap="sq">
+            <a:solidFill>
+              <a:srgbClr val="000000"/>
+            </a:solidFill>
+            <a:prstDash val="solid"/>
+            <a:miter lim="800000"/>
+          </a:ln>
+          <a:effectLst>
+            <a:outerShdw blurRad="50800" dist="38100" dir="2700000" algn="tl" rotWithShape="0">
+              <a:srgbClr val="000000">
+                <a:alpha val="43000"/>
+              </a:srgbClr>
+            </a:outerShdw>
+          </a:effectLst>
+        </p:spPr>
+      </p:pic>
     </p:spTree>
     <p:extLst>
       <p:ext uri="{BB962C8B-B14F-4D97-AF65-F5344CB8AC3E}">
-        <p14:creationId xmlns:p14="http://schemas.microsoft.com/office/powerpoint/2010/main" val="1194455758"/>
+        <p14:creationId xmlns:p14="http://schemas.microsoft.com/office/powerpoint/2010/main" val="3312832204"/>
       </p:ext>
     </p:extLst>
   </p:cSld>
@@ -16773,6 +17243,54 @@
           </a:p>
         </p:txBody>
       </p:sp>
+      <p:sp>
+        <p:nvSpPr>
+          <p:cNvPr id="3" name="Espace réservé du contenu 2"/>
+          <p:cNvSpPr>
+            <a:spLocks noGrp="1"/>
+          </p:cNvSpPr>
+          <p:nvPr>
+            <p:ph idx="1"/>
+          </p:nvPr>
+        </p:nvSpPr>
+        <p:spPr>
+          <a:xfrm>
+            <a:off x="913795" y="1732449"/>
+            <a:ext cx="10353762" cy="4058751"/>
+          </a:xfrm>
+        </p:spPr>
+        <p:txBody>
+          <a:bodyPr/>
+          <a:lstStyle/>
+          <a:p>
+            <a:r>
+              <a:rPr lang="fr-FR" dirty="0" smtClean="0"/>
+              <a:t>Rétrospective</a:t>
+            </a:r>
+          </a:p>
+          <a:p>
+            <a:pPr lvl="1"/>
+            <a:r>
+              <a:rPr lang="fr-FR" dirty="0" smtClean="0"/>
+              <a:t>L’algorithme</a:t>
+            </a:r>
+          </a:p>
+          <a:p>
+            <a:pPr lvl="1"/>
+            <a:r>
+              <a:rPr lang="fr-FR" dirty="0" smtClean="0"/>
+              <a:t>L’architecture du projet</a:t>
+            </a:r>
+            <a:endParaRPr lang="fr-FR" dirty="0"/>
+          </a:p>
+          <a:p>
+            <a:endParaRPr lang="fr-FR" dirty="0"/>
+          </a:p>
+          <a:p>
+            <a:endParaRPr lang="fr-FR" dirty="0" smtClean="0"/>
+          </a:p>
+        </p:txBody>
+      </p:sp>
     </p:spTree>
     <p:extLst>
       <p:ext uri="{BB962C8B-B14F-4D97-AF65-F5344CB8AC3E}">
@@ -16843,7 +17361,7 @@
         <p:spPr>
           <a:xfrm>
             <a:off x="913795" y="1580050"/>
-            <a:ext cx="10353762" cy="4524315"/>
+            <a:ext cx="10353762" cy="4893647"/>
           </a:xfrm>
           <a:prstGeom prst="rect">
             <a:avLst/>
@@ -16870,7 +17388,7 @@
               <a:buFont typeface="Arial" panose="020B0604020202020204" pitchFamily="34" charset="0"/>
               <a:buChar char="•"/>
             </a:pPr>
-            <a:endParaRPr lang="fr-FR" sz="2400" dirty="0" smtClean="0"/>
+            <a:endParaRPr lang="fr-FR" sz="2400" dirty="0"/>
           </a:p>
           <a:p>
             <a:pPr marL="285750" indent="-285750">
@@ -16879,35 +17397,8 @@
             </a:pPr>
             <a:r>
               <a:rPr lang="fr-FR" sz="2400" dirty="0" smtClean="0"/>
-              <a:t>Odométrie</a:t>
-            </a:r>
-          </a:p>
-          <a:p>
-            <a:endParaRPr lang="fr-FR" sz="2400" dirty="0" smtClean="0"/>
-          </a:p>
-          <a:p>
-            <a:pPr marL="285750" indent="-285750">
-              <a:buFont typeface="Arial" panose="020B0604020202020204" pitchFamily="34" charset="0"/>
-              <a:buChar char="•"/>
-            </a:pPr>
-            <a:r>
-              <a:rPr lang="fr-FR" sz="2400" dirty="0" smtClean="0"/>
-              <a:t>Client Web</a:t>
-            </a:r>
-          </a:p>
-          <a:p>
-            <a:endParaRPr lang="fr-FR" sz="2400" dirty="0"/>
-          </a:p>
-          <a:p>
-            <a:pPr marL="285750" indent="-285750">
-              <a:buFont typeface="Arial" panose="020B0604020202020204" pitchFamily="34" charset="0"/>
-              <a:buChar char="•"/>
-            </a:pPr>
-            <a:r>
-              <a:rPr lang="fr-FR" sz="2400" dirty="0" smtClean="0"/>
               <a:t>Algorithme</a:t>
             </a:r>
-            <a:endParaRPr lang="fr-FR" sz="2400" dirty="0"/>
           </a:p>
           <a:p>
             <a:pPr marL="285750" indent="-285750">
@@ -16923,7 +17414,7 @@
             </a:pPr>
             <a:r>
               <a:rPr lang="fr-FR" sz="2400" dirty="0" smtClean="0"/>
-              <a:t>Communication</a:t>
+              <a:t>Le Robot</a:t>
             </a:r>
             <a:endParaRPr lang="fr-FR" sz="2400" dirty="0"/>
           </a:p>
@@ -16932,6 +17423,51 @@
               <a:buFont typeface="Arial" panose="020B0604020202020204" pitchFamily="34" charset="0"/>
               <a:buChar char="•"/>
             </a:pPr>
+            <a:endParaRPr lang="fr-FR" sz="2400" dirty="0" smtClean="0"/>
+          </a:p>
+          <a:p>
+            <a:pPr marL="285750" indent="-285750">
+              <a:buFont typeface="Arial" panose="020B0604020202020204" pitchFamily="34" charset="0"/>
+              <a:buChar char="•"/>
+            </a:pPr>
+            <a:r>
+              <a:rPr lang="fr-FR" sz="2400" dirty="0" smtClean="0"/>
+              <a:t>Odométrie</a:t>
+            </a:r>
+          </a:p>
+          <a:p>
+            <a:pPr marL="285750" indent="-285750">
+              <a:buFont typeface="Arial" panose="020B0604020202020204" pitchFamily="34" charset="0"/>
+              <a:buChar char="•"/>
+            </a:pPr>
+            <a:endParaRPr lang="fr-FR" sz="2400" dirty="0"/>
+          </a:p>
+          <a:p>
+            <a:pPr marL="285750" indent="-285750">
+              <a:buFont typeface="Arial" panose="020B0604020202020204" pitchFamily="34" charset="0"/>
+              <a:buChar char="•"/>
+            </a:pPr>
+            <a:r>
+              <a:rPr lang="fr-FR" sz="2400" dirty="0"/>
+              <a:t>Communication</a:t>
+            </a:r>
+          </a:p>
+          <a:p>
+            <a:endParaRPr lang="fr-FR" sz="2400" dirty="0"/>
+          </a:p>
+          <a:p>
+            <a:pPr marL="285750" indent="-285750">
+              <a:buFont typeface="Arial" panose="020B0604020202020204" pitchFamily="34" charset="0"/>
+              <a:buChar char="•"/>
+            </a:pPr>
+            <a:r>
+              <a:rPr lang="fr-FR" sz="2400" dirty="0"/>
+              <a:t>Client </a:t>
+            </a:r>
+            <a:r>
+              <a:rPr lang="fr-FR" sz="2400" dirty="0" smtClean="0"/>
+              <a:t>Web</a:t>
+            </a:r>
             <a:endParaRPr lang="fr-FR" sz="2400" dirty="0" smtClean="0"/>
           </a:p>
           <a:p>
@@ -17022,6 +17558,214 @@
       </p:grpSpPr>
       <p:sp>
         <p:nvSpPr>
+          <p:cNvPr id="5" name="ZoneTexte 4"/>
+          <p:cNvSpPr txBox="1"/>
+          <p:nvPr/>
+        </p:nvSpPr>
+        <p:spPr>
+          <a:xfrm>
+            <a:off x="913795" y="1580050"/>
+            <a:ext cx="10353762" cy="4893647"/>
+          </a:xfrm>
+          <a:prstGeom prst="rect">
+            <a:avLst/>
+          </a:prstGeom>
+          <a:noFill/>
+        </p:spPr>
+        <p:txBody>
+          <a:bodyPr wrap="square" rtlCol="0">
+            <a:spAutoFit/>
+          </a:bodyPr>
+          <a:lstStyle/>
+          <a:p>
+            <a:pPr marL="285750" indent="-285750">
+              <a:buFont typeface="Arial" panose="020B0604020202020204" pitchFamily="34" charset="0"/>
+              <a:buChar char="•"/>
+            </a:pPr>
+            <a:r>
+              <a:rPr lang="fr-FR" sz="2400" dirty="0" smtClean="0">
+                <a:solidFill>
+                  <a:srgbClr val="FFC000"/>
+                </a:solidFill>
+              </a:rPr>
+              <a:t>Membres du groupe</a:t>
+            </a:r>
+          </a:p>
+          <a:p>
+            <a:pPr marL="285750" indent="-285750">
+              <a:buFont typeface="Arial" panose="020B0604020202020204" pitchFamily="34" charset="0"/>
+              <a:buChar char="•"/>
+            </a:pPr>
+            <a:endParaRPr lang="fr-FR" sz="2400" dirty="0"/>
+          </a:p>
+          <a:p>
+            <a:pPr marL="285750" indent="-285750">
+              <a:buFont typeface="Arial" panose="020B0604020202020204" pitchFamily="34" charset="0"/>
+              <a:buChar char="•"/>
+            </a:pPr>
+            <a:r>
+              <a:rPr lang="fr-FR" sz="2400" dirty="0" smtClean="0"/>
+              <a:t>Algorithme</a:t>
+            </a:r>
+          </a:p>
+          <a:p>
+            <a:pPr marL="285750" indent="-285750">
+              <a:buFont typeface="Arial" panose="020B0604020202020204" pitchFamily="34" charset="0"/>
+              <a:buChar char="•"/>
+            </a:pPr>
+            <a:endParaRPr lang="fr-FR" sz="2400" dirty="0"/>
+          </a:p>
+          <a:p>
+            <a:pPr marL="285750" indent="-285750">
+              <a:buFont typeface="Arial" panose="020B0604020202020204" pitchFamily="34" charset="0"/>
+              <a:buChar char="•"/>
+            </a:pPr>
+            <a:r>
+              <a:rPr lang="fr-FR" sz="2400" dirty="0" smtClean="0"/>
+              <a:t>Le Robot</a:t>
+            </a:r>
+            <a:endParaRPr lang="fr-FR" sz="2400" dirty="0"/>
+          </a:p>
+          <a:p>
+            <a:pPr marL="285750" indent="-285750">
+              <a:buFont typeface="Arial" panose="020B0604020202020204" pitchFamily="34" charset="0"/>
+              <a:buChar char="•"/>
+            </a:pPr>
+            <a:endParaRPr lang="fr-FR" sz="2400" dirty="0" smtClean="0"/>
+          </a:p>
+          <a:p>
+            <a:pPr marL="285750" indent="-285750">
+              <a:buFont typeface="Arial" panose="020B0604020202020204" pitchFamily="34" charset="0"/>
+              <a:buChar char="•"/>
+            </a:pPr>
+            <a:r>
+              <a:rPr lang="fr-FR" sz="2400" dirty="0" smtClean="0"/>
+              <a:t>Odométrie</a:t>
+            </a:r>
+          </a:p>
+          <a:p>
+            <a:pPr marL="285750" indent="-285750">
+              <a:buFont typeface="Arial" panose="020B0604020202020204" pitchFamily="34" charset="0"/>
+              <a:buChar char="•"/>
+            </a:pPr>
+            <a:endParaRPr lang="fr-FR" sz="2400" dirty="0"/>
+          </a:p>
+          <a:p>
+            <a:pPr marL="285750" indent="-285750">
+              <a:buFont typeface="Arial" panose="020B0604020202020204" pitchFamily="34" charset="0"/>
+              <a:buChar char="•"/>
+            </a:pPr>
+            <a:r>
+              <a:rPr lang="fr-FR" sz="2400" dirty="0"/>
+              <a:t>Communication</a:t>
+            </a:r>
+          </a:p>
+          <a:p>
+            <a:endParaRPr lang="fr-FR" sz="2400" dirty="0"/>
+          </a:p>
+          <a:p>
+            <a:pPr marL="285750" indent="-285750">
+              <a:buFont typeface="Arial" panose="020B0604020202020204" pitchFamily="34" charset="0"/>
+              <a:buChar char="•"/>
+            </a:pPr>
+            <a:r>
+              <a:rPr lang="fr-FR" sz="2400" dirty="0"/>
+              <a:t>Client </a:t>
+            </a:r>
+            <a:r>
+              <a:rPr lang="fr-FR" sz="2400" dirty="0" smtClean="0"/>
+              <a:t>Web</a:t>
+            </a:r>
+            <a:endParaRPr lang="fr-FR" sz="2400" dirty="0" smtClean="0"/>
+          </a:p>
+          <a:p>
+            <a:pPr marL="285750" indent="-285750">
+              <a:buFont typeface="Arial" panose="020B0604020202020204" pitchFamily="34" charset="0"/>
+              <a:buChar char="•"/>
+            </a:pPr>
+            <a:endParaRPr lang="fr-FR" sz="2400" dirty="0"/>
+          </a:p>
+          <a:p>
+            <a:pPr marL="285750" indent="-285750">
+              <a:buFont typeface="Arial" panose="020B0604020202020204" pitchFamily="34" charset="0"/>
+              <a:buChar char="•"/>
+            </a:pPr>
+            <a:r>
+              <a:rPr lang="fr-FR" sz="2400" dirty="0" smtClean="0"/>
+              <a:t>Conclusion</a:t>
+            </a:r>
+          </a:p>
+        </p:txBody>
+      </p:sp>
+      <p:pic>
+        <p:nvPicPr>
+          <p:cNvPr id="6" name="Image 5"/>
+          <p:cNvPicPr>
+            <a:picLocks noChangeAspect="1"/>
+          </p:cNvPicPr>
+          <p:nvPr/>
+        </p:nvPicPr>
+        <p:blipFill>
+          <a:blip r:embed="rId2">
+            <a:extLst>
+              <a:ext uri="{28A0092B-C50C-407E-A947-70E740481C1C}">
+                <a14:useLocalDpi xmlns:a14="http://schemas.microsoft.com/office/drawing/2010/main" val="0"/>
+              </a:ext>
+            </a:extLst>
+          </a:blip>
+          <a:stretch>
+            <a:fillRect/>
+          </a:stretch>
+        </p:blipFill>
+        <p:spPr>
+          <a:xfrm>
+            <a:off x="5693081" y="1320428"/>
+            <a:ext cx="4824046" cy="4674229"/>
+          </a:xfrm>
+          <a:prstGeom prst="rect">
+            <a:avLst/>
+          </a:prstGeom>
+        </p:spPr>
+      </p:pic>
+    </p:spTree>
+    <p:extLst>
+      <p:ext uri="{BB962C8B-B14F-4D97-AF65-F5344CB8AC3E}">
+        <p14:creationId xmlns:p14="http://schemas.microsoft.com/office/powerpoint/2010/main" val="1622527393"/>
+      </p:ext>
+    </p:extLst>
+  </p:cSld>
+  <p:clrMapOvr>
+    <a:masterClrMapping/>
+  </p:clrMapOvr>
+  <p:timing>
+    <p:tnLst>
+      <p:par>
+        <p:cTn id="1" dur="indefinite" restart="never" nodeType="tmRoot"/>
+      </p:par>
+    </p:tnLst>
+  </p:timing>
+</p:sld>
+</file>
+
+<file path=ppt/slides/slide4.xml><?xml version="1.0" encoding="utf-8"?>
+<p:sld xmlns:a="http://schemas.openxmlformats.org/drawingml/2006/main" xmlns:r="http://schemas.openxmlformats.org/officeDocument/2006/relationships" xmlns:p="http://schemas.openxmlformats.org/presentationml/2006/main">
+  <p:cSld>
+    <p:spTree>
+      <p:nvGrpSpPr>
+        <p:cNvPr id="1" name=""/>
+        <p:cNvGrpSpPr/>
+        <p:nvPr/>
+      </p:nvGrpSpPr>
+      <p:grpSpPr>
+        <a:xfrm>
+          <a:off x="0" y="0"/>
+          <a:ext cx="0" cy="0"/>
+          <a:chOff x="0" y="0"/>
+          <a:chExt cx="0" cy="0"/>
+        </a:xfrm>
+      </p:grpSpPr>
+      <p:sp>
+        <p:nvSpPr>
           <p:cNvPr id="2" name="Titre 1"/>
           <p:cNvSpPr>
             <a:spLocks noGrp="1"/>
@@ -17089,97 +17833,6 @@
 </p:sld>
 </file>
 
-<file path=ppt/slides/slide4.xml><?xml version="1.0" encoding="utf-8"?>
-<p:sld xmlns:a="http://schemas.openxmlformats.org/drawingml/2006/main" xmlns:r="http://schemas.openxmlformats.org/officeDocument/2006/relationships" xmlns:p="http://schemas.openxmlformats.org/presentationml/2006/main">
-  <p:cSld>
-    <p:spTree>
-      <p:nvGrpSpPr>
-        <p:cNvPr id="1" name=""/>
-        <p:cNvGrpSpPr/>
-        <p:nvPr/>
-      </p:nvGrpSpPr>
-      <p:grpSpPr>
-        <a:xfrm>
-          <a:off x="0" y="0"/>
-          <a:ext cx="0" cy="0"/>
-          <a:chOff x="0" y="0"/>
-          <a:chExt cx="0" cy="0"/>
-        </a:xfrm>
-      </p:grpSpPr>
-      <p:sp>
-        <p:nvSpPr>
-          <p:cNvPr id="2" name="Titre 1"/>
-          <p:cNvSpPr>
-            <a:spLocks noGrp="1"/>
-          </p:cNvSpPr>
-          <p:nvPr>
-            <p:ph type="title"/>
-          </p:nvPr>
-        </p:nvSpPr>
-        <p:spPr/>
-        <p:txBody>
-          <a:bodyPr/>
-          <a:lstStyle/>
-          <a:p>
-            <a:pPr algn="l"/>
-            <a:r>
-              <a:rPr lang="fr-FR" dirty="0" smtClean="0"/>
-              <a:t>Le robot</a:t>
-            </a:r>
-            <a:endParaRPr lang="fr-FR" dirty="0"/>
-          </a:p>
-        </p:txBody>
-      </p:sp>
-      <p:sp>
-        <p:nvSpPr>
-          <p:cNvPr id="3" name="Espace réservé du contenu 2"/>
-          <p:cNvSpPr>
-            <a:spLocks noGrp="1"/>
-          </p:cNvSpPr>
-          <p:nvPr>
-            <p:ph idx="1"/>
-          </p:nvPr>
-        </p:nvSpPr>
-        <p:spPr/>
-        <p:txBody>
-          <a:bodyPr/>
-          <a:lstStyle/>
-          <a:p>
-            <a:r>
-              <a:rPr lang="fr-FR" dirty="0" smtClean="0"/>
-              <a:t>Le microcontrôleur</a:t>
-            </a:r>
-          </a:p>
-          <a:p>
-            <a:r>
-              <a:rPr lang="fr-FR" dirty="0" smtClean="0"/>
-              <a:t>Les moteurs</a:t>
-            </a:r>
-          </a:p>
-          <a:p>
-            <a:r>
-              <a:rPr lang="fr-FR" dirty="0" smtClean="0"/>
-              <a:t>Le capteur</a:t>
-            </a:r>
-          </a:p>
-          <a:p>
-            <a:endParaRPr lang="fr-FR" dirty="0"/>
-          </a:p>
-        </p:txBody>
-      </p:sp>
-    </p:spTree>
-    <p:extLst>
-      <p:ext uri="{BB962C8B-B14F-4D97-AF65-F5344CB8AC3E}">
-        <p14:creationId xmlns:p14="http://schemas.microsoft.com/office/powerpoint/2010/main" val="2120670570"/>
-      </p:ext>
-    </p:extLst>
-  </p:cSld>
-  <p:clrMapOvr>
-    <a:masterClrMapping/>
-  </p:clrMapOvr>
-</p:sld>
-</file>
-
 <file path=ppt/slides/slide5.xml><?xml version="1.0" encoding="utf-8"?>
 <p:sld xmlns:a="http://schemas.openxmlformats.org/drawingml/2006/main" xmlns:r="http://schemas.openxmlformats.org/officeDocument/2006/relationships" xmlns:p="http://schemas.openxmlformats.org/presentationml/2006/main">
   <p:cSld>
@@ -17215,12 +17868,9 @@
             <a:pPr algn="l"/>
             <a:r>
               <a:rPr lang="fr-FR" dirty="0" smtClean="0"/>
-              <a:t>Le robot – </a:t>
-            </a:r>
-            <a:r>
-              <a:rPr lang="fr-FR" dirty="0"/>
-              <a:t>Le microcontrôleur</a:t>
-            </a:r>
+              <a:t>Algorithme</a:t>
+            </a:r>
+            <a:endParaRPr lang="fr-FR" dirty="0"/>
           </a:p>
         </p:txBody>
       </p:sp>
@@ -17239,6 +17889,16 @@
           <a:bodyPr/>
           <a:lstStyle/>
           <a:p>
+            <a:r>
+              <a:rPr lang="fr-FR" dirty="0" smtClean="0"/>
+              <a:t>Algorithme de la main gauche</a:t>
+            </a:r>
+          </a:p>
+          <a:p>
+            <a:r>
+              <a:rPr lang="fr-FR" dirty="0" smtClean="0"/>
+              <a:t>Machine à état</a:t>
+            </a:r>
             <a:endParaRPr lang="fr-FR" dirty="0"/>
           </a:p>
         </p:txBody>
@@ -17246,339 +17906,24 @@
     </p:spTree>
     <p:extLst>
       <p:ext uri="{BB962C8B-B14F-4D97-AF65-F5344CB8AC3E}">
-        <p14:creationId xmlns:p14="http://schemas.microsoft.com/office/powerpoint/2010/main" val="2985243064"/>
+        <p14:creationId xmlns:p14="http://schemas.microsoft.com/office/powerpoint/2010/main" val="2836795985"/>
       </p:ext>
     </p:extLst>
   </p:cSld>
   <p:clrMapOvr>
     <a:masterClrMapping/>
   </p:clrMapOvr>
+  <p:timing>
+    <p:tnLst>
+      <p:par>
+        <p:cTn id="1" dur="indefinite" restart="never" nodeType="tmRoot"/>
+      </p:par>
+    </p:tnLst>
+  </p:timing>
 </p:sld>
 </file>
 
 <file path=ppt/slides/slide6.xml><?xml version="1.0" encoding="utf-8"?>
-<p:sld xmlns:a="http://schemas.openxmlformats.org/drawingml/2006/main" xmlns:r="http://schemas.openxmlformats.org/officeDocument/2006/relationships" xmlns:p="http://schemas.openxmlformats.org/presentationml/2006/main">
-  <p:cSld>
-    <p:spTree>
-      <p:nvGrpSpPr>
-        <p:cNvPr id="1" name=""/>
-        <p:cNvGrpSpPr/>
-        <p:nvPr/>
-      </p:nvGrpSpPr>
-      <p:grpSpPr>
-        <a:xfrm>
-          <a:off x="0" y="0"/>
-          <a:ext cx="0" cy="0"/>
-          <a:chOff x="0" y="0"/>
-          <a:chExt cx="0" cy="0"/>
-        </a:xfrm>
-      </p:grpSpPr>
-      <p:sp>
-        <p:nvSpPr>
-          <p:cNvPr id="2" name="Titre 1"/>
-          <p:cNvSpPr>
-            <a:spLocks noGrp="1"/>
-          </p:cNvSpPr>
-          <p:nvPr>
-            <p:ph type="title"/>
-          </p:nvPr>
-        </p:nvSpPr>
-        <p:spPr/>
-        <p:txBody>
-          <a:bodyPr/>
-          <a:lstStyle/>
-          <a:p>
-            <a:pPr algn="l"/>
-            <a:r>
-              <a:rPr lang="fr-FR" dirty="0" smtClean="0"/>
-              <a:t>Le robot – Les moteurs</a:t>
-            </a:r>
-            <a:endParaRPr lang="fr-FR" dirty="0"/>
-          </a:p>
-        </p:txBody>
-      </p:sp>
-      <p:pic>
-        <p:nvPicPr>
-          <p:cNvPr id="5" name="Espace réservé du contenu 4"/>
-          <p:cNvPicPr>
-            <a:picLocks noGrp="1" noChangeAspect="1"/>
-          </p:cNvPicPr>
-          <p:nvPr>
-            <p:ph idx="1"/>
-          </p:nvPr>
-        </p:nvPicPr>
-        <p:blipFill rotWithShape="1">
-          <a:blip r:embed="rId2">
-            <a:extLst>
-              <a:ext uri="{28A0092B-C50C-407E-A947-70E740481C1C}">
-                <a14:useLocalDpi xmlns:a14="http://schemas.microsoft.com/office/drawing/2010/main" val="0"/>
-              </a:ext>
-            </a:extLst>
-          </a:blip>
-          <a:srcRect b="3642"/>
-          <a:stretch/>
-        </p:blipFill>
-        <p:spPr>
-          <a:xfrm>
-            <a:off x="1077569" y="2092041"/>
-            <a:ext cx="1295476" cy="1117257"/>
-          </a:xfrm>
-        </p:spPr>
-      </p:pic>
-      <p:sp>
-        <p:nvSpPr>
-          <p:cNvPr id="6" name="Titre 1"/>
-          <p:cNvSpPr txBox="1">
-            <a:spLocks/>
-          </p:cNvSpPr>
-          <p:nvPr/>
-        </p:nvSpPr>
-        <p:spPr>
-          <a:xfrm>
-            <a:off x="2772164" y="1884006"/>
-            <a:ext cx="7935834" cy="4107361"/>
-          </a:xfrm>
-          <a:prstGeom prst="rect">
-            <a:avLst/>
-          </a:prstGeom>
-          <a:effectLst>
-            <a:outerShdw blurRad="25400" dir="17880000">
-              <a:srgbClr val="000000">
-                <a:alpha val="46000"/>
-              </a:srgbClr>
-            </a:outerShdw>
-          </a:effectLst>
-        </p:spPr>
-        <p:txBody>
-          <a:bodyPr vert="horz" lIns="91440" tIns="45720" rIns="91440" bIns="45720" rtlCol="0" anchor="t">
-            <a:normAutofit/>
-          </a:bodyPr>
-          <a:lstStyle>
-            <a:lvl1pPr algn="ctr" defTabSz="457200" rtl="0" eaLnBrk="1" latinLnBrk="0" hangingPunct="1">
-              <a:spcBef>
-                <a:spcPct val="0"/>
-              </a:spcBef>
-              <a:buNone/>
-              <a:defRPr sz="4000" kern="1200">
-                <a:ln>
-                  <a:solidFill>
-                    <a:schemeClr val="bg1">
-                      <a:lumMod val="75000"/>
-                      <a:lumOff val="25000"/>
-                      <a:alpha val="10000"/>
-                    </a:schemeClr>
-                  </a:solidFill>
-                </a:ln>
-                <a:solidFill>
-                  <a:schemeClr val="tx2"/>
-                </a:solidFill>
-                <a:effectLst>
-                  <a:outerShdw blurRad="9525" dist="25400" dir="14640000" algn="tl" rotWithShape="0">
-                    <a:schemeClr val="bg1">
-                      <a:alpha val="30000"/>
-                    </a:schemeClr>
-                  </a:outerShdw>
-                </a:effectLst>
-                <a:latin typeface="+mj-lt"/>
-                <a:ea typeface="+mj-ea"/>
-                <a:cs typeface="Trebuchet MS"/>
-              </a:defRPr>
-            </a:lvl1pPr>
-            <a:lvl2pPr eaLnBrk="1" hangingPunct="1">
-              <a:defRPr>
-                <a:solidFill>
-                  <a:schemeClr val="tx2"/>
-                </a:solidFill>
-              </a:defRPr>
-            </a:lvl2pPr>
-            <a:lvl3pPr eaLnBrk="1" hangingPunct="1">
-              <a:defRPr>
-                <a:solidFill>
-                  <a:schemeClr val="tx2"/>
-                </a:solidFill>
-              </a:defRPr>
-            </a:lvl3pPr>
-            <a:lvl4pPr eaLnBrk="1" hangingPunct="1">
-              <a:defRPr>
-                <a:solidFill>
-                  <a:schemeClr val="tx2"/>
-                </a:solidFill>
-              </a:defRPr>
-            </a:lvl4pPr>
-            <a:lvl5pPr eaLnBrk="1" hangingPunct="1">
-              <a:defRPr>
-                <a:solidFill>
-                  <a:schemeClr val="tx2"/>
-                </a:solidFill>
-              </a:defRPr>
-            </a:lvl5pPr>
-            <a:lvl6pPr eaLnBrk="1" hangingPunct="1">
-              <a:defRPr>
-                <a:solidFill>
-                  <a:schemeClr val="tx2"/>
-                </a:solidFill>
-              </a:defRPr>
-            </a:lvl6pPr>
-            <a:lvl7pPr eaLnBrk="1" hangingPunct="1">
-              <a:defRPr>
-                <a:solidFill>
-                  <a:schemeClr val="tx2"/>
-                </a:solidFill>
-              </a:defRPr>
-            </a:lvl7pPr>
-            <a:lvl8pPr eaLnBrk="1" hangingPunct="1">
-              <a:defRPr>
-                <a:solidFill>
-                  <a:schemeClr val="tx2"/>
-                </a:solidFill>
-              </a:defRPr>
-            </a:lvl8pPr>
-            <a:lvl9pPr eaLnBrk="1" hangingPunct="1">
-              <a:defRPr>
-                <a:solidFill>
-                  <a:schemeClr val="tx2"/>
-                </a:solidFill>
-              </a:defRPr>
-            </a:lvl9pPr>
-          </a:lstStyle>
-          <a:p>
-            <a:pPr algn="l"/>
-            <a:r>
-              <a:rPr lang="fr-FR" sz="2000" dirty="0" smtClean="0"/>
-              <a:t>Moteurs pas à pas  ( </a:t>
-            </a:r>
-            <a:r>
-              <a:rPr lang="fr-FR" sz="2000" dirty="0" err="1" smtClean="0"/>
-              <a:t>MotionKing</a:t>
-            </a:r>
-            <a:r>
-              <a:rPr lang="fr-FR" sz="2000" dirty="0" smtClean="0"/>
-              <a:t> </a:t>
-            </a:r>
-            <a:r>
-              <a:rPr lang="fr-FR" sz="2000" b="1" dirty="0" smtClean="0"/>
-              <a:t>17HS3401 )</a:t>
-            </a:r>
-          </a:p>
-          <a:p>
-            <a:pPr algn="l"/>
-            <a:endParaRPr lang="fr-FR" sz="2000" b="1" dirty="0"/>
-          </a:p>
-          <a:p>
-            <a:pPr algn="l"/>
-            <a:r>
-              <a:rPr lang="fr-FR" sz="2000" dirty="0" smtClean="0">
-                <a:effectLst/>
-              </a:rPr>
-              <a:t>Angle pour 1 pas = 1,8°</a:t>
-            </a:r>
-          </a:p>
-          <a:p>
-            <a:pPr algn="l"/>
-            <a:endParaRPr lang="fr-FR" sz="2000" dirty="0" smtClean="0">
-              <a:effectLst/>
-            </a:endParaRPr>
-          </a:p>
-          <a:p>
-            <a:pPr algn="l"/>
-            <a:r>
-              <a:rPr lang="fr-FR" sz="2000" dirty="0" smtClean="0">
-                <a:effectLst/>
-              </a:rPr>
-              <a:t>Pas pour 1 tour =  200    (360°/1,8°)</a:t>
-            </a:r>
-          </a:p>
-          <a:p>
-            <a:pPr algn="l"/>
-            <a:endParaRPr lang="fr-FR" sz="2000" dirty="0" smtClean="0">
-              <a:effectLst/>
-            </a:endParaRPr>
-          </a:p>
-          <a:p>
-            <a:pPr algn="l"/>
-            <a:r>
-              <a:rPr lang="fr-FR" sz="2000" dirty="0" smtClean="0">
-                <a:effectLst/>
-              </a:rPr>
-              <a:t>Fonction de contrôle du moteur:</a:t>
-            </a:r>
-            <a:endParaRPr lang="fr-FR" sz="2000" dirty="0">
-              <a:effectLst/>
-            </a:endParaRPr>
-          </a:p>
-          <a:p>
-            <a:pPr algn="l"/>
-            <a:r>
-              <a:rPr lang="fr-FR" sz="2000" dirty="0" smtClean="0">
-                <a:effectLst/>
-              </a:rPr>
-              <a:t>	Stepper : </a:t>
-            </a:r>
-            <a:r>
-              <a:rPr lang="fr-FR" sz="2000" dirty="0" err="1" smtClean="0">
-                <a:effectLst/>
-              </a:rPr>
-              <a:t>step</a:t>
-            </a:r>
-            <a:r>
-              <a:rPr lang="fr-FR" sz="2000" dirty="0" smtClean="0">
-                <a:effectLst/>
-              </a:rPr>
-              <a:t>(</a:t>
-            </a:r>
-            <a:r>
-              <a:rPr lang="fr-FR" sz="2000" dirty="0" err="1" smtClean="0">
-                <a:effectLst/>
-              </a:rPr>
-              <a:t>steps</a:t>
-            </a:r>
-            <a:r>
-              <a:rPr lang="fr-FR" sz="2000" dirty="0" smtClean="0">
-                <a:effectLst/>
-              </a:rPr>
-              <a:t>) </a:t>
-            </a:r>
-            <a:r>
-              <a:rPr lang="fr-FR" sz="2000" dirty="0">
-                <a:effectLst/>
-              </a:rPr>
-              <a:t>-&gt; fonction bloquante</a:t>
-            </a:r>
-          </a:p>
-          <a:p>
-            <a:pPr algn="l"/>
-            <a:endParaRPr lang="fr-FR" sz="2000" dirty="0" smtClean="0">
-              <a:effectLst/>
-            </a:endParaRPr>
-          </a:p>
-          <a:p>
-            <a:pPr algn="l"/>
-            <a:r>
-              <a:rPr lang="fr-FR" sz="2000" dirty="0">
-                <a:effectLst/>
-              </a:rPr>
-              <a:t>	</a:t>
-            </a:r>
-            <a:endParaRPr lang="fr-FR" sz="2000" dirty="0" smtClean="0">
-              <a:effectLst/>
-            </a:endParaRPr>
-          </a:p>
-        </p:txBody>
-      </p:sp>
-    </p:spTree>
-    <p:extLst>
-      <p:ext uri="{BB962C8B-B14F-4D97-AF65-F5344CB8AC3E}">
-        <p14:creationId xmlns:p14="http://schemas.microsoft.com/office/powerpoint/2010/main" val="1683227371"/>
-      </p:ext>
-    </p:extLst>
-  </p:cSld>
-  <p:clrMapOvr>
-    <a:masterClrMapping/>
-  </p:clrMapOvr>
-</p:sld>
-</file>
-
-<file path=ppt/slides/slide7.xml><?xml version="1.0" encoding="utf-8"?>
 <p:sld xmlns:a="http://schemas.openxmlformats.org/drawingml/2006/main" xmlns:r="http://schemas.openxmlformats.org/officeDocument/2006/relationships" xmlns:p="http://schemas.openxmlformats.org/presentationml/2006/main">
   <p:cSld>
     <p:spTree>
@@ -18400,17 +18745,24 @@
     </p:spTree>
     <p:extLst>
       <p:ext uri="{BB962C8B-B14F-4D97-AF65-F5344CB8AC3E}">
-        <p14:creationId xmlns:p14="http://schemas.microsoft.com/office/powerpoint/2010/main" val="1552532595"/>
+        <p14:creationId xmlns:p14="http://schemas.microsoft.com/office/powerpoint/2010/main" val="1637635328"/>
       </p:ext>
     </p:extLst>
   </p:cSld>
   <p:clrMapOvr>
     <a:masterClrMapping/>
   </p:clrMapOvr>
+  <p:timing>
+    <p:tnLst>
+      <p:par>
+        <p:cTn id="1" dur="indefinite" restart="never" nodeType="tmRoot"/>
+      </p:par>
+    </p:tnLst>
+  </p:timing>
 </p:sld>
 </file>
 
-<file path=ppt/slides/slide8.xml><?xml version="1.0" encoding="utf-8"?>
+<file path=ppt/slides/slide7.xml><?xml version="1.0" encoding="utf-8"?>
 <p:sld xmlns:a="http://schemas.openxmlformats.org/drawingml/2006/main" xmlns:r="http://schemas.openxmlformats.org/officeDocument/2006/relationships" xmlns:p="http://schemas.openxmlformats.org/presentationml/2006/main">
   <p:cSld>
     <p:spTree>
@@ -19614,13 +19966,118 @@
     </p:spTree>
     <p:extLst>
       <p:ext uri="{BB962C8B-B14F-4D97-AF65-F5344CB8AC3E}">
-        <p14:creationId xmlns:p14="http://schemas.microsoft.com/office/powerpoint/2010/main" val="1964165358"/>
+        <p14:creationId xmlns:p14="http://schemas.microsoft.com/office/powerpoint/2010/main" val="3336842214"/>
       </p:ext>
     </p:extLst>
   </p:cSld>
   <p:clrMapOvr>
     <a:masterClrMapping/>
   </p:clrMapOvr>
+  <p:timing>
+    <p:tnLst>
+      <p:par>
+        <p:cTn id="1" dur="indefinite" restart="never" nodeType="tmRoot"/>
+      </p:par>
+    </p:tnLst>
+  </p:timing>
+</p:sld>
+</file>
+
+<file path=ppt/slides/slide8.xml><?xml version="1.0" encoding="utf-8"?>
+<p:sld xmlns:a="http://schemas.openxmlformats.org/drawingml/2006/main" xmlns:r="http://schemas.openxmlformats.org/officeDocument/2006/relationships" xmlns:p="http://schemas.openxmlformats.org/presentationml/2006/main">
+  <p:cSld>
+    <p:spTree>
+      <p:nvGrpSpPr>
+        <p:cNvPr id="1" name=""/>
+        <p:cNvGrpSpPr/>
+        <p:nvPr/>
+      </p:nvGrpSpPr>
+      <p:grpSpPr>
+        <a:xfrm>
+          <a:off x="0" y="0"/>
+          <a:ext cx="0" cy="0"/>
+          <a:chOff x="0" y="0"/>
+          <a:chExt cx="0" cy="0"/>
+        </a:xfrm>
+      </p:grpSpPr>
+      <p:sp>
+        <p:nvSpPr>
+          <p:cNvPr id="2" name="Titre 1"/>
+          <p:cNvSpPr>
+            <a:spLocks noGrp="1"/>
+          </p:cNvSpPr>
+          <p:nvPr>
+            <p:ph type="title"/>
+          </p:nvPr>
+        </p:nvSpPr>
+        <p:spPr/>
+        <p:txBody>
+          <a:bodyPr/>
+          <a:lstStyle/>
+          <a:p>
+            <a:pPr algn="l"/>
+            <a:r>
+              <a:rPr lang="fr-FR" dirty="0" smtClean="0"/>
+              <a:t>Le robot</a:t>
+            </a:r>
+            <a:endParaRPr lang="fr-FR" dirty="0"/>
+          </a:p>
+        </p:txBody>
+      </p:sp>
+      <p:sp>
+        <p:nvSpPr>
+          <p:cNvPr id="3" name="Espace réservé du contenu 2"/>
+          <p:cNvSpPr>
+            <a:spLocks noGrp="1"/>
+          </p:cNvSpPr>
+          <p:nvPr>
+            <p:ph idx="1"/>
+          </p:nvPr>
+        </p:nvSpPr>
+        <p:spPr/>
+        <p:txBody>
+          <a:bodyPr/>
+          <a:lstStyle/>
+          <a:p>
+            <a:r>
+              <a:rPr lang="fr-FR" dirty="0" smtClean="0"/>
+              <a:t>Le microcontrôleur</a:t>
+            </a:r>
+          </a:p>
+          <a:p>
+            <a:r>
+              <a:rPr lang="fr-FR" dirty="0" smtClean="0"/>
+              <a:t>Les moteurs</a:t>
+            </a:r>
+          </a:p>
+          <a:p>
+            <a:r>
+              <a:rPr lang="fr-FR" dirty="0" smtClean="0"/>
+              <a:t>Le capteur</a:t>
+            </a:r>
+          </a:p>
+          <a:p>
+            <a:endParaRPr lang="fr-FR" dirty="0"/>
+          </a:p>
+        </p:txBody>
+      </p:sp>
+    </p:spTree>
+    <p:extLst>
+      <p:ext uri="{BB962C8B-B14F-4D97-AF65-F5344CB8AC3E}">
+        <p14:creationId xmlns:p14="http://schemas.microsoft.com/office/powerpoint/2010/main" val="2120670570"/>
+      </p:ext>
+    </p:extLst>
+  </p:cSld>
+  <p:clrMapOvr>
+    <a:masterClrMapping/>
+  </p:clrMapOvr>
+  <p:timing>
+    <p:tnLst>
+      <p:par>
+        <p:cTn id="1" dur="indefinite" restart="never" nodeType="tmRoot"/>
+      </p:par>
+    </p:tnLst>
+  </p:timing>
 </p:sld>
 </file>
 
@@ -19659,9 +20116,12 @@
             <a:pPr algn="l"/>
             <a:r>
               <a:rPr lang="fr-FR" dirty="0" smtClean="0"/>
-              <a:t>Le robot – Le capteur</a:t>
-            </a:r>
-            <a:endParaRPr lang="fr-FR" dirty="0"/>
+              <a:t>Le robot – </a:t>
+            </a:r>
+            <a:r>
+              <a:rPr lang="fr-FR" dirty="0"/>
+              <a:t>Le microcontrôleur</a:t>
+            </a:r>
           </a:p>
         </p:txBody>
       </p:sp>
@@ -19675,260 +20135,19 @@
             <p:ph idx="1"/>
           </p:nvPr>
         </p:nvSpPr>
-        <p:spPr>
-          <a:xfrm>
-            <a:off x="913795" y="1732449"/>
-            <a:ext cx="4501453" cy="4058751"/>
-          </a:xfrm>
-          <a:ln>
-            <a:noFill/>
-          </a:ln>
-        </p:spPr>
+        <p:spPr/>
         <p:txBody>
           <a:bodyPr/>
           <a:lstStyle/>
           <a:p>
-            <a:r>
-              <a:rPr lang="fr-FR" dirty="0" smtClean="0"/>
-              <a:t>CAN</a:t>
-            </a:r>
-          </a:p>
-          <a:p>
-            <a:pPr lvl="1"/>
-            <a:r>
-              <a:rPr lang="fr-FR" dirty="0" smtClean="0"/>
-              <a:t>0V 	</a:t>
-            </a:r>
-            <a:r>
-              <a:rPr lang="fr-FR" dirty="0" smtClean="0">
-                <a:sym typeface="Wingdings" panose="05000000000000000000" pitchFamily="2" charset="2"/>
-              </a:rPr>
-              <a:t></a:t>
-            </a:r>
-            <a:r>
-              <a:rPr lang="fr-FR" dirty="0" smtClean="0"/>
-              <a:t> 0</a:t>
-            </a:r>
-          </a:p>
-          <a:p>
-            <a:pPr lvl="1"/>
-            <a:r>
-              <a:rPr lang="fr-FR" dirty="0" smtClean="0"/>
-              <a:t>5V 	</a:t>
-            </a:r>
-            <a:r>
-              <a:rPr lang="fr-FR" dirty="0" smtClean="0">
-                <a:sym typeface="Wingdings" panose="05000000000000000000" pitchFamily="2" charset="2"/>
-              </a:rPr>
-              <a:t></a:t>
-            </a:r>
-            <a:r>
-              <a:rPr lang="fr-FR" dirty="0" smtClean="0"/>
-              <a:t> 1024</a:t>
-            </a:r>
-          </a:p>
-          <a:p>
-            <a:r>
-              <a:rPr lang="fr-FR" dirty="0" smtClean="0"/>
-              <a:t>Test</a:t>
-            </a:r>
-          </a:p>
-          <a:p>
-            <a:pPr lvl="1"/>
-            <a:r>
-              <a:rPr lang="fr-FR" dirty="0" smtClean="0"/>
-              <a:t>20cm </a:t>
-            </a:r>
-            <a:r>
-              <a:rPr lang="fr-FR" dirty="0" smtClean="0">
-                <a:sym typeface="Wingdings" panose="05000000000000000000" pitchFamily="2" charset="2"/>
-              </a:rPr>
-              <a:t> 236  1,15V</a:t>
-            </a:r>
-          </a:p>
-          <a:p>
-            <a:pPr lvl="1"/>
-            <a:r>
-              <a:rPr lang="fr-FR" dirty="0" smtClean="0">
-                <a:sym typeface="Wingdings" panose="05000000000000000000" pitchFamily="2" charset="2"/>
-              </a:rPr>
-              <a:t>Nécessité de faire un étalonnage</a:t>
-            </a:r>
             <a:endParaRPr lang="fr-FR" dirty="0"/>
-          </a:p>
-        </p:txBody>
-      </p:sp>
-      <p:pic>
-        <p:nvPicPr>
-          <p:cNvPr id="4" name="Image 3"/>
-          <p:cNvPicPr>
-            <a:picLocks noChangeAspect="1"/>
-          </p:cNvPicPr>
-          <p:nvPr/>
-        </p:nvPicPr>
-        <p:blipFill>
-          <a:blip r:embed="rId2"/>
-          <a:stretch>
-            <a:fillRect/>
-          </a:stretch>
-        </p:blipFill>
-        <p:spPr>
-          <a:xfrm>
-            <a:off x="5415249" y="1732449"/>
-            <a:ext cx="5852308" cy="4592844"/>
-          </a:xfrm>
-          <a:prstGeom prst="rect">
-            <a:avLst/>
-          </a:prstGeom>
-          <a:ln w="88900" cap="sq" cmpd="thickThin">
-            <a:solidFill>
-              <a:srgbClr val="000000"/>
-            </a:solidFill>
-            <a:prstDash val="solid"/>
-            <a:miter lim="800000"/>
-          </a:ln>
-          <a:effectLst>
-            <a:innerShdw blurRad="76200">
-              <a:srgbClr val="000000"/>
-            </a:innerShdw>
-          </a:effectLst>
-        </p:spPr>
-      </p:pic>
-      <p:cxnSp>
-        <p:nvCxnSpPr>
-          <p:cNvPr id="6" name="Connecteur droit 5"/>
-          <p:cNvCxnSpPr/>
-          <p:nvPr/>
-        </p:nvCxnSpPr>
-        <p:spPr>
-          <a:xfrm flipV="1">
-            <a:off x="7328079" y="4353059"/>
-            <a:ext cx="0" cy="1468192"/>
-          </a:xfrm>
-          <a:prstGeom prst="line">
-            <a:avLst/>
-          </a:prstGeom>
-        </p:spPr>
-        <p:style>
-          <a:lnRef idx="1">
-            <a:schemeClr val="accent1"/>
-          </a:lnRef>
-          <a:fillRef idx="0">
-            <a:schemeClr val="accent1"/>
-          </a:fillRef>
-          <a:effectRef idx="0">
-            <a:schemeClr val="accent1"/>
-          </a:effectRef>
-          <a:fontRef idx="minor">
-            <a:schemeClr val="tx1"/>
-          </a:fontRef>
-        </p:style>
-      </p:cxnSp>
-      <p:cxnSp>
-        <p:nvCxnSpPr>
-          <p:cNvPr id="11" name="Connecteur droit 10"/>
-          <p:cNvCxnSpPr/>
-          <p:nvPr/>
-        </p:nvCxnSpPr>
-        <p:spPr>
-          <a:xfrm flipH="1">
-            <a:off x="6040192" y="4353059"/>
-            <a:ext cx="1287887" cy="0"/>
-          </a:xfrm>
-          <a:prstGeom prst="line">
-            <a:avLst/>
-          </a:prstGeom>
-        </p:spPr>
-        <p:style>
-          <a:lnRef idx="1">
-            <a:schemeClr val="accent1"/>
-          </a:lnRef>
-          <a:fillRef idx="0">
-            <a:schemeClr val="accent1"/>
-          </a:fillRef>
-          <a:effectRef idx="0">
-            <a:schemeClr val="accent1"/>
-          </a:effectRef>
-          <a:fontRef idx="minor">
-            <a:schemeClr val="tx1"/>
-          </a:fontRef>
-        </p:style>
-      </p:cxnSp>
-      <p:cxnSp>
-        <p:nvCxnSpPr>
-          <p:cNvPr id="13" name="Connecteur droit avec flèche 12"/>
-          <p:cNvCxnSpPr/>
-          <p:nvPr/>
-        </p:nvCxnSpPr>
-        <p:spPr>
-          <a:xfrm>
-            <a:off x="3958975" y="3614912"/>
-            <a:ext cx="1965307" cy="738147"/>
-          </a:xfrm>
-          <a:prstGeom prst="straightConnector1">
-            <a:avLst/>
-          </a:prstGeom>
-          <a:ln>
-            <a:tailEnd type="triangle"/>
-          </a:ln>
-        </p:spPr>
-        <p:style>
-          <a:lnRef idx="1">
-            <a:schemeClr val="accent1"/>
-          </a:lnRef>
-          <a:fillRef idx="0">
-            <a:schemeClr val="accent1"/>
-          </a:fillRef>
-          <a:effectRef idx="0">
-            <a:schemeClr val="accent1"/>
-          </a:effectRef>
-          <a:fontRef idx="minor">
-            <a:schemeClr val="tx1"/>
-          </a:fontRef>
-        </p:style>
-      </p:cxnSp>
-      <p:sp>
-        <p:nvSpPr>
-          <p:cNvPr id="14" name="ZoneTexte 13"/>
-          <p:cNvSpPr txBox="1"/>
-          <p:nvPr/>
-        </p:nvSpPr>
-        <p:spPr>
-          <a:xfrm>
-            <a:off x="5887745" y="4149005"/>
-            <a:ext cx="304892" cy="369332"/>
-          </a:xfrm>
-          <a:prstGeom prst="rect">
-            <a:avLst/>
-          </a:prstGeom>
-          <a:noFill/>
-        </p:spPr>
-        <p:txBody>
-          <a:bodyPr wrap="none" rtlCol="0">
-            <a:spAutoFit/>
-          </a:bodyPr>
-          <a:lstStyle/>
-          <a:p>
-            <a:r>
-              <a:rPr lang="fr-FR" dirty="0" smtClean="0">
-                <a:solidFill>
-                  <a:srgbClr val="FF0000"/>
-                </a:solidFill>
-              </a:rPr>
-              <a:t>x</a:t>
-            </a:r>
-            <a:endParaRPr lang="fr-FR" dirty="0">
-              <a:solidFill>
-                <a:srgbClr val="FF0000"/>
-              </a:solidFill>
-            </a:endParaRPr>
           </a:p>
         </p:txBody>
       </p:sp>
     </p:spTree>
     <p:extLst>
       <p:ext uri="{BB962C8B-B14F-4D97-AF65-F5344CB8AC3E}">
-        <p14:creationId xmlns:p14="http://schemas.microsoft.com/office/powerpoint/2010/main" val="307979065"/>
+        <p14:creationId xmlns:p14="http://schemas.microsoft.com/office/powerpoint/2010/main" val="2985243064"/>
       </p:ext>
     </p:extLst>
   </p:cSld>

--- a/Gestion projet/Projet intégration robotique – IMERIR.pptx
+++ b/Gestion projet/Projet intégration robotique – IMERIR.pptx
@@ -9,18 +9,25 @@
     <p:sldId id="257" r:id="rId3"/>
     <p:sldId id="280" r:id="rId4"/>
     <p:sldId id="259" r:id="rId5"/>
-    <p:sldId id="262" r:id="rId6"/>
-    <p:sldId id="278" r:id="rId7"/>
-    <p:sldId id="279" r:id="rId8"/>
+    <p:sldId id="281" r:id="rId6"/>
+    <p:sldId id="262" r:id="rId7"/>
+    <p:sldId id="282" r:id="rId8"/>
     <p:sldId id="265" r:id="rId9"/>
     <p:sldId id="266" r:id="rId10"/>
     <p:sldId id="267" r:id="rId11"/>
     <p:sldId id="268" r:id="rId12"/>
     <p:sldId id="270" r:id="rId13"/>
-    <p:sldId id="261" r:id="rId14"/>
-    <p:sldId id="269" r:id="rId15"/>
-    <p:sldId id="264" r:id="rId16"/>
-    <p:sldId id="258" r:id="rId17"/>
+    <p:sldId id="283" r:id="rId14"/>
+    <p:sldId id="287" r:id="rId15"/>
+    <p:sldId id="288" r:id="rId16"/>
+    <p:sldId id="289" r:id="rId17"/>
+    <p:sldId id="284" r:id="rId18"/>
+    <p:sldId id="261" r:id="rId19"/>
+    <p:sldId id="285" r:id="rId20"/>
+    <p:sldId id="269" r:id="rId21"/>
+    <p:sldId id="264" r:id="rId22"/>
+    <p:sldId id="286" r:id="rId23"/>
+    <p:sldId id="258" r:id="rId24"/>
   </p:sldIdLst>
   <p:sldSz cx="12192000" cy="6858000"/>
   <p:notesSz cx="6858000" cy="9144000"/>
@@ -4075,646 +4082,6 @@
       <dsp:cNvGrpSpPr/>
     </dsp:nvGrpSpPr>
     <dsp:grpSpPr/>
-    <dsp:sp modelId="{6A1FC33C-BD54-48D9-8848-B8051814CA7A}">
-      <dsp:nvSpPr>
-        <dsp:cNvPr id="0" name=""/>
-        <dsp:cNvSpPr/>
-      </dsp:nvSpPr>
-      <dsp:spPr>
-        <a:xfrm>
-          <a:off x="2656565" y="9048"/>
-          <a:ext cx="2412531" cy="2412899"/>
-        </a:xfrm>
-        <a:prstGeom prst="circularArrow">
-          <a:avLst>
-            <a:gd name="adj1" fmla="val 10980"/>
-            <a:gd name="adj2" fmla="val 1142322"/>
-            <a:gd name="adj3" fmla="val 4500000"/>
-            <a:gd name="adj4" fmla="val 10800000"/>
-            <a:gd name="adj5" fmla="val 12500"/>
-          </a:avLst>
-        </a:prstGeom>
-        <a:gradFill rotWithShape="0">
-          <a:gsLst>
-            <a:gs pos="0">
-              <a:schemeClr val="accent1">
-                <a:hueOff val="0"/>
-                <a:satOff val="0"/>
-                <a:lumOff val="0"/>
-                <a:alphaOff val="0"/>
-                <a:tint val="96000"/>
-                <a:lumMod val="104000"/>
-              </a:schemeClr>
-            </a:gs>
-            <a:gs pos="100000">
-              <a:schemeClr val="accent1">
-                <a:hueOff val="0"/>
-                <a:satOff val="0"/>
-                <a:lumOff val="0"/>
-                <a:alphaOff val="0"/>
-                <a:shade val="90000"/>
-                <a:lumMod val="90000"/>
-              </a:schemeClr>
-            </a:gs>
-          </a:gsLst>
-          <a:lin ang="5400000" scaled="0"/>
-        </a:gradFill>
-        <a:ln>
-          <a:noFill/>
-        </a:ln>
-        <a:effectLst>
-          <a:outerShdw blurRad="63500" dist="25400" dir="5400000" rotWithShape="0">
-            <a:srgbClr val="000000">
-              <a:alpha val="60000"/>
-            </a:srgbClr>
-          </a:outerShdw>
-        </a:effectLst>
-      </dsp:spPr>
-      <dsp:style>
-        <a:lnRef idx="0">
-          <a:scrgbClr r="0" g="0" b="0"/>
-        </a:lnRef>
-        <a:fillRef idx="3">
-          <a:scrgbClr r="0" g="0" b="0"/>
-        </a:fillRef>
-        <a:effectRef idx="2">
-          <a:scrgbClr r="0" g="0" b="0"/>
-        </a:effectRef>
-        <a:fontRef idx="minor">
-          <a:schemeClr val="lt1"/>
-        </a:fontRef>
-      </dsp:style>
-    </dsp:sp>
-    <dsp:sp modelId="{2BC33A24-C019-40DB-B4F8-D236F35960DA}">
-      <dsp:nvSpPr>
-        <dsp:cNvPr id="0" name=""/>
-        <dsp:cNvSpPr/>
-      </dsp:nvSpPr>
-      <dsp:spPr>
-        <a:xfrm>
-          <a:off x="5465248" y="601561"/>
-          <a:ext cx="3405954" cy="965360"/>
-        </a:xfrm>
-        <a:prstGeom prst="rect">
-          <a:avLst/>
-        </a:prstGeom>
-        <a:noFill/>
-        <a:ln>
-          <a:noFill/>
-        </a:ln>
-        <a:effectLst/>
-      </dsp:spPr>
-      <dsp:style>
-        <a:lnRef idx="0">
-          <a:scrgbClr r="0" g="0" b="0"/>
-        </a:lnRef>
-        <a:fillRef idx="0">
-          <a:scrgbClr r="0" g="0" b="0"/>
-        </a:fillRef>
-        <a:effectRef idx="0">
-          <a:scrgbClr r="0" g="0" b="0"/>
-        </a:effectRef>
-        <a:fontRef idx="minor"/>
-      </dsp:style>
-      <dsp:txBody>
-        <a:bodyPr spcFirstLastPara="0" vert="horz" wrap="square" lIns="15240" tIns="15240" rIns="15240" bIns="15240" numCol="1" spcCol="1270" anchor="ctr" anchorCtr="0">
-          <a:noAutofit/>
-        </a:bodyPr>
-        <a:lstStyle/>
-        <a:p>
-          <a:pPr marL="228600" lvl="1" indent="-228600" algn="l" defTabSz="1066800">
-            <a:lnSpc>
-              <a:spcPct val="90000"/>
-            </a:lnSpc>
-            <a:spcBef>
-              <a:spcPct val="0"/>
-            </a:spcBef>
-            <a:spcAft>
-              <a:spcPct val="15000"/>
-            </a:spcAft>
-            <a:buChar char="••"/>
-          </a:pPr>
-          <a:r>
-            <a:rPr lang="fr-FR" sz="2400" b="1" kern="1200" dirty="0" smtClean="0"/>
-            <a:t>Requête GET </a:t>
-          </a:r>
-          <a:endParaRPr lang="fr-FR" sz="2400" b="1" kern="1200" dirty="0"/>
-        </a:p>
-        <a:p>
-          <a:pPr marL="457200" lvl="2" indent="-228600" algn="l" defTabSz="1066800">
-            <a:lnSpc>
-              <a:spcPct val="90000"/>
-            </a:lnSpc>
-            <a:spcBef>
-              <a:spcPct val="0"/>
-            </a:spcBef>
-            <a:spcAft>
-              <a:spcPct val="15000"/>
-            </a:spcAft>
-            <a:buChar char="••"/>
-          </a:pPr>
-          <a:r>
-            <a:rPr lang="fr-FR" sz="2400" kern="1200" dirty="0" smtClean="0"/>
-            <a:t>Récupération du </a:t>
-          </a:r>
-          <a:r>
-            <a:rPr lang="fr-FR" sz="2400" kern="1200" dirty="0" err="1" smtClean="0"/>
-            <a:t>Json</a:t>
-          </a:r>
-          <a:endParaRPr lang="fr-FR" sz="2400" kern="1200" dirty="0"/>
-        </a:p>
-      </dsp:txBody>
-      <dsp:txXfrm>
-        <a:off x="5465248" y="601561"/>
-        <a:ext cx="3405954" cy="965360"/>
-      </dsp:txXfrm>
-    </dsp:sp>
-    <dsp:sp modelId="{41EA7880-1A0E-4CC2-B59F-914DDD351791}">
-      <dsp:nvSpPr>
-        <dsp:cNvPr id="0" name=""/>
-        <dsp:cNvSpPr/>
-      </dsp:nvSpPr>
-      <dsp:spPr>
-        <a:xfrm>
-          <a:off x="3162648" y="871129"/>
-          <a:ext cx="1340597" cy="670138"/>
-        </a:xfrm>
-        <a:prstGeom prst="rect">
-          <a:avLst/>
-        </a:prstGeom>
-        <a:noFill/>
-        <a:ln>
-          <a:noFill/>
-        </a:ln>
-        <a:effectLst/>
-      </dsp:spPr>
-      <dsp:style>
-        <a:lnRef idx="0">
-          <a:scrgbClr r="0" g="0" b="0"/>
-        </a:lnRef>
-        <a:fillRef idx="0">
-          <a:scrgbClr r="0" g="0" b="0"/>
-        </a:fillRef>
-        <a:effectRef idx="0">
-          <a:scrgbClr r="0" g="0" b="0"/>
-        </a:effectRef>
-        <a:fontRef idx="minor"/>
-      </dsp:style>
-      <dsp:txBody>
-        <a:bodyPr spcFirstLastPara="0" vert="horz" wrap="square" lIns="17780" tIns="17780" rIns="17780" bIns="17780" numCol="1" spcCol="1270" anchor="ctr" anchorCtr="0">
-          <a:noAutofit/>
-        </a:bodyPr>
-        <a:lstStyle/>
-        <a:p>
-          <a:pPr lvl="0" algn="ctr" defTabSz="1244600">
-            <a:lnSpc>
-              <a:spcPct val="90000"/>
-            </a:lnSpc>
-            <a:spcBef>
-              <a:spcPct val="0"/>
-            </a:spcBef>
-            <a:spcAft>
-              <a:spcPct val="35000"/>
-            </a:spcAft>
-          </a:pPr>
-          <a:r>
-            <a:rPr lang="fr-FR" sz="2800" kern="1200" dirty="0" smtClean="0"/>
-            <a:t>Ajax</a:t>
-          </a:r>
-          <a:endParaRPr lang="fr-FR" sz="2800" kern="1200" dirty="0"/>
-        </a:p>
-      </dsp:txBody>
-      <dsp:txXfrm>
-        <a:off x="3162648" y="871129"/>
-        <a:ext cx="1340597" cy="670138"/>
-      </dsp:txXfrm>
-    </dsp:sp>
-    <dsp:sp modelId="{1EAF82E5-DF36-4432-8EFB-3660BDEAF403}">
-      <dsp:nvSpPr>
-        <dsp:cNvPr id="0" name=""/>
-        <dsp:cNvSpPr/>
-      </dsp:nvSpPr>
-      <dsp:spPr>
-        <a:xfrm>
-          <a:off x="1959327" y="1386389"/>
-          <a:ext cx="2412531" cy="2412899"/>
-        </a:xfrm>
-        <a:prstGeom prst="leftCircularArrow">
-          <a:avLst>
-            <a:gd name="adj1" fmla="val 10980"/>
-            <a:gd name="adj2" fmla="val 1142322"/>
-            <a:gd name="adj3" fmla="val 6300000"/>
-            <a:gd name="adj4" fmla="val 18900000"/>
-            <a:gd name="adj5" fmla="val 12500"/>
-          </a:avLst>
-        </a:prstGeom>
-        <a:gradFill rotWithShape="0">
-          <a:gsLst>
-            <a:gs pos="0">
-              <a:schemeClr val="accent1">
-                <a:hueOff val="0"/>
-                <a:satOff val="0"/>
-                <a:lumOff val="0"/>
-                <a:alphaOff val="0"/>
-                <a:tint val="96000"/>
-                <a:lumMod val="104000"/>
-              </a:schemeClr>
-            </a:gs>
-            <a:gs pos="100000">
-              <a:schemeClr val="accent1">
-                <a:hueOff val="0"/>
-                <a:satOff val="0"/>
-                <a:lumOff val="0"/>
-                <a:alphaOff val="0"/>
-                <a:shade val="90000"/>
-                <a:lumMod val="90000"/>
-              </a:schemeClr>
-            </a:gs>
-          </a:gsLst>
-          <a:lin ang="5400000" scaled="0"/>
-        </a:gradFill>
-        <a:ln>
-          <a:noFill/>
-        </a:ln>
-        <a:effectLst>
-          <a:outerShdw blurRad="63500" dist="25400" dir="5400000" rotWithShape="0">
-            <a:srgbClr val="000000">
-              <a:alpha val="60000"/>
-            </a:srgbClr>
-          </a:outerShdw>
-        </a:effectLst>
-      </dsp:spPr>
-      <dsp:style>
-        <a:lnRef idx="0">
-          <a:scrgbClr r="0" g="0" b="0"/>
-        </a:lnRef>
-        <a:fillRef idx="3">
-          <a:scrgbClr r="0" g="0" b="0"/>
-        </a:fillRef>
-        <a:effectRef idx="2">
-          <a:scrgbClr r="0" g="0" b="0"/>
-        </a:effectRef>
-        <a:fontRef idx="minor">
-          <a:schemeClr val="lt1"/>
-        </a:fontRef>
-      </dsp:style>
-    </dsp:sp>
-    <dsp:sp modelId="{EED53FE3-01A0-4A4A-B958-999558A60657}">
-      <dsp:nvSpPr>
-        <dsp:cNvPr id="0" name=""/>
-        <dsp:cNvSpPr/>
-      </dsp:nvSpPr>
-      <dsp:spPr>
-        <a:xfrm>
-          <a:off x="4348677" y="2031293"/>
-          <a:ext cx="5643819" cy="965360"/>
-        </a:xfrm>
-        <a:prstGeom prst="rect">
-          <a:avLst/>
-        </a:prstGeom>
-        <a:noFill/>
-        <a:ln>
-          <a:noFill/>
-        </a:ln>
-        <a:effectLst/>
-      </dsp:spPr>
-      <dsp:style>
-        <a:lnRef idx="0">
-          <a:scrgbClr r="0" g="0" b="0"/>
-        </a:lnRef>
-        <a:fillRef idx="0">
-          <a:scrgbClr r="0" g="0" b="0"/>
-        </a:fillRef>
-        <a:effectRef idx="0">
-          <a:scrgbClr r="0" g="0" b="0"/>
-        </a:effectRef>
-        <a:fontRef idx="minor"/>
-      </dsp:style>
-      <dsp:txBody>
-        <a:bodyPr spcFirstLastPara="0" vert="horz" wrap="square" lIns="15240" tIns="15240" rIns="15240" bIns="15240" numCol="1" spcCol="1270" anchor="ctr" anchorCtr="0">
-          <a:noAutofit/>
-        </a:bodyPr>
-        <a:lstStyle/>
-        <a:p>
-          <a:pPr marL="228600" lvl="1" indent="-228600" algn="l" defTabSz="1066800">
-            <a:lnSpc>
-              <a:spcPct val="90000"/>
-            </a:lnSpc>
-            <a:spcBef>
-              <a:spcPct val="0"/>
-            </a:spcBef>
-            <a:spcAft>
-              <a:spcPct val="15000"/>
-            </a:spcAft>
-            <a:buChar char="••"/>
-          </a:pPr>
-          <a:r>
-            <a:rPr lang="fr-FR" sz="2400" b="1" kern="1200" dirty="0" smtClean="0"/>
-            <a:t>Nativement interprété</a:t>
-          </a:r>
-          <a:endParaRPr lang="fr-FR" sz="2400" b="1" kern="1200" dirty="0"/>
-        </a:p>
-        <a:p>
-          <a:pPr marL="457200" lvl="2" indent="-228600" algn="l" defTabSz="1066800">
-            <a:lnSpc>
-              <a:spcPct val="90000"/>
-            </a:lnSpc>
-            <a:spcBef>
-              <a:spcPct val="0"/>
-            </a:spcBef>
-            <a:spcAft>
-              <a:spcPct val="15000"/>
-            </a:spcAft>
-            <a:buChar char="••"/>
-          </a:pPr>
-          <a:r>
-            <a:rPr lang="fr-FR" sz="2400" kern="1200" dirty="0" smtClean="0"/>
-            <a:t>Extraction des données</a:t>
-          </a:r>
-          <a:endParaRPr lang="fr-FR" sz="2400" kern="1200" dirty="0"/>
-        </a:p>
-      </dsp:txBody>
-      <dsp:txXfrm>
-        <a:off x="4348677" y="2031293"/>
-        <a:ext cx="5643819" cy="965360"/>
-      </dsp:txXfrm>
-    </dsp:sp>
-    <dsp:sp modelId="{6AA25D69-5E05-40A3-9F00-9387D55331A8}">
-      <dsp:nvSpPr>
-        <dsp:cNvPr id="0" name=""/>
-        <dsp:cNvSpPr/>
-      </dsp:nvSpPr>
-      <dsp:spPr>
-        <a:xfrm>
-          <a:off x="2495294" y="2265538"/>
-          <a:ext cx="1340597" cy="670138"/>
-        </a:xfrm>
-        <a:prstGeom prst="rect">
-          <a:avLst/>
-        </a:prstGeom>
-        <a:noFill/>
-        <a:ln>
-          <a:noFill/>
-        </a:ln>
-        <a:effectLst/>
-      </dsp:spPr>
-      <dsp:style>
-        <a:lnRef idx="0">
-          <a:scrgbClr r="0" g="0" b="0"/>
-        </a:lnRef>
-        <a:fillRef idx="0">
-          <a:scrgbClr r="0" g="0" b="0"/>
-        </a:fillRef>
-        <a:effectRef idx="0">
-          <a:scrgbClr r="0" g="0" b="0"/>
-        </a:effectRef>
-        <a:fontRef idx="minor"/>
-      </dsp:style>
-      <dsp:txBody>
-        <a:bodyPr spcFirstLastPara="0" vert="horz" wrap="square" lIns="17780" tIns="17780" rIns="17780" bIns="17780" numCol="1" spcCol="1270" anchor="ctr" anchorCtr="0">
-          <a:noAutofit/>
-        </a:bodyPr>
-        <a:lstStyle/>
-        <a:p>
-          <a:pPr lvl="0" algn="ctr" defTabSz="1244600">
-            <a:lnSpc>
-              <a:spcPct val="90000"/>
-            </a:lnSpc>
-            <a:spcBef>
-              <a:spcPct val="0"/>
-            </a:spcBef>
-            <a:spcAft>
-              <a:spcPct val="35000"/>
-            </a:spcAft>
-          </a:pPr>
-          <a:r>
-            <a:rPr lang="fr-FR" sz="2800" kern="1200" dirty="0" err="1" smtClean="0"/>
-            <a:t>Jquery</a:t>
-          </a:r>
-          <a:endParaRPr lang="fr-FR" sz="2800" kern="1200" dirty="0"/>
-        </a:p>
-      </dsp:txBody>
-      <dsp:txXfrm>
-        <a:off x="2495294" y="2265538"/>
-        <a:ext cx="1340597" cy="670138"/>
-      </dsp:txXfrm>
-    </dsp:sp>
-    <dsp:sp modelId="{A7590864-E6C3-49D8-9B22-DF9210EFF756}">
-      <dsp:nvSpPr>
-        <dsp:cNvPr id="0" name=""/>
-        <dsp:cNvSpPr/>
-      </dsp:nvSpPr>
-      <dsp:spPr>
-        <a:xfrm>
-          <a:off x="2801108" y="2938684"/>
-          <a:ext cx="2072738" cy="2073569"/>
-        </a:xfrm>
-        <a:prstGeom prst="blockArc">
-          <a:avLst>
-            <a:gd name="adj1" fmla="val 13500000"/>
-            <a:gd name="adj2" fmla="val 10800000"/>
-            <a:gd name="adj3" fmla="val 12740"/>
-          </a:avLst>
-        </a:prstGeom>
-        <a:gradFill rotWithShape="0">
-          <a:gsLst>
-            <a:gs pos="0">
-              <a:schemeClr val="accent1">
-                <a:hueOff val="0"/>
-                <a:satOff val="0"/>
-                <a:lumOff val="0"/>
-                <a:alphaOff val="0"/>
-                <a:tint val="96000"/>
-                <a:lumMod val="104000"/>
-              </a:schemeClr>
-            </a:gs>
-            <a:gs pos="100000">
-              <a:schemeClr val="accent1">
-                <a:hueOff val="0"/>
-                <a:satOff val="0"/>
-                <a:lumOff val="0"/>
-                <a:alphaOff val="0"/>
-                <a:shade val="90000"/>
-                <a:lumMod val="90000"/>
-              </a:schemeClr>
-            </a:gs>
-          </a:gsLst>
-          <a:lin ang="5400000" scaled="0"/>
-        </a:gradFill>
-        <a:ln>
-          <a:noFill/>
-        </a:ln>
-        <a:effectLst>
-          <a:outerShdw blurRad="63500" dist="25400" dir="5400000" rotWithShape="0">
-            <a:srgbClr val="000000">
-              <a:alpha val="60000"/>
-            </a:srgbClr>
-          </a:outerShdw>
-        </a:effectLst>
-      </dsp:spPr>
-      <dsp:style>
-        <a:lnRef idx="0">
-          <a:scrgbClr r="0" g="0" b="0"/>
-        </a:lnRef>
-        <a:fillRef idx="3">
-          <a:scrgbClr r="0" g="0" b="0"/>
-        </a:fillRef>
-        <a:effectRef idx="2">
-          <a:scrgbClr r="0" g="0" b="0"/>
-        </a:effectRef>
-        <a:fontRef idx="minor">
-          <a:schemeClr val="lt1"/>
-        </a:fontRef>
-      </dsp:style>
-    </dsp:sp>
-    <dsp:sp modelId="{1EC2A02A-3E8D-473F-97D1-1FB993A4303A}">
-      <dsp:nvSpPr>
-        <dsp:cNvPr id="0" name=""/>
-        <dsp:cNvSpPr/>
-      </dsp:nvSpPr>
-      <dsp:spPr>
-        <a:xfrm>
-          <a:off x="5458447" y="3522663"/>
-          <a:ext cx="4534049" cy="965360"/>
-        </a:xfrm>
-        <a:prstGeom prst="rect">
-          <a:avLst/>
-        </a:prstGeom>
-        <a:noFill/>
-        <a:ln>
-          <a:noFill/>
-        </a:ln>
-        <a:effectLst/>
-      </dsp:spPr>
-      <dsp:style>
-        <a:lnRef idx="0">
-          <a:scrgbClr r="0" g="0" b="0"/>
-        </a:lnRef>
-        <a:fillRef idx="0">
-          <a:scrgbClr r="0" g="0" b="0"/>
-        </a:fillRef>
-        <a:effectRef idx="0">
-          <a:scrgbClr r="0" g="0" b="0"/>
-        </a:effectRef>
-        <a:fontRef idx="minor"/>
-      </dsp:style>
-      <dsp:txBody>
-        <a:bodyPr spcFirstLastPara="0" vert="horz" wrap="square" lIns="15240" tIns="15240" rIns="15240" bIns="15240" numCol="1" spcCol="1270" anchor="ctr" anchorCtr="0">
-          <a:noAutofit/>
-        </a:bodyPr>
-        <a:lstStyle/>
-        <a:p>
-          <a:pPr marL="228600" lvl="1" indent="-228600" algn="l" defTabSz="1066800">
-            <a:lnSpc>
-              <a:spcPct val="90000"/>
-            </a:lnSpc>
-            <a:spcBef>
-              <a:spcPct val="0"/>
-            </a:spcBef>
-            <a:spcAft>
-              <a:spcPct val="15000"/>
-            </a:spcAft>
-            <a:buChar char="••"/>
-          </a:pPr>
-          <a:r>
-            <a:rPr lang="fr-FR" sz="2400" b="1" kern="1200" dirty="0" smtClean="0"/>
-            <a:t>Balise &lt;</a:t>
-          </a:r>
-          <a:r>
-            <a:rPr lang="fr-FR" sz="2400" b="1" kern="1200" dirty="0" err="1" smtClean="0"/>
-            <a:t>canvas</a:t>
-          </a:r>
-          <a:r>
-            <a:rPr lang="fr-FR" sz="2400" b="1" kern="1200" dirty="0" smtClean="0"/>
-            <a:t>&gt;</a:t>
-          </a:r>
-          <a:endParaRPr lang="fr-FR" sz="2400" b="1" kern="1200" dirty="0"/>
-        </a:p>
-        <a:p>
-          <a:pPr marL="457200" lvl="2" indent="-228600" algn="l" defTabSz="1066800">
-            <a:lnSpc>
-              <a:spcPct val="90000"/>
-            </a:lnSpc>
-            <a:spcBef>
-              <a:spcPct val="0"/>
-            </a:spcBef>
-            <a:spcAft>
-              <a:spcPct val="15000"/>
-            </a:spcAft>
-            <a:buChar char="••"/>
-          </a:pPr>
-          <a:r>
-            <a:rPr lang="fr-FR" sz="2400" kern="1200" dirty="0" smtClean="0"/>
-            <a:t>Modélisation des obstacles</a:t>
-          </a:r>
-          <a:endParaRPr lang="fr-FR" sz="2400" kern="1200" dirty="0"/>
-        </a:p>
-      </dsp:txBody>
-      <dsp:txXfrm>
-        <a:off x="5458447" y="3522663"/>
-        <a:ext cx="4534049" cy="965360"/>
-      </dsp:txXfrm>
-    </dsp:sp>
-    <dsp:sp modelId="{7D2E6C7C-9586-4A0C-B907-A004212DF446}">
-      <dsp:nvSpPr>
-        <dsp:cNvPr id="0" name=""/>
-        <dsp:cNvSpPr/>
-      </dsp:nvSpPr>
-      <dsp:spPr>
-        <a:xfrm>
-          <a:off x="3165820" y="3661952"/>
-          <a:ext cx="1340597" cy="670138"/>
-        </a:xfrm>
-        <a:prstGeom prst="rect">
-          <a:avLst/>
-        </a:prstGeom>
-        <a:noFill/>
-        <a:ln>
-          <a:noFill/>
-        </a:ln>
-        <a:effectLst/>
-      </dsp:spPr>
-      <dsp:style>
-        <a:lnRef idx="0">
-          <a:scrgbClr r="0" g="0" b="0"/>
-        </a:lnRef>
-        <a:fillRef idx="0">
-          <a:scrgbClr r="0" g="0" b="0"/>
-        </a:fillRef>
-        <a:effectRef idx="0">
-          <a:scrgbClr r="0" g="0" b="0"/>
-        </a:effectRef>
-        <a:fontRef idx="minor"/>
-      </dsp:style>
-      <dsp:txBody>
-        <a:bodyPr spcFirstLastPara="0" vert="horz" wrap="square" lIns="17780" tIns="17780" rIns="17780" bIns="17780" numCol="1" spcCol="1270" anchor="ctr" anchorCtr="0">
-          <a:noAutofit/>
-        </a:bodyPr>
-        <a:lstStyle/>
-        <a:p>
-          <a:pPr lvl="0" algn="ctr" defTabSz="1244600">
-            <a:lnSpc>
-              <a:spcPct val="90000"/>
-            </a:lnSpc>
-            <a:spcBef>
-              <a:spcPct val="0"/>
-            </a:spcBef>
-            <a:spcAft>
-              <a:spcPct val="35000"/>
-            </a:spcAft>
-          </a:pPr>
-          <a:r>
-            <a:rPr lang="fr-FR" sz="2800" kern="1200" dirty="0" smtClean="0"/>
-            <a:t>HTML5</a:t>
-          </a:r>
-          <a:endParaRPr lang="fr-FR" sz="2800" kern="1200" dirty="0"/>
-        </a:p>
-      </dsp:txBody>
-      <dsp:txXfrm>
-        <a:off x="3165820" y="3661952"/>
-        <a:ext cx="1340597" cy="670138"/>
-      </dsp:txXfrm>
-    </dsp:sp>
   </dsp:spTree>
 </dsp:drawing>
 </file>
@@ -16903,51 +16270,178 @@
       </p:grpSpPr>
       <p:sp>
         <p:nvSpPr>
-          <p:cNvPr id="2" name="Titre 1"/>
-          <p:cNvSpPr>
-            <a:spLocks noGrp="1"/>
-          </p:cNvSpPr>
-          <p:nvPr>
-            <p:ph type="title"/>
-          </p:nvPr>
+          <p:cNvPr id="5" name="ZoneTexte 4"/>
+          <p:cNvSpPr txBox="1"/>
+          <p:nvPr/>
         </p:nvSpPr>
-        <p:spPr/>
+        <p:spPr>
+          <a:xfrm>
+            <a:off x="913795" y="1580050"/>
+            <a:ext cx="10353762" cy="4893647"/>
+          </a:xfrm>
+          <a:prstGeom prst="rect">
+            <a:avLst/>
+          </a:prstGeom>
+          <a:noFill/>
+        </p:spPr>
         <p:txBody>
-          <a:bodyPr/>
+          <a:bodyPr wrap="square" rtlCol="0">
+            <a:spAutoFit/>
+          </a:bodyPr>
           <a:lstStyle/>
           <a:p>
-            <a:pPr algn="l"/>
-            <a:r>
-              <a:rPr lang="fr-FR" dirty="0" smtClean="0"/>
-              <a:t>Serveur Web</a:t>
-            </a:r>
-            <a:endParaRPr lang="fr-FR" dirty="0"/>
+            <a:pPr marL="285750" indent="-285750">
+              <a:buFont typeface="Arial" panose="020B0604020202020204" pitchFamily="34" charset="0"/>
+              <a:buChar char="•"/>
+            </a:pPr>
+            <a:r>
+              <a:rPr lang="fr-FR" sz="2400" dirty="0" smtClean="0"/>
+              <a:t>Membres du groupe</a:t>
+            </a:r>
+          </a:p>
+          <a:p>
+            <a:pPr marL="285750" indent="-285750">
+              <a:buFont typeface="Arial" panose="020B0604020202020204" pitchFamily="34" charset="0"/>
+              <a:buChar char="•"/>
+            </a:pPr>
+            <a:endParaRPr lang="fr-FR" sz="2400" dirty="0"/>
+          </a:p>
+          <a:p>
+            <a:pPr marL="285750" indent="-285750">
+              <a:buFont typeface="Arial" panose="020B0604020202020204" pitchFamily="34" charset="0"/>
+              <a:buChar char="•"/>
+            </a:pPr>
+            <a:r>
+              <a:rPr lang="fr-FR" sz="2400" dirty="0" smtClean="0"/>
+              <a:t>Algorithme</a:t>
+            </a:r>
+          </a:p>
+          <a:p>
+            <a:pPr marL="285750" indent="-285750">
+              <a:buFont typeface="Arial" panose="020B0604020202020204" pitchFamily="34" charset="0"/>
+              <a:buChar char="•"/>
+            </a:pPr>
+            <a:endParaRPr lang="fr-FR" sz="2400" dirty="0"/>
+          </a:p>
+          <a:p>
+            <a:pPr marL="285750" indent="-285750">
+              <a:buFont typeface="Arial" panose="020B0604020202020204" pitchFamily="34" charset="0"/>
+              <a:buChar char="•"/>
+            </a:pPr>
+            <a:r>
+              <a:rPr lang="fr-FR" sz="2400" dirty="0" smtClean="0"/>
+              <a:t>Le Robot</a:t>
+            </a:r>
+            <a:endParaRPr lang="fr-FR" sz="2400" dirty="0"/>
+          </a:p>
+          <a:p>
+            <a:pPr marL="285750" indent="-285750">
+              <a:buFont typeface="Arial" panose="020B0604020202020204" pitchFamily="34" charset="0"/>
+              <a:buChar char="•"/>
+            </a:pPr>
+            <a:endParaRPr lang="fr-FR" sz="2400" dirty="0" smtClean="0"/>
+          </a:p>
+          <a:p>
+            <a:pPr marL="285750" indent="-285750">
+              <a:buFont typeface="Arial" panose="020B0604020202020204" pitchFamily="34" charset="0"/>
+              <a:buChar char="•"/>
+            </a:pPr>
+            <a:r>
+              <a:rPr lang="fr-FR" sz="2400" dirty="0" smtClean="0">
+                <a:solidFill>
+                  <a:srgbClr val="FFC000"/>
+                </a:solidFill>
+              </a:rPr>
+              <a:t>Odométrie</a:t>
+            </a:r>
+          </a:p>
+          <a:p>
+            <a:pPr marL="285750" indent="-285750">
+              <a:buFont typeface="Arial" panose="020B0604020202020204" pitchFamily="34" charset="0"/>
+              <a:buChar char="•"/>
+            </a:pPr>
+            <a:endParaRPr lang="fr-FR" sz="2400" dirty="0"/>
+          </a:p>
+          <a:p>
+            <a:pPr marL="285750" indent="-285750">
+              <a:buFont typeface="Arial" panose="020B0604020202020204" pitchFamily="34" charset="0"/>
+              <a:buChar char="•"/>
+            </a:pPr>
+            <a:r>
+              <a:rPr lang="fr-FR" sz="2400" dirty="0"/>
+              <a:t>Communication</a:t>
+            </a:r>
+          </a:p>
+          <a:p>
+            <a:endParaRPr lang="fr-FR" sz="2400" dirty="0"/>
+          </a:p>
+          <a:p>
+            <a:pPr marL="285750" indent="-285750">
+              <a:buFont typeface="Arial" panose="020B0604020202020204" pitchFamily="34" charset="0"/>
+              <a:buChar char="•"/>
+            </a:pPr>
+            <a:r>
+              <a:rPr lang="fr-FR" sz="2400" dirty="0"/>
+              <a:t>Client </a:t>
+            </a:r>
+            <a:r>
+              <a:rPr lang="fr-FR" sz="2400" dirty="0" smtClean="0"/>
+              <a:t>Web</a:t>
+            </a:r>
+          </a:p>
+          <a:p>
+            <a:pPr marL="285750" indent="-285750">
+              <a:buFont typeface="Arial" panose="020B0604020202020204" pitchFamily="34" charset="0"/>
+              <a:buChar char="•"/>
+            </a:pPr>
+            <a:endParaRPr lang="fr-FR" sz="2400" dirty="0"/>
+          </a:p>
+          <a:p>
+            <a:pPr marL="285750" indent="-285750">
+              <a:buFont typeface="Arial" panose="020B0604020202020204" pitchFamily="34" charset="0"/>
+              <a:buChar char="•"/>
+            </a:pPr>
+            <a:r>
+              <a:rPr lang="fr-FR" sz="2400" dirty="0" smtClean="0"/>
+              <a:t>Conclusion</a:t>
+            </a:r>
           </a:p>
         </p:txBody>
       </p:sp>
-      <p:sp>
-        <p:nvSpPr>
-          <p:cNvPr id="3" name="Espace réservé du contenu 2"/>
-          <p:cNvSpPr>
-            <a:spLocks noGrp="1"/>
-          </p:cNvSpPr>
-          <p:nvPr>
-            <p:ph idx="1"/>
-          </p:nvPr>
-        </p:nvSpPr>
-        <p:spPr/>
-        <p:txBody>
-          <a:bodyPr/>
-          <a:lstStyle/>
-          <a:p>
-            <a:endParaRPr lang="fr-FR" dirty="0"/>
-          </a:p>
-        </p:txBody>
-      </p:sp>
+      <p:pic>
+        <p:nvPicPr>
+          <p:cNvPr id="6" name="Image 5"/>
+          <p:cNvPicPr>
+            <a:picLocks noChangeAspect="1"/>
+          </p:cNvPicPr>
+          <p:nvPr/>
+        </p:nvPicPr>
+        <p:blipFill>
+          <a:blip r:embed="rId2">
+            <a:extLst>
+              <a:ext uri="{28A0092B-C50C-407E-A947-70E740481C1C}">
+                <a14:useLocalDpi xmlns:a14="http://schemas.microsoft.com/office/drawing/2010/main" val="0"/>
+              </a:ext>
+            </a:extLst>
+          </a:blip>
+          <a:stretch>
+            <a:fillRect/>
+          </a:stretch>
+        </p:blipFill>
+        <p:spPr>
+          <a:xfrm>
+            <a:off x="5693081" y="1320428"/>
+            <a:ext cx="4824046" cy="4674229"/>
+          </a:xfrm>
+          <a:prstGeom prst="rect">
+            <a:avLst/>
+          </a:prstGeom>
+        </p:spPr>
+      </p:pic>
     </p:spTree>
     <p:extLst>
       <p:ext uri="{BB962C8B-B14F-4D97-AF65-F5344CB8AC3E}">
-        <p14:creationId xmlns:p14="http://schemas.microsoft.com/office/powerpoint/2010/main" val="3497991419"/>
+        <p14:creationId xmlns:p14="http://schemas.microsoft.com/office/powerpoint/2010/main" val="20745489"/>
       </p:ext>
     </p:extLst>
   </p:cSld>
@@ -16983,965 +16477,6 @@
       </p:grpSpPr>
       <p:sp>
         <p:nvSpPr>
-          <p:cNvPr id="2" name="Titre 1"/>
-          <p:cNvSpPr>
-            <a:spLocks noGrp="1"/>
-          </p:cNvSpPr>
-          <p:nvPr>
-            <p:ph type="title"/>
-          </p:nvPr>
-        </p:nvSpPr>
-        <p:spPr/>
-        <p:txBody>
-          <a:bodyPr/>
-          <a:lstStyle/>
-          <a:p>
-            <a:pPr algn="l"/>
-            <a:r>
-              <a:rPr lang="fr-FR" dirty="0" smtClean="0"/>
-              <a:t>Client Web</a:t>
-            </a:r>
-            <a:endParaRPr lang="fr-FR" dirty="0"/>
-          </a:p>
-        </p:txBody>
-      </p:sp>
-      <p:graphicFrame>
-        <p:nvGraphicFramePr>
-          <p:cNvPr id="4" name="Diagramme 3"/>
-          <p:cNvGraphicFramePr/>
-          <p:nvPr/>
-        </p:nvGraphicFramePr>
-        <p:xfrm>
-          <a:off x="-605484" y="1408670"/>
-          <a:ext cx="9992497" cy="5012254"/>
-        </p:xfrm>
-        <a:graphic>
-          <a:graphicData uri="http://schemas.openxmlformats.org/drawingml/2006/diagram">
-            <dgm:relIds xmlns:dgm="http://schemas.openxmlformats.org/drawingml/2006/diagram" xmlns:r="http://schemas.openxmlformats.org/officeDocument/2006/relationships" r:dm="rId2" r:lo="rId3" r:qs="rId4" r:cs="rId5"/>
-          </a:graphicData>
-        </a:graphic>
-      </p:graphicFrame>
-      <p:sp>
-        <p:nvSpPr>
-          <p:cNvPr id="5" name="ZoneTexte 4"/>
-          <p:cNvSpPr txBox="1"/>
-          <p:nvPr/>
-        </p:nvSpPr>
-        <p:spPr>
-          <a:xfrm>
-            <a:off x="4390765" y="863992"/>
-            <a:ext cx="4720281" cy="461665"/>
-          </a:xfrm>
-          <a:prstGeom prst="rect">
-            <a:avLst/>
-          </a:prstGeom>
-        </p:spPr>
-        <p:style>
-          <a:lnRef idx="1">
-            <a:schemeClr val="accent1"/>
-          </a:lnRef>
-          <a:fillRef idx="2">
-            <a:schemeClr val="accent1"/>
-          </a:fillRef>
-          <a:effectRef idx="1">
-            <a:schemeClr val="accent1"/>
-          </a:effectRef>
-          <a:fontRef idx="minor">
-            <a:schemeClr val="dk1"/>
-          </a:fontRef>
-        </p:style>
-        <p:txBody>
-          <a:bodyPr wrap="square" rtlCol="0">
-            <a:spAutoFit/>
-          </a:bodyPr>
-          <a:lstStyle/>
-          <a:p>
-            <a:pPr marL="342900" indent="-342900">
-              <a:buFont typeface="Wingdings" panose="05000000000000000000" pitchFamily="2" charset="2"/>
-              <a:buChar char="Ø"/>
-            </a:pPr>
-            <a:r>
-              <a:rPr lang="fr-FR" sz="2400" dirty="0" smtClean="0"/>
-              <a:t>Portabilité optimisée</a:t>
-            </a:r>
-            <a:endParaRPr lang="fr-FR" sz="2400" dirty="0"/>
-          </a:p>
-        </p:txBody>
-      </p:sp>
-      <p:pic>
-        <p:nvPicPr>
-          <p:cNvPr id="7" name="Image 6"/>
-          <p:cNvPicPr>
-            <a:picLocks noChangeAspect="1"/>
-          </p:cNvPicPr>
-          <p:nvPr/>
-        </p:nvPicPr>
-        <p:blipFill>
-          <a:blip r:embed="rId7">
-            <a:extLst>
-              <a:ext uri="{28A0092B-C50C-407E-A947-70E740481C1C}">
-                <a14:useLocalDpi xmlns:a14="http://schemas.microsoft.com/office/drawing/2010/main" val="0"/>
-              </a:ext>
-            </a:extLst>
-          </a:blip>
-          <a:stretch>
-            <a:fillRect/>
-          </a:stretch>
-        </p:blipFill>
-        <p:spPr>
-          <a:xfrm>
-            <a:off x="9728885" y="5313751"/>
-            <a:ext cx="2388973" cy="1399789"/>
-          </a:xfrm>
-          <a:prstGeom prst="rect">
-            <a:avLst/>
-          </a:prstGeom>
-        </p:spPr>
-      </p:pic>
-    </p:spTree>
-    <p:extLst>
-      <p:ext uri="{BB962C8B-B14F-4D97-AF65-F5344CB8AC3E}">
-        <p14:creationId xmlns:p14="http://schemas.microsoft.com/office/powerpoint/2010/main" val="2493947926"/>
-      </p:ext>
-    </p:extLst>
-  </p:cSld>
-  <p:clrMapOvr>
-    <a:masterClrMapping/>
-  </p:clrMapOvr>
-  <p:timing>
-    <p:tnLst>
-      <p:par>
-        <p:cTn id="1" dur="indefinite" restart="never" nodeType="tmRoot"/>
-      </p:par>
-    </p:tnLst>
-  </p:timing>
-</p:sld>
-</file>
-
-<file path=ppt/slides/slide15.xml><?xml version="1.0" encoding="utf-8"?>
-<p:sld xmlns:a="http://schemas.openxmlformats.org/drawingml/2006/main" xmlns:r="http://schemas.openxmlformats.org/officeDocument/2006/relationships" xmlns:p="http://schemas.openxmlformats.org/presentationml/2006/main">
-  <p:cSld>
-    <p:spTree>
-      <p:nvGrpSpPr>
-        <p:cNvPr id="1" name=""/>
-        <p:cNvGrpSpPr/>
-        <p:nvPr/>
-      </p:nvGrpSpPr>
-      <p:grpSpPr>
-        <a:xfrm>
-          <a:off x="0" y="0"/>
-          <a:ext cx="0" cy="0"/>
-          <a:chOff x="0" y="0"/>
-          <a:chExt cx="0" cy="0"/>
-        </a:xfrm>
-      </p:grpSpPr>
-      <p:sp>
-        <p:nvSpPr>
-          <p:cNvPr id="2" name="Titre 1"/>
-          <p:cNvSpPr>
-            <a:spLocks noGrp="1"/>
-          </p:cNvSpPr>
-          <p:nvPr>
-            <p:ph type="title"/>
-          </p:nvPr>
-        </p:nvSpPr>
-        <p:spPr/>
-        <p:txBody>
-          <a:bodyPr/>
-          <a:lstStyle/>
-          <a:p>
-            <a:pPr algn="l"/>
-            <a:r>
-              <a:rPr lang="fr-FR" dirty="0" smtClean="0"/>
-              <a:t>Démonstration</a:t>
-            </a:r>
-            <a:endParaRPr lang="fr-FR" dirty="0"/>
-          </a:p>
-        </p:txBody>
-      </p:sp>
-      <p:sp>
-        <p:nvSpPr>
-          <p:cNvPr id="3" name="Espace réservé du contenu 2"/>
-          <p:cNvSpPr>
-            <a:spLocks noGrp="1"/>
-          </p:cNvSpPr>
-          <p:nvPr>
-            <p:ph idx="1"/>
-          </p:nvPr>
-        </p:nvSpPr>
-        <p:spPr/>
-        <p:txBody>
-          <a:bodyPr/>
-          <a:lstStyle/>
-          <a:p>
-            <a:r>
-              <a:rPr lang="fr-FR" dirty="0" smtClean="0"/>
-              <a:t>Insérer la vidéo de démo</a:t>
-            </a:r>
-            <a:endParaRPr lang="fr-FR" dirty="0"/>
-          </a:p>
-        </p:txBody>
-      </p:sp>
-    </p:spTree>
-    <p:extLst>
-      <p:ext uri="{BB962C8B-B14F-4D97-AF65-F5344CB8AC3E}">
-        <p14:creationId xmlns:p14="http://schemas.microsoft.com/office/powerpoint/2010/main" val="2374672127"/>
-      </p:ext>
-    </p:extLst>
-  </p:cSld>
-  <p:clrMapOvr>
-    <a:masterClrMapping/>
-  </p:clrMapOvr>
-  <p:timing>
-    <p:tnLst>
-      <p:par>
-        <p:cTn id="1" dur="indefinite" restart="never" nodeType="tmRoot"/>
-      </p:par>
-    </p:tnLst>
-  </p:timing>
-</p:sld>
-</file>
-
-<file path=ppt/slides/slide16.xml><?xml version="1.0" encoding="utf-8"?>
-<p:sld xmlns:a="http://schemas.openxmlformats.org/drawingml/2006/main" xmlns:r="http://schemas.openxmlformats.org/officeDocument/2006/relationships" xmlns:p="http://schemas.openxmlformats.org/presentationml/2006/main">
-  <p:cSld>
-    <p:spTree>
-      <p:nvGrpSpPr>
-        <p:cNvPr id="1" name=""/>
-        <p:cNvGrpSpPr/>
-        <p:nvPr/>
-      </p:nvGrpSpPr>
-      <p:grpSpPr>
-        <a:xfrm>
-          <a:off x="0" y="0"/>
-          <a:ext cx="0" cy="0"/>
-          <a:chOff x="0" y="0"/>
-          <a:chExt cx="0" cy="0"/>
-        </a:xfrm>
-      </p:grpSpPr>
-      <p:sp>
-        <p:nvSpPr>
-          <p:cNvPr id="2" name="Titre 1"/>
-          <p:cNvSpPr>
-            <a:spLocks noGrp="1"/>
-          </p:cNvSpPr>
-          <p:nvPr>
-            <p:ph type="title"/>
-          </p:nvPr>
-        </p:nvSpPr>
-        <p:spPr/>
-        <p:txBody>
-          <a:bodyPr/>
-          <a:lstStyle/>
-          <a:p>
-            <a:pPr algn="l"/>
-            <a:r>
-              <a:rPr lang="fr-FR" dirty="0" smtClean="0"/>
-              <a:t>Conclusion</a:t>
-            </a:r>
-            <a:endParaRPr lang="fr-FR" dirty="0"/>
-          </a:p>
-        </p:txBody>
-      </p:sp>
-      <p:sp>
-        <p:nvSpPr>
-          <p:cNvPr id="3" name="Espace réservé du contenu 2"/>
-          <p:cNvSpPr>
-            <a:spLocks noGrp="1"/>
-          </p:cNvSpPr>
-          <p:nvPr>
-            <p:ph idx="1"/>
-          </p:nvPr>
-        </p:nvSpPr>
-        <p:spPr>
-          <a:xfrm>
-            <a:off x="913795" y="1732449"/>
-            <a:ext cx="10353762" cy="4058751"/>
-          </a:xfrm>
-        </p:spPr>
-        <p:txBody>
-          <a:bodyPr/>
-          <a:lstStyle/>
-          <a:p>
-            <a:r>
-              <a:rPr lang="fr-FR" dirty="0" smtClean="0"/>
-              <a:t>Rétrospective</a:t>
-            </a:r>
-          </a:p>
-          <a:p>
-            <a:pPr lvl="1"/>
-            <a:r>
-              <a:rPr lang="fr-FR" dirty="0" smtClean="0"/>
-              <a:t>L’algorithme</a:t>
-            </a:r>
-          </a:p>
-          <a:p>
-            <a:pPr lvl="1"/>
-            <a:r>
-              <a:rPr lang="fr-FR" dirty="0" smtClean="0"/>
-              <a:t>L’architecture du projet</a:t>
-            </a:r>
-            <a:endParaRPr lang="fr-FR" dirty="0"/>
-          </a:p>
-          <a:p>
-            <a:endParaRPr lang="fr-FR" dirty="0"/>
-          </a:p>
-          <a:p>
-            <a:endParaRPr lang="fr-FR" dirty="0" smtClean="0"/>
-          </a:p>
-        </p:txBody>
-      </p:sp>
-    </p:spTree>
-    <p:extLst>
-      <p:ext uri="{BB962C8B-B14F-4D97-AF65-F5344CB8AC3E}">
-        <p14:creationId xmlns:p14="http://schemas.microsoft.com/office/powerpoint/2010/main" val="933693841"/>
-      </p:ext>
-    </p:extLst>
-  </p:cSld>
-  <p:clrMapOvr>
-    <a:masterClrMapping/>
-  </p:clrMapOvr>
-  <p:timing>
-    <p:tnLst>
-      <p:par>
-        <p:cTn id="1" dur="indefinite" restart="never" nodeType="tmRoot"/>
-      </p:par>
-    </p:tnLst>
-  </p:timing>
-</p:sld>
-</file>
-
-<file path=ppt/slides/slide2.xml><?xml version="1.0" encoding="utf-8"?>
-<p:sld xmlns:a="http://schemas.openxmlformats.org/drawingml/2006/main" xmlns:r="http://schemas.openxmlformats.org/officeDocument/2006/relationships" xmlns:p="http://schemas.openxmlformats.org/presentationml/2006/main">
-  <p:cSld>
-    <p:spTree>
-      <p:nvGrpSpPr>
-        <p:cNvPr id="1" name=""/>
-        <p:cNvGrpSpPr/>
-        <p:nvPr/>
-      </p:nvGrpSpPr>
-      <p:grpSpPr>
-        <a:xfrm>
-          <a:off x="0" y="0"/>
-          <a:ext cx="0" cy="0"/>
-          <a:chOff x="0" y="0"/>
-          <a:chExt cx="0" cy="0"/>
-        </a:xfrm>
-      </p:grpSpPr>
-      <p:sp>
-        <p:nvSpPr>
-          <p:cNvPr id="2" name="Titre 1"/>
-          <p:cNvSpPr>
-            <a:spLocks noGrp="1"/>
-          </p:cNvSpPr>
-          <p:nvPr>
-            <p:ph type="title"/>
-          </p:nvPr>
-        </p:nvSpPr>
-        <p:spPr/>
-        <p:txBody>
-          <a:bodyPr/>
-          <a:lstStyle/>
-          <a:p>
-            <a:pPr algn="l"/>
-            <a:r>
-              <a:rPr lang="fr-FR" dirty="0" smtClean="0"/>
-              <a:t>Sommaire</a:t>
-            </a:r>
-            <a:endParaRPr lang="fr-FR" dirty="0"/>
-          </a:p>
-        </p:txBody>
-      </p:sp>
-      <p:sp>
-        <p:nvSpPr>
-          <p:cNvPr id="5" name="ZoneTexte 4"/>
-          <p:cNvSpPr txBox="1"/>
-          <p:nvPr/>
-        </p:nvSpPr>
-        <p:spPr>
-          <a:xfrm>
-            <a:off x="913795" y="1580050"/>
-            <a:ext cx="10353762" cy="4893647"/>
-          </a:xfrm>
-          <a:prstGeom prst="rect">
-            <a:avLst/>
-          </a:prstGeom>
-          <a:noFill/>
-        </p:spPr>
-        <p:txBody>
-          <a:bodyPr wrap="square" rtlCol="0">
-            <a:spAutoFit/>
-          </a:bodyPr>
-          <a:lstStyle/>
-          <a:p>
-            <a:pPr marL="285750" indent="-285750">
-              <a:buFont typeface="Arial" panose="020B0604020202020204" pitchFamily="34" charset="0"/>
-              <a:buChar char="•"/>
-            </a:pPr>
-            <a:r>
-              <a:rPr lang="fr-FR" sz="2400" dirty="0" smtClean="0"/>
-              <a:t>Membres du groupe</a:t>
-            </a:r>
-          </a:p>
-          <a:p>
-            <a:pPr marL="285750" indent="-285750">
-              <a:buFont typeface="Arial" panose="020B0604020202020204" pitchFamily="34" charset="0"/>
-              <a:buChar char="•"/>
-            </a:pPr>
-            <a:endParaRPr lang="fr-FR" sz="2400" dirty="0"/>
-          </a:p>
-          <a:p>
-            <a:pPr marL="285750" indent="-285750">
-              <a:buFont typeface="Arial" panose="020B0604020202020204" pitchFamily="34" charset="0"/>
-              <a:buChar char="•"/>
-            </a:pPr>
-            <a:r>
-              <a:rPr lang="fr-FR" sz="2400" dirty="0" smtClean="0"/>
-              <a:t>Algorithme</a:t>
-            </a:r>
-          </a:p>
-          <a:p>
-            <a:pPr marL="285750" indent="-285750">
-              <a:buFont typeface="Arial" panose="020B0604020202020204" pitchFamily="34" charset="0"/>
-              <a:buChar char="•"/>
-            </a:pPr>
-            <a:endParaRPr lang="fr-FR" sz="2400" dirty="0"/>
-          </a:p>
-          <a:p>
-            <a:pPr marL="285750" indent="-285750">
-              <a:buFont typeface="Arial" panose="020B0604020202020204" pitchFamily="34" charset="0"/>
-              <a:buChar char="•"/>
-            </a:pPr>
-            <a:r>
-              <a:rPr lang="fr-FR" sz="2400" dirty="0" smtClean="0"/>
-              <a:t>Le Robot</a:t>
-            </a:r>
-            <a:endParaRPr lang="fr-FR" sz="2400" dirty="0"/>
-          </a:p>
-          <a:p>
-            <a:pPr marL="285750" indent="-285750">
-              <a:buFont typeface="Arial" panose="020B0604020202020204" pitchFamily="34" charset="0"/>
-              <a:buChar char="•"/>
-            </a:pPr>
-            <a:endParaRPr lang="fr-FR" sz="2400" dirty="0" smtClean="0"/>
-          </a:p>
-          <a:p>
-            <a:pPr marL="285750" indent="-285750">
-              <a:buFont typeface="Arial" panose="020B0604020202020204" pitchFamily="34" charset="0"/>
-              <a:buChar char="•"/>
-            </a:pPr>
-            <a:r>
-              <a:rPr lang="fr-FR" sz="2400" dirty="0" smtClean="0"/>
-              <a:t>Odométrie</a:t>
-            </a:r>
-          </a:p>
-          <a:p>
-            <a:pPr marL="285750" indent="-285750">
-              <a:buFont typeface="Arial" panose="020B0604020202020204" pitchFamily="34" charset="0"/>
-              <a:buChar char="•"/>
-            </a:pPr>
-            <a:endParaRPr lang="fr-FR" sz="2400" dirty="0"/>
-          </a:p>
-          <a:p>
-            <a:pPr marL="285750" indent="-285750">
-              <a:buFont typeface="Arial" panose="020B0604020202020204" pitchFamily="34" charset="0"/>
-              <a:buChar char="•"/>
-            </a:pPr>
-            <a:r>
-              <a:rPr lang="fr-FR" sz="2400" dirty="0"/>
-              <a:t>Communication</a:t>
-            </a:r>
-          </a:p>
-          <a:p>
-            <a:endParaRPr lang="fr-FR" sz="2400" dirty="0"/>
-          </a:p>
-          <a:p>
-            <a:pPr marL="285750" indent="-285750">
-              <a:buFont typeface="Arial" panose="020B0604020202020204" pitchFamily="34" charset="0"/>
-              <a:buChar char="•"/>
-            </a:pPr>
-            <a:r>
-              <a:rPr lang="fr-FR" sz="2400" dirty="0"/>
-              <a:t>Client </a:t>
-            </a:r>
-            <a:r>
-              <a:rPr lang="fr-FR" sz="2400" dirty="0" smtClean="0"/>
-              <a:t>Web</a:t>
-            </a:r>
-            <a:endParaRPr lang="fr-FR" sz="2400" dirty="0" smtClean="0"/>
-          </a:p>
-          <a:p>
-            <a:pPr marL="285750" indent="-285750">
-              <a:buFont typeface="Arial" panose="020B0604020202020204" pitchFamily="34" charset="0"/>
-              <a:buChar char="•"/>
-            </a:pPr>
-            <a:endParaRPr lang="fr-FR" sz="2400" dirty="0"/>
-          </a:p>
-          <a:p>
-            <a:pPr marL="285750" indent="-285750">
-              <a:buFont typeface="Arial" panose="020B0604020202020204" pitchFamily="34" charset="0"/>
-              <a:buChar char="•"/>
-            </a:pPr>
-            <a:r>
-              <a:rPr lang="fr-FR" sz="2400" dirty="0" smtClean="0"/>
-              <a:t>Conclusion</a:t>
-            </a:r>
-          </a:p>
-        </p:txBody>
-      </p:sp>
-      <p:pic>
-        <p:nvPicPr>
-          <p:cNvPr id="6" name="Image 5"/>
-          <p:cNvPicPr>
-            <a:picLocks noChangeAspect="1"/>
-          </p:cNvPicPr>
-          <p:nvPr/>
-        </p:nvPicPr>
-        <p:blipFill>
-          <a:blip r:embed="rId2">
-            <a:extLst>
-              <a:ext uri="{28A0092B-C50C-407E-A947-70E740481C1C}">
-                <a14:useLocalDpi xmlns:a14="http://schemas.microsoft.com/office/drawing/2010/main" val="0"/>
-              </a:ext>
-            </a:extLst>
-          </a:blip>
-          <a:stretch>
-            <a:fillRect/>
-          </a:stretch>
-        </p:blipFill>
-        <p:spPr>
-          <a:xfrm>
-            <a:off x="5693081" y="1320428"/>
-            <a:ext cx="4824046" cy="4674229"/>
-          </a:xfrm>
-          <a:prstGeom prst="rect">
-            <a:avLst/>
-          </a:prstGeom>
-        </p:spPr>
-      </p:pic>
-    </p:spTree>
-    <p:extLst>
-      <p:ext uri="{BB962C8B-B14F-4D97-AF65-F5344CB8AC3E}">
-        <p14:creationId xmlns:p14="http://schemas.microsoft.com/office/powerpoint/2010/main" val="2290834341"/>
-      </p:ext>
-    </p:extLst>
-  </p:cSld>
-  <p:clrMapOvr>
-    <a:masterClrMapping/>
-  </p:clrMapOvr>
-  <p:timing>
-    <p:tnLst>
-      <p:par>
-        <p:cTn id="1" dur="indefinite" restart="never" nodeType="tmRoot"/>
-      </p:par>
-    </p:tnLst>
-  </p:timing>
-</p:sld>
-</file>
-
-<file path=ppt/slides/slide3.xml><?xml version="1.0" encoding="utf-8"?>
-<p:sld xmlns:a="http://schemas.openxmlformats.org/drawingml/2006/main" xmlns:r="http://schemas.openxmlformats.org/officeDocument/2006/relationships" xmlns:p="http://schemas.openxmlformats.org/presentationml/2006/main">
-  <p:cSld>
-    <p:spTree>
-      <p:nvGrpSpPr>
-        <p:cNvPr id="1" name=""/>
-        <p:cNvGrpSpPr/>
-        <p:nvPr/>
-      </p:nvGrpSpPr>
-      <p:grpSpPr>
-        <a:xfrm>
-          <a:off x="0" y="0"/>
-          <a:ext cx="0" cy="0"/>
-          <a:chOff x="0" y="0"/>
-          <a:chExt cx="0" cy="0"/>
-        </a:xfrm>
-      </p:grpSpPr>
-      <p:sp>
-        <p:nvSpPr>
-          <p:cNvPr id="5" name="ZoneTexte 4"/>
-          <p:cNvSpPr txBox="1"/>
-          <p:nvPr/>
-        </p:nvSpPr>
-        <p:spPr>
-          <a:xfrm>
-            <a:off x="913795" y="1580050"/>
-            <a:ext cx="10353762" cy="4893647"/>
-          </a:xfrm>
-          <a:prstGeom prst="rect">
-            <a:avLst/>
-          </a:prstGeom>
-          <a:noFill/>
-        </p:spPr>
-        <p:txBody>
-          <a:bodyPr wrap="square" rtlCol="0">
-            <a:spAutoFit/>
-          </a:bodyPr>
-          <a:lstStyle/>
-          <a:p>
-            <a:pPr marL="285750" indent="-285750">
-              <a:buFont typeface="Arial" panose="020B0604020202020204" pitchFamily="34" charset="0"/>
-              <a:buChar char="•"/>
-            </a:pPr>
-            <a:r>
-              <a:rPr lang="fr-FR" sz="2400" dirty="0" smtClean="0">
-                <a:solidFill>
-                  <a:srgbClr val="FFC000"/>
-                </a:solidFill>
-              </a:rPr>
-              <a:t>Membres du groupe</a:t>
-            </a:r>
-          </a:p>
-          <a:p>
-            <a:pPr marL="285750" indent="-285750">
-              <a:buFont typeface="Arial" panose="020B0604020202020204" pitchFamily="34" charset="0"/>
-              <a:buChar char="•"/>
-            </a:pPr>
-            <a:endParaRPr lang="fr-FR" sz="2400" dirty="0"/>
-          </a:p>
-          <a:p>
-            <a:pPr marL="285750" indent="-285750">
-              <a:buFont typeface="Arial" panose="020B0604020202020204" pitchFamily="34" charset="0"/>
-              <a:buChar char="•"/>
-            </a:pPr>
-            <a:r>
-              <a:rPr lang="fr-FR" sz="2400" dirty="0" smtClean="0"/>
-              <a:t>Algorithme</a:t>
-            </a:r>
-          </a:p>
-          <a:p>
-            <a:pPr marL="285750" indent="-285750">
-              <a:buFont typeface="Arial" panose="020B0604020202020204" pitchFamily="34" charset="0"/>
-              <a:buChar char="•"/>
-            </a:pPr>
-            <a:endParaRPr lang="fr-FR" sz="2400" dirty="0"/>
-          </a:p>
-          <a:p>
-            <a:pPr marL="285750" indent="-285750">
-              <a:buFont typeface="Arial" panose="020B0604020202020204" pitchFamily="34" charset="0"/>
-              <a:buChar char="•"/>
-            </a:pPr>
-            <a:r>
-              <a:rPr lang="fr-FR" sz="2400" dirty="0" smtClean="0"/>
-              <a:t>Le Robot</a:t>
-            </a:r>
-            <a:endParaRPr lang="fr-FR" sz="2400" dirty="0"/>
-          </a:p>
-          <a:p>
-            <a:pPr marL="285750" indent="-285750">
-              <a:buFont typeface="Arial" panose="020B0604020202020204" pitchFamily="34" charset="0"/>
-              <a:buChar char="•"/>
-            </a:pPr>
-            <a:endParaRPr lang="fr-FR" sz="2400" dirty="0" smtClean="0"/>
-          </a:p>
-          <a:p>
-            <a:pPr marL="285750" indent="-285750">
-              <a:buFont typeface="Arial" panose="020B0604020202020204" pitchFamily="34" charset="0"/>
-              <a:buChar char="•"/>
-            </a:pPr>
-            <a:r>
-              <a:rPr lang="fr-FR" sz="2400" dirty="0" smtClean="0"/>
-              <a:t>Odométrie</a:t>
-            </a:r>
-          </a:p>
-          <a:p>
-            <a:pPr marL="285750" indent="-285750">
-              <a:buFont typeface="Arial" panose="020B0604020202020204" pitchFamily="34" charset="0"/>
-              <a:buChar char="•"/>
-            </a:pPr>
-            <a:endParaRPr lang="fr-FR" sz="2400" dirty="0"/>
-          </a:p>
-          <a:p>
-            <a:pPr marL="285750" indent="-285750">
-              <a:buFont typeface="Arial" panose="020B0604020202020204" pitchFamily="34" charset="0"/>
-              <a:buChar char="•"/>
-            </a:pPr>
-            <a:r>
-              <a:rPr lang="fr-FR" sz="2400" dirty="0"/>
-              <a:t>Communication</a:t>
-            </a:r>
-          </a:p>
-          <a:p>
-            <a:endParaRPr lang="fr-FR" sz="2400" dirty="0"/>
-          </a:p>
-          <a:p>
-            <a:pPr marL="285750" indent="-285750">
-              <a:buFont typeface="Arial" panose="020B0604020202020204" pitchFamily="34" charset="0"/>
-              <a:buChar char="•"/>
-            </a:pPr>
-            <a:r>
-              <a:rPr lang="fr-FR" sz="2400" dirty="0"/>
-              <a:t>Client </a:t>
-            </a:r>
-            <a:r>
-              <a:rPr lang="fr-FR" sz="2400" dirty="0" smtClean="0"/>
-              <a:t>Web</a:t>
-            </a:r>
-            <a:endParaRPr lang="fr-FR" sz="2400" dirty="0" smtClean="0"/>
-          </a:p>
-          <a:p>
-            <a:pPr marL="285750" indent="-285750">
-              <a:buFont typeface="Arial" panose="020B0604020202020204" pitchFamily="34" charset="0"/>
-              <a:buChar char="•"/>
-            </a:pPr>
-            <a:endParaRPr lang="fr-FR" sz="2400" dirty="0"/>
-          </a:p>
-          <a:p>
-            <a:pPr marL="285750" indent="-285750">
-              <a:buFont typeface="Arial" panose="020B0604020202020204" pitchFamily="34" charset="0"/>
-              <a:buChar char="•"/>
-            </a:pPr>
-            <a:r>
-              <a:rPr lang="fr-FR" sz="2400" dirty="0" smtClean="0"/>
-              <a:t>Conclusion</a:t>
-            </a:r>
-          </a:p>
-        </p:txBody>
-      </p:sp>
-      <p:pic>
-        <p:nvPicPr>
-          <p:cNvPr id="6" name="Image 5"/>
-          <p:cNvPicPr>
-            <a:picLocks noChangeAspect="1"/>
-          </p:cNvPicPr>
-          <p:nvPr/>
-        </p:nvPicPr>
-        <p:blipFill>
-          <a:blip r:embed="rId2">
-            <a:extLst>
-              <a:ext uri="{28A0092B-C50C-407E-A947-70E740481C1C}">
-                <a14:useLocalDpi xmlns:a14="http://schemas.microsoft.com/office/drawing/2010/main" val="0"/>
-              </a:ext>
-            </a:extLst>
-          </a:blip>
-          <a:stretch>
-            <a:fillRect/>
-          </a:stretch>
-        </p:blipFill>
-        <p:spPr>
-          <a:xfrm>
-            <a:off x="5693081" y="1320428"/>
-            <a:ext cx="4824046" cy="4674229"/>
-          </a:xfrm>
-          <a:prstGeom prst="rect">
-            <a:avLst/>
-          </a:prstGeom>
-        </p:spPr>
-      </p:pic>
-    </p:spTree>
-    <p:extLst>
-      <p:ext uri="{BB962C8B-B14F-4D97-AF65-F5344CB8AC3E}">
-        <p14:creationId xmlns:p14="http://schemas.microsoft.com/office/powerpoint/2010/main" val="1622527393"/>
-      </p:ext>
-    </p:extLst>
-  </p:cSld>
-  <p:clrMapOvr>
-    <a:masterClrMapping/>
-  </p:clrMapOvr>
-  <p:timing>
-    <p:tnLst>
-      <p:par>
-        <p:cTn id="1" dur="indefinite" restart="never" nodeType="tmRoot"/>
-      </p:par>
-    </p:tnLst>
-  </p:timing>
-</p:sld>
-</file>
-
-<file path=ppt/slides/slide4.xml><?xml version="1.0" encoding="utf-8"?>
-<p:sld xmlns:a="http://schemas.openxmlformats.org/drawingml/2006/main" xmlns:r="http://schemas.openxmlformats.org/officeDocument/2006/relationships" xmlns:p="http://schemas.openxmlformats.org/presentationml/2006/main">
-  <p:cSld>
-    <p:spTree>
-      <p:nvGrpSpPr>
-        <p:cNvPr id="1" name=""/>
-        <p:cNvGrpSpPr/>
-        <p:nvPr/>
-      </p:nvGrpSpPr>
-      <p:grpSpPr>
-        <a:xfrm>
-          <a:off x="0" y="0"/>
-          <a:ext cx="0" cy="0"/>
-          <a:chOff x="0" y="0"/>
-          <a:chExt cx="0" cy="0"/>
-        </a:xfrm>
-      </p:grpSpPr>
-      <p:sp>
-        <p:nvSpPr>
-          <p:cNvPr id="2" name="Titre 1"/>
-          <p:cNvSpPr>
-            <a:spLocks noGrp="1"/>
-          </p:cNvSpPr>
-          <p:nvPr>
-            <p:ph type="title"/>
-          </p:nvPr>
-        </p:nvSpPr>
-        <p:spPr/>
-        <p:txBody>
-          <a:bodyPr/>
-          <a:lstStyle/>
-          <a:p>
-            <a:pPr algn="l"/>
-            <a:r>
-              <a:rPr lang="fr-FR" dirty="0" smtClean="0"/>
-              <a:t>Membres du groupe</a:t>
-            </a:r>
-            <a:endParaRPr lang="fr-FR" dirty="0"/>
-          </a:p>
-        </p:txBody>
-      </p:sp>
-      <p:graphicFrame>
-        <p:nvGraphicFramePr>
-          <p:cNvPr id="5" name="Espace réservé du contenu 4"/>
-          <p:cNvGraphicFramePr>
-            <a:graphicFrameLocks noGrp="1"/>
-          </p:cNvGraphicFramePr>
-          <p:nvPr>
-            <p:ph idx="1"/>
-            <p:extLst>
-              <p:ext uri="{D42A27DB-BD31-4B8C-83A1-F6EECF244321}">
-                <p14:modId xmlns:p14="http://schemas.microsoft.com/office/powerpoint/2010/main" val="3808798321"/>
-              </p:ext>
-            </p:extLst>
-          </p:nvPr>
-        </p:nvGraphicFramePr>
-        <p:xfrm>
-          <a:off x="913882" y="1873631"/>
-          <a:ext cx="10353675" cy="4059237"/>
-        </p:xfrm>
-        <a:graphic>
-          <a:graphicData uri="http://schemas.openxmlformats.org/drawingml/2006/diagram">
-            <dgm:relIds xmlns:dgm="http://schemas.openxmlformats.org/drawingml/2006/diagram" xmlns:r="http://schemas.openxmlformats.org/officeDocument/2006/relationships" r:dm="rId2" r:lo="rId3" r:qs="rId4" r:cs="rId5"/>
-          </a:graphicData>
-        </a:graphic>
-      </p:graphicFrame>
-    </p:spTree>
-    <p:extLst>
-      <p:ext uri="{BB962C8B-B14F-4D97-AF65-F5344CB8AC3E}">
-        <p14:creationId xmlns:p14="http://schemas.microsoft.com/office/powerpoint/2010/main" val="228310942"/>
-      </p:ext>
-    </p:extLst>
-  </p:cSld>
-  <p:clrMapOvr>
-    <a:masterClrMapping/>
-  </p:clrMapOvr>
-  <p:timing>
-    <p:tnLst>
-      <p:par>
-        <p:cTn id="1" dur="indefinite" restart="never" nodeType="tmRoot"/>
-      </p:par>
-    </p:tnLst>
-  </p:timing>
-</p:sld>
-</file>
-
-<file path=ppt/slides/slide5.xml><?xml version="1.0" encoding="utf-8"?>
-<p:sld xmlns:a="http://schemas.openxmlformats.org/drawingml/2006/main" xmlns:r="http://schemas.openxmlformats.org/officeDocument/2006/relationships" xmlns:p="http://schemas.openxmlformats.org/presentationml/2006/main">
-  <p:cSld>
-    <p:spTree>
-      <p:nvGrpSpPr>
-        <p:cNvPr id="1" name=""/>
-        <p:cNvGrpSpPr/>
-        <p:nvPr/>
-      </p:nvGrpSpPr>
-      <p:grpSpPr>
-        <a:xfrm>
-          <a:off x="0" y="0"/>
-          <a:ext cx="0" cy="0"/>
-          <a:chOff x="0" y="0"/>
-          <a:chExt cx="0" cy="0"/>
-        </a:xfrm>
-      </p:grpSpPr>
-      <p:sp>
-        <p:nvSpPr>
-          <p:cNvPr id="2" name="Titre 1"/>
-          <p:cNvSpPr>
-            <a:spLocks noGrp="1"/>
-          </p:cNvSpPr>
-          <p:nvPr>
-            <p:ph type="title"/>
-          </p:nvPr>
-        </p:nvSpPr>
-        <p:spPr/>
-        <p:txBody>
-          <a:bodyPr/>
-          <a:lstStyle/>
-          <a:p>
-            <a:pPr algn="l"/>
-            <a:r>
-              <a:rPr lang="fr-FR" dirty="0" smtClean="0"/>
-              <a:t>Algorithme</a:t>
-            </a:r>
-            <a:endParaRPr lang="fr-FR" dirty="0"/>
-          </a:p>
-        </p:txBody>
-      </p:sp>
-      <p:sp>
-        <p:nvSpPr>
-          <p:cNvPr id="3" name="Espace réservé du contenu 2"/>
-          <p:cNvSpPr>
-            <a:spLocks noGrp="1"/>
-          </p:cNvSpPr>
-          <p:nvPr>
-            <p:ph idx="1"/>
-          </p:nvPr>
-        </p:nvSpPr>
-        <p:spPr/>
-        <p:txBody>
-          <a:bodyPr/>
-          <a:lstStyle/>
-          <a:p>
-            <a:r>
-              <a:rPr lang="fr-FR" dirty="0" smtClean="0"/>
-              <a:t>Algorithme de la main gauche</a:t>
-            </a:r>
-          </a:p>
-          <a:p>
-            <a:r>
-              <a:rPr lang="fr-FR" dirty="0" smtClean="0"/>
-              <a:t>Machine à état</a:t>
-            </a:r>
-            <a:endParaRPr lang="fr-FR" dirty="0"/>
-          </a:p>
-        </p:txBody>
-      </p:sp>
-    </p:spTree>
-    <p:extLst>
-      <p:ext uri="{BB962C8B-B14F-4D97-AF65-F5344CB8AC3E}">
-        <p14:creationId xmlns:p14="http://schemas.microsoft.com/office/powerpoint/2010/main" val="2836795985"/>
-      </p:ext>
-    </p:extLst>
-  </p:cSld>
-  <p:clrMapOvr>
-    <a:masterClrMapping/>
-  </p:clrMapOvr>
-  <p:timing>
-    <p:tnLst>
-      <p:par>
-        <p:cTn id="1" dur="indefinite" restart="never" nodeType="tmRoot"/>
-      </p:par>
-    </p:tnLst>
-  </p:timing>
-</p:sld>
-</file>
-
-<file path=ppt/slides/slide6.xml><?xml version="1.0" encoding="utf-8"?>
-<p:sld xmlns:a="http://schemas.openxmlformats.org/drawingml/2006/main" xmlns:r="http://schemas.openxmlformats.org/officeDocument/2006/relationships" xmlns:p="http://schemas.openxmlformats.org/presentationml/2006/main">
-  <p:cSld>
-    <p:spTree>
-      <p:nvGrpSpPr>
-        <p:cNvPr id="1" name=""/>
-        <p:cNvGrpSpPr/>
-        <p:nvPr/>
-      </p:nvGrpSpPr>
-      <p:grpSpPr>
-        <a:xfrm>
-          <a:off x="0" y="0"/>
-          <a:ext cx="0" cy="0"/>
-          <a:chOff x="0" y="0"/>
-          <a:chExt cx="0" cy="0"/>
-        </a:xfrm>
-      </p:grpSpPr>
-      <p:sp>
-        <p:nvSpPr>
           <p:cNvPr id="4" name="Titre 1"/>
           <p:cNvSpPr>
             <a:spLocks noGrp="1"/>
@@ -17966,208 +16501,6 @@
               <a:t>Odométrie – Position Robot</a:t>
             </a:r>
             <a:endParaRPr lang="fr-FR" dirty="0"/>
-          </a:p>
-        </p:txBody>
-      </p:sp>
-      <p:sp>
-        <p:nvSpPr>
-          <p:cNvPr id="14" name="Titre 1"/>
-          <p:cNvSpPr txBox="1">
-            <a:spLocks/>
-          </p:cNvSpPr>
-          <p:nvPr/>
-        </p:nvSpPr>
-        <p:spPr>
-          <a:xfrm>
-            <a:off x="913795" y="1740397"/>
-            <a:ext cx="5828199" cy="4714994"/>
-          </a:xfrm>
-          <a:prstGeom prst="rect">
-            <a:avLst/>
-          </a:prstGeom>
-          <a:effectLst>
-            <a:outerShdw blurRad="25400" dir="17880000">
-              <a:srgbClr val="000000">
-                <a:alpha val="46000"/>
-              </a:srgbClr>
-            </a:outerShdw>
-          </a:effectLst>
-        </p:spPr>
-        <p:txBody>
-          <a:bodyPr vert="horz" lIns="91440" tIns="45720" rIns="91440" bIns="45720" rtlCol="0" anchor="t">
-            <a:normAutofit/>
-          </a:bodyPr>
-          <a:lstStyle>
-            <a:lvl1pPr algn="ctr" defTabSz="457200" rtl="0" eaLnBrk="1" latinLnBrk="0" hangingPunct="1">
-              <a:spcBef>
-                <a:spcPct val="0"/>
-              </a:spcBef>
-              <a:buNone/>
-              <a:defRPr sz="4000" kern="1200">
-                <a:ln>
-                  <a:solidFill>
-                    <a:schemeClr val="bg1">
-                      <a:lumMod val="75000"/>
-                      <a:lumOff val="25000"/>
-                      <a:alpha val="10000"/>
-                    </a:schemeClr>
-                  </a:solidFill>
-                </a:ln>
-                <a:solidFill>
-                  <a:schemeClr val="tx2"/>
-                </a:solidFill>
-                <a:effectLst>
-                  <a:outerShdw blurRad="9525" dist="25400" dir="14640000" algn="tl" rotWithShape="0">
-                    <a:schemeClr val="bg1">
-                      <a:alpha val="30000"/>
-                    </a:schemeClr>
-                  </a:outerShdw>
-                </a:effectLst>
-                <a:latin typeface="+mj-lt"/>
-                <a:ea typeface="+mj-ea"/>
-                <a:cs typeface="Trebuchet MS"/>
-              </a:defRPr>
-            </a:lvl1pPr>
-            <a:lvl2pPr eaLnBrk="1" hangingPunct="1">
-              <a:defRPr>
-                <a:solidFill>
-                  <a:schemeClr val="tx2"/>
-                </a:solidFill>
-              </a:defRPr>
-            </a:lvl2pPr>
-            <a:lvl3pPr eaLnBrk="1" hangingPunct="1">
-              <a:defRPr>
-                <a:solidFill>
-                  <a:schemeClr val="tx2"/>
-                </a:solidFill>
-              </a:defRPr>
-            </a:lvl3pPr>
-            <a:lvl4pPr eaLnBrk="1" hangingPunct="1">
-              <a:defRPr>
-                <a:solidFill>
-                  <a:schemeClr val="tx2"/>
-                </a:solidFill>
-              </a:defRPr>
-            </a:lvl4pPr>
-            <a:lvl5pPr eaLnBrk="1" hangingPunct="1">
-              <a:defRPr>
-                <a:solidFill>
-                  <a:schemeClr val="tx2"/>
-                </a:solidFill>
-              </a:defRPr>
-            </a:lvl5pPr>
-            <a:lvl6pPr eaLnBrk="1" hangingPunct="1">
-              <a:defRPr>
-                <a:solidFill>
-                  <a:schemeClr val="tx2"/>
-                </a:solidFill>
-              </a:defRPr>
-            </a:lvl6pPr>
-            <a:lvl7pPr eaLnBrk="1" hangingPunct="1">
-              <a:defRPr>
-                <a:solidFill>
-                  <a:schemeClr val="tx2"/>
-                </a:solidFill>
-              </a:defRPr>
-            </a:lvl7pPr>
-            <a:lvl8pPr eaLnBrk="1" hangingPunct="1">
-              <a:defRPr>
-                <a:solidFill>
-                  <a:schemeClr val="tx2"/>
-                </a:solidFill>
-              </a:defRPr>
-            </a:lvl8pPr>
-            <a:lvl9pPr eaLnBrk="1" hangingPunct="1">
-              <a:defRPr>
-                <a:solidFill>
-                  <a:schemeClr val="tx2"/>
-                </a:solidFill>
-              </a:defRPr>
-            </a:lvl9pPr>
-          </a:lstStyle>
-          <a:p>
-            <a:pPr algn="l"/>
-            <a:r>
-              <a:rPr lang="fr-FR" sz="2000" dirty="0" smtClean="0">
-                <a:effectLst/>
-              </a:rPr>
-              <a:t>Actions effectuées :</a:t>
-            </a:r>
-          </a:p>
-          <a:p>
-            <a:pPr algn="l"/>
-            <a:r>
-              <a:rPr lang="fr-FR" sz="2000" dirty="0" smtClean="0">
-                <a:effectLst/>
-              </a:rPr>
-              <a:t>Rotation -&gt; Calcul de l’orientation</a:t>
-            </a:r>
-          </a:p>
-          <a:p>
-            <a:pPr algn="l"/>
-            <a:r>
-              <a:rPr lang="fr-FR" sz="2000" dirty="0" smtClean="0">
-                <a:effectLst/>
-              </a:rPr>
-              <a:t>Avance/Recul -&gt; Calcul de la position </a:t>
-            </a:r>
-          </a:p>
-          <a:p>
-            <a:pPr algn="l"/>
-            <a:endParaRPr lang="fr-FR" sz="2000" dirty="0">
-              <a:effectLst/>
-            </a:endParaRPr>
-          </a:p>
-          <a:p>
-            <a:pPr algn="l"/>
-            <a:endParaRPr lang="fr-FR" sz="2000" dirty="0" smtClean="0">
-              <a:effectLst/>
-            </a:endParaRPr>
-          </a:p>
-          <a:p>
-            <a:pPr algn="l"/>
-            <a:r>
-              <a:rPr lang="fr-FR" sz="2000" dirty="0" smtClean="0">
-                <a:effectLst/>
-              </a:rPr>
-              <a:t>Repère de départ -&gt; position robot de départ</a:t>
-            </a:r>
-          </a:p>
-          <a:p>
-            <a:pPr algn="l"/>
-            <a:endParaRPr lang="fr-FR" sz="2000" dirty="0">
-              <a:effectLst/>
-            </a:endParaRPr>
-          </a:p>
-          <a:p>
-            <a:pPr algn="l"/>
-            <a:r>
-              <a:rPr lang="fr-FR" sz="2000" dirty="0" smtClean="0">
-                <a:effectLst/>
-              </a:rPr>
-              <a:t>Déplacement </a:t>
-            </a:r>
-            <a:endParaRPr lang="fr-FR" sz="2000" dirty="0">
-              <a:effectLst/>
-            </a:endParaRPr>
-          </a:p>
-          <a:p>
-            <a:pPr algn="l"/>
-            <a:endParaRPr lang="fr-FR" sz="2000" dirty="0" smtClean="0">
-              <a:effectLst/>
-            </a:endParaRPr>
-          </a:p>
-          <a:p>
-            <a:pPr algn="l"/>
-            <a:r>
-              <a:rPr lang="fr-FR" sz="2000" dirty="0">
-                <a:effectLst/>
-              </a:rPr>
-              <a:t>	</a:t>
-            </a:r>
-            <a:endParaRPr lang="fr-FR" sz="2000" dirty="0" smtClean="0">
-              <a:effectLst/>
-            </a:endParaRPr>
           </a:p>
         </p:txBody>
       </p:sp>
@@ -18275,7 +16608,7 @@
             </a:prstGeom>
             <a:ln w="57150">
               <a:solidFill>
-                <a:srgbClr val="7030A0"/>
+                <a:srgbClr val="9148C8"/>
               </a:solidFill>
               <a:tailEnd type="triangle"/>
             </a:ln>
@@ -18441,7 +16774,7 @@
         </p:blipFill>
         <p:spPr>
           <a:xfrm rot="19698045">
-            <a:off x="9107735" y="2263274"/>
+            <a:off x="9022297" y="2307997"/>
             <a:ext cx="1091646" cy="1336174"/>
           </a:xfrm>
           <a:prstGeom prst="rect">
@@ -18557,11 +16890,17 @@
             </a:avLst>
           </a:prstGeom>
           <a:solidFill>
-            <a:srgbClr val="FF0000"/>
+            <a:schemeClr val="accent1">
+              <a:lumMod val="60000"/>
+              <a:lumOff val="40000"/>
+            </a:schemeClr>
           </a:solidFill>
           <a:ln>
             <a:solidFill>
-              <a:srgbClr val="FF0000"/>
+              <a:schemeClr val="accent1">
+                <a:lumMod val="40000"/>
+                <a:lumOff val="60000"/>
+              </a:schemeClr>
             </a:solidFill>
           </a:ln>
         </p:spPr>
@@ -18650,7 +16989,7 @@
           <a:p>
             <a:r>
               <a:rPr lang="fr-FR" sz="1400" dirty="0" smtClean="0"/>
-              <a:t>Départ</a:t>
+              <a:t>1 Départ</a:t>
             </a:r>
           </a:p>
           <a:p>
@@ -18690,7 +17029,7 @@
         </p:nvSpPr>
         <p:spPr>
           <a:xfrm>
-            <a:off x="9545832" y="5716727"/>
+            <a:off x="9517537" y="5682819"/>
             <a:ext cx="1124557" cy="738664"/>
           </a:xfrm>
           <a:prstGeom prst="rect">
@@ -18706,7 +17045,86 @@
           <a:p>
             <a:r>
               <a:rPr lang="fr-FR" sz="1400" dirty="0" smtClean="0"/>
-              <a:t>Rotation</a:t>
+              <a:t>2 Rotation</a:t>
+            </a:r>
+          </a:p>
+          <a:p>
+            <a:r>
+              <a:rPr lang="el-GR" sz="1400" b="1" dirty="0" smtClean="0">
+                <a:solidFill>
+                  <a:schemeClr val="accent1">
+                    <a:lumMod val="60000"/>
+                    <a:lumOff val="40000"/>
+                  </a:schemeClr>
+                </a:solidFill>
+                <a:latin typeface="Times New Roman" panose="02020603050405020304" pitchFamily="18" charset="0"/>
+                <a:cs typeface="Times New Roman" panose="02020603050405020304" pitchFamily="18" charset="0"/>
+              </a:rPr>
+              <a:t>α</a:t>
+            </a:r>
+            <a:r>
+              <a:rPr lang="fr-FR" sz="1400" b="1" dirty="0" smtClean="0">
+                <a:solidFill>
+                  <a:schemeClr val="accent1">
+                    <a:lumMod val="60000"/>
+                    <a:lumOff val="40000"/>
+                  </a:schemeClr>
+                </a:solidFill>
+                <a:latin typeface="Times New Roman" panose="02020603050405020304" pitchFamily="18" charset="0"/>
+                <a:cs typeface="Times New Roman" panose="02020603050405020304" pitchFamily="18" charset="0"/>
+              </a:rPr>
+              <a:t>	</a:t>
+            </a:r>
+            <a:r>
+              <a:rPr lang="fr-FR" sz="1400" b="1" dirty="0" smtClean="0">
+                <a:solidFill>
+                  <a:schemeClr val="accent1">
+                    <a:lumMod val="60000"/>
+                    <a:lumOff val="40000"/>
+                  </a:schemeClr>
+                </a:solidFill>
+              </a:rPr>
+              <a:t> 45°</a:t>
+            </a:r>
+          </a:p>
+          <a:p>
+            <a:r>
+              <a:rPr lang="fr-FR" sz="1400" dirty="0" smtClean="0"/>
+              <a:t>Pos   {0 ; 0}</a:t>
+            </a:r>
+            <a:endParaRPr lang="fr-FR" sz="1400" dirty="0"/>
+          </a:p>
+        </p:txBody>
+      </p:sp>
+      <p:sp>
+        <p:nvSpPr>
+          <p:cNvPr id="19" name="ZoneTexte 18"/>
+          <p:cNvSpPr txBox="1"/>
+          <p:nvPr/>
+        </p:nvSpPr>
+        <p:spPr>
+          <a:xfrm>
+            <a:off x="10153121" y="1502254"/>
+            <a:ext cx="1409226" cy="738664"/>
+          </a:xfrm>
+          <a:prstGeom prst="rect">
+            <a:avLst/>
+          </a:prstGeom>
+          <a:noFill/>
+        </p:spPr>
+        <p:txBody>
+          <a:bodyPr wrap="square" rtlCol="0">
+            <a:spAutoFit/>
+          </a:bodyPr>
+          <a:lstStyle/>
+          <a:p>
+            <a:r>
+              <a:rPr lang="fr-FR" sz="1400" dirty="0"/>
+              <a:t>3</a:t>
+            </a:r>
+            <a:r>
+              <a:rPr lang="fr-FR" sz="1400" dirty="0" smtClean="0"/>
+              <a:t> Translation</a:t>
             </a:r>
           </a:p>
           <a:p>
@@ -18725,27 +17143,506 @@
               <a:t>	</a:t>
             </a:r>
             <a:r>
-              <a:rPr lang="fr-FR" sz="1400" dirty="0" smtClean="0">
+              <a:rPr lang="fr-FR" sz="1400" dirty="0" smtClean="0"/>
+              <a:t> 45°</a:t>
+            </a:r>
+          </a:p>
+          <a:p>
+            <a:r>
+              <a:rPr lang="fr-FR" sz="1400" b="1" dirty="0" smtClean="0">
                 <a:solidFill>
-                  <a:srgbClr val="FF0000"/>
+                  <a:srgbClr val="FFC000"/>
                 </a:solidFill>
               </a:rPr>
-              <a:t> 45°</a:t>
-            </a:r>
-          </a:p>
+              <a:t>Pos   {35 ; 35}</a:t>
+            </a:r>
+            <a:endParaRPr lang="fr-FR" sz="1400" b="1" dirty="0">
+              <a:solidFill>
+                <a:srgbClr val="FFC000"/>
+              </a:solidFill>
+            </a:endParaRPr>
+          </a:p>
+        </p:txBody>
+      </p:sp>
+      <p:cxnSp>
+        <p:nvCxnSpPr>
+          <p:cNvPr id="3" name="Connecteur droit 2"/>
+          <p:cNvCxnSpPr/>
+          <p:nvPr/>
+        </p:nvCxnSpPr>
+        <p:spPr>
+          <a:xfrm flipH="1" flipV="1">
+            <a:off x="9186796" y="3220471"/>
+            <a:ext cx="1124557" cy="1926618"/>
+          </a:xfrm>
+          <a:prstGeom prst="line">
+            <a:avLst/>
+          </a:prstGeom>
+          <a:ln w="38100">
+            <a:solidFill>
+              <a:schemeClr val="tx1">
+                <a:lumMod val="95000"/>
+              </a:schemeClr>
+            </a:solidFill>
+            <a:prstDash val="dash"/>
+          </a:ln>
+        </p:spPr>
+        <p:style>
+          <a:lnRef idx="1">
+            <a:schemeClr val="accent1"/>
+          </a:lnRef>
+          <a:fillRef idx="0">
+            <a:schemeClr val="accent1"/>
+          </a:fillRef>
+          <a:effectRef idx="0">
+            <a:schemeClr val="accent1"/>
+          </a:effectRef>
+          <a:fontRef idx="minor">
+            <a:schemeClr val="tx1"/>
+          </a:fontRef>
+        </p:style>
+      </p:cxnSp>
+      <p:sp>
+        <p:nvSpPr>
+          <p:cNvPr id="22" name="ZoneTexte 21"/>
+          <p:cNvSpPr txBox="1"/>
+          <p:nvPr/>
+        </p:nvSpPr>
+        <p:spPr>
+          <a:xfrm rot="3566549">
+            <a:off x="9379426" y="3998548"/>
+            <a:ext cx="1061316" cy="307777"/>
+          </a:xfrm>
+          <a:prstGeom prst="rect">
+            <a:avLst/>
+          </a:prstGeom>
+          <a:noFill/>
+        </p:spPr>
+        <p:txBody>
+          <a:bodyPr wrap="square" rtlCol="0">
+            <a:spAutoFit/>
+          </a:bodyPr>
+          <a:lstStyle/>
           <a:p>
             <a:r>
               <a:rPr lang="fr-FR" sz="1400" dirty="0" smtClean="0"/>
-              <a:t>Pos   {0 ; 0}</a:t>
+              <a:t>d = 50 mm</a:t>
             </a:r>
             <a:endParaRPr lang="fr-FR" sz="1400" dirty="0"/>
+          </a:p>
+        </p:txBody>
+      </p:sp>
+      <p:sp>
+        <p:nvSpPr>
+          <p:cNvPr id="5" name="Rectangle 4"/>
+          <p:cNvSpPr/>
+          <p:nvPr/>
+        </p:nvSpPr>
+        <p:spPr>
+          <a:xfrm>
+            <a:off x="10623533" y="4364725"/>
+            <a:ext cx="304892" cy="369332"/>
+          </a:xfrm>
+          <a:prstGeom prst="rect">
+            <a:avLst/>
+          </a:prstGeom>
+        </p:spPr>
+        <p:txBody>
+          <a:bodyPr wrap="none">
+            <a:spAutoFit/>
+          </a:bodyPr>
+          <a:lstStyle/>
+          <a:p>
+            <a:r>
+              <a:rPr lang="el-GR" dirty="0">
+                <a:latin typeface="Times New Roman" panose="02020603050405020304" pitchFamily="18" charset="0"/>
+                <a:cs typeface="Times New Roman" panose="02020603050405020304" pitchFamily="18" charset="0"/>
+              </a:rPr>
+              <a:t>α</a:t>
+            </a:r>
+            <a:endParaRPr lang="fr-FR" dirty="0"/>
+          </a:p>
+        </p:txBody>
+      </p:sp>
+      <p:sp>
+        <p:nvSpPr>
+          <p:cNvPr id="24" name="Espace réservé du contenu 2"/>
+          <p:cNvSpPr>
+            <a:spLocks noGrp="1"/>
+          </p:cNvSpPr>
+          <p:nvPr>
+            <p:ph idx="1"/>
+          </p:nvPr>
+        </p:nvSpPr>
+        <p:spPr>
+          <a:xfrm>
+            <a:off x="913795" y="1785711"/>
+            <a:ext cx="5398105" cy="4598360"/>
+          </a:xfrm>
+        </p:spPr>
+        <p:txBody>
+          <a:bodyPr>
+            <a:normAutofit/>
+          </a:bodyPr>
+          <a:lstStyle/>
+          <a:p>
+            <a:r>
+              <a:rPr lang="fr-FR" dirty="0">
+                <a:effectLst/>
+              </a:rPr>
+              <a:t>Repère de départ =</a:t>
+            </a:r>
+            <a:r>
+              <a:rPr lang="fr-FR" dirty="0" smtClean="0">
+                <a:effectLst/>
+              </a:rPr>
+              <a:t> </a:t>
+            </a:r>
+            <a:r>
+              <a:rPr lang="fr-FR" dirty="0">
+                <a:effectLst/>
+              </a:rPr>
+              <a:t>position robot de </a:t>
+            </a:r>
+            <a:r>
+              <a:rPr lang="fr-FR" dirty="0" smtClean="0">
+                <a:effectLst/>
+              </a:rPr>
+              <a:t>départ</a:t>
+            </a:r>
+            <a:endParaRPr lang="fr-FR" dirty="0">
+              <a:effectLst/>
+            </a:endParaRPr>
+          </a:p>
+          <a:p>
+            <a:r>
+              <a:rPr lang="fr-FR" dirty="0">
+                <a:effectLst/>
+              </a:rPr>
+              <a:t>Calcul selon </a:t>
+            </a:r>
+            <a:r>
+              <a:rPr lang="fr-FR" dirty="0" smtClean="0">
+                <a:effectLst/>
+              </a:rPr>
+              <a:t>l’action:</a:t>
+            </a:r>
+          </a:p>
+          <a:p>
+            <a:pPr marL="36900" indent="0">
+              <a:buNone/>
+            </a:pPr>
+            <a:r>
+              <a:rPr lang="fr-FR" sz="1800" dirty="0" smtClean="0">
+                <a:effectLst/>
+              </a:rPr>
+              <a:t>     	</a:t>
+            </a:r>
+          </a:p>
+          <a:p>
+            <a:pPr marL="36900" indent="0">
+              <a:buNone/>
+            </a:pPr>
+            <a:r>
+              <a:rPr lang="fr-FR" sz="1800" b="1" dirty="0">
+                <a:effectLst/>
+              </a:rPr>
+              <a:t>	</a:t>
+            </a:r>
+            <a:r>
+              <a:rPr lang="fr-FR" sz="1800" b="1" dirty="0" smtClean="0">
+                <a:effectLst/>
+              </a:rPr>
+              <a:t>Rotation</a:t>
+            </a:r>
+            <a:r>
+              <a:rPr lang="fr-FR" sz="1800" dirty="0">
+                <a:effectLst/>
+              </a:rPr>
+              <a:t>	</a:t>
+            </a:r>
+            <a:r>
+              <a:rPr lang="fr-FR" sz="1800" dirty="0" smtClean="0">
+                <a:effectLst/>
+              </a:rPr>
+              <a:t>-&gt; </a:t>
+            </a:r>
+            <a:r>
+              <a:rPr lang="fr-FR" sz="1800" dirty="0">
+                <a:solidFill>
+                  <a:schemeClr val="accent1">
+                    <a:lumMod val="60000"/>
+                    <a:lumOff val="40000"/>
+                  </a:schemeClr>
+                </a:solidFill>
+                <a:effectLst/>
+              </a:rPr>
+              <a:t>Calcul de l’orientation</a:t>
+            </a:r>
+          </a:p>
+          <a:p>
+            <a:pPr marL="36900" indent="0">
+              <a:buNone/>
+            </a:pPr>
+            <a:r>
+              <a:rPr lang="fr-FR" sz="1800" dirty="0" smtClean="0">
+                <a:effectLst/>
+              </a:rPr>
+              <a:t> 	 	Angle de  360° </a:t>
+            </a:r>
+            <a:r>
+              <a:rPr lang="fr-FR" sz="1800" dirty="0">
+                <a:effectLst/>
+              </a:rPr>
+              <a:t>à -360</a:t>
+            </a:r>
+            <a:r>
+              <a:rPr lang="fr-FR" sz="1800" dirty="0" smtClean="0">
+                <a:effectLst/>
+              </a:rPr>
+              <a:t>°</a:t>
+            </a:r>
+          </a:p>
+          <a:p>
+            <a:pPr marL="36900" indent="0">
+              <a:buNone/>
+            </a:pPr>
+            <a:r>
+              <a:rPr lang="fr-FR" sz="1800" dirty="0">
+                <a:effectLst/>
+              </a:rPr>
+              <a:t>		</a:t>
+            </a:r>
+            <a:r>
+              <a:rPr lang="fr-FR" sz="1800" dirty="0" smtClean="0">
+                <a:effectLst/>
+              </a:rPr>
+              <a:t>Sens positive = sens trigonométrique</a:t>
+            </a:r>
+            <a:endParaRPr lang="fr-FR" sz="1800" dirty="0">
+              <a:effectLst/>
+            </a:endParaRPr>
+          </a:p>
+          <a:p>
+            <a:pPr marL="36900" indent="0">
+              <a:buNone/>
+            </a:pPr>
+            <a:r>
+              <a:rPr lang="fr-FR" sz="1800" dirty="0">
+                <a:effectLst/>
+              </a:rPr>
+              <a:t> </a:t>
+            </a:r>
+            <a:r>
+              <a:rPr lang="fr-FR" sz="1800" dirty="0" smtClean="0">
+                <a:effectLst/>
+              </a:rPr>
+              <a:t>   </a:t>
+            </a:r>
+            <a:r>
+              <a:rPr lang="fr-FR" sz="1800" b="1" dirty="0" smtClean="0">
+                <a:effectLst/>
+              </a:rPr>
+              <a:t>	</a:t>
+            </a:r>
+          </a:p>
+          <a:p>
+            <a:pPr marL="36900" indent="0">
+              <a:buNone/>
+            </a:pPr>
+            <a:r>
+              <a:rPr lang="fr-FR" sz="1800" b="1" dirty="0" smtClean="0">
+                <a:effectLst/>
+              </a:rPr>
+              <a:t>	Avance/Recul </a:t>
+            </a:r>
+            <a:r>
+              <a:rPr lang="fr-FR" sz="1800" dirty="0" smtClean="0">
+                <a:effectLst/>
+              </a:rPr>
+              <a:t>-&gt; </a:t>
+            </a:r>
+            <a:r>
+              <a:rPr lang="fr-FR" sz="1800" dirty="0">
+                <a:solidFill>
+                  <a:srgbClr val="FFC000"/>
+                </a:solidFill>
+                <a:effectLst/>
+              </a:rPr>
+              <a:t>Calcul de la position </a:t>
+            </a:r>
+          </a:p>
+          <a:p>
+            <a:pPr marL="36900" indent="0">
+              <a:buNone/>
+            </a:pPr>
+            <a:r>
+              <a:rPr lang="fr-FR" sz="1800" dirty="0"/>
+              <a:t>	</a:t>
+            </a:r>
+            <a:r>
+              <a:rPr lang="fr-FR" sz="1800" dirty="0" smtClean="0"/>
+              <a:t>	posRobX= posRobX + d x sin (</a:t>
+            </a:r>
+            <a:r>
+              <a:rPr lang="el-GR" sz="1800" dirty="0" smtClean="0">
+                <a:latin typeface="Times New Roman" panose="02020603050405020304" pitchFamily="18" charset="0"/>
+                <a:cs typeface="Times New Roman" panose="02020603050405020304" pitchFamily="18" charset="0"/>
+              </a:rPr>
+              <a:t>α</a:t>
+            </a:r>
+            <a:r>
+              <a:rPr lang="fr-FR" sz="1800" dirty="0" smtClean="0">
+                <a:latin typeface="Times New Roman" panose="02020603050405020304" pitchFamily="18" charset="0"/>
+                <a:cs typeface="Times New Roman" panose="02020603050405020304" pitchFamily="18" charset="0"/>
+              </a:rPr>
+              <a:t> )</a:t>
+            </a:r>
+            <a:endParaRPr lang="fr-FR" sz="1800" dirty="0" smtClean="0"/>
+          </a:p>
+          <a:p>
+            <a:pPr marL="36900" indent="0">
+              <a:buNone/>
+            </a:pPr>
+            <a:r>
+              <a:rPr lang="fr-FR" sz="1800" dirty="0"/>
+              <a:t>	</a:t>
+            </a:r>
+            <a:r>
+              <a:rPr lang="fr-FR" sz="1800" dirty="0" smtClean="0"/>
+              <a:t>	posRobY= posRobY + d x cos (</a:t>
+            </a:r>
+            <a:r>
+              <a:rPr lang="el-GR" sz="1800" dirty="0" smtClean="0">
+                <a:latin typeface="Times New Roman" panose="02020603050405020304" pitchFamily="18" charset="0"/>
+                <a:cs typeface="Times New Roman" panose="02020603050405020304" pitchFamily="18" charset="0"/>
+              </a:rPr>
+              <a:t>α</a:t>
+            </a:r>
+            <a:r>
+              <a:rPr lang="fr-FR" sz="1800" dirty="0" smtClean="0">
+                <a:latin typeface="Times New Roman" panose="02020603050405020304" pitchFamily="18" charset="0"/>
+                <a:cs typeface="Times New Roman" panose="02020603050405020304" pitchFamily="18" charset="0"/>
+              </a:rPr>
+              <a:t>)</a:t>
+            </a:r>
+            <a:endParaRPr lang="fr-FR" sz="1800" dirty="0"/>
+          </a:p>
+        </p:txBody>
+      </p:sp>
+      <p:cxnSp>
+        <p:nvCxnSpPr>
+          <p:cNvPr id="25" name="Connecteur droit 24"/>
+          <p:cNvCxnSpPr/>
+          <p:nvPr/>
+        </p:nvCxnSpPr>
+        <p:spPr>
+          <a:xfrm flipH="1" flipV="1">
+            <a:off x="9976801" y="2704532"/>
+            <a:ext cx="1124557" cy="1926618"/>
+          </a:xfrm>
+          <a:prstGeom prst="line">
+            <a:avLst/>
+          </a:prstGeom>
+          <a:ln w="38100">
+            <a:solidFill>
+              <a:schemeClr val="tx1">
+                <a:lumMod val="95000"/>
+              </a:schemeClr>
+            </a:solidFill>
+            <a:prstDash val="dash"/>
+          </a:ln>
+        </p:spPr>
+        <p:style>
+          <a:lnRef idx="1">
+            <a:schemeClr val="accent1"/>
+          </a:lnRef>
+          <a:fillRef idx="0">
+            <a:schemeClr val="accent1"/>
+          </a:fillRef>
+          <a:effectRef idx="0">
+            <a:schemeClr val="accent1"/>
+          </a:effectRef>
+          <a:fontRef idx="minor">
+            <a:schemeClr val="tx1"/>
+          </a:fontRef>
+        </p:style>
+      </p:cxnSp>
+      <p:sp>
+        <p:nvSpPr>
+          <p:cNvPr id="27" name="ZoneTexte 26"/>
+          <p:cNvSpPr txBox="1"/>
+          <p:nvPr/>
+        </p:nvSpPr>
+        <p:spPr>
+          <a:xfrm>
+            <a:off x="7467632" y="5042559"/>
+            <a:ext cx="340619" cy="369332"/>
+          </a:xfrm>
+          <a:prstGeom prst="rect">
+            <a:avLst/>
+          </a:prstGeom>
+          <a:noFill/>
+        </p:spPr>
+        <p:txBody>
+          <a:bodyPr wrap="square" rtlCol="0">
+            <a:spAutoFit/>
+          </a:bodyPr>
+          <a:lstStyle/>
+          <a:p>
+            <a:r>
+              <a:rPr lang="fr-FR" b="1" dirty="0">
+                <a:solidFill>
+                  <a:srgbClr val="954ECA"/>
+                </a:solidFill>
+              </a:rPr>
+              <a:t>X</a:t>
+            </a:r>
+          </a:p>
+        </p:txBody>
+      </p:sp>
+      <p:sp>
+        <p:nvSpPr>
+          <p:cNvPr id="28" name="ZoneTexte 27"/>
+          <p:cNvSpPr txBox="1"/>
+          <p:nvPr/>
+        </p:nvSpPr>
+        <p:spPr>
+          <a:xfrm>
+            <a:off x="8322150" y="4260416"/>
+            <a:ext cx="340619" cy="369332"/>
+          </a:xfrm>
+          <a:prstGeom prst="rect">
+            <a:avLst/>
+          </a:prstGeom>
+          <a:noFill/>
+        </p:spPr>
+        <p:txBody>
+          <a:bodyPr wrap="square" rtlCol="0">
+            <a:spAutoFit/>
+          </a:bodyPr>
+          <a:lstStyle/>
+          <a:p>
+            <a:r>
+              <a:rPr lang="fr-FR" b="1" dirty="0" smtClean="0">
+                <a:solidFill>
+                  <a:srgbClr val="00B0F0"/>
+                </a:solidFill>
+              </a:rPr>
+              <a:t>Y</a:t>
+            </a:r>
+            <a:endParaRPr lang="fr-FR" b="1" dirty="0">
+              <a:solidFill>
+                <a:srgbClr val="00B0F0"/>
+              </a:solidFill>
+            </a:endParaRPr>
           </a:p>
         </p:txBody>
       </p:sp>
     </p:spTree>
     <p:extLst>
       <p:ext uri="{BB962C8B-B14F-4D97-AF65-F5344CB8AC3E}">
-        <p14:creationId xmlns:p14="http://schemas.microsoft.com/office/powerpoint/2010/main" val="1637635328"/>
+        <p14:creationId xmlns:p14="http://schemas.microsoft.com/office/powerpoint/2010/main" val="3698850969"/>
       </p:ext>
     </p:extLst>
   </p:cSld>
@@ -18755,14 +17652,249 @@
   <p:timing>
     <p:tnLst>
       <p:par>
-        <p:cTn id="1" dur="indefinite" restart="never" nodeType="tmRoot"/>
+        <p:cTn id="1" dur="indefinite" restart="never" nodeType="tmRoot">
+          <p:childTnLst>
+            <p:seq concurrent="1" nextAc="seek">
+              <p:cTn id="2" dur="indefinite" nodeType="mainSeq">
+                <p:childTnLst>
+                  <p:par>
+                    <p:cTn id="3" fill="hold">
+                      <p:stCondLst>
+                        <p:cond delay="indefinite"/>
+                      </p:stCondLst>
+                      <p:childTnLst>
+                        <p:par>
+                          <p:cTn id="4" fill="hold">
+                            <p:stCondLst>
+                              <p:cond delay="0"/>
+                            </p:stCondLst>
+                            <p:childTnLst>
+                              <p:par>
+                                <p:cTn id="5" presetID="1" presetClass="entr" presetSubtype="0" fill="hold" nodeType="clickEffect">
+                                  <p:stCondLst>
+                                    <p:cond delay="0"/>
+                                  </p:stCondLst>
+                                  <p:childTnLst>
+                                    <p:set>
+                                      <p:cBhvr>
+                                        <p:cTn id="6" dur="1" fill="hold">
+                                          <p:stCondLst>
+                                            <p:cond delay="0"/>
+                                          </p:stCondLst>
+                                        </p:cTn>
+                                        <p:tgtEl>
+                                          <p:spTgt spid="41"/>
+                                        </p:tgtEl>
+                                        <p:attrNameLst>
+                                          <p:attrName>style.visibility</p:attrName>
+                                        </p:attrNameLst>
+                                      </p:cBhvr>
+                                      <p:to>
+                                        <p:strVal val="visible"/>
+                                      </p:to>
+                                    </p:set>
+                                  </p:childTnLst>
+                                </p:cTn>
+                              </p:par>
+                              <p:par>
+                                <p:cTn id="7" presetID="42" presetClass="path" presetSubtype="0" accel="50000" decel="50000" fill="hold" nodeType="withEffect">
+                                  <p:stCondLst>
+                                    <p:cond delay="0"/>
+                                  </p:stCondLst>
+                                  <p:childTnLst>
+                                    <p:animMotion origin="layout" path="M 0.1263 0.37685 L 0.00247 -0.0044 " pathEditMode="relative" rAng="0" ptsTypes="AA">
+                                      <p:cBhvr>
+                                        <p:cTn id="8" dur="2000" fill="hold"/>
+                                        <p:tgtEl>
+                                          <p:spTgt spid="41"/>
+                                        </p:tgtEl>
+                                        <p:attrNameLst>
+                                          <p:attrName>ppt_x</p:attrName>
+                                          <p:attrName>ppt_y</p:attrName>
+                                        </p:attrNameLst>
+                                      </p:cBhvr>
+                                      <p:rCtr x="-6198" y="-19074"/>
+                                    </p:animMotion>
+                                  </p:childTnLst>
+                                </p:cTn>
+                              </p:par>
+                              <p:par>
+                                <p:cTn id="9" presetID="22" presetClass="entr" presetSubtype="4" fill="hold" nodeType="withEffect">
+                                  <p:stCondLst>
+                                    <p:cond delay="500"/>
+                                  </p:stCondLst>
+                                  <p:childTnLst>
+                                    <p:set>
+                                      <p:cBhvr>
+                                        <p:cTn id="10" dur="1" fill="hold">
+                                          <p:stCondLst>
+                                            <p:cond delay="0"/>
+                                          </p:stCondLst>
+                                        </p:cTn>
+                                        <p:tgtEl>
+                                          <p:spTgt spid="25"/>
+                                        </p:tgtEl>
+                                        <p:attrNameLst>
+                                          <p:attrName>style.visibility</p:attrName>
+                                        </p:attrNameLst>
+                                      </p:cBhvr>
+                                      <p:to>
+                                        <p:strVal val="visible"/>
+                                      </p:to>
+                                    </p:set>
+                                    <p:animEffect transition="in" filter="wipe(down)">
+                                      <p:cBhvr>
+                                        <p:cTn id="11" dur="1500"/>
+                                        <p:tgtEl>
+                                          <p:spTgt spid="25"/>
+                                        </p:tgtEl>
+                                      </p:cBhvr>
+                                    </p:animEffect>
+                                  </p:childTnLst>
+                                </p:cTn>
+                              </p:par>
+                              <p:par>
+                                <p:cTn id="12" presetID="22" presetClass="entr" presetSubtype="4" fill="hold" nodeType="withEffect">
+                                  <p:stCondLst>
+                                    <p:cond delay="500"/>
+                                  </p:stCondLst>
+                                  <p:childTnLst>
+                                    <p:set>
+                                      <p:cBhvr>
+                                        <p:cTn id="13" dur="1" fill="hold">
+                                          <p:stCondLst>
+                                            <p:cond delay="0"/>
+                                          </p:stCondLst>
+                                        </p:cTn>
+                                        <p:tgtEl>
+                                          <p:spTgt spid="3"/>
+                                        </p:tgtEl>
+                                        <p:attrNameLst>
+                                          <p:attrName>style.visibility</p:attrName>
+                                        </p:attrNameLst>
+                                      </p:cBhvr>
+                                      <p:to>
+                                        <p:strVal val="visible"/>
+                                      </p:to>
+                                    </p:set>
+                                    <p:animEffect transition="in" filter="wipe(down)">
+                                      <p:cBhvr>
+                                        <p:cTn id="14" dur="1500"/>
+                                        <p:tgtEl>
+                                          <p:spTgt spid="3"/>
+                                        </p:tgtEl>
+                                      </p:cBhvr>
+                                    </p:animEffect>
+                                  </p:childTnLst>
+                                </p:cTn>
+                              </p:par>
+                              <p:par>
+                                <p:cTn id="15" presetID="22" presetClass="entr" presetSubtype="4" fill="hold" grpId="0" nodeType="withEffect">
+                                  <p:stCondLst>
+                                    <p:cond delay="500"/>
+                                  </p:stCondLst>
+                                  <p:childTnLst>
+                                    <p:set>
+                                      <p:cBhvr>
+                                        <p:cTn id="16" dur="1" fill="hold">
+                                          <p:stCondLst>
+                                            <p:cond delay="0"/>
+                                          </p:stCondLst>
+                                        </p:cTn>
+                                        <p:tgtEl>
+                                          <p:spTgt spid="22"/>
+                                        </p:tgtEl>
+                                        <p:attrNameLst>
+                                          <p:attrName>style.visibility</p:attrName>
+                                        </p:attrNameLst>
+                                      </p:cBhvr>
+                                      <p:to>
+                                        <p:strVal val="visible"/>
+                                      </p:to>
+                                    </p:set>
+                                    <p:animEffect transition="in" filter="wipe(down)">
+                                      <p:cBhvr>
+                                        <p:cTn id="17" dur="1500"/>
+                                        <p:tgtEl>
+                                          <p:spTgt spid="22"/>
+                                        </p:tgtEl>
+                                      </p:cBhvr>
+                                    </p:animEffect>
+                                  </p:childTnLst>
+                                </p:cTn>
+                              </p:par>
+                            </p:childTnLst>
+                          </p:cTn>
+                        </p:par>
+                        <p:par>
+                          <p:cTn id="18" fill="hold">
+                            <p:stCondLst>
+                              <p:cond delay="2000"/>
+                            </p:stCondLst>
+                            <p:childTnLst>
+                              <p:par>
+                                <p:cTn id="19" presetID="1" presetClass="entr" presetSubtype="0" fill="hold" grpId="0" nodeType="afterEffect">
+                                  <p:stCondLst>
+                                    <p:cond delay="0"/>
+                                  </p:stCondLst>
+                                  <p:childTnLst>
+                                    <p:set>
+                                      <p:cBhvr>
+                                        <p:cTn id="20" dur="1" fill="hold">
+                                          <p:stCondLst>
+                                            <p:cond delay="0"/>
+                                          </p:stCondLst>
+                                        </p:cTn>
+                                        <p:tgtEl>
+                                          <p:spTgt spid="19"/>
+                                        </p:tgtEl>
+                                        <p:attrNameLst>
+                                          <p:attrName>style.visibility</p:attrName>
+                                        </p:attrNameLst>
+                                      </p:cBhvr>
+                                      <p:to>
+                                        <p:strVal val="visible"/>
+                                      </p:to>
+                                    </p:set>
+                                  </p:childTnLst>
+                                </p:cTn>
+                              </p:par>
+                            </p:childTnLst>
+                          </p:cTn>
+                        </p:par>
+                      </p:childTnLst>
+                    </p:cTn>
+                  </p:par>
+                </p:childTnLst>
+              </p:cTn>
+              <p:prevCondLst>
+                <p:cond evt="onPrev" delay="0">
+                  <p:tgtEl>
+                    <p:sldTgt/>
+                  </p:tgtEl>
+                </p:cond>
+              </p:prevCondLst>
+              <p:nextCondLst>
+                <p:cond evt="onNext" delay="0">
+                  <p:tgtEl>
+                    <p:sldTgt/>
+                  </p:tgtEl>
+                </p:cond>
+              </p:nextCondLst>
+            </p:seq>
+          </p:childTnLst>
+        </p:cTn>
       </p:par>
     </p:tnLst>
+    <p:bldLst>
+      <p:bldP spid="19" grpId="0"/>
+      <p:bldP spid="22" grpId="0"/>
+    </p:bldLst>
   </p:timing>
 </p:sld>
 </file>
 
-<file path=ppt/slides/slide7.xml><?xml version="1.0" encoding="utf-8"?>
+<file path=ppt/slides/slide15.xml><?xml version="1.0" encoding="utf-8"?>
 <p:sld xmlns:a="http://schemas.openxmlformats.org/drawingml/2006/main" xmlns:r="http://schemas.openxmlformats.org/officeDocument/2006/relationships" xmlns:p="http://schemas.openxmlformats.org/presentationml/2006/main">
   <p:cSld>
     <p:spTree>
@@ -18796,8 +17928,12 @@
           <a:p>
             <a:pPr algn="l"/>
             <a:r>
+              <a:rPr lang="fr-FR" dirty="0"/>
+              <a:t>Odométrie – </a:t>
+            </a:r>
+            <a:r>
               <a:rPr lang="fr-FR" dirty="0" smtClean="0"/>
-              <a:t>Odométrie - Position des obstacles</a:t>
+              <a:t>Position des obstacles</a:t>
             </a:r>
             <a:endParaRPr lang="fr-FR" dirty="0"/>
           </a:p>
@@ -19275,363 +18411,6 @@
       </p:sp>
       <p:sp>
         <p:nvSpPr>
-          <p:cNvPr id="26" name="Titre 1"/>
-          <p:cNvSpPr txBox="1">
-            <a:spLocks/>
-          </p:cNvSpPr>
-          <p:nvPr/>
-        </p:nvSpPr>
-        <p:spPr>
-          <a:xfrm>
-            <a:off x="1066195" y="1892797"/>
-            <a:ext cx="5828199" cy="3758209"/>
-          </a:xfrm>
-          <a:prstGeom prst="rect">
-            <a:avLst/>
-          </a:prstGeom>
-          <a:effectLst>
-            <a:outerShdw blurRad="25400" dir="17880000">
-              <a:srgbClr val="000000">
-                <a:alpha val="46000"/>
-              </a:srgbClr>
-            </a:outerShdw>
-          </a:effectLst>
-        </p:spPr>
-        <p:txBody>
-          <a:bodyPr vert="horz" lIns="91440" tIns="45720" rIns="91440" bIns="45720" rtlCol="0" anchor="t">
-            <a:normAutofit/>
-          </a:bodyPr>
-          <a:lstStyle>
-            <a:lvl1pPr algn="ctr" defTabSz="457200" rtl="0" eaLnBrk="1" latinLnBrk="0" hangingPunct="1">
-              <a:spcBef>
-                <a:spcPct val="0"/>
-              </a:spcBef>
-              <a:buNone/>
-              <a:defRPr sz="4000" kern="1200">
-                <a:ln>
-                  <a:solidFill>
-                    <a:schemeClr val="bg1">
-                      <a:lumMod val="75000"/>
-                      <a:lumOff val="25000"/>
-                      <a:alpha val="10000"/>
-                    </a:schemeClr>
-                  </a:solidFill>
-                </a:ln>
-                <a:solidFill>
-                  <a:schemeClr val="tx2"/>
-                </a:solidFill>
-                <a:effectLst>
-                  <a:outerShdw blurRad="9525" dist="25400" dir="14640000" algn="tl" rotWithShape="0">
-                    <a:schemeClr val="bg1">
-                      <a:alpha val="30000"/>
-                    </a:schemeClr>
-                  </a:outerShdw>
-                </a:effectLst>
-                <a:latin typeface="+mj-lt"/>
-                <a:ea typeface="+mj-ea"/>
-                <a:cs typeface="Trebuchet MS"/>
-              </a:defRPr>
-            </a:lvl1pPr>
-            <a:lvl2pPr eaLnBrk="1" hangingPunct="1">
-              <a:defRPr>
-                <a:solidFill>
-                  <a:schemeClr val="tx2"/>
-                </a:solidFill>
-              </a:defRPr>
-            </a:lvl2pPr>
-            <a:lvl3pPr eaLnBrk="1" hangingPunct="1">
-              <a:defRPr>
-                <a:solidFill>
-                  <a:schemeClr val="tx2"/>
-                </a:solidFill>
-              </a:defRPr>
-            </a:lvl3pPr>
-            <a:lvl4pPr eaLnBrk="1" hangingPunct="1">
-              <a:defRPr>
-                <a:solidFill>
-                  <a:schemeClr val="tx2"/>
-                </a:solidFill>
-              </a:defRPr>
-            </a:lvl4pPr>
-            <a:lvl5pPr eaLnBrk="1" hangingPunct="1">
-              <a:defRPr>
-                <a:solidFill>
-                  <a:schemeClr val="tx2"/>
-                </a:solidFill>
-              </a:defRPr>
-            </a:lvl5pPr>
-            <a:lvl6pPr eaLnBrk="1" hangingPunct="1">
-              <a:defRPr>
-                <a:solidFill>
-                  <a:schemeClr val="tx2"/>
-                </a:solidFill>
-              </a:defRPr>
-            </a:lvl6pPr>
-            <a:lvl7pPr eaLnBrk="1" hangingPunct="1">
-              <a:defRPr>
-                <a:solidFill>
-                  <a:schemeClr val="tx2"/>
-                </a:solidFill>
-              </a:defRPr>
-            </a:lvl7pPr>
-            <a:lvl8pPr eaLnBrk="1" hangingPunct="1">
-              <a:defRPr>
-                <a:solidFill>
-                  <a:schemeClr val="tx2"/>
-                </a:solidFill>
-              </a:defRPr>
-            </a:lvl8pPr>
-            <a:lvl9pPr eaLnBrk="1" hangingPunct="1">
-              <a:defRPr>
-                <a:solidFill>
-                  <a:schemeClr val="tx2"/>
-                </a:solidFill>
-              </a:defRPr>
-            </a:lvl9pPr>
-          </a:lstStyle>
-          <a:p>
-            <a:pPr algn="l"/>
-            <a:r>
-              <a:rPr lang="fr-FR" sz="2000" dirty="0" smtClean="0">
-                <a:effectLst/>
-              </a:rPr>
-              <a:t>Balayage successif des points d’un obstacles</a:t>
-            </a:r>
-          </a:p>
-          <a:p>
-            <a:pPr algn="l"/>
-            <a:r>
-              <a:rPr lang="fr-FR" sz="2000" dirty="0">
-                <a:effectLst/>
-              </a:rPr>
-              <a:t>	</a:t>
-            </a:r>
-          </a:p>
-          <a:p>
-            <a:pPr algn="l"/>
-            <a:r>
-              <a:rPr lang="fr-FR" sz="2000" dirty="0" smtClean="0">
-                <a:effectLst/>
-              </a:rPr>
-              <a:t>Calcul de la position d’un point d’un obstacle</a:t>
-            </a:r>
-          </a:p>
-          <a:p>
-            <a:r>
-              <a:rPr lang="fr-FR" sz="2000" dirty="0">
-                <a:effectLst/>
-              </a:rPr>
-              <a:t>	</a:t>
-            </a:r>
-            <a:endParaRPr lang="fr-FR" sz="2000" dirty="0" smtClean="0">
-              <a:effectLst/>
-            </a:endParaRPr>
-          </a:p>
-          <a:p>
-            <a:r>
-              <a:rPr lang="fr-FR" sz="2000" dirty="0" err="1" smtClean="0">
-                <a:effectLst/>
-              </a:rPr>
-              <a:t>posObj</a:t>
-            </a:r>
-            <a:r>
-              <a:rPr lang="fr-FR" sz="2000" dirty="0" smtClean="0">
-                <a:effectLst/>
-              </a:rPr>
-              <a:t> X = </a:t>
-            </a:r>
-            <a:r>
-              <a:rPr lang="fr-FR" sz="2000" dirty="0" err="1" smtClean="0">
-                <a:effectLst/>
-              </a:rPr>
-              <a:t>Xr</a:t>
-            </a:r>
-            <a:r>
-              <a:rPr lang="fr-FR" sz="2000" dirty="0" smtClean="0">
-                <a:effectLst/>
-              </a:rPr>
-              <a:t> + ( d x sin (</a:t>
-            </a:r>
-            <a:r>
-              <a:rPr lang="el-GR" sz="2000" dirty="0" smtClean="0">
-                <a:latin typeface="Times New Roman" panose="02020603050405020304" pitchFamily="18" charset="0"/>
-                <a:cs typeface="Times New Roman" panose="02020603050405020304" pitchFamily="18" charset="0"/>
-              </a:rPr>
-              <a:t>α</a:t>
-            </a:r>
-            <a:r>
-              <a:rPr lang="fr-FR" sz="2000" dirty="0" smtClean="0">
-                <a:latin typeface="Times New Roman" panose="02020603050405020304" pitchFamily="18" charset="0"/>
-                <a:cs typeface="Times New Roman" panose="02020603050405020304" pitchFamily="18" charset="0"/>
-              </a:rPr>
-              <a:t>)) </a:t>
-            </a:r>
-            <a:endParaRPr lang="fr-FR" sz="2000" dirty="0" smtClean="0">
-              <a:cs typeface="Times New Roman" panose="02020603050405020304" pitchFamily="18" charset="0"/>
-            </a:endParaRPr>
-          </a:p>
-          <a:p>
-            <a:endParaRPr lang="fr-FR" sz="2000" dirty="0">
-              <a:effectLst/>
-            </a:endParaRPr>
-          </a:p>
-          <a:p>
-            <a:r>
-              <a:rPr lang="fr-FR" sz="2000" dirty="0" err="1" smtClean="0">
-                <a:effectLst/>
-              </a:rPr>
-              <a:t>posObj</a:t>
-            </a:r>
-            <a:r>
-              <a:rPr lang="fr-FR" sz="2000" dirty="0" smtClean="0">
-                <a:effectLst/>
-              </a:rPr>
-              <a:t> Y = </a:t>
-            </a:r>
-            <a:r>
-              <a:rPr lang="fr-FR" sz="2000" dirty="0" err="1" smtClean="0">
-                <a:effectLst/>
-              </a:rPr>
-              <a:t>Yr</a:t>
-            </a:r>
-            <a:r>
-              <a:rPr lang="fr-FR" sz="2000" dirty="0" smtClean="0">
-                <a:effectLst/>
-              </a:rPr>
-              <a:t> + ( d x cos</a:t>
-            </a:r>
-            <a:r>
-              <a:rPr lang="fr-FR" sz="2000" dirty="0">
-                <a:effectLst/>
-              </a:rPr>
-              <a:t> (</a:t>
-            </a:r>
-            <a:r>
-              <a:rPr lang="el-GR" sz="2000" dirty="0">
-                <a:latin typeface="Times New Roman" panose="02020603050405020304" pitchFamily="18" charset="0"/>
-                <a:cs typeface="Times New Roman" panose="02020603050405020304" pitchFamily="18" charset="0"/>
-              </a:rPr>
-              <a:t>α</a:t>
-            </a:r>
-            <a:r>
-              <a:rPr lang="fr-FR" sz="2000" dirty="0" smtClean="0">
-                <a:latin typeface="Times New Roman" panose="02020603050405020304" pitchFamily="18" charset="0"/>
-                <a:cs typeface="Times New Roman" panose="02020603050405020304" pitchFamily="18" charset="0"/>
-              </a:rPr>
-              <a:t>))</a:t>
-            </a:r>
-          </a:p>
-          <a:p>
-            <a:endParaRPr lang="fr-FR" sz="2000" dirty="0">
-              <a:effectLst/>
-              <a:latin typeface="Times New Roman" panose="02020603050405020304" pitchFamily="18" charset="0"/>
-              <a:cs typeface="Times New Roman" panose="02020603050405020304" pitchFamily="18" charset="0"/>
-            </a:endParaRPr>
-          </a:p>
-          <a:p>
-            <a:pPr algn="l"/>
-            <a:r>
-              <a:rPr lang="fr-FR" sz="1400" dirty="0">
-                <a:effectLst/>
-              </a:rPr>
-              <a:t>Position du robot 		 </a:t>
-            </a:r>
-            <a:r>
-              <a:rPr lang="fr-FR" sz="1400" dirty="0" err="1">
-                <a:effectLst/>
-              </a:rPr>
-              <a:t>posRob</a:t>
-            </a:r>
-            <a:r>
-              <a:rPr lang="fr-FR" sz="1400" dirty="0">
-                <a:effectLst/>
-              </a:rPr>
-              <a:t>{ </a:t>
-            </a:r>
-            <a:r>
-              <a:rPr lang="fr-FR" sz="1400" dirty="0" err="1">
-                <a:effectLst/>
-              </a:rPr>
-              <a:t>Xr</a:t>
-            </a:r>
-            <a:r>
-              <a:rPr lang="fr-FR" sz="1400" dirty="0">
-                <a:effectLst/>
-              </a:rPr>
-              <a:t> ; </a:t>
-            </a:r>
-            <a:r>
-              <a:rPr lang="fr-FR" sz="1400" dirty="0" err="1">
-                <a:effectLst/>
-              </a:rPr>
-              <a:t>Yr</a:t>
-            </a:r>
-            <a:r>
-              <a:rPr lang="fr-FR" sz="1400" dirty="0">
-                <a:effectLst/>
-              </a:rPr>
-              <a:t> }</a:t>
-            </a:r>
-          </a:p>
-          <a:p>
-            <a:pPr algn="l"/>
-            <a:r>
-              <a:rPr lang="fr-FR" sz="1400" dirty="0">
-                <a:effectLst/>
-              </a:rPr>
-              <a:t>Orientation du robot 	 </a:t>
-            </a:r>
-            <a:r>
-              <a:rPr lang="el-GR" sz="1400" dirty="0">
-                <a:latin typeface="Times New Roman" panose="02020603050405020304" pitchFamily="18" charset="0"/>
-                <a:cs typeface="Times New Roman" panose="02020603050405020304" pitchFamily="18" charset="0"/>
-              </a:rPr>
-              <a:t>α</a:t>
-            </a:r>
-            <a:endParaRPr lang="fr-FR" sz="1400" dirty="0">
-              <a:effectLst/>
-            </a:endParaRPr>
-          </a:p>
-          <a:p>
-            <a:pPr algn="l"/>
-            <a:r>
-              <a:rPr lang="fr-FR" sz="1400" dirty="0">
-                <a:effectLst/>
-              </a:rPr>
-              <a:t>Distance infra-rouge  	 d </a:t>
-            </a:r>
-            <a:endParaRPr lang="fr-FR" sz="1400" dirty="0" smtClean="0">
-              <a:effectLst/>
-            </a:endParaRPr>
-          </a:p>
-          <a:p>
-            <a:pPr algn="l"/>
-            <a:r>
-              <a:rPr lang="fr-FR" sz="1400" dirty="0" smtClean="0">
-                <a:effectLst/>
-              </a:rPr>
-              <a:t>Repère de base		 R0</a:t>
-            </a:r>
-            <a:endParaRPr lang="fr-FR" sz="2000" dirty="0">
-              <a:effectLst/>
-            </a:endParaRPr>
-          </a:p>
-          <a:p>
-            <a:pPr algn="l"/>
-            <a:r>
-              <a:rPr lang="fr-FR" sz="1400" dirty="0" smtClean="0">
-                <a:effectLst/>
-              </a:rPr>
-              <a:t>Repère projeté de R0	 R0’</a:t>
-            </a:r>
-            <a:endParaRPr lang="fr-FR" sz="1400" dirty="0">
-              <a:effectLst/>
-            </a:endParaRPr>
-          </a:p>
-        </p:txBody>
-      </p:sp>
-      <p:sp>
-        <p:nvSpPr>
           <p:cNvPr id="28" name="ZoneTexte 27"/>
           <p:cNvSpPr txBox="1"/>
           <p:nvPr/>
@@ -19653,14 +18432,24 @@
           <a:lstStyle/>
           <a:p>
             <a:r>
-              <a:rPr lang="fr-FR" sz="1400" dirty="0" err="1" smtClean="0"/>
-              <a:t>posObj</a:t>
-            </a:r>
-            <a:r>
-              <a:rPr lang="fr-FR" sz="1400" dirty="0" smtClean="0"/>
-              <a:t> { ? ; ? }</a:t>
-            </a:r>
-            <a:endParaRPr lang="fr-FR" sz="1400" dirty="0"/>
+              <a:rPr lang="fr-FR" sz="1400" b="1" dirty="0" smtClean="0">
+                <a:solidFill>
+                  <a:schemeClr val="accent1">
+                    <a:lumMod val="60000"/>
+                    <a:lumOff val="40000"/>
+                  </a:schemeClr>
+                </a:solidFill>
+              </a:rPr>
+              <a:t>posObj { ? ; ? }</a:t>
+            </a:r>
+            <a:endParaRPr lang="fr-FR" sz="1400" b="1" dirty="0">
+              <a:solidFill>
+                <a:schemeClr val="accent1">
+                  <a:lumMod val="60000"/>
+                  <a:lumOff val="40000"/>
+                </a:schemeClr>
+              </a:solidFill>
+            </a:endParaRPr>
           </a:p>
         </p:txBody>
       </p:sp>
@@ -19963,10 +18752,3581 @@
           </a:p>
         </p:txBody>
       </p:sp>
+      <p:sp>
+        <p:nvSpPr>
+          <p:cNvPr id="27" name="Espace réservé du contenu 2"/>
+          <p:cNvSpPr>
+            <a:spLocks noGrp="1"/>
+          </p:cNvSpPr>
+          <p:nvPr>
+            <p:ph idx="1"/>
+          </p:nvPr>
+        </p:nvSpPr>
+        <p:spPr>
+          <a:xfrm>
+            <a:off x="985388" y="1775010"/>
+            <a:ext cx="6477585" cy="4498735"/>
+          </a:xfrm>
+        </p:spPr>
+        <p:txBody>
+          <a:bodyPr>
+            <a:normAutofit/>
+          </a:bodyPr>
+          <a:lstStyle/>
+          <a:p>
+            <a:r>
+              <a:rPr lang="fr-FR" dirty="0">
+                <a:effectLst/>
+              </a:rPr>
+              <a:t>Balayage successif des points d’un </a:t>
+            </a:r>
+            <a:r>
+              <a:rPr lang="fr-FR" dirty="0" smtClean="0">
+                <a:effectLst/>
+              </a:rPr>
+              <a:t>obstacles</a:t>
+            </a:r>
+          </a:p>
+          <a:p>
+            <a:pPr marL="36900" indent="0">
+              <a:buNone/>
+            </a:pPr>
+            <a:endParaRPr lang="fr-FR" dirty="0">
+              <a:effectLst/>
+            </a:endParaRPr>
+          </a:p>
+          <a:p>
+            <a:r>
+              <a:rPr lang="fr-FR" dirty="0">
+                <a:effectLst/>
+              </a:rPr>
+              <a:t>Calcul de la position d’un point d’un </a:t>
+            </a:r>
+            <a:r>
+              <a:rPr lang="fr-FR" dirty="0" smtClean="0">
+                <a:effectLst/>
+              </a:rPr>
+              <a:t>obstacle</a:t>
+            </a:r>
+            <a:endParaRPr lang="fr-FR" dirty="0">
+              <a:effectLst/>
+            </a:endParaRPr>
+          </a:p>
+          <a:p>
+            <a:pPr marL="36900" indent="0">
+              <a:buNone/>
+            </a:pPr>
+            <a:r>
+              <a:rPr lang="fr-FR" b="1" dirty="0" smtClean="0">
+                <a:solidFill>
+                  <a:schemeClr val="accent1">
+                    <a:lumMod val="60000"/>
+                    <a:lumOff val="40000"/>
+                  </a:schemeClr>
+                </a:solidFill>
+                <a:effectLst/>
+              </a:rPr>
+              <a:t>		</a:t>
+            </a:r>
+            <a:r>
+              <a:rPr lang="fr-FR" sz="1800" b="1" dirty="0" smtClean="0">
+                <a:solidFill>
+                  <a:schemeClr val="accent1">
+                    <a:lumMod val="60000"/>
+                    <a:lumOff val="40000"/>
+                  </a:schemeClr>
+                </a:solidFill>
+                <a:effectLst/>
+              </a:rPr>
+              <a:t>	posObj </a:t>
+            </a:r>
+            <a:r>
+              <a:rPr lang="fr-FR" sz="1800" b="1" dirty="0">
+                <a:solidFill>
+                  <a:schemeClr val="accent1">
+                    <a:lumMod val="60000"/>
+                    <a:lumOff val="40000"/>
+                  </a:schemeClr>
+                </a:solidFill>
+                <a:effectLst/>
+              </a:rPr>
+              <a:t>X = </a:t>
+            </a:r>
+            <a:r>
+              <a:rPr lang="fr-FR" sz="1800" b="1" dirty="0" err="1">
+                <a:solidFill>
+                  <a:schemeClr val="accent1">
+                    <a:lumMod val="60000"/>
+                    <a:lumOff val="40000"/>
+                  </a:schemeClr>
+                </a:solidFill>
+                <a:effectLst/>
+              </a:rPr>
+              <a:t>Xr</a:t>
+            </a:r>
+            <a:r>
+              <a:rPr lang="fr-FR" sz="1800" b="1" dirty="0">
+                <a:solidFill>
+                  <a:schemeClr val="accent1">
+                    <a:lumMod val="60000"/>
+                    <a:lumOff val="40000"/>
+                  </a:schemeClr>
+                </a:solidFill>
+                <a:effectLst/>
+              </a:rPr>
+              <a:t> + ( d x sin (</a:t>
+            </a:r>
+            <a:r>
+              <a:rPr lang="el-GR" sz="1800" b="1" dirty="0">
+                <a:solidFill>
+                  <a:schemeClr val="accent1">
+                    <a:lumMod val="60000"/>
+                    <a:lumOff val="40000"/>
+                  </a:schemeClr>
+                </a:solidFill>
+                <a:latin typeface="Times New Roman" panose="02020603050405020304" pitchFamily="18" charset="0"/>
+                <a:cs typeface="Times New Roman" panose="02020603050405020304" pitchFamily="18" charset="0"/>
+              </a:rPr>
+              <a:t>α</a:t>
+            </a:r>
+            <a:r>
+              <a:rPr lang="fr-FR" sz="1800" b="1" dirty="0">
+                <a:solidFill>
+                  <a:schemeClr val="accent1">
+                    <a:lumMod val="60000"/>
+                    <a:lumOff val="40000"/>
+                  </a:schemeClr>
+                </a:solidFill>
+                <a:latin typeface="Times New Roman" panose="02020603050405020304" pitchFamily="18" charset="0"/>
+                <a:cs typeface="Times New Roman" panose="02020603050405020304" pitchFamily="18" charset="0"/>
+              </a:rPr>
+              <a:t>)) </a:t>
+            </a:r>
+            <a:endParaRPr lang="fr-FR" sz="1800" b="1" dirty="0">
+              <a:solidFill>
+                <a:schemeClr val="accent1">
+                  <a:lumMod val="60000"/>
+                  <a:lumOff val="40000"/>
+                </a:schemeClr>
+              </a:solidFill>
+              <a:effectLst/>
+            </a:endParaRPr>
+          </a:p>
+          <a:p>
+            <a:pPr marL="36900" indent="0">
+              <a:buNone/>
+            </a:pPr>
+            <a:r>
+              <a:rPr lang="fr-FR" sz="1800" b="1" dirty="0" smtClean="0">
+                <a:solidFill>
+                  <a:schemeClr val="accent1">
+                    <a:lumMod val="60000"/>
+                    <a:lumOff val="40000"/>
+                  </a:schemeClr>
+                </a:solidFill>
+                <a:effectLst/>
+              </a:rPr>
+              <a:t>			posObj </a:t>
+            </a:r>
+            <a:r>
+              <a:rPr lang="fr-FR" sz="1800" b="1" dirty="0">
+                <a:solidFill>
+                  <a:schemeClr val="accent1">
+                    <a:lumMod val="60000"/>
+                    <a:lumOff val="40000"/>
+                  </a:schemeClr>
+                </a:solidFill>
+                <a:effectLst/>
+              </a:rPr>
+              <a:t>Y = </a:t>
+            </a:r>
+            <a:r>
+              <a:rPr lang="fr-FR" sz="1800" b="1" dirty="0" err="1">
+                <a:solidFill>
+                  <a:schemeClr val="accent1">
+                    <a:lumMod val="60000"/>
+                    <a:lumOff val="40000"/>
+                  </a:schemeClr>
+                </a:solidFill>
+                <a:effectLst/>
+              </a:rPr>
+              <a:t>Yr</a:t>
+            </a:r>
+            <a:r>
+              <a:rPr lang="fr-FR" sz="1800" b="1" dirty="0">
+                <a:solidFill>
+                  <a:schemeClr val="accent1">
+                    <a:lumMod val="60000"/>
+                    <a:lumOff val="40000"/>
+                  </a:schemeClr>
+                </a:solidFill>
+                <a:effectLst/>
+              </a:rPr>
+              <a:t> + ( d x cos (</a:t>
+            </a:r>
+            <a:r>
+              <a:rPr lang="el-GR" sz="1800" b="1" dirty="0">
+                <a:solidFill>
+                  <a:schemeClr val="accent1">
+                    <a:lumMod val="60000"/>
+                    <a:lumOff val="40000"/>
+                  </a:schemeClr>
+                </a:solidFill>
+                <a:latin typeface="Times New Roman" panose="02020603050405020304" pitchFamily="18" charset="0"/>
+                <a:cs typeface="Times New Roman" panose="02020603050405020304" pitchFamily="18" charset="0"/>
+              </a:rPr>
+              <a:t>α</a:t>
+            </a:r>
+            <a:r>
+              <a:rPr lang="fr-FR" sz="1800" b="1" dirty="0">
+                <a:solidFill>
+                  <a:schemeClr val="accent1">
+                    <a:lumMod val="60000"/>
+                    <a:lumOff val="40000"/>
+                  </a:schemeClr>
+                </a:solidFill>
+                <a:latin typeface="Times New Roman" panose="02020603050405020304" pitchFamily="18" charset="0"/>
+                <a:cs typeface="Times New Roman" panose="02020603050405020304" pitchFamily="18" charset="0"/>
+              </a:rPr>
+              <a:t>))</a:t>
+            </a:r>
+          </a:p>
+          <a:p>
+            <a:pPr marL="36900" indent="0">
+              <a:buNone/>
+            </a:pPr>
+            <a:endParaRPr lang="fr-FR" dirty="0">
+              <a:effectLst/>
+              <a:latin typeface="Times New Roman" panose="02020603050405020304" pitchFamily="18" charset="0"/>
+              <a:cs typeface="Times New Roman" panose="02020603050405020304" pitchFamily="18" charset="0"/>
+            </a:endParaRPr>
+          </a:p>
+          <a:p>
+            <a:pPr marL="36900" indent="0">
+              <a:buNone/>
+            </a:pPr>
+            <a:r>
+              <a:rPr lang="fr-FR" sz="1400" dirty="0">
+                <a:effectLst/>
+              </a:rPr>
+              <a:t>Position du robot 	</a:t>
+            </a:r>
+            <a:r>
+              <a:rPr lang="fr-FR" sz="1400" dirty="0" err="1" smtClean="0">
+                <a:effectLst/>
+              </a:rPr>
+              <a:t>posRob</a:t>
+            </a:r>
+            <a:r>
+              <a:rPr lang="fr-FR" sz="1400" dirty="0">
+                <a:effectLst/>
+              </a:rPr>
+              <a:t>{ </a:t>
+            </a:r>
+            <a:r>
+              <a:rPr lang="fr-FR" sz="1400" dirty="0" err="1">
+                <a:effectLst/>
+              </a:rPr>
+              <a:t>Xr</a:t>
+            </a:r>
+            <a:r>
+              <a:rPr lang="fr-FR" sz="1400" dirty="0">
+                <a:effectLst/>
+              </a:rPr>
+              <a:t> ; </a:t>
+            </a:r>
+            <a:r>
+              <a:rPr lang="fr-FR" sz="1400" dirty="0" err="1">
+                <a:effectLst/>
+              </a:rPr>
+              <a:t>Yr</a:t>
+            </a:r>
+            <a:r>
+              <a:rPr lang="fr-FR" sz="1400" dirty="0">
+                <a:effectLst/>
+              </a:rPr>
+              <a:t> }</a:t>
+            </a:r>
+          </a:p>
+          <a:p>
+            <a:pPr marL="36900" indent="0">
+              <a:buNone/>
+            </a:pPr>
+            <a:r>
+              <a:rPr lang="fr-FR" sz="1400" dirty="0">
+                <a:effectLst/>
+              </a:rPr>
+              <a:t>Orientation du robot 	 </a:t>
+            </a:r>
+            <a:r>
+              <a:rPr lang="el-GR" sz="1400" dirty="0">
+                <a:latin typeface="Times New Roman" panose="02020603050405020304" pitchFamily="18" charset="0"/>
+                <a:cs typeface="Times New Roman" panose="02020603050405020304" pitchFamily="18" charset="0"/>
+              </a:rPr>
+              <a:t>α</a:t>
+            </a:r>
+            <a:endParaRPr lang="fr-FR" sz="1400" dirty="0">
+              <a:effectLst/>
+            </a:endParaRPr>
+          </a:p>
+          <a:p>
+            <a:pPr marL="36900" indent="0">
+              <a:buNone/>
+            </a:pPr>
+            <a:r>
+              <a:rPr lang="fr-FR" sz="1400" dirty="0">
+                <a:effectLst/>
+              </a:rPr>
+              <a:t>Distance infra-rouge  	 d </a:t>
+            </a:r>
+          </a:p>
+          <a:p>
+            <a:pPr marL="36900" indent="0">
+              <a:buNone/>
+            </a:pPr>
+            <a:r>
+              <a:rPr lang="fr-FR" sz="1400" dirty="0">
+                <a:effectLst/>
+              </a:rPr>
+              <a:t>Repère de base		 </a:t>
+            </a:r>
+            <a:r>
+              <a:rPr lang="fr-FR" sz="1400" dirty="0" err="1">
+                <a:effectLst/>
+              </a:rPr>
+              <a:t>R0</a:t>
+            </a:r>
+            <a:endParaRPr lang="fr-FR" sz="1400" dirty="0">
+              <a:effectLst/>
+            </a:endParaRPr>
+          </a:p>
+          <a:p>
+            <a:pPr marL="36900" indent="0">
+              <a:buNone/>
+            </a:pPr>
+            <a:r>
+              <a:rPr lang="fr-FR" sz="1400" dirty="0">
+                <a:effectLst/>
+              </a:rPr>
+              <a:t>Repère </a:t>
+            </a:r>
+            <a:r>
+              <a:rPr lang="fr-FR" sz="1400" dirty="0" smtClean="0">
+                <a:effectLst/>
+              </a:rPr>
+              <a:t>translaté </a:t>
+            </a:r>
+            <a:r>
+              <a:rPr lang="fr-FR" sz="1400" dirty="0">
+                <a:effectLst/>
+              </a:rPr>
+              <a:t>de </a:t>
+            </a:r>
+            <a:r>
+              <a:rPr lang="fr-FR" sz="1400" dirty="0" err="1">
+                <a:effectLst/>
+              </a:rPr>
+              <a:t>R0</a:t>
+            </a:r>
+            <a:r>
+              <a:rPr lang="fr-FR" sz="1400" dirty="0">
+                <a:effectLst/>
+              </a:rPr>
+              <a:t>	 </a:t>
+            </a:r>
+            <a:r>
+              <a:rPr lang="fr-FR" sz="1400" dirty="0" err="1">
+                <a:effectLst/>
+              </a:rPr>
+              <a:t>R0</a:t>
+            </a:r>
+            <a:r>
+              <a:rPr lang="fr-FR" sz="1400" dirty="0">
+                <a:effectLst/>
+              </a:rPr>
+              <a:t>’</a:t>
+            </a:r>
+          </a:p>
+          <a:p>
+            <a:endParaRPr lang="fr-FR" dirty="0"/>
+          </a:p>
+        </p:txBody>
+      </p:sp>
     </p:spTree>
     <p:extLst>
       <p:ext uri="{BB962C8B-B14F-4D97-AF65-F5344CB8AC3E}">
-        <p14:creationId xmlns:p14="http://schemas.microsoft.com/office/powerpoint/2010/main" val="3336842214"/>
+        <p14:creationId xmlns:p14="http://schemas.microsoft.com/office/powerpoint/2010/main" val="3567765411"/>
+      </p:ext>
+    </p:extLst>
+  </p:cSld>
+  <p:clrMapOvr>
+    <a:masterClrMapping/>
+  </p:clrMapOvr>
+  <p:timing>
+    <p:tnLst>
+      <p:par>
+        <p:cTn id="1" dur="indefinite" restart="never" nodeType="tmRoot">
+          <p:childTnLst>
+            <p:seq concurrent="1" nextAc="seek">
+              <p:cTn id="2" dur="indefinite" nodeType="mainSeq">
+                <p:childTnLst>
+                  <p:par>
+                    <p:cTn id="3" fill="hold">
+                      <p:stCondLst>
+                        <p:cond delay="indefinite"/>
+                      </p:stCondLst>
+                      <p:childTnLst>
+                        <p:par>
+                          <p:cTn id="4" fill="hold">
+                            <p:stCondLst>
+                              <p:cond delay="0"/>
+                            </p:stCondLst>
+                            <p:childTnLst>
+                              <p:par>
+                                <p:cTn id="5" presetID="1" presetClass="entr" presetSubtype="0" fill="hold" nodeType="clickEffect">
+                                  <p:stCondLst>
+                                    <p:cond delay="0"/>
+                                  </p:stCondLst>
+                                  <p:childTnLst>
+                                    <p:set>
+                                      <p:cBhvr>
+                                        <p:cTn id="6" dur="1" fill="hold">
+                                          <p:stCondLst>
+                                            <p:cond delay="0"/>
+                                          </p:stCondLst>
+                                        </p:cTn>
+                                        <p:tgtEl>
+                                          <p:spTgt spid="39"/>
+                                        </p:tgtEl>
+                                        <p:attrNameLst>
+                                          <p:attrName>style.visibility</p:attrName>
+                                        </p:attrNameLst>
+                                      </p:cBhvr>
+                                      <p:to>
+                                        <p:strVal val="visible"/>
+                                      </p:to>
+                                    </p:set>
+                                  </p:childTnLst>
+                                </p:cTn>
+                              </p:par>
+                            </p:childTnLst>
+                          </p:cTn>
+                        </p:par>
+                        <p:par>
+                          <p:cTn id="7" fill="hold">
+                            <p:stCondLst>
+                              <p:cond delay="0"/>
+                            </p:stCondLst>
+                            <p:childTnLst>
+                              <p:par>
+                                <p:cTn id="8" presetID="1" presetClass="exit" presetSubtype="0" fill="hold" nodeType="afterEffect">
+                                  <p:stCondLst>
+                                    <p:cond delay="500"/>
+                                  </p:stCondLst>
+                                  <p:childTnLst>
+                                    <p:set>
+                                      <p:cBhvr>
+                                        <p:cTn id="9" dur="1" fill="hold">
+                                          <p:stCondLst>
+                                            <p:cond delay="0"/>
+                                          </p:stCondLst>
+                                        </p:cTn>
+                                        <p:tgtEl>
+                                          <p:spTgt spid="39"/>
+                                        </p:tgtEl>
+                                        <p:attrNameLst>
+                                          <p:attrName>style.visibility</p:attrName>
+                                        </p:attrNameLst>
+                                      </p:cBhvr>
+                                      <p:to>
+                                        <p:strVal val="hidden"/>
+                                      </p:to>
+                                    </p:set>
+                                  </p:childTnLst>
+                                </p:cTn>
+                              </p:par>
+                              <p:par>
+                                <p:cTn id="10" presetID="1" presetClass="entr" presetSubtype="0" fill="hold" nodeType="withEffect">
+                                  <p:stCondLst>
+                                    <p:cond delay="500"/>
+                                  </p:stCondLst>
+                                  <p:childTnLst>
+                                    <p:set>
+                                      <p:cBhvr>
+                                        <p:cTn id="11" dur="1" fill="hold">
+                                          <p:stCondLst>
+                                            <p:cond delay="0"/>
+                                          </p:stCondLst>
+                                        </p:cTn>
+                                        <p:tgtEl>
+                                          <p:spTgt spid="10"/>
+                                        </p:tgtEl>
+                                        <p:attrNameLst>
+                                          <p:attrName>style.visibility</p:attrName>
+                                        </p:attrNameLst>
+                                      </p:cBhvr>
+                                      <p:to>
+                                        <p:strVal val="visible"/>
+                                      </p:to>
+                                    </p:set>
+                                  </p:childTnLst>
+                                </p:cTn>
+                              </p:par>
+                            </p:childTnLst>
+                          </p:cTn>
+                        </p:par>
+                        <p:par>
+                          <p:cTn id="12" fill="hold">
+                            <p:stCondLst>
+                              <p:cond delay="500"/>
+                            </p:stCondLst>
+                            <p:childTnLst>
+                              <p:par>
+                                <p:cTn id="13" presetID="1" presetClass="exit" presetSubtype="0" fill="hold" nodeType="afterEffect">
+                                  <p:stCondLst>
+                                    <p:cond delay="500"/>
+                                  </p:stCondLst>
+                                  <p:childTnLst>
+                                    <p:set>
+                                      <p:cBhvr>
+                                        <p:cTn id="14" dur="1" fill="hold">
+                                          <p:stCondLst>
+                                            <p:cond delay="0"/>
+                                          </p:stCondLst>
+                                        </p:cTn>
+                                        <p:tgtEl>
+                                          <p:spTgt spid="10"/>
+                                        </p:tgtEl>
+                                        <p:attrNameLst>
+                                          <p:attrName>style.visibility</p:attrName>
+                                        </p:attrNameLst>
+                                      </p:cBhvr>
+                                      <p:to>
+                                        <p:strVal val="hidden"/>
+                                      </p:to>
+                                    </p:set>
+                                  </p:childTnLst>
+                                </p:cTn>
+                              </p:par>
+                              <p:par>
+                                <p:cTn id="15" presetID="1" presetClass="entr" presetSubtype="0" fill="hold" nodeType="withEffect">
+                                  <p:stCondLst>
+                                    <p:cond delay="500"/>
+                                  </p:stCondLst>
+                                  <p:childTnLst>
+                                    <p:set>
+                                      <p:cBhvr>
+                                        <p:cTn id="16" dur="1" fill="hold">
+                                          <p:stCondLst>
+                                            <p:cond delay="0"/>
+                                          </p:stCondLst>
+                                        </p:cTn>
+                                        <p:tgtEl>
+                                          <p:spTgt spid="42"/>
+                                        </p:tgtEl>
+                                        <p:attrNameLst>
+                                          <p:attrName>style.visibility</p:attrName>
+                                        </p:attrNameLst>
+                                      </p:cBhvr>
+                                      <p:to>
+                                        <p:strVal val="visible"/>
+                                      </p:to>
+                                    </p:set>
+                                  </p:childTnLst>
+                                </p:cTn>
+                              </p:par>
+                            </p:childTnLst>
+                          </p:cTn>
+                        </p:par>
+                      </p:childTnLst>
+                    </p:cTn>
+                  </p:par>
+                </p:childTnLst>
+              </p:cTn>
+              <p:prevCondLst>
+                <p:cond evt="onPrev" delay="0">
+                  <p:tgtEl>
+                    <p:sldTgt/>
+                  </p:tgtEl>
+                </p:cond>
+              </p:prevCondLst>
+              <p:nextCondLst>
+                <p:cond evt="onNext" delay="0">
+                  <p:tgtEl>
+                    <p:sldTgt/>
+                  </p:tgtEl>
+                </p:cond>
+              </p:nextCondLst>
+            </p:seq>
+          </p:childTnLst>
+        </p:cTn>
+      </p:par>
+    </p:tnLst>
+  </p:timing>
+</p:sld>
+</file>
+
+<file path=ppt/slides/slide16.xml><?xml version="1.0" encoding="utf-8"?>
+<p:sld xmlns:a="http://schemas.openxmlformats.org/drawingml/2006/main" xmlns:r="http://schemas.openxmlformats.org/officeDocument/2006/relationships" xmlns:p="http://schemas.openxmlformats.org/presentationml/2006/main">
+  <p:cSld>
+    <p:spTree>
+      <p:nvGrpSpPr>
+        <p:cNvPr id="1" name=""/>
+        <p:cNvGrpSpPr/>
+        <p:nvPr/>
+      </p:nvGrpSpPr>
+      <p:grpSpPr>
+        <a:xfrm>
+          <a:off x="0" y="0"/>
+          <a:ext cx="0" cy="0"/>
+          <a:chOff x="0" y="0"/>
+          <a:chExt cx="0" cy="0"/>
+        </a:xfrm>
+      </p:grpSpPr>
+      <p:sp>
+        <p:nvSpPr>
+          <p:cNvPr id="2" name="Titre 1"/>
+          <p:cNvSpPr>
+            <a:spLocks noGrp="1"/>
+          </p:cNvSpPr>
+          <p:nvPr>
+            <p:ph type="title"/>
+          </p:nvPr>
+        </p:nvSpPr>
+        <p:spPr/>
+        <p:txBody>
+          <a:bodyPr/>
+          <a:lstStyle/>
+          <a:p>
+            <a:pPr algn="l"/>
+            <a:r>
+              <a:rPr lang="fr-FR" dirty="0" smtClean="0"/>
+              <a:t>Odométrie – Faiblesses </a:t>
+            </a:r>
+            <a:endParaRPr lang="fr-FR" dirty="0"/>
+          </a:p>
+        </p:txBody>
+      </p:sp>
+      <p:sp>
+        <p:nvSpPr>
+          <p:cNvPr id="3" name="Espace réservé du contenu 2"/>
+          <p:cNvSpPr>
+            <a:spLocks noGrp="1"/>
+          </p:cNvSpPr>
+          <p:nvPr>
+            <p:ph idx="1"/>
+          </p:nvPr>
+        </p:nvSpPr>
+        <p:spPr>
+          <a:xfrm>
+            <a:off x="913794" y="1855279"/>
+            <a:ext cx="4695435" cy="4058751"/>
+          </a:xfrm>
+        </p:spPr>
+        <p:txBody>
+          <a:bodyPr>
+            <a:normAutofit/>
+          </a:bodyPr>
+          <a:lstStyle/>
+          <a:p>
+            <a:r>
+              <a:rPr lang="fr-FR" dirty="0" smtClean="0"/>
+              <a:t>Accumulation des imprécisions:</a:t>
+            </a:r>
+          </a:p>
+          <a:p>
+            <a:pPr lvl="1">
+              <a:buFontTx/>
+              <a:buChar char="-"/>
+            </a:pPr>
+            <a:r>
+              <a:rPr lang="fr-FR" dirty="0" smtClean="0"/>
+              <a:t>frottement mécanique </a:t>
+            </a:r>
+          </a:p>
+          <a:p>
+            <a:pPr lvl="1">
+              <a:buFontTx/>
+              <a:buChar char="-"/>
+            </a:pPr>
+            <a:r>
+              <a:rPr lang="fr-FR" dirty="0" smtClean="0"/>
+              <a:t> imprécision du capteur infrarouge </a:t>
+            </a:r>
+          </a:p>
+          <a:p>
+            <a:pPr marL="450000" lvl="1" indent="0">
+              <a:buNone/>
+            </a:pPr>
+            <a:endParaRPr lang="fr-FR" dirty="0" smtClean="0"/>
+          </a:p>
+          <a:p>
+            <a:pPr marL="450000" lvl="1" indent="0">
+              <a:buNone/>
+            </a:pPr>
+            <a:endParaRPr lang="fr-FR" dirty="0"/>
+          </a:p>
+        </p:txBody>
+      </p:sp>
+      <p:sp>
+        <p:nvSpPr>
+          <p:cNvPr id="4" name="Espace réservé du contenu 2"/>
+          <p:cNvSpPr txBox="1">
+            <a:spLocks/>
+          </p:cNvSpPr>
+          <p:nvPr/>
+        </p:nvSpPr>
+        <p:spPr>
+          <a:xfrm>
+            <a:off x="6490840" y="1855279"/>
+            <a:ext cx="4959631" cy="4058751"/>
+          </a:xfrm>
+          <a:prstGeom prst="rect">
+            <a:avLst/>
+          </a:prstGeom>
+          <a:effectLst>
+            <a:outerShdw blurRad="25400" dir="17880000">
+              <a:srgbClr val="000000">
+                <a:alpha val="46000"/>
+              </a:srgbClr>
+            </a:outerShdw>
+          </a:effectLst>
+        </p:spPr>
+        <p:txBody>
+          <a:bodyPr vert="horz" lIns="91440" tIns="45720" rIns="91440" bIns="45720" rtlCol="0" anchor="t">
+            <a:normAutofit/>
+          </a:bodyPr>
+          <a:lstStyle>
+            <a:lvl1pPr marL="342900" indent="-306000" algn="l" defTabSz="457200" rtl="0" eaLnBrk="1" latinLnBrk="0" hangingPunct="1">
+              <a:spcBef>
+                <a:spcPct val="20000"/>
+              </a:spcBef>
+              <a:spcAft>
+                <a:spcPts val="600"/>
+              </a:spcAft>
+              <a:buClr>
+                <a:schemeClr val="tx2"/>
+              </a:buClr>
+              <a:buSzPct val="70000"/>
+              <a:buFont typeface="Wingdings 2" charset="2"/>
+              <a:buChar char=""/>
+              <a:defRPr sz="2000" kern="1200">
+                <a:ln>
+                  <a:solidFill>
+                    <a:schemeClr val="bg1">
+                      <a:lumMod val="75000"/>
+                      <a:lumOff val="25000"/>
+                      <a:alpha val="10000"/>
+                    </a:schemeClr>
+                  </a:solidFill>
+                </a:ln>
+                <a:solidFill>
+                  <a:schemeClr val="tx2"/>
+                </a:solidFill>
+                <a:effectLst>
+                  <a:outerShdw blurRad="9525" dist="25400" dir="14640000" algn="tl" rotWithShape="0">
+                    <a:schemeClr val="bg1">
+                      <a:alpha val="30000"/>
+                    </a:schemeClr>
+                  </a:outerShdw>
+                </a:effectLst>
+                <a:latin typeface="+mn-lt"/>
+                <a:ea typeface="+mn-ea"/>
+                <a:cs typeface="+mn-cs"/>
+              </a:defRPr>
+            </a:lvl1pPr>
+            <a:lvl2pPr marL="720000" indent="-270000" algn="l" defTabSz="457200" rtl="0" eaLnBrk="1" latinLnBrk="0" hangingPunct="1">
+              <a:spcBef>
+                <a:spcPct val="20000"/>
+              </a:spcBef>
+              <a:spcAft>
+                <a:spcPts val="600"/>
+              </a:spcAft>
+              <a:buClr>
+                <a:schemeClr val="tx2"/>
+              </a:buClr>
+              <a:buSzPct val="70000"/>
+              <a:buFont typeface="Wingdings 2" charset="2"/>
+              <a:buChar char=""/>
+              <a:defRPr sz="1800" kern="1200">
+                <a:ln>
+                  <a:solidFill>
+                    <a:schemeClr val="bg1">
+                      <a:lumMod val="75000"/>
+                      <a:lumOff val="25000"/>
+                      <a:alpha val="10000"/>
+                    </a:schemeClr>
+                  </a:solidFill>
+                </a:ln>
+                <a:solidFill>
+                  <a:schemeClr val="tx2"/>
+                </a:solidFill>
+                <a:effectLst>
+                  <a:outerShdw blurRad="9525" dist="25400" dir="14640000" algn="tl" rotWithShape="0">
+                    <a:schemeClr val="bg1">
+                      <a:alpha val="30000"/>
+                    </a:schemeClr>
+                  </a:outerShdw>
+                </a:effectLst>
+                <a:latin typeface="+mn-lt"/>
+                <a:ea typeface="+mn-ea"/>
+                <a:cs typeface="+mn-cs"/>
+              </a:defRPr>
+            </a:lvl2pPr>
+            <a:lvl3pPr marL="1026000" indent="-216000" algn="l" defTabSz="457200" rtl="0" eaLnBrk="1" latinLnBrk="0" hangingPunct="1">
+              <a:spcBef>
+                <a:spcPct val="20000"/>
+              </a:spcBef>
+              <a:spcAft>
+                <a:spcPts val="600"/>
+              </a:spcAft>
+              <a:buClr>
+                <a:schemeClr val="tx2"/>
+              </a:buClr>
+              <a:buSzPct val="70000"/>
+              <a:buFont typeface="Wingdings 2" charset="2"/>
+              <a:buChar char=""/>
+              <a:defRPr sz="1600" kern="1200">
+                <a:ln>
+                  <a:solidFill>
+                    <a:schemeClr val="bg1">
+                      <a:lumMod val="75000"/>
+                      <a:lumOff val="25000"/>
+                      <a:alpha val="10000"/>
+                    </a:schemeClr>
+                  </a:solidFill>
+                </a:ln>
+                <a:solidFill>
+                  <a:schemeClr val="tx2"/>
+                </a:solidFill>
+                <a:effectLst>
+                  <a:outerShdw blurRad="9525" dist="25400" dir="14640000" algn="tl" rotWithShape="0">
+                    <a:schemeClr val="bg1">
+                      <a:alpha val="30000"/>
+                    </a:schemeClr>
+                  </a:outerShdw>
+                </a:effectLst>
+                <a:latin typeface="+mn-lt"/>
+                <a:ea typeface="+mn-ea"/>
+                <a:cs typeface="+mn-cs"/>
+              </a:defRPr>
+            </a:lvl3pPr>
+            <a:lvl4pPr marL="1386000" indent="-216000" algn="l" defTabSz="457200" rtl="0" eaLnBrk="1" latinLnBrk="0" hangingPunct="1">
+              <a:spcBef>
+                <a:spcPct val="20000"/>
+              </a:spcBef>
+              <a:spcAft>
+                <a:spcPts val="600"/>
+              </a:spcAft>
+              <a:buClr>
+                <a:schemeClr val="tx2"/>
+              </a:buClr>
+              <a:buSzPct val="70000"/>
+              <a:buFont typeface="Wingdings 2" charset="2"/>
+              <a:buChar char=""/>
+              <a:defRPr sz="1400" kern="1200">
+                <a:ln>
+                  <a:solidFill>
+                    <a:schemeClr val="bg1">
+                      <a:lumMod val="75000"/>
+                      <a:lumOff val="25000"/>
+                      <a:alpha val="10000"/>
+                    </a:schemeClr>
+                  </a:solidFill>
+                </a:ln>
+                <a:solidFill>
+                  <a:schemeClr val="tx2"/>
+                </a:solidFill>
+                <a:effectLst>
+                  <a:outerShdw blurRad="9525" dist="25400" dir="14640000" algn="tl" rotWithShape="0">
+                    <a:schemeClr val="bg1">
+                      <a:alpha val="30000"/>
+                    </a:schemeClr>
+                  </a:outerShdw>
+                </a:effectLst>
+                <a:latin typeface="+mn-lt"/>
+                <a:ea typeface="+mn-ea"/>
+                <a:cs typeface="+mn-cs"/>
+              </a:defRPr>
+            </a:lvl4pPr>
+            <a:lvl5pPr marL="1674000" indent="-216000" algn="l" defTabSz="457200" rtl="0" eaLnBrk="1" latinLnBrk="0" hangingPunct="1">
+              <a:spcBef>
+                <a:spcPct val="20000"/>
+              </a:spcBef>
+              <a:spcAft>
+                <a:spcPts val="600"/>
+              </a:spcAft>
+              <a:buClr>
+                <a:schemeClr val="tx2"/>
+              </a:buClr>
+              <a:buSzPct val="70000"/>
+              <a:buFont typeface="Wingdings 2" charset="2"/>
+              <a:buChar char=""/>
+              <a:defRPr sz="1400" kern="1200">
+                <a:ln>
+                  <a:solidFill>
+                    <a:schemeClr val="bg1">
+                      <a:lumMod val="75000"/>
+                      <a:lumOff val="25000"/>
+                      <a:alpha val="10000"/>
+                    </a:schemeClr>
+                  </a:solidFill>
+                </a:ln>
+                <a:solidFill>
+                  <a:schemeClr val="tx2"/>
+                </a:solidFill>
+                <a:effectLst>
+                  <a:outerShdw blurRad="9525" dist="25400" dir="14640000" algn="tl" rotWithShape="0">
+                    <a:schemeClr val="bg1">
+                      <a:alpha val="30000"/>
+                    </a:schemeClr>
+                  </a:outerShdw>
+                </a:effectLst>
+                <a:latin typeface="+mn-lt"/>
+                <a:ea typeface="+mn-ea"/>
+                <a:cs typeface="+mn-cs"/>
+              </a:defRPr>
+            </a:lvl5pPr>
+            <a:lvl6pPr marL="2014600" indent="-228600" algn="l" defTabSz="457200" rtl="0" eaLnBrk="1" latinLnBrk="0" hangingPunct="1">
+              <a:spcBef>
+                <a:spcPct val="20000"/>
+              </a:spcBef>
+              <a:spcAft>
+                <a:spcPts val="600"/>
+              </a:spcAft>
+              <a:buClr>
+                <a:schemeClr val="tx2"/>
+              </a:buClr>
+              <a:buSzPct val="70000"/>
+              <a:buFont typeface="Wingdings 2" charset="2"/>
+              <a:buChar char=""/>
+              <a:defRPr sz="1400" kern="1200">
+                <a:ln>
+                  <a:solidFill>
+                    <a:schemeClr val="bg1">
+                      <a:lumMod val="75000"/>
+                      <a:lumOff val="25000"/>
+                      <a:alpha val="10000"/>
+                    </a:schemeClr>
+                  </a:solidFill>
+                </a:ln>
+                <a:solidFill>
+                  <a:schemeClr val="tx2"/>
+                </a:solidFill>
+                <a:effectLst>
+                  <a:outerShdw blurRad="9525" dist="25400" dir="14640000" algn="tl" rotWithShape="0">
+                    <a:schemeClr val="bg1">
+                      <a:alpha val="30000"/>
+                    </a:schemeClr>
+                  </a:outerShdw>
+                </a:effectLst>
+                <a:latin typeface="+mn-lt"/>
+                <a:ea typeface="+mn-ea"/>
+                <a:cs typeface="+mn-cs"/>
+              </a:defRPr>
+            </a:lvl6pPr>
+            <a:lvl7pPr marL="2401800" indent="-228600" algn="l" defTabSz="457200" rtl="0" eaLnBrk="1" latinLnBrk="0" hangingPunct="1">
+              <a:spcBef>
+                <a:spcPct val="20000"/>
+              </a:spcBef>
+              <a:spcAft>
+                <a:spcPts val="600"/>
+              </a:spcAft>
+              <a:buClr>
+                <a:schemeClr val="tx2"/>
+              </a:buClr>
+              <a:buSzPct val="70000"/>
+              <a:buFont typeface="Wingdings 2" charset="2"/>
+              <a:buChar char=""/>
+              <a:defRPr sz="1400" kern="1200">
+                <a:ln>
+                  <a:solidFill>
+                    <a:schemeClr val="bg1">
+                      <a:lumMod val="75000"/>
+                      <a:lumOff val="25000"/>
+                      <a:alpha val="10000"/>
+                    </a:schemeClr>
+                  </a:solidFill>
+                </a:ln>
+                <a:solidFill>
+                  <a:schemeClr val="tx2"/>
+                </a:solidFill>
+                <a:effectLst>
+                  <a:outerShdw blurRad="9525" dist="25400" dir="14640000" algn="tl" rotWithShape="0">
+                    <a:schemeClr val="bg1">
+                      <a:alpha val="30000"/>
+                    </a:schemeClr>
+                  </a:outerShdw>
+                </a:effectLst>
+                <a:latin typeface="+mn-lt"/>
+                <a:ea typeface="+mn-ea"/>
+                <a:cs typeface="+mn-cs"/>
+              </a:defRPr>
+            </a:lvl7pPr>
+            <a:lvl8pPr marL="2789000" indent="-228600" algn="l" defTabSz="457200" rtl="0" eaLnBrk="1" latinLnBrk="0" hangingPunct="1">
+              <a:spcBef>
+                <a:spcPct val="20000"/>
+              </a:spcBef>
+              <a:spcAft>
+                <a:spcPts val="600"/>
+              </a:spcAft>
+              <a:buClr>
+                <a:schemeClr val="tx2"/>
+              </a:buClr>
+              <a:buSzPct val="70000"/>
+              <a:buFont typeface="Wingdings 2" charset="2"/>
+              <a:buChar char=""/>
+              <a:defRPr sz="1400" kern="1200">
+                <a:ln>
+                  <a:solidFill>
+                    <a:schemeClr val="bg1">
+                      <a:lumMod val="75000"/>
+                      <a:lumOff val="25000"/>
+                      <a:alpha val="10000"/>
+                    </a:schemeClr>
+                  </a:solidFill>
+                </a:ln>
+                <a:solidFill>
+                  <a:schemeClr val="tx2"/>
+                </a:solidFill>
+                <a:effectLst>
+                  <a:outerShdw blurRad="9525" dist="25400" dir="14640000" algn="tl" rotWithShape="0">
+                    <a:schemeClr val="bg1">
+                      <a:alpha val="30000"/>
+                    </a:schemeClr>
+                  </a:outerShdw>
+                </a:effectLst>
+                <a:latin typeface="+mn-lt"/>
+                <a:ea typeface="+mn-ea"/>
+                <a:cs typeface="+mn-cs"/>
+              </a:defRPr>
+            </a:lvl8pPr>
+            <a:lvl9pPr marL="3106200" indent="-228600" algn="l" defTabSz="457200" rtl="0" eaLnBrk="1" latinLnBrk="0" hangingPunct="1">
+              <a:spcBef>
+                <a:spcPct val="20000"/>
+              </a:spcBef>
+              <a:spcAft>
+                <a:spcPts val="600"/>
+              </a:spcAft>
+              <a:buClr>
+                <a:schemeClr val="tx2"/>
+              </a:buClr>
+              <a:buSzPct val="70000"/>
+              <a:buFont typeface="Wingdings 2" charset="2"/>
+              <a:buChar char=""/>
+              <a:defRPr sz="1400" kern="1200">
+                <a:ln>
+                  <a:solidFill>
+                    <a:schemeClr val="bg1">
+                      <a:lumMod val="75000"/>
+                      <a:lumOff val="25000"/>
+                      <a:alpha val="10000"/>
+                    </a:schemeClr>
+                  </a:solidFill>
+                </a:ln>
+                <a:solidFill>
+                  <a:schemeClr val="tx2"/>
+                </a:solidFill>
+                <a:effectLst>
+                  <a:outerShdw blurRad="9525" dist="25400" dir="14640000" algn="tl" rotWithShape="0">
+                    <a:schemeClr val="bg1">
+                      <a:alpha val="30000"/>
+                    </a:schemeClr>
+                  </a:outerShdw>
+                </a:effectLst>
+                <a:latin typeface="+mn-lt"/>
+                <a:ea typeface="+mn-ea"/>
+                <a:cs typeface="+mn-cs"/>
+              </a:defRPr>
+            </a:lvl9pPr>
+          </a:lstStyle>
+          <a:p>
+            <a:r>
+              <a:rPr lang="fr-FR" dirty="0" smtClean="0"/>
+              <a:t>Faussement de l’odométrie si:</a:t>
+            </a:r>
+          </a:p>
+          <a:p>
+            <a:pPr lvl="1">
+              <a:buFontTx/>
+              <a:buChar char="-"/>
+            </a:pPr>
+            <a:r>
+              <a:rPr lang="fr-FR" dirty="0" smtClean="0"/>
+              <a:t>déplacement du robot à la main	</a:t>
+            </a:r>
+            <a:endParaRPr lang="fr-FR" dirty="0"/>
+          </a:p>
+          <a:p>
+            <a:pPr lvl="1">
+              <a:buFontTx/>
+              <a:buChar char="-"/>
+            </a:pPr>
+            <a:r>
+              <a:rPr lang="fr-FR" dirty="0" smtClean="0"/>
+              <a:t> collision avec un obstacle retenant le robot</a:t>
+            </a:r>
+          </a:p>
+          <a:p>
+            <a:pPr marL="450000" lvl="1" indent="0">
+              <a:buFont typeface="Wingdings 2" charset="2"/>
+              <a:buNone/>
+            </a:pPr>
+            <a:endParaRPr lang="fr-FR" dirty="0"/>
+          </a:p>
+        </p:txBody>
+      </p:sp>
+    </p:spTree>
+    <p:extLst>
+      <p:ext uri="{BB962C8B-B14F-4D97-AF65-F5344CB8AC3E}">
+        <p14:creationId xmlns:p14="http://schemas.microsoft.com/office/powerpoint/2010/main" val="1256548629"/>
+      </p:ext>
+    </p:extLst>
+  </p:cSld>
+  <p:clrMapOvr>
+    <a:masterClrMapping/>
+  </p:clrMapOvr>
+  <p:timing>
+    <p:tnLst>
+      <p:par>
+        <p:cTn id="1" dur="indefinite" restart="never" nodeType="tmRoot"/>
+      </p:par>
+    </p:tnLst>
+  </p:timing>
+</p:sld>
+</file>
+
+<file path=ppt/slides/slide17.xml><?xml version="1.0" encoding="utf-8"?>
+<p:sld xmlns:a="http://schemas.openxmlformats.org/drawingml/2006/main" xmlns:r="http://schemas.openxmlformats.org/officeDocument/2006/relationships" xmlns:p="http://schemas.openxmlformats.org/presentationml/2006/main">
+  <p:cSld>
+    <p:spTree>
+      <p:nvGrpSpPr>
+        <p:cNvPr id="1" name=""/>
+        <p:cNvGrpSpPr/>
+        <p:nvPr/>
+      </p:nvGrpSpPr>
+      <p:grpSpPr>
+        <a:xfrm>
+          <a:off x="0" y="0"/>
+          <a:ext cx="0" cy="0"/>
+          <a:chOff x="0" y="0"/>
+          <a:chExt cx="0" cy="0"/>
+        </a:xfrm>
+      </p:grpSpPr>
+      <p:sp>
+        <p:nvSpPr>
+          <p:cNvPr id="5" name="ZoneTexte 4"/>
+          <p:cNvSpPr txBox="1"/>
+          <p:nvPr/>
+        </p:nvSpPr>
+        <p:spPr>
+          <a:xfrm>
+            <a:off x="913795" y="1580050"/>
+            <a:ext cx="10353762" cy="4893647"/>
+          </a:xfrm>
+          <a:prstGeom prst="rect">
+            <a:avLst/>
+          </a:prstGeom>
+          <a:noFill/>
+        </p:spPr>
+        <p:txBody>
+          <a:bodyPr wrap="square" rtlCol="0">
+            <a:spAutoFit/>
+          </a:bodyPr>
+          <a:lstStyle/>
+          <a:p>
+            <a:pPr marL="285750" indent="-285750">
+              <a:buFont typeface="Arial" panose="020B0604020202020204" pitchFamily="34" charset="0"/>
+              <a:buChar char="•"/>
+            </a:pPr>
+            <a:r>
+              <a:rPr lang="fr-FR" sz="2400" dirty="0" smtClean="0"/>
+              <a:t>Membres du groupe</a:t>
+            </a:r>
+          </a:p>
+          <a:p>
+            <a:pPr marL="285750" indent="-285750">
+              <a:buFont typeface="Arial" panose="020B0604020202020204" pitchFamily="34" charset="0"/>
+              <a:buChar char="•"/>
+            </a:pPr>
+            <a:endParaRPr lang="fr-FR" sz="2400" dirty="0"/>
+          </a:p>
+          <a:p>
+            <a:pPr marL="285750" indent="-285750">
+              <a:buFont typeface="Arial" panose="020B0604020202020204" pitchFamily="34" charset="0"/>
+              <a:buChar char="•"/>
+            </a:pPr>
+            <a:r>
+              <a:rPr lang="fr-FR" sz="2400" dirty="0" smtClean="0"/>
+              <a:t>Algorithme</a:t>
+            </a:r>
+          </a:p>
+          <a:p>
+            <a:pPr marL="285750" indent="-285750">
+              <a:buFont typeface="Arial" panose="020B0604020202020204" pitchFamily="34" charset="0"/>
+              <a:buChar char="•"/>
+            </a:pPr>
+            <a:endParaRPr lang="fr-FR" sz="2400" dirty="0"/>
+          </a:p>
+          <a:p>
+            <a:pPr marL="285750" indent="-285750">
+              <a:buFont typeface="Arial" panose="020B0604020202020204" pitchFamily="34" charset="0"/>
+              <a:buChar char="•"/>
+            </a:pPr>
+            <a:r>
+              <a:rPr lang="fr-FR" sz="2400" dirty="0" smtClean="0"/>
+              <a:t>Le Robot</a:t>
+            </a:r>
+            <a:endParaRPr lang="fr-FR" sz="2400" dirty="0"/>
+          </a:p>
+          <a:p>
+            <a:pPr marL="285750" indent="-285750">
+              <a:buFont typeface="Arial" panose="020B0604020202020204" pitchFamily="34" charset="0"/>
+              <a:buChar char="•"/>
+            </a:pPr>
+            <a:endParaRPr lang="fr-FR" sz="2400" dirty="0" smtClean="0"/>
+          </a:p>
+          <a:p>
+            <a:pPr marL="285750" indent="-285750">
+              <a:buFont typeface="Arial" panose="020B0604020202020204" pitchFamily="34" charset="0"/>
+              <a:buChar char="•"/>
+            </a:pPr>
+            <a:r>
+              <a:rPr lang="fr-FR" sz="2400" dirty="0" smtClean="0"/>
+              <a:t>Odométrie</a:t>
+            </a:r>
+          </a:p>
+          <a:p>
+            <a:pPr marL="285750" indent="-285750">
+              <a:buFont typeface="Arial" panose="020B0604020202020204" pitchFamily="34" charset="0"/>
+              <a:buChar char="•"/>
+            </a:pPr>
+            <a:endParaRPr lang="fr-FR" sz="2400" dirty="0"/>
+          </a:p>
+          <a:p>
+            <a:pPr marL="285750" indent="-285750">
+              <a:buFont typeface="Arial" panose="020B0604020202020204" pitchFamily="34" charset="0"/>
+              <a:buChar char="•"/>
+            </a:pPr>
+            <a:r>
+              <a:rPr lang="fr-FR" sz="2400" dirty="0">
+                <a:solidFill>
+                  <a:srgbClr val="FFC000"/>
+                </a:solidFill>
+              </a:rPr>
+              <a:t>Communication</a:t>
+            </a:r>
+          </a:p>
+          <a:p>
+            <a:endParaRPr lang="fr-FR" sz="2400" dirty="0"/>
+          </a:p>
+          <a:p>
+            <a:pPr marL="285750" indent="-285750">
+              <a:buFont typeface="Arial" panose="020B0604020202020204" pitchFamily="34" charset="0"/>
+              <a:buChar char="•"/>
+            </a:pPr>
+            <a:r>
+              <a:rPr lang="fr-FR" sz="2400" dirty="0"/>
+              <a:t>Client </a:t>
+            </a:r>
+            <a:r>
+              <a:rPr lang="fr-FR" sz="2400" dirty="0" smtClean="0"/>
+              <a:t>Web</a:t>
+            </a:r>
+          </a:p>
+          <a:p>
+            <a:pPr marL="285750" indent="-285750">
+              <a:buFont typeface="Arial" panose="020B0604020202020204" pitchFamily="34" charset="0"/>
+              <a:buChar char="•"/>
+            </a:pPr>
+            <a:endParaRPr lang="fr-FR" sz="2400" dirty="0"/>
+          </a:p>
+          <a:p>
+            <a:pPr marL="285750" indent="-285750">
+              <a:buFont typeface="Arial" panose="020B0604020202020204" pitchFamily="34" charset="0"/>
+              <a:buChar char="•"/>
+            </a:pPr>
+            <a:r>
+              <a:rPr lang="fr-FR" sz="2400" dirty="0" smtClean="0"/>
+              <a:t>Conclusion</a:t>
+            </a:r>
+          </a:p>
+        </p:txBody>
+      </p:sp>
+      <p:pic>
+        <p:nvPicPr>
+          <p:cNvPr id="6" name="Image 5"/>
+          <p:cNvPicPr>
+            <a:picLocks noChangeAspect="1"/>
+          </p:cNvPicPr>
+          <p:nvPr/>
+        </p:nvPicPr>
+        <p:blipFill>
+          <a:blip r:embed="rId2">
+            <a:extLst>
+              <a:ext uri="{28A0092B-C50C-407E-A947-70E740481C1C}">
+                <a14:useLocalDpi xmlns:a14="http://schemas.microsoft.com/office/drawing/2010/main" val="0"/>
+              </a:ext>
+            </a:extLst>
+          </a:blip>
+          <a:stretch>
+            <a:fillRect/>
+          </a:stretch>
+        </p:blipFill>
+        <p:spPr>
+          <a:xfrm>
+            <a:off x="5693081" y="1320428"/>
+            <a:ext cx="4824046" cy="4674229"/>
+          </a:xfrm>
+          <a:prstGeom prst="rect">
+            <a:avLst/>
+          </a:prstGeom>
+        </p:spPr>
+      </p:pic>
+    </p:spTree>
+    <p:extLst>
+      <p:ext uri="{BB962C8B-B14F-4D97-AF65-F5344CB8AC3E}">
+        <p14:creationId xmlns:p14="http://schemas.microsoft.com/office/powerpoint/2010/main" val="507873560"/>
+      </p:ext>
+    </p:extLst>
+  </p:cSld>
+  <p:clrMapOvr>
+    <a:masterClrMapping/>
+  </p:clrMapOvr>
+  <p:timing>
+    <p:tnLst>
+      <p:par>
+        <p:cTn id="1" dur="indefinite" restart="never" nodeType="tmRoot"/>
+      </p:par>
+    </p:tnLst>
+  </p:timing>
+</p:sld>
+</file>
+
+<file path=ppt/slides/slide18.xml><?xml version="1.0" encoding="utf-8"?>
+<p:sld xmlns:a="http://schemas.openxmlformats.org/drawingml/2006/main" xmlns:r="http://schemas.openxmlformats.org/officeDocument/2006/relationships" xmlns:p="http://schemas.openxmlformats.org/presentationml/2006/main">
+  <p:cSld>
+    <p:spTree>
+      <p:nvGrpSpPr>
+        <p:cNvPr id="1" name=""/>
+        <p:cNvGrpSpPr/>
+        <p:nvPr/>
+      </p:nvGrpSpPr>
+      <p:grpSpPr>
+        <a:xfrm>
+          <a:off x="0" y="0"/>
+          <a:ext cx="0" cy="0"/>
+          <a:chOff x="0" y="0"/>
+          <a:chExt cx="0" cy="0"/>
+        </a:xfrm>
+      </p:grpSpPr>
+      <p:sp>
+        <p:nvSpPr>
+          <p:cNvPr id="2" name="Titre 1"/>
+          <p:cNvSpPr>
+            <a:spLocks noGrp="1"/>
+          </p:cNvSpPr>
+          <p:nvPr>
+            <p:ph type="title"/>
+          </p:nvPr>
+        </p:nvSpPr>
+        <p:spPr/>
+        <p:txBody>
+          <a:bodyPr/>
+          <a:lstStyle/>
+          <a:p>
+            <a:pPr algn="l"/>
+            <a:r>
+              <a:rPr lang="fr-FR" dirty="0" smtClean="0"/>
+              <a:t>Serveur Web</a:t>
+            </a:r>
+            <a:endParaRPr lang="fr-FR" dirty="0"/>
+          </a:p>
+        </p:txBody>
+      </p:sp>
+      <p:sp>
+        <p:nvSpPr>
+          <p:cNvPr id="3" name="Espace réservé du contenu 2"/>
+          <p:cNvSpPr>
+            <a:spLocks noGrp="1"/>
+          </p:cNvSpPr>
+          <p:nvPr>
+            <p:ph idx="1"/>
+          </p:nvPr>
+        </p:nvSpPr>
+        <p:spPr/>
+        <p:txBody>
+          <a:bodyPr/>
+          <a:lstStyle/>
+          <a:p>
+            <a:endParaRPr lang="fr-FR" dirty="0"/>
+          </a:p>
+        </p:txBody>
+      </p:sp>
+    </p:spTree>
+    <p:extLst>
+      <p:ext uri="{BB962C8B-B14F-4D97-AF65-F5344CB8AC3E}">
+        <p14:creationId xmlns:p14="http://schemas.microsoft.com/office/powerpoint/2010/main" val="3497991419"/>
+      </p:ext>
+    </p:extLst>
+  </p:cSld>
+  <p:clrMapOvr>
+    <a:masterClrMapping/>
+  </p:clrMapOvr>
+  <p:timing>
+    <p:tnLst>
+      <p:par>
+        <p:cTn id="1" dur="indefinite" restart="never" nodeType="tmRoot"/>
+      </p:par>
+    </p:tnLst>
+  </p:timing>
+</p:sld>
+</file>
+
+<file path=ppt/slides/slide19.xml><?xml version="1.0" encoding="utf-8"?>
+<p:sld xmlns:a="http://schemas.openxmlformats.org/drawingml/2006/main" xmlns:r="http://schemas.openxmlformats.org/officeDocument/2006/relationships" xmlns:p="http://schemas.openxmlformats.org/presentationml/2006/main">
+  <p:cSld>
+    <p:spTree>
+      <p:nvGrpSpPr>
+        <p:cNvPr id="1" name=""/>
+        <p:cNvGrpSpPr/>
+        <p:nvPr/>
+      </p:nvGrpSpPr>
+      <p:grpSpPr>
+        <a:xfrm>
+          <a:off x="0" y="0"/>
+          <a:ext cx="0" cy="0"/>
+          <a:chOff x="0" y="0"/>
+          <a:chExt cx="0" cy="0"/>
+        </a:xfrm>
+      </p:grpSpPr>
+      <p:sp>
+        <p:nvSpPr>
+          <p:cNvPr id="5" name="ZoneTexte 4"/>
+          <p:cNvSpPr txBox="1"/>
+          <p:nvPr/>
+        </p:nvSpPr>
+        <p:spPr>
+          <a:xfrm>
+            <a:off x="913795" y="1580050"/>
+            <a:ext cx="10353762" cy="4893647"/>
+          </a:xfrm>
+          <a:prstGeom prst="rect">
+            <a:avLst/>
+          </a:prstGeom>
+          <a:noFill/>
+        </p:spPr>
+        <p:txBody>
+          <a:bodyPr wrap="square" rtlCol="0">
+            <a:spAutoFit/>
+          </a:bodyPr>
+          <a:lstStyle/>
+          <a:p>
+            <a:pPr marL="285750" indent="-285750">
+              <a:buFont typeface="Arial" panose="020B0604020202020204" pitchFamily="34" charset="0"/>
+              <a:buChar char="•"/>
+            </a:pPr>
+            <a:r>
+              <a:rPr lang="fr-FR" sz="2400" dirty="0" smtClean="0"/>
+              <a:t>Membres du groupe</a:t>
+            </a:r>
+          </a:p>
+          <a:p>
+            <a:pPr marL="285750" indent="-285750">
+              <a:buFont typeface="Arial" panose="020B0604020202020204" pitchFamily="34" charset="0"/>
+              <a:buChar char="•"/>
+            </a:pPr>
+            <a:endParaRPr lang="fr-FR" sz="2400" dirty="0"/>
+          </a:p>
+          <a:p>
+            <a:pPr marL="285750" indent="-285750">
+              <a:buFont typeface="Arial" panose="020B0604020202020204" pitchFamily="34" charset="0"/>
+              <a:buChar char="•"/>
+            </a:pPr>
+            <a:r>
+              <a:rPr lang="fr-FR" sz="2400" dirty="0" smtClean="0"/>
+              <a:t>Algorithme</a:t>
+            </a:r>
+          </a:p>
+          <a:p>
+            <a:pPr marL="285750" indent="-285750">
+              <a:buFont typeface="Arial" panose="020B0604020202020204" pitchFamily="34" charset="0"/>
+              <a:buChar char="•"/>
+            </a:pPr>
+            <a:endParaRPr lang="fr-FR" sz="2400" dirty="0"/>
+          </a:p>
+          <a:p>
+            <a:pPr marL="285750" indent="-285750">
+              <a:buFont typeface="Arial" panose="020B0604020202020204" pitchFamily="34" charset="0"/>
+              <a:buChar char="•"/>
+            </a:pPr>
+            <a:r>
+              <a:rPr lang="fr-FR" sz="2400" dirty="0" smtClean="0"/>
+              <a:t>Le Robot</a:t>
+            </a:r>
+            <a:endParaRPr lang="fr-FR" sz="2400" dirty="0"/>
+          </a:p>
+          <a:p>
+            <a:pPr marL="285750" indent="-285750">
+              <a:buFont typeface="Arial" panose="020B0604020202020204" pitchFamily="34" charset="0"/>
+              <a:buChar char="•"/>
+            </a:pPr>
+            <a:endParaRPr lang="fr-FR" sz="2400" dirty="0" smtClean="0"/>
+          </a:p>
+          <a:p>
+            <a:pPr marL="285750" indent="-285750">
+              <a:buFont typeface="Arial" panose="020B0604020202020204" pitchFamily="34" charset="0"/>
+              <a:buChar char="•"/>
+            </a:pPr>
+            <a:r>
+              <a:rPr lang="fr-FR" sz="2400" dirty="0" smtClean="0"/>
+              <a:t>Odométrie</a:t>
+            </a:r>
+          </a:p>
+          <a:p>
+            <a:pPr marL="285750" indent="-285750">
+              <a:buFont typeface="Arial" panose="020B0604020202020204" pitchFamily="34" charset="0"/>
+              <a:buChar char="•"/>
+            </a:pPr>
+            <a:endParaRPr lang="fr-FR" sz="2400" dirty="0"/>
+          </a:p>
+          <a:p>
+            <a:pPr marL="285750" indent="-285750">
+              <a:buFont typeface="Arial" panose="020B0604020202020204" pitchFamily="34" charset="0"/>
+              <a:buChar char="•"/>
+            </a:pPr>
+            <a:r>
+              <a:rPr lang="fr-FR" sz="2400" dirty="0"/>
+              <a:t>Communication</a:t>
+            </a:r>
+          </a:p>
+          <a:p>
+            <a:endParaRPr lang="fr-FR" sz="2400" dirty="0"/>
+          </a:p>
+          <a:p>
+            <a:pPr marL="285750" indent="-285750">
+              <a:buFont typeface="Arial" panose="020B0604020202020204" pitchFamily="34" charset="0"/>
+              <a:buChar char="•"/>
+            </a:pPr>
+            <a:r>
+              <a:rPr lang="fr-FR" sz="2400" dirty="0">
+                <a:solidFill>
+                  <a:srgbClr val="FFC000"/>
+                </a:solidFill>
+              </a:rPr>
+              <a:t>Client </a:t>
+            </a:r>
+            <a:r>
+              <a:rPr lang="fr-FR" sz="2400" dirty="0" smtClean="0">
+                <a:solidFill>
+                  <a:srgbClr val="FFC000"/>
+                </a:solidFill>
+              </a:rPr>
+              <a:t>Web</a:t>
+            </a:r>
+          </a:p>
+          <a:p>
+            <a:pPr marL="285750" indent="-285750">
+              <a:buFont typeface="Arial" panose="020B0604020202020204" pitchFamily="34" charset="0"/>
+              <a:buChar char="•"/>
+            </a:pPr>
+            <a:endParaRPr lang="fr-FR" sz="2400" dirty="0"/>
+          </a:p>
+          <a:p>
+            <a:pPr marL="285750" indent="-285750">
+              <a:buFont typeface="Arial" panose="020B0604020202020204" pitchFamily="34" charset="0"/>
+              <a:buChar char="•"/>
+            </a:pPr>
+            <a:r>
+              <a:rPr lang="fr-FR" sz="2400" dirty="0" smtClean="0"/>
+              <a:t>Conclusion</a:t>
+            </a:r>
+          </a:p>
+        </p:txBody>
+      </p:sp>
+      <p:pic>
+        <p:nvPicPr>
+          <p:cNvPr id="6" name="Image 5"/>
+          <p:cNvPicPr>
+            <a:picLocks noChangeAspect="1"/>
+          </p:cNvPicPr>
+          <p:nvPr/>
+        </p:nvPicPr>
+        <p:blipFill>
+          <a:blip r:embed="rId2">
+            <a:extLst>
+              <a:ext uri="{28A0092B-C50C-407E-A947-70E740481C1C}">
+                <a14:useLocalDpi xmlns:a14="http://schemas.microsoft.com/office/drawing/2010/main" val="0"/>
+              </a:ext>
+            </a:extLst>
+          </a:blip>
+          <a:stretch>
+            <a:fillRect/>
+          </a:stretch>
+        </p:blipFill>
+        <p:spPr>
+          <a:xfrm>
+            <a:off x="5693081" y="1320428"/>
+            <a:ext cx="4824046" cy="4674229"/>
+          </a:xfrm>
+          <a:prstGeom prst="rect">
+            <a:avLst/>
+          </a:prstGeom>
+        </p:spPr>
+      </p:pic>
+    </p:spTree>
+    <p:extLst>
+      <p:ext uri="{BB962C8B-B14F-4D97-AF65-F5344CB8AC3E}">
+        <p14:creationId xmlns:p14="http://schemas.microsoft.com/office/powerpoint/2010/main" val="472454927"/>
+      </p:ext>
+    </p:extLst>
+  </p:cSld>
+  <p:clrMapOvr>
+    <a:masterClrMapping/>
+  </p:clrMapOvr>
+  <p:timing>
+    <p:tnLst>
+      <p:par>
+        <p:cTn id="1" dur="indefinite" restart="never" nodeType="tmRoot"/>
+      </p:par>
+    </p:tnLst>
+  </p:timing>
+</p:sld>
+</file>
+
+<file path=ppt/slides/slide2.xml><?xml version="1.0" encoding="utf-8"?>
+<p:sld xmlns:a="http://schemas.openxmlformats.org/drawingml/2006/main" xmlns:r="http://schemas.openxmlformats.org/officeDocument/2006/relationships" xmlns:p="http://schemas.openxmlformats.org/presentationml/2006/main">
+  <p:cSld>
+    <p:spTree>
+      <p:nvGrpSpPr>
+        <p:cNvPr id="1" name=""/>
+        <p:cNvGrpSpPr/>
+        <p:nvPr/>
+      </p:nvGrpSpPr>
+      <p:grpSpPr>
+        <a:xfrm>
+          <a:off x="0" y="0"/>
+          <a:ext cx="0" cy="0"/>
+          <a:chOff x="0" y="0"/>
+          <a:chExt cx="0" cy="0"/>
+        </a:xfrm>
+      </p:grpSpPr>
+      <p:sp>
+        <p:nvSpPr>
+          <p:cNvPr id="2" name="Titre 1"/>
+          <p:cNvSpPr>
+            <a:spLocks noGrp="1"/>
+          </p:cNvSpPr>
+          <p:nvPr>
+            <p:ph type="title"/>
+          </p:nvPr>
+        </p:nvSpPr>
+        <p:spPr/>
+        <p:txBody>
+          <a:bodyPr/>
+          <a:lstStyle/>
+          <a:p>
+            <a:pPr algn="l"/>
+            <a:r>
+              <a:rPr lang="fr-FR" dirty="0" smtClean="0"/>
+              <a:t>Sommaire</a:t>
+            </a:r>
+            <a:endParaRPr lang="fr-FR" dirty="0"/>
+          </a:p>
+        </p:txBody>
+      </p:sp>
+      <p:sp>
+        <p:nvSpPr>
+          <p:cNvPr id="5" name="ZoneTexte 4"/>
+          <p:cNvSpPr txBox="1"/>
+          <p:nvPr/>
+        </p:nvSpPr>
+        <p:spPr>
+          <a:xfrm>
+            <a:off x="913795" y="1580050"/>
+            <a:ext cx="10353762" cy="4893647"/>
+          </a:xfrm>
+          <a:prstGeom prst="rect">
+            <a:avLst/>
+          </a:prstGeom>
+          <a:noFill/>
+        </p:spPr>
+        <p:txBody>
+          <a:bodyPr wrap="square" rtlCol="0">
+            <a:spAutoFit/>
+          </a:bodyPr>
+          <a:lstStyle/>
+          <a:p>
+            <a:pPr marL="285750" indent="-285750">
+              <a:buFont typeface="Arial" panose="020B0604020202020204" pitchFamily="34" charset="0"/>
+              <a:buChar char="•"/>
+            </a:pPr>
+            <a:r>
+              <a:rPr lang="fr-FR" sz="2400" dirty="0" smtClean="0"/>
+              <a:t>Membres du groupe</a:t>
+            </a:r>
+          </a:p>
+          <a:p>
+            <a:pPr marL="285750" indent="-285750">
+              <a:buFont typeface="Arial" panose="020B0604020202020204" pitchFamily="34" charset="0"/>
+              <a:buChar char="•"/>
+            </a:pPr>
+            <a:endParaRPr lang="fr-FR" sz="2400" dirty="0"/>
+          </a:p>
+          <a:p>
+            <a:pPr marL="285750" indent="-285750">
+              <a:buFont typeface="Arial" panose="020B0604020202020204" pitchFamily="34" charset="0"/>
+              <a:buChar char="•"/>
+            </a:pPr>
+            <a:r>
+              <a:rPr lang="fr-FR" sz="2400" dirty="0" smtClean="0"/>
+              <a:t>Algorithme</a:t>
+            </a:r>
+          </a:p>
+          <a:p>
+            <a:pPr marL="285750" indent="-285750">
+              <a:buFont typeface="Arial" panose="020B0604020202020204" pitchFamily="34" charset="0"/>
+              <a:buChar char="•"/>
+            </a:pPr>
+            <a:endParaRPr lang="fr-FR" sz="2400" dirty="0"/>
+          </a:p>
+          <a:p>
+            <a:pPr marL="285750" indent="-285750">
+              <a:buFont typeface="Arial" panose="020B0604020202020204" pitchFamily="34" charset="0"/>
+              <a:buChar char="•"/>
+            </a:pPr>
+            <a:r>
+              <a:rPr lang="fr-FR" sz="2400" dirty="0" smtClean="0"/>
+              <a:t>Le Robot</a:t>
+            </a:r>
+            <a:endParaRPr lang="fr-FR" sz="2400" dirty="0"/>
+          </a:p>
+          <a:p>
+            <a:pPr marL="285750" indent="-285750">
+              <a:buFont typeface="Arial" panose="020B0604020202020204" pitchFamily="34" charset="0"/>
+              <a:buChar char="•"/>
+            </a:pPr>
+            <a:endParaRPr lang="fr-FR" sz="2400" dirty="0" smtClean="0"/>
+          </a:p>
+          <a:p>
+            <a:pPr marL="285750" indent="-285750">
+              <a:buFont typeface="Arial" panose="020B0604020202020204" pitchFamily="34" charset="0"/>
+              <a:buChar char="•"/>
+            </a:pPr>
+            <a:r>
+              <a:rPr lang="fr-FR" sz="2400" dirty="0" smtClean="0"/>
+              <a:t>Odométrie</a:t>
+            </a:r>
+          </a:p>
+          <a:p>
+            <a:pPr marL="285750" indent="-285750">
+              <a:buFont typeface="Arial" panose="020B0604020202020204" pitchFamily="34" charset="0"/>
+              <a:buChar char="•"/>
+            </a:pPr>
+            <a:endParaRPr lang="fr-FR" sz="2400" dirty="0"/>
+          </a:p>
+          <a:p>
+            <a:pPr marL="285750" indent="-285750">
+              <a:buFont typeface="Arial" panose="020B0604020202020204" pitchFamily="34" charset="0"/>
+              <a:buChar char="•"/>
+            </a:pPr>
+            <a:r>
+              <a:rPr lang="fr-FR" sz="2400" dirty="0"/>
+              <a:t>Communication</a:t>
+            </a:r>
+          </a:p>
+          <a:p>
+            <a:endParaRPr lang="fr-FR" sz="2400" dirty="0"/>
+          </a:p>
+          <a:p>
+            <a:pPr marL="285750" indent="-285750">
+              <a:buFont typeface="Arial" panose="020B0604020202020204" pitchFamily="34" charset="0"/>
+              <a:buChar char="•"/>
+            </a:pPr>
+            <a:r>
+              <a:rPr lang="fr-FR" sz="2400" dirty="0"/>
+              <a:t>Client </a:t>
+            </a:r>
+            <a:r>
+              <a:rPr lang="fr-FR" sz="2400" dirty="0" smtClean="0"/>
+              <a:t>Web</a:t>
+            </a:r>
+          </a:p>
+          <a:p>
+            <a:pPr marL="285750" indent="-285750">
+              <a:buFont typeface="Arial" panose="020B0604020202020204" pitchFamily="34" charset="0"/>
+              <a:buChar char="•"/>
+            </a:pPr>
+            <a:endParaRPr lang="fr-FR" sz="2400" dirty="0"/>
+          </a:p>
+          <a:p>
+            <a:pPr marL="285750" indent="-285750">
+              <a:buFont typeface="Arial" panose="020B0604020202020204" pitchFamily="34" charset="0"/>
+              <a:buChar char="•"/>
+            </a:pPr>
+            <a:r>
+              <a:rPr lang="fr-FR" sz="2400" dirty="0" smtClean="0"/>
+              <a:t>Conclusion</a:t>
+            </a:r>
+          </a:p>
+        </p:txBody>
+      </p:sp>
+      <p:pic>
+        <p:nvPicPr>
+          <p:cNvPr id="6" name="Image 5"/>
+          <p:cNvPicPr>
+            <a:picLocks noChangeAspect="1"/>
+          </p:cNvPicPr>
+          <p:nvPr/>
+        </p:nvPicPr>
+        <p:blipFill>
+          <a:blip r:embed="rId2">
+            <a:extLst>
+              <a:ext uri="{28A0092B-C50C-407E-A947-70E740481C1C}">
+                <a14:useLocalDpi xmlns:a14="http://schemas.microsoft.com/office/drawing/2010/main" val="0"/>
+              </a:ext>
+            </a:extLst>
+          </a:blip>
+          <a:stretch>
+            <a:fillRect/>
+          </a:stretch>
+        </p:blipFill>
+        <p:spPr>
+          <a:xfrm>
+            <a:off x="5693081" y="1320428"/>
+            <a:ext cx="4824046" cy="4674229"/>
+          </a:xfrm>
+          <a:prstGeom prst="rect">
+            <a:avLst/>
+          </a:prstGeom>
+        </p:spPr>
+      </p:pic>
+    </p:spTree>
+    <p:extLst>
+      <p:ext uri="{BB962C8B-B14F-4D97-AF65-F5344CB8AC3E}">
+        <p14:creationId xmlns:p14="http://schemas.microsoft.com/office/powerpoint/2010/main" val="2290834341"/>
+      </p:ext>
+    </p:extLst>
+  </p:cSld>
+  <p:clrMapOvr>
+    <a:masterClrMapping/>
+  </p:clrMapOvr>
+  <p:timing>
+    <p:tnLst>
+      <p:par>
+        <p:cTn id="1" dur="indefinite" restart="never" nodeType="tmRoot"/>
+      </p:par>
+    </p:tnLst>
+  </p:timing>
+</p:sld>
+</file>
+
+<file path=ppt/slides/slide20.xml><?xml version="1.0" encoding="utf-8"?>
+<p:sld xmlns:a="http://schemas.openxmlformats.org/drawingml/2006/main" xmlns:r="http://schemas.openxmlformats.org/officeDocument/2006/relationships" xmlns:p="http://schemas.openxmlformats.org/presentationml/2006/main">
+  <p:cSld>
+    <p:spTree>
+      <p:nvGrpSpPr>
+        <p:cNvPr id="1" name=""/>
+        <p:cNvGrpSpPr/>
+        <p:nvPr/>
+      </p:nvGrpSpPr>
+      <p:grpSpPr>
+        <a:xfrm>
+          <a:off x="0" y="0"/>
+          <a:ext cx="0" cy="0"/>
+          <a:chOff x="0" y="0"/>
+          <a:chExt cx="0" cy="0"/>
+        </a:xfrm>
+      </p:grpSpPr>
+      <p:sp>
+        <p:nvSpPr>
+          <p:cNvPr id="2" name="Titre 1"/>
+          <p:cNvSpPr>
+            <a:spLocks noGrp="1"/>
+          </p:cNvSpPr>
+          <p:nvPr>
+            <p:ph type="title"/>
+          </p:nvPr>
+        </p:nvSpPr>
+        <p:spPr/>
+        <p:txBody>
+          <a:bodyPr/>
+          <a:lstStyle/>
+          <a:p>
+            <a:pPr algn="l"/>
+            <a:r>
+              <a:rPr lang="fr-FR" dirty="0" smtClean="0"/>
+              <a:t>Client Web</a:t>
+            </a:r>
+            <a:endParaRPr lang="fr-FR" dirty="0"/>
+          </a:p>
+        </p:txBody>
+      </p:sp>
+      <p:graphicFrame>
+        <p:nvGraphicFramePr>
+          <p:cNvPr id="4" name="Diagramme 3"/>
+          <p:cNvGraphicFramePr/>
+          <p:nvPr/>
+        </p:nvGraphicFramePr>
+        <p:xfrm>
+          <a:off x="-605484" y="1408670"/>
+          <a:ext cx="9992497" cy="5012254"/>
+        </p:xfrm>
+        <a:graphic>
+          <a:graphicData uri="http://schemas.openxmlformats.org/drawingml/2006/diagram">
+            <dgm:relIds xmlns:dgm="http://schemas.openxmlformats.org/drawingml/2006/diagram" xmlns:r="http://schemas.openxmlformats.org/officeDocument/2006/relationships" r:dm="rId2" r:lo="rId3" r:qs="rId4" r:cs="rId5"/>
+          </a:graphicData>
+        </a:graphic>
+      </p:graphicFrame>
+      <p:sp>
+        <p:nvSpPr>
+          <p:cNvPr id="5" name="ZoneTexte 4"/>
+          <p:cNvSpPr txBox="1"/>
+          <p:nvPr/>
+        </p:nvSpPr>
+        <p:spPr>
+          <a:xfrm>
+            <a:off x="4390765" y="863992"/>
+            <a:ext cx="4720281" cy="461665"/>
+          </a:xfrm>
+          <a:prstGeom prst="rect">
+            <a:avLst/>
+          </a:prstGeom>
+        </p:spPr>
+        <p:style>
+          <a:lnRef idx="1">
+            <a:schemeClr val="accent1"/>
+          </a:lnRef>
+          <a:fillRef idx="2">
+            <a:schemeClr val="accent1"/>
+          </a:fillRef>
+          <a:effectRef idx="1">
+            <a:schemeClr val="accent1"/>
+          </a:effectRef>
+          <a:fontRef idx="minor">
+            <a:schemeClr val="dk1"/>
+          </a:fontRef>
+        </p:style>
+        <p:txBody>
+          <a:bodyPr wrap="square" rtlCol="0">
+            <a:spAutoFit/>
+          </a:bodyPr>
+          <a:lstStyle/>
+          <a:p>
+            <a:pPr marL="342900" indent="-342900">
+              <a:buFont typeface="Wingdings" panose="05000000000000000000" pitchFamily="2" charset="2"/>
+              <a:buChar char="Ø"/>
+            </a:pPr>
+            <a:r>
+              <a:rPr lang="fr-FR" sz="2400" dirty="0" smtClean="0"/>
+              <a:t>Portabilité optimisée</a:t>
+            </a:r>
+            <a:endParaRPr lang="fr-FR" sz="2400" dirty="0"/>
+          </a:p>
+        </p:txBody>
+      </p:sp>
+      <p:pic>
+        <p:nvPicPr>
+          <p:cNvPr id="7" name="Image 6"/>
+          <p:cNvPicPr>
+            <a:picLocks noChangeAspect="1"/>
+          </p:cNvPicPr>
+          <p:nvPr/>
+        </p:nvPicPr>
+        <p:blipFill>
+          <a:blip r:embed="rId7">
+            <a:extLst>
+              <a:ext uri="{28A0092B-C50C-407E-A947-70E740481C1C}">
+                <a14:useLocalDpi xmlns:a14="http://schemas.microsoft.com/office/drawing/2010/main" val="0"/>
+              </a:ext>
+            </a:extLst>
+          </a:blip>
+          <a:stretch>
+            <a:fillRect/>
+          </a:stretch>
+        </p:blipFill>
+        <p:spPr>
+          <a:xfrm>
+            <a:off x="9728885" y="5313751"/>
+            <a:ext cx="2388973" cy="1399789"/>
+          </a:xfrm>
+          <a:prstGeom prst="rect">
+            <a:avLst/>
+          </a:prstGeom>
+        </p:spPr>
+      </p:pic>
+    </p:spTree>
+    <p:extLst>
+      <p:ext uri="{BB962C8B-B14F-4D97-AF65-F5344CB8AC3E}">
+        <p14:creationId xmlns:p14="http://schemas.microsoft.com/office/powerpoint/2010/main" val="2493947926"/>
+      </p:ext>
+    </p:extLst>
+  </p:cSld>
+  <p:clrMapOvr>
+    <a:masterClrMapping/>
+  </p:clrMapOvr>
+  <p:timing>
+    <p:tnLst>
+      <p:par>
+        <p:cTn id="1" dur="indefinite" restart="never" nodeType="tmRoot"/>
+      </p:par>
+    </p:tnLst>
+  </p:timing>
+</p:sld>
+</file>
+
+<file path=ppt/slides/slide21.xml><?xml version="1.0" encoding="utf-8"?>
+<p:sld xmlns:a="http://schemas.openxmlformats.org/drawingml/2006/main" xmlns:r="http://schemas.openxmlformats.org/officeDocument/2006/relationships" xmlns:p="http://schemas.openxmlformats.org/presentationml/2006/main">
+  <p:cSld>
+    <p:spTree>
+      <p:nvGrpSpPr>
+        <p:cNvPr id="1" name=""/>
+        <p:cNvGrpSpPr/>
+        <p:nvPr/>
+      </p:nvGrpSpPr>
+      <p:grpSpPr>
+        <a:xfrm>
+          <a:off x="0" y="0"/>
+          <a:ext cx="0" cy="0"/>
+          <a:chOff x="0" y="0"/>
+          <a:chExt cx="0" cy="0"/>
+        </a:xfrm>
+      </p:grpSpPr>
+      <p:sp>
+        <p:nvSpPr>
+          <p:cNvPr id="2" name="Titre 1"/>
+          <p:cNvSpPr>
+            <a:spLocks noGrp="1"/>
+          </p:cNvSpPr>
+          <p:nvPr>
+            <p:ph type="title"/>
+          </p:nvPr>
+        </p:nvSpPr>
+        <p:spPr/>
+        <p:txBody>
+          <a:bodyPr/>
+          <a:lstStyle/>
+          <a:p>
+            <a:pPr algn="l"/>
+            <a:r>
+              <a:rPr lang="fr-FR" dirty="0" smtClean="0"/>
+              <a:t>Démonstration</a:t>
+            </a:r>
+            <a:endParaRPr lang="fr-FR" dirty="0"/>
+          </a:p>
+        </p:txBody>
+      </p:sp>
+      <p:sp>
+        <p:nvSpPr>
+          <p:cNvPr id="3" name="Espace réservé du contenu 2"/>
+          <p:cNvSpPr>
+            <a:spLocks noGrp="1"/>
+          </p:cNvSpPr>
+          <p:nvPr>
+            <p:ph idx="1"/>
+          </p:nvPr>
+        </p:nvSpPr>
+        <p:spPr/>
+        <p:txBody>
+          <a:bodyPr/>
+          <a:lstStyle/>
+          <a:p>
+            <a:r>
+              <a:rPr lang="fr-FR" dirty="0" smtClean="0"/>
+              <a:t>Insérer la vidéo de démo</a:t>
+            </a:r>
+            <a:endParaRPr lang="fr-FR" dirty="0"/>
+          </a:p>
+        </p:txBody>
+      </p:sp>
+    </p:spTree>
+    <p:extLst>
+      <p:ext uri="{BB962C8B-B14F-4D97-AF65-F5344CB8AC3E}">
+        <p14:creationId xmlns:p14="http://schemas.microsoft.com/office/powerpoint/2010/main" val="2374672127"/>
+      </p:ext>
+    </p:extLst>
+  </p:cSld>
+  <p:clrMapOvr>
+    <a:masterClrMapping/>
+  </p:clrMapOvr>
+  <p:timing>
+    <p:tnLst>
+      <p:par>
+        <p:cTn id="1" dur="indefinite" restart="never" nodeType="tmRoot"/>
+      </p:par>
+    </p:tnLst>
+  </p:timing>
+</p:sld>
+</file>
+
+<file path=ppt/slides/slide22.xml><?xml version="1.0" encoding="utf-8"?>
+<p:sld xmlns:a="http://schemas.openxmlformats.org/drawingml/2006/main" xmlns:r="http://schemas.openxmlformats.org/officeDocument/2006/relationships" xmlns:p="http://schemas.openxmlformats.org/presentationml/2006/main">
+  <p:cSld>
+    <p:spTree>
+      <p:nvGrpSpPr>
+        <p:cNvPr id="1" name=""/>
+        <p:cNvGrpSpPr/>
+        <p:nvPr/>
+      </p:nvGrpSpPr>
+      <p:grpSpPr>
+        <a:xfrm>
+          <a:off x="0" y="0"/>
+          <a:ext cx="0" cy="0"/>
+          <a:chOff x="0" y="0"/>
+          <a:chExt cx="0" cy="0"/>
+        </a:xfrm>
+      </p:grpSpPr>
+      <p:sp>
+        <p:nvSpPr>
+          <p:cNvPr id="5" name="ZoneTexte 4"/>
+          <p:cNvSpPr txBox="1"/>
+          <p:nvPr/>
+        </p:nvSpPr>
+        <p:spPr>
+          <a:xfrm>
+            <a:off x="913795" y="1580050"/>
+            <a:ext cx="10353762" cy="4893647"/>
+          </a:xfrm>
+          <a:prstGeom prst="rect">
+            <a:avLst/>
+          </a:prstGeom>
+          <a:noFill/>
+        </p:spPr>
+        <p:txBody>
+          <a:bodyPr wrap="square" rtlCol="0">
+            <a:spAutoFit/>
+          </a:bodyPr>
+          <a:lstStyle/>
+          <a:p>
+            <a:pPr marL="285750" indent="-285750">
+              <a:buFont typeface="Arial" panose="020B0604020202020204" pitchFamily="34" charset="0"/>
+              <a:buChar char="•"/>
+            </a:pPr>
+            <a:r>
+              <a:rPr lang="fr-FR" sz="2400" dirty="0" smtClean="0"/>
+              <a:t>Membres du groupe</a:t>
+            </a:r>
+          </a:p>
+          <a:p>
+            <a:pPr marL="285750" indent="-285750">
+              <a:buFont typeface="Arial" panose="020B0604020202020204" pitchFamily="34" charset="0"/>
+              <a:buChar char="•"/>
+            </a:pPr>
+            <a:endParaRPr lang="fr-FR" sz="2400" dirty="0"/>
+          </a:p>
+          <a:p>
+            <a:pPr marL="285750" indent="-285750">
+              <a:buFont typeface="Arial" panose="020B0604020202020204" pitchFamily="34" charset="0"/>
+              <a:buChar char="•"/>
+            </a:pPr>
+            <a:r>
+              <a:rPr lang="fr-FR" sz="2400" dirty="0" smtClean="0"/>
+              <a:t>Algorithme</a:t>
+            </a:r>
+          </a:p>
+          <a:p>
+            <a:pPr marL="285750" indent="-285750">
+              <a:buFont typeface="Arial" panose="020B0604020202020204" pitchFamily="34" charset="0"/>
+              <a:buChar char="•"/>
+            </a:pPr>
+            <a:endParaRPr lang="fr-FR" sz="2400" dirty="0"/>
+          </a:p>
+          <a:p>
+            <a:pPr marL="285750" indent="-285750">
+              <a:buFont typeface="Arial" panose="020B0604020202020204" pitchFamily="34" charset="0"/>
+              <a:buChar char="•"/>
+            </a:pPr>
+            <a:r>
+              <a:rPr lang="fr-FR" sz="2400" dirty="0" smtClean="0"/>
+              <a:t>Le Robot</a:t>
+            </a:r>
+            <a:endParaRPr lang="fr-FR" sz="2400" dirty="0"/>
+          </a:p>
+          <a:p>
+            <a:pPr marL="285750" indent="-285750">
+              <a:buFont typeface="Arial" panose="020B0604020202020204" pitchFamily="34" charset="0"/>
+              <a:buChar char="•"/>
+            </a:pPr>
+            <a:endParaRPr lang="fr-FR" sz="2400" dirty="0" smtClean="0"/>
+          </a:p>
+          <a:p>
+            <a:pPr marL="285750" indent="-285750">
+              <a:buFont typeface="Arial" panose="020B0604020202020204" pitchFamily="34" charset="0"/>
+              <a:buChar char="•"/>
+            </a:pPr>
+            <a:r>
+              <a:rPr lang="fr-FR" sz="2400" dirty="0" smtClean="0"/>
+              <a:t>Odométrie</a:t>
+            </a:r>
+          </a:p>
+          <a:p>
+            <a:pPr marL="285750" indent="-285750">
+              <a:buFont typeface="Arial" panose="020B0604020202020204" pitchFamily="34" charset="0"/>
+              <a:buChar char="•"/>
+            </a:pPr>
+            <a:endParaRPr lang="fr-FR" sz="2400" dirty="0"/>
+          </a:p>
+          <a:p>
+            <a:pPr marL="285750" indent="-285750">
+              <a:buFont typeface="Arial" panose="020B0604020202020204" pitchFamily="34" charset="0"/>
+              <a:buChar char="•"/>
+            </a:pPr>
+            <a:r>
+              <a:rPr lang="fr-FR" sz="2400" dirty="0"/>
+              <a:t>Communication</a:t>
+            </a:r>
+          </a:p>
+          <a:p>
+            <a:endParaRPr lang="fr-FR" sz="2400" dirty="0"/>
+          </a:p>
+          <a:p>
+            <a:pPr marL="285750" indent="-285750">
+              <a:buFont typeface="Arial" panose="020B0604020202020204" pitchFamily="34" charset="0"/>
+              <a:buChar char="•"/>
+            </a:pPr>
+            <a:r>
+              <a:rPr lang="fr-FR" sz="2400" dirty="0"/>
+              <a:t>Client </a:t>
+            </a:r>
+            <a:r>
+              <a:rPr lang="fr-FR" sz="2400" dirty="0" smtClean="0"/>
+              <a:t>Web</a:t>
+            </a:r>
+          </a:p>
+          <a:p>
+            <a:pPr marL="285750" indent="-285750">
+              <a:buFont typeface="Arial" panose="020B0604020202020204" pitchFamily="34" charset="0"/>
+              <a:buChar char="•"/>
+            </a:pPr>
+            <a:endParaRPr lang="fr-FR" sz="2400" dirty="0"/>
+          </a:p>
+          <a:p>
+            <a:pPr marL="285750" indent="-285750">
+              <a:buFont typeface="Arial" panose="020B0604020202020204" pitchFamily="34" charset="0"/>
+              <a:buChar char="•"/>
+            </a:pPr>
+            <a:r>
+              <a:rPr lang="fr-FR" sz="2400" dirty="0" smtClean="0">
+                <a:solidFill>
+                  <a:srgbClr val="FFC000"/>
+                </a:solidFill>
+              </a:rPr>
+              <a:t>Conclusion</a:t>
+            </a:r>
+          </a:p>
+        </p:txBody>
+      </p:sp>
+      <p:pic>
+        <p:nvPicPr>
+          <p:cNvPr id="6" name="Image 5"/>
+          <p:cNvPicPr>
+            <a:picLocks noChangeAspect="1"/>
+          </p:cNvPicPr>
+          <p:nvPr/>
+        </p:nvPicPr>
+        <p:blipFill>
+          <a:blip r:embed="rId2">
+            <a:extLst>
+              <a:ext uri="{28A0092B-C50C-407E-A947-70E740481C1C}">
+                <a14:useLocalDpi xmlns:a14="http://schemas.microsoft.com/office/drawing/2010/main" val="0"/>
+              </a:ext>
+            </a:extLst>
+          </a:blip>
+          <a:stretch>
+            <a:fillRect/>
+          </a:stretch>
+        </p:blipFill>
+        <p:spPr>
+          <a:xfrm>
+            <a:off x="5693081" y="1320428"/>
+            <a:ext cx="4824046" cy="4674229"/>
+          </a:xfrm>
+          <a:prstGeom prst="rect">
+            <a:avLst/>
+          </a:prstGeom>
+        </p:spPr>
+      </p:pic>
+    </p:spTree>
+    <p:extLst>
+      <p:ext uri="{BB962C8B-B14F-4D97-AF65-F5344CB8AC3E}">
+        <p14:creationId xmlns:p14="http://schemas.microsoft.com/office/powerpoint/2010/main" val="3928323064"/>
+      </p:ext>
+    </p:extLst>
+  </p:cSld>
+  <p:clrMapOvr>
+    <a:masterClrMapping/>
+  </p:clrMapOvr>
+  <p:timing>
+    <p:tnLst>
+      <p:par>
+        <p:cTn id="1" dur="indefinite" restart="never" nodeType="tmRoot"/>
+      </p:par>
+    </p:tnLst>
+  </p:timing>
+</p:sld>
+</file>
+
+<file path=ppt/slides/slide23.xml><?xml version="1.0" encoding="utf-8"?>
+<p:sld xmlns:a="http://schemas.openxmlformats.org/drawingml/2006/main" xmlns:r="http://schemas.openxmlformats.org/officeDocument/2006/relationships" xmlns:p="http://schemas.openxmlformats.org/presentationml/2006/main">
+  <p:cSld>
+    <p:spTree>
+      <p:nvGrpSpPr>
+        <p:cNvPr id="1" name=""/>
+        <p:cNvGrpSpPr/>
+        <p:nvPr/>
+      </p:nvGrpSpPr>
+      <p:grpSpPr>
+        <a:xfrm>
+          <a:off x="0" y="0"/>
+          <a:ext cx="0" cy="0"/>
+          <a:chOff x="0" y="0"/>
+          <a:chExt cx="0" cy="0"/>
+        </a:xfrm>
+      </p:grpSpPr>
+      <p:sp>
+        <p:nvSpPr>
+          <p:cNvPr id="2" name="Titre 1"/>
+          <p:cNvSpPr>
+            <a:spLocks noGrp="1"/>
+          </p:cNvSpPr>
+          <p:nvPr>
+            <p:ph type="title"/>
+          </p:nvPr>
+        </p:nvSpPr>
+        <p:spPr/>
+        <p:txBody>
+          <a:bodyPr/>
+          <a:lstStyle/>
+          <a:p>
+            <a:pPr algn="l"/>
+            <a:r>
+              <a:rPr lang="fr-FR" dirty="0" smtClean="0"/>
+              <a:t>Conclusion</a:t>
+            </a:r>
+            <a:endParaRPr lang="fr-FR" dirty="0"/>
+          </a:p>
+        </p:txBody>
+      </p:sp>
+      <p:sp>
+        <p:nvSpPr>
+          <p:cNvPr id="3" name="Espace réservé du contenu 2"/>
+          <p:cNvSpPr>
+            <a:spLocks noGrp="1"/>
+          </p:cNvSpPr>
+          <p:nvPr>
+            <p:ph idx="1"/>
+          </p:nvPr>
+        </p:nvSpPr>
+        <p:spPr>
+          <a:xfrm>
+            <a:off x="913795" y="1732449"/>
+            <a:ext cx="10353762" cy="4058751"/>
+          </a:xfrm>
+        </p:spPr>
+        <p:txBody>
+          <a:bodyPr/>
+          <a:lstStyle/>
+          <a:p>
+            <a:r>
+              <a:rPr lang="fr-FR" dirty="0" smtClean="0"/>
+              <a:t>Rétrospective</a:t>
+            </a:r>
+          </a:p>
+          <a:p>
+            <a:pPr lvl="1"/>
+            <a:r>
+              <a:rPr lang="fr-FR" dirty="0" smtClean="0"/>
+              <a:t>L’algorithme</a:t>
+            </a:r>
+          </a:p>
+          <a:p>
+            <a:pPr lvl="1"/>
+            <a:r>
+              <a:rPr lang="fr-FR" dirty="0" smtClean="0"/>
+              <a:t>L’architecture du projet</a:t>
+            </a:r>
+            <a:endParaRPr lang="fr-FR" dirty="0"/>
+          </a:p>
+          <a:p>
+            <a:endParaRPr lang="fr-FR" dirty="0"/>
+          </a:p>
+          <a:p>
+            <a:endParaRPr lang="fr-FR" dirty="0" smtClean="0"/>
+          </a:p>
+        </p:txBody>
+      </p:sp>
+    </p:spTree>
+    <p:extLst>
+      <p:ext uri="{BB962C8B-B14F-4D97-AF65-F5344CB8AC3E}">
+        <p14:creationId xmlns:p14="http://schemas.microsoft.com/office/powerpoint/2010/main" val="933693841"/>
+      </p:ext>
+    </p:extLst>
+  </p:cSld>
+  <p:clrMapOvr>
+    <a:masterClrMapping/>
+  </p:clrMapOvr>
+  <p:timing>
+    <p:tnLst>
+      <p:par>
+        <p:cTn id="1" dur="indefinite" restart="never" nodeType="tmRoot"/>
+      </p:par>
+    </p:tnLst>
+  </p:timing>
+</p:sld>
+</file>
+
+<file path=ppt/slides/slide3.xml><?xml version="1.0" encoding="utf-8"?>
+<p:sld xmlns:a="http://schemas.openxmlformats.org/drawingml/2006/main" xmlns:r="http://schemas.openxmlformats.org/officeDocument/2006/relationships" xmlns:p="http://schemas.openxmlformats.org/presentationml/2006/main">
+  <p:cSld>
+    <p:spTree>
+      <p:nvGrpSpPr>
+        <p:cNvPr id="1" name=""/>
+        <p:cNvGrpSpPr/>
+        <p:nvPr/>
+      </p:nvGrpSpPr>
+      <p:grpSpPr>
+        <a:xfrm>
+          <a:off x="0" y="0"/>
+          <a:ext cx="0" cy="0"/>
+          <a:chOff x="0" y="0"/>
+          <a:chExt cx="0" cy="0"/>
+        </a:xfrm>
+      </p:grpSpPr>
+      <p:sp>
+        <p:nvSpPr>
+          <p:cNvPr id="5" name="ZoneTexte 4"/>
+          <p:cNvSpPr txBox="1"/>
+          <p:nvPr/>
+        </p:nvSpPr>
+        <p:spPr>
+          <a:xfrm>
+            <a:off x="913795" y="1580050"/>
+            <a:ext cx="10353762" cy="4893647"/>
+          </a:xfrm>
+          <a:prstGeom prst="rect">
+            <a:avLst/>
+          </a:prstGeom>
+          <a:noFill/>
+        </p:spPr>
+        <p:txBody>
+          <a:bodyPr wrap="square" rtlCol="0">
+            <a:spAutoFit/>
+          </a:bodyPr>
+          <a:lstStyle/>
+          <a:p>
+            <a:pPr marL="285750" indent="-285750">
+              <a:buFont typeface="Arial" panose="020B0604020202020204" pitchFamily="34" charset="0"/>
+              <a:buChar char="•"/>
+            </a:pPr>
+            <a:r>
+              <a:rPr lang="fr-FR" sz="2400" dirty="0" smtClean="0">
+                <a:solidFill>
+                  <a:srgbClr val="FFC000"/>
+                </a:solidFill>
+              </a:rPr>
+              <a:t>Membres du groupe</a:t>
+            </a:r>
+          </a:p>
+          <a:p>
+            <a:pPr marL="285750" indent="-285750">
+              <a:buFont typeface="Arial" panose="020B0604020202020204" pitchFamily="34" charset="0"/>
+              <a:buChar char="•"/>
+            </a:pPr>
+            <a:endParaRPr lang="fr-FR" sz="2400" dirty="0"/>
+          </a:p>
+          <a:p>
+            <a:pPr marL="285750" indent="-285750">
+              <a:buFont typeface="Arial" panose="020B0604020202020204" pitchFamily="34" charset="0"/>
+              <a:buChar char="•"/>
+            </a:pPr>
+            <a:r>
+              <a:rPr lang="fr-FR" sz="2400" dirty="0" smtClean="0"/>
+              <a:t>Algorithme</a:t>
+            </a:r>
+          </a:p>
+          <a:p>
+            <a:pPr marL="285750" indent="-285750">
+              <a:buFont typeface="Arial" panose="020B0604020202020204" pitchFamily="34" charset="0"/>
+              <a:buChar char="•"/>
+            </a:pPr>
+            <a:endParaRPr lang="fr-FR" sz="2400" dirty="0"/>
+          </a:p>
+          <a:p>
+            <a:pPr marL="285750" indent="-285750">
+              <a:buFont typeface="Arial" panose="020B0604020202020204" pitchFamily="34" charset="0"/>
+              <a:buChar char="•"/>
+            </a:pPr>
+            <a:r>
+              <a:rPr lang="fr-FR" sz="2400" dirty="0" smtClean="0"/>
+              <a:t>Le Robot</a:t>
+            </a:r>
+            <a:endParaRPr lang="fr-FR" sz="2400" dirty="0"/>
+          </a:p>
+          <a:p>
+            <a:pPr marL="285750" indent="-285750">
+              <a:buFont typeface="Arial" panose="020B0604020202020204" pitchFamily="34" charset="0"/>
+              <a:buChar char="•"/>
+            </a:pPr>
+            <a:endParaRPr lang="fr-FR" sz="2400" dirty="0" smtClean="0"/>
+          </a:p>
+          <a:p>
+            <a:pPr marL="285750" indent="-285750">
+              <a:buFont typeface="Arial" panose="020B0604020202020204" pitchFamily="34" charset="0"/>
+              <a:buChar char="•"/>
+            </a:pPr>
+            <a:r>
+              <a:rPr lang="fr-FR" sz="2400" dirty="0" smtClean="0"/>
+              <a:t>Odométrie</a:t>
+            </a:r>
+          </a:p>
+          <a:p>
+            <a:pPr marL="285750" indent="-285750">
+              <a:buFont typeface="Arial" panose="020B0604020202020204" pitchFamily="34" charset="0"/>
+              <a:buChar char="•"/>
+            </a:pPr>
+            <a:endParaRPr lang="fr-FR" sz="2400" dirty="0"/>
+          </a:p>
+          <a:p>
+            <a:pPr marL="285750" indent="-285750">
+              <a:buFont typeface="Arial" panose="020B0604020202020204" pitchFamily="34" charset="0"/>
+              <a:buChar char="•"/>
+            </a:pPr>
+            <a:r>
+              <a:rPr lang="fr-FR" sz="2400" dirty="0"/>
+              <a:t>Communication</a:t>
+            </a:r>
+          </a:p>
+          <a:p>
+            <a:endParaRPr lang="fr-FR" sz="2400" dirty="0"/>
+          </a:p>
+          <a:p>
+            <a:pPr marL="285750" indent="-285750">
+              <a:buFont typeface="Arial" panose="020B0604020202020204" pitchFamily="34" charset="0"/>
+              <a:buChar char="•"/>
+            </a:pPr>
+            <a:r>
+              <a:rPr lang="fr-FR" sz="2400" dirty="0"/>
+              <a:t>Client </a:t>
+            </a:r>
+            <a:r>
+              <a:rPr lang="fr-FR" sz="2400" dirty="0" smtClean="0"/>
+              <a:t>Web</a:t>
+            </a:r>
+          </a:p>
+          <a:p>
+            <a:pPr marL="285750" indent="-285750">
+              <a:buFont typeface="Arial" panose="020B0604020202020204" pitchFamily="34" charset="0"/>
+              <a:buChar char="•"/>
+            </a:pPr>
+            <a:endParaRPr lang="fr-FR" sz="2400" dirty="0"/>
+          </a:p>
+          <a:p>
+            <a:pPr marL="285750" indent="-285750">
+              <a:buFont typeface="Arial" panose="020B0604020202020204" pitchFamily="34" charset="0"/>
+              <a:buChar char="•"/>
+            </a:pPr>
+            <a:r>
+              <a:rPr lang="fr-FR" sz="2400" dirty="0" smtClean="0"/>
+              <a:t>Conclusion</a:t>
+            </a:r>
+          </a:p>
+        </p:txBody>
+      </p:sp>
+      <p:pic>
+        <p:nvPicPr>
+          <p:cNvPr id="6" name="Image 5"/>
+          <p:cNvPicPr>
+            <a:picLocks noChangeAspect="1"/>
+          </p:cNvPicPr>
+          <p:nvPr/>
+        </p:nvPicPr>
+        <p:blipFill>
+          <a:blip r:embed="rId2">
+            <a:extLst>
+              <a:ext uri="{28A0092B-C50C-407E-A947-70E740481C1C}">
+                <a14:useLocalDpi xmlns:a14="http://schemas.microsoft.com/office/drawing/2010/main" val="0"/>
+              </a:ext>
+            </a:extLst>
+          </a:blip>
+          <a:stretch>
+            <a:fillRect/>
+          </a:stretch>
+        </p:blipFill>
+        <p:spPr>
+          <a:xfrm>
+            <a:off x="5693081" y="1320428"/>
+            <a:ext cx="4824046" cy="4674229"/>
+          </a:xfrm>
+          <a:prstGeom prst="rect">
+            <a:avLst/>
+          </a:prstGeom>
+        </p:spPr>
+      </p:pic>
+    </p:spTree>
+    <p:extLst>
+      <p:ext uri="{BB962C8B-B14F-4D97-AF65-F5344CB8AC3E}">
+        <p14:creationId xmlns:p14="http://schemas.microsoft.com/office/powerpoint/2010/main" val="1622527393"/>
+      </p:ext>
+    </p:extLst>
+  </p:cSld>
+  <p:clrMapOvr>
+    <a:masterClrMapping/>
+  </p:clrMapOvr>
+  <p:timing>
+    <p:tnLst>
+      <p:par>
+        <p:cTn id="1" dur="indefinite" restart="never" nodeType="tmRoot"/>
+      </p:par>
+    </p:tnLst>
+  </p:timing>
+</p:sld>
+</file>
+
+<file path=ppt/slides/slide4.xml><?xml version="1.0" encoding="utf-8"?>
+<p:sld xmlns:a="http://schemas.openxmlformats.org/drawingml/2006/main" xmlns:r="http://schemas.openxmlformats.org/officeDocument/2006/relationships" xmlns:p="http://schemas.openxmlformats.org/presentationml/2006/main">
+  <p:cSld>
+    <p:spTree>
+      <p:nvGrpSpPr>
+        <p:cNvPr id="1" name=""/>
+        <p:cNvGrpSpPr/>
+        <p:nvPr/>
+      </p:nvGrpSpPr>
+      <p:grpSpPr>
+        <a:xfrm>
+          <a:off x="0" y="0"/>
+          <a:ext cx="0" cy="0"/>
+          <a:chOff x="0" y="0"/>
+          <a:chExt cx="0" cy="0"/>
+        </a:xfrm>
+      </p:grpSpPr>
+      <p:sp>
+        <p:nvSpPr>
+          <p:cNvPr id="2" name="Titre 1"/>
+          <p:cNvSpPr>
+            <a:spLocks noGrp="1"/>
+          </p:cNvSpPr>
+          <p:nvPr>
+            <p:ph type="title"/>
+          </p:nvPr>
+        </p:nvSpPr>
+        <p:spPr/>
+        <p:txBody>
+          <a:bodyPr/>
+          <a:lstStyle/>
+          <a:p>
+            <a:pPr algn="l"/>
+            <a:r>
+              <a:rPr lang="fr-FR" dirty="0" smtClean="0"/>
+              <a:t>Membres du groupe</a:t>
+            </a:r>
+            <a:endParaRPr lang="fr-FR" dirty="0"/>
+          </a:p>
+        </p:txBody>
+      </p:sp>
+      <p:graphicFrame>
+        <p:nvGraphicFramePr>
+          <p:cNvPr id="5" name="Espace réservé du contenu 4"/>
+          <p:cNvGraphicFramePr>
+            <a:graphicFrameLocks noGrp="1"/>
+          </p:cNvGraphicFramePr>
+          <p:nvPr>
+            <p:ph idx="1"/>
+            <p:extLst>
+              <p:ext uri="{D42A27DB-BD31-4B8C-83A1-F6EECF244321}">
+                <p14:modId xmlns:p14="http://schemas.microsoft.com/office/powerpoint/2010/main" val="3808798321"/>
+              </p:ext>
+            </p:extLst>
+          </p:nvPr>
+        </p:nvGraphicFramePr>
+        <p:xfrm>
+          <a:off x="913882" y="1873631"/>
+          <a:ext cx="10353675" cy="4059237"/>
+        </p:xfrm>
+        <a:graphic>
+          <a:graphicData uri="http://schemas.openxmlformats.org/drawingml/2006/diagram">
+            <dgm:relIds xmlns:dgm="http://schemas.openxmlformats.org/drawingml/2006/diagram" xmlns:r="http://schemas.openxmlformats.org/officeDocument/2006/relationships" r:dm="rId2" r:lo="rId3" r:qs="rId4" r:cs="rId5"/>
+          </a:graphicData>
+        </a:graphic>
+      </p:graphicFrame>
+    </p:spTree>
+    <p:extLst>
+      <p:ext uri="{BB962C8B-B14F-4D97-AF65-F5344CB8AC3E}">
+        <p14:creationId xmlns:p14="http://schemas.microsoft.com/office/powerpoint/2010/main" val="228310942"/>
+      </p:ext>
+    </p:extLst>
+  </p:cSld>
+  <p:clrMapOvr>
+    <a:masterClrMapping/>
+  </p:clrMapOvr>
+  <p:timing>
+    <p:tnLst>
+      <p:par>
+        <p:cTn id="1" dur="indefinite" restart="never" nodeType="tmRoot"/>
+      </p:par>
+    </p:tnLst>
+  </p:timing>
+</p:sld>
+</file>
+
+<file path=ppt/slides/slide5.xml><?xml version="1.0" encoding="utf-8"?>
+<p:sld xmlns:a="http://schemas.openxmlformats.org/drawingml/2006/main" xmlns:r="http://schemas.openxmlformats.org/officeDocument/2006/relationships" xmlns:p="http://schemas.openxmlformats.org/presentationml/2006/main">
+  <p:cSld>
+    <p:spTree>
+      <p:nvGrpSpPr>
+        <p:cNvPr id="1" name=""/>
+        <p:cNvGrpSpPr/>
+        <p:nvPr/>
+      </p:nvGrpSpPr>
+      <p:grpSpPr>
+        <a:xfrm>
+          <a:off x="0" y="0"/>
+          <a:ext cx="0" cy="0"/>
+          <a:chOff x="0" y="0"/>
+          <a:chExt cx="0" cy="0"/>
+        </a:xfrm>
+      </p:grpSpPr>
+      <p:sp>
+        <p:nvSpPr>
+          <p:cNvPr id="5" name="ZoneTexte 4"/>
+          <p:cNvSpPr txBox="1"/>
+          <p:nvPr/>
+        </p:nvSpPr>
+        <p:spPr>
+          <a:xfrm>
+            <a:off x="913795" y="1580050"/>
+            <a:ext cx="10353762" cy="4893647"/>
+          </a:xfrm>
+          <a:prstGeom prst="rect">
+            <a:avLst/>
+          </a:prstGeom>
+          <a:noFill/>
+        </p:spPr>
+        <p:txBody>
+          <a:bodyPr wrap="square" rtlCol="0">
+            <a:spAutoFit/>
+          </a:bodyPr>
+          <a:lstStyle/>
+          <a:p>
+            <a:pPr marL="285750" indent="-285750">
+              <a:buFont typeface="Arial" panose="020B0604020202020204" pitchFamily="34" charset="0"/>
+              <a:buChar char="•"/>
+            </a:pPr>
+            <a:r>
+              <a:rPr lang="fr-FR" sz="2400" dirty="0" smtClean="0"/>
+              <a:t>Membres du groupe</a:t>
+            </a:r>
+          </a:p>
+          <a:p>
+            <a:pPr marL="285750" indent="-285750">
+              <a:buFont typeface="Arial" panose="020B0604020202020204" pitchFamily="34" charset="0"/>
+              <a:buChar char="•"/>
+            </a:pPr>
+            <a:endParaRPr lang="fr-FR" sz="2400" dirty="0"/>
+          </a:p>
+          <a:p>
+            <a:pPr marL="285750" indent="-285750">
+              <a:buFont typeface="Arial" panose="020B0604020202020204" pitchFamily="34" charset="0"/>
+              <a:buChar char="•"/>
+            </a:pPr>
+            <a:r>
+              <a:rPr lang="fr-FR" sz="2400" dirty="0" smtClean="0">
+                <a:solidFill>
+                  <a:srgbClr val="FFC000"/>
+                </a:solidFill>
+              </a:rPr>
+              <a:t>Algorithme</a:t>
+            </a:r>
+          </a:p>
+          <a:p>
+            <a:pPr marL="285750" indent="-285750">
+              <a:buFont typeface="Arial" panose="020B0604020202020204" pitchFamily="34" charset="0"/>
+              <a:buChar char="•"/>
+            </a:pPr>
+            <a:endParaRPr lang="fr-FR" sz="2400" dirty="0"/>
+          </a:p>
+          <a:p>
+            <a:pPr marL="285750" indent="-285750">
+              <a:buFont typeface="Arial" panose="020B0604020202020204" pitchFamily="34" charset="0"/>
+              <a:buChar char="•"/>
+            </a:pPr>
+            <a:r>
+              <a:rPr lang="fr-FR" sz="2400" dirty="0" smtClean="0"/>
+              <a:t>Le Robot</a:t>
+            </a:r>
+            <a:endParaRPr lang="fr-FR" sz="2400" dirty="0"/>
+          </a:p>
+          <a:p>
+            <a:pPr marL="285750" indent="-285750">
+              <a:buFont typeface="Arial" panose="020B0604020202020204" pitchFamily="34" charset="0"/>
+              <a:buChar char="•"/>
+            </a:pPr>
+            <a:endParaRPr lang="fr-FR" sz="2400" dirty="0" smtClean="0"/>
+          </a:p>
+          <a:p>
+            <a:pPr marL="285750" indent="-285750">
+              <a:buFont typeface="Arial" panose="020B0604020202020204" pitchFamily="34" charset="0"/>
+              <a:buChar char="•"/>
+            </a:pPr>
+            <a:r>
+              <a:rPr lang="fr-FR" sz="2400" dirty="0" smtClean="0"/>
+              <a:t>Odométrie</a:t>
+            </a:r>
+          </a:p>
+          <a:p>
+            <a:pPr marL="285750" indent="-285750">
+              <a:buFont typeface="Arial" panose="020B0604020202020204" pitchFamily="34" charset="0"/>
+              <a:buChar char="•"/>
+            </a:pPr>
+            <a:endParaRPr lang="fr-FR" sz="2400" dirty="0"/>
+          </a:p>
+          <a:p>
+            <a:pPr marL="285750" indent="-285750">
+              <a:buFont typeface="Arial" panose="020B0604020202020204" pitchFamily="34" charset="0"/>
+              <a:buChar char="•"/>
+            </a:pPr>
+            <a:r>
+              <a:rPr lang="fr-FR" sz="2400" dirty="0"/>
+              <a:t>Communication</a:t>
+            </a:r>
+          </a:p>
+          <a:p>
+            <a:endParaRPr lang="fr-FR" sz="2400" dirty="0"/>
+          </a:p>
+          <a:p>
+            <a:pPr marL="285750" indent="-285750">
+              <a:buFont typeface="Arial" panose="020B0604020202020204" pitchFamily="34" charset="0"/>
+              <a:buChar char="•"/>
+            </a:pPr>
+            <a:r>
+              <a:rPr lang="fr-FR" sz="2400" dirty="0"/>
+              <a:t>Client </a:t>
+            </a:r>
+            <a:r>
+              <a:rPr lang="fr-FR" sz="2400" dirty="0" smtClean="0"/>
+              <a:t>Web</a:t>
+            </a:r>
+          </a:p>
+          <a:p>
+            <a:pPr marL="285750" indent="-285750">
+              <a:buFont typeface="Arial" panose="020B0604020202020204" pitchFamily="34" charset="0"/>
+              <a:buChar char="•"/>
+            </a:pPr>
+            <a:endParaRPr lang="fr-FR" sz="2400" dirty="0"/>
+          </a:p>
+          <a:p>
+            <a:pPr marL="285750" indent="-285750">
+              <a:buFont typeface="Arial" panose="020B0604020202020204" pitchFamily="34" charset="0"/>
+              <a:buChar char="•"/>
+            </a:pPr>
+            <a:r>
+              <a:rPr lang="fr-FR" sz="2400" dirty="0" smtClean="0"/>
+              <a:t>Conclusion</a:t>
+            </a:r>
+          </a:p>
+        </p:txBody>
+      </p:sp>
+      <p:pic>
+        <p:nvPicPr>
+          <p:cNvPr id="6" name="Image 5"/>
+          <p:cNvPicPr>
+            <a:picLocks noChangeAspect="1"/>
+          </p:cNvPicPr>
+          <p:nvPr/>
+        </p:nvPicPr>
+        <p:blipFill>
+          <a:blip r:embed="rId2">
+            <a:extLst>
+              <a:ext uri="{28A0092B-C50C-407E-A947-70E740481C1C}">
+                <a14:useLocalDpi xmlns:a14="http://schemas.microsoft.com/office/drawing/2010/main" val="0"/>
+              </a:ext>
+            </a:extLst>
+          </a:blip>
+          <a:stretch>
+            <a:fillRect/>
+          </a:stretch>
+        </p:blipFill>
+        <p:spPr>
+          <a:xfrm>
+            <a:off x="5693081" y="1320428"/>
+            <a:ext cx="4824046" cy="4674229"/>
+          </a:xfrm>
+          <a:prstGeom prst="rect">
+            <a:avLst/>
+          </a:prstGeom>
+        </p:spPr>
+      </p:pic>
+    </p:spTree>
+    <p:extLst>
+      <p:ext uri="{BB962C8B-B14F-4D97-AF65-F5344CB8AC3E}">
+        <p14:creationId xmlns:p14="http://schemas.microsoft.com/office/powerpoint/2010/main" val="898301688"/>
+      </p:ext>
+    </p:extLst>
+  </p:cSld>
+  <p:clrMapOvr>
+    <a:masterClrMapping/>
+  </p:clrMapOvr>
+  <p:timing>
+    <p:tnLst>
+      <p:par>
+        <p:cTn id="1" dur="indefinite" restart="never" nodeType="tmRoot"/>
+      </p:par>
+    </p:tnLst>
+  </p:timing>
+</p:sld>
+</file>
+
+<file path=ppt/slides/slide6.xml><?xml version="1.0" encoding="utf-8"?>
+<p:sld xmlns:a="http://schemas.openxmlformats.org/drawingml/2006/main" xmlns:r="http://schemas.openxmlformats.org/officeDocument/2006/relationships" xmlns:p="http://schemas.openxmlformats.org/presentationml/2006/main">
+  <p:cSld>
+    <p:spTree>
+      <p:nvGrpSpPr>
+        <p:cNvPr id="1" name=""/>
+        <p:cNvGrpSpPr/>
+        <p:nvPr/>
+      </p:nvGrpSpPr>
+      <p:grpSpPr>
+        <a:xfrm>
+          <a:off x="0" y="0"/>
+          <a:ext cx="0" cy="0"/>
+          <a:chOff x="0" y="0"/>
+          <a:chExt cx="0" cy="0"/>
+        </a:xfrm>
+      </p:grpSpPr>
+      <p:sp>
+        <p:nvSpPr>
+          <p:cNvPr id="2" name="Titre 1"/>
+          <p:cNvSpPr>
+            <a:spLocks noGrp="1"/>
+          </p:cNvSpPr>
+          <p:nvPr>
+            <p:ph type="title"/>
+          </p:nvPr>
+        </p:nvSpPr>
+        <p:spPr/>
+        <p:txBody>
+          <a:bodyPr/>
+          <a:lstStyle/>
+          <a:p>
+            <a:pPr algn="l"/>
+            <a:r>
+              <a:rPr lang="fr-FR" dirty="0" smtClean="0"/>
+              <a:t>Algorithme</a:t>
+            </a:r>
+            <a:endParaRPr lang="fr-FR" dirty="0"/>
+          </a:p>
+        </p:txBody>
+      </p:sp>
+      <p:sp>
+        <p:nvSpPr>
+          <p:cNvPr id="9" name="Ellipse 8"/>
+          <p:cNvSpPr/>
+          <p:nvPr/>
+        </p:nvSpPr>
+        <p:spPr>
+          <a:xfrm>
+            <a:off x="4971245" y="1777284"/>
+            <a:ext cx="1442434" cy="1081826"/>
+          </a:xfrm>
+          <a:prstGeom prst="ellipse">
+            <a:avLst/>
+          </a:prstGeom>
+        </p:spPr>
+        <p:style>
+          <a:lnRef idx="2">
+            <a:schemeClr val="accent1">
+              <a:shade val="50000"/>
+            </a:schemeClr>
+          </a:lnRef>
+          <a:fillRef idx="1">
+            <a:schemeClr val="accent1"/>
+          </a:fillRef>
+          <a:effectRef idx="0">
+            <a:schemeClr val="accent1"/>
+          </a:effectRef>
+          <a:fontRef idx="minor">
+            <a:schemeClr val="lt1"/>
+          </a:fontRef>
+        </p:style>
+        <p:txBody>
+          <a:bodyPr rtlCol="0" anchor="ctr"/>
+          <a:lstStyle/>
+          <a:p>
+            <a:pPr algn="ctr"/>
+            <a:r>
+              <a:rPr lang="fr-FR" dirty="0" smtClean="0"/>
+              <a:t>Avancer</a:t>
+            </a:r>
+            <a:endParaRPr lang="fr-FR" dirty="0"/>
+          </a:p>
+        </p:txBody>
+      </p:sp>
+      <p:sp>
+        <p:nvSpPr>
+          <p:cNvPr id="10" name="Ellipse 9"/>
+          <p:cNvSpPr/>
+          <p:nvPr/>
+        </p:nvSpPr>
+        <p:spPr>
+          <a:xfrm>
+            <a:off x="7106991" y="2986825"/>
+            <a:ext cx="1442434" cy="1081826"/>
+          </a:xfrm>
+          <a:prstGeom prst="ellipse">
+            <a:avLst/>
+          </a:prstGeom>
+        </p:spPr>
+        <p:style>
+          <a:lnRef idx="2">
+            <a:schemeClr val="accent1">
+              <a:shade val="50000"/>
+            </a:schemeClr>
+          </a:lnRef>
+          <a:fillRef idx="1">
+            <a:schemeClr val="accent1"/>
+          </a:fillRef>
+          <a:effectRef idx="0">
+            <a:schemeClr val="accent1"/>
+          </a:effectRef>
+          <a:fontRef idx="minor">
+            <a:schemeClr val="lt1"/>
+          </a:fontRef>
+        </p:style>
+        <p:txBody>
+          <a:bodyPr rtlCol="0" anchor="ctr"/>
+          <a:lstStyle/>
+          <a:p>
+            <a:pPr algn="ctr"/>
+            <a:r>
+              <a:rPr lang="fr-FR" dirty="0" smtClean="0"/>
+              <a:t>Mur en face</a:t>
+            </a:r>
+            <a:endParaRPr lang="fr-FR" dirty="0"/>
+          </a:p>
+        </p:txBody>
+      </p:sp>
+      <p:sp>
+        <p:nvSpPr>
+          <p:cNvPr id="11" name="Ellipse 10"/>
+          <p:cNvSpPr/>
+          <p:nvPr/>
+        </p:nvSpPr>
+        <p:spPr>
+          <a:xfrm>
+            <a:off x="5755825" y="4196365"/>
+            <a:ext cx="1442434" cy="1081826"/>
+          </a:xfrm>
+          <a:prstGeom prst="ellipse">
+            <a:avLst/>
+          </a:prstGeom>
+        </p:spPr>
+        <p:style>
+          <a:lnRef idx="2">
+            <a:schemeClr val="accent1">
+              <a:shade val="50000"/>
+            </a:schemeClr>
+          </a:lnRef>
+          <a:fillRef idx="1">
+            <a:schemeClr val="accent1"/>
+          </a:fillRef>
+          <a:effectRef idx="0">
+            <a:schemeClr val="accent1"/>
+          </a:effectRef>
+          <a:fontRef idx="minor">
+            <a:schemeClr val="lt1"/>
+          </a:fontRef>
+        </p:style>
+        <p:txBody>
+          <a:bodyPr rtlCol="0" anchor="ctr"/>
+          <a:lstStyle/>
+          <a:p>
+            <a:pPr algn="ctr"/>
+            <a:r>
+              <a:rPr lang="fr-FR" dirty="0" smtClean="0"/>
+              <a:t>Tourner</a:t>
+            </a:r>
+            <a:endParaRPr lang="fr-FR" dirty="0"/>
+          </a:p>
+        </p:txBody>
+      </p:sp>
+      <p:sp>
+        <p:nvSpPr>
+          <p:cNvPr id="12" name="Ellipse 11"/>
+          <p:cNvSpPr/>
+          <p:nvPr/>
+        </p:nvSpPr>
+        <p:spPr>
+          <a:xfrm>
+            <a:off x="3528810" y="4196365"/>
+            <a:ext cx="1545465" cy="1081826"/>
+          </a:xfrm>
+          <a:prstGeom prst="ellipse">
+            <a:avLst/>
+          </a:prstGeom>
+        </p:spPr>
+        <p:style>
+          <a:lnRef idx="2">
+            <a:schemeClr val="accent1">
+              <a:shade val="50000"/>
+            </a:schemeClr>
+          </a:lnRef>
+          <a:fillRef idx="1">
+            <a:schemeClr val="accent1"/>
+          </a:fillRef>
+          <a:effectRef idx="0">
+            <a:schemeClr val="accent1"/>
+          </a:effectRef>
+          <a:fontRef idx="minor">
+            <a:schemeClr val="lt1"/>
+          </a:fontRef>
+        </p:style>
+        <p:txBody>
+          <a:bodyPr rtlCol="0" anchor="ctr"/>
+          <a:lstStyle/>
+          <a:p>
+            <a:pPr algn="ctr"/>
+            <a:r>
+              <a:rPr lang="fr-FR" dirty="0" smtClean="0"/>
+              <a:t>Balayage</a:t>
+            </a:r>
+            <a:endParaRPr lang="fr-FR" dirty="0"/>
+          </a:p>
+        </p:txBody>
+      </p:sp>
+      <p:sp>
+        <p:nvSpPr>
+          <p:cNvPr id="13" name="Ellipse 12"/>
+          <p:cNvSpPr/>
+          <p:nvPr/>
+        </p:nvSpPr>
+        <p:spPr>
+          <a:xfrm>
+            <a:off x="3247623" y="2728174"/>
+            <a:ext cx="1442434" cy="1081826"/>
+          </a:xfrm>
+          <a:prstGeom prst="ellipse">
+            <a:avLst/>
+          </a:prstGeom>
+        </p:spPr>
+        <p:style>
+          <a:lnRef idx="2">
+            <a:schemeClr val="accent1">
+              <a:shade val="50000"/>
+            </a:schemeClr>
+          </a:lnRef>
+          <a:fillRef idx="1">
+            <a:schemeClr val="accent1"/>
+          </a:fillRef>
+          <a:effectRef idx="0">
+            <a:schemeClr val="accent1"/>
+          </a:effectRef>
+          <a:fontRef idx="minor">
+            <a:schemeClr val="lt1"/>
+          </a:fontRef>
+        </p:style>
+        <p:txBody>
+          <a:bodyPr rtlCol="0" anchor="ctr"/>
+          <a:lstStyle/>
+          <a:p>
+            <a:pPr algn="ctr"/>
+            <a:r>
+              <a:rPr lang="fr-FR" dirty="0" smtClean="0"/>
+              <a:t>Avancer après balayage</a:t>
+            </a:r>
+            <a:endParaRPr lang="fr-FR" dirty="0"/>
+          </a:p>
+        </p:txBody>
+      </p:sp>
+      <p:cxnSp>
+        <p:nvCxnSpPr>
+          <p:cNvPr id="17" name="Connecteur droit avec flèche 16"/>
+          <p:cNvCxnSpPr>
+            <a:stCxn id="9" idx="5"/>
+            <a:endCxn id="10" idx="2"/>
+          </p:cNvCxnSpPr>
+          <p:nvPr/>
+        </p:nvCxnSpPr>
+        <p:spPr>
+          <a:xfrm>
+            <a:off x="6202439" y="2700680"/>
+            <a:ext cx="904552" cy="827058"/>
+          </a:xfrm>
+          <a:prstGeom prst="straightConnector1">
+            <a:avLst/>
+          </a:prstGeom>
+          <a:ln>
+            <a:tailEnd type="triangle"/>
+          </a:ln>
+        </p:spPr>
+        <p:style>
+          <a:lnRef idx="3">
+            <a:schemeClr val="accent1"/>
+          </a:lnRef>
+          <a:fillRef idx="0">
+            <a:schemeClr val="accent1"/>
+          </a:fillRef>
+          <a:effectRef idx="2">
+            <a:schemeClr val="accent1"/>
+          </a:effectRef>
+          <a:fontRef idx="minor">
+            <a:schemeClr val="tx1"/>
+          </a:fontRef>
+        </p:style>
+      </p:cxnSp>
+      <p:cxnSp>
+        <p:nvCxnSpPr>
+          <p:cNvPr id="21" name="Connecteur droit avec flèche 20"/>
+          <p:cNvCxnSpPr>
+            <a:stCxn id="10" idx="1"/>
+            <a:endCxn id="9" idx="6"/>
+          </p:cNvCxnSpPr>
+          <p:nvPr/>
+        </p:nvCxnSpPr>
+        <p:spPr>
+          <a:xfrm flipH="1" flipV="1">
+            <a:off x="6413679" y="2318197"/>
+            <a:ext cx="904552" cy="827058"/>
+          </a:xfrm>
+          <a:prstGeom prst="straightConnector1">
+            <a:avLst/>
+          </a:prstGeom>
+          <a:ln>
+            <a:tailEnd type="triangle"/>
+          </a:ln>
+        </p:spPr>
+        <p:style>
+          <a:lnRef idx="3">
+            <a:schemeClr val="accent1"/>
+          </a:lnRef>
+          <a:fillRef idx="0">
+            <a:schemeClr val="accent1"/>
+          </a:fillRef>
+          <a:effectRef idx="2">
+            <a:schemeClr val="accent1"/>
+          </a:effectRef>
+          <a:fontRef idx="minor">
+            <a:schemeClr val="tx1"/>
+          </a:fontRef>
+        </p:style>
+      </p:cxnSp>
+      <p:cxnSp>
+        <p:nvCxnSpPr>
+          <p:cNvPr id="24" name="Connecteur droit avec flèche 23"/>
+          <p:cNvCxnSpPr>
+            <a:stCxn id="10" idx="3"/>
+            <a:endCxn id="11" idx="7"/>
+          </p:cNvCxnSpPr>
+          <p:nvPr/>
+        </p:nvCxnSpPr>
+        <p:spPr>
+          <a:xfrm flipH="1">
+            <a:off x="6987019" y="3910221"/>
+            <a:ext cx="331212" cy="444574"/>
+          </a:xfrm>
+          <a:prstGeom prst="straightConnector1">
+            <a:avLst/>
+          </a:prstGeom>
+          <a:ln>
+            <a:tailEnd type="triangle"/>
+          </a:ln>
+        </p:spPr>
+        <p:style>
+          <a:lnRef idx="3">
+            <a:schemeClr val="accent1"/>
+          </a:lnRef>
+          <a:fillRef idx="0">
+            <a:schemeClr val="accent1"/>
+          </a:fillRef>
+          <a:effectRef idx="2">
+            <a:schemeClr val="accent1"/>
+          </a:effectRef>
+          <a:fontRef idx="minor">
+            <a:schemeClr val="tx1"/>
+          </a:fontRef>
+        </p:style>
+      </p:cxnSp>
+      <p:cxnSp>
+        <p:nvCxnSpPr>
+          <p:cNvPr id="27" name="Connecteur droit avec flèche 26"/>
+          <p:cNvCxnSpPr>
+            <a:stCxn id="11" idx="6"/>
+          </p:cNvCxnSpPr>
+          <p:nvPr/>
+        </p:nvCxnSpPr>
+        <p:spPr>
+          <a:xfrm flipV="1">
+            <a:off x="7198259" y="4132508"/>
+            <a:ext cx="420594" cy="604770"/>
+          </a:xfrm>
+          <a:prstGeom prst="straightConnector1">
+            <a:avLst/>
+          </a:prstGeom>
+          <a:ln>
+            <a:tailEnd type="triangle"/>
+          </a:ln>
+        </p:spPr>
+        <p:style>
+          <a:lnRef idx="3">
+            <a:schemeClr val="accent1"/>
+          </a:lnRef>
+          <a:fillRef idx="0">
+            <a:schemeClr val="accent1"/>
+          </a:fillRef>
+          <a:effectRef idx="2">
+            <a:schemeClr val="accent1"/>
+          </a:effectRef>
+          <a:fontRef idx="minor">
+            <a:schemeClr val="tx1"/>
+          </a:fontRef>
+        </p:style>
+      </p:cxnSp>
+      <p:cxnSp>
+        <p:nvCxnSpPr>
+          <p:cNvPr id="31" name="Connecteur droit avec flèche 30"/>
+          <p:cNvCxnSpPr/>
+          <p:nvPr/>
+        </p:nvCxnSpPr>
+        <p:spPr>
+          <a:xfrm flipH="1">
+            <a:off x="5375667" y="3846364"/>
+            <a:ext cx="331212" cy="444574"/>
+          </a:xfrm>
+          <a:prstGeom prst="straightConnector1">
+            <a:avLst/>
+          </a:prstGeom>
+          <a:ln>
+            <a:tailEnd type="triangle"/>
+          </a:ln>
+        </p:spPr>
+        <p:style>
+          <a:lnRef idx="3">
+            <a:schemeClr val="accent1"/>
+          </a:lnRef>
+          <a:fillRef idx="0">
+            <a:schemeClr val="accent1"/>
+          </a:fillRef>
+          <a:effectRef idx="2">
+            <a:schemeClr val="accent1"/>
+          </a:effectRef>
+          <a:fontRef idx="minor">
+            <a:schemeClr val="tx1"/>
+          </a:fontRef>
+        </p:style>
+      </p:cxnSp>
+    </p:spTree>
+    <p:extLst>
+      <p:ext uri="{BB962C8B-B14F-4D97-AF65-F5344CB8AC3E}">
+        <p14:creationId xmlns:p14="http://schemas.microsoft.com/office/powerpoint/2010/main" val="2836795985"/>
+      </p:ext>
+    </p:extLst>
+  </p:cSld>
+  <p:clrMapOvr>
+    <a:masterClrMapping/>
+  </p:clrMapOvr>
+  <p:timing>
+    <p:tnLst>
+      <p:par>
+        <p:cTn id="1" dur="indefinite" restart="never" nodeType="tmRoot"/>
+      </p:par>
+    </p:tnLst>
+  </p:timing>
+</p:sld>
+</file>
+
+<file path=ppt/slides/slide7.xml><?xml version="1.0" encoding="utf-8"?>
+<p:sld xmlns:a="http://schemas.openxmlformats.org/drawingml/2006/main" xmlns:r="http://schemas.openxmlformats.org/officeDocument/2006/relationships" xmlns:p="http://schemas.openxmlformats.org/presentationml/2006/main">
+  <p:cSld>
+    <p:spTree>
+      <p:nvGrpSpPr>
+        <p:cNvPr id="1" name=""/>
+        <p:cNvGrpSpPr/>
+        <p:nvPr/>
+      </p:nvGrpSpPr>
+      <p:grpSpPr>
+        <a:xfrm>
+          <a:off x="0" y="0"/>
+          <a:ext cx="0" cy="0"/>
+          <a:chOff x="0" y="0"/>
+          <a:chExt cx="0" cy="0"/>
+        </a:xfrm>
+      </p:grpSpPr>
+      <p:sp>
+        <p:nvSpPr>
+          <p:cNvPr id="5" name="ZoneTexte 4"/>
+          <p:cNvSpPr txBox="1"/>
+          <p:nvPr/>
+        </p:nvSpPr>
+        <p:spPr>
+          <a:xfrm>
+            <a:off x="913795" y="1580050"/>
+            <a:ext cx="10353762" cy="4893647"/>
+          </a:xfrm>
+          <a:prstGeom prst="rect">
+            <a:avLst/>
+          </a:prstGeom>
+          <a:noFill/>
+        </p:spPr>
+        <p:txBody>
+          <a:bodyPr wrap="square" rtlCol="0">
+            <a:spAutoFit/>
+          </a:bodyPr>
+          <a:lstStyle/>
+          <a:p>
+            <a:pPr marL="285750" indent="-285750">
+              <a:buFont typeface="Arial" panose="020B0604020202020204" pitchFamily="34" charset="0"/>
+              <a:buChar char="•"/>
+            </a:pPr>
+            <a:r>
+              <a:rPr lang="fr-FR" sz="2400" dirty="0" smtClean="0"/>
+              <a:t>Membres du groupe</a:t>
+            </a:r>
+          </a:p>
+          <a:p>
+            <a:pPr marL="285750" indent="-285750">
+              <a:buFont typeface="Arial" panose="020B0604020202020204" pitchFamily="34" charset="0"/>
+              <a:buChar char="•"/>
+            </a:pPr>
+            <a:endParaRPr lang="fr-FR" sz="2400" dirty="0"/>
+          </a:p>
+          <a:p>
+            <a:pPr marL="285750" indent="-285750">
+              <a:buFont typeface="Arial" panose="020B0604020202020204" pitchFamily="34" charset="0"/>
+              <a:buChar char="•"/>
+            </a:pPr>
+            <a:r>
+              <a:rPr lang="fr-FR" sz="2400" dirty="0" smtClean="0"/>
+              <a:t>Algorithme</a:t>
+            </a:r>
+          </a:p>
+          <a:p>
+            <a:pPr marL="285750" indent="-285750">
+              <a:buFont typeface="Arial" panose="020B0604020202020204" pitchFamily="34" charset="0"/>
+              <a:buChar char="•"/>
+            </a:pPr>
+            <a:endParaRPr lang="fr-FR" sz="2400" dirty="0"/>
+          </a:p>
+          <a:p>
+            <a:pPr marL="285750" indent="-285750">
+              <a:buFont typeface="Arial" panose="020B0604020202020204" pitchFamily="34" charset="0"/>
+              <a:buChar char="•"/>
+            </a:pPr>
+            <a:r>
+              <a:rPr lang="fr-FR" sz="2400" dirty="0" smtClean="0">
+                <a:solidFill>
+                  <a:srgbClr val="FFC000"/>
+                </a:solidFill>
+              </a:rPr>
+              <a:t>Le Robot</a:t>
+            </a:r>
+            <a:endParaRPr lang="fr-FR" sz="2400" dirty="0">
+              <a:solidFill>
+                <a:srgbClr val="FFC000"/>
+              </a:solidFill>
+            </a:endParaRPr>
+          </a:p>
+          <a:p>
+            <a:pPr marL="285750" indent="-285750">
+              <a:buFont typeface="Arial" panose="020B0604020202020204" pitchFamily="34" charset="0"/>
+              <a:buChar char="•"/>
+            </a:pPr>
+            <a:endParaRPr lang="fr-FR" sz="2400" dirty="0" smtClean="0"/>
+          </a:p>
+          <a:p>
+            <a:pPr marL="285750" indent="-285750">
+              <a:buFont typeface="Arial" panose="020B0604020202020204" pitchFamily="34" charset="0"/>
+              <a:buChar char="•"/>
+            </a:pPr>
+            <a:r>
+              <a:rPr lang="fr-FR" sz="2400" dirty="0" smtClean="0"/>
+              <a:t>Odométrie</a:t>
+            </a:r>
+          </a:p>
+          <a:p>
+            <a:pPr marL="285750" indent="-285750">
+              <a:buFont typeface="Arial" panose="020B0604020202020204" pitchFamily="34" charset="0"/>
+              <a:buChar char="•"/>
+            </a:pPr>
+            <a:endParaRPr lang="fr-FR" sz="2400" dirty="0"/>
+          </a:p>
+          <a:p>
+            <a:pPr marL="285750" indent="-285750">
+              <a:buFont typeface="Arial" panose="020B0604020202020204" pitchFamily="34" charset="0"/>
+              <a:buChar char="•"/>
+            </a:pPr>
+            <a:r>
+              <a:rPr lang="fr-FR" sz="2400" dirty="0"/>
+              <a:t>Communication</a:t>
+            </a:r>
+          </a:p>
+          <a:p>
+            <a:endParaRPr lang="fr-FR" sz="2400" dirty="0"/>
+          </a:p>
+          <a:p>
+            <a:pPr marL="285750" indent="-285750">
+              <a:buFont typeface="Arial" panose="020B0604020202020204" pitchFamily="34" charset="0"/>
+              <a:buChar char="•"/>
+            </a:pPr>
+            <a:r>
+              <a:rPr lang="fr-FR" sz="2400" dirty="0"/>
+              <a:t>Client </a:t>
+            </a:r>
+            <a:r>
+              <a:rPr lang="fr-FR" sz="2400" dirty="0" smtClean="0"/>
+              <a:t>Web</a:t>
+            </a:r>
+          </a:p>
+          <a:p>
+            <a:pPr marL="285750" indent="-285750">
+              <a:buFont typeface="Arial" panose="020B0604020202020204" pitchFamily="34" charset="0"/>
+              <a:buChar char="•"/>
+            </a:pPr>
+            <a:endParaRPr lang="fr-FR" sz="2400" dirty="0"/>
+          </a:p>
+          <a:p>
+            <a:pPr marL="285750" indent="-285750">
+              <a:buFont typeface="Arial" panose="020B0604020202020204" pitchFamily="34" charset="0"/>
+              <a:buChar char="•"/>
+            </a:pPr>
+            <a:r>
+              <a:rPr lang="fr-FR" sz="2400" dirty="0" smtClean="0"/>
+              <a:t>Conclusion</a:t>
+            </a:r>
+          </a:p>
+        </p:txBody>
+      </p:sp>
+      <p:pic>
+        <p:nvPicPr>
+          <p:cNvPr id="6" name="Image 5"/>
+          <p:cNvPicPr>
+            <a:picLocks noChangeAspect="1"/>
+          </p:cNvPicPr>
+          <p:nvPr/>
+        </p:nvPicPr>
+        <p:blipFill>
+          <a:blip r:embed="rId2">
+            <a:extLst>
+              <a:ext uri="{28A0092B-C50C-407E-A947-70E740481C1C}">
+                <a14:useLocalDpi xmlns:a14="http://schemas.microsoft.com/office/drawing/2010/main" val="0"/>
+              </a:ext>
+            </a:extLst>
+          </a:blip>
+          <a:stretch>
+            <a:fillRect/>
+          </a:stretch>
+        </p:blipFill>
+        <p:spPr>
+          <a:xfrm>
+            <a:off x="5693081" y="1320428"/>
+            <a:ext cx="4824046" cy="4674229"/>
+          </a:xfrm>
+          <a:prstGeom prst="rect">
+            <a:avLst/>
+          </a:prstGeom>
+        </p:spPr>
+      </p:pic>
+    </p:spTree>
+    <p:extLst>
+      <p:ext uri="{BB962C8B-B14F-4D97-AF65-F5344CB8AC3E}">
+        <p14:creationId xmlns:p14="http://schemas.microsoft.com/office/powerpoint/2010/main" val="2982339658"/>
       </p:ext>
     </p:extLst>
   </p:cSld>

--- a/Gestion projet/Projet intégration robotique – IMERIR.pptx
+++ b/Gestion projet/Projet intégration robotique – IMERIR.pptx
@@ -15482,6 +15482,47 @@
           </a:prstGeom>
         </p:spPr>
       </p:pic>
+      <p:pic>
+        <p:nvPicPr>
+          <p:cNvPr id="1026" name="Picture 2" descr="http://gpsmontagne.fr/caprin/images/infos/IMERIR.png"/>
+          <p:cNvPicPr>
+            <a:picLocks noChangeAspect="1" noChangeArrowheads="1"/>
+          </p:cNvPicPr>
+          <p:nvPr/>
+        </p:nvPicPr>
+        <p:blipFill>
+          <a:blip r:embed="rId3">
+            <a:extLst>
+              <a:ext uri="{28A0092B-C50C-407E-A947-70E740481C1C}">
+                <a14:useLocalDpi xmlns:a14="http://schemas.microsoft.com/office/drawing/2010/main" val="0"/>
+              </a:ext>
+            </a:extLst>
+          </a:blip>
+          <a:srcRect/>
+          <a:stretch>
+            <a:fillRect/>
+          </a:stretch>
+        </p:blipFill>
+        <p:spPr bwMode="auto">
+          <a:xfrm>
+            <a:off x="155575" y="5494806"/>
+            <a:ext cx="1431925" cy="1363193"/>
+          </a:xfrm>
+          <a:prstGeom prst="rect">
+            <a:avLst/>
+          </a:prstGeom>
+          <a:noFill/>
+          <a:extLst>
+            <a:ext uri="{909E8E84-426E-40DD-AFC4-6F175D3DCCD1}">
+              <a14:hiddenFill xmlns:a14="http://schemas.microsoft.com/office/drawing/2010/main">
+                <a:solidFill>
+                  <a:srgbClr val="FFFFFF"/>
+                </a:solidFill>
+              </a14:hiddenFill>
+            </a:ext>
+          </a:extLst>
+        </p:spPr>
+      </p:pic>
     </p:spTree>
     <p:extLst>
       <p:ext uri="{BB962C8B-B14F-4D97-AF65-F5344CB8AC3E}">
@@ -15799,11 +15840,35 @@
           </a:p>
           <a:p>
             <a:pPr algn="l"/>
-            <a:r>
-              <a:rPr lang="fr-FR" sz="2000" dirty="0">
+            <a:endParaRPr lang="fr-FR" sz="2000" dirty="0">
+              <a:effectLst/>
+            </a:endParaRPr>
+          </a:p>
+          <a:p>
+            <a:pPr algn="l"/>
+            <a:endParaRPr lang="fr-FR" sz="2000" dirty="0">
+              <a:effectLst/>
+            </a:endParaRPr>
+          </a:p>
+          <a:p>
+            <a:pPr algn="l"/>
+            <a:endParaRPr lang="fr-FR" sz="2000" dirty="0">
+              <a:effectLst/>
+            </a:endParaRPr>
+          </a:p>
+          <a:p>
+            <a:pPr algn="l"/>
+            <a:r>
+              <a:rPr lang="fr-FR" sz="2000" dirty="0" smtClean="0">
                 <a:effectLst/>
               </a:rPr>
-              <a:t>	</a:t>
+              <a:t>Note: paramètres utile pour l’odométrie  </a:t>
+            </a:r>
+            <a:r>
+              <a:rPr lang="fr-FR" sz="2000" dirty="0" err="1" smtClean="0">
+                <a:effectLst/>
+              </a:rPr>
+              <a:t>diapo.13</a:t>
             </a:r>
             <a:endParaRPr lang="fr-FR" sz="2000" dirty="0" smtClean="0">
               <a:effectLst/>

--- a/Gestion projet/Projet intégration robotique – IMERIR.pptx
+++ b/Gestion projet/Projet intégration robotique – IMERIR.pptx
@@ -2992,1084 +2992,6 @@
       <dsp:cNvGrpSpPr/>
     </dsp:nvGrpSpPr>
     <dsp:grpSpPr/>
-    <dsp:sp modelId="{C690D0CD-7211-42BB-BA22-C909A7CA1954}">
-      <dsp:nvSpPr>
-        <dsp:cNvPr id="0" name=""/>
-        <dsp:cNvSpPr/>
-      </dsp:nvSpPr>
-      <dsp:spPr>
-        <a:xfrm>
-          <a:off x="5077836" y="1676507"/>
-          <a:ext cx="3984630" cy="592315"/>
-        </a:xfrm>
-        <a:custGeom>
-          <a:avLst/>
-          <a:gdLst/>
-          <a:ahLst/>
-          <a:cxnLst/>
-          <a:rect l="0" t="0" r="0" b="0"/>
-          <a:pathLst>
-            <a:path>
-              <a:moveTo>
-                <a:pt x="0" y="0"/>
-              </a:moveTo>
-              <a:lnTo>
-                <a:pt x="0" y="353111"/>
-              </a:lnTo>
-              <a:lnTo>
-                <a:pt x="3984630" y="353111"/>
-              </a:lnTo>
-              <a:lnTo>
-                <a:pt x="3984630" y="592315"/>
-              </a:lnTo>
-            </a:path>
-          </a:pathLst>
-        </a:custGeom>
-        <a:noFill/>
-        <a:ln w="9525" cap="rnd" cmpd="sng" algn="ctr">
-          <a:solidFill>
-            <a:schemeClr val="accent1">
-              <a:shade val="60000"/>
-              <a:hueOff val="0"/>
-              <a:satOff val="0"/>
-              <a:lumOff val="0"/>
-              <a:alphaOff val="0"/>
-            </a:schemeClr>
-          </a:solidFill>
-          <a:prstDash val="solid"/>
-        </a:ln>
-        <a:effectLst/>
-      </dsp:spPr>
-      <dsp:style>
-        <a:lnRef idx="1">
-          <a:scrgbClr r="0" g="0" b="0"/>
-        </a:lnRef>
-        <a:fillRef idx="0">
-          <a:scrgbClr r="0" g="0" b="0"/>
-        </a:fillRef>
-        <a:effectRef idx="0">
-          <a:scrgbClr r="0" g="0" b="0"/>
-        </a:effectRef>
-        <a:fontRef idx="minor"/>
-      </dsp:style>
-    </dsp:sp>
-    <dsp:sp modelId="{4A968BB4-BA07-4A5B-A53B-F2957ABC86FB}">
-      <dsp:nvSpPr>
-        <dsp:cNvPr id="0" name=""/>
-        <dsp:cNvSpPr/>
-      </dsp:nvSpPr>
-      <dsp:spPr>
-        <a:xfrm>
-          <a:off x="5077836" y="1676507"/>
-          <a:ext cx="1328210" cy="592315"/>
-        </a:xfrm>
-        <a:custGeom>
-          <a:avLst/>
-          <a:gdLst/>
-          <a:ahLst/>
-          <a:cxnLst/>
-          <a:rect l="0" t="0" r="0" b="0"/>
-          <a:pathLst>
-            <a:path>
-              <a:moveTo>
-                <a:pt x="0" y="0"/>
-              </a:moveTo>
-              <a:lnTo>
-                <a:pt x="0" y="353111"/>
-              </a:lnTo>
-              <a:lnTo>
-                <a:pt x="1328210" y="353111"/>
-              </a:lnTo>
-              <a:lnTo>
-                <a:pt x="1328210" y="592315"/>
-              </a:lnTo>
-            </a:path>
-          </a:pathLst>
-        </a:custGeom>
-        <a:noFill/>
-        <a:ln w="9525" cap="rnd" cmpd="sng" algn="ctr">
-          <a:solidFill>
-            <a:schemeClr val="accent1">
-              <a:shade val="60000"/>
-              <a:hueOff val="0"/>
-              <a:satOff val="0"/>
-              <a:lumOff val="0"/>
-              <a:alphaOff val="0"/>
-            </a:schemeClr>
-          </a:solidFill>
-          <a:prstDash val="solid"/>
-        </a:ln>
-        <a:effectLst/>
-      </dsp:spPr>
-      <dsp:style>
-        <a:lnRef idx="1">
-          <a:scrgbClr r="0" g="0" b="0"/>
-        </a:lnRef>
-        <a:fillRef idx="0">
-          <a:scrgbClr r="0" g="0" b="0"/>
-        </a:fillRef>
-        <a:effectRef idx="0">
-          <a:scrgbClr r="0" g="0" b="0"/>
-        </a:effectRef>
-        <a:fontRef idx="minor"/>
-      </dsp:style>
-    </dsp:sp>
-    <dsp:sp modelId="{31D35D76-771E-4FDE-BA75-EC484194EBC2}">
-      <dsp:nvSpPr>
-        <dsp:cNvPr id="0" name=""/>
-        <dsp:cNvSpPr/>
-      </dsp:nvSpPr>
-      <dsp:spPr>
-        <a:xfrm>
-          <a:off x="3749626" y="1676507"/>
-          <a:ext cx="1328210" cy="592315"/>
-        </a:xfrm>
-        <a:custGeom>
-          <a:avLst/>
-          <a:gdLst/>
-          <a:ahLst/>
-          <a:cxnLst/>
-          <a:rect l="0" t="0" r="0" b="0"/>
-          <a:pathLst>
-            <a:path>
-              <a:moveTo>
-                <a:pt x="1328210" y="0"/>
-              </a:moveTo>
-              <a:lnTo>
-                <a:pt x="1328210" y="353111"/>
-              </a:lnTo>
-              <a:lnTo>
-                <a:pt x="0" y="353111"/>
-              </a:lnTo>
-              <a:lnTo>
-                <a:pt x="0" y="592315"/>
-              </a:lnTo>
-            </a:path>
-          </a:pathLst>
-        </a:custGeom>
-        <a:noFill/>
-        <a:ln w="9525" cap="rnd" cmpd="sng" algn="ctr">
-          <a:solidFill>
-            <a:schemeClr val="accent1">
-              <a:shade val="60000"/>
-              <a:hueOff val="0"/>
-              <a:satOff val="0"/>
-              <a:lumOff val="0"/>
-              <a:alphaOff val="0"/>
-            </a:schemeClr>
-          </a:solidFill>
-          <a:prstDash val="solid"/>
-        </a:ln>
-        <a:effectLst/>
-      </dsp:spPr>
-      <dsp:style>
-        <a:lnRef idx="1">
-          <a:scrgbClr r="0" g="0" b="0"/>
-        </a:lnRef>
-        <a:fillRef idx="0">
-          <a:scrgbClr r="0" g="0" b="0"/>
-        </a:fillRef>
-        <a:effectRef idx="0">
-          <a:scrgbClr r="0" g="0" b="0"/>
-        </a:effectRef>
-        <a:fontRef idx="minor"/>
-      </dsp:style>
-    </dsp:sp>
-    <dsp:sp modelId="{095703D4-98CA-460D-B2F6-CA110B625919}">
-      <dsp:nvSpPr>
-        <dsp:cNvPr id="0" name=""/>
-        <dsp:cNvSpPr/>
-      </dsp:nvSpPr>
-      <dsp:spPr>
-        <a:xfrm>
-          <a:off x="1093206" y="1676507"/>
-          <a:ext cx="3984630" cy="592315"/>
-        </a:xfrm>
-        <a:custGeom>
-          <a:avLst/>
-          <a:gdLst/>
-          <a:ahLst/>
-          <a:cxnLst/>
-          <a:rect l="0" t="0" r="0" b="0"/>
-          <a:pathLst>
-            <a:path>
-              <a:moveTo>
-                <a:pt x="3984630" y="0"/>
-              </a:moveTo>
-              <a:lnTo>
-                <a:pt x="3984630" y="353111"/>
-              </a:lnTo>
-              <a:lnTo>
-                <a:pt x="0" y="353111"/>
-              </a:lnTo>
-              <a:lnTo>
-                <a:pt x="0" y="592315"/>
-              </a:lnTo>
-            </a:path>
-          </a:pathLst>
-        </a:custGeom>
-        <a:noFill/>
-        <a:ln w="9525" cap="rnd" cmpd="sng" algn="ctr">
-          <a:solidFill>
-            <a:schemeClr val="accent1">
-              <a:shade val="60000"/>
-              <a:hueOff val="0"/>
-              <a:satOff val="0"/>
-              <a:lumOff val="0"/>
-              <a:alphaOff val="0"/>
-            </a:schemeClr>
-          </a:solidFill>
-          <a:prstDash val="solid"/>
-        </a:ln>
-        <a:effectLst/>
-      </dsp:spPr>
-      <dsp:style>
-        <a:lnRef idx="1">
-          <a:scrgbClr r="0" g="0" b="0"/>
-        </a:lnRef>
-        <a:fillRef idx="0">
-          <a:scrgbClr r="0" g="0" b="0"/>
-        </a:fillRef>
-        <a:effectRef idx="0">
-          <a:scrgbClr r="0" g="0" b="0"/>
-        </a:effectRef>
-        <a:fontRef idx="minor"/>
-      </dsp:style>
-    </dsp:sp>
-    <dsp:sp modelId="{153DF482-9B63-4F22-A2E6-E0985D657AE7}">
-      <dsp:nvSpPr>
-        <dsp:cNvPr id="0" name=""/>
-        <dsp:cNvSpPr/>
-      </dsp:nvSpPr>
-      <dsp:spPr>
-        <a:xfrm>
-          <a:off x="4087831" y="651345"/>
-          <a:ext cx="1980010" cy="1025161"/>
-        </a:xfrm>
-        <a:prstGeom prst="rect">
-          <a:avLst/>
-        </a:prstGeom>
-        <a:gradFill rotWithShape="0">
-          <a:gsLst>
-            <a:gs pos="0">
-              <a:schemeClr val="accent1">
-                <a:hueOff val="0"/>
-                <a:satOff val="0"/>
-                <a:lumOff val="0"/>
-                <a:alphaOff val="0"/>
-                <a:tint val="96000"/>
-                <a:lumMod val="104000"/>
-              </a:schemeClr>
-            </a:gs>
-            <a:gs pos="100000">
-              <a:schemeClr val="accent1">
-                <a:hueOff val="0"/>
-                <a:satOff val="0"/>
-                <a:lumOff val="0"/>
-                <a:alphaOff val="0"/>
-                <a:shade val="90000"/>
-                <a:lumMod val="90000"/>
-              </a:schemeClr>
-            </a:gs>
-          </a:gsLst>
-          <a:lin ang="5400000" scaled="0"/>
-        </a:gradFill>
-        <a:ln>
-          <a:noFill/>
-        </a:ln>
-        <a:effectLst>
-          <a:outerShdw blurRad="63500" dist="25400" dir="5400000" rotWithShape="0">
-            <a:srgbClr val="000000">
-              <a:alpha val="60000"/>
-            </a:srgbClr>
-          </a:outerShdw>
-        </a:effectLst>
-      </dsp:spPr>
-      <dsp:style>
-        <a:lnRef idx="0">
-          <a:scrgbClr r="0" g="0" b="0"/>
-        </a:lnRef>
-        <a:fillRef idx="3">
-          <a:scrgbClr r="0" g="0" b="0"/>
-        </a:fillRef>
-        <a:effectRef idx="2">
-          <a:scrgbClr r="0" g="0" b="0"/>
-        </a:effectRef>
-        <a:fontRef idx="minor">
-          <a:schemeClr val="lt1"/>
-        </a:fontRef>
-      </dsp:style>
-      <dsp:txBody>
-        <a:bodyPr spcFirstLastPara="0" vert="horz" wrap="square" lIns="13970" tIns="13970" rIns="13970" bIns="144662" numCol="1" spcCol="1270" anchor="ctr" anchorCtr="0">
-          <a:noAutofit/>
-        </a:bodyPr>
-        <a:lstStyle/>
-        <a:p>
-          <a:pPr lvl="0" algn="ctr" defTabSz="977900">
-            <a:lnSpc>
-              <a:spcPct val="90000"/>
-            </a:lnSpc>
-            <a:spcBef>
-              <a:spcPct val="0"/>
-            </a:spcBef>
-            <a:spcAft>
-              <a:spcPct val="35000"/>
-            </a:spcAft>
-          </a:pPr>
-          <a:r>
-            <a:rPr lang="fr-FR" sz="2200" kern="1200"/>
-            <a:t>Chef de Projet</a:t>
-          </a:r>
-        </a:p>
-      </dsp:txBody>
-      <dsp:txXfrm>
-        <a:off x="4087831" y="651345"/>
-        <a:ext cx="1980010" cy="1025161"/>
-      </dsp:txXfrm>
-    </dsp:sp>
-    <dsp:sp modelId="{113EA813-3BA6-403B-BFBC-C6C029177D40}">
-      <dsp:nvSpPr>
-        <dsp:cNvPr id="0" name=""/>
-        <dsp:cNvSpPr/>
-      </dsp:nvSpPr>
-      <dsp:spPr>
-        <a:xfrm>
-          <a:off x="4483833" y="1448693"/>
-          <a:ext cx="1782009" cy="341720"/>
-        </a:xfrm>
-        <a:prstGeom prst="rect">
-          <a:avLst/>
-        </a:prstGeom>
-        <a:solidFill>
-          <a:schemeClr val="lt1">
-            <a:alpha val="90000"/>
-            <a:hueOff val="0"/>
-            <a:satOff val="0"/>
-            <a:lumOff val="0"/>
-            <a:alphaOff val="0"/>
-          </a:schemeClr>
-        </a:solidFill>
-        <a:ln w="9525" cap="rnd" cmpd="sng" algn="ctr">
-          <a:solidFill>
-            <a:schemeClr val="accent1">
-              <a:hueOff val="0"/>
-              <a:satOff val="0"/>
-              <a:lumOff val="0"/>
-              <a:alphaOff val="0"/>
-            </a:schemeClr>
-          </a:solidFill>
-          <a:prstDash val="solid"/>
-        </a:ln>
-        <a:effectLst/>
-      </dsp:spPr>
-      <dsp:style>
-        <a:lnRef idx="1">
-          <a:scrgbClr r="0" g="0" b="0"/>
-        </a:lnRef>
-        <a:fillRef idx="1">
-          <a:scrgbClr r="0" g="0" b="0"/>
-        </a:fillRef>
-        <a:effectRef idx="0">
-          <a:scrgbClr r="0" g="0" b="0"/>
-        </a:effectRef>
-        <a:fontRef idx="minor"/>
-      </dsp:style>
-      <dsp:txBody>
-        <a:bodyPr spcFirstLastPara="0" vert="horz" wrap="square" lIns="38100" tIns="9525" rIns="38100" bIns="9525" numCol="1" spcCol="1270" anchor="ctr" anchorCtr="0">
-          <a:noAutofit/>
-        </a:bodyPr>
-        <a:lstStyle/>
-        <a:p>
-          <a:pPr lvl="0" algn="r" defTabSz="666750">
-            <a:lnSpc>
-              <a:spcPct val="90000"/>
-            </a:lnSpc>
-            <a:spcBef>
-              <a:spcPct val="0"/>
-            </a:spcBef>
-            <a:spcAft>
-              <a:spcPct val="35000"/>
-            </a:spcAft>
-          </a:pPr>
-          <a:r>
-            <a:rPr lang="fr-FR" sz="1500" kern="1200" dirty="0"/>
-            <a:t>Cyril PY</a:t>
-          </a:r>
-        </a:p>
-      </dsp:txBody>
-      <dsp:txXfrm>
-        <a:off x="4483833" y="1448693"/>
-        <a:ext cx="1782009" cy="341720"/>
-      </dsp:txXfrm>
-    </dsp:sp>
-    <dsp:sp modelId="{5676D32F-1CE3-4176-81F2-A39E244B0416}">
-      <dsp:nvSpPr>
-        <dsp:cNvPr id="0" name=""/>
-        <dsp:cNvSpPr/>
-      </dsp:nvSpPr>
-      <dsp:spPr>
-        <a:xfrm>
-          <a:off x="103201" y="2268822"/>
-          <a:ext cx="1980010" cy="1025161"/>
-        </a:xfrm>
-        <a:prstGeom prst="rect">
-          <a:avLst/>
-        </a:prstGeom>
-        <a:gradFill rotWithShape="0">
-          <a:gsLst>
-            <a:gs pos="0">
-              <a:schemeClr val="accent1">
-                <a:hueOff val="0"/>
-                <a:satOff val="0"/>
-                <a:lumOff val="0"/>
-                <a:alphaOff val="0"/>
-                <a:tint val="96000"/>
-                <a:lumMod val="104000"/>
-              </a:schemeClr>
-            </a:gs>
-            <a:gs pos="100000">
-              <a:schemeClr val="accent1">
-                <a:hueOff val="0"/>
-                <a:satOff val="0"/>
-                <a:lumOff val="0"/>
-                <a:alphaOff val="0"/>
-                <a:shade val="90000"/>
-                <a:lumMod val="90000"/>
-              </a:schemeClr>
-            </a:gs>
-          </a:gsLst>
-          <a:lin ang="5400000" scaled="0"/>
-        </a:gradFill>
-        <a:ln>
-          <a:noFill/>
-        </a:ln>
-        <a:effectLst>
-          <a:outerShdw blurRad="63500" dist="25400" dir="5400000" rotWithShape="0">
-            <a:srgbClr val="000000">
-              <a:alpha val="60000"/>
-            </a:srgbClr>
-          </a:outerShdw>
-        </a:effectLst>
-      </dsp:spPr>
-      <dsp:style>
-        <a:lnRef idx="0">
-          <a:scrgbClr r="0" g="0" b="0"/>
-        </a:lnRef>
-        <a:fillRef idx="3">
-          <a:scrgbClr r="0" g="0" b="0"/>
-        </a:fillRef>
-        <a:effectRef idx="2">
-          <a:scrgbClr r="0" g="0" b="0"/>
-        </a:effectRef>
-        <a:fontRef idx="minor">
-          <a:schemeClr val="lt1"/>
-        </a:fontRef>
-      </dsp:style>
-      <dsp:txBody>
-        <a:bodyPr spcFirstLastPara="0" vert="horz" wrap="square" lIns="13970" tIns="13970" rIns="13970" bIns="144662" numCol="1" spcCol="1270" anchor="ctr" anchorCtr="0">
-          <a:noAutofit/>
-        </a:bodyPr>
-        <a:lstStyle/>
-        <a:p>
-          <a:pPr lvl="0" algn="ctr" defTabSz="977900">
-            <a:lnSpc>
-              <a:spcPct val="90000"/>
-            </a:lnSpc>
-            <a:spcBef>
-              <a:spcPct val="0"/>
-            </a:spcBef>
-            <a:spcAft>
-              <a:spcPct val="35000"/>
-            </a:spcAft>
-          </a:pPr>
-          <a:r>
-            <a:rPr lang="fr-FR" sz="2200" kern="1200" dirty="0" smtClean="0"/>
-            <a:t>Odométrie</a:t>
-          </a:r>
-          <a:endParaRPr lang="fr-FR" sz="2200" kern="1200" dirty="0"/>
-        </a:p>
-      </dsp:txBody>
-      <dsp:txXfrm>
-        <a:off x="103201" y="2268822"/>
-        <a:ext cx="1980010" cy="1025161"/>
-      </dsp:txXfrm>
-    </dsp:sp>
-    <dsp:sp modelId="{809562EB-4A18-496D-99D9-E0B60B4EAEA5}">
-      <dsp:nvSpPr>
-        <dsp:cNvPr id="0" name=""/>
-        <dsp:cNvSpPr/>
-      </dsp:nvSpPr>
-      <dsp:spPr>
-        <a:xfrm>
-          <a:off x="578787" y="3066170"/>
-          <a:ext cx="1782009" cy="341720"/>
-        </a:xfrm>
-        <a:prstGeom prst="rect">
-          <a:avLst/>
-        </a:prstGeom>
-        <a:solidFill>
-          <a:schemeClr val="lt1">
-            <a:alpha val="90000"/>
-            <a:hueOff val="0"/>
-            <a:satOff val="0"/>
-            <a:lumOff val="0"/>
-            <a:alphaOff val="0"/>
-          </a:schemeClr>
-        </a:solidFill>
-        <a:ln w="9525" cap="rnd" cmpd="sng" algn="ctr">
-          <a:solidFill>
-            <a:schemeClr val="accent1">
-              <a:hueOff val="0"/>
-              <a:satOff val="0"/>
-              <a:lumOff val="0"/>
-              <a:alphaOff val="0"/>
-            </a:schemeClr>
-          </a:solidFill>
-          <a:prstDash val="solid"/>
-        </a:ln>
-        <a:effectLst/>
-      </dsp:spPr>
-      <dsp:style>
-        <a:lnRef idx="1">
-          <a:scrgbClr r="0" g="0" b="0"/>
-        </a:lnRef>
-        <a:fillRef idx="1">
-          <a:scrgbClr r="0" g="0" b="0"/>
-        </a:fillRef>
-        <a:effectRef idx="0">
-          <a:scrgbClr r="0" g="0" b="0"/>
-        </a:effectRef>
-        <a:fontRef idx="minor"/>
-      </dsp:style>
-      <dsp:txBody>
-        <a:bodyPr spcFirstLastPara="0" vert="horz" wrap="square" lIns="38100" tIns="9525" rIns="38100" bIns="9525" numCol="1" spcCol="1270" anchor="ctr" anchorCtr="0">
-          <a:noAutofit/>
-        </a:bodyPr>
-        <a:lstStyle/>
-        <a:p>
-          <a:pPr lvl="0" algn="r" defTabSz="666750">
-            <a:lnSpc>
-              <a:spcPct val="90000"/>
-            </a:lnSpc>
-            <a:spcBef>
-              <a:spcPct val="0"/>
-            </a:spcBef>
-            <a:spcAft>
-              <a:spcPct val="35000"/>
-            </a:spcAft>
-          </a:pPr>
-          <a:r>
-            <a:rPr lang="fr-FR" sz="1500" kern="1200" dirty="0"/>
-            <a:t>Thomas PRAK</a:t>
-          </a:r>
-        </a:p>
-      </dsp:txBody>
-      <dsp:txXfrm>
-        <a:off x="578787" y="3066170"/>
-        <a:ext cx="1782009" cy="341720"/>
-      </dsp:txXfrm>
-    </dsp:sp>
-    <dsp:sp modelId="{F522147D-7926-4BE8-A844-0FB48C50D80C}">
-      <dsp:nvSpPr>
-        <dsp:cNvPr id="0" name=""/>
-        <dsp:cNvSpPr/>
-      </dsp:nvSpPr>
-      <dsp:spPr>
-        <a:xfrm>
-          <a:off x="2759621" y="2268822"/>
-          <a:ext cx="1980010" cy="1025161"/>
-        </a:xfrm>
-        <a:prstGeom prst="rect">
-          <a:avLst/>
-        </a:prstGeom>
-        <a:gradFill rotWithShape="0">
-          <a:gsLst>
-            <a:gs pos="0">
-              <a:schemeClr val="accent1">
-                <a:hueOff val="0"/>
-                <a:satOff val="0"/>
-                <a:lumOff val="0"/>
-                <a:alphaOff val="0"/>
-                <a:tint val="96000"/>
-                <a:lumMod val="104000"/>
-              </a:schemeClr>
-            </a:gs>
-            <a:gs pos="100000">
-              <a:schemeClr val="accent1">
-                <a:hueOff val="0"/>
-                <a:satOff val="0"/>
-                <a:lumOff val="0"/>
-                <a:alphaOff val="0"/>
-                <a:shade val="90000"/>
-                <a:lumMod val="90000"/>
-              </a:schemeClr>
-            </a:gs>
-          </a:gsLst>
-          <a:lin ang="5400000" scaled="0"/>
-        </a:gradFill>
-        <a:ln>
-          <a:noFill/>
-        </a:ln>
-        <a:effectLst>
-          <a:outerShdw blurRad="63500" dist="25400" dir="5400000" rotWithShape="0">
-            <a:srgbClr val="000000">
-              <a:alpha val="60000"/>
-            </a:srgbClr>
-          </a:outerShdw>
-        </a:effectLst>
-      </dsp:spPr>
-      <dsp:style>
-        <a:lnRef idx="0">
-          <a:scrgbClr r="0" g="0" b="0"/>
-        </a:lnRef>
-        <a:fillRef idx="3">
-          <a:scrgbClr r="0" g="0" b="0"/>
-        </a:fillRef>
-        <a:effectRef idx="2">
-          <a:scrgbClr r="0" g="0" b="0"/>
-        </a:effectRef>
-        <a:fontRef idx="minor">
-          <a:schemeClr val="lt1"/>
-        </a:fontRef>
-      </dsp:style>
-      <dsp:txBody>
-        <a:bodyPr spcFirstLastPara="0" vert="horz" wrap="square" lIns="13970" tIns="13970" rIns="13970" bIns="144662" numCol="1" spcCol="1270" anchor="ctr" anchorCtr="0">
-          <a:noAutofit/>
-        </a:bodyPr>
-        <a:lstStyle/>
-        <a:p>
-          <a:pPr lvl="0" algn="ctr" defTabSz="977900">
-            <a:lnSpc>
-              <a:spcPct val="90000"/>
-            </a:lnSpc>
-            <a:spcBef>
-              <a:spcPct val="0"/>
-            </a:spcBef>
-            <a:spcAft>
-              <a:spcPct val="35000"/>
-            </a:spcAft>
-          </a:pPr>
-          <a:r>
-            <a:rPr lang="fr-FR" sz="2200" kern="1200" dirty="0" smtClean="0"/>
-            <a:t>Client Web</a:t>
-          </a:r>
-          <a:endParaRPr lang="fr-FR" sz="2200" kern="1200" dirty="0"/>
-        </a:p>
-      </dsp:txBody>
-      <dsp:txXfrm>
-        <a:off x="2759621" y="2268822"/>
-        <a:ext cx="1980010" cy="1025161"/>
-      </dsp:txXfrm>
-    </dsp:sp>
-    <dsp:sp modelId="{BDDE5DF6-64AC-499B-A204-5D73CD5189A5}">
-      <dsp:nvSpPr>
-        <dsp:cNvPr id="0" name=""/>
-        <dsp:cNvSpPr/>
-      </dsp:nvSpPr>
-      <dsp:spPr>
-        <a:xfrm>
-          <a:off x="3155623" y="3066170"/>
-          <a:ext cx="1782009" cy="341720"/>
-        </a:xfrm>
-        <a:prstGeom prst="rect">
-          <a:avLst/>
-        </a:prstGeom>
-        <a:solidFill>
-          <a:schemeClr val="lt1">
-            <a:alpha val="90000"/>
-            <a:hueOff val="0"/>
-            <a:satOff val="0"/>
-            <a:lumOff val="0"/>
-            <a:alphaOff val="0"/>
-          </a:schemeClr>
-        </a:solidFill>
-        <a:ln w="9525" cap="rnd" cmpd="sng" algn="ctr">
-          <a:solidFill>
-            <a:schemeClr val="accent1">
-              <a:hueOff val="0"/>
-              <a:satOff val="0"/>
-              <a:lumOff val="0"/>
-              <a:alphaOff val="0"/>
-            </a:schemeClr>
-          </a:solidFill>
-          <a:prstDash val="solid"/>
-        </a:ln>
-        <a:effectLst/>
-      </dsp:spPr>
-      <dsp:style>
-        <a:lnRef idx="1">
-          <a:scrgbClr r="0" g="0" b="0"/>
-        </a:lnRef>
-        <a:fillRef idx="1">
-          <a:scrgbClr r="0" g="0" b="0"/>
-        </a:fillRef>
-        <a:effectRef idx="0">
-          <a:scrgbClr r="0" g="0" b="0"/>
-        </a:effectRef>
-        <a:fontRef idx="minor"/>
-      </dsp:style>
-      <dsp:txBody>
-        <a:bodyPr spcFirstLastPara="0" vert="horz" wrap="square" lIns="38100" tIns="9525" rIns="38100" bIns="9525" numCol="1" spcCol="1270" anchor="ctr" anchorCtr="0">
-          <a:noAutofit/>
-        </a:bodyPr>
-        <a:lstStyle/>
-        <a:p>
-          <a:pPr lvl="0" algn="r" defTabSz="666750">
-            <a:lnSpc>
-              <a:spcPct val="90000"/>
-            </a:lnSpc>
-            <a:spcBef>
-              <a:spcPct val="0"/>
-            </a:spcBef>
-            <a:spcAft>
-              <a:spcPct val="35000"/>
-            </a:spcAft>
-          </a:pPr>
-          <a:r>
-            <a:rPr lang="fr-FR" sz="1500" kern="1200" dirty="0"/>
-            <a:t>Justine SABBATIER</a:t>
-          </a:r>
-        </a:p>
-      </dsp:txBody>
-      <dsp:txXfrm>
-        <a:off x="3155623" y="3066170"/>
-        <a:ext cx="1782009" cy="341720"/>
-      </dsp:txXfrm>
-    </dsp:sp>
-    <dsp:sp modelId="{5662567F-F7A3-40C3-B265-EF28650FB1CC}">
-      <dsp:nvSpPr>
-        <dsp:cNvPr id="0" name=""/>
-        <dsp:cNvSpPr/>
-      </dsp:nvSpPr>
-      <dsp:spPr>
-        <a:xfrm>
-          <a:off x="5416041" y="2268822"/>
-          <a:ext cx="1980010" cy="1025161"/>
-        </a:xfrm>
-        <a:prstGeom prst="rect">
-          <a:avLst/>
-        </a:prstGeom>
-        <a:gradFill rotWithShape="0">
-          <a:gsLst>
-            <a:gs pos="0">
-              <a:schemeClr val="accent1">
-                <a:hueOff val="0"/>
-                <a:satOff val="0"/>
-                <a:lumOff val="0"/>
-                <a:alphaOff val="0"/>
-                <a:tint val="96000"/>
-                <a:lumMod val="104000"/>
-              </a:schemeClr>
-            </a:gs>
-            <a:gs pos="100000">
-              <a:schemeClr val="accent1">
-                <a:hueOff val="0"/>
-                <a:satOff val="0"/>
-                <a:lumOff val="0"/>
-                <a:alphaOff val="0"/>
-                <a:shade val="90000"/>
-                <a:lumMod val="90000"/>
-              </a:schemeClr>
-            </a:gs>
-          </a:gsLst>
-          <a:lin ang="5400000" scaled="0"/>
-        </a:gradFill>
-        <a:ln>
-          <a:noFill/>
-        </a:ln>
-        <a:effectLst>
-          <a:outerShdw blurRad="63500" dist="25400" dir="5400000" rotWithShape="0">
-            <a:srgbClr val="000000">
-              <a:alpha val="60000"/>
-            </a:srgbClr>
-          </a:outerShdw>
-        </a:effectLst>
-      </dsp:spPr>
-      <dsp:style>
-        <a:lnRef idx="0">
-          <a:scrgbClr r="0" g="0" b="0"/>
-        </a:lnRef>
-        <a:fillRef idx="3">
-          <a:scrgbClr r="0" g="0" b="0"/>
-        </a:fillRef>
-        <a:effectRef idx="2">
-          <a:scrgbClr r="0" g="0" b="0"/>
-        </a:effectRef>
-        <a:fontRef idx="minor">
-          <a:schemeClr val="lt1"/>
-        </a:fontRef>
-      </dsp:style>
-      <dsp:txBody>
-        <a:bodyPr spcFirstLastPara="0" vert="horz" wrap="square" lIns="13970" tIns="13970" rIns="13970" bIns="144662" numCol="1" spcCol="1270" anchor="ctr" anchorCtr="0">
-          <a:noAutofit/>
-        </a:bodyPr>
-        <a:lstStyle/>
-        <a:p>
-          <a:pPr lvl="0" algn="ctr" defTabSz="977900">
-            <a:lnSpc>
-              <a:spcPct val="90000"/>
-            </a:lnSpc>
-            <a:spcBef>
-              <a:spcPct val="0"/>
-            </a:spcBef>
-            <a:spcAft>
-              <a:spcPct val="35000"/>
-            </a:spcAft>
-          </a:pPr>
-          <a:r>
-            <a:rPr lang="fr-FR" sz="2200" kern="1200" dirty="0" smtClean="0"/>
-            <a:t>Algorithme</a:t>
-          </a:r>
-          <a:endParaRPr lang="fr-FR" sz="2200" kern="1200" dirty="0"/>
-        </a:p>
-      </dsp:txBody>
-      <dsp:txXfrm>
-        <a:off x="5416041" y="2268822"/>
-        <a:ext cx="1980010" cy="1025161"/>
-      </dsp:txXfrm>
-    </dsp:sp>
-    <dsp:sp modelId="{0E9E0690-608D-4BF4-8CCF-3E5EC47EB681}">
-      <dsp:nvSpPr>
-        <dsp:cNvPr id="0" name=""/>
-        <dsp:cNvSpPr/>
-      </dsp:nvSpPr>
-      <dsp:spPr>
-        <a:xfrm>
-          <a:off x="5812044" y="3066170"/>
-          <a:ext cx="1782009" cy="341720"/>
-        </a:xfrm>
-        <a:prstGeom prst="rect">
-          <a:avLst/>
-        </a:prstGeom>
-        <a:solidFill>
-          <a:schemeClr val="lt1">
-            <a:alpha val="90000"/>
-            <a:hueOff val="0"/>
-            <a:satOff val="0"/>
-            <a:lumOff val="0"/>
-            <a:alphaOff val="0"/>
-          </a:schemeClr>
-        </a:solidFill>
-        <a:ln w="9525" cap="rnd" cmpd="sng" algn="ctr">
-          <a:solidFill>
-            <a:schemeClr val="accent1">
-              <a:hueOff val="0"/>
-              <a:satOff val="0"/>
-              <a:lumOff val="0"/>
-              <a:alphaOff val="0"/>
-            </a:schemeClr>
-          </a:solidFill>
-          <a:prstDash val="solid"/>
-        </a:ln>
-        <a:effectLst/>
-      </dsp:spPr>
-      <dsp:style>
-        <a:lnRef idx="1">
-          <a:scrgbClr r="0" g="0" b="0"/>
-        </a:lnRef>
-        <a:fillRef idx="1">
-          <a:scrgbClr r="0" g="0" b="0"/>
-        </a:fillRef>
-        <a:effectRef idx="0">
-          <a:scrgbClr r="0" g="0" b="0"/>
-        </a:effectRef>
-        <a:fontRef idx="minor"/>
-      </dsp:style>
-      <dsp:txBody>
-        <a:bodyPr spcFirstLastPara="0" vert="horz" wrap="square" lIns="38100" tIns="9525" rIns="38100" bIns="9525" numCol="1" spcCol="1270" anchor="ctr" anchorCtr="0">
-          <a:noAutofit/>
-        </a:bodyPr>
-        <a:lstStyle/>
-        <a:p>
-          <a:pPr lvl="0" algn="r" defTabSz="666750">
-            <a:lnSpc>
-              <a:spcPct val="90000"/>
-            </a:lnSpc>
-            <a:spcBef>
-              <a:spcPct val="0"/>
-            </a:spcBef>
-            <a:spcAft>
-              <a:spcPct val="35000"/>
-            </a:spcAft>
-          </a:pPr>
-          <a:r>
-            <a:rPr lang="fr-FR" sz="1500" kern="1200"/>
-            <a:t>Mathias DA COSTA</a:t>
-          </a:r>
-        </a:p>
-      </dsp:txBody>
-      <dsp:txXfrm>
-        <a:off x="5812044" y="3066170"/>
-        <a:ext cx="1782009" cy="341720"/>
-      </dsp:txXfrm>
-    </dsp:sp>
-    <dsp:sp modelId="{96FA1259-64E4-404F-B34D-D3DE19F6B678}">
-      <dsp:nvSpPr>
-        <dsp:cNvPr id="0" name=""/>
-        <dsp:cNvSpPr/>
-      </dsp:nvSpPr>
-      <dsp:spPr>
-        <a:xfrm>
-          <a:off x="8072462" y="2268822"/>
-          <a:ext cx="1980010" cy="1025161"/>
-        </a:xfrm>
-        <a:prstGeom prst="rect">
-          <a:avLst/>
-        </a:prstGeom>
-        <a:gradFill rotWithShape="0">
-          <a:gsLst>
-            <a:gs pos="0">
-              <a:schemeClr val="accent1">
-                <a:hueOff val="0"/>
-                <a:satOff val="0"/>
-                <a:lumOff val="0"/>
-                <a:alphaOff val="0"/>
-                <a:tint val="96000"/>
-                <a:lumMod val="104000"/>
-              </a:schemeClr>
-            </a:gs>
-            <a:gs pos="100000">
-              <a:schemeClr val="accent1">
-                <a:hueOff val="0"/>
-                <a:satOff val="0"/>
-                <a:lumOff val="0"/>
-                <a:alphaOff val="0"/>
-                <a:shade val="90000"/>
-                <a:lumMod val="90000"/>
-              </a:schemeClr>
-            </a:gs>
-          </a:gsLst>
-          <a:lin ang="5400000" scaled="0"/>
-        </a:gradFill>
-        <a:ln>
-          <a:noFill/>
-        </a:ln>
-        <a:effectLst>
-          <a:outerShdw blurRad="63500" dist="25400" dir="5400000" rotWithShape="0">
-            <a:srgbClr val="000000">
-              <a:alpha val="60000"/>
-            </a:srgbClr>
-          </a:outerShdw>
-        </a:effectLst>
-      </dsp:spPr>
-      <dsp:style>
-        <a:lnRef idx="0">
-          <a:scrgbClr r="0" g="0" b="0"/>
-        </a:lnRef>
-        <a:fillRef idx="3">
-          <a:scrgbClr r="0" g="0" b="0"/>
-        </a:fillRef>
-        <a:effectRef idx="2">
-          <a:scrgbClr r="0" g="0" b="0"/>
-        </a:effectRef>
-        <a:fontRef idx="minor">
-          <a:schemeClr val="lt1"/>
-        </a:fontRef>
-      </dsp:style>
-      <dsp:txBody>
-        <a:bodyPr spcFirstLastPara="0" vert="horz" wrap="square" lIns="13970" tIns="13970" rIns="13970" bIns="144662" numCol="1" spcCol="1270" anchor="ctr" anchorCtr="0">
-          <a:noAutofit/>
-        </a:bodyPr>
-        <a:lstStyle/>
-        <a:p>
-          <a:pPr lvl="0" algn="ctr" defTabSz="977900">
-            <a:lnSpc>
-              <a:spcPct val="90000"/>
-            </a:lnSpc>
-            <a:spcBef>
-              <a:spcPct val="0"/>
-            </a:spcBef>
-            <a:spcAft>
-              <a:spcPct val="35000"/>
-            </a:spcAft>
-          </a:pPr>
-          <a:r>
-            <a:rPr lang="fr-FR" sz="2200" kern="1200" dirty="0" smtClean="0"/>
-            <a:t>Communication</a:t>
-          </a:r>
-          <a:endParaRPr lang="fr-FR" sz="2200" kern="1200" dirty="0"/>
-        </a:p>
-      </dsp:txBody>
-      <dsp:txXfrm>
-        <a:off x="8072462" y="2268822"/>
-        <a:ext cx="1980010" cy="1025161"/>
-      </dsp:txXfrm>
-    </dsp:sp>
-    <dsp:sp modelId="{A8EA838F-3B0C-4F99-BFF0-CFB047931BD1}">
-      <dsp:nvSpPr>
-        <dsp:cNvPr id="0" name=""/>
-        <dsp:cNvSpPr/>
-      </dsp:nvSpPr>
-      <dsp:spPr>
-        <a:xfrm>
-          <a:off x="8468464" y="3066170"/>
-          <a:ext cx="1782009" cy="341720"/>
-        </a:xfrm>
-        <a:prstGeom prst="rect">
-          <a:avLst/>
-        </a:prstGeom>
-        <a:solidFill>
-          <a:schemeClr val="lt1">
-            <a:alpha val="90000"/>
-            <a:hueOff val="0"/>
-            <a:satOff val="0"/>
-            <a:lumOff val="0"/>
-            <a:alphaOff val="0"/>
-          </a:schemeClr>
-        </a:solidFill>
-        <a:ln w="9525" cap="rnd" cmpd="sng" algn="ctr">
-          <a:solidFill>
-            <a:schemeClr val="accent1">
-              <a:hueOff val="0"/>
-              <a:satOff val="0"/>
-              <a:lumOff val="0"/>
-              <a:alphaOff val="0"/>
-            </a:schemeClr>
-          </a:solidFill>
-          <a:prstDash val="solid"/>
-        </a:ln>
-        <a:effectLst/>
-      </dsp:spPr>
-      <dsp:style>
-        <a:lnRef idx="1">
-          <a:scrgbClr r="0" g="0" b="0"/>
-        </a:lnRef>
-        <a:fillRef idx="1">
-          <a:scrgbClr r="0" g="0" b="0"/>
-        </a:fillRef>
-        <a:effectRef idx="0">
-          <a:scrgbClr r="0" g="0" b="0"/>
-        </a:effectRef>
-        <a:fontRef idx="minor"/>
-      </dsp:style>
-      <dsp:txBody>
-        <a:bodyPr spcFirstLastPara="0" vert="horz" wrap="square" lIns="38100" tIns="9525" rIns="38100" bIns="9525" numCol="1" spcCol="1270" anchor="ctr" anchorCtr="0">
-          <a:noAutofit/>
-        </a:bodyPr>
-        <a:lstStyle/>
-        <a:p>
-          <a:pPr lvl="0" algn="r" defTabSz="666750">
-            <a:lnSpc>
-              <a:spcPct val="90000"/>
-            </a:lnSpc>
-            <a:spcBef>
-              <a:spcPct val="0"/>
-            </a:spcBef>
-            <a:spcAft>
-              <a:spcPct val="35000"/>
-            </a:spcAft>
-          </a:pPr>
-          <a:r>
-            <a:rPr lang="fr-FR" sz="1500" kern="1200"/>
-            <a:t>Julien LOEVE</a:t>
-          </a:r>
-        </a:p>
-      </dsp:txBody>
-      <dsp:txXfrm>
-        <a:off x="8468464" y="3066170"/>
-        <a:ext cx="1782009" cy="341720"/>
-      </dsp:txXfrm>
-    </dsp:sp>
   </dsp:spTree>
 </dsp:drawing>
 </file>
@@ -15862,17 +14784,20 @@
               <a:rPr lang="fr-FR" sz="2000" dirty="0" smtClean="0">
                 <a:effectLst/>
               </a:rPr>
-              <a:t>Note: paramètres utile pour l’odométrie  </a:t>
-            </a:r>
-            <a:r>
-              <a:rPr lang="fr-FR" sz="2000" dirty="0" err="1" smtClean="0">
+              <a:t>Note: paramètres </a:t>
+            </a:r>
+            <a:r>
+              <a:rPr lang="fr-FR" sz="2000" dirty="0" smtClean="0">
                 <a:effectLst/>
               </a:rPr>
-              <a:t>diapo.13</a:t>
-            </a:r>
-            <a:endParaRPr lang="fr-FR" sz="2000" dirty="0" smtClean="0">
-              <a:effectLst/>
-            </a:endParaRPr>
+              <a:t>utiles </a:t>
+            </a:r>
+            <a:r>
+              <a:rPr lang="fr-FR" sz="2000" dirty="0" smtClean="0">
+                <a:effectLst/>
+              </a:rPr>
+              <a:t>pour l’odométrie  diapo.13</a:t>
+            </a:r>
           </a:p>
         </p:txBody>
       </p:sp>

--- a/Gestion projet/Projet intégration robotique – IMERIR.pptx
+++ b/Gestion projet/Projet intégration robotique – IMERIR.pptx
@@ -14784,19 +14784,7 @@
               <a:rPr lang="fr-FR" sz="2000" dirty="0" smtClean="0">
                 <a:effectLst/>
               </a:rPr>
-              <a:t>Note: paramètres </a:t>
-            </a:r>
-            <a:r>
-              <a:rPr lang="fr-FR" sz="2000" dirty="0" smtClean="0">
-                <a:effectLst/>
-              </a:rPr>
-              <a:t>utiles </a:t>
-            </a:r>
-            <a:r>
-              <a:rPr lang="fr-FR" sz="2000" dirty="0" smtClean="0">
-                <a:effectLst/>
-              </a:rPr>
-              <a:t>pour l’odométrie  diapo.13</a:t>
+              <a:t>Note: paramètres utiles pour l’odométrie  diapo.13</a:t>
             </a:r>
           </a:p>
         </p:txBody>
@@ -20133,7 +20121,20 @@
             <a:pPr lvl="1"/>
             <a:r>
               <a:rPr lang="fr-FR" dirty="0" smtClean="0"/>
-              <a:t>L’architecture du projet</a:t>
+              <a:t>L’architecture du </a:t>
+            </a:r>
+            <a:r>
+              <a:rPr lang="fr-FR" dirty="0" smtClean="0"/>
+              <a:t>projet</a:t>
+            </a:r>
+          </a:p>
+          <a:p>
+            <a:endParaRPr lang="fr-FR" dirty="0"/>
+          </a:p>
+          <a:p>
+            <a:r>
+              <a:rPr lang="fr-FR" dirty="0" smtClean="0"/>
+              <a:t>Remerciements</a:t>
             </a:r>
             <a:endParaRPr lang="fr-FR" dirty="0"/>
           </a:p>
@@ -20145,6 +20146,47 @@
           </a:p>
         </p:txBody>
       </p:sp>
+      <p:pic>
+        <p:nvPicPr>
+          <p:cNvPr id="4" name="Picture 2" descr="http://gpsmontagne.fr/caprin/images/infos/IMERIR.png"/>
+          <p:cNvPicPr>
+            <a:picLocks noChangeAspect="1" noChangeArrowheads="1"/>
+          </p:cNvPicPr>
+          <p:nvPr/>
+        </p:nvPicPr>
+        <p:blipFill>
+          <a:blip r:embed="rId2">
+            <a:extLst>
+              <a:ext uri="{28A0092B-C50C-407E-A947-70E740481C1C}">
+                <a14:useLocalDpi xmlns:a14="http://schemas.microsoft.com/office/drawing/2010/main" val="0"/>
+              </a:ext>
+            </a:extLst>
+          </a:blip>
+          <a:srcRect/>
+          <a:stretch>
+            <a:fillRect/>
+          </a:stretch>
+        </p:blipFill>
+        <p:spPr bwMode="auto">
+          <a:xfrm>
+            <a:off x="155575" y="5494806"/>
+            <a:ext cx="1431925" cy="1363193"/>
+          </a:xfrm>
+          <a:prstGeom prst="rect">
+            <a:avLst/>
+          </a:prstGeom>
+          <a:noFill/>
+          <a:extLst>
+            <a:ext uri="{909E8E84-426E-40DD-AFC4-6F175D3DCCD1}">
+              <a14:hiddenFill xmlns:a14="http://schemas.microsoft.com/office/drawing/2010/main">
+                <a:solidFill>
+                  <a:srgbClr val="FFFFFF"/>
+                </a:solidFill>
+              </a14:hiddenFill>
+            </a:ext>
+          </a:extLst>
+        </p:spPr>
+      </p:pic>
     </p:spTree>
     <p:extLst>
       <p:ext uri="{BB962C8B-B14F-4D97-AF65-F5344CB8AC3E}">

--- a/Gestion projet/Projet intégration robotique – IMERIR.pptx
+++ b/Gestion projet/Projet intégration robotique – IMERIR.pptx
@@ -2992,6 +2992,1084 @@
       <dsp:cNvGrpSpPr/>
     </dsp:nvGrpSpPr>
     <dsp:grpSpPr/>
+    <dsp:sp modelId="{C690D0CD-7211-42BB-BA22-C909A7CA1954}">
+      <dsp:nvSpPr>
+        <dsp:cNvPr id="0" name=""/>
+        <dsp:cNvSpPr/>
+      </dsp:nvSpPr>
+      <dsp:spPr>
+        <a:xfrm>
+          <a:off x="5077836" y="1676507"/>
+          <a:ext cx="3984630" cy="592315"/>
+        </a:xfrm>
+        <a:custGeom>
+          <a:avLst/>
+          <a:gdLst/>
+          <a:ahLst/>
+          <a:cxnLst/>
+          <a:rect l="0" t="0" r="0" b="0"/>
+          <a:pathLst>
+            <a:path>
+              <a:moveTo>
+                <a:pt x="0" y="0"/>
+              </a:moveTo>
+              <a:lnTo>
+                <a:pt x="0" y="353111"/>
+              </a:lnTo>
+              <a:lnTo>
+                <a:pt x="3984630" y="353111"/>
+              </a:lnTo>
+              <a:lnTo>
+                <a:pt x="3984630" y="592315"/>
+              </a:lnTo>
+            </a:path>
+          </a:pathLst>
+        </a:custGeom>
+        <a:noFill/>
+        <a:ln w="9525" cap="rnd" cmpd="sng" algn="ctr">
+          <a:solidFill>
+            <a:schemeClr val="accent1">
+              <a:shade val="60000"/>
+              <a:hueOff val="0"/>
+              <a:satOff val="0"/>
+              <a:lumOff val="0"/>
+              <a:alphaOff val="0"/>
+            </a:schemeClr>
+          </a:solidFill>
+          <a:prstDash val="solid"/>
+        </a:ln>
+        <a:effectLst/>
+      </dsp:spPr>
+      <dsp:style>
+        <a:lnRef idx="1">
+          <a:scrgbClr r="0" g="0" b="0"/>
+        </a:lnRef>
+        <a:fillRef idx="0">
+          <a:scrgbClr r="0" g="0" b="0"/>
+        </a:fillRef>
+        <a:effectRef idx="0">
+          <a:scrgbClr r="0" g="0" b="0"/>
+        </a:effectRef>
+        <a:fontRef idx="minor"/>
+      </dsp:style>
+    </dsp:sp>
+    <dsp:sp modelId="{4A968BB4-BA07-4A5B-A53B-F2957ABC86FB}">
+      <dsp:nvSpPr>
+        <dsp:cNvPr id="0" name=""/>
+        <dsp:cNvSpPr/>
+      </dsp:nvSpPr>
+      <dsp:spPr>
+        <a:xfrm>
+          <a:off x="5077836" y="1676507"/>
+          <a:ext cx="1328210" cy="592315"/>
+        </a:xfrm>
+        <a:custGeom>
+          <a:avLst/>
+          <a:gdLst/>
+          <a:ahLst/>
+          <a:cxnLst/>
+          <a:rect l="0" t="0" r="0" b="0"/>
+          <a:pathLst>
+            <a:path>
+              <a:moveTo>
+                <a:pt x="0" y="0"/>
+              </a:moveTo>
+              <a:lnTo>
+                <a:pt x="0" y="353111"/>
+              </a:lnTo>
+              <a:lnTo>
+                <a:pt x="1328210" y="353111"/>
+              </a:lnTo>
+              <a:lnTo>
+                <a:pt x="1328210" y="592315"/>
+              </a:lnTo>
+            </a:path>
+          </a:pathLst>
+        </a:custGeom>
+        <a:noFill/>
+        <a:ln w="9525" cap="rnd" cmpd="sng" algn="ctr">
+          <a:solidFill>
+            <a:schemeClr val="accent1">
+              <a:shade val="60000"/>
+              <a:hueOff val="0"/>
+              <a:satOff val="0"/>
+              <a:lumOff val="0"/>
+              <a:alphaOff val="0"/>
+            </a:schemeClr>
+          </a:solidFill>
+          <a:prstDash val="solid"/>
+        </a:ln>
+        <a:effectLst/>
+      </dsp:spPr>
+      <dsp:style>
+        <a:lnRef idx="1">
+          <a:scrgbClr r="0" g="0" b="0"/>
+        </a:lnRef>
+        <a:fillRef idx="0">
+          <a:scrgbClr r="0" g="0" b="0"/>
+        </a:fillRef>
+        <a:effectRef idx="0">
+          <a:scrgbClr r="0" g="0" b="0"/>
+        </a:effectRef>
+        <a:fontRef idx="minor"/>
+      </dsp:style>
+    </dsp:sp>
+    <dsp:sp modelId="{31D35D76-771E-4FDE-BA75-EC484194EBC2}">
+      <dsp:nvSpPr>
+        <dsp:cNvPr id="0" name=""/>
+        <dsp:cNvSpPr/>
+      </dsp:nvSpPr>
+      <dsp:spPr>
+        <a:xfrm>
+          <a:off x="3749626" y="1676507"/>
+          <a:ext cx="1328210" cy="592315"/>
+        </a:xfrm>
+        <a:custGeom>
+          <a:avLst/>
+          <a:gdLst/>
+          <a:ahLst/>
+          <a:cxnLst/>
+          <a:rect l="0" t="0" r="0" b="0"/>
+          <a:pathLst>
+            <a:path>
+              <a:moveTo>
+                <a:pt x="1328210" y="0"/>
+              </a:moveTo>
+              <a:lnTo>
+                <a:pt x="1328210" y="353111"/>
+              </a:lnTo>
+              <a:lnTo>
+                <a:pt x="0" y="353111"/>
+              </a:lnTo>
+              <a:lnTo>
+                <a:pt x="0" y="592315"/>
+              </a:lnTo>
+            </a:path>
+          </a:pathLst>
+        </a:custGeom>
+        <a:noFill/>
+        <a:ln w="9525" cap="rnd" cmpd="sng" algn="ctr">
+          <a:solidFill>
+            <a:schemeClr val="accent1">
+              <a:shade val="60000"/>
+              <a:hueOff val="0"/>
+              <a:satOff val="0"/>
+              <a:lumOff val="0"/>
+              <a:alphaOff val="0"/>
+            </a:schemeClr>
+          </a:solidFill>
+          <a:prstDash val="solid"/>
+        </a:ln>
+        <a:effectLst/>
+      </dsp:spPr>
+      <dsp:style>
+        <a:lnRef idx="1">
+          <a:scrgbClr r="0" g="0" b="0"/>
+        </a:lnRef>
+        <a:fillRef idx="0">
+          <a:scrgbClr r="0" g="0" b="0"/>
+        </a:fillRef>
+        <a:effectRef idx="0">
+          <a:scrgbClr r="0" g="0" b="0"/>
+        </a:effectRef>
+        <a:fontRef idx="minor"/>
+      </dsp:style>
+    </dsp:sp>
+    <dsp:sp modelId="{095703D4-98CA-460D-B2F6-CA110B625919}">
+      <dsp:nvSpPr>
+        <dsp:cNvPr id="0" name=""/>
+        <dsp:cNvSpPr/>
+      </dsp:nvSpPr>
+      <dsp:spPr>
+        <a:xfrm>
+          <a:off x="1093206" y="1676507"/>
+          <a:ext cx="3984630" cy="592315"/>
+        </a:xfrm>
+        <a:custGeom>
+          <a:avLst/>
+          <a:gdLst/>
+          <a:ahLst/>
+          <a:cxnLst/>
+          <a:rect l="0" t="0" r="0" b="0"/>
+          <a:pathLst>
+            <a:path>
+              <a:moveTo>
+                <a:pt x="3984630" y="0"/>
+              </a:moveTo>
+              <a:lnTo>
+                <a:pt x="3984630" y="353111"/>
+              </a:lnTo>
+              <a:lnTo>
+                <a:pt x="0" y="353111"/>
+              </a:lnTo>
+              <a:lnTo>
+                <a:pt x="0" y="592315"/>
+              </a:lnTo>
+            </a:path>
+          </a:pathLst>
+        </a:custGeom>
+        <a:noFill/>
+        <a:ln w="9525" cap="rnd" cmpd="sng" algn="ctr">
+          <a:solidFill>
+            <a:schemeClr val="accent1">
+              <a:shade val="60000"/>
+              <a:hueOff val="0"/>
+              <a:satOff val="0"/>
+              <a:lumOff val="0"/>
+              <a:alphaOff val="0"/>
+            </a:schemeClr>
+          </a:solidFill>
+          <a:prstDash val="solid"/>
+        </a:ln>
+        <a:effectLst/>
+      </dsp:spPr>
+      <dsp:style>
+        <a:lnRef idx="1">
+          <a:scrgbClr r="0" g="0" b="0"/>
+        </a:lnRef>
+        <a:fillRef idx="0">
+          <a:scrgbClr r="0" g="0" b="0"/>
+        </a:fillRef>
+        <a:effectRef idx="0">
+          <a:scrgbClr r="0" g="0" b="0"/>
+        </a:effectRef>
+        <a:fontRef idx="minor"/>
+      </dsp:style>
+    </dsp:sp>
+    <dsp:sp modelId="{153DF482-9B63-4F22-A2E6-E0985D657AE7}">
+      <dsp:nvSpPr>
+        <dsp:cNvPr id="0" name=""/>
+        <dsp:cNvSpPr/>
+      </dsp:nvSpPr>
+      <dsp:spPr>
+        <a:xfrm>
+          <a:off x="4087831" y="651345"/>
+          <a:ext cx="1980010" cy="1025161"/>
+        </a:xfrm>
+        <a:prstGeom prst="rect">
+          <a:avLst/>
+        </a:prstGeom>
+        <a:gradFill rotWithShape="0">
+          <a:gsLst>
+            <a:gs pos="0">
+              <a:schemeClr val="accent1">
+                <a:hueOff val="0"/>
+                <a:satOff val="0"/>
+                <a:lumOff val="0"/>
+                <a:alphaOff val="0"/>
+                <a:tint val="96000"/>
+                <a:lumMod val="104000"/>
+              </a:schemeClr>
+            </a:gs>
+            <a:gs pos="100000">
+              <a:schemeClr val="accent1">
+                <a:hueOff val="0"/>
+                <a:satOff val="0"/>
+                <a:lumOff val="0"/>
+                <a:alphaOff val="0"/>
+                <a:shade val="90000"/>
+                <a:lumMod val="90000"/>
+              </a:schemeClr>
+            </a:gs>
+          </a:gsLst>
+          <a:lin ang="5400000" scaled="0"/>
+        </a:gradFill>
+        <a:ln>
+          <a:noFill/>
+        </a:ln>
+        <a:effectLst>
+          <a:outerShdw blurRad="63500" dist="25400" dir="5400000" rotWithShape="0">
+            <a:srgbClr val="000000">
+              <a:alpha val="60000"/>
+            </a:srgbClr>
+          </a:outerShdw>
+        </a:effectLst>
+      </dsp:spPr>
+      <dsp:style>
+        <a:lnRef idx="0">
+          <a:scrgbClr r="0" g="0" b="0"/>
+        </a:lnRef>
+        <a:fillRef idx="3">
+          <a:scrgbClr r="0" g="0" b="0"/>
+        </a:fillRef>
+        <a:effectRef idx="2">
+          <a:scrgbClr r="0" g="0" b="0"/>
+        </a:effectRef>
+        <a:fontRef idx="minor">
+          <a:schemeClr val="lt1"/>
+        </a:fontRef>
+      </dsp:style>
+      <dsp:txBody>
+        <a:bodyPr spcFirstLastPara="0" vert="horz" wrap="square" lIns="13970" tIns="13970" rIns="13970" bIns="144662" numCol="1" spcCol="1270" anchor="ctr" anchorCtr="0">
+          <a:noAutofit/>
+        </a:bodyPr>
+        <a:lstStyle/>
+        <a:p>
+          <a:pPr lvl="0" algn="ctr" defTabSz="977900">
+            <a:lnSpc>
+              <a:spcPct val="90000"/>
+            </a:lnSpc>
+            <a:spcBef>
+              <a:spcPct val="0"/>
+            </a:spcBef>
+            <a:spcAft>
+              <a:spcPct val="35000"/>
+            </a:spcAft>
+          </a:pPr>
+          <a:r>
+            <a:rPr lang="fr-FR" sz="2200" kern="1200"/>
+            <a:t>Chef de Projet</a:t>
+          </a:r>
+        </a:p>
+      </dsp:txBody>
+      <dsp:txXfrm>
+        <a:off x="4087831" y="651345"/>
+        <a:ext cx="1980010" cy="1025161"/>
+      </dsp:txXfrm>
+    </dsp:sp>
+    <dsp:sp modelId="{113EA813-3BA6-403B-BFBC-C6C029177D40}">
+      <dsp:nvSpPr>
+        <dsp:cNvPr id="0" name=""/>
+        <dsp:cNvSpPr/>
+      </dsp:nvSpPr>
+      <dsp:spPr>
+        <a:xfrm>
+          <a:off x="4483833" y="1448693"/>
+          <a:ext cx="1782009" cy="341720"/>
+        </a:xfrm>
+        <a:prstGeom prst="rect">
+          <a:avLst/>
+        </a:prstGeom>
+        <a:solidFill>
+          <a:schemeClr val="lt1">
+            <a:alpha val="90000"/>
+            <a:hueOff val="0"/>
+            <a:satOff val="0"/>
+            <a:lumOff val="0"/>
+            <a:alphaOff val="0"/>
+          </a:schemeClr>
+        </a:solidFill>
+        <a:ln w="9525" cap="rnd" cmpd="sng" algn="ctr">
+          <a:solidFill>
+            <a:schemeClr val="accent1">
+              <a:hueOff val="0"/>
+              <a:satOff val="0"/>
+              <a:lumOff val="0"/>
+              <a:alphaOff val="0"/>
+            </a:schemeClr>
+          </a:solidFill>
+          <a:prstDash val="solid"/>
+        </a:ln>
+        <a:effectLst/>
+      </dsp:spPr>
+      <dsp:style>
+        <a:lnRef idx="1">
+          <a:scrgbClr r="0" g="0" b="0"/>
+        </a:lnRef>
+        <a:fillRef idx="1">
+          <a:scrgbClr r="0" g="0" b="0"/>
+        </a:fillRef>
+        <a:effectRef idx="0">
+          <a:scrgbClr r="0" g="0" b="0"/>
+        </a:effectRef>
+        <a:fontRef idx="minor"/>
+      </dsp:style>
+      <dsp:txBody>
+        <a:bodyPr spcFirstLastPara="0" vert="horz" wrap="square" lIns="38100" tIns="9525" rIns="38100" bIns="9525" numCol="1" spcCol="1270" anchor="ctr" anchorCtr="0">
+          <a:noAutofit/>
+        </a:bodyPr>
+        <a:lstStyle/>
+        <a:p>
+          <a:pPr lvl="0" algn="r" defTabSz="666750">
+            <a:lnSpc>
+              <a:spcPct val="90000"/>
+            </a:lnSpc>
+            <a:spcBef>
+              <a:spcPct val="0"/>
+            </a:spcBef>
+            <a:spcAft>
+              <a:spcPct val="35000"/>
+            </a:spcAft>
+          </a:pPr>
+          <a:r>
+            <a:rPr lang="fr-FR" sz="1500" kern="1200" dirty="0"/>
+            <a:t>Cyril PY</a:t>
+          </a:r>
+        </a:p>
+      </dsp:txBody>
+      <dsp:txXfrm>
+        <a:off x="4483833" y="1448693"/>
+        <a:ext cx="1782009" cy="341720"/>
+      </dsp:txXfrm>
+    </dsp:sp>
+    <dsp:sp modelId="{5676D32F-1CE3-4176-81F2-A39E244B0416}">
+      <dsp:nvSpPr>
+        <dsp:cNvPr id="0" name=""/>
+        <dsp:cNvSpPr/>
+      </dsp:nvSpPr>
+      <dsp:spPr>
+        <a:xfrm>
+          <a:off x="103201" y="2268822"/>
+          <a:ext cx="1980010" cy="1025161"/>
+        </a:xfrm>
+        <a:prstGeom prst="rect">
+          <a:avLst/>
+        </a:prstGeom>
+        <a:gradFill rotWithShape="0">
+          <a:gsLst>
+            <a:gs pos="0">
+              <a:schemeClr val="accent1">
+                <a:hueOff val="0"/>
+                <a:satOff val="0"/>
+                <a:lumOff val="0"/>
+                <a:alphaOff val="0"/>
+                <a:tint val="96000"/>
+                <a:lumMod val="104000"/>
+              </a:schemeClr>
+            </a:gs>
+            <a:gs pos="100000">
+              <a:schemeClr val="accent1">
+                <a:hueOff val="0"/>
+                <a:satOff val="0"/>
+                <a:lumOff val="0"/>
+                <a:alphaOff val="0"/>
+                <a:shade val="90000"/>
+                <a:lumMod val="90000"/>
+              </a:schemeClr>
+            </a:gs>
+          </a:gsLst>
+          <a:lin ang="5400000" scaled="0"/>
+        </a:gradFill>
+        <a:ln>
+          <a:noFill/>
+        </a:ln>
+        <a:effectLst>
+          <a:outerShdw blurRad="63500" dist="25400" dir="5400000" rotWithShape="0">
+            <a:srgbClr val="000000">
+              <a:alpha val="60000"/>
+            </a:srgbClr>
+          </a:outerShdw>
+        </a:effectLst>
+      </dsp:spPr>
+      <dsp:style>
+        <a:lnRef idx="0">
+          <a:scrgbClr r="0" g="0" b="0"/>
+        </a:lnRef>
+        <a:fillRef idx="3">
+          <a:scrgbClr r="0" g="0" b="0"/>
+        </a:fillRef>
+        <a:effectRef idx="2">
+          <a:scrgbClr r="0" g="0" b="0"/>
+        </a:effectRef>
+        <a:fontRef idx="minor">
+          <a:schemeClr val="lt1"/>
+        </a:fontRef>
+      </dsp:style>
+      <dsp:txBody>
+        <a:bodyPr spcFirstLastPara="0" vert="horz" wrap="square" lIns="13970" tIns="13970" rIns="13970" bIns="144662" numCol="1" spcCol="1270" anchor="ctr" anchorCtr="0">
+          <a:noAutofit/>
+        </a:bodyPr>
+        <a:lstStyle/>
+        <a:p>
+          <a:pPr lvl="0" algn="ctr" defTabSz="977900">
+            <a:lnSpc>
+              <a:spcPct val="90000"/>
+            </a:lnSpc>
+            <a:spcBef>
+              <a:spcPct val="0"/>
+            </a:spcBef>
+            <a:spcAft>
+              <a:spcPct val="35000"/>
+            </a:spcAft>
+          </a:pPr>
+          <a:r>
+            <a:rPr lang="fr-FR" sz="2200" kern="1200" dirty="0" smtClean="0"/>
+            <a:t>Odométrie</a:t>
+          </a:r>
+          <a:endParaRPr lang="fr-FR" sz="2200" kern="1200" dirty="0"/>
+        </a:p>
+      </dsp:txBody>
+      <dsp:txXfrm>
+        <a:off x="103201" y="2268822"/>
+        <a:ext cx="1980010" cy="1025161"/>
+      </dsp:txXfrm>
+    </dsp:sp>
+    <dsp:sp modelId="{809562EB-4A18-496D-99D9-E0B60B4EAEA5}">
+      <dsp:nvSpPr>
+        <dsp:cNvPr id="0" name=""/>
+        <dsp:cNvSpPr/>
+      </dsp:nvSpPr>
+      <dsp:spPr>
+        <a:xfrm>
+          <a:off x="578787" y="3066170"/>
+          <a:ext cx="1782009" cy="341720"/>
+        </a:xfrm>
+        <a:prstGeom prst="rect">
+          <a:avLst/>
+        </a:prstGeom>
+        <a:solidFill>
+          <a:schemeClr val="lt1">
+            <a:alpha val="90000"/>
+            <a:hueOff val="0"/>
+            <a:satOff val="0"/>
+            <a:lumOff val="0"/>
+            <a:alphaOff val="0"/>
+          </a:schemeClr>
+        </a:solidFill>
+        <a:ln w="9525" cap="rnd" cmpd="sng" algn="ctr">
+          <a:solidFill>
+            <a:schemeClr val="accent1">
+              <a:hueOff val="0"/>
+              <a:satOff val="0"/>
+              <a:lumOff val="0"/>
+              <a:alphaOff val="0"/>
+            </a:schemeClr>
+          </a:solidFill>
+          <a:prstDash val="solid"/>
+        </a:ln>
+        <a:effectLst/>
+      </dsp:spPr>
+      <dsp:style>
+        <a:lnRef idx="1">
+          <a:scrgbClr r="0" g="0" b="0"/>
+        </a:lnRef>
+        <a:fillRef idx="1">
+          <a:scrgbClr r="0" g="0" b="0"/>
+        </a:fillRef>
+        <a:effectRef idx="0">
+          <a:scrgbClr r="0" g="0" b="0"/>
+        </a:effectRef>
+        <a:fontRef idx="minor"/>
+      </dsp:style>
+      <dsp:txBody>
+        <a:bodyPr spcFirstLastPara="0" vert="horz" wrap="square" lIns="38100" tIns="9525" rIns="38100" bIns="9525" numCol="1" spcCol="1270" anchor="ctr" anchorCtr="0">
+          <a:noAutofit/>
+        </a:bodyPr>
+        <a:lstStyle/>
+        <a:p>
+          <a:pPr lvl="0" algn="r" defTabSz="666750">
+            <a:lnSpc>
+              <a:spcPct val="90000"/>
+            </a:lnSpc>
+            <a:spcBef>
+              <a:spcPct val="0"/>
+            </a:spcBef>
+            <a:spcAft>
+              <a:spcPct val="35000"/>
+            </a:spcAft>
+          </a:pPr>
+          <a:r>
+            <a:rPr lang="fr-FR" sz="1500" kern="1200" dirty="0"/>
+            <a:t>Thomas PRAK</a:t>
+          </a:r>
+        </a:p>
+      </dsp:txBody>
+      <dsp:txXfrm>
+        <a:off x="578787" y="3066170"/>
+        <a:ext cx="1782009" cy="341720"/>
+      </dsp:txXfrm>
+    </dsp:sp>
+    <dsp:sp modelId="{F522147D-7926-4BE8-A844-0FB48C50D80C}">
+      <dsp:nvSpPr>
+        <dsp:cNvPr id="0" name=""/>
+        <dsp:cNvSpPr/>
+      </dsp:nvSpPr>
+      <dsp:spPr>
+        <a:xfrm>
+          <a:off x="2759621" y="2268822"/>
+          <a:ext cx="1980010" cy="1025161"/>
+        </a:xfrm>
+        <a:prstGeom prst="rect">
+          <a:avLst/>
+        </a:prstGeom>
+        <a:gradFill rotWithShape="0">
+          <a:gsLst>
+            <a:gs pos="0">
+              <a:schemeClr val="accent1">
+                <a:hueOff val="0"/>
+                <a:satOff val="0"/>
+                <a:lumOff val="0"/>
+                <a:alphaOff val="0"/>
+                <a:tint val="96000"/>
+                <a:lumMod val="104000"/>
+              </a:schemeClr>
+            </a:gs>
+            <a:gs pos="100000">
+              <a:schemeClr val="accent1">
+                <a:hueOff val="0"/>
+                <a:satOff val="0"/>
+                <a:lumOff val="0"/>
+                <a:alphaOff val="0"/>
+                <a:shade val="90000"/>
+                <a:lumMod val="90000"/>
+              </a:schemeClr>
+            </a:gs>
+          </a:gsLst>
+          <a:lin ang="5400000" scaled="0"/>
+        </a:gradFill>
+        <a:ln>
+          <a:noFill/>
+        </a:ln>
+        <a:effectLst>
+          <a:outerShdw blurRad="63500" dist="25400" dir="5400000" rotWithShape="0">
+            <a:srgbClr val="000000">
+              <a:alpha val="60000"/>
+            </a:srgbClr>
+          </a:outerShdw>
+        </a:effectLst>
+      </dsp:spPr>
+      <dsp:style>
+        <a:lnRef idx="0">
+          <a:scrgbClr r="0" g="0" b="0"/>
+        </a:lnRef>
+        <a:fillRef idx="3">
+          <a:scrgbClr r="0" g="0" b="0"/>
+        </a:fillRef>
+        <a:effectRef idx="2">
+          <a:scrgbClr r="0" g="0" b="0"/>
+        </a:effectRef>
+        <a:fontRef idx="minor">
+          <a:schemeClr val="lt1"/>
+        </a:fontRef>
+      </dsp:style>
+      <dsp:txBody>
+        <a:bodyPr spcFirstLastPara="0" vert="horz" wrap="square" lIns="13970" tIns="13970" rIns="13970" bIns="144662" numCol="1" spcCol="1270" anchor="ctr" anchorCtr="0">
+          <a:noAutofit/>
+        </a:bodyPr>
+        <a:lstStyle/>
+        <a:p>
+          <a:pPr lvl="0" algn="ctr" defTabSz="977900">
+            <a:lnSpc>
+              <a:spcPct val="90000"/>
+            </a:lnSpc>
+            <a:spcBef>
+              <a:spcPct val="0"/>
+            </a:spcBef>
+            <a:spcAft>
+              <a:spcPct val="35000"/>
+            </a:spcAft>
+          </a:pPr>
+          <a:r>
+            <a:rPr lang="fr-FR" sz="2200" kern="1200" dirty="0" smtClean="0"/>
+            <a:t>Client Web</a:t>
+          </a:r>
+          <a:endParaRPr lang="fr-FR" sz="2200" kern="1200" dirty="0"/>
+        </a:p>
+      </dsp:txBody>
+      <dsp:txXfrm>
+        <a:off x="2759621" y="2268822"/>
+        <a:ext cx="1980010" cy="1025161"/>
+      </dsp:txXfrm>
+    </dsp:sp>
+    <dsp:sp modelId="{BDDE5DF6-64AC-499B-A204-5D73CD5189A5}">
+      <dsp:nvSpPr>
+        <dsp:cNvPr id="0" name=""/>
+        <dsp:cNvSpPr/>
+      </dsp:nvSpPr>
+      <dsp:spPr>
+        <a:xfrm>
+          <a:off x="3155623" y="3066170"/>
+          <a:ext cx="1782009" cy="341720"/>
+        </a:xfrm>
+        <a:prstGeom prst="rect">
+          <a:avLst/>
+        </a:prstGeom>
+        <a:solidFill>
+          <a:schemeClr val="lt1">
+            <a:alpha val="90000"/>
+            <a:hueOff val="0"/>
+            <a:satOff val="0"/>
+            <a:lumOff val="0"/>
+            <a:alphaOff val="0"/>
+          </a:schemeClr>
+        </a:solidFill>
+        <a:ln w="9525" cap="rnd" cmpd="sng" algn="ctr">
+          <a:solidFill>
+            <a:schemeClr val="accent1">
+              <a:hueOff val="0"/>
+              <a:satOff val="0"/>
+              <a:lumOff val="0"/>
+              <a:alphaOff val="0"/>
+            </a:schemeClr>
+          </a:solidFill>
+          <a:prstDash val="solid"/>
+        </a:ln>
+        <a:effectLst/>
+      </dsp:spPr>
+      <dsp:style>
+        <a:lnRef idx="1">
+          <a:scrgbClr r="0" g="0" b="0"/>
+        </a:lnRef>
+        <a:fillRef idx="1">
+          <a:scrgbClr r="0" g="0" b="0"/>
+        </a:fillRef>
+        <a:effectRef idx="0">
+          <a:scrgbClr r="0" g="0" b="0"/>
+        </a:effectRef>
+        <a:fontRef idx="minor"/>
+      </dsp:style>
+      <dsp:txBody>
+        <a:bodyPr spcFirstLastPara="0" vert="horz" wrap="square" lIns="38100" tIns="9525" rIns="38100" bIns="9525" numCol="1" spcCol="1270" anchor="ctr" anchorCtr="0">
+          <a:noAutofit/>
+        </a:bodyPr>
+        <a:lstStyle/>
+        <a:p>
+          <a:pPr lvl="0" algn="r" defTabSz="666750">
+            <a:lnSpc>
+              <a:spcPct val="90000"/>
+            </a:lnSpc>
+            <a:spcBef>
+              <a:spcPct val="0"/>
+            </a:spcBef>
+            <a:spcAft>
+              <a:spcPct val="35000"/>
+            </a:spcAft>
+          </a:pPr>
+          <a:r>
+            <a:rPr lang="fr-FR" sz="1500" kern="1200" dirty="0"/>
+            <a:t>Justine SABBATIER</a:t>
+          </a:r>
+        </a:p>
+      </dsp:txBody>
+      <dsp:txXfrm>
+        <a:off x="3155623" y="3066170"/>
+        <a:ext cx="1782009" cy="341720"/>
+      </dsp:txXfrm>
+    </dsp:sp>
+    <dsp:sp modelId="{5662567F-F7A3-40C3-B265-EF28650FB1CC}">
+      <dsp:nvSpPr>
+        <dsp:cNvPr id="0" name=""/>
+        <dsp:cNvSpPr/>
+      </dsp:nvSpPr>
+      <dsp:spPr>
+        <a:xfrm>
+          <a:off x="5416041" y="2268822"/>
+          <a:ext cx="1980010" cy="1025161"/>
+        </a:xfrm>
+        <a:prstGeom prst="rect">
+          <a:avLst/>
+        </a:prstGeom>
+        <a:gradFill rotWithShape="0">
+          <a:gsLst>
+            <a:gs pos="0">
+              <a:schemeClr val="accent1">
+                <a:hueOff val="0"/>
+                <a:satOff val="0"/>
+                <a:lumOff val="0"/>
+                <a:alphaOff val="0"/>
+                <a:tint val="96000"/>
+                <a:lumMod val="104000"/>
+              </a:schemeClr>
+            </a:gs>
+            <a:gs pos="100000">
+              <a:schemeClr val="accent1">
+                <a:hueOff val="0"/>
+                <a:satOff val="0"/>
+                <a:lumOff val="0"/>
+                <a:alphaOff val="0"/>
+                <a:shade val="90000"/>
+                <a:lumMod val="90000"/>
+              </a:schemeClr>
+            </a:gs>
+          </a:gsLst>
+          <a:lin ang="5400000" scaled="0"/>
+        </a:gradFill>
+        <a:ln>
+          <a:noFill/>
+        </a:ln>
+        <a:effectLst>
+          <a:outerShdw blurRad="63500" dist="25400" dir="5400000" rotWithShape="0">
+            <a:srgbClr val="000000">
+              <a:alpha val="60000"/>
+            </a:srgbClr>
+          </a:outerShdw>
+        </a:effectLst>
+      </dsp:spPr>
+      <dsp:style>
+        <a:lnRef idx="0">
+          <a:scrgbClr r="0" g="0" b="0"/>
+        </a:lnRef>
+        <a:fillRef idx="3">
+          <a:scrgbClr r="0" g="0" b="0"/>
+        </a:fillRef>
+        <a:effectRef idx="2">
+          <a:scrgbClr r="0" g="0" b="0"/>
+        </a:effectRef>
+        <a:fontRef idx="minor">
+          <a:schemeClr val="lt1"/>
+        </a:fontRef>
+      </dsp:style>
+      <dsp:txBody>
+        <a:bodyPr spcFirstLastPara="0" vert="horz" wrap="square" lIns="13970" tIns="13970" rIns="13970" bIns="144662" numCol="1" spcCol="1270" anchor="ctr" anchorCtr="0">
+          <a:noAutofit/>
+        </a:bodyPr>
+        <a:lstStyle/>
+        <a:p>
+          <a:pPr lvl="0" algn="ctr" defTabSz="977900">
+            <a:lnSpc>
+              <a:spcPct val="90000"/>
+            </a:lnSpc>
+            <a:spcBef>
+              <a:spcPct val="0"/>
+            </a:spcBef>
+            <a:spcAft>
+              <a:spcPct val="35000"/>
+            </a:spcAft>
+          </a:pPr>
+          <a:r>
+            <a:rPr lang="fr-FR" sz="2200" kern="1200" dirty="0" smtClean="0"/>
+            <a:t>Algorithme</a:t>
+          </a:r>
+          <a:endParaRPr lang="fr-FR" sz="2200" kern="1200" dirty="0"/>
+        </a:p>
+      </dsp:txBody>
+      <dsp:txXfrm>
+        <a:off x="5416041" y="2268822"/>
+        <a:ext cx="1980010" cy="1025161"/>
+      </dsp:txXfrm>
+    </dsp:sp>
+    <dsp:sp modelId="{0E9E0690-608D-4BF4-8CCF-3E5EC47EB681}">
+      <dsp:nvSpPr>
+        <dsp:cNvPr id="0" name=""/>
+        <dsp:cNvSpPr/>
+      </dsp:nvSpPr>
+      <dsp:spPr>
+        <a:xfrm>
+          <a:off x="5812044" y="3066170"/>
+          <a:ext cx="1782009" cy="341720"/>
+        </a:xfrm>
+        <a:prstGeom prst="rect">
+          <a:avLst/>
+        </a:prstGeom>
+        <a:solidFill>
+          <a:schemeClr val="lt1">
+            <a:alpha val="90000"/>
+            <a:hueOff val="0"/>
+            <a:satOff val="0"/>
+            <a:lumOff val="0"/>
+            <a:alphaOff val="0"/>
+          </a:schemeClr>
+        </a:solidFill>
+        <a:ln w="9525" cap="rnd" cmpd="sng" algn="ctr">
+          <a:solidFill>
+            <a:schemeClr val="accent1">
+              <a:hueOff val="0"/>
+              <a:satOff val="0"/>
+              <a:lumOff val="0"/>
+              <a:alphaOff val="0"/>
+            </a:schemeClr>
+          </a:solidFill>
+          <a:prstDash val="solid"/>
+        </a:ln>
+        <a:effectLst/>
+      </dsp:spPr>
+      <dsp:style>
+        <a:lnRef idx="1">
+          <a:scrgbClr r="0" g="0" b="0"/>
+        </a:lnRef>
+        <a:fillRef idx="1">
+          <a:scrgbClr r="0" g="0" b="0"/>
+        </a:fillRef>
+        <a:effectRef idx="0">
+          <a:scrgbClr r="0" g="0" b="0"/>
+        </a:effectRef>
+        <a:fontRef idx="minor"/>
+      </dsp:style>
+      <dsp:txBody>
+        <a:bodyPr spcFirstLastPara="0" vert="horz" wrap="square" lIns="38100" tIns="9525" rIns="38100" bIns="9525" numCol="1" spcCol="1270" anchor="ctr" anchorCtr="0">
+          <a:noAutofit/>
+        </a:bodyPr>
+        <a:lstStyle/>
+        <a:p>
+          <a:pPr lvl="0" algn="r" defTabSz="666750">
+            <a:lnSpc>
+              <a:spcPct val="90000"/>
+            </a:lnSpc>
+            <a:spcBef>
+              <a:spcPct val="0"/>
+            </a:spcBef>
+            <a:spcAft>
+              <a:spcPct val="35000"/>
+            </a:spcAft>
+          </a:pPr>
+          <a:r>
+            <a:rPr lang="fr-FR" sz="1500" kern="1200"/>
+            <a:t>Mathias DA COSTA</a:t>
+          </a:r>
+        </a:p>
+      </dsp:txBody>
+      <dsp:txXfrm>
+        <a:off x="5812044" y="3066170"/>
+        <a:ext cx="1782009" cy="341720"/>
+      </dsp:txXfrm>
+    </dsp:sp>
+    <dsp:sp modelId="{96FA1259-64E4-404F-B34D-D3DE19F6B678}">
+      <dsp:nvSpPr>
+        <dsp:cNvPr id="0" name=""/>
+        <dsp:cNvSpPr/>
+      </dsp:nvSpPr>
+      <dsp:spPr>
+        <a:xfrm>
+          <a:off x="8072462" y="2268822"/>
+          <a:ext cx="1980010" cy="1025161"/>
+        </a:xfrm>
+        <a:prstGeom prst="rect">
+          <a:avLst/>
+        </a:prstGeom>
+        <a:gradFill rotWithShape="0">
+          <a:gsLst>
+            <a:gs pos="0">
+              <a:schemeClr val="accent1">
+                <a:hueOff val="0"/>
+                <a:satOff val="0"/>
+                <a:lumOff val="0"/>
+                <a:alphaOff val="0"/>
+                <a:tint val="96000"/>
+                <a:lumMod val="104000"/>
+              </a:schemeClr>
+            </a:gs>
+            <a:gs pos="100000">
+              <a:schemeClr val="accent1">
+                <a:hueOff val="0"/>
+                <a:satOff val="0"/>
+                <a:lumOff val="0"/>
+                <a:alphaOff val="0"/>
+                <a:shade val="90000"/>
+                <a:lumMod val="90000"/>
+              </a:schemeClr>
+            </a:gs>
+          </a:gsLst>
+          <a:lin ang="5400000" scaled="0"/>
+        </a:gradFill>
+        <a:ln>
+          <a:noFill/>
+        </a:ln>
+        <a:effectLst>
+          <a:outerShdw blurRad="63500" dist="25400" dir="5400000" rotWithShape="0">
+            <a:srgbClr val="000000">
+              <a:alpha val="60000"/>
+            </a:srgbClr>
+          </a:outerShdw>
+        </a:effectLst>
+      </dsp:spPr>
+      <dsp:style>
+        <a:lnRef idx="0">
+          <a:scrgbClr r="0" g="0" b="0"/>
+        </a:lnRef>
+        <a:fillRef idx="3">
+          <a:scrgbClr r="0" g="0" b="0"/>
+        </a:fillRef>
+        <a:effectRef idx="2">
+          <a:scrgbClr r="0" g="0" b="0"/>
+        </a:effectRef>
+        <a:fontRef idx="minor">
+          <a:schemeClr val="lt1"/>
+        </a:fontRef>
+      </dsp:style>
+      <dsp:txBody>
+        <a:bodyPr spcFirstLastPara="0" vert="horz" wrap="square" lIns="13970" tIns="13970" rIns="13970" bIns="144662" numCol="1" spcCol="1270" anchor="ctr" anchorCtr="0">
+          <a:noAutofit/>
+        </a:bodyPr>
+        <a:lstStyle/>
+        <a:p>
+          <a:pPr lvl="0" algn="ctr" defTabSz="977900">
+            <a:lnSpc>
+              <a:spcPct val="90000"/>
+            </a:lnSpc>
+            <a:spcBef>
+              <a:spcPct val="0"/>
+            </a:spcBef>
+            <a:spcAft>
+              <a:spcPct val="35000"/>
+            </a:spcAft>
+          </a:pPr>
+          <a:r>
+            <a:rPr lang="fr-FR" sz="2200" kern="1200" dirty="0" smtClean="0"/>
+            <a:t>Communication</a:t>
+          </a:r>
+          <a:endParaRPr lang="fr-FR" sz="2200" kern="1200" dirty="0"/>
+        </a:p>
+      </dsp:txBody>
+      <dsp:txXfrm>
+        <a:off x="8072462" y="2268822"/>
+        <a:ext cx="1980010" cy="1025161"/>
+      </dsp:txXfrm>
+    </dsp:sp>
+    <dsp:sp modelId="{A8EA838F-3B0C-4F99-BFF0-CFB047931BD1}">
+      <dsp:nvSpPr>
+        <dsp:cNvPr id="0" name=""/>
+        <dsp:cNvSpPr/>
+      </dsp:nvSpPr>
+      <dsp:spPr>
+        <a:xfrm>
+          <a:off x="8468464" y="3066170"/>
+          <a:ext cx="1782009" cy="341720"/>
+        </a:xfrm>
+        <a:prstGeom prst="rect">
+          <a:avLst/>
+        </a:prstGeom>
+        <a:solidFill>
+          <a:schemeClr val="lt1">
+            <a:alpha val="90000"/>
+            <a:hueOff val="0"/>
+            <a:satOff val="0"/>
+            <a:lumOff val="0"/>
+            <a:alphaOff val="0"/>
+          </a:schemeClr>
+        </a:solidFill>
+        <a:ln w="9525" cap="rnd" cmpd="sng" algn="ctr">
+          <a:solidFill>
+            <a:schemeClr val="accent1">
+              <a:hueOff val="0"/>
+              <a:satOff val="0"/>
+              <a:lumOff val="0"/>
+              <a:alphaOff val="0"/>
+            </a:schemeClr>
+          </a:solidFill>
+          <a:prstDash val="solid"/>
+        </a:ln>
+        <a:effectLst/>
+      </dsp:spPr>
+      <dsp:style>
+        <a:lnRef idx="1">
+          <a:scrgbClr r="0" g="0" b="0"/>
+        </a:lnRef>
+        <a:fillRef idx="1">
+          <a:scrgbClr r="0" g="0" b="0"/>
+        </a:fillRef>
+        <a:effectRef idx="0">
+          <a:scrgbClr r="0" g="0" b="0"/>
+        </a:effectRef>
+        <a:fontRef idx="minor"/>
+      </dsp:style>
+      <dsp:txBody>
+        <a:bodyPr spcFirstLastPara="0" vert="horz" wrap="square" lIns="38100" tIns="9525" rIns="38100" bIns="9525" numCol="1" spcCol="1270" anchor="ctr" anchorCtr="0">
+          <a:noAutofit/>
+        </a:bodyPr>
+        <a:lstStyle/>
+        <a:p>
+          <a:pPr lvl="0" algn="r" defTabSz="666750">
+            <a:lnSpc>
+              <a:spcPct val="90000"/>
+            </a:lnSpc>
+            <a:spcBef>
+              <a:spcPct val="0"/>
+            </a:spcBef>
+            <a:spcAft>
+              <a:spcPct val="35000"/>
+            </a:spcAft>
+          </a:pPr>
+          <a:r>
+            <a:rPr lang="fr-FR" sz="1500" kern="1200"/>
+            <a:t>Julien LOEVE</a:t>
+          </a:r>
+        </a:p>
+      </dsp:txBody>
+      <dsp:txXfrm>
+        <a:off x="8468464" y="3066170"/>
+        <a:ext cx="1782009" cy="341720"/>
+      </dsp:txXfrm>
+    </dsp:sp>
   </dsp:spTree>
 </dsp:drawing>
 </file>
@@ -3004,6 +4082,646 @@
       <dsp:cNvGrpSpPr/>
     </dsp:nvGrpSpPr>
     <dsp:grpSpPr/>
+    <dsp:sp modelId="{6A1FC33C-BD54-48D9-8848-B8051814CA7A}">
+      <dsp:nvSpPr>
+        <dsp:cNvPr id="0" name=""/>
+        <dsp:cNvSpPr/>
+      </dsp:nvSpPr>
+      <dsp:spPr>
+        <a:xfrm>
+          <a:off x="2656565" y="9048"/>
+          <a:ext cx="2412531" cy="2412899"/>
+        </a:xfrm>
+        <a:prstGeom prst="circularArrow">
+          <a:avLst>
+            <a:gd name="adj1" fmla="val 10980"/>
+            <a:gd name="adj2" fmla="val 1142322"/>
+            <a:gd name="adj3" fmla="val 4500000"/>
+            <a:gd name="adj4" fmla="val 10800000"/>
+            <a:gd name="adj5" fmla="val 12500"/>
+          </a:avLst>
+        </a:prstGeom>
+        <a:gradFill rotWithShape="0">
+          <a:gsLst>
+            <a:gs pos="0">
+              <a:schemeClr val="accent1">
+                <a:hueOff val="0"/>
+                <a:satOff val="0"/>
+                <a:lumOff val="0"/>
+                <a:alphaOff val="0"/>
+                <a:tint val="96000"/>
+                <a:lumMod val="104000"/>
+              </a:schemeClr>
+            </a:gs>
+            <a:gs pos="100000">
+              <a:schemeClr val="accent1">
+                <a:hueOff val="0"/>
+                <a:satOff val="0"/>
+                <a:lumOff val="0"/>
+                <a:alphaOff val="0"/>
+                <a:shade val="90000"/>
+                <a:lumMod val="90000"/>
+              </a:schemeClr>
+            </a:gs>
+          </a:gsLst>
+          <a:lin ang="5400000" scaled="0"/>
+        </a:gradFill>
+        <a:ln>
+          <a:noFill/>
+        </a:ln>
+        <a:effectLst>
+          <a:outerShdw blurRad="63500" dist="25400" dir="5400000" rotWithShape="0">
+            <a:srgbClr val="000000">
+              <a:alpha val="60000"/>
+            </a:srgbClr>
+          </a:outerShdw>
+        </a:effectLst>
+      </dsp:spPr>
+      <dsp:style>
+        <a:lnRef idx="0">
+          <a:scrgbClr r="0" g="0" b="0"/>
+        </a:lnRef>
+        <a:fillRef idx="3">
+          <a:scrgbClr r="0" g="0" b="0"/>
+        </a:fillRef>
+        <a:effectRef idx="2">
+          <a:scrgbClr r="0" g="0" b="0"/>
+        </a:effectRef>
+        <a:fontRef idx="minor">
+          <a:schemeClr val="lt1"/>
+        </a:fontRef>
+      </dsp:style>
+    </dsp:sp>
+    <dsp:sp modelId="{2BC33A24-C019-40DB-B4F8-D236F35960DA}">
+      <dsp:nvSpPr>
+        <dsp:cNvPr id="0" name=""/>
+        <dsp:cNvSpPr/>
+      </dsp:nvSpPr>
+      <dsp:spPr>
+        <a:xfrm>
+          <a:off x="5465248" y="601561"/>
+          <a:ext cx="3405954" cy="965360"/>
+        </a:xfrm>
+        <a:prstGeom prst="rect">
+          <a:avLst/>
+        </a:prstGeom>
+        <a:noFill/>
+        <a:ln>
+          <a:noFill/>
+        </a:ln>
+        <a:effectLst/>
+      </dsp:spPr>
+      <dsp:style>
+        <a:lnRef idx="0">
+          <a:scrgbClr r="0" g="0" b="0"/>
+        </a:lnRef>
+        <a:fillRef idx="0">
+          <a:scrgbClr r="0" g="0" b="0"/>
+        </a:fillRef>
+        <a:effectRef idx="0">
+          <a:scrgbClr r="0" g="0" b="0"/>
+        </a:effectRef>
+        <a:fontRef idx="minor"/>
+      </dsp:style>
+      <dsp:txBody>
+        <a:bodyPr spcFirstLastPara="0" vert="horz" wrap="square" lIns="15240" tIns="15240" rIns="15240" bIns="15240" numCol="1" spcCol="1270" anchor="ctr" anchorCtr="0">
+          <a:noAutofit/>
+        </a:bodyPr>
+        <a:lstStyle/>
+        <a:p>
+          <a:pPr marL="228600" lvl="1" indent="-228600" algn="l" defTabSz="1066800">
+            <a:lnSpc>
+              <a:spcPct val="90000"/>
+            </a:lnSpc>
+            <a:spcBef>
+              <a:spcPct val="0"/>
+            </a:spcBef>
+            <a:spcAft>
+              <a:spcPct val="15000"/>
+            </a:spcAft>
+            <a:buChar char="••"/>
+          </a:pPr>
+          <a:r>
+            <a:rPr lang="fr-FR" sz="2400" b="1" kern="1200" dirty="0" smtClean="0"/>
+            <a:t>Requête GET </a:t>
+          </a:r>
+          <a:endParaRPr lang="fr-FR" sz="2400" b="1" kern="1200" dirty="0"/>
+        </a:p>
+        <a:p>
+          <a:pPr marL="457200" lvl="2" indent="-228600" algn="l" defTabSz="1066800">
+            <a:lnSpc>
+              <a:spcPct val="90000"/>
+            </a:lnSpc>
+            <a:spcBef>
+              <a:spcPct val="0"/>
+            </a:spcBef>
+            <a:spcAft>
+              <a:spcPct val="15000"/>
+            </a:spcAft>
+            <a:buChar char="••"/>
+          </a:pPr>
+          <a:r>
+            <a:rPr lang="fr-FR" sz="2400" kern="1200" dirty="0" smtClean="0"/>
+            <a:t>Récupération du </a:t>
+          </a:r>
+          <a:r>
+            <a:rPr lang="fr-FR" sz="2400" kern="1200" dirty="0" err="1" smtClean="0"/>
+            <a:t>Json</a:t>
+          </a:r>
+          <a:endParaRPr lang="fr-FR" sz="2400" kern="1200" dirty="0"/>
+        </a:p>
+      </dsp:txBody>
+      <dsp:txXfrm>
+        <a:off x="5465248" y="601561"/>
+        <a:ext cx="3405954" cy="965360"/>
+      </dsp:txXfrm>
+    </dsp:sp>
+    <dsp:sp modelId="{41EA7880-1A0E-4CC2-B59F-914DDD351791}">
+      <dsp:nvSpPr>
+        <dsp:cNvPr id="0" name=""/>
+        <dsp:cNvSpPr/>
+      </dsp:nvSpPr>
+      <dsp:spPr>
+        <a:xfrm>
+          <a:off x="3162648" y="871129"/>
+          <a:ext cx="1340597" cy="670138"/>
+        </a:xfrm>
+        <a:prstGeom prst="rect">
+          <a:avLst/>
+        </a:prstGeom>
+        <a:noFill/>
+        <a:ln>
+          <a:noFill/>
+        </a:ln>
+        <a:effectLst/>
+      </dsp:spPr>
+      <dsp:style>
+        <a:lnRef idx="0">
+          <a:scrgbClr r="0" g="0" b="0"/>
+        </a:lnRef>
+        <a:fillRef idx="0">
+          <a:scrgbClr r="0" g="0" b="0"/>
+        </a:fillRef>
+        <a:effectRef idx="0">
+          <a:scrgbClr r="0" g="0" b="0"/>
+        </a:effectRef>
+        <a:fontRef idx="minor"/>
+      </dsp:style>
+      <dsp:txBody>
+        <a:bodyPr spcFirstLastPara="0" vert="horz" wrap="square" lIns="17780" tIns="17780" rIns="17780" bIns="17780" numCol="1" spcCol="1270" anchor="ctr" anchorCtr="0">
+          <a:noAutofit/>
+        </a:bodyPr>
+        <a:lstStyle/>
+        <a:p>
+          <a:pPr lvl="0" algn="ctr" defTabSz="1244600">
+            <a:lnSpc>
+              <a:spcPct val="90000"/>
+            </a:lnSpc>
+            <a:spcBef>
+              <a:spcPct val="0"/>
+            </a:spcBef>
+            <a:spcAft>
+              <a:spcPct val="35000"/>
+            </a:spcAft>
+          </a:pPr>
+          <a:r>
+            <a:rPr lang="fr-FR" sz="2800" kern="1200" dirty="0" smtClean="0"/>
+            <a:t>Ajax</a:t>
+          </a:r>
+          <a:endParaRPr lang="fr-FR" sz="2800" kern="1200" dirty="0"/>
+        </a:p>
+      </dsp:txBody>
+      <dsp:txXfrm>
+        <a:off x="3162648" y="871129"/>
+        <a:ext cx="1340597" cy="670138"/>
+      </dsp:txXfrm>
+    </dsp:sp>
+    <dsp:sp modelId="{1EAF82E5-DF36-4432-8EFB-3660BDEAF403}">
+      <dsp:nvSpPr>
+        <dsp:cNvPr id="0" name=""/>
+        <dsp:cNvSpPr/>
+      </dsp:nvSpPr>
+      <dsp:spPr>
+        <a:xfrm>
+          <a:off x="1959327" y="1386389"/>
+          <a:ext cx="2412531" cy="2412899"/>
+        </a:xfrm>
+        <a:prstGeom prst="leftCircularArrow">
+          <a:avLst>
+            <a:gd name="adj1" fmla="val 10980"/>
+            <a:gd name="adj2" fmla="val 1142322"/>
+            <a:gd name="adj3" fmla="val 6300000"/>
+            <a:gd name="adj4" fmla="val 18900000"/>
+            <a:gd name="adj5" fmla="val 12500"/>
+          </a:avLst>
+        </a:prstGeom>
+        <a:gradFill rotWithShape="0">
+          <a:gsLst>
+            <a:gs pos="0">
+              <a:schemeClr val="accent1">
+                <a:hueOff val="0"/>
+                <a:satOff val="0"/>
+                <a:lumOff val="0"/>
+                <a:alphaOff val="0"/>
+                <a:tint val="96000"/>
+                <a:lumMod val="104000"/>
+              </a:schemeClr>
+            </a:gs>
+            <a:gs pos="100000">
+              <a:schemeClr val="accent1">
+                <a:hueOff val="0"/>
+                <a:satOff val="0"/>
+                <a:lumOff val="0"/>
+                <a:alphaOff val="0"/>
+                <a:shade val="90000"/>
+                <a:lumMod val="90000"/>
+              </a:schemeClr>
+            </a:gs>
+          </a:gsLst>
+          <a:lin ang="5400000" scaled="0"/>
+        </a:gradFill>
+        <a:ln>
+          <a:noFill/>
+        </a:ln>
+        <a:effectLst>
+          <a:outerShdw blurRad="63500" dist="25400" dir="5400000" rotWithShape="0">
+            <a:srgbClr val="000000">
+              <a:alpha val="60000"/>
+            </a:srgbClr>
+          </a:outerShdw>
+        </a:effectLst>
+      </dsp:spPr>
+      <dsp:style>
+        <a:lnRef idx="0">
+          <a:scrgbClr r="0" g="0" b="0"/>
+        </a:lnRef>
+        <a:fillRef idx="3">
+          <a:scrgbClr r="0" g="0" b="0"/>
+        </a:fillRef>
+        <a:effectRef idx="2">
+          <a:scrgbClr r="0" g="0" b="0"/>
+        </a:effectRef>
+        <a:fontRef idx="minor">
+          <a:schemeClr val="lt1"/>
+        </a:fontRef>
+      </dsp:style>
+    </dsp:sp>
+    <dsp:sp modelId="{EED53FE3-01A0-4A4A-B958-999558A60657}">
+      <dsp:nvSpPr>
+        <dsp:cNvPr id="0" name=""/>
+        <dsp:cNvSpPr/>
+      </dsp:nvSpPr>
+      <dsp:spPr>
+        <a:xfrm>
+          <a:off x="4348677" y="2031293"/>
+          <a:ext cx="5643819" cy="965360"/>
+        </a:xfrm>
+        <a:prstGeom prst="rect">
+          <a:avLst/>
+        </a:prstGeom>
+        <a:noFill/>
+        <a:ln>
+          <a:noFill/>
+        </a:ln>
+        <a:effectLst/>
+      </dsp:spPr>
+      <dsp:style>
+        <a:lnRef idx="0">
+          <a:scrgbClr r="0" g="0" b="0"/>
+        </a:lnRef>
+        <a:fillRef idx="0">
+          <a:scrgbClr r="0" g="0" b="0"/>
+        </a:fillRef>
+        <a:effectRef idx="0">
+          <a:scrgbClr r="0" g="0" b="0"/>
+        </a:effectRef>
+        <a:fontRef idx="minor"/>
+      </dsp:style>
+      <dsp:txBody>
+        <a:bodyPr spcFirstLastPara="0" vert="horz" wrap="square" lIns="15240" tIns="15240" rIns="15240" bIns="15240" numCol="1" spcCol="1270" anchor="ctr" anchorCtr="0">
+          <a:noAutofit/>
+        </a:bodyPr>
+        <a:lstStyle/>
+        <a:p>
+          <a:pPr marL="228600" lvl="1" indent="-228600" algn="l" defTabSz="1066800">
+            <a:lnSpc>
+              <a:spcPct val="90000"/>
+            </a:lnSpc>
+            <a:spcBef>
+              <a:spcPct val="0"/>
+            </a:spcBef>
+            <a:spcAft>
+              <a:spcPct val="15000"/>
+            </a:spcAft>
+            <a:buChar char="••"/>
+          </a:pPr>
+          <a:r>
+            <a:rPr lang="fr-FR" sz="2400" b="1" kern="1200" dirty="0" smtClean="0"/>
+            <a:t>Nativement interprété</a:t>
+          </a:r>
+          <a:endParaRPr lang="fr-FR" sz="2400" b="1" kern="1200" dirty="0"/>
+        </a:p>
+        <a:p>
+          <a:pPr marL="457200" lvl="2" indent="-228600" algn="l" defTabSz="1066800">
+            <a:lnSpc>
+              <a:spcPct val="90000"/>
+            </a:lnSpc>
+            <a:spcBef>
+              <a:spcPct val="0"/>
+            </a:spcBef>
+            <a:spcAft>
+              <a:spcPct val="15000"/>
+            </a:spcAft>
+            <a:buChar char="••"/>
+          </a:pPr>
+          <a:r>
+            <a:rPr lang="fr-FR" sz="2400" kern="1200" dirty="0" smtClean="0"/>
+            <a:t>Extraction des données</a:t>
+          </a:r>
+          <a:endParaRPr lang="fr-FR" sz="2400" kern="1200" dirty="0"/>
+        </a:p>
+      </dsp:txBody>
+      <dsp:txXfrm>
+        <a:off x="4348677" y="2031293"/>
+        <a:ext cx="5643819" cy="965360"/>
+      </dsp:txXfrm>
+    </dsp:sp>
+    <dsp:sp modelId="{6AA25D69-5E05-40A3-9F00-9387D55331A8}">
+      <dsp:nvSpPr>
+        <dsp:cNvPr id="0" name=""/>
+        <dsp:cNvSpPr/>
+      </dsp:nvSpPr>
+      <dsp:spPr>
+        <a:xfrm>
+          <a:off x="2495294" y="2265538"/>
+          <a:ext cx="1340597" cy="670138"/>
+        </a:xfrm>
+        <a:prstGeom prst="rect">
+          <a:avLst/>
+        </a:prstGeom>
+        <a:noFill/>
+        <a:ln>
+          <a:noFill/>
+        </a:ln>
+        <a:effectLst/>
+      </dsp:spPr>
+      <dsp:style>
+        <a:lnRef idx="0">
+          <a:scrgbClr r="0" g="0" b="0"/>
+        </a:lnRef>
+        <a:fillRef idx="0">
+          <a:scrgbClr r="0" g="0" b="0"/>
+        </a:fillRef>
+        <a:effectRef idx="0">
+          <a:scrgbClr r="0" g="0" b="0"/>
+        </a:effectRef>
+        <a:fontRef idx="minor"/>
+      </dsp:style>
+      <dsp:txBody>
+        <a:bodyPr spcFirstLastPara="0" vert="horz" wrap="square" lIns="17780" tIns="17780" rIns="17780" bIns="17780" numCol="1" spcCol="1270" anchor="ctr" anchorCtr="0">
+          <a:noAutofit/>
+        </a:bodyPr>
+        <a:lstStyle/>
+        <a:p>
+          <a:pPr lvl="0" algn="ctr" defTabSz="1244600">
+            <a:lnSpc>
+              <a:spcPct val="90000"/>
+            </a:lnSpc>
+            <a:spcBef>
+              <a:spcPct val="0"/>
+            </a:spcBef>
+            <a:spcAft>
+              <a:spcPct val="35000"/>
+            </a:spcAft>
+          </a:pPr>
+          <a:r>
+            <a:rPr lang="fr-FR" sz="2800" kern="1200" dirty="0" err="1" smtClean="0"/>
+            <a:t>Jquery</a:t>
+          </a:r>
+          <a:endParaRPr lang="fr-FR" sz="2800" kern="1200" dirty="0"/>
+        </a:p>
+      </dsp:txBody>
+      <dsp:txXfrm>
+        <a:off x="2495294" y="2265538"/>
+        <a:ext cx="1340597" cy="670138"/>
+      </dsp:txXfrm>
+    </dsp:sp>
+    <dsp:sp modelId="{A7590864-E6C3-49D8-9B22-DF9210EFF756}">
+      <dsp:nvSpPr>
+        <dsp:cNvPr id="0" name=""/>
+        <dsp:cNvSpPr/>
+      </dsp:nvSpPr>
+      <dsp:spPr>
+        <a:xfrm>
+          <a:off x="2801108" y="2938684"/>
+          <a:ext cx="2072738" cy="2073569"/>
+        </a:xfrm>
+        <a:prstGeom prst="blockArc">
+          <a:avLst>
+            <a:gd name="adj1" fmla="val 13500000"/>
+            <a:gd name="adj2" fmla="val 10800000"/>
+            <a:gd name="adj3" fmla="val 12740"/>
+          </a:avLst>
+        </a:prstGeom>
+        <a:gradFill rotWithShape="0">
+          <a:gsLst>
+            <a:gs pos="0">
+              <a:schemeClr val="accent1">
+                <a:hueOff val="0"/>
+                <a:satOff val="0"/>
+                <a:lumOff val="0"/>
+                <a:alphaOff val="0"/>
+                <a:tint val="96000"/>
+                <a:lumMod val="104000"/>
+              </a:schemeClr>
+            </a:gs>
+            <a:gs pos="100000">
+              <a:schemeClr val="accent1">
+                <a:hueOff val="0"/>
+                <a:satOff val="0"/>
+                <a:lumOff val="0"/>
+                <a:alphaOff val="0"/>
+                <a:shade val="90000"/>
+                <a:lumMod val="90000"/>
+              </a:schemeClr>
+            </a:gs>
+          </a:gsLst>
+          <a:lin ang="5400000" scaled="0"/>
+        </a:gradFill>
+        <a:ln>
+          <a:noFill/>
+        </a:ln>
+        <a:effectLst>
+          <a:outerShdw blurRad="63500" dist="25400" dir="5400000" rotWithShape="0">
+            <a:srgbClr val="000000">
+              <a:alpha val="60000"/>
+            </a:srgbClr>
+          </a:outerShdw>
+        </a:effectLst>
+      </dsp:spPr>
+      <dsp:style>
+        <a:lnRef idx="0">
+          <a:scrgbClr r="0" g="0" b="0"/>
+        </a:lnRef>
+        <a:fillRef idx="3">
+          <a:scrgbClr r="0" g="0" b="0"/>
+        </a:fillRef>
+        <a:effectRef idx="2">
+          <a:scrgbClr r="0" g="0" b="0"/>
+        </a:effectRef>
+        <a:fontRef idx="minor">
+          <a:schemeClr val="lt1"/>
+        </a:fontRef>
+      </dsp:style>
+    </dsp:sp>
+    <dsp:sp modelId="{1EC2A02A-3E8D-473F-97D1-1FB993A4303A}">
+      <dsp:nvSpPr>
+        <dsp:cNvPr id="0" name=""/>
+        <dsp:cNvSpPr/>
+      </dsp:nvSpPr>
+      <dsp:spPr>
+        <a:xfrm>
+          <a:off x="5458447" y="3522663"/>
+          <a:ext cx="4534049" cy="965360"/>
+        </a:xfrm>
+        <a:prstGeom prst="rect">
+          <a:avLst/>
+        </a:prstGeom>
+        <a:noFill/>
+        <a:ln>
+          <a:noFill/>
+        </a:ln>
+        <a:effectLst/>
+      </dsp:spPr>
+      <dsp:style>
+        <a:lnRef idx="0">
+          <a:scrgbClr r="0" g="0" b="0"/>
+        </a:lnRef>
+        <a:fillRef idx="0">
+          <a:scrgbClr r="0" g="0" b="0"/>
+        </a:fillRef>
+        <a:effectRef idx="0">
+          <a:scrgbClr r="0" g="0" b="0"/>
+        </a:effectRef>
+        <a:fontRef idx="minor"/>
+      </dsp:style>
+      <dsp:txBody>
+        <a:bodyPr spcFirstLastPara="0" vert="horz" wrap="square" lIns="15240" tIns="15240" rIns="15240" bIns="15240" numCol="1" spcCol="1270" anchor="ctr" anchorCtr="0">
+          <a:noAutofit/>
+        </a:bodyPr>
+        <a:lstStyle/>
+        <a:p>
+          <a:pPr marL="228600" lvl="1" indent="-228600" algn="l" defTabSz="1066800">
+            <a:lnSpc>
+              <a:spcPct val="90000"/>
+            </a:lnSpc>
+            <a:spcBef>
+              <a:spcPct val="0"/>
+            </a:spcBef>
+            <a:spcAft>
+              <a:spcPct val="15000"/>
+            </a:spcAft>
+            <a:buChar char="••"/>
+          </a:pPr>
+          <a:r>
+            <a:rPr lang="fr-FR" sz="2400" b="1" kern="1200" dirty="0" smtClean="0"/>
+            <a:t>Balise &lt;</a:t>
+          </a:r>
+          <a:r>
+            <a:rPr lang="fr-FR" sz="2400" b="1" kern="1200" dirty="0" err="1" smtClean="0"/>
+            <a:t>canvas</a:t>
+          </a:r>
+          <a:r>
+            <a:rPr lang="fr-FR" sz="2400" b="1" kern="1200" dirty="0" smtClean="0"/>
+            <a:t>&gt;</a:t>
+          </a:r>
+          <a:endParaRPr lang="fr-FR" sz="2400" b="1" kern="1200" dirty="0"/>
+        </a:p>
+        <a:p>
+          <a:pPr marL="457200" lvl="2" indent="-228600" algn="l" defTabSz="1066800">
+            <a:lnSpc>
+              <a:spcPct val="90000"/>
+            </a:lnSpc>
+            <a:spcBef>
+              <a:spcPct val="0"/>
+            </a:spcBef>
+            <a:spcAft>
+              <a:spcPct val="15000"/>
+            </a:spcAft>
+            <a:buChar char="••"/>
+          </a:pPr>
+          <a:r>
+            <a:rPr lang="fr-FR" sz="2400" kern="1200" dirty="0" smtClean="0"/>
+            <a:t>Modélisation des obstacles</a:t>
+          </a:r>
+          <a:endParaRPr lang="fr-FR" sz="2400" kern="1200" dirty="0"/>
+        </a:p>
+      </dsp:txBody>
+      <dsp:txXfrm>
+        <a:off x="5458447" y="3522663"/>
+        <a:ext cx="4534049" cy="965360"/>
+      </dsp:txXfrm>
+    </dsp:sp>
+    <dsp:sp modelId="{7D2E6C7C-9586-4A0C-B907-A004212DF446}">
+      <dsp:nvSpPr>
+        <dsp:cNvPr id="0" name=""/>
+        <dsp:cNvSpPr/>
+      </dsp:nvSpPr>
+      <dsp:spPr>
+        <a:xfrm>
+          <a:off x="3165820" y="3661952"/>
+          <a:ext cx="1340597" cy="670138"/>
+        </a:xfrm>
+        <a:prstGeom prst="rect">
+          <a:avLst/>
+        </a:prstGeom>
+        <a:noFill/>
+        <a:ln>
+          <a:noFill/>
+        </a:ln>
+        <a:effectLst/>
+      </dsp:spPr>
+      <dsp:style>
+        <a:lnRef idx="0">
+          <a:scrgbClr r="0" g="0" b="0"/>
+        </a:lnRef>
+        <a:fillRef idx="0">
+          <a:scrgbClr r="0" g="0" b="0"/>
+        </a:fillRef>
+        <a:effectRef idx="0">
+          <a:scrgbClr r="0" g="0" b="0"/>
+        </a:effectRef>
+        <a:fontRef idx="minor"/>
+      </dsp:style>
+      <dsp:txBody>
+        <a:bodyPr spcFirstLastPara="0" vert="horz" wrap="square" lIns="17780" tIns="17780" rIns="17780" bIns="17780" numCol="1" spcCol="1270" anchor="ctr" anchorCtr="0">
+          <a:noAutofit/>
+        </a:bodyPr>
+        <a:lstStyle/>
+        <a:p>
+          <a:pPr lvl="0" algn="ctr" defTabSz="1244600">
+            <a:lnSpc>
+              <a:spcPct val="90000"/>
+            </a:lnSpc>
+            <a:spcBef>
+              <a:spcPct val="0"/>
+            </a:spcBef>
+            <a:spcAft>
+              <a:spcPct val="35000"/>
+            </a:spcAft>
+          </a:pPr>
+          <a:r>
+            <a:rPr lang="fr-FR" sz="2800" kern="1200" dirty="0" smtClean="0"/>
+            <a:t>HTML5</a:t>
+          </a:r>
+          <a:endParaRPr lang="fr-FR" sz="2800" kern="1200" dirty="0"/>
+        </a:p>
+      </dsp:txBody>
+      <dsp:txXfrm>
+        <a:off x="3165820" y="3661952"/>
+        <a:ext cx="1340597" cy="670138"/>
+      </dsp:txXfrm>
+    </dsp:sp>
   </dsp:spTree>
 </dsp:drawing>
 </file>
@@ -8519,7 +10237,7 @@
             <a:fld id="{B61BEF0D-F0BB-DE4B-95CE-6DB70DBA9567}" type="datetimeFigureOut">
               <a:rPr lang="en-US" smtClean="0"/>
               <a:pPr/>
-              <a:t>10/20/2014</a:t>
+              <a:t>10/21/2014</a:t>
             </a:fld>
             <a:endParaRPr lang="en-US" dirty="0"/>
           </a:p>
@@ -8819,7 +10537,7 @@
             <a:fld id="{B61BEF0D-F0BB-DE4B-95CE-6DB70DBA9567}" type="datetimeFigureOut">
               <a:rPr lang="en-US" smtClean="0"/>
               <a:pPr/>
-              <a:t>10/20/2014</a:t>
+              <a:t>10/21/2014</a:t>
             </a:fld>
             <a:endParaRPr lang="en-US" dirty="0"/>
           </a:p>
@@ -9013,7 +10731,7 @@
             <a:fld id="{B61BEF0D-F0BB-DE4B-95CE-6DB70DBA9567}" type="datetimeFigureOut">
               <a:rPr lang="en-US" smtClean="0"/>
               <a:pPr/>
-              <a:t>10/20/2014</a:t>
+              <a:t>10/21/2014</a:t>
             </a:fld>
             <a:endParaRPr lang="en-US" dirty="0"/>
           </a:p>
@@ -9276,7 +10994,7 @@
             <a:fld id="{B61BEF0D-F0BB-DE4B-95CE-6DB70DBA9567}" type="datetimeFigureOut">
               <a:rPr lang="en-US" smtClean="0"/>
               <a:pPr/>
-              <a:t>10/20/2014</a:t>
+              <a:t>10/21/2014</a:t>
             </a:fld>
             <a:endParaRPr lang="en-US" dirty="0"/>
           </a:p>
@@ -9702,7 +11420,7 @@
             <a:fld id="{B61BEF0D-F0BB-DE4B-95CE-6DB70DBA9567}" type="datetimeFigureOut">
               <a:rPr lang="en-US" smtClean="0"/>
               <a:pPr/>
-              <a:t>10/20/2014</a:t>
+              <a:t>10/21/2014</a:t>
             </a:fld>
             <a:endParaRPr lang="en-US" dirty="0"/>
           </a:p>
@@ -10241,7 +11959,7 @@
             <a:fld id="{B61BEF0D-F0BB-DE4B-95CE-6DB70DBA9567}" type="datetimeFigureOut">
               <a:rPr lang="en-US" smtClean="0"/>
               <a:pPr/>
-              <a:t>10/20/2014</a:t>
+              <a:t>10/21/2014</a:t>
             </a:fld>
             <a:endParaRPr lang="en-US" dirty="0"/>
           </a:p>
@@ -11107,7 +12825,7 @@
             <a:fld id="{B61BEF0D-F0BB-DE4B-95CE-6DB70DBA9567}" type="datetimeFigureOut">
               <a:rPr lang="en-US" smtClean="0"/>
               <a:pPr/>
-              <a:t>10/20/2014</a:t>
+              <a:t>10/21/2014</a:t>
             </a:fld>
             <a:endParaRPr lang="en-US" dirty="0"/>
           </a:p>
@@ -11279,7 +12997,7 @@
             <a:fld id="{B61BEF0D-F0BB-DE4B-95CE-6DB70DBA9567}" type="datetimeFigureOut">
               <a:rPr lang="en-US" smtClean="0"/>
               <a:pPr/>
-              <a:t>10/20/2014</a:t>
+              <a:t>10/21/2014</a:t>
             </a:fld>
             <a:endParaRPr lang="en-US" dirty="0"/>
           </a:p>
@@ -11465,7 +13183,7 @@
             <a:fld id="{B61BEF0D-F0BB-DE4B-95CE-6DB70DBA9567}" type="datetimeFigureOut">
               <a:rPr lang="en-US" smtClean="0"/>
               <a:pPr/>
-              <a:t>10/20/2014</a:t>
+              <a:t>10/21/2014</a:t>
             </a:fld>
             <a:endParaRPr lang="en-US" dirty="0"/>
           </a:p>
@@ -11637,7 +13355,7 @@
             <a:fld id="{B61BEF0D-F0BB-DE4B-95CE-6DB70DBA9567}" type="datetimeFigureOut">
               <a:rPr lang="en-US" smtClean="0"/>
               <a:pPr/>
-              <a:t>10/20/2014</a:t>
+              <a:t>10/21/2014</a:t>
             </a:fld>
             <a:endParaRPr lang="en-US" dirty="0"/>
           </a:p>
@@ -11883,7 +13601,7 @@
             <a:fld id="{B61BEF0D-F0BB-DE4B-95CE-6DB70DBA9567}" type="datetimeFigureOut">
               <a:rPr lang="en-US" smtClean="0"/>
               <a:pPr/>
-              <a:t>10/20/2014</a:t>
+              <a:t>10/21/2014</a:t>
             </a:fld>
             <a:endParaRPr lang="en-US" dirty="0"/>
           </a:p>
@@ -12121,7 +13839,7 @@
             <a:fld id="{B61BEF0D-F0BB-DE4B-95CE-6DB70DBA9567}" type="datetimeFigureOut">
               <a:rPr lang="en-US" smtClean="0"/>
               <a:pPr/>
-              <a:t>10/20/2014</a:t>
+              <a:t>10/21/2014</a:t>
             </a:fld>
             <a:endParaRPr lang="en-US" dirty="0"/>
           </a:p>
@@ -12589,7 +14307,7 @@
             <a:fld id="{B61BEF0D-F0BB-DE4B-95CE-6DB70DBA9567}" type="datetimeFigureOut">
               <a:rPr lang="en-US" smtClean="0"/>
               <a:pPr/>
-              <a:t>10/20/2014</a:t>
+              <a:t>10/21/2014</a:t>
             </a:fld>
             <a:endParaRPr lang="en-US" dirty="0"/>
           </a:p>
@@ -12709,7 +14427,7 @@
             <a:fld id="{B61BEF0D-F0BB-DE4B-95CE-6DB70DBA9567}" type="datetimeFigureOut">
               <a:rPr lang="en-US" smtClean="0"/>
               <a:pPr/>
-              <a:t>10/20/2014</a:t>
+              <a:t>10/21/2014</a:t>
             </a:fld>
             <a:endParaRPr lang="en-US" dirty="0"/>
           </a:p>
@@ -12806,7 +14524,7 @@
             <a:fld id="{B61BEF0D-F0BB-DE4B-95CE-6DB70DBA9567}" type="datetimeFigureOut">
               <a:rPr lang="en-US" smtClean="0"/>
               <a:pPr/>
-              <a:t>10/20/2014</a:t>
+              <a:t>10/21/2014</a:t>
             </a:fld>
             <a:endParaRPr lang="en-US" dirty="0"/>
           </a:p>
@@ -13063,7 +14781,7 @@
             <a:fld id="{B61BEF0D-F0BB-DE4B-95CE-6DB70DBA9567}" type="datetimeFigureOut">
               <a:rPr lang="en-US" smtClean="0"/>
               <a:pPr/>
-              <a:t>10/20/2014</a:t>
+              <a:t>10/21/2014</a:t>
             </a:fld>
             <a:endParaRPr lang="en-US" dirty="0"/>
           </a:p>
@@ -13365,7 +15083,7 @@
             <a:fld id="{B61BEF0D-F0BB-DE4B-95CE-6DB70DBA9567}" type="datetimeFigureOut">
               <a:rPr lang="en-US" smtClean="0"/>
               <a:pPr/>
-              <a:t>10/20/2014</a:t>
+              <a:t>10/21/2014</a:t>
             </a:fld>
             <a:endParaRPr lang="en-US" dirty="0"/>
           </a:p>
@@ -13601,7 +15319,7 @@
             <a:fld id="{B61BEF0D-F0BB-DE4B-95CE-6DB70DBA9567}" type="datetimeFigureOut">
               <a:rPr lang="en-US" smtClean="0"/>
               <a:pPr/>
-              <a:t>10/20/2014</a:t>
+              <a:t>10/21/2014</a:t>
             </a:fld>
             <a:endParaRPr lang="en-US" dirty="0"/>
           </a:p>
@@ -16288,6 +18006,11 @@
               </a:rPr>
               <a:t>départ</a:t>
             </a:r>
+          </a:p>
+          <a:p>
+            <a:pPr marL="36900" indent="0">
+              <a:buNone/>
+            </a:pPr>
             <a:endParaRPr lang="fr-FR" dirty="0">
               <a:effectLst/>
             </a:endParaRPr>
@@ -16303,19 +18026,17 @@
               <a:rPr lang="fr-FR" dirty="0" smtClean="0">
                 <a:effectLst/>
               </a:rPr>
-              <a:t>l’action:</a:t>
-            </a:r>
-          </a:p>
-          <a:p>
-            <a:pPr marL="36900" indent="0">
-              <a:buNone/>
-            </a:pPr>
-            <a:r>
-              <a:rPr lang="fr-FR" sz="1800" dirty="0" smtClean="0">
+              <a:t>l’action</a:t>
+            </a:r>
+            <a:r>
+              <a:rPr lang="fr-FR" dirty="0" smtClean="0">
                 <a:effectLst/>
               </a:rPr>
-              <a:t>     	</a:t>
-            </a:r>
+              <a:t>:</a:t>
+            </a:r>
+            <a:endParaRPr lang="fr-FR" sz="1800" dirty="0" smtClean="0">
+              <a:effectLst/>
+            </a:endParaRPr>
           </a:p>
           <a:p>
             <a:pPr marL="36900" indent="0">
@@ -17439,8 +19160,8 @@
         </p:nvSpPr>
         <p:spPr>
           <a:xfrm>
-            <a:off x="10345192" y="5690744"/>
-            <a:ext cx="1342081" cy="276999"/>
+            <a:off x="10223774" y="5622359"/>
+            <a:ext cx="1601212" cy="307777"/>
           </a:xfrm>
           <a:prstGeom prst="rect">
             <a:avLst/>
@@ -17454,14 +19175,14 @@
           <a:lstStyle/>
           <a:p>
             <a:r>
-              <a:rPr lang="fr-FR" sz="1200" dirty="0" err="1" smtClean="0"/>
+              <a:rPr lang="fr-FR" sz="1400" dirty="0" err="1" smtClean="0"/>
               <a:t>posRob</a:t>
             </a:r>
             <a:r>
-              <a:rPr lang="fr-FR" sz="1200" dirty="0" smtClean="0"/>
+              <a:rPr lang="fr-FR" sz="1400" dirty="0" smtClean="0"/>
               <a:t> {-50; 20 }</a:t>
             </a:r>
-            <a:endParaRPr lang="fr-FR" sz="1200" dirty="0"/>
+            <a:endParaRPr lang="fr-FR" sz="1400" dirty="0"/>
           </a:p>
         </p:txBody>
       </p:sp>
@@ -17473,18 +19194,30 @@
         </p:nvSpPr>
         <p:spPr>
           <a:xfrm rot="20712329">
-            <a:off x="10190278" y="4343732"/>
-            <a:ext cx="652273" cy="654275"/>
+            <a:off x="10189558" y="4338183"/>
+            <a:ext cx="652273" cy="659918"/>
           </a:xfrm>
           <a:prstGeom prst="blockArc">
             <a:avLst>
               <a:gd name="adj1" fmla="val 14197834"/>
-              <a:gd name="adj2" fmla="val 17793518"/>
-              <a:gd name="adj3" fmla="val 2085"/>
+              <a:gd name="adj2" fmla="val 17875299"/>
+              <a:gd name="adj3" fmla="val 7033"/>
             </a:avLst>
           </a:prstGeom>
-          <a:noFill/>
-          <a:ln w="3175"/>
+          <a:solidFill>
+            <a:schemeClr val="accent1">
+              <a:lumMod val="60000"/>
+              <a:lumOff val="40000"/>
+            </a:schemeClr>
+          </a:solidFill>
+          <a:ln w="3175">
+            <a:solidFill>
+              <a:schemeClr val="accent1">
+                <a:lumMod val="60000"/>
+                <a:lumOff val="40000"/>
+              </a:schemeClr>
+            </a:solidFill>
+          </a:ln>
         </p:spPr>
         <p:style>
           <a:lnRef idx="2">
@@ -17553,7 +19286,7 @@
         </p:nvSpPr>
         <p:spPr>
           <a:xfrm>
-            <a:off x="10238445" y="4049419"/>
+            <a:off x="10263133" y="3739232"/>
             <a:ext cx="327546" cy="369332"/>
           </a:xfrm>
           <a:prstGeom prst="rect">
@@ -18385,475 +20118,486 @@
           </a:p>
         </p:txBody>
       </p:sp>
-      <p:sp>
-        <p:nvSpPr>
-          <p:cNvPr id="3" name="Espace réservé du contenu 2"/>
-          <p:cNvSpPr>
-            <a:spLocks noGrp="1"/>
-          </p:cNvSpPr>
+      <p:graphicFrame>
+        <p:nvGraphicFramePr>
+          <p:cNvPr id="5" name="Tableau 4"/>
+          <p:cNvGraphicFramePr>
+            <a:graphicFrameLocks noGrp="1"/>
+          </p:cNvGraphicFramePr>
           <p:nvPr>
-            <p:ph idx="1"/>
+            <p:extLst>
+              <p:ext uri="{D42A27DB-BD31-4B8C-83A1-F6EECF244321}">
+                <p14:modId xmlns:p14="http://schemas.microsoft.com/office/powerpoint/2010/main" val="2972555052"/>
+              </p:ext>
+            </p:extLst>
           </p:nvPr>
-        </p:nvSpPr>
-        <p:spPr>
-          <a:xfrm>
-            <a:off x="913794" y="1855279"/>
-            <a:ext cx="4695435" cy="4058751"/>
-          </a:xfrm>
-        </p:spPr>
-        <p:txBody>
-          <a:bodyPr>
-            <a:normAutofit/>
-          </a:bodyPr>
-          <a:lstStyle/>
-          <a:p>
-            <a:r>
-              <a:rPr lang="fr-FR" dirty="0" smtClean="0"/>
-              <a:t>Accumulation des imprécisions:</a:t>
-            </a:r>
-          </a:p>
-          <a:p>
-            <a:pPr lvl="1">
-              <a:buFontTx/>
-              <a:buChar char="-"/>
-            </a:pPr>
-            <a:r>
-              <a:rPr lang="fr-FR" dirty="0" smtClean="0"/>
-              <a:t>frottement mécanique </a:t>
-            </a:r>
-          </a:p>
-          <a:p>
-            <a:pPr lvl="1">
-              <a:buFontTx/>
-              <a:buChar char="-"/>
-            </a:pPr>
-            <a:r>
-              <a:rPr lang="fr-FR" dirty="0" smtClean="0"/>
-              <a:t> imprécision du capteur infrarouge </a:t>
-            </a:r>
-          </a:p>
-          <a:p>
-            <a:pPr marL="450000" lvl="1" indent="0">
-              <a:buNone/>
-            </a:pPr>
-            <a:endParaRPr lang="fr-FR" dirty="0" smtClean="0"/>
-          </a:p>
-          <a:p>
-            <a:pPr marL="450000" lvl="1" indent="0">
-              <a:buNone/>
-            </a:pPr>
-            <a:endParaRPr lang="fr-FR" dirty="0"/>
-          </a:p>
-        </p:txBody>
-      </p:sp>
-      <p:sp>
-        <p:nvSpPr>
-          <p:cNvPr id="4" name="Espace réservé du contenu 2"/>
-          <p:cNvSpPr txBox="1">
-            <a:spLocks/>
-          </p:cNvSpPr>
-          <p:nvPr/>
-        </p:nvSpPr>
-        <p:spPr>
-          <a:xfrm>
-            <a:off x="6490840" y="1855279"/>
-            <a:ext cx="4959631" cy="4058751"/>
-          </a:xfrm>
-          <a:prstGeom prst="rect">
-            <a:avLst/>
-          </a:prstGeom>
-          <a:effectLst>
-            <a:outerShdw blurRad="25400" dir="17880000">
-              <a:srgbClr val="000000">
-                <a:alpha val="46000"/>
-              </a:srgbClr>
-            </a:outerShdw>
-          </a:effectLst>
-        </p:spPr>
-        <p:txBody>
-          <a:bodyPr vert="horz" lIns="91440" tIns="45720" rIns="91440" bIns="45720" rtlCol="0" anchor="t">
-            <a:normAutofit/>
-          </a:bodyPr>
-          <a:lstStyle>
-            <a:lvl1pPr marL="342900" indent="-306000" algn="l" defTabSz="457200" rtl="0" eaLnBrk="1" latinLnBrk="0" hangingPunct="1">
-              <a:spcBef>
-                <a:spcPct val="20000"/>
-              </a:spcBef>
-              <a:spcAft>
-                <a:spcPts val="600"/>
-              </a:spcAft>
-              <a:buClr>
-                <a:schemeClr val="tx2"/>
-              </a:buClr>
-              <a:buSzPct val="70000"/>
-              <a:buFont typeface="Wingdings 2" charset="2"/>
-              <a:buChar char=""/>
-              <a:defRPr sz="2000" kern="1200">
-                <a:ln>
-                  <a:solidFill>
-                    <a:schemeClr val="bg1">
-                      <a:lumMod val="75000"/>
-                      <a:lumOff val="25000"/>
-                      <a:alpha val="10000"/>
-                    </a:schemeClr>
-                  </a:solidFill>
-                </a:ln>
-                <a:solidFill>
-                  <a:schemeClr val="tx2"/>
-                </a:solidFill>
-                <a:effectLst>
-                  <a:outerShdw blurRad="9525" dist="25400" dir="14640000" algn="tl" rotWithShape="0">
-                    <a:schemeClr val="bg1">
-                      <a:alpha val="30000"/>
-                    </a:schemeClr>
-                  </a:outerShdw>
-                </a:effectLst>
-                <a:latin typeface="+mn-lt"/>
-                <a:ea typeface="+mn-ea"/>
-                <a:cs typeface="+mn-cs"/>
-              </a:defRPr>
-            </a:lvl1pPr>
-            <a:lvl2pPr marL="720000" indent="-270000" algn="l" defTabSz="457200" rtl="0" eaLnBrk="1" latinLnBrk="0" hangingPunct="1">
-              <a:spcBef>
-                <a:spcPct val="20000"/>
-              </a:spcBef>
-              <a:spcAft>
-                <a:spcPts val="600"/>
-              </a:spcAft>
-              <a:buClr>
-                <a:schemeClr val="tx2"/>
-              </a:buClr>
-              <a:buSzPct val="70000"/>
-              <a:buFont typeface="Wingdings 2" charset="2"/>
-              <a:buChar char=""/>
-              <a:defRPr sz="1800" kern="1200">
-                <a:ln>
-                  <a:solidFill>
-                    <a:schemeClr val="bg1">
-                      <a:lumMod val="75000"/>
-                      <a:lumOff val="25000"/>
-                      <a:alpha val="10000"/>
-                    </a:schemeClr>
-                  </a:solidFill>
-                </a:ln>
-                <a:solidFill>
-                  <a:schemeClr val="tx2"/>
-                </a:solidFill>
-                <a:effectLst>
-                  <a:outerShdw blurRad="9525" dist="25400" dir="14640000" algn="tl" rotWithShape="0">
-                    <a:schemeClr val="bg1">
-                      <a:alpha val="30000"/>
-                    </a:schemeClr>
-                  </a:outerShdw>
-                </a:effectLst>
-                <a:latin typeface="+mn-lt"/>
-                <a:ea typeface="+mn-ea"/>
-                <a:cs typeface="+mn-cs"/>
-              </a:defRPr>
-            </a:lvl2pPr>
-            <a:lvl3pPr marL="1026000" indent="-216000" algn="l" defTabSz="457200" rtl="0" eaLnBrk="1" latinLnBrk="0" hangingPunct="1">
-              <a:spcBef>
-                <a:spcPct val="20000"/>
-              </a:spcBef>
-              <a:spcAft>
-                <a:spcPts val="600"/>
-              </a:spcAft>
-              <a:buClr>
-                <a:schemeClr val="tx2"/>
-              </a:buClr>
-              <a:buSzPct val="70000"/>
-              <a:buFont typeface="Wingdings 2" charset="2"/>
-              <a:buChar char=""/>
-              <a:defRPr sz="1600" kern="1200">
-                <a:ln>
-                  <a:solidFill>
-                    <a:schemeClr val="bg1">
-                      <a:lumMod val="75000"/>
-                      <a:lumOff val="25000"/>
-                      <a:alpha val="10000"/>
-                    </a:schemeClr>
-                  </a:solidFill>
-                </a:ln>
-                <a:solidFill>
-                  <a:schemeClr val="tx2"/>
-                </a:solidFill>
-                <a:effectLst>
-                  <a:outerShdw blurRad="9525" dist="25400" dir="14640000" algn="tl" rotWithShape="0">
-                    <a:schemeClr val="bg1">
-                      <a:alpha val="30000"/>
-                    </a:schemeClr>
-                  </a:outerShdw>
-                </a:effectLst>
-                <a:latin typeface="+mn-lt"/>
-                <a:ea typeface="+mn-ea"/>
-                <a:cs typeface="+mn-cs"/>
-              </a:defRPr>
-            </a:lvl3pPr>
-            <a:lvl4pPr marL="1386000" indent="-216000" algn="l" defTabSz="457200" rtl="0" eaLnBrk="1" latinLnBrk="0" hangingPunct="1">
-              <a:spcBef>
-                <a:spcPct val="20000"/>
-              </a:spcBef>
-              <a:spcAft>
-                <a:spcPts val="600"/>
-              </a:spcAft>
-              <a:buClr>
-                <a:schemeClr val="tx2"/>
-              </a:buClr>
-              <a:buSzPct val="70000"/>
-              <a:buFont typeface="Wingdings 2" charset="2"/>
-              <a:buChar char=""/>
-              <a:defRPr sz="1400" kern="1200">
-                <a:ln>
-                  <a:solidFill>
-                    <a:schemeClr val="bg1">
-                      <a:lumMod val="75000"/>
-                      <a:lumOff val="25000"/>
-                      <a:alpha val="10000"/>
-                    </a:schemeClr>
-                  </a:solidFill>
-                </a:ln>
-                <a:solidFill>
-                  <a:schemeClr val="tx2"/>
-                </a:solidFill>
-                <a:effectLst>
-                  <a:outerShdw blurRad="9525" dist="25400" dir="14640000" algn="tl" rotWithShape="0">
-                    <a:schemeClr val="bg1">
-                      <a:alpha val="30000"/>
-                    </a:schemeClr>
-                  </a:outerShdw>
-                </a:effectLst>
-                <a:latin typeface="+mn-lt"/>
-                <a:ea typeface="+mn-ea"/>
-                <a:cs typeface="+mn-cs"/>
-              </a:defRPr>
-            </a:lvl4pPr>
-            <a:lvl5pPr marL="1674000" indent="-216000" algn="l" defTabSz="457200" rtl="0" eaLnBrk="1" latinLnBrk="0" hangingPunct="1">
-              <a:spcBef>
-                <a:spcPct val="20000"/>
-              </a:spcBef>
-              <a:spcAft>
-                <a:spcPts val="600"/>
-              </a:spcAft>
-              <a:buClr>
-                <a:schemeClr val="tx2"/>
-              </a:buClr>
-              <a:buSzPct val="70000"/>
-              <a:buFont typeface="Wingdings 2" charset="2"/>
-              <a:buChar char=""/>
-              <a:defRPr sz="1400" kern="1200">
-                <a:ln>
-                  <a:solidFill>
-                    <a:schemeClr val="bg1">
-                      <a:lumMod val="75000"/>
-                      <a:lumOff val="25000"/>
-                      <a:alpha val="10000"/>
-                    </a:schemeClr>
-                  </a:solidFill>
-                </a:ln>
-                <a:solidFill>
-                  <a:schemeClr val="tx2"/>
-                </a:solidFill>
-                <a:effectLst>
-                  <a:outerShdw blurRad="9525" dist="25400" dir="14640000" algn="tl" rotWithShape="0">
-                    <a:schemeClr val="bg1">
-                      <a:alpha val="30000"/>
-                    </a:schemeClr>
-                  </a:outerShdw>
-                </a:effectLst>
-                <a:latin typeface="+mn-lt"/>
-                <a:ea typeface="+mn-ea"/>
-                <a:cs typeface="+mn-cs"/>
-              </a:defRPr>
-            </a:lvl5pPr>
-            <a:lvl6pPr marL="2014600" indent="-228600" algn="l" defTabSz="457200" rtl="0" eaLnBrk="1" latinLnBrk="0" hangingPunct="1">
-              <a:spcBef>
-                <a:spcPct val="20000"/>
-              </a:spcBef>
-              <a:spcAft>
-                <a:spcPts val="600"/>
-              </a:spcAft>
-              <a:buClr>
-                <a:schemeClr val="tx2"/>
-              </a:buClr>
-              <a:buSzPct val="70000"/>
-              <a:buFont typeface="Wingdings 2" charset="2"/>
-              <a:buChar char=""/>
-              <a:defRPr sz="1400" kern="1200">
-                <a:ln>
-                  <a:solidFill>
-                    <a:schemeClr val="bg1">
-                      <a:lumMod val="75000"/>
-                      <a:lumOff val="25000"/>
-                      <a:alpha val="10000"/>
-                    </a:schemeClr>
-                  </a:solidFill>
-                </a:ln>
-                <a:solidFill>
-                  <a:schemeClr val="tx2"/>
-                </a:solidFill>
-                <a:effectLst>
-                  <a:outerShdw blurRad="9525" dist="25400" dir="14640000" algn="tl" rotWithShape="0">
-                    <a:schemeClr val="bg1">
-                      <a:alpha val="30000"/>
-                    </a:schemeClr>
-                  </a:outerShdw>
-                </a:effectLst>
-                <a:latin typeface="+mn-lt"/>
-                <a:ea typeface="+mn-ea"/>
-                <a:cs typeface="+mn-cs"/>
-              </a:defRPr>
-            </a:lvl6pPr>
-            <a:lvl7pPr marL="2401800" indent="-228600" algn="l" defTabSz="457200" rtl="0" eaLnBrk="1" latinLnBrk="0" hangingPunct="1">
-              <a:spcBef>
-                <a:spcPct val="20000"/>
-              </a:spcBef>
-              <a:spcAft>
-                <a:spcPts val="600"/>
-              </a:spcAft>
-              <a:buClr>
-                <a:schemeClr val="tx2"/>
-              </a:buClr>
-              <a:buSzPct val="70000"/>
-              <a:buFont typeface="Wingdings 2" charset="2"/>
-              <a:buChar char=""/>
-              <a:defRPr sz="1400" kern="1200">
-                <a:ln>
-                  <a:solidFill>
-                    <a:schemeClr val="bg1">
-                      <a:lumMod val="75000"/>
-                      <a:lumOff val="25000"/>
-                      <a:alpha val="10000"/>
-                    </a:schemeClr>
-                  </a:solidFill>
-                </a:ln>
-                <a:solidFill>
-                  <a:schemeClr val="tx2"/>
-                </a:solidFill>
-                <a:effectLst>
-                  <a:outerShdw blurRad="9525" dist="25400" dir="14640000" algn="tl" rotWithShape="0">
-                    <a:schemeClr val="bg1">
-                      <a:alpha val="30000"/>
-                    </a:schemeClr>
-                  </a:outerShdw>
-                </a:effectLst>
-                <a:latin typeface="+mn-lt"/>
-                <a:ea typeface="+mn-ea"/>
-                <a:cs typeface="+mn-cs"/>
-              </a:defRPr>
-            </a:lvl7pPr>
-            <a:lvl8pPr marL="2789000" indent="-228600" algn="l" defTabSz="457200" rtl="0" eaLnBrk="1" latinLnBrk="0" hangingPunct="1">
-              <a:spcBef>
-                <a:spcPct val="20000"/>
-              </a:spcBef>
-              <a:spcAft>
-                <a:spcPts val="600"/>
-              </a:spcAft>
-              <a:buClr>
-                <a:schemeClr val="tx2"/>
-              </a:buClr>
-              <a:buSzPct val="70000"/>
-              <a:buFont typeface="Wingdings 2" charset="2"/>
-              <a:buChar char=""/>
-              <a:defRPr sz="1400" kern="1200">
-                <a:ln>
-                  <a:solidFill>
-                    <a:schemeClr val="bg1">
-                      <a:lumMod val="75000"/>
-                      <a:lumOff val="25000"/>
-                      <a:alpha val="10000"/>
-                    </a:schemeClr>
-                  </a:solidFill>
-                </a:ln>
-                <a:solidFill>
-                  <a:schemeClr val="tx2"/>
-                </a:solidFill>
-                <a:effectLst>
-                  <a:outerShdw blurRad="9525" dist="25400" dir="14640000" algn="tl" rotWithShape="0">
-                    <a:schemeClr val="bg1">
-                      <a:alpha val="30000"/>
-                    </a:schemeClr>
-                  </a:outerShdw>
-                </a:effectLst>
-                <a:latin typeface="+mn-lt"/>
-                <a:ea typeface="+mn-ea"/>
-                <a:cs typeface="+mn-cs"/>
-              </a:defRPr>
-            </a:lvl8pPr>
-            <a:lvl9pPr marL="3106200" indent="-228600" algn="l" defTabSz="457200" rtl="0" eaLnBrk="1" latinLnBrk="0" hangingPunct="1">
-              <a:spcBef>
-                <a:spcPct val="20000"/>
-              </a:spcBef>
-              <a:spcAft>
-                <a:spcPts val="600"/>
-              </a:spcAft>
-              <a:buClr>
-                <a:schemeClr val="tx2"/>
-              </a:buClr>
-              <a:buSzPct val="70000"/>
-              <a:buFont typeface="Wingdings 2" charset="2"/>
-              <a:buChar char=""/>
-              <a:defRPr sz="1400" kern="1200">
-                <a:ln>
-                  <a:solidFill>
-                    <a:schemeClr val="bg1">
-                      <a:lumMod val="75000"/>
-                      <a:lumOff val="25000"/>
-                      <a:alpha val="10000"/>
-                    </a:schemeClr>
-                  </a:solidFill>
-                </a:ln>
-                <a:solidFill>
-                  <a:schemeClr val="tx2"/>
-                </a:solidFill>
-                <a:effectLst>
-                  <a:outerShdw blurRad="9525" dist="25400" dir="14640000" algn="tl" rotWithShape="0">
-                    <a:schemeClr val="bg1">
-                      <a:alpha val="30000"/>
-                    </a:schemeClr>
-                  </a:outerShdw>
-                </a:effectLst>
-                <a:latin typeface="+mn-lt"/>
-                <a:ea typeface="+mn-ea"/>
-                <a:cs typeface="+mn-cs"/>
-              </a:defRPr>
-            </a:lvl9pPr>
-          </a:lstStyle>
-          <a:p>
-            <a:r>
-              <a:rPr lang="fr-FR" dirty="0" smtClean="0"/>
-              <a:t>Faussement de l’odométrie si:</a:t>
-            </a:r>
-          </a:p>
-          <a:p>
-            <a:pPr lvl="1">
-              <a:buFontTx/>
-              <a:buChar char="-"/>
-            </a:pPr>
-            <a:r>
-              <a:rPr lang="fr-FR" dirty="0" smtClean="0"/>
-              <a:t>déplacement du robot à la main	</a:t>
-            </a:r>
-            <a:endParaRPr lang="fr-FR" dirty="0"/>
-          </a:p>
-          <a:p>
-            <a:pPr lvl="1">
-              <a:buFontTx/>
-              <a:buChar char="-"/>
-            </a:pPr>
-            <a:r>
-              <a:rPr lang="fr-FR" dirty="0" smtClean="0"/>
-              <a:t> collision avec un obstacle retenant le robot</a:t>
-            </a:r>
-          </a:p>
-          <a:p>
-            <a:pPr marL="450000" lvl="1" indent="0">
-              <a:buFont typeface="Wingdings 2" charset="2"/>
-              <a:buNone/>
-            </a:pPr>
-            <a:endParaRPr lang="fr-FR" dirty="0"/>
-          </a:p>
-        </p:txBody>
-      </p:sp>
+        </p:nvGraphicFramePr>
+        <p:xfrm>
+          <a:off x="1382004" y="1733218"/>
+          <a:ext cx="8128000" cy="1859280"/>
+        </p:xfrm>
+        <a:graphic>
+          <a:graphicData uri="http://schemas.openxmlformats.org/drawingml/2006/table">
+            <a:tbl>
+              <a:tblPr firstRow="1" bandRow="1">
+                <a:tableStyleId>{5C22544A-7EE6-4342-B048-85BDC9FD1C3A}</a:tableStyleId>
+              </a:tblPr>
+              <a:tblGrid>
+                <a:gridCol w="4064000"/>
+                <a:gridCol w="4064000"/>
+              </a:tblGrid>
+              <a:tr h="237180">
+                <a:tc gridSpan="2">
+                  <a:txBody>
+                    <a:bodyPr/>
+                    <a:lstStyle/>
+                    <a:p>
+                      <a:pPr algn="ctr"/>
+                      <a:r>
+                        <a:rPr lang="fr-FR" sz="1800" b="0" dirty="0" smtClean="0"/>
+                        <a:t>Accumulation des imprécisions</a:t>
+                      </a:r>
+                      <a:endParaRPr lang="fr-FR" sz="1800" b="0" dirty="0"/>
+                    </a:p>
+                  </a:txBody>
+                  <a:tcPr/>
+                </a:tc>
+                <a:tc hMerge="1">
+                  <a:txBody>
+                    <a:bodyPr/>
+                    <a:lstStyle/>
+                    <a:p>
+                      <a:endParaRPr lang="fr-FR" dirty="0"/>
+                    </a:p>
+                  </a:txBody>
+                  <a:tcPr/>
+                </a:tc>
+              </a:tr>
+              <a:tr h="200691">
+                <a:tc>
+                  <a:txBody>
+                    <a:bodyPr/>
+                    <a:lstStyle/>
+                    <a:p>
+                      <a:pPr algn="ctr"/>
+                      <a:r>
+                        <a:rPr lang="fr-FR" sz="1600" dirty="0" smtClean="0"/>
+                        <a:t>Causes</a:t>
+                      </a:r>
+                      <a:endParaRPr lang="fr-FR" sz="1600" dirty="0"/>
+                    </a:p>
+                  </a:txBody>
+                  <a:tcPr/>
+                </a:tc>
+                <a:tc>
+                  <a:txBody>
+                    <a:bodyPr/>
+                    <a:lstStyle/>
+                    <a:p>
+                      <a:pPr algn="ctr"/>
+                      <a:r>
+                        <a:rPr lang="fr-FR" sz="1600" dirty="0" smtClean="0"/>
+                        <a:t>Possibilité</a:t>
+                      </a:r>
+                      <a:r>
+                        <a:rPr lang="fr-FR" sz="1600" baseline="0" dirty="0" smtClean="0"/>
+                        <a:t>s / Solution</a:t>
+                      </a:r>
+                      <a:endParaRPr lang="fr-FR" sz="1600" dirty="0"/>
+                    </a:p>
+                  </a:txBody>
+                  <a:tcPr/>
+                </a:tc>
+              </a:tr>
+              <a:tr h="346648">
+                <a:tc>
+                  <a:txBody>
+                    <a:bodyPr/>
+                    <a:lstStyle/>
+                    <a:p>
+                      <a:pPr marL="0" marR="0" lvl="1" indent="0" algn="l" defTabSz="457200" rtl="0" eaLnBrk="1" fontAlgn="auto" latinLnBrk="0" hangingPunct="1">
+                        <a:lnSpc>
+                          <a:spcPct val="100000"/>
+                        </a:lnSpc>
+                        <a:spcBef>
+                          <a:spcPts val="0"/>
+                        </a:spcBef>
+                        <a:spcAft>
+                          <a:spcPts val="0"/>
+                        </a:spcAft>
+                        <a:buClrTx/>
+                        <a:buSzTx/>
+                        <a:buFontTx/>
+                        <a:buNone/>
+                        <a:tabLst/>
+                        <a:defRPr/>
+                      </a:pPr>
+                      <a:r>
+                        <a:rPr lang="fr-FR" sz="1600" dirty="0" smtClean="0"/>
+                        <a:t>frottement mécanique </a:t>
+                      </a:r>
+                    </a:p>
+                    <a:p>
+                      <a:endParaRPr lang="fr-FR" sz="1600" dirty="0"/>
+                    </a:p>
+                  </a:txBody>
+                  <a:tcPr/>
+                </a:tc>
+                <a:tc>
+                  <a:txBody>
+                    <a:bodyPr/>
+                    <a:lstStyle/>
+                    <a:p>
+                      <a:r>
+                        <a:rPr lang="fr-FR" sz="1600" dirty="0" smtClean="0"/>
+                        <a:t>tester différentes roues / </a:t>
+                      </a:r>
+                    </a:p>
+                    <a:p>
+                      <a:r>
+                        <a:rPr lang="fr-FR" sz="1600" dirty="0" smtClean="0"/>
+                        <a:t>changer la surface du </a:t>
+                      </a:r>
+                      <a:r>
+                        <a:rPr lang="fr-FR" sz="1600" baseline="0" dirty="0" smtClean="0"/>
+                        <a:t>terrain</a:t>
+                      </a:r>
+                      <a:endParaRPr lang="fr-FR" sz="1600" dirty="0"/>
+                    </a:p>
+                  </a:txBody>
+                  <a:tcPr/>
+                </a:tc>
+              </a:tr>
+              <a:tr h="346648">
+                <a:tc>
+                  <a:txBody>
+                    <a:bodyPr/>
+                    <a:lstStyle/>
+                    <a:p>
+                      <a:pPr marL="0" marR="0" lvl="1" indent="0" algn="l" defTabSz="457200" rtl="0" eaLnBrk="1" fontAlgn="auto" latinLnBrk="0" hangingPunct="1">
+                        <a:lnSpc>
+                          <a:spcPct val="100000"/>
+                        </a:lnSpc>
+                        <a:spcBef>
+                          <a:spcPts val="0"/>
+                        </a:spcBef>
+                        <a:spcAft>
+                          <a:spcPts val="0"/>
+                        </a:spcAft>
+                        <a:buClrTx/>
+                        <a:buSzTx/>
+                        <a:buFontTx/>
+                        <a:buNone/>
+                        <a:tabLst/>
+                        <a:defRPr/>
+                      </a:pPr>
+                      <a:r>
+                        <a:rPr lang="fr-FR" sz="1600" dirty="0" smtClean="0"/>
+                        <a:t>imprécision du capteur infrarouge </a:t>
+                      </a:r>
+                    </a:p>
+                    <a:p>
+                      <a:endParaRPr lang="fr-FR" sz="1600" dirty="0"/>
+                    </a:p>
+                  </a:txBody>
+                  <a:tcPr>
+                    <a:solidFill>
+                      <a:schemeClr val="accent4">
+                        <a:lumMod val="20000"/>
+                        <a:lumOff val="80000"/>
+                      </a:schemeClr>
+                    </a:solidFill>
+                  </a:tcPr>
+                </a:tc>
+                <a:tc>
+                  <a:txBody>
+                    <a:bodyPr/>
+                    <a:lstStyle/>
+                    <a:p>
+                      <a:r>
+                        <a:rPr lang="fr-FR" sz="1600" dirty="0" smtClean="0"/>
+                        <a:t>tester différents capteurs</a:t>
+                      </a:r>
+                    </a:p>
+                    <a:p>
+                      <a:r>
+                        <a:rPr lang="fr-FR" sz="1600" baseline="0" dirty="0" smtClean="0"/>
+                        <a:t>ajout capteur de courte proximité</a:t>
+                      </a:r>
+                      <a:endParaRPr lang="fr-FR" sz="1600" dirty="0"/>
+                    </a:p>
+                  </a:txBody>
+                  <a:tcPr>
+                    <a:solidFill>
+                      <a:schemeClr val="accent4">
+                        <a:lumMod val="20000"/>
+                        <a:lumOff val="80000"/>
+                      </a:schemeClr>
+                    </a:solidFill>
+                  </a:tcPr>
+                </a:tc>
+              </a:tr>
+            </a:tbl>
+          </a:graphicData>
+        </a:graphic>
+      </p:graphicFrame>
+      <p:graphicFrame>
+        <p:nvGraphicFramePr>
+          <p:cNvPr id="7" name="Tableau 6"/>
+          <p:cNvGraphicFramePr>
+            <a:graphicFrameLocks noGrp="1"/>
+          </p:cNvGraphicFramePr>
+          <p:nvPr>
+            <p:extLst>
+              <p:ext uri="{D42A27DB-BD31-4B8C-83A1-F6EECF244321}">
+                <p14:modId xmlns:p14="http://schemas.microsoft.com/office/powerpoint/2010/main" val="13328684"/>
+              </p:ext>
+            </p:extLst>
+          </p:nvPr>
+        </p:nvGraphicFramePr>
+        <p:xfrm>
+          <a:off x="1384110" y="3875024"/>
+          <a:ext cx="8101412" cy="2194560"/>
+        </p:xfrm>
+        <a:graphic>
+          <a:graphicData uri="http://schemas.openxmlformats.org/drawingml/2006/table">
+            <a:tbl>
+              <a:tblPr firstRow="1" bandRow="1">
+                <a:tableStyleId>{5C22544A-7EE6-4342-B048-85BDC9FD1C3A}</a:tableStyleId>
+              </a:tblPr>
+              <a:tblGrid>
+                <a:gridCol w="4050706"/>
+                <a:gridCol w="4050706"/>
+              </a:tblGrid>
+              <a:tr h="327319">
+                <a:tc gridSpan="2">
+                  <a:txBody>
+                    <a:bodyPr/>
+                    <a:lstStyle/>
+                    <a:p>
+                      <a:pPr algn="ctr"/>
+                      <a:r>
+                        <a:rPr lang="fr-FR" sz="1800" b="0" dirty="0" smtClean="0"/>
+                        <a:t>Faussement</a:t>
+                      </a:r>
+                      <a:r>
+                        <a:rPr lang="fr-FR" sz="1800" b="0" baseline="0" dirty="0" smtClean="0"/>
+                        <a:t> de l’odométrie</a:t>
+                      </a:r>
+                      <a:endParaRPr lang="fr-FR" sz="2000" b="0" dirty="0"/>
+                    </a:p>
+                  </a:txBody>
+                  <a:tcPr/>
+                </a:tc>
+                <a:tc hMerge="1">
+                  <a:txBody>
+                    <a:bodyPr/>
+                    <a:lstStyle/>
+                    <a:p>
+                      <a:endParaRPr lang="fr-FR" dirty="0"/>
+                    </a:p>
+                  </a:txBody>
+                  <a:tcPr/>
+                </a:tc>
+              </a:tr>
+              <a:tr h="300043">
+                <a:tc>
+                  <a:txBody>
+                    <a:bodyPr/>
+                    <a:lstStyle/>
+                    <a:p>
+                      <a:pPr algn="ctr"/>
+                      <a:r>
+                        <a:rPr lang="fr-FR" sz="1600" dirty="0" smtClean="0"/>
+                        <a:t>Causes</a:t>
+                      </a:r>
+                      <a:endParaRPr lang="fr-FR" sz="1600" dirty="0"/>
+                    </a:p>
+                  </a:txBody>
+                  <a:tcPr/>
+                </a:tc>
+                <a:tc>
+                  <a:txBody>
+                    <a:bodyPr/>
+                    <a:lstStyle/>
+                    <a:p>
+                      <a:pPr algn="ctr"/>
+                      <a:r>
+                        <a:rPr lang="fr-FR" sz="1600" dirty="0" smtClean="0"/>
+                        <a:t>Possibilité</a:t>
+                      </a:r>
+                      <a:r>
+                        <a:rPr lang="fr-FR" sz="1600" baseline="0" dirty="0" smtClean="0"/>
+                        <a:t>s / Solution</a:t>
+                      </a:r>
+                      <a:endParaRPr lang="fr-FR" sz="1600" dirty="0"/>
+                    </a:p>
+                  </a:txBody>
+                  <a:tcPr/>
+                </a:tc>
+              </a:tr>
+              <a:tr h="300043">
+                <a:tc>
+                  <a:txBody>
+                    <a:bodyPr/>
+                    <a:lstStyle/>
+                    <a:p>
+                      <a:pPr marL="0" marR="0" lvl="1" indent="0" algn="l" defTabSz="457200" rtl="0" eaLnBrk="1" fontAlgn="auto" latinLnBrk="0" hangingPunct="1">
+                        <a:lnSpc>
+                          <a:spcPct val="100000"/>
+                        </a:lnSpc>
+                        <a:spcBef>
+                          <a:spcPts val="0"/>
+                        </a:spcBef>
+                        <a:spcAft>
+                          <a:spcPts val="0"/>
+                        </a:spcAft>
+                        <a:buClrTx/>
+                        <a:buSzTx/>
+                        <a:buFontTx/>
+                        <a:buNone/>
+                        <a:tabLst/>
+                        <a:defRPr/>
+                      </a:pPr>
+                      <a:r>
+                        <a:rPr lang="fr-FR" sz="1600" dirty="0" smtClean="0"/>
+                        <a:t>déplacement du robot à la main</a:t>
+                      </a:r>
+                      <a:endParaRPr lang="fr-FR" sz="1600" dirty="0"/>
+                    </a:p>
+                  </a:txBody>
+                  <a:tcPr anchor="ctr"/>
+                </a:tc>
+                <a:tc>
+                  <a:txBody>
+                    <a:bodyPr/>
+                    <a:lstStyle/>
+                    <a:p>
+                      <a:r>
+                        <a:rPr lang="fr-FR" sz="1600" dirty="0" smtClean="0"/>
+                        <a:t>                                 //</a:t>
+                      </a:r>
+                      <a:endParaRPr lang="fr-FR" sz="1600" dirty="0"/>
+                    </a:p>
+                  </a:txBody>
+                  <a:tcPr anchor="ctr"/>
+                </a:tc>
+              </a:tr>
+              <a:tr h="475904">
+                <a:tc>
+                  <a:txBody>
+                    <a:bodyPr/>
+                    <a:lstStyle/>
+                    <a:p>
+                      <a:pPr marL="0" marR="0" lvl="1" indent="0" algn="l" defTabSz="457200" rtl="0" eaLnBrk="1" fontAlgn="auto" latinLnBrk="0" hangingPunct="1">
+                        <a:lnSpc>
+                          <a:spcPct val="100000"/>
+                        </a:lnSpc>
+                        <a:spcBef>
+                          <a:spcPts val="0"/>
+                        </a:spcBef>
+                        <a:spcAft>
+                          <a:spcPts val="0"/>
+                        </a:spcAft>
+                        <a:buClrTx/>
+                        <a:buSzTx/>
+                        <a:buFontTx/>
+                        <a:buNone/>
+                        <a:tabLst/>
+                        <a:defRPr/>
+                      </a:pPr>
+                      <a:r>
+                        <a:rPr lang="fr-FR" sz="1600" dirty="0" smtClean="0"/>
+                        <a:t>collision avec un obstacle retenant le robot</a:t>
+                      </a:r>
+                    </a:p>
+                    <a:p>
+                      <a:endParaRPr lang="fr-FR" sz="1600" dirty="0"/>
+                    </a:p>
+                  </a:txBody>
+                  <a:tcPr anchor="ctr">
+                    <a:solidFill>
+                      <a:schemeClr val="accent4">
+                        <a:lumMod val="20000"/>
+                        <a:lumOff val="80000"/>
+                      </a:schemeClr>
+                    </a:solidFill>
+                  </a:tcPr>
+                </a:tc>
+                <a:tc>
+                  <a:txBody>
+                    <a:bodyPr/>
+                    <a:lstStyle/>
+                    <a:p>
+                      <a:r>
+                        <a:rPr lang="fr-FR" sz="1600" dirty="0" smtClean="0"/>
+                        <a:t>si</a:t>
+                      </a:r>
+                      <a:r>
+                        <a:rPr lang="fr-FR" sz="1600" baseline="0" dirty="0" smtClean="0"/>
+                        <a:t> la distance avec le capteur IR ne change pas c’est que le robot n’a pas avancé.</a:t>
+                      </a:r>
+                      <a:endParaRPr lang="fr-FR" sz="1600" dirty="0"/>
+                    </a:p>
+                  </a:txBody>
+                  <a:tcPr anchor="ctr">
+                    <a:solidFill>
+                      <a:schemeClr val="accent4">
+                        <a:lumMod val="20000"/>
+                        <a:lumOff val="80000"/>
+                      </a:schemeClr>
+                    </a:solidFill>
+                  </a:tcPr>
+                </a:tc>
+              </a:tr>
+              <a:tr h="518256">
+                <a:tc>
+                  <a:txBody>
+                    <a:bodyPr/>
+                    <a:lstStyle/>
+                    <a:p>
+                      <a:r>
+                        <a:rPr lang="fr-FR" sz="1600" dirty="0" smtClean="0"/>
+                        <a:t>détection  d’un obstacle dans la zone morte du capteur </a:t>
+                      </a:r>
+                      <a:endParaRPr lang="fr-FR" sz="1600" dirty="0"/>
+                    </a:p>
+                  </a:txBody>
+                  <a:tcPr anchor="ctr">
+                    <a:solidFill>
+                      <a:schemeClr val="accent4">
+                        <a:lumMod val="20000"/>
+                        <a:lumOff val="80000"/>
+                      </a:schemeClr>
+                    </a:solidFill>
+                  </a:tcPr>
+                </a:tc>
+                <a:tc>
+                  <a:txBody>
+                    <a:bodyPr/>
+                    <a:lstStyle/>
+                    <a:p>
+                      <a:r>
+                        <a:rPr lang="fr-FR" sz="1600" dirty="0" smtClean="0"/>
+                        <a:t>ajout d’un capteur de courte proximité</a:t>
+                      </a:r>
+                      <a:endParaRPr lang="fr-FR" sz="1600" dirty="0"/>
+                    </a:p>
+                  </a:txBody>
+                  <a:tcPr anchor="ctr">
+                    <a:solidFill>
+                      <a:schemeClr val="accent4">
+                        <a:lumMod val="20000"/>
+                        <a:lumOff val="80000"/>
+                      </a:schemeClr>
+                    </a:solidFill>
+                  </a:tcPr>
+                </a:tc>
+              </a:tr>
+            </a:tbl>
+          </a:graphicData>
+        </a:graphic>
+      </p:graphicFrame>
     </p:spTree>
     <p:extLst>
       <p:ext uri="{BB962C8B-B14F-4D97-AF65-F5344CB8AC3E}">
@@ -20121,11 +21865,7 @@
             <a:pPr lvl="1"/>
             <a:r>
               <a:rPr lang="fr-FR" dirty="0" smtClean="0"/>
-              <a:t>L’architecture du </a:t>
-            </a:r>
-            <a:r>
-              <a:rPr lang="fr-FR" dirty="0" smtClean="0"/>
-              <a:t>projet</a:t>
+              <a:t>L’architecture du projet</a:t>
             </a:r>
           </a:p>
           <a:p>

--- a/Gestion projet/Projet intégration robotique – IMERIR.pptx
+++ b/Gestion projet/Projet intégration robotique – IMERIR.pptx
@@ -11,23 +11,24 @@
     <p:sldId id="259" r:id="rId5"/>
     <p:sldId id="281" r:id="rId6"/>
     <p:sldId id="262" r:id="rId7"/>
-    <p:sldId id="282" r:id="rId8"/>
-    <p:sldId id="265" r:id="rId9"/>
-    <p:sldId id="266" r:id="rId10"/>
-    <p:sldId id="267" r:id="rId11"/>
-    <p:sldId id="268" r:id="rId12"/>
-    <p:sldId id="270" r:id="rId13"/>
-    <p:sldId id="283" r:id="rId14"/>
-    <p:sldId id="287" r:id="rId15"/>
-    <p:sldId id="288" r:id="rId16"/>
-    <p:sldId id="289" r:id="rId17"/>
-    <p:sldId id="284" r:id="rId18"/>
-    <p:sldId id="261" r:id="rId19"/>
-    <p:sldId id="285" r:id="rId20"/>
-    <p:sldId id="269" r:id="rId21"/>
-    <p:sldId id="264" r:id="rId22"/>
-    <p:sldId id="286" r:id="rId23"/>
-    <p:sldId id="258" r:id="rId24"/>
+    <p:sldId id="290" r:id="rId8"/>
+    <p:sldId id="282" r:id="rId9"/>
+    <p:sldId id="265" r:id="rId10"/>
+    <p:sldId id="266" r:id="rId11"/>
+    <p:sldId id="267" r:id="rId12"/>
+    <p:sldId id="268" r:id="rId13"/>
+    <p:sldId id="270" r:id="rId14"/>
+    <p:sldId id="283" r:id="rId15"/>
+    <p:sldId id="287" r:id="rId16"/>
+    <p:sldId id="288" r:id="rId17"/>
+    <p:sldId id="289" r:id="rId18"/>
+    <p:sldId id="284" r:id="rId19"/>
+    <p:sldId id="261" r:id="rId20"/>
+    <p:sldId id="285" r:id="rId21"/>
+    <p:sldId id="269" r:id="rId22"/>
+    <p:sldId id="264" r:id="rId23"/>
+    <p:sldId id="286" r:id="rId24"/>
+    <p:sldId id="258" r:id="rId25"/>
   </p:sldIdLst>
   <p:sldSz cx="12192000" cy="6858000"/>
   <p:notesSz cx="6858000" cy="9144000"/>
@@ -2992,6 +2993,1084 @@
       <dsp:cNvGrpSpPr/>
     </dsp:nvGrpSpPr>
     <dsp:grpSpPr/>
+    <dsp:sp modelId="{C690D0CD-7211-42BB-BA22-C909A7CA1954}">
+      <dsp:nvSpPr>
+        <dsp:cNvPr id="0" name=""/>
+        <dsp:cNvSpPr/>
+      </dsp:nvSpPr>
+      <dsp:spPr>
+        <a:xfrm>
+          <a:off x="5077836" y="1676507"/>
+          <a:ext cx="3984630" cy="592315"/>
+        </a:xfrm>
+        <a:custGeom>
+          <a:avLst/>
+          <a:gdLst/>
+          <a:ahLst/>
+          <a:cxnLst/>
+          <a:rect l="0" t="0" r="0" b="0"/>
+          <a:pathLst>
+            <a:path>
+              <a:moveTo>
+                <a:pt x="0" y="0"/>
+              </a:moveTo>
+              <a:lnTo>
+                <a:pt x="0" y="353111"/>
+              </a:lnTo>
+              <a:lnTo>
+                <a:pt x="3984630" y="353111"/>
+              </a:lnTo>
+              <a:lnTo>
+                <a:pt x="3984630" y="592315"/>
+              </a:lnTo>
+            </a:path>
+          </a:pathLst>
+        </a:custGeom>
+        <a:noFill/>
+        <a:ln w="9525" cap="rnd" cmpd="sng" algn="ctr">
+          <a:solidFill>
+            <a:schemeClr val="accent1">
+              <a:shade val="60000"/>
+              <a:hueOff val="0"/>
+              <a:satOff val="0"/>
+              <a:lumOff val="0"/>
+              <a:alphaOff val="0"/>
+            </a:schemeClr>
+          </a:solidFill>
+          <a:prstDash val="solid"/>
+        </a:ln>
+        <a:effectLst/>
+      </dsp:spPr>
+      <dsp:style>
+        <a:lnRef idx="1">
+          <a:scrgbClr r="0" g="0" b="0"/>
+        </a:lnRef>
+        <a:fillRef idx="0">
+          <a:scrgbClr r="0" g="0" b="0"/>
+        </a:fillRef>
+        <a:effectRef idx="0">
+          <a:scrgbClr r="0" g="0" b="0"/>
+        </a:effectRef>
+        <a:fontRef idx="minor"/>
+      </dsp:style>
+    </dsp:sp>
+    <dsp:sp modelId="{4A968BB4-BA07-4A5B-A53B-F2957ABC86FB}">
+      <dsp:nvSpPr>
+        <dsp:cNvPr id="0" name=""/>
+        <dsp:cNvSpPr/>
+      </dsp:nvSpPr>
+      <dsp:spPr>
+        <a:xfrm>
+          <a:off x="5077836" y="1676507"/>
+          <a:ext cx="1328210" cy="592315"/>
+        </a:xfrm>
+        <a:custGeom>
+          <a:avLst/>
+          <a:gdLst/>
+          <a:ahLst/>
+          <a:cxnLst/>
+          <a:rect l="0" t="0" r="0" b="0"/>
+          <a:pathLst>
+            <a:path>
+              <a:moveTo>
+                <a:pt x="0" y="0"/>
+              </a:moveTo>
+              <a:lnTo>
+                <a:pt x="0" y="353111"/>
+              </a:lnTo>
+              <a:lnTo>
+                <a:pt x="1328210" y="353111"/>
+              </a:lnTo>
+              <a:lnTo>
+                <a:pt x="1328210" y="592315"/>
+              </a:lnTo>
+            </a:path>
+          </a:pathLst>
+        </a:custGeom>
+        <a:noFill/>
+        <a:ln w="9525" cap="rnd" cmpd="sng" algn="ctr">
+          <a:solidFill>
+            <a:schemeClr val="accent1">
+              <a:shade val="60000"/>
+              <a:hueOff val="0"/>
+              <a:satOff val="0"/>
+              <a:lumOff val="0"/>
+              <a:alphaOff val="0"/>
+            </a:schemeClr>
+          </a:solidFill>
+          <a:prstDash val="solid"/>
+        </a:ln>
+        <a:effectLst/>
+      </dsp:spPr>
+      <dsp:style>
+        <a:lnRef idx="1">
+          <a:scrgbClr r="0" g="0" b="0"/>
+        </a:lnRef>
+        <a:fillRef idx="0">
+          <a:scrgbClr r="0" g="0" b="0"/>
+        </a:fillRef>
+        <a:effectRef idx="0">
+          <a:scrgbClr r="0" g="0" b="0"/>
+        </a:effectRef>
+        <a:fontRef idx="minor"/>
+      </dsp:style>
+    </dsp:sp>
+    <dsp:sp modelId="{31D35D76-771E-4FDE-BA75-EC484194EBC2}">
+      <dsp:nvSpPr>
+        <dsp:cNvPr id="0" name=""/>
+        <dsp:cNvSpPr/>
+      </dsp:nvSpPr>
+      <dsp:spPr>
+        <a:xfrm>
+          <a:off x="3749626" y="1676507"/>
+          <a:ext cx="1328210" cy="592315"/>
+        </a:xfrm>
+        <a:custGeom>
+          <a:avLst/>
+          <a:gdLst/>
+          <a:ahLst/>
+          <a:cxnLst/>
+          <a:rect l="0" t="0" r="0" b="0"/>
+          <a:pathLst>
+            <a:path>
+              <a:moveTo>
+                <a:pt x="1328210" y="0"/>
+              </a:moveTo>
+              <a:lnTo>
+                <a:pt x="1328210" y="353111"/>
+              </a:lnTo>
+              <a:lnTo>
+                <a:pt x="0" y="353111"/>
+              </a:lnTo>
+              <a:lnTo>
+                <a:pt x="0" y="592315"/>
+              </a:lnTo>
+            </a:path>
+          </a:pathLst>
+        </a:custGeom>
+        <a:noFill/>
+        <a:ln w="9525" cap="rnd" cmpd="sng" algn="ctr">
+          <a:solidFill>
+            <a:schemeClr val="accent1">
+              <a:shade val="60000"/>
+              <a:hueOff val="0"/>
+              <a:satOff val="0"/>
+              <a:lumOff val="0"/>
+              <a:alphaOff val="0"/>
+            </a:schemeClr>
+          </a:solidFill>
+          <a:prstDash val="solid"/>
+        </a:ln>
+        <a:effectLst/>
+      </dsp:spPr>
+      <dsp:style>
+        <a:lnRef idx="1">
+          <a:scrgbClr r="0" g="0" b="0"/>
+        </a:lnRef>
+        <a:fillRef idx="0">
+          <a:scrgbClr r="0" g="0" b="0"/>
+        </a:fillRef>
+        <a:effectRef idx="0">
+          <a:scrgbClr r="0" g="0" b="0"/>
+        </a:effectRef>
+        <a:fontRef idx="minor"/>
+      </dsp:style>
+    </dsp:sp>
+    <dsp:sp modelId="{095703D4-98CA-460D-B2F6-CA110B625919}">
+      <dsp:nvSpPr>
+        <dsp:cNvPr id="0" name=""/>
+        <dsp:cNvSpPr/>
+      </dsp:nvSpPr>
+      <dsp:spPr>
+        <a:xfrm>
+          <a:off x="1093206" y="1676507"/>
+          <a:ext cx="3984630" cy="592315"/>
+        </a:xfrm>
+        <a:custGeom>
+          <a:avLst/>
+          <a:gdLst/>
+          <a:ahLst/>
+          <a:cxnLst/>
+          <a:rect l="0" t="0" r="0" b="0"/>
+          <a:pathLst>
+            <a:path>
+              <a:moveTo>
+                <a:pt x="3984630" y="0"/>
+              </a:moveTo>
+              <a:lnTo>
+                <a:pt x="3984630" y="353111"/>
+              </a:lnTo>
+              <a:lnTo>
+                <a:pt x="0" y="353111"/>
+              </a:lnTo>
+              <a:lnTo>
+                <a:pt x="0" y="592315"/>
+              </a:lnTo>
+            </a:path>
+          </a:pathLst>
+        </a:custGeom>
+        <a:noFill/>
+        <a:ln w="9525" cap="rnd" cmpd="sng" algn="ctr">
+          <a:solidFill>
+            <a:schemeClr val="accent1">
+              <a:shade val="60000"/>
+              <a:hueOff val="0"/>
+              <a:satOff val="0"/>
+              <a:lumOff val="0"/>
+              <a:alphaOff val="0"/>
+            </a:schemeClr>
+          </a:solidFill>
+          <a:prstDash val="solid"/>
+        </a:ln>
+        <a:effectLst/>
+      </dsp:spPr>
+      <dsp:style>
+        <a:lnRef idx="1">
+          <a:scrgbClr r="0" g="0" b="0"/>
+        </a:lnRef>
+        <a:fillRef idx="0">
+          <a:scrgbClr r="0" g="0" b="0"/>
+        </a:fillRef>
+        <a:effectRef idx="0">
+          <a:scrgbClr r="0" g="0" b="0"/>
+        </a:effectRef>
+        <a:fontRef idx="minor"/>
+      </dsp:style>
+    </dsp:sp>
+    <dsp:sp modelId="{153DF482-9B63-4F22-A2E6-E0985D657AE7}">
+      <dsp:nvSpPr>
+        <dsp:cNvPr id="0" name=""/>
+        <dsp:cNvSpPr/>
+      </dsp:nvSpPr>
+      <dsp:spPr>
+        <a:xfrm>
+          <a:off x="4087831" y="651345"/>
+          <a:ext cx="1980010" cy="1025161"/>
+        </a:xfrm>
+        <a:prstGeom prst="rect">
+          <a:avLst/>
+        </a:prstGeom>
+        <a:gradFill rotWithShape="0">
+          <a:gsLst>
+            <a:gs pos="0">
+              <a:schemeClr val="accent1">
+                <a:hueOff val="0"/>
+                <a:satOff val="0"/>
+                <a:lumOff val="0"/>
+                <a:alphaOff val="0"/>
+                <a:tint val="96000"/>
+                <a:lumMod val="104000"/>
+              </a:schemeClr>
+            </a:gs>
+            <a:gs pos="100000">
+              <a:schemeClr val="accent1">
+                <a:hueOff val="0"/>
+                <a:satOff val="0"/>
+                <a:lumOff val="0"/>
+                <a:alphaOff val="0"/>
+                <a:shade val="90000"/>
+                <a:lumMod val="90000"/>
+              </a:schemeClr>
+            </a:gs>
+          </a:gsLst>
+          <a:lin ang="5400000" scaled="0"/>
+        </a:gradFill>
+        <a:ln>
+          <a:noFill/>
+        </a:ln>
+        <a:effectLst>
+          <a:outerShdw blurRad="63500" dist="25400" dir="5400000" rotWithShape="0">
+            <a:srgbClr val="000000">
+              <a:alpha val="60000"/>
+            </a:srgbClr>
+          </a:outerShdw>
+        </a:effectLst>
+      </dsp:spPr>
+      <dsp:style>
+        <a:lnRef idx="0">
+          <a:scrgbClr r="0" g="0" b="0"/>
+        </a:lnRef>
+        <a:fillRef idx="3">
+          <a:scrgbClr r="0" g="0" b="0"/>
+        </a:fillRef>
+        <a:effectRef idx="2">
+          <a:scrgbClr r="0" g="0" b="0"/>
+        </a:effectRef>
+        <a:fontRef idx="minor">
+          <a:schemeClr val="lt1"/>
+        </a:fontRef>
+      </dsp:style>
+      <dsp:txBody>
+        <a:bodyPr spcFirstLastPara="0" vert="horz" wrap="square" lIns="13970" tIns="13970" rIns="13970" bIns="144662" numCol="1" spcCol="1270" anchor="ctr" anchorCtr="0">
+          <a:noAutofit/>
+        </a:bodyPr>
+        <a:lstStyle/>
+        <a:p>
+          <a:pPr lvl="0" algn="ctr" defTabSz="977900">
+            <a:lnSpc>
+              <a:spcPct val="90000"/>
+            </a:lnSpc>
+            <a:spcBef>
+              <a:spcPct val="0"/>
+            </a:spcBef>
+            <a:spcAft>
+              <a:spcPct val="35000"/>
+            </a:spcAft>
+          </a:pPr>
+          <a:r>
+            <a:rPr lang="fr-FR" sz="2200" kern="1200"/>
+            <a:t>Chef de Projet</a:t>
+          </a:r>
+        </a:p>
+      </dsp:txBody>
+      <dsp:txXfrm>
+        <a:off x="4087831" y="651345"/>
+        <a:ext cx="1980010" cy="1025161"/>
+      </dsp:txXfrm>
+    </dsp:sp>
+    <dsp:sp modelId="{113EA813-3BA6-403B-BFBC-C6C029177D40}">
+      <dsp:nvSpPr>
+        <dsp:cNvPr id="0" name=""/>
+        <dsp:cNvSpPr/>
+      </dsp:nvSpPr>
+      <dsp:spPr>
+        <a:xfrm>
+          <a:off x="4483833" y="1448693"/>
+          <a:ext cx="1782009" cy="341720"/>
+        </a:xfrm>
+        <a:prstGeom prst="rect">
+          <a:avLst/>
+        </a:prstGeom>
+        <a:solidFill>
+          <a:schemeClr val="lt1">
+            <a:alpha val="90000"/>
+            <a:hueOff val="0"/>
+            <a:satOff val="0"/>
+            <a:lumOff val="0"/>
+            <a:alphaOff val="0"/>
+          </a:schemeClr>
+        </a:solidFill>
+        <a:ln w="9525" cap="rnd" cmpd="sng" algn="ctr">
+          <a:solidFill>
+            <a:schemeClr val="accent1">
+              <a:hueOff val="0"/>
+              <a:satOff val="0"/>
+              <a:lumOff val="0"/>
+              <a:alphaOff val="0"/>
+            </a:schemeClr>
+          </a:solidFill>
+          <a:prstDash val="solid"/>
+        </a:ln>
+        <a:effectLst/>
+      </dsp:spPr>
+      <dsp:style>
+        <a:lnRef idx="1">
+          <a:scrgbClr r="0" g="0" b="0"/>
+        </a:lnRef>
+        <a:fillRef idx="1">
+          <a:scrgbClr r="0" g="0" b="0"/>
+        </a:fillRef>
+        <a:effectRef idx="0">
+          <a:scrgbClr r="0" g="0" b="0"/>
+        </a:effectRef>
+        <a:fontRef idx="minor"/>
+      </dsp:style>
+      <dsp:txBody>
+        <a:bodyPr spcFirstLastPara="0" vert="horz" wrap="square" lIns="38100" tIns="9525" rIns="38100" bIns="9525" numCol="1" spcCol="1270" anchor="ctr" anchorCtr="0">
+          <a:noAutofit/>
+        </a:bodyPr>
+        <a:lstStyle/>
+        <a:p>
+          <a:pPr lvl="0" algn="r" defTabSz="666750">
+            <a:lnSpc>
+              <a:spcPct val="90000"/>
+            </a:lnSpc>
+            <a:spcBef>
+              <a:spcPct val="0"/>
+            </a:spcBef>
+            <a:spcAft>
+              <a:spcPct val="35000"/>
+            </a:spcAft>
+          </a:pPr>
+          <a:r>
+            <a:rPr lang="fr-FR" sz="1500" kern="1200" dirty="0"/>
+            <a:t>Cyril PY</a:t>
+          </a:r>
+        </a:p>
+      </dsp:txBody>
+      <dsp:txXfrm>
+        <a:off x="4483833" y="1448693"/>
+        <a:ext cx="1782009" cy="341720"/>
+      </dsp:txXfrm>
+    </dsp:sp>
+    <dsp:sp modelId="{5676D32F-1CE3-4176-81F2-A39E244B0416}">
+      <dsp:nvSpPr>
+        <dsp:cNvPr id="0" name=""/>
+        <dsp:cNvSpPr/>
+      </dsp:nvSpPr>
+      <dsp:spPr>
+        <a:xfrm>
+          <a:off x="103201" y="2268822"/>
+          <a:ext cx="1980010" cy="1025161"/>
+        </a:xfrm>
+        <a:prstGeom prst="rect">
+          <a:avLst/>
+        </a:prstGeom>
+        <a:gradFill rotWithShape="0">
+          <a:gsLst>
+            <a:gs pos="0">
+              <a:schemeClr val="accent1">
+                <a:hueOff val="0"/>
+                <a:satOff val="0"/>
+                <a:lumOff val="0"/>
+                <a:alphaOff val="0"/>
+                <a:tint val="96000"/>
+                <a:lumMod val="104000"/>
+              </a:schemeClr>
+            </a:gs>
+            <a:gs pos="100000">
+              <a:schemeClr val="accent1">
+                <a:hueOff val="0"/>
+                <a:satOff val="0"/>
+                <a:lumOff val="0"/>
+                <a:alphaOff val="0"/>
+                <a:shade val="90000"/>
+                <a:lumMod val="90000"/>
+              </a:schemeClr>
+            </a:gs>
+          </a:gsLst>
+          <a:lin ang="5400000" scaled="0"/>
+        </a:gradFill>
+        <a:ln>
+          <a:noFill/>
+        </a:ln>
+        <a:effectLst>
+          <a:outerShdw blurRad="63500" dist="25400" dir="5400000" rotWithShape="0">
+            <a:srgbClr val="000000">
+              <a:alpha val="60000"/>
+            </a:srgbClr>
+          </a:outerShdw>
+        </a:effectLst>
+      </dsp:spPr>
+      <dsp:style>
+        <a:lnRef idx="0">
+          <a:scrgbClr r="0" g="0" b="0"/>
+        </a:lnRef>
+        <a:fillRef idx="3">
+          <a:scrgbClr r="0" g="0" b="0"/>
+        </a:fillRef>
+        <a:effectRef idx="2">
+          <a:scrgbClr r="0" g="0" b="0"/>
+        </a:effectRef>
+        <a:fontRef idx="minor">
+          <a:schemeClr val="lt1"/>
+        </a:fontRef>
+      </dsp:style>
+      <dsp:txBody>
+        <a:bodyPr spcFirstLastPara="0" vert="horz" wrap="square" lIns="13970" tIns="13970" rIns="13970" bIns="144662" numCol="1" spcCol="1270" anchor="ctr" anchorCtr="0">
+          <a:noAutofit/>
+        </a:bodyPr>
+        <a:lstStyle/>
+        <a:p>
+          <a:pPr lvl="0" algn="ctr" defTabSz="977900">
+            <a:lnSpc>
+              <a:spcPct val="90000"/>
+            </a:lnSpc>
+            <a:spcBef>
+              <a:spcPct val="0"/>
+            </a:spcBef>
+            <a:spcAft>
+              <a:spcPct val="35000"/>
+            </a:spcAft>
+          </a:pPr>
+          <a:r>
+            <a:rPr lang="fr-FR" sz="2200" kern="1200" dirty="0" smtClean="0"/>
+            <a:t>Odométrie</a:t>
+          </a:r>
+          <a:endParaRPr lang="fr-FR" sz="2200" kern="1200" dirty="0"/>
+        </a:p>
+      </dsp:txBody>
+      <dsp:txXfrm>
+        <a:off x="103201" y="2268822"/>
+        <a:ext cx="1980010" cy="1025161"/>
+      </dsp:txXfrm>
+    </dsp:sp>
+    <dsp:sp modelId="{809562EB-4A18-496D-99D9-E0B60B4EAEA5}">
+      <dsp:nvSpPr>
+        <dsp:cNvPr id="0" name=""/>
+        <dsp:cNvSpPr/>
+      </dsp:nvSpPr>
+      <dsp:spPr>
+        <a:xfrm>
+          <a:off x="578787" y="3066170"/>
+          <a:ext cx="1782009" cy="341720"/>
+        </a:xfrm>
+        <a:prstGeom prst="rect">
+          <a:avLst/>
+        </a:prstGeom>
+        <a:solidFill>
+          <a:schemeClr val="lt1">
+            <a:alpha val="90000"/>
+            <a:hueOff val="0"/>
+            <a:satOff val="0"/>
+            <a:lumOff val="0"/>
+            <a:alphaOff val="0"/>
+          </a:schemeClr>
+        </a:solidFill>
+        <a:ln w="9525" cap="rnd" cmpd="sng" algn="ctr">
+          <a:solidFill>
+            <a:schemeClr val="accent1">
+              <a:hueOff val="0"/>
+              <a:satOff val="0"/>
+              <a:lumOff val="0"/>
+              <a:alphaOff val="0"/>
+            </a:schemeClr>
+          </a:solidFill>
+          <a:prstDash val="solid"/>
+        </a:ln>
+        <a:effectLst/>
+      </dsp:spPr>
+      <dsp:style>
+        <a:lnRef idx="1">
+          <a:scrgbClr r="0" g="0" b="0"/>
+        </a:lnRef>
+        <a:fillRef idx="1">
+          <a:scrgbClr r="0" g="0" b="0"/>
+        </a:fillRef>
+        <a:effectRef idx="0">
+          <a:scrgbClr r="0" g="0" b="0"/>
+        </a:effectRef>
+        <a:fontRef idx="minor"/>
+      </dsp:style>
+      <dsp:txBody>
+        <a:bodyPr spcFirstLastPara="0" vert="horz" wrap="square" lIns="38100" tIns="9525" rIns="38100" bIns="9525" numCol="1" spcCol="1270" anchor="ctr" anchorCtr="0">
+          <a:noAutofit/>
+        </a:bodyPr>
+        <a:lstStyle/>
+        <a:p>
+          <a:pPr lvl="0" algn="r" defTabSz="666750">
+            <a:lnSpc>
+              <a:spcPct val="90000"/>
+            </a:lnSpc>
+            <a:spcBef>
+              <a:spcPct val="0"/>
+            </a:spcBef>
+            <a:spcAft>
+              <a:spcPct val="35000"/>
+            </a:spcAft>
+          </a:pPr>
+          <a:r>
+            <a:rPr lang="fr-FR" sz="1500" kern="1200" dirty="0"/>
+            <a:t>Thomas PRAK</a:t>
+          </a:r>
+        </a:p>
+      </dsp:txBody>
+      <dsp:txXfrm>
+        <a:off x="578787" y="3066170"/>
+        <a:ext cx="1782009" cy="341720"/>
+      </dsp:txXfrm>
+    </dsp:sp>
+    <dsp:sp modelId="{F522147D-7926-4BE8-A844-0FB48C50D80C}">
+      <dsp:nvSpPr>
+        <dsp:cNvPr id="0" name=""/>
+        <dsp:cNvSpPr/>
+      </dsp:nvSpPr>
+      <dsp:spPr>
+        <a:xfrm>
+          <a:off x="2759621" y="2268822"/>
+          <a:ext cx="1980010" cy="1025161"/>
+        </a:xfrm>
+        <a:prstGeom prst="rect">
+          <a:avLst/>
+        </a:prstGeom>
+        <a:gradFill rotWithShape="0">
+          <a:gsLst>
+            <a:gs pos="0">
+              <a:schemeClr val="accent1">
+                <a:hueOff val="0"/>
+                <a:satOff val="0"/>
+                <a:lumOff val="0"/>
+                <a:alphaOff val="0"/>
+                <a:tint val="96000"/>
+                <a:lumMod val="104000"/>
+              </a:schemeClr>
+            </a:gs>
+            <a:gs pos="100000">
+              <a:schemeClr val="accent1">
+                <a:hueOff val="0"/>
+                <a:satOff val="0"/>
+                <a:lumOff val="0"/>
+                <a:alphaOff val="0"/>
+                <a:shade val="90000"/>
+                <a:lumMod val="90000"/>
+              </a:schemeClr>
+            </a:gs>
+          </a:gsLst>
+          <a:lin ang="5400000" scaled="0"/>
+        </a:gradFill>
+        <a:ln>
+          <a:noFill/>
+        </a:ln>
+        <a:effectLst>
+          <a:outerShdw blurRad="63500" dist="25400" dir="5400000" rotWithShape="0">
+            <a:srgbClr val="000000">
+              <a:alpha val="60000"/>
+            </a:srgbClr>
+          </a:outerShdw>
+        </a:effectLst>
+      </dsp:spPr>
+      <dsp:style>
+        <a:lnRef idx="0">
+          <a:scrgbClr r="0" g="0" b="0"/>
+        </a:lnRef>
+        <a:fillRef idx="3">
+          <a:scrgbClr r="0" g="0" b="0"/>
+        </a:fillRef>
+        <a:effectRef idx="2">
+          <a:scrgbClr r="0" g="0" b="0"/>
+        </a:effectRef>
+        <a:fontRef idx="minor">
+          <a:schemeClr val="lt1"/>
+        </a:fontRef>
+      </dsp:style>
+      <dsp:txBody>
+        <a:bodyPr spcFirstLastPara="0" vert="horz" wrap="square" lIns="13970" tIns="13970" rIns="13970" bIns="144662" numCol="1" spcCol="1270" anchor="ctr" anchorCtr="0">
+          <a:noAutofit/>
+        </a:bodyPr>
+        <a:lstStyle/>
+        <a:p>
+          <a:pPr lvl="0" algn="ctr" defTabSz="977900">
+            <a:lnSpc>
+              <a:spcPct val="90000"/>
+            </a:lnSpc>
+            <a:spcBef>
+              <a:spcPct val="0"/>
+            </a:spcBef>
+            <a:spcAft>
+              <a:spcPct val="35000"/>
+            </a:spcAft>
+          </a:pPr>
+          <a:r>
+            <a:rPr lang="fr-FR" sz="2200" kern="1200" dirty="0" smtClean="0"/>
+            <a:t>Client Web</a:t>
+          </a:r>
+          <a:endParaRPr lang="fr-FR" sz="2200" kern="1200" dirty="0"/>
+        </a:p>
+      </dsp:txBody>
+      <dsp:txXfrm>
+        <a:off x="2759621" y="2268822"/>
+        <a:ext cx="1980010" cy="1025161"/>
+      </dsp:txXfrm>
+    </dsp:sp>
+    <dsp:sp modelId="{BDDE5DF6-64AC-499B-A204-5D73CD5189A5}">
+      <dsp:nvSpPr>
+        <dsp:cNvPr id="0" name=""/>
+        <dsp:cNvSpPr/>
+      </dsp:nvSpPr>
+      <dsp:spPr>
+        <a:xfrm>
+          <a:off x="3155623" y="3066170"/>
+          <a:ext cx="1782009" cy="341720"/>
+        </a:xfrm>
+        <a:prstGeom prst="rect">
+          <a:avLst/>
+        </a:prstGeom>
+        <a:solidFill>
+          <a:schemeClr val="lt1">
+            <a:alpha val="90000"/>
+            <a:hueOff val="0"/>
+            <a:satOff val="0"/>
+            <a:lumOff val="0"/>
+            <a:alphaOff val="0"/>
+          </a:schemeClr>
+        </a:solidFill>
+        <a:ln w="9525" cap="rnd" cmpd="sng" algn="ctr">
+          <a:solidFill>
+            <a:schemeClr val="accent1">
+              <a:hueOff val="0"/>
+              <a:satOff val="0"/>
+              <a:lumOff val="0"/>
+              <a:alphaOff val="0"/>
+            </a:schemeClr>
+          </a:solidFill>
+          <a:prstDash val="solid"/>
+        </a:ln>
+        <a:effectLst/>
+      </dsp:spPr>
+      <dsp:style>
+        <a:lnRef idx="1">
+          <a:scrgbClr r="0" g="0" b="0"/>
+        </a:lnRef>
+        <a:fillRef idx="1">
+          <a:scrgbClr r="0" g="0" b="0"/>
+        </a:fillRef>
+        <a:effectRef idx="0">
+          <a:scrgbClr r="0" g="0" b="0"/>
+        </a:effectRef>
+        <a:fontRef idx="minor"/>
+      </dsp:style>
+      <dsp:txBody>
+        <a:bodyPr spcFirstLastPara="0" vert="horz" wrap="square" lIns="38100" tIns="9525" rIns="38100" bIns="9525" numCol="1" spcCol="1270" anchor="ctr" anchorCtr="0">
+          <a:noAutofit/>
+        </a:bodyPr>
+        <a:lstStyle/>
+        <a:p>
+          <a:pPr lvl="0" algn="r" defTabSz="666750">
+            <a:lnSpc>
+              <a:spcPct val="90000"/>
+            </a:lnSpc>
+            <a:spcBef>
+              <a:spcPct val="0"/>
+            </a:spcBef>
+            <a:spcAft>
+              <a:spcPct val="35000"/>
+            </a:spcAft>
+          </a:pPr>
+          <a:r>
+            <a:rPr lang="fr-FR" sz="1500" kern="1200" dirty="0"/>
+            <a:t>Justine SABBATIER</a:t>
+          </a:r>
+        </a:p>
+      </dsp:txBody>
+      <dsp:txXfrm>
+        <a:off x="3155623" y="3066170"/>
+        <a:ext cx="1782009" cy="341720"/>
+      </dsp:txXfrm>
+    </dsp:sp>
+    <dsp:sp modelId="{5662567F-F7A3-40C3-B265-EF28650FB1CC}">
+      <dsp:nvSpPr>
+        <dsp:cNvPr id="0" name=""/>
+        <dsp:cNvSpPr/>
+      </dsp:nvSpPr>
+      <dsp:spPr>
+        <a:xfrm>
+          <a:off x="5416041" y="2268822"/>
+          <a:ext cx="1980010" cy="1025161"/>
+        </a:xfrm>
+        <a:prstGeom prst="rect">
+          <a:avLst/>
+        </a:prstGeom>
+        <a:gradFill rotWithShape="0">
+          <a:gsLst>
+            <a:gs pos="0">
+              <a:schemeClr val="accent1">
+                <a:hueOff val="0"/>
+                <a:satOff val="0"/>
+                <a:lumOff val="0"/>
+                <a:alphaOff val="0"/>
+                <a:tint val="96000"/>
+                <a:lumMod val="104000"/>
+              </a:schemeClr>
+            </a:gs>
+            <a:gs pos="100000">
+              <a:schemeClr val="accent1">
+                <a:hueOff val="0"/>
+                <a:satOff val="0"/>
+                <a:lumOff val="0"/>
+                <a:alphaOff val="0"/>
+                <a:shade val="90000"/>
+                <a:lumMod val="90000"/>
+              </a:schemeClr>
+            </a:gs>
+          </a:gsLst>
+          <a:lin ang="5400000" scaled="0"/>
+        </a:gradFill>
+        <a:ln>
+          <a:noFill/>
+        </a:ln>
+        <a:effectLst>
+          <a:outerShdw blurRad="63500" dist="25400" dir="5400000" rotWithShape="0">
+            <a:srgbClr val="000000">
+              <a:alpha val="60000"/>
+            </a:srgbClr>
+          </a:outerShdw>
+        </a:effectLst>
+      </dsp:spPr>
+      <dsp:style>
+        <a:lnRef idx="0">
+          <a:scrgbClr r="0" g="0" b="0"/>
+        </a:lnRef>
+        <a:fillRef idx="3">
+          <a:scrgbClr r="0" g="0" b="0"/>
+        </a:fillRef>
+        <a:effectRef idx="2">
+          <a:scrgbClr r="0" g="0" b="0"/>
+        </a:effectRef>
+        <a:fontRef idx="minor">
+          <a:schemeClr val="lt1"/>
+        </a:fontRef>
+      </dsp:style>
+      <dsp:txBody>
+        <a:bodyPr spcFirstLastPara="0" vert="horz" wrap="square" lIns="13970" tIns="13970" rIns="13970" bIns="144662" numCol="1" spcCol="1270" anchor="ctr" anchorCtr="0">
+          <a:noAutofit/>
+        </a:bodyPr>
+        <a:lstStyle/>
+        <a:p>
+          <a:pPr lvl="0" algn="ctr" defTabSz="977900">
+            <a:lnSpc>
+              <a:spcPct val="90000"/>
+            </a:lnSpc>
+            <a:spcBef>
+              <a:spcPct val="0"/>
+            </a:spcBef>
+            <a:spcAft>
+              <a:spcPct val="35000"/>
+            </a:spcAft>
+          </a:pPr>
+          <a:r>
+            <a:rPr lang="fr-FR" sz="2200" kern="1200" dirty="0" smtClean="0"/>
+            <a:t>Algorithme</a:t>
+          </a:r>
+          <a:endParaRPr lang="fr-FR" sz="2200" kern="1200" dirty="0"/>
+        </a:p>
+      </dsp:txBody>
+      <dsp:txXfrm>
+        <a:off x="5416041" y="2268822"/>
+        <a:ext cx="1980010" cy="1025161"/>
+      </dsp:txXfrm>
+    </dsp:sp>
+    <dsp:sp modelId="{0E9E0690-608D-4BF4-8CCF-3E5EC47EB681}">
+      <dsp:nvSpPr>
+        <dsp:cNvPr id="0" name=""/>
+        <dsp:cNvSpPr/>
+      </dsp:nvSpPr>
+      <dsp:spPr>
+        <a:xfrm>
+          <a:off x="5812044" y="3066170"/>
+          <a:ext cx="1782009" cy="341720"/>
+        </a:xfrm>
+        <a:prstGeom prst="rect">
+          <a:avLst/>
+        </a:prstGeom>
+        <a:solidFill>
+          <a:schemeClr val="lt1">
+            <a:alpha val="90000"/>
+            <a:hueOff val="0"/>
+            <a:satOff val="0"/>
+            <a:lumOff val="0"/>
+            <a:alphaOff val="0"/>
+          </a:schemeClr>
+        </a:solidFill>
+        <a:ln w="9525" cap="rnd" cmpd="sng" algn="ctr">
+          <a:solidFill>
+            <a:schemeClr val="accent1">
+              <a:hueOff val="0"/>
+              <a:satOff val="0"/>
+              <a:lumOff val="0"/>
+              <a:alphaOff val="0"/>
+            </a:schemeClr>
+          </a:solidFill>
+          <a:prstDash val="solid"/>
+        </a:ln>
+        <a:effectLst/>
+      </dsp:spPr>
+      <dsp:style>
+        <a:lnRef idx="1">
+          <a:scrgbClr r="0" g="0" b="0"/>
+        </a:lnRef>
+        <a:fillRef idx="1">
+          <a:scrgbClr r="0" g="0" b="0"/>
+        </a:fillRef>
+        <a:effectRef idx="0">
+          <a:scrgbClr r="0" g="0" b="0"/>
+        </a:effectRef>
+        <a:fontRef idx="minor"/>
+      </dsp:style>
+      <dsp:txBody>
+        <a:bodyPr spcFirstLastPara="0" vert="horz" wrap="square" lIns="38100" tIns="9525" rIns="38100" bIns="9525" numCol="1" spcCol="1270" anchor="ctr" anchorCtr="0">
+          <a:noAutofit/>
+        </a:bodyPr>
+        <a:lstStyle/>
+        <a:p>
+          <a:pPr lvl="0" algn="r" defTabSz="666750">
+            <a:lnSpc>
+              <a:spcPct val="90000"/>
+            </a:lnSpc>
+            <a:spcBef>
+              <a:spcPct val="0"/>
+            </a:spcBef>
+            <a:spcAft>
+              <a:spcPct val="35000"/>
+            </a:spcAft>
+          </a:pPr>
+          <a:r>
+            <a:rPr lang="fr-FR" sz="1500" kern="1200"/>
+            <a:t>Mathias DA COSTA</a:t>
+          </a:r>
+        </a:p>
+      </dsp:txBody>
+      <dsp:txXfrm>
+        <a:off x="5812044" y="3066170"/>
+        <a:ext cx="1782009" cy="341720"/>
+      </dsp:txXfrm>
+    </dsp:sp>
+    <dsp:sp modelId="{96FA1259-64E4-404F-B34D-D3DE19F6B678}">
+      <dsp:nvSpPr>
+        <dsp:cNvPr id="0" name=""/>
+        <dsp:cNvSpPr/>
+      </dsp:nvSpPr>
+      <dsp:spPr>
+        <a:xfrm>
+          <a:off x="8072462" y="2268822"/>
+          <a:ext cx="1980010" cy="1025161"/>
+        </a:xfrm>
+        <a:prstGeom prst="rect">
+          <a:avLst/>
+        </a:prstGeom>
+        <a:gradFill rotWithShape="0">
+          <a:gsLst>
+            <a:gs pos="0">
+              <a:schemeClr val="accent1">
+                <a:hueOff val="0"/>
+                <a:satOff val="0"/>
+                <a:lumOff val="0"/>
+                <a:alphaOff val="0"/>
+                <a:tint val="96000"/>
+                <a:lumMod val="104000"/>
+              </a:schemeClr>
+            </a:gs>
+            <a:gs pos="100000">
+              <a:schemeClr val="accent1">
+                <a:hueOff val="0"/>
+                <a:satOff val="0"/>
+                <a:lumOff val="0"/>
+                <a:alphaOff val="0"/>
+                <a:shade val="90000"/>
+                <a:lumMod val="90000"/>
+              </a:schemeClr>
+            </a:gs>
+          </a:gsLst>
+          <a:lin ang="5400000" scaled="0"/>
+        </a:gradFill>
+        <a:ln>
+          <a:noFill/>
+        </a:ln>
+        <a:effectLst>
+          <a:outerShdw blurRad="63500" dist="25400" dir="5400000" rotWithShape="0">
+            <a:srgbClr val="000000">
+              <a:alpha val="60000"/>
+            </a:srgbClr>
+          </a:outerShdw>
+        </a:effectLst>
+      </dsp:spPr>
+      <dsp:style>
+        <a:lnRef idx="0">
+          <a:scrgbClr r="0" g="0" b="0"/>
+        </a:lnRef>
+        <a:fillRef idx="3">
+          <a:scrgbClr r="0" g="0" b="0"/>
+        </a:fillRef>
+        <a:effectRef idx="2">
+          <a:scrgbClr r="0" g="0" b="0"/>
+        </a:effectRef>
+        <a:fontRef idx="minor">
+          <a:schemeClr val="lt1"/>
+        </a:fontRef>
+      </dsp:style>
+      <dsp:txBody>
+        <a:bodyPr spcFirstLastPara="0" vert="horz" wrap="square" lIns="13970" tIns="13970" rIns="13970" bIns="144662" numCol="1" spcCol="1270" anchor="ctr" anchorCtr="0">
+          <a:noAutofit/>
+        </a:bodyPr>
+        <a:lstStyle/>
+        <a:p>
+          <a:pPr lvl="0" algn="ctr" defTabSz="977900">
+            <a:lnSpc>
+              <a:spcPct val="90000"/>
+            </a:lnSpc>
+            <a:spcBef>
+              <a:spcPct val="0"/>
+            </a:spcBef>
+            <a:spcAft>
+              <a:spcPct val="35000"/>
+            </a:spcAft>
+          </a:pPr>
+          <a:r>
+            <a:rPr lang="fr-FR" sz="2200" kern="1200" dirty="0" smtClean="0"/>
+            <a:t>Communication</a:t>
+          </a:r>
+          <a:endParaRPr lang="fr-FR" sz="2200" kern="1200" dirty="0"/>
+        </a:p>
+      </dsp:txBody>
+      <dsp:txXfrm>
+        <a:off x="8072462" y="2268822"/>
+        <a:ext cx="1980010" cy="1025161"/>
+      </dsp:txXfrm>
+    </dsp:sp>
+    <dsp:sp modelId="{A8EA838F-3B0C-4F99-BFF0-CFB047931BD1}">
+      <dsp:nvSpPr>
+        <dsp:cNvPr id="0" name=""/>
+        <dsp:cNvSpPr/>
+      </dsp:nvSpPr>
+      <dsp:spPr>
+        <a:xfrm>
+          <a:off x="8468464" y="3066170"/>
+          <a:ext cx="1782009" cy="341720"/>
+        </a:xfrm>
+        <a:prstGeom prst="rect">
+          <a:avLst/>
+        </a:prstGeom>
+        <a:solidFill>
+          <a:schemeClr val="lt1">
+            <a:alpha val="90000"/>
+            <a:hueOff val="0"/>
+            <a:satOff val="0"/>
+            <a:lumOff val="0"/>
+            <a:alphaOff val="0"/>
+          </a:schemeClr>
+        </a:solidFill>
+        <a:ln w="9525" cap="rnd" cmpd="sng" algn="ctr">
+          <a:solidFill>
+            <a:schemeClr val="accent1">
+              <a:hueOff val="0"/>
+              <a:satOff val="0"/>
+              <a:lumOff val="0"/>
+              <a:alphaOff val="0"/>
+            </a:schemeClr>
+          </a:solidFill>
+          <a:prstDash val="solid"/>
+        </a:ln>
+        <a:effectLst/>
+      </dsp:spPr>
+      <dsp:style>
+        <a:lnRef idx="1">
+          <a:scrgbClr r="0" g="0" b="0"/>
+        </a:lnRef>
+        <a:fillRef idx="1">
+          <a:scrgbClr r="0" g="0" b="0"/>
+        </a:fillRef>
+        <a:effectRef idx="0">
+          <a:scrgbClr r="0" g="0" b="0"/>
+        </a:effectRef>
+        <a:fontRef idx="minor"/>
+      </dsp:style>
+      <dsp:txBody>
+        <a:bodyPr spcFirstLastPara="0" vert="horz" wrap="square" lIns="38100" tIns="9525" rIns="38100" bIns="9525" numCol="1" spcCol="1270" anchor="ctr" anchorCtr="0">
+          <a:noAutofit/>
+        </a:bodyPr>
+        <a:lstStyle/>
+        <a:p>
+          <a:pPr lvl="0" algn="r" defTabSz="666750">
+            <a:lnSpc>
+              <a:spcPct val="90000"/>
+            </a:lnSpc>
+            <a:spcBef>
+              <a:spcPct val="0"/>
+            </a:spcBef>
+            <a:spcAft>
+              <a:spcPct val="35000"/>
+            </a:spcAft>
+          </a:pPr>
+          <a:r>
+            <a:rPr lang="fr-FR" sz="1500" kern="1200"/>
+            <a:t>Julien LOEVE</a:t>
+          </a:r>
+        </a:p>
+      </dsp:txBody>
+      <dsp:txXfrm>
+        <a:off x="8468464" y="3066170"/>
+        <a:ext cx="1782009" cy="341720"/>
+      </dsp:txXfrm>
+    </dsp:sp>
   </dsp:spTree>
 </dsp:drawing>
 </file>
@@ -3004,6 +4083,646 @@
       <dsp:cNvGrpSpPr/>
     </dsp:nvGrpSpPr>
     <dsp:grpSpPr/>
+    <dsp:sp modelId="{6A1FC33C-BD54-48D9-8848-B8051814CA7A}">
+      <dsp:nvSpPr>
+        <dsp:cNvPr id="0" name=""/>
+        <dsp:cNvSpPr/>
+      </dsp:nvSpPr>
+      <dsp:spPr>
+        <a:xfrm>
+          <a:off x="2656565" y="9048"/>
+          <a:ext cx="2412531" cy="2412899"/>
+        </a:xfrm>
+        <a:prstGeom prst="circularArrow">
+          <a:avLst>
+            <a:gd name="adj1" fmla="val 10980"/>
+            <a:gd name="adj2" fmla="val 1142322"/>
+            <a:gd name="adj3" fmla="val 4500000"/>
+            <a:gd name="adj4" fmla="val 10800000"/>
+            <a:gd name="adj5" fmla="val 12500"/>
+          </a:avLst>
+        </a:prstGeom>
+        <a:gradFill rotWithShape="0">
+          <a:gsLst>
+            <a:gs pos="0">
+              <a:schemeClr val="accent1">
+                <a:hueOff val="0"/>
+                <a:satOff val="0"/>
+                <a:lumOff val="0"/>
+                <a:alphaOff val="0"/>
+                <a:tint val="96000"/>
+                <a:lumMod val="104000"/>
+              </a:schemeClr>
+            </a:gs>
+            <a:gs pos="100000">
+              <a:schemeClr val="accent1">
+                <a:hueOff val="0"/>
+                <a:satOff val="0"/>
+                <a:lumOff val="0"/>
+                <a:alphaOff val="0"/>
+                <a:shade val="90000"/>
+                <a:lumMod val="90000"/>
+              </a:schemeClr>
+            </a:gs>
+          </a:gsLst>
+          <a:lin ang="5400000" scaled="0"/>
+        </a:gradFill>
+        <a:ln>
+          <a:noFill/>
+        </a:ln>
+        <a:effectLst>
+          <a:outerShdw blurRad="63500" dist="25400" dir="5400000" rotWithShape="0">
+            <a:srgbClr val="000000">
+              <a:alpha val="60000"/>
+            </a:srgbClr>
+          </a:outerShdw>
+        </a:effectLst>
+      </dsp:spPr>
+      <dsp:style>
+        <a:lnRef idx="0">
+          <a:scrgbClr r="0" g="0" b="0"/>
+        </a:lnRef>
+        <a:fillRef idx="3">
+          <a:scrgbClr r="0" g="0" b="0"/>
+        </a:fillRef>
+        <a:effectRef idx="2">
+          <a:scrgbClr r="0" g="0" b="0"/>
+        </a:effectRef>
+        <a:fontRef idx="minor">
+          <a:schemeClr val="lt1"/>
+        </a:fontRef>
+      </dsp:style>
+    </dsp:sp>
+    <dsp:sp modelId="{2BC33A24-C019-40DB-B4F8-D236F35960DA}">
+      <dsp:nvSpPr>
+        <dsp:cNvPr id="0" name=""/>
+        <dsp:cNvSpPr/>
+      </dsp:nvSpPr>
+      <dsp:spPr>
+        <a:xfrm>
+          <a:off x="5465248" y="601561"/>
+          <a:ext cx="3405954" cy="965360"/>
+        </a:xfrm>
+        <a:prstGeom prst="rect">
+          <a:avLst/>
+        </a:prstGeom>
+        <a:noFill/>
+        <a:ln>
+          <a:noFill/>
+        </a:ln>
+        <a:effectLst/>
+      </dsp:spPr>
+      <dsp:style>
+        <a:lnRef idx="0">
+          <a:scrgbClr r="0" g="0" b="0"/>
+        </a:lnRef>
+        <a:fillRef idx="0">
+          <a:scrgbClr r="0" g="0" b="0"/>
+        </a:fillRef>
+        <a:effectRef idx="0">
+          <a:scrgbClr r="0" g="0" b="0"/>
+        </a:effectRef>
+        <a:fontRef idx="minor"/>
+      </dsp:style>
+      <dsp:txBody>
+        <a:bodyPr spcFirstLastPara="0" vert="horz" wrap="square" lIns="15240" tIns="15240" rIns="15240" bIns="15240" numCol="1" spcCol="1270" anchor="ctr" anchorCtr="0">
+          <a:noAutofit/>
+        </a:bodyPr>
+        <a:lstStyle/>
+        <a:p>
+          <a:pPr marL="228600" lvl="1" indent="-228600" algn="l" defTabSz="1066800">
+            <a:lnSpc>
+              <a:spcPct val="90000"/>
+            </a:lnSpc>
+            <a:spcBef>
+              <a:spcPct val="0"/>
+            </a:spcBef>
+            <a:spcAft>
+              <a:spcPct val="15000"/>
+            </a:spcAft>
+            <a:buChar char="••"/>
+          </a:pPr>
+          <a:r>
+            <a:rPr lang="fr-FR" sz="2400" b="1" kern="1200" dirty="0" smtClean="0"/>
+            <a:t>Requête GET </a:t>
+          </a:r>
+          <a:endParaRPr lang="fr-FR" sz="2400" b="1" kern="1200" dirty="0"/>
+        </a:p>
+        <a:p>
+          <a:pPr marL="457200" lvl="2" indent="-228600" algn="l" defTabSz="1066800">
+            <a:lnSpc>
+              <a:spcPct val="90000"/>
+            </a:lnSpc>
+            <a:spcBef>
+              <a:spcPct val="0"/>
+            </a:spcBef>
+            <a:spcAft>
+              <a:spcPct val="15000"/>
+            </a:spcAft>
+            <a:buChar char="••"/>
+          </a:pPr>
+          <a:r>
+            <a:rPr lang="fr-FR" sz="2400" kern="1200" dirty="0" smtClean="0"/>
+            <a:t>Récupération du </a:t>
+          </a:r>
+          <a:r>
+            <a:rPr lang="fr-FR" sz="2400" kern="1200" dirty="0" err="1" smtClean="0"/>
+            <a:t>Json</a:t>
+          </a:r>
+          <a:endParaRPr lang="fr-FR" sz="2400" kern="1200" dirty="0"/>
+        </a:p>
+      </dsp:txBody>
+      <dsp:txXfrm>
+        <a:off x="5465248" y="601561"/>
+        <a:ext cx="3405954" cy="965360"/>
+      </dsp:txXfrm>
+    </dsp:sp>
+    <dsp:sp modelId="{41EA7880-1A0E-4CC2-B59F-914DDD351791}">
+      <dsp:nvSpPr>
+        <dsp:cNvPr id="0" name=""/>
+        <dsp:cNvSpPr/>
+      </dsp:nvSpPr>
+      <dsp:spPr>
+        <a:xfrm>
+          <a:off x="3162648" y="871129"/>
+          <a:ext cx="1340597" cy="670138"/>
+        </a:xfrm>
+        <a:prstGeom prst="rect">
+          <a:avLst/>
+        </a:prstGeom>
+        <a:noFill/>
+        <a:ln>
+          <a:noFill/>
+        </a:ln>
+        <a:effectLst/>
+      </dsp:spPr>
+      <dsp:style>
+        <a:lnRef idx="0">
+          <a:scrgbClr r="0" g="0" b="0"/>
+        </a:lnRef>
+        <a:fillRef idx="0">
+          <a:scrgbClr r="0" g="0" b="0"/>
+        </a:fillRef>
+        <a:effectRef idx="0">
+          <a:scrgbClr r="0" g="0" b="0"/>
+        </a:effectRef>
+        <a:fontRef idx="minor"/>
+      </dsp:style>
+      <dsp:txBody>
+        <a:bodyPr spcFirstLastPara="0" vert="horz" wrap="square" lIns="17780" tIns="17780" rIns="17780" bIns="17780" numCol="1" spcCol="1270" anchor="ctr" anchorCtr="0">
+          <a:noAutofit/>
+        </a:bodyPr>
+        <a:lstStyle/>
+        <a:p>
+          <a:pPr lvl="0" algn="ctr" defTabSz="1244600">
+            <a:lnSpc>
+              <a:spcPct val="90000"/>
+            </a:lnSpc>
+            <a:spcBef>
+              <a:spcPct val="0"/>
+            </a:spcBef>
+            <a:spcAft>
+              <a:spcPct val="35000"/>
+            </a:spcAft>
+          </a:pPr>
+          <a:r>
+            <a:rPr lang="fr-FR" sz="2800" kern="1200" dirty="0" smtClean="0"/>
+            <a:t>Ajax</a:t>
+          </a:r>
+          <a:endParaRPr lang="fr-FR" sz="2800" kern="1200" dirty="0"/>
+        </a:p>
+      </dsp:txBody>
+      <dsp:txXfrm>
+        <a:off x="3162648" y="871129"/>
+        <a:ext cx="1340597" cy="670138"/>
+      </dsp:txXfrm>
+    </dsp:sp>
+    <dsp:sp modelId="{1EAF82E5-DF36-4432-8EFB-3660BDEAF403}">
+      <dsp:nvSpPr>
+        <dsp:cNvPr id="0" name=""/>
+        <dsp:cNvSpPr/>
+      </dsp:nvSpPr>
+      <dsp:spPr>
+        <a:xfrm>
+          <a:off x="1959327" y="1386389"/>
+          <a:ext cx="2412531" cy="2412899"/>
+        </a:xfrm>
+        <a:prstGeom prst="leftCircularArrow">
+          <a:avLst>
+            <a:gd name="adj1" fmla="val 10980"/>
+            <a:gd name="adj2" fmla="val 1142322"/>
+            <a:gd name="adj3" fmla="val 6300000"/>
+            <a:gd name="adj4" fmla="val 18900000"/>
+            <a:gd name="adj5" fmla="val 12500"/>
+          </a:avLst>
+        </a:prstGeom>
+        <a:gradFill rotWithShape="0">
+          <a:gsLst>
+            <a:gs pos="0">
+              <a:schemeClr val="accent1">
+                <a:hueOff val="0"/>
+                <a:satOff val="0"/>
+                <a:lumOff val="0"/>
+                <a:alphaOff val="0"/>
+                <a:tint val="96000"/>
+                <a:lumMod val="104000"/>
+              </a:schemeClr>
+            </a:gs>
+            <a:gs pos="100000">
+              <a:schemeClr val="accent1">
+                <a:hueOff val="0"/>
+                <a:satOff val="0"/>
+                <a:lumOff val="0"/>
+                <a:alphaOff val="0"/>
+                <a:shade val="90000"/>
+                <a:lumMod val="90000"/>
+              </a:schemeClr>
+            </a:gs>
+          </a:gsLst>
+          <a:lin ang="5400000" scaled="0"/>
+        </a:gradFill>
+        <a:ln>
+          <a:noFill/>
+        </a:ln>
+        <a:effectLst>
+          <a:outerShdw blurRad="63500" dist="25400" dir="5400000" rotWithShape="0">
+            <a:srgbClr val="000000">
+              <a:alpha val="60000"/>
+            </a:srgbClr>
+          </a:outerShdw>
+        </a:effectLst>
+      </dsp:spPr>
+      <dsp:style>
+        <a:lnRef idx="0">
+          <a:scrgbClr r="0" g="0" b="0"/>
+        </a:lnRef>
+        <a:fillRef idx="3">
+          <a:scrgbClr r="0" g="0" b="0"/>
+        </a:fillRef>
+        <a:effectRef idx="2">
+          <a:scrgbClr r="0" g="0" b="0"/>
+        </a:effectRef>
+        <a:fontRef idx="minor">
+          <a:schemeClr val="lt1"/>
+        </a:fontRef>
+      </dsp:style>
+    </dsp:sp>
+    <dsp:sp modelId="{EED53FE3-01A0-4A4A-B958-999558A60657}">
+      <dsp:nvSpPr>
+        <dsp:cNvPr id="0" name=""/>
+        <dsp:cNvSpPr/>
+      </dsp:nvSpPr>
+      <dsp:spPr>
+        <a:xfrm>
+          <a:off x="4348677" y="2031293"/>
+          <a:ext cx="5643819" cy="965360"/>
+        </a:xfrm>
+        <a:prstGeom prst="rect">
+          <a:avLst/>
+        </a:prstGeom>
+        <a:noFill/>
+        <a:ln>
+          <a:noFill/>
+        </a:ln>
+        <a:effectLst/>
+      </dsp:spPr>
+      <dsp:style>
+        <a:lnRef idx="0">
+          <a:scrgbClr r="0" g="0" b="0"/>
+        </a:lnRef>
+        <a:fillRef idx="0">
+          <a:scrgbClr r="0" g="0" b="0"/>
+        </a:fillRef>
+        <a:effectRef idx="0">
+          <a:scrgbClr r="0" g="0" b="0"/>
+        </a:effectRef>
+        <a:fontRef idx="minor"/>
+      </dsp:style>
+      <dsp:txBody>
+        <a:bodyPr spcFirstLastPara="0" vert="horz" wrap="square" lIns="15240" tIns="15240" rIns="15240" bIns="15240" numCol="1" spcCol="1270" anchor="ctr" anchorCtr="0">
+          <a:noAutofit/>
+        </a:bodyPr>
+        <a:lstStyle/>
+        <a:p>
+          <a:pPr marL="228600" lvl="1" indent="-228600" algn="l" defTabSz="1066800">
+            <a:lnSpc>
+              <a:spcPct val="90000"/>
+            </a:lnSpc>
+            <a:spcBef>
+              <a:spcPct val="0"/>
+            </a:spcBef>
+            <a:spcAft>
+              <a:spcPct val="15000"/>
+            </a:spcAft>
+            <a:buChar char="••"/>
+          </a:pPr>
+          <a:r>
+            <a:rPr lang="fr-FR" sz="2400" b="1" kern="1200" dirty="0" smtClean="0"/>
+            <a:t>Nativement interprété</a:t>
+          </a:r>
+          <a:endParaRPr lang="fr-FR" sz="2400" b="1" kern="1200" dirty="0"/>
+        </a:p>
+        <a:p>
+          <a:pPr marL="457200" lvl="2" indent="-228600" algn="l" defTabSz="1066800">
+            <a:lnSpc>
+              <a:spcPct val="90000"/>
+            </a:lnSpc>
+            <a:spcBef>
+              <a:spcPct val="0"/>
+            </a:spcBef>
+            <a:spcAft>
+              <a:spcPct val="15000"/>
+            </a:spcAft>
+            <a:buChar char="••"/>
+          </a:pPr>
+          <a:r>
+            <a:rPr lang="fr-FR" sz="2400" kern="1200" dirty="0" smtClean="0"/>
+            <a:t>Extraction des données</a:t>
+          </a:r>
+          <a:endParaRPr lang="fr-FR" sz="2400" kern="1200" dirty="0"/>
+        </a:p>
+      </dsp:txBody>
+      <dsp:txXfrm>
+        <a:off x="4348677" y="2031293"/>
+        <a:ext cx="5643819" cy="965360"/>
+      </dsp:txXfrm>
+    </dsp:sp>
+    <dsp:sp modelId="{6AA25D69-5E05-40A3-9F00-9387D55331A8}">
+      <dsp:nvSpPr>
+        <dsp:cNvPr id="0" name=""/>
+        <dsp:cNvSpPr/>
+      </dsp:nvSpPr>
+      <dsp:spPr>
+        <a:xfrm>
+          <a:off x="2495294" y="2265538"/>
+          <a:ext cx="1340597" cy="670138"/>
+        </a:xfrm>
+        <a:prstGeom prst="rect">
+          <a:avLst/>
+        </a:prstGeom>
+        <a:noFill/>
+        <a:ln>
+          <a:noFill/>
+        </a:ln>
+        <a:effectLst/>
+      </dsp:spPr>
+      <dsp:style>
+        <a:lnRef idx="0">
+          <a:scrgbClr r="0" g="0" b="0"/>
+        </a:lnRef>
+        <a:fillRef idx="0">
+          <a:scrgbClr r="0" g="0" b="0"/>
+        </a:fillRef>
+        <a:effectRef idx="0">
+          <a:scrgbClr r="0" g="0" b="0"/>
+        </a:effectRef>
+        <a:fontRef idx="minor"/>
+      </dsp:style>
+      <dsp:txBody>
+        <a:bodyPr spcFirstLastPara="0" vert="horz" wrap="square" lIns="17780" tIns="17780" rIns="17780" bIns="17780" numCol="1" spcCol="1270" anchor="ctr" anchorCtr="0">
+          <a:noAutofit/>
+        </a:bodyPr>
+        <a:lstStyle/>
+        <a:p>
+          <a:pPr lvl="0" algn="ctr" defTabSz="1244600">
+            <a:lnSpc>
+              <a:spcPct val="90000"/>
+            </a:lnSpc>
+            <a:spcBef>
+              <a:spcPct val="0"/>
+            </a:spcBef>
+            <a:spcAft>
+              <a:spcPct val="35000"/>
+            </a:spcAft>
+          </a:pPr>
+          <a:r>
+            <a:rPr lang="fr-FR" sz="2800" kern="1200" dirty="0" err="1" smtClean="0"/>
+            <a:t>Jquery</a:t>
+          </a:r>
+          <a:endParaRPr lang="fr-FR" sz="2800" kern="1200" dirty="0"/>
+        </a:p>
+      </dsp:txBody>
+      <dsp:txXfrm>
+        <a:off x="2495294" y="2265538"/>
+        <a:ext cx="1340597" cy="670138"/>
+      </dsp:txXfrm>
+    </dsp:sp>
+    <dsp:sp modelId="{A7590864-E6C3-49D8-9B22-DF9210EFF756}">
+      <dsp:nvSpPr>
+        <dsp:cNvPr id="0" name=""/>
+        <dsp:cNvSpPr/>
+      </dsp:nvSpPr>
+      <dsp:spPr>
+        <a:xfrm>
+          <a:off x="2801108" y="2938684"/>
+          <a:ext cx="2072738" cy="2073569"/>
+        </a:xfrm>
+        <a:prstGeom prst="blockArc">
+          <a:avLst>
+            <a:gd name="adj1" fmla="val 13500000"/>
+            <a:gd name="adj2" fmla="val 10800000"/>
+            <a:gd name="adj3" fmla="val 12740"/>
+          </a:avLst>
+        </a:prstGeom>
+        <a:gradFill rotWithShape="0">
+          <a:gsLst>
+            <a:gs pos="0">
+              <a:schemeClr val="accent1">
+                <a:hueOff val="0"/>
+                <a:satOff val="0"/>
+                <a:lumOff val="0"/>
+                <a:alphaOff val="0"/>
+                <a:tint val="96000"/>
+                <a:lumMod val="104000"/>
+              </a:schemeClr>
+            </a:gs>
+            <a:gs pos="100000">
+              <a:schemeClr val="accent1">
+                <a:hueOff val="0"/>
+                <a:satOff val="0"/>
+                <a:lumOff val="0"/>
+                <a:alphaOff val="0"/>
+                <a:shade val="90000"/>
+                <a:lumMod val="90000"/>
+              </a:schemeClr>
+            </a:gs>
+          </a:gsLst>
+          <a:lin ang="5400000" scaled="0"/>
+        </a:gradFill>
+        <a:ln>
+          <a:noFill/>
+        </a:ln>
+        <a:effectLst>
+          <a:outerShdw blurRad="63500" dist="25400" dir="5400000" rotWithShape="0">
+            <a:srgbClr val="000000">
+              <a:alpha val="60000"/>
+            </a:srgbClr>
+          </a:outerShdw>
+        </a:effectLst>
+      </dsp:spPr>
+      <dsp:style>
+        <a:lnRef idx="0">
+          <a:scrgbClr r="0" g="0" b="0"/>
+        </a:lnRef>
+        <a:fillRef idx="3">
+          <a:scrgbClr r="0" g="0" b="0"/>
+        </a:fillRef>
+        <a:effectRef idx="2">
+          <a:scrgbClr r="0" g="0" b="0"/>
+        </a:effectRef>
+        <a:fontRef idx="minor">
+          <a:schemeClr val="lt1"/>
+        </a:fontRef>
+      </dsp:style>
+    </dsp:sp>
+    <dsp:sp modelId="{1EC2A02A-3E8D-473F-97D1-1FB993A4303A}">
+      <dsp:nvSpPr>
+        <dsp:cNvPr id="0" name=""/>
+        <dsp:cNvSpPr/>
+      </dsp:nvSpPr>
+      <dsp:spPr>
+        <a:xfrm>
+          <a:off x="5458447" y="3522663"/>
+          <a:ext cx="4534049" cy="965360"/>
+        </a:xfrm>
+        <a:prstGeom prst="rect">
+          <a:avLst/>
+        </a:prstGeom>
+        <a:noFill/>
+        <a:ln>
+          <a:noFill/>
+        </a:ln>
+        <a:effectLst/>
+      </dsp:spPr>
+      <dsp:style>
+        <a:lnRef idx="0">
+          <a:scrgbClr r="0" g="0" b="0"/>
+        </a:lnRef>
+        <a:fillRef idx="0">
+          <a:scrgbClr r="0" g="0" b="0"/>
+        </a:fillRef>
+        <a:effectRef idx="0">
+          <a:scrgbClr r="0" g="0" b="0"/>
+        </a:effectRef>
+        <a:fontRef idx="minor"/>
+      </dsp:style>
+      <dsp:txBody>
+        <a:bodyPr spcFirstLastPara="0" vert="horz" wrap="square" lIns="15240" tIns="15240" rIns="15240" bIns="15240" numCol="1" spcCol="1270" anchor="ctr" anchorCtr="0">
+          <a:noAutofit/>
+        </a:bodyPr>
+        <a:lstStyle/>
+        <a:p>
+          <a:pPr marL="228600" lvl="1" indent="-228600" algn="l" defTabSz="1066800">
+            <a:lnSpc>
+              <a:spcPct val="90000"/>
+            </a:lnSpc>
+            <a:spcBef>
+              <a:spcPct val="0"/>
+            </a:spcBef>
+            <a:spcAft>
+              <a:spcPct val="15000"/>
+            </a:spcAft>
+            <a:buChar char="••"/>
+          </a:pPr>
+          <a:r>
+            <a:rPr lang="fr-FR" sz="2400" b="1" kern="1200" dirty="0" smtClean="0"/>
+            <a:t>Balise &lt;</a:t>
+          </a:r>
+          <a:r>
+            <a:rPr lang="fr-FR" sz="2400" b="1" kern="1200" dirty="0" err="1" smtClean="0"/>
+            <a:t>canvas</a:t>
+          </a:r>
+          <a:r>
+            <a:rPr lang="fr-FR" sz="2400" b="1" kern="1200" dirty="0" smtClean="0"/>
+            <a:t>&gt;</a:t>
+          </a:r>
+          <a:endParaRPr lang="fr-FR" sz="2400" b="1" kern="1200" dirty="0"/>
+        </a:p>
+        <a:p>
+          <a:pPr marL="457200" lvl="2" indent="-228600" algn="l" defTabSz="1066800">
+            <a:lnSpc>
+              <a:spcPct val="90000"/>
+            </a:lnSpc>
+            <a:spcBef>
+              <a:spcPct val="0"/>
+            </a:spcBef>
+            <a:spcAft>
+              <a:spcPct val="15000"/>
+            </a:spcAft>
+            <a:buChar char="••"/>
+          </a:pPr>
+          <a:r>
+            <a:rPr lang="fr-FR" sz="2400" kern="1200" dirty="0" smtClean="0"/>
+            <a:t>Modélisation des obstacles</a:t>
+          </a:r>
+          <a:endParaRPr lang="fr-FR" sz="2400" kern="1200" dirty="0"/>
+        </a:p>
+      </dsp:txBody>
+      <dsp:txXfrm>
+        <a:off x="5458447" y="3522663"/>
+        <a:ext cx="4534049" cy="965360"/>
+      </dsp:txXfrm>
+    </dsp:sp>
+    <dsp:sp modelId="{7D2E6C7C-9586-4A0C-B907-A004212DF446}">
+      <dsp:nvSpPr>
+        <dsp:cNvPr id="0" name=""/>
+        <dsp:cNvSpPr/>
+      </dsp:nvSpPr>
+      <dsp:spPr>
+        <a:xfrm>
+          <a:off x="3165820" y="3661952"/>
+          <a:ext cx="1340597" cy="670138"/>
+        </a:xfrm>
+        <a:prstGeom prst="rect">
+          <a:avLst/>
+        </a:prstGeom>
+        <a:noFill/>
+        <a:ln>
+          <a:noFill/>
+        </a:ln>
+        <a:effectLst/>
+      </dsp:spPr>
+      <dsp:style>
+        <a:lnRef idx="0">
+          <a:scrgbClr r="0" g="0" b="0"/>
+        </a:lnRef>
+        <a:fillRef idx="0">
+          <a:scrgbClr r="0" g="0" b="0"/>
+        </a:fillRef>
+        <a:effectRef idx="0">
+          <a:scrgbClr r="0" g="0" b="0"/>
+        </a:effectRef>
+        <a:fontRef idx="minor"/>
+      </dsp:style>
+      <dsp:txBody>
+        <a:bodyPr spcFirstLastPara="0" vert="horz" wrap="square" lIns="17780" tIns="17780" rIns="17780" bIns="17780" numCol="1" spcCol="1270" anchor="ctr" anchorCtr="0">
+          <a:noAutofit/>
+        </a:bodyPr>
+        <a:lstStyle/>
+        <a:p>
+          <a:pPr lvl="0" algn="ctr" defTabSz="1244600">
+            <a:lnSpc>
+              <a:spcPct val="90000"/>
+            </a:lnSpc>
+            <a:spcBef>
+              <a:spcPct val="0"/>
+            </a:spcBef>
+            <a:spcAft>
+              <a:spcPct val="35000"/>
+            </a:spcAft>
+          </a:pPr>
+          <a:r>
+            <a:rPr lang="fr-FR" sz="2800" kern="1200" dirty="0" smtClean="0"/>
+            <a:t>HTML5</a:t>
+          </a:r>
+          <a:endParaRPr lang="fr-FR" sz="2800" kern="1200" dirty="0"/>
+        </a:p>
+      </dsp:txBody>
+      <dsp:txXfrm>
+        <a:off x="3165820" y="3661952"/>
+        <a:ext cx="1340597" cy="670138"/>
+      </dsp:txXfrm>
+    </dsp:sp>
   </dsp:spTree>
 </dsp:drawing>
 </file>
@@ -8519,7 +10238,7 @@
             <a:fld id="{B61BEF0D-F0BB-DE4B-95CE-6DB70DBA9567}" type="datetimeFigureOut">
               <a:rPr lang="en-US" smtClean="0"/>
               <a:pPr/>
-              <a:t>10/20/2014</a:t>
+              <a:t>10/21/2014</a:t>
             </a:fld>
             <a:endParaRPr lang="en-US" dirty="0"/>
           </a:p>
@@ -8819,7 +10538,7 @@
             <a:fld id="{B61BEF0D-F0BB-DE4B-95CE-6DB70DBA9567}" type="datetimeFigureOut">
               <a:rPr lang="en-US" smtClean="0"/>
               <a:pPr/>
-              <a:t>10/20/2014</a:t>
+              <a:t>10/21/2014</a:t>
             </a:fld>
             <a:endParaRPr lang="en-US" dirty="0"/>
           </a:p>
@@ -9013,7 +10732,7 @@
             <a:fld id="{B61BEF0D-F0BB-DE4B-95CE-6DB70DBA9567}" type="datetimeFigureOut">
               <a:rPr lang="en-US" smtClean="0"/>
               <a:pPr/>
-              <a:t>10/20/2014</a:t>
+              <a:t>10/21/2014</a:t>
             </a:fld>
             <a:endParaRPr lang="en-US" dirty="0"/>
           </a:p>
@@ -9276,7 +10995,7 @@
             <a:fld id="{B61BEF0D-F0BB-DE4B-95CE-6DB70DBA9567}" type="datetimeFigureOut">
               <a:rPr lang="en-US" smtClean="0"/>
               <a:pPr/>
-              <a:t>10/20/2014</a:t>
+              <a:t>10/21/2014</a:t>
             </a:fld>
             <a:endParaRPr lang="en-US" dirty="0"/>
           </a:p>
@@ -9702,7 +11421,7 @@
             <a:fld id="{B61BEF0D-F0BB-DE4B-95CE-6DB70DBA9567}" type="datetimeFigureOut">
               <a:rPr lang="en-US" smtClean="0"/>
               <a:pPr/>
-              <a:t>10/20/2014</a:t>
+              <a:t>10/21/2014</a:t>
             </a:fld>
             <a:endParaRPr lang="en-US" dirty="0"/>
           </a:p>
@@ -10241,7 +11960,7 @@
             <a:fld id="{B61BEF0D-F0BB-DE4B-95CE-6DB70DBA9567}" type="datetimeFigureOut">
               <a:rPr lang="en-US" smtClean="0"/>
               <a:pPr/>
-              <a:t>10/20/2014</a:t>
+              <a:t>10/21/2014</a:t>
             </a:fld>
             <a:endParaRPr lang="en-US" dirty="0"/>
           </a:p>
@@ -11107,7 +12826,7 @@
             <a:fld id="{B61BEF0D-F0BB-DE4B-95CE-6DB70DBA9567}" type="datetimeFigureOut">
               <a:rPr lang="en-US" smtClean="0"/>
               <a:pPr/>
-              <a:t>10/20/2014</a:t>
+              <a:t>10/21/2014</a:t>
             </a:fld>
             <a:endParaRPr lang="en-US" dirty="0"/>
           </a:p>
@@ -11279,7 +12998,7 @@
             <a:fld id="{B61BEF0D-F0BB-DE4B-95CE-6DB70DBA9567}" type="datetimeFigureOut">
               <a:rPr lang="en-US" smtClean="0"/>
               <a:pPr/>
-              <a:t>10/20/2014</a:t>
+              <a:t>10/21/2014</a:t>
             </a:fld>
             <a:endParaRPr lang="en-US" dirty="0"/>
           </a:p>
@@ -11465,7 +13184,7 @@
             <a:fld id="{B61BEF0D-F0BB-DE4B-95CE-6DB70DBA9567}" type="datetimeFigureOut">
               <a:rPr lang="en-US" smtClean="0"/>
               <a:pPr/>
-              <a:t>10/20/2014</a:t>
+              <a:t>10/21/2014</a:t>
             </a:fld>
             <a:endParaRPr lang="en-US" dirty="0"/>
           </a:p>
@@ -11637,7 +13356,7 @@
             <a:fld id="{B61BEF0D-F0BB-DE4B-95CE-6DB70DBA9567}" type="datetimeFigureOut">
               <a:rPr lang="en-US" smtClean="0"/>
               <a:pPr/>
-              <a:t>10/20/2014</a:t>
+              <a:t>10/21/2014</a:t>
             </a:fld>
             <a:endParaRPr lang="en-US" dirty="0"/>
           </a:p>
@@ -11883,7 +13602,7 @@
             <a:fld id="{B61BEF0D-F0BB-DE4B-95CE-6DB70DBA9567}" type="datetimeFigureOut">
               <a:rPr lang="en-US" smtClean="0"/>
               <a:pPr/>
-              <a:t>10/20/2014</a:t>
+              <a:t>10/21/2014</a:t>
             </a:fld>
             <a:endParaRPr lang="en-US" dirty="0"/>
           </a:p>
@@ -12121,7 +13840,7 @@
             <a:fld id="{B61BEF0D-F0BB-DE4B-95CE-6DB70DBA9567}" type="datetimeFigureOut">
               <a:rPr lang="en-US" smtClean="0"/>
               <a:pPr/>
-              <a:t>10/20/2014</a:t>
+              <a:t>10/21/2014</a:t>
             </a:fld>
             <a:endParaRPr lang="en-US" dirty="0"/>
           </a:p>
@@ -12589,7 +14308,7 @@
             <a:fld id="{B61BEF0D-F0BB-DE4B-95CE-6DB70DBA9567}" type="datetimeFigureOut">
               <a:rPr lang="en-US" smtClean="0"/>
               <a:pPr/>
-              <a:t>10/20/2014</a:t>
+              <a:t>10/21/2014</a:t>
             </a:fld>
             <a:endParaRPr lang="en-US" dirty="0"/>
           </a:p>
@@ -12709,7 +14428,7 @@
             <a:fld id="{B61BEF0D-F0BB-DE4B-95CE-6DB70DBA9567}" type="datetimeFigureOut">
               <a:rPr lang="en-US" smtClean="0"/>
               <a:pPr/>
-              <a:t>10/20/2014</a:t>
+              <a:t>10/21/2014</a:t>
             </a:fld>
             <a:endParaRPr lang="en-US" dirty="0"/>
           </a:p>
@@ -12806,7 +14525,7 @@
             <a:fld id="{B61BEF0D-F0BB-DE4B-95CE-6DB70DBA9567}" type="datetimeFigureOut">
               <a:rPr lang="en-US" smtClean="0"/>
               <a:pPr/>
-              <a:t>10/20/2014</a:t>
+              <a:t>10/21/2014</a:t>
             </a:fld>
             <a:endParaRPr lang="en-US" dirty="0"/>
           </a:p>
@@ -13063,7 +14782,7 @@
             <a:fld id="{B61BEF0D-F0BB-DE4B-95CE-6DB70DBA9567}" type="datetimeFigureOut">
               <a:rPr lang="en-US" smtClean="0"/>
               <a:pPr/>
-              <a:t>10/20/2014</a:t>
+              <a:t>10/21/2014</a:t>
             </a:fld>
             <a:endParaRPr lang="en-US" dirty="0"/>
           </a:p>
@@ -13365,7 +15084,7 @@
             <a:fld id="{B61BEF0D-F0BB-DE4B-95CE-6DB70DBA9567}" type="datetimeFigureOut">
               <a:rPr lang="en-US" smtClean="0"/>
               <a:pPr/>
-              <a:t>10/20/2014</a:t>
+              <a:t>10/21/2014</a:t>
             </a:fld>
             <a:endParaRPr lang="en-US" dirty="0"/>
           </a:p>
@@ -13601,7 +15320,7 @@
             <a:fld id="{B61BEF0D-F0BB-DE4B-95CE-6DB70DBA9567}" type="datetimeFigureOut">
               <a:rPr lang="en-US" smtClean="0"/>
               <a:pPr/>
-              <a:t>10/20/2014</a:t>
+              <a:t>10/21/2014</a:t>
             </a:fld>
             <a:endParaRPr lang="en-US" dirty="0"/>
           </a:p>
@@ -14500,6 +16219,89 @@
             <a:pPr algn="l"/>
             <a:r>
               <a:rPr lang="fr-FR" dirty="0" smtClean="0"/>
+              <a:t>Le robot – </a:t>
+            </a:r>
+            <a:r>
+              <a:rPr lang="fr-FR" dirty="0"/>
+              <a:t>Le microcontrôleur</a:t>
+            </a:r>
+          </a:p>
+        </p:txBody>
+      </p:sp>
+      <p:sp>
+        <p:nvSpPr>
+          <p:cNvPr id="3" name="Espace réservé du contenu 2"/>
+          <p:cNvSpPr>
+            <a:spLocks noGrp="1"/>
+          </p:cNvSpPr>
+          <p:nvPr>
+            <p:ph idx="1"/>
+          </p:nvPr>
+        </p:nvSpPr>
+        <p:spPr/>
+        <p:txBody>
+          <a:bodyPr/>
+          <a:lstStyle/>
+          <a:p>
+            <a:endParaRPr lang="fr-FR" dirty="0"/>
+          </a:p>
+        </p:txBody>
+      </p:sp>
+    </p:spTree>
+    <p:extLst>
+      <p:ext uri="{BB962C8B-B14F-4D97-AF65-F5344CB8AC3E}">
+        <p14:creationId xmlns:p14="http://schemas.microsoft.com/office/powerpoint/2010/main" val="2985243064"/>
+      </p:ext>
+    </p:extLst>
+  </p:cSld>
+  <p:clrMapOvr>
+    <a:masterClrMapping/>
+  </p:clrMapOvr>
+  <p:timing>
+    <p:tnLst>
+      <p:par>
+        <p:cTn id="1" dur="indefinite" restart="never" nodeType="tmRoot"/>
+      </p:par>
+    </p:tnLst>
+  </p:timing>
+</p:sld>
+</file>
+
+<file path=ppt/slides/slide11.xml><?xml version="1.0" encoding="utf-8"?>
+<p:sld xmlns:a="http://schemas.openxmlformats.org/drawingml/2006/main" xmlns:r="http://schemas.openxmlformats.org/officeDocument/2006/relationships" xmlns:p="http://schemas.openxmlformats.org/presentationml/2006/main">
+  <p:cSld>
+    <p:spTree>
+      <p:nvGrpSpPr>
+        <p:cNvPr id="1" name=""/>
+        <p:cNvGrpSpPr/>
+        <p:nvPr/>
+      </p:nvGrpSpPr>
+      <p:grpSpPr>
+        <a:xfrm>
+          <a:off x="0" y="0"/>
+          <a:ext cx="0" cy="0"/>
+          <a:chOff x="0" y="0"/>
+          <a:chExt cx="0" cy="0"/>
+        </a:xfrm>
+      </p:grpSpPr>
+      <p:sp>
+        <p:nvSpPr>
+          <p:cNvPr id="2" name="Titre 1"/>
+          <p:cNvSpPr>
+            <a:spLocks noGrp="1"/>
+          </p:cNvSpPr>
+          <p:nvPr>
+            <p:ph type="title"/>
+          </p:nvPr>
+        </p:nvSpPr>
+        <p:spPr/>
+        <p:txBody>
+          <a:bodyPr/>
+          <a:lstStyle/>
+          <a:p>
+            <a:pPr algn="l"/>
+            <a:r>
+              <a:rPr lang="fr-FR" dirty="0" smtClean="0"/>
               <a:t>Le robot – Les moteurs</a:t>
             </a:r>
             <a:endParaRPr lang="fr-FR" dirty="0"/>
@@ -14809,7 +16611,7 @@
 </p:sld>
 </file>
 
-<file path=ppt/slides/slide11.xml><?xml version="1.0" encoding="utf-8"?>
+<file path=ppt/slides/slide12.xml><?xml version="1.0" encoding="utf-8"?>
 <p:sld xmlns:a="http://schemas.openxmlformats.org/drawingml/2006/main" xmlns:r="http://schemas.openxmlformats.org/officeDocument/2006/relationships" xmlns:p="http://schemas.openxmlformats.org/presentationml/2006/main">
   <p:cSld>
     <p:spTree>
@@ -15130,7 +16932,7 @@
 </p:sld>
 </file>
 
-<file path=ppt/slides/slide12.xml><?xml version="1.0" encoding="utf-8"?>
+<file path=ppt/slides/slide13.xml><?xml version="1.0" encoding="utf-8"?>
 <p:sld xmlns:a="http://schemas.openxmlformats.org/drawingml/2006/main" xmlns:r="http://schemas.openxmlformats.org/officeDocument/2006/relationships" xmlns:p="http://schemas.openxmlformats.org/presentationml/2006/main">
   <p:cSld>
     <p:spTree>
@@ -15229,7 +17031,7 @@
 </p:sld>
 </file>
 
-<file path=ppt/slides/slide13.xml><?xml version="1.0" encoding="utf-8"?>
+<file path=ppt/slides/slide14.xml><?xml version="1.0" encoding="utf-8"?>
 <p:sld xmlns:a="http://schemas.openxmlformats.org/drawingml/2006/main" xmlns:r="http://schemas.openxmlformats.org/officeDocument/2006/relationships" xmlns:p="http://schemas.openxmlformats.org/presentationml/2006/main">
   <p:cSld>
     <p:spTree>
@@ -15436,7 +17238,7 @@
 </p:sld>
 </file>
 
-<file path=ppt/slides/slide14.xml><?xml version="1.0" encoding="utf-8"?>
+<file path=ppt/slides/slide15.xml><?xml version="1.0" encoding="utf-8"?>
 <p:sld xmlns:a="http://schemas.openxmlformats.org/drawingml/2006/main" xmlns:r="http://schemas.openxmlformats.org/officeDocument/2006/relationships" xmlns:p="http://schemas.openxmlformats.org/presentationml/2006/main">
   <p:cSld>
     <p:spTree>
@@ -16872,7 +18674,7 @@
 </p:sld>
 </file>
 
-<file path=ppt/slides/slide15.xml><?xml version="1.0" encoding="utf-8"?>
+<file path=ppt/slides/slide16.xml><?xml version="1.0" encoding="utf-8"?>
 <p:sld xmlns:a="http://schemas.openxmlformats.org/drawingml/2006/main" xmlns:r="http://schemas.openxmlformats.org/officeDocument/2006/relationships" xmlns:p="http://schemas.openxmlformats.org/presentationml/2006/main">
   <p:cSld>
     <p:spTree>
@@ -17085,6 +18887,7 @@
         <p:nvCxnSpPr>
           <p:cNvPr id="10" name="Connecteur droit 9"/>
           <p:cNvCxnSpPr>
+            <a:stCxn id="4" idx="0"/>
             <a:endCxn id="8" idx="5"/>
           </p:cNvCxnSpPr>
           <p:nvPr/>
@@ -17092,7 +18895,7 @@
         <p:spPr>
           <a:xfrm flipH="1" flipV="1">
             <a:off x="8966593" y="2928041"/>
-            <a:ext cx="1606883" cy="1910978"/>
+            <a:ext cx="1372967" cy="1670911"/>
           </a:xfrm>
           <a:prstGeom prst="line">
             <a:avLst/>
@@ -18344,7 +20147,7 @@
 </p:sld>
 </file>
 
-<file path=ppt/slides/slide16.xml><?xml version="1.0" encoding="utf-8"?>
+<file path=ppt/slides/slide17.xml><?xml version="1.0" encoding="utf-8"?>
 <p:sld xmlns:a="http://schemas.openxmlformats.org/drawingml/2006/main" xmlns:r="http://schemas.openxmlformats.org/officeDocument/2006/relationships" xmlns:p="http://schemas.openxmlformats.org/presentationml/2006/main">
   <p:cSld>
     <p:spTree>
@@ -18874,7 +20677,7 @@
 </p:sld>
 </file>
 
-<file path=ppt/slides/slide17.xml><?xml version="1.0" encoding="utf-8"?>
+<file path=ppt/slides/slide18.xml><?xml version="1.0" encoding="utf-8"?>
 <p:sld xmlns:a="http://schemas.openxmlformats.org/drawingml/2006/main" xmlns:r="http://schemas.openxmlformats.org/officeDocument/2006/relationships" xmlns:p="http://schemas.openxmlformats.org/presentationml/2006/main">
   <p:cSld>
     <p:spTree>
@@ -19081,7 +20884,7 @@
 </p:sld>
 </file>
 
-<file path=ppt/slides/slide18.xml><?xml version="1.0" encoding="utf-8"?>
+<file path=ppt/slides/slide19.xml><?xml version="1.0" encoding="utf-8"?>
 <p:sld xmlns:a="http://schemas.openxmlformats.org/drawingml/2006/main" xmlns:r="http://schemas.openxmlformats.org/officeDocument/2006/relationships" xmlns:p="http://schemas.openxmlformats.org/presentationml/2006/main">
   <p:cSld>
     <p:spTree>
@@ -19116,7 +20919,11 @@
             <a:pPr algn="l"/>
             <a:r>
               <a:rPr lang="fr-FR" dirty="0" smtClean="0"/>
-              <a:t>Serveur Web</a:t>
+              <a:t>Serveur </a:t>
+            </a:r>
+            <a:r>
+              <a:rPr lang="fr-FR" dirty="0" smtClean="0"/>
+              <a:t>Intermédiaire</a:t>
             </a:r>
             <a:endParaRPr lang="fr-FR" dirty="0"/>
           </a:p>
@@ -19145,217 +20952,6 @@
     <p:extLst>
       <p:ext uri="{BB962C8B-B14F-4D97-AF65-F5344CB8AC3E}">
         <p14:creationId xmlns:p14="http://schemas.microsoft.com/office/powerpoint/2010/main" val="3497991419"/>
-      </p:ext>
-    </p:extLst>
-  </p:cSld>
-  <p:clrMapOvr>
-    <a:masterClrMapping/>
-  </p:clrMapOvr>
-  <p:timing>
-    <p:tnLst>
-      <p:par>
-        <p:cTn id="1" dur="indefinite" restart="never" nodeType="tmRoot"/>
-      </p:par>
-    </p:tnLst>
-  </p:timing>
-</p:sld>
-</file>
-
-<file path=ppt/slides/slide19.xml><?xml version="1.0" encoding="utf-8"?>
-<p:sld xmlns:a="http://schemas.openxmlformats.org/drawingml/2006/main" xmlns:r="http://schemas.openxmlformats.org/officeDocument/2006/relationships" xmlns:p="http://schemas.openxmlformats.org/presentationml/2006/main">
-  <p:cSld>
-    <p:spTree>
-      <p:nvGrpSpPr>
-        <p:cNvPr id="1" name=""/>
-        <p:cNvGrpSpPr/>
-        <p:nvPr/>
-      </p:nvGrpSpPr>
-      <p:grpSpPr>
-        <a:xfrm>
-          <a:off x="0" y="0"/>
-          <a:ext cx="0" cy="0"/>
-          <a:chOff x="0" y="0"/>
-          <a:chExt cx="0" cy="0"/>
-        </a:xfrm>
-      </p:grpSpPr>
-      <p:sp>
-        <p:nvSpPr>
-          <p:cNvPr id="5" name="ZoneTexte 4"/>
-          <p:cNvSpPr txBox="1"/>
-          <p:nvPr/>
-        </p:nvSpPr>
-        <p:spPr>
-          <a:xfrm>
-            <a:off x="913795" y="1580050"/>
-            <a:ext cx="10353762" cy="4893647"/>
-          </a:xfrm>
-          <a:prstGeom prst="rect">
-            <a:avLst/>
-          </a:prstGeom>
-          <a:noFill/>
-        </p:spPr>
-        <p:txBody>
-          <a:bodyPr wrap="square" rtlCol="0">
-            <a:spAutoFit/>
-          </a:bodyPr>
-          <a:lstStyle/>
-          <a:p>
-            <a:pPr marL="285750" indent="-285750">
-              <a:buFont typeface="Arial" panose="020B0604020202020204" pitchFamily="34" charset="0"/>
-              <a:buChar char="•"/>
-            </a:pPr>
-            <a:r>
-              <a:rPr lang="fr-FR" sz="2400" dirty="0" smtClean="0"/>
-              <a:t>Membres du groupe</a:t>
-            </a:r>
-          </a:p>
-          <a:p>
-            <a:pPr marL="285750" indent="-285750">
-              <a:buFont typeface="Arial" panose="020B0604020202020204" pitchFamily="34" charset="0"/>
-              <a:buChar char="•"/>
-            </a:pPr>
-            <a:endParaRPr lang="fr-FR" sz="2400" dirty="0"/>
-          </a:p>
-          <a:p>
-            <a:pPr marL="285750" indent="-285750">
-              <a:buFont typeface="Arial" panose="020B0604020202020204" pitchFamily="34" charset="0"/>
-              <a:buChar char="•"/>
-            </a:pPr>
-            <a:r>
-              <a:rPr lang="fr-FR" sz="2400" dirty="0" smtClean="0"/>
-              <a:t>Algorithme</a:t>
-            </a:r>
-          </a:p>
-          <a:p>
-            <a:pPr marL="285750" indent="-285750">
-              <a:buFont typeface="Arial" panose="020B0604020202020204" pitchFamily="34" charset="0"/>
-              <a:buChar char="•"/>
-            </a:pPr>
-            <a:endParaRPr lang="fr-FR" sz="2400" dirty="0"/>
-          </a:p>
-          <a:p>
-            <a:pPr marL="285750" indent="-285750">
-              <a:buFont typeface="Arial" panose="020B0604020202020204" pitchFamily="34" charset="0"/>
-              <a:buChar char="•"/>
-            </a:pPr>
-            <a:r>
-              <a:rPr lang="fr-FR" sz="2400" dirty="0" smtClean="0"/>
-              <a:t>Le Robot</a:t>
-            </a:r>
-            <a:endParaRPr lang="fr-FR" sz="2400" dirty="0"/>
-          </a:p>
-          <a:p>
-            <a:pPr marL="285750" indent="-285750">
-              <a:buFont typeface="Arial" panose="020B0604020202020204" pitchFamily="34" charset="0"/>
-              <a:buChar char="•"/>
-            </a:pPr>
-            <a:endParaRPr lang="fr-FR" sz="2400" dirty="0" smtClean="0"/>
-          </a:p>
-          <a:p>
-            <a:pPr marL="285750" indent="-285750">
-              <a:buFont typeface="Arial" panose="020B0604020202020204" pitchFamily="34" charset="0"/>
-              <a:buChar char="•"/>
-            </a:pPr>
-            <a:r>
-              <a:rPr lang="fr-FR" sz="2400" dirty="0" smtClean="0"/>
-              <a:t>Odométrie</a:t>
-            </a:r>
-          </a:p>
-          <a:p>
-            <a:pPr marL="285750" indent="-285750">
-              <a:buFont typeface="Arial" panose="020B0604020202020204" pitchFamily="34" charset="0"/>
-              <a:buChar char="•"/>
-            </a:pPr>
-            <a:endParaRPr lang="fr-FR" sz="2400" dirty="0"/>
-          </a:p>
-          <a:p>
-            <a:pPr marL="285750" indent="-285750">
-              <a:buFont typeface="Arial" panose="020B0604020202020204" pitchFamily="34" charset="0"/>
-              <a:buChar char="•"/>
-            </a:pPr>
-            <a:r>
-              <a:rPr lang="fr-FR" sz="2400" dirty="0"/>
-              <a:t>Communication</a:t>
-            </a:r>
-          </a:p>
-          <a:p>
-            <a:endParaRPr lang="fr-FR" sz="2400" dirty="0"/>
-          </a:p>
-          <a:p>
-            <a:pPr marL="285750" indent="-285750">
-              <a:buFont typeface="Arial" panose="020B0604020202020204" pitchFamily="34" charset="0"/>
-              <a:buChar char="•"/>
-            </a:pPr>
-            <a:r>
-              <a:rPr lang="fr-FR" sz="2400" dirty="0">
-                <a:solidFill>
-                  <a:srgbClr val="FFC000"/>
-                </a:solidFill>
-              </a:rPr>
-              <a:t>Client </a:t>
-            </a:r>
-            <a:r>
-              <a:rPr lang="fr-FR" sz="2400" dirty="0" smtClean="0">
-                <a:solidFill>
-                  <a:srgbClr val="FFC000"/>
-                </a:solidFill>
-              </a:rPr>
-              <a:t>Web</a:t>
-            </a:r>
-          </a:p>
-          <a:p>
-            <a:pPr marL="285750" indent="-285750">
-              <a:buFont typeface="Arial" panose="020B0604020202020204" pitchFamily="34" charset="0"/>
-              <a:buChar char="•"/>
-            </a:pPr>
-            <a:endParaRPr lang="fr-FR" sz="2400" dirty="0"/>
-          </a:p>
-          <a:p>
-            <a:pPr marL="285750" indent="-285750">
-              <a:buFont typeface="Arial" panose="020B0604020202020204" pitchFamily="34" charset="0"/>
-              <a:buChar char="•"/>
-            </a:pPr>
-            <a:r>
-              <a:rPr lang="fr-FR" sz="2400" dirty="0" smtClean="0"/>
-              <a:t>Conclusion</a:t>
-            </a:r>
-          </a:p>
-        </p:txBody>
-      </p:sp>
-      <p:pic>
-        <p:nvPicPr>
-          <p:cNvPr id="6" name="Image 5"/>
-          <p:cNvPicPr>
-            <a:picLocks noChangeAspect="1"/>
-          </p:cNvPicPr>
-          <p:nvPr/>
-        </p:nvPicPr>
-        <p:blipFill>
-          <a:blip r:embed="rId2">
-            <a:extLst>
-              <a:ext uri="{28A0092B-C50C-407E-A947-70E740481C1C}">
-                <a14:useLocalDpi xmlns:a14="http://schemas.microsoft.com/office/drawing/2010/main" val="0"/>
-              </a:ext>
-            </a:extLst>
-          </a:blip>
-          <a:stretch>
-            <a:fillRect/>
-          </a:stretch>
-        </p:blipFill>
-        <p:spPr>
-          <a:xfrm>
-            <a:off x="5693081" y="1320428"/>
-            <a:ext cx="4824046" cy="4674229"/>
-          </a:xfrm>
-          <a:prstGeom prst="rect">
-            <a:avLst/>
-          </a:prstGeom>
-        </p:spPr>
-      </p:pic>
-    </p:spTree>
-    <p:extLst>
-      <p:ext uri="{BB962C8B-B14F-4D97-AF65-F5344CB8AC3E}">
-        <p14:creationId xmlns:p14="http://schemas.microsoft.com/office/powerpoint/2010/main" val="472454927"/>
       </p:ext>
     </p:extLst>
   </p:cSld>
@@ -19618,6 +21214,217 @@
       </p:grpSpPr>
       <p:sp>
         <p:nvSpPr>
+          <p:cNvPr id="5" name="ZoneTexte 4"/>
+          <p:cNvSpPr txBox="1"/>
+          <p:nvPr/>
+        </p:nvSpPr>
+        <p:spPr>
+          <a:xfrm>
+            <a:off x="913795" y="1580050"/>
+            <a:ext cx="10353762" cy="4893647"/>
+          </a:xfrm>
+          <a:prstGeom prst="rect">
+            <a:avLst/>
+          </a:prstGeom>
+          <a:noFill/>
+        </p:spPr>
+        <p:txBody>
+          <a:bodyPr wrap="square" rtlCol="0">
+            <a:spAutoFit/>
+          </a:bodyPr>
+          <a:lstStyle/>
+          <a:p>
+            <a:pPr marL="285750" indent="-285750">
+              <a:buFont typeface="Arial" panose="020B0604020202020204" pitchFamily="34" charset="0"/>
+              <a:buChar char="•"/>
+            </a:pPr>
+            <a:r>
+              <a:rPr lang="fr-FR" sz="2400" dirty="0" smtClean="0"/>
+              <a:t>Membres du groupe</a:t>
+            </a:r>
+          </a:p>
+          <a:p>
+            <a:pPr marL="285750" indent="-285750">
+              <a:buFont typeface="Arial" panose="020B0604020202020204" pitchFamily="34" charset="0"/>
+              <a:buChar char="•"/>
+            </a:pPr>
+            <a:endParaRPr lang="fr-FR" sz="2400" dirty="0"/>
+          </a:p>
+          <a:p>
+            <a:pPr marL="285750" indent="-285750">
+              <a:buFont typeface="Arial" panose="020B0604020202020204" pitchFamily="34" charset="0"/>
+              <a:buChar char="•"/>
+            </a:pPr>
+            <a:r>
+              <a:rPr lang="fr-FR" sz="2400" dirty="0" smtClean="0"/>
+              <a:t>Algorithme</a:t>
+            </a:r>
+          </a:p>
+          <a:p>
+            <a:pPr marL="285750" indent="-285750">
+              <a:buFont typeface="Arial" panose="020B0604020202020204" pitchFamily="34" charset="0"/>
+              <a:buChar char="•"/>
+            </a:pPr>
+            <a:endParaRPr lang="fr-FR" sz="2400" dirty="0"/>
+          </a:p>
+          <a:p>
+            <a:pPr marL="285750" indent="-285750">
+              <a:buFont typeface="Arial" panose="020B0604020202020204" pitchFamily="34" charset="0"/>
+              <a:buChar char="•"/>
+            </a:pPr>
+            <a:r>
+              <a:rPr lang="fr-FR" sz="2400" dirty="0" smtClean="0"/>
+              <a:t>Le Robot</a:t>
+            </a:r>
+            <a:endParaRPr lang="fr-FR" sz="2400" dirty="0"/>
+          </a:p>
+          <a:p>
+            <a:pPr marL="285750" indent="-285750">
+              <a:buFont typeface="Arial" panose="020B0604020202020204" pitchFamily="34" charset="0"/>
+              <a:buChar char="•"/>
+            </a:pPr>
+            <a:endParaRPr lang="fr-FR" sz="2400" dirty="0" smtClean="0"/>
+          </a:p>
+          <a:p>
+            <a:pPr marL="285750" indent="-285750">
+              <a:buFont typeface="Arial" panose="020B0604020202020204" pitchFamily="34" charset="0"/>
+              <a:buChar char="•"/>
+            </a:pPr>
+            <a:r>
+              <a:rPr lang="fr-FR" sz="2400" dirty="0" smtClean="0"/>
+              <a:t>Odométrie</a:t>
+            </a:r>
+          </a:p>
+          <a:p>
+            <a:pPr marL="285750" indent="-285750">
+              <a:buFont typeface="Arial" panose="020B0604020202020204" pitchFamily="34" charset="0"/>
+              <a:buChar char="•"/>
+            </a:pPr>
+            <a:endParaRPr lang="fr-FR" sz="2400" dirty="0"/>
+          </a:p>
+          <a:p>
+            <a:pPr marL="285750" indent="-285750">
+              <a:buFont typeface="Arial" panose="020B0604020202020204" pitchFamily="34" charset="0"/>
+              <a:buChar char="•"/>
+            </a:pPr>
+            <a:r>
+              <a:rPr lang="fr-FR" sz="2400" dirty="0"/>
+              <a:t>Communication</a:t>
+            </a:r>
+          </a:p>
+          <a:p>
+            <a:endParaRPr lang="fr-FR" sz="2400" dirty="0"/>
+          </a:p>
+          <a:p>
+            <a:pPr marL="285750" indent="-285750">
+              <a:buFont typeface="Arial" panose="020B0604020202020204" pitchFamily="34" charset="0"/>
+              <a:buChar char="•"/>
+            </a:pPr>
+            <a:r>
+              <a:rPr lang="fr-FR" sz="2400" dirty="0">
+                <a:solidFill>
+                  <a:srgbClr val="FFC000"/>
+                </a:solidFill>
+              </a:rPr>
+              <a:t>Client </a:t>
+            </a:r>
+            <a:r>
+              <a:rPr lang="fr-FR" sz="2400" dirty="0" smtClean="0">
+                <a:solidFill>
+                  <a:srgbClr val="FFC000"/>
+                </a:solidFill>
+              </a:rPr>
+              <a:t>Web</a:t>
+            </a:r>
+          </a:p>
+          <a:p>
+            <a:pPr marL="285750" indent="-285750">
+              <a:buFont typeface="Arial" panose="020B0604020202020204" pitchFamily="34" charset="0"/>
+              <a:buChar char="•"/>
+            </a:pPr>
+            <a:endParaRPr lang="fr-FR" sz="2400" dirty="0"/>
+          </a:p>
+          <a:p>
+            <a:pPr marL="285750" indent="-285750">
+              <a:buFont typeface="Arial" panose="020B0604020202020204" pitchFamily="34" charset="0"/>
+              <a:buChar char="•"/>
+            </a:pPr>
+            <a:r>
+              <a:rPr lang="fr-FR" sz="2400" dirty="0" smtClean="0"/>
+              <a:t>Conclusion</a:t>
+            </a:r>
+          </a:p>
+        </p:txBody>
+      </p:sp>
+      <p:pic>
+        <p:nvPicPr>
+          <p:cNvPr id="6" name="Image 5"/>
+          <p:cNvPicPr>
+            <a:picLocks noChangeAspect="1"/>
+          </p:cNvPicPr>
+          <p:nvPr/>
+        </p:nvPicPr>
+        <p:blipFill>
+          <a:blip r:embed="rId2">
+            <a:extLst>
+              <a:ext uri="{28A0092B-C50C-407E-A947-70E740481C1C}">
+                <a14:useLocalDpi xmlns:a14="http://schemas.microsoft.com/office/drawing/2010/main" val="0"/>
+              </a:ext>
+            </a:extLst>
+          </a:blip>
+          <a:stretch>
+            <a:fillRect/>
+          </a:stretch>
+        </p:blipFill>
+        <p:spPr>
+          <a:xfrm>
+            <a:off x="5693081" y="1320428"/>
+            <a:ext cx="4824046" cy="4674229"/>
+          </a:xfrm>
+          <a:prstGeom prst="rect">
+            <a:avLst/>
+          </a:prstGeom>
+        </p:spPr>
+      </p:pic>
+    </p:spTree>
+    <p:extLst>
+      <p:ext uri="{BB962C8B-B14F-4D97-AF65-F5344CB8AC3E}">
+        <p14:creationId xmlns:p14="http://schemas.microsoft.com/office/powerpoint/2010/main" val="472454927"/>
+      </p:ext>
+    </p:extLst>
+  </p:cSld>
+  <p:clrMapOvr>
+    <a:masterClrMapping/>
+  </p:clrMapOvr>
+  <p:timing>
+    <p:tnLst>
+      <p:par>
+        <p:cTn id="1" dur="indefinite" restart="never" nodeType="tmRoot"/>
+      </p:par>
+    </p:tnLst>
+  </p:timing>
+</p:sld>
+</file>
+
+<file path=ppt/slides/slide21.xml><?xml version="1.0" encoding="utf-8"?>
+<p:sld xmlns:a="http://schemas.openxmlformats.org/drawingml/2006/main" xmlns:r="http://schemas.openxmlformats.org/officeDocument/2006/relationships" xmlns:p="http://schemas.openxmlformats.org/presentationml/2006/main">
+  <p:cSld>
+    <p:spTree>
+      <p:nvGrpSpPr>
+        <p:cNvPr id="1" name=""/>
+        <p:cNvGrpSpPr/>
+        <p:nvPr/>
+      </p:nvGrpSpPr>
+      <p:grpSpPr>
+        <a:xfrm>
+          <a:off x="0" y="0"/>
+          <a:ext cx="0" cy="0"/>
+          <a:chOff x="0" y="0"/>
+          <a:chExt cx="0" cy="0"/>
+        </a:xfrm>
+      </p:grpSpPr>
+      <p:sp>
+        <p:nvSpPr>
           <p:cNvPr id="2" name="Titre 1"/>
           <p:cNvSpPr>
             <a:spLocks noGrp="1"/>
@@ -19753,7 +21560,7 @@
 </p:sld>
 </file>
 
-<file path=ppt/slides/slide21.xml><?xml version="1.0" encoding="utf-8"?>
+<file path=ppt/slides/slide22.xml><?xml version="1.0" encoding="utf-8"?>
 <p:sld xmlns:a="http://schemas.openxmlformats.org/drawingml/2006/main" xmlns:r="http://schemas.openxmlformats.org/officeDocument/2006/relationships" xmlns:p="http://schemas.openxmlformats.org/presentationml/2006/main">
   <p:cSld>
     <p:spTree>
@@ -19837,7 +21644,7 @@
 </p:sld>
 </file>
 
-<file path=ppt/slides/slide22.xml><?xml version="1.0" encoding="utf-8"?>
+<file path=ppt/slides/slide23.xml><?xml version="1.0" encoding="utf-8"?>
 <p:sld xmlns:a="http://schemas.openxmlformats.org/drawingml/2006/main" xmlns:r="http://schemas.openxmlformats.org/officeDocument/2006/relationships" xmlns:p="http://schemas.openxmlformats.org/presentationml/2006/main">
   <p:cSld>
     <p:spTree>
@@ -20044,7 +21851,7 @@
 </p:sld>
 </file>
 
-<file path=ppt/slides/slide23.xml><?xml version="1.0" encoding="utf-8"?>
+<file path=ppt/slides/slide24.xml><?xml version="1.0" encoding="utf-8"?>
 <p:sld xmlns:a="http://schemas.openxmlformats.org/drawingml/2006/main" xmlns:r="http://schemas.openxmlformats.org/officeDocument/2006/relationships" xmlns:p="http://schemas.openxmlformats.org/presentationml/2006/main">
   <p:cSld>
     <p:spTree>
@@ -20121,11 +21928,7 @@
             <a:pPr lvl="1"/>
             <a:r>
               <a:rPr lang="fr-FR" dirty="0" smtClean="0"/>
-              <a:t>L’architecture du </a:t>
-            </a:r>
-            <a:r>
-              <a:rPr lang="fr-FR" dirty="0" smtClean="0"/>
-              <a:t>projet</a:t>
+              <a:t>L’architecture du projet</a:t>
             </a:r>
           </a:p>
           <a:p>
@@ -20756,7 +22559,7 @@
         </p:nvSpPr>
         <p:spPr>
           <a:xfrm>
-            <a:off x="4971245" y="1777284"/>
+            <a:off x="5228822" y="1756096"/>
             <a:ext cx="1442434" cy="1081826"/>
           </a:xfrm>
           <a:prstGeom prst="ellipse">
@@ -20800,7 +22603,7 @@
         </p:nvSpPr>
         <p:spPr>
           <a:xfrm>
-            <a:off x="7106991" y="2986825"/>
+            <a:off x="6671256" y="2986825"/>
             <a:ext cx="1442434" cy="1081826"/>
           </a:xfrm>
           <a:prstGeom prst="ellipse">
@@ -20844,7 +22647,7 @@
         </p:nvSpPr>
         <p:spPr>
           <a:xfrm>
-            <a:off x="5755825" y="4196365"/>
+            <a:off x="5228822" y="4290938"/>
             <a:ext cx="1442434" cy="1081826"/>
           </a:xfrm>
           <a:prstGeom prst="ellipse">
@@ -20888,7 +22691,7 @@
         </p:nvSpPr>
         <p:spPr>
           <a:xfrm>
-            <a:off x="3528810" y="4196365"/>
+            <a:off x="3683357" y="2986825"/>
             <a:ext cx="1545465" cy="1081826"/>
           </a:xfrm>
           <a:prstGeom prst="ellipse">
@@ -20924,69 +22727,26 @@
           </a:p>
         </p:txBody>
       </p:sp>
-      <p:sp>
-        <p:nvSpPr>
-          <p:cNvPr id="13" name="Ellipse 12"/>
-          <p:cNvSpPr/>
-          <p:nvPr/>
-        </p:nvSpPr>
-        <p:spPr>
-          <a:xfrm>
-            <a:off x="3247623" y="2728174"/>
-            <a:ext cx="1442434" cy="1081826"/>
-          </a:xfrm>
-          <a:prstGeom prst="ellipse">
-            <a:avLst/>
-          </a:prstGeom>
-        </p:spPr>
-        <p:style>
-          <a:lnRef idx="2">
-            <a:schemeClr val="accent1">
-              <a:shade val="50000"/>
-            </a:schemeClr>
-          </a:lnRef>
-          <a:fillRef idx="1">
-            <a:schemeClr val="accent1"/>
-          </a:fillRef>
-          <a:effectRef idx="0">
-            <a:schemeClr val="accent1"/>
-          </a:effectRef>
-          <a:fontRef idx="minor">
-            <a:schemeClr val="lt1"/>
-          </a:fontRef>
-        </p:style>
-        <p:txBody>
-          <a:bodyPr rtlCol="0" anchor="ctr"/>
-          <a:lstStyle/>
-          <a:p>
-            <a:pPr algn="ctr"/>
-            <a:r>
-              <a:rPr lang="fr-FR" dirty="0" smtClean="0"/>
-              <a:t>Avancer après balayage</a:t>
-            </a:r>
-            <a:endParaRPr lang="fr-FR" dirty="0"/>
-          </a:p>
-        </p:txBody>
-      </p:sp>
       <p:cxnSp>
         <p:nvCxnSpPr>
           <p:cNvPr id="17" name="Connecteur droit avec flèche 16"/>
           <p:cNvCxnSpPr>
             <a:stCxn id="9" idx="5"/>
-            <a:endCxn id="10" idx="2"/>
+            <a:endCxn id="10" idx="1"/>
           </p:cNvCxnSpPr>
           <p:nvPr/>
         </p:nvCxnSpPr>
         <p:spPr>
           <a:xfrm>
-            <a:off x="6202439" y="2700680"/>
-            <a:ext cx="904552" cy="827058"/>
+            <a:off x="6460016" y="2679492"/>
+            <a:ext cx="422480" cy="465763"/>
           </a:xfrm>
           <a:prstGeom prst="straightConnector1">
             <a:avLst/>
           </a:prstGeom>
           <a:ln>
-            <a:tailEnd type="triangle"/>
+            <a:headEnd type="none" w="med" len="med"/>
+            <a:tailEnd type="arrow" w="med" len="med"/>
           </a:ln>
         </p:spPr>
         <p:style>
@@ -21008,15 +22768,15 @@
         <p:nvCxnSpPr>
           <p:cNvPr id="21" name="Connecteur droit avec flèche 20"/>
           <p:cNvCxnSpPr>
-            <a:stCxn id="10" idx="1"/>
+            <a:stCxn id="10" idx="0"/>
             <a:endCxn id="9" idx="6"/>
           </p:cNvCxnSpPr>
           <p:nvPr/>
         </p:nvCxnSpPr>
         <p:spPr>
           <a:xfrm flipH="1" flipV="1">
-            <a:off x="6413679" y="2318197"/>
-            <a:ext cx="904552" cy="827058"/>
+            <a:off x="6671256" y="2297009"/>
+            <a:ext cx="721217" cy="689816"/>
           </a:xfrm>
           <a:prstGeom prst="straightConnector1">
             <a:avLst/>
@@ -21051,43 +22811,8 @@
         </p:nvCxnSpPr>
         <p:spPr>
           <a:xfrm flipH="1">
-            <a:off x="6987019" y="3910221"/>
-            <a:ext cx="331212" cy="444574"/>
-          </a:xfrm>
-          <a:prstGeom prst="straightConnector1">
-            <a:avLst/>
-          </a:prstGeom>
-          <a:ln>
-            <a:tailEnd type="triangle"/>
-          </a:ln>
-        </p:spPr>
-        <p:style>
-          <a:lnRef idx="3">
-            <a:schemeClr val="accent1"/>
-          </a:lnRef>
-          <a:fillRef idx="0">
-            <a:schemeClr val="accent1"/>
-          </a:fillRef>
-          <a:effectRef idx="2">
-            <a:schemeClr val="accent1"/>
-          </a:effectRef>
-          <a:fontRef idx="minor">
-            <a:schemeClr val="tx1"/>
-          </a:fontRef>
-        </p:style>
-      </p:cxnSp>
-      <p:cxnSp>
-        <p:nvCxnSpPr>
-          <p:cNvPr id="27" name="Connecteur droit avec flèche 26"/>
-          <p:cNvCxnSpPr>
-            <a:stCxn id="11" idx="6"/>
-          </p:cNvCxnSpPr>
-          <p:nvPr/>
-        </p:nvCxnSpPr>
-        <p:spPr>
-          <a:xfrm flipV="1">
-            <a:off x="7198259" y="4132508"/>
-            <a:ext cx="420594" cy="604770"/>
+            <a:off x="6460016" y="3910221"/>
+            <a:ext cx="422480" cy="539147"/>
           </a:xfrm>
           <a:prstGeom prst="straightConnector1">
             <a:avLst/>
@@ -21114,13 +22839,125 @@
       <p:cxnSp>
         <p:nvCxnSpPr>
           <p:cNvPr id="31" name="Connecteur droit avec flèche 30"/>
-          <p:cNvCxnSpPr/>
+          <p:cNvCxnSpPr>
+            <a:stCxn id="10" idx="2"/>
+            <a:endCxn id="12" idx="6"/>
+          </p:cNvCxnSpPr>
           <p:nvPr/>
         </p:nvCxnSpPr>
         <p:spPr>
           <a:xfrm flipH="1">
-            <a:off x="5375667" y="3846364"/>
-            <a:ext cx="331212" cy="444574"/>
+            <a:off x="5228822" y="3527738"/>
+            <a:ext cx="1442434" cy="0"/>
+          </a:xfrm>
+          <a:prstGeom prst="straightConnector1">
+            <a:avLst/>
+          </a:prstGeom>
+          <a:ln>
+            <a:headEnd type="none" w="med" len="med"/>
+            <a:tailEnd type="arrow" w="med" len="med"/>
+          </a:ln>
+        </p:spPr>
+        <p:style>
+          <a:lnRef idx="3">
+            <a:schemeClr val="accent1"/>
+          </a:lnRef>
+          <a:fillRef idx="0">
+            <a:schemeClr val="accent1"/>
+          </a:fillRef>
+          <a:effectRef idx="2">
+            <a:schemeClr val="accent1"/>
+          </a:effectRef>
+          <a:fontRef idx="minor">
+            <a:schemeClr val="tx1"/>
+          </a:fontRef>
+        </p:style>
+      </p:cxnSp>
+      <p:cxnSp>
+        <p:nvCxnSpPr>
+          <p:cNvPr id="22" name="Connecteur droit avec flèche 21"/>
+          <p:cNvCxnSpPr>
+            <a:stCxn id="11" idx="1"/>
+            <a:endCxn id="12" idx="5"/>
+          </p:cNvCxnSpPr>
+          <p:nvPr/>
+        </p:nvCxnSpPr>
+        <p:spPr>
+          <a:xfrm flipH="1" flipV="1">
+            <a:off x="5002494" y="3910221"/>
+            <a:ext cx="437568" cy="539147"/>
+          </a:xfrm>
+          <a:prstGeom prst="straightConnector1">
+            <a:avLst/>
+          </a:prstGeom>
+          <a:ln>
+            <a:tailEnd type="triangle"/>
+          </a:ln>
+        </p:spPr>
+        <p:style>
+          <a:lnRef idx="3">
+            <a:schemeClr val="accent1"/>
+          </a:lnRef>
+          <a:fillRef idx="0">
+            <a:schemeClr val="accent1"/>
+          </a:fillRef>
+          <a:effectRef idx="2">
+            <a:schemeClr val="accent1"/>
+          </a:effectRef>
+          <a:fontRef idx="minor">
+            <a:schemeClr val="tx1"/>
+          </a:fontRef>
+        </p:style>
+      </p:cxnSp>
+      <p:cxnSp>
+        <p:nvCxnSpPr>
+          <p:cNvPr id="25" name="Connecteur droit avec flèche 24"/>
+          <p:cNvCxnSpPr>
+            <a:stCxn id="12" idx="7"/>
+            <a:endCxn id="9" idx="3"/>
+          </p:cNvCxnSpPr>
+          <p:nvPr/>
+        </p:nvCxnSpPr>
+        <p:spPr>
+          <a:xfrm flipV="1">
+            <a:off x="5002494" y="2679492"/>
+            <a:ext cx="437568" cy="465763"/>
+          </a:xfrm>
+          <a:prstGeom prst="straightConnector1">
+            <a:avLst/>
+          </a:prstGeom>
+          <a:ln>
+            <a:tailEnd type="triangle"/>
+          </a:ln>
+        </p:spPr>
+        <p:style>
+          <a:lnRef idx="3">
+            <a:schemeClr val="accent1"/>
+          </a:lnRef>
+          <a:fillRef idx="0">
+            <a:schemeClr val="accent1"/>
+          </a:fillRef>
+          <a:effectRef idx="2">
+            <a:schemeClr val="accent1"/>
+          </a:effectRef>
+          <a:fontRef idx="minor">
+            <a:schemeClr val="tx1"/>
+          </a:fontRef>
+        </p:style>
+      </p:cxnSp>
+      <p:cxnSp>
+        <p:nvCxnSpPr>
+          <p:cNvPr id="28" name="Connecteur droit avec flèche 27"/>
+          <p:cNvCxnSpPr>
+            <a:stCxn id="12" idx="4"/>
+            <a:endCxn id="11" idx="2"/>
+          </p:cNvCxnSpPr>
+          <p:nvPr/>
+        </p:nvCxnSpPr>
+        <p:spPr>
+          <a:xfrm>
+            <a:off x="4456090" y="4068651"/>
+            <a:ext cx="772732" cy="763200"/>
           </a:xfrm>
           <a:prstGeom prst="straightConnector1">
             <a:avLst/>
@@ -21183,6 +23020,1958 @@
       </p:grpSpPr>
       <p:sp>
         <p:nvSpPr>
+          <p:cNvPr id="33" name="Secteurs 32"/>
+          <p:cNvSpPr/>
+          <p:nvPr/>
+        </p:nvSpPr>
+        <p:spPr>
+          <a:xfrm rot="5579262">
+            <a:off x="7886582" y="4683429"/>
+            <a:ext cx="1493520" cy="1451257"/>
+          </a:xfrm>
+          <a:prstGeom prst="pie">
+            <a:avLst>
+              <a:gd name="adj1" fmla="val 277242"/>
+              <a:gd name="adj2" fmla="val 3129615"/>
+            </a:avLst>
+          </a:prstGeom>
+        </p:spPr>
+        <p:style>
+          <a:lnRef idx="2">
+            <a:schemeClr val="accent1">
+              <a:shade val="50000"/>
+            </a:schemeClr>
+          </a:lnRef>
+          <a:fillRef idx="1">
+            <a:schemeClr val="accent1"/>
+          </a:fillRef>
+          <a:effectRef idx="0">
+            <a:schemeClr val="accent1"/>
+          </a:effectRef>
+          <a:fontRef idx="minor">
+            <a:schemeClr val="lt1"/>
+          </a:fontRef>
+        </p:style>
+        <p:txBody>
+          <a:bodyPr rtlCol="0" anchor="ctr"/>
+          <a:lstStyle/>
+          <a:p>
+            <a:pPr algn="ctr"/>
+            <a:endParaRPr lang="fr-FR">
+              <a:solidFill>
+                <a:schemeClr val="tx1"/>
+              </a:solidFill>
+            </a:endParaRPr>
+          </a:p>
+        </p:txBody>
+      </p:sp>
+      <p:sp>
+        <p:nvSpPr>
+          <p:cNvPr id="32" name="Secteurs 31"/>
+          <p:cNvSpPr/>
+          <p:nvPr/>
+        </p:nvSpPr>
+        <p:spPr>
+          <a:xfrm>
+            <a:off x="3281467" y="1847123"/>
+            <a:ext cx="1493520" cy="1451257"/>
+          </a:xfrm>
+          <a:prstGeom prst="pie">
+            <a:avLst>
+              <a:gd name="adj1" fmla="val 277242"/>
+              <a:gd name="adj2" fmla="val 3129615"/>
+            </a:avLst>
+          </a:prstGeom>
+        </p:spPr>
+        <p:style>
+          <a:lnRef idx="2">
+            <a:schemeClr val="accent1">
+              <a:shade val="50000"/>
+            </a:schemeClr>
+          </a:lnRef>
+          <a:fillRef idx="1">
+            <a:schemeClr val="accent1"/>
+          </a:fillRef>
+          <a:effectRef idx="0">
+            <a:schemeClr val="accent1"/>
+          </a:effectRef>
+          <a:fontRef idx="minor">
+            <a:schemeClr val="lt1"/>
+          </a:fontRef>
+        </p:style>
+        <p:txBody>
+          <a:bodyPr rtlCol="0" anchor="ctr"/>
+          <a:lstStyle/>
+          <a:p>
+            <a:pPr algn="ctr"/>
+            <a:endParaRPr lang="fr-FR">
+              <a:solidFill>
+                <a:schemeClr val="tx1"/>
+              </a:solidFill>
+            </a:endParaRPr>
+          </a:p>
+        </p:txBody>
+      </p:sp>
+      <p:sp>
+        <p:nvSpPr>
+          <p:cNvPr id="2" name="Titre 1"/>
+          <p:cNvSpPr>
+            <a:spLocks noGrp="1"/>
+          </p:cNvSpPr>
+          <p:nvPr>
+            <p:ph type="title"/>
+          </p:nvPr>
+        </p:nvSpPr>
+        <p:spPr/>
+        <p:txBody>
+          <a:bodyPr/>
+          <a:lstStyle/>
+          <a:p>
+            <a:pPr algn="l"/>
+            <a:r>
+              <a:rPr lang="fr-FR" dirty="0" smtClean="0"/>
+              <a:t>Algorithme</a:t>
+            </a:r>
+            <a:endParaRPr lang="fr-FR" dirty="0"/>
+          </a:p>
+        </p:txBody>
+      </p:sp>
+      <p:pic>
+        <p:nvPicPr>
+          <p:cNvPr id="4" name="Espace réservé du contenu 4"/>
+          <p:cNvPicPr>
+            <a:picLocks noChangeAspect="1"/>
+          </p:cNvPicPr>
+          <p:nvPr/>
+        </p:nvPicPr>
+        <p:blipFill>
+          <a:blip r:embed="rId2">
+            <a:extLst>
+              <a:ext uri="{28A0092B-C50C-407E-A947-70E740481C1C}">
+                <a14:useLocalDpi xmlns:a14="http://schemas.microsoft.com/office/drawing/2010/main" val="0"/>
+              </a:ext>
+            </a:extLst>
+          </a:blip>
+          <a:stretch>
+            <a:fillRect/>
+          </a:stretch>
+        </p:blipFill>
+        <p:spPr>
+          <a:xfrm>
+            <a:off x="3647445" y="2084423"/>
+            <a:ext cx="761564" cy="932154"/>
+          </a:xfrm>
+          <a:prstGeom prst="rect">
+            <a:avLst/>
+          </a:prstGeom>
+          <a:effectLst>
+            <a:outerShdw blurRad="25400" dir="17880000">
+              <a:srgbClr val="000000">
+                <a:alpha val="46000"/>
+              </a:srgbClr>
+            </a:outerShdw>
+          </a:effectLst>
+        </p:spPr>
+      </p:pic>
+      <p:sp>
+        <p:nvSpPr>
+          <p:cNvPr id="5" name="Rectangle 4"/>
+          <p:cNvSpPr/>
+          <p:nvPr/>
+        </p:nvSpPr>
+        <p:spPr>
+          <a:xfrm>
+            <a:off x="2546777" y="1580050"/>
+            <a:ext cx="6890197" cy="4971245"/>
+          </a:xfrm>
+          <a:prstGeom prst="rect">
+            <a:avLst/>
+          </a:prstGeom>
+          <a:noFill/>
+        </p:spPr>
+        <p:style>
+          <a:lnRef idx="2">
+            <a:schemeClr val="accent1"/>
+          </a:lnRef>
+          <a:fillRef idx="1">
+            <a:schemeClr val="lt1"/>
+          </a:fillRef>
+          <a:effectRef idx="0">
+            <a:schemeClr val="accent1"/>
+          </a:effectRef>
+          <a:fontRef idx="minor">
+            <a:schemeClr val="dk1"/>
+          </a:fontRef>
+        </p:style>
+        <p:txBody>
+          <a:bodyPr rtlCol="0" anchor="ctr"/>
+          <a:lstStyle/>
+          <a:p>
+            <a:pPr algn="ctr"/>
+            <a:endParaRPr lang="fr-FR"/>
+          </a:p>
+        </p:txBody>
+      </p:sp>
+      <p:cxnSp>
+        <p:nvCxnSpPr>
+          <p:cNvPr id="6" name="Connecteur droit 5"/>
+          <p:cNvCxnSpPr>
+            <a:stCxn id="4" idx="0"/>
+          </p:cNvCxnSpPr>
+          <p:nvPr/>
+        </p:nvCxnSpPr>
+        <p:spPr>
+          <a:xfrm flipV="1">
+            <a:off x="4028227" y="1580050"/>
+            <a:ext cx="0" cy="504373"/>
+          </a:xfrm>
+          <a:prstGeom prst="line">
+            <a:avLst/>
+          </a:prstGeom>
+          <a:ln w="28575">
+            <a:solidFill>
+              <a:srgbClr val="FF0000"/>
+            </a:solidFill>
+            <a:prstDash val="dashDot"/>
+          </a:ln>
+        </p:spPr>
+        <p:style>
+          <a:lnRef idx="1">
+            <a:schemeClr val="accent1"/>
+          </a:lnRef>
+          <a:fillRef idx="0">
+            <a:schemeClr val="accent1"/>
+          </a:fillRef>
+          <a:effectRef idx="0">
+            <a:schemeClr val="accent1"/>
+          </a:effectRef>
+          <a:fontRef idx="minor">
+            <a:schemeClr val="tx1"/>
+          </a:fontRef>
+        </p:style>
+      </p:cxnSp>
+      <p:cxnSp>
+        <p:nvCxnSpPr>
+          <p:cNvPr id="11" name="Connecteur droit 10"/>
+          <p:cNvCxnSpPr/>
+          <p:nvPr/>
+        </p:nvCxnSpPr>
+        <p:spPr>
+          <a:xfrm flipH="1" flipV="1">
+            <a:off x="9098280" y="5684520"/>
+            <a:ext cx="338695" cy="198120"/>
+          </a:xfrm>
+          <a:prstGeom prst="line">
+            <a:avLst/>
+          </a:prstGeom>
+          <a:ln w="28575">
+            <a:solidFill>
+              <a:srgbClr val="FF0000"/>
+            </a:solidFill>
+            <a:prstDash val="dashDot"/>
+          </a:ln>
+        </p:spPr>
+        <p:style>
+          <a:lnRef idx="1">
+            <a:schemeClr val="accent1"/>
+          </a:lnRef>
+          <a:fillRef idx="0">
+            <a:schemeClr val="accent1"/>
+          </a:fillRef>
+          <a:effectRef idx="0">
+            <a:schemeClr val="accent1"/>
+          </a:effectRef>
+          <a:fontRef idx="minor">
+            <a:schemeClr val="tx1"/>
+          </a:fontRef>
+        </p:style>
+      </p:cxnSp>
+      <p:sp>
+        <p:nvSpPr>
+          <p:cNvPr id="18" name="Arc plein 17"/>
+          <p:cNvSpPr/>
+          <p:nvPr/>
+        </p:nvSpPr>
+        <p:spPr>
+          <a:xfrm rot="12658526">
+            <a:off x="7959725" y="4762479"/>
+            <a:ext cx="1350252" cy="1325880"/>
+          </a:xfrm>
+          <a:prstGeom prst="blockArc">
+            <a:avLst>
+              <a:gd name="adj1" fmla="val 10800000"/>
+              <a:gd name="adj2" fmla="val 15920711"/>
+              <a:gd name="adj3" fmla="val 4162"/>
+            </a:avLst>
+          </a:prstGeom>
+        </p:spPr>
+        <p:style>
+          <a:lnRef idx="2">
+            <a:schemeClr val="accent1">
+              <a:shade val="50000"/>
+            </a:schemeClr>
+          </a:lnRef>
+          <a:fillRef idx="1">
+            <a:schemeClr val="accent1"/>
+          </a:fillRef>
+          <a:effectRef idx="0">
+            <a:schemeClr val="accent1"/>
+          </a:effectRef>
+          <a:fontRef idx="minor">
+            <a:schemeClr val="lt1"/>
+          </a:fontRef>
+        </p:style>
+        <p:txBody>
+          <a:bodyPr rtlCol="0" anchor="ctr"/>
+          <a:lstStyle/>
+          <a:p>
+            <a:pPr algn="ctr"/>
+            <a:endParaRPr lang="fr-FR">
+              <a:solidFill>
+                <a:schemeClr val="tx1"/>
+              </a:solidFill>
+            </a:endParaRPr>
+          </a:p>
+        </p:txBody>
+      </p:sp>
+      <p:sp>
+        <p:nvSpPr>
+          <p:cNvPr id="19" name="Arc plein 18"/>
+          <p:cNvSpPr/>
+          <p:nvPr/>
+        </p:nvSpPr>
+        <p:spPr>
+          <a:xfrm rot="5400000">
+            <a:off x="3353101" y="1844422"/>
+            <a:ext cx="1350252" cy="1325880"/>
+          </a:xfrm>
+          <a:prstGeom prst="blockArc">
+            <a:avLst>
+              <a:gd name="adj1" fmla="val 10800000"/>
+              <a:gd name="adj2" fmla="val 18332935"/>
+              <a:gd name="adj3" fmla="val 4189"/>
+            </a:avLst>
+          </a:prstGeom>
+        </p:spPr>
+        <p:style>
+          <a:lnRef idx="2">
+            <a:schemeClr val="accent1">
+              <a:shade val="50000"/>
+            </a:schemeClr>
+          </a:lnRef>
+          <a:fillRef idx="1">
+            <a:schemeClr val="accent1"/>
+          </a:fillRef>
+          <a:effectRef idx="0">
+            <a:schemeClr val="accent1"/>
+          </a:effectRef>
+          <a:fontRef idx="minor">
+            <a:schemeClr val="lt1"/>
+          </a:fontRef>
+        </p:style>
+        <p:txBody>
+          <a:bodyPr rtlCol="0" anchor="ctr"/>
+          <a:lstStyle/>
+          <a:p>
+            <a:pPr algn="ctr"/>
+            <a:endParaRPr lang="fr-FR">
+              <a:solidFill>
+                <a:schemeClr val="tx1"/>
+              </a:solidFill>
+            </a:endParaRPr>
+          </a:p>
+        </p:txBody>
+      </p:sp>
+      <p:sp>
+        <p:nvSpPr>
+          <p:cNvPr id="20" name="ZoneTexte 19"/>
+          <p:cNvSpPr txBox="1"/>
+          <p:nvPr/>
+        </p:nvSpPr>
+        <p:spPr>
+          <a:xfrm>
+            <a:off x="4576047" y="2065726"/>
+            <a:ext cx="627095" cy="369332"/>
+          </a:xfrm>
+          <a:prstGeom prst="rect">
+            <a:avLst/>
+          </a:prstGeom>
+          <a:noFill/>
+        </p:spPr>
+        <p:txBody>
+          <a:bodyPr wrap="none" rtlCol="0">
+            <a:spAutoFit/>
+          </a:bodyPr>
+          <a:lstStyle/>
+          <a:p>
+            <a:r>
+              <a:rPr lang="fr-FR" dirty="0" smtClean="0"/>
+              <a:t>120°</a:t>
+            </a:r>
+            <a:endParaRPr lang="fr-FR" dirty="0"/>
+          </a:p>
+        </p:txBody>
+      </p:sp>
+      <p:sp>
+        <p:nvSpPr>
+          <p:cNvPr id="21" name="ZoneTexte 20"/>
+          <p:cNvSpPr txBox="1"/>
+          <p:nvPr/>
+        </p:nvSpPr>
+        <p:spPr>
+          <a:xfrm>
+            <a:off x="8656621" y="6041723"/>
+            <a:ext cx="510076" cy="369332"/>
+          </a:xfrm>
+          <a:prstGeom prst="rect">
+            <a:avLst/>
+          </a:prstGeom>
+          <a:noFill/>
+        </p:spPr>
+        <p:txBody>
+          <a:bodyPr wrap="none" rtlCol="0">
+            <a:spAutoFit/>
+          </a:bodyPr>
+          <a:lstStyle/>
+          <a:p>
+            <a:r>
+              <a:rPr lang="fr-FR" dirty="0" smtClean="0"/>
+              <a:t>90°</a:t>
+            </a:r>
+            <a:endParaRPr lang="fr-FR" dirty="0"/>
+          </a:p>
+        </p:txBody>
+      </p:sp>
+      <p:sp>
+        <p:nvSpPr>
+          <p:cNvPr id="22" name="ZoneTexte 21"/>
+          <p:cNvSpPr txBox="1"/>
+          <p:nvPr/>
+        </p:nvSpPr>
+        <p:spPr>
+          <a:xfrm>
+            <a:off x="1049651" y="1580050"/>
+            <a:ext cx="1361270" cy="369332"/>
+          </a:xfrm>
+          <a:prstGeom prst="rect">
+            <a:avLst/>
+          </a:prstGeom>
+          <a:noFill/>
+        </p:spPr>
+        <p:txBody>
+          <a:bodyPr wrap="none" rtlCol="0">
+            <a:spAutoFit/>
+          </a:bodyPr>
+          <a:lstStyle/>
+          <a:p>
+            <a:r>
+              <a:rPr lang="fr-FR" dirty="0" smtClean="0"/>
+              <a:t>Mur en face</a:t>
+            </a:r>
+            <a:endParaRPr lang="fr-FR" dirty="0"/>
+          </a:p>
+        </p:txBody>
+      </p:sp>
+      <p:sp>
+        <p:nvSpPr>
+          <p:cNvPr id="23" name="ZoneTexte 22"/>
+          <p:cNvSpPr txBox="1"/>
+          <p:nvPr/>
+        </p:nvSpPr>
+        <p:spPr>
+          <a:xfrm>
+            <a:off x="1049650" y="1862363"/>
+            <a:ext cx="990336" cy="369332"/>
+          </a:xfrm>
+          <a:prstGeom prst="rect">
+            <a:avLst/>
+          </a:prstGeom>
+          <a:noFill/>
+        </p:spPr>
+        <p:txBody>
+          <a:bodyPr wrap="none" rtlCol="0">
+            <a:spAutoFit/>
+          </a:bodyPr>
+          <a:lstStyle/>
+          <a:p>
+            <a:r>
+              <a:rPr lang="fr-FR" dirty="0" smtClean="0"/>
+              <a:t>Avancer</a:t>
+            </a:r>
+            <a:endParaRPr lang="fr-FR" dirty="0"/>
+          </a:p>
+        </p:txBody>
+      </p:sp>
+      <p:sp>
+        <p:nvSpPr>
+          <p:cNvPr id="24" name="ZoneTexte 23"/>
+          <p:cNvSpPr txBox="1"/>
+          <p:nvPr/>
+        </p:nvSpPr>
+        <p:spPr>
+          <a:xfrm>
+            <a:off x="1049650" y="2181168"/>
+            <a:ext cx="1361270" cy="369332"/>
+          </a:xfrm>
+          <a:prstGeom prst="rect">
+            <a:avLst/>
+          </a:prstGeom>
+          <a:noFill/>
+        </p:spPr>
+        <p:txBody>
+          <a:bodyPr wrap="none" rtlCol="0">
+            <a:spAutoFit/>
+          </a:bodyPr>
+          <a:lstStyle/>
+          <a:p>
+            <a:r>
+              <a:rPr lang="fr-FR" dirty="0" smtClean="0"/>
+              <a:t>Mur en face</a:t>
+            </a:r>
+            <a:endParaRPr lang="fr-FR" dirty="0"/>
+          </a:p>
+        </p:txBody>
+      </p:sp>
+      <p:sp>
+        <p:nvSpPr>
+          <p:cNvPr id="25" name="ZoneTexte 24"/>
+          <p:cNvSpPr txBox="1"/>
+          <p:nvPr/>
+        </p:nvSpPr>
+        <p:spPr>
+          <a:xfrm>
+            <a:off x="1044428" y="2550500"/>
+            <a:ext cx="969817" cy="369332"/>
+          </a:xfrm>
+          <a:prstGeom prst="rect">
+            <a:avLst/>
+          </a:prstGeom>
+          <a:noFill/>
+        </p:spPr>
+        <p:txBody>
+          <a:bodyPr wrap="none" rtlCol="0">
+            <a:spAutoFit/>
+          </a:bodyPr>
+          <a:lstStyle/>
+          <a:p>
+            <a:r>
+              <a:rPr lang="fr-FR" dirty="0" smtClean="0"/>
+              <a:t>Tourner</a:t>
+            </a:r>
+            <a:endParaRPr lang="fr-FR" dirty="0"/>
+          </a:p>
+        </p:txBody>
+      </p:sp>
+      <p:sp>
+        <p:nvSpPr>
+          <p:cNvPr id="26" name="ZoneTexte 25"/>
+          <p:cNvSpPr txBox="1"/>
+          <p:nvPr/>
+        </p:nvSpPr>
+        <p:spPr>
+          <a:xfrm>
+            <a:off x="1044428" y="2927203"/>
+            <a:ext cx="1442446" cy="369332"/>
+          </a:xfrm>
+          <a:prstGeom prst="rect">
+            <a:avLst/>
+          </a:prstGeom>
+          <a:noFill/>
+        </p:spPr>
+        <p:txBody>
+          <a:bodyPr wrap="none" rtlCol="0">
+            <a:spAutoFit/>
+          </a:bodyPr>
+          <a:lstStyle/>
+          <a:p>
+            <a:r>
+              <a:rPr lang="fr-FR" dirty="0" smtClean="0"/>
+              <a:t>Balayage 45°</a:t>
+            </a:r>
+            <a:endParaRPr lang="fr-FR" dirty="0"/>
+          </a:p>
+        </p:txBody>
+      </p:sp>
+      <p:sp>
+        <p:nvSpPr>
+          <p:cNvPr id="27" name="ZoneTexte 26"/>
+          <p:cNvSpPr txBox="1"/>
+          <p:nvPr/>
+        </p:nvSpPr>
+        <p:spPr>
+          <a:xfrm>
+            <a:off x="1044428" y="3336284"/>
+            <a:ext cx="990336" cy="369332"/>
+          </a:xfrm>
+          <a:prstGeom prst="rect">
+            <a:avLst/>
+          </a:prstGeom>
+          <a:noFill/>
+        </p:spPr>
+        <p:txBody>
+          <a:bodyPr wrap="none" rtlCol="0">
+            <a:spAutoFit/>
+          </a:bodyPr>
+          <a:lstStyle/>
+          <a:p>
+            <a:r>
+              <a:rPr lang="fr-FR" dirty="0" smtClean="0"/>
+              <a:t>Avancer</a:t>
+            </a:r>
+            <a:endParaRPr lang="fr-FR" dirty="0"/>
+          </a:p>
+        </p:txBody>
+      </p:sp>
+      <p:sp>
+        <p:nvSpPr>
+          <p:cNvPr id="28" name="ZoneTexte 27"/>
+          <p:cNvSpPr txBox="1"/>
+          <p:nvPr/>
+        </p:nvSpPr>
+        <p:spPr>
+          <a:xfrm>
+            <a:off x="1049650" y="3691387"/>
+            <a:ext cx="1361270" cy="369332"/>
+          </a:xfrm>
+          <a:prstGeom prst="rect">
+            <a:avLst/>
+          </a:prstGeom>
+          <a:noFill/>
+        </p:spPr>
+        <p:txBody>
+          <a:bodyPr wrap="none" rtlCol="0">
+            <a:spAutoFit/>
+          </a:bodyPr>
+          <a:lstStyle/>
+          <a:p>
+            <a:r>
+              <a:rPr lang="fr-FR" dirty="0" smtClean="0"/>
+              <a:t>Mur en face</a:t>
+            </a:r>
+            <a:endParaRPr lang="fr-FR" dirty="0"/>
+          </a:p>
+        </p:txBody>
+      </p:sp>
+      <p:sp>
+        <p:nvSpPr>
+          <p:cNvPr id="29" name="ZoneTexte 28"/>
+          <p:cNvSpPr txBox="1"/>
+          <p:nvPr/>
+        </p:nvSpPr>
+        <p:spPr>
+          <a:xfrm>
+            <a:off x="1044428" y="4060719"/>
+            <a:ext cx="969817" cy="369332"/>
+          </a:xfrm>
+          <a:prstGeom prst="rect">
+            <a:avLst/>
+          </a:prstGeom>
+          <a:noFill/>
+        </p:spPr>
+        <p:txBody>
+          <a:bodyPr wrap="none" rtlCol="0">
+            <a:spAutoFit/>
+          </a:bodyPr>
+          <a:lstStyle/>
+          <a:p>
+            <a:r>
+              <a:rPr lang="fr-FR" dirty="0" smtClean="0"/>
+              <a:t>Tourner</a:t>
+            </a:r>
+            <a:endParaRPr lang="fr-FR" dirty="0"/>
+          </a:p>
+        </p:txBody>
+      </p:sp>
+      <p:sp>
+        <p:nvSpPr>
+          <p:cNvPr id="30" name="ZoneTexte 29"/>
+          <p:cNvSpPr txBox="1"/>
+          <p:nvPr/>
+        </p:nvSpPr>
+        <p:spPr>
+          <a:xfrm>
+            <a:off x="1044428" y="4437422"/>
+            <a:ext cx="1442446" cy="369332"/>
+          </a:xfrm>
+          <a:prstGeom prst="rect">
+            <a:avLst/>
+          </a:prstGeom>
+          <a:noFill/>
+        </p:spPr>
+        <p:txBody>
+          <a:bodyPr wrap="none" rtlCol="0">
+            <a:spAutoFit/>
+          </a:bodyPr>
+          <a:lstStyle/>
+          <a:p>
+            <a:r>
+              <a:rPr lang="fr-FR" dirty="0" smtClean="0"/>
+              <a:t>Balayage 45°</a:t>
+            </a:r>
+            <a:endParaRPr lang="fr-FR" dirty="0"/>
+          </a:p>
+        </p:txBody>
+      </p:sp>
+      <p:sp>
+        <p:nvSpPr>
+          <p:cNvPr id="31" name="ZoneTexte 30"/>
+          <p:cNvSpPr txBox="1"/>
+          <p:nvPr/>
+        </p:nvSpPr>
+        <p:spPr>
+          <a:xfrm>
+            <a:off x="1044428" y="4846503"/>
+            <a:ext cx="990336" cy="369332"/>
+          </a:xfrm>
+          <a:prstGeom prst="rect">
+            <a:avLst/>
+          </a:prstGeom>
+          <a:noFill/>
+        </p:spPr>
+        <p:txBody>
+          <a:bodyPr wrap="none" rtlCol="0">
+            <a:spAutoFit/>
+          </a:bodyPr>
+          <a:lstStyle/>
+          <a:p>
+            <a:r>
+              <a:rPr lang="fr-FR" dirty="0" smtClean="0"/>
+              <a:t>Avancer</a:t>
+            </a:r>
+            <a:endParaRPr lang="fr-FR" dirty="0"/>
+          </a:p>
+        </p:txBody>
+      </p:sp>
+    </p:spTree>
+    <p:extLst>
+      <p:ext uri="{BB962C8B-B14F-4D97-AF65-F5344CB8AC3E}">
+        <p14:creationId xmlns:p14="http://schemas.microsoft.com/office/powerpoint/2010/main" val="3888743582"/>
+      </p:ext>
+    </p:extLst>
+  </p:cSld>
+  <p:clrMapOvr>
+    <a:masterClrMapping/>
+  </p:clrMapOvr>
+  <p:timing>
+    <p:tnLst>
+      <p:par>
+        <p:cTn id="1" dur="indefinite" restart="never" nodeType="tmRoot">
+          <p:childTnLst>
+            <p:seq concurrent="1" nextAc="seek">
+              <p:cTn id="2" dur="indefinite" nodeType="mainSeq">
+                <p:childTnLst>
+                  <p:par>
+                    <p:cTn id="3" fill="hold">
+                      <p:stCondLst>
+                        <p:cond delay="indefinite"/>
+                      </p:stCondLst>
+                      <p:childTnLst>
+                        <p:par>
+                          <p:cTn id="4" fill="hold">
+                            <p:stCondLst>
+                              <p:cond delay="0"/>
+                            </p:stCondLst>
+                            <p:childTnLst>
+                              <p:par>
+                                <p:cTn id="5" presetID="1" presetClass="entr" presetSubtype="0" fill="hold" grpId="0" nodeType="clickEffect">
+                                  <p:stCondLst>
+                                    <p:cond delay="0"/>
+                                  </p:stCondLst>
+                                  <p:childTnLst>
+                                    <p:set>
+                                      <p:cBhvr>
+                                        <p:cTn id="6" dur="1" fill="hold">
+                                          <p:stCondLst>
+                                            <p:cond delay="0"/>
+                                          </p:stCondLst>
+                                        </p:cTn>
+                                        <p:tgtEl>
+                                          <p:spTgt spid="22"/>
+                                        </p:tgtEl>
+                                        <p:attrNameLst>
+                                          <p:attrName>style.visibility</p:attrName>
+                                        </p:attrNameLst>
+                                      </p:cBhvr>
+                                      <p:to>
+                                        <p:strVal val="visible"/>
+                                      </p:to>
+                                    </p:set>
+                                  </p:childTnLst>
+                                </p:cTn>
+                              </p:par>
+                              <p:par>
+                                <p:cTn id="7" presetID="1" presetClass="entr" presetSubtype="0" fill="hold" grpId="0" nodeType="withEffect">
+                                  <p:stCondLst>
+                                    <p:cond delay="0"/>
+                                  </p:stCondLst>
+                                  <p:childTnLst>
+                                    <p:set>
+                                      <p:cBhvr>
+                                        <p:cTn id="8" dur="1" fill="hold">
+                                          <p:stCondLst>
+                                            <p:cond delay="0"/>
+                                          </p:stCondLst>
+                                        </p:cTn>
+                                        <p:tgtEl>
+                                          <p:spTgt spid="23"/>
+                                        </p:tgtEl>
+                                        <p:attrNameLst>
+                                          <p:attrName>style.visibility</p:attrName>
+                                        </p:attrNameLst>
+                                      </p:cBhvr>
+                                      <p:to>
+                                        <p:strVal val="visible"/>
+                                      </p:to>
+                                    </p:set>
+                                  </p:childTnLst>
+                                </p:cTn>
+                              </p:par>
+                              <p:par>
+                                <p:cTn id="9" presetID="1" presetClass="entr" presetSubtype="0" fill="hold" nodeType="withEffect">
+                                  <p:stCondLst>
+                                    <p:cond delay="0"/>
+                                  </p:stCondLst>
+                                  <p:childTnLst>
+                                    <p:set>
+                                      <p:cBhvr>
+                                        <p:cTn id="10" dur="1" fill="hold">
+                                          <p:stCondLst>
+                                            <p:cond delay="0"/>
+                                          </p:stCondLst>
+                                        </p:cTn>
+                                        <p:tgtEl>
+                                          <p:spTgt spid="4"/>
+                                        </p:tgtEl>
+                                        <p:attrNameLst>
+                                          <p:attrName>style.visibility</p:attrName>
+                                        </p:attrNameLst>
+                                      </p:cBhvr>
+                                      <p:to>
+                                        <p:strVal val="visible"/>
+                                      </p:to>
+                                    </p:set>
+                                  </p:childTnLst>
+                                </p:cTn>
+                              </p:par>
+                            </p:childTnLst>
+                          </p:cTn>
+                        </p:par>
+                        <p:par>
+                          <p:cTn id="11" fill="hold">
+                            <p:stCondLst>
+                              <p:cond delay="0"/>
+                            </p:stCondLst>
+                            <p:childTnLst>
+                              <p:par>
+                                <p:cTn id="12" presetID="42" presetClass="path" presetSubtype="0" accel="50000" decel="50000" fill="hold" nodeType="afterEffect">
+                                  <p:stCondLst>
+                                    <p:cond delay="0"/>
+                                  </p:stCondLst>
+                                  <p:childTnLst>
+                                    <p:animMotion origin="layout" path="M 0.00039 0.25995 L 1.45833E-6 7.40741E-7 " pathEditMode="relative" rAng="0" ptsTypes="AA">
+                                      <p:cBhvr>
+                                        <p:cTn id="13" dur="1000" fill="hold"/>
+                                        <p:tgtEl>
+                                          <p:spTgt spid="4"/>
+                                        </p:tgtEl>
+                                        <p:attrNameLst>
+                                          <p:attrName>ppt_x</p:attrName>
+                                          <p:attrName>ppt_y</p:attrName>
+                                        </p:attrNameLst>
+                                      </p:cBhvr>
+                                      <p:rCtr x="-26" y="-13009"/>
+                                    </p:animMotion>
+                                  </p:childTnLst>
+                                </p:cTn>
+                              </p:par>
+                              <p:par>
+                                <p:cTn id="14" presetID="1" presetClass="entr" presetSubtype="0" fill="hold" nodeType="withEffect">
+                                  <p:stCondLst>
+                                    <p:cond delay="2000"/>
+                                  </p:stCondLst>
+                                  <p:childTnLst>
+                                    <p:set>
+                                      <p:cBhvr>
+                                        <p:cTn id="15" dur="1" fill="hold">
+                                          <p:stCondLst>
+                                            <p:cond delay="0"/>
+                                          </p:stCondLst>
+                                        </p:cTn>
+                                        <p:tgtEl>
+                                          <p:spTgt spid="6"/>
+                                        </p:tgtEl>
+                                        <p:attrNameLst>
+                                          <p:attrName>style.visibility</p:attrName>
+                                        </p:attrNameLst>
+                                      </p:cBhvr>
+                                      <p:to>
+                                        <p:strVal val="visible"/>
+                                      </p:to>
+                                    </p:set>
+                                  </p:childTnLst>
+                                </p:cTn>
+                              </p:par>
+                            </p:childTnLst>
+                          </p:cTn>
+                        </p:par>
+                        <p:par>
+                          <p:cTn id="16" fill="hold">
+                            <p:stCondLst>
+                              <p:cond delay="2000"/>
+                            </p:stCondLst>
+                            <p:childTnLst>
+                              <p:par>
+                                <p:cTn id="17" presetID="1" presetClass="entr" presetSubtype="0" fill="hold" grpId="0" nodeType="afterEffect">
+                                  <p:stCondLst>
+                                    <p:cond delay="0"/>
+                                  </p:stCondLst>
+                                  <p:childTnLst>
+                                    <p:set>
+                                      <p:cBhvr>
+                                        <p:cTn id="18" dur="1" fill="hold">
+                                          <p:stCondLst>
+                                            <p:cond delay="0"/>
+                                          </p:stCondLst>
+                                        </p:cTn>
+                                        <p:tgtEl>
+                                          <p:spTgt spid="24"/>
+                                        </p:tgtEl>
+                                        <p:attrNameLst>
+                                          <p:attrName>style.visibility</p:attrName>
+                                        </p:attrNameLst>
+                                      </p:cBhvr>
+                                      <p:to>
+                                        <p:strVal val="visible"/>
+                                      </p:to>
+                                    </p:set>
+                                  </p:childTnLst>
+                                </p:cTn>
+                              </p:par>
+                            </p:childTnLst>
+                          </p:cTn>
+                        </p:par>
+                      </p:childTnLst>
+                    </p:cTn>
+                  </p:par>
+                  <p:par>
+                    <p:cTn id="19" fill="hold">
+                      <p:stCondLst>
+                        <p:cond delay="indefinite"/>
+                      </p:stCondLst>
+                      <p:childTnLst>
+                        <p:par>
+                          <p:cTn id="20" fill="hold">
+                            <p:stCondLst>
+                              <p:cond delay="0"/>
+                            </p:stCondLst>
+                            <p:childTnLst>
+                              <p:par>
+                                <p:cTn id="21" presetID="1" presetClass="exit" presetSubtype="0" fill="hold" nodeType="clickEffect">
+                                  <p:stCondLst>
+                                    <p:cond delay="0"/>
+                                  </p:stCondLst>
+                                  <p:childTnLst>
+                                    <p:set>
+                                      <p:cBhvr>
+                                        <p:cTn id="22" dur="1" fill="hold">
+                                          <p:stCondLst>
+                                            <p:cond delay="0"/>
+                                          </p:stCondLst>
+                                        </p:cTn>
+                                        <p:tgtEl>
+                                          <p:spTgt spid="6"/>
+                                        </p:tgtEl>
+                                        <p:attrNameLst>
+                                          <p:attrName>style.visibility</p:attrName>
+                                        </p:attrNameLst>
+                                      </p:cBhvr>
+                                      <p:to>
+                                        <p:strVal val="hidden"/>
+                                      </p:to>
+                                    </p:set>
+                                  </p:childTnLst>
+                                </p:cTn>
+                              </p:par>
+                              <p:par>
+                                <p:cTn id="23" presetID="1" presetClass="entr" presetSubtype="0" fill="hold" grpId="0" nodeType="withEffect">
+                                  <p:stCondLst>
+                                    <p:cond delay="0"/>
+                                  </p:stCondLst>
+                                  <p:childTnLst>
+                                    <p:set>
+                                      <p:cBhvr>
+                                        <p:cTn id="24" dur="1" fill="hold">
+                                          <p:stCondLst>
+                                            <p:cond delay="0"/>
+                                          </p:stCondLst>
+                                        </p:cTn>
+                                        <p:tgtEl>
+                                          <p:spTgt spid="20"/>
+                                        </p:tgtEl>
+                                        <p:attrNameLst>
+                                          <p:attrName>style.visibility</p:attrName>
+                                        </p:attrNameLst>
+                                      </p:cBhvr>
+                                      <p:to>
+                                        <p:strVal val="visible"/>
+                                      </p:to>
+                                    </p:set>
+                                  </p:childTnLst>
+                                </p:cTn>
+                              </p:par>
+                              <p:par>
+                                <p:cTn id="25" presetID="1" presetClass="entr" presetSubtype="0" fill="hold" grpId="0" nodeType="withEffect">
+                                  <p:stCondLst>
+                                    <p:cond delay="0"/>
+                                  </p:stCondLst>
+                                  <p:childTnLst>
+                                    <p:set>
+                                      <p:cBhvr>
+                                        <p:cTn id="26" dur="1" fill="hold">
+                                          <p:stCondLst>
+                                            <p:cond delay="0"/>
+                                          </p:stCondLst>
+                                        </p:cTn>
+                                        <p:tgtEl>
+                                          <p:spTgt spid="19"/>
+                                        </p:tgtEl>
+                                        <p:attrNameLst>
+                                          <p:attrName>style.visibility</p:attrName>
+                                        </p:attrNameLst>
+                                      </p:cBhvr>
+                                      <p:to>
+                                        <p:strVal val="visible"/>
+                                      </p:to>
+                                    </p:set>
+                                  </p:childTnLst>
+                                </p:cTn>
+                              </p:par>
+                              <p:par>
+                                <p:cTn id="27" presetID="1" presetClass="entr" presetSubtype="0" fill="hold" grpId="0" nodeType="withEffect">
+                                  <p:stCondLst>
+                                    <p:cond delay="0"/>
+                                  </p:stCondLst>
+                                  <p:childTnLst>
+                                    <p:set>
+                                      <p:cBhvr>
+                                        <p:cTn id="28" dur="1" fill="hold">
+                                          <p:stCondLst>
+                                            <p:cond delay="0"/>
+                                          </p:stCondLst>
+                                        </p:cTn>
+                                        <p:tgtEl>
+                                          <p:spTgt spid="25"/>
+                                        </p:tgtEl>
+                                        <p:attrNameLst>
+                                          <p:attrName>style.visibility</p:attrName>
+                                        </p:attrNameLst>
+                                      </p:cBhvr>
+                                      <p:to>
+                                        <p:strVal val="visible"/>
+                                      </p:to>
+                                    </p:set>
+                                  </p:childTnLst>
+                                </p:cTn>
+                              </p:par>
+                              <p:par>
+                                <p:cTn id="29" presetID="8" presetClass="emph" presetSubtype="0" fill="hold" nodeType="withEffect">
+                                  <p:stCondLst>
+                                    <p:cond delay="0"/>
+                                  </p:stCondLst>
+                                  <p:childTnLst>
+                                    <p:animRot by="7200000">
+                                      <p:cBhvr>
+                                        <p:cTn id="30" dur="1000" fill="hold"/>
+                                        <p:tgtEl>
+                                          <p:spTgt spid="4"/>
+                                        </p:tgtEl>
+                                        <p:attrNameLst>
+                                          <p:attrName>r</p:attrName>
+                                        </p:attrNameLst>
+                                      </p:cBhvr>
+                                    </p:animRot>
+                                  </p:childTnLst>
+                                </p:cTn>
+                              </p:par>
+                            </p:childTnLst>
+                          </p:cTn>
+                        </p:par>
+                      </p:childTnLst>
+                    </p:cTn>
+                  </p:par>
+                  <p:par>
+                    <p:cTn id="31" fill="hold">
+                      <p:stCondLst>
+                        <p:cond delay="indefinite"/>
+                      </p:stCondLst>
+                      <p:childTnLst>
+                        <p:par>
+                          <p:cTn id="32" fill="hold">
+                            <p:stCondLst>
+                              <p:cond delay="0"/>
+                            </p:stCondLst>
+                            <p:childTnLst>
+                              <p:par>
+                                <p:cTn id="33" presetID="1" presetClass="entr" presetSubtype="0" fill="hold" grpId="0" nodeType="clickEffect">
+                                  <p:stCondLst>
+                                    <p:cond delay="0"/>
+                                  </p:stCondLst>
+                                  <p:childTnLst>
+                                    <p:set>
+                                      <p:cBhvr>
+                                        <p:cTn id="34" dur="1" fill="hold">
+                                          <p:stCondLst>
+                                            <p:cond delay="0"/>
+                                          </p:stCondLst>
+                                        </p:cTn>
+                                        <p:tgtEl>
+                                          <p:spTgt spid="26"/>
+                                        </p:tgtEl>
+                                        <p:attrNameLst>
+                                          <p:attrName>style.visibility</p:attrName>
+                                        </p:attrNameLst>
+                                      </p:cBhvr>
+                                      <p:to>
+                                        <p:strVal val="visible"/>
+                                      </p:to>
+                                    </p:set>
+                                  </p:childTnLst>
+                                </p:cTn>
+                              </p:par>
+                              <p:par>
+                                <p:cTn id="35" presetID="1" presetClass="exit" presetSubtype="0" fill="hold" grpId="1" nodeType="withEffect">
+                                  <p:stCondLst>
+                                    <p:cond delay="0"/>
+                                  </p:stCondLst>
+                                  <p:childTnLst>
+                                    <p:set>
+                                      <p:cBhvr>
+                                        <p:cTn id="36" dur="1" fill="hold">
+                                          <p:stCondLst>
+                                            <p:cond delay="0"/>
+                                          </p:stCondLst>
+                                        </p:cTn>
+                                        <p:tgtEl>
+                                          <p:spTgt spid="20"/>
+                                        </p:tgtEl>
+                                        <p:attrNameLst>
+                                          <p:attrName>style.visibility</p:attrName>
+                                        </p:attrNameLst>
+                                      </p:cBhvr>
+                                      <p:to>
+                                        <p:strVal val="hidden"/>
+                                      </p:to>
+                                    </p:set>
+                                  </p:childTnLst>
+                                </p:cTn>
+                              </p:par>
+                              <p:par>
+                                <p:cTn id="37" presetID="1" presetClass="exit" presetSubtype="0" fill="hold" grpId="1" nodeType="withEffect">
+                                  <p:stCondLst>
+                                    <p:cond delay="0"/>
+                                  </p:stCondLst>
+                                  <p:childTnLst>
+                                    <p:set>
+                                      <p:cBhvr>
+                                        <p:cTn id="38" dur="1" fill="hold">
+                                          <p:stCondLst>
+                                            <p:cond delay="0"/>
+                                          </p:stCondLst>
+                                        </p:cTn>
+                                        <p:tgtEl>
+                                          <p:spTgt spid="19"/>
+                                        </p:tgtEl>
+                                        <p:attrNameLst>
+                                          <p:attrName>style.visibility</p:attrName>
+                                        </p:attrNameLst>
+                                      </p:cBhvr>
+                                      <p:to>
+                                        <p:strVal val="hidden"/>
+                                      </p:to>
+                                    </p:set>
+                                  </p:childTnLst>
+                                </p:cTn>
+                              </p:par>
+                              <p:par>
+                                <p:cTn id="39" presetID="1" presetClass="entr" presetSubtype="0" fill="hold" grpId="0" nodeType="withEffect">
+                                  <p:stCondLst>
+                                    <p:cond delay="0"/>
+                                  </p:stCondLst>
+                                  <p:childTnLst>
+                                    <p:set>
+                                      <p:cBhvr>
+                                        <p:cTn id="40" dur="1" fill="hold">
+                                          <p:stCondLst>
+                                            <p:cond delay="0"/>
+                                          </p:stCondLst>
+                                        </p:cTn>
+                                        <p:tgtEl>
+                                          <p:spTgt spid="32"/>
+                                        </p:tgtEl>
+                                        <p:attrNameLst>
+                                          <p:attrName>style.visibility</p:attrName>
+                                        </p:attrNameLst>
+                                      </p:cBhvr>
+                                      <p:to>
+                                        <p:strVal val="visible"/>
+                                      </p:to>
+                                    </p:set>
+                                  </p:childTnLst>
+                                </p:cTn>
+                              </p:par>
+                              <p:par>
+                                <p:cTn id="41" presetID="8" presetClass="emph" presetSubtype="0" fill="hold" nodeType="withEffect">
+                                  <p:stCondLst>
+                                    <p:cond delay="0"/>
+                                  </p:stCondLst>
+                                  <p:childTnLst>
+                                    <p:animRot by="1320000">
+                                      <p:cBhvr>
+                                        <p:cTn id="42" dur="500" fill="hold"/>
+                                        <p:tgtEl>
+                                          <p:spTgt spid="4"/>
+                                        </p:tgtEl>
+                                        <p:attrNameLst>
+                                          <p:attrName>r</p:attrName>
+                                        </p:attrNameLst>
+                                      </p:cBhvr>
+                                    </p:animRot>
+                                  </p:childTnLst>
+                                </p:cTn>
+                              </p:par>
+                            </p:childTnLst>
+                          </p:cTn>
+                        </p:par>
+                        <p:par>
+                          <p:cTn id="43" fill="hold">
+                            <p:stCondLst>
+                              <p:cond delay="500"/>
+                            </p:stCondLst>
+                            <p:childTnLst>
+                              <p:par>
+                                <p:cTn id="44" presetID="8" presetClass="emph" presetSubtype="0" fill="hold" nodeType="afterEffect">
+                                  <p:stCondLst>
+                                    <p:cond delay="0"/>
+                                  </p:stCondLst>
+                                  <p:childTnLst>
+                                    <p:animRot by="-2700000">
+                                      <p:cBhvr>
+                                        <p:cTn id="45" dur="1000" fill="hold"/>
+                                        <p:tgtEl>
+                                          <p:spTgt spid="4"/>
+                                        </p:tgtEl>
+                                        <p:attrNameLst>
+                                          <p:attrName>r</p:attrName>
+                                        </p:attrNameLst>
+                                      </p:cBhvr>
+                                    </p:animRot>
+                                  </p:childTnLst>
+                                </p:cTn>
+                              </p:par>
+                            </p:childTnLst>
+                          </p:cTn>
+                        </p:par>
+                        <p:par>
+                          <p:cTn id="46" fill="hold">
+                            <p:stCondLst>
+                              <p:cond delay="1500"/>
+                            </p:stCondLst>
+                            <p:childTnLst>
+                              <p:par>
+                                <p:cTn id="47" presetID="8" presetClass="emph" presetSubtype="0" fill="hold" nodeType="afterEffect">
+                                  <p:stCondLst>
+                                    <p:cond delay="0"/>
+                                  </p:stCondLst>
+                                  <p:childTnLst>
+                                    <p:animRot by="1380000">
+                                      <p:cBhvr>
+                                        <p:cTn id="48" dur="500" fill="hold"/>
+                                        <p:tgtEl>
+                                          <p:spTgt spid="4"/>
+                                        </p:tgtEl>
+                                        <p:attrNameLst>
+                                          <p:attrName>r</p:attrName>
+                                        </p:attrNameLst>
+                                      </p:cBhvr>
+                                    </p:animRot>
+                                  </p:childTnLst>
+                                </p:cTn>
+                              </p:par>
+                            </p:childTnLst>
+                          </p:cTn>
+                        </p:par>
+                      </p:childTnLst>
+                    </p:cTn>
+                  </p:par>
+                  <p:par>
+                    <p:cTn id="49" fill="hold">
+                      <p:stCondLst>
+                        <p:cond delay="indefinite"/>
+                      </p:stCondLst>
+                      <p:childTnLst>
+                        <p:par>
+                          <p:cTn id="50" fill="hold">
+                            <p:stCondLst>
+                              <p:cond delay="0"/>
+                            </p:stCondLst>
+                            <p:childTnLst>
+                              <p:par>
+                                <p:cTn id="51" presetID="1" presetClass="entr" presetSubtype="0" fill="hold" grpId="0" nodeType="clickEffect">
+                                  <p:stCondLst>
+                                    <p:cond delay="0"/>
+                                  </p:stCondLst>
+                                  <p:childTnLst>
+                                    <p:set>
+                                      <p:cBhvr>
+                                        <p:cTn id="52" dur="1" fill="hold">
+                                          <p:stCondLst>
+                                            <p:cond delay="0"/>
+                                          </p:stCondLst>
+                                        </p:cTn>
+                                        <p:tgtEl>
+                                          <p:spTgt spid="27"/>
+                                        </p:tgtEl>
+                                        <p:attrNameLst>
+                                          <p:attrName>style.visibility</p:attrName>
+                                        </p:attrNameLst>
+                                      </p:cBhvr>
+                                      <p:to>
+                                        <p:strVal val="visible"/>
+                                      </p:to>
+                                    </p:set>
+                                  </p:childTnLst>
+                                </p:cTn>
+                              </p:par>
+                              <p:par>
+                                <p:cTn id="53" presetID="1" presetClass="exit" presetSubtype="0" fill="hold" grpId="1" nodeType="withEffect">
+                                  <p:stCondLst>
+                                    <p:cond delay="0"/>
+                                  </p:stCondLst>
+                                  <p:childTnLst>
+                                    <p:set>
+                                      <p:cBhvr>
+                                        <p:cTn id="54" dur="1" fill="hold">
+                                          <p:stCondLst>
+                                            <p:cond delay="0"/>
+                                          </p:stCondLst>
+                                        </p:cTn>
+                                        <p:tgtEl>
+                                          <p:spTgt spid="32"/>
+                                        </p:tgtEl>
+                                        <p:attrNameLst>
+                                          <p:attrName>style.visibility</p:attrName>
+                                        </p:attrNameLst>
+                                      </p:cBhvr>
+                                      <p:to>
+                                        <p:strVal val="hidden"/>
+                                      </p:to>
+                                    </p:set>
+                                  </p:childTnLst>
+                                </p:cTn>
+                              </p:par>
+                              <p:par>
+                                <p:cTn id="55" presetID="42" presetClass="path" presetSubtype="0" accel="50000" decel="50000" fill="hold" nodeType="withEffect">
+                                  <p:stCondLst>
+                                    <p:cond delay="0"/>
+                                  </p:stCondLst>
+                                  <p:childTnLst>
+                                    <p:animMotion origin="layout" path="M 1.45833E-6 7.40741E-7 L 0.37669 0.41065 " pathEditMode="relative" rAng="0" ptsTypes="AA">
+                                      <p:cBhvr>
+                                        <p:cTn id="56" dur="2000" fill="hold"/>
+                                        <p:tgtEl>
+                                          <p:spTgt spid="4"/>
+                                        </p:tgtEl>
+                                        <p:attrNameLst>
+                                          <p:attrName>ppt_x</p:attrName>
+                                          <p:attrName>ppt_y</p:attrName>
+                                        </p:attrNameLst>
+                                      </p:cBhvr>
+                                      <p:rCtr x="18828" y="20532"/>
+                                    </p:animMotion>
+                                  </p:childTnLst>
+                                </p:cTn>
+                              </p:par>
+                              <p:par>
+                                <p:cTn id="57" presetID="1" presetClass="entr" presetSubtype="0" fill="hold" nodeType="withEffect">
+                                  <p:stCondLst>
+                                    <p:cond delay="2000"/>
+                                  </p:stCondLst>
+                                  <p:childTnLst>
+                                    <p:set>
+                                      <p:cBhvr>
+                                        <p:cTn id="58" dur="1" fill="hold">
+                                          <p:stCondLst>
+                                            <p:cond delay="0"/>
+                                          </p:stCondLst>
+                                        </p:cTn>
+                                        <p:tgtEl>
+                                          <p:spTgt spid="11"/>
+                                        </p:tgtEl>
+                                        <p:attrNameLst>
+                                          <p:attrName>style.visibility</p:attrName>
+                                        </p:attrNameLst>
+                                      </p:cBhvr>
+                                      <p:to>
+                                        <p:strVal val="visible"/>
+                                      </p:to>
+                                    </p:set>
+                                  </p:childTnLst>
+                                </p:cTn>
+                              </p:par>
+                              <p:par>
+                                <p:cTn id="59" presetID="1" presetClass="entr" presetSubtype="0" fill="hold" grpId="0" nodeType="withEffect">
+                                  <p:stCondLst>
+                                    <p:cond delay="2000"/>
+                                  </p:stCondLst>
+                                  <p:childTnLst>
+                                    <p:set>
+                                      <p:cBhvr>
+                                        <p:cTn id="60" dur="1" fill="hold">
+                                          <p:stCondLst>
+                                            <p:cond delay="0"/>
+                                          </p:stCondLst>
+                                        </p:cTn>
+                                        <p:tgtEl>
+                                          <p:spTgt spid="28"/>
+                                        </p:tgtEl>
+                                        <p:attrNameLst>
+                                          <p:attrName>style.visibility</p:attrName>
+                                        </p:attrNameLst>
+                                      </p:cBhvr>
+                                      <p:to>
+                                        <p:strVal val="visible"/>
+                                      </p:to>
+                                    </p:set>
+                                  </p:childTnLst>
+                                </p:cTn>
+                              </p:par>
+                            </p:childTnLst>
+                          </p:cTn>
+                        </p:par>
+                      </p:childTnLst>
+                    </p:cTn>
+                  </p:par>
+                  <p:par>
+                    <p:cTn id="61" fill="hold">
+                      <p:stCondLst>
+                        <p:cond delay="indefinite"/>
+                      </p:stCondLst>
+                      <p:childTnLst>
+                        <p:par>
+                          <p:cTn id="62" fill="hold">
+                            <p:stCondLst>
+                              <p:cond delay="0"/>
+                            </p:stCondLst>
+                            <p:childTnLst>
+                              <p:par>
+                                <p:cTn id="63" presetID="1" presetClass="exit" presetSubtype="0" fill="hold" nodeType="clickEffect">
+                                  <p:stCondLst>
+                                    <p:cond delay="0"/>
+                                  </p:stCondLst>
+                                  <p:childTnLst>
+                                    <p:set>
+                                      <p:cBhvr>
+                                        <p:cTn id="64" dur="1" fill="hold">
+                                          <p:stCondLst>
+                                            <p:cond delay="0"/>
+                                          </p:stCondLst>
+                                        </p:cTn>
+                                        <p:tgtEl>
+                                          <p:spTgt spid="11"/>
+                                        </p:tgtEl>
+                                        <p:attrNameLst>
+                                          <p:attrName>style.visibility</p:attrName>
+                                        </p:attrNameLst>
+                                      </p:cBhvr>
+                                      <p:to>
+                                        <p:strVal val="hidden"/>
+                                      </p:to>
+                                    </p:set>
+                                  </p:childTnLst>
+                                </p:cTn>
+                              </p:par>
+                              <p:par>
+                                <p:cTn id="65" presetID="1" presetClass="entr" presetSubtype="0" fill="hold" grpId="0" nodeType="withEffect">
+                                  <p:stCondLst>
+                                    <p:cond delay="0"/>
+                                  </p:stCondLst>
+                                  <p:childTnLst>
+                                    <p:set>
+                                      <p:cBhvr>
+                                        <p:cTn id="66" dur="1" fill="hold">
+                                          <p:stCondLst>
+                                            <p:cond delay="0"/>
+                                          </p:stCondLst>
+                                        </p:cTn>
+                                        <p:tgtEl>
+                                          <p:spTgt spid="21"/>
+                                        </p:tgtEl>
+                                        <p:attrNameLst>
+                                          <p:attrName>style.visibility</p:attrName>
+                                        </p:attrNameLst>
+                                      </p:cBhvr>
+                                      <p:to>
+                                        <p:strVal val="visible"/>
+                                      </p:to>
+                                    </p:set>
+                                  </p:childTnLst>
+                                </p:cTn>
+                              </p:par>
+                              <p:par>
+                                <p:cTn id="67" presetID="1" presetClass="entr" presetSubtype="0" fill="hold" grpId="0" nodeType="withEffect">
+                                  <p:stCondLst>
+                                    <p:cond delay="0"/>
+                                  </p:stCondLst>
+                                  <p:childTnLst>
+                                    <p:set>
+                                      <p:cBhvr>
+                                        <p:cTn id="68" dur="1" fill="hold">
+                                          <p:stCondLst>
+                                            <p:cond delay="0"/>
+                                          </p:stCondLst>
+                                        </p:cTn>
+                                        <p:tgtEl>
+                                          <p:spTgt spid="18"/>
+                                        </p:tgtEl>
+                                        <p:attrNameLst>
+                                          <p:attrName>style.visibility</p:attrName>
+                                        </p:attrNameLst>
+                                      </p:cBhvr>
+                                      <p:to>
+                                        <p:strVal val="visible"/>
+                                      </p:to>
+                                    </p:set>
+                                  </p:childTnLst>
+                                </p:cTn>
+                              </p:par>
+                              <p:par>
+                                <p:cTn id="69" presetID="1" presetClass="entr" presetSubtype="0" fill="hold" grpId="0" nodeType="withEffect">
+                                  <p:stCondLst>
+                                    <p:cond delay="0"/>
+                                  </p:stCondLst>
+                                  <p:childTnLst>
+                                    <p:set>
+                                      <p:cBhvr>
+                                        <p:cTn id="70" dur="1" fill="hold">
+                                          <p:stCondLst>
+                                            <p:cond delay="0"/>
+                                          </p:stCondLst>
+                                        </p:cTn>
+                                        <p:tgtEl>
+                                          <p:spTgt spid="29"/>
+                                        </p:tgtEl>
+                                        <p:attrNameLst>
+                                          <p:attrName>style.visibility</p:attrName>
+                                        </p:attrNameLst>
+                                      </p:cBhvr>
+                                      <p:to>
+                                        <p:strVal val="visible"/>
+                                      </p:to>
+                                    </p:set>
+                                  </p:childTnLst>
+                                </p:cTn>
+                              </p:par>
+                              <p:par>
+                                <p:cTn id="71" presetID="8" presetClass="emph" presetSubtype="0" fill="hold" nodeType="withEffect">
+                                  <p:stCondLst>
+                                    <p:cond delay="0"/>
+                                  </p:stCondLst>
+                                  <p:childTnLst>
+                                    <p:animRot by="5400000">
+                                      <p:cBhvr>
+                                        <p:cTn id="72" dur="1000" fill="hold"/>
+                                        <p:tgtEl>
+                                          <p:spTgt spid="4"/>
+                                        </p:tgtEl>
+                                        <p:attrNameLst>
+                                          <p:attrName>r</p:attrName>
+                                        </p:attrNameLst>
+                                      </p:cBhvr>
+                                    </p:animRot>
+                                  </p:childTnLst>
+                                </p:cTn>
+                              </p:par>
+                            </p:childTnLst>
+                          </p:cTn>
+                        </p:par>
+                      </p:childTnLst>
+                    </p:cTn>
+                  </p:par>
+                  <p:par>
+                    <p:cTn id="73" fill="hold">
+                      <p:stCondLst>
+                        <p:cond delay="indefinite"/>
+                      </p:stCondLst>
+                      <p:childTnLst>
+                        <p:par>
+                          <p:cTn id="74" fill="hold">
+                            <p:stCondLst>
+                              <p:cond delay="0"/>
+                            </p:stCondLst>
+                            <p:childTnLst>
+                              <p:par>
+                                <p:cTn id="75" presetID="1" presetClass="entr" presetSubtype="0" fill="hold" grpId="0" nodeType="clickEffect">
+                                  <p:stCondLst>
+                                    <p:cond delay="0"/>
+                                  </p:stCondLst>
+                                  <p:childTnLst>
+                                    <p:set>
+                                      <p:cBhvr>
+                                        <p:cTn id="76" dur="1" fill="hold">
+                                          <p:stCondLst>
+                                            <p:cond delay="0"/>
+                                          </p:stCondLst>
+                                        </p:cTn>
+                                        <p:tgtEl>
+                                          <p:spTgt spid="30"/>
+                                        </p:tgtEl>
+                                        <p:attrNameLst>
+                                          <p:attrName>style.visibility</p:attrName>
+                                        </p:attrNameLst>
+                                      </p:cBhvr>
+                                      <p:to>
+                                        <p:strVal val="visible"/>
+                                      </p:to>
+                                    </p:set>
+                                  </p:childTnLst>
+                                </p:cTn>
+                              </p:par>
+                              <p:par>
+                                <p:cTn id="77" presetID="1" presetClass="exit" presetSubtype="0" fill="hold" grpId="1" nodeType="withEffect">
+                                  <p:stCondLst>
+                                    <p:cond delay="0"/>
+                                  </p:stCondLst>
+                                  <p:childTnLst>
+                                    <p:set>
+                                      <p:cBhvr>
+                                        <p:cTn id="78" dur="1" fill="hold">
+                                          <p:stCondLst>
+                                            <p:cond delay="0"/>
+                                          </p:stCondLst>
+                                        </p:cTn>
+                                        <p:tgtEl>
+                                          <p:spTgt spid="21"/>
+                                        </p:tgtEl>
+                                        <p:attrNameLst>
+                                          <p:attrName>style.visibility</p:attrName>
+                                        </p:attrNameLst>
+                                      </p:cBhvr>
+                                      <p:to>
+                                        <p:strVal val="hidden"/>
+                                      </p:to>
+                                    </p:set>
+                                  </p:childTnLst>
+                                </p:cTn>
+                              </p:par>
+                              <p:par>
+                                <p:cTn id="79" presetID="1" presetClass="exit" presetSubtype="0" fill="hold" grpId="1" nodeType="withEffect">
+                                  <p:stCondLst>
+                                    <p:cond delay="0"/>
+                                  </p:stCondLst>
+                                  <p:childTnLst>
+                                    <p:set>
+                                      <p:cBhvr>
+                                        <p:cTn id="80" dur="1" fill="hold">
+                                          <p:stCondLst>
+                                            <p:cond delay="0"/>
+                                          </p:stCondLst>
+                                        </p:cTn>
+                                        <p:tgtEl>
+                                          <p:spTgt spid="18"/>
+                                        </p:tgtEl>
+                                        <p:attrNameLst>
+                                          <p:attrName>style.visibility</p:attrName>
+                                        </p:attrNameLst>
+                                      </p:cBhvr>
+                                      <p:to>
+                                        <p:strVal val="hidden"/>
+                                      </p:to>
+                                    </p:set>
+                                  </p:childTnLst>
+                                </p:cTn>
+                              </p:par>
+                              <p:par>
+                                <p:cTn id="81" presetID="1" presetClass="entr" presetSubtype="0" fill="hold" grpId="0" nodeType="withEffect">
+                                  <p:stCondLst>
+                                    <p:cond delay="0"/>
+                                  </p:stCondLst>
+                                  <p:childTnLst>
+                                    <p:set>
+                                      <p:cBhvr>
+                                        <p:cTn id="82" dur="1" fill="hold">
+                                          <p:stCondLst>
+                                            <p:cond delay="0"/>
+                                          </p:stCondLst>
+                                        </p:cTn>
+                                        <p:tgtEl>
+                                          <p:spTgt spid="33"/>
+                                        </p:tgtEl>
+                                        <p:attrNameLst>
+                                          <p:attrName>style.visibility</p:attrName>
+                                        </p:attrNameLst>
+                                      </p:cBhvr>
+                                      <p:to>
+                                        <p:strVal val="visible"/>
+                                      </p:to>
+                                    </p:set>
+                                  </p:childTnLst>
+                                </p:cTn>
+                              </p:par>
+                              <p:par>
+                                <p:cTn id="83" presetID="8" presetClass="emph" presetSubtype="0" fill="hold" nodeType="withEffect">
+                                  <p:stCondLst>
+                                    <p:cond delay="0"/>
+                                  </p:stCondLst>
+                                  <p:childTnLst>
+                                    <p:animRot by="1320000">
+                                      <p:cBhvr>
+                                        <p:cTn id="84" dur="500" fill="hold"/>
+                                        <p:tgtEl>
+                                          <p:spTgt spid="4"/>
+                                        </p:tgtEl>
+                                        <p:attrNameLst>
+                                          <p:attrName>r</p:attrName>
+                                        </p:attrNameLst>
+                                      </p:cBhvr>
+                                    </p:animRot>
+                                  </p:childTnLst>
+                                </p:cTn>
+                              </p:par>
+                            </p:childTnLst>
+                          </p:cTn>
+                        </p:par>
+                        <p:par>
+                          <p:cTn id="85" fill="hold">
+                            <p:stCondLst>
+                              <p:cond delay="500"/>
+                            </p:stCondLst>
+                            <p:childTnLst>
+                              <p:par>
+                                <p:cTn id="86" presetID="8" presetClass="emph" presetSubtype="0" fill="hold" nodeType="afterEffect">
+                                  <p:stCondLst>
+                                    <p:cond delay="0"/>
+                                  </p:stCondLst>
+                                  <p:childTnLst>
+                                    <p:animRot by="-2700000">
+                                      <p:cBhvr>
+                                        <p:cTn id="87" dur="1000" fill="hold"/>
+                                        <p:tgtEl>
+                                          <p:spTgt spid="4"/>
+                                        </p:tgtEl>
+                                        <p:attrNameLst>
+                                          <p:attrName>r</p:attrName>
+                                        </p:attrNameLst>
+                                      </p:cBhvr>
+                                    </p:animRot>
+                                  </p:childTnLst>
+                                </p:cTn>
+                              </p:par>
+                            </p:childTnLst>
+                          </p:cTn>
+                        </p:par>
+                        <p:par>
+                          <p:cTn id="88" fill="hold">
+                            <p:stCondLst>
+                              <p:cond delay="1500"/>
+                            </p:stCondLst>
+                            <p:childTnLst>
+                              <p:par>
+                                <p:cTn id="89" presetID="8" presetClass="emph" presetSubtype="0" fill="hold" nodeType="afterEffect">
+                                  <p:stCondLst>
+                                    <p:cond delay="0"/>
+                                  </p:stCondLst>
+                                  <p:childTnLst>
+                                    <p:animRot by="1380000">
+                                      <p:cBhvr>
+                                        <p:cTn id="90" dur="500" fill="hold"/>
+                                        <p:tgtEl>
+                                          <p:spTgt spid="4"/>
+                                        </p:tgtEl>
+                                        <p:attrNameLst>
+                                          <p:attrName>r</p:attrName>
+                                        </p:attrNameLst>
+                                      </p:cBhvr>
+                                    </p:animRot>
+                                  </p:childTnLst>
+                                </p:cTn>
+                              </p:par>
+                            </p:childTnLst>
+                          </p:cTn>
+                        </p:par>
+                        <p:par>
+                          <p:cTn id="91" fill="hold">
+                            <p:stCondLst>
+                              <p:cond delay="2000"/>
+                            </p:stCondLst>
+                            <p:childTnLst>
+                              <p:par>
+                                <p:cTn id="92" presetID="1" presetClass="exit" presetSubtype="0" fill="hold" grpId="1" nodeType="afterEffect">
+                                  <p:stCondLst>
+                                    <p:cond delay="0"/>
+                                  </p:stCondLst>
+                                  <p:childTnLst>
+                                    <p:set>
+                                      <p:cBhvr>
+                                        <p:cTn id="93" dur="1" fill="hold">
+                                          <p:stCondLst>
+                                            <p:cond delay="0"/>
+                                          </p:stCondLst>
+                                        </p:cTn>
+                                        <p:tgtEl>
+                                          <p:spTgt spid="33"/>
+                                        </p:tgtEl>
+                                        <p:attrNameLst>
+                                          <p:attrName>style.visibility</p:attrName>
+                                        </p:attrNameLst>
+                                      </p:cBhvr>
+                                      <p:to>
+                                        <p:strVal val="hidden"/>
+                                      </p:to>
+                                    </p:set>
+                                  </p:childTnLst>
+                                </p:cTn>
+                              </p:par>
+                            </p:childTnLst>
+                          </p:cTn>
+                        </p:par>
+                      </p:childTnLst>
+                    </p:cTn>
+                  </p:par>
+                  <p:par>
+                    <p:cTn id="94" fill="hold">
+                      <p:stCondLst>
+                        <p:cond delay="indefinite"/>
+                      </p:stCondLst>
+                      <p:childTnLst>
+                        <p:par>
+                          <p:cTn id="95" fill="hold">
+                            <p:stCondLst>
+                              <p:cond delay="0"/>
+                            </p:stCondLst>
+                            <p:childTnLst>
+                              <p:par>
+                                <p:cTn id="96" presetID="1" presetClass="entr" presetSubtype="0" fill="hold" grpId="0" nodeType="clickEffect">
+                                  <p:stCondLst>
+                                    <p:cond delay="0"/>
+                                  </p:stCondLst>
+                                  <p:childTnLst>
+                                    <p:set>
+                                      <p:cBhvr>
+                                        <p:cTn id="97" dur="1" fill="hold">
+                                          <p:stCondLst>
+                                            <p:cond delay="0"/>
+                                          </p:stCondLst>
+                                        </p:cTn>
+                                        <p:tgtEl>
+                                          <p:spTgt spid="31"/>
+                                        </p:tgtEl>
+                                        <p:attrNameLst>
+                                          <p:attrName>style.visibility</p:attrName>
+                                        </p:attrNameLst>
+                                      </p:cBhvr>
+                                      <p:to>
+                                        <p:strVal val="visible"/>
+                                      </p:to>
+                                    </p:set>
+                                  </p:childTnLst>
+                                </p:cTn>
+                              </p:par>
+                              <p:par>
+                                <p:cTn id="98" presetID="42" presetClass="path" presetSubtype="0" accel="50000" decel="50000" fill="hold" nodeType="withEffect">
+                                  <p:stCondLst>
+                                    <p:cond delay="0"/>
+                                  </p:stCondLst>
+                                  <p:childTnLst>
+                                    <p:animMotion origin="layout" path="M 0.37669 0.41065 L 0.35586 0.48611 " pathEditMode="relative" rAng="0" ptsTypes="AA">
+                                      <p:cBhvr>
+                                        <p:cTn id="99" dur="1000" fill="hold"/>
+                                        <p:tgtEl>
+                                          <p:spTgt spid="4"/>
+                                        </p:tgtEl>
+                                        <p:attrNameLst>
+                                          <p:attrName>ppt_x</p:attrName>
+                                          <p:attrName>ppt_y</p:attrName>
+                                        </p:attrNameLst>
+                                      </p:cBhvr>
+                                      <p:rCtr x="-1042" y="3773"/>
+                                    </p:animMotion>
+                                  </p:childTnLst>
+                                </p:cTn>
+                              </p:par>
+                            </p:childTnLst>
+                          </p:cTn>
+                        </p:par>
+                      </p:childTnLst>
+                    </p:cTn>
+                  </p:par>
+                </p:childTnLst>
+              </p:cTn>
+              <p:prevCondLst>
+                <p:cond evt="onPrev" delay="0">
+                  <p:tgtEl>
+                    <p:sldTgt/>
+                  </p:tgtEl>
+                </p:cond>
+              </p:prevCondLst>
+              <p:nextCondLst>
+                <p:cond evt="onNext" delay="0">
+                  <p:tgtEl>
+                    <p:sldTgt/>
+                  </p:tgtEl>
+                </p:cond>
+              </p:nextCondLst>
+            </p:seq>
+          </p:childTnLst>
+        </p:cTn>
+      </p:par>
+    </p:tnLst>
+    <p:bldLst>
+      <p:bldP spid="33" grpId="0" animBg="1"/>
+      <p:bldP spid="33" grpId="1" animBg="1"/>
+      <p:bldP spid="32" grpId="0" animBg="1"/>
+      <p:bldP spid="32" grpId="1" animBg="1"/>
+      <p:bldP spid="18" grpId="0" animBg="1"/>
+      <p:bldP spid="18" grpId="1" animBg="1"/>
+      <p:bldP spid="19" grpId="0" animBg="1"/>
+      <p:bldP spid="19" grpId="1" animBg="1"/>
+      <p:bldP spid="20" grpId="0"/>
+      <p:bldP spid="20" grpId="1"/>
+      <p:bldP spid="21" grpId="0"/>
+      <p:bldP spid="21" grpId="1"/>
+      <p:bldP spid="22" grpId="0"/>
+      <p:bldP spid="23" grpId="0"/>
+      <p:bldP spid="24" grpId="0"/>
+      <p:bldP spid="25" grpId="0"/>
+      <p:bldP spid="26" grpId="0"/>
+      <p:bldP spid="27" grpId="0"/>
+      <p:bldP spid="28" grpId="0"/>
+      <p:bldP spid="29" grpId="0"/>
+      <p:bldP spid="30" grpId="0"/>
+      <p:bldP spid="31" grpId="0"/>
+    </p:bldLst>
+  </p:timing>
+</p:sld>
+</file>
+
+<file path=ppt/slides/slide8.xml><?xml version="1.0" encoding="utf-8"?>
+<p:sld xmlns:a="http://schemas.openxmlformats.org/drawingml/2006/main" xmlns:r="http://schemas.openxmlformats.org/officeDocument/2006/relationships" xmlns:p="http://schemas.openxmlformats.org/presentationml/2006/main">
+  <p:cSld>
+    <p:spTree>
+      <p:nvGrpSpPr>
+        <p:cNvPr id="1" name=""/>
+        <p:cNvGrpSpPr/>
+        <p:nvPr/>
+      </p:nvGrpSpPr>
+      <p:grpSpPr>
+        <a:xfrm>
+          <a:off x="0" y="0"/>
+          <a:ext cx="0" cy="0"/>
+          <a:chOff x="0" y="0"/>
+          <a:chExt cx="0" cy="0"/>
+        </a:xfrm>
+      </p:grpSpPr>
+      <p:sp>
+        <p:nvSpPr>
           <p:cNvPr id="5" name="ZoneTexte 4"/>
           <p:cNvSpPr txBox="1"/>
           <p:nvPr/>
@@ -21375,104 +25164,6 @@
 </p:sld>
 </file>
 
-<file path=ppt/slides/slide8.xml><?xml version="1.0" encoding="utf-8"?>
-<p:sld xmlns:a="http://schemas.openxmlformats.org/drawingml/2006/main" xmlns:r="http://schemas.openxmlformats.org/officeDocument/2006/relationships" xmlns:p="http://schemas.openxmlformats.org/presentationml/2006/main">
-  <p:cSld>
-    <p:spTree>
-      <p:nvGrpSpPr>
-        <p:cNvPr id="1" name=""/>
-        <p:cNvGrpSpPr/>
-        <p:nvPr/>
-      </p:nvGrpSpPr>
-      <p:grpSpPr>
-        <a:xfrm>
-          <a:off x="0" y="0"/>
-          <a:ext cx="0" cy="0"/>
-          <a:chOff x="0" y="0"/>
-          <a:chExt cx="0" cy="0"/>
-        </a:xfrm>
-      </p:grpSpPr>
-      <p:sp>
-        <p:nvSpPr>
-          <p:cNvPr id="2" name="Titre 1"/>
-          <p:cNvSpPr>
-            <a:spLocks noGrp="1"/>
-          </p:cNvSpPr>
-          <p:nvPr>
-            <p:ph type="title"/>
-          </p:nvPr>
-        </p:nvSpPr>
-        <p:spPr/>
-        <p:txBody>
-          <a:bodyPr/>
-          <a:lstStyle/>
-          <a:p>
-            <a:pPr algn="l"/>
-            <a:r>
-              <a:rPr lang="fr-FR" dirty="0" smtClean="0"/>
-              <a:t>Le robot</a:t>
-            </a:r>
-            <a:endParaRPr lang="fr-FR" dirty="0"/>
-          </a:p>
-        </p:txBody>
-      </p:sp>
-      <p:sp>
-        <p:nvSpPr>
-          <p:cNvPr id="3" name="Espace réservé du contenu 2"/>
-          <p:cNvSpPr>
-            <a:spLocks noGrp="1"/>
-          </p:cNvSpPr>
-          <p:nvPr>
-            <p:ph idx="1"/>
-          </p:nvPr>
-        </p:nvSpPr>
-        <p:spPr/>
-        <p:txBody>
-          <a:bodyPr/>
-          <a:lstStyle/>
-          <a:p>
-            <a:r>
-              <a:rPr lang="fr-FR" dirty="0" smtClean="0"/>
-              <a:t>Le microcontrôleur</a:t>
-            </a:r>
-          </a:p>
-          <a:p>
-            <a:r>
-              <a:rPr lang="fr-FR" dirty="0" smtClean="0"/>
-              <a:t>Les moteurs</a:t>
-            </a:r>
-          </a:p>
-          <a:p>
-            <a:r>
-              <a:rPr lang="fr-FR" dirty="0" smtClean="0"/>
-              <a:t>Le capteur</a:t>
-            </a:r>
-          </a:p>
-          <a:p>
-            <a:endParaRPr lang="fr-FR" dirty="0"/>
-          </a:p>
-        </p:txBody>
-      </p:sp>
-    </p:spTree>
-    <p:extLst>
-      <p:ext uri="{BB962C8B-B14F-4D97-AF65-F5344CB8AC3E}">
-        <p14:creationId xmlns:p14="http://schemas.microsoft.com/office/powerpoint/2010/main" val="2120670570"/>
-      </p:ext>
-    </p:extLst>
-  </p:cSld>
-  <p:clrMapOvr>
-    <a:masterClrMapping/>
-  </p:clrMapOvr>
-  <p:timing>
-    <p:tnLst>
-      <p:par>
-        <p:cTn id="1" dur="indefinite" restart="never" nodeType="tmRoot"/>
-      </p:par>
-    </p:tnLst>
-  </p:timing>
-</p:sld>
-</file>
-
 <file path=ppt/slides/slide9.xml><?xml version="1.0" encoding="utf-8"?>
 <p:sld xmlns:a="http://schemas.openxmlformats.org/drawingml/2006/main" xmlns:r="http://schemas.openxmlformats.org/officeDocument/2006/relationships" xmlns:p="http://schemas.openxmlformats.org/presentationml/2006/main">
   <p:cSld>
@@ -21508,12 +25199,9 @@
             <a:pPr algn="l"/>
             <a:r>
               <a:rPr lang="fr-FR" dirty="0" smtClean="0"/>
-              <a:t>Le robot – </a:t>
-            </a:r>
-            <a:r>
-              <a:rPr lang="fr-FR" dirty="0"/>
-              <a:t>Le microcontrôleur</a:t>
-            </a:r>
+              <a:t>Le robot</a:t>
+            </a:r>
+            <a:endParaRPr lang="fr-FR" dirty="0"/>
           </a:p>
         </p:txBody>
       </p:sp>
@@ -21532,6 +25220,24 @@
           <a:bodyPr/>
           <a:lstStyle/>
           <a:p>
+            <a:r>
+              <a:rPr lang="fr-FR" dirty="0" smtClean="0"/>
+              <a:t>Le microcontrôleur</a:t>
+            </a:r>
+          </a:p>
+          <a:p>
+            <a:r>
+              <a:rPr lang="fr-FR" dirty="0" smtClean="0"/>
+              <a:t>Les moteurs</a:t>
+            </a:r>
+          </a:p>
+          <a:p>
+            <a:r>
+              <a:rPr lang="fr-FR" dirty="0" smtClean="0"/>
+              <a:t>Le capteur</a:t>
+            </a:r>
+          </a:p>
+          <a:p>
             <a:endParaRPr lang="fr-FR" dirty="0"/>
           </a:p>
         </p:txBody>
@@ -21539,7 +25245,7 @@
     </p:spTree>
     <p:extLst>
       <p:ext uri="{BB962C8B-B14F-4D97-AF65-F5344CB8AC3E}">
-        <p14:creationId xmlns:p14="http://schemas.microsoft.com/office/powerpoint/2010/main" val="2985243064"/>
+        <p14:creationId xmlns:p14="http://schemas.microsoft.com/office/powerpoint/2010/main" val="2120670570"/>
       </p:ext>
     </p:extLst>
   </p:cSld>

--- a/Gestion projet/Projet intégration robotique – IMERIR.pptx
+++ b/Gestion projet/Projet intégration robotique – IMERIR.pptx
@@ -21,7 +21,7 @@
     <p:sldId id="283" r:id="rId15"/>
     <p:sldId id="287" r:id="rId16"/>
     <p:sldId id="288" r:id="rId17"/>
-    <p:sldId id="289" r:id="rId18"/>
+    <p:sldId id="291" r:id="rId18"/>
     <p:sldId id="284" r:id="rId19"/>
     <p:sldId id="261" r:id="rId20"/>
     <p:sldId id="285" r:id="rId21"/>
@@ -2993,1084 +2993,6 @@
       <dsp:cNvGrpSpPr/>
     </dsp:nvGrpSpPr>
     <dsp:grpSpPr/>
-    <dsp:sp modelId="{C690D0CD-7211-42BB-BA22-C909A7CA1954}">
-      <dsp:nvSpPr>
-        <dsp:cNvPr id="0" name=""/>
-        <dsp:cNvSpPr/>
-      </dsp:nvSpPr>
-      <dsp:spPr>
-        <a:xfrm>
-          <a:off x="5077836" y="1676507"/>
-          <a:ext cx="3984630" cy="592315"/>
-        </a:xfrm>
-        <a:custGeom>
-          <a:avLst/>
-          <a:gdLst/>
-          <a:ahLst/>
-          <a:cxnLst/>
-          <a:rect l="0" t="0" r="0" b="0"/>
-          <a:pathLst>
-            <a:path>
-              <a:moveTo>
-                <a:pt x="0" y="0"/>
-              </a:moveTo>
-              <a:lnTo>
-                <a:pt x="0" y="353111"/>
-              </a:lnTo>
-              <a:lnTo>
-                <a:pt x="3984630" y="353111"/>
-              </a:lnTo>
-              <a:lnTo>
-                <a:pt x="3984630" y="592315"/>
-              </a:lnTo>
-            </a:path>
-          </a:pathLst>
-        </a:custGeom>
-        <a:noFill/>
-        <a:ln w="9525" cap="rnd" cmpd="sng" algn="ctr">
-          <a:solidFill>
-            <a:schemeClr val="accent1">
-              <a:shade val="60000"/>
-              <a:hueOff val="0"/>
-              <a:satOff val="0"/>
-              <a:lumOff val="0"/>
-              <a:alphaOff val="0"/>
-            </a:schemeClr>
-          </a:solidFill>
-          <a:prstDash val="solid"/>
-        </a:ln>
-        <a:effectLst/>
-      </dsp:spPr>
-      <dsp:style>
-        <a:lnRef idx="1">
-          <a:scrgbClr r="0" g="0" b="0"/>
-        </a:lnRef>
-        <a:fillRef idx="0">
-          <a:scrgbClr r="0" g="0" b="0"/>
-        </a:fillRef>
-        <a:effectRef idx="0">
-          <a:scrgbClr r="0" g="0" b="0"/>
-        </a:effectRef>
-        <a:fontRef idx="minor"/>
-      </dsp:style>
-    </dsp:sp>
-    <dsp:sp modelId="{4A968BB4-BA07-4A5B-A53B-F2957ABC86FB}">
-      <dsp:nvSpPr>
-        <dsp:cNvPr id="0" name=""/>
-        <dsp:cNvSpPr/>
-      </dsp:nvSpPr>
-      <dsp:spPr>
-        <a:xfrm>
-          <a:off x="5077836" y="1676507"/>
-          <a:ext cx="1328210" cy="592315"/>
-        </a:xfrm>
-        <a:custGeom>
-          <a:avLst/>
-          <a:gdLst/>
-          <a:ahLst/>
-          <a:cxnLst/>
-          <a:rect l="0" t="0" r="0" b="0"/>
-          <a:pathLst>
-            <a:path>
-              <a:moveTo>
-                <a:pt x="0" y="0"/>
-              </a:moveTo>
-              <a:lnTo>
-                <a:pt x="0" y="353111"/>
-              </a:lnTo>
-              <a:lnTo>
-                <a:pt x="1328210" y="353111"/>
-              </a:lnTo>
-              <a:lnTo>
-                <a:pt x="1328210" y="592315"/>
-              </a:lnTo>
-            </a:path>
-          </a:pathLst>
-        </a:custGeom>
-        <a:noFill/>
-        <a:ln w="9525" cap="rnd" cmpd="sng" algn="ctr">
-          <a:solidFill>
-            <a:schemeClr val="accent1">
-              <a:shade val="60000"/>
-              <a:hueOff val="0"/>
-              <a:satOff val="0"/>
-              <a:lumOff val="0"/>
-              <a:alphaOff val="0"/>
-            </a:schemeClr>
-          </a:solidFill>
-          <a:prstDash val="solid"/>
-        </a:ln>
-        <a:effectLst/>
-      </dsp:spPr>
-      <dsp:style>
-        <a:lnRef idx="1">
-          <a:scrgbClr r="0" g="0" b="0"/>
-        </a:lnRef>
-        <a:fillRef idx="0">
-          <a:scrgbClr r="0" g="0" b="0"/>
-        </a:fillRef>
-        <a:effectRef idx="0">
-          <a:scrgbClr r="0" g="0" b="0"/>
-        </a:effectRef>
-        <a:fontRef idx="minor"/>
-      </dsp:style>
-    </dsp:sp>
-    <dsp:sp modelId="{31D35D76-771E-4FDE-BA75-EC484194EBC2}">
-      <dsp:nvSpPr>
-        <dsp:cNvPr id="0" name=""/>
-        <dsp:cNvSpPr/>
-      </dsp:nvSpPr>
-      <dsp:spPr>
-        <a:xfrm>
-          <a:off x="3749626" y="1676507"/>
-          <a:ext cx="1328210" cy="592315"/>
-        </a:xfrm>
-        <a:custGeom>
-          <a:avLst/>
-          <a:gdLst/>
-          <a:ahLst/>
-          <a:cxnLst/>
-          <a:rect l="0" t="0" r="0" b="0"/>
-          <a:pathLst>
-            <a:path>
-              <a:moveTo>
-                <a:pt x="1328210" y="0"/>
-              </a:moveTo>
-              <a:lnTo>
-                <a:pt x="1328210" y="353111"/>
-              </a:lnTo>
-              <a:lnTo>
-                <a:pt x="0" y="353111"/>
-              </a:lnTo>
-              <a:lnTo>
-                <a:pt x="0" y="592315"/>
-              </a:lnTo>
-            </a:path>
-          </a:pathLst>
-        </a:custGeom>
-        <a:noFill/>
-        <a:ln w="9525" cap="rnd" cmpd="sng" algn="ctr">
-          <a:solidFill>
-            <a:schemeClr val="accent1">
-              <a:shade val="60000"/>
-              <a:hueOff val="0"/>
-              <a:satOff val="0"/>
-              <a:lumOff val="0"/>
-              <a:alphaOff val="0"/>
-            </a:schemeClr>
-          </a:solidFill>
-          <a:prstDash val="solid"/>
-        </a:ln>
-        <a:effectLst/>
-      </dsp:spPr>
-      <dsp:style>
-        <a:lnRef idx="1">
-          <a:scrgbClr r="0" g="0" b="0"/>
-        </a:lnRef>
-        <a:fillRef idx="0">
-          <a:scrgbClr r="0" g="0" b="0"/>
-        </a:fillRef>
-        <a:effectRef idx="0">
-          <a:scrgbClr r="0" g="0" b="0"/>
-        </a:effectRef>
-        <a:fontRef idx="minor"/>
-      </dsp:style>
-    </dsp:sp>
-    <dsp:sp modelId="{095703D4-98CA-460D-B2F6-CA110B625919}">
-      <dsp:nvSpPr>
-        <dsp:cNvPr id="0" name=""/>
-        <dsp:cNvSpPr/>
-      </dsp:nvSpPr>
-      <dsp:spPr>
-        <a:xfrm>
-          <a:off x="1093206" y="1676507"/>
-          <a:ext cx="3984630" cy="592315"/>
-        </a:xfrm>
-        <a:custGeom>
-          <a:avLst/>
-          <a:gdLst/>
-          <a:ahLst/>
-          <a:cxnLst/>
-          <a:rect l="0" t="0" r="0" b="0"/>
-          <a:pathLst>
-            <a:path>
-              <a:moveTo>
-                <a:pt x="3984630" y="0"/>
-              </a:moveTo>
-              <a:lnTo>
-                <a:pt x="3984630" y="353111"/>
-              </a:lnTo>
-              <a:lnTo>
-                <a:pt x="0" y="353111"/>
-              </a:lnTo>
-              <a:lnTo>
-                <a:pt x="0" y="592315"/>
-              </a:lnTo>
-            </a:path>
-          </a:pathLst>
-        </a:custGeom>
-        <a:noFill/>
-        <a:ln w="9525" cap="rnd" cmpd="sng" algn="ctr">
-          <a:solidFill>
-            <a:schemeClr val="accent1">
-              <a:shade val="60000"/>
-              <a:hueOff val="0"/>
-              <a:satOff val="0"/>
-              <a:lumOff val="0"/>
-              <a:alphaOff val="0"/>
-            </a:schemeClr>
-          </a:solidFill>
-          <a:prstDash val="solid"/>
-        </a:ln>
-        <a:effectLst/>
-      </dsp:spPr>
-      <dsp:style>
-        <a:lnRef idx="1">
-          <a:scrgbClr r="0" g="0" b="0"/>
-        </a:lnRef>
-        <a:fillRef idx="0">
-          <a:scrgbClr r="0" g="0" b="0"/>
-        </a:fillRef>
-        <a:effectRef idx="0">
-          <a:scrgbClr r="0" g="0" b="0"/>
-        </a:effectRef>
-        <a:fontRef idx="minor"/>
-      </dsp:style>
-    </dsp:sp>
-    <dsp:sp modelId="{153DF482-9B63-4F22-A2E6-E0985D657AE7}">
-      <dsp:nvSpPr>
-        <dsp:cNvPr id="0" name=""/>
-        <dsp:cNvSpPr/>
-      </dsp:nvSpPr>
-      <dsp:spPr>
-        <a:xfrm>
-          <a:off x="4087831" y="651345"/>
-          <a:ext cx="1980010" cy="1025161"/>
-        </a:xfrm>
-        <a:prstGeom prst="rect">
-          <a:avLst/>
-        </a:prstGeom>
-        <a:gradFill rotWithShape="0">
-          <a:gsLst>
-            <a:gs pos="0">
-              <a:schemeClr val="accent1">
-                <a:hueOff val="0"/>
-                <a:satOff val="0"/>
-                <a:lumOff val="0"/>
-                <a:alphaOff val="0"/>
-                <a:tint val="96000"/>
-                <a:lumMod val="104000"/>
-              </a:schemeClr>
-            </a:gs>
-            <a:gs pos="100000">
-              <a:schemeClr val="accent1">
-                <a:hueOff val="0"/>
-                <a:satOff val="0"/>
-                <a:lumOff val="0"/>
-                <a:alphaOff val="0"/>
-                <a:shade val="90000"/>
-                <a:lumMod val="90000"/>
-              </a:schemeClr>
-            </a:gs>
-          </a:gsLst>
-          <a:lin ang="5400000" scaled="0"/>
-        </a:gradFill>
-        <a:ln>
-          <a:noFill/>
-        </a:ln>
-        <a:effectLst>
-          <a:outerShdw blurRad="63500" dist="25400" dir="5400000" rotWithShape="0">
-            <a:srgbClr val="000000">
-              <a:alpha val="60000"/>
-            </a:srgbClr>
-          </a:outerShdw>
-        </a:effectLst>
-      </dsp:spPr>
-      <dsp:style>
-        <a:lnRef idx="0">
-          <a:scrgbClr r="0" g="0" b="0"/>
-        </a:lnRef>
-        <a:fillRef idx="3">
-          <a:scrgbClr r="0" g="0" b="0"/>
-        </a:fillRef>
-        <a:effectRef idx="2">
-          <a:scrgbClr r="0" g="0" b="0"/>
-        </a:effectRef>
-        <a:fontRef idx="minor">
-          <a:schemeClr val="lt1"/>
-        </a:fontRef>
-      </dsp:style>
-      <dsp:txBody>
-        <a:bodyPr spcFirstLastPara="0" vert="horz" wrap="square" lIns="13970" tIns="13970" rIns="13970" bIns="144662" numCol="1" spcCol="1270" anchor="ctr" anchorCtr="0">
-          <a:noAutofit/>
-        </a:bodyPr>
-        <a:lstStyle/>
-        <a:p>
-          <a:pPr lvl="0" algn="ctr" defTabSz="977900">
-            <a:lnSpc>
-              <a:spcPct val="90000"/>
-            </a:lnSpc>
-            <a:spcBef>
-              <a:spcPct val="0"/>
-            </a:spcBef>
-            <a:spcAft>
-              <a:spcPct val="35000"/>
-            </a:spcAft>
-          </a:pPr>
-          <a:r>
-            <a:rPr lang="fr-FR" sz="2200" kern="1200"/>
-            <a:t>Chef de Projet</a:t>
-          </a:r>
-        </a:p>
-      </dsp:txBody>
-      <dsp:txXfrm>
-        <a:off x="4087831" y="651345"/>
-        <a:ext cx="1980010" cy="1025161"/>
-      </dsp:txXfrm>
-    </dsp:sp>
-    <dsp:sp modelId="{113EA813-3BA6-403B-BFBC-C6C029177D40}">
-      <dsp:nvSpPr>
-        <dsp:cNvPr id="0" name=""/>
-        <dsp:cNvSpPr/>
-      </dsp:nvSpPr>
-      <dsp:spPr>
-        <a:xfrm>
-          <a:off x="4483833" y="1448693"/>
-          <a:ext cx="1782009" cy="341720"/>
-        </a:xfrm>
-        <a:prstGeom prst="rect">
-          <a:avLst/>
-        </a:prstGeom>
-        <a:solidFill>
-          <a:schemeClr val="lt1">
-            <a:alpha val="90000"/>
-            <a:hueOff val="0"/>
-            <a:satOff val="0"/>
-            <a:lumOff val="0"/>
-            <a:alphaOff val="0"/>
-          </a:schemeClr>
-        </a:solidFill>
-        <a:ln w="9525" cap="rnd" cmpd="sng" algn="ctr">
-          <a:solidFill>
-            <a:schemeClr val="accent1">
-              <a:hueOff val="0"/>
-              <a:satOff val="0"/>
-              <a:lumOff val="0"/>
-              <a:alphaOff val="0"/>
-            </a:schemeClr>
-          </a:solidFill>
-          <a:prstDash val="solid"/>
-        </a:ln>
-        <a:effectLst/>
-      </dsp:spPr>
-      <dsp:style>
-        <a:lnRef idx="1">
-          <a:scrgbClr r="0" g="0" b="0"/>
-        </a:lnRef>
-        <a:fillRef idx="1">
-          <a:scrgbClr r="0" g="0" b="0"/>
-        </a:fillRef>
-        <a:effectRef idx="0">
-          <a:scrgbClr r="0" g="0" b="0"/>
-        </a:effectRef>
-        <a:fontRef idx="minor"/>
-      </dsp:style>
-      <dsp:txBody>
-        <a:bodyPr spcFirstLastPara="0" vert="horz" wrap="square" lIns="38100" tIns="9525" rIns="38100" bIns="9525" numCol="1" spcCol="1270" anchor="ctr" anchorCtr="0">
-          <a:noAutofit/>
-        </a:bodyPr>
-        <a:lstStyle/>
-        <a:p>
-          <a:pPr lvl="0" algn="r" defTabSz="666750">
-            <a:lnSpc>
-              <a:spcPct val="90000"/>
-            </a:lnSpc>
-            <a:spcBef>
-              <a:spcPct val="0"/>
-            </a:spcBef>
-            <a:spcAft>
-              <a:spcPct val="35000"/>
-            </a:spcAft>
-          </a:pPr>
-          <a:r>
-            <a:rPr lang="fr-FR" sz="1500" kern="1200" dirty="0"/>
-            <a:t>Cyril PY</a:t>
-          </a:r>
-        </a:p>
-      </dsp:txBody>
-      <dsp:txXfrm>
-        <a:off x="4483833" y="1448693"/>
-        <a:ext cx="1782009" cy="341720"/>
-      </dsp:txXfrm>
-    </dsp:sp>
-    <dsp:sp modelId="{5676D32F-1CE3-4176-81F2-A39E244B0416}">
-      <dsp:nvSpPr>
-        <dsp:cNvPr id="0" name=""/>
-        <dsp:cNvSpPr/>
-      </dsp:nvSpPr>
-      <dsp:spPr>
-        <a:xfrm>
-          <a:off x="103201" y="2268822"/>
-          <a:ext cx="1980010" cy="1025161"/>
-        </a:xfrm>
-        <a:prstGeom prst="rect">
-          <a:avLst/>
-        </a:prstGeom>
-        <a:gradFill rotWithShape="0">
-          <a:gsLst>
-            <a:gs pos="0">
-              <a:schemeClr val="accent1">
-                <a:hueOff val="0"/>
-                <a:satOff val="0"/>
-                <a:lumOff val="0"/>
-                <a:alphaOff val="0"/>
-                <a:tint val="96000"/>
-                <a:lumMod val="104000"/>
-              </a:schemeClr>
-            </a:gs>
-            <a:gs pos="100000">
-              <a:schemeClr val="accent1">
-                <a:hueOff val="0"/>
-                <a:satOff val="0"/>
-                <a:lumOff val="0"/>
-                <a:alphaOff val="0"/>
-                <a:shade val="90000"/>
-                <a:lumMod val="90000"/>
-              </a:schemeClr>
-            </a:gs>
-          </a:gsLst>
-          <a:lin ang="5400000" scaled="0"/>
-        </a:gradFill>
-        <a:ln>
-          <a:noFill/>
-        </a:ln>
-        <a:effectLst>
-          <a:outerShdw blurRad="63500" dist="25400" dir="5400000" rotWithShape="0">
-            <a:srgbClr val="000000">
-              <a:alpha val="60000"/>
-            </a:srgbClr>
-          </a:outerShdw>
-        </a:effectLst>
-      </dsp:spPr>
-      <dsp:style>
-        <a:lnRef idx="0">
-          <a:scrgbClr r="0" g="0" b="0"/>
-        </a:lnRef>
-        <a:fillRef idx="3">
-          <a:scrgbClr r="0" g="0" b="0"/>
-        </a:fillRef>
-        <a:effectRef idx="2">
-          <a:scrgbClr r="0" g="0" b="0"/>
-        </a:effectRef>
-        <a:fontRef idx="minor">
-          <a:schemeClr val="lt1"/>
-        </a:fontRef>
-      </dsp:style>
-      <dsp:txBody>
-        <a:bodyPr spcFirstLastPara="0" vert="horz" wrap="square" lIns="13970" tIns="13970" rIns="13970" bIns="144662" numCol="1" spcCol="1270" anchor="ctr" anchorCtr="0">
-          <a:noAutofit/>
-        </a:bodyPr>
-        <a:lstStyle/>
-        <a:p>
-          <a:pPr lvl="0" algn="ctr" defTabSz="977900">
-            <a:lnSpc>
-              <a:spcPct val="90000"/>
-            </a:lnSpc>
-            <a:spcBef>
-              <a:spcPct val="0"/>
-            </a:spcBef>
-            <a:spcAft>
-              <a:spcPct val="35000"/>
-            </a:spcAft>
-          </a:pPr>
-          <a:r>
-            <a:rPr lang="fr-FR" sz="2200" kern="1200" dirty="0" smtClean="0"/>
-            <a:t>Odométrie</a:t>
-          </a:r>
-          <a:endParaRPr lang="fr-FR" sz="2200" kern="1200" dirty="0"/>
-        </a:p>
-      </dsp:txBody>
-      <dsp:txXfrm>
-        <a:off x="103201" y="2268822"/>
-        <a:ext cx="1980010" cy="1025161"/>
-      </dsp:txXfrm>
-    </dsp:sp>
-    <dsp:sp modelId="{809562EB-4A18-496D-99D9-E0B60B4EAEA5}">
-      <dsp:nvSpPr>
-        <dsp:cNvPr id="0" name=""/>
-        <dsp:cNvSpPr/>
-      </dsp:nvSpPr>
-      <dsp:spPr>
-        <a:xfrm>
-          <a:off x="578787" y="3066170"/>
-          <a:ext cx="1782009" cy="341720"/>
-        </a:xfrm>
-        <a:prstGeom prst="rect">
-          <a:avLst/>
-        </a:prstGeom>
-        <a:solidFill>
-          <a:schemeClr val="lt1">
-            <a:alpha val="90000"/>
-            <a:hueOff val="0"/>
-            <a:satOff val="0"/>
-            <a:lumOff val="0"/>
-            <a:alphaOff val="0"/>
-          </a:schemeClr>
-        </a:solidFill>
-        <a:ln w="9525" cap="rnd" cmpd="sng" algn="ctr">
-          <a:solidFill>
-            <a:schemeClr val="accent1">
-              <a:hueOff val="0"/>
-              <a:satOff val="0"/>
-              <a:lumOff val="0"/>
-              <a:alphaOff val="0"/>
-            </a:schemeClr>
-          </a:solidFill>
-          <a:prstDash val="solid"/>
-        </a:ln>
-        <a:effectLst/>
-      </dsp:spPr>
-      <dsp:style>
-        <a:lnRef idx="1">
-          <a:scrgbClr r="0" g="0" b="0"/>
-        </a:lnRef>
-        <a:fillRef idx="1">
-          <a:scrgbClr r="0" g="0" b="0"/>
-        </a:fillRef>
-        <a:effectRef idx="0">
-          <a:scrgbClr r="0" g="0" b="0"/>
-        </a:effectRef>
-        <a:fontRef idx="minor"/>
-      </dsp:style>
-      <dsp:txBody>
-        <a:bodyPr spcFirstLastPara="0" vert="horz" wrap="square" lIns="38100" tIns="9525" rIns="38100" bIns="9525" numCol="1" spcCol="1270" anchor="ctr" anchorCtr="0">
-          <a:noAutofit/>
-        </a:bodyPr>
-        <a:lstStyle/>
-        <a:p>
-          <a:pPr lvl="0" algn="r" defTabSz="666750">
-            <a:lnSpc>
-              <a:spcPct val="90000"/>
-            </a:lnSpc>
-            <a:spcBef>
-              <a:spcPct val="0"/>
-            </a:spcBef>
-            <a:spcAft>
-              <a:spcPct val="35000"/>
-            </a:spcAft>
-          </a:pPr>
-          <a:r>
-            <a:rPr lang="fr-FR" sz="1500" kern="1200" dirty="0"/>
-            <a:t>Thomas PRAK</a:t>
-          </a:r>
-        </a:p>
-      </dsp:txBody>
-      <dsp:txXfrm>
-        <a:off x="578787" y="3066170"/>
-        <a:ext cx="1782009" cy="341720"/>
-      </dsp:txXfrm>
-    </dsp:sp>
-    <dsp:sp modelId="{F522147D-7926-4BE8-A844-0FB48C50D80C}">
-      <dsp:nvSpPr>
-        <dsp:cNvPr id="0" name=""/>
-        <dsp:cNvSpPr/>
-      </dsp:nvSpPr>
-      <dsp:spPr>
-        <a:xfrm>
-          <a:off x="2759621" y="2268822"/>
-          <a:ext cx="1980010" cy="1025161"/>
-        </a:xfrm>
-        <a:prstGeom prst="rect">
-          <a:avLst/>
-        </a:prstGeom>
-        <a:gradFill rotWithShape="0">
-          <a:gsLst>
-            <a:gs pos="0">
-              <a:schemeClr val="accent1">
-                <a:hueOff val="0"/>
-                <a:satOff val="0"/>
-                <a:lumOff val="0"/>
-                <a:alphaOff val="0"/>
-                <a:tint val="96000"/>
-                <a:lumMod val="104000"/>
-              </a:schemeClr>
-            </a:gs>
-            <a:gs pos="100000">
-              <a:schemeClr val="accent1">
-                <a:hueOff val="0"/>
-                <a:satOff val="0"/>
-                <a:lumOff val="0"/>
-                <a:alphaOff val="0"/>
-                <a:shade val="90000"/>
-                <a:lumMod val="90000"/>
-              </a:schemeClr>
-            </a:gs>
-          </a:gsLst>
-          <a:lin ang="5400000" scaled="0"/>
-        </a:gradFill>
-        <a:ln>
-          <a:noFill/>
-        </a:ln>
-        <a:effectLst>
-          <a:outerShdw blurRad="63500" dist="25400" dir="5400000" rotWithShape="0">
-            <a:srgbClr val="000000">
-              <a:alpha val="60000"/>
-            </a:srgbClr>
-          </a:outerShdw>
-        </a:effectLst>
-      </dsp:spPr>
-      <dsp:style>
-        <a:lnRef idx="0">
-          <a:scrgbClr r="0" g="0" b="0"/>
-        </a:lnRef>
-        <a:fillRef idx="3">
-          <a:scrgbClr r="0" g="0" b="0"/>
-        </a:fillRef>
-        <a:effectRef idx="2">
-          <a:scrgbClr r="0" g="0" b="0"/>
-        </a:effectRef>
-        <a:fontRef idx="minor">
-          <a:schemeClr val="lt1"/>
-        </a:fontRef>
-      </dsp:style>
-      <dsp:txBody>
-        <a:bodyPr spcFirstLastPara="0" vert="horz" wrap="square" lIns="13970" tIns="13970" rIns="13970" bIns="144662" numCol="1" spcCol="1270" anchor="ctr" anchorCtr="0">
-          <a:noAutofit/>
-        </a:bodyPr>
-        <a:lstStyle/>
-        <a:p>
-          <a:pPr lvl="0" algn="ctr" defTabSz="977900">
-            <a:lnSpc>
-              <a:spcPct val="90000"/>
-            </a:lnSpc>
-            <a:spcBef>
-              <a:spcPct val="0"/>
-            </a:spcBef>
-            <a:spcAft>
-              <a:spcPct val="35000"/>
-            </a:spcAft>
-          </a:pPr>
-          <a:r>
-            <a:rPr lang="fr-FR" sz="2200" kern="1200" dirty="0" smtClean="0"/>
-            <a:t>Client Web</a:t>
-          </a:r>
-          <a:endParaRPr lang="fr-FR" sz="2200" kern="1200" dirty="0"/>
-        </a:p>
-      </dsp:txBody>
-      <dsp:txXfrm>
-        <a:off x="2759621" y="2268822"/>
-        <a:ext cx="1980010" cy="1025161"/>
-      </dsp:txXfrm>
-    </dsp:sp>
-    <dsp:sp modelId="{BDDE5DF6-64AC-499B-A204-5D73CD5189A5}">
-      <dsp:nvSpPr>
-        <dsp:cNvPr id="0" name=""/>
-        <dsp:cNvSpPr/>
-      </dsp:nvSpPr>
-      <dsp:spPr>
-        <a:xfrm>
-          <a:off x="3155623" y="3066170"/>
-          <a:ext cx="1782009" cy="341720"/>
-        </a:xfrm>
-        <a:prstGeom prst="rect">
-          <a:avLst/>
-        </a:prstGeom>
-        <a:solidFill>
-          <a:schemeClr val="lt1">
-            <a:alpha val="90000"/>
-            <a:hueOff val="0"/>
-            <a:satOff val="0"/>
-            <a:lumOff val="0"/>
-            <a:alphaOff val="0"/>
-          </a:schemeClr>
-        </a:solidFill>
-        <a:ln w="9525" cap="rnd" cmpd="sng" algn="ctr">
-          <a:solidFill>
-            <a:schemeClr val="accent1">
-              <a:hueOff val="0"/>
-              <a:satOff val="0"/>
-              <a:lumOff val="0"/>
-              <a:alphaOff val="0"/>
-            </a:schemeClr>
-          </a:solidFill>
-          <a:prstDash val="solid"/>
-        </a:ln>
-        <a:effectLst/>
-      </dsp:spPr>
-      <dsp:style>
-        <a:lnRef idx="1">
-          <a:scrgbClr r="0" g="0" b="0"/>
-        </a:lnRef>
-        <a:fillRef idx="1">
-          <a:scrgbClr r="0" g="0" b="0"/>
-        </a:fillRef>
-        <a:effectRef idx="0">
-          <a:scrgbClr r="0" g="0" b="0"/>
-        </a:effectRef>
-        <a:fontRef idx="minor"/>
-      </dsp:style>
-      <dsp:txBody>
-        <a:bodyPr spcFirstLastPara="0" vert="horz" wrap="square" lIns="38100" tIns="9525" rIns="38100" bIns="9525" numCol="1" spcCol="1270" anchor="ctr" anchorCtr="0">
-          <a:noAutofit/>
-        </a:bodyPr>
-        <a:lstStyle/>
-        <a:p>
-          <a:pPr lvl="0" algn="r" defTabSz="666750">
-            <a:lnSpc>
-              <a:spcPct val="90000"/>
-            </a:lnSpc>
-            <a:spcBef>
-              <a:spcPct val="0"/>
-            </a:spcBef>
-            <a:spcAft>
-              <a:spcPct val="35000"/>
-            </a:spcAft>
-          </a:pPr>
-          <a:r>
-            <a:rPr lang="fr-FR" sz="1500" kern="1200" dirty="0"/>
-            <a:t>Justine SABBATIER</a:t>
-          </a:r>
-        </a:p>
-      </dsp:txBody>
-      <dsp:txXfrm>
-        <a:off x="3155623" y="3066170"/>
-        <a:ext cx="1782009" cy="341720"/>
-      </dsp:txXfrm>
-    </dsp:sp>
-    <dsp:sp modelId="{5662567F-F7A3-40C3-B265-EF28650FB1CC}">
-      <dsp:nvSpPr>
-        <dsp:cNvPr id="0" name=""/>
-        <dsp:cNvSpPr/>
-      </dsp:nvSpPr>
-      <dsp:spPr>
-        <a:xfrm>
-          <a:off x="5416041" y="2268822"/>
-          <a:ext cx="1980010" cy="1025161"/>
-        </a:xfrm>
-        <a:prstGeom prst="rect">
-          <a:avLst/>
-        </a:prstGeom>
-        <a:gradFill rotWithShape="0">
-          <a:gsLst>
-            <a:gs pos="0">
-              <a:schemeClr val="accent1">
-                <a:hueOff val="0"/>
-                <a:satOff val="0"/>
-                <a:lumOff val="0"/>
-                <a:alphaOff val="0"/>
-                <a:tint val="96000"/>
-                <a:lumMod val="104000"/>
-              </a:schemeClr>
-            </a:gs>
-            <a:gs pos="100000">
-              <a:schemeClr val="accent1">
-                <a:hueOff val="0"/>
-                <a:satOff val="0"/>
-                <a:lumOff val="0"/>
-                <a:alphaOff val="0"/>
-                <a:shade val="90000"/>
-                <a:lumMod val="90000"/>
-              </a:schemeClr>
-            </a:gs>
-          </a:gsLst>
-          <a:lin ang="5400000" scaled="0"/>
-        </a:gradFill>
-        <a:ln>
-          <a:noFill/>
-        </a:ln>
-        <a:effectLst>
-          <a:outerShdw blurRad="63500" dist="25400" dir="5400000" rotWithShape="0">
-            <a:srgbClr val="000000">
-              <a:alpha val="60000"/>
-            </a:srgbClr>
-          </a:outerShdw>
-        </a:effectLst>
-      </dsp:spPr>
-      <dsp:style>
-        <a:lnRef idx="0">
-          <a:scrgbClr r="0" g="0" b="0"/>
-        </a:lnRef>
-        <a:fillRef idx="3">
-          <a:scrgbClr r="0" g="0" b="0"/>
-        </a:fillRef>
-        <a:effectRef idx="2">
-          <a:scrgbClr r="0" g="0" b="0"/>
-        </a:effectRef>
-        <a:fontRef idx="minor">
-          <a:schemeClr val="lt1"/>
-        </a:fontRef>
-      </dsp:style>
-      <dsp:txBody>
-        <a:bodyPr spcFirstLastPara="0" vert="horz" wrap="square" lIns="13970" tIns="13970" rIns="13970" bIns="144662" numCol="1" spcCol="1270" anchor="ctr" anchorCtr="0">
-          <a:noAutofit/>
-        </a:bodyPr>
-        <a:lstStyle/>
-        <a:p>
-          <a:pPr lvl="0" algn="ctr" defTabSz="977900">
-            <a:lnSpc>
-              <a:spcPct val="90000"/>
-            </a:lnSpc>
-            <a:spcBef>
-              <a:spcPct val="0"/>
-            </a:spcBef>
-            <a:spcAft>
-              <a:spcPct val="35000"/>
-            </a:spcAft>
-          </a:pPr>
-          <a:r>
-            <a:rPr lang="fr-FR" sz="2200" kern="1200" dirty="0" smtClean="0"/>
-            <a:t>Algorithme</a:t>
-          </a:r>
-          <a:endParaRPr lang="fr-FR" sz="2200" kern="1200" dirty="0"/>
-        </a:p>
-      </dsp:txBody>
-      <dsp:txXfrm>
-        <a:off x="5416041" y="2268822"/>
-        <a:ext cx="1980010" cy="1025161"/>
-      </dsp:txXfrm>
-    </dsp:sp>
-    <dsp:sp modelId="{0E9E0690-608D-4BF4-8CCF-3E5EC47EB681}">
-      <dsp:nvSpPr>
-        <dsp:cNvPr id="0" name=""/>
-        <dsp:cNvSpPr/>
-      </dsp:nvSpPr>
-      <dsp:spPr>
-        <a:xfrm>
-          <a:off x="5812044" y="3066170"/>
-          <a:ext cx="1782009" cy="341720"/>
-        </a:xfrm>
-        <a:prstGeom prst="rect">
-          <a:avLst/>
-        </a:prstGeom>
-        <a:solidFill>
-          <a:schemeClr val="lt1">
-            <a:alpha val="90000"/>
-            <a:hueOff val="0"/>
-            <a:satOff val="0"/>
-            <a:lumOff val="0"/>
-            <a:alphaOff val="0"/>
-          </a:schemeClr>
-        </a:solidFill>
-        <a:ln w="9525" cap="rnd" cmpd="sng" algn="ctr">
-          <a:solidFill>
-            <a:schemeClr val="accent1">
-              <a:hueOff val="0"/>
-              <a:satOff val="0"/>
-              <a:lumOff val="0"/>
-              <a:alphaOff val="0"/>
-            </a:schemeClr>
-          </a:solidFill>
-          <a:prstDash val="solid"/>
-        </a:ln>
-        <a:effectLst/>
-      </dsp:spPr>
-      <dsp:style>
-        <a:lnRef idx="1">
-          <a:scrgbClr r="0" g="0" b="0"/>
-        </a:lnRef>
-        <a:fillRef idx="1">
-          <a:scrgbClr r="0" g="0" b="0"/>
-        </a:fillRef>
-        <a:effectRef idx="0">
-          <a:scrgbClr r="0" g="0" b="0"/>
-        </a:effectRef>
-        <a:fontRef idx="minor"/>
-      </dsp:style>
-      <dsp:txBody>
-        <a:bodyPr spcFirstLastPara="0" vert="horz" wrap="square" lIns="38100" tIns="9525" rIns="38100" bIns="9525" numCol="1" spcCol="1270" anchor="ctr" anchorCtr="0">
-          <a:noAutofit/>
-        </a:bodyPr>
-        <a:lstStyle/>
-        <a:p>
-          <a:pPr lvl="0" algn="r" defTabSz="666750">
-            <a:lnSpc>
-              <a:spcPct val="90000"/>
-            </a:lnSpc>
-            <a:spcBef>
-              <a:spcPct val="0"/>
-            </a:spcBef>
-            <a:spcAft>
-              <a:spcPct val="35000"/>
-            </a:spcAft>
-          </a:pPr>
-          <a:r>
-            <a:rPr lang="fr-FR" sz="1500" kern="1200"/>
-            <a:t>Mathias DA COSTA</a:t>
-          </a:r>
-        </a:p>
-      </dsp:txBody>
-      <dsp:txXfrm>
-        <a:off x="5812044" y="3066170"/>
-        <a:ext cx="1782009" cy="341720"/>
-      </dsp:txXfrm>
-    </dsp:sp>
-    <dsp:sp modelId="{96FA1259-64E4-404F-B34D-D3DE19F6B678}">
-      <dsp:nvSpPr>
-        <dsp:cNvPr id="0" name=""/>
-        <dsp:cNvSpPr/>
-      </dsp:nvSpPr>
-      <dsp:spPr>
-        <a:xfrm>
-          <a:off x="8072462" y="2268822"/>
-          <a:ext cx="1980010" cy="1025161"/>
-        </a:xfrm>
-        <a:prstGeom prst="rect">
-          <a:avLst/>
-        </a:prstGeom>
-        <a:gradFill rotWithShape="0">
-          <a:gsLst>
-            <a:gs pos="0">
-              <a:schemeClr val="accent1">
-                <a:hueOff val="0"/>
-                <a:satOff val="0"/>
-                <a:lumOff val="0"/>
-                <a:alphaOff val="0"/>
-                <a:tint val="96000"/>
-                <a:lumMod val="104000"/>
-              </a:schemeClr>
-            </a:gs>
-            <a:gs pos="100000">
-              <a:schemeClr val="accent1">
-                <a:hueOff val="0"/>
-                <a:satOff val="0"/>
-                <a:lumOff val="0"/>
-                <a:alphaOff val="0"/>
-                <a:shade val="90000"/>
-                <a:lumMod val="90000"/>
-              </a:schemeClr>
-            </a:gs>
-          </a:gsLst>
-          <a:lin ang="5400000" scaled="0"/>
-        </a:gradFill>
-        <a:ln>
-          <a:noFill/>
-        </a:ln>
-        <a:effectLst>
-          <a:outerShdw blurRad="63500" dist="25400" dir="5400000" rotWithShape="0">
-            <a:srgbClr val="000000">
-              <a:alpha val="60000"/>
-            </a:srgbClr>
-          </a:outerShdw>
-        </a:effectLst>
-      </dsp:spPr>
-      <dsp:style>
-        <a:lnRef idx="0">
-          <a:scrgbClr r="0" g="0" b="0"/>
-        </a:lnRef>
-        <a:fillRef idx="3">
-          <a:scrgbClr r="0" g="0" b="0"/>
-        </a:fillRef>
-        <a:effectRef idx="2">
-          <a:scrgbClr r="0" g="0" b="0"/>
-        </a:effectRef>
-        <a:fontRef idx="minor">
-          <a:schemeClr val="lt1"/>
-        </a:fontRef>
-      </dsp:style>
-      <dsp:txBody>
-        <a:bodyPr spcFirstLastPara="0" vert="horz" wrap="square" lIns="13970" tIns="13970" rIns="13970" bIns="144662" numCol="1" spcCol="1270" anchor="ctr" anchorCtr="0">
-          <a:noAutofit/>
-        </a:bodyPr>
-        <a:lstStyle/>
-        <a:p>
-          <a:pPr lvl="0" algn="ctr" defTabSz="977900">
-            <a:lnSpc>
-              <a:spcPct val="90000"/>
-            </a:lnSpc>
-            <a:spcBef>
-              <a:spcPct val="0"/>
-            </a:spcBef>
-            <a:spcAft>
-              <a:spcPct val="35000"/>
-            </a:spcAft>
-          </a:pPr>
-          <a:r>
-            <a:rPr lang="fr-FR" sz="2200" kern="1200" dirty="0" smtClean="0"/>
-            <a:t>Communication</a:t>
-          </a:r>
-          <a:endParaRPr lang="fr-FR" sz="2200" kern="1200" dirty="0"/>
-        </a:p>
-      </dsp:txBody>
-      <dsp:txXfrm>
-        <a:off x="8072462" y="2268822"/>
-        <a:ext cx="1980010" cy="1025161"/>
-      </dsp:txXfrm>
-    </dsp:sp>
-    <dsp:sp modelId="{A8EA838F-3B0C-4F99-BFF0-CFB047931BD1}">
-      <dsp:nvSpPr>
-        <dsp:cNvPr id="0" name=""/>
-        <dsp:cNvSpPr/>
-      </dsp:nvSpPr>
-      <dsp:spPr>
-        <a:xfrm>
-          <a:off x="8468464" y="3066170"/>
-          <a:ext cx="1782009" cy="341720"/>
-        </a:xfrm>
-        <a:prstGeom prst="rect">
-          <a:avLst/>
-        </a:prstGeom>
-        <a:solidFill>
-          <a:schemeClr val="lt1">
-            <a:alpha val="90000"/>
-            <a:hueOff val="0"/>
-            <a:satOff val="0"/>
-            <a:lumOff val="0"/>
-            <a:alphaOff val="0"/>
-          </a:schemeClr>
-        </a:solidFill>
-        <a:ln w="9525" cap="rnd" cmpd="sng" algn="ctr">
-          <a:solidFill>
-            <a:schemeClr val="accent1">
-              <a:hueOff val="0"/>
-              <a:satOff val="0"/>
-              <a:lumOff val="0"/>
-              <a:alphaOff val="0"/>
-            </a:schemeClr>
-          </a:solidFill>
-          <a:prstDash val="solid"/>
-        </a:ln>
-        <a:effectLst/>
-      </dsp:spPr>
-      <dsp:style>
-        <a:lnRef idx="1">
-          <a:scrgbClr r="0" g="0" b="0"/>
-        </a:lnRef>
-        <a:fillRef idx="1">
-          <a:scrgbClr r="0" g="0" b="0"/>
-        </a:fillRef>
-        <a:effectRef idx="0">
-          <a:scrgbClr r="0" g="0" b="0"/>
-        </a:effectRef>
-        <a:fontRef idx="minor"/>
-      </dsp:style>
-      <dsp:txBody>
-        <a:bodyPr spcFirstLastPara="0" vert="horz" wrap="square" lIns="38100" tIns="9525" rIns="38100" bIns="9525" numCol="1" spcCol="1270" anchor="ctr" anchorCtr="0">
-          <a:noAutofit/>
-        </a:bodyPr>
-        <a:lstStyle/>
-        <a:p>
-          <a:pPr lvl="0" algn="r" defTabSz="666750">
-            <a:lnSpc>
-              <a:spcPct val="90000"/>
-            </a:lnSpc>
-            <a:spcBef>
-              <a:spcPct val="0"/>
-            </a:spcBef>
-            <a:spcAft>
-              <a:spcPct val="35000"/>
-            </a:spcAft>
-          </a:pPr>
-          <a:r>
-            <a:rPr lang="fr-FR" sz="1500" kern="1200"/>
-            <a:t>Julien LOEVE</a:t>
-          </a:r>
-        </a:p>
-      </dsp:txBody>
-      <dsp:txXfrm>
-        <a:off x="8468464" y="3066170"/>
-        <a:ext cx="1782009" cy="341720"/>
-      </dsp:txXfrm>
-    </dsp:sp>
   </dsp:spTree>
 </dsp:drawing>
 </file>
@@ -4083,646 +3005,6 @@
       <dsp:cNvGrpSpPr/>
     </dsp:nvGrpSpPr>
     <dsp:grpSpPr/>
-    <dsp:sp modelId="{6A1FC33C-BD54-48D9-8848-B8051814CA7A}">
-      <dsp:nvSpPr>
-        <dsp:cNvPr id="0" name=""/>
-        <dsp:cNvSpPr/>
-      </dsp:nvSpPr>
-      <dsp:spPr>
-        <a:xfrm>
-          <a:off x="2656565" y="9048"/>
-          <a:ext cx="2412531" cy="2412899"/>
-        </a:xfrm>
-        <a:prstGeom prst="circularArrow">
-          <a:avLst>
-            <a:gd name="adj1" fmla="val 10980"/>
-            <a:gd name="adj2" fmla="val 1142322"/>
-            <a:gd name="adj3" fmla="val 4500000"/>
-            <a:gd name="adj4" fmla="val 10800000"/>
-            <a:gd name="adj5" fmla="val 12500"/>
-          </a:avLst>
-        </a:prstGeom>
-        <a:gradFill rotWithShape="0">
-          <a:gsLst>
-            <a:gs pos="0">
-              <a:schemeClr val="accent1">
-                <a:hueOff val="0"/>
-                <a:satOff val="0"/>
-                <a:lumOff val="0"/>
-                <a:alphaOff val="0"/>
-                <a:tint val="96000"/>
-                <a:lumMod val="104000"/>
-              </a:schemeClr>
-            </a:gs>
-            <a:gs pos="100000">
-              <a:schemeClr val="accent1">
-                <a:hueOff val="0"/>
-                <a:satOff val="0"/>
-                <a:lumOff val="0"/>
-                <a:alphaOff val="0"/>
-                <a:shade val="90000"/>
-                <a:lumMod val="90000"/>
-              </a:schemeClr>
-            </a:gs>
-          </a:gsLst>
-          <a:lin ang="5400000" scaled="0"/>
-        </a:gradFill>
-        <a:ln>
-          <a:noFill/>
-        </a:ln>
-        <a:effectLst>
-          <a:outerShdw blurRad="63500" dist="25400" dir="5400000" rotWithShape="0">
-            <a:srgbClr val="000000">
-              <a:alpha val="60000"/>
-            </a:srgbClr>
-          </a:outerShdw>
-        </a:effectLst>
-      </dsp:spPr>
-      <dsp:style>
-        <a:lnRef idx="0">
-          <a:scrgbClr r="0" g="0" b="0"/>
-        </a:lnRef>
-        <a:fillRef idx="3">
-          <a:scrgbClr r="0" g="0" b="0"/>
-        </a:fillRef>
-        <a:effectRef idx="2">
-          <a:scrgbClr r="0" g="0" b="0"/>
-        </a:effectRef>
-        <a:fontRef idx="minor">
-          <a:schemeClr val="lt1"/>
-        </a:fontRef>
-      </dsp:style>
-    </dsp:sp>
-    <dsp:sp modelId="{2BC33A24-C019-40DB-B4F8-D236F35960DA}">
-      <dsp:nvSpPr>
-        <dsp:cNvPr id="0" name=""/>
-        <dsp:cNvSpPr/>
-      </dsp:nvSpPr>
-      <dsp:spPr>
-        <a:xfrm>
-          <a:off x="5465248" y="601561"/>
-          <a:ext cx="3405954" cy="965360"/>
-        </a:xfrm>
-        <a:prstGeom prst="rect">
-          <a:avLst/>
-        </a:prstGeom>
-        <a:noFill/>
-        <a:ln>
-          <a:noFill/>
-        </a:ln>
-        <a:effectLst/>
-      </dsp:spPr>
-      <dsp:style>
-        <a:lnRef idx="0">
-          <a:scrgbClr r="0" g="0" b="0"/>
-        </a:lnRef>
-        <a:fillRef idx="0">
-          <a:scrgbClr r="0" g="0" b="0"/>
-        </a:fillRef>
-        <a:effectRef idx="0">
-          <a:scrgbClr r="0" g="0" b="0"/>
-        </a:effectRef>
-        <a:fontRef idx="minor"/>
-      </dsp:style>
-      <dsp:txBody>
-        <a:bodyPr spcFirstLastPara="0" vert="horz" wrap="square" lIns="15240" tIns="15240" rIns="15240" bIns="15240" numCol="1" spcCol="1270" anchor="ctr" anchorCtr="0">
-          <a:noAutofit/>
-        </a:bodyPr>
-        <a:lstStyle/>
-        <a:p>
-          <a:pPr marL="228600" lvl="1" indent="-228600" algn="l" defTabSz="1066800">
-            <a:lnSpc>
-              <a:spcPct val="90000"/>
-            </a:lnSpc>
-            <a:spcBef>
-              <a:spcPct val="0"/>
-            </a:spcBef>
-            <a:spcAft>
-              <a:spcPct val="15000"/>
-            </a:spcAft>
-            <a:buChar char="••"/>
-          </a:pPr>
-          <a:r>
-            <a:rPr lang="fr-FR" sz="2400" b="1" kern="1200" dirty="0" smtClean="0"/>
-            <a:t>Requête GET </a:t>
-          </a:r>
-          <a:endParaRPr lang="fr-FR" sz="2400" b="1" kern="1200" dirty="0"/>
-        </a:p>
-        <a:p>
-          <a:pPr marL="457200" lvl="2" indent="-228600" algn="l" defTabSz="1066800">
-            <a:lnSpc>
-              <a:spcPct val="90000"/>
-            </a:lnSpc>
-            <a:spcBef>
-              <a:spcPct val="0"/>
-            </a:spcBef>
-            <a:spcAft>
-              <a:spcPct val="15000"/>
-            </a:spcAft>
-            <a:buChar char="••"/>
-          </a:pPr>
-          <a:r>
-            <a:rPr lang="fr-FR" sz="2400" kern="1200" dirty="0" smtClean="0"/>
-            <a:t>Récupération du </a:t>
-          </a:r>
-          <a:r>
-            <a:rPr lang="fr-FR" sz="2400" kern="1200" dirty="0" err="1" smtClean="0"/>
-            <a:t>Json</a:t>
-          </a:r>
-          <a:endParaRPr lang="fr-FR" sz="2400" kern="1200" dirty="0"/>
-        </a:p>
-      </dsp:txBody>
-      <dsp:txXfrm>
-        <a:off x="5465248" y="601561"/>
-        <a:ext cx="3405954" cy="965360"/>
-      </dsp:txXfrm>
-    </dsp:sp>
-    <dsp:sp modelId="{41EA7880-1A0E-4CC2-B59F-914DDD351791}">
-      <dsp:nvSpPr>
-        <dsp:cNvPr id="0" name=""/>
-        <dsp:cNvSpPr/>
-      </dsp:nvSpPr>
-      <dsp:spPr>
-        <a:xfrm>
-          <a:off x="3162648" y="871129"/>
-          <a:ext cx="1340597" cy="670138"/>
-        </a:xfrm>
-        <a:prstGeom prst="rect">
-          <a:avLst/>
-        </a:prstGeom>
-        <a:noFill/>
-        <a:ln>
-          <a:noFill/>
-        </a:ln>
-        <a:effectLst/>
-      </dsp:spPr>
-      <dsp:style>
-        <a:lnRef idx="0">
-          <a:scrgbClr r="0" g="0" b="0"/>
-        </a:lnRef>
-        <a:fillRef idx="0">
-          <a:scrgbClr r="0" g="0" b="0"/>
-        </a:fillRef>
-        <a:effectRef idx="0">
-          <a:scrgbClr r="0" g="0" b="0"/>
-        </a:effectRef>
-        <a:fontRef idx="minor"/>
-      </dsp:style>
-      <dsp:txBody>
-        <a:bodyPr spcFirstLastPara="0" vert="horz" wrap="square" lIns="17780" tIns="17780" rIns="17780" bIns="17780" numCol="1" spcCol="1270" anchor="ctr" anchorCtr="0">
-          <a:noAutofit/>
-        </a:bodyPr>
-        <a:lstStyle/>
-        <a:p>
-          <a:pPr lvl="0" algn="ctr" defTabSz="1244600">
-            <a:lnSpc>
-              <a:spcPct val="90000"/>
-            </a:lnSpc>
-            <a:spcBef>
-              <a:spcPct val="0"/>
-            </a:spcBef>
-            <a:spcAft>
-              <a:spcPct val="35000"/>
-            </a:spcAft>
-          </a:pPr>
-          <a:r>
-            <a:rPr lang="fr-FR" sz="2800" kern="1200" dirty="0" smtClean="0"/>
-            <a:t>Ajax</a:t>
-          </a:r>
-          <a:endParaRPr lang="fr-FR" sz="2800" kern="1200" dirty="0"/>
-        </a:p>
-      </dsp:txBody>
-      <dsp:txXfrm>
-        <a:off x="3162648" y="871129"/>
-        <a:ext cx="1340597" cy="670138"/>
-      </dsp:txXfrm>
-    </dsp:sp>
-    <dsp:sp modelId="{1EAF82E5-DF36-4432-8EFB-3660BDEAF403}">
-      <dsp:nvSpPr>
-        <dsp:cNvPr id="0" name=""/>
-        <dsp:cNvSpPr/>
-      </dsp:nvSpPr>
-      <dsp:spPr>
-        <a:xfrm>
-          <a:off x="1959327" y="1386389"/>
-          <a:ext cx="2412531" cy="2412899"/>
-        </a:xfrm>
-        <a:prstGeom prst="leftCircularArrow">
-          <a:avLst>
-            <a:gd name="adj1" fmla="val 10980"/>
-            <a:gd name="adj2" fmla="val 1142322"/>
-            <a:gd name="adj3" fmla="val 6300000"/>
-            <a:gd name="adj4" fmla="val 18900000"/>
-            <a:gd name="adj5" fmla="val 12500"/>
-          </a:avLst>
-        </a:prstGeom>
-        <a:gradFill rotWithShape="0">
-          <a:gsLst>
-            <a:gs pos="0">
-              <a:schemeClr val="accent1">
-                <a:hueOff val="0"/>
-                <a:satOff val="0"/>
-                <a:lumOff val="0"/>
-                <a:alphaOff val="0"/>
-                <a:tint val="96000"/>
-                <a:lumMod val="104000"/>
-              </a:schemeClr>
-            </a:gs>
-            <a:gs pos="100000">
-              <a:schemeClr val="accent1">
-                <a:hueOff val="0"/>
-                <a:satOff val="0"/>
-                <a:lumOff val="0"/>
-                <a:alphaOff val="0"/>
-                <a:shade val="90000"/>
-                <a:lumMod val="90000"/>
-              </a:schemeClr>
-            </a:gs>
-          </a:gsLst>
-          <a:lin ang="5400000" scaled="0"/>
-        </a:gradFill>
-        <a:ln>
-          <a:noFill/>
-        </a:ln>
-        <a:effectLst>
-          <a:outerShdw blurRad="63500" dist="25400" dir="5400000" rotWithShape="0">
-            <a:srgbClr val="000000">
-              <a:alpha val="60000"/>
-            </a:srgbClr>
-          </a:outerShdw>
-        </a:effectLst>
-      </dsp:spPr>
-      <dsp:style>
-        <a:lnRef idx="0">
-          <a:scrgbClr r="0" g="0" b="0"/>
-        </a:lnRef>
-        <a:fillRef idx="3">
-          <a:scrgbClr r="0" g="0" b="0"/>
-        </a:fillRef>
-        <a:effectRef idx="2">
-          <a:scrgbClr r="0" g="0" b="0"/>
-        </a:effectRef>
-        <a:fontRef idx="minor">
-          <a:schemeClr val="lt1"/>
-        </a:fontRef>
-      </dsp:style>
-    </dsp:sp>
-    <dsp:sp modelId="{EED53FE3-01A0-4A4A-B958-999558A60657}">
-      <dsp:nvSpPr>
-        <dsp:cNvPr id="0" name=""/>
-        <dsp:cNvSpPr/>
-      </dsp:nvSpPr>
-      <dsp:spPr>
-        <a:xfrm>
-          <a:off x="4348677" y="2031293"/>
-          <a:ext cx="5643819" cy="965360"/>
-        </a:xfrm>
-        <a:prstGeom prst="rect">
-          <a:avLst/>
-        </a:prstGeom>
-        <a:noFill/>
-        <a:ln>
-          <a:noFill/>
-        </a:ln>
-        <a:effectLst/>
-      </dsp:spPr>
-      <dsp:style>
-        <a:lnRef idx="0">
-          <a:scrgbClr r="0" g="0" b="0"/>
-        </a:lnRef>
-        <a:fillRef idx="0">
-          <a:scrgbClr r="0" g="0" b="0"/>
-        </a:fillRef>
-        <a:effectRef idx="0">
-          <a:scrgbClr r="0" g="0" b="0"/>
-        </a:effectRef>
-        <a:fontRef idx="minor"/>
-      </dsp:style>
-      <dsp:txBody>
-        <a:bodyPr spcFirstLastPara="0" vert="horz" wrap="square" lIns="15240" tIns="15240" rIns="15240" bIns="15240" numCol="1" spcCol="1270" anchor="ctr" anchorCtr="0">
-          <a:noAutofit/>
-        </a:bodyPr>
-        <a:lstStyle/>
-        <a:p>
-          <a:pPr marL="228600" lvl="1" indent="-228600" algn="l" defTabSz="1066800">
-            <a:lnSpc>
-              <a:spcPct val="90000"/>
-            </a:lnSpc>
-            <a:spcBef>
-              <a:spcPct val="0"/>
-            </a:spcBef>
-            <a:spcAft>
-              <a:spcPct val="15000"/>
-            </a:spcAft>
-            <a:buChar char="••"/>
-          </a:pPr>
-          <a:r>
-            <a:rPr lang="fr-FR" sz="2400" b="1" kern="1200" dirty="0" smtClean="0"/>
-            <a:t>Nativement interprété</a:t>
-          </a:r>
-          <a:endParaRPr lang="fr-FR" sz="2400" b="1" kern="1200" dirty="0"/>
-        </a:p>
-        <a:p>
-          <a:pPr marL="457200" lvl="2" indent="-228600" algn="l" defTabSz="1066800">
-            <a:lnSpc>
-              <a:spcPct val="90000"/>
-            </a:lnSpc>
-            <a:spcBef>
-              <a:spcPct val="0"/>
-            </a:spcBef>
-            <a:spcAft>
-              <a:spcPct val="15000"/>
-            </a:spcAft>
-            <a:buChar char="••"/>
-          </a:pPr>
-          <a:r>
-            <a:rPr lang="fr-FR" sz="2400" kern="1200" dirty="0" smtClean="0"/>
-            <a:t>Extraction des données</a:t>
-          </a:r>
-          <a:endParaRPr lang="fr-FR" sz="2400" kern="1200" dirty="0"/>
-        </a:p>
-      </dsp:txBody>
-      <dsp:txXfrm>
-        <a:off x="4348677" y="2031293"/>
-        <a:ext cx="5643819" cy="965360"/>
-      </dsp:txXfrm>
-    </dsp:sp>
-    <dsp:sp modelId="{6AA25D69-5E05-40A3-9F00-9387D55331A8}">
-      <dsp:nvSpPr>
-        <dsp:cNvPr id="0" name=""/>
-        <dsp:cNvSpPr/>
-      </dsp:nvSpPr>
-      <dsp:spPr>
-        <a:xfrm>
-          <a:off x="2495294" y="2265538"/>
-          <a:ext cx="1340597" cy="670138"/>
-        </a:xfrm>
-        <a:prstGeom prst="rect">
-          <a:avLst/>
-        </a:prstGeom>
-        <a:noFill/>
-        <a:ln>
-          <a:noFill/>
-        </a:ln>
-        <a:effectLst/>
-      </dsp:spPr>
-      <dsp:style>
-        <a:lnRef idx="0">
-          <a:scrgbClr r="0" g="0" b="0"/>
-        </a:lnRef>
-        <a:fillRef idx="0">
-          <a:scrgbClr r="0" g="0" b="0"/>
-        </a:fillRef>
-        <a:effectRef idx="0">
-          <a:scrgbClr r="0" g="0" b="0"/>
-        </a:effectRef>
-        <a:fontRef idx="minor"/>
-      </dsp:style>
-      <dsp:txBody>
-        <a:bodyPr spcFirstLastPara="0" vert="horz" wrap="square" lIns="17780" tIns="17780" rIns="17780" bIns="17780" numCol="1" spcCol="1270" anchor="ctr" anchorCtr="0">
-          <a:noAutofit/>
-        </a:bodyPr>
-        <a:lstStyle/>
-        <a:p>
-          <a:pPr lvl="0" algn="ctr" defTabSz="1244600">
-            <a:lnSpc>
-              <a:spcPct val="90000"/>
-            </a:lnSpc>
-            <a:spcBef>
-              <a:spcPct val="0"/>
-            </a:spcBef>
-            <a:spcAft>
-              <a:spcPct val="35000"/>
-            </a:spcAft>
-          </a:pPr>
-          <a:r>
-            <a:rPr lang="fr-FR" sz="2800" kern="1200" dirty="0" err="1" smtClean="0"/>
-            <a:t>Jquery</a:t>
-          </a:r>
-          <a:endParaRPr lang="fr-FR" sz="2800" kern="1200" dirty="0"/>
-        </a:p>
-      </dsp:txBody>
-      <dsp:txXfrm>
-        <a:off x="2495294" y="2265538"/>
-        <a:ext cx="1340597" cy="670138"/>
-      </dsp:txXfrm>
-    </dsp:sp>
-    <dsp:sp modelId="{A7590864-E6C3-49D8-9B22-DF9210EFF756}">
-      <dsp:nvSpPr>
-        <dsp:cNvPr id="0" name=""/>
-        <dsp:cNvSpPr/>
-      </dsp:nvSpPr>
-      <dsp:spPr>
-        <a:xfrm>
-          <a:off x="2801108" y="2938684"/>
-          <a:ext cx="2072738" cy="2073569"/>
-        </a:xfrm>
-        <a:prstGeom prst="blockArc">
-          <a:avLst>
-            <a:gd name="adj1" fmla="val 13500000"/>
-            <a:gd name="adj2" fmla="val 10800000"/>
-            <a:gd name="adj3" fmla="val 12740"/>
-          </a:avLst>
-        </a:prstGeom>
-        <a:gradFill rotWithShape="0">
-          <a:gsLst>
-            <a:gs pos="0">
-              <a:schemeClr val="accent1">
-                <a:hueOff val="0"/>
-                <a:satOff val="0"/>
-                <a:lumOff val="0"/>
-                <a:alphaOff val="0"/>
-                <a:tint val="96000"/>
-                <a:lumMod val="104000"/>
-              </a:schemeClr>
-            </a:gs>
-            <a:gs pos="100000">
-              <a:schemeClr val="accent1">
-                <a:hueOff val="0"/>
-                <a:satOff val="0"/>
-                <a:lumOff val="0"/>
-                <a:alphaOff val="0"/>
-                <a:shade val="90000"/>
-                <a:lumMod val="90000"/>
-              </a:schemeClr>
-            </a:gs>
-          </a:gsLst>
-          <a:lin ang="5400000" scaled="0"/>
-        </a:gradFill>
-        <a:ln>
-          <a:noFill/>
-        </a:ln>
-        <a:effectLst>
-          <a:outerShdw blurRad="63500" dist="25400" dir="5400000" rotWithShape="0">
-            <a:srgbClr val="000000">
-              <a:alpha val="60000"/>
-            </a:srgbClr>
-          </a:outerShdw>
-        </a:effectLst>
-      </dsp:spPr>
-      <dsp:style>
-        <a:lnRef idx="0">
-          <a:scrgbClr r="0" g="0" b="0"/>
-        </a:lnRef>
-        <a:fillRef idx="3">
-          <a:scrgbClr r="0" g="0" b="0"/>
-        </a:fillRef>
-        <a:effectRef idx="2">
-          <a:scrgbClr r="0" g="0" b="0"/>
-        </a:effectRef>
-        <a:fontRef idx="minor">
-          <a:schemeClr val="lt1"/>
-        </a:fontRef>
-      </dsp:style>
-    </dsp:sp>
-    <dsp:sp modelId="{1EC2A02A-3E8D-473F-97D1-1FB993A4303A}">
-      <dsp:nvSpPr>
-        <dsp:cNvPr id="0" name=""/>
-        <dsp:cNvSpPr/>
-      </dsp:nvSpPr>
-      <dsp:spPr>
-        <a:xfrm>
-          <a:off x="5458447" y="3522663"/>
-          <a:ext cx="4534049" cy="965360"/>
-        </a:xfrm>
-        <a:prstGeom prst="rect">
-          <a:avLst/>
-        </a:prstGeom>
-        <a:noFill/>
-        <a:ln>
-          <a:noFill/>
-        </a:ln>
-        <a:effectLst/>
-      </dsp:spPr>
-      <dsp:style>
-        <a:lnRef idx="0">
-          <a:scrgbClr r="0" g="0" b="0"/>
-        </a:lnRef>
-        <a:fillRef idx="0">
-          <a:scrgbClr r="0" g="0" b="0"/>
-        </a:fillRef>
-        <a:effectRef idx="0">
-          <a:scrgbClr r="0" g="0" b="0"/>
-        </a:effectRef>
-        <a:fontRef idx="minor"/>
-      </dsp:style>
-      <dsp:txBody>
-        <a:bodyPr spcFirstLastPara="0" vert="horz" wrap="square" lIns="15240" tIns="15240" rIns="15240" bIns="15240" numCol="1" spcCol="1270" anchor="ctr" anchorCtr="0">
-          <a:noAutofit/>
-        </a:bodyPr>
-        <a:lstStyle/>
-        <a:p>
-          <a:pPr marL="228600" lvl="1" indent="-228600" algn="l" defTabSz="1066800">
-            <a:lnSpc>
-              <a:spcPct val="90000"/>
-            </a:lnSpc>
-            <a:spcBef>
-              <a:spcPct val="0"/>
-            </a:spcBef>
-            <a:spcAft>
-              <a:spcPct val="15000"/>
-            </a:spcAft>
-            <a:buChar char="••"/>
-          </a:pPr>
-          <a:r>
-            <a:rPr lang="fr-FR" sz="2400" b="1" kern="1200" dirty="0" smtClean="0"/>
-            <a:t>Balise &lt;</a:t>
-          </a:r>
-          <a:r>
-            <a:rPr lang="fr-FR" sz="2400" b="1" kern="1200" dirty="0" err="1" smtClean="0"/>
-            <a:t>canvas</a:t>
-          </a:r>
-          <a:r>
-            <a:rPr lang="fr-FR" sz="2400" b="1" kern="1200" dirty="0" smtClean="0"/>
-            <a:t>&gt;</a:t>
-          </a:r>
-          <a:endParaRPr lang="fr-FR" sz="2400" b="1" kern="1200" dirty="0"/>
-        </a:p>
-        <a:p>
-          <a:pPr marL="457200" lvl="2" indent="-228600" algn="l" defTabSz="1066800">
-            <a:lnSpc>
-              <a:spcPct val="90000"/>
-            </a:lnSpc>
-            <a:spcBef>
-              <a:spcPct val="0"/>
-            </a:spcBef>
-            <a:spcAft>
-              <a:spcPct val="15000"/>
-            </a:spcAft>
-            <a:buChar char="••"/>
-          </a:pPr>
-          <a:r>
-            <a:rPr lang="fr-FR" sz="2400" kern="1200" dirty="0" smtClean="0"/>
-            <a:t>Modélisation des obstacles</a:t>
-          </a:r>
-          <a:endParaRPr lang="fr-FR" sz="2400" kern="1200" dirty="0"/>
-        </a:p>
-      </dsp:txBody>
-      <dsp:txXfrm>
-        <a:off x="5458447" y="3522663"/>
-        <a:ext cx="4534049" cy="965360"/>
-      </dsp:txXfrm>
-    </dsp:sp>
-    <dsp:sp modelId="{7D2E6C7C-9586-4A0C-B907-A004212DF446}">
-      <dsp:nvSpPr>
-        <dsp:cNvPr id="0" name=""/>
-        <dsp:cNvSpPr/>
-      </dsp:nvSpPr>
-      <dsp:spPr>
-        <a:xfrm>
-          <a:off x="3165820" y="3661952"/>
-          <a:ext cx="1340597" cy="670138"/>
-        </a:xfrm>
-        <a:prstGeom prst="rect">
-          <a:avLst/>
-        </a:prstGeom>
-        <a:noFill/>
-        <a:ln>
-          <a:noFill/>
-        </a:ln>
-        <a:effectLst/>
-      </dsp:spPr>
-      <dsp:style>
-        <a:lnRef idx="0">
-          <a:scrgbClr r="0" g="0" b="0"/>
-        </a:lnRef>
-        <a:fillRef idx="0">
-          <a:scrgbClr r="0" g="0" b="0"/>
-        </a:fillRef>
-        <a:effectRef idx="0">
-          <a:scrgbClr r="0" g="0" b="0"/>
-        </a:effectRef>
-        <a:fontRef idx="minor"/>
-      </dsp:style>
-      <dsp:txBody>
-        <a:bodyPr spcFirstLastPara="0" vert="horz" wrap="square" lIns="17780" tIns="17780" rIns="17780" bIns="17780" numCol="1" spcCol="1270" anchor="ctr" anchorCtr="0">
-          <a:noAutofit/>
-        </a:bodyPr>
-        <a:lstStyle/>
-        <a:p>
-          <a:pPr lvl="0" algn="ctr" defTabSz="1244600">
-            <a:lnSpc>
-              <a:spcPct val="90000"/>
-            </a:lnSpc>
-            <a:spcBef>
-              <a:spcPct val="0"/>
-            </a:spcBef>
-            <a:spcAft>
-              <a:spcPct val="35000"/>
-            </a:spcAft>
-          </a:pPr>
-          <a:r>
-            <a:rPr lang="fr-FR" sz="2800" kern="1200" dirty="0" smtClean="0"/>
-            <a:t>HTML5</a:t>
-          </a:r>
-          <a:endParaRPr lang="fr-FR" sz="2800" kern="1200" dirty="0"/>
-        </a:p>
-      </dsp:txBody>
-      <dsp:txXfrm>
-        <a:off x="3165820" y="3661952"/>
-        <a:ext cx="1340597" cy="670138"/>
-      </dsp:txXfrm>
-    </dsp:sp>
   </dsp:spTree>
 </dsp:drawing>
 </file>
@@ -20188,479 +18470,482 @@
           </a:p>
         </p:txBody>
       </p:sp>
-      <p:sp>
-        <p:nvSpPr>
-          <p:cNvPr id="3" name="Espace réservé du contenu 2"/>
-          <p:cNvSpPr>
-            <a:spLocks noGrp="1"/>
-          </p:cNvSpPr>
+      <p:graphicFrame>
+        <p:nvGraphicFramePr>
+          <p:cNvPr id="5" name="Tableau 4"/>
+          <p:cNvGraphicFramePr>
+            <a:graphicFrameLocks noGrp="1"/>
+          </p:cNvGraphicFramePr>
           <p:nvPr>
-            <p:ph idx="1"/>
+            <p:extLst/>
           </p:nvPr>
-        </p:nvSpPr>
-        <p:spPr>
-          <a:xfrm>
-            <a:off x="913794" y="1855279"/>
-            <a:ext cx="4695435" cy="4058751"/>
-          </a:xfrm>
-        </p:spPr>
-        <p:txBody>
-          <a:bodyPr>
-            <a:normAutofit/>
-          </a:bodyPr>
-          <a:lstStyle/>
-          <a:p>
-            <a:r>
-              <a:rPr lang="fr-FR" dirty="0" smtClean="0"/>
-              <a:t>Accumulation des imprécisions:</a:t>
-            </a:r>
-          </a:p>
-          <a:p>
-            <a:pPr lvl="1">
-              <a:buFontTx/>
-              <a:buChar char="-"/>
-            </a:pPr>
-            <a:r>
-              <a:rPr lang="fr-FR" dirty="0" smtClean="0"/>
-              <a:t>frottement mécanique </a:t>
-            </a:r>
-          </a:p>
-          <a:p>
-            <a:pPr lvl="1">
-              <a:buFontTx/>
-              <a:buChar char="-"/>
-            </a:pPr>
-            <a:r>
-              <a:rPr lang="fr-FR" dirty="0" smtClean="0"/>
-              <a:t> imprécision du capteur infrarouge </a:t>
-            </a:r>
-          </a:p>
-          <a:p>
-            <a:pPr marL="450000" lvl="1" indent="0">
-              <a:buNone/>
-            </a:pPr>
-            <a:endParaRPr lang="fr-FR" dirty="0" smtClean="0"/>
-          </a:p>
-          <a:p>
-            <a:pPr marL="450000" lvl="1" indent="0">
-              <a:buNone/>
-            </a:pPr>
-            <a:endParaRPr lang="fr-FR" dirty="0"/>
-          </a:p>
-        </p:txBody>
-      </p:sp>
-      <p:sp>
-        <p:nvSpPr>
-          <p:cNvPr id="4" name="Espace réservé du contenu 2"/>
-          <p:cNvSpPr txBox="1">
-            <a:spLocks/>
-          </p:cNvSpPr>
-          <p:nvPr/>
-        </p:nvSpPr>
-        <p:spPr>
-          <a:xfrm>
-            <a:off x="6490840" y="1855279"/>
-            <a:ext cx="4959631" cy="4058751"/>
-          </a:xfrm>
-          <a:prstGeom prst="rect">
-            <a:avLst/>
-          </a:prstGeom>
-          <a:effectLst>
-            <a:outerShdw blurRad="25400" dir="17880000">
-              <a:srgbClr val="000000">
-                <a:alpha val="46000"/>
-              </a:srgbClr>
-            </a:outerShdw>
-          </a:effectLst>
-        </p:spPr>
-        <p:txBody>
-          <a:bodyPr vert="horz" lIns="91440" tIns="45720" rIns="91440" bIns="45720" rtlCol="0" anchor="t">
-            <a:normAutofit/>
-          </a:bodyPr>
-          <a:lstStyle>
-            <a:lvl1pPr marL="342900" indent="-306000" algn="l" defTabSz="457200" rtl="0" eaLnBrk="1" latinLnBrk="0" hangingPunct="1">
-              <a:spcBef>
-                <a:spcPct val="20000"/>
-              </a:spcBef>
-              <a:spcAft>
-                <a:spcPts val="600"/>
-              </a:spcAft>
-              <a:buClr>
-                <a:schemeClr val="tx2"/>
-              </a:buClr>
-              <a:buSzPct val="70000"/>
-              <a:buFont typeface="Wingdings 2" charset="2"/>
-              <a:buChar char=""/>
-              <a:defRPr sz="2000" kern="1200">
-                <a:ln>
-                  <a:solidFill>
-                    <a:schemeClr val="bg1">
-                      <a:lumMod val="75000"/>
-                      <a:lumOff val="25000"/>
-                      <a:alpha val="10000"/>
-                    </a:schemeClr>
-                  </a:solidFill>
-                </a:ln>
-                <a:solidFill>
-                  <a:schemeClr val="tx2"/>
-                </a:solidFill>
-                <a:effectLst>
-                  <a:outerShdw blurRad="9525" dist="25400" dir="14640000" algn="tl" rotWithShape="0">
-                    <a:schemeClr val="bg1">
-                      <a:alpha val="30000"/>
-                    </a:schemeClr>
-                  </a:outerShdw>
-                </a:effectLst>
-                <a:latin typeface="+mn-lt"/>
-                <a:ea typeface="+mn-ea"/>
-                <a:cs typeface="+mn-cs"/>
-              </a:defRPr>
-            </a:lvl1pPr>
-            <a:lvl2pPr marL="720000" indent="-270000" algn="l" defTabSz="457200" rtl="0" eaLnBrk="1" latinLnBrk="0" hangingPunct="1">
-              <a:spcBef>
-                <a:spcPct val="20000"/>
-              </a:spcBef>
-              <a:spcAft>
-                <a:spcPts val="600"/>
-              </a:spcAft>
-              <a:buClr>
-                <a:schemeClr val="tx2"/>
-              </a:buClr>
-              <a:buSzPct val="70000"/>
-              <a:buFont typeface="Wingdings 2" charset="2"/>
-              <a:buChar char=""/>
-              <a:defRPr sz="1800" kern="1200">
-                <a:ln>
-                  <a:solidFill>
-                    <a:schemeClr val="bg1">
-                      <a:lumMod val="75000"/>
-                      <a:lumOff val="25000"/>
-                      <a:alpha val="10000"/>
-                    </a:schemeClr>
-                  </a:solidFill>
-                </a:ln>
-                <a:solidFill>
-                  <a:schemeClr val="tx2"/>
-                </a:solidFill>
-                <a:effectLst>
-                  <a:outerShdw blurRad="9525" dist="25400" dir="14640000" algn="tl" rotWithShape="0">
-                    <a:schemeClr val="bg1">
-                      <a:alpha val="30000"/>
-                    </a:schemeClr>
-                  </a:outerShdw>
-                </a:effectLst>
-                <a:latin typeface="+mn-lt"/>
-                <a:ea typeface="+mn-ea"/>
-                <a:cs typeface="+mn-cs"/>
-              </a:defRPr>
-            </a:lvl2pPr>
-            <a:lvl3pPr marL="1026000" indent="-216000" algn="l" defTabSz="457200" rtl="0" eaLnBrk="1" latinLnBrk="0" hangingPunct="1">
-              <a:spcBef>
-                <a:spcPct val="20000"/>
-              </a:spcBef>
-              <a:spcAft>
-                <a:spcPts val="600"/>
-              </a:spcAft>
-              <a:buClr>
-                <a:schemeClr val="tx2"/>
-              </a:buClr>
-              <a:buSzPct val="70000"/>
-              <a:buFont typeface="Wingdings 2" charset="2"/>
-              <a:buChar char=""/>
-              <a:defRPr sz="1600" kern="1200">
-                <a:ln>
-                  <a:solidFill>
-                    <a:schemeClr val="bg1">
-                      <a:lumMod val="75000"/>
-                      <a:lumOff val="25000"/>
-                      <a:alpha val="10000"/>
-                    </a:schemeClr>
-                  </a:solidFill>
-                </a:ln>
-                <a:solidFill>
-                  <a:schemeClr val="tx2"/>
-                </a:solidFill>
-                <a:effectLst>
-                  <a:outerShdw blurRad="9525" dist="25400" dir="14640000" algn="tl" rotWithShape="0">
-                    <a:schemeClr val="bg1">
-                      <a:alpha val="30000"/>
-                    </a:schemeClr>
-                  </a:outerShdw>
-                </a:effectLst>
-                <a:latin typeface="+mn-lt"/>
-                <a:ea typeface="+mn-ea"/>
-                <a:cs typeface="+mn-cs"/>
-              </a:defRPr>
-            </a:lvl3pPr>
-            <a:lvl4pPr marL="1386000" indent="-216000" algn="l" defTabSz="457200" rtl="0" eaLnBrk="1" latinLnBrk="0" hangingPunct="1">
-              <a:spcBef>
-                <a:spcPct val="20000"/>
-              </a:spcBef>
-              <a:spcAft>
-                <a:spcPts val="600"/>
-              </a:spcAft>
-              <a:buClr>
-                <a:schemeClr val="tx2"/>
-              </a:buClr>
-              <a:buSzPct val="70000"/>
-              <a:buFont typeface="Wingdings 2" charset="2"/>
-              <a:buChar char=""/>
-              <a:defRPr sz="1400" kern="1200">
-                <a:ln>
-                  <a:solidFill>
-                    <a:schemeClr val="bg1">
-                      <a:lumMod val="75000"/>
-                      <a:lumOff val="25000"/>
-                      <a:alpha val="10000"/>
-                    </a:schemeClr>
-                  </a:solidFill>
-                </a:ln>
-                <a:solidFill>
-                  <a:schemeClr val="tx2"/>
-                </a:solidFill>
-                <a:effectLst>
-                  <a:outerShdw blurRad="9525" dist="25400" dir="14640000" algn="tl" rotWithShape="0">
-                    <a:schemeClr val="bg1">
-                      <a:alpha val="30000"/>
-                    </a:schemeClr>
-                  </a:outerShdw>
-                </a:effectLst>
-                <a:latin typeface="+mn-lt"/>
-                <a:ea typeface="+mn-ea"/>
-                <a:cs typeface="+mn-cs"/>
-              </a:defRPr>
-            </a:lvl4pPr>
-            <a:lvl5pPr marL="1674000" indent="-216000" algn="l" defTabSz="457200" rtl="0" eaLnBrk="1" latinLnBrk="0" hangingPunct="1">
-              <a:spcBef>
-                <a:spcPct val="20000"/>
-              </a:spcBef>
-              <a:spcAft>
-                <a:spcPts val="600"/>
-              </a:spcAft>
-              <a:buClr>
-                <a:schemeClr val="tx2"/>
-              </a:buClr>
-              <a:buSzPct val="70000"/>
-              <a:buFont typeface="Wingdings 2" charset="2"/>
-              <a:buChar char=""/>
-              <a:defRPr sz="1400" kern="1200">
-                <a:ln>
-                  <a:solidFill>
-                    <a:schemeClr val="bg1">
-                      <a:lumMod val="75000"/>
-                      <a:lumOff val="25000"/>
-                      <a:alpha val="10000"/>
-                    </a:schemeClr>
-                  </a:solidFill>
-                </a:ln>
-                <a:solidFill>
-                  <a:schemeClr val="tx2"/>
-                </a:solidFill>
-                <a:effectLst>
-                  <a:outerShdw blurRad="9525" dist="25400" dir="14640000" algn="tl" rotWithShape="0">
-                    <a:schemeClr val="bg1">
-                      <a:alpha val="30000"/>
-                    </a:schemeClr>
-                  </a:outerShdw>
-                </a:effectLst>
-                <a:latin typeface="+mn-lt"/>
-                <a:ea typeface="+mn-ea"/>
-                <a:cs typeface="+mn-cs"/>
-              </a:defRPr>
-            </a:lvl5pPr>
-            <a:lvl6pPr marL="2014600" indent="-228600" algn="l" defTabSz="457200" rtl="0" eaLnBrk="1" latinLnBrk="0" hangingPunct="1">
-              <a:spcBef>
-                <a:spcPct val="20000"/>
-              </a:spcBef>
-              <a:spcAft>
-                <a:spcPts val="600"/>
-              </a:spcAft>
-              <a:buClr>
-                <a:schemeClr val="tx2"/>
-              </a:buClr>
-              <a:buSzPct val="70000"/>
-              <a:buFont typeface="Wingdings 2" charset="2"/>
-              <a:buChar char=""/>
-              <a:defRPr sz="1400" kern="1200">
-                <a:ln>
-                  <a:solidFill>
-                    <a:schemeClr val="bg1">
-                      <a:lumMod val="75000"/>
-                      <a:lumOff val="25000"/>
-                      <a:alpha val="10000"/>
-                    </a:schemeClr>
-                  </a:solidFill>
-                </a:ln>
-                <a:solidFill>
-                  <a:schemeClr val="tx2"/>
-                </a:solidFill>
-                <a:effectLst>
-                  <a:outerShdw blurRad="9525" dist="25400" dir="14640000" algn="tl" rotWithShape="0">
-                    <a:schemeClr val="bg1">
-                      <a:alpha val="30000"/>
-                    </a:schemeClr>
-                  </a:outerShdw>
-                </a:effectLst>
-                <a:latin typeface="+mn-lt"/>
-                <a:ea typeface="+mn-ea"/>
-                <a:cs typeface="+mn-cs"/>
-              </a:defRPr>
-            </a:lvl6pPr>
-            <a:lvl7pPr marL="2401800" indent="-228600" algn="l" defTabSz="457200" rtl="0" eaLnBrk="1" latinLnBrk="0" hangingPunct="1">
-              <a:spcBef>
-                <a:spcPct val="20000"/>
-              </a:spcBef>
-              <a:spcAft>
-                <a:spcPts val="600"/>
-              </a:spcAft>
-              <a:buClr>
-                <a:schemeClr val="tx2"/>
-              </a:buClr>
-              <a:buSzPct val="70000"/>
-              <a:buFont typeface="Wingdings 2" charset="2"/>
-              <a:buChar char=""/>
-              <a:defRPr sz="1400" kern="1200">
-                <a:ln>
-                  <a:solidFill>
-                    <a:schemeClr val="bg1">
-                      <a:lumMod val="75000"/>
-                      <a:lumOff val="25000"/>
-                      <a:alpha val="10000"/>
-                    </a:schemeClr>
-                  </a:solidFill>
-                </a:ln>
-                <a:solidFill>
-                  <a:schemeClr val="tx2"/>
-                </a:solidFill>
-                <a:effectLst>
-                  <a:outerShdw blurRad="9525" dist="25400" dir="14640000" algn="tl" rotWithShape="0">
-                    <a:schemeClr val="bg1">
-                      <a:alpha val="30000"/>
-                    </a:schemeClr>
-                  </a:outerShdw>
-                </a:effectLst>
-                <a:latin typeface="+mn-lt"/>
-                <a:ea typeface="+mn-ea"/>
-                <a:cs typeface="+mn-cs"/>
-              </a:defRPr>
-            </a:lvl7pPr>
-            <a:lvl8pPr marL="2789000" indent="-228600" algn="l" defTabSz="457200" rtl="0" eaLnBrk="1" latinLnBrk="0" hangingPunct="1">
-              <a:spcBef>
-                <a:spcPct val="20000"/>
-              </a:spcBef>
-              <a:spcAft>
-                <a:spcPts val="600"/>
-              </a:spcAft>
-              <a:buClr>
-                <a:schemeClr val="tx2"/>
-              </a:buClr>
-              <a:buSzPct val="70000"/>
-              <a:buFont typeface="Wingdings 2" charset="2"/>
-              <a:buChar char=""/>
-              <a:defRPr sz="1400" kern="1200">
-                <a:ln>
-                  <a:solidFill>
-                    <a:schemeClr val="bg1">
-                      <a:lumMod val="75000"/>
-                      <a:lumOff val="25000"/>
-                      <a:alpha val="10000"/>
-                    </a:schemeClr>
-                  </a:solidFill>
-                </a:ln>
-                <a:solidFill>
-                  <a:schemeClr val="tx2"/>
-                </a:solidFill>
-                <a:effectLst>
-                  <a:outerShdw blurRad="9525" dist="25400" dir="14640000" algn="tl" rotWithShape="0">
-                    <a:schemeClr val="bg1">
-                      <a:alpha val="30000"/>
-                    </a:schemeClr>
-                  </a:outerShdw>
-                </a:effectLst>
-                <a:latin typeface="+mn-lt"/>
-                <a:ea typeface="+mn-ea"/>
-                <a:cs typeface="+mn-cs"/>
-              </a:defRPr>
-            </a:lvl8pPr>
-            <a:lvl9pPr marL="3106200" indent="-228600" algn="l" defTabSz="457200" rtl="0" eaLnBrk="1" latinLnBrk="0" hangingPunct="1">
-              <a:spcBef>
-                <a:spcPct val="20000"/>
-              </a:spcBef>
-              <a:spcAft>
-                <a:spcPts val="600"/>
-              </a:spcAft>
-              <a:buClr>
-                <a:schemeClr val="tx2"/>
-              </a:buClr>
-              <a:buSzPct val="70000"/>
-              <a:buFont typeface="Wingdings 2" charset="2"/>
-              <a:buChar char=""/>
-              <a:defRPr sz="1400" kern="1200">
-                <a:ln>
-                  <a:solidFill>
-                    <a:schemeClr val="bg1">
-                      <a:lumMod val="75000"/>
-                      <a:lumOff val="25000"/>
-                      <a:alpha val="10000"/>
-                    </a:schemeClr>
-                  </a:solidFill>
-                </a:ln>
-                <a:solidFill>
-                  <a:schemeClr val="tx2"/>
-                </a:solidFill>
-                <a:effectLst>
-                  <a:outerShdw blurRad="9525" dist="25400" dir="14640000" algn="tl" rotWithShape="0">
-                    <a:schemeClr val="bg1">
-                      <a:alpha val="30000"/>
-                    </a:schemeClr>
-                  </a:outerShdw>
-                </a:effectLst>
-                <a:latin typeface="+mn-lt"/>
-                <a:ea typeface="+mn-ea"/>
-                <a:cs typeface="+mn-cs"/>
-              </a:defRPr>
-            </a:lvl9pPr>
-          </a:lstStyle>
-          <a:p>
-            <a:r>
-              <a:rPr lang="fr-FR" dirty="0" smtClean="0"/>
-              <a:t>Faussement de l’odométrie si:</a:t>
-            </a:r>
-          </a:p>
-          <a:p>
-            <a:pPr lvl="1">
-              <a:buFontTx/>
-              <a:buChar char="-"/>
-            </a:pPr>
-            <a:r>
-              <a:rPr lang="fr-FR" dirty="0" smtClean="0"/>
-              <a:t>déplacement du robot à la main	</a:t>
-            </a:r>
-            <a:endParaRPr lang="fr-FR" dirty="0"/>
-          </a:p>
-          <a:p>
-            <a:pPr lvl="1">
-              <a:buFontTx/>
-              <a:buChar char="-"/>
-            </a:pPr>
-            <a:r>
-              <a:rPr lang="fr-FR" dirty="0" smtClean="0"/>
-              <a:t> collision avec un obstacle retenant le robot</a:t>
-            </a:r>
-          </a:p>
-          <a:p>
-            <a:pPr marL="450000" lvl="1" indent="0">
-              <a:buFont typeface="Wingdings 2" charset="2"/>
-              <a:buNone/>
-            </a:pPr>
-            <a:endParaRPr lang="fr-FR" dirty="0"/>
-          </a:p>
-        </p:txBody>
-      </p:sp>
+        </p:nvGraphicFramePr>
+        <p:xfrm>
+          <a:off x="1382004" y="1733218"/>
+          <a:ext cx="8128000" cy="1859280"/>
+        </p:xfrm>
+        <a:graphic>
+          <a:graphicData uri="http://schemas.openxmlformats.org/drawingml/2006/table">
+            <a:tbl>
+              <a:tblPr firstRow="1" bandRow="1">
+                <a:tableStyleId>{5C22544A-7EE6-4342-B048-85BDC9FD1C3A}</a:tableStyleId>
+              </a:tblPr>
+              <a:tblGrid>
+                <a:gridCol w="4064000"/>
+                <a:gridCol w="4064000"/>
+              </a:tblGrid>
+              <a:tr h="237180">
+                <a:tc gridSpan="2">
+                  <a:txBody>
+                    <a:bodyPr/>
+                    <a:lstStyle/>
+                    <a:p>
+                      <a:pPr algn="ctr"/>
+                      <a:r>
+                        <a:rPr lang="fr-FR" sz="1800" b="0" dirty="0" smtClean="0"/>
+                        <a:t>Accumulation des imprécisions</a:t>
+                      </a:r>
+                      <a:endParaRPr lang="fr-FR" sz="1800" b="0" dirty="0"/>
+                    </a:p>
+                  </a:txBody>
+                  <a:tcPr/>
+                </a:tc>
+                <a:tc hMerge="1">
+                  <a:txBody>
+                    <a:bodyPr/>
+                    <a:lstStyle/>
+                    <a:p>
+                      <a:endParaRPr lang="fr-FR" dirty="0"/>
+                    </a:p>
+                  </a:txBody>
+                  <a:tcPr/>
+                </a:tc>
+              </a:tr>
+              <a:tr h="200691">
+                <a:tc>
+                  <a:txBody>
+                    <a:bodyPr/>
+                    <a:lstStyle/>
+                    <a:p>
+                      <a:pPr algn="ctr"/>
+                      <a:r>
+                        <a:rPr lang="fr-FR" sz="1600" dirty="0" smtClean="0"/>
+                        <a:t>Causes</a:t>
+                      </a:r>
+                      <a:endParaRPr lang="fr-FR" sz="1600" dirty="0"/>
+                    </a:p>
+                  </a:txBody>
+                  <a:tcPr/>
+                </a:tc>
+                <a:tc>
+                  <a:txBody>
+                    <a:bodyPr/>
+                    <a:lstStyle/>
+                    <a:p>
+                      <a:pPr algn="ctr"/>
+                      <a:r>
+                        <a:rPr lang="fr-FR" sz="1600" dirty="0" smtClean="0"/>
+                        <a:t>Possibilité</a:t>
+                      </a:r>
+                      <a:r>
+                        <a:rPr lang="fr-FR" sz="1600" baseline="0" dirty="0" smtClean="0"/>
+                        <a:t>s / Solution</a:t>
+                      </a:r>
+                      <a:endParaRPr lang="fr-FR" sz="1600" dirty="0"/>
+                    </a:p>
+                  </a:txBody>
+                  <a:tcPr/>
+                </a:tc>
+              </a:tr>
+              <a:tr h="346648">
+                <a:tc>
+                  <a:txBody>
+                    <a:bodyPr/>
+                    <a:lstStyle/>
+                    <a:p>
+                      <a:pPr marL="0" marR="0" lvl="1" indent="0" algn="l" defTabSz="457200" rtl="0" eaLnBrk="1" fontAlgn="auto" latinLnBrk="0" hangingPunct="1">
+                        <a:lnSpc>
+                          <a:spcPct val="100000"/>
+                        </a:lnSpc>
+                        <a:spcBef>
+                          <a:spcPts val="0"/>
+                        </a:spcBef>
+                        <a:spcAft>
+                          <a:spcPts val="0"/>
+                        </a:spcAft>
+                        <a:buClrTx/>
+                        <a:buSzTx/>
+                        <a:buFontTx/>
+                        <a:buNone/>
+                        <a:tabLst/>
+                        <a:defRPr/>
+                      </a:pPr>
+                      <a:r>
+                        <a:rPr lang="fr-FR" sz="1600" dirty="0" smtClean="0"/>
+                        <a:t>frottement mécanique </a:t>
+                      </a:r>
+                    </a:p>
+                    <a:p>
+                      <a:endParaRPr lang="fr-FR" sz="1600" dirty="0"/>
+                    </a:p>
+                  </a:txBody>
+                  <a:tcPr/>
+                </a:tc>
+                <a:tc>
+                  <a:txBody>
+                    <a:bodyPr/>
+                    <a:lstStyle/>
+                    <a:p>
+                      <a:r>
+                        <a:rPr lang="fr-FR" sz="1600" dirty="0" smtClean="0"/>
+                        <a:t>tester différentes roues / </a:t>
+                      </a:r>
+                    </a:p>
+                    <a:p>
+                      <a:r>
+                        <a:rPr lang="fr-FR" sz="1600" dirty="0" smtClean="0"/>
+                        <a:t>changer la surface du </a:t>
+                      </a:r>
+                      <a:r>
+                        <a:rPr lang="fr-FR" sz="1600" baseline="0" dirty="0" smtClean="0"/>
+                        <a:t>terrain</a:t>
+                      </a:r>
+                      <a:endParaRPr lang="fr-FR" sz="1600" dirty="0"/>
+                    </a:p>
+                  </a:txBody>
+                  <a:tcPr/>
+                </a:tc>
+              </a:tr>
+              <a:tr h="346648">
+                <a:tc>
+                  <a:txBody>
+                    <a:bodyPr/>
+                    <a:lstStyle/>
+                    <a:p>
+                      <a:pPr marL="0" marR="0" lvl="1" indent="0" algn="l" defTabSz="457200" rtl="0" eaLnBrk="1" fontAlgn="auto" latinLnBrk="0" hangingPunct="1">
+                        <a:lnSpc>
+                          <a:spcPct val="100000"/>
+                        </a:lnSpc>
+                        <a:spcBef>
+                          <a:spcPts val="0"/>
+                        </a:spcBef>
+                        <a:spcAft>
+                          <a:spcPts val="0"/>
+                        </a:spcAft>
+                        <a:buClrTx/>
+                        <a:buSzTx/>
+                        <a:buFontTx/>
+                        <a:buNone/>
+                        <a:tabLst/>
+                        <a:defRPr/>
+                      </a:pPr>
+                      <a:r>
+                        <a:rPr lang="fr-FR" sz="1600" dirty="0" smtClean="0"/>
+                        <a:t>imprécision du capteur infrarouge </a:t>
+                      </a:r>
+                    </a:p>
+                    <a:p>
+                      <a:endParaRPr lang="fr-FR" sz="1600" dirty="0"/>
+                    </a:p>
+                  </a:txBody>
+                  <a:tcPr>
+                    <a:solidFill>
+                      <a:schemeClr val="accent4">
+                        <a:lumMod val="20000"/>
+                        <a:lumOff val="80000"/>
+                      </a:schemeClr>
+                    </a:solidFill>
+                  </a:tcPr>
+                </a:tc>
+                <a:tc>
+                  <a:txBody>
+                    <a:bodyPr/>
+                    <a:lstStyle/>
+                    <a:p>
+                      <a:r>
+                        <a:rPr lang="fr-FR" sz="1600" dirty="0" smtClean="0"/>
+                        <a:t>tester différents capteurs</a:t>
+                      </a:r>
+                    </a:p>
+                    <a:p>
+                      <a:r>
+                        <a:rPr lang="fr-FR" sz="1600" baseline="0" dirty="0" smtClean="0"/>
+                        <a:t>ajout capteur de courte proximité</a:t>
+                      </a:r>
+                      <a:endParaRPr lang="fr-FR" sz="1600" dirty="0"/>
+                    </a:p>
+                  </a:txBody>
+                  <a:tcPr>
+                    <a:solidFill>
+                      <a:schemeClr val="accent4">
+                        <a:lumMod val="20000"/>
+                        <a:lumOff val="80000"/>
+                      </a:schemeClr>
+                    </a:solidFill>
+                  </a:tcPr>
+                </a:tc>
+              </a:tr>
+            </a:tbl>
+          </a:graphicData>
+        </a:graphic>
+      </p:graphicFrame>
+      <p:graphicFrame>
+        <p:nvGraphicFramePr>
+          <p:cNvPr id="7" name="Tableau 6"/>
+          <p:cNvGraphicFramePr>
+            <a:graphicFrameLocks noGrp="1"/>
+          </p:cNvGraphicFramePr>
+          <p:nvPr>
+            <p:extLst/>
+          </p:nvPr>
+        </p:nvGraphicFramePr>
+        <p:xfrm>
+          <a:off x="1384110" y="3875024"/>
+          <a:ext cx="8101412" cy="2194560"/>
+        </p:xfrm>
+        <a:graphic>
+          <a:graphicData uri="http://schemas.openxmlformats.org/drawingml/2006/table">
+            <a:tbl>
+              <a:tblPr firstRow="1" bandRow="1">
+                <a:tableStyleId>{5C22544A-7EE6-4342-B048-85BDC9FD1C3A}</a:tableStyleId>
+              </a:tblPr>
+              <a:tblGrid>
+                <a:gridCol w="4050706"/>
+                <a:gridCol w="4050706"/>
+              </a:tblGrid>
+              <a:tr h="327319">
+                <a:tc gridSpan="2">
+                  <a:txBody>
+                    <a:bodyPr/>
+                    <a:lstStyle/>
+                    <a:p>
+                      <a:pPr algn="ctr"/>
+                      <a:r>
+                        <a:rPr lang="fr-FR" sz="1800" b="0" dirty="0" smtClean="0"/>
+                        <a:t>Faussement</a:t>
+                      </a:r>
+                      <a:r>
+                        <a:rPr lang="fr-FR" sz="1800" b="0" baseline="0" dirty="0" smtClean="0"/>
+                        <a:t> de l’odométrie</a:t>
+                      </a:r>
+                      <a:endParaRPr lang="fr-FR" sz="2000" b="0" dirty="0"/>
+                    </a:p>
+                  </a:txBody>
+                  <a:tcPr/>
+                </a:tc>
+                <a:tc hMerge="1">
+                  <a:txBody>
+                    <a:bodyPr/>
+                    <a:lstStyle/>
+                    <a:p>
+                      <a:endParaRPr lang="fr-FR" dirty="0"/>
+                    </a:p>
+                  </a:txBody>
+                  <a:tcPr/>
+                </a:tc>
+              </a:tr>
+              <a:tr h="300043">
+                <a:tc>
+                  <a:txBody>
+                    <a:bodyPr/>
+                    <a:lstStyle/>
+                    <a:p>
+                      <a:pPr algn="ctr"/>
+                      <a:r>
+                        <a:rPr lang="fr-FR" sz="1600" dirty="0" smtClean="0"/>
+                        <a:t>Causes</a:t>
+                      </a:r>
+                      <a:endParaRPr lang="fr-FR" sz="1600" dirty="0"/>
+                    </a:p>
+                  </a:txBody>
+                  <a:tcPr/>
+                </a:tc>
+                <a:tc>
+                  <a:txBody>
+                    <a:bodyPr/>
+                    <a:lstStyle/>
+                    <a:p>
+                      <a:pPr algn="ctr"/>
+                      <a:r>
+                        <a:rPr lang="fr-FR" sz="1600" dirty="0" smtClean="0"/>
+                        <a:t>Possibilité</a:t>
+                      </a:r>
+                      <a:r>
+                        <a:rPr lang="fr-FR" sz="1600" baseline="0" dirty="0" smtClean="0"/>
+                        <a:t>s / Solution</a:t>
+                      </a:r>
+                      <a:endParaRPr lang="fr-FR" sz="1600" dirty="0"/>
+                    </a:p>
+                  </a:txBody>
+                  <a:tcPr/>
+                </a:tc>
+              </a:tr>
+              <a:tr h="300043">
+                <a:tc>
+                  <a:txBody>
+                    <a:bodyPr/>
+                    <a:lstStyle/>
+                    <a:p>
+                      <a:pPr marL="0" marR="0" lvl="1" indent="0" algn="l" defTabSz="457200" rtl="0" eaLnBrk="1" fontAlgn="auto" latinLnBrk="0" hangingPunct="1">
+                        <a:lnSpc>
+                          <a:spcPct val="100000"/>
+                        </a:lnSpc>
+                        <a:spcBef>
+                          <a:spcPts val="0"/>
+                        </a:spcBef>
+                        <a:spcAft>
+                          <a:spcPts val="0"/>
+                        </a:spcAft>
+                        <a:buClrTx/>
+                        <a:buSzTx/>
+                        <a:buFontTx/>
+                        <a:buNone/>
+                        <a:tabLst/>
+                        <a:defRPr/>
+                      </a:pPr>
+                      <a:r>
+                        <a:rPr lang="fr-FR" sz="1600" dirty="0" smtClean="0"/>
+                        <a:t>déplacement du robot à la main</a:t>
+                      </a:r>
+                      <a:endParaRPr lang="fr-FR" sz="1600" dirty="0"/>
+                    </a:p>
+                  </a:txBody>
+                  <a:tcPr anchor="ctr"/>
+                </a:tc>
+                <a:tc>
+                  <a:txBody>
+                    <a:bodyPr/>
+                    <a:lstStyle/>
+                    <a:p>
+                      <a:r>
+                        <a:rPr lang="fr-FR" sz="1600" dirty="0" smtClean="0"/>
+                        <a:t>                                 //</a:t>
+                      </a:r>
+                      <a:endParaRPr lang="fr-FR" sz="1600" dirty="0"/>
+                    </a:p>
+                  </a:txBody>
+                  <a:tcPr anchor="ctr"/>
+                </a:tc>
+              </a:tr>
+              <a:tr h="475904">
+                <a:tc>
+                  <a:txBody>
+                    <a:bodyPr/>
+                    <a:lstStyle/>
+                    <a:p>
+                      <a:pPr marL="0" marR="0" lvl="1" indent="0" algn="l" defTabSz="457200" rtl="0" eaLnBrk="1" fontAlgn="auto" latinLnBrk="0" hangingPunct="1">
+                        <a:lnSpc>
+                          <a:spcPct val="100000"/>
+                        </a:lnSpc>
+                        <a:spcBef>
+                          <a:spcPts val="0"/>
+                        </a:spcBef>
+                        <a:spcAft>
+                          <a:spcPts val="0"/>
+                        </a:spcAft>
+                        <a:buClrTx/>
+                        <a:buSzTx/>
+                        <a:buFontTx/>
+                        <a:buNone/>
+                        <a:tabLst/>
+                        <a:defRPr/>
+                      </a:pPr>
+                      <a:r>
+                        <a:rPr lang="fr-FR" sz="1600" dirty="0" smtClean="0"/>
+                        <a:t>collision avec un obstacle retenant le robot</a:t>
+                      </a:r>
+                    </a:p>
+                    <a:p>
+                      <a:endParaRPr lang="fr-FR" sz="1600" dirty="0"/>
+                    </a:p>
+                  </a:txBody>
+                  <a:tcPr anchor="ctr">
+                    <a:solidFill>
+                      <a:schemeClr val="accent4">
+                        <a:lumMod val="20000"/>
+                        <a:lumOff val="80000"/>
+                      </a:schemeClr>
+                    </a:solidFill>
+                  </a:tcPr>
+                </a:tc>
+                <a:tc>
+                  <a:txBody>
+                    <a:bodyPr/>
+                    <a:lstStyle/>
+                    <a:p>
+                      <a:r>
+                        <a:rPr lang="fr-FR" sz="1600" dirty="0" smtClean="0"/>
+                        <a:t>si</a:t>
+                      </a:r>
+                      <a:r>
+                        <a:rPr lang="fr-FR" sz="1600" baseline="0" dirty="0" smtClean="0"/>
+                        <a:t> la distance avec le capteur IR ne change pas c’est que le robot n’a pas avancé.</a:t>
+                      </a:r>
+                      <a:endParaRPr lang="fr-FR" sz="1600" dirty="0"/>
+                    </a:p>
+                  </a:txBody>
+                  <a:tcPr anchor="ctr">
+                    <a:solidFill>
+                      <a:schemeClr val="accent4">
+                        <a:lumMod val="20000"/>
+                        <a:lumOff val="80000"/>
+                      </a:schemeClr>
+                    </a:solidFill>
+                  </a:tcPr>
+                </a:tc>
+              </a:tr>
+              <a:tr h="518256">
+                <a:tc>
+                  <a:txBody>
+                    <a:bodyPr/>
+                    <a:lstStyle/>
+                    <a:p>
+                      <a:r>
+                        <a:rPr lang="fr-FR" sz="1600" dirty="0" smtClean="0"/>
+                        <a:t>détection  d’un obstacle dans la zone morte du capteur </a:t>
+                      </a:r>
+                      <a:endParaRPr lang="fr-FR" sz="1600" dirty="0"/>
+                    </a:p>
+                  </a:txBody>
+                  <a:tcPr anchor="ctr">
+                    <a:solidFill>
+                      <a:schemeClr val="accent4">
+                        <a:lumMod val="20000"/>
+                        <a:lumOff val="80000"/>
+                      </a:schemeClr>
+                    </a:solidFill>
+                  </a:tcPr>
+                </a:tc>
+                <a:tc>
+                  <a:txBody>
+                    <a:bodyPr/>
+                    <a:lstStyle/>
+                    <a:p>
+                      <a:r>
+                        <a:rPr lang="fr-FR" sz="1600" dirty="0" smtClean="0"/>
+                        <a:t>ajout d’un capteur de courte proximité</a:t>
+                      </a:r>
+                      <a:endParaRPr lang="fr-FR" sz="1600" dirty="0"/>
+                    </a:p>
+                  </a:txBody>
+                  <a:tcPr anchor="ctr">
+                    <a:solidFill>
+                      <a:schemeClr val="accent4">
+                        <a:lumMod val="20000"/>
+                        <a:lumOff val="80000"/>
+                      </a:schemeClr>
+                    </a:solidFill>
+                  </a:tcPr>
+                </a:tc>
+              </a:tr>
+            </a:tbl>
+          </a:graphicData>
+        </a:graphic>
+      </p:graphicFrame>
     </p:spTree>
     <p:extLst>
       <p:ext uri="{BB962C8B-B14F-4D97-AF65-F5344CB8AC3E}">
-        <p14:creationId xmlns:p14="http://schemas.microsoft.com/office/powerpoint/2010/main" val="1256548629"/>
+        <p14:creationId xmlns:p14="http://schemas.microsoft.com/office/powerpoint/2010/main" val="3475904972"/>
       </p:ext>
     </p:extLst>
   </p:cSld>
@@ -20919,11 +19204,7 @@
             <a:pPr algn="l"/>
             <a:r>
               <a:rPr lang="fr-FR" dirty="0" smtClean="0"/>
-              <a:t>Serveur </a:t>
-            </a:r>
-            <a:r>
-              <a:rPr lang="fr-FR" dirty="0" smtClean="0"/>
-              <a:t>Intermédiaire</a:t>
+              <a:t>Serveur Intermédiaire</a:t>
             </a:r>
             <a:endParaRPr lang="fr-FR" dirty="0"/>
           </a:p>

--- a/Gestion projet/Projet intégration robotique – IMERIR.pptx
+++ b/Gestion projet/Projet intégration robotique – IMERIR.pptx
@@ -1,9 +1,12 @@
 
 <file path=ppt/presentation.xml><?xml version="1.0" encoding="utf-8"?>
-<p:presentation xmlns:a="http://schemas.openxmlformats.org/drawingml/2006/main" xmlns:r="http://schemas.openxmlformats.org/officeDocument/2006/relationships" xmlns:p="http://schemas.openxmlformats.org/presentationml/2006/main" autoCompressPictures="0">
+<p:presentation xmlns:a="http://schemas.openxmlformats.org/drawingml/2006/main" xmlns:r="http://schemas.openxmlformats.org/officeDocument/2006/relationships" xmlns:p="http://schemas.openxmlformats.org/presentationml/2006/main" showSpecialPlsOnTitleSld="0" autoCompressPictures="0">
   <p:sldMasterIdLst>
     <p:sldMasterId id="2147483660" r:id="rId1"/>
   </p:sldMasterIdLst>
+  <p:notesMasterIdLst>
+    <p:notesMasterId r:id="rId26"/>
+  </p:notesMasterIdLst>
   <p:sldIdLst>
     <p:sldId id="256" r:id="rId2"/>
     <p:sldId id="257" r:id="rId3"/>
@@ -2993,6 +2996,1084 @@
       <dsp:cNvGrpSpPr/>
     </dsp:nvGrpSpPr>
     <dsp:grpSpPr/>
+    <dsp:sp modelId="{C690D0CD-7211-42BB-BA22-C909A7CA1954}">
+      <dsp:nvSpPr>
+        <dsp:cNvPr id="0" name=""/>
+        <dsp:cNvSpPr/>
+      </dsp:nvSpPr>
+      <dsp:spPr>
+        <a:xfrm>
+          <a:off x="5077836" y="1676507"/>
+          <a:ext cx="3984630" cy="592315"/>
+        </a:xfrm>
+        <a:custGeom>
+          <a:avLst/>
+          <a:gdLst/>
+          <a:ahLst/>
+          <a:cxnLst/>
+          <a:rect l="0" t="0" r="0" b="0"/>
+          <a:pathLst>
+            <a:path>
+              <a:moveTo>
+                <a:pt x="0" y="0"/>
+              </a:moveTo>
+              <a:lnTo>
+                <a:pt x="0" y="353111"/>
+              </a:lnTo>
+              <a:lnTo>
+                <a:pt x="3984630" y="353111"/>
+              </a:lnTo>
+              <a:lnTo>
+                <a:pt x="3984630" y="592315"/>
+              </a:lnTo>
+            </a:path>
+          </a:pathLst>
+        </a:custGeom>
+        <a:noFill/>
+        <a:ln w="9525" cap="rnd" cmpd="sng" algn="ctr">
+          <a:solidFill>
+            <a:schemeClr val="accent1">
+              <a:shade val="60000"/>
+              <a:hueOff val="0"/>
+              <a:satOff val="0"/>
+              <a:lumOff val="0"/>
+              <a:alphaOff val="0"/>
+            </a:schemeClr>
+          </a:solidFill>
+          <a:prstDash val="solid"/>
+        </a:ln>
+        <a:effectLst/>
+      </dsp:spPr>
+      <dsp:style>
+        <a:lnRef idx="1">
+          <a:scrgbClr r="0" g="0" b="0"/>
+        </a:lnRef>
+        <a:fillRef idx="0">
+          <a:scrgbClr r="0" g="0" b="0"/>
+        </a:fillRef>
+        <a:effectRef idx="0">
+          <a:scrgbClr r="0" g="0" b="0"/>
+        </a:effectRef>
+        <a:fontRef idx="minor"/>
+      </dsp:style>
+    </dsp:sp>
+    <dsp:sp modelId="{4A968BB4-BA07-4A5B-A53B-F2957ABC86FB}">
+      <dsp:nvSpPr>
+        <dsp:cNvPr id="0" name=""/>
+        <dsp:cNvSpPr/>
+      </dsp:nvSpPr>
+      <dsp:spPr>
+        <a:xfrm>
+          <a:off x="5077836" y="1676507"/>
+          <a:ext cx="1328210" cy="592315"/>
+        </a:xfrm>
+        <a:custGeom>
+          <a:avLst/>
+          <a:gdLst/>
+          <a:ahLst/>
+          <a:cxnLst/>
+          <a:rect l="0" t="0" r="0" b="0"/>
+          <a:pathLst>
+            <a:path>
+              <a:moveTo>
+                <a:pt x="0" y="0"/>
+              </a:moveTo>
+              <a:lnTo>
+                <a:pt x="0" y="353111"/>
+              </a:lnTo>
+              <a:lnTo>
+                <a:pt x="1328210" y="353111"/>
+              </a:lnTo>
+              <a:lnTo>
+                <a:pt x="1328210" y="592315"/>
+              </a:lnTo>
+            </a:path>
+          </a:pathLst>
+        </a:custGeom>
+        <a:noFill/>
+        <a:ln w="9525" cap="rnd" cmpd="sng" algn="ctr">
+          <a:solidFill>
+            <a:schemeClr val="accent1">
+              <a:shade val="60000"/>
+              <a:hueOff val="0"/>
+              <a:satOff val="0"/>
+              <a:lumOff val="0"/>
+              <a:alphaOff val="0"/>
+            </a:schemeClr>
+          </a:solidFill>
+          <a:prstDash val="solid"/>
+        </a:ln>
+        <a:effectLst/>
+      </dsp:spPr>
+      <dsp:style>
+        <a:lnRef idx="1">
+          <a:scrgbClr r="0" g="0" b="0"/>
+        </a:lnRef>
+        <a:fillRef idx="0">
+          <a:scrgbClr r="0" g="0" b="0"/>
+        </a:fillRef>
+        <a:effectRef idx="0">
+          <a:scrgbClr r="0" g="0" b="0"/>
+        </a:effectRef>
+        <a:fontRef idx="minor"/>
+      </dsp:style>
+    </dsp:sp>
+    <dsp:sp modelId="{31D35D76-771E-4FDE-BA75-EC484194EBC2}">
+      <dsp:nvSpPr>
+        <dsp:cNvPr id="0" name=""/>
+        <dsp:cNvSpPr/>
+      </dsp:nvSpPr>
+      <dsp:spPr>
+        <a:xfrm>
+          <a:off x="3749626" y="1676507"/>
+          <a:ext cx="1328210" cy="592315"/>
+        </a:xfrm>
+        <a:custGeom>
+          <a:avLst/>
+          <a:gdLst/>
+          <a:ahLst/>
+          <a:cxnLst/>
+          <a:rect l="0" t="0" r="0" b="0"/>
+          <a:pathLst>
+            <a:path>
+              <a:moveTo>
+                <a:pt x="1328210" y="0"/>
+              </a:moveTo>
+              <a:lnTo>
+                <a:pt x="1328210" y="353111"/>
+              </a:lnTo>
+              <a:lnTo>
+                <a:pt x="0" y="353111"/>
+              </a:lnTo>
+              <a:lnTo>
+                <a:pt x="0" y="592315"/>
+              </a:lnTo>
+            </a:path>
+          </a:pathLst>
+        </a:custGeom>
+        <a:noFill/>
+        <a:ln w="9525" cap="rnd" cmpd="sng" algn="ctr">
+          <a:solidFill>
+            <a:schemeClr val="accent1">
+              <a:shade val="60000"/>
+              <a:hueOff val="0"/>
+              <a:satOff val="0"/>
+              <a:lumOff val="0"/>
+              <a:alphaOff val="0"/>
+            </a:schemeClr>
+          </a:solidFill>
+          <a:prstDash val="solid"/>
+        </a:ln>
+        <a:effectLst/>
+      </dsp:spPr>
+      <dsp:style>
+        <a:lnRef idx="1">
+          <a:scrgbClr r="0" g="0" b="0"/>
+        </a:lnRef>
+        <a:fillRef idx="0">
+          <a:scrgbClr r="0" g="0" b="0"/>
+        </a:fillRef>
+        <a:effectRef idx="0">
+          <a:scrgbClr r="0" g="0" b="0"/>
+        </a:effectRef>
+        <a:fontRef idx="minor"/>
+      </dsp:style>
+    </dsp:sp>
+    <dsp:sp modelId="{095703D4-98CA-460D-B2F6-CA110B625919}">
+      <dsp:nvSpPr>
+        <dsp:cNvPr id="0" name=""/>
+        <dsp:cNvSpPr/>
+      </dsp:nvSpPr>
+      <dsp:spPr>
+        <a:xfrm>
+          <a:off x="1093206" y="1676507"/>
+          <a:ext cx="3984630" cy="592315"/>
+        </a:xfrm>
+        <a:custGeom>
+          <a:avLst/>
+          <a:gdLst/>
+          <a:ahLst/>
+          <a:cxnLst/>
+          <a:rect l="0" t="0" r="0" b="0"/>
+          <a:pathLst>
+            <a:path>
+              <a:moveTo>
+                <a:pt x="3984630" y="0"/>
+              </a:moveTo>
+              <a:lnTo>
+                <a:pt x="3984630" y="353111"/>
+              </a:lnTo>
+              <a:lnTo>
+                <a:pt x="0" y="353111"/>
+              </a:lnTo>
+              <a:lnTo>
+                <a:pt x="0" y="592315"/>
+              </a:lnTo>
+            </a:path>
+          </a:pathLst>
+        </a:custGeom>
+        <a:noFill/>
+        <a:ln w="9525" cap="rnd" cmpd="sng" algn="ctr">
+          <a:solidFill>
+            <a:schemeClr val="accent1">
+              <a:shade val="60000"/>
+              <a:hueOff val="0"/>
+              <a:satOff val="0"/>
+              <a:lumOff val="0"/>
+              <a:alphaOff val="0"/>
+            </a:schemeClr>
+          </a:solidFill>
+          <a:prstDash val="solid"/>
+        </a:ln>
+        <a:effectLst/>
+      </dsp:spPr>
+      <dsp:style>
+        <a:lnRef idx="1">
+          <a:scrgbClr r="0" g="0" b="0"/>
+        </a:lnRef>
+        <a:fillRef idx="0">
+          <a:scrgbClr r="0" g="0" b="0"/>
+        </a:fillRef>
+        <a:effectRef idx="0">
+          <a:scrgbClr r="0" g="0" b="0"/>
+        </a:effectRef>
+        <a:fontRef idx="minor"/>
+      </dsp:style>
+    </dsp:sp>
+    <dsp:sp modelId="{153DF482-9B63-4F22-A2E6-E0985D657AE7}">
+      <dsp:nvSpPr>
+        <dsp:cNvPr id="0" name=""/>
+        <dsp:cNvSpPr/>
+      </dsp:nvSpPr>
+      <dsp:spPr>
+        <a:xfrm>
+          <a:off x="4087831" y="651345"/>
+          <a:ext cx="1980010" cy="1025161"/>
+        </a:xfrm>
+        <a:prstGeom prst="rect">
+          <a:avLst/>
+        </a:prstGeom>
+        <a:gradFill rotWithShape="0">
+          <a:gsLst>
+            <a:gs pos="0">
+              <a:schemeClr val="accent1">
+                <a:hueOff val="0"/>
+                <a:satOff val="0"/>
+                <a:lumOff val="0"/>
+                <a:alphaOff val="0"/>
+                <a:tint val="96000"/>
+                <a:lumMod val="104000"/>
+              </a:schemeClr>
+            </a:gs>
+            <a:gs pos="100000">
+              <a:schemeClr val="accent1">
+                <a:hueOff val="0"/>
+                <a:satOff val="0"/>
+                <a:lumOff val="0"/>
+                <a:alphaOff val="0"/>
+                <a:shade val="90000"/>
+                <a:lumMod val="90000"/>
+              </a:schemeClr>
+            </a:gs>
+          </a:gsLst>
+          <a:lin ang="5400000" scaled="0"/>
+        </a:gradFill>
+        <a:ln>
+          <a:noFill/>
+        </a:ln>
+        <a:effectLst>
+          <a:outerShdw blurRad="63500" dist="25400" dir="5400000" rotWithShape="0">
+            <a:srgbClr val="000000">
+              <a:alpha val="60000"/>
+            </a:srgbClr>
+          </a:outerShdw>
+        </a:effectLst>
+      </dsp:spPr>
+      <dsp:style>
+        <a:lnRef idx="0">
+          <a:scrgbClr r="0" g="0" b="0"/>
+        </a:lnRef>
+        <a:fillRef idx="3">
+          <a:scrgbClr r="0" g="0" b="0"/>
+        </a:fillRef>
+        <a:effectRef idx="2">
+          <a:scrgbClr r="0" g="0" b="0"/>
+        </a:effectRef>
+        <a:fontRef idx="minor">
+          <a:schemeClr val="lt1"/>
+        </a:fontRef>
+      </dsp:style>
+      <dsp:txBody>
+        <a:bodyPr spcFirstLastPara="0" vert="horz" wrap="square" lIns="13970" tIns="13970" rIns="13970" bIns="144662" numCol="1" spcCol="1270" anchor="ctr" anchorCtr="0">
+          <a:noAutofit/>
+        </a:bodyPr>
+        <a:lstStyle/>
+        <a:p>
+          <a:pPr lvl="0" algn="ctr" defTabSz="977900">
+            <a:lnSpc>
+              <a:spcPct val="90000"/>
+            </a:lnSpc>
+            <a:spcBef>
+              <a:spcPct val="0"/>
+            </a:spcBef>
+            <a:spcAft>
+              <a:spcPct val="35000"/>
+            </a:spcAft>
+          </a:pPr>
+          <a:r>
+            <a:rPr lang="fr-FR" sz="2200" kern="1200"/>
+            <a:t>Chef de Projet</a:t>
+          </a:r>
+        </a:p>
+      </dsp:txBody>
+      <dsp:txXfrm>
+        <a:off x="4087831" y="651345"/>
+        <a:ext cx="1980010" cy="1025161"/>
+      </dsp:txXfrm>
+    </dsp:sp>
+    <dsp:sp modelId="{113EA813-3BA6-403B-BFBC-C6C029177D40}">
+      <dsp:nvSpPr>
+        <dsp:cNvPr id="0" name=""/>
+        <dsp:cNvSpPr/>
+      </dsp:nvSpPr>
+      <dsp:spPr>
+        <a:xfrm>
+          <a:off x="4483833" y="1448693"/>
+          <a:ext cx="1782009" cy="341720"/>
+        </a:xfrm>
+        <a:prstGeom prst="rect">
+          <a:avLst/>
+        </a:prstGeom>
+        <a:solidFill>
+          <a:schemeClr val="lt1">
+            <a:alpha val="90000"/>
+            <a:hueOff val="0"/>
+            <a:satOff val="0"/>
+            <a:lumOff val="0"/>
+            <a:alphaOff val="0"/>
+          </a:schemeClr>
+        </a:solidFill>
+        <a:ln w="9525" cap="rnd" cmpd="sng" algn="ctr">
+          <a:solidFill>
+            <a:schemeClr val="accent1">
+              <a:hueOff val="0"/>
+              <a:satOff val="0"/>
+              <a:lumOff val="0"/>
+              <a:alphaOff val="0"/>
+            </a:schemeClr>
+          </a:solidFill>
+          <a:prstDash val="solid"/>
+        </a:ln>
+        <a:effectLst/>
+      </dsp:spPr>
+      <dsp:style>
+        <a:lnRef idx="1">
+          <a:scrgbClr r="0" g="0" b="0"/>
+        </a:lnRef>
+        <a:fillRef idx="1">
+          <a:scrgbClr r="0" g="0" b="0"/>
+        </a:fillRef>
+        <a:effectRef idx="0">
+          <a:scrgbClr r="0" g="0" b="0"/>
+        </a:effectRef>
+        <a:fontRef idx="minor"/>
+      </dsp:style>
+      <dsp:txBody>
+        <a:bodyPr spcFirstLastPara="0" vert="horz" wrap="square" lIns="38100" tIns="9525" rIns="38100" bIns="9525" numCol="1" spcCol="1270" anchor="ctr" anchorCtr="0">
+          <a:noAutofit/>
+        </a:bodyPr>
+        <a:lstStyle/>
+        <a:p>
+          <a:pPr lvl="0" algn="r" defTabSz="666750">
+            <a:lnSpc>
+              <a:spcPct val="90000"/>
+            </a:lnSpc>
+            <a:spcBef>
+              <a:spcPct val="0"/>
+            </a:spcBef>
+            <a:spcAft>
+              <a:spcPct val="35000"/>
+            </a:spcAft>
+          </a:pPr>
+          <a:r>
+            <a:rPr lang="fr-FR" sz="1500" kern="1200" dirty="0"/>
+            <a:t>Cyril PY</a:t>
+          </a:r>
+        </a:p>
+      </dsp:txBody>
+      <dsp:txXfrm>
+        <a:off x="4483833" y="1448693"/>
+        <a:ext cx="1782009" cy="341720"/>
+      </dsp:txXfrm>
+    </dsp:sp>
+    <dsp:sp modelId="{5676D32F-1CE3-4176-81F2-A39E244B0416}">
+      <dsp:nvSpPr>
+        <dsp:cNvPr id="0" name=""/>
+        <dsp:cNvSpPr/>
+      </dsp:nvSpPr>
+      <dsp:spPr>
+        <a:xfrm>
+          <a:off x="103201" y="2268822"/>
+          <a:ext cx="1980010" cy="1025161"/>
+        </a:xfrm>
+        <a:prstGeom prst="rect">
+          <a:avLst/>
+        </a:prstGeom>
+        <a:gradFill rotWithShape="0">
+          <a:gsLst>
+            <a:gs pos="0">
+              <a:schemeClr val="accent1">
+                <a:hueOff val="0"/>
+                <a:satOff val="0"/>
+                <a:lumOff val="0"/>
+                <a:alphaOff val="0"/>
+                <a:tint val="96000"/>
+                <a:lumMod val="104000"/>
+              </a:schemeClr>
+            </a:gs>
+            <a:gs pos="100000">
+              <a:schemeClr val="accent1">
+                <a:hueOff val="0"/>
+                <a:satOff val="0"/>
+                <a:lumOff val="0"/>
+                <a:alphaOff val="0"/>
+                <a:shade val="90000"/>
+                <a:lumMod val="90000"/>
+              </a:schemeClr>
+            </a:gs>
+          </a:gsLst>
+          <a:lin ang="5400000" scaled="0"/>
+        </a:gradFill>
+        <a:ln>
+          <a:noFill/>
+        </a:ln>
+        <a:effectLst>
+          <a:outerShdw blurRad="63500" dist="25400" dir="5400000" rotWithShape="0">
+            <a:srgbClr val="000000">
+              <a:alpha val="60000"/>
+            </a:srgbClr>
+          </a:outerShdw>
+        </a:effectLst>
+      </dsp:spPr>
+      <dsp:style>
+        <a:lnRef idx="0">
+          <a:scrgbClr r="0" g="0" b="0"/>
+        </a:lnRef>
+        <a:fillRef idx="3">
+          <a:scrgbClr r="0" g="0" b="0"/>
+        </a:fillRef>
+        <a:effectRef idx="2">
+          <a:scrgbClr r="0" g="0" b="0"/>
+        </a:effectRef>
+        <a:fontRef idx="minor">
+          <a:schemeClr val="lt1"/>
+        </a:fontRef>
+      </dsp:style>
+      <dsp:txBody>
+        <a:bodyPr spcFirstLastPara="0" vert="horz" wrap="square" lIns="13970" tIns="13970" rIns="13970" bIns="144662" numCol="1" spcCol="1270" anchor="ctr" anchorCtr="0">
+          <a:noAutofit/>
+        </a:bodyPr>
+        <a:lstStyle/>
+        <a:p>
+          <a:pPr lvl="0" algn="ctr" defTabSz="977900">
+            <a:lnSpc>
+              <a:spcPct val="90000"/>
+            </a:lnSpc>
+            <a:spcBef>
+              <a:spcPct val="0"/>
+            </a:spcBef>
+            <a:spcAft>
+              <a:spcPct val="35000"/>
+            </a:spcAft>
+          </a:pPr>
+          <a:r>
+            <a:rPr lang="fr-FR" sz="2200" kern="1200" dirty="0" smtClean="0"/>
+            <a:t>Odométrie</a:t>
+          </a:r>
+          <a:endParaRPr lang="fr-FR" sz="2200" kern="1200" dirty="0"/>
+        </a:p>
+      </dsp:txBody>
+      <dsp:txXfrm>
+        <a:off x="103201" y="2268822"/>
+        <a:ext cx="1980010" cy="1025161"/>
+      </dsp:txXfrm>
+    </dsp:sp>
+    <dsp:sp modelId="{809562EB-4A18-496D-99D9-E0B60B4EAEA5}">
+      <dsp:nvSpPr>
+        <dsp:cNvPr id="0" name=""/>
+        <dsp:cNvSpPr/>
+      </dsp:nvSpPr>
+      <dsp:spPr>
+        <a:xfrm>
+          <a:off x="578787" y="3066170"/>
+          <a:ext cx="1782009" cy="341720"/>
+        </a:xfrm>
+        <a:prstGeom prst="rect">
+          <a:avLst/>
+        </a:prstGeom>
+        <a:solidFill>
+          <a:schemeClr val="lt1">
+            <a:alpha val="90000"/>
+            <a:hueOff val="0"/>
+            <a:satOff val="0"/>
+            <a:lumOff val="0"/>
+            <a:alphaOff val="0"/>
+          </a:schemeClr>
+        </a:solidFill>
+        <a:ln w="9525" cap="rnd" cmpd="sng" algn="ctr">
+          <a:solidFill>
+            <a:schemeClr val="accent1">
+              <a:hueOff val="0"/>
+              <a:satOff val="0"/>
+              <a:lumOff val="0"/>
+              <a:alphaOff val="0"/>
+            </a:schemeClr>
+          </a:solidFill>
+          <a:prstDash val="solid"/>
+        </a:ln>
+        <a:effectLst/>
+      </dsp:spPr>
+      <dsp:style>
+        <a:lnRef idx="1">
+          <a:scrgbClr r="0" g="0" b="0"/>
+        </a:lnRef>
+        <a:fillRef idx="1">
+          <a:scrgbClr r="0" g="0" b="0"/>
+        </a:fillRef>
+        <a:effectRef idx="0">
+          <a:scrgbClr r="0" g="0" b="0"/>
+        </a:effectRef>
+        <a:fontRef idx="minor"/>
+      </dsp:style>
+      <dsp:txBody>
+        <a:bodyPr spcFirstLastPara="0" vert="horz" wrap="square" lIns="38100" tIns="9525" rIns="38100" bIns="9525" numCol="1" spcCol="1270" anchor="ctr" anchorCtr="0">
+          <a:noAutofit/>
+        </a:bodyPr>
+        <a:lstStyle/>
+        <a:p>
+          <a:pPr lvl="0" algn="r" defTabSz="666750">
+            <a:lnSpc>
+              <a:spcPct val="90000"/>
+            </a:lnSpc>
+            <a:spcBef>
+              <a:spcPct val="0"/>
+            </a:spcBef>
+            <a:spcAft>
+              <a:spcPct val="35000"/>
+            </a:spcAft>
+          </a:pPr>
+          <a:r>
+            <a:rPr lang="fr-FR" sz="1500" kern="1200" dirty="0"/>
+            <a:t>Thomas PRAK</a:t>
+          </a:r>
+        </a:p>
+      </dsp:txBody>
+      <dsp:txXfrm>
+        <a:off x="578787" y="3066170"/>
+        <a:ext cx="1782009" cy="341720"/>
+      </dsp:txXfrm>
+    </dsp:sp>
+    <dsp:sp modelId="{F522147D-7926-4BE8-A844-0FB48C50D80C}">
+      <dsp:nvSpPr>
+        <dsp:cNvPr id="0" name=""/>
+        <dsp:cNvSpPr/>
+      </dsp:nvSpPr>
+      <dsp:spPr>
+        <a:xfrm>
+          <a:off x="2759621" y="2268822"/>
+          <a:ext cx="1980010" cy="1025161"/>
+        </a:xfrm>
+        <a:prstGeom prst="rect">
+          <a:avLst/>
+        </a:prstGeom>
+        <a:gradFill rotWithShape="0">
+          <a:gsLst>
+            <a:gs pos="0">
+              <a:schemeClr val="accent1">
+                <a:hueOff val="0"/>
+                <a:satOff val="0"/>
+                <a:lumOff val="0"/>
+                <a:alphaOff val="0"/>
+                <a:tint val="96000"/>
+                <a:lumMod val="104000"/>
+              </a:schemeClr>
+            </a:gs>
+            <a:gs pos="100000">
+              <a:schemeClr val="accent1">
+                <a:hueOff val="0"/>
+                <a:satOff val="0"/>
+                <a:lumOff val="0"/>
+                <a:alphaOff val="0"/>
+                <a:shade val="90000"/>
+                <a:lumMod val="90000"/>
+              </a:schemeClr>
+            </a:gs>
+          </a:gsLst>
+          <a:lin ang="5400000" scaled="0"/>
+        </a:gradFill>
+        <a:ln>
+          <a:noFill/>
+        </a:ln>
+        <a:effectLst>
+          <a:outerShdw blurRad="63500" dist="25400" dir="5400000" rotWithShape="0">
+            <a:srgbClr val="000000">
+              <a:alpha val="60000"/>
+            </a:srgbClr>
+          </a:outerShdw>
+        </a:effectLst>
+      </dsp:spPr>
+      <dsp:style>
+        <a:lnRef idx="0">
+          <a:scrgbClr r="0" g="0" b="0"/>
+        </a:lnRef>
+        <a:fillRef idx="3">
+          <a:scrgbClr r="0" g="0" b="0"/>
+        </a:fillRef>
+        <a:effectRef idx="2">
+          <a:scrgbClr r="0" g="0" b="0"/>
+        </a:effectRef>
+        <a:fontRef idx="minor">
+          <a:schemeClr val="lt1"/>
+        </a:fontRef>
+      </dsp:style>
+      <dsp:txBody>
+        <a:bodyPr spcFirstLastPara="0" vert="horz" wrap="square" lIns="13970" tIns="13970" rIns="13970" bIns="144662" numCol="1" spcCol="1270" anchor="ctr" anchorCtr="0">
+          <a:noAutofit/>
+        </a:bodyPr>
+        <a:lstStyle/>
+        <a:p>
+          <a:pPr lvl="0" algn="ctr" defTabSz="977900">
+            <a:lnSpc>
+              <a:spcPct val="90000"/>
+            </a:lnSpc>
+            <a:spcBef>
+              <a:spcPct val="0"/>
+            </a:spcBef>
+            <a:spcAft>
+              <a:spcPct val="35000"/>
+            </a:spcAft>
+          </a:pPr>
+          <a:r>
+            <a:rPr lang="fr-FR" sz="2200" kern="1200" dirty="0" smtClean="0"/>
+            <a:t>Client Web</a:t>
+          </a:r>
+          <a:endParaRPr lang="fr-FR" sz="2200" kern="1200" dirty="0"/>
+        </a:p>
+      </dsp:txBody>
+      <dsp:txXfrm>
+        <a:off x="2759621" y="2268822"/>
+        <a:ext cx="1980010" cy="1025161"/>
+      </dsp:txXfrm>
+    </dsp:sp>
+    <dsp:sp modelId="{BDDE5DF6-64AC-499B-A204-5D73CD5189A5}">
+      <dsp:nvSpPr>
+        <dsp:cNvPr id="0" name=""/>
+        <dsp:cNvSpPr/>
+      </dsp:nvSpPr>
+      <dsp:spPr>
+        <a:xfrm>
+          <a:off x="3155623" y="3066170"/>
+          <a:ext cx="1782009" cy="341720"/>
+        </a:xfrm>
+        <a:prstGeom prst="rect">
+          <a:avLst/>
+        </a:prstGeom>
+        <a:solidFill>
+          <a:schemeClr val="lt1">
+            <a:alpha val="90000"/>
+            <a:hueOff val="0"/>
+            <a:satOff val="0"/>
+            <a:lumOff val="0"/>
+            <a:alphaOff val="0"/>
+          </a:schemeClr>
+        </a:solidFill>
+        <a:ln w="9525" cap="rnd" cmpd="sng" algn="ctr">
+          <a:solidFill>
+            <a:schemeClr val="accent1">
+              <a:hueOff val="0"/>
+              <a:satOff val="0"/>
+              <a:lumOff val="0"/>
+              <a:alphaOff val="0"/>
+            </a:schemeClr>
+          </a:solidFill>
+          <a:prstDash val="solid"/>
+        </a:ln>
+        <a:effectLst/>
+      </dsp:spPr>
+      <dsp:style>
+        <a:lnRef idx="1">
+          <a:scrgbClr r="0" g="0" b="0"/>
+        </a:lnRef>
+        <a:fillRef idx="1">
+          <a:scrgbClr r="0" g="0" b="0"/>
+        </a:fillRef>
+        <a:effectRef idx="0">
+          <a:scrgbClr r="0" g="0" b="0"/>
+        </a:effectRef>
+        <a:fontRef idx="minor"/>
+      </dsp:style>
+      <dsp:txBody>
+        <a:bodyPr spcFirstLastPara="0" vert="horz" wrap="square" lIns="38100" tIns="9525" rIns="38100" bIns="9525" numCol="1" spcCol="1270" anchor="ctr" anchorCtr="0">
+          <a:noAutofit/>
+        </a:bodyPr>
+        <a:lstStyle/>
+        <a:p>
+          <a:pPr lvl="0" algn="r" defTabSz="666750">
+            <a:lnSpc>
+              <a:spcPct val="90000"/>
+            </a:lnSpc>
+            <a:spcBef>
+              <a:spcPct val="0"/>
+            </a:spcBef>
+            <a:spcAft>
+              <a:spcPct val="35000"/>
+            </a:spcAft>
+          </a:pPr>
+          <a:r>
+            <a:rPr lang="fr-FR" sz="1500" kern="1200" dirty="0"/>
+            <a:t>Justine SABBATIER</a:t>
+          </a:r>
+        </a:p>
+      </dsp:txBody>
+      <dsp:txXfrm>
+        <a:off x="3155623" y="3066170"/>
+        <a:ext cx="1782009" cy="341720"/>
+      </dsp:txXfrm>
+    </dsp:sp>
+    <dsp:sp modelId="{5662567F-F7A3-40C3-B265-EF28650FB1CC}">
+      <dsp:nvSpPr>
+        <dsp:cNvPr id="0" name=""/>
+        <dsp:cNvSpPr/>
+      </dsp:nvSpPr>
+      <dsp:spPr>
+        <a:xfrm>
+          <a:off x="5416041" y="2268822"/>
+          <a:ext cx="1980010" cy="1025161"/>
+        </a:xfrm>
+        <a:prstGeom prst="rect">
+          <a:avLst/>
+        </a:prstGeom>
+        <a:gradFill rotWithShape="0">
+          <a:gsLst>
+            <a:gs pos="0">
+              <a:schemeClr val="accent1">
+                <a:hueOff val="0"/>
+                <a:satOff val="0"/>
+                <a:lumOff val="0"/>
+                <a:alphaOff val="0"/>
+                <a:tint val="96000"/>
+                <a:lumMod val="104000"/>
+              </a:schemeClr>
+            </a:gs>
+            <a:gs pos="100000">
+              <a:schemeClr val="accent1">
+                <a:hueOff val="0"/>
+                <a:satOff val="0"/>
+                <a:lumOff val="0"/>
+                <a:alphaOff val="0"/>
+                <a:shade val="90000"/>
+                <a:lumMod val="90000"/>
+              </a:schemeClr>
+            </a:gs>
+          </a:gsLst>
+          <a:lin ang="5400000" scaled="0"/>
+        </a:gradFill>
+        <a:ln>
+          <a:noFill/>
+        </a:ln>
+        <a:effectLst>
+          <a:outerShdw blurRad="63500" dist="25400" dir="5400000" rotWithShape="0">
+            <a:srgbClr val="000000">
+              <a:alpha val="60000"/>
+            </a:srgbClr>
+          </a:outerShdw>
+        </a:effectLst>
+      </dsp:spPr>
+      <dsp:style>
+        <a:lnRef idx="0">
+          <a:scrgbClr r="0" g="0" b="0"/>
+        </a:lnRef>
+        <a:fillRef idx="3">
+          <a:scrgbClr r="0" g="0" b="0"/>
+        </a:fillRef>
+        <a:effectRef idx="2">
+          <a:scrgbClr r="0" g="0" b="0"/>
+        </a:effectRef>
+        <a:fontRef idx="minor">
+          <a:schemeClr val="lt1"/>
+        </a:fontRef>
+      </dsp:style>
+      <dsp:txBody>
+        <a:bodyPr spcFirstLastPara="0" vert="horz" wrap="square" lIns="13970" tIns="13970" rIns="13970" bIns="144662" numCol="1" spcCol="1270" anchor="ctr" anchorCtr="0">
+          <a:noAutofit/>
+        </a:bodyPr>
+        <a:lstStyle/>
+        <a:p>
+          <a:pPr lvl="0" algn="ctr" defTabSz="977900">
+            <a:lnSpc>
+              <a:spcPct val="90000"/>
+            </a:lnSpc>
+            <a:spcBef>
+              <a:spcPct val="0"/>
+            </a:spcBef>
+            <a:spcAft>
+              <a:spcPct val="35000"/>
+            </a:spcAft>
+          </a:pPr>
+          <a:r>
+            <a:rPr lang="fr-FR" sz="2200" kern="1200" dirty="0" smtClean="0"/>
+            <a:t>Algorithme</a:t>
+          </a:r>
+          <a:endParaRPr lang="fr-FR" sz="2200" kern="1200" dirty="0"/>
+        </a:p>
+      </dsp:txBody>
+      <dsp:txXfrm>
+        <a:off x="5416041" y="2268822"/>
+        <a:ext cx="1980010" cy="1025161"/>
+      </dsp:txXfrm>
+    </dsp:sp>
+    <dsp:sp modelId="{0E9E0690-608D-4BF4-8CCF-3E5EC47EB681}">
+      <dsp:nvSpPr>
+        <dsp:cNvPr id="0" name=""/>
+        <dsp:cNvSpPr/>
+      </dsp:nvSpPr>
+      <dsp:spPr>
+        <a:xfrm>
+          <a:off x="5812044" y="3066170"/>
+          <a:ext cx="1782009" cy="341720"/>
+        </a:xfrm>
+        <a:prstGeom prst="rect">
+          <a:avLst/>
+        </a:prstGeom>
+        <a:solidFill>
+          <a:schemeClr val="lt1">
+            <a:alpha val="90000"/>
+            <a:hueOff val="0"/>
+            <a:satOff val="0"/>
+            <a:lumOff val="0"/>
+            <a:alphaOff val="0"/>
+          </a:schemeClr>
+        </a:solidFill>
+        <a:ln w="9525" cap="rnd" cmpd="sng" algn="ctr">
+          <a:solidFill>
+            <a:schemeClr val="accent1">
+              <a:hueOff val="0"/>
+              <a:satOff val="0"/>
+              <a:lumOff val="0"/>
+              <a:alphaOff val="0"/>
+            </a:schemeClr>
+          </a:solidFill>
+          <a:prstDash val="solid"/>
+        </a:ln>
+        <a:effectLst/>
+      </dsp:spPr>
+      <dsp:style>
+        <a:lnRef idx="1">
+          <a:scrgbClr r="0" g="0" b="0"/>
+        </a:lnRef>
+        <a:fillRef idx="1">
+          <a:scrgbClr r="0" g="0" b="0"/>
+        </a:fillRef>
+        <a:effectRef idx="0">
+          <a:scrgbClr r="0" g="0" b="0"/>
+        </a:effectRef>
+        <a:fontRef idx="minor"/>
+      </dsp:style>
+      <dsp:txBody>
+        <a:bodyPr spcFirstLastPara="0" vert="horz" wrap="square" lIns="38100" tIns="9525" rIns="38100" bIns="9525" numCol="1" spcCol="1270" anchor="ctr" anchorCtr="0">
+          <a:noAutofit/>
+        </a:bodyPr>
+        <a:lstStyle/>
+        <a:p>
+          <a:pPr lvl="0" algn="r" defTabSz="666750">
+            <a:lnSpc>
+              <a:spcPct val="90000"/>
+            </a:lnSpc>
+            <a:spcBef>
+              <a:spcPct val="0"/>
+            </a:spcBef>
+            <a:spcAft>
+              <a:spcPct val="35000"/>
+            </a:spcAft>
+          </a:pPr>
+          <a:r>
+            <a:rPr lang="fr-FR" sz="1500" kern="1200"/>
+            <a:t>Mathias DA COSTA</a:t>
+          </a:r>
+        </a:p>
+      </dsp:txBody>
+      <dsp:txXfrm>
+        <a:off x="5812044" y="3066170"/>
+        <a:ext cx="1782009" cy="341720"/>
+      </dsp:txXfrm>
+    </dsp:sp>
+    <dsp:sp modelId="{96FA1259-64E4-404F-B34D-D3DE19F6B678}">
+      <dsp:nvSpPr>
+        <dsp:cNvPr id="0" name=""/>
+        <dsp:cNvSpPr/>
+      </dsp:nvSpPr>
+      <dsp:spPr>
+        <a:xfrm>
+          <a:off x="8072462" y="2268822"/>
+          <a:ext cx="1980010" cy="1025161"/>
+        </a:xfrm>
+        <a:prstGeom prst="rect">
+          <a:avLst/>
+        </a:prstGeom>
+        <a:gradFill rotWithShape="0">
+          <a:gsLst>
+            <a:gs pos="0">
+              <a:schemeClr val="accent1">
+                <a:hueOff val="0"/>
+                <a:satOff val="0"/>
+                <a:lumOff val="0"/>
+                <a:alphaOff val="0"/>
+                <a:tint val="96000"/>
+                <a:lumMod val="104000"/>
+              </a:schemeClr>
+            </a:gs>
+            <a:gs pos="100000">
+              <a:schemeClr val="accent1">
+                <a:hueOff val="0"/>
+                <a:satOff val="0"/>
+                <a:lumOff val="0"/>
+                <a:alphaOff val="0"/>
+                <a:shade val="90000"/>
+                <a:lumMod val="90000"/>
+              </a:schemeClr>
+            </a:gs>
+          </a:gsLst>
+          <a:lin ang="5400000" scaled="0"/>
+        </a:gradFill>
+        <a:ln>
+          <a:noFill/>
+        </a:ln>
+        <a:effectLst>
+          <a:outerShdw blurRad="63500" dist="25400" dir="5400000" rotWithShape="0">
+            <a:srgbClr val="000000">
+              <a:alpha val="60000"/>
+            </a:srgbClr>
+          </a:outerShdw>
+        </a:effectLst>
+      </dsp:spPr>
+      <dsp:style>
+        <a:lnRef idx="0">
+          <a:scrgbClr r="0" g="0" b="0"/>
+        </a:lnRef>
+        <a:fillRef idx="3">
+          <a:scrgbClr r="0" g="0" b="0"/>
+        </a:fillRef>
+        <a:effectRef idx="2">
+          <a:scrgbClr r="0" g="0" b="0"/>
+        </a:effectRef>
+        <a:fontRef idx="minor">
+          <a:schemeClr val="lt1"/>
+        </a:fontRef>
+      </dsp:style>
+      <dsp:txBody>
+        <a:bodyPr spcFirstLastPara="0" vert="horz" wrap="square" lIns="13970" tIns="13970" rIns="13970" bIns="144662" numCol="1" spcCol="1270" anchor="ctr" anchorCtr="0">
+          <a:noAutofit/>
+        </a:bodyPr>
+        <a:lstStyle/>
+        <a:p>
+          <a:pPr lvl="0" algn="ctr" defTabSz="977900">
+            <a:lnSpc>
+              <a:spcPct val="90000"/>
+            </a:lnSpc>
+            <a:spcBef>
+              <a:spcPct val="0"/>
+            </a:spcBef>
+            <a:spcAft>
+              <a:spcPct val="35000"/>
+            </a:spcAft>
+          </a:pPr>
+          <a:r>
+            <a:rPr lang="fr-FR" sz="2200" kern="1200" dirty="0" smtClean="0"/>
+            <a:t>Communication</a:t>
+          </a:r>
+          <a:endParaRPr lang="fr-FR" sz="2200" kern="1200" dirty="0"/>
+        </a:p>
+      </dsp:txBody>
+      <dsp:txXfrm>
+        <a:off x="8072462" y="2268822"/>
+        <a:ext cx="1980010" cy="1025161"/>
+      </dsp:txXfrm>
+    </dsp:sp>
+    <dsp:sp modelId="{A8EA838F-3B0C-4F99-BFF0-CFB047931BD1}">
+      <dsp:nvSpPr>
+        <dsp:cNvPr id="0" name=""/>
+        <dsp:cNvSpPr/>
+      </dsp:nvSpPr>
+      <dsp:spPr>
+        <a:xfrm>
+          <a:off x="8468464" y="3066170"/>
+          <a:ext cx="1782009" cy="341720"/>
+        </a:xfrm>
+        <a:prstGeom prst="rect">
+          <a:avLst/>
+        </a:prstGeom>
+        <a:solidFill>
+          <a:schemeClr val="lt1">
+            <a:alpha val="90000"/>
+            <a:hueOff val="0"/>
+            <a:satOff val="0"/>
+            <a:lumOff val="0"/>
+            <a:alphaOff val="0"/>
+          </a:schemeClr>
+        </a:solidFill>
+        <a:ln w="9525" cap="rnd" cmpd="sng" algn="ctr">
+          <a:solidFill>
+            <a:schemeClr val="accent1">
+              <a:hueOff val="0"/>
+              <a:satOff val="0"/>
+              <a:lumOff val="0"/>
+              <a:alphaOff val="0"/>
+            </a:schemeClr>
+          </a:solidFill>
+          <a:prstDash val="solid"/>
+        </a:ln>
+        <a:effectLst/>
+      </dsp:spPr>
+      <dsp:style>
+        <a:lnRef idx="1">
+          <a:scrgbClr r="0" g="0" b="0"/>
+        </a:lnRef>
+        <a:fillRef idx="1">
+          <a:scrgbClr r="0" g="0" b="0"/>
+        </a:fillRef>
+        <a:effectRef idx="0">
+          <a:scrgbClr r="0" g="0" b="0"/>
+        </a:effectRef>
+        <a:fontRef idx="minor"/>
+      </dsp:style>
+      <dsp:txBody>
+        <a:bodyPr spcFirstLastPara="0" vert="horz" wrap="square" lIns="38100" tIns="9525" rIns="38100" bIns="9525" numCol="1" spcCol="1270" anchor="ctr" anchorCtr="0">
+          <a:noAutofit/>
+        </a:bodyPr>
+        <a:lstStyle/>
+        <a:p>
+          <a:pPr lvl="0" algn="r" defTabSz="666750">
+            <a:lnSpc>
+              <a:spcPct val="90000"/>
+            </a:lnSpc>
+            <a:spcBef>
+              <a:spcPct val="0"/>
+            </a:spcBef>
+            <a:spcAft>
+              <a:spcPct val="35000"/>
+            </a:spcAft>
+          </a:pPr>
+          <a:r>
+            <a:rPr lang="fr-FR" sz="1500" kern="1200"/>
+            <a:t>Julien LOEVE</a:t>
+          </a:r>
+        </a:p>
+      </dsp:txBody>
+      <dsp:txXfrm>
+        <a:off x="8468464" y="3066170"/>
+        <a:ext cx="1782009" cy="341720"/>
+      </dsp:txXfrm>
+    </dsp:sp>
   </dsp:spTree>
 </dsp:drawing>
 </file>
@@ -3005,6 +4086,646 @@
       <dsp:cNvGrpSpPr/>
     </dsp:nvGrpSpPr>
     <dsp:grpSpPr/>
+    <dsp:sp modelId="{6A1FC33C-BD54-48D9-8848-B8051814CA7A}">
+      <dsp:nvSpPr>
+        <dsp:cNvPr id="0" name=""/>
+        <dsp:cNvSpPr/>
+      </dsp:nvSpPr>
+      <dsp:spPr>
+        <a:xfrm>
+          <a:off x="2656565" y="9048"/>
+          <a:ext cx="2412531" cy="2412899"/>
+        </a:xfrm>
+        <a:prstGeom prst="circularArrow">
+          <a:avLst>
+            <a:gd name="adj1" fmla="val 10980"/>
+            <a:gd name="adj2" fmla="val 1142322"/>
+            <a:gd name="adj3" fmla="val 4500000"/>
+            <a:gd name="adj4" fmla="val 10800000"/>
+            <a:gd name="adj5" fmla="val 12500"/>
+          </a:avLst>
+        </a:prstGeom>
+        <a:gradFill rotWithShape="0">
+          <a:gsLst>
+            <a:gs pos="0">
+              <a:schemeClr val="accent1">
+                <a:hueOff val="0"/>
+                <a:satOff val="0"/>
+                <a:lumOff val="0"/>
+                <a:alphaOff val="0"/>
+                <a:tint val="96000"/>
+                <a:lumMod val="104000"/>
+              </a:schemeClr>
+            </a:gs>
+            <a:gs pos="100000">
+              <a:schemeClr val="accent1">
+                <a:hueOff val="0"/>
+                <a:satOff val="0"/>
+                <a:lumOff val="0"/>
+                <a:alphaOff val="0"/>
+                <a:shade val="90000"/>
+                <a:lumMod val="90000"/>
+              </a:schemeClr>
+            </a:gs>
+          </a:gsLst>
+          <a:lin ang="5400000" scaled="0"/>
+        </a:gradFill>
+        <a:ln>
+          <a:noFill/>
+        </a:ln>
+        <a:effectLst>
+          <a:outerShdw blurRad="63500" dist="25400" dir="5400000" rotWithShape="0">
+            <a:srgbClr val="000000">
+              <a:alpha val="60000"/>
+            </a:srgbClr>
+          </a:outerShdw>
+        </a:effectLst>
+      </dsp:spPr>
+      <dsp:style>
+        <a:lnRef idx="0">
+          <a:scrgbClr r="0" g="0" b="0"/>
+        </a:lnRef>
+        <a:fillRef idx="3">
+          <a:scrgbClr r="0" g="0" b="0"/>
+        </a:fillRef>
+        <a:effectRef idx="2">
+          <a:scrgbClr r="0" g="0" b="0"/>
+        </a:effectRef>
+        <a:fontRef idx="minor">
+          <a:schemeClr val="lt1"/>
+        </a:fontRef>
+      </dsp:style>
+    </dsp:sp>
+    <dsp:sp modelId="{2BC33A24-C019-40DB-B4F8-D236F35960DA}">
+      <dsp:nvSpPr>
+        <dsp:cNvPr id="0" name=""/>
+        <dsp:cNvSpPr/>
+      </dsp:nvSpPr>
+      <dsp:spPr>
+        <a:xfrm>
+          <a:off x="5465248" y="601561"/>
+          <a:ext cx="3405954" cy="965360"/>
+        </a:xfrm>
+        <a:prstGeom prst="rect">
+          <a:avLst/>
+        </a:prstGeom>
+        <a:noFill/>
+        <a:ln>
+          <a:noFill/>
+        </a:ln>
+        <a:effectLst/>
+      </dsp:spPr>
+      <dsp:style>
+        <a:lnRef idx="0">
+          <a:scrgbClr r="0" g="0" b="0"/>
+        </a:lnRef>
+        <a:fillRef idx="0">
+          <a:scrgbClr r="0" g="0" b="0"/>
+        </a:fillRef>
+        <a:effectRef idx="0">
+          <a:scrgbClr r="0" g="0" b="0"/>
+        </a:effectRef>
+        <a:fontRef idx="minor"/>
+      </dsp:style>
+      <dsp:txBody>
+        <a:bodyPr spcFirstLastPara="0" vert="horz" wrap="square" lIns="15240" tIns="15240" rIns="15240" bIns="15240" numCol="1" spcCol="1270" anchor="ctr" anchorCtr="0">
+          <a:noAutofit/>
+        </a:bodyPr>
+        <a:lstStyle/>
+        <a:p>
+          <a:pPr marL="228600" lvl="1" indent="-228600" algn="l" defTabSz="1066800">
+            <a:lnSpc>
+              <a:spcPct val="90000"/>
+            </a:lnSpc>
+            <a:spcBef>
+              <a:spcPct val="0"/>
+            </a:spcBef>
+            <a:spcAft>
+              <a:spcPct val="15000"/>
+            </a:spcAft>
+            <a:buChar char="••"/>
+          </a:pPr>
+          <a:r>
+            <a:rPr lang="fr-FR" sz="2400" b="1" kern="1200" dirty="0" smtClean="0"/>
+            <a:t>Requête GET </a:t>
+          </a:r>
+          <a:endParaRPr lang="fr-FR" sz="2400" b="1" kern="1200" dirty="0"/>
+        </a:p>
+        <a:p>
+          <a:pPr marL="457200" lvl="2" indent="-228600" algn="l" defTabSz="1066800">
+            <a:lnSpc>
+              <a:spcPct val="90000"/>
+            </a:lnSpc>
+            <a:spcBef>
+              <a:spcPct val="0"/>
+            </a:spcBef>
+            <a:spcAft>
+              <a:spcPct val="15000"/>
+            </a:spcAft>
+            <a:buChar char="••"/>
+          </a:pPr>
+          <a:r>
+            <a:rPr lang="fr-FR" sz="2400" kern="1200" dirty="0" smtClean="0"/>
+            <a:t>Récupération du </a:t>
+          </a:r>
+          <a:r>
+            <a:rPr lang="fr-FR" sz="2400" kern="1200" dirty="0" err="1" smtClean="0"/>
+            <a:t>Json</a:t>
+          </a:r>
+          <a:endParaRPr lang="fr-FR" sz="2400" kern="1200" dirty="0"/>
+        </a:p>
+      </dsp:txBody>
+      <dsp:txXfrm>
+        <a:off x="5465248" y="601561"/>
+        <a:ext cx="3405954" cy="965360"/>
+      </dsp:txXfrm>
+    </dsp:sp>
+    <dsp:sp modelId="{41EA7880-1A0E-4CC2-B59F-914DDD351791}">
+      <dsp:nvSpPr>
+        <dsp:cNvPr id="0" name=""/>
+        <dsp:cNvSpPr/>
+      </dsp:nvSpPr>
+      <dsp:spPr>
+        <a:xfrm>
+          <a:off x="3162648" y="871129"/>
+          <a:ext cx="1340597" cy="670138"/>
+        </a:xfrm>
+        <a:prstGeom prst="rect">
+          <a:avLst/>
+        </a:prstGeom>
+        <a:noFill/>
+        <a:ln>
+          <a:noFill/>
+        </a:ln>
+        <a:effectLst/>
+      </dsp:spPr>
+      <dsp:style>
+        <a:lnRef idx="0">
+          <a:scrgbClr r="0" g="0" b="0"/>
+        </a:lnRef>
+        <a:fillRef idx="0">
+          <a:scrgbClr r="0" g="0" b="0"/>
+        </a:fillRef>
+        <a:effectRef idx="0">
+          <a:scrgbClr r="0" g="0" b="0"/>
+        </a:effectRef>
+        <a:fontRef idx="minor"/>
+      </dsp:style>
+      <dsp:txBody>
+        <a:bodyPr spcFirstLastPara="0" vert="horz" wrap="square" lIns="17780" tIns="17780" rIns="17780" bIns="17780" numCol="1" spcCol="1270" anchor="ctr" anchorCtr="0">
+          <a:noAutofit/>
+        </a:bodyPr>
+        <a:lstStyle/>
+        <a:p>
+          <a:pPr lvl="0" algn="ctr" defTabSz="1244600">
+            <a:lnSpc>
+              <a:spcPct val="90000"/>
+            </a:lnSpc>
+            <a:spcBef>
+              <a:spcPct val="0"/>
+            </a:spcBef>
+            <a:spcAft>
+              <a:spcPct val="35000"/>
+            </a:spcAft>
+          </a:pPr>
+          <a:r>
+            <a:rPr lang="fr-FR" sz="2800" kern="1200" dirty="0" smtClean="0"/>
+            <a:t>Ajax</a:t>
+          </a:r>
+          <a:endParaRPr lang="fr-FR" sz="2800" kern="1200" dirty="0"/>
+        </a:p>
+      </dsp:txBody>
+      <dsp:txXfrm>
+        <a:off x="3162648" y="871129"/>
+        <a:ext cx="1340597" cy="670138"/>
+      </dsp:txXfrm>
+    </dsp:sp>
+    <dsp:sp modelId="{1EAF82E5-DF36-4432-8EFB-3660BDEAF403}">
+      <dsp:nvSpPr>
+        <dsp:cNvPr id="0" name=""/>
+        <dsp:cNvSpPr/>
+      </dsp:nvSpPr>
+      <dsp:spPr>
+        <a:xfrm>
+          <a:off x="1959327" y="1386389"/>
+          <a:ext cx="2412531" cy="2412899"/>
+        </a:xfrm>
+        <a:prstGeom prst="leftCircularArrow">
+          <a:avLst>
+            <a:gd name="adj1" fmla="val 10980"/>
+            <a:gd name="adj2" fmla="val 1142322"/>
+            <a:gd name="adj3" fmla="val 6300000"/>
+            <a:gd name="adj4" fmla="val 18900000"/>
+            <a:gd name="adj5" fmla="val 12500"/>
+          </a:avLst>
+        </a:prstGeom>
+        <a:gradFill rotWithShape="0">
+          <a:gsLst>
+            <a:gs pos="0">
+              <a:schemeClr val="accent1">
+                <a:hueOff val="0"/>
+                <a:satOff val="0"/>
+                <a:lumOff val="0"/>
+                <a:alphaOff val="0"/>
+                <a:tint val="96000"/>
+                <a:lumMod val="104000"/>
+              </a:schemeClr>
+            </a:gs>
+            <a:gs pos="100000">
+              <a:schemeClr val="accent1">
+                <a:hueOff val="0"/>
+                <a:satOff val="0"/>
+                <a:lumOff val="0"/>
+                <a:alphaOff val="0"/>
+                <a:shade val="90000"/>
+                <a:lumMod val="90000"/>
+              </a:schemeClr>
+            </a:gs>
+          </a:gsLst>
+          <a:lin ang="5400000" scaled="0"/>
+        </a:gradFill>
+        <a:ln>
+          <a:noFill/>
+        </a:ln>
+        <a:effectLst>
+          <a:outerShdw blurRad="63500" dist="25400" dir="5400000" rotWithShape="0">
+            <a:srgbClr val="000000">
+              <a:alpha val="60000"/>
+            </a:srgbClr>
+          </a:outerShdw>
+        </a:effectLst>
+      </dsp:spPr>
+      <dsp:style>
+        <a:lnRef idx="0">
+          <a:scrgbClr r="0" g="0" b="0"/>
+        </a:lnRef>
+        <a:fillRef idx="3">
+          <a:scrgbClr r="0" g="0" b="0"/>
+        </a:fillRef>
+        <a:effectRef idx="2">
+          <a:scrgbClr r="0" g="0" b="0"/>
+        </a:effectRef>
+        <a:fontRef idx="minor">
+          <a:schemeClr val="lt1"/>
+        </a:fontRef>
+      </dsp:style>
+    </dsp:sp>
+    <dsp:sp modelId="{EED53FE3-01A0-4A4A-B958-999558A60657}">
+      <dsp:nvSpPr>
+        <dsp:cNvPr id="0" name=""/>
+        <dsp:cNvSpPr/>
+      </dsp:nvSpPr>
+      <dsp:spPr>
+        <a:xfrm>
+          <a:off x="4348677" y="2031293"/>
+          <a:ext cx="5643819" cy="965360"/>
+        </a:xfrm>
+        <a:prstGeom prst="rect">
+          <a:avLst/>
+        </a:prstGeom>
+        <a:noFill/>
+        <a:ln>
+          <a:noFill/>
+        </a:ln>
+        <a:effectLst/>
+      </dsp:spPr>
+      <dsp:style>
+        <a:lnRef idx="0">
+          <a:scrgbClr r="0" g="0" b="0"/>
+        </a:lnRef>
+        <a:fillRef idx="0">
+          <a:scrgbClr r="0" g="0" b="0"/>
+        </a:fillRef>
+        <a:effectRef idx="0">
+          <a:scrgbClr r="0" g="0" b="0"/>
+        </a:effectRef>
+        <a:fontRef idx="minor"/>
+      </dsp:style>
+      <dsp:txBody>
+        <a:bodyPr spcFirstLastPara="0" vert="horz" wrap="square" lIns="15240" tIns="15240" rIns="15240" bIns="15240" numCol="1" spcCol="1270" anchor="ctr" anchorCtr="0">
+          <a:noAutofit/>
+        </a:bodyPr>
+        <a:lstStyle/>
+        <a:p>
+          <a:pPr marL="228600" lvl="1" indent="-228600" algn="l" defTabSz="1066800">
+            <a:lnSpc>
+              <a:spcPct val="90000"/>
+            </a:lnSpc>
+            <a:spcBef>
+              <a:spcPct val="0"/>
+            </a:spcBef>
+            <a:spcAft>
+              <a:spcPct val="15000"/>
+            </a:spcAft>
+            <a:buChar char="••"/>
+          </a:pPr>
+          <a:r>
+            <a:rPr lang="fr-FR" sz="2400" b="1" kern="1200" dirty="0" smtClean="0"/>
+            <a:t>Nativement interprété</a:t>
+          </a:r>
+          <a:endParaRPr lang="fr-FR" sz="2400" b="1" kern="1200" dirty="0"/>
+        </a:p>
+        <a:p>
+          <a:pPr marL="457200" lvl="2" indent="-228600" algn="l" defTabSz="1066800">
+            <a:lnSpc>
+              <a:spcPct val="90000"/>
+            </a:lnSpc>
+            <a:spcBef>
+              <a:spcPct val="0"/>
+            </a:spcBef>
+            <a:spcAft>
+              <a:spcPct val="15000"/>
+            </a:spcAft>
+            <a:buChar char="••"/>
+          </a:pPr>
+          <a:r>
+            <a:rPr lang="fr-FR" sz="2400" kern="1200" dirty="0" smtClean="0"/>
+            <a:t>Extraction des données</a:t>
+          </a:r>
+          <a:endParaRPr lang="fr-FR" sz="2400" kern="1200" dirty="0"/>
+        </a:p>
+      </dsp:txBody>
+      <dsp:txXfrm>
+        <a:off x="4348677" y="2031293"/>
+        <a:ext cx="5643819" cy="965360"/>
+      </dsp:txXfrm>
+    </dsp:sp>
+    <dsp:sp modelId="{6AA25D69-5E05-40A3-9F00-9387D55331A8}">
+      <dsp:nvSpPr>
+        <dsp:cNvPr id="0" name=""/>
+        <dsp:cNvSpPr/>
+      </dsp:nvSpPr>
+      <dsp:spPr>
+        <a:xfrm>
+          <a:off x="2495294" y="2265538"/>
+          <a:ext cx="1340597" cy="670138"/>
+        </a:xfrm>
+        <a:prstGeom prst="rect">
+          <a:avLst/>
+        </a:prstGeom>
+        <a:noFill/>
+        <a:ln>
+          <a:noFill/>
+        </a:ln>
+        <a:effectLst/>
+      </dsp:spPr>
+      <dsp:style>
+        <a:lnRef idx="0">
+          <a:scrgbClr r="0" g="0" b="0"/>
+        </a:lnRef>
+        <a:fillRef idx="0">
+          <a:scrgbClr r="0" g="0" b="0"/>
+        </a:fillRef>
+        <a:effectRef idx="0">
+          <a:scrgbClr r="0" g="0" b="0"/>
+        </a:effectRef>
+        <a:fontRef idx="minor"/>
+      </dsp:style>
+      <dsp:txBody>
+        <a:bodyPr spcFirstLastPara="0" vert="horz" wrap="square" lIns="17780" tIns="17780" rIns="17780" bIns="17780" numCol="1" spcCol="1270" anchor="ctr" anchorCtr="0">
+          <a:noAutofit/>
+        </a:bodyPr>
+        <a:lstStyle/>
+        <a:p>
+          <a:pPr lvl="0" algn="ctr" defTabSz="1244600">
+            <a:lnSpc>
+              <a:spcPct val="90000"/>
+            </a:lnSpc>
+            <a:spcBef>
+              <a:spcPct val="0"/>
+            </a:spcBef>
+            <a:spcAft>
+              <a:spcPct val="35000"/>
+            </a:spcAft>
+          </a:pPr>
+          <a:r>
+            <a:rPr lang="fr-FR" sz="2800" kern="1200" dirty="0" err="1" smtClean="0"/>
+            <a:t>Jquery</a:t>
+          </a:r>
+          <a:endParaRPr lang="fr-FR" sz="2800" kern="1200" dirty="0"/>
+        </a:p>
+      </dsp:txBody>
+      <dsp:txXfrm>
+        <a:off x="2495294" y="2265538"/>
+        <a:ext cx="1340597" cy="670138"/>
+      </dsp:txXfrm>
+    </dsp:sp>
+    <dsp:sp modelId="{A7590864-E6C3-49D8-9B22-DF9210EFF756}">
+      <dsp:nvSpPr>
+        <dsp:cNvPr id="0" name=""/>
+        <dsp:cNvSpPr/>
+      </dsp:nvSpPr>
+      <dsp:spPr>
+        <a:xfrm>
+          <a:off x="2801108" y="2938684"/>
+          <a:ext cx="2072738" cy="2073569"/>
+        </a:xfrm>
+        <a:prstGeom prst="blockArc">
+          <a:avLst>
+            <a:gd name="adj1" fmla="val 13500000"/>
+            <a:gd name="adj2" fmla="val 10800000"/>
+            <a:gd name="adj3" fmla="val 12740"/>
+          </a:avLst>
+        </a:prstGeom>
+        <a:gradFill rotWithShape="0">
+          <a:gsLst>
+            <a:gs pos="0">
+              <a:schemeClr val="accent1">
+                <a:hueOff val="0"/>
+                <a:satOff val="0"/>
+                <a:lumOff val="0"/>
+                <a:alphaOff val="0"/>
+                <a:tint val="96000"/>
+                <a:lumMod val="104000"/>
+              </a:schemeClr>
+            </a:gs>
+            <a:gs pos="100000">
+              <a:schemeClr val="accent1">
+                <a:hueOff val="0"/>
+                <a:satOff val="0"/>
+                <a:lumOff val="0"/>
+                <a:alphaOff val="0"/>
+                <a:shade val="90000"/>
+                <a:lumMod val="90000"/>
+              </a:schemeClr>
+            </a:gs>
+          </a:gsLst>
+          <a:lin ang="5400000" scaled="0"/>
+        </a:gradFill>
+        <a:ln>
+          <a:noFill/>
+        </a:ln>
+        <a:effectLst>
+          <a:outerShdw blurRad="63500" dist="25400" dir="5400000" rotWithShape="0">
+            <a:srgbClr val="000000">
+              <a:alpha val="60000"/>
+            </a:srgbClr>
+          </a:outerShdw>
+        </a:effectLst>
+      </dsp:spPr>
+      <dsp:style>
+        <a:lnRef idx="0">
+          <a:scrgbClr r="0" g="0" b="0"/>
+        </a:lnRef>
+        <a:fillRef idx="3">
+          <a:scrgbClr r="0" g="0" b="0"/>
+        </a:fillRef>
+        <a:effectRef idx="2">
+          <a:scrgbClr r="0" g="0" b="0"/>
+        </a:effectRef>
+        <a:fontRef idx="minor">
+          <a:schemeClr val="lt1"/>
+        </a:fontRef>
+      </dsp:style>
+    </dsp:sp>
+    <dsp:sp modelId="{1EC2A02A-3E8D-473F-97D1-1FB993A4303A}">
+      <dsp:nvSpPr>
+        <dsp:cNvPr id="0" name=""/>
+        <dsp:cNvSpPr/>
+      </dsp:nvSpPr>
+      <dsp:spPr>
+        <a:xfrm>
+          <a:off x="5458447" y="3522663"/>
+          <a:ext cx="4534049" cy="965360"/>
+        </a:xfrm>
+        <a:prstGeom prst="rect">
+          <a:avLst/>
+        </a:prstGeom>
+        <a:noFill/>
+        <a:ln>
+          <a:noFill/>
+        </a:ln>
+        <a:effectLst/>
+      </dsp:spPr>
+      <dsp:style>
+        <a:lnRef idx="0">
+          <a:scrgbClr r="0" g="0" b="0"/>
+        </a:lnRef>
+        <a:fillRef idx="0">
+          <a:scrgbClr r="0" g="0" b="0"/>
+        </a:fillRef>
+        <a:effectRef idx="0">
+          <a:scrgbClr r="0" g="0" b="0"/>
+        </a:effectRef>
+        <a:fontRef idx="minor"/>
+      </dsp:style>
+      <dsp:txBody>
+        <a:bodyPr spcFirstLastPara="0" vert="horz" wrap="square" lIns="15240" tIns="15240" rIns="15240" bIns="15240" numCol="1" spcCol="1270" anchor="ctr" anchorCtr="0">
+          <a:noAutofit/>
+        </a:bodyPr>
+        <a:lstStyle/>
+        <a:p>
+          <a:pPr marL="228600" lvl="1" indent="-228600" algn="l" defTabSz="1066800">
+            <a:lnSpc>
+              <a:spcPct val="90000"/>
+            </a:lnSpc>
+            <a:spcBef>
+              <a:spcPct val="0"/>
+            </a:spcBef>
+            <a:spcAft>
+              <a:spcPct val="15000"/>
+            </a:spcAft>
+            <a:buChar char="••"/>
+          </a:pPr>
+          <a:r>
+            <a:rPr lang="fr-FR" sz="2400" b="1" kern="1200" dirty="0" smtClean="0"/>
+            <a:t>Balise &lt;</a:t>
+          </a:r>
+          <a:r>
+            <a:rPr lang="fr-FR" sz="2400" b="1" kern="1200" dirty="0" err="1" smtClean="0"/>
+            <a:t>canvas</a:t>
+          </a:r>
+          <a:r>
+            <a:rPr lang="fr-FR" sz="2400" b="1" kern="1200" dirty="0" smtClean="0"/>
+            <a:t>&gt;</a:t>
+          </a:r>
+          <a:endParaRPr lang="fr-FR" sz="2400" b="1" kern="1200" dirty="0"/>
+        </a:p>
+        <a:p>
+          <a:pPr marL="457200" lvl="2" indent="-228600" algn="l" defTabSz="1066800">
+            <a:lnSpc>
+              <a:spcPct val="90000"/>
+            </a:lnSpc>
+            <a:spcBef>
+              <a:spcPct val="0"/>
+            </a:spcBef>
+            <a:spcAft>
+              <a:spcPct val="15000"/>
+            </a:spcAft>
+            <a:buChar char="••"/>
+          </a:pPr>
+          <a:r>
+            <a:rPr lang="fr-FR" sz="2400" kern="1200" dirty="0" smtClean="0"/>
+            <a:t>Modélisation des obstacles</a:t>
+          </a:r>
+          <a:endParaRPr lang="fr-FR" sz="2400" kern="1200" dirty="0"/>
+        </a:p>
+      </dsp:txBody>
+      <dsp:txXfrm>
+        <a:off x="5458447" y="3522663"/>
+        <a:ext cx="4534049" cy="965360"/>
+      </dsp:txXfrm>
+    </dsp:sp>
+    <dsp:sp modelId="{7D2E6C7C-9586-4A0C-B907-A004212DF446}">
+      <dsp:nvSpPr>
+        <dsp:cNvPr id="0" name=""/>
+        <dsp:cNvSpPr/>
+      </dsp:nvSpPr>
+      <dsp:spPr>
+        <a:xfrm>
+          <a:off x="3165820" y="3661952"/>
+          <a:ext cx="1340597" cy="670138"/>
+        </a:xfrm>
+        <a:prstGeom prst="rect">
+          <a:avLst/>
+        </a:prstGeom>
+        <a:noFill/>
+        <a:ln>
+          <a:noFill/>
+        </a:ln>
+        <a:effectLst/>
+      </dsp:spPr>
+      <dsp:style>
+        <a:lnRef idx="0">
+          <a:scrgbClr r="0" g="0" b="0"/>
+        </a:lnRef>
+        <a:fillRef idx="0">
+          <a:scrgbClr r="0" g="0" b="0"/>
+        </a:fillRef>
+        <a:effectRef idx="0">
+          <a:scrgbClr r="0" g="0" b="0"/>
+        </a:effectRef>
+        <a:fontRef idx="minor"/>
+      </dsp:style>
+      <dsp:txBody>
+        <a:bodyPr spcFirstLastPara="0" vert="horz" wrap="square" lIns="17780" tIns="17780" rIns="17780" bIns="17780" numCol="1" spcCol="1270" anchor="ctr" anchorCtr="0">
+          <a:noAutofit/>
+        </a:bodyPr>
+        <a:lstStyle/>
+        <a:p>
+          <a:pPr lvl="0" algn="ctr" defTabSz="1244600">
+            <a:lnSpc>
+              <a:spcPct val="90000"/>
+            </a:lnSpc>
+            <a:spcBef>
+              <a:spcPct val="0"/>
+            </a:spcBef>
+            <a:spcAft>
+              <a:spcPct val="35000"/>
+            </a:spcAft>
+          </a:pPr>
+          <a:r>
+            <a:rPr lang="fr-FR" sz="2800" kern="1200" dirty="0" smtClean="0"/>
+            <a:t>HTML5</a:t>
+          </a:r>
+          <a:endParaRPr lang="fr-FR" sz="2800" kern="1200" dirty="0"/>
+        </a:p>
+      </dsp:txBody>
+      <dsp:txXfrm>
+        <a:off x="3165820" y="3661952"/>
+        <a:ext cx="1340597" cy="670138"/>
+      </dsp:txXfrm>
+    </dsp:sp>
   </dsp:spTree>
 </dsp:drawing>
 </file>
@@ -8334,6 +10055,440 @@
 </dgm:styleDef>
 </file>
 
+<file path=ppt/notesMasters/notesMaster1.xml><?xml version="1.0" encoding="utf-8"?>
+<p:notesMaster xmlns:a="http://schemas.openxmlformats.org/drawingml/2006/main" xmlns:r="http://schemas.openxmlformats.org/officeDocument/2006/relationships" xmlns:p="http://schemas.openxmlformats.org/presentationml/2006/main">
+  <p:cSld>
+    <p:bg>
+      <p:bgRef idx="1001">
+        <a:schemeClr val="bg1"/>
+      </p:bgRef>
+    </p:bg>
+    <p:spTree>
+      <p:nvGrpSpPr>
+        <p:cNvPr id="1" name=""/>
+        <p:cNvGrpSpPr/>
+        <p:nvPr/>
+      </p:nvGrpSpPr>
+      <p:grpSpPr>
+        <a:xfrm>
+          <a:off x="0" y="0"/>
+          <a:ext cx="0" cy="0"/>
+          <a:chOff x="0" y="0"/>
+          <a:chExt cx="0" cy="0"/>
+        </a:xfrm>
+      </p:grpSpPr>
+      <p:sp>
+        <p:nvSpPr>
+          <p:cNvPr id="2" name="Espace réservé de l'en-tête 1"/>
+          <p:cNvSpPr>
+            <a:spLocks noGrp="1"/>
+          </p:cNvSpPr>
+          <p:nvPr>
+            <p:ph type="hdr" sz="quarter"/>
+          </p:nvPr>
+        </p:nvSpPr>
+        <p:spPr>
+          <a:xfrm>
+            <a:off x="0" y="0"/>
+            <a:ext cx="2971800" cy="458788"/>
+          </a:xfrm>
+          <a:prstGeom prst="rect">
+            <a:avLst/>
+          </a:prstGeom>
+        </p:spPr>
+        <p:txBody>
+          <a:bodyPr vert="horz" lIns="91440" tIns="45720" rIns="91440" bIns="45720" rtlCol="0"/>
+          <a:lstStyle>
+            <a:lvl1pPr algn="l">
+              <a:defRPr sz="1200"/>
+            </a:lvl1pPr>
+          </a:lstStyle>
+          <a:p>
+            <a:endParaRPr lang="fr-FR"/>
+          </a:p>
+        </p:txBody>
+      </p:sp>
+      <p:sp>
+        <p:nvSpPr>
+          <p:cNvPr id="3" name="Espace réservé de la date 2"/>
+          <p:cNvSpPr>
+            <a:spLocks noGrp="1"/>
+          </p:cNvSpPr>
+          <p:nvPr>
+            <p:ph type="dt" idx="1"/>
+          </p:nvPr>
+        </p:nvSpPr>
+        <p:spPr>
+          <a:xfrm>
+            <a:off x="3884613" y="0"/>
+            <a:ext cx="2971800" cy="458788"/>
+          </a:xfrm>
+          <a:prstGeom prst="rect">
+            <a:avLst/>
+          </a:prstGeom>
+        </p:spPr>
+        <p:txBody>
+          <a:bodyPr vert="horz" lIns="91440" tIns="45720" rIns="91440" bIns="45720" rtlCol="0"/>
+          <a:lstStyle>
+            <a:lvl1pPr algn="r">
+              <a:defRPr sz="1200"/>
+            </a:lvl1pPr>
+          </a:lstStyle>
+          <a:p>
+            <a:fld id="{D1CC9A3A-CF27-42B8-B95F-E00E1882E10D}" type="datetimeFigureOut">
+              <a:rPr lang="fr-FR" smtClean="0"/>
+              <a:t>21/10/2014</a:t>
+            </a:fld>
+            <a:endParaRPr lang="fr-FR"/>
+          </a:p>
+        </p:txBody>
+      </p:sp>
+      <p:sp>
+        <p:nvSpPr>
+          <p:cNvPr id="4" name="Espace réservé de l'image des diapositives 3"/>
+          <p:cNvSpPr>
+            <a:spLocks noGrp="1" noRot="1" noChangeAspect="1"/>
+          </p:cNvSpPr>
+          <p:nvPr>
+            <p:ph type="sldImg" idx="2"/>
+          </p:nvPr>
+        </p:nvSpPr>
+        <p:spPr>
+          <a:xfrm>
+            <a:off x="685800" y="1143000"/>
+            <a:ext cx="5486400" cy="3086100"/>
+          </a:xfrm>
+          <a:prstGeom prst="rect">
+            <a:avLst/>
+          </a:prstGeom>
+          <a:noFill/>
+          <a:ln w="12700">
+            <a:solidFill>
+              <a:prstClr val="black"/>
+            </a:solidFill>
+          </a:ln>
+        </p:spPr>
+        <p:txBody>
+          <a:bodyPr vert="horz" lIns="91440" tIns="45720" rIns="91440" bIns="45720" rtlCol="0" anchor="ctr"/>
+          <a:lstStyle/>
+          <a:p>
+            <a:endParaRPr lang="fr-FR"/>
+          </a:p>
+        </p:txBody>
+      </p:sp>
+      <p:sp>
+        <p:nvSpPr>
+          <p:cNvPr id="5" name="Espace réservé des commentaires 4"/>
+          <p:cNvSpPr>
+            <a:spLocks noGrp="1"/>
+          </p:cNvSpPr>
+          <p:nvPr>
+            <p:ph type="body" sz="quarter" idx="3"/>
+          </p:nvPr>
+        </p:nvSpPr>
+        <p:spPr>
+          <a:xfrm>
+            <a:off x="685800" y="4400550"/>
+            <a:ext cx="5486400" cy="3600450"/>
+          </a:xfrm>
+          <a:prstGeom prst="rect">
+            <a:avLst/>
+          </a:prstGeom>
+        </p:spPr>
+        <p:txBody>
+          <a:bodyPr vert="horz" lIns="91440" tIns="45720" rIns="91440" bIns="45720" rtlCol="0"/>
+          <a:lstStyle/>
+          <a:p>
+            <a:pPr lvl="0"/>
+            <a:r>
+              <a:rPr lang="fr-FR" smtClean="0"/>
+              <a:t>Modifiez les styles du texte du masque</a:t>
+            </a:r>
+          </a:p>
+          <a:p>
+            <a:pPr lvl="1"/>
+            <a:r>
+              <a:rPr lang="fr-FR" smtClean="0"/>
+              <a:t>Deuxième niveau</a:t>
+            </a:r>
+          </a:p>
+          <a:p>
+            <a:pPr lvl="2"/>
+            <a:r>
+              <a:rPr lang="fr-FR" smtClean="0"/>
+              <a:t>Troisième niveau</a:t>
+            </a:r>
+          </a:p>
+          <a:p>
+            <a:pPr lvl="3"/>
+            <a:r>
+              <a:rPr lang="fr-FR" smtClean="0"/>
+              <a:t>Quatrième niveau</a:t>
+            </a:r>
+          </a:p>
+          <a:p>
+            <a:pPr lvl="4"/>
+            <a:r>
+              <a:rPr lang="fr-FR" smtClean="0"/>
+              <a:t>Cinquième niveau</a:t>
+            </a:r>
+            <a:endParaRPr lang="fr-FR"/>
+          </a:p>
+        </p:txBody>
+      </p:sp>
+      <p:sp>
+        <p:nvSpPr>
+          <p:cNvPr id="6" name="Espace réservé du pied de page 5"/>
+          <p:cNvSpPr>
+            <a:spLocks noGrp="1"/>
+          </p:cNvSpPr>
+          <p:nvPr>
+            <p:ph type="ftr" sz="quarter" idx="4"/>
+          </p:nvPr>
+        </p:nvSpPr>
+        <p:spPr>
+          <a:xfrm>
+            <a:off x="0" y="8685213"/>
+            <a:ext cx="2971800" cy="458787"/>
+          </a:xfrm>
+          <a:prstGeom prst="rect">
+            <a:avLst/>
+          </a:prstGeom>
+        </p:spPr>
+        <p:txBody>
+          <a:bodyPr vert="horz" lIns="91440" tIns="45720" rIns="91440" bIns="45720" rtlCol="0" anchor="b"/>
+          <a:lstStyle>
+            <a:lvl1pPr algn="l">
+              <a:defRPr sz="1200"/>
+            </a:lvl1pPr>
+          </a:lstStyle>
+          <a:p>
+            <a:endParaRPr lang="fr-FR"/>
+          </a:p>
+        </p:txBody>
+      </p:sp>
+      <p:sp>
+        <p:nvSpPr>
+          <p:cNvPr id="7" name="Espace réservé du numéro de diapositive 6"/>
+          <p:cNvSpPr>
+            <a:spLocks noGrp="1"/>
+          </p:cNvSpPr>
+          <p:nvPr>
+            <p:ph type="sldNum" sz="quarter" idx="5"/>
+          </p:nvPr>
+        </p:nvSpPr>
+        <p:spPr>
+          <a:xfrm>
+            <a:off x="3884613" y="8685213"/>
+            <a:ext cx="2971800" cy="458787"/>
+          </a:xfrm>
+          <a:prstGeom prst="rect">
+            <a:avLst/>
+          </a:prstGeom>
+        </p:spPr>
+        <p:txBody>
+          <a:bodyPr vert="horz" lIns="91440" tIns="45720" rIns="91440" bIns="45720" rtlCol="0" anchor="b"/>
+          <a:lstStyle>
+            <a:lvl1pPr algn="r">
+              <a:defRPr sz="1200"/>
+            </a:lvl1pPr>
+          </a:lstStyle>
+          <a:p>
+            <a:fld id="{4BC70F22-A20A-49C0-8E34-1256B3349F53}" type="slidenum">
+              <a:rPr lang="fr-FR" smtClean="0"/>
+              <a:t>‹N°›</a:t>
+            </a:fld>
+            <a:endParaRPr lang="fr-FR"/>
+          </a:p>
+        </p:txBody>
+      </p:sp>
+    </p:spTree>
+    <p:extLst>
+      <p:ext uri="{BB962C8B-B14F-4D97-AF65-F5344CB8AC3E}">
+        <p14:creationId xmlns:p14="http://schemas.microsoft.com/office/powerpoint/2010/main" val="3093029844"/>
+      </p:ext>
+    </p:extLst>
+  </p:cSld>
+  <p:clrMap bg1="lt1" tx1="dk1" bg2="lt2" tx2="dk2" accent1="accent1" accent2="accent2" accent3="accent3" accent4="accent4" accent5="accent5" accent6="accent6" hlink="hlink" folHlink="folHlink"/>
+  <p:notesStyle>
+    <a:lvl1pPr marL="0" algn="l" defTabSz="914400" rtl="0" eaLnBrk="1" latinLnBrk="0" hangingPunct="1">
+      <a:defRPr sz="1200" kern="1200">
+        <a:solidFill>
+          <a:schemeClr val="tx1"/>
+        </a:solidFill>
+        <a:latin typeface="+mn-lt"/>
+        <a:ea typeface="+mn-ea"/>
+        <a:cs typeface="+mn-cs"/>
+      </a:defRPr>
+    </a:lvl1pPr>
+    <a:lvl2pPr marL="457200" algn="l" defTabSz="914400" rtl="0" eaLnBrk="1" latinLnBrk="0" hangingPunct="1">
+      <a:defRPr sz="1200" kern="1200">
+        <a:solidFill>
+          <a:schemeClr val="tx1"/>
+        </a:solidFill>
+        <a:latin typeface="+mn-lt"/>
+        <a:ea typeface="+mn-ea"/>
+        <a:cs typeface="+mn-cs"/>
+      </a:defRPr>
+    </a:lvl2pPr>
+    <a:lvl3pPr marL="914400" algn="l" defTabSz="914400" rtl="0" eaLnBrk="1" latinLnBrk="0" hangingPunct="1">
+      <a:defRPr sz="1200" kern="1200">
+        <a:solidFill>
+          <a:schemeClr val="tx1"/>
+        </a:solidFill>
+        <a:latin typeface="+mn-lt"/>
+        <a:ea typeface="+mn-ea"/>
+        <a:cs typeface="+mn-cs"/>
+      </a:defRPr>
+    </a:lvl3pPr>
+    <a:lvl4pPr marL="1371600" algn="l" defTabSz="914400" rtl="0" eaLnBrk="1" latinLnBrk="0" hangingPunct="1">
+      <a:defRPr sz="1200" kern="1200">
+        <a:solidFill>
+          <a:schemeClr val="tx1"/>
+        </a:solidFill>
+        <a:latin typeface="+mn-lt"/>
+        <a:ea typeface="+mn-ea"/>
+        <a:cs typeface="+mn-cs"/>
+      </a:defRPr>
+    </a:lvl4pPr>
+    <a:lvl5pPr marL="1828800" algn="l" defTabSz="914400" rtl="0" eaLnBrk="1" latinLnBrk="0" hangingPunct="1">
+      <a:defRPr sz="1200" kern="1200">
+        <a:solidFill>
+          <a:schemeClr val="tx1"/>
+        </a:solidFill>
+        <a:latin typeface="+mn-lt"/>
+        <a:ea typeface="+mn-ea"/>
+        <a:cs typeface="+mn-cs"/>
+      </a:defRPr>
+    </a:lvl5pPr>
+    <a:lvl6pPr marL="2286000" algn="l" defTabSz="914400" rtl="0" eaLnBrk="1" latinLnBrk="0" hangingPunct="1">
+      <a:defRPr sz="1200" kern="1200">
+        <a:solidFill>
+          <a:schemeClr val="tx1"/>
+        </a:solidFill>
+        <a:latin typeface="+mn-lt"/>
+        <a:ea typeface="+mn-ea"/>
+        <a:cs typeface="+mn-cs"/>
+      </a:defRPr>
+    </a:lvl6pPr>
+    <a:lvl7pPr marL="2743200" algn="l" defTabSz="914400" rtl="0" eaLnBrk="1" latinLnBrk="0" hangingPunct="1">
+      <a:defRPr sz="1200" kern="1200">
+        <a:solidFill>
+          <a:schemeClr val="tx1"/>
+        </a:solidFill>
+        <a:latin typeface="+mn-lt"/>
+        <a:ea typeface="+mn-ea"/>
+        <a:cs typeface="+mn-cs"/>
+      </a:defRPr>
+    </a:lvl7pPr>
+    <a:lvl8pPr marL="3200400" algn="l" defTabSz="914400" rtl="0" eaLnBrk="1" latinLnBrk="0" hangingPunct="1">
+      <a:defRPr sz="1200" kern="1200">
+        <a:solidFill>
+          <a:schemeClr val="tx1"/>
+        </a:solidFill>
+        <a:latin typeface="+mn-lt"/>
+        <a:ea typeface="+mn-ea"/>
+        <a:cs typeface="+mn-cs"/>
+      </a:defRPr>
+    </a:lvl8pPr>
+    <a:lvl9pPr marL="3657600" algn="l" defTabSz="914400" rtl="0" eaLnBrk="1" latinLnBrk="0" hangingPunct="1">
+      <a:defRPr sz="1200" kern="1200">
+        <a:solidFill>
+          <a:schemeClr val="tx1"/>
+        </a:solidFill>
+        <a:latin typeface="+mn-lt"/>
+        <a:ea typeface="+mn-ea"/>
+        <a:cs typeface="+mn-cs"/>
+      </a:defRPr>
+    </a:lvl9pPr>
+  </p:notesStyle>
+</p:notesMaster>
+</file>
+
+<file path=ppt/notesSlides/notesSlide1.xml><?xml version="1.0" encoding="utf-8"?>
+<p:notes xmlns:a="http://schemas.openxmlformats.org/drawingml/2006/main" xmlns:r="http://schemas.openxmlformats.org/officeDocument/2006/relationships" xmlns:p="http://schemas.openxmlformats.org/presentationml/2006/main">
+  <p:cSld>
+    <p:spTree>
+      <p:nvGrpSpPr>
+        <p:cNvPr id="1" name=""/>
+        <p:cNvGrpSpPr/>
+        <p:nvPr/>
+      </p:nvGrpSpPr>
+      <p:grpSpPr>
+        <a:xfrm>
+          <a:off x="0" y="0"/>
+          <a:ext cx="0" cy="0"/>
+          <a:chOff x="0" y="0"/>
+          <a:chExt cx="0" cy="0"/>
+        </a:xfrm>
+      </p:grpSpPr>
+      <p:sp>
+        <p:nvSpPr>
+          <p:cNvPr id="2" name="Espace réservé de l'image des diapositives 1"/>
+          <p:cNvSpPr>
+            <a:spLocks noGrp="1" noRot="1" noChangeAspect="1"/>
+          </p:cNvSpPr>
+          <p:nvPr>
+            <p:ph type="sldImg"/>
+          </p:nvPr>
+        </p:nvSpPr>
+        <p:spPr/>
+      </p:sp>
+      <p:sp>
+        <p:nvSpPr>
+          <p:cNvPr id="3" name="Espace réservé des commentaires 2"/>
+          <p:cNvSpPr>
+            <a:spLocks noGrp="1"/>
+          </p:cNvSpPr>
+          <p:nvPr>
+            <p:ph type="body" idx="1"/>
+          </p:nvPr>
+        </p:nvSpPr>
+        <p:spPr/>
+        <p:txBody>
+          <a:bodyPr/>
+          <a:lstStyle/>
+          <a:p>
+            <a:endParaRPr lang="fr-FR"/>
+          </a:p>
+        </p:txBody>
+      </p:sp>
+      <p:sp>
+        <p:nvSpPr>
+          <p:cNvPr id="4" name="Espace réservé du numéro de diapositive 3"/>
+          <p:cNvSpPr>
+            <a:spLocks noGrp="1"/>
+          </p:cNvSpPr>
+          <p:nvPr>
+            <p:ph type="sldNum" sz="quarter" idx="10"/>
+          </p:nvPr>
+        </p:nvSpPr>
+        <p:spPr/>
+        <p:txBody>
+          <a:bodyPr/>
+          <a:lstStyle/>
+          <a:p>
+            <a:fld id="{4BC70F22-A20A-49C0-8E34-1256B3349F53}" type="slidenum">
+              <a:rPr lang="fr-FR" smtClean="0"/>
+              <a:t>1</a:t>
+            </a:fld>
+            <a:endParaRPr lang="fr-FR"/>
+          </a:p>
+        </p:txBody>
+      </p:sp>
+    </p:spTree>
+    <p:extLst>
+      <p:ext uri="{BB962C8B-B14F-4D97-AF65-F5344CB8AC3E}">
+        <p14:creationId xmlns:p14="http://schemas.microsoft.com/office/powerpoint/2010/main" val="4109480282"/>
+      </p:ext>
+    </p:extLst>
+  </p:cSld>
+  <p:clrMapOvr>
+    <a:masterClrMapping/>
+  </p:clrMapOvr>
+</p:notes>
+</file>
+
 <file path=ppt/slideLayouts/slideLayout1.xml><?xml version="1.0" encoding="utf-8"?>
 <p:sldLayout xmlns:a="http://schemas.openxmlformats.org/drawingml/2006/main" xmlns:r="http://schemas.openxmlformats.org/officeDocument/2006/relationships" xmlns:p="http://schemas.openxmlformats.org/presentationml/2006/main" type="title" preserve="1">
   <p:cSld name="Diapositive de titre">
@@ -8517,9 +10672,8 @@
           <a:bodyPr/>
           <a:lstStyle/>
           <a:p>
-            <a:fld id="{B61BEF0D-F0BB-DE4B-95CE-6DB70DBA9567}" type="datetimeFigureOut">
+            <a:fld id="{29DDE018-845D-4EF6-8185-A969E0947FC6}" type="datetime1">
               <a:rPr lang="en-US" smtClean="0"/>
-              <a:pPr/>
               <a:t>10/21/2014</a:t>
             </a:fld>
             <a:endParaRPr lang="en-US" dirty="0"/>
@@ -8817,9 +10971,8 @@
           <a:bodyPr/>
           <a:lstStyle/>
           <a:p>
-            <a:fld id="{B61BEF0D-F0BB-DE4B-95CE-6DB70DBA9567}" type="datetimeFigureOut">
+            <a:fld id="{62E041FA-F3CF-4274-95E8-071A0EB855AA}" type="datetime1">
               <a:rPr lang="en-US" smtClean="0"/>
-              <a:pPr/>
               <a:t>10/21/2014</a:t>
             </a:fld>
             <a:endParaRPr lang="en-US" dirty="0"/>
@@ -9011,9 +11164,8 @@
           <a:bodyPr/>
           <a:lstStyle/>
           <a:p>
-            <a:fld id="{B61BEF0D-F0BB-DE4B-95CE-6DB70DBA9567}" type="datetimeFigureOut">
+            <a:fld id="{D6137B76-5FF8-46D2-8276-3A4C6599E6EA}" type="datetime1">
               <a:rPr lang="en-US" smtClean="0"/>
-              <a:pPr/>
               <a:t>10/21/2014</a:t>
             </a:fld>
             <a:endParaRPr lang="en-US" dirty="0"/>
@@ -9274,9 +11426,8 @@
           <a:bodyPr/>
           <a:lstStyle/>
           <a:p>
-            <a:fld id="{B61BEF0D-F0BB-DE4B-95CE-6DB70DBA9567}" type="datetimeFigureOut">
+            <a:fld id="{E817D9B6-66D8-4344-9490-43AD2C598818}" type="datetime1">
               <a:rPr lang="en-US" smtClean="0"/>
-              <a:pPr/>
               <a:t>10/21/2014</a:t>
             </a:fld>
             <a:endParaRPr lang="en-US" dirty="0"/>
@@ -9700,9 +11851,8 @@
           <a:bodyPr/>
           <a:lstStyle/>
           <a:p>
-            <a:fld id="{B61BEF0D-F0BB-DE4B-95CE-6DB70DBA9567}" type="datetimeFigureOut">
+            <a:fld id="{9EFC1E8A-4B99-4850-87BB-D4B00ECE6DEC}" type="datetime1">
               <a:rPr lang="en-US" smtClean="0"/>
-              <a:pPr/>
               <a:t>10/21/2014</a:t>
             </a:fld>
             <a:endParaRPr lang="en-US" dirty="0"/>
@@ -10239,9 +12389,8 @@
           <a:bodyPr/>
           <a:lstStyle/>
           <a:p>
-            <a:fld id="{B61BEF0D-F0BB-DE4B-95CE-6DB70DBA9567}" type="datetimeFigureOut">
+            <a:fld id="{FBDBCF38-50B7-4DF8-A68E-72C9848F1AF0}" type="datetime1">
               <a:rPr lang="en-US" smtClean="0"/>
-              <a:pPr/>
               <a:t>10/21/2014</a:t>
             </a:fld>
             <a:endParaRPr lang="en-US" dirty="0"/>
@@ -11105,9 +13254,8 @@
           <a:bodyPr/>
           <a:lstStyle/>
           <a:p>
-            <a:fld id="{B61BEF0D-F0BB-DE4B-95CE-6DB70DBA9567}" type="datetimeFigureOut">
+            <a:fld id="{FB182CFF-B7C1-4B5B-AADA-CF03209EB6C1}" type="datetime1">
               <a:rPr lang="en-US" smtClean="0"/>
-              <a:pPr/>
               <a:t>10/21/2014</a:t>
             </a:fld>
             <a:endParaRPr lang="en-US" dirty="0"/>
@@ -11277,9 +13425,8 @@
           <a:bodyPr/>
           <a:lstStyle/>
           <a:p>
-            <a:fld id="{B61BEF0D-F0BB-DE4B-95CE-6DB70DBA9567}" type="datetimeFigureOut">
+            <a:fld id="{F63CC59C-30D6-493A-8686-DC821E253757}" type="datetime1">
               <a:rPr lang="en-US" smtClean="0"/>
-              <a:pPr/>
               <a:t>10/21/2014</a:t>
             </a:fld>
             <a:endParaRPr lang="en-US" dirty="0"/>
@@ -11463,9 +13610,8 @@
           <a:bodyPr/>
           <a:lstStyle/>
           <a:p>
-            <a:fld id="{B61BEF0D-F0BB-DE4B-95CE-6DB70DBA9567}" type="datetimeFigureOut">
+            <a:fld id="{472BBEEA-4558-4350-9E90-74660CBF8326}" type="datetime1">
               <a:rPr lang="en-US" smtClean="0"/>
-              <a:pPr/>
               <a:t>10/21/2014</a:t>
             </a:fld>
             <a:endParaRPr lang="en-US" dirty="0"/>
@@ -11635,9 +13781,8 @@
           <a:bodyPr/>
           <a:lstStyle/>
           <a:p>
-            <a:fld id="{B61BEF0D-F0BB-DE4B-95CE-6DB70DBA9567}" type="datetimeFigureOut">
+            <a:fld id="{289334B8-AC6D-48BB-8475-B105A37902AA}" type="datetime1">
               <a:rPr lang="en-US" smtClean="0"/>
-              <a:pPr/>
               <a:t>10/21/2014</a:t>
             </a:fld>
             <a:endParaRPr lang="en-US" dirty="0"/>
@@ -11881,9 +14026,8 @@
           <a:bodyPr/>
           <a:lstStyle/>
           <a:p>
-            <a:fld id="{B61BEF0D-F0BB-DE4B-95CE-6DB70DBA9567}" type="datetimeFigureOut">
+            <a:fld id="{809D3529-200F-4CB5-9800-55DBD6633CC1}" type="datetime1">
               <a:rPr lang="en-US" smtClean="0"/>
-              <a:pPr/>
               <a:t>10/21/2014</a:t>
             </a:fld>
             <a:endParaRPr lang="en-US" dirty="0"/>
@@ -12119,9 +14263,8 @@
           <a:bodyPr/>
           <a:lstStyle/>
           <a:p>
-            <a:fld id="{B61BEF0D-F0BB-DE4B-95CE-6DB70DBA9567}" type="datetimeFigureOut">
+            <a:fld id="{F7744574-FAEF-4E40-B2BD-E6B4F85B3DCF}" type="datetime1">
               <a:rPr lang="en-US" smtClean="0"/>
-              <a:pPr/>
               <a:t>10/21/2014</a:t>
             </a:fld>
             <a:endParaRPr lang="en-US" dirty="0"/>
@@ -12587,9 +14730,8 @@
           <a:bodyPr/>
           <a:lstStyle/>
           <a:p>
-            <a:fld id="{B61BEF0D-F0BB-DE4B-95CE-6DB70DBA9567}" type="datetimeFigureOut">
+            <a:fld id="{11E2C025-DFB0-41F6-9BE1-843E2A9D5C5A}" type="datetime1">
               <a:rPr lang="en-US" smtClean="0"/>
-              <a:pPr/>
               <a:t>10/21/2014</a:t>
             </a:fld>
             <a:endParaRPr lang="en-US" dirty="0"/>
@@ -12707,9 +14849,8 @@
           <a:bodyPr/>
           <a:lstStyle/>
           <a:p>
-            <a:fld id="{B61BEF0D-F0BB-DE4B-95CE-6DB70DBA9567}" type="datetimeFigureOut">
+            <a:fld id="{797DC730-E259-4E4D-BFA3-42F3982C5B7B}" type="datetime1">
               <a:rPr lang="en-US" smtClean="0"/>
-              <a:pPr/>
               <a:t>10/21/2014</a:t>
             </a:fld>
             <a:endParaRPr lang="en-US" dirty="0"/>
@@ -12804,9 +14945,8 @@
           <a:bodyPr/>
           <a:lstStyle/>
           <a:p>
-            <a:fld id="{B61BEF0D-F0BB-DE4B-95CE-6DB70DBA9567}" type="datetimeFigureOut">
+            <a:fld id="{45385DFF-54F5-46B1-B6D1-941CCA1CAFBE}" type="datetime1">
               <a:rPr lang="en-US" smtClean="0"/>
-              <a:pPr/>
               <a:t>10/21/2014</a:t>
             </a:fld>
             <a:endParaRPr lang="en-US" dirty="0"/>
@@ -13061,9 +15201,8 @@
           <a:bodyPr/>
           <a:lstStyle/>
           <a:p>
-            <a:fld id="{B61BEF0D-F0BB-DE4B-95CE-6DB70DBA9567}" type="datetimeFigureOut">
+            <a:fld id="{614282B7-6033-4321-AE02-F84DCD2600EE}" type="datetime1">
               <a:rPr lang="en-US" smtClean="0"/>
-              <a:pPr/>
               <a:t>10/21/2014</a:t>
             </a:fld>
             <a:endParaRPr lang="en-US" dirty="0"/>
@@ -13363,9 +15502,8 @@
           <a:bodyPr/>
           <a:lstStyle/>
           <a:p>
-            <a:fld id="{B61BEF0D-F0BB-DE4B-95CE-6DB70DBA9567}" type="datetimeFigureOut">
+            <a:fld id="{8A4623B1-FE05-4340-BA28-97EACCDAC690}" type="datetime1">
               <a:rPr lang="en-US" smtClean="0"/>
-              <a:pPr/>
               <a:t>10/21/2014</a:t>
             </a:fld>
             <a:endParaRPr lang="en-US" dirty="0"/>
@@ -13599,9 +15737,8 @@
             </a:lvl1pPr>
           </a:lstStyle>
           <a:p>
-            <a:fld id="{B61BEF0D-F0BB-DE4B-95CE-6DB70DBA9567}" type="datetimeFigureOut">
+            <a:fld id="{A832884D-002A-4022-9BAE-972E601D41D9}" type="datetime1">
               <a:rPr lang="en-US" smtClean="0"/>
-              <a:pPr/>
               <a:t>10/21/2014</a:t>
             </a:fld>
             <a:endParaRPr lang="en-US" dirty="0"/>
@@ -13728,6 +15865,7 @@
     <p:sldLayoutId id="2147483676" r:id="rId16"/>
     <p:sldLayoutId id="2147483677" r:id="rId17"/>
   </p:sldLayoutIdLst>
+  <p:hf hdr="0" ftr="0" dt="0"/>
   <p:txStyles>
     <p:titleStyle>
       <a:lvl1pPr algn="ctr" defTabSz="457200" rtl="0" eaLnBrk="1" latinLnBrk="0" hangingPunct="1">
@@ -14384,7 +16522,7 @@
           <p:nvPr/>
         </p:nvPicPr>
         <p:blipFill>
-          <a:blip r:embed="rId2">
+          <a:blip r:embed="rId3">
             <a:extLst>
               <a:ext uri="{28A0092B-C50C-407E-A947-70E740481C1C}">
                 <a14:useLocalDpi xmlns:a14="http://schemas.microsoft.com/office/drawing/2010/main" val="0"/>
@@ -14414,7 +16552,7 @@
           <p:nvPr/>
         </p:nvPicPr>
         <p:blipFill>
-          <a:blip r:embed="rId3">
+          <a:blip r:embed="rId4">
             <a:extLst>
               <a:ext uri="{28A0092B-C50C-407E-A947-70E740481C1C}">
                 <a14:useLocalDpi xmlns:a14="http://schemas.microsoft.com/office/drawing/2010/main" val="0"/>
@@ -14529,6 +16667,35 @@
           </a:p>
         </p:txBody>
       </p:sp>
+      <p:sp>
+        <p:nvSpPr>
+          <p:cNvPr id="4" name="Espace réservé du numéro de diapositive 3"/>
+          <p:cNvSpPr>
+            <a:spLocks noGrp="1"/>
+          </p:cNvSpPr>
+          <p:nvPr>
+            <p:ph type="sldNum" sz="quarter" idx="12"/>
+          </p:nvPr>
+        </p:nvSpPr>
+        <p:spPr>
+          <a:xfrm>
+            <a:off x="11438455" y="6492875"/>
+            <a:ext cx="753545" cy="365125"/>
+          </a:xfrm>
+        </p:spPr>
+        <p:txBody>
+          <a:bodyPr/>
+          <a:lstStyle/>
+          <a:p>
+            <a:fld id="{D57F1E4F-1CFF-5643-939E-217C01CDF565}" type="slidenum">
+              <a:rPr lang="en-US" smtClean="0"/>
+              <a:pPr/>
+              <a:t>10</a:t>
+            </a:fld>
+            <a:endParaRPr lang="en-US" dirty="0"/>
+          </a:p>
+        </p:txBody>
+      </p:sp>
     </p:spTree>
     <p:extLst>
       <p:ext uri="{BB962C8B-B14F-4D97-AF65-F5344CB8AC3E}">
@@ -14870,6 +17037,35 @@
               </a:rPr>
               <a:t>Note: paramètres utiles pour l’odométrie  diapo.13</a:t>
             </a:r>
+          </a:p>
+        </p:txBody>
+      </p:sp>
+      <p:sp>
+        <p:nvSpPr>
+          <p:cNvPr id="3" name="Espace réservé du numéro de diapositive 2"/>
+          <p:cNvSpPr>
+            <a:spLocks noGrp="1"/>
+          </p:cNvSpPr>
+          <p:nvPr>
+            <p:ph type="sldNum" sz="quarter" idx="12"/>
+          </p:nvPr>
+        </p:nvSpPr>
+        <p:spPr>
+          <a:xfrm>
+            <a:off x="11438455" y="6492875"/>
+            <a:ext cx="753545" cy="365125"/>
+          </a:xfrm>
+        </p:spPr>
+        <p:txBody>
+          <a:bodyPr/>
+          <a:lstStyle/>
+          <a:p>
+            <a:fld id="{D57F1E4F-1CFF-5643-939E-217C01CDF565}" type="slidenum">
+              <a:rPr lang="en-US" smtClean="0"/>
+              <a:pPr/>
+              <a:t>11</a:t>
+            </a:fld>
+            <a:endParaRPr lang="en-US" dirty="0"/>
           </a:p>
         </p:txBody>
       </p:sp>
@@ -15194,6 +17390,35 @@
           </a:p>
         </p:txBody>
       </p:sp>
+      <p:sp>
+        <p:nvSpPr>
+          <p:cNvPr id="5" name="Espace réservé du numéro de diapositive 4"/>
+          <p:cNvSpPr>
+            <a:spLocks noGrp="1"/>
+          </p:cNvSpPr>
+          <p:nvPr>
+            <p:ph type="sldNum" sz="quarter" idx="12"/>
+          </p:nvPr>
+        </p:nvSpPr>
+        <p:spPr>
+          <a:xfrm>
+            <a:off x="11438455" y="6492875"/>
+            <a:ext cx="753545" cy="365125"/>
+          </a:xfrm>
+        </p:spPr>
+        <p:txBody>
+          <a:bodyPr/>
+          <a:lstStyle/>
+          <a:p>
+            <a:fld id="{D57F1E4F-1CFF-5643-939E-217C01CDF565}" type="slidenum">
+              <a:rPr lang="en-US" smtClean="0"/>
+              <a:pPr/>
+              <a:t>12</a:t>
+            </a:fld>
+            <a:endParaRPr lang="en-US" dirty="0"/>
+          </a:p>
+        </p:txBody>
+      </p:sp>
     </p:spTree>
     <p:extLst>
       <p:ext uri="{BB962C8B-B14F-4D97-AF65-F5344CB8AC3E}">
@@ -15293,6 +17518,35 @@
           </a:effectLst>
         </p:spPr>
       </p:pic>
+      <p:sp>
+        <p:nvSpPr>
+          <p:cNvPr id="4" name="Espace réservé du numéro de diapositive 3"/>
+          <p:cNvSpPr>
+            <a:spLocks noGrp="1"/>
+          </p:cNvSpPr>
+          <p:nvPr>
+            <p:ph type="sldNum" sz="quarter" idx="12"/>
+          </p:nvPr>
+        </p:nvSpPr>
+        <p:spPr>
+          <a:xfrm>
+            <a:off x="11438455" y="6492875"/>
+            <a:ext cx="753545" cy="365125"/>
+          </a:xfrm>
+        </p:spPr>
+        <p:txBody>
+          <a:bodyPr/>
+          <a:lstStyle/>
+          <a:p>
+            <a:fld id="{D57F1E4F-1CFF-5643-939E-217C01CDF565}" type="slidenum">
+              <a:rPr lang="en-US" smtClean="0"/>
+              <a:pPr/>
+              <a:t>13</a:t>
+            </a:fld>
+            <a:endParaRPr lang="en-US" dirty="0"/>
+          </a:p>
+        </p:txBody>
+      </p:sp>
     </p:spTree>
     <p:extLst>
       <p:ext uri="{BB962C8B-B14F-4D97-AF65-F5344CB8AC3E}">
@@ -15500,6 +17754,35 @@
           </a:prstGeom>
         </p:spPr>
       </p:pic>
+      <p:sp>
+        <p:nvSpPr>
+          <p:cNvPr id="2" name="Espace réservé du numéro de diapositive 1"/>
+          <p:cNvSpPr>
+            <a:spLocks noGrp="1"/>
+          </p:cNvSpPr>
+          <p:nvPr>
+            <p:ph type="sldNum" sz="quarter" idx="12"/>
+          </p:nvPr>
+        </p:nvSpPr>
+        <p:spPr>
+          <a:xfrm>
+            <a:off x="11438455" y="6473697"/>
+            <a:ext cx="753545" cy="365125"/>
+          </a:xfrm>
+        </p:spPr>
+        <p:txBody>
+          <a:bodyPr/>
+          <a:lstStyle/>
+          <a:p>
+            <a:fld id="{D57F1E4F-1CFF-5643-939E-217C01CDF565}" type="slidenum">
+              <a:rPr lang="en-US" smtClean="0"/>
+              <a:pPr/>
+              <a:t>14</a:t>
+            </a:fld>
+            <a:endParaRPr lang="en-US" dirty="0"/>
+          </a:p>
+        </p:txBody>
+      </p:sp>
     </p:spTree>
     <p:extLst>
       <p:ext uri="{BB962C8B-B14F-4D97-AF65-F5344CB8AC3E}">
@@ -16701,6 +18984,35 @@
           </a:p>
         </p:txBody>
       </p:sp>
+      <p:sp>
+        <p:nvSpPr>
+          <p:cNvPr id="2" name="Espace réservé du numéro de diapositive 1"/>
+          <p:cNvSpPr>
+            <a:spLocks noGrp="1"/>
+          </p:cNvSpPr>
+          <p:nvPr>
+            <p:ph type="sldNum" sz="quarter" idx="12"/>
+          </p:nvPr>
+        </p:nvSpPr>
+        <p:spPr>
+          <a:xfrm>
+            <a:off x="11438455" y="6485840"/>
+            <a:ext cx="753545" cy="365125"/>
+          </a:xfrm>
+        </p:spPr>
+        <p:txBody>
+          <a:bodyPr/>
+          <a:lstStyle/>
+          <a:p>
+            <a:fld id="{D57F1E4F-1CFF-5643-939E-217C01CDF565}" type="slidenum">
+              <a:rPr lang="en-US" smtClean="0"/>
+              <a:pPr/>
+              <a:t>15</a:t>
+            </a:fld>
+            <a:endParaRPr lang="en-US" dirty="0"/>
+          </a:p>
+        </p:txBody>
+      </p:sp>
     </p:spTree>
     <p:extLst>
       <p:ext uri="{BB962C8B-B14F-4D97-AF65-F5344CB8AC3E}">
@@ -18212,6 +20524,35 @@
           </a:p>
           <a:p>
             <a:endParaRPr lang="fr-FR" dirty="0"/>
+          </a:p>
+        </p:txBody>
+      </p:sp>
+      <p:sp>
+        <p:nvSpPr>
+          <p:cNvPr id="3" name="Espace réservé du numéro de diapositive 2"/>
+          <p:cNvSpPr>
+            <a:spLocks noGrp="1"/>
+          </p:cNvSpPr>
+          <p:nvPr>
+            <p:ph type="sldNum" sz="quarter" idx="12"/>
+          </p:nvPr>
+        </p:nvSpPr>
+        <p:spPr>
+          <a:xfrm>
+            <a:off x="11438455" y="6492875"/>
+            <a:ext cx="753545" cy="365125"/>
+          </a:xfrm>
+        </p:spPr>
+        <p:txBody>
+          <a:bodyPr/>
+          <a:lstStyle/>
+          <a:p>
+            <a:fld id="{D57F1E4F-1CFF-5643-939E-217C01CDF565}" type="slidenum">
+              <a:rPr lang="en-US" smtClean="0"/>
+              <a:pPr/>
+              <a:t>16</a:t>
+            </a:fld>
+            <a:endParaRPr lang="en-US" dirty="0"/>
           </a:p>
         </p:txBody>
       </p:sp>
@@ -18942,6 +21283,35 @@
           </a:graphicData>
         </a:graphic>
       </p:graphicFrame>
+      <p:sp>
+        <p:nvSpPr>
+          <p:cNvPr id="3" name="Espace réservé du numéro de diapositive 2"/>
+          <p:cNvSpPr>
+            <a:spLocks noGrp="1"/>
+          </p:cNvSpPr>
+          <p:nvPr>
+            <p:ph type="sldNum" sz="quarter" idx="12"/>
+          </p:nvPr>
+        </p:nvSpPr>
+        <p:spPr>
+          <a:xfrm>
+            <a:off x="11438455" y="6492875"/>
+            <a:ext cx="753545" cy="365125"/>
+          </a:xfrm>
+        </p:spPr>
+        <p:txBody>
+          <a:bodyPr/>
+          <a:lstStyle/>
+          <a:p>
+            <a:fld id="{D57F1E4F-1CFF-5643-939E-217C01CDF565}" type="slidenum">
+              <a:rPr lang="en-US" smtClean="0"/>
+              <a:pPr/>
+              <a:t>17</a:t>
+            </a:fld>
+            <a:endParaRPr lang="en-US" dirty="0"/>
+          </a:p>
+        </p:txBody>
+      </p:sp>
     </p:spTree>
     <p:extLst>
       <p:ext uri="{BB962C8B-B14F-4D97-AF65-F5344CB8AC3E}">
@@ -19149,6 +21519,35 @@
           </a:prstGeom>
         </p:spPr>
       </p:pic>
+      <p:sp>
+        <p:nvSpPr>
+          <p:cNvPr id="2" name="Espace réservé du numéro de diapositive 1"/>
+          <p:cNvSpPr>
+            <a:spLocks noGrp="1"/>
+          </p:cNvSpPr>
+          <p:nvPr>
+            <p:ph type="sldNum" sz="quarter" idx="12"/>
+          </p:nvPr>
+        </p:nvSpPr>
+        <p:spPr>
+          <a:xfrm>
+            <a:off x="11438455" y="6473697"/>
+            <a:ext cx="753545" cy="365125"/>
+          </a:xfrm>
+        </p:spPr>
+        <p:txBody>
+          <a:bodyPr/>
+          <a:lstStyle/>
+          <a:p>
+            <a:fld id="{D57F1E4F-1CFF-5643-939E-217C01CDF565}" type="slidenum">
+              <a:rPr lang="en-US" smtClean="0"/>
+              <a:pPr/>
+              <a:t>18</a:t>
+            </a:fld>
+            <a:endParaRPr lang="en-US" dirty="0"/>
+          </a:p>
+        </p:txBody>
+      </p:sp>
     </p:spTree>
     <p:extLst>
       <p:ext uri="{BB962C8B-B14F-4D97-AF65-F5344CB8AC3E}">
@@ -19226,6 +21625,35 @@
           <a:lstStyle/>
           <a:p>
             <a:endParaRPr lang="fr-FR" dirty="0"/>
+          </a:p>
+        </p:txBody>
+      </p:sp>
+      <p:sp>
+        <p:nvSpPr>
+          <p:cNvPr id="4" name="Espace réservé du numéro de diapositive 3"/>
+          <p:cNvSpPr>
+            <a:spLocks noGrp="1"/>
+          </p:cNvSpPr>
+          <p:nvPr>
+            <p:ph type="sldNum" sz="quarter" idx="12"/>
+          </p:nvPr>
+        </p:nvSpPr>
+        <p:spPr>
+          <a:xfrm>
+            <a:off x="11438455" y="6492875"/>
+            <a:ext cx="753545" cy="365125"/>
+          </a:xfrm>
+        </p:spPr>
+        <p:txBody>
+          <a:bodyPr/>
+          <a:lstStyle/>
+          <a:p>
+            <a:fld id="{D57F1E4F-1CFF-5643-939E-217C01CDF565}" type="slidenum">
+              <a:rPr lang="en-US" smtClean="0"/>
+              <a:pPr/>
+              <a:t>19</a:t>
+            </a:fld>
+            <a:endParaRPr lang="en-US" dirty="0"/>
           </a:p>
         </p:txBody>
       </p:sp>
@@ -19456,6 +21884,35 @@
           </a:prstGeom>
         </p:spPr>
       </p:pic>
+      <p:sp>
+        <p:nvSpPr>
+          <p:cNvPr id="3" name="Espace réservé du numéro de diapositive 2"/>
+          <p:cNvSpPr>
+            <a:spLocks noGrp="1"/>
+          </p:cNvSpPr>
+          <p:nvPr>
+            <p:ph type="sldNum" sz="quarter" idx="12"/>
+          </p:nvPr>
+        </p:nvSpPr>
+        <p:spPr>
+          <a:xfrm>
+            <a:off x="11438455" y="6473697"/>
+            <a:ext cx="753545" cy="365125"/>
+          </a:xfrm>
+        </p:spPr>
+        <p:txBody>
+          <a:bodyPr/>
+          <a:lstStyle/>
+          <a:p>
+            <a:fld id="{D57F1E4F-1CFF-5643-939E-217C01CDF565}" type="slidenum">
+              <a:rPr lang="en-US" smtClean="0"/>
+              <a:pPr/>
+              <a:t>2</a:t>
+            </a:fld>
+            <a:endParaRPr lang="en-US" dirty="0"/>
+          </a:p>
+        </p:txBody>
+      </p:sp>
     </p:spTree>
     <p:extLst>
       <p:ext uri="{BB962C8B-B14F-4D97-AF65-F5344CB8AC3E}">
@@ -19667,6 +22124,35 @@
           </a:prstGeom>
         </p:spPr>
       </p:pic>
+      <p:sp>
+        <p:nvSpPr>
+          <p:cNvPr id="2" name="Espace réservé du numéro de diapositive 1"/>
+          <p:cNvSpPr>
+            <a:spLocks noGrp="1"/>
+          </p:cNvSpPr>
+          <p:nvPr>
+            <p:ph type="sldNum" sz="quarter" idx="12"/>
+          </p:nvPr>
+        </p:nvSpPr>
+        <p:spPr>
+          <a:xfrm>
+            <a:off x="11438455" y="6473697"/>
+            <a:ext cx="753545" cy="365125"/>
+          </a:xfrm>
+        </p:spPr>
+        <p:txBody>
+          <a:bodyPr/>
+          <a:lstStyle/>
+          <a:p>
+            <a:fld id="{D57F1E4F-1CFF-5643-939E-217C01CDF565}" type="slidenum">
+              <a:rPr lang="en-US" smtClean="0"/>
+              <a:pPr/>
+              <a:t>20</a:t>
+            </a:fld>
+            <a:endParaRPr lang="en-US" dirty="0"/>
+          </a:p>
+        </p:txBody>
+      </p:sp>
     </p:spTree>
     <p:extLst>
       <p:ext uri="{BB962C8B-B14F-4D97-AF65-F5344CB8AC3E}">
@@ -19821,6 +22307,35 @@
           </a:prstGeom>
         </p:spPr>
       </p:pic>
+      <p:sp>
+        <p:nvSpPr>
+          <p:cNvPr id="3" name="Espace réservé du numéro de diapositive 2"/>
+          <p:cNvSpPr>
+            <a:spLocks noGrp="1"/>
+          </p:cNvSpPr>
+          <p:nvPr>
+            <p:ph type="sldNum" sz="quarter" idx="12"/>
+          </p:nvPr>
+        </p:nvSpPr>
+        <p:spPr>
+          <a:xfrm>
+            <a:off x="11438455" y="6492875"/>
+            <a:ext cx="753545" cy="365125"/>
+          </a:xfrm>
+        </p:spPr>
+        <p:txBody>
+          <a:bodyPr/>
+          <a:lstStyle/>
+          <a:p>
+            <a:fld id="{D57F1E4F-1CFF-5643-939E-217C01CDF565}" type="slidenum">
+              <a:rPr lang="en-US" smtClean="0"/>
+              <a:pPr/>
+              <a:t>21</a:t>
+            </a:fld>
+            <a:endParaRPr lang="en-US" dirty="0"/>
+          </a:p>
+        </p:txBody>
+      </p:sp>
     </p:spTree>
     <p:extLst>
       <p:ext uri="{BB962C8B-B14F-4D97-AF65-F5344CB8AC3E}">
@@ -19902,6 +22417,35 @@
               <a:t>Insérer la vidéo de démo</a:t>
             </a:r>
             <a:endParaRPr lang="fr-FR" dirty="0"/>
+          </a:p>
+        </p:txBody>
+      </p:sp>
+      <p:sp>
+        <p:nvSpPr>
+          <p:cNvPr id="4" name="Espace réservé du numéro de diapositive 3"/>
+          <p:cNvSpPr>
+            <a:spLocks noGrp="1"/>
+          </p:cNvSpPr>
+          <p:nvPr>
+            <p:ph type="sldNum" sz="quarter" idx="12"/>
+          </p:nvPr>
+        </p:nvSpPr>
+        <p:spPr>
+          <a:xfrm>
+            <a:off x="11438455" y="6492875"/>
+            <a:ext cx="753545" cy="365125"/>
+          </a:xfrm>
+        </p:spPr>
+        <p:txBody>
+          <a:bodyPr/>
+          <a:lstStyle/>
+          <a:p>
+            <a:fld id="{D57F1E4F-1CFF-5643-939E-217C01CDF565}" type="slidenum">
+              <a:rPr lang="en-US" smtClean="0"/>
+              <a:pPr/>
+              <a:t>22</a:t>
+            </a:fld>
+            <a:endParaRPr lang="en-US" dirty="0"/>
           </a:p>
         </p:txBody>
       </p:sp>
@@ -20112,6 +22656,35 @@
           </a:prstGeom>
         </p:spPr>
       </p:pic>
+      <p:sp>
+        <p:nvSpPr>
+          <p:cNvPr id="2" name="Espace réservé du numéro de diapositive 1"/>
+          <p:cNvSpPr>
+            <a:spLocks noGrp="1"/>
+          </p:cNvSpPr>
+          <p:nvPr>
+            <p:ph type="sldNum" sz="quarter" idx="12"/>
+          </p:nvPr>
+        </p:nvSpPr>
+        <p:spPr>
+          <a:xfrm>
+            <a:off x="11438455" y="6473697"/>
+            <a:ext cx="753545" cy="365125"/>
+          </a:xfrm>
+        </p:spPr>
+        <p:txBody>
+          <a:bodyPr/>
+          <a:lstStyle/>
+          <a:p>
+            <a:fld id="{D57F1E4F-1CFF-5643-939E-217C01CDF565}" type="slidenum">
+              <a:rPr lang="en-US" smtClean="0"/>
+              <a:pPr/>
+              <a:t>23</a:t>
+            </a:fld>
+            <a:endParaRPr lang="en-US" dirty="0"/>
+          </a:p>
+        </p:txBody>
+      </p:sp>
     </p:spTree>
     <p:extLst>
       <p:ext uri="{BB962C8B-B14F-4D97-AF65-F5344CB8AC3E}">
@@ -20271,6 +22844,35 @@
           </a:extLst>
         </p:spPr>
       </p:pic>
+      <p:sp>
+        <p:nvSpPr>
+          <p:cNvPr id="5" name="Espace réservé du numéro de diapositive 4"/>
+          <p:cNvSpPr>
+            <a:spLocks noGrp="1"/>
+          </p:cNvSpPr>
+          <p:nvPr>
+            <p:ph type="sldNum" sz="quarter" idx="12"/>
+          </p:nvPr>
+        </p:nvSpPr>
+        <p:spPr>
+          <a:xfrm>
+            <a:off x="11438455" y="6492874"/>
+            <a:ext cx="753545" cy="365125"/>
+          </a:xfrm>
+        </p:spPr>
+        <p:txBody>
+          <a:bodyPr/>
+          <a:lstStyle/>
+          <a:p>
+            <a:fld id="{D57F1E4F-1CFF-5643-939E-217C01CDF565}" type="slidenum">
+              <a:rPr lang="en-US" smtClean="0"/>
+              <a:pPr/>
+              <a:t>24</a:t>
+            </a:fld>
+            <a:endParaRPr lang="en-US" dirty="0"/>
+          </a:p>
+        </p:txBody>
+      </p:sp>
     </p:spTree>
     <p:extLst>
       <p:ext uri="{BB962C8B-B14F-4D97-AF65-F5344CB8AC3E}">
@@ -20478,6 +23080,35 @@
           </a:prstGeom>
         </p:spPr>
       </p:pic>
+      <p:sp>
+        <p:nvSpPr>
+          <p:cNvPr id="2" name="Espace réservé du numéro de diapositive 1"/>
+          <p:cNvSpPr>
+            <a:spLocks noGrp="1"/>
+          </p:cNvSpPr>
+          <p:nvPr>
+            <p:ph type="sldNum" sz="quarter" idx="12"/>
+          </p:nvPr>
+        </p:nvSpPr>
+        <p:spPr>
+          <a:xfrm>
+            <a:off x="11438455" y="6473697"/>
+            <a:ext cx="753545" cy="365125"/>
+          </a:xfrm>
+        </p:spPr>
+        <p:txBody>
+          <a:bodyPr/>
+          <a:lstStyle/>
+          <a:p>
+            <a:fld id="{D57F1E4F-1CFF-5643-939E-217C01CDF565}" type="slidenum">
+              <a:rPr lang="en-US" smtClean="0"/>
+              <a:pPr/>
+              <a:t>3</a:t>
+            </a:fld>
+            <a:endParaRPr lang="en-US" dirty="0"/>
+          </a:p>
+        </p:txBody>
+      </p:sp>
     </p:spTree>
     <p:extLst>
       <p:ext uri="{BB962C8B-B14F-4D97-AF65-F5344CB8AC3E}">
@@ -20564,6 +23195,35 @@
           </a:graphicData>
         </a:graphic>
       </p:graphicFrame>
+      <p:sp>
+        <p:nvSpPr>
+          <p:cNvPr id="3" name="Espace réservé du numéro de diapositive 2"/>
+          <p:cNvSpPr>
+            <a:spLocks noGrp="1"/>
+          </p:cNvSpPr>
+          <p:nvPr>
+            <p:ph type="sldNum" sz="quarter" idx="12"/>
+          </p:nvPr>
+        </p:nvSpPr>
+        <p:spPr>
+          <a:xfrm>
+            <a:off x="11438455" y="6492875"/>
+            <a:ext cx="753545" cy="365125"/>
+          </a:xfrm>
+        </p:spPr>
+        <p:txBody>
+          <a:bodyPr/>
+          <a:lstStyle/>
+          <a:p>
+            <a:fld id="{D57F1E4F-1CFF-5643-939E-217C01CDF565}" type="slidenum">
+              <a:rPr lang="en-US" smtClean="0"/>
+              <a:pPr/>
+              <a:t>4</a:t>
+            </a:fld>
+            <a:endParaRPr lang="en-US" dirty="0"/>
+          </a:p>
+        </p:txBody>
+      </p:sp>
     </p:spTree>
     <p:extLst>
       <p:ext uri="{BB962C8B-B14F-4D97-AF65-F5344CB8AC3E}">
@@ -20771,6 +23431,35 @@
           </a:prstGeom>
         </p:spPr>
       </p:pic>
+      <p:sp>
+        <p:nvSpPr>
+          <p:cNvPr id="2" name="Espace réservé du numéro de diapositive 1"/>
+          <p:cNvSpPr>
+            <a:spLocks noGrp="1"/>
+          </p:cNvSpPr>
+          <p:nvPr>
+            <p:ph type="sldNum" sz="quarter" idx="12"/>
+          </p:nvPr>
+        </p:nvSpPr>
+        <p:spPr>
+          <a:xfrm>
+            <a:off x="11438455" y="6473697"/>
+            <a:ext cx="753545" cy="365125"/>
+          </a:xfrm>
+        </p:spPr>
+        <p:txBody>
+          <a:bodyPr/>
+          <a:lstStyle/>
+          <a:p>
+            <a:fld id="{D57F1E4F-1CFF-5643-939E-217C01CDF565}" type="slidenum">
+              <a:rPr lang="en-US" smtClean="0"/>
+              <a:pPr/>
+              <a:t>5</a:t>
+            </a:fld>
+            <a:endParaRPr lang="en-US" dirty="0"/>
+          </a:p>
+        </p:txBody>
+      </p:sp>
     </p:spTree>
     <p:extLst>
       <p:ext uri="{BB962C8B-B14F-4D97-AF65-F5344CB8AC3E}">
@@ -21262,6 +23951,35 @@
           </a:fontRef>
         </p:style>
       </p:cxnSp>
+      <p:sp>
+        <p:nvSpPr>
+          <p:cNvPr id="3" name="Espace réservé du numéro de diapositive 2"/>
+          <p:cNvSpPr>
+            <a:spLocks noGrp="1"/>
+          </p:cNvSpPr>
+          <p:nvPr>
+            <p:ph type="sldNum" sz="quarter" idx="12"/>
+          </p:nvPr>
+        </p:nvSpPr>
+        <p:spPr>
+          <a:xfrm>
+            <a:off x="11438455" y="6492875"/>
+            <a:ext cx="753545" cy="365125"/>
+          </a:xfrm>
+        </p:spPr>
+        <p:txBody>
+          <a:bodyPr/>
+          <a:lstStyle/>
+          <a:p>
+            <a:fld id="{D57F1E4F-1CFF-5643-939E-217C01CDF565}" type="slidenum">
+              <a:rPr lang="en-US" smtClean="0"/>
+              <a:pPr/>
+              <a:t>6</a:t>
+            </a:fld>
+            <a:endParaRPr lang="en-US" dirty="0"/>
+          </a:p>
+        </p:txBody>
+      </p:sp>
     </p:spTree>
     <p:extLst>
       <p:ext uri="{BB962C8B-B14F-4D97-AF65-F5344CB8AC3E}">
@@ -22020,6 +24738,35 @@
               <a:t>Avancer</a:t>
             </a:r>
             <a:endParaRPr lang="fr-FR" dirty="0"/>
+          </a:p>
+        </p:txBody>
+      </p:sp>
+      <p:sp>
+        <p:nvSpPr>
+          <p:cNvPr id="3" name="Espace réservé du numéro de diapositive 2"/>
+          <p:cNvSpPr>
+            <a:spLocks noGrp="1"/>
+          </p:cNvSpPr>
+          <p:nvPr>
+            <p:ph type="sldNum" sz="quarter" idx="12"/>
+          </p:nvPr>
+        </p:nvSpPr>
+        <p:spPr>
+          <a:xfrm>
+            <a:off x="11438455" y="6476981"/>
+            <a:ext cx="753545" cy="365125"/>
+          </a:xfrm>
+        </p:spPr>
+        <p:txBody>
+          <a:bodyPr/>
+          <a:lstStyle/>
+          <a:p>
+            <a:fld id="{D57F1E4F-1CFF-5643-939E-217C01CDF565}" type="slidenum">
+              <a:rPr lang="en-US" smtClean="0"/>
+              <a:pPr/>
+              <a:t>7</a:t>
+            </a:fld>
+            <a:endParaRPr lang="en-US" dirty="0"/>
           </a:p>
         </p:txBody>
       </p:sp>
@@ -23425,6 +26172,35 @@
           </a:prstGeom>
         </p:spPr>
       </p:pic>
+      <p:sp>
+        <p:nvSpPr>
+          <p:cNvPr id="2" name="Espace réservé du numéro de diapositive 1"/>
+          <p:cNvSpPr>
+            <a:spLocks noGrp="1"/>
+          </p:cNvSpPr>
+          <p:nvPr>
+            <p:ph type="sldNum" sz="quarter" idx="12"/>
+          </p:nvPr>
+        </p:nvSpPr>
+        <p:spPr>
+          <a:xfrm>
+            <a:off x="11438455" y="6473697"/>
+            <a:ext cx="753545" cy="365125"/>
+          </a:xfrm>
+        </p:spPr>
+        <p:txBody>
+          <a:bodyPr/>
+          <a:lstStyle/>
+          <a:p>
+            <a:fld id="{D57F1E4F-1CFF-5643-939E-217C01CDF565}" type="slidenum">
+              <a:rPr lang="en-US" smtClean="0"/>
+              <a:pPr/>
+              <a:t>8</a:t>
+            </a:fld>
+            <a:endParaRPr lang="en-US" dirty="0"/>
+          </a:p>
+        </p:txBody>
+      </p:sp>
     </p:spTree>
     <p:extLst>
       <p:ext uri="{BB962C8B-B14F-4D97-AF65-F5344CB8AC3E}">
@@ -23520,6 +26296,35 @@
           </a:p>
           <a:p>
             <a:endParaRPr lang="fr-FR" dirty="0"/>
+          </a:p>
+        </p:txBody>
+      </p:sp>
+      <p:sp>
+        <p:nvSpPr>
+          <p:cNvPr id="4" name="Espace réservé du numéro de diapositive 3"/>
+          <p:cNvSpPr>
+            <a:spLocks noGrp="1"/>
+          </p:cNvSpPr>
+          <p:nvPr>
+            <p:ph type="sldNum" sz="quarter" idx="12"/>
+          </p:nvPr>
+        </p:nvSpPr>
+        <p:spPr>
+          <a:xfrm>
+            <a:off x="11438455" y="6492875"/>
+            <a:ext cx="753545" cy="365125"/>
+          </a:xfrm>
+        </p:spPr>
+        <p:txBody>
+          <a:bodyPr/>
+          <a:lstStyle/>
+          <a:p>
+            <a:fld id="{D57F1E4F-1CFF-5643-939E-217C01CDF565}" type="slidenum">
+              <a:rPr lang="en-US" smtClean="0"/>
+              <a:pPr/>
+              <a:t>9</a:t>
+            </a:fld>
+            <a:endParaRPr lang="en-US" dirty="0"/>
           </a:p>
         </p:txBody>
       </p:sp>
@@ -23783,4 +26588,265 @@
     </a:ext>
   </a:extLst>
 </a:theme>
+</file>
+
+<file path=ppt/theme/theme2.xml><?xml version="1.0" encoding="utf-8"?>
+<a:theme xmlns:a="http://schemas.openxmlformats.org/drawingml/2006/main" name="Thème Office">
+  <a:themeElements>
+    <a:clrScheme name="Office">
+      <a:dk1>
+        <a:sysClr val="windowText" lastClr="000000"/>
+      </a:dk1>
+      <a:lt1>
+        <a:sysClr val="window" lastClr="FFFFFF"/>
+      </a:lt1>
+      <a:dk2>
+        <a:srgbClr val="44546A"/>
+      </a:dk2>
+      <a:lt2>
+        <a:srgbClr val="E7E6E6"/>
+      </a:lt2>
+      <a:accent1>
+        <a:srgbClr val="5B9BD5"/>
+      </a:accent1>
+      <a:accent2>
+        <a:srgbClr val="ED7D31"/>
+      </a:accent2>
+      <a:accent3>
+        <a:srgbClr val="A5A5A5"/>
+      </a:accent3>
+      <a:accent4>
+        <a:srgbClr val="FFC000"/>
+      </a:accent4>
+      <a:accent5>
+        <a:srgbClr val="4472C4"/>
+      </a:accent5>
+      <a:accent6>
+        <a:srgbClr val="70AD47"/>
+      </a:accent6>
+      <a:hlink>
+        <a:srgbClr val="0563C1"/>
+      </a:hlink>
+      <a:folHlink>
+        <a:srgbClr val="954F72"/>
+      </a:folHlink>
+    </a:clrScheme>
+    <a:fontScheme name="Office">
+      <a:majorFont>
+        <a:latin typeface="Calibri Light" panose="020F0302020204030204"/>
+        <a:ea typeface=""/>
+        <a:cs typeface=""/>
+        <a:font script="Jpan" typeface="ＭＳ Ｐゴシック"/>
+        <a:font script="Hang" typeface="맑은 고딕"/>
+        <a:font script="Hans" typeface="宋体"/>
+        <a:font script="Hant" typeface="新細明體"/>
+        <a:font script="Arab" typeface="Times New Roman"/>
+        <a:font script="Hebr" typeface="Times New Roman"/>
+        <a:font script="Thai" typeface="Angsana New"/>
+        <a:font script="Ethi" typeface="Nyala"/>
+        <a:font script="Beng" typeface="Vrinda"/>
+        <a:font script="Gujr" typeface="Shruti"/>
+        <a:font script="Khmr" typeface="MoolBoran"/>
+        <a:font script="Knda" typeface="Tunga"/>
+        <a:font script="Guru" typeface="Raavi"/>
+        <a:font script="Cans" typeface="Euphemia"/>
+        <a:font script="Cher" typeface="Plantagenet Cherokee"/>
+        <a:font script="Yiii" typeface="Microsoft Yi Baiti"/>
+        <a:font script="Tibt" typeface="Microsoft Himalaya"/>
+        <a:font script="Thaa" typeface="MV Boli"/>
+        <a:font script="Deva" typeface="Mangal"/>
+        <a:font script="Telu" typeface="Gautami"/>
+        <a:font script="Taml" typeface="Latha"/>
+        <a:font script="Syrc" typeface="Estrangelo Edessa"/>
+        <a:font script="Orya" typeface="Kalinga"/>
+        <a:font script="Mlym" typeface="Kartika"/>
+        <a:font script="Laoo" typeface="DokChampa"/>
+        <a:font script="Sinh" typeface="Iskoola Pota"/>
+        <a:font script="Mong" typeface="Mongolian Baiti"/>
+        <a:font script="Viet" typeface="Times New Roman"/>
+        <a:font script="Uigh" typeface="Microsoft Uighur"/>
+        <a:font script="Geor" typeface="Sylfaen"/>
+      </a:majorFont>
+      <a:minorFont>
+        <a:latin typeface="Calibri" panose="020F0502020204030204"/>
+        <a:ea typeface=""/>
+        <a:cs typeface=""/>
+        <a:font script="Jpan" typeface="ＭＳ Ｐゴシック"/>
+        <a:font script="Hang" typeface="맑은 고딕"/>
+        <a:font script="Hans" typeface="宋体"/>
+        <a:font script="Hant" typeface="新細明體"/>
+        <a:font script="Arab" typeface="Arial"/>
+        <a:font script="Hebr" typeface="Arial"/>
+        <a:font script="Thai" typeface="Cordia New"/>
+        <a:font script="Ethi" typeface="Nyala"/>
+        <a:font script="Beng" typeface="Vrinda"/>
+        <a:font script="Gujr" typeface="Shruti"/>
+        <a:font script="Khmr" typeface="DaunPenh"/>
+        <a:font script="Knda" typeface="Tunga"/>
+        <a:font script="Guru" typeface="Raavi"/>
+        <a:font script="Cans" typeface="Euphemia"/>
+        <a:font script="Cher" typeface="Plantagenet Cherokee"/>
+        <a:font script="Yiii" typeface="Microsoft Yi Baiti"/>
+        <a:font script="Tibt" typeface="Microsoft Himalaya"/>
+        <a:font script="Thaa" typeface="MV Boli"/>
+        <a:font script="Deva" typeface="Mangal"/>
+        <a:font script="Telu" typeface="Gautami"/>
+        <a:font script="Taml" typeface="Latha"/>
+        <a:font script="Syrc" typeface="Estrangelo Edessa"/>
+        <a:font script="Orya" typeface="Kalinga"/>
+        <a:font script="Mlym" typeface="Kartika"/>
+        <a:font script="Laoo" typeface="DokChampa"/>
+        <a:font script="Sinh" typeface="Iskoola Pota"/>
+        <a:font script="Mong" typeface="Mongolian Baiti"/>
+        <a:font script="Viet" typeface="Arial"/>
+        <a:font script="Uigh" typeface="Microsoft Uighur"/>
+        <a:font script="Geor" typeface="Sylfaen"/>
+      </a:minorFont>
+    </a:fontScheme>
+    <a:fmtScheme name="Office">
+      <a:fillStyleLst>
+        <a:solidFill>
+          <a:schemeClr val="phClr"/>
+        </a:solidFill>
+        <a:gradFill rotWithShape="1">
+          <a:gsLst>
+            <a:gs pos="0">
+              <a:schemeClr val="phClr">
+                <a:lumMod val="110000"/>
+                <a:satMod val="105000"/>
+                <a:tint val="67000"/>
+              </a:schemeClr>
+            </a:gs>
+            <a:gs pos="50000">
+              <a:schemeClr val="phClr">
+                <a:lumMod val="105000"/>
+                <a:satMod val="103000"/>
+                <a:tint val="73000"/>
+              </a:schemeClr>
+            </a:gs>
+            <a:gs pos="100000">
+              <a:schemeClr val="phClr">
+                <a:lumMod val="105000"/>
+                <a:satMod val="109000"/>
+                <a:tint val="81000"/>
+              </a:schemeClr>
+            </a:gs>
+          </a:gsLst>
+          <a:lin ang="5400000" scaled="0"/>
+        </a:gradFill>
+        <a:gradFill rotWithShape="1">
+          <a:gsLst>
+            <a:gs pos="0">
+              <a:schemeClr val="phClr">
+                <a:satMod val="103000"/>
+                <a:lumMod val="102000"/>
+                <a:tint val="94000"/>
+              </a:schemeClr>
+            </a:gs>
+            <a:gs pos="50000">
+              <a:schemeClr val="phClr">
+                <a:satMod val="110000"/>
+                <a:lumMod val="100000"/>
+                <a:shade val="100000"/>
+              </a:schemeClr>
+            </a:gs>
+            <a:gs pos="100000">
+              <a:schemeClr val="phClr">
+                <a:lumMod val="99000"/>
+                <a:satMod val="120000"/>
+                <a:shade val="78000"/>
+              </a:schemeClr>
+            </a:gs>
+          </a:gsLst>
+          <a:lin ang="5400000" scaled="0"/>
+        </a:gradFill>
+      </a:fillStyleLst>
+      <a:lnStyleLst>
+        <a:ln w="6350" cap="flat" cmpd="sng" algn="ctr">
+          <a:solidFill>
+            <a:schemeClr val="phClr"/>
+          </a:solidFill>
+          <a:prstDash val="solid"/>
+          <a:miter lim="800000"/>
+        </a:ln>
+        <a:ln w="12700" cap="flat" cmpd="sng" algn="ctr">
+          <a:solidFill>
+            <a:schemeClr val="phClr"/>
+          </a:solidFill>
+          <a:prstDash val="solid"/>
+          <a:miter lim="800000"/>
+        </a:ln>
+        <a:ln w="19050" cap="flat" cmpd="sng" algn="ctr">
+          <a:solidFill>
+            <a:schemeClr val="phClr"/>
+          </a:solidFill>
+          <a:prstDash val="solid"/>
+          <a:miter lim="800000"/>
+        </a:ln>
+      </a:lnStyleLst>
+      <a:effectStyleLst>
+        <a:effectStyle>
+          <a:effectLst/>
+        </a:effectStyle>
+        <a:effectStyle>
+          <a:effectLst/>
+        </a:effectStyle>
+        <a:effectStyle>
+          <a:effectLst>
+            <a:outerShdw blurRad="57150" dist="19050" dir="5400000" algn="ctr" rotWithShape="0">
+              <a:srgbClr val="000000">
+                <a:alpha val="63000"/>
+              </a:srgbClr>
+            </a:outerShdw>
+          </a:effectLst>
+        </a:effectStyle>
+      </a:effectStyleLst>
+      <a:bgFillStyleLst>
+        <a:solidFill>
+          <a:schemeClr val="phClr"/>
+        </a:solidFill>
+        <a:solidFill>
+          <a:schemeClr val="phClr">
+            <a:tint val="95000"/>
+            <a:satMod val="170000"/>
+          </a:schemeClr>
+        </a:solidFill>
+        <a:gradFill rotWithShape="1">
+          <a:gsLst>
+            <a:gs pos="0">
+              <a:schemeClr val="phClr">
+                <a:tint val="93000"/>
+                <a:satMod val="150000"/>
+                <a:shade val="98000"/>
+                <a:lumMod val="102000"/>
+              </a:schemeClr>
+            </a:gs>
+            <a:gs pos="50000">
+              <a:schemeClr val="phClr">
+                <a:tint val="98000"/>
+                <a:satMod val="130000"/>
+                <a:shade val="90000"/>
+                <a:lumMod val="103000"/>
+              </a:schemeClr>
+            </a:gs>
+            <a:gs pos="100000">
+              <a:schemeClr val="phClr">
+                <a:shade val="63000"/>
+                <a:satMod val="120000"/>
+              </a:schemeClr>
+            </a:gs>
+          </a:gsLst>
+          <a:lin ang="5400000" scaled="0"/>
+        </a:gradFill>
+      </a:bgFillStyleLst>
+    </a:fmtScheme>
+  </a:themeElements>
+  <a:objectDefaults/>
+  <a:extraClrSchemeLst/>
+  <a:extLst>
+    <a:ext uri="{05A4C25C-085E-4340-85A3-A5531E510DB2}">
+      <thm15:themeFamily xmlns:thm15="http://schemas.microsoft.com/office/thememl/2012/main" name="Office Theme" id="{62F939B6-93AF-4DB8-9C6B-D6C7DFDC589F}" vid="{4A3C46E8-61CC-4603-A589-7422A47A8E4A}"/>
+    </a:ext>
+  </a:extLst>
+</a:theme>
 </file>
--- a/Gestion projet/Projet intégration robotique – IMERIR.pptx
+++ b/Gestion projet/Projet intégration robotique – IMERIR.pptx
@@ -4,6 +4,9 @@
   <p:sldMasterIdLst>
     <p:sldMasterId id="2147483660" r:id="rId1"/>
   </p:sldMasterIdLst>
+  <p:notesMasterIdLst>
+    <p:notesMasterId r:id="rId26"/>
+  </p:notesMasterIdLst>
   <p:sldIdLst>
     <p:sldId id="256" r:id="rId2"/>
     <p:sldId id="257" r:id="rId3"/>
@@ -2993,6 +2996,1084 @@
       <dsp:cNvGrpSpPr/>
     </dsp:nvGrpSpPr>
     <dsp:grpSpPr/>
+    <dsp:sp modelId="{C690D0CD-7211-42BB-BA22-C909A7CA1954}">
+      <dsp:nvSpPr>
+        <dsp:cNvPr id="0" name=""/>
+        <dsp:cNvSpPr/>
+      </dsp:nvSpPr>
+      <dsp:spPr>
+        <a:xfrm>
+          <a:off x="5077836" y="1676507"/>
+          <a:ext cx="3984630" cy="592315"/>
+        </a:xfrm>
+        <a:custGeom>
+          <a:avLst/>
+          <a:gdLst/>
+          <a:ahLst/>
+          <a:cxnLst/>
+          <a:rect l="0" t="0" r="0" b="0"/>
+          <a:pathLst>
+            <a:path>
+              <a:moveTo>
+                <a:pt x="0" y="0"/>
+              </a:moveTo>
+              <a:lnTo>
+                <a:pt x="0" y="353111"/>
+              </a:lnTo>
+              <a:lnTo>
+                <a:pt x="3984630" y="353111"/>
+              </a:lnTo>
+              <a:lnTo>
+                <a:pt x="3984630" y="592315"/>
+              </a:lnTo>
+            </a:path>
+          </a:pathLst>
+        </a:custGeom>
+        <a:noFill/>
+        <a:ln w="9525" cap="rnd" cmpd="sng" algn="ctr">
+          <a:solidFill>
+            <a:schemeClr val="accent1">
+              <a:shade val="60000"/>
+              <a:hueOff val="0"/>
+              <a:satOff val="0"/>
+              <a:lumOff val="0"/>
+              <a:alphaOff val="0"/>
+            </a:schemeClr>
+          </a:solidFill>
+          <a:prstDash val="solid"/>
+        </a:ln>
+        <a:effectLst/>
+      </dsp:spPr>
+      <dsp:style>
+        <a:lnRef idx="1">
+          <a:scrgbClr r="0" g="0" b="0"/>
+        </a:lnRef>
+        <a:fillRef idx="0">
+          <a:scrgbClr r="0" g="0" b="0"/>
+        </a:fillRef>
+        <a:effectRef idx="0">
+          <a:scrgbClr r="0" g="0" b="0"/>
+        </a:effectRef>
+        <a:fontRef idx="minor"/>
+      </dsp:style>
+    </dsp:sp>
+    <dsp:sp modelId="{4A968BB4-BA07-4A5B-A53B-F2957ABC86FB}">
+      <dsp:nvSpPr>
+        <dsp:cNvPr id="0" name=""/>
+        <dsp:cNvSpPr/>
+      </dsp:nvSpPr>
+      <dsp:spPr>
+        <a:xfrm>
+          <a:off x="5077836" y="1676507"/>
+          <a:ext cx="1328210" cy="592315"/>
+        </a:xfrm>
+        <a:custGeom>
+          <a:avLst/>
+          <a:gdLst/>
+          <a:ahLst/>
+          <a:cxnLst/>
+          <a:rect l="0" t="0" r="0" b="0"/>
+          <a:pathLst>
+            <a:path>
+              <a:moveTo>
+                <a:pt x="0" y="0"/>
+              </a:moveTo>
+              <a:lnTo>
+                <a:pt x="0" y="353111"/>
+              </a:lnTo>
+              <a:lnTo>
+                <a:pt x="1328210" y="353111"/>
+              </a:lnTo>
+              <a:lnTo>
+                <a:pt x="1328210" y="592315"/>
+              </a:lnTo>
+            </a:path>
+          </a:pathLst>
+        </a:custGeom>
+        <a:noFill/>
+        <a:ln w="9525" cap="rnd" cmpd="sng" algn="ctr">
+          <a:solidFill>
+            <a:schemeClr val="accent1">
+              <a:shade val="60000"/>
+              <a:hueOff val="0"/>
+              <a:satOff val="0"/>
+              <a:lumOff val="0"/>
+              <a:alphaOff val="0"/>
+            </a:schemeClr>
+          </a:solidFill>
+          <a:prstDash val="solid"/>
+        </a:ln>
+        <a:effectLst/>
+      </dsp:spPr>
+      <dsp:style>
+        <a:lnRef idx="1">
+          <a:scrgbClr r="0" g="0" b="0"/>
+        </a:lnRef>
+        <a:fillRef idx="0">
+          <a:scrgbClr r="0" g="0" b="0"/>
+        </a:fillRef>
+        <a:effectRef idx="0">
+          <a:scrgbClr r="0" g="0" b="0"/>
+        </a:effectRef>
+        <a:fontRef idx="minor"/>
+      </dsp:style>
+    </dsp:sp>
+    <dsp:sp modelId="{31D35D76-771E-4FDE-BA75-EC484194EBC2}">
+      <dsp:nvSpPr>
+        <dsp:cNvPr id="0" name=""/>
+        <dsp:cNvSpPr/>
+      </dsp:nvSpPr>
+      <dsp:spPr>
+        <a:xfrm>
+          <a:off x="3749626" y="1676507"/>
+          <a:ext cx="1328210" cy="592315"/>
+        </a:xfrm>
+        <a:custGeom>
+          <a:avLst/>
+          <a:gdLst/>
+          <a:ahLst/>
+          <a:cxnLst/>
+          <a:rect l="0" t="0" r="0" b="0"/>
+          <a:pathLst>
+            <a:path>
+              <a:moveTo>
+                <a:pt x="1328210" y="0"/>
+              </a:moveTo>
+              <a:lnTo>
+                <a:pt x="1328210" y="353111"/>
+              </a:lnTo>
+              <a:lnTo>
+                <a:pt x="0" y="353111"/>
+              </a:lnTo>
+              <a:lnTo>
+                <a:pt x="0" y="592315"/>
+              </a:lnTo>
+            </a:path>
+          </a:pathLst>
+        </a:custGeom>
+        <a:noFill/>
+        <a:ln w="9525" cap="rnd" cmpd="sng" algn="ctr">
+          <a:solidFill>
+            <a:schemeClr val="accent1">
+              <a:shade val="60000"/>
+              <a:hueOff val="0"/>
+              <a:satOff val="0"/>
+              <a:lumOff val="0"/>
+              <a:alphaOff val="0"/>
+            </a:schemeClr>
+          </a:solidFill>
+          <a:prstDash val="solid"/>
+        </a:ln>
+        <a:effectLst/>
+      </dsp:spPr>
+      <dsp:style>
+        <a:lnRef idx="1">
+          <a:scrgbClr r="0" g="0" b="0"/>
+        </a:lnRef>
+        <a:fillRef idx="0">
+          <a:scrgbClr r="0" g="0" b="0"/>
+        </a:fillRef>
+        <a:effectRef idx="0">
+          <a:scrgbClr r="0" g="0" b="0"/>
+        </a:effectRef>
+        <a:fontRef idx="minor"/>
+      </dsp:style>
+    </dsp:sp>
+    <dsp:sp modelId="{095703D4-98CA-460D-B2F6-CA110B625919}">
+      <dsp:nvSpPr>
+        <dsp:cNvPr id="0" name=""/>
+        <dsp:cNvSpPr/>
+      </dsp:nvSpPr>
+      <dsp:spPr>
+        <a:xfrm>
+          <a:off x="1093206" y="1676507"/>
+          <a:ext cx="3984630" cy="592315"/>
+        </a:xfrm>
+        <a:custGeom>
+          <a:avLst/>
+          <a:gdLst/>
+          <a:ahLst/>
+          <a:cxnLst/>
+          <a:rect l="0" t="0" r="0" b="0"/>
+          <a:pathLst>
+            <a:path>
+              <a:moveTo>
+                <a:pt x="3984630" y="0"/>
+              </a:moveTo>
+              <a:lnTo>
+                <a:pt x="3984630" y="353111"/>
+              </a:lnTo>
+              <a:lnTo>
+                <a:pt x="0" y="353111"/>
+              </a:lnTo>
+              <a:lnTo>
+                <a:pt x="0" y="592315"/>
+              </a:lnTo>
+            </a:path>
+          </a:pathLst>
+        </a:custGeom>
+        <a:noFill/>
+        <a:ln w="9525" cap="rnd" cmpd="sng" algn="ctr">
+          <a:solidFill>
+            <a:schemeClr val="accent1">
+              <a:shade val="60000"/>
+              <a:hueOff val="0"/>
+              <a:satOff val="0"/>
+              <a:lumOff val="0"/>
+              <a:alphaOff val="0"/>
+            </a:schemeClr>
+          </a:solidFill>
+          <a:prstDash val="solid"/>
+        </a:ln>
+        <a:effectLst/>
+      </dsp:spPr>
+      <dsp:style>
+        <a:lnRef idx="1">
+          <a:scrgbClr r="0" g="0" b="0"/>
+        </a:lnRef>
+        <a:fillRef idx="0">
+          <a:scrgbClr r="0" g="0" b="0"/>
+        </a:fillRef>
+        <a:effectRef idx="0">
+          <a:scrgbClr r="0" g="0" b="0"/>
+        </a:effectRef>
+        <a:fontRef idx="minor"/>
+      </dsp:style>
+    </dsp:sp>
+    <dsp:sp modelId="{153DF482-9B63-4F22-A2E6-E0985D657AE7}">
+      <dsp:nvSpPr>
+        <dsp:cNvPr id="0" name=""/>
+        <dsp:cNvSpPr/>
+      </dsp:nvSpPr>
+      <dsp:spPr>
+        <a:xfrm>
+          <a:off x="4087831" y="651345"/>
+          <a:ext cx="1980010" cy="1025161"/>
+        </a:xfrm>
+        <a:prstGeom prst="rect">
+          <a:avLst/>
+        </a:prstGeom>
+        <a:gradFill rotWithShape="0">
+          <a:gsLst>
+            <a:gs pos="0">
+              <a:schemeClr val="accent1">
+                <a:hueOff val="0"/>
+                <a:satOff val="0"/>
+                <a:lumOff val="0"/>
+                <a:alphaOff val="0"/>
+                <a:tint val="96000"/>
+                <a:lumMod val="104000"/>
+              </a:schemeClr>
+            </a:gs>
+            <a:gs pos="100000">
+              <a:schemeClr val="accent1">
+                <a:hueOff val="0"/>
+                <a:satOff val="0"/>
+                <a:lumOff val="0"/>
+                <a:alphaOff val="0"/>
+                <a:shade val="90000"/>
+                <a:lumMod val="90000"/>
+              </a:schemeClr>
+            </a:gs>
+          </a:gsLst>
+          <a:lin ang="5400000" scaled="0"/>
+        </a:gradFill>
+        <a:ln>
+          <a:noFill/>
+        </a:ln>
+        <a:effectLst>
+          <a:outerShdw blurRad="63500" dist="25400" dir="5400000" rotWithShape="0">
+            <a:srgbClr val="000000">
+              <a:alpha val="60000"/>
+            </a:srgbClr>
+          </a:outerShdw>
+        </a:effectLst>
+      </dsp:spPr>
+      <dsp:style>
+        <a:lnRef idx="0">
+          <a:scrgbClr r="0" g="0" b="0"/>
+        </a:lnRef>
+        <a:fillRef idx="3">
+          <a:scrgbClr r="0" g="0" b="0"/>
+        </a:fillRef>
+        <a:effectRef idx="2">
+          <a:scrgbClr r="0" g="0" b="0"/>
+        </a:effectRef>
+        <a:fontRef idx="minor">
+          <a:schemeClr val="lt1"/>
+        </a:fontRef>
+      </dsp:style>
+      <dsp:txBody>
+        <a:bodyPr spcFirstLastPara="0" vert="horz" wrap="square" lIns="13970" tIns="13970" rIns="13970" bIns="144662" numCol="1" spcCol="1270" anchor="ctr" anchorCtr="0">
+          <a:noAutofit/>
+        </a:bodyPr>
+        <a:lstStyle/>
+        <a:p>
+          <a:pPr lvl="0" algn="ctr" defTabSz="977900">
+            <a:lnSpc>
+              <a:spcPct val="90000"/>
+            </a:lnSpc>
+            <a:spcBef>
+              <a:spcPct val="0"/>
+            </a:spcBef>
+            <a:spcAft>
+              <a:spcPct val="35000"/>
+            </a:spcAft>
+          </a:pPr>
+          <a:r>
+            <a:rPr lang="fr-FR" sz="2200" kern="1200"/>
+            <a:t>Chef de Projet</a:t>
+          </a:r>
+        </a:p>
+      </dsp:txBody>
+      <dsp:txXfrm>
+        <a:off x="4087831" y="651345"/>
+        <a:ext cx="1980010" cy="1025161"/>
+      </dsp:txXfrm>
+    </dsp:sp>
+    <dsp:sp modelId="{113EA813-3BA6-403B-BFBC-C6C029177D40}">
+      <dsp:nvSpPr>
+        <dsp:cNvPr id="0" name=""/>
+        <dsp:cNvSpPr/>
+      </dsp:nvSpPr>
+      <dsp:spPr>
+        <a:xfrm>
+          <a:off x="4483833" y="1448693"/>
+          <a:ext cx="1782009" cy="341720"/>
+        </a:xfrm>
+        <a:prstGeom prst="rect">
+          <a:avLst/>
+        </a:prstGeom>
+        <a:solidFill>
+          <a:schemeClr val="lt1">
+            <a:alpha val="90000"/>
+            <a:hueOff val="0"/>
+            <a:satOff val="0"/>
+            <a:lumOff val="0"/>
+            <a:alphaOff val="0"/>
+          </a:schemeClr>
+        </a:solidFill>
+        <a:ln w="9525" cap="rnd" cmpd="sng" algn="ctr">
+          <a:solidFill>
+            <a:schemeClr val="accent1">
+              <a:hueOff val="0"/>
+              <a:satOff val="0"/>
+              <a:lumOff val="0"/>
+              <a:alphaOff val="0"/>
+            </a:schemeClr>
+          </a:solidFill>
+          <a:prstDash val="solid"/>
+        </a:ln>
+        <a:effectLst/>
+      </dsp:spPr>
+      <dsp:style>
+        <a:lnRef idx="1">
+          <a:scrgbClr r="0" g="0" b="0"/>
+        </a:lnRef>
+        <a:fillRef idx="1">
+          <a:scrgbClr r="0" g="0" b="0"/>
+        </a:fillRef>
+        <a:effectRef idx="0">
+          <a:scrgbClr r="0" g="0" b="0"/>
+        </a:effectRef>
+        <a:fontRef idx="minor"/>
+      </dsp:style>
+      <dsp:txBody>
+        <a:bodyPr spcFirstLastPara="0" vert="horz" wrap="square" lIns="38100" tIns="9525" rIns="38100" bIns="9525" numCol="1" spcCol="1270" anchor="ctr" anchorCtr="0">
+          <a:noAutofit/>
+        </a:bodyPr>
+        <a:lstStyle/>
+        <a:p>
+          <a:pPr lvl="0" algn="r" defTabSz="666750">
+            <a:lnSpc>
+              <a:spcPct val="90000"/>
+            </a:lnSpc>
+            <a:spcBef>
+              <a:spcPct val="0"/>
+            </a:spcBef>
+            <a:spcAft>
+              <a:spcPct val="35000"/>
+            </a:spcAft>
+          </a:pPr>
+          <a:r>
+            <a:rPr lang="fr-FR" sz="1500" kern="1200" dirty="0"/>
+            <a:t>Cyril PY</a:t>
+          </a:r>
+        </a:p>
+      </dsp:txBody>
+      <dsp:txXfrm>
+        <a:off x="4483833" y="1448693"/>
+        <a:ext cx="1782009" cy="341720"/>
+      </dsp:txXfrm>
+    </dsp:sp>
+    <dsp:sp modelId="{5676D32F-1CE3-4176-81F2-A39E244B0416}">
+      <dsp:nvSpPr>
+        <dsp:cNvPr id="0" name=""/>
+        <dsp:cNvSpPr/>
+      </dsp:nvSpPr>
+      <dsp:spPr>
+        <a:xfrm>
+          <a:off x="103201" y="2268822"/>
+          <a:ext cx="1980010" cy="1025161"/>
+        </a:xfrm>
+        <a:prstGeom prst="rect">
+          <a:avLst/>
+        </a:prstGeom>
+        <a:gradFill rotWithShape="0">
+          <a:gsLst>
+            <a:gs pos="0">
+              <a:schemeClr val="accent1">
+                <a:hueOff val="0"/>
+                <a:satOff val="0"/>
+                <a:lumOff val="0"/>
+                <a:alphaOff val="0"/>
+                <a:tint val="96000"/>
+                <a:lumMod val="104000"/>
+              </a:schemeClr>
+            </a:gs>
+            <a:gs pos="100000">
+              <a:schemeClr val="accent1">
+                <a:hueOff val="0"/>
+                <a:satOff val="0"/>
+                <a:lumOff val="0"/>
+                <a:alphaOff val="0"/>
+                <a:shade val="90000"/>
+                <a:lumMod val="90000"/>
+              </a:schemeClr>
+            </a:gs>
+          </a:gsLst>
+          <a:lin ang="5400000" scaled="0"/>
+        </a:gradFill>
+        <a:ln>
+          <a:noFill/>
+        </a:ln>
+        <a:effectLst>
+          <a:outerShdw blurRad="63500" dist="25400" dir="5400000" rotWithShape="0">
+            <a:srgbClr val="000000">
+              <a:alpha val="60000"/>
+            </a:srgbClr>
+          </a:outerShdw>
+        </a:effectLst>
+      </dsp:spPr>
+      <dsp:style>
+        <a:lnRef idx="0">
+          <a:scrgbClr r="0" g="0" b="0"/>
+        </a:lnRef>
+        <a:fillRef idx="3">
+          <a:scrgbClr r="0" g="0" b="0"/>
+        </a:fillRef>
+        <a:effectRef idx="2">
+          <a:scrgbClr r="0" g="0" b="0"/>
+        </a:effectRef>
+        <a:fontRef idx="minor">
+          <a:schemeClr val="lt1"/>
+        </a:fontRef>
+      </dsp:style>
+      <dsp:txBody>
+        <a:bodyPr spcFirstLastPara="0" vert="horz" wrap="square" lIns="13970" tIns="13970" rIns="13970" bIns="144662" numCol="1" spcCol="1270" anchor="ctr" anchorCtr="0">
+          <a:noAutofit/>
+        </a:bodyPr>
+        <a:lstStyle/>
+        <a:p>
+          <a:pPr lvl="0" algn="ctr" defTabSz="977900">
+            <a:lnSpc>
+              <a:spcPct val="90000"/>
+            </a:lnSpc>
+            <a:spcBef>
+              <a:spcPct val="0"/>
+            </a:spcBef>
+            <a:spcAft>
+              <a:spcPct val="35000"/>
+            </a:spcAft>
+          </a:pPr>
+          <a:r>
+            <a:rPr lang="fr-FR" sz="2200" kern="1200" dirty="0" smtClean="0"/>
+            <a:t>Odométrie</a:t>
+          </a:r>
+          <a:endParaRPr lang="fr-FR" sz="2200" kern="1200" dirty="0"/>
+        </a:p>
+      </dsp:txBody>
+      <dsp:txXfrm>
+        <a:off x="103201" y="2268822"/>
+        <a:ext cx="1980010" cy="1025161"/>
+      </dsp:txXfrm>
+    </dsp:sp>
+    <dsp:sp modelId="{809562EB-4A18-496D-99D9-E0B60B4EAEA5}">
+      <dsp:nvSpPr>
+        <dsp:cNvPr id="0" name=""/>
+        <dsp:cNvSpPr/>
+      </dsp:nvSpPr>
+      <dsp:spPr>
+        <a:xfrm>
+          <a:off x="578787" y="3066170"/>
+          <a:ext cx="1782009" cy="341720"/>
+        </a:xfrm>
+        <a:prstGeom prst="rect">
+          <a:avLst/>
+        </a:prstGeom>
+        <a:solidFill>
+          <a:schemeClr val="lt1">
+            <a:alpha val="90000"/>
+            <a:hueOff val="0"/>
+            <a:satOff val="0"/>
+            <a:lumOff val="0"/>
+            <a:alphaOff val="0"/>
+          </a:schemeClr>
+        </a:solidFill>
+        <a:ln w="9525" cap="rnd" cmpd="sng" algn="ctr">
+          <a:solidFill>
+            <a:schemeClr val="accent1">
+              <a:hueOff val="0"/>
+              <a:satOff val="0"/>
+              <a:lumOff val="0"/>
+              <a:alphaOff val="0"/>
+            </a:schemeClr>
+          </a:solidFill>
+          <a:prstDash val="solid"/>
+        </a:ln>
+        <a:effectLst/>
+      </dsp:spPr>
+      <dsp:style>
+        <a:lnRef idx="1">
+          <a:scrgbClr r="0" g="0" b="0"/>
+        </a:lnRef>
+        <a:fillRef idx="1">
+          <a:scrgbClr r="0" g="0" b="0"/>
+        </a:fillRef>
+        <a:effectRef idx="0">
+          <a:scrgbClr r="0" g="0" b="0"/>
+        </a:effectRef>
+        <a:fontRef idx="minor"/>
+      </dsp:style>
+      <dsp:txBody>
+        <a:bodyPr spcFirstLastPara="0" vert="horz" wrap="square" lIns="38100" tIns="9525" rIns="38100" bIns="9525" numCol="1" spcCol="1270" anchor="ctr" anchorCtr="0">
+          <a:noAutofit/>
+        </a:bodyPr>
+        <a:lstStyle/>
+        <a:p>
+          <a:pPr lvl="0" algn="r" defTabSz="666750">
+            <a:lnSpc>
+              <a:spcPct val="90000"/>
+            </a:lnSpc>
+            <a:spcBef>
+              <a:spcPct val="0"/>
+            </a:spcBef>
+            <a:spcAft>
+              <a:spcPct val="35000"/>
+            </a:spcAft>
+          </a:pPr>
+          <a:r>
+            <a:rPr lang="fr-FR" sz="1500" kern="1200" dirty="0"/>
+            <a:t>Thomas PRAK</a:t>
+          </a:r>
+        </a:p>
+      </dsp:txBody>
+      <dsp:txXfrm>
+        <a:off x="578787" y="3066170"/>
+        <a:ext cx="1782009" cy="341720"/>
+      </dsp:txXfrm>
+    </dsp:sp>
+    <dsp:sp modelId="{F522147D-7926-4BE8-A844-0FB48C50D80C}">
+      <dsp:nvSpPr>
+        <dsp:cNvPr id="0" name=""/>
+        <dsp:cNvSpPr/>
+      </dsp:nvSpPr>
+      <dsp:spPr>
+        <a:xfrm>
+          <a:off x="2759621" y="2268822"/>
+          <a:ext cx="1980010" cy="1025161"/>
+        </a:xfrm>
+        <a:prstGeom prst="rect">
+          <a:avLst/>
+        </a:prstGeom>
+        <a:gradFill rotWithShape="0">
+          <a:gsLst>
+            <a:gs pos="0">
+              <a:schemeClr val="accent1">
+                <a:hueOff val="0"/>
+                <a:satOff val="0"/>
+                <a:lumOff val="0"/>
+                <a:alphaOff val="0"/>
+                <a:tint val="96000"/>
+                <a:lumMod val="104000"/>
+              </a:schemeClr>
+            </a:gs>
+            <a:gs pos="100000">
+              <a:schemeClr val="accent1">
+                <a:hueOff val="0"/>
+                <a:satOff val="0"/>
+                <a:lumOff val="0"/>
+                <a:alphaOff val="0"/>
+                <a:shade val="90000"/>
+                <a:lumMod val="90000"/>
+              </a:schemeClr>
+            </a:gs>
+          </a:gsLst>
+          <a:lin ang="5400000" scaled="0"/>
+        </a:gradFill>
+        <a:ln>
+          <a:noFill/>
+        </a:ln>
+        <a:effectLst>
+          <a:outerShdw blurRad="63500" dist="25400" dir="5400000" rotWithShape="0">
+            <a:srgbClr val="000000">
+              <a:alpha val="60000"/>
+            </a:srgbClr>
+          </a:outerShdw>
+        </a:effectLst>
+      </dsp:spPr>
+      <dsp:style>
+        <a:lnRef idx="0">
+          <a:scrgbClr r="0" g="0" b="0"/>
+        </a:lnRef>
+        <a:fillRef idx="3">
+          <a:scrgbClr r="0" g="0" b="0"/>
+        </a:fillRef>
+        <a:effectRef idx="2">
+          <a:scrgbClr r="0" g="0" b="0"/>
+        </a:effectRef>
+        <a:fontRef idx="minor">
+          <a:schemeClr val="lt1"/>
+        </a:fontRef>
+      </dsp:style>
+      <dsp:txBody>
+        <a:bodyPr spcFirstLastPara="0" vert="horz" wrap="square" lIns="13970" tIns="13970" rIns="13970" bIns="144662" numCol="1" spcCol="1270" anchor="ctr" anchorCtr="0">
+          <a:noAutofit/>
+        </a:bodyPr>
+        <a:lstStyle/>
+        <a:p>
+          <a:pPr lvl="0" algn="ctr" defTabSz="977900">
+            <a:lnSpc>
+              <a:spcPct val="90000"/>
+            </a:lnSpc>
+            <a:spcBef>
+              <a:spcPct val="0"/>
+            </a:spcBef>
+            <a:spcAft>
+              <a:spcPct val="35000"/>
+            </a:spcAft>
+          </a:pPr>
+          <a:r>
+            <a:rPr lang="fr-FR" sz="2200" kern="1200" dirty="0" smtClean="0"/>
+            <a:t>Client Web</a:t>
+          </a:r>
+          <a:endParaRPr lang="fr-FR" sz="2200" kern="1200" dirty="0"/>
+        </a:p>
+      </dsp:txBody>
+      <dsp:txXfrm>
+        <a:off x="2759621" y="2268822"/>
+        <a:ext cx="1980010" cy="1025161"/>
+      </dsp:txXfrm>
+    </dsp:sp>
+    <dsp:sp modelId="{BDDE5DF6-64AC-499B-A204-5D73CD5189A5}">
+      <dsp:nvSpPr>
+        <dsp:cNvPr id="0" name=""/>
+        <dsp:cNvSpPr/>
+      </dsp:nvSpPr>
+      <dsp:spPr>
+        <a:xfrm>
+          <a:off x="3155623" y="3066170"/>
+          <a:ext cx="1782009" cy="341720"/>
+        </a:xfrm>
+        <a:prstGeom prst="rect">
+          <a:avLst/>
+        </a:prstGeom>
+        <a:solidFill>
+          <a:schemeClr val="lt1">
+            <a:alpha val="90000"/>
+            <a:hueOff val="0"/>
+            <a:satOff val="0"/>
+            <a:lumOff val="0"/>
+            <a:alphaOff val="0"/>
+          </a:schemeClr>
+        </a:solidFill>
+        <a:ln w="9525" cap="rnd" cmpd="sng" algn="ctr">
+          <a:solidFill>
+            <a:schemeClr val="accent1">
+              <a:hueOff val="0"/>
+              <a:satOff val="0"/>
+              <a:lumOff val="0"/>
+              <a:alphaOff val="0"/>
+            </a:schemeClr>
+          </a:solidFill>
+          <a:prstDash val="solid"/>
+        </a:ln>
+        <a:effectLst/>
+      </dsp:spPr>
+      <dsp:style>
+        <a:lnRef idx="1">
+          <a:scrgbClr r="0" g="0" b="0"/>
+        </a:lnRef>
+        <a:fillRef idx="1">
+          <a:scrgbClr r="0" g="0" b="0"/>
+        </a:fillRef>
+        <a:effectRef idx="0">
+          <a:scrgbClr r="0" g="0" b="0"/>
+        </a:effectRef>
+        <a:fontRef idx="minor"/>
+      </dsp:style>
+      <dsp:txBody>
+        <a:bodyPr spcFirstLastPara="0" vert="horz" wrap="square" lIns="38100" tIns="9525" rIns="38100" bIns="9525" numCol="1" spcCol="1270" anchor="ctr" anchorCtr="0">
+          <a:noAutofit/>
+        </a:bodyPr>
+        <a:lstStyle/>
+        <a:p>
+          <a:pPr lvl="0" algn="r" defTabSz="666750">
+            <a:lnSpc>
+              <a:spcPct val="90000"/>
+            </a:lnSpc>
+            <a:spcBef>
+              <a:spcPct val="0"/>
+            </a:spcBef>
+            <a:spcAft>
+              <a:spcPct val="35000"/>
+            </a:spcAft>
+          </a:pPr>
+          <a:r>
+            <a:rPr lang="fr-FR" sz="1500" kern="1200" dirty="0"/>
+            <a:t>Justine SABBATIER</a:t>
+          </a:r>
+        </a:p>
+      </dsp:txBody>
+      <dsp:txXfrm>
+        <a:off x="3155623" y="3066170"/>
+        <a:ext cx="1782009" cy="341720"/>
+      </dsp:txXfrm>
+    </dsp:sp>
+    <dsp:sp modelId="{5662567F-F7A3-40C3-B265-EF28650FB1CC}">
+      <dsp:nvSpPr>
+        <dsp:cNvPr id="0" name=""/>
+        <dsp:cNvSpPr/>
+      </dsp:nvSpPr>
+      <dsp:spPr>
+        <a:xfrm>
+          <a:off x="5416041" y="2268822"/>
+          <a:ext cx="1980010" cy="1025161"/>
+        </a:xfrm>
+        <a:prstGeom prst="rect">
+          <a:avLst/>
+        </a:prstGeom>
+        <a:gradFill rotWithShape="0">
+          <a:gsLst>
+            <a:gs pos="0">
+              <a:schemeClr val="accent1">
+                <a:hueOff val="0"/>
+                <a:satOff val="0"/>
+                <a:lumOff val="0"/>
+                <a:alphaOff val="0"/>
+                <a:tint val="96000"/>
+                <a:lumMod val="104000"/>
+              </a:schemeClr>
+            </a:gs>
+            <a:gs pos="100000">
+              <a:schemeClr val="accent1">
+                <a:hueOff val="0"/>
+                <a:satOff val="0"/>
+                <a:lumOff val="0"/>
+                <a:alphaOff val="0"/>
+                <a:shade val="90000"/>
+                <a:lumMod val="90000"/>
+              </a:schemeClr>
+            </a:gs>
+          </a:gsLst>
+          <a:lin ang="5400000" scaled="0"/>
+        </a:gradFill>
+        <a:ln>
+          <a:noFill/>
+        </a:ln>
+        <a:effectLst>
+          <a:outerShdw blurRad="63500" dist="25400" dir="5400000" rotWithShape="0">
+            <a:srgbClr val="000000">
+              <a:alpha val="60000"/>
+            </a:srgbClr>
+          </a:outerShdw>
+        </a:effectLst>
+      </dsp:spPr>
+      <dsp:style>
+        <a:lnRef idx="0">
+          <a:scrgbClr r="0" g="0" b="0"/>
+        </a:lnRef>
+        <a:fillRef idx="3">
+          <a:scrgbClr r="0" g="0" b="0"/>
+        </a:fillRef>
+        <a:effectRef idx="2">
+          <a:scrgbClr r="0" g="0" b="0"/>
+        </a:effectRef>
+        <a:fontRef idx="minor">
+          <a:schemeClr val="lt1"/>
+        </a:fontRef>
+      </dsp:style>
+      <dsp:txBody>
+        <a:bodyPr spcFirstLastPara="0" vert="horz" wrap="square" lIns="13970" tIns="13970" rIns="13970" bIns="144662" numCol="1" spcCol="1270" anchor="ctr" anchorCtr="0">
+          <a:noAutofit/>
+        </a:bodyPr>
+        <a:lstStyle/>
+        <a:p>
+          <a:pPr lvl="0" algn="ctr" defTabSz="977900">
+            <a:lnSpc>
+              <a:spcPct val="90000"/>
+            </a:lnSpc>
+            <a:spcBef>
+              <a:spcPct val="0"/>
+            </a:spcBef>
+            <a:spcAft>
+              <a:spcPct val="35000"/>
+            </a:spcAft>
+          </a:pPr>
+          <a:r>
+            <a:rPr lang="fr-FR" sz="2200" kern="1200" dirty="0" smtClean="0"/>
+            <a:t>Algorithme</a:t>
+          </a:r>
+          <a:endParaRPr lang="fr-FR" sz="2200" kern="1200" dirty="0"/>
+        </a:p>
+      </dsp:txBody>
+      <dsp:txXfrm>
+        <a:off x="5416041" y="2268822"/>
+        <a:ext cx="1980010" cy="1025161"/>
+      </dsp:txXfrm>
+    </dsp:sp>
+    <dsp:sp modelId="{0E9E0690-608D-4BF4-8CCF-3E5EC47EB681}">
+      <dsp:nvSpPr>
+        <dsp:cNvPr id="0" name=""/>
+        <dsp:cNvSpPr/>
+      </dsp:nvSpPr>
+      <dsp:spPr>
+        <a:xfrm>
+          <a:off x="5812044" y="3066170"/>
+          <a:ext cx="1782009" cy="341720"/>
+        </a:xfrm>
+        <a:prstGeom prst="rect">
+          <a:avLst/>
+        </a:prstGeom>
+        <a:solidFill>
+          <a:schemeClr val="lt1">
+            <a:alpha val="90000"/>
+            <a:hueOff val="0"/>
+            <a:satOff val="0"/>
+            <a:lumOff val="0"/>
+            <a:alphaOff val="0"/>
+          </a:schemeClr>
+        </a:solidFill>
+        <a:ln w="9525" cap="rnd" cmpd="sng" algn="ctr">
+          <a:solidFill>
+            <a:schemeClr val="accent1">
+              <a:hueOff val="0"/>
+              <a:satOff val="0"/>
+              <a:lumOff val="0"/>
+              <a:alphaOff val="0"/>
+            </a:schemeClr>
+          </a:solidFill>
+          <a:prstDash val="solid"/>
+        </a:ln>
+        <a:effectLst/>
+      </dsp:spPr>
+      <dsp:style>
+        <a:lnRef idx="1">
+          <a:scrgbClr r="0" g="0" b="0"/>
+        </a:lnRef>
+        <a:fillRef idx="1">
+          <a:scrgbClr r="0" g="0" b="0"/>
+        </a:fillRef>
+        <a:effectRef idx="0">
+          <a:scrgbClr r="0" g="0" b="0"/>
+        </a:effectRef>
+        <a:fontRef idx="minor"/>
+      </dsp:style>
+      <dsp:txBody>
+        <a:bodyPr spcFirstLastPara="0" vert="horz" wrap="square" lIns="38100" tIns="9525" rIns="38100" bIns="9525" numCol="1" spcCol="1270" anchor="ctr" anchorCtr="0">
+          <a:noAutofit/>
+        </a:bodyPr>
+        <a:lstStyle/>
+        <a:p>
+          <a:pPr lvl="0" algn="r" defTabSz="666750">
+            <a:lnSpc>
+              <a:spcPct val="90000"/>
+            </a:lnSpc>
+            <a:spcBef>
+              <a:spcPct val="0"/>
+            </a:spcBef>
+            <a:spcAft>
+              <a:spcPct val="35000"/>
+            </a:spcAft>
+          </a:pPr>
+          <a:r>
+            <a:rPr lang="fr-FR" sz="1500" kern="1200"/>
+            <a:t>Mathias DA COSTA</a:t>
+          </a:r>
+        </a:p>
+      </dsp:txBody>
+      <dsp:txXfrm>
+        <a:off x="5812044" y="3066170"/>
+        <a:ext cx="1782009" cy="341720"/>
+      </dsp:txXfrm>
+    </dsp:sp>
+    <dsp:sp modelId="{96FA1259-64E4-404F-B34D-D3DE19F6B678}">
+      <dsp:nvSpPr>
+        <dsp:cNvPr id="0" name=""/>
+        <dsp:cNvSpPr/>
+      </dsp:nvSpPr>
+      <dsp:spPr>
+        <a:xfrm>
+          <a:off x="8072462" y="2268822"/>
+          <a:ext cx="1980010" cy="1025161"/>
+        </a:xfrm>
+        <a:prstGeom prst="rect">
+          <a:avLst/>
+        </a:prstGeom>
+        <a:gradFill rotWithShape="0">
+          <a:gsLst>
+            <a:gs pos="0">
+              <a:schemeClr val="accent1">
+                <a:hueOff val="0"/>
+                <a:satOff val="0"/>
+                <a:lumOff val="0"/>
+                <a:alphaOff val="0"/>
+                <a:tint val="96000"/>
+                <a:lumMod val="104000"/>
+              </a:schemeClr>
+            </a:gs>
+            <a:gs pos="100000">
+              <a:schemeClr val="accent1">
+                <a:hueOff val="0"/>
+                <a:satOff val="0"/>
+                <a:lumOff val="0"/>
+                <a:alphaOff val="0"/>
+                <a:shade val="90000"/>
+                <a:lumMod val="90000"/>
+              </a:schemeClr>
+            </a:gs>
+          </a:gsLst>
+          <a:lin ang="5400000" scaled="0"/>
+        </a:gradFill>
+        <a:ln>
+          <a:noFill/>
+        </a:ln>
+        <a:effectLst>
+          <a:outerShdw blurRad="63500" dist="25400" dir="5400000" rotWithShape="0">
+            <a:srgbClr val="000000">
+              <a:alpha val="60000"/>
+            </a:srgbClr>
+          </a:outerShdw>
+        </a:effectLst>
+      </dsp:spPr>
+      <dsp:style>
+        <a:lnRef idx="0">
+          <a:scrgbClr r="0" g="0" b="0"/>
+        </a:lnRef>
+        <a:fillRef idx="3">
+          <a:scrgbClr r="0" g="0" b="0"/>
+        </a:fillRef>
+        <a:effectRef idx="2">
+          <a:scrgbClr r="0" g="0" b="0"/>
+        </a:effectRef>
+        <a:fontRef idx="minor">
+          <a:schemeClr val="lt1"/>
+        </a:fontRef>
+      </dsp:style>
+      <dsp:txBody>
+        <a:bodyPr spcFirstLastPara="0" vert="horz" wrap="square" lIns="13970" tIns="13970" rIns="13970" bIns="144662" numCol="1" spcCol="1270" anchor="ctr" anchorCtr="0">
+          <a:noAutofit/>
+        </a:bodyPr>
+        <a:lstStyle/>
+        <a:p>
+          <a:pPr lvl="0" algn="ctr" defTabSz="977900">
+            <a:lnSpc>
+              <a:spcPct val="90000"/>
+            </a:lnSpc>
+            <a:spcBef>
+              <a:spcPct val="0"/>
+            </a:spcBef>
+            <a:spcAft>
+              <a:spcPct val="35000"/>
+            </a:spcAft>
+          </a:pPr>
+          <a:r>
+            <a:rPr lang="fr-FR" sz="2200" kern="1200" dirty="0" smtClean="0"/>
+            <a:t>Communication</a:t>
+          </a:r>
+          <a:endParaRPr lang="fr-FR" sz="2200" kern="1200" dirty="0"/>
+        </a:p>
+      </dsp:txBody>
+      <dsp:txXfrm>
+        <a:off x="8072462" y="2268822"/>
+        <a:ext cx="1980010" cy="1025161"/>
+      </dsp:txXfrm>
+    </dsp:sp>
+    <dsp:sp modelId="{A8EA838F-3B0C-4F99-BFF0-CFB047931BD1}">
+      <dsp:nvSpPr>
+        <dsp:cNvPr id="0" name=""/>
+        <dsp:cNvSpPr/>
+      </dsp:nvSpPr>
+      <dsp:spPr>
+        <a:xfrm>
+          <a:off x="8468464" y="3066170"/>
+          <a:ext cx="1782009" cy="341720"/>
+        </a:xfrm>
+        <a:prstGeom prst="rect">
+          <a:avLst/>
+        </a:prstGeom>
+        <a:solidFill>
+          <a:schemeClr val="lt1">
+            <a:alpha val="90000"/>
+            <a:hueOff val="0"/>
+            <a:satOff val="0"/>
+            <a:lumOff val="0"/>
+            <a:alphaOff val="0"/>
+          </a:schemeClr>
+        </a:solidFill>
+        <a:ln w="9525" cap="rnd" cmpd="sng" algn="ctr">
+          <a:solidFill>
+            <a:schemeClr val="accent1">
+              <a:hueOff val="0"/>
+              <a:satOff val="0"/>
+              <a:lumOff val="0"/>
+              <a:alphaOff val="0"/>
+            </a:schemeClr>
+          </a:solidFill>
+          <a:prstDash val="solid"/>
+        </a:ln>
+        <a:effectLst/>
+      </dsp:spPr>
+      <dsp:style>
+        <a:lnRef idx="1">
+          <a:scrgbClr r="0" g="0" b="0"/>
+        </a:lnRef>
+        <a:fillRef idx="1">
+          <a:scrgbClr r="0" g="0" b="0"/>
+        </a:fillRef>
+        <a:effectRef idx="0">
+          <a:scrgbClr r="0" g="0" b="0"/>
+        </a:effectRef>
+        <a:fontRef idx="minor"/>
+      </dsp:style>
+      <dsp:txBody>
+        <a:bodyPr spcFirstLastPara="0" vert="horz" wrap="square" lIns="38100" tIns="9525" rIns="38100" bIns="9525" numCol="1" spcCol="1270" anchor="ctr" anchorCtr="0">
+          <a:noAutofit/>
+        </a:bodyPr>
+        <a:lstStyle/>
+        <a:p>
+          <a:pPr lvl="0" algn="r" defTabSz="666750">
+            <a:lnSpc>
+              <a:spcPct val="90000"/>
+            </a:lnSpc>
+            <a:spcBef>
+              <a:spcPct val="0"/>
+            </a:spcBef>
+            <a:spcAft>
+              <a:spcPct val="35000"/>
+            </a:spcAft>
+          </a:pPr>
+          <a:r>
+            <a:rPr lang="fr-FR" sz="1500" kern="1200"/>
+            <a:t>Julien LOEVE</a:t>
+          </a:r>
+        </a:p>
+      </dsp:txBody>
+      <dsp:txXfrm>
+        <a:off x="8468464" y="3066170"/>
+        <a:ext cx="1782009" cy="341720"/>
+      </dsp:txXfrm>
+    </dsp:sp>
   </dsp:spTree>
 </dsp:drawing>
 </file>
@@ -3005,6 +4086,646 @@
       <dsp:cNvGrpSpPr/>
     </dsp:nvGrpSpPr>
     <dsp:grpSpPr/>
+    <dsp:sp modelId="{6A1FC33C-BD54-48D9-8848-B8051814CA7A}">
+      <dsp:nvSpPr>
+        <dsp:cNvPr id="0" name=""/>
+        <dsp:cNvSpPr/>
+      </dsp:nvSpPr>
+      <dsp:spPr>
+        <a:xfrm>
+          <a:off x="2656565" y="9048"/>
+          <a:ext cx="2412531" cy="2412899"/>
+        </a:xfrm>
+        <a:prstGeom prst="circularArrow">
+          <a:avLst>
+            <a:gd name="adj1" fmla="val 10980"/>
+            <a:gd name="adj2" fmla="val 1142322"/>
+            <a:gd name="adj3" fmla="val 4500000"/>
+            <a:gd name="adj4" fmla="val 10800000"/>
+            <a:gd name="adj5" fmla="val 12500"/>
+          </a:avLst>
+        </a:prstGeom>
+        <a:gradFill rotWithShape="0">
+          <a:gsLst>
+            <a:gs pos="0">
+              <a:schemeClr val="accent1">
+                <a:hueOff val="0"/>
+                <a:satOff val="0"/>
+                <a:lumOff val="0"/>
+                <a:alphaOff val="0"/>
+                <a:tint val="96000"/>
+                <a:lumMod val="104000"/>
+              </a:schemeClr>
+            </a:gs>
+            <a:gs pos="100000">
+              <a:schemeClr val="accent1">
+                <a:hueOff val="0"/>
+                <a:satOff val="0"/>
+                <a:lumOff val="0"/>
+                <a:alphaOff val="0"/>
+                <a:shade val="90000"/>
+                <a:lumMod val="90000"/>
+              </a:schemeClr>
+            </a:gs>
+          </a:gsLst>
+          <a:lin ang="5400000" scaled="0"/>
+        </a:gradFill>
+        <a:ln>
+          <a:noFill/>
+        </a:ln>
+        <a:effectLst>
+          <a:outerShdw blurRad="63500" dist="25400" dir="5400000" rotWithShape="0">
+            <a:srgbClr val="000000">
+              <a:alpha val="60000"/>
+            </a:srgbClr>
+          </a:outerShdw>
+        </a:effectLst>
+      </dsp:spPr>
+      <dsp:style>
+        <a:lnRef idx="0">
+          <a:scrgbClr r="0" g="0" b="0"/>
+        </a:lnRef>
+        <a:fillRef idx="3">
+          <a:scrgbClr r="0" g="0" b="0"/>
+        </a:fillRef>
+        <a:effectRef idx="2">
+          <a:scrgbClr r="0" g="0" b="0"/>
+        </a:effectRef>
+        <a:fontRef idx="minor">
+          <a:schemeClr val="lt1"/>
+        </a:fontRef>
+      </dsp:style>
+    </dsp:sp>
+    <dsp:sp modelId="{2BC33A24-C019-40DB-B4F8-D236F35960DA}">
+      <dsp:nvSpPr>
+        <dsp:cNvPr id="0" name=""/>
+        <dsp:cNvSpPr/>
+      </dsp:nvSpPr>
+      <dsp:spPr>
+        <a:xfrm>
+          <a:off x="5465248" y="601561"/>
+          <a:ext cx="3405954" cy="965360"/>
+        </a:xfrm>
+        <a:prstGeom prst="rect">
+          <a:avLst/>
+        </a:prstGeom>
+        <a:noFill/>
+        <a:ln>
+          <a:noFill/>
+        </a:ln>
+        <a:effectLst/>
+      </dsp:spPr>
+      <dsp:style>
+        <a:lnRef idx="0">
+          <a:scrgbClr r="0" g="0" b="0"/>
+        </a:lnRef>
+        <a:fillRef idx="0">
+          <a:scrgbClr r="0" g="0" b="0"/>
+        </a:fillRef>
+        <a:effectRef idx="0">
+          <a:scrgbClr r="0" g="0" b="0"/>
+        </a:effectRef>
+        <a:fontRef idx="minor"/>
+      </dsp:style>
+      <dsp:txBody>
+        <a:bodyPr spcFirstLastPara="0" vert="horz" wrap="square" lIns="15240" tIns="15240" rIns="15240" bIns="15240" numCol="1" spcCol="1270" anchor="ctr" anchorCtr="0">
+          <a:noAutofit/>
+        </a:bodyPr>
+        <a:lstStyle/>
+        <a:p>
+          <a:pPr marL="228600" lvl="1" indent="-228600" algn="l" defTabSz="1066800">
+            <a:lnSpc>
+              <a:spcPct val="90000"/>
+            </a:lnSpc>
+            <a:spcBef>
+              <a:spcPct val="0"/>
+            </a:spcBef>
+            <a:spcAft>
+              <a:spcPct val="15000"/>
+            </a:spcAft>
+            <a:buChar char="••"/>
+          </a:pPr>
+          <a:r>
+            <a:rPr lang="fr-FR" sz="2400" b="1" kern="1200" dirty="0" smtClean="0"/>
+            <a:t>Requête GET </a:t>
+          </a:r>
+          <a:endParaRPr lang="fr-FR" sz="2400" b="1" kern="1200" dirty="0"/>
+        </a:p>
+        <a:p>
+          <a:pPr marL="457200" lvl="2" indent="-228600" algn="l" defTabSz="1066800">
+            <a:lnSpc>
+              <a:spcPct val="90000"/>
+            </a:lnSpc>
+            <a:spcBef>
+              <a:spcPct val="0"/>
+            </a:spcBef>
+            <a:spcAft>
+              <a:spcPct val="15000"/>
+            </a:spcAft>
+            <a:buChar char="••"/>
+          </a:pPr>
+          <a:r>
+            <a:rPr lang="fr-FR" sz="2400" kern="1200" dirty="0" smtClean="0"/>
+            <a:t>Récupération du </a:t>
+          </a:r>
+          <a:r>
+            <a:rPr lang="fr-FR" sz="2400" kern="1200" dirty="0" err="1" smtClean="0"/>
+            <a:t>Json</a:t>
+          </a:r>
+          <a:endParaRPr lang="fr-FR" sz="2400" kern="1200" dirty="0"/>
+        </a:p>
+      </dsp:txBody>
+      <dsp:txXfrm>
+        <a:off x="5465248" y="601561"/>
+        <a:ext cx="3405954" cy="965360"/>
+      </dsp:txXfrm>
+    </dsp:sp>
+    <dsp:sp modelId="{41EA7880-1A0E-4CC2-B59F-914DDD351791}">
+      <dsp:nvSpPr>
+        <dsp:cNvPr id="0" name=""/>
+        <dsp:cNvSpPr/>
+      </dsp:nvSpPr>
+      <dsp:spPr>
+        <a:xfrm>
+          <a:off x="3162648" y="871129"/>
+          <a:ext cx="1340597" cy="670138"/>
+        </a:xfrm>
+        <a:prstGeom prst="rect">
+          <a:avLst/>
+        </a:prstGeom>
+        <a:noFill/>
+        <a:ln>
+          <a:noFill/>
+        </a:ln>
+        <a:effectLst/>
+      </dsp:spPr>
+      <dsp:style>
+        <a:lnRef idx="0">
+          <a:scrgbClr r="0" g="0" b="0"/>
+        </a:lnRef>
+        <a:fillRef idx="0">
+          <a:scrgbClr r="0" g="0" b="0"/>
+        </a:fillRef>
+        <a:effectRef idx="0">
+          <a:scrgbClr r="0" g="0" b="0"/>
+        </a:effectRef>
+        <a:fontRef idx="minor"/>
+      </dsp:style>
+      <dsp:txBody>
+        <a:bodyPr spcFirstLastPara="0" vert="horz" wrap="square" lIns="17780" tIns="17780" rIns="17780" bIns="17780" numCol="1" spcCol="1270" anchor="ctr" anchorCtr="0">
+          <a:noAutofit/>
+        </a:bodyPr>
+        <a:lstStyle/>
+        <a:p>
+          <a:pPr lvl="0" algn="ctr" defTabSz="1244600">
+            <a:lnSpc>
+              <a:spcPct val="90000"/>
+            </a:lnSpc>
+            <a:spcBef>
+              <a:spcPct val="0"/>
+            </a:spcBef>
+            <a:spcAft>
+              <a:spcPct val="35000"/>
+            </a:spcAft>
+          </a:pPr>
+          <a:r>
+            <a:rPr lang="fr-FR" sz="2800" kern="1200" dirty="0" smtClean="0"/>
+            <a:t>Ajax</a:t>
+          </a:r>
+          <a:endParaRPr lang="fr-FR" sz="2800" kern="1200" dirty="0"/>
+        </a:p>
+      </dsp:txBody>
+      <dsp:txXfrm>
+        <a:off x="3162648" y="871129"/>
+        <a:ext cx="1340597" cy="670138"/>
+      </dsp:txXfrm>
+    </dsp:sp>
+    <dsp:sp modelId="{1EAF82E5-DF36-4432-8EFB-3660BDEAF403}">
+      <dsp:nvSpPr>
+        <dsp:cNvPr id="0" name=""/>
+        <dsp:cNvSpPr/>
+      </dsp:nvSpPr>
+      <dsp:spPr>
+        <a:xfrm>
+          <a:off x="1959327" y="1386389"/>
+          <a:ext cx="2412531" cy="2412899"/>
+        </a:xfrm>
+        <a:prstGeom prst="leftCircularArrow">
+          <a:avLst>
+            <a:gd name="adj1" fmla="val 10980"/>
+            <a:gd name="adj2" fmla="val 1142322"/>
+            <a:gd name="adj3" fmla="val 6300000"/>
+            <a:gd name="adj4" fmla="val 18900000"/>
+            <a:gd name="adj5" fmla="val 12500"/>
+          </a:avLst>
+        </a:prstGeom>
+        <a:gradFill rotWithShape="0">
+          <a:gsLst>
+            <a:gs pos="0">
+              <a:schemeClr val="accent1">
+                <a:hueOff val="0"/>
+                <a:satOff val="0"/>
+                <a:lumOff val="0"/>
+                <a:alphaOff val="0"/>
+                <a:tint val="96000"/>
+                <a:lumMod val="104000"/>
+              </a:schemeClr>
+            </a:gs>
+            <a:gs pos="100000">
+              <a:schemeClr val="accent1">
+                <a:hueOff val="0"/>
+                <a:satOff val="0"/>
+                <a:lumOff val="0"/>
+                <a:alphaOff val="0"/>
+                <a:shade val="90000"/>
+                <a:lumMod val="90000"/>
+              </a:schemeClr>
+            </a:gs>
+          </a:gsLst>
+          <a:lin ang="5400000" scaled="0"/>
+        </a:gradFill>
+        <a:ln>
+          <a:noFill/>
+        </a:ln>
+        <a:effectLst>
+          <a:outerShdw blurRad="63500" dist="25400" dir="5400000" rotWithShape="0">
+            <a:srgbClr val="000000">
+              <a:alpha val="60000"/>
+            </a:srgbClr>
+          </a:outerShdw>
+        </a:effectLst>
+      </dsp:spPr>
+      <dsp:style>
+        <a:lnRef idx="0">
+          <a:scrgbClr r="0" g="0" b="0"/>
+        </a:lnRef>
+        <a:fillRef idx="3">
+          <a:scrgbClr r="0" g="0" b="0"/>
+        </a:fillRef>
+        <a:effectRef idx="2">
+          <a:scrgbClr r="0" g="0" b="0"/>
+        </a:effectRef>
+        <a:fontRef idx="minor">
+          <a:schemeClr val="lt1"/>
+        </a:fontRef>
+      </dsp:style>
+    </dsp:sp>
+    <dsp:sp modelId="{EED53FE3-01A0-4A4A-B958-999558A60657}">
+      <dsp:nvSpPr>
+        <dsp:cNvPr id="0" name=""/>
+        <dsp:cNvSpPr/>
+      </dsp:nvSpPr>
+      <dsp:spPr>
+        <a:xfrm>
+          <a:off x="4348677" y="2031293"/>
+          <a:ext cx="5643819" cy="965360"/>
+        </a:xfrm>
+        <a:prstGeom prst="rect">
+          <a:avLst/>
+        </a:prstGeom>
+        <a:noFill/>
+        <a:ln>
+          <a:noFill/>
+        </a:ln>
+        <a:effectLst/>
+      </dsp:spPr>
+      <dsp:style>
+        <a:lnRef idx="0">
+          <a:scrgbClr r="0" g="0" b="0"/>
+        </a:lnRef>
+        <a:fillRef idx="0">
+          <a:scrgbClr r="0" g="0" b="0"/>
+        </a:fillRef>
+        <a:effectRef idx="0">
+          <a:scrgbClr r="0" g="0" b="0"/>
+        </a:effectRef>
+        <a:fontRef idx="minor"/>
+      </dsp:style>
+      <dsp:txBody>
+        <a:bodyPr spcFirstLastPara="0" vert="horz" wrap="square" lIns="15240" tIns="15240" rIns="15240" bIns="15240" numCol="1" spcCol="1270" anchor="ctr" anchorCtr="0">
+          <a:noAutofit/>
+        </a:bodyPr>
+        <a:lstStyle/>
+        <a:p>
+          <a:pPr marL="228600" lvl="1" indent="-228600" algn="l" defTabSz="1066800">
+            <a:lnSpc>
+              <a:spcPct val="90000"/>
+            </a:lnSpc>
+            <a:spcBef>
+              <a:spcPct val="0"/>
+            </a:spcBef>
+            <a:spcAft>
+              <a:spcPct val="15000"/>
+            </a:spcAft>
+            <a:buChar char="••"/>
+          </a:pPr>
+          <a:r>
+            <a:rPr lang="fr-FR" sz="2400" b="1" kern="1200" dirty="0" smtClean="0"/>
+            <a:t>Nativement interprété</a:t>
+          </a:r>
+          <a:endParaRPr lang="fr-FR" sz="2400" b="1" kern="1200" dirty="0"/>
+        </a:p>
+        <a:p>
+          <a:pPr marL="457200" lvl="2" indent="-228600" algn="l" defTabSz="1066800">
+            <a:lnSpc>
+              <a:spcPct val="90000"/>
+            </a:lnSpc>
+            <a:spcBef>
+              <a:spcPct val="0"/>
+            </a:spcBef>
+            <a:spcAft>
+              <a:spcPct val="15000"/>
+            </a:spcAft>
+            <a:buChar char="••"/>
+          </a:pPr>
+          <a:r>
+            <a:rPr lang="fr-FR" sz="2400" kern="1200" dirty="0" smtClean="0"/>
+            <a:t>Extraction des données</a:t>
+          </a:r>
+          <a:endParaRPr lang="fr-FR" sz="2400" kern="1200" dirty="0"/>
+        </a:p>
+      </dsp:txBody>
+      <dsp:txXfrm>
+        <a:off x="4348677" y="2031293"/>
+        <a:ext cx="5643819" cy="965360"/>
+      </dsp:txXfrm>
+    </dsp:sp>
+    <dsp:sp modelId="{6AA25D69-5E05-40A3-9F00-9387D55331A8}">
+      <dsp:nvSpPr>
+        <dsp:cNvPr id="0" name=""/>
+        <dsp:cNvSpPr/>
+      </dsp:nvSpPr>
+      <dsp:spPr>
+        <a:xfrm>
+          <a:off x="2495294" y="2265538"/>
+          <a:ext cx="1340597" cy="670138"/>
+        </a:xfrm>
+        <a:prstGeom prst="rect">
+          <a:avLst/>
+        </a:prstGeom>
+        <a:noFill/>
+        <a:ln>
+          <a:noFill/>
+        </a:ln>
+        <a:effectLst/>
+      </dsp:spPr>
+      <dsp:style>
+        <a:lnRef idx="0">
+          <a:scrgbClr r="0" g="0" b="0"/>
+        </a:lnRef>
+        <a:fillRef idx="0">
+          <a:scrgbClr r="0" g="0" b="0"/>
+        </a:fillRef>
+        <a:effectRef idx="0">
+          <a:scrgbClr r="0" g="0" b="0"/>
+        </a:effectRef>
+        <a:fontRef idx="minor"/>
+      </dsp:style>
+      <dsp:txBody>
+        <a:bodyPr spcFirstLastPara="0" vert="horz" wrap="square" lIns="17780" tIns="17780" rIns="17780" bIns="17780" numCol="1" spcCol="1270" anchor="ctr" anchorCtr="0">
+          <a:noAutofit/>
+        </a:bodyPr>
+        <a:lstStyle/>
+        <a:p>
+          <a:pPr lvl="0" algn="ctr" defTabSz="1244600">
+            <a:lnSpc>
+              <a:spcPct val="90000"/>
+            </a:lnSpc>
+            <a:spcBef>
+              <a:spcPct val="0"/>
+            </a:spcBef>
+            <a:spcAft>
+              <a:spcPct val="35000"/>
+            </a:spcAft>
+          </a:pPr>
+          <a:r>
+            <a:rPr lang="fr-FR" sz="2800" kern="1200" dirty="0" err="1" smtClean="0"/>
+            <a:t>Jquery</a:t>
+          </a:r>
+          <a:endParaRPr lang="fr-FR" sz="2800" kern="1200" dirty="0"/>
+        </a:p>
+      </dsp:txBody>
+      <dsp:txXfrm>
+        <a:off x="2495294" y="2265538"/>
+        <a:ext cx="1340597" cy="670138"/>
+      </dsp:txXfrm>
+    </dsp:sp>
+    <dsp:sp modelId="{A7590864-E6C3-49D8-9B22-DF9210EFF756}">
+      <dsp:nvSpPr>
+        <dsp:cNvPr id="0" name=""/>
+        <dsp:cNvSpPr/>
+      </dsp:nvSpPr>
+      <dsp:spPr>
+        <a:xfrm>
+          <a:off x="2801108" y="2938684"/>
+          <a:ext cx="2072738" cy="2073569"/>
+        </a:xfrm>
+        <a:prstGeom prst="blockArc">
+          <a:avLst>
+            <a:gd name="adj1" fmla="val 13500000"/>
+            <a:gd name="adj2" fmla="val 10800000"/>
+            <a:gd name="adj3" fmla="val 12740"/>
+          </a:avLst>
+        </a:prstGeom>
+        <a:gradFill rotWithShape="0">
+          <a:gsLst>
+            <a:gs pos="0">
+              <a:schemeClr val="accent1">
+                <a:hueOff val="0"/>
+                <a:satOff val="0"/>
+                <a:lumOff val="0"/>
+                <a:alphaOff val="0"/>
+                <a:tint val="96000"/>
+                <a:lumMod val="104000"/>
+              </a:schemeClr>
+            </a:gs>
+            <a:gs pos="100000">
+              <a:schemeClr val="accent1">
+                <a:hueOff val="0"/>
+                <a:satOff val="0"/>
+                <a:lumOff val="0"/>
+                <a:alphaOff val="0"/>
+                <a:shade val="90000"/>
+                <a:lumMod val="90000"/>
+              </a:schemeClr>
+            </a:gs>
+          </a:gsLst>
+          <a:lin ang="5400000" scaled="0"/>
+        </a:gradFill>
+        <a:ln>
+          <a:noFill/>
+        </a:ln>
+        <a:effectLst>
+          <a:outerShdw blurRad="63500" dist="25400" dir="5400000" rotWithShape="0">
+            <a:srgbClr val="000000">
+              <a:alpha val="60000"/>
+            </a:srgbClr>
+          </a:outerShdw>
+        </a:effectLst>
+      </dsp:spPr>
+      <dsp:style>
+        <a:lnRef idx="0">
+          <a:scrgbClr r="0" g="0" b="0"/>
+        </a:lnRef>
+        <a:fillRef idx="3">
+          <a:scrgbClr r="0" g="0" b="0"/>
+        </a:fillRef>
+        <a:effectRef idx="2">
+          <a:scrgbClr r="0" g="0" b="0"/>
+        </a:effectRef>
+        <a:fontRef idx="minor">
+          <a:schemeClr val="lt1"/>
+        </a:fontRef>
+      </dsp:style>
+    </dsp:sp>
+    <dsp:sp modelId="{1EC2A02A-3E8D-473F-97D1-1FB993A4303A}">
+      <dsp:nvSpPr>
+        <dsp:cNvPr id="0" name=""/>
+        <dsp:cNvSpPr/>
+      </dsp:nvSpPr>
+      <dsp:spPr>
+        <a:xfrm>
+          <a:off x="5458447" y="3522663"/>
+          <a:ext cx="4534049" cy="965360"/>
+        </a:xfrm>
+        <a:prstGeom prst="rect">
+          <a:avLst/>
+        </a:prstGeom>
+        <a:noFill/>
+        <a:ln>
+          <a:noFill/>
+        </a:ln>
+        <a:effectLst/>
+      </dsp:spPr>
+      <dsp:style>
+        <a:lnRef idx="0">
+          <a:scrgbClr r="0" g="0" b="0"/>
+        </a:lnRef>
+        <a:fillRef idx="0">
+          <a:scrgbClr r="0" g="0" b="0"/>
+        </a:fillRef>
+        <a:effectRef idx="0">
+          <a:scrgbClr r="0" g="0" b="0"/>
+        </a:effectRef>
+        <a:fontRef idx="minor"/>
+      </dsp:style>
+      <dsp:txBody>
+        <a:bodyPr spcFirstLastPara="0" vert="horz" wrap="square" lIns="15240" tIns="15240" rIns="15240" bIns="15240" numCol="1" spcCol="1270" anchor="ctr" anchorCtr="0">
+          <a:noAutofit/>
+        </a:bodyPr>
+        <a:lstStyle/>
+        <a:p>
+          <a:pPr marL="228600" lvl="1" indent="-228600" algn="l" defTabSz="1066800">
+            <a:lnSpc>
+              <a:spcPct val="90000"/>
+            </a:lnSpc>
+            <a:spcBef>
+              <a:spcPct val="0"/>
+            </a:spcBef>
+            <a:spcAft>
+              <a:spcPct val="15000"/>
+            </a:spcAft>
+            <a:buChar char="••"/>
+          </a:pPr>
+          <a:r>
+            <a:rPr lang="fr-FR" sz="2400" b="1" kern="1200" dirty="0" smtClean="0"/>
+            <a:t>Balise &lt;</a:t>
+          </a:r>
+          <a:r>
+            <a:rPr lang="fr-FR" sz="2400" b="1" kern="1200" dirty="0" err="1" smtClean="0"/>
+            <a:t>canvas</a:t>
+          </a:r>
+          <a:r>
+            <a:rPr lang="fr-FR" sz="2400" b="1" kern="1200" dirty="0" smtClean="0"/>
+            <a:t>&gt;</a:t>
+          </a:r>
+          <a:endParaRPr lang="fr-FR" sz="2400" b="1" kern="1200" dirty="0"/>
+        </a:p>
+        <a:p>
+          <a:pPr marL="457200" lvl="2" indent="-228600" algn="l" defTabSz="1066800">
+            <a:lnSpc>
+              <a:spcPct val="90000"/>
+            </a:lnSpc>
+            <a:spcBef>
+              <a:spcPct val="0"/>
+            </a:spcBef>
+            <a:spcAft>
+              <a:spcPct val="15000"/>
+            </a:spcAft>
+            <a:buChar char="••"/>
+          </a:pPr>
+          <a:r>
+            <a:rPr lang="fr-FR" sz="2400" kern="1200" dirty="0" smtClean="0"/>
+            <a:t>Modélisation des obstacles</a:t>
+          </a:r>
+          <a:endParaRPr lang="fr-FR" sz="2400" kern="1200" dirty="0"/>
+        </a:p>
+      </dsp:txBody>
+      <dsp:txXfrm>
+        <a:off x="5458447" y="3522663"/>
+        <a:ext cx="4534049" cy="965360"/>
+      </dsp:txXfrm>
+    </dsp:sp>
+    <dsp:sp modelId="{7D2E6C7C-9586-4A0C-B907-A004212DF446}">
+      <dsp:nvSpPr>
+        <dsp:cNvPr id="0" name=""/>
+        <dsp:cNvSpPr/>
+      </dsp:nvSpPr>
+      <dsp:spPr>
+        <a:xfrm>
+          <a:off x="3165820" y="3661952"/>
+          <a:ext cx="1340597" cy="670138"/>
+        </a:xfrm>
+        <a:prstGeom prst="rect">
+          <a:avLst/>
+        </a:prstGeom>
+        <a:noFill/>
+        <a:ln>
+          <a:noFill/>
+        </a:ln>
+        <a:effectLst/>
+      </dsp:spPr>
+      <dsp:style>
+        <a:lnRef idx="0">
+          <a:scrgbClr r="0" g="0" b="0"/>
+        </a:lnRef>
+        <a:fillRef idx="0">
+          <a:scrgbClr r="0" g="0" b="0"/>
+        </a:fillRef>
+        <a:effectRef idx="0">
+          <a:scrgbClr r="0" g="0" b="0"/>
+        </a:effectRef>
+        <a:fontRef idx="minor"/>
+      </dsp:style>
+      <dsp:txBody>
+        <a:bodyPr spcFirstLastPara="0" vert="horz" wrap="square" lIns="17780" tIns="17780" rIns="17780" bIns="17780" numCol="1" spcCol="1270" anchor="ctr" anchorCtr="0">
+          <a:noAutofit/>
+        </a:bodyPr>
+        <a:lstStyle/>
+        <a:p>
+          <a:pPr lvl="0" algn="ctr" defTabSz="1244600">
+            <a:lnSpc>
+              <a:spcPct val="90000"/>
+            </a:lnSpc>
+            <a:spcBef>
+              <a:spcPct val="0"/>
+            </a:spcBef>
+            <a:spcAft>
+              <a:spcPct val="35000"/>
+            </a:spcAft>
+          </a:pPr>
+          <a:r>
+            <a:rPr lang="fr-FR" sz="2800" kern="1200" dirty="0" smtClean="0"/>
+            <a:t>HTML5</a:t>
+          </a:r>
+          <a:endParaRPr lang="fr-FR" sz="2800" kern="1200" dirty="0"/>
+        </a:p>
+      </dsp:txBody>
+      <dsp:txXfrm>
+        <a:off x="3165820" y="3661952"/>
+        <a:ext cx="1340597" cy="670138"/>
+      </dsp:txXfrm>
+    </dsp:sp>
   </dsp:spTree>
 </dsp:drawing>
 </file>
@@ -8334,6 +10055,444 @@
 </dgm:styleDef>
 </file>
 
+<file path=ppt/notesMasters/notesMaster1.xml><?xml version="1.0" encoding="utf-8"?>
+<p:notesMaster xmlns:a="http://schemas.openxmlformats.org/drawingml/2006/main" xmlns:r="http://schemas.openxmlformats.org/officeDocument/2006/relationships" xmlns:p="http://schemas.openxmlformats.org/presentationml/2006/main">
+  <p:cSld>
+    <p:bg>
+      <p:bgRef idx="1001">
+        <a:schemeClr val="bg1"/>
+      </p:bgRef>
+    </p:bg>
+    <p:spTree>
+      <p:nvGrpSpPr>
+        <p:cNvPr id="1" name=""/>
+        <p:cNvGrpSpPr/>
+        <p:nvPr/>
+      </p:nvGrpSpPr>
+      <p:grpSpPr>
+        <a:xfrm>
+          <a:off x="0" y="0"/>
+          <a:ext cx="0" cy="0"/>
+          <a:chOff x="0" y="0"/>
+          <a:chExt cx="0" cy="0"/>
+        </a:xfrm>
+      </p:grpSpPr>
+      <p:sp>
+        <p:nvSpPr>
+          <p:cNvPr id="2" name="Espace réservé de l'en-tête 1"/>
+          <p:cNvSpPr>
+            <a:spLocks noGrp="1"/>
+          </p:cNvSpPr>
+          <p:nvPr>
+            <p:ph type="hdr" sz="quarter"/>
+          </p:nvPr>
+        </p:nvSpPr>
+        <p:spPr>
+          <a:xfrm>
+            <a:off x="0" y="0"/>
+            <a:ext cx="2971800" cy="458788"/>
+          </a:xfrm>
+          <a:prstGeom prst="rect">
+            <a:avLst/>
+          </a:prstGeom>
+        </p:spPr>
+        <p:txBody>
+          <a:bodyPr vert="horz" lIns="91440" tIns="45720" rIns="91440" bIns="45720" rtlCol="0"/>
+          <a:lstStyle>
+            <a:lvl1pPr algn="l">
+              <a:defRPr sz="1200"/>
+            </a:lvl1pPr>
+          </a:lstStyle>
+          <a:p>
+            <a:endParaRPr lang="fr-FR"/>
+          </a:p>
+        </p:txBody>
+      </p:sp>
+      <p:sp>
+        <p:nvSpPr>
+          <p:cNvPr id="3" name="Espace réservé de la date 2"/>
+          <p:cNvSpPr>
+            <a:spLocks noGrp="1"/>
+          </p:cNvSpPr>
+          <p:nvPr>
+            <p:ph type="dt" idx="1"/>
+          </p:nvPr>
+        </p:nvSpPr>
+        <p:spPr>
+          <a:xfrm>
+            <a:off x="3884613" y="0"/>
+            <a:ext cx="2971800" cy="458788"/>
+          </a:xfrm>
+          <a:prstGeom prst="rect">
+            <a:avLst/>
+          </a:prstGeom>
+        </p:spPr>
+        <p:txBody>
+          <a:bodyPr vert="horz" lIns="91440" tIns="45720" rIns="91440" bIns="45720" rtlCol="0"/>
+          <a:lstStyle>
+            <a:lvl1pPr algn="r">
+              <a:defRPr sz="1200"/>
+            </a:lvl1pPr>
+          </a:lstStyle>
+          <a:p>
+            <a:fld id="{94756096-CE8F-45B0-A666-79414C0ADB97}" type="datetimeFigureOut">
+              <a:rPr lang="fr-FR" smtClean="0"/>
+              <a:t>21/10/2014</a:t>
+            </a:fld>
+            <a:endParaRPr lang="fr-FR"/>
+          </a:p>
+        </p:txBody>
+      </p:sp>
+      <p:sp>
+        <p:nvSpPr>
+          <p:cNvPr id="4" name="Espace réservé de l'image des diapositives 3"/>
+          <p:cNvSpPr>
+            <a:spLocks noGrp="1" noRot="1" noChangeAspect="1"/>
+          </p:cNvSpPr>
+          <p:nvPr>
+            <p:ph type="sldImg" idx="2"/>
+          </p:nvPr>
+        </p:nvSpPr>
+        <p:spPr>
+          <a:xfrm>
+            <a:off x="685800" y="1143000"/>
+            <a:ext cx="5486400" cy="3086100"/>
+          </a:xfrm>
+          <a:prstGeom prst="rect">
+            <a:avLst/>
+          </a:prstGeom>
+          <a:noFill/>
+          <a:ln w="12700">
+            <a:solidFill>
+              <a:prstClr val="black"/>
+            </a:solidFill>
+          </a:ln>
+        </p:spPr>
+        <p:txBody>
+          <a:bodyPr vert="horz" lIns="91440" tIns="45720" rIns="91440" bIns="45720" rtlCol="0" anchor="ctr"/>
+          <a:lstStyle/>
+          <a:p>
+            <a:endParaRPr lang="fr-FR"/>
+          </a:p>
+        </p:txBody>
+      </p:sp>
+      <p:sp>
+        <p:nvSpPr>
+          <p:cNvPr id="5" name="Espace réservé des commentaires 4"/>
+          <p:cNvSpPr>
+            <a:spLocks noGrp="1"/>
+          </p:cNvSpPr>
+          <p:nvPr>
+            <p:ph type="body" sz="quarter" idx="3"/>
+          </p:nvPr>
+        </p:nvSpPr>
+        <p:spPr>
+          <a:xfrm>
+            <a:off x="685800" y="4400550"/>
+            <a:ext cx="5486400" cy="3600450"/>
+          </a:xfrm>
+          <a:prstGeom prst="rect">
+            <a:avLst/>
+          </a:prstGeom>
+        </p:spPr>
+        <p:txBody>
+          <a:bodyPr vert="horz" lIns="91440" tIns="45720" rIns="91440" bIns="45720" rtlCol="0"/>
+          <a:lstStyle/>
+          <a:p>
+            <a:pPr lvl="0"/>
+            <a:r>
+              <a:rPr lang="fr-FR" smtClean="0"/>
+              <a:t>Modifiez les styles du texte du masque</a:t>
+            </a:r>
+          </a:p>
+          <a:p>
+            <a:pPr lvl="1"/>
+            <a:r>
+              <a:rPr lang="fr-FR" smtClean="0"/>
+              <a:t>Deuxième niveau</a:t>
+            </a:r>
+          </a:p>
+          <a:p>
+            <a:pPr lvl="2"/>
+            <a:r>
+              <a:rPr lang="fr-FR" smtClean="0"/>
+              <a:t>Troisième niveau</a:t>
+            </a:r>
+          </a:p>
+          <a:p>
+            <a:pPr lvl="3"/>
+            <a:r>
+              <a:rPr lang="fr-FR" smtClean="0"/>
+              <a:t>Quatrième niveau</a:t>
+            </a:r>
+          </a:p>
+          <a:p>
+            <a:pPr lvl="4"/>
+            <a:r>
+              <a:rPr lang="fr-FR" smtClean="0"/>
+              <a:t>Cinquième niveau</a:t>
+            </a:r>
+            <a:endParaRPr lang="fr-FR"/>
+          </a:p>
+        </p:txBody>
+      </p:sp>
+      <p:sp>
+        <p:nvSpPr>
+          <p:cNvPr id="6" name="Espace réservé du pied de page 5"/>
+          <p:cNvSpPr>
+            <a:spLocks noGrp="1"/>
+          </p:cNvSpPr>
+          <p:nvPr>
+            <p:ph type="ftr" sz="quarter" idx="4"/>
+          </p:nvPr>
+        </p:nvSpPr>
+        <p:spPr>
+          <a:xfrm>
+            <a:off x="0" y="8685213"/>
+            <a:ext cx="2971800" cy="458787"/>
+          </a:xfrm>
+          <a:prstGeom prst="rect">
+            <a:avLst/>
+          </a:prstGeom>
+        </p:spPr>
+        <p:txBody>
+          <a:bodyPr vert="horz" lIns="91440" tIns="45720" rIns="91440" bIns="45720" rtlCol="0" anchor="b"/>
+          <a:lstStyle>
+            <a:lvl1pPr algn="l">
+              <a:defRPr sz="1200"/>
+            </a:lvl1pPr>
+          </a:lstStyle>
+          <a:p>
+            <a:endParaRPr lang="fr-FR"/>
+          </a:p>
+        </p:txBody>
+      </p:sp>
+      <p:sp>
+        <p:nvSpPr>
+          <p:cNvPr id="7" name="Espace réservé du numéro de diapositive 6"/>
+          <p:cNvSpPr>
+            <a:spLocks noGrp="1"/>
+          </p:cNvSpPr>
+          <p:nvPr>
+            <p:ph type="sldNum" sz="quarter" idx="5"/>
+          </p:nvPr>
+        </p:nvSpPr>
+        <p:spPr>
+          <a:xfrm>
+            <a:off x="3884613" y="8685213"/>
+            <a:ext cx="2971800" cy="458787"/>
+          </a:xfrm>
+          <a:prstGeom prst="rect">
+            <a:avLst/>
+          </a:prstGeom>
+        </p:spPr>
+        <p:txBody>
+          <a:bodyPr vert="horz" lIns="91440" tIns="45720" rIns="91440" bIns="45720" rtlCol="0" anchor="b"/>
+          <a:lstStyle>
+            <a:lvl1pPr algn="r">
+              <a:defRPr sz="1200"/>
+            </a:lvl1pPr>
+          </a:lstStyle>
+          <a:p>
+            <a:fld id="{48CABC84-BBD5-473D-8665-507E23BED2C2}" type="slidenum">
+              <a:rPr lang="fr-FR" smtClean="0"/>
+              <a:t>‹N°›</a:t>
+            </a:fld>
+            <a:endParaRPr lang="fr-FR"/>
+          </a:p>
+        </p:txBody>
+      </p:sp>
+    </p:spTree>
+    <p:extLst>
+      <p:ext uri="{BB962C8B-B14F-4D97-AF65-F5344CB8AC3E}">
+        <p14:creationId xmlns:p14="http://schemas.microsoft.com/office/powerpoint/2010/main" val="1930163056"/>
+      </p:ext>
+    </p:extLst>
+  </p:cSld>
+  <p:clrMap bg1="lt1" tx1="dk1" bg2="lt2" tx2="dk2" accent1="accent1" accent2="accent2" accent3="accent3" accent4="accent4" accent5="accent5" accent6="accent6" hlink="hlink" folHlink="folHlink"/>
+  <p:notesStyle>
+    <a:lvl1pPr marL="0" algn="l" defTabSz="914400" rtl="0" eaLnBrk="1" latinLnBrk="0" hangingPunct="1">
+      <a:defRPr sz="1200" kern="1200">
+        <a:solidFill>
+          <a:schemeClr val="tx1"/>
+        </a:solidFill>
+        <a:latin typeface="+mn-lt"/>
+        <a:ea typeface="+mn-ea"/>
+        <a:cs typeface="+mn-cs"/>
+      </a:defRPr>
+    </a:lvl1pPr>
+    <a:lvl2pPr marL="457200" algn="l" defTabSz="914400" rtl="0" eaLnBrk="1" latinLnBrk="0" hangingPunct="1">
+      <a:defRPr sz="1200" kern="1200">
+        <a:solidFill>
+          <a:schemeClr val="tx1"/>
+        </a:solidFill>
+        <a:latin typeface="+mn-lt"/>
+        <a:ea typeface="+mn-ea"/>
+        <a:cs typeface="+mn-cs"/>
+      </a:defRPr>
+    </a:lvl2pPr>
+    <a:lvl3pPr marL="914400" algn="l" defTabSz="914400" rtl="0" eaLnBrk="1" latinLnBrk="0" hangingPunct="1">
+      <a:defRPr sz="1200" kern="1200">
+        <a:solidFill>
+          <a:schemeClr val="tx1"/>
+        </a:solidFill>
+        <a:latin typeface="+mn-lt"/>
+        <a:ea typeface="+mn-ea"/>
+        <a:cs typeface="+mn-cs"/>
+      </a:defRPr>
+    </a:lvl3pPr>
+    <a:lvl4pPr marL="1371600" algn="l" defTabSz="914400" rtl="0" eaLnBrk="1" latinLnBrk="0" hangingPunct="1">
+      <a:defRPr sz="1200" kern="1200">
+        <a:solidFill>
+          <a:schemeClr val="tx1"/>
+        </a:solidFill>
+        <a:latin typeface="+mn-lt"/>
+        <a:ea typeface="+mn-ea"/>
+        <a:cs typeface="+mn-cs"/>
+      </a:defRPr>
+    </a:lvl4pPr>
+    <a:lvl5pPr marL="1828800" algn="l" defTabSz="914400" rtl="0" eaLnBrk="1" latinLnBrk="0" hangingPunct="1">
+      <a:defRPr sz="1200" kern="1200">
+        <a:solidFill>
+          <a:schemeClr val="tx1"/>
+        </a:solidFill>
+        <a:latin typeface="+mn-lt"/>
+        <a:ea typeface="+mn-ea"/>
+        <a:cs typeface="+mn-cs"/>
+      </a:defRPr>
+    </a:lvl5pPr>
+    <a:lvl6pPr marL="2286000" algn="l" defTabSz="914400" rtl="0" eaLnBrk="1" latinLnBrk="0" hangingPunct="1">
+      <a:defRPr sz="1200" kern="1200">
+        <a:solidFill>
+          <a:schemeClr val="tx1"/>
+        </a:solidFill>
+        <a:latin typeface="+mn-lt"/>
+        <a:ea typeface="+mn-ea"/>
+        <a:cs typeface="+mn-cs"/>
+      </a:defRPr>
+    </a:lvl6pPr>
+    <a:lvl7pPr marL="2743200" algn="l" defTabSz="914400" rtl="0" eaLnBrk="1" latinLnBrk="0" hangingPunct="1">
+      <a:defRPr sz="1200" kern="1200">
+        <a:solidFill>
+          <a:schemeClr val="tx1"/>
+        </a:solidFill>
+        <a:latin typeface="+mn-lt"/>
+        <a:ea typeface="+mn-ea"/>
+        <a:cs typeface="+mn-cs"/>
+      </a:defRPr>
+    </a:lvl7pPr>
+    <a:lvl8pPr marL="3200400" algn="l" defTabSz="914400" rtl="0" eaLnBrk="1" latinLnBrk="0" hangingPunct="1">
+      <a:defRPr sz="1200" kern="1200">
+        <a:solidFill>
+          <a:schemeClr val="tx1"/>
+        </a:solidFill>
+        <a:latin typeface="+mn-lt"/>
+        <a:ea typeface="+mn-ea"/>
+        <a:cs typeface="+mn-cs"/>
+      </a:defRPr>
+    </a:lvl8pPr>
+    <a:lvl9pPr marL="3657600" algn="l" defTabSz="914400" rtl="0" eaLnBrk="1" latinLnBrk="0" hangingPunct="1">
+      <a:defRPr sz="1200" kern="1200">
+        <a:solidFill>
+          <a:schemeClr val="tx1"/>
+        </a:solidFill>
+        <a:latin typeface="+mn-lt"/>
+        <a:ea typeface="+mn-ea"/>
+        <a:cs typeface="+mn-cs"/>
+      </a:defRPr>
+    </a:lvl9pPr>
+  </p:notesStyle>
+</p:notesMaster>
+</file>
+
+<file path=ppt/notesSlides/notesSlide1.xml><?xml version="1.0" encoding="utf-8"?>
+<p:notes xmlns:a="http://schemas.openxmlformats.org/drawingml/2006/main" xmlns:r="http://schemas.openxmlformats.org/officeDocument/2006/relationships" xmlns:p="http://schemas.openxmlformats.org/presentationml/2006/main">
+  <p:cSld>
+    <p:spTree>
+      <p:nvGrpSpPr>
+        <p:cNvPr id="1" name=""/>
+        <p:cNvGrpSpPr/>
+        <p:nvPr/>
+      </p:nvGrpSpPr>
+      <p:grpSpPr>
+        <a:xfrm>
+          <a:off x="0" y="0"/>
+          <a:ext cx="0" cy="0"/>
+          <a:chOff x="0" y="0"/>
+          <a:chExt cx="0" cy="0"/>
+        </a:xfrm>
+      </p:grpSpPr>
+      <p:sp>
+        <p:nvSpPr>
+          <p:cNvPr id="2" name="Espace réservé de l'image des diapositives 1"/>
+          <p:cNvSpPr>
+            <a:spLocks noGrp="1" noRot="1" noChangeAspect="1"/>
+          </p:cNvSpPr>
+          <p:nvPr>
+            <p:ph type="sldImg"/>
+          </p:nvPr>
+        </p:nvSpPr>
+        <p:spPr/>
+      </p:sp>
+      <p:sp>
+        <p:nvSpPr>
+          <p:cNvPr id="3" name="Espace réservé des commentaires 2"/>
+          <p:cNvSpPr>
+            <a:spLocks noGrp="1"/>
+          </p:cNvSpPr>
+          <p:nvPr>
+            <p:ph type="body" idx="1"/>
+          </p:nvPr>
+        </p:nvSpPr>
+        <p:spPr/>
+        <p:txBody>
+          <a:bodyPr/>
+          <a:lstStyle/>
+          <a:p>
+            <a:r>
+              <a:rPr lang="fr-FR" smtClean="0"/>
+              <a:t>JSON</a:t>
+            </a:r>
+            <a:endParaRPr lang="fr-FR"/>
+          </a:p>
+        </p:txBody>
+      </p:sp>
+      <p:sp>
+        <p:nvSpPr>
+          <p:cNvPr id="4" name="Espace réservé du numéro de diapositive 3"/>
+          <p:cNvSpPr>
+            <a:spLocks noGrp="1"/>
+          </p:cNvSpPr>
+          <p:nvPr>
+            <p:ph type="sldNum" sz="quarter" idx="10"/>
+          </p:nvPr>
+        </p:nvSpPr>
+        <p:spPr/>
+        <p:txBody>
+          <a:bodyPr/>
+          <a:lstStyle/>
+          <a:p>
+            <a:fld id="{48CABC84-BBD5-473D-8665-507E23BED2C2}" type="slidenum">
+              <a:rPr lang="fr-FR" smtClean="0"/>
+              <a:t>19</a:t>
+            </a:fld>
+            <a:endParaRPr lang="fr-FR"/>
+          </a:p>
+        </p:txBody>
+      </p:sp>
+    </p:spTree>
+    <p:extLst>
+      <p:ext uri="{BB962C8B-B14F-4D97-AF65-F5344CB8AC3E}">
+        <p14:creationId xmlns:p14="http://schemas.microsoft.com/office/powerpoint/2010/main" val="1158587043"/>
+      </p:ext>
+    </p:extLst>
+  </p:cSld>
+  <p:clrMapOvr>
+    <a:masterClrMapping/>
+  </p:clrMapOvr>
+</p:notes>
+</file>
+
 <file path=ppt/slideLayouts/slideLayout1.xml><?xml version="1.0" encoding="utf-8"?>
 <p:sldLayout xmlns:a="http://schemas.openxmlformats.org/drawingml/2006/main" xmlns:r="http://schemas.openxmlformats.org/officeDocument/2006/relationships" xmlns:p="http://schemas.openxmlformats.org/presentationml/2006/main" type="title" preserve="1">
   <p:cSld name="Diapositive de titre">
@@ -19210,22 +21369,745 @@
           </a:p>
         </p:txBody>
       </p:sp>
-      <p:sp>
-        <p:nvSpPr>
-          <p:cNvPr id="3" name="Espace réservé du contenu 2"/>
-          <p:cNvSpPr>
-            <a:spLocks noGrp="1"/>
-          </p:cNvSpPr>
+      <p:pic>
+        <p:nvPicPr>
+          <p:cNvPr id="4" name="Espace réservé du contenu 4"/>
+          <p:cNvPicPr>
+            <a:picLocks noGrp="1" noChangeAspect="1"/>
+          </p:cNvPicPr>
           <p:nvPr>
             <p:ph idx="1"/>
           </p:nvPr>
+        </p:nvPicPr>
+        <p:blipFill>
+          <a:blip r:embed="rId3">
+            <a:extLst>
+              <a:ext uri="{28A0092B-C50C-407E-A947-70E740481C1C}">
+                <a14:useLocalDpi xmlns:a14="http://schemas.microsoft.com/office/drawing/2010/main" val="0"/>
+              </a:ext>
+            </a:extLst>
+          </a:blip>
+          <a:stretch>
+            <a:fillRect/>
+          </a:stretch>
+        </p:blipFill>
+        <p:spPr>
+          <a:xfrm>
+            <a:off x="913795" y="3337869"/>
+            <a:ext cx="915005" cy="1119966"/>
+          </a:xfrm>
+          <a:prstGeom prst="rect">
+            <a:avLst/>
+          </a:prstGeom>
+          <a:effectLst>
+            <a:outerShdw blurRad="25400" dir="17880000">
+              <a:srgbClr val="000000">
+                <a:alpha val="46000"/>
+              </a:srgbClr>
+            </a:outerShdw>
+          </a:effectLst>
+        </p:spPr>
+      </p:pic>
+      <p:sp>
+        <p:nvSpPr>
+          <p:cNvPr id="5" name="Flèche courbée vers le bas 4"/>
+          <p:cNvSpPr/>
+          <p:nvPr/>
         </p:nvSpPr>
-        <p:spPr/>
+        <p:spPr>
+          <a:xfrm>
+            <a:off x="1219199" y="2594708"/>
+            <a:ext cx="3032369" cy="610507"/>
+          </a:xfrm>
+          <a:prstGeom prst="curvedDownArrow">
+            <a:avLst/>
+          </a:prstGeom>
+        </p:spPr>
+        <p:style>
+          <a:lnRef idx="2">
+            <a:schemeClr val="accent1">
+              <a:shade val="50000"/>
+            </a:schemeClr>
+          </a:lnRef>
+          <a:fillRef idx="1">
+            <a:schemeClr val="accent1"/>
+          </a:fillRef>
+          <a:effectRef idx="0">
+            <a:schemeClr val="accent1"/>
+          </a:effectRef>
+          <a:fontRef idx="minor">
+            <a:schemeClr val="lt1"/>
+          </a:fontRef>
+        </p:style>
         <p:txBody>
-          <a:bodyPr/>
+          <a:bodyPr rtlCol="0" anchor="ctr"/>
           <a:lstStyle/>
           <a:p>
+            <a:pPr algn="ctr"/>
+            <a:endParaRPr lang="fr-FR">
+              <a:solidFill>
+                <a:schemeClr val="tx1"/>
+              </a:solidFill>
+            </a:endParaRPr>
+          </a:p>
+        </p:txBody>
+      </p:sp>
+      <p:sp>
+        <p:nvSpPr>
+          <p:cNvPr id="6" name="Nuage 5"/>
+          <p:cNvSpPr/>
+          <p:nvPr/>
+        </p:nvSpPr>
+        <p:spPr>
+          <a:xfrm>
+            <a:off x="4056183" y="3337869"/>
+            <a:ext cx="2946401" cy="1486106"/>
+          </a:xfrm>
+          <a:prstGeom prst="cloud">
+            <a:avLst/>
+          </a:prstGeom>
+        </p:spPr>
+        <p:style>
+          <a:lnRef idx="2">
+            <a:schemeClr val="accent1"/>
+          </a:lnRef>
+          <a:fillRef idx="1">
+            <a:schemeClr val="lt1"/>
+          </a:fillRef>
+          <a:effectRef idx="0">
+            <a:schemeClr val="accent1"/>
+          </a:effectRef>
+          <a:fontRef idx="minor">
+            <a:schemeClr val="dk1"/>
+          </a:fontRef>
+        </p:style>
+        <p:txBody>
+          <a:bodyPr rtlCol="0" anchor="ctr"/>
+          <a:lstStyle/>
+          <a:p>
+            <a:pPr algn="ctr"/>
+            <a:endParaRPr lang="fr-FR"/>
+          </a:p>
+        </p:txBody>
+      </p:sp>
+      <p:sp>
+        <p:nvSpPr>
+          <p:cNvPr id="7" name="ZoneTexte 6"/>
+          <p:cNvSpPr txBox="1"/>
+          <p:nvPr/>
+        </p:nvSpPr>
+        <p:spPr>
+          <a:xfrm>
+            <a:off x="4525105" y="3850089"/>
+            <a:ext cx="2141416" cy="461665"/>
+          </a:xfrm>
+          <a:prstGeom prst="rect">
+            <a:avLst/>
+          </a:prstGeom>
+          <a:noFill/>
+        </p:spPr>
+        <p:txBody>
+          <a:bodyPr wrap="square" rtlCol="0">
+            <a:spAutoFit/>
+          </a:bodyPr>
+          <a:lstStyle/>
+          <a:p>
+            <a:r>
+              <a:rPr lang="fr-FR" sz="2400" dirty="0" smtClean="0">
+                <a:solidFill>
+                  <a:schemeClr val="bg1"/>
+                </a:solidFill>
+              </a:rPr>
+              <a:t>Web services</a:t>
+            </a:r>
+            <a:endParaRPr lang="fr-FR" dirty="0" smtClean="0">
+              <a:solidFill>
+                <a:schemeClr val="bg1"/>
+              </a:solidFill>
+            </a:endParaRPr>
+          </a:p>
+        </p:txBody>
+      </p:sp>
+      <p:sp>
+        <p:nvSpPr>
+          <p:cNvPr id="14" name="Organigramme : Disque magnétique 13"/>
+          <p:cNvSpPr/>
+          <p:nvPr/>
+        </p:nvSpPr>
+        <p:spPr>
+          <a:xfrm>
+            <a:off x="9100642" y="2523539"/>
+            <a:ext cx="1383323" cy="573155"/>
+          </a:xfrm>
+          <a:prstGeom prst="flowChartMagneticDisk">
+            <a:avLst/>
+          </a:prstGeom>
+        </p:spPr>
+        <p:style>
+          <a:lnRef idx="2">
+            <a:schemeClr val="accent1"/>
+          </a:lnRef>
+          <a:fillRef idx="1">
+            <a:schemeClr val="lt1"/>
+          </a:fillRef>
+          <a:effectRef idx="0">
+            <a:schemeClr val="accent1"/>
+          </a:effectRef>
+          <a:fontRef idx="minor">
+            <a:schemeClr val="dk1"/>
+          </a:fontRef>
+        </p:style>
+        <p:txBody>
+          <a:bodyPr rtlCol="0" anchor="ctr"/>
+          <a:lstStyle/>
+          <a:p>
+            <a:pPr algn="ctr"/>
+            <a:endParaRPr lang="fr-FR"/>
+          </a:p>
+        </p:txBody>
+      </p:sp>
+      <p:sp>
+        <p:nvSpPr>
+          <p:cNvPr id="8" name="ZoneTexte 7"/>
+          <p:cNvSpPr txBox="1"/>
+          <p:nvPr/>
+        </p:nvSpPr>
+        <p:spPr>
+          <a:xfrm>
+            <a:off x="1852245" y="2727362"/>
+            <a:ext cx="2203938" cy="369332"/>
+          </a:xfrm>
+          <a:prstGeom prst="rect">
+            <a:avLst/>
+          </a:prstGeom>
+          <a:noFill/>
+        </p:spPr>
+        <p:txBody>
+          <a:bodyPr wrap="square" rtlCol="0">
+            <a:spAutoFit/>
+          </a:bodyPr>
+          <a:lstStyle/>
+          <a:p>
+            <a:r>
+              <a:rPr lang="fr-FR" dirty="0" smtClean="0"/>
+              <a:t>/</a:t>
+            </a:r>
+            <a:r>
+              <a:rPr lang="fr-FR" dirty="0" err="1" smtClean="0"/>
+              <a:t>savePoint.php</a:t>
+            </a:r>
             <a:endParaRPr lang="fr-FR" dirty="0"/>
+          </a:p>
+        </p:txBody>
+      </p:sp>
+      <p:sp>
+        <p:nvSpPr>
+          <p:cNvPr id="10" name="Flèche droite 9"/>
+          <p:cNvSpPr/>
+          <p:nvPr/>
+        </p:nvSpPr>
+        <p:spPr>
+          <a:xfrm rot="20503894">
+            <a:off x="6828376" y="3039916"/>
+            <a:ext cx="2285526" cy="215424"/>
+          </a:xfrm>
+          <a:prstGeom prst="rightArrow">
+            <a:avLst>
+              <a:gd name="adj1" fmla="val 36460"/>
+              <a:gd name="adj2" fmla="val 93013"/>
+            </a:avLst>
+          </a:prstGeom>
+        </p:spPr>
+        <p:style>
+          <a:lnRef idx="2">
+            <a:schemeClr val="accent1">
+              <a:shade val="50000"/>
+            </a:schemeClr>
+          </a:lnRef>
+          <a:fillRef idx="1">
+            <a:schemeClr val="accent1"/>
+          </a:fillRef>
+          <a:effectRef idx="0">
+            <a:schemeClr val="accent1"/>
+          </a:effectRef>
+          <a:fontRef idx="minor">
+            <a:schemeClr val="lt1"/>
+          </a:fontRef>
+        </p:style>
+        <p:txBody>
+          <a:bodyPr rtlCol="0" anchor="ctr"/>
+          <a:lstStyle/>
+          <a:p>
+            <a:pPr algn="ctr"/>
+            <a:endParaRPr lang="fr-FR"/>
+          </a:p>
+        </p:txBody>
+      </p:sp>
+      <p:sp>
+        <p:nvSpPr>
+          <p:cNvPr id="11" name="ZoneTexte 10"/>
+          <p:cNvSpPr txBox="1"/>
+          <p:nvPr/>
+        </p:nvSpPr>
+        <p:spPr>
+          <a:xfrm>
+            <a:off x="1969477" y="2164695"/>
+            <a:ext cx="1511696" cy="646331"/>
+          </a:xfrm>
+          <a:prstGeom prst="rect">
+            <a:avLst/>
+          </a:prstGeom>
+          <a:noFill/>
+        </p:spPr>
+        <p:txBody>
+          <a:bodyPr wrap="none" rtlCol="0">
+            <a:spAutoFit/>
+          </a:bodyPr>
+          <a:lstStyle/>
+          <a:p>
+            <a:r>
+              <a:rPr lang="fr-FR" dirty="0"/>
+              <a:t>Requêtes http</a:t>
+            </a:r>
+          </a:p>
+          <a:p>
+            <a:endParaRPr lang="fr-FR" dirty="0"/>
+          </a:p>
+        </p:txBody>
+      </p:sp>
+      <p:sp>
+        <p:nvSpPr>
+          <p:cNvPr id="13" name="Organigramme : Disque magnétique 12"/>
+          <p:cNvSpPr/>
+          <p:nvPr/>
+        </p:nvSpPr>
+        <p:spPr>
+          <a:xfrm>
+            <a:off x="9100642" y="2161422"/>
+            <a:ext cx="1383323" cy="573155"/>
+          </a:xfrm>
+          <a:prstGeom prst="flowChartMagneticDisk">
+            <a:avLst/>
+          </a:prstGeom>
+        </p:spPr>
+        <p:style>
+          <a:lnRef idx="2">
+            <a:schemeClr val="accent1"/>
+          </a:lnRef>
+          <a:fillRef idx="1">
+            <a:schemeClr val="lt1"/>
+          </a:fillRef>
+          <a:effectRef idx="0">
+            <a:schemeClr val="accent1"/>
+          </a:effectRef>
+          <a:fontRef idx="minor">
+            <a:schemeClr val="dk1"/>
+          </a:fontRef>
+        </p:style>
+        <p:txBody>
+          <a:bodyPr rtlCol="0" anchor="ctr"/>
+          <a:lstStyle/>
+          <a:p>
+            <a:pPr algn="ctr"/>
+            <a:endParaRPr lang="fr-FR"/>
+          </a:p>
+        </p:txBody>
+      </p:sp>
+      <p:sp>
+        <p:nvSpPr>
+          <p:cNvPr id="12" name="Organigramme : Disque magnétique 11"/>
+          <p:cNvSpPr/>
+          <p:nvPr/>
+        </p:nvSpPr>
+        <p:spPr>
+          <a:xfrm>
+            <a:off x="9100642" y="1780487"/>
+            <a:ext cx="1383323" cy="573155"/>
+          </a:xfrm>
+          <a:prstGeom prst="flowChartMagneticDisk">
+            <a:avLst/>
+          </a:prstGeom>
+        </p:spPr>
+        <p:style>
+          <a:lnRef idx="2">
+            <a:schemeClr val="accent1"/>
+          </a:lnRef>
+          <a:fillRef idx="1">
+            <a:schemeClr val="lt1"/>
+          </a:fillRef>
+          <a:effectRef idx="0">
+            <a:schemeClr val="accent1"/>
+          </a:effectRef>
+          <a:fontRef idx="minor">
+            <a:schemeClr val="dk1"/>
+          </a:fontRef>
+        </p:style>
+        <p:txBody>
+          <a:bodyPr rtlCol="0" anchor="ctr"/>
+          <a:lstStyle/>
+          <a:p>
+            <a:pPr algn="ctr"/>
+            <a:endParaRPr lang="fr-FR"/>
+          </a:p>
+        </p:txBody>
+      </p:sp>
+      <p:sp>
+        <p:nvSpPr>
+          <p:cNvPr id="15" name="Cadre 14"/>
+          <p:cNvSpPr/>
+          <p:nvPr/>
+        </p:nvSpPr>
+        <p:spPr>
+          <a:xfrm>
+            <a:off x="9421073" y="4374340"/>
+            <a:ext cx="1062892" cy="844855"/>
+          </a:xfrm>
+          <a:prstGeom prst="frame">
+            <a:avLst/>
+          </a:prstGeom>
+        </p:spPr>
+        <p:style>
+          <a:lnRef idx="2">
+            <a:schemeClr val="accent1">
+              <a:shade val="50000"/>
+            </a:schemeClr>
+          </a:lnRef>
+          <a:fillRef idx="1">
+            <a:schemeClr val="accent1"/>
+          </a:fillRef>
+          <a:effectRef idx="0">
+            <a:schemeClr val="accent1"/>
+          </a:effectRef>
+          <a:fontRef idx="minor">
+            <a:schemeClr val="lt1"/>
+          </a:fontRef>
+        </p:style>
+        <p:txBody>
+          <a:bodyPr rtlCol="0" anchor="ctr"/>
+          <a:lstStyle/>
+          <a:p>
+            <a:pPr algn="ctr"/>
+            <a:endParaRPr lang="fr-FR">
+              <a:solidFill>
+                <a:schemeClr val="tx1"/>
+              </a:solidFill>
+            </a:endParaRPr>
+          </a:p>
+        </p:txBody>
+      </p:sp>
+      <p:sp>
+        <p:nvSpPr>
+          <p:cNvPr id="16" name="Parallélogramme 15"/>
+          <p:cNvSpPr/>
+          <p:nvPr/>
+        </p:nvSpPr>
+        <p:spPr>
+          <a:xfrm>
+            <a:off x="9308123" y="5219196"/>
+            <a:ext cx="1175842" cy="446958"/>
+          </a:xfrm>
+          <a:prstGeom prst="parallelogram">
+            <a:avLst/>
+          </a:prstGeom>
+        </p:spPr>
+        <p:style>
+          <a:lnRef idx="2">
+            <a:schemeClr val="accent1">
+              <a:shade val="50000"/>
+            </a:schemeClr>
+          </a:lnRef>
+          <a:fillRef idx="1">
+            <a:schemeClr val="accent1"/>
+          </a:fillRef>
+          <a:effectRef idx="0">
+            <a:schemeClr val="accent1"/>
+          </a:effectRef>
+          <a:fontRef idx="minor">
+            <a:schemeClr val="lt1"/>
+          </a:fontRef>
+        </p:style>
+        <p:txBody>
+          <a:bodyPr rtlCol="0" anchor="ctr"/>
+          <a:lstStyle/>
+          <a:p>
+            <a:pPr algn="ctr"/>
+            <a:endParaRPr lang="fr-FR" sz="800" dirty="0"/>
+          </a:p>
+        </p:txBody>
+      </p:sp>
+      <p:sp>
+        <p:nvSpPr>
+          <p:cNvPr id="19" name="Double flèche horizontale 18"/>
+          <p:cNvSpPr/>
+          <p:nvPr/>
+        </p:nvSpPr>
+        <p:spPr>
+          <a:xfrm rot="1055210">
+            <a:off x="6859928" y="4745880"/>
+            <a:ext cx="2448618" cy="246928"/>
+          </a:xfrm>
+          <a:prstGeom prst="leftRightArrow">
+            <a:avLst/>
+          </a:prstGeom>
+        </p:spPr>
+        <p:style>
+          <a:lnRef idx="2">
+            <a:schemeClr val="accent1">
+              <a:shade val="50000"/>
+            </a:schemeClr>
+          </a:lnRef>
+          <a:fillRef idx="1">
+            <a:schemeClr val="accent1"/>
+          </a:fillRef>
+          <a:effectRef idx="0">
+            <a:schemeClr val="accent1"/>
+          </a:effectRef>
+          <a:fontRef idx="minor">
+            <a:schemeClr val="lt1"/>
+          </a:fontRef>
+        </p:style>
+        <p:txBody>
+          <a:bodyPr rtlCol="0" anchor="ctr"/>
+          <a:lstStyle/>
+          <a:p>
+            <a:pPr algn="ctr"/>
+            <a:endParaRPr lang="fr-FR"/>
+          </a:p>
+        </p:txBody>
+      </p:sp>
+      <p:sp>
+        <p:nvSpPr>
+          <p:cNvPr id="20" name="ZoneTexte 19"/>
+          <p:cNvSpPr txBox="1"/>
+          <p:nvPr/>
+        </p:nvSpPr>
+        <p:spPr>
+          <a:xfrm rot="20534995">
+            <a:off x="7047593" y="2625450"/>
+            <a:ext cx="1585434" cy="369332"/>
+          </a:xfrm>
+          <a:prstGeom prst="rect">
+            <a:avLst/>
+          </a:prstGeom>
+          <a:noFill/>
+        </p:spPr>
+        <p:txBody>
+          <a:bodyPr wrap="none" rtlCol="0">
+            <a:spAutoFit/>
+          </a:bodyPr>
+          <a:lstStyle/>
+          <a:p>
+            <a:r>
+              <a:rPr lang="fr-FR" dirty="0" smtClean="0"/>
+              <a:t>Requêtes SQL</a:t>
+            </a:r>
+          </a:p>
+        </p:txBody>
+      </p:sp>
+      <p:sp>
+        <p:nvSpPr>
+          <p:cNvPr id="21" name="ZoneTexte 20"/>
+          <p:cNvSpPr txBox="1"/>
+          <p:nvPr/>
+        </p:nvSpPr>
+        <p:spPr>
+          <a:xfrm rot="1056116">
+            <a:off x="7328389" y="4398726"/>
+            <a:ext cx="1511696" cy="646331"/>
+          </a:xfrm>
+          <a:prstGeom prst="rect">
+            <a:avLst/>
+          </a:prstGeom>
+          <a:noFill/>
+        </p:spPr>
+        <p:txBody>
+          <a:bodyPr wrap="none" rtlCol="0">
+            <a:spAutoFit/>
+          </a:bodyPr>
+          <a:lstStyle/>
+          <a:p>
+            <a:r>
+              <a:rPr lang="fr-FR" dirty="0"/>
+              <a:t>Requêtes http</a:t>
+            </a:r>
+          </a:p>
+          <a:p>
+            <a:endParaRPr lang="fr-FR" dirty="0"/>
+          </a:p>
+        </p:txBody>
+      </p:sp>
+      <p:sp>
+        <p:nvSpPr>
+          <p:cNvPr id="23" name="ZoneTexte 22"/>
+          <p:cNvSpPr txBox="1"/>
+          <p:nvPr/>
+        </p:nvSpPr>
+        <p:spPr>
+          <a:xfrm rot="1095985">
+            <a:off x="6982269" y="4930792"/>
+            <a:ext cx="2203938" cy="369332"/>
+          </a:xfrm>
+          <a:prstGeom prst="rect">
+            <a:avLst/>
+          </a:prstGeom>
+          <a:noFill/>
+        </p:spPr>
+        <p:txBody>
+          <a:bodyPr wrap="square" rtlCol="0">
+            <a:spAutoFit/>
+          </a:bodyPr>
+          <a:lstStyle/>
+          <a:p>
+            <a:r>
+              <a:rPr lang="fr-FR" dirty="0" smtClean="0"/>
+              <a:t>/</a:t>
+            </a:r>
+            <a:r>
+              <a:rPr lang="fr-FR" dirty="0" err="1" smtClean="0"/>
+              <a:t>getMaps.php</a:t>
+            </a:r>
+            <a:endParaRPr lang="fr-FR" dirty="0"/>
+          </a:p>
+        </p:txBody>
+      </p:sp>
+      <p:sp>
+        <p:nvSpPr>
+          <p:cNvPr id="24" name="ZoneTexte 23"/>
+          <p:cNvSpPr txBox="1"/>
+          <p:nvPr/>
+        </p:nvSpPr>
+        <p:spPr>
+          <a:xfrm rot="1095985">
+            <a:off x="6849823" y="5181285"/>
+            <a:ext cx="2203938" cy="369332"/>
+          </a:xfrm>
+          <a:prstGeom prst="rect">
+            <a:avLst/>
+          </a:prstGeom>
+          <a:noFill/>
+        </p:spPr>
+        <p:txBody>
+          <a:bodyPr wrap="square" rtlCol="0">
+            <a:spAutoFit/>
+          </a:bodyPr>
+          <a:lstStyle/>
+          <a:p>
+            <a:r>
+              <a:rPr lang="fr-FR" dirty="0" smtClean="0"/>
+              <a:t>/</a:t>
+            </a:r>
+            <a:r>
+              <a:rPr lang="fr-FR" dirty="0" err="1" smtClean="0"/>
+              <a:t>resetMaps.php</a:t>
+            </a:r>
+            <a:endParaRPr lang="fr-FR" dirty="0"/>
+          </a:p>
+        </p:txBody>
+      </p:sp>
+      <p:sp>
+        <p:nvSpPr>
+          <p:cNvPr id="25" name="ZoneTexte 24"/>
+          <p:cNvSpPr txBox="1"/>
+          <p:nvPr/>
+        </p:nvSpPr>
+        <p:spPr>
+          <a:xfrm>
+            <a:off x="9056114" y="1441206"/>
+            <a:ext cx="1940548" cy="369332"/>
+          </a:xfrm>
+          <a:prstGeom prst="rect">
+            <a:avLst/>
+          </a:prstGeom>
+          <a:noFill/>
+        </p:spPr>
+        <p:txBody>
+          <a:bodyPr wrap="square" rtlCol="0">
+            <a:spAutoFit/>
+          </a:bodyPr>
+          <a:lstStyle/>
+          <a:p>
+            <a:r>
+              <a:rPr lang="fr-FR" dirty="0" smtClean="0"/>
+              <a:t>BDD </a:t>
+            </a:r>
+            <a:r>
+              <a:rPr lang="fr-FR" dirty="0" err="1" smtClean="0"/>
+              <a:t>Mysql</a:t>
+            </a:r>
+            <a:endParaRPr lang="fr-FR" dirty="0"/>
+          </a:p>
+        </p:txBody>
+      </p:sp>
+      <p:sp>
+        <p:nvSpPr>
+          <p:cNvPr id="26" name="ZoneTexte 25"/>
+          <p:cNvSpPr txBox="1"/>
+          <p:nvPr/>
+        </p:nvSpPr>
+        <p:spPr>
+          <a:xfrm>
+            <a:off x="9415566" y="3855015"/>
+            <a:ext cx="1228988" cy="369332"/>
+          </a:xfrm>
+          <a:prstGeom prst="rect">
+            <a:avLst/>
+          </a:prstGeom>
+          <a:noFill/>
+        </p:spPr>
+        <p:txBody>
+          <a:bodyPr wrap="square" rtlCol="0">
+            <a:spAutoFit/>
+          </a:bodyPr>
+          <a:lstStyle/>
+          <a:p>
+            <a:r>
+              <a:rPr lang="fr-FR" dirty="0" smtClean="0"/>
+              <a:t>client</a:t>
+            </a:r>
+            <a:endParaRPr lang="fr-FR" dirty="0"/>
+          </a:p>
+        </p:txBody>
+      </p:sp>
+      <p:sp>
+        <p:nvSpPr>
+          <p:cNvPr id="27" name="Flèche droite 26"/>
+          <p:cNvSpPr/>
+          <p:nvPr/>
+        </p:nvSpPr>
+        <p:spPr>
+          <a:xfrm rot="9660001">
+            <a:off x="6947322" y="3332838"/>
+            <a:ext cx="2167519" cy="139226"/>
+          </a:xfrm>
+          <a:prstGeom prst="rightArrow">
+            <a:avLst>
+              <a:gd name="adj1" fmla="val 36460"/>
+              <a:gd name="adj2" fmla="val 93013"/>
+            </a:avLst>
+          </a:prstGeom>
+        </p:spPr>
+        <p:style>
+          <a:lnRef idx="2">
+            <a:schemeClr val="accent1">
+              <a:shade val="50000"/>
+            </a:schemeClr>
+          </a:lnRef>
+          <a:fillRef idx="1">
+            <a:schemeClr val="accent1"/>
+          </a:fillRef>
+          <a:effectRef idx="0">
+            <a:schemeClr val="accent1"/>
+          </a:effectRef>
+          <a:fontRef idx="minor">
+            <a:schemeClr val="lt1"/>
+          </a:fontRef>
+        </p:style>
+        <p:txBody>
+          <a:bodyPr rtlCol="0" anchor="ctr"/>
+          <a:lstStyle/>
+          <a:p>
+            <a:pPr algn="ctr"/>
+            <a:endParaRPr lang="fr-FR"/>
           </a:p>
         </p:txBody>
       </p:sp>
@@ -19242,9 +22124,591 @@
   <p:timing>
     <p:tnLst>
       <p:par>
-        <p:cTn id="1" dur="indefinite" restart="never" nodeType="tmRoot"/>
+        <p:cTn id="1" dur="indefinite" restart="never" nodeType="tmRoot">
+          <p:childTnLst>
+            <p:seq concurrent="1" nextAc="seek">
+              <p:cTn id="2" dur="indefinite" nodeType="mainSeq">
+                <p:childTnLst>
+                  <p:par>
+                    <p:cTn id="3" fill="hold">
+                      <p:stCondLst>
+                        <p:cond delay="indefinite"/>
+                      </p:stCondLst>
+                      <p:childTnLst>
+                        <p:par>
+                          <p:cTn id="4" fill="hold">
+                            <p:stCondLst>
+                              <p:cond delay="0"/>
+                            </p:stCondLst>
+                            <p:childTnLst>
+                              <p:par>
+                                <p:cTn id="5" presetID="1" presetClass="entr" presetSubtype="0" fill="hold" nodeType="clickEffect">
+                                  <p:stCondLst>
+                                    <p:cond delay="0"/>
+                                  </p:stCondLst>
+                                  <p:childTnLst>
+                                    <p:set>
+                                      <p:cBhvr>
+                                        <p:cTn id="6" dur="1" fill="hold">
+                                          <p:stCondLst>
+                                            <p:cond delay="0"/>
+                                          </p:stCondLst>
+                                        </p:cTn>
+                                        <p:tgtEl>
+                                          <p:spTgt spid="4"/>
+                                        </p:tgtEl>
+                                        <p:attrNameLst>
+                                          <p:attrName>style.visibility</p:attrName>
+                                        </p:attrNameLst>
+                                      </p:cBhvr>
+                                      <p:to>
+                                        <p:strVal val="visible"/>
+                                      </p:to>
+                                    </p:set>
+                                  </p:childTnLst>
+                                </p:cTn>
+                              </p:par>
+                              <p:par>
+                                <p:cTn id="7" presetID="1" presetClass="entr" presetSubtype="0" fill="hold" grpId="0" nodeType="withEffect">
+                                  <p:stCondLst>
+                                    <p:cond delay="0"/>
+                                  </p:stCondLst>
+                                  <p:childTnLst>
+                                    <p:set>
+                                      <p:cBhvr>
+                                        <p:cTn id="8" dur="1" fill="hold">
+                                          <p:stCondLst>
+                                            <p:cond delay="0"/>
+                                          </p:stCondLst>
+                                        </p:cTn>
+                                        <p:tgtEl>
+                                          <p:spTgt spid="5"/>
+                                        </p:tgtEl>
+                                        <p:attrNameLst>
+                                          <p:attrName>style.visibility</p:attrName>
+                                        </p:attrNameLst>
+                                      </p:cBhvr>
+                                      <p:to>
+                                        <p:strVal val="visible"/>
+                                      </p:to>
+                                    </p:set>
+                                  </p:childTnLst>
+                                </p:cTn>
+                              </p:par>
+                              <p:par>
+                                <p:cTn id="9" presetID="1" presetClass="entr" presetSubtype="0" fill="hold" grpId="0" nodeType="withEffect">
+                                  <p:stCondLst>
+                                    <p:cond delay="0"/>
+                                  </p:stCondLst>
+                                  <p:childTnLst>
+                                    <p:set>
+                                      <p:cBhvr>
+                                        <p:cTn id="10" dur="1" fill="hold">
+                                          <p:stCondLst>
+                                            <p:cond delay="0"/>
+                                          </p:stCondLst>
+                                        </p:cTn>
+                                        <p:tgtEl>
+                                          <p:spTgt spid="8"/>
+                                        </p:tgtEl>
+                                        <p:attrNameLst>
+                                          <p:attrName>style.visibility</p:attrName>
+                                        </p:attrNameLst>
+                                      </p:cBhvr>
+                                      <p:to>
+                                        <p:strVal val="visible"/>
+                                      </p:to>
+                                    </p:set>
+                                  </p:childTnLst>
+                                </p:cTn>
+                              </p:par>
+                              <p:par>
+                                <p:cTn id="11" presetID="1" presetClass="entr" presetSubtype="0" fill="hold" grpId="0" nodeType="withEffect">
+                                  <p:stCondLst>
+                                    <p:cond delay="0"/>
+                                  </p:stCondLst>
+                                  <p:childTnLst>
+                                    <p:set>
+                                      <p:cBhvr>
+                                        <p:cTn id="12" dur="1" fill="hold">
+                                          <p:stCondLst>
+                                            <p:cond delay="0"/>
+                                          </p:stCondLst>
+                                        </p:cTn>
+                                        <p:tgtEl>
+                                          <p:spTgt spid="11"/>
+                                        </p:tgtEl>
+                                        <p:attrNameLst>
+                                          <p:attrName>style.visibility</p:attrName>
+                                        </p:attrNameLst>
+                                      </p:cBhvr>
+                                      <p:to>
+                                        <p:strVal val="visible"/>
+                                      </p:to>
+                                    </p:set>
+                                  </p:childTnLst>
+                                </p:cTn>
+                              </p:par>
+                            </p:childTnLst>
+                          </p:cTn>
+                        </p:par>
+                      </p:childTnLst>
+                    </p:cTn>
+                  </p:par>
+                  <p:par>
+                    <p:cTn id="13" fill="hold">
+                      <p:stCondLst>
+                        <p:cond delay="indefinite"/>
+                      </p:stCondLst>
+                      <p:childTnLst>
+                        <p:par>
+                          <p:cTn id="14" fill="hold">
+                            <p:stCondLst>
+                              <p:cond delay="0"/>
+                            </p:stCondLst>
+                            <p:childTnLst>
+                              <p:par>
+                                <p:cTn id="15" presetID="1" presetClass="entr" presetSubtype="0" fill="hold" grpId="0" nodeType="clickEffect">
+                                  <p:stCondLst>
+                                    <p:cond delay="0"/>
+                                  </p:stCondLst>
+                                  <p:childTnLst>
+                                    <p:set>
+                                      <p:cBhvr>
+                                        <p:cTn id="16" dur="1" fill="hold">
+                                          <p:stCondLst>
+                                            <p:cond delay="0"/>
+                                          </p:stCondLst>
+                                        </p:cTn>
+                                        <p:tgtEl>
+                                          <p:spTgt spid="14"/>
+                                        </p:tgtEl>
+                                        <p:attrNameLst>
+                                          <p:attrName>style.visibility</p:attrName>
+                                        </p:attrNameLst>
+                                      </p:cBhvr>
+                                      <p:to>
+                                        <p:strVal val="visible"/>
+                                      </p:to>
+                                    </p:set>
+                                  </p:childTnLst>
+                                </p:cTn>
+                              </p:par>
+                              <p:par>
+                                <p:cTn id="17" presetID="1" presetClass="entr" presetSubtype="0" fill="hold" grpId="0" nodeType="withEffect">
+                                  <p:stCondLst>
+                                    <p:cond delay="0"/>
+                                  </p:stCondLst>
+                                  <p:childTnLst>
+                                    <p:set>
+                                      <p:cBhvr>
+                                        <p:cTn id="18" dur="1" fill="hold">
+                                          <p:stCondLst>
+                                            <p:cond delay="0"/>
+                                          </p:stCondLst>
+                                        </p:cTn>
+                                        <p:tgtEl>
+                                          <p:spTgt spid="10"/>
+                                        </p:tgtEl>
+                                        <p:attrNameLst>
+                                          <p:attrName>style.visibility</p:attrName>
+                                        </p:attrNameLst>
+                                      </p:cBhvr>
+                                      <p:to>
+                                        <p:strVal val="visible"/>
+                                      </p:to>
+                                    </p:set>
+                                  </p:childTnLst>
+                                </p:cTn>
+                              </p:par>
+                              <p:par>
+                                <p:cTn id="19" presetID="1" presetClass="entr" presetSubtype="0" fill="hold" grpId="0" nodeType="withEffect">
+                                  <p:stCondLst>
+                                    <p:cond delay="0"/>
+                                  </p:stCondLst>
+                                  <p:childTnLst>
+                                    <p:set>
+                                      <p:cBhvr>
+                                        <p:cTn id="20" dur="1" fill="hold">
+                                          <p:stCondLst>
+                                            <p:cond delay="0"/>
+                                          </p:stCondLst>
+                                        </p:cTn>
+                                        <p:tgtEl>
+                                          <p:spTgt spid="13"/>
+                                        </p:tgtEl>
+                                        <p:attrNameLst>
+                                          <p:attrName>style.visibility</p:attrName>
+                                        </p:attrNameLst>
+                                      </p:cBhvr>
+                                      <p:to>
+                                        <p:strVal val="visible"/>
+                                      </p:to>
+                                    </p:set>
+                                  </p:childTnLst>
+                                </p:cTn>
+                              </p:par>
+                              <p:par>
+                                <p:cTn id="21" presetID="1" presetClass="entr" presetSubtype="0" fill="hold" grpId="0" nodeType="withEffect">
+                                  <p:stCondLst>
+                                    <p:cond delay="0"/>
+                                  </p:stCondLst>
+                                  <p:childTnLst>
+                                    <p:set>
+                                      <p:cBhvr>
+                                        <p:cTn id="22" dur="1" fill="hold">
+                                          <p:stCondLst>
+                                            <p:cond delay="0"/>
+                                          </p:stCondLst>
+                                        </p:cTn>
+                                        <p:tgtEl>
+                                          <p:spTgt spid="12"/>
+                                        </p:tgtEl>
+                                        <p:attrNameLst>
+                                          <p:attrName>style.visibility</p:attrName>
+                                        </p:attrNameLst>
+                                      </p:cBhvr>
+                                      <p:to>
+                                        <p:strVal val="visible"/>
+                                      </p:to>
+                                    </p:set>
+                                  </p:childTnLst>
+                                </p:cTn>
+                              </p:par>
+                              <p:par>
+                                <p:cTn id="23" presetID="1" presetClass="entr" presetSubtype="0" fill="hold" grpId="0" nodeType="withEffect">
+                                  <p:stCondLst>
+                                    <p:cond delay="0"/>
+                                  </p:stCondLst>
+                                  <p:childTnLst>
+                                    <p:set>
+                                      <p:cBhvr>
+                                        <p:cTn id="24" dur="1" fill="hold">
+                                          <p:stCondLst>
+                                            <p:cond delay="0"/>
+                                          </p:stCondLst>
+                                        </p:cTn>
+                                        <p:tgtEl>
+                                          <p:spTgt spid="20"/>
+                                        </p:tgtEl>
+                                        <p:attrNameLst>
+                                          <p:attrName>style.visibility</p:attrName>
+                                        </p:attrNameLst>
+                                      </p:cBhvr>
+                                      <p:to>
+                                        <p:strVal val="visible"/>
+                                      </p:to>
+                                    </p:set>
+                                  </p:childTnLst>
+                                </p:cTn>
+                              </p:par>
+                              <p:par>
+                                <p:cTn id="25" presetID="1" presetClass="entr" presetSubtype="0" fill="hold" grpId="0" nodeType="withEffect">
+                                  <p:stCondLst>
+                                    <p:cond delay="0"/>
+                                  </p:stCondLst>
+                                  <p:childTnLst>
+                                    <p:set>
+                                      <p:cBhvr>
+                                        <p:cTn id="26" dur="1" fill="hold">
+                                          <p:stCondLst>
+                                            <p:cond delay="0"/>
+                                          </p:stCondLst>
+                                        </p:cTn>
+                                        <p:tgtEl>
+                                          <p:spTgt spid="25"/>
+                                        </p:tgtEl>
+                                        <p:attrNameLst>
+                                          <p:attrName>style.visibility</p:attrName>
+                                        </p:attrNameLst>
+                                      </p:cBhvr>
+                                      <p:to>
+                                        <p:strVal val="visible"/>
+                                      </p:to>
+                                    </p:set>
+                                  </p:childTnLst>
+                                </p:cTn>
+                              </p:par>
+                            </p:childTnLst>
+                          </p:cTn>
+                        </p:par>
+                      </p:childTnLst>
+                    </p:cTn>
+                  </p:par>
+                  <p:par>
+                    <p:cTn id="27" fill="hold">
+                      <p:stCondLst>
+                        <p:cond delay="indefinite"/>
+                      </p:stCondLst>
+                      <p:childTnLst>
+                        <p:par>
+                          <p:cTn id="28" fill="hold">
+                            <p:stCondLst>
+                              <p:cond delay="0"/>
+                            </p:stCondLst>
+                            <p:childTnLst>
+                              <p:par>
+                                <p:cTn id="29" presetID="1" presetClass="entr" presetSubtype="0" fill="hold" grpId="0" nodeType="clickEffect">
+                                  <p:stCondLst>
+                                    <p:cond delay="0"/>
+                                  </p:stCondLst>
+                                  <p:childTnLst>
+                                    <p:set>
+                                      <p:cBhvr>
+                                        <p:cTn id="30" dur="1" fill="hold">
+                                          <p:stCondLst>
+                                            <p:cond delay="0"/>
+                                          </p:stCondLst>
+                                        </p:cTn>
+                                        <p:tgtEl>
+                                          <p:spTgt spid="15"/>
+                                        </p:tgtEl>
+                                        <p:attrNameLst>
+                                          <p:attrName>style.visibility</p:attrName>
+                                        </p:attrNameLst>
+                                      </p:cBhvr>
+                                      <p:to>
+                                        <p:strVal val="visible"/>
+                                      </p:to>
+                                    </p:set>
+                                  </p:childTnLst>
+                                </p:cTn>
+                              </p:par>
+                              <p:par>
+                                <p:cTn id="31" presetID="1" presetClass="entr" presetSubtype="0" fill="hold" grpId="0" nodeType="withEffect">
+                                  <p:stCondLst>
+                                    <p:cond delay="0"/>
+                                  </p:stCondLst>
+                                  <p:childTnLst>
+                                    <p:set>
+                                      <p:cBhvr>
+                                        <p:cTn id="32" dur="1" fill="hold">
+                                          <p:stCondLst>
+                                            <p:cond delay="0"/>
+                                          </p:stCondLst>
+                                        </p:cTn>
+                                        <p:tgtEl>
+                                          <p:spTgt spid="16"/>
+                                        </p:tgtEl>
+                                        <p:attrNameLst>
+                                          <p:attrName>style.visibility</p:attrName>
+                                        </p:attrNameLst>
+                                      </p:cBhvr>
+                                      <p:to>
+                                        <p:strVal val="visible"/>
+                                      </p:to>
+                                    </p:set>
+                                  </p:childTnLst>
+                                </p:cTn>
+                              </p:par>
+                              <p:par>
+                                <p:cTn id="33" presetID="1" presetClass="entr" presetSubtype="0" fill="hold" grpId="0" nodeType="withEffect">
+                                  <p:stCondLst>
+                                    <p:cond delay="0"/>
+                                  </p:stCondLst>
+                                  <p:childTnLst>
+                                    <p:set>
+                                      <p:cBhvr>
+                                        <p:cTn id="34" dur="1" fill="hold">
+                                          <p:stCondLst>
+                                            <p:cond delay="0"/>
+                                          </p:stCondLst>
+                                        </p:cTn>
+                                        <p:tgtEl>
+                                          <p:spTgt spid="19"/>
+                                        </p:tgtEl>
+                                        <p:attrNameLst>
+                                          <p:attrName>style.visibility</p:attrName>
+                                        </p:attrNameLst>
+                                      </p:cBhvr>
+                                      <p:to>
+                                        <p:strVal val="visible"/>
+                                      </p:to>
+                                    </p:set>
+                                  </p:childTnLst>
+                                </p:cTn>
+                              </p:par>
+                              <p:par>
+                                <p:cTn id="35" presetID="1" presetClass="entr" presetSubtype="0" fill="hold" grpId="0" nodeType="withEffect">
+                                  <p:stCondLst>
+                                    <p:cond delay="0"/>
+                                  </p:stCondLst>
+                                  <p:childTnLst>
+                                    <p:set>
+                                      <p:cBhvr>
+                                        <p:cTn id="36" dur="1" fill="hold">
+                                          <p:stCondLst>
+                                            <p:cond delay="0"/>
+                                          </p:stCondLst>
+                                        </p:cTn>
+                                        <p:tgtEl>
+                                          <p:spTgt spid="21"/>
+                                        </p:tgtEl>
+                                        <p:attrNameLst>
+                                          <p:attrName>style.visibility</p:attrName>
+                                        </p:attrNameLst>
+                                      </p:cBhvr>
+                                      <p:to>
+                                        <p:strVal val="visible"/>
+                                      </p:to>
+                                    </p:set>
+                                  </p:childTnLst>
+                                </p:cTn>
+                              </p:par>
+                              <p:par>
+                                <p:cTn id="37" presetID="1" presetClass="entr" presetSubtype="0" fill="hold" grpId="0" nodeType="withEffect">
+                                  <p:stCondLst>
+                                    <p:cond delay="0"/>
+                                  </p:stCondLst>
+                                  <p:childTnLst>
+                                    <p:set>
+                                      <p:cBhvr>
+                                        <p:cTn id="38" dur="1" fill="hold">
+                                          <p:stCondLst>
+                                            <p:cond delay="0"/>
+                                          </p:stCondLst>
+                                        </p:cTn>
+                                        <p:tgtEl>
+                                          <p:spTgt spid="23"/>
+                                        </p:tgtEl>
+                                        <p:attrNameLst>
+                                          <p:attrName>style.visibility</p:attrName>
+                                        </p:attrNameLst>
+                                      </p:cBhvr>
+                                      <p:to>
+                                        <p:strVal val="visible"/>
+                                      </p:to>
+                                    </p:set>
+                                  </p:childTnLst>
+                                </p:cTn>
+                              </p:par>
+                              <p:par>
+                                <p:cTn id="39" presetID="1" presetClass="entr" presetSubtype="0" fill="hold" grpId="0" nodeType="withEffect">
+                                  <p:stCondLst>
+                                    <p:cond delay="0"/>
+                                  </p:stCondLst>
+                                  <p:childTnLst>
+                                    <p:set>
+                                      <p:cBhvr>
+                                        <p:cTn id="40" dur="1" fill="hold">
+                                          <p:stCondLst>
+                                            <p:cond delay="0"/>
+                                          </p:stCondLst>
+                                        </p:cTn>
+                                        <p:tgtEl>
+                                          <p:spTgt spid="24"/>
+                                        </p:tgtEl>
+                                        <p:attrNameLst>
+                                          <p:attrName>style.visibility</p:attrName>
+                                        </p:attrNameLst>
+                                      </p:cBhvr>
+                                      <p:to>
+                                        <p:strVal val="visible"/>
+                                      </p:to>
+                                    </p:set>
+                                  </p:childTnLst>
+                                </p:cTn>
+                              </p:par>
+                              <p:par>
+                                <p:cTn id="41" presetID="1" presetClass="entr" presetSubtype="0" fill="hold" grpId="0" nodeType="withEffect">
+                                  <p:stCondLst>
+                                    <p:cond delay="0"/>
+                                  </p:stCondLst>
+                                  <p:childTnLst>
+                                    <p:set>
+                                      <p:cBhvr>
+                                        <p:cTn id="42" dur="1" fill="hold">
+                                          <p:stCondLst>
+                                            <p:cond delay="0"/>
+                                          </p:stCondLst>
+                                        </p:cTn>
+                                        <p:tgtEl>
+                                          <p:spTgt spid="26"/>
+                                        </p:tgtEl>
+                                        <p:attrNameLst>
+                                          <p:attrName>style.visibility</p:attrName>
+                                        </p:attrNameLst>
+                                      </p:cBhvr>
+                                      <p:to>
+                                        <p:strVal val="visible"/>
+                                      </p:to>
+                                    </p:set>
+                                  </p:childTnLst>
+                                </p:cTn>
+                              </p:par>
+                              <p:par>
+                                <p:cTn id="43" presetID="1" presetClass="entr" presetSubtype="0" fill="hold" grpId="0" nodeType="withEffect">
+                                  <p:stCondLst>
+                                    <p:cond delay="0"/>
+                                  </p:stCondLst>
+                                  <p:childTnLst>
+                                    <p:set>
+                                      <p:cBhvr>
+                                        <p:cTn id="44" dur="1" fill="hold">
+                                          <p:stCondLst>
+                                            <p:cond delay="0"/>
+                                          </p:stCondLst>
+                                        </p:cTn>
+                                        <p:tgtEl>
+                                          <p:spTgt spid="27"/>
+                                        </p:tgtEl>
+                                        <p:attrNameLst>
+                                          <p:attrName>style.visibility</p:attrName>
+                                        </p:attrNameLst>
+                                      </p:cBhvr>
+                                      <p:to>
+                                        <p:strVal val="visible"/>
+                                      </p:to>
+                                    </p:set>
+                                  </p:childTnLst>
+                                </p:cTn>
+                              </p:par>
+                            </p:childTnLst>
+                          </p:cTn>
+                        </p:par>
+                      </p:childTnLst>
+                    </p:cTn>
+                  </p:par>
+                </p:childTnLst>
+              </p:cTn>
+              <p:prevCondLst>
+                <p:cond evt="onPrev" delay="0">
+                  <p:tgtEl>
+                    <p:sldTgt/>
+                  </p:tgtEl>
+                </p:cond>
+              </p:prevCondLst>
+              <p:nextCondLst>
+                <p:cond evt="onNext" delay="0">
+                  <p:tgtEl>
+                    <p:sldTgt/>
+                  </p:tgtEl>
+                </p:cond>
+              </p:nextCondLst>
+            </p:seq>
+          </p:childTnLst>
+        </p:cTn>
       </p:par>
     </p:tnLst>
+    <p:bldLst>
+      <p:bldP spid="5" grpId="0" animBg="1"/>
+      <p:bldP spid="14" grpId="0" animBg="1"/>
+      <p:bldP spid="8" grpId="0"/>
+      <p:bldP spid="10" grpId="0" animBg="1"/>
+      <p:bldP spid="11" grpId="0"/>
+      <p:bldP spid="13" grpId="0" animBg="1"/>
+      <p:bldP spid="12" grpId="0" animBg="1"/>
+      <p:bldP spid="15" grpId="0" animBg="1"/>
+      <p:bldP spid="16" grpId="0" animBg="1"/>
+      <p:bldP spid="19" grpId="0" animBg="1"/>
+      <p:bldP spid="20" grpId="0"/>
+      <p:bldP spid="21" grpId="0"/>
+      <p:bldP spid="23" grpId="0"/>
+      <p:bldP spid="24" grpId="0"/>
+      <p:bldP spid="25" grpId="0"/>
+      <p:bldP spid="26" grpId="0"/>
+      <p:bldP spid="27" grpId="0" animBg="1"/>
+    </p:bldLst>
   </p:timing>
 </p:sld>
 </file>
@@ -23783,4 +27247,265 @@
     </a:ext>
   </a:extLst>
 </a:theme>
+</file>
+
+<file path=ppt/theme/theme2.xml><?xml version="1.0" encoding="utf-8"?>
+<a:theme xmlns:a="http://schemas.openxmlformats.org/drawingml/2006/main" name="Thème Office">
+  <a:themeElements>
+    <a:clrScheme name="Office">
+      <a:dk1>
+        <a:sysClr val="windowText" lastClr="000000"/>
+      </a:dk1>
+      <a:lt1>
+        <a:sysClr val="window" lastClr="FFFFFF"/>
+      </a:lt1>
+      <a:dk2>
+        <a:srgbClr val="44546A"/>
+      </a:dk2>
+      <a:lt2>
+        <a:srgbClr val="E7E6E6"/>
+      </a:lt2>
+      <a:accent1>
+        <a:srgbClr val="5B9BD5"/>
+      </a:accent1>
+      <a:accent2>
+        <a:srgbClr val="ED7D31"/>
+      </a:accent2>
+      <a:accent3>
+        <a:srgbClr val="A5A5A5"/>
+      </a:accent3>
+      <a:accent4>
+        <a:srgbClr val="FFC000"/>
+      </a:accent4>
+      <a:accent5>
+        <a:srgbClr val="4472C4"/>
+      </a:accent5>
+      <a:accent6>
+        <a:srgbClr val="70AD47"/>
+      </a:accent6>
+      <a:hlink>
+        <a:srgbClr val="0563C1"/>
+      </a:hlink>
+      <a:folHlink>
+        <a:srgbClr val="954F72"/>
+      </a:folHlink>
+    </a:clrScheme>
+    <a:fontScheme name="Office">
+      <a:majorFont>
+        <a:latin typeface="Calibri Light" panose="020F0302020204030204"/>
+        <a:ea typeface=""/>
+        <a:cs typeface=""/>
+        <a:font script="Jpan" typeface="ＭＳ Ｐゴシック"/>
+        <a:font script="Hang" typeface="맑은 고딕"/>
+        <a:font script="Hans" typeface="宋体"/>
+        <a:font script="Hant" typeface="新細明體"/>
+        <a:font script="Arab" typeface="Times New Roman"/>
+        <a:font script="Hebr" typeface="Times New Roman"/>
+        <a:font script="Thai" typeface="Angsana New"/>
+        <a:font script="Ethi" typeface="Nyala"/>
+        <a:font script="Beng" typeface="Vrinda"/>
+        <a:font script="Gujr" typeface="Shruti"/>
+        <a:font script="Khmr" typeface="MoolBoran"/>
+        <a:font script="Knda" typeface="Tunga"/>
+        <a:font script="Guru" typeface="Raavi"/>
+        <a:font script="Cans" typeface="Euphemia"/>
+        <a:font script="Cher" typeface="Plantagenet Cherokee"/>
+        <a:font script="Yiii" typeface="Microsoft Yi Baiti"/>
+        <a:font script="Tibt" typeface="Microsoft Himalaya"/>
+        <a:font script="Thaa" typeface="MV Boli"/>
+        <a:font script="Deva" typeface="Mangal"/>
+        <a:font script="Telu" typeface="Gautami"/>
+        <a:font script="Taml" typeface="Latha"/>
+        <a:font script="Syrc" typeface="Estrangelo Edessa"/>
+        <a:font script="Orya" typeface="Kalinga"/>
+        <a:font script="Mlym" typeface="Kartika"/>
+        <a:font script="Laoo" typeface="DokChampa"/>
+        <a:font script="Sinh" typeface="Iskoola Pota"/>
+        <a:font script="Mong" typeface="Mongolian Baiti"/>
+        <a:font script="Viet" typeface="Times New Roman"/>
+        <a:font script="Uigh" typeface="Microsoft Uighur"/>
+        <a:font script="Geor" typeface="Sylfaen"/>
+      </a:majorFont>
+      <a:minorFont>
+        <a:latin typeface="Calibri" panose="020F0502020204030204"/>
+        <a:ea typeface=""/>
+        <a:cs typeface=""/>
+        <a:font script="Jpan" typeface="ＭＳ Ｐゴシック"/>
+        <a:font script="Hang" typeface="맑은 고딕"/>
+        <a:font script="Hans" typeface="宋体"/>
+        <a:font script="Hant" typeface="新細明體"/>
+        <a:font script="Arab" typeface="Arial"/>
+        <a:font script="Hebr" typeface="Arial"/>
+        <a:font script="Thai" typeface="Cordia New"/>
+        <a:font script="Ethi" typeface="Nyala"/>
+        <a:font script="Beng" typeface="Vrinda"/>
+        <a:font script="Gujr" typeface="Shruti"/>
+        <a:font script="Khmr" typeface="DaunPenh"/>
+        <a:font script="Knda" typeface="Tunga"/>
+        <a:font script="Guru" typeface="Raavi"/>
+        <a:font script="Cans" typeface="Euphemia"/>
+        <a:font script="Cher" typeface="Plantagenet Cherokee"/>
+        <a:font script="Yiii" typeface="Microsoft Yi Baiti"/>
+        <a:font script="Tibt" typeface="Microsoft Himalaya"/>
+        <a:font script="Thaa" typeface="MV Boli"/>
+        <a:font script="Deva" typeface="Mangal"/>
+        <a:font script="Telu" typeface="Gautami"/>
+        <a:font script="Taml" typeface="Latha"/>
+        <a:font script="Syrc" typeface="Estrangelo Edessa"/>
+        <a:font script="Orya" typeface="Kalinga"/>
+        <a:font script="Mlym" typeface="Kartika"/>
+        <a:font script="Laoo" typeface="DokChampa"/>
+        <a:font script="Sinh" typeface="Iskoola Pota"/>
+        <a:font script="Mong" typeface="Mongolian Baiti"/>
+        <a:font script="Viet" typeface="Arial"/>
+        <a:font script="Uigh" typeface="Microsoft Uighur"/>
+        <a:font script="Geor" typeface="Sylfaen"/>
+      </a:minorFont>
+    </a:fontScheme>
+    <a:fmtScheme name="Office">
+      <a:fillStyleLst>
+        <a:solidFill>
+          <a:schemeClr val="phClr"/>
+        </a:solidFill>
+        <a:gradFill rotWithShape="1">
+          <a:gsLst>
+            <a:gs pos="0">
+              <a:schemeClr val="phClr">
+                <a:lumMod val="110000"/>
+                <a:satMod val="105000"/>
+                <a:tint val="67000"/>
+              </a:schemeClr>
+            </a:gs>
+            <a:gs pos="50000">
+              <a:schemeClr val="phClr">
+                <a:lumMod val="105000"/>
+                <a:satMod val="103000"/>
+                <a:tint val="73000"/>
+              </a:schemeClr>
+            </a:gs>
+            <a:gs pos="100000">
+              <a:schemeClr val="phClr">
+                <a:lumMod val="105000"/>
+                <a:satMod val="109000"/>
+                <a:tint val="81000"/>
+              </a:schemeClr>
+            </a:gs>
+          </a:gsLst>
+          <a:lin ang="5400000" scaled="0"/>
+        </a:gradFill>
+        <a:gradFill rotWithShape="1">
+          <a:gsLst>
+            <a:gs pos="0">
+              <a:schemeClr val="phClr">
+                <a:satMod val="103000"/>
+                <a:lumMod val="102000"/>
+                <a:tint val="94000"/>
+              </a:schemeClr>
+            </a:gs>
+            <a:gs pos="50000">
+              <a:schemeClr val="phClr">
+                <a:satMod val="110000"/>
+                <a:lumMod val="100000"/>
+                <a:shade val="100000"/>
+              </a:schemeClr>
+            </a:gs>
+            <a:gs pos="100000">
+              <a:schemeClr val="phClr">
+                <a:lumMod val="99000"/>
+                <a:satMod val="120000"/>
+                <a:shade val="78000"/>
+              </a:schemeClr>
+            </a:gs>
+          </a:gsLst>
+          <a:lin ang="5400000" scaled="0"/>
+        </a:gradFill>
+      </a:fillStyleLst>
+      <a:lnStyleLst>
+        <a:ln w="6350" cap="flat" cmpd="sng" algn="ctr">
+          <a:solidFill>
+            <a:schemeClr val="phClr"/>
+          </a:solidFill>
+          <a:prstDash val="solid"/>
+          <a:miter lim="800000"/>
+        </a:ln>
+        <a:ln w="12700" cap="flat" cmpd="sng" algn="ctr">
+          <a:solidFill>
+            <a:schemeClr val="phClr"/>
+          </a:solidFill>
+          <a:prstDash val="solid"/>
+          <a:miter lim="800000"/>
+        </a:ln>
+        <a:ln w="19050" cap="flat" cmpd="sng" algn="ctr">
+          <a:solidFill>
+            <a:schemeClr val="phClr"/>
+          </a:solidFill>
+          <a:prstDash val="solid"/>
+          <a:miter lim="800000"/>
+        </a:ln>
+      </a:lnStyleLst>
+      <a:effectStyleLst>
+        <a:effectStyle>
+          <a:effectLst/>
+        </a:effectStyle>
+        <a:effectStyle>
+          <a:effectLst/>
+        </a:effectStyle>
+        <a:effectStyle>
+          <a:effectLst>
+            <a:outerShdw blurRad="57150" dist="19050" dir="5400000" algn="ctr" rotWithShape="0">
+              <a:srgbClr val="000000">
+                <a:alpha val="63000"/>
+              </a:srgbClr>
+            </a:outerShdw>
+          </a:effectLst>
+        </a:effectStyle>
+      </a:effectStyleLst>
+      <a:bgFillStyleLst>
+        <a:solidFill>
+          <a:schemeClr val="phClr"/>
+        </a:solidFill>
+        <a:solidFill>
+          <a:schemeClr val="phClr">
+            <a:tint val="95000"/>
+            <a:satMod val="170000"/>
+          </a:schemeClr>
+        </a:solidFill>
+        <a:gradFill rotWithShape="1">
+          <a:gsLst>
+            <a:gs pos="0">
+              <a:schemeClr val="phClr">
+                <a:tint val="93000"/>
+                <a:satMod val="150000"/>
+                <a:shade val="98000"/>
+                <a:lumMod val="102000"/>
+              </a:schemeClr>
+            </a:gs>
+            <a:gs pos="50000">
+              <a:schemeClr val="phClr">
+                <a:tint val="98000"/>
+                <a:satMod val="130000"/>
+                <a:shade val="90000"/>
+                <a:lumMod val="103000"/>
+              </a:schemeClr>
+            </a:gs>
+            <a:gs pos="100000">
+              <a:schemeClr val="phClr">
+                <a:shade val="63000"/>
+                <a:satMod val="120000"/>
+              </a:schemeClr>
+            </a:gs>
+          </a:gsLst>
+          <a:lin ang="5400000" scaled="0"/>
+        </a:gradFill>
+      </a:bgFillStyleLst>
+    </a:fmtScheme>
+  </a:themeElements>
+  <a:objectDefaults/>
+  <a:extraClrSchemeLst/>
+  <a:extLst>
+    <a:ext uri="{05A4C25C-085E-4340-85A3-A5531E510DB2}">
+      <thm15:themeFamily xmlns:thm15="http://schemas.microsoft.com/office/thememl/2012/main" name="Office Theme" id="{62F939B6-93AF-4DB8-9C6B-D6C7DFDC589F}" vid="{4A3C46E8-61CC-4603-A589-7422A47A8E4A}"/>
+    </a:ext>
+  </a:extLst>
+</a:theme>
 </file>
--- a/Gestion projet/Projet intégration robotique – IMERIR.pptx
+++ b/Gestion projet/Projet intégration robotique – IMERIR.pptx
@@ -1,11 +1,11 @@
 
 <file path=ppt/presentation.xml><?xml version="1.0" encoding="utf-8"?>
-<p:presentation xmlns:a="http://schemas.openxmlformats.org/drawingml/2006/main" xmlns:r="http://schemas.openxmlformats.org/officeDocument/2006/relationships" xmlns:p="http://schemas.openxmlformats.org/presentationml/2006/main" autoCompressPictures="0">
+<p:presentation xmlns:a="http://schemas.openxmlformats.org/drawingml/2006/main" xmlns:r="http://schemas.openxmlformats.org/officeDocument/2006/relationships" xmlns:p="http://schemas.openxmlformats.org/presentationml/2006/main" showSpecialPlsOnTitleSld="0" autoCompressPictures="0">
   <p:sldMasterIdLst>
     <p:sldMasterId id="2147483660" r:id="rId1"/>
   </p:sldMasterIdLst>
   <p:notesMasterIdLst>
-    <p:notesMasterId r:id="rId26"/>
+    <p:notesMasterId r:id="rId25"/>
   </p:notesMasterIdLst>
   <p:sldIdLst>
     <p:sldId id="256" r:id="rId2"/>
@@ -16,22 +16,21 @@
     <p:sldId id="262" r:id="rId7"/>
     <p:sldId id="290" r:id="rId8"/>
     <p:sldId id="282" r:id="rId9"/>
-    <p:sldId id="265" r:id="rId10"/>
-    <p:sldId id="266" r:id="rId11"/>
-    <p:sldId id="267" r:id="rId12"/>
-    <p:sldId id="268" r:id="rId13"/>
-    <p:sldId id="270" r:id="rId14"/>
-    <p:sldId id="283" r:id="rId15"/>
-    <p:sldId id="287" r:id="rId16"/>
-    <p:sldId id="288" r:id="rId17"/>
-    <p:sldId id="291" r:id="rId18"/>
-    <p:sldId id="284" r:id="rId19"/>
-    <p:sldId id="261" r:id="rId20"/>
-    <p:sldId id="285" r:id="rId21"/>
-    <p:sldId id="269" r:id="rId22"/>
-    <p:sldId id="264" r:id="rId23"/>
-    <p:sldId id="286" r:id="rId24"/>
-    <p:sldId id="258" r:id="rId25"/>
+    <p:sldId id="266" r:id="rId10"/>
+    <p:sldId id="267" r:id="rId11"/>
+    <p:sldId id="268" r:id="rId12"/>
+    <p:sldId id="270" r:id="rId13"/>
+    <p:sldId id="283" r:id="rId14"/>
+    <p:sldId id="287" r:id="rId15"/>
+    <p:sldId id="288" r:id="rId16"/>
+    <p:sldId id="291" r:id="rId17"/>
+    <p:sldId id="284" r:id="rId18"/>
+    <p:sldId id="292" r:id="rId19"/>
+    <p:sldId id="285" r:id="rId20"/>
+    <p:sldId id="269" r:id="rId21"/>
+    <p:sldId id="264" r:id="rId22"/>
+    <p:sldId id="286" r:id="rId23"/>
+    <p:sldId id="258" r:id="rId24"/>
   </p:sldIdLst>
   <p:sldSz cx="12192000" cy="6858000"/>
   <p:notesSz cx="6858000" cy="9144000"/>
@@ -2996,1084 +2995,6 @@
       <dsp:cNvGrpSpPr/>
     </dsp:nvGrpSpPr>
     <dsp:grpSpPr/>
-    <dsp:sp modelId="{C690D0CD-7211-42BB-BA22-C909A7CA1954}">
-      <dsp:nvSpPr>
-        <dsp:cNvPr id="0" name=""/>
-        <dsp:cNvSpPr/>
-      </dsp:nvSpPr>
-      <dsp:spPr>
-        <a:xfrm>
-          <a:off x="5077836" y="1676507"/>
-          <a:ext cx="3984630" cy="592315"/>
-        </a:xfrm>
-        <a:custGeom>
-          <a:avLst/>
-          <a:gdLst/>
-          <a:ahLst/>
-          <a:cxnLst/>
-          <a:rect l="0" t="0" r="0" b="0"/>
-          <a:pathLst>
-            <a:path>
-              <a:moveTo>
-                <a:pt x="0" y="0"/>
-              </a:moveTo>
-              <a:lnTo>
-                <a:pt x="0" y="353111"/>
-              </a:lnTo>
-              <a:lnTo>
-                <a:pt x="3984630" y="353111"/>
-              </a:lnTo>
-              <a:lnTo>
-                <a:pt x="3984630" y="592315"/>
-              </a:lnTo>
-            </a:path>
-          </a:pathLst>
-        </a:custGeom>
-        <a:noFill/>
-        <a:ln w="9525" cap="rnd" cmpd="sng" algn="ctr">
-          <a:solidFill>
-            <a:schemeClr val="accent1">
-              <a:shade val="60000"/>
-              <a:hueOff val="0"/>
-              <a:satOff val="0"/>
-              <a:lumOff val="0"/>
-              <a:alphaOff val="0"/>
-            </a:schemeClr>
-          </a:solidFill>
-          <a:prstDash val="solid"/>
-        </a:ln>
-        <a:effectLst/>
-      </dsp:spPr>
-      <dsp:style>
-        <a:lnRef idx="1">
-          <a:scrgbClr r="0" g="0" b="0"/>
-        </a:lnRef>
-        <a:fillRef idx="0">
-          <a:scrgbClr r="0" g="0" b="0"/>
-        </a:fillRef>
-        <a:effectRef idx="0">
-          <a:scrgbClr r="0" g="0" b="0"/>
-        </a:effectRef>
-        <a:fontRef idx="minor"/>
-      </dsp:style>
-    </dsp:sp>
-    <dsp:sp modelId="{4A968BB4-BA07-4A5B-A53B-F2957ABC86FB}">
-      <dsp:nvSpPr>
-        <dsp:cNvPr id="0" name=""/>
-        <dsp:cNvSpPr/>
-      </dsp:nvSpPr>
-      <dsp:spPr>
-        <a:xfrm>
-          <a:off x="5077836" y="1676507"/>
-          <a:ext cx="1328210" cy="592315"/>
-        </a:xfrm>
-        <a:custGeom>
-          <a:avLst/>
-          <a:gdLst/>
-          <a:ahLst/>
-          <a:cxnLst/>
-          <a:rect l="0" t="0" r="0" b="0"/>
-          <a:pathLst>
-            <a:path>
-              <a:moveTo>
-                <a:pt x="0" y="0"/>
-              </a:moveTo>
-              <a:lnTo>
-                <a:pt x="0" y="353111"/>
-              </a:lnTo>
-              <a:lnTo>
-                <a:pt x="1328210" y="353111"/>
-              </a:lnTo>
-              <a:lnTo>
-                <a:pt x="1328210" y="592315"/>
-              </a:lnTo>
-            </a:path>
-          </a:pathLst>
-        </a:custGeom>
-        <a:noFill/>
-        <a:ln w="9525" cap="rnd" cmpd="sng" algn="ctr">
-          <a:solidFill>
-            <a:schemeClr val="accent1">
-              <a:shade val="60000"/>
-              <a:hueOff val="0"/>
-              <a:satOff val="0"/>
-              <a:lumOff val="0"/>
-              <a:alphaOff val="0"/>
-            </a:schemeClr>
-          </a:solidFill>
-          <a:prstDash val="solid"/>
-        </a:ln>
-        <a:effectLst/>
-      </dsp:spPr>
-      <dsp:style>
-        <a:lnRef idx="1">
-          <a:scrgbClr r="0" g="0" b="0"/>
-        </a:lnRef>
-        <a:fillRef idx="0">
-          <a:scrgbClr r="0" g="0" b="0"/>
-        </a:fillRef>
-        <a:effectRef idx="0">
-          <a:scrgbClr r="0" g="0" b="0"/>
-        </a:effectRef>
-        <a:fontRef idx="minor"/>
-      </dsp:style>
-    </dsp:sp>
-    <dsp:sp modelId="{31D35D76-771E-4FDE-BA75-EC484194EBC2}">
-      <dsp:nvSpPr>
-        <dsp:cNvPr id="0" name=""/>
-        <dsp:cNvSpPr/>
-      </dsp:nvSpPr>
-      <dsp:spPr>
-        <a:xfrm>
-          <a:off x="3749626" y="1676507"/>
-          <a:ext cx="1328210" cy="592315"/>
-        </a:xfrm>
-        <a:custGeom>
-          <a:avLst/>
-          <a:gdLst/>
-          <a:ahLst/>
-          <a:cxnLst/>
-          <a:rect l="0" t="0" r="0" b="0"/>
-          <a:pathLst>
-            <a:path>
-              <a:moveTo>
-                <a:pt x="1328210" y="0"/>
-              </a:moveTo>
-              <a:lnTo>
-                <a:pt x="1328210" y="353111"/>
-              </a:lnTo>
-              <a:lnTo>
-                <a:pt x="0" y="353111"/>
-              </a:lnTo>
-              <a:lnTo>
-                <a:pt x="0" y="592315"/>
-              </a:lnTo>
-            </a:path>
-          </a:pathLst>
-        </a:custGeom>
-        <a:noFill/>
-        <a:ln w="9525" cap="rnd" cmpd="sng" algn="ctr">
-          <a:solidFill>
-            <a:schemeClr val="accent1">
-              <a:shade val="60000"/>
-              <a:hueOff val="0"/>
-              <a:satOff val="0"/>
-              <a:lumOff val="0"/>
-              <a:alphaOff val="0"/>
-            </a:schemeClr>
-          </a:solidFill>
-          <a:prstDash val="solid"/>
-        </a:ln>
-        <a:effectLst/>
-      </dsp:spPr>
-      <dsp:style>
-        <a:lnRef idx="1">
-          <a:scrgbClr r="0" g="0" b="0"/>
-        </a:lnRef>
-        <a:fillRef idx="0">
-          <a:scrgbClr r="0" g="0" b="0"/>
-        </a:fillRef>
-        <a:effectRef idx="0">
-          <a:scrgbClr r="0" g="0" b="0"/>
-        </a:effectRef>
-        <a:fontRef idx="minor"/>
-      </dsp:style>
-    </dsp:sp>
-    <dsp:sp modelId="{095703D4-98CA-460D-B2F6-CA110B625919}">
-      <dsp:nvSpPr>
-        <dsp:cNvPr id="0" name=""/>
-        <dsp:cNvSpPr/>
-      </dsp:nvSpPr>
-      <dsp:spPr>
-        <a:xfrm>
-          <a:off x="1093206" y="1676507"/>
-          <a:ext cx="3984630" cy="592315"/>
-        </a:xfrm>
-        <a:custGeom>
-          <a:avLst/>
-          <a:gdLst/>
-          <a:ahLst/>
-          <a:cxnLst/>
-          <a:rect l="0" t="0" r="0" b="0"/>
-          <a:pathLst>
-            <a:path>
-              <a:moveTo>
-                <a:pt x="3984630" y="0"/>
-              </a:moveTo>
-              <a:lnTo>
-                <a:pt x="3984630" y="353111"/>
-              </a:lnTo>
-              <a:lnTo>
-                <a:pt x="0" y="353111"/>
-              </a:lnTo>
-              <a:lnTo>
-                <a:pt x="0" y="592315"/>
-              </a:lnTo>
-            </a:path>
-          </a:pathLst>
-        </a:custGeom>
-        <a:noFill/>
-        <a:ln w="9525" cap="rnd" cmpd="sng" algn="ctr">
-          <a:solidFill>
-            <a:schemeClr val="accent1">
-              <a:shade val="60000"/>
-              <a:hueOff val="0"/>
-              <a:satOff val="0"/>
-              <a:lumOff val="0"/>
-              <a:alphaOff val="0"/>
-            </a:schemeClr>
-          </a:solidFill>
-          <a:prstDash val="solid"/>
-        </a:ln>
-        <a:effectLst/>
-      </dsp:spPr>
-      <dsp:style>
-        <a:lnRef idx="1">
-          <a:scrgbClr r="0" g="0" b="0"/>
-        </a:lnRef>
-        <a:fillRef idx="0">
-          <a:scrgbClr r="0" g="0" b="0"/>
-        </a:fillRef>
-        <a:effectRef idx="0">
-          <a:scrgbClr r="0" g="0" b="0"/>
-        </a:effectRef>
-        <a:fontRef idx="minor"/>
-      </dsp:style>
-    </dsp:sp>
-    <dsp:sp modelId="{153DF482-9B63-4F22-A2E6-E0985D657AE7}">
-      <dsp:nvSpPr>
-        <dsp:cNvPr id="0" name=""/>
-        <dsp:cNvSpPr/>
-      </dsp:nvSpPr>
-      <dsp:spPr>
-        <a:xfrm>
-          <a:off x="4087831" y="651345"/>
-          <a:ext cx="1980010" cy="1025161"/>
-        </a:xfrm>
-        <a:prstGeom prst="rect">
-          <a:avLst/>
-        </a:prstGeom>
-        <a:gradFill rotWithShape="0">
-          <a:gsLst>
-            <a:gs pos="0">
-              <a:schemeClr val="accent1">
-                <a:hueOff val="0"/>
-                <a:satOff val="0"/>
-                <a:lumOff val="0"/>
-                <a:alphaOff val="0"/>
-                <a:tint val="96000"/>
-                <a:lumMod val="104000"/>
-              </a:schemeClr>
-            </a:gs>
-            <a:gs pos="100000">
-              <a:schemeClr val="accent1">
-                <a:hueOff val="0"/>
-                <a:satOff val="0"/>
-                <a:lumOff val="0"/>
-                <a:alphaOff val="0"/>
-                <a:shade val="90000"/>
-                <a:lumMod val="90000"/>
-              </a:schemeClr>
-            </a:gs>
-          </a:gsLst>
-          <a:lin ang="5400000" scaled="0"/>
-        </a:gradFill>
-        <a:ln>
-          <a:noFill/>
-        </a:ln>
-        <a:effectLst>
-          <a:outerShdw blurRad="63500" dist="25400" dir="5400000" rotWithShape="0">
-            <a:srgbClr val="000000">
-              <a:alpha val="60000"/>
-            </a:srgbClr>
-          </a:outerShdw>
-        </a:effectLst>
-      </dsp:spPr>
-      <dsp:style>
-        <a:lnRef idx="0">
-          <a:scrgbClr r="0" g="0" b="0"/>
-        </a:lnRef>
-        <a:fillRef idx="3">
-          <a:scrgbClr r="0" g="0" b="0"/>
-        </a:fillRef>
-        <a:effectRef idx="2">
-          <a:scrgbClr r="0" g="0" b="0"/>
-        </a:effectRef>
-        <a:fontRef idx="minor">
-          <a:schemeClr val="lt1"/>
-        </a:fontRef>
-      </dsp:style>
-      <dsp:txBody>
-        <a:bodyPr spcFirstLastPara="0" vert="horz" wrap="square" lIns="13970" tIns="13970" rIns="13970" bIns="144662" numCol="1" spcCol="1270" anchor="ctr" anchorCtr="0">
-          <a:noAutofit/>
-        </a:bodyPr>
-        <a:lstStyle/>
-        <a:p>
-          <a:pPr lvl="0" algn="ctr" defTabSz="977900">
-            <a:lnSpc>
-              <a:spcPct val="90000"/>
-            </a:lnSpc>
-            <a:spcBef>
-              <a:spcPct val="0"/>
-            </a:spcBef>
-            <a:spcAft>
-              <a:spcPct val="35000"/>
-            </a:spcAft>
-          </a:pPr>
-          <a:r>
-            <a:rPr lang="fr-FR" sz="2200" kern="1200"/>
-            <a:t>Chef de Projet</a:t>
-          </a:r>
-        </a:p>
-      </dsp:txBody>
-      <dsp:txXfrm>
-        <a:off x="4087831" y="651345"/>
-        <a:ext cx="1980010" cy="1025161"/>
-      </dsp:txXfrm>
-    </dsp:sp>
-    <dsp:sp modelId="{113EA813-3BA6-403B-BFBC-C6C029177D40}">
-      <dsp:nvSpPr>
-        <dsp:cNvPr id="0" name=""/>
-        <dsp:cNvSpPr/>
-      </dsp:nvSpPr>
-      <dsp:spPr>
-        <a:xfrm>
-          <a:off x="4483833" y="1448693"/>
-          <a:ext cx="1782009" cy="341720"/>
-        </a:xfrm>
-        <a:prstGeom prst="rect">
-          <a:avLst/>
-        </a:prstGeom>
-        <a:solidFill>
-          <a:schemeClr val="lt1">
-            <a:alpha val="90000"/>
-            <a:hueOff val="0"/>
-            <a:satOff val="0"/>
-            <a:lumOff val="0"/>
-            <a:alphaOff val="0"/>
-          </a:schemeClr>
-        </a:solidFill>
-        <a:ln w="9525" cap="rnd" cmpd="sng" algn="ctr">
-          <a:solidFill>
-            <a:schemeClr val="accent1">
-              <a:hueOff val="0"/>
-              <a:satOff val="0"/>
-              <a:lumOff val="0"/>
-              <a:alphaOff val="0"/>
-            </a:schemeClr>
-          </a:solidFill>
-          <a:prstDash val="solid"/>
-        </a:ln>
-        <a:effectLst/>
-      </dsp:spPr>
-      <dsp:style>
-        <a:lnRef idx="1">
-          <a:scrgbClr r="0" g="0" b="0"/>
-        </a:lnRef>
-        <a:fillRef idx="1">
-          <a:scrgbClr r="0" g="0" b="0"/>
-        </a:fillRef>
-        <a:effectRef idx="0">
-          <a:scrgbClr r="0" g="0" b="0"/>
-        </a:effectRef>
-        <a:fontRef idx="minor"/>
-      </dsp:style>
-      <dsp:txBody>
-        <a:bodyPr spcFirstLastPara="0" vert="horz" wrap="square" lIns="38100" tIns="9525" rIns="38100" bIns="9525" numCol="1" spcCol="1270" anchor="ctr" anchorCtr="0">
-          <a:noAutofit/>
-        </a:bodyPr>
-        <a:lstStyle/>
-        <a:p>
-          <a:pPr lvl="0" algn="r" defTabSz="666750">
-            <a:lnSpc>
-              <a:spcPct val="90000"/>
-            </a:lnSpc>
-            <a:spcBef>
-              <a:spcPct val="0"/>
-            </a:spcBef>
-            <a:spcAft>
-              <a:spcPct val="35000"/>
-            </a:spcAft>
-          </a:pPr>
-          <a:r>
-            <a:rPr lang="fr-FR" sz="1500" kern="1200" dirty="0"/>
-            <a:t>Cyril PY</a:t>
-          </a:r>
-        </a:p>
-      </dsp:txBody>
-      <dsp:txXfrm>
-        <a:off x="4483833" y="1448693"/>
-        <a:ext cx="1782009" cy="341720"/>
-      </dsp:txXfrm>
-    </dsp:sp>
-    <dsp:sp modelId="{5676D32F-1CE3-4176-81F2-A39E244B0416}">
-      <dsp:nvSpPr>
-        <dsp:cNvPr id="0" name=""/>
-        <dsp:cNvSpPr/>
-      </dsp:nvSpPr>
-      <dsp:spPr>
-        <a:xfrm>
-          <a:off x="103201" y="2268822"/>
-          <a:ext cx="1980010" cy="1025161"/>
-        </a:xfrm>
-        <a:prstGeom prst="rect">
-          <a:avLst/>
-        </a:prstGeom>
-        <a:gradFill rotWithShape="0">
-          <a:gsLst>
-            <a:gs pos="0">
-              <a:schemeClr val="accent1">
-                <a:hueOff val="0"/>
-                <a:satOff val="0"/>
-                <a:lumOff val="0"/>
-                <a:alphaOff val="0"/>
-                <a:tint val="96000"/>
-                <a:lumMod val="104000"/>
-              </a:schemeClr>
-            </a:gs>
-            <a:gs pos="100000">
-              <a:schemeClr val="accent1">
-                <a:hueOff val="0"/>
-                <a:satOff val="0"/>
-                <a:lumOff val="0"/>
-                <a:alphaOff val="0"/>
-                <a:shade val="90000"/>
-                <a:lumMod val="90000"/>
-              </a:schemeClr>
-            </a:gs>
-          </a:gsLst>
-          <a:lin ang="5400000" scaled="0"/>
-        </a:gradFill>
-        <a:ln>
-          <a:noFill/>
-        </a:ln>
-        <a:effectLst>
-          <a:outerShdw blurRad="63500" dist="25400" dir="5400000" rotWithShape="0">
-            <a:srgbClr val="000000">
-              <a:alpha val="60000"/>
-            </a:srgbClr>
-          </a:outerShdw>
-        </a:effectLst>
-      </dsp:spPr>
-      <dsp:style>
-        <a:lnRef idx="0">
-          <a:scrgbClr r="0" g="0" b="0"/>
-        </a:lnRef>
-        <a:fillRef idx="3">
-          <a:scrgbClr r="0" g="0" b="0"/>
-        </a:fillRef>
-        <a:effectRef idx="2">
-          <a:scrgbClr r="0" g="0" b="0"/>
-        </a:effectRef>
-        <a:fontRef idx="minor">
-          <a:schemeClr val="lt1"/>
-        </a:fontRef>
-      </dsp:style>
-      <dsp:txBody>
-        <a:bodyPr spcFirstLastPara="0" vert="horz" wrap="square" lIns="13970" tIns="13970" rIns="13970" bIns="144662" numCol="1" spcCol="1270" anchor="ctr" anchorCtr="0">
-          <a:noAutofit/>
-        </a:bodyPr>
-        <a:lstStyle/>
-        <a:p>
-          <a:pPr lvl="0" algn="ctr" defTabSz="977900">
-            <a:lnSpc>
-              <a:spcPct val="90000"/>
-            </a:lnSpc>
-            <a:spcBef>
-              <a:spcPct val="0"/>
-            </a:spcBef>
-            <a:spcAft>
-              <a:spcPct val="35000"/>
-            </a:spcAft>
-          </a:pPr>
-          <a:r>
-            <a:rPr lang="fr-FR" sz="2200" kern="1200" dirty="0" smtClean="0"/>
-            <a:t>Odométrie</a:t>
-          </a:r>
-          <a:endParaRPr lang="fr-FR" sz="2200" kern="1200" dirty="0"/>
-        </a:p>
-      </dsp:txBody>
-      <dsp:txXfrm>
-        <a:off x="103201" y="2268822"/>
-        <a:ext cx="1980010" cy="1025161"/>
-      </dsp:txXfrm>
-    </dsp:sp>
-    <dsp:sp modelId="{809562EB-4A18-496D-99D9-E0B60B4EAEA5}">
-      <dsp:nvSpPr>
-        <dsp:cNvPr id="0" name=""/>
-        <dsp:cNvSpPr/>
-      </dsp:nvSpPr>
-      <dsp:spPr>
-        <a:xfrm>
-          <a:off x="578787" y="3066170"/>
-          <a:ext cx="1782009" cy="341720"/>
-        </a:xfrm>
-        <a:prstGeom prst="rect">
-          <a:avLst/>
-        </a:prstGeom>
-        <a:solidFill>
-          <a:schemeClr val="lt1">
-            <a:alpha val="90000"/>
-            <a:hueOff val="0"/>
-            <a:satOff val="0"/>
-            <a:lumOff val="0"/>
-            <a:alphaOff val="0"/>
-          </a:schemeClr>
-        </a:solidFill>
-        <a:ln w="9525" cap="rnd" cmpd="sng" algn="ctr">
-          <a:solidFill>
-            <a:schemeClr val="accent1">
-              <a:hueOff val="0"/>
-              <a:satOff val="0"/>
-              <a:lumOff val="0"/>
-              <a:alphaOff val="0"/>
-            </a:schemeClr>
-          </a:solidFill>
-          <a:prstDash val="solid"/>
-        </a:ln>
-        <a:effectLst/>
-      </dsp:spPr>
-      <dsp:style>
-        <a:lnRef idx="1">
-          <a:scrgbClr r="0" g="0" b="0"/>
-        </a:lnRef>
-        <a:fillRef idx="1">
-          <a:scrgbClr r="0" g="0" b="0"/>
-        </a:fillRef>
-        <a:effectRef idx="0">
-          <a:scrgbClr r="0" g="0" b="0"/>
-        </a:effectRef>
-        <a:fontRef idx="minor"/>
-      </dsp:style>
-      <dsp:txBody>
-        <a:bodyPr spcFirstLastPara="0" vert="horz" wrap="square" lIns="38100" tIns="9525" rIns="38100" bIns="9525" numCol="1" spcCol="1270" anchor="ctr" anchorCtr="0">
-          <a:noAutofit/>
-        </a:bodyPr>
-        <a:lstStyle/>
-        <a:p>
-          <a:pPr lvl="0" algn="r" defTabSz="666750">
-            <a:lnSpc>
-              <a:spcPct val="90000"/>
-            </a:lnSpc>
-            <a:spcBef>
-              <a:spcPct val="0"/>
-            </a:spcBef>
-            <a:spcAft>
-              <a:spcPct val="35000"/>
-            </a:spcAft>
-          </a:pPr>
-          <a:r>
-            <a:rPr lang="fr-FR" sz="1500" kern="1200" dirty="0"/>
-            <a:t>Thomas PRAK</a:t>
-          </a:r>
-        </a:p>
-      </dsp:txBody>
-      <dsp:txXfrm>
-        <a:off x="578787" y="3066170"/>
-        <a:ext cx="1782009" cy="341720"/>
-      </dsp:txXfrm>
-    </dsp:sp>
-    <dsp:sp modelId="{F522147D-7926-4BE8-A844-0FB48C50D80C}">
-      <dsp:nvSpPr>
-        <dsp:cNvPr id="0" name=""/>
-        <dsp:cNvSpPr/>
-      </dsp:nvSpPr>
-      <dsp:spPr>
-        <a:xfrm>
-          <a:off x="2759621" y="2268822"/>
-          <a:ext cx="1980010" cy="1025161"/>
-        </a:xfrm>
-        <a:prstGeom prst="rect">
-          <a:avLst/>
-        </a:prstGeom>
-        <a:gradFill rotWithShape="0">
-          <a:gsLst>
-            <a:gs pos="0">
-              <a:schemeClr val="accent1">
-                <a:hueOff val="0"/>
-                <a:satOff val="0"/>
-                <a:lumOff val="0"/>
-                <a:alphaOff val="0"/>
-                <a:tint val="96000"/>
-                <a:lumMod val="104000"/>
-              </a:schemeClr>
-            </a:gs>
-            <a:gs pos="100000">
-              <a:schemeClr val="accent1">
-                <a:hueOff val="0"/>
-                <a:satOff val="0"/>
-                <a:lumOff val="0"/>
-                <a:alphaOff val="0"/>
-                <a:shade val="90000"/>
-                <a:lumMod val="90000"/>
-              </a:schemeClr>
-            </a:gs>
-          </a:gsLst>
-          <a:lin ang="5400000" scaled="0"/>
-        </a:gradFill>
-        <a:ln>
-          <a:noFill/>
-        </a:ln>
-        <a:effectLst>
-          <a:outerShdw blurRad="63500" dist="25400" dir="5400000" rotWithShape="0">
-            <a:srgbClr val="000000">
-              <a:alpha val="60000"/>
-            </a:srgbClr>
-          </a:outerShdw>
-        </a:effectLst>
-      </dsp:spPr>
-      <dsp:style>
-        <a:lnRef idx="0">
-          <a:scrgbClr r="0" g="0" b="0"/>
-        </a:lnRef>
-        <a:fillRef idx="3">
-          <a:scrgbClr r="0" g="0" b="0"/>
-        </a:fillRef>
-        <a:effectRef idx="2">
-          <a:scrgbClr r="0" g="0" b="0"/>
-        </a:effectRef>
-        <a:fontRef idx="minor">
-          <a:schemeClr val="lt1"/>
-        </a:fontRef>
-      </dsp:style>
-      <dsp:txBody>
-        <a:bodyPr spcFirstLastPara="0" vert="horz" wrap="square" lIns="13970" tIns="13970" rIns="13970" bIns="144662" numCol="1" spcCol="1270" anchor="ctr" anchorCtr="0">
-          <a:noAutofit/>
-        </a:bodyPr>
-        <a:lstStyle/>
-        <a:p>
-          <a:pPr lvl="0" algn="ctr" defTabSz="977900">
-            <a:lnSpc>
-              <a:spcPct val="90000"/>
-            </a:lnSpc>
-            <a:spcBef>
-              <a:spcPct val="0"/>
-            </a:spcBef>
-            <a:spcAft>
-              <a:spcPct val="35000"/>
-            </a:spcAft>
-          </a:pPr>
-          <a:r>
-            <a:rPr lang="fr-FR" sz="2200" kern="1200" dirty="0" smtClean="0"/>
-            <a:t>Client Web</a:t>
-          </a:r>
-          <a:endParaRPr lang="fr-FR" sz="2200" kern="1200" dirty="0"/>
-        </a:p>
-      </dsp:txBody>
-      <dsp:txXfrm>
-        <a:off x="2759621" y="2268822"/>
-        <a:ext cx="1980010" cy="1025161"/>
-      </dsp:txXfrm>
-    </dsp:sp>
-    <dsp:sp modelId="{BDDE5DF6-64AC-499B-A204-5D73CD5189A5}">
-      <dsp:nvSpPr>
-        <dsp:cNvPr id="0" name=""/>
-        <dsp:cNvSpPr/>
-      </dsp:nvSpPr>
-      <dsp:spPr>
-        <a:xfrm>
-          <a:off x="3155623" y="3066170"/>
-          <a:ext cx="1782009" cy="341720"/>
-        </a:xfrm>
-        <a:prstGeom prst="rect">
-          <a:avLst/>
-        </a:prstGeom>
-        <a:solidFill>
-          <a:schemeClr val="lt1">
-            <a:alpha val="90000"/>
-            <a:hueOff val="0"/>
-            <a:satOff val="0"/>
-            <a:lumOff val="0"/>
-            <a:alphaOff val="0"/>
-          </a:schemeClr>
-        </a:solidFill>
-        <a:ln w="9525" cap="rnd" cmpd="sng" algn="ctr">
-          <a:solidFill>
-            <a:schemeClr val="accent1">
-              <a:hueOff val="0"/>
-              <a:satOff val="0"/>
-              <a:lumOff val="0"/>
-              <a:alphaOff val="0"/>
-            </a:schemeClr>
-          </a:solidFill>
-          <a:prstDash val="solid"/>
-        </a:ln>
-        <a:effectLst/>
-      </dsp:spPr>
-      <dsp:style>
-        <a:lnRef idx="1">
-          <a:scrgbClr r="0" g="0" b="0"/>
-        </a:lnRef>
-        <a:fillRef idx="1">
-          <a:scrgbClr r="0" g="0" b="0"/>
-        </a:fillRef>
-        <a:effectRef idx="0">
-          <a:scrgbClr r="0" g="0" b="0"/>
-        </a:effectRef>
-        <a:fontRef idx="minor"/>
-      </dsp:style>
-      <dsp:txBody>
-        <a:bodyPr spcFirstLastPara="0" vert="horz" wrap="square" lIns="38100" tIns="9525" rIns="38100" bIns="9525" numCol="1" spcCol="1270" anchor="ctr" anchorCtr="0">
-          <a:noAutofit/>
-        </a:bodyPr>
-        <a:lstStyle/>
-        <a:p>
-          <a:pPr lvl="0" algn="r" defTabSz="666750">
-            <a:lnSpc>
-              <a:spcPct val="90000"/>
-            </a:lnSpc>
-            <a:spcBef>
-              <a:spcPct val="0"/>
-            </a:spcBef>
-            <a:spcAft>
-              <a:spcPct val="35000"/>
-            </a:spcAft>
-          </a:pPr>
-          <a:r>
-            <a:rPr lang="fr-FR" sz="1500" kern="1200" dirty="0"/>
-            <a:t>Justine SABBATIER</a:t>
-          </a:r>
-        </a:p>
-      </dsp:txBody>
-      <dsp:txXfrm>
-        <a:off x="3155623" y="3066170"/>
-        <a:ext cx="1782009" cy="341720"/>
-      </dsp:txXfrm>
-    </dsp:sp>
-    <dsp:sp modelId="{5662567F-F7A3-40C3-B265-EF28650FB1CC}">
-      <dsp:nvSpPr>
-        <dsp:cNvPr id="0" name=""/>
-        <dsp:cNvSpPr/>
-      </dsp:nvSpPr>
-      <dsp:spPr>
-        <a:xfrm>
-          <a:off x="5416041" y="2268822"/>
-          <a:ext cx="1980010" cy="1025161"/>
-        </a:xfrm>
-        <a:prstGeom prst="rect">
-          <a:avLst/>
-        </a:prstGeom>
-        <a:gradFill rotWithShape="0">
-          <a:gsLst>
-            <a:gs pos="0">
-              <a:schemeClr val="accent1">
-                <a:hueOff val="0"/>
-                <a:satOff val="0"/>
-                <a:lumOff val="0"/>
-                <a:alphaOff val="0"/>
-                <a:tint val="96000"/>
-                <a:lumMod val="104000"/>
-              </a:schemeClr>
-            </a:gs>
-            <a:gs pos="100000">
-              <a:schemeClr val="accent1">
-                <a:hueOff val="0"/>
-                <a:satOff val="0"/>
-                <a:lumOff val="0"/>
-                <a:alphaOff val="0"/>
-                <a:shade val="90000"/>
-                <a:lumMod val="90000"/>
-              </a:schemeClr>
-            </a:gs>
-          </a:gsLst>
-          <a:lin ang="5400000" scaled="0"/>
-        </a:gradFill>
-        <a:ln>
-          <a:noFill/>
-        </a:ln>
-        <a:effectLst>
-          <a:outerShdw blurRad="63500" dist="25400" dir="5400000" rotWithShape="0">
-            <a:srgbClr val="000000">
-              <a:alpha val="60000"/>
-            </a:srgbClr>
-          </a:outerShdw>
-        </a:effectLst>
-      </dsp:spPr>
-      <dsp:style>
-        <a:lnRef idx="0">
-          <a:scrgbClr r="0" g="0" b="0"/>
-        </a:lnRef>
-        <a:fillRef idx="3">
-          <a:scrgbClr r="0" g="0" b="0"/>
-        </a:fillRef>
-        <a:effectRef idx="2">
-          <a:scrgbClr r="0" g="0" b="0"/>
-        </a:effectRef>
-        <a:fontRef idx="minor">
-          <a:schemeClr val="lt1"/>
-        </a:fontRef>
-      </dsp:style>
-      <dsp:txBody>
-        <a:bodyPr spcFirstLastPara="0" vert="horz" wrap="square" lIns="13970" tIns="13970" rIns="13970" bIns="144662" numCol="1" spcCol="1270" anchor="ctr" anchorCtr="0">
-          <a:noAutofit/>
-        </a:bodyPr>
-        <a:lstStyle/>
-        <a:p>
-          <a:pPr lvl="0" algn="ctr" defTabSz="977900">
-            <a:lnSpc>
-              <a:spcPct val="90000"/>
-            </a:lnSpc>
-            <a:spcBef>
-              <a:spcPct val="0"/>
-            </a:spcBef>
-            <a:spcAft>
-              <a:spcPct val="35000"/>
-            </a:spcAft>
-          </a:pPr>
-          <a:r>
-            <a:rPr lang="fr-FR" sz="2200" kern="1200" dirty="0" smtClean="0"/>
-            <a:t>Algorithme</a:t>
-          </a:r>
-          <a:endParaRPr lang="fr-FR" sz="2200" kern="1200" dirty="0"/>
-        </a:p>
-      </dsp:txBody>
-      <dsp:txXfrm>
-        <a:off x="5416041" y="2268822"/>
-        <a:ext cx="1980010" cy="1025161"/>
-      </dsp:txXfrm>
-    </dsp:sp>
-    <dsp:sp modelId="{0E9E0690-608D-4BF4-8CCF-3E5EC47EB681}">
-      <dsp:nvSpPr>
-        <dsp:cNvPr id="0" name=""/>
-        <dsp:cNvSpPr/>
-      </dsp:nvSpPr>
-      <dsp:spPr>
-        <a:xfrm>
-          <a:off x="5812044" y="3066170"/>
-          <a:ext cx="1782009" cy="341720"/>
-        </a:xfrm>
-        <a:prstGeom prst="rect">
-          <a:avLst/>
-        </a:prstGeom>
-        <a:solidFill>
-          <a:schemeClr val="lt1">
-            <a:alpha val="90000"/>
-            <a:hueOff val="0"/>
-            <a:satOff val="0"/>
-            <a:lumOff val="0"/>
-            <a:alphaOff val="0"/>
-          </a:schemeClr>
-        </a:solidFill>
-        <a:ln w="9525" cap="rnd" cmpd="sng" algn="ctr">
-          <a:solidFill>
-            <a:schemeClr val="accent1">
-              <a:hueOff val="0"/>
-              <a:satOff val="0"/>
-              <a:lumOff val="0"/>
-              <a:alphaOff val="0"/>
-            </a:schemeClr>
-          </a:solidFill>
-          <a:prstDash val="solid"/>
-        </a:ln>
-        <a:effectLst/>
-      </dsp:spPr>
-      <dsp:style>
-        <a:lnRef idx="1">
-          <a:scrgbClr r="0" g="0" b="0"/>
-        </a:lnRef>
-        <a:fillRef idx="1">
-          <a:scrgbClr r="0" g="0" b="0"/>
-        </a:fillRef>
-        <a:effectRef idx="0">
-          <a:scrgbClr r="0" g="0" b="0"/>
-        </a:effectRef>
-        <a:fontRef idx="minor"/>
-      </dsp:style>
-      <dsp:txBody>
-        <a:bodyPr spcFirstLastPara="0" vert="horz" wrap="square" lIns="38100" tIns="9525" rIns="38100" bIns="9525" numCol="1" spcCol="1270" anchor="ctr" anchorCtr="0">
-          <a:noAutofit/>
-        </a:bodyPr>
-        <a:lstStyle/>
-        <a:p>
-          <a:pPr lvl="0" algn="r" defTabSz="666750">
-            <a:lnSpc>
-              <a:spcPct val="90000"/>
-            </a:lnSpc>
-            <a:spcBef>
-              <a:spcPct val="0"/>
-            </a:spcBef>
-            <a:spcAft>
-              <a:spcPct val="35000"/>
-            </a:spcAft>
-          </a:pPr>
-          <a:r>
-            <a:rPr lang="fr-FR" sz="1500" kern="1200"/>
-            <a:t>Mathias DA COSTA</a:t>
-          </a:r>
-        </a:p>
-      </dsp:txBody>
-      <dsp:txXfrm>
-        <a:off x="5812044" y="3066170"/>
-        <a:ext cx="1782009" cy="341720"/>
-      </dsp:txXfrm>
-    </dsp:sp>
-    <dsp:sp modelId="{96FA1259-64E4-404F-B34D-D3DE19F6B678}">
-      <dsp:nvSpPr>
-        <dsp:cNvPr id="0" name=""/>
-        <dsp:cNvSpPr/>
-      </dsp:nvSpPr>
-      <dsp:spPr>
-        <a:xfrm>
-          <a:off x="8072462" y="2268822"/>
-          <a:ext cx="1980010" cy="1025161"/>
-        </a:xfrm>
-        <a:prstGeom prst="rect">
-          <a:avLst/>
-        </a:prstGeom>
-        <a:gradFill rotWithShape="0">
-          <a:gsLst>
-            <a:gs pos="0">
-              <a:schemeClr val="accent1">
-                <a:hueOff val="0"/>
-                <a:satOff val="0"/>
-                <a:lumOff val="0"/>
-                <a:alphaOff val="0"/>
-                <a:tint val="96000"/>
-                <a:lumMod val="104000"/>
-              </a:schemeClr>
-            </a:gs>
-            <a:gs pos="100000">
-              <a:schemeClr val="accent1">
-                <a:hueOff val="0"/>
-                <a:satOff val="0"/>
-                <a:lumOff val="0"/>
-                <a:alphaOff val="0"/>
-                <a:shade val="90000"/>
-                <a:lumMod val="90000"/>
-              </a:schemeClr>
-            </a:gs>
-          </a:gsLst>
-          <a:lin ang="5400000" scaled="0"/>
-        </a:gradFill>
-        <a:ln>
-          <a:noFill/>
-        </a:ln>
-        <a:effectLst>
-          <a:outerShdw blurRad="63500" dist="25400" dir="5400000" rotWithShape="0">
-            <a:srgbClr val="000000">
-              <a:alpha val="60000"/>
-            </a:srgbClr>
-          </a:outerShdw>
-        </a:effectLst>
-      </dsp:spPr>
-      <dsp:style>
-        <a:lnRef idx="0">
-          <a:scrgbClr r="0" g="0" b="0"/>
-        </a:lnRef>
-        <a:fillRef idx="3">
-          <a:scrgbClr r="0" g="0" b="0"/>
-        </a:fillRef>
-        <a:effectRef idx="2">
-          <a:scrgbClr r="0" g="0" b="0"/>
-        </a:effectRef>
-        <a:fontRef idx="minor">
-          <a:schemeClr val="lt1"/>
-        </a:fontRef>
-      </dsp:style>
-      <dsp:txBody>
-        <a:bodyPr spcFirstLastPara="0" vert="horz" wrap="square" lIns="13970" tIns="13970" rIns="13970" bIns="144662" numCol="1" spcCol="1270" anchor="ctr" anchorCtr="0">
-          <a:noAutofit/>
-        </a:bodyPr>
-        <a:lstStyle/>
-        <a:p>
-          <a:pPr lvl="0" algn="ctr" defTabSz="977900">
-            <a:lnSpc>
-              <a:spcPct val="90000"/>
-            </a:lnSpc>
-            <a:spcBef>
-              <a:spcPct val="0"/>
-            </a:spcBef>
-            <a:spcAft>
-              <a:spcPct val="35000"/>
-            </a:spcAft>
-          </a:pPr>
-          <a:r>
-            <a:rPr lang="fr-FR" sz="2200" kern="1200" dirty="0" smtClean="0"/>
-            <a:t>Communication</a:t>
-          </a:r>
-          <a:endParaRPr lang="fr-FR" sz="2200" kern="1200" dirty="0"/>
-        </a:p>
-      </dsp:txBody>
-      <dsp:txXfrm>
-        <a:off x="8072462" y="2268822"/>
-        <a:ext cx="1980010" cy="1025161"/>
-      </dsp:txXfrm>
-    </dsp:sp>
-    <dsp:sp modelId="{A8EA838F-3B0C-4F99-BFF0-CFB047931BD1}">
-      <dsp:nvSpPr>
-        <dsp:cNvPr id="0" name=""/>
-        <dsp:cNvSpPr/>
-      </dsp:nvSpPr>
-      <dsp:spPr>
-        <a:xfrm>
-          <a:off x="8468464" y="3066170"/>
-          <a:ext cx="1782009" cy="341720"/>
-        </a:xfrm>
-        <a:prstGeom prst="rect">
-          <a:avLst/>
-        </a:prstGeom>
-        <a:solidFill>
-          <a:schemeClr val="lt1">
-            <a:alpha val="90000"/>
-            <a:hueOff val="0"/>
-            <a:satOff val="0"/>
-            <a:lumOff val="0"/>
-            <a:alphaOff val="0"/>
-          </a:schemeClr>
-        </a:solidFill>
-        <a:ln w="9525" cap="rnd" cmpd="sng" algn="ctr">
-          <a:solidFill>
-            <a:schemeClr val="accent1">
-              <a:hueOff val="0"/>
-              <a:satOff val="0"/>
-              <a:lumOff val="0"/>
-              <a:alphaOff val="0"/>
-            </a:schemeClr>
-          </a:solidFill>
-          <a:prstDash val="solid"/>
-        </a:ln>
-        <a:effectLst/>
-      </dsp:spPr>
-      <dsp:style>
-        <a:lnRef idx="1">
-          <a:scrgbClr r="0" g="0" b="0"/>
-        </a:lnRef>
-        <a:fillRef idx="1">
-          <a:scrgbClr r="0" g="0" b="0"/>
-        </a:fillRef>
-        <a:effectRef idx="0">
-          <a:scrgbClr r="0" g="0" b="0"/>
-        </a:effectRef>
-        <a:fontRef idx="minor"/>
-      </dsp:style>
-      <dsp:txBody>
-        <a:bodyPr spcFirstLastPara="0" vert="horz" wrap="square" lIns="38100" tIns="9525" rIns="38100" bIns="9525" numCol="1" spcCol="1270" anchor="ctr" anchorCtr="0">
-          <a:noAutofit/>
-        </a:bodyPr>
-        <a:lstStyle/>
-        <a:p>
-          <a:pPr lvl="0" algn="r" defTabSz="666750">
-            <a:lnSpc>
-              <a:spcPct val="90000"/>
-            </a:lnSpc>
-            <a:spcBef>
-              <a:spcPct val="0"/>
-            </a:spcBef>
-            <a:spcAft>
-              <a:spcPct val="35000"/>
-            </a:spcAft>
-          </a:pPr>
-          <a:r>
-            <a:rPr lang="fr-FR" sz="1500" kern="1200"/>
-            <a:t>Julien LOEVE</a:t>
-          </a:r>
-        </a:p>
-      </dsp:txBody>
-      <dsp:txXfrm>
-        <a:off x="8468464" y="3066170"/>
-        <a:ext cx="1782009" cy="341720"/>
-      </dsp:txXfrm>
-    </dsp:sp>
   </dsp:spTree>
 </dsp:drawing>
 </file>
@@ -4086,646 +3007,6 @@
       <dsp:cNvGrpSpPr/>
     </dsp:nvGrpSpPr>
     <dsp:grpSpPr/>
-    <dsp:sp modelId="{6A1FC33C-BD54-48D9-8848-B8051814CA7A}">
-      <dsp:nvSpPr>
-        <dsp:cNvPr id="0" name=""/>
-        <dsp:cNvSpPr/>
-      </dsp:nvSpPr>
-      <dsp:spPr>
-        <a:xfrm>
-          <a:off x="2656565" y="9048"/>
-          <a:ext cx="2412531" cy="2412899"/>
-        </a:xfrm>
-        <a:prstGeom prst="circularArrow">
-          <a:avLst>
-            <a:gd name="adj1" fmla="val 10980"/>
-            <a:gd name="adj2" fmla="val 1142322"/>
-            <a:gd name="adj3" fmla="val 4500000"/>
-            <a:gd name="adj4" fmla="val 10800000"/>
-            <a:gd name="adj5" fmla="val 12500"/>
-          </a:avLst>
-        </a:prstGeom>
-        <a:gradFill rotWithShape="0">
-          <a:gsLst>
-            <a:gs pos="0">
-              <a:schemeClr val="accent1">
-                <a:hueOff val="0"/>
-                <a:satOff val="0"/>
-                <a:lumOff val="0"/>
-                <a:alphaOff val="0"/>
-                <a:tint val="96000"/>
-                <a:lumMod val="104000"/>
-              </a:schemeClr>
-            </a:gs>
-            <a:gs pos="100000">
-              <a:schemeClr val="accent1">
-                <a:hueOff val="0"/>
-                <a:satOff val="0"/>
-                <a:lumOff val="0"/>
-                <a:alphaOff val="0"/>
-                <a:shade val="90000"/>
-                <a:lumMod val="90000"/>
-              </a:schemeClr>
-            </a:gs>
-          </a:gsLst>
-          <a:lin ang="5400000" scaled="0"/>
-        </a:gradFill>
-        <a:ln>
-          <a:noFill/>
-        </a:ln>
-        <a:effectLst>
-          <a:outerShdw blurRad="63500" dist="25400" dir="5400000" rotWithShape="0">
-            <a:srgbClr val="000000">
-              <a:alpha val="60000"/>
-            </a:srgbClr>
-          </a:outerShdw>
-        </a:effectLst>
-      </dsp:spPr>
-      <dsp:style>
-        <a:lnRef idx="0">
-          <a:scrgbClr r="0" g="0" b="0"/>
-        </a:lnRef>
-        <a:fillRef idx="3">
-          <a:scrgbClr r="0" g="0" b="0"/>
-        </a:fillRef>
-        <a:effectRef idx="2">
-          <a:scrgbClr r="0" g="0" b="0"/>
-        </a:effectRef>
-        <a:fontRef idx="minor">
-          <a:schemeClr val="lt1"/>
-        </a:fontRef>
-      </dsp:style>
-    </dsp:sp>
-    <dsp:sp modelId="{2BC33A24-C019-40DB-B4F8-D236F35960DA}">
-      <dsp:nvSpPr>
-        <dsp:cNvPr id="0" name=""/>
-        <dsp:cNvSpPr/>
-      </dsp:nvSpPr>
-      <dsp:spPr>
-        <a:xfrm>
-          <a:off x="5465248" y="601561"/>
-          <a:ext cx="3405954" cy="965360"/>
-        </a:xfrm>
-        <a:prstGeom prst="rect">
-          <a:avLst/>
-        </a:prstGeom>
-        <a:noFill/>
-        <a:ln>
-          <a:noFill/>
-        </a:ln>
-        <a:effectLst/>
-      </dsp:spPr>
-      <dsp:style>
-        <a:lnRef idx="0">
-          <a:scrgbClr r="0" g="0" b="0"/>
-        </a:lnRef>
-        <a:fillRef idx="0">
-          <a:scrgbClr r="0" g="0" b="0"/>
-        </a:fillRef>
-        <a:effectRef idx="0">
-          <a:scrgbClr r="0" g="0" b="0"/>
-        </a:effectRef>
-        <a:fontRef idx="minor"/>
-      </dsp:style>
-      <dsp:txBody>
-        <a:bodyPr spcFirstLastPara="0" vert="horz" wrap="square" lIns="15240" tIns="15240" rIns="15240" bIns="15240" numCol="1" spcCol="1270" anchor="ctr" anchorCtr="0">
-          <a:noAutofit/>
-        </a:bodyPr>
-        <a:lstStyle/>
-        <a:p>
-          <a:pPr marL="228600" lvl="1" indent="-228600" algn="l" defTabSz="1066800">
-            <a:lnSpc>
-              <a:spcPct val="90000"/>
-            </a:lnSpc>
-            <a:spcBef>
-              <a:spcPct val="0"/>
-            </a:spcBef>
-            <a:spcAft>
-              <a:spcPct val="15000"/>
-            </a:spcAft>
-            <a:buChar char="••"/>
-          </a:pPr>
-          <a:r>
-            <a:rPr lang="fr-FR" sz="2400" b="1" kern="1200" dirty="0" smtClean="0"/>
-            <a:t>Requête GET </a:t>
-          </a:r>
-          <a:endParaRPr lang="fr-FR" sz="2400" b="1" kern="1200" dirty="0"/>
-        </a:p>
-        <a:p>
-          <a:pPr marL="457200" lvl="2" indent="-228600" algn="l" defTabSz="1066800">
-            <a:lnSpc>
-              <a:spcPct val="90000"/>
-            </a:lnSpc>
-            <a:spcBef>
-              <a:spcPct val="0"/>
-            </a:spcBef>
-            <a:spcAft>
-              <a:spcPct val="15000"/>
-            </a:spcAft>
-            <a:buChar char="••"/>
-          </a:pPr>
-          <a:r>
-            <a:rPr lang="fr-FR" sz="2400" kern="1200" dirty="0" smtClean="0"/>
-            <a:t>Récupération du </a:t>
-          </a:r>
-          <a:r>
-            <a:rPr lang="fr-FR" sz="2400" kern="1200" dirty="0" err="1" smtClean="0"/>
-            <a:t>Json</a:t>
-          </a:r>
-          <a:endParaRPr lang="fr-FR" sz="2400" kern="1200" dirty="0"/>
-        </a:p>
-      </dsp:txBody>
-      <dsp:txXfrm>
-        <a:off x="5465248" y="601561"/>
-        <a:ext cx="3405954" cy="965360"/>
-      </dsp:txXfrm>
-    </dsp:sp>
-    <dsp:sp modelId="{41EA7880-1A0E-4CC2-B59F-914DDD351791}">
-      <dsp:nvSpPr>
-        <dsp:cNvPr id="0" name=""/>
-        <dsp:cNvSpPr/>
-      </dsp:nvSpPr>
-      <dsp:spPr>
-        <a:xfrm>
-          <a:off x="3162648" y="871129"/>
-          <a:ext cx="1340597" cy="670138"/>
-        </a:xfrm>
-        <a:prstGeom prst="rect">
-          <a:avLst/>
-        </a:prstGeom>
-        <a:noFill/>
-        <a:ln>
-          <a:noFill/>
-        </a:ln>
-        <a:effectLst/>
-      </dsp:spPr>
-      <dsp:style>
-        <a:lnRef idx="0">
-          <a:scrgbClr r="0" g="0" b="0"/>
-        </a:lnRef>
-        <a:fillRef idx="0">
-          <a:scrgbClr r="0" g="0" b="0"/>
-        </a:fillRef>
-        <a:effectRef idx="0">
-          <a:scrgbClr r="0" g="0" b="0"/>
-        </a:effectRef>
-        <a:fontRef idx="minor"/>
-      </dsp:style>
-      <dsp:txBody>
-        <a:bodyPr spcFirstLastPara="0" vert="horz" wrap="square" lIns="17780" tIns="17780" rIns="17780" bIns="17780" numCol="1" spcCol="1270" anchor="ctr" anchorCtr="0">
-          <a:noAutofit/>
-        </a:bodyPr>
-        <a:lstStyle/>
-        <a:p>
-          <a:pPr lvl="0" algn="ctr" defTabSz="1244600">
-            <a:lnSpc>
-              <a:spcPct val="90000"/>
-            </a:lnSpc>
-            <a:spcBef>
-              <a:spcPct val="0"/>
-            </a:spcBef>
-            <a:spcAft>
-              <a:spcPct val="35000"/>
-            </a:spcAft>
-          </a:pPr>
-          <a:r>
-            <a:rPr lang="fr-FR" sz="2800" kern="1200" dirty="0" smtClean="0"/>
-            <a:t>Ajax</a:t>
-          </a:r>
-          <a:endParaRPr lang="fr-FR" sz="2800" kern="1200" dirty="0"/>
-        </a:p>
-      </dsp:txBody>
-      <dsp:txXfrm>
-        <a:off x="3162648" y="871129"/>
-        <a:ext cx="1340597" cy="670138"/>
-      </dsp:txXfrm>
-    </dsp:sp>
-    <dsp:sp modelId="{1EAF82E5-DF36-4432-8EFB-3660BDEAF403}">
-      <dsp:nvSpPr>
-        <dsp:cNvPr id="0" name=""/>
-        <dsp:cNvSpPr/>
-      </dsp:nvSpPr>
-      <dsp:spPr>
-        <a:xfrm>
-          <a:off x="1959327" y="1386389"/>
-          <a:ext cx="2412531" cy="2412899"/>
-        </a:xfrm>
-        <a:prstGeom prst="leftCircularArrow">
-          <a:avLst>
-            <a:gd name="adj1" fmla="val 10980"/>
-            <a:gd name="adj2" fmla="val 1142322"/>
-            <a:gd name="adj3" fmla="val 6300000"/>
-            <a:gd name="adj4" fmla="val 18900000"/>
-            <a:gd name="adj5" fmla="val 12500"/>
-          </a:avLst>
-        </a:prstGeom>
-        <a:gradFill rotWithShape="0">
-          <a:gsLst>
-            <a:gs pos="0">
-              <a:schemeClr val="accent1">
-                <a:hueOff val="0"/>
-                <a:satOff val="0"/>
-                <a:lumOff val="0"/>
-                <a:alphaOff val="0"/>
-                <a:tint val="96000"/>
-                <a:lumMod val="104000"/>
-              </a:schemeClr>
-            </a:gs>
-            <a:gs pos="100000">
-              <a:schemeClr val="accent1">
-                <a:hueOff val="0"/>
-                <a:satOff val="0"/>
-                <a:lumOff val="0"/>
-                <a:alphaOff val="0"/>
-                <a:shade val="90000"/>
-                <a:lumMod val="90000"/>
-              </a:schemeClr>
-            </a:gs>
-          </a:gsLst>
-          <a:lin ang="5400000" scaled="0"/>
-        </a:gradFill>
-        <a:ln>
-          <a:noFill/>
-        </a:ln>
-        <a:effectLst>
-          <a:outerShdw blurRad="63500" dist="25400" dir="5400000" rotWithShape="0">
-            <a:srgbClr val="000000">
-              <a:alpha val="60000"/>
-            </a:srgbClr>
-          </a:outerShdw>
-        </a:effectLst>
-      </dsp:spPr>
-      <dsp:style>
-        <a:lnRef idx="0">
-          <a:scrgbClr r="0" g="0" b="0"/>
-        </a:lnRef>
-        <a:fillRef idx="3">
-          <a:scrgbClr r="0" g="0" b="0"/>
-        </a:fillRef>
-        <a:effectRef idx="2">
-          <a:scrgbClr r="0" g="0" b="0"/>
-        </a:effectRef>
-        <a:fontRef idx="minor">
-          <a:schemeClr val="lt1"/>
-        </a:fontRef>
-      </dsp:style>
-    </dsp:sp>
-    <dsp:sp modelId="{EED53FE3-01A0-4A4A-B958-999558A60657}">
-      <dsp:nvSpPr>
-        <dsp:cNvPr id="0" name=""/>
-        <dsp:cNvSpPr/>
-      </dsp:nvSpPr>
-      <dsp:spPr>
-        <a:xfrm>
-          <a:off x="4348677" y="2031293"/>
-          <a:ext cx="5643819" cy="965360"/>
-        </a:xfrm>
-        <a:prstGeom prst="rect">
-          <a:avLst/>
-        </a:prstGeom>
-        <a:noFill/>
-        <a:ln>
-          <a:noFill/>
-        </a:ln>
-        <a:effectLst/>
-      </dsp:spPr>
-      <dsp:style>
-        <a:lnRef idx="0">
-          <a:scrgbClr r="0" g="0" b="0"/>
-        </a:lnRef>
-        <a:fillRef idx="0">
-          <a:scrgbClr r="0" g="0" b="0"/>
-        </a:fillRef>
-        <a:effectRef idx="0">
-          <a:scrgbClr r="0" g="0" b="0"/>
-        </a:effectRef>
-        <a:fontRef idx="minor"/>
-      </dsp:style>
-      <dsp:txBody>
-        <a:bodyPr spcFirstLastPara="0" vert="horz" wrap="square" lIns="15240" tIns="15240" rIns="15240" bIns="15240" numCol="1" spcCol="1270" anchor="ctr" anchorCtr="0">
-          <a:noAutofit/>
-        </a:bodyPr>
-        <a:lstStyle/>
-        <a:p>
-          <a:pPr marL="228600" lvl="1" indent="-228600" algn="l" defTabSz="1066800">
-            <a:lnSpc>
-              <a:spcPct val="90000"/>
-            </a:lnSpc>
-            <a:spcBef>
-              <a:spcPct val="0"/>
-            </a:spcBef>
-            <a:spcAft>
-              <a:spcPct val="15000"/>
-            </a:spcAft>
-            <a:buChar char="••"/>
-          </a:pPr>
-          <a:r>
-            <a:rPr lang="fr-FR" sz="2400" b="1" kern="1200" dirty="0" smtClean="0"/>
-            <a:t>Nativement interprété</a:t>
-          </a:r>
-          <a:endParaRPr lang="fr-FR" sz="2400" b="1" kern="1200" dirty="0"/>
-        </a:p>
-        <a:p>
-          <a:pPr marL="457200" lvl="2" indent="-228600" algn="l" defTabSz="1066800">
-            <a:lnSpc>
-              <a:spcPct val="90000"/>
-            </a:lnSpc>
-            <a:spcBef>
-              <a:spcPct val="0"/>
-            </a:spcBef>
-            <a:spcAft>
-              <a:spcPct val="15000"/>
-            </a:spcAft>
-            <a:buChar char="••"/>
-          </a:pPr>
-          <a:r>
-            <a:rPr lang="fr-FR" sz="2400" kern="1200" dirty="0" smtClean="0"/>
-            <a:t>Extraction des données</a:t>
-          </a:r>
-          <a:endParaRPr lang="fr-FR" sz="2400" kern="1200" dirty="0"/>
-        </a:p>
-      </dsp:txBody>
-      <dsp:txXfrm>
-        <a:off x="4348677" y="2031293"/>
-        <a:ext cx="5643819" cy="965360"/>
-      </dsp:txXfrm>
-    </dsp:sp>
-    <dsp:sp modelId="{6AA25D69-5E05-40A3-9F00-9387D55331A8}">
-      <dsp:nvSpPr>
-        <dsp:cNvPr id="0" name=""/>
-        <dsp:cNvSpPr/>
-      </dsp:nvSpPr>
-      <dsp:spPr>
-        <a:xfrm>
-          <a:off x="2495294" y="2265538"/>
-          <a:ext cx="1340597" cy="670138"/>
-        </a:xfrm>
-        <a:prstGeom prst="rect">
-          <a:avLst/>
-        </a:prstGeom>
-        <a:noFill/>
-        <a:ln>
-          <a:noFill/>
-        </a:ln>
-        <a:effectLst/>
-      </dsp:spPr>
-      <dsp:style>
-        <a:lnRef idx="0">
-          <a:scrgbClr r="0" g="0" b="0"/>
-        </a:lnRef>
-        <a:fillRef idx="0">
-          <a:scrgbClr r="0" g="0" b="0"/>
-        </a:fillRef>
-        <a:effectRef idx="0">
-          <a:scrgbClr r="0" g="0" b="0"/>
-        </a:effectRef>
-        <a:fontRef idx="minor"/>
-      </dsp:style>
-      <dsp:txBody>
-        <a:bodyPr spcFirstLastPara="0" vert="horz" wrap="square" lIns="17780" tIns="17780" rIns="17780" bIns="17780" numCol="1" spcCol="1270" anchor="ctr" anchorCtr="0">
-          <a:noAutofit/>
-        </a:bodyPr>
-        <a:lstStyle/>
-        <a:p>
-          <a:pPr lvl="0" algn="ctr" defTabSz="1244600">
-            <a:lnSpc>
-              <a:spcPct val="90000"/>
-            </a:lnSpc>
-            <a:spcBef>
-              <a:spcPct val="0"/>
-            </a:spcBef>
-            <a:spcAft>
-              <a:spcPct val="35000"/>
-            </a:spcAft>
-          </a:pPr>
-          <a:r>
-            <a:rPr lang="fr-FR" sz="2800" kern="1200" dirty="0" err="1" smtClean="0"/>
-            <a:t>Jquery</a:t>
-          </a:r>
-          <a:endParaRPr lang="fr-FR" sz="2800" kern="1200" dirty="0"/>
-        </a:p>
-      </dsp:txBody>
-      <dsp:txXfrm>
-        <a:off x="2495294" y="2265538"/>
-        <a:ext cx="1340597" cy="670138"/>
-      </dsp:txXfrm>
-    </dsp:sp>
-    <dsp:sp modelId="{A7590864-E6C3-49D8-9B22-DF9210EFF756}">
-      <dsp:nvSpPr>
-        <dsp:cNvPr id="0" name=""/>
-        <dsp:cNvSpPr/>
-      </dsp:nvSpPr>
-      <dsp:spPr>
-        <a:xfrm>
-          <a:off x="2801108" y="2938684"/>
-          <a:ext cx="2072738" cy="2073569"/>
-        </a:xfrm>
-        <a:prstGeom prst="blockArc">
-          <a:avLst>
-            <a:gd name="adj1" fmla="val 13500000"/>
-            <a:gd name="adj2" fmla="val 10800000"/>
-            <a:gd name="adj3" fmla="val 12740"/>
-          </a:avLst>
-        </a:prstGeom>
-        <a:gradFill rotWithShape="0">
-          <a:gsLst>
-            <a:gs pos="0">
-              <a:schemeClr val="accent1">
-                <a:hueOff val="0"/>
-                <a:satOff val="0"/>
-                <a:lumOff val="0"/>
-                <a:alphaOff val="0"/>
-                <a:tint val="96000"/>
-                <a:lumMod val="104000"/>
-              </a:schemeClr>
-            </a:gs>
-            <a:gs pos="100000">
-              <a:schemeClr val="accent1">
-                <a:hueOff val="0"/>
-                <a:satOff val="0"/>
-                <a:lumOff val="0"/>
-                <a:alphaOff val="0"/>
-                <a:shade val="90000"/>
-                <a:lumMod val="90000"/>
-              </a:schemeClr>
-            </a:gs>
-          </a:gsLst>
-          <a:lin ang="5400000" scaled="0"/>
-        </a:gradFill>
-        <a:ln>
-          <a:noFill/>
-        </a:ln>
-        <a:effectLst>
-          <a:outerShdw blurRad="63500" dist="25400" dir="5400000" rotWithShape="0">
-            <a:srgbClr val="000000">
-              <a:alpha val="60000"/>
-            </a:srgbClr>
-          </a:outerShdw>
-        </a:effectLst>
-      </dsp:spPr>
-      <dsp:style>
-        <a:lnRef idx="0">
-          <a:scrgbClr r="0" g="0" b="0"/>
-        </a:lnRef>
-        <a:fillRef idx="3">
-          <a:scrgbClr r="0" g="0" b="0"/>
-        </a:fillRef>
-        <a:effectRef idx="2">
-          <a:scrgbClr r="0" g="0" b="0"/>
-        </a:effectRef>
-        <a:fontRef idx="minor">
-          <a:schemeClr val="lt1"/>
-        </a:fontRef>
-      </dsp:style>
-    </dsp:sp>
-    <dsp:sp modelId="{1EC2A02A-3E8D-473F-97D1-1FB993A4303A}">
-      <dsp:nvSpPr>
-        <dsp:cNvPr id="0" name=""/>
-        <dsp:cNvSpPr/>
-      </dsp:nvSpPr>
-      <dsp:spPr>
-        <a:xfrm>
-          <a:off x="5458447" y="3522663"/>
-          <a:ext cx="4534049" cy="965360"/>
-        </a:xfrm>
-        <a:prstGeom prst="rect">
-          <a:avLst/>
-        </a:prstGeom>
-        <a:noFill/>
-        <a:ln>
-          <a:noFill/>
-        </a:ln>
-        <a:effectLst/>
-      </dsp:spPr>
-      <dsp:style>
-        <a:lnRef idx="0">
-          <a:scrgbClr r="0" g="0" b="0"/>
-        </a:lnRef>
-        <a:fillRef idx="0">
-          <a:scrgbClr r="0" g="0" b="0"/>
-        </a:fillRef>
-        <a:effectRef idx="0">
-          <a:scrgbClr r="0" g="0" b="0"/>
-        </a:effectRef>
-        <a:fontRef idx="minor"/>
-      </dsp:style>
-      <dsp:txBody>
-        <a:bodyPr spcFirstLastPara="0" vert="horz" wrap="square" lIns="15240" tIns="15240" rIns="15240" bIns="15240" numCol="1" spcCol="1270" anchor="ctr" anchorCtr="0">
-          <a:noAutofit/>
-        </a:bodyPr>
-        <a:lstStyle/>
-        <a:p>
-          <a:pPr marL="228600" lvl="1" indent="-228600" algn="l" defTabSz="1066800">
-            <a:lnSpc>
-              <a:spcPct val="90000"/>
-            </a:lnSpc>
-            <a:spcBef>
-              <a:spcPct val="0"/>
-            </a:spcBef>
-            <a:spcAft>
-              <a:spcPct val="15000"/>
-            </a:spcAft>
-            <a:buChar char="••"/>
-          </a:pPr>
-          <a:r>
-            <a:rPr lang="fr-FR" sz="2400" b="1" kern="1200" dirty="0" smtClean="0"/>
-            <a:t>Balise &lt;</a:t>
-          </a:r>
-          <a:r>
-            <a:rPr lang="fr-FR" sz="2400" b="1" kern="1200" dirty="0" err="1" smtClean="0"/>
-            <a:t>canvas</a:t>
-          </a:r>
-          <a:r>
-            <a:rPr lang="fr-FR" sz="2400" b="1" kern="1200" dirty="0" smtClean="0"/>
-            <a:t>&gt;</a:t>
-          </a:r>
-          <a:endParaRPr lang="fr-FR" sz="2400" b="1" kern="1200" dirty="0"/>
-        </a:p>
-        <a:p>
-          <a:pPr marL="457200" lvl="2" indent="-228600" algn="l" defTabSz="1066800">
-            <a:lnSpc>
-              <a:spcPct val="90000"/>
-            </a:lnSpc>
-            <a:spcBef>
-              <a:spcPct val="0"/>
-            </a:spcBef>
-            <a:spcAft>
-              <a:spcPct val="15000"/>
-            </a:spcAft>
-            <a:buChar char="••"/>
-          </a:pPr>
-          <a:r>
-            <a:rPr lang="fr-FR" sz="2400" kern="1200" dirty="0" smtClean="0"/>
-            <a:t>Modélisation des obstacles</a:t>
-          </a:r>
-          <a:endParaRPr lang="fr-FR" sz="2400" kern="1200" dirty="0"/>
-        </a:p>
-      </dsp:txBody>
-      <dsp:txXfrm>
-        <a:off x="5458447" y="3522663"/>
-        <a:ext cx="4534049" cy="965360"/>
-      </dsp:txXfrm>
-    </dsp:sp>
-    <dsp:sp modelId="{7D2E6C7C-9586-4A0C-B907-A004212DF446}">
-      <dsp:nvSpPr>
-        <dsp:cNvPr id="0" name=""/>
-        <dsp:cNvSpPr/>
-      </dsp:nvSpPr>
-      <dsp:spPr>
-        <a:xfrm>
-          <a:off x="3165820" y="3661952"/>
-          <a:ext cx="1340597" cy="670138"/>
-        </a:xfrm>
-        <a:prstGeom prst="rect">
-          <a:avLst/>
-        </a:prstGeom>
-        <a:noFill/>
-        <a:ln>
-          <a:noFill/>
-        </a:ln>
-        <a:effectLst/>
-      </dsp:spPr>
-      <dsp:style>
-        <a:lnRef idx="0">
-          <a:scrgbClr r="0" g="0" b="0"/>
-        </a:lnRef>
-        <a:fillRef idx="0">
-          <a:scrgbClr r="0" g="0" b="0"/>
-        </a:fillRef>
-        <a:effectRef idx="0">
-          <a:scrgbClr r="0" g="0" b="0"/>
-        </a:effectRef>
-        <a:fontRef idx="minor"/>
-      </dsp:style>
-      <dsp:txBody>
-        <a:bodyPr spcFirstLastPara="0" vert="horz" wrap="square" lIns="17780" tIns="17780" rIns="17780" bIns="17780" numCol="1" spcCol="1270" anchor="ctr" anchorCtr="0">
-          <a:noAutofit/>
-        </a:bodyPr>
-        <a:lstStyle/>
-        <a:p>
-          <a:pPr lvl="0" algn="ctr" defTabSz="1244600">
-            <a:lnSpc>
-              <a:spcPct val="90000"/>
-            </a:lnSpc>
-            <a:spcBef>
-              <a:spcPct val="0"/>
-            </a:spcBef>
-            <a:spcAft>
-              <a:spcPct val="35000"/>
-            </a:spcAft>
-          </a:pPr>
-          <a:r>
-            <a:rPr lang="fr-FR" sz="2800" kern="1200" dirty="0" smtClean="0"/>
-            <a:t>HTML5</a:t>
-          </a:r>
-          <a:endParaRPr lang="fr-FR" sz="2800" kern="1200" dirty="0"/>
-        </a:p>
-      </dsp:txBody>
-      <dsp:txXfrm>
-        <a:off x="3165820" y="3661952"/>
-        <a:ext cx="1340597" cy="670138"/>
-      </dsp:txXfrm>
-    </dsp:sp>
   </dsp:spTree>
 </dsp:drawing>
 </file>
@@ -10135,7 +8416,7 @@
             </a:lvl1pPr>
           </a:lstStyle>
           <a:p>
-            <a:fld id="{94756096-CE8F-45B0-A666-79414C0ADB97}" type="datetimeFigureOut">
+            <a:fld id="{D1CC9A3A-CF27-42B8-B95F-E00E1882E10D}" type="datetimeFigureOut">
               <a:rPr lang="fr-FR" smtClean="0"/>
               <a:t>21/10/2014</a:t>
             </a:fld>
@@ -10294,7 +8575,7 @@
             </a:lvl1pPr>
           </a:lstStyle>
           <a:p>
-            <a:fld id="{48CABC84-BBD5-473D-8665-507E23BED2C2}" type="slidenum">
+            <a:fld id="{4BC70F22-A20A-49C0-8E34-1256B3349F53}" type="slidenum">
               <a:rPr lang="fr-FR" smtClean="0"/>
               <a:t>‹N°›</a:t>
             </a:fld>
@@ -10305,7 +8586,7 @@
     </p:spTree>
     <p:extLst>
       <p:ext uri="{BB962C8B-B14F-4D97-AF65-F5344CB8AC3E}">
-        <p14:creationId xmlns:p14="http://schemas.microsoft.com/office/powerpoint/2010/main" val="1930163056"/>
+        <p14:creationId xmlns:p14="http://schemas.microsoft.com/office/powerpoint/2010/main" val="3093029844"/>
       </p:ext>
     </p:extLst>
   </p:cSld>
@@ -10449,10 +8730,6 @@
           <a:bodyPr/>
           <a:lstStyle/>
           <a:p>
-            <a:r>
-              <a:rPr lang="fr-FR" smtClean="0"/>
-              <a:t>JSON</a:t>
-            </a:r>
             <a:endParaRPr lang="fr-FR"/>
           </a:p>
         </p:txBody>
@@ -10472,9 +8749,9 @@
           <a:bodyPr/>
           <a:lstStyle/>
           <a:p>
-            <a:fld id="{48CABC84-BBD5-473D-8665-507E23BED2C2}" type="slidenum">
+            <a:fld id="{4BC70F22-A20A-49C0-8E34-1256B3349F53}" type="slidenum">
               <a:rPr lang="fr-FR" smtClean="0"/>
-              <a:t>19</a:t>
+              <a:t>1</a:t>
             </a:fld>
             <a:endParaRPr lang="fr-FR"/>
           </a:p>
@@ -10483,7 +8760,95 @@
     </p:spTree>
     <p:extLst>
       <p:ext uri="{BB962C8B-B14F-4D97-AF65-F5344CB8AC3E}">
-        <p14:creationId xmlns:p14="http://schemas.microsoft.com/office/powerpoint/2010/main" val="1158587043"/>
+        <p14:creationId xmlns:p14="http://schemas.microsoft.com/office/powerpoint/2010/main" val="4109480282"/>
+      </p:ext>
+    </p:extLst>
+  </p:cSld>
+  <p:clrMapOvr>
+    <a:masterClrMapping/>
+  </p:clrMapOvr>
+</p:notes>
+</file>
+
+<file path=ppt/notesSlides/notesSlide2.xml><?xml version="1.0" encoding="utf-8"?>
+<p:notes xmlns:a="http://schemas.openxmlformats.org/drawingml/2006/main" xmlns:r="http://schemas.openxmlformats.org/officeDocument/2006/relationships" xmlns:p="http://schemas.openxmlformats.org/presentationml/2006/main">
+  <p:cSld>
+    <p:spTree>
+      <p:nvGrpSpPr>
+        <p:cNvPr id="1" name=""/>
+        <p:cNvGrpSpPr/>
+        <p:nvPr/>
+      </p:nvGrpSpPr>
+      <p:grpSpPr>
+        <a:xfrm>
+          <a:off x="0" y="0"/>
+          <a:ext cx="0" cy="0"/>
+          <a:chOff x="0" y="0"/>
+          <a:chExt cx="0" cy="0"/>
+        </a:xfrm>
+      </p:grpSpPr>
+      <p:sp>
+        <p:nvSpPr>
+          <p:cNvPr id="2" name="Espace réservé de l'image des diapositives 1"/>
+          <p:cNvSpPr>
+            <a:spLocks noGrp="1" noRot="1" noChangeAspect="1"/>
+          </p:cNvSpPr>
+          <p:nvPr>
+            <p:ph type="sldImg"/>
+          </p:nvPr>
+        </p:nvSpPr>
+        <p:spPr/>
+      </p:sp>
+      <p:sp>
+        <p:nvSpPr>
+          <p:cNvPr id="3" name="Espace réservé des commentaires 2"/>
+          <p:cNvSpPr>
+            <a:spLocks noGrp="1"/>
+          </p:cNvSpPr>
+          <p:nvPr>
+            <p:ph type="body" idx="1"/>
+          </p:nvPr>
+        </p:nvSpPr>
+        <p:spPr/>
+        <p:txBody>
+          <a:bodyPr/>
+          <a:lstStyle/>
+          <a:p>
+            <a:r>
+              <a:rPr lang="fr-FR" smtClean="0"/>
+              <a:t>JSON</a:t>
+            </a:r>
+            <a:endParaRPr lang="fr-FR"/>
+          </a:p>
+        </p:txBody>
+      </p:sp>
+      <p:sp>
+        <p:nvSpPr>
+          <p:cNvPr id="4" name="Espace réservé du numéro de diapositive 3"/>
+          <p:cNvSpPr>
+            <a:spLocks noGrp="1"/>
+          </p:cNvSpPr>
+          <p:nvPr>
+            <p:ph type="sldNum" sz="quarter" idx="10"/>
+          </p:nvPr>
+        </p:nvSpPr>
+        <p:spPr/>
+        <p:txBody>
+          <a:bodyPr/>
+          <a:lstStyle/>
+          <a:p>
+            <a:fld id="{48CABC84-BBD5-473D-8665-507E23BED2C2}" type="slidenum">
+              <a:rPr lang="fr-FR" smtClean="0"/>
+              <a:t>18</a:t>
+            </a:fld>
+            <a:endParaRPr lang="fr-FR"/>
+          </a:p>
+        </p:txBody>
+      </p:sp>
+    </p:spTree>
+    <p:extLst>
+      <p:ext uri="{BB962C8B-B14F-4D97-AF65-F5344CB8AC3E}">
+        <p14:creationId xmlns:p14="http://schemas.microsoft.com/office/powerpoint/2010/main" val="3671870580"/>
       </p:ext>
     </p:extLst>
   </p:cSld>
@@ -10676,9 +9041,8 @@
           <a:bodyPr/>
           <a:lstStyle/>
           <a:p>
-            <a:fld id="{B61BEF0D-F0BB-DE4B-95CE-6DB70DBA9567}" type="datetimeFigureOut">
+            <a:fld id="{29DDE018-845D-4EF6-8185-A969E0947FC6}" type="datetime1">
               <a:rPr lang="en-US" smtClean="0"/>
-              <a:pPr/>
               <a:t>10/21/2014</a:t>
             </a:fld>
             <a:endParaRPr lang="en-US" dirty="0"/>
@@ -10976,9 +9340,8 @@
           <a:bodyPr/>
           <a:lstStyle/>
           <a:p>
-            <a:fld id="{B61BEF0D-F0BB-DE4B-95CE-6DB70DBA9567}" type="datetimeFigureOut">
+            <a:fld id="{62E041FA-F3CF-4274-95E8-071A0EB855AA}" type="datetime1">
               <a:rPr lang="en-US" smtClean="0"/>
-              <a:pPr/>
               <a:t>10/21/2014</a:t>
             </a:fld>
             <a:endParaRPr lang="en-US" dirty="0"/>
@@ -11170,9 +9533,8 @@
           <a:bodyPr/>
           <a:lstStyle/>
           <a:p>
-            <a:fld id="{B61BEF0D-F0BB-DE4B-95CE-6DB70DBA9567}" type="datetimeFigureOut">
+            <a:fld id="{D6137B76-5FF8-46D2-8276-3A4C6599E6EA}" type="datetime1">
               <a:rPr lang="en-US" smtClean="0"/>
-              <a:pPr/>
               <a:t>10/21/2014</a:t>
             </a:fld>
             <a:endParaRPr lang="en-US" dirty="0"/>
@@ -11433,9 +9795,8 @@
           <a:bodyPr/>
           <a:lstStyle/>
           <a:p>
-            <a:fld id="{B61BEF0D-F0BB-DE4B-95CE-6DB70DBA9567}" type="datetimeFigureOut">
+            <a:fld id="{E817D9B6-66D8-4344-9490-43AD2C598818}" type="datetime1">
               <a:rPr lang="en-US" smtClean="0"/>
-              <a:pPr/>
               <a:t>10/21/2014</a:t>
             </a:fld>
             <a:endParaRPr lang="en-US" dirty="0"/>
@@ -11859,9 +10220,8 @@
           <a:bodyPr/>
           <a:lstStyle/>
           <a:p>
-            <a:fld id="{B61BEF0D-F0BB-DE4B-95CE-6DB70DBA9567}" type="datetimeFigureOut">
+            <a:fld id="{9EFC1E8A-4B99-4850-87BB-D4B00ECE6DEC}" type="datetime1">
               <a:rPr lang="en-US" smtClean="0"/>
-              <a:pPr/>
               <a:t>10/21/2014</a:t>
             </a:fld>
             <a:endParaRPr lang="en-US" dirty="0"/>
@@ -12398,9 +10758,8 @@
           <a:bodyPr/>
           <a:lstStyle/>
           <a:p>
-            <a:fld id="{B61BEF0D-F0BB-DE4B-95CE-6DB70DBA9567}" type="datetimeFigureOut">
+            <a:fld id="{FBDBCF38-50B7-4DF8-A68E-72C9848F1AF0}" type="datetime1">
               <a:rPr lang="en-US" smtClean="0"/>
-              <a:pPr/>
               <a:t>10/21/2014</a:t>
             </a:fld>
             <a:endParaRPr lang="en-US" dirty="0"/>
@@ -13264,9 +11623,8 @@
           <a:bodyPr/>
           <a:lstStyle/>
           <a:p>
-            <a:fld id="{B61BEF0D-F0BB-DE4B-95CE-6DB70DBA9567}" type="datetimeFigureOut">
+            <a:fld id="{FB182CFF-B7C1-4B5B-AADA-CF03209EB6C1}" type="datetime1">
               <a:rPr lang="en-US" smtClean="0"/>
-              <a:pPr/>
               <a:t>10/21/2014</a:t>
             </a:fld>
             <a:endParaRPr lang="en-US" dirty="0"/>
@@ -13436,9 +11794,8 @@
           <a:bodyPr/>
           <a:lstStyle/>
           <a:p>
-            <a:fld id="{B61BEF0D-F0BB-DE4B-95CE-6DB70DBA9567}" type="datetimeFigureOut">
+            <a:fld id="{F63CC59C-30D6-493A-8686-DC821E253757}" type="datetime1">
               <a:rPr lang="en-US" smtClean="0"/>
-              <a:pPr/>
               <a:t>10/21/2014</a:t>
             </a:fld>
             <a:endParaRPr lang="en-US" dirty="0"/>
@@ -13622,9 +11979,8 @@
           <a:bodyPr/>
           <a:lstStyle/>
           <a:p>
-            <a:fld id="{B61BEF0D-F0BB-DE4B-95CE-6DB70DBA9567}" type="datetimeFigureOut">
+            <a:fld id="{472BBEEA-4558-4350-9E90-74660CBF8326}" type="datetime1">
               <a:rPr lang="en-US" smtClean="0"/>
-              <a:pPr/>
               <a:t>10/21/2014</a:t>
             </a:fld>
             <a:endParaRPr lang="en-US" dirty="0"/>
@@ -13794,9 +12150,8 @@
           <a:bodyPr/>
           <a:lstStyle/>
           <a:p>
-            <a:fld id="{B61BEF0D-F0BB-DE4B-95CE-6DB70DBA9567}" type="datetimeFigureOut">
+            <a:fld id="{289334B8-AC6D-48BB-8475-B105A37902AA}" type="datetime1">
               <a:rPr lang="en-US" smtClean="0"/>
-              <a:pPr/>
               <a:t>10/21/2014</a:t>
             </a:fld>
             <a:endParaRPr lang="en-US" dirty="0"/>
@@ -14040,9 +12395,8 @@
           <a:bodyPr/>
           <a:lstStyle/>
           <a:p>
-            <a:fld id="{B61BEF0D-F0BB-DE4B-95CE-6DB70DBA9567}" type="datetimeFigureOut">
+            <a:fld id="{809D3529-200F-4CB5-9800-55DBD6633CC1}" type="datetime1">
               <a:rPr lang="en-US" smtClean="0"/>
-              <a:pPr/>
               <a:t>10/21/2014</a:t>
             </a:fld>
             <a:endParaRPr lang="en-US" dirty="0"/>
@@ -14278,9 +12632,8 @@
           <a:bodyPr/>
           <a:lstStyle/>
           <a:p>
-            <a:fld id="{B61BEF0D-F0BB-DE4B-95CE-6DB70DBA9567}" type="datetimeFigureOut">
+            <a:fld id="{F7744574-FAEF-4E40-B2BD-E6B4F85B3DCF}" type="datetime1">
               <a:rPr lang="en-US" smtClean="0"/>
-              <a:pPr/>
               <a:t>10/21/2014</a:t>
             </a:fld>
             <a:endParaRPr lang="en-US" dirty="0"/>
@@ -14746,9 +13099,8 @@
           <a:bodyPr/>
           <a:lstStyle/>
           <a:p>
-            <a:fld id="{B61BEF0D-F0BB-DE4B-95CE-6DB70DBA9567}" type="datetimeFigureOut">
+            <a:fld id="{11E2C025-DFB0-41F6-9BE1-843E2A9D5C5A}" type="datetime1">
               <a:rPr lang="en-US" smtClean="0"/>
-              <a:pPr/>
               <a:t>10/21/2014</a:t>
             </a:fld>
             <a:endParaRPr lang="en-US" dirty="0"/>
@@ -14866,9 +13218,8 @@
           <a:bodyPr/>
           <a:lstStyle/>
           <a:p>
-            <a:fld id="{B61BEF0D-F0BB-DE4B-95CE-6DB70DBA9567}" type="datetimeFigureOut">
+            <a:fld id="{797DC730-E259-4E4D-BFA3-42F3982C5B7B}" type="datetime1">
               <a:rPr lang="en-US" smtClean="0"/>
-              <a:pPr/>
               <a:t>10/21/2014</a:t>
             </a:fld>
             <a:endParaRPr lang="en-US" dirty="0"/>
@@ -14963,9 +13314,8 @@
           <a:bodyPr/>
           <a:lstStyle/>
           <a:p>
-            <a:fld id="{B61BEF0D-F0BB-DE4B-95CE-6DB70DBA9567}" type="datetimeFigureOut">
+            <a:fld id="{45385DFF-54F5-46B1-B6D1-941CCA1CAFBE}" type="datetime1">
               <a:rPr lang="en-US" smtClean="0"/>
-              <a:pPr/>
               <a:t>10/21/2014</a:t>
             </a:fld>
             <a:endParaRPr lang="en-US" dirty="0"/>
@@ -15220,9 +13570,8 @@
           <a:bodyPr/>
           <a:lstStyle/>
           <a:p>
-            <a:fld id="{B61BEF0D-F0BB-DE4B-95CE-6DB70DBA9567}" type="datetimeFigureOut">
+            <a:fld id="{614282B7-6033-4321-AE02-F84DCD2600EE}" type="datetime1">
               <a:rPr lang="en-US" smtClean="0"/>
-              <a:pPr/>
               <a:t>10/21/2014</a:t>
             </a:fld>
             <a:endParaRPr lang="en-US" dirty="0"/>
@@ -15522,9 +13871,8 @@
           <a:bodyPr/>
           <a:lstStyle/>
           <a:p>
-            <a:fld id="{B61BEF0D-F0BB-DE4B-95CE-6DB70DBA9567}" type="datetimeFigureOut">
+            <a:fld id="{8A4623B1-FE05-4340-BA28-97EACCDAC690}" type="datetime1">
               <a:rPr lang="en-US" smtClean="0"/>
-              <a:pPr/>
               <a:t>10/21/2014</a:t>
             </a:fld>
             <a:endParaRPr lang="en-US" dirty="0"/>
@@ -15758,9 +14106,8 @@
             </a:lvl1pPr>
           </a:lstStyle>
           <a:p>
-            <a:fld id="{B61BEF0D-F0BB-DE4B-95CE-6DB70DBA9567}" type="datetimeFigureOut">
+            <a:fld id="{A832884D-002A-4022-9BAE-972E601D41D9}" type="datetime1">
               <a:rPr lang="en-US" smtClean="0"/>
-              <a:pPr/>
               <a:t>10/21/2014</a:t>
             </a:fld>
             <a:endParaRPr lang="en-US" dirty="0"/>
@@ -15887,6 +14234,7 @@
     <p:sldLayoutId id="2147483676" r:id="rId16"/>
     <p:sldLayoutId id="2147483677" r:id="rId17"/>
   </p:sldLayoutIdLst>
+  <p:hf hdr="0" ftr="0" dt="0"/>
   <p:txStyles>
     <p:titleStyle>
       <a:lvl1pPr algn="ctr" defTabSz="457200" rtl="0" eaLnBrk="1" latinLnBrk="0" hangingPunct="1">
@@ -16543,7 +14891,7 @@
           <p:nvPr/>
         </p:nvPicPr>
         <p:blipFill>
-          <a:blip r:embed="rId2">
+          <a:blip r:embed="rId3">
             <a:extLst>
               <a:ext uri="{28A0092B-C50C-407E-A947-70E740481C1C}">
                 <a14:useLocalDpi xmlns:a14="http://schemas.microsoft.com/office/drawing/2010/main" val="0"/>
@@ -16573,7 +14921,7 @@
           <p:nvPr/>
         </p:nvPicPr>
         <p:blipFill>
-          <a:blip r:embed="rId3">
+          <a:blip r:embed="rId4">
             <a:extLst>
               <a:ext uri="{28A0092B-C50C-407E-A947-70E740481C1C}">
                 <a14:useLocalDpi xmlns:a14="http://schemas.microsoft.com/office/drawing/2010/main" val="0"/>
@@ -16660,89 +15008,6 @@
             <a:pPr algn="l"/>
             <a:r>
               <a:rPr lang="fr-FR" dirty="0" smtClean="0"/>
-              <a:t>Le robot – </a:t>
-            </a:r>
-            <a:r>
-              <a:rPr lang="fr-FR" dirty="0"/>
-              <a:t>Le microcontrôleur</a:t>
-            </a:r>
-          </a:p>
-        </p:txBody>
-      </p:sp>
-      <p:sp>
-        <p:nvSpPr>
-          <p:cNvPr id="3" name="Espace réservé du contenu 2"/>
-          <p:cNvSpPr>
-            <a:spLocks noGrp="1"/>
-          </p:cNvSpPr>
-          <p:nvPr>
-            <p:ph idx="1"/>
-          </p:nvPr>
-        </p:nvSpPr>
-        <p:spPr/>
-        <p:txBody>
-          <a:bodyPr/>
-          <a:lstStyle/>
-          <a:p>
-            <a:endParaRPr lang="fr-FR" dirty="0"/>
-          </a:p>
-        </p:txBody>
-      </p:sp>
-    </p:spTree>
-    <p:extLst>
-      <p:ext uri="{BB962C8B-B14F-4D97-AF65-F5344CB8AC3E}">
-        <p14:creationId xmlns:p14="http://schemas.microsoft.com/office/powerpoint/2010/main" val="2985243064"/>
-      </p:ext>
-    </p:extLst>
-  </p:cSld>
-  <p:clrMapOvr>
-    <a:masterClrMapping/>
-  </p:clrMapOvr>
-  <p:timing>
-    <p:tnLst>
-      <p:par>
-        <p:cTn id="1" dur="indefinite" restart="never" nodeType="tmRoot"/>
-      </p:par>
-    </p:tnLst>
-  </p:timing>
-</p:sld>
-</file>
-
-<file path=ppt/slides/slide11.xml><?xml version="1.0" encoding="utf-8"?>
-<p:sld xmlns:a="http://schemas.openxmlformats.org/drawingml/2006/main" xmlns:r="http://schemas.openxmlformats.org/officeDocument/2006/relationships" xmlns:p="http://schemas.openxmlformats.org/presentationml/2006/main">
-  <p:cSld>
-    <p:spTree>
-      <p:nvGrpSpPr>
-        <p:cNvPr id="1" name=""/>
-        <p:cNvGrpSpPr/>
-        <p:nvPr/>
-      </p:nvGrpSpPr>
-      <p:grpSpPr>
-        <a:xfrm>
-          <a:off x="0" y="0"/>
-          <a:ext cx="0" cy="0"/>
-          <a:chOff x="0" y="0"/>
-          <a:chExt cx="0" cy="0"/>
-        </a:xfrm>
-      </p:grpSpPr>
-      <p:sp>
-        <p:nvSpPr>
-          <p:cNvPr id="2" name="Titre 1"/>
-          <p:cNvSpPr>
-            <a:spLocks noGrp="1"/>
-          </p:cNvSpPr>
-          <p:nvPr>
-            <p:ph type="title"/>
-          </p:nvPr>
-        </p:nvSpPr>
-        <p:spPr/>
-        <p:txBody>
-          <a:bodyPr/>
-          <a:lstStyle/>
-          <a:p>
-            <a:pPr algn="l"/>
-            <a:r>
-              <a:rPr lang="fr-FR" dirty="0" smtClean="0"/>
               <a:t>Le robot – Les moteurs</a:t>
             </a:r>
             <a:endParaRPr lang="fr-FR" dirty="0"/>
@@ -17032,6 +15297,35 @@
           </a:p>
         </p:txBody>
       </p:sp>
+      <p:sp>
+        <p:nvSpPr>
+          <p:cNvPr id="3" name="Espace réservé du numéro de diapositive 2"/>
+          <p:cNvSpPr>
+            <a:spLocks noGrp="1"/>
+          </p:cNvSpPr>
+          <p:nvPr>
+            <p:ph type="sldNum" sz="quarter" idx="12"/>
+          </p:nvPr>
+        </p:nvSpPr>
+        <p:spPr>
+          <a:xfrm>
+            <a:off x="11438455" y="6492875"/>
+            <a:ext cx="753545" cy="365125"/>
+          </a:xfrm>
+        </p:spPr>
+        <p:txBody>
+          <a:bodyPr/>
+          <a:lstStyle/>
+          <a:p>
+            <a:fld id="{D57F1E4F-1CFF-5643-939E-217C01CDF565}" type="slidenum">
+              <a:rPr lang="en-US" smtClean="0"/>
+              <a:pPr/>
+              <a:t>10</a:t>
+            </a:fld>
+            <a:endParaRPr lang="en-US" dirty="0"/>
+          </a:p>
+        </p:txBody>
+      </p:sp>
     </p:spTree>
     <p:extLst>
       <p:ext uri="{BB962C8B-B14F-4D97-AF65-F5344CB8AC3E}">
@@ -17052,7 +15346,7 @@
 </p:sld>
 </file>
 
-<file path=ppt/slides/slide12.xml><?xml version="1.0" encoding="utf-8"?>
+<file path=ppt/slides/slide11.xml><?xml version="1.0" encoding="utf-8"?>
 <p:sld xmlns:a="http://schemas.openxmlformats.org/drawingml/2006/main" xmlns:r="http://schemas.openxmlformats.org/officeDocument/2006/relationships" xmlns:p="http://schemas.openxmlformats.org/presentationml/2006/main">
   <p:cSld>
     <p:spTree>
@@ -17353,6 +15647,35 @@
           </a:p>
         </p:txBody>
       </p:sp>
+      <p:sp>
+        <p:nvSpPr>
+          <p:cNvPr id="5" name="Espace réservé du numéro de diapositive 4"/>
+          <p:cNvSpPr>
+            <a:spLocks noGrp="1"/>
+          </p:cNvSpPr>
+          <p:nvPr>
+            <p:ph type="sldNum" sz="quarter" idx="12"/>
+          </p:nvPr>
+        </p:nvSpPr>
+        <p:spPr>
+          <a:xfrm>
+            <a:off x="11438455" y="6492875"/>
+            <a:ext cx="753545" cy="365125"/>
+          </a:xfrm>
+        </p:spPr>
+        <p:txBody>
+          <a:bodyPr/>
+          <a:lstStyle/>
+          <a:p>
+            <a:fld id="{D57F1E4F-1CFF-5643-939E-217C01CDF565}" type="slidenum">
+              <a:rPr lang="en-US" smtClean="0"/>
+              <a:pPr/>
+              <a:t>11</a:t>
+            </a:fld>
+            <a:endParaRPr lang="en-US" dirty="0"/>
+          </a:p>
+        </p:txBody>
+      </p:sp>
     </p:spTree>
     <p:extLst>
       <p:ext uri="{BB962C8B-B14F-4D97-AF65-F5344CB8AC3E}">
@@ -17373,7 +15696,7 @@
 </p:sld>
 </file>
 
-<file path=ppt/slides/slide13.xml><?xml version="1.0" encoding="utf-8"?>
+<file path=ppt/slides/slide12.xml><?xml version="1.0" encoding="utf-8"?>
 <p:sld xmlns:a="http://schemas.openxmlformats.org/drawingml/2006/main" xmlns:r="http://schemas.openxmlformats.org/officeDocument/2006/relationships" xmlns:p="http://schemas.openxmlformats.org/presentationml/2006/main">
   <p:cSld>
     <p:spTree>
@@ -17452,6 +15775,35 @@
           </a:effectLst>
         </p:spPr>
       </p:pic>
+      <p:sp>
+        <p:nvSpPr>
+          <p:cNvPr id="4" name="Espace réservé du numéro de diapositive 3"/>
+          <p:cNvSpPr>
+            <a:spLocks noGrp="1"/>
+          </p:cNvSpPr>
+          <p:nvPr>
+            <p:ph type="sldNum" sz="quarter" idx="12"/>
+          </p:nvPr>
+        </p:nvSpPr>
+        <p:spPr>
+          <a:xfrm>
+            <a:off x="11438455" y="6492875"/>
+            <a:ext cx="753545" cy="365125"/>
+          </a:xfrm>
+        </p:spPr>
+        <p:txBody>
+          <a:bodyPr/>
+          <a:lstStyle/>
+          <a:p>
+            <a:fld id="{D57F1E4F-1CFF-5643-939E-217C01CDF565}" type="slidenum">
+              <a:rPr lang="en-US" smtClean="0"/>
+              <a:pPr/>
+              <a:t>12</a:t>
+            </a:fld>
+            <a:endParaRPr lang="en-US" dirty="0"/>
+          </a:p>
+        </p:txBody>
+      </p:sp>
     </p:spTree>
     <p:extLst>
       <p:ext uri="{BB962C8B-B14F-4D97-AF65-F5344CB8AC3E}">
@@ -17472,7 +15824,7 @@
 </p:sld>
 </file>
 
-<file path=ppt/slides/slide14.xml><?xml version="1.0" encoding="utf-8"?>
+<file path=ppt/slides/slide13.xml><?xml version="1.0" encoding="utf-8"?>
 <p:sld xmlns:a="http://schemas.openxmlformats.org/drawingml/2006/main" xmlns:r="http://schemas.openxmlformats.org/officeDocument/2006/relationships" xmlns:p="http://schemas.openxmlformats.org/presentationml/2006/main">
   <p:cSld>
     <p:spTree>
@@ -17659,6 +16011,35 @@
           </a:prstGeom>
         </p:spPr>
       </p:pic>
+      <p:sp>
+        <p:nvSpPr>
+          <p:cNvPr id="2" name="Espace réservé du numéro de diapositive 1"/>
+          <p:cNvSpPr>
+            <a:spLocks noGrp="1"/>
+          </p:cNvSpPr>
+          <p:nvPr>
+            <p:ph type="sldNum" sz="quarter" idx="12"/>
+          </p:nvPr>
+        </p:nvSpPr>
+        <p:spPr>
+          <a:xfrm>
+            <a:off x="11438455" y="6473697"/>
+            <a:ext cx="753545" cy="365125"/>
+          </a:xfrm>
+        </p:spPr>
+        <p:txBody>
+          <a:bodyPr/>
+          <a:lstStyle/>
+          <a:p>
+            <a:fld id="{D57F1E4F-1CFF-5643-939E-217C01CDF565}" type="slidenum">
+              <a:rPr lang="en-US" smtClean="0"/>
+              <a:pPr/>
+              <a:t>13</a:t>
+            </a:fld>
+            <a:endParaRPr lang="en-US" dirty="0"/>
+          </a:p>
+        </p:txBody>
+      </p:sp>
     </p:spTree>
     <p:extLst>
       <p:ext uri="{BB962C8B-B14F-4D97-AF65-F5344CB8AC3E}">
@@ -17679,7 +16060,7 @@
 </p:sld>
 </file>
 
-<file path=ppt/slides/slide15.xml><?xml version="1.0" encoding="utf-8"?>
+<file path=ppt/slides/slide14.xml><?xml version="1.0" encoding="utf-8"?>
 <p:sld xmlns:a="http://schemas.openxmlformats.org/drawingml/2006/main" xmlns:r="http://schemas.openxmlformats.org/officeDocument/2006/relationships" xmlns:p="http://schemas.openxmlformats.org/presentationml/2006/main">
   <p:cSld>
     <p:spTree>
@@ -18860,6 +17241,35 @@
           </a:p>
         </p:txBody>
       </p:sp>
+      <p:sp>
+        <p:nvSpPr>
+          <p:cNvPr id="2" name="Espace réservé du numéro de diapositive 1"/>
+          <p:cNvSpPr>
+            <a:spLocks noGrp="1"/>
+          </p:cNvSpPr>
+          <p:nvPr>
+            <p:ph type="sldNum" sz="quarter" idx="12"/>
+          </p:nvPr>
+        </p:nvSpPr>
+        <p:spPr>
+          <a:xfrm>
+            <a:off x="11438455" y="6485840"/>
+            <a:ext cx="753545" cy="365125"/>
+          </a:xfrm>
+        </p:spPr>
+        <p:txBody>
+          <a:bodyPr/>
+          <a:lstStyle/>
+          <a:p>
+            <a:fld id="{D57F1E4F-1CFF-5643-939E-217C01CDF565}" type="slidenum">
+              <a:rPr lang="en-US" smtClean="0"/>
+              <a:pPr/>
+              <a:t>14</a:t>
+            </a:fld>
+            <a:endParaRPr lang="en-US" dirty="0"/>
+          </a:p>
+        </p:txBody>
+      </p:sp>
     </p:spTree>
     <p:extLst>
       <p:ext uri="{BB962C8B-B14F-4D97-AF65-F5344CB8AC3E}">
@@ -19115,7 +17525,7 @@
 </p:sld>
 </file>
 
-<file path=ppt/slides/slide16.xml><?xml version="1.0" encoding="utf-8"?>
+<file path=ppt/slides/slide15.xml><?xml version="1.0" encoding="utf-8"?>
 <p:sld xmlns:a="http://schemas.openxmlformats.org/drawingml/2006/main" xmlns:r="http://schemas.openxmlformats.org/officeDocument/2006/relationships" xmlns:p="http://schemas.openxmlformats.org/presentationml/2006/main">
   <p:cSld>
     <p:spTree>
@@ -20374,6 +18784,35 @@
           </a:p>
         </p:txBody>
       </p:sp>
+      <p:sp>
+        <p:nvSpPr>
+          <p:cNvPr id="3" name="Espace réservé du numéro de diapositive 2"/>
+          <p:cNvSpPr>
+            <a:spLocks noGrp="1"/>
+          </p:cNvSpPr>
+          <p:nvPr>
+            <p:ph type="sldNum" sz="quarter" idx="12"/>
+          </p:nvPr>
+        </p:nvSpPr>
+        <p:spPr>
+          <a:xfrm>
+            <a:off x="11438455" y="6492875"/>
+            <a:ext cx="753545" cy="365125"/>
+          </a:xfrm>
+        </p:spPr>
+        <p:txBody>
+          <a:bodyPr/>
+          <a:lstStyle/>
+          <a:p>
+            <a:fld id="{D57F1E4F-1CFF-5643-939E-217C01CDF565}" type="slidenum">
+              <a:rPr lang="en-US" smtClean="0"/>
+              <a:pPr/>
+              <a:t>15</a:t>
+            </a:fld>
+            <a:endParaRPr lang="en-US" dirty="0"/>
+          </a:p>
+        </p:txBody>
+      </p:sp>
     </p:spTree>
     <p:extLst>
       <p:ext uri="{BB962C8B-B14F-4D97-AF65-F5344CB8AC3E}">
@@ -20588,7 +19027,7 @@
 </p:sld>
 </file>
 
-<file path=ppt/slides/slide17.xml><?xml version="1.0" encoding="utf-8"?>
+<file path=ppt/slides/slide16.xml><?xml version="1.0" encoding="utf-8"?>
 <p:sld xmlns:a="http://schemas.openxmlformats.org/drawingml/2006/main" xmlns:r="http://schemas.openxmlformats.org/officeDocument/2006/relationships" xmlns:p="http://schemas.openxmlformats.org/presentationml/2006/main">
   <p:cSld>
     <p:spTree>
@@ -21101,6 +19540,35 @@
           </a:graphicData>
         </a:graphic>
       </p:graphicFrame>
+      <p:sp>
+        <p:nvSpPr>
+          <p:cNvPr id="3" name="Espace réservé du numéro de diapositive 2"/>
+          <p:cNvSpPr>
+            <a:spLocks noGrp="1"/>
+          </p:cNvSpPr>
+          <p:nvPr>
+            <p:ph type="sldNum" sz="quarter" idx="12"/>
+          </p:nvPr>
+        </p:nvSpPr>
+        <p:spPr>
+          <a:xfrm>
+            <a:off x="11438455" y="6492875"/>
+            <a:ext cx="753545" cy="365125"/>
+          </a:xfrm>
+        </p:spPr>
+        <p:txBody>
+          <a:bodyPr/>
+          <a:lstStyle/>
+          <a:p>
+            <a:fld id="{D57F1E4F-1CFF-5643-939E-217C01CDF565}" type="slidenum">
+              <a:rPr lang="en-US" smtClean="0"/>
+              <a:pPr/>
+              <a:t>16</a:t>
+            </a:fld>
+            <a:endParaRPr lang="en-US" dirty="0"/>
+          </a:p>
+        </p:txBody>
+      </p:sp>
     </p:spTree>
     <p:extLst>
       <p:ext uri="{BB962C8B-B14F-4D97-AF65-F5344CB8AC3E}">
@@ -21121,7 +19589,7 @@
 </p:sld>
 </file>
 
-<file path=ppt/slides/slide18.xml><?xml version="1.0" encoding="utf-8"?>
+<file path=ppt/slides/slide17.xml><?xml version="1.0" encoding="utf-8"?>
 <p:sld xmlns:a="http://schemas.openxmlformats.org/drawingml/2006/main" xmlns:r="http://schemas.openxmlformats.org/officeDocument/2006/relationships" xmlns:p="http://schemas.openxmlformats.org/presentationml/2006/main">
   <p:cSld>
     <p:spTree>
@@ -21308,6 +19776,35 @@
           </a:prstGeom>
         </p:spPr>
       </p:pic>
+      <p:sp>
+        <p:nvSpPr>
+          <p:cNvPr id="2" name="Espace réservé du numéro de diapositive 1"/>
+          <p:cNvSpPr>
+            <a:spLocks noGrp="1"/>
+          </p:cNvSpPr>
+          <p:nvPr>
+            <p:ph type="sldNum" sz="quarter" idx="12"/>
+          </p:nvPr>
+        </p:nvSpPr>
+        <p:spPr>
+          <a:xfrm>
+            <a:off x="11438455" y="6473697"/>
+            <a:ext cx="753545" cy="365125"/>
+          </a:xfrm>
+        </p:spPr>
+        <p:txBody>
+          <a:bodyPr/>
+          <a:lstStyle/>
+          <a:p>
+            <a:fld id="{D57F1E4F-1CFF-5643-939E-217C01CDF565}" type="slidenum">
+              <a:rPr lang="en-US" smtClean="0"/>
+              <a:pPr/>
+              <a:t>17</a:t>
+            </a:fld>
+            <a:endParaRPr lang="en-US" dirty="0"/>
+          </a:p>
+        </p:txBody>
+      </p:sp>
     </p:spTree>
     <p:extLst>
       <p:ext uri="{BB962C8B-B14F-4D97-AF65-F5344CB8AC3E}">
@@ -21328,7 +19825,7 @@
 </p:sld>
 </file>
 
-<file path=ppt/slides/slide19.xml><?xml version="1.0" encoding="utf-8"?>
+<file path=ppt/slides/slide18.xml><?xml version="1.0" encoding="utf-8"?>
 <p:sld xmlns:a="http://schemas.openxmlformats.org/drawingml/2006/main" xmlns:r="http://schemas.openxmlformats.org/officeDocument/2006/relationships" xmlns:p="http://schemas.openxmlformats.org/presentationml/2006/main">
   <p:cSld>
     <p:spTree>
@@ -22114,7 +20611,7 @@
     </p:spTree>
     <p:extLst>
       <p:ext uri="{BB962C8B-B14F-4D97-AF65-F5344CB8AC3E}">
-        <p14:creationId xmlns:p14="http://schemas.microsoft.com/office/powerpoint/2010/main" val="3497991419"/>
+        <p14:creationId xmlns:p14="http://schemas.microsoft.com/office/powerpoint/2010/main" val="3845039144"/>
       </p:ext>
     </p:extLst>
   </p:cSld>
@@ -22713,234 +21210,7 @@
 </p:sld>
 </file>
 
-<file path=ppt/slides/slide2.xml><?xml version="1.0" encoding="utf-8"?>
-<p:sld xmlns:a="http://schemas.openxmlformats.org/drawingml/2006/main" xmlns:r="http://schemas.openxmlformats.org/officeDocument/2006/relationships" xmlns:p="http://schemas.openxmlformats.org/presentationml/2006/main">
-  <p:cSld>
-    <p:spTree>
-      <p:nvGrpSpPr>
-        <p:cNvPr id="1" name=""/>
-        <p:cNvGrpSpPr/>
-        <p:nvPr/>
-      </p:nvGrpSpPr>
-      <p:grpSpPr>
-        <a:xfrm>
-          <a:off x="0" y="0"/>
-          <a:ext cx="0" cy="0"/>
-          <a:chOff x="0" y="0"/>
-          <a:chExt cx="0" cy="0"/>
-        </a:xfrm>
-      </p:grpSpPr>
-      <p:sp>
-        <p:nvSpPr>
-          <p:cNvPr id="2" name="Titre 1"/>
-          <p:cNvSpPr>
-            <a:spLocks noGrp="1"/>
-          </p:cNvSpPr>
-          <p:nvPr>
-            <p:ph type="title"/>
-          </p:nvPr>
-        </p:nvSpPr>
-        <p:spPr/>
-        <p:txBody>
-          <a:bodyPr/>
-          <a:lstStyle/>
-          <a:p>
-            <a:pPr algn="l"/>
-            <a:r>
-              <a:rPr lang="fr-FR" dirty="0" smtClean="0"/>
-              <a:t>Sommaire</a:t>
-            </a:r>
-            <a:endParaRPr lang="fr-FR" dirty="0"/>
-          </a:p>
-        </p:txBody>
-      </p:sp>
-      <p:sp>
-        <p:nvSpPr>
-          <p:cNvPr id="5" name="ZoneTexte 4"/>
-          <p:cNvSpPr txBox="1"/>
-          <p:nvPr/>
-        </p:nvSpPr>
-        <p:spPr>
-          <a:xfrm>
-            <a:off x="913795" y="1580050"/>
-            <a:ext cx="10353762" cy="4893647"/>
-          </a:xfrm>
-          <a:prstGeom prst="rect">
-            <a:avLst/>
-          </a:prstGeom>
-          <a:noFill/>
-        </p:spPr>
-        <p:txBody>
-          <a:bodyPr wrap="square" rtlCol="0">
-            <a:spAutoFit/>
-          </a:bodyPr>
-          <a:lstStyle/>
-          <a:p>
-            <a:pPr marL="285750" indent="-285750">
-              <a:buFont typeface="Arial" panose="020B0604020202020204" pitchFamily="34" charset="0"/>
-              <a:buChar char="•"/>
-            </a:pPr>
-            <a:r>
-              <a:rPr lang="fr-FR" sz="2400" dirty="0" smtClean="0"/>
-              <a:t>Membres du groupe</a:t>
-            </a:r>
-          </a:p>
-          <a:p>
-            <a:pPr marL="285750" indent="-285750">
-              <a:buFont typeface="Arial" panose="020B0604020202020204" pitchFamily="34" charset="0"/>
-              <a:buChar char="•"/>
-            </a:pPr>
-            <a:endParaRPr lang="fr-FR" sz="2400" dirty="0"/>
-          </a:p>
-          <a:p>
-            <a:pPr marL="285750" indent="-285750">
-              <a:buFont typeface="Arial" panose="020B0604020202020204" pitchFamily="34" charset="0"/>
-              <a:buChar char="•"/>
-            </a:pPr>
-            <a:r>
-              <a:rPr lang="fr-FR" sz="2400" dirty="0" smtClean="0"/>
-              <a:t>Algorithme</a:t>
-            </a:r>
-          </a:p>
-          <a:p>
-            <a:pPr marL="285750" indent="-285750">
-              <a:buFont typeface="Arial" panose="020B0604020202020204" pitchFamily="34" charset="0"/>
-              <a:buChar char="•"/>
-            </a:pPr>
-            <a:endParaRPr lang="fr-FR" sz="2400" dirty="0"/>
-          </a:p>
-          <a:p>
-            <a:pPr marL="285750" indent="-285750">
-              <a:buFont typeface="Arial" panose="020B0604020202020204" pitchFamily="34" charset="0"/>
-              <a:buChar char="•"/>
-            </a:pPr>
-            <a:r>
-              <a:rPr lang="fr-FR" sz="2400" dirty="0" smtClean="0"/>
-              <a:t>Le Robot</a:t>
-            </a:r>
-            <a:endParaRPr lang="fr-FR" sz="2400" dirty="0"/>
-          </a:p>
-          <a:p>
-            <a:pPr marL="285750" indent="-285750">
-              <a:buFont typeface="Arial" panose="020B0604020202020204" pitchFamily="34" charset="0"/>
-              <a:buChar char="•"/>
-            </a:pPr>
-            <a:endParaRPr lang="fr-FR" sz="2400" dirty="0" smtClean="0"/>
-          </a:p>
-          <a:p>
-            <a:pPr marL="285750" indent="-285750">
-              <a:buFont typeface="Arial" panose="020B0604020202020204" pitchFamily="34" charset="0"/>
-              <a:buChar char="•"/>
-            </a:pPr>
-            <a:r>
-              <a:rPr lang="fr-FR" sz="2400" dirty="0" smtClean="0"/>
-              <a:t>Odométrie</a:t>
-            </a:r>
-          </a:p>
-          <a:p>
-            <a:pPr marL="285750" indent="-285750">
-              <a:buFont typeface="Arial" panose="020B0604020202020204" pitchFamily="34" charset="0"/>
-              <a:buChar char="•"/>
-            </a:pPr>
-            <a:endParaRPr lang="fr-FR" sz="2400" dirty="0"/>
-          </a:p>
-          <a:p>
-            <a:pPr marL="285750" indent="-285750">
-              <a:buFont typeface="Arial" panose="020B0604020202020204" pitchFamily="34" charset="0"/>
-              <a:buChar char="•"/>
-            </a:pPr>
-            <a:r>
-              <a:rPr lang="fr-FR" sz="2400" dirty="0"/>
-              <a:t>Communication</a:t>
-            </a:r>
-          </a:p>
-          <a:p>
-            <a:endParaRPr lang="fr-FR" sz="2400" dirty="0"/>
-          </a:p>
-          <a:p>
-            <a:pPr marL="285750" indent="-285750">
-              <a:buFont typeface="Arial" panose="020B0604020202020204" pitchFamily="34" charset="0"/>
-              <a:buChar char="•"/>
-            </a:pPr>
-            <a:r>
-              <a:rPr lang="fr-FR" sz="2400" dirty="0"/>
-              <a:t>Client </a:t>
-            </a:r>
-            <a:r>
-              <a:rPr lang="fr-FR" sz="2400" dirty="0" smtClean="0"/>
-              <a:t>Web</a:t>
-            </a:r>
-          </a:p>
-          <a:p>
-            <a:pPr marL="285750" indent="-285750">
-              <a:buFont typeface="Arial" panose="020B0604020202020204" pitchFamily="34" charset="0"/>
-              <a:buChar char="•"/>
-            </a:pPr>
-            <a:endParaRPr lang="fr-FR" sz="2400" dirty="0"/>
-          </a:p>
-          <a:p>
-            <a:pPr marL="285750" indent="-285750">
-              <a:buFont typeface="Arial" panose="020B0604020202020204" pitchFamily="34" charset="0"/>
-              <a:buChar char="•"/>
-            </a:pPr>
-            <a:r>
-              <a:rPr lang="fr-FR" sz="2400" dirty="0" smtClean="0"/>
-              <a:t>Conclusion</a:t>
-            </a:r>
-          </a:p>
-        </p:txBody>
-      </p:sp>
-      <p:pic>
-        <p:nvPicPr>
-          <p:cNvPr id="6" name="Image 5"/>
-          <p:cNvPicPr>
-            <a:picLocks noChangeAspect="1"/>
-          </p:cNvPicPr>
-          <p:nvPr/>
-        </p:nvPicPr>
-        <p:blipFill>
-          <a:blip r:embed="rId2">
-            <a:extLst>
-              <a:ext uri="{28A0092B-C50C-407E-A947-70E740481C1C}">
-                <a14:useLocalDpi xmlns:a14="http://schemas.microsoft.com/office/drawing/2010/main" val="0"/>
-              </a:ext>
-            </a:extLst>
-          </a:blip>
-          <a:stretch>
-            <a:fillRect/>
-          </a:stretch>
-        </p:blipFill>
-        <p:spPr>
-          <a:xfrm>
-            <a:off x="5693081" y="1320428"/>
-            <a:ext cx="4824046" cy="4674229"/>
-          </a:xfrm>
-          <a:prstGeom prst="rect">
-            <a:avLst/>
-          </a:prstGeom>
-        </p:spPr>
-      </p:pic>
-    </p:spTree>
-    <p:extLst>
-      <p:ext uri="{BB962C8B-B14F-4D97-AF65-F5344CB8AC3E}">
-        <p14:creationId xmlns:p14="http://schemas.microsoft.com/office/powerpoint/2010/main" val="2290834341"/>
-      </p:ext>
-    </p:extLst>
-  </p:cSld>
-  <p:clrMapOvr>
-    <a:masterClrMapping/>
-  </p:clrMapOvr>
-  <p:timing>
-    <p:tnLst>
-      <p:par>
-        <p:cTn id="1" dur="indefinite" restart="never" nodeType="tmRoot"/>
-      </p:par>
-    </p:tnLst>
-  </p:timing>
-</p:sld>
-</file>
-
-<file path=ppt/slides/slide20.xml><?xml version="1.0" encoding="utf-8"?>
+<file path=ppt/slides/slide19.xml><?xml version="1.0" encoding="utf-8"?>
 <p:sld xmlns:a="http://schemas.openxmlformats.org/drawingml/2006/main" xmlns:r="http://schemas.openxmlformats.org/officeDocument/2006/relationships" xmlns:p="http://schemas.openxmlformats.org/presentationml/2006/main">
   <p:cSld>
     <p:spTree>
@@ -23131,6 +21401,35 @@
           </a:prstGeom>
         </p:spPr>
       </p:pic>
+      <p:sp>
+        <p:nvSpPr>
+          <p:cNvPr id="2" name="Espace réservé du numéro de diapositive 1"/>
+          <p:cNvSpPr>
+            <a:spLocks noGrp="1"/>
+          </p:cNvSpPr>
+          <p:nvPr>
+            <p:ph type="sldNum" sz="quarter" idx="12"/>
+          </p:nvPr>
+        </p:nvSpPr>
+        <p:spPr>
+          <a:xfrm>
+            <a:off x="11438455" y="6473697"/>
+            <a:ext cx="753545" cy="365125"/>
+          </a:xfrm>
+        </p:spPr>
+        <p:txBody>
+          <a:bodyPr/>
+          <a:lstStyle/>
+          <a:p>
+            <a:fld id="{D57F1E4F-1CFF-5643-939E-217C01CDF565}" type="slidenum">
+              <a:rPr lang="en-US" smtClean="0"/>
+              <a:pPr/>
+              <a:t>19</a:t>
+            </a:fld>
+            <a:endParaRPr lang="en-US" dirty="0"/>
+          </a:p>
+        </p:txBody>
+      </p:sp>
     </p:spTree>
     <p:extLst>
       <p:ext uri="{BB962C8B-B14F-4D97-AF65-F5344CB8AC3E}">
@@ -23151,7 +21450,263 @@
 </p:sld>
 </file>
 
-<file path=ppt/slides/slide21.xml><?xml version="1.0" encoding="utf-8"?>
+<file path=ppt/slides/slide2.xml><?xml version="1.0" encoding="utf-8"?>
+<p:sld xmlns:a="http://schemas.openxmlformats.org/drawingml/2006/main" xmlns:r="http://schemas.openxmlformats.org/officeDocument/2006/relationships" xmlns:p="http://schemas.openxmlformats.org/presentationml/2006/main">
+  <p:cSld>
+    <p:spTree>
+      <p:nvGrpSpPr>
+        <p:cNvPr id="1" name=""/>
+        <p:cNvGrpSpPr/>
+        <p:nvPr/>
+      </p:nvGrpSpPr>
+      <p:grpSpPr>
+        <a:xfrm>
+          <a:off x="0" y="0"/>
+          <a:ext cx="0" cy="0"/>
+          <a:chOff x="0" y="0"/>
+          <a:chExt cx="0" cy="0"/>
+        </a:xfrm>
+      </p:grpSpPr>
+      <p:sp>
+        <p:nvSpPr>
+          <p:cNvPr id="2" name="Titre 1"/>
+          <p:cNvSpPr>
+            <a:spLocks noGrp="1"/>
+          </p:cNvSpPr>
+          <p:nvPr>
+            <p:ph type="title"/>
+          </p:nvPr>
+        </p:nvSpPr>
+        <p:spPr/>
+        <p:txBody>
+          <a:bodyPr/>
+          <a:lstStyle/>
+          <a:p>
+            <a:pPr algn="l"/>
+            <a:r>
+              <a:rPr lang="fr-FR" dirty="0" smtClean="0"/>
+              <a:t>Sommaire</a:t>
+            </a:r>
+            <a:endParaRPr lang="fr-FR" dirty="0"/>
+          </a:p>
+        </p:txBody>
+      </p:sp>
+      <p:sp>
+        <p:nvSpPr>
+          <p:cNvPr id="5" name="ZoneTexte 4"/>
+          <p:cNvSpPr txBox="1"/>
+          <p:nvPr/>
+        </p:nvSpPr>
+        <p:spPr>
+          <a:xfrm>
+            <a:off x="913795" y="1580050"/>
+            <a:ext cx="10353762" cy="4893647"/>
+          </a:xfrm>
+          <a:prstGeom prst="rect">
+            <a:avLst/>
+          </a:prstGeom>
+          <a:noFill/>
+        </p:spPr>
+        <p:txBody>
+          <a:bodyPr wrap="square" rtlCol="0">
+            <a:spAutoFit/>
+          </a:bodyPr>
+          <a:lstStyle/>
+          <a:p>
+            <a:pPr marL="285750" indent="-285750">
+              <a:buFont typeface="Arial" panose="020B0604020202020204" pitchFamily="34" charset="0"/>
+              <a:buChar char="•"/>
+            </a:pPr>
+            <a:r>
+              <a:rPr lang="fr-FR" sz="2400" dirty="0" smtClean="0"/>
+              <a:t>Membres du groupe</a:t>
+            </a:r>
+          </a:p>
+          <a:p>
+            <a:pPr marL="285750" indent="-285750">
+              <a:buFont typeface="Arial" panose="020B0604020202020204" pitchFamily="34" charset="0"/>
+              <a:buChar char="•"/>
+            </a:pPr>
+            <a:endParaRPr lang="fr-FR" sz="2400" dirty="0"/>
+          </a:p>
+          <a:p>
+            <a:pPr marL="285750" indent="-285750">
+              <a:buFont typeface="Arial" panose="020B0604020202020204" pitchFamily="34" charset="0"/>
+              <a:buChar char="•"/>
+            </a:pPr>
+            <a:r>
+              <a:rPr lang="fr-FR" sz="2400" dirty="0" smtClean="0"/>
+              <a:t>Algorithme</a:t>
+            </a:r>
+          </a:p>
+          <a:p>
+            <a:pPr marL="285750" indent="-285750">
+              <a:buFont typeface="Arial" panose="020B0604020202020204" pitchFamily="34" charset="0"/>
+              <a:buChar char="•"/>
+            </a:pPr>
+            <a:endParaRPr lang="fr-FR" sz="2400" dirty="0"/>
+          </a:p>
+          <a:p>
+            <a:pPr marL="285750" indent="-285750">
+              <a:buFont typeface="Arial" panose="020B0604020202020204" pitchFamily="34" charset="0"/>
+              <a:buChar char="•"/>
+            </a:pPr>
+            <a:r>
+              <a:rPr lang="fr-FR" sz="2400" dirty="0" smtClean="0"/>
+              <a:t>Le Robot</a:t>
+            </a:r>
+            <a:endParaRPr lang="fr-FR" sz="2400" dirty="0"/>
+          </a:p>
+          <a:p>
+            <a:pPr marL="285750" indent="-285750">
+              <a:buFont typeface="Arial" panose="020B0604020202020204" pitchFamily="34" charset="0"/>
+              <a:buChar char="•"/>
+            </a:pPr>
+            <a:endParaRPr lang="fr-FR" sz="2400" dirty="0" smtClean="0"/>
+          </a:p>
+          <a:p>
+            <a:pPr marL="285750" indent="-285750">
+              <a:buFont typeface="Arial" panose="020B0604020202020204" pitchFamily="34" charset="0"/>
+              <a:buChar char="•"/>
+            </a:pPr>
+            <a:r>
+              <a:rPr lang="fr-FR" sz="2400" dirty="0" smtClean="0"/>
+              <a:t>Odométrie</a:t>
+            </a:r>
+          </a:p>
+          <a:p>
+            <a:pPr marL="285750" indent="-285750">
+              <a:buFont typeface="Arial" panose="020B0604020202020204" pitchFamily="34" charset="0"/>
+              <a:buChar char="•"/>
+            </a:pPr>
+            <a:endParaRPr lang="fr-FR" sz="2400" dirty="0"/>
+          </a:p>
+          <a:p>
+            <a:pPr marL="285750" indent="-285750">
+              <a:buFont typeface="Arial" panose="020B0604020202020204" pitchFamily="34" charset="0"/>
+              <a:buChar char="•"/>
+            </a:pPr>
+            <a:r>
+              <a:rPr lang="fr-FR" sz="2400" dirty="0"/>
+              <a:t>Communication</a:t>
+            </a:r>
+          </a:p>
+          <a:p>
+            <a:endParaRPr lang="fr-FR" sz="2400" dirty="0"/>
+          </a:p>
+          <a:p>
+            <a:pPr marL="285750" indent="-285750">
+              <a:buFont typeface="Arial" panose="020B0604020202020204" pitchFamily="34" charset="0"/>
+              <a:buChar char="•"/>
+            </a:pPr>
+            <a:r>
+              <a:rPr lang="fr-FR" sz="2400" dirty="0"/>
+              <a:t>Client </a:t>
+            </a:r>
+            <a:r>
+              <a:rPr lang="fr-FR" sz="2400" dirty="0" smtClean="0"/>
+              <a:t>Web</a:t>
+            </a:r>
+          </a:p>
+          <a:p>
+            <a:pPr marL="285750" indent="-285750">
+              <a:buFont typeface="Arial" panose="020B0604020202020204" pitchFamily="34" charset="0"/>
+              <a:buChar char="•"/>
+            </a:pPr>
+            <a:endParaRPr lang="fr-FR" sz="2400" dirty="0"/>
+          </a:p>
+          <a:p>
+            <a:pPr marL="285750" indent="-285750">
+              <a:buFont typeface="Arial" panose="020B0604020202020204" pitchFamily="34" charset="0"/>
+              <a:buChar char="•"/>
+            </a:pPr>
+            <a:r>
+              <a:rPr lang="fr-FR" sz="2400" dirty="0" smtClean="0"/>
+              <a:t>Conclusion</a:t>
+            </a:r>
+          </a:p>
+        </p:txBody>
+      </p:sp>
+      <p:pic>
+        <p:nvPicPr>
+          <p:cNvPr id="6" name="Image 5"/>
+          <p:cNvPicPr>
+            <a:picLocks noChangeAspect="1"/>
+          </p:cNvPicPr>
+          <p:nvPr/>
+        </p:nvPicPr>
+        <p:blipFill>
+          <a:blip r:embed="rId2">
+            <a:extLst>
+              <a:ext uri="{28A0092B-C50C-407E-A947-70E740481C1C}">
+                <a14:useLocalDpi xmlns:a14="http://schemas.microsoft.com/office/drawing/2010/main" val="0"/>
+              </a:ext>
+            </a:extLst>
+          </a:blip>
+          <a:stretch>
+            <a:fillRect/>
+          </a:stretch>
+        </p:blipFill>
+        <p:spPr>
+          <a:xfrm>
+            <a:off x="5693081" y="1320428"/>
+            <a:ext cx="4824046" cy="4674229"/>
+          </a:xfrm>
+          <a:prstGeom prst="rect">
+            <a:avLst/>
+          </a:prstGeom>
+        </p:spPr>
+      </p:pic>
+      <p:sp>
+        <p:nvSpPr>
+          <p:cNvPr id="3" name="Espace réservé du numéro de diapositive 2"/>
+          <p:cNvSpPr>
+            <a:spLocks noGrp="1"/>
+          </p:cNvSpPr>
+          <p:nvPr>
+            <p:ph type="sldNum" sz="quarter" idx="12"/>
+          </p:nvPr>
+        </p:nvSpPr>
+        <p:spPr>
+          <a:xfrm>
+            <a:off x="11438455" y="6473697"/>
+            <a:ext cx="753545" cy="365125"/>
+          </a:xfrm>
+        </p:spPr>
+        <p:txBody>
+          <a:bodyPr/>
+          <a:lstStyle/>
+          <a:p>
+            <a:fld id="{D57F1E4F-1CFF-5643-939E-217C01CDF565}" type="slidenum">
+              <a:rPr lang="en-US" smtClean="0"/>
+              <a:pPr/>
+              <a:t>2</a:t>
+            </a:fld>
+            <a:endParaRPr lang="en-US" dirty="0"/>
+          </a:p>
+        </p:txBody>
+      </p:sp>
+    </p:spTree>
+    <p:extLst>
+      <p:ext uri="{BB962C8B-B14F-4D97-AF65-F5344CB8AC3E}">
+        <p14:creationId xmlns:p14="http://schemas.microsoft.com/office/powerpoint/2010/main" val="2290834341"/>
+      </p:ext>
+    </p:extLst>
+  </p:cSld>
+  <p:clrMapOvr>
+    <a:masterClrMapping/>
+  </p:clrMapOvr>
+  <p:timing>
+    <p:tnLst>
+      <p:par>
+        <p:cTn id="1" dur="indefinite" restart="never" nodeType="tmRoot"/>
+      </p:par>
+    </p:tnLst>
+  </p:timing>
+</p:sld>
+</file>
+
+<file path=ppt/slides/slide20.xml><?xml version="1.0" encoding="utf-8"?>
 <p:sld xmlns:a="http://schemas.openxmlformats.org/drawingml/2006/main" xmlns:r="http://schemas.openxmlformats.org/officeDocument/2006/relationships" xmlns:p="http://schemas.openxmlformats.org/presentationml/2006/main">
   <p:cSld>
     <p:spTree>
@@ -23285,6 +21840,35 @@
           </a:prstGeom>
         </p:spPr>
       </p:pic>
+      <p:sp>
+        <p:nvSpPr>
+          <p:cNvPr id="3" name="Espace réservé du numéro de diapositive 2"/>
+          <p:cNvSpPr>
+            <a:spLocks noGrp="1"/>
+          </p:cNvSpPr>
+          <p:nvPr>
+            <p:ph type="sldNum" sz="quarter" idx="12"/>
+          </p:nvPr>
+        </p:nvSpPr>
+        <p:spPr>
+          <a:xfrm>
+            <a:off x="11438455" y="6492875"/>
+            <a:ext cx="753545" cy="365125"/>
+          </a:xfrm>
+        </p:spPr>
+        <p:txBody>
+          <a:bodyPr/>
+          <a:lstStyle/>
+          <a:p>
+            <a:fld id="{D57F1E4F-1CFF-5643-939E-217C01CDF565}" type="slidenum">
+              <a:rPr lang="en-US" smtClean="0"/>
+              <a:pPr/>
+              <a:t>20</a:t>
+            </a:fld>
+            <a:endParaRPr lang="en-US" dirty="0"/>
+          </a:p>
+        </p:txBody>
+      </p:sp>
     </p:spTree>
     <p:extLst>
       <p:ext uri="{BB962C8B-B14F-4D97-AF65-F5344CB8AC3E}">
@@ -23305,7 +21889,7 @@
 </p:sld>
 </file>
 
-<file path=ppt/slides/slide22.xml><?xml version="1.0" encoding="utf-8"?>
+<file path=ppt/slides/slide21.xml><?xml version="1.0" encoding="utf-8"?>
 <p:sld xmlns:a="http://schemas.openxmlformats.org/drawingml/2006/main" xmlns:r="http://schemas.openxmlformats.org/officeDocument/2006/relationships" xmlns:p="http://schemas.openxmlformats.org/presentationml/2006/main">
   <p:cSld>
     <p:spTree>
@@ -23369,6 +21953,35 @@
           </a:p>
         </p:txBody>
       </p:sp>
+      <p:sp>
+        <p:nvSpPr>
+          <p:cNvPr id="4" name="Espace réservé du numéro de diapositive 3"/>
+          <p:cNvSpPr>
+            <a:spLocks noGrp="1"/>
+          </p:cNvSpPr>
+          <p:nvPr>
+            <p:ph type="sldNum" sz="quarter" idx="12"/>
+          </p:nvPr>
+        </p:nvSpPr>
+        <p:spPr>
+          <a:xfrm>
+            <a:off x="11438455" y="6492875"/>
+            <a:ext cx="753545" cy="365125"/>
+          </a:xfrm>
+        </p:spPr>
+        <p:txBody>
+          <a:bodyPr/>
+          <a:lstStyle/>
+          <a:p>
+            <a:fld id="{D57F1E4F-1CFF-5643-939E-217C01CDF565}" type="slidenum">
+              <a:rPr lang="en-US" smtClean="0"/>
+              <a:pPr/>
+              <a:t>21</a:t>
+            </a:fld>
+            <a:endParaRPr lang="en-US" dirty="0"/>
+          </a:p>
+        </p:txBody>
+      </p:sp>
     </p:spTree>
     <p:extLst>
       <p:ext uri="{BB962C8B-B14F-4D97-AF65-F5344CB8AC3E}">
@@ -23389,7 +22002,7 @@
 </p:sld>
 </file>
 
-<file path=ppt/slides/slide23.xml><?xml version="1.0" encoding="utf-8"?>
+<file path=ppt/slides/slide22.xml><?xml version="1.0" encoding="utf-8"?>
 <p:sld xmlns:a="http://schemas.openxmlformats.org/drawingml/2006/main" xmlns:r="http://schemas.openxmlformats.org/officeDocument/2006/relationships" xmlns:p="http://schemas.openxmlformats.org/presentationml/2006/main">
   <p:cSld>
     <p:spTree>
@@ -23576,6 +22189,35 @@
           </a:prstGeom>
         </p:spPr>
       </p:pic>
+      <p:sp>
+        <p:nvSpPr>
+          <p:cNvPr id="2" name="Espace réservé du numéro de diapositive 1"/>
+          <p:cNvSpPr>
+            <a:spLocks noGrp="1"/>
+          </p:cNvSpPr>
+          <p:nvPr>
+            <p:ph type="sldNum" sz="quarter" idx="12"/>
+          </p:nvPr>
+        </p:nvSpPr>
+        <p:spPr>
+          <a:xfrm>
+            <a:off x="11438455" y="6473697"/>
+            <a:ext cx="753545" cy="365125"/>
+          </a:xfrm>
+        </p:spPr>
+        <p:txBody>
+          <a:bodyPr/>
+          <a:lstStyle/>
+          <a:p>
+            <a:fld id="{D57F1E4F-1CFF-5643-939E-217C01CDF565}" type="slidenum">
+              <a:rPr lang="en-US" smtClean="0"/>
+              <a:pPr/>
+              <a:t>22</a:t>
+            </a:fld>
+            <a:endParaRPr lang="en-US" dirty="0"/>
+          </a:p>
+        </p:txBody>
+      </p:sp>
     </p:spTree>
     <p:extLst>
       <p:ext uri="{BB962C8B-B14F-4D97-AF65-F5344CB8AC3E}">
@@ -23596,7 +22238,7 @@
 </p:sld>
 </file>
 
-<file path=ppt/slides/slide24.xml><?xml version="1.0" encoding="utf-8"?>
+<file path=ppt/slides/slide23.xml><?xml version="1.0" encoding="utf-8"?>
 <p:sld xmlns:a="http://schemas.openxmlformats.org/drawingml/2006/main" xmlns:r="http://schemas.openxmlformats.org/officeDocument/2006/relationships" xmlns:p="http://schemas.openxmlformats.org/presentationml/2006/main">
   <p:cSld>
     <p:spTree>
@@ -23735,6 +22377,35 @@
           </a:extLst>
         </p:spPr>
       </p:pic>
+      <p:sp>
+        <p:nvSpPr>
+          <p:cNvPr id="5" name="Espace réservé du numéro de diapositive 4"/>
+          <p:cNvSpPr>
+            <a:spLocks noGrp="1"/>
+          </p:cNvSpPr>
+          <p:nvPr>
+            <p:ph type="sldNum" sz="quarter" idx="12"/>
+          </p:nvPr>
+        </p:nvSpPr>
+        <p:spPr>
+          <a:xfrm>
+            <a:off x="11438455" y="6492874"/>
+            <a:ext cx="753545" cy="365125"/>
+          </a:xfrm>
+        </p:spPr>
+        <p:txBody>
+          <a:bodyPr/>
+          <a:lstStyle/>
+          <a:p>
+            <a:fld id="{D57F1E4F-1CFF-5643-939E-217C01CDF565}" type="slidenum">
+              <a:rPr lang="en-US" smtClean="0"/>
+              <a:pPr/>
+              <a:t>23</a:t>
+            </a:fld>
+            <a:endParaRPr lang="en-US" dirty="0"/>
+          </a:p>
+        </p:txBody>
+      </p:sp>
     </p:spTree>
     <p:extLst>
       <p:ext uri="{BB962C8B-B14F-4D97-AF65-F5344CB8AC3E}">
@@ -23942,6 +22613,35 @@
           </a:prstGeom>
         </p:spPr>
       </p:pic>
+      <p:sp>
+        <p:nvSpPr>
+          <p:cNvPr id="2" name="Espace réservé du numéro de diapositive 1"/>
+          <p:cNvSpPr>
+            <a:spLocks noGrp="1"/>
+          </p:cNvSpPr>
+          <p:nvPr>
+            <p:ph type="sldNum" sz="quarter" idx="12"/>
+          </p:nvPr>
+        </p:nvSpPr>
+        <p:spPr>
+          <a:xfrm>
+            <a:off x="11438455" y="6473697"/>
+            <a:ext cx="753545" cy="365125"/>
+          </a:xfrm>
+        </p:spPr>
+        <p:txBody>
+          <a:bodyPr/>
+          <a:lstStyle/>
+          <a:p>
+            <a:fld id="{D57F1E4F-1CFF-5643-939E-217C01CDF565}" type="slidenum">
+              <a:rPr lang="en-US" smtClean="0"/>
+              <a:pPr/>
+              <a:t>3</a:t>
+            </a:fld>
+            <a:endParaRPr lang="en-US" dirty="0"/>
+          </a:p>
+        </p:txBody>
+      </p:sp>
     </p:spTree>
     <p:extLst>
       <p:ext uri="{BB962C8B-B14F-4D97-AF65-F5344CB8AC3E}">
@@ -24028,6 +22728,35 @@
           </a:graphicData>
         </a:graphic>
       </p:graphicFrame>
+      <p:sp>
+        <p:nvSpPr>
+          <p:cNvPr id="3" name="Espace réservé du numéro de diapositive 2"/>
+          <p:cNvSpPr>
+            <a:spLocks noGrp="1"/>
+          </p:cNvSpPr>
+          <p:nvPr>
+            <p:ph type="sldNum" sz="quarter" idx="12"/>
+          </p:nvPr>
+        </p:nvSpPr>
+        <p:spPr>
+          <a:xfrm>
+            <a:off x="11438455" y="6492875"/>
+            <a:ext cx="753545" cy="365125"/>
+          </a:xfrm>
+        </p:spPr>
+        <p:txBody>
+          <a:bodyPr/>
+          <a:lstStyle/>
+          <a:p>
+            <a:fld id="{D57F1E4F-1CFF-5643-939E-217C01CDF565}" type="slidenum">
+              <a:rPr lang="en-US" smtClean="0"/>
+              <a:pPr/>
+              <a:t>4</a:t>
+            </a:fld>
+            <a:endParaRPr lang="en-US" dirty="0"/>
+          </a:p>
+        </p:txBody>
+      </p:sp>
     </p:spTree>
     <p:extLst>
       <p:ext uri="{BB962C8B-B14F-4D97-AF65-F5344CB8AC3E}">
@@ -24235,6 +22964,35 @@
           </a:prstGeom>
         </p:spPr>
       </p:pic>
+      <p:sp>
+        <p:nvSpPr>
+          <p:cNvPr id="2" name="Espace réservé du numéro de diapositive 1"/>
+          <p:cNvSpPr>
+            <a:spLocks noGrp="1"/>
+          </p:cNvSpPr>
+          <p:nvPr>
+            <p:ph type="sldNum" sz="quarter" idx="12"/>
+          </p:nvPr>
+        </p:nvSpPr>
+        <p:spPr>
+          <a:xfrm>
+            <a:off x="11438455" y="6473697"/>
+            <a:ext cx="753545" cy="365125"/>
+          </a:xfrm>
+        </p:spPr>
+        <p:txBody>
+          <a:bodyPr/>
+          <a:lstStyle/>
+          <a:p>
+            <a:fld id="{D57F1E4F-1CFF-5643-939E-217C01CDF565}" type="slidenum">
+              <a:rPr lang="en-US" smtClean="0"/>
+              <a:pPr/>
+              <a:t>5</a:t>
+            </a:fld>
+            <a:endParaRPr lang="en-US" dirty="0"/>
+          </a:p>
+        </p:txBody>
+      </p:sp>
     </p:spTree>
     <p:extLst>
       <p:ext uri="{BB962C8B-B14F-4D97-AF65-F5344CB8AC3E}">
@@ -24726,6 +23484,35 @@
           </a:fontRef>
         </p:style>
       </p:cxnSp>
+      <p:sp>
+        <p:nvSpPr>
+          <p:cNvPr id="3" name="Espace réservé du numéro de diapositive 2"/>
+          <p:cNvSpPr>
+            <a:spLocks noGrp="1"/>
+          </p:cNvSpPr>
+          <p:nvPr>
+            <p:ph type="sldNum" sz="quarter" idx="12"/>
+          </p:nvPr>
+        </p:nvSpPr>
+        <p:spPr>
+          <a:xfrm>
+            <a:off x="11438455" y="6492875"/>
+            <a:ext cx="753545" cy="365125"/>
+          </a:xfrm>
+        </p:spPr>
+        <p:txBody>
+          <a:bodyPr/>
+          <a:lstStyle/>
+          <a:p>
+            <a:fld id="{D57F1E4F-1CFF-5643-939E-217C01CDF565}" type="slidenum">
+              <a:rPr lang="en-US" smtClean="0"/>
+              <a:pPr/>
+              <a:t>6</a:t>
+            </a:fld>
+            <a:endParaRPr lang="en-US" dirty="0"/>
+          </a:p>
+        </p:txBody>
+      </p:sp>
     </p:spTree>
     <p:extLst>
       <p:ext uri="{BB962C8B-B14F-4D97-AF65-F5344CB8AC3E}">
@@ -25331,7 +24118,15 @@
           <a:p>
             <a:r>
               <a:rPr lang="fr-FR" dirty="0" smtClean="0"/>
-              <a:t>Balayage 45°</a:t>
+              <a:t>Balayage </a:t>
+            </a:r>
+            <a:r>
+              <a:rPr lang="fr-FR" dirty="0" smtClean="0"/>
+              <a:t>60</a:t>
+            </a:r>
+            <a:r>
+              <a:rPr lang="fr-FR" dirty="0" smtClean="0"/>
+              <a:t>°</a:t>
             </a:r>
             <a:endParaRPr lang="fr-FR" dirty="0"/>
           </a:p>
@@ -25451,7 +24246,15 @@
           <a:p>
             <a:r>
               <a:rPr lang="fr-FR" dirty="0" smtClean="0"/>
-              <a:t>Balayage 45°</a:t>
+              <a:t>Balayage </a:t>
+            </a:r>
+            <a:r>
+              <a:rPr lang="fr-FR" dirty="0" smtClean="0"/>
+              <a:t>60</a:t>
+            </a:r>
+            <a:r>
+              <a:rPr lang="fr-FR" dirty="0" smtClean="0"/>
+              <a:t>°</a:t>
             </a:r>
             <a:endParaRPr lang="fr-FR" dirty="0"/>
           </a:p>
@@ -25484,6 +24287,35 @@
               <a:t>Avancer</a:t>
             </a:r>
             <a:endParaRPr lang="fr-FR" dirty="0"/>
+          </a:p>
+        </p:txBody>
+      </p:sp>
+      <p:sp>
+        <p:nvSpPr>
+          <p:cNvPr id="3" name="Espace réservé du numéro de diapositive 2"/>
+          <p:cNvSpPr>
+            <a:spLocks noGrp="1"/>
+          </p:cNvSpPr>
+          <p:nvPr>
+            <p:ph type="sldNum" sz="quarter" idx="12"/>
+          </p:nvPr>
+        </p:nvSpPr>
+        <p:spPr>
+          <a:xfrm>
+            <a:off x="11438455" y="6476981"/>
+            <a:ext cx="753545" cy="365125"/>
+          </a:xfrm>
+        </p:spPr>
+        <p:txBody>
+          <a:bodyPr/>
+          <a:lstStyle/>
+          <a:p>
+            <a:fld id="{D57F1E4F-1CFF-5643-939E-217C01CDF565}" type="slidenum">
+              <a:rPr lang="en-US" smtClean="0"/>
+              <a:pPr/>
+              <a:t>7</a:t>
+            </a:fld>
+            <a:endParaRPr lang="en-US" dirty="0"/>
           </a:p>
         </p:txBody>
       </p:sp>
@@ -26889,6 +25721,35 @@
           </a:prstGeom>
         </p:spPr>
       </p:pic>
+      <p:sp>
+        <p:nvSpPr>
+          <p:cNvPr id="2" name="Espace réservé du numéro de diapositive 1"/>
+          <p:cNvSpPr>
+            <a:spLocks noGrp="1"/>
+          </p:cNvSpPr>
+          <p:nvPr>
+            <p:ph type="sldNum" sz="quarter" idx="12"/>
+          </p:nvPr>
+        </p:nvSpPr>
+        <p:spPr>
+          <a:xfrm>
+            <a:off x="11438455" y="6473697"/>
+            <a:ext cx="753545" cy="365125"/>
+          </a:xfrm>
+        </p:spPr>
+        <p:txBody>
+          <a:bodyPr/>
+          <a:lstStyle/>
+          <a:p>
+            <a:fld id="{D57F1E4F-1CFF-5643-939E-217C01CDF565}" type="slidenum">
+              <a:rPr lang="en-US" smtClean="0"/>
+              <a:pPr/>
+              <a:t>8</a:t>
+            </a:fld>
+            <a:endParaRPr lang="en-US" dirty="0"/>
+          </a:p>
+        </p:txBody>
+      </p:sp>
     </p:spTree>
     <p:extLst>
       <p:ext uri="{BB962C8B-B14F-4D97-AF65-F5344CB8AC3E}">
@@ -26944,7 +25805,15 @@
             <a:pPr algn="l"/>
             <a:r>
               <a:rPr lang="fr-FR" dirty="0" smtClean="0"/>
-              <a:t>Le robot</a:t>
+              <a:t>Le robot – </a:t>
+            </a:r>
+            <a:r>
+              <a:rPr lang="fr-FR" dirty="0" smtClean="0"/>
+              <a:t>L’</a:t>
+            </a:r>
+            <a:r>
+              <a:rPr lang="fr-FR" dirty="0" err="1" smtClean="0"/>
+              <a:t>Arduino</a:t>
             </a:r>
             <a:endParaRPr lang="fr-FR" dirty="0"/>
           </a:p>
@@ -26965,32 +25834,43 @@
           <a:bodyPr/>
           <a:lstStyle/>
           <a:p>
-            <a:r>
-              <a:rPr lang="fr-FR" dirty="0" smtClean="0"/>
-              <a:t>Le microcontrôleur</a:t>
-            </a:r>
-          </a:p>
-          <a:p>
-            <a:r>
-              <a:rPr lang="fr-FR" dirty="0" smtClean="0"/>
-              <a:t>Les moteurs</a:t>
-            </a:r>
-          </a:p>
-          <a:p>
-            <a:r>
-              <a:rPr lang="fr-FR" dirty="0" smtClean="0"/>
-              <a:t>Le capteur</a:t>
-            </a:r>
-          </a:p>
-          <a:p>
             <a:endParaRPr lang="fr-FR" dirty="0"/>
+          </a:p>
+        </p:txBody>
+      </p:sp>
+      <p:sp>
+        <p:nvSpPr>
+          <p:cNvPr id="4" name="Espace réservé du numéro de diapositive 3"/>
+          <p:cNvSpPr>
+            <a:spLocks noGrp="1"/>
+          </p:cNvSpPr>
+          <p:nvPr>
+            <p:ph type="sldNum" sz="quarter" idx="12"/>
+          </p:nvPr>
+        </p:nvSpPr>
+        <p:spPr>
+          <a:xfrm>
+            <a:off x="11438455" y="6492875"/>
+            <a:ext cx="753545" cy="365125"/>
+          </a:xfrm>
+        </p:spPr>
+        <p:txBody>
+          <a:bodyPr/>
+          <a:lstStyle/>
+          <a:p>
+            <a:fld id="{D57F1E4F-1CFF-5643-939E-217C01CDF565}" type="slidenum">
+              <a:rPr lang="en-US" smtClean="0"/>
+              <a:pPr/>
+              <a:t>9</a:t>
+            </a:fld>
+            <a:endParaRPr lang="en-US" dirty="0"/>
           </a:p>
         </p:txBody>
       </p:sp>
     </p:spTree>
     <p:extLst>
       <p:ext uri="{BB962C8B-B14F-4D97-AF65-F5344CB8AC3E}">
-        <p14:creationId xmlns:p14="http://schemas.microsoft.com/office/powerpoint/2010/main" val="2120670570"/>
+        <p14:creationId xmlns:p14="http://schemas.microsoft.com/office/powerpoint/2010/main" val="2985243064"/>
       </p:ext>
     </p:extLst>
   </p:cSld>

--- a/Gestion projet/Projet intégration robotique – IMERIR.pptx
+++ b/Gestion projet/Projet intégration robotique – IMERIR.pptx
@@ -885,6 +885,1500 @@
 </file>
 
 <file path=ppt/diagrams/colors2.xml><?xml version="1.0" encoding="utf-8"?>
+<dgm:colorsDef xmlns:dgm="http://schemas.openxmlformats.org/drawingml/2006/diagram" xmlns:a="http://schemas.openxmlformats.org/drawingml/2006/main" uniqueId="urn:microsoft.com/office/officeart/2005/8/colors/accent1_2">
+  <dgm:title val=""/>
+  <dgm:desc val=""/>
+  <dgm:catLst>
+    <dgm:cat type="accent1" pri="11200"/>
+  </dgm:catLst>
+  <dgm:styleLbl name="node0">
+    <dgm:fillClrLst meth="repeat">
+      <a:schemeClr val="accent1"/>
+    </dgm:fillClrLst>
+    <dgm:linClrLst meth="repeat">
+      <a:schemeClr val="lt1"/>
+    </dgm:linClrLst>
+    <dgm:effectClrLst/>
+    <dgm:txLinClrLst/>
+    <dgm:txFillClrLst/>
+    <dgm:txEffectClrLst/>
+  </dgm:styleLbl>
+  <dgm:styleLbl name="alignNode1">
+    <dgm:fillClrLst meth="repeat">
+      <a:schemeClr val="accent1"/>
+    </dgm:fillClrLst>
+    <dgm:linClrLst meth="repeat">
+      <a:schemeClr val="accent1"/>
+    </dgm:linClrLst>
+    <dgm:effectClrLst/>
+    <dgm:txLinClrLst/>
+    <dgm:txFillClrLst/>
+    <dgm:txEffectClrLst/>
+  </dgm:styleLbl>
+  <dgm:styleLbl name="node1">
+    <dgm:fillClrLst meth="repeat">
+      <a:schemeClr val="accent1"/>
+    </dgm:fillClrLst>
+    <dgm:linClrLst meth="repeat">
+      <a:schemeClr val="lt1"/>
+    </dgm:linClrLst>
+    <dgm:effectClrLst/>
+    <dgm:txLinClrLst/>
+    <dgm:txFillClrLst/>
+    <dgm:txEffectClrLst/>
+  </dgm:styleLbl>
+  <dgm:styleLbl name="lnNode1">
+    <dgm:fillClrLst meth="repeat">
+      <a:schemeClr val="accent1"/>
+    </dgm:fillClrLst>
+    <dgm:linClrLst meth="repeat">
+      <a:schemeClr val="lt1"/>
+    </dgm:linClrLst>
+    <dgm:effectClrLst/>
+    <dgm:txLinClrLst/>
+    <dgm:txFillClrLst/>
+    <dgm:txEffectClrLst/>
+  </dgm:styleLbl>
+  <dgm:styleLbl name="vennNode1">
+    <dgm:fillClrLst meth="repeat">
+      <a:schemeClr val="accent1">
+        <a:alpha val="50000"/>
+      </a:schemeClr>
+    </dgm:fillClrLst>
+    <dgm:linClrLst meth="repeat">
+      <a:schemeClr val="lt1"/>
+    </dgm:linClrLst>
+    <dgm:effectClrLst/>
+    <dgm:txLinClrLst/>
+    <dgm:txFillClrLst/>
+    <dgm:txEffectClrLst/>
+  </dgm:styleLbl>
+  <dgm:styleLbl name="node2">
+    <dgm:fillClrLst meth="repeat">
+      <a:schemeClr val="accent1"/>
+    </dgm:fillClrLst>
+    <dgm:linClrLst meth="repeat">
+      <a:schemeClr val="lt1"/>
+    </dgm:linClrLst>
+    <dgm:effectClrLst/>
+    <dgm:txLinClrLst/>
+    <dgm:txFillClrLst/>
+    <dgm:txEffectClrLst/>
+  </dgm:styleLbl>
+  <dgm:styleLbl name="node3">
+    <dgm:fillClrLst meth="repeat">
+      <a:schemeClr val="accent1"/>
+    </dgm:fillClrLst>
+    <dgm:linClrLst meth="repeat">
+      <a:schemeClr val="lt1"/>
+    </dgm:linClrLst>
+    <dgm:effectClrLst/>
+    <dgm:txLinClrLst/>
+    <dgm:txFillClrLst/>
+    <dgm:txEffectClrLst/>
+  </dgm:styleLbl>
+  <dgm:styleLbl name="node4">
+    <dgm:fillClrLst meth="repeat">
+      <a:schemeClr val="accent1"/>
+    </dgm:fillClrLst>
+    <dgm:linClrLst meth="repeat">
+      <a:schemeClr val="lt1"/>
+    </dgm:linClrLst>
+    <dgm:effectClrLst/>
+    <dgm:txLinClrLst/>
+    <dgm:txFillClrLst/>
+    <dgm:txEffectClrLst/>
+  </dgm:styleLbl>
+  <dgm:styleLbl name="fgImgPlace1">
+    <dgm:fillClrLst meth="repeat">
+      <a:schemeClr val="accent1">
+        <a:tint val="50000"/>
+      </a:schemeClr>
+    </dgm:fillClrLst>
+    <dgm:linClrLst meth="repeat">
+      <a:schemeClr val="lt1"/>
+    </dgm:linClrLst>
+    <dgm:effectClrLst/>
+    <dgm:txLinClrLst/>
+    <dgm:txFillClrLst meth="repeat">
+      <a:schemeClr val="lt1"/>
+    </dgm:txFillClrLst>
+    <dgm:txEffectClrLst/>
+  </dgm:styleLbl>
+  <dgm:styleLbl name="alignImgPlace1">
+    <dgm:fillClrLst meth="repeat">
+      <a:schemeClr val="accent1">
+        <a:tint val="50000"/>
+      </a:schemeClr>
+    </dgm:fillClrLst>
+    <dgm:linClrLst meth="repeat">
+      <a:schemeClr val="lt1"/>
+    </dgm:linClrLst>
+    <dgm:effectClrLst/>
+    <dgm:txLinClrLst/>
+    <dgm:txFillClrLst meth="repeat">
+      <a:schemeClr val="lt1"/>
+    </dgm:txFillClrLst>
+    <dgm:txEffectClrLst/>
+  </dgm:styleLbl>
+  <dgm:styleLbl name="bgImgPlace1">
+    <dgm:fillClrLst meth="repeat">
+      <a:schemeClr val="accent1">
+        <a:tint val="50000"/>
+      </a:schemeClr>
+    </dgm:fillClrLst>
+    <dgm:linClrLst meth="repeat">
+      <a:schemeClr val="lt1"/>
+    </dgm:linClrLst>
+    <dgm:effectClrLst/>
+    <dgm:txLinClrLst/>
+    <dgm:txFillClrLst meth="repeat">
+      <a:schemeClr val="lt1"/>
+    </dgm:txFillClrLst>
+    <dgm:txEffectClrLst/>
+  </dgm:styleLbl>
+  <dgm:styleLbl name="sibTrans2D1">
+    <dgm:fillClrLst meth="repeat">
+      <a:schemeClr val="accent1">
+        <a:tint val="60000"/>
+      </a:schemeClr>
+    </dgm:fillClrLst>
+    <dgm:linClrLst meth="repeat">
+      <a:schemeClr val="accent1">
+        <a:tint val="60000"/>
+      </a:schemeClr>
+    </dgm:linClrLst>
+    <dgm:effectClrLst/>
+    <dgm:txLinClrLst/>
+    <dgm:txFillClrLst/>
+    <dgm:txEffectClrLst/>
+  </dgm:styleLbl>
+  <dgm:styleLbl name="fgSibTrans2D1">
+    <dgm:fillClrLst meth="repeat">
+      <a:schemeClr val="accent1">
+        <a:tint val="60000"/>
+      </a:schemeClr>
+    </dgm:fillClrLst>
+    <dgm:linClrLst meth="repeat">
+      <a:schemeClr val="accent1">
+        <a:tint val="60000"/>
+      </a:schemeClr>
+    </dgm:linClrLst>
+    <dgm:effectClrLst/>
+    <dgm:txLinClrLst/>
+    <dgm:txFillClrLst/>
+    <dgm:txEffectClrLst/>
+  </dgm:styleLbl>
+  <dgm:styleLbl name="bgSibTrans2D1">
+    <dgm:fillClrLst meth="repeat">
+      <a:schemeClr val="accent1">
+        <a:tint val="60000"/>
+      </a:schemeClr>
+    </dgm:fillClrLst>
+    <dgm:linClrLst meth="repeat">
+      <a:schemeClr val="accent1">
+        <a:tint val="60000"/>
+      </a:schemeClr>
+    </dgm:linClrLst>
+    <dgm:effectClrLst/>
+    <dgm:txLinClrLst/>
+    <dgm:txFillClrLst/>
+    <dgm:txEffectClrLst/>
+  </dgm:styleLbl>
+  <dgm:styleLbl name="sibTrans1D1">
+    <dgm:fillClrLst meth="repeat">
+      <a:schemeClr val="accent1"/>
+    </dgm:fillClrLst>
+    <dgm:linClrLst meth="repeat">
+      <a:schemeClr val="accent1"/>
+    </dgm:linClrLst>
+    <dgm:effectClrLst/>
+    <dgm:txLinClrLst/>
+    <dgm:txFillClrLst meth="repeat">
+      <a:schemeClr val="tx1"/>
+    </dgm:txFillClrLst>
+    <dgm:txEffectClrLst/>
+  </dgm:styleLbl>
+  <dgm:styleLbl name="callout">
+    <dgm:fillClrLst meth="repeat">
+      <a:schemeClr val="accent1"/>
+    </dgm:fillClrLst>
+    <dgm:linClrLst meth="repeat">
+      <a:schemeClr val="accent1">
+        <a:tint val="50000"/>
+      </a:schemeClr>
+    </dgm:linClrLst>
+    <dgm:effectClrLst/>
+    <dgm:txLinClrLst/>
+    <dgm:txFillClrLst meth="repeat">
+      <a:schemeClr val="tx1"/>
+    </dgm:txFillClrLst>
+    <dgm:txEffectClrLst/>
+  </dgm:styleLbl>
+  <dgm:styleLbl name="asst0">
+    <dgm:fillClrLst meth="repeat">
+      <a:schemeClr val="accent1"/>
+    </dgm:fillClrLst>
+    <dgm:linClrLst meth="repeat">
+      <a:schemeClr val="lt1"/>
+    </dgm:linClrLst>
+    <dgm:effectClrLst/>
+    <dgm:txLinClrLst/>
+    <dgm:txFillClrLst/>
+    <dgm:txEffectClrLst/>
+  </dgm:styleLbl>
+  <dgm:styleLbl name="asst1">
+    <dgm:fillClrLst meth="repeat">
+      <a:schemeClr val="accent1"/>
+    </dgm:fillClrLst>
+    <dgm:linClrLst meth="repeat">
+      <a:schemeClr val="lt1"/>
+    </dgm:linClrLst>
+    <dgm:effectClrLst/>
+    <dgm:txLinClrLst/>
+    <dgm:txFillClrLst/>
+    <dgm:txEffectClrLst/>
+  </dgm:styleLbl>
+  <dgm:styleLbl name="asst2">
+    <dgm:fillClrLst meth="repeat">
+      <a:schemeClr val="accent1"/>
+    </dgm:fillClrLst>
+    <dgm:linClrLst meth="repeat">
+      <a:schemeClr val="lt1"/>
+    </dgm:linClrLst>
+    <dgm:effectClrLst/>
+    <dgm:txLinClrLst/>
+    <dgm:txFillClrLst/>
+    <dgm:txEffectClrLst/>
+  </dgm:styleLbl>
+  <dgm:styleLbl name="asst3">
+    <dgm:fillClrLst meth="repeat">
+      <a:schemeClr val="accent1"/>
+    </dgm:fillClrLst>
+    <dgm:linClrLst meth="repeat">
+      <a:schemeClr val="lt1"/>
+    </dgm:linClrLst>
+    <dgm:effectClrLst/>
+    <dgm:txLinClrLst/>
+    <dgm:txFillClrLst/>
+    <dgm:txEffectClrLst/>
+  </dgm:styleLbl>
+  <dgm:styleLbl name="asst4">
+    <dgm:fillClrLst meth="repeat">
+      <a:schemeClr val="accent1"/>
+    </dgm:fillClrLst>
+    <dgm:linClrLst meth="repeat">
+      <a:schemeClr val="lt1"/>
+    </dgm:linClrLst>
+    <dgm:effectClrLst/>
+    <dgm:txLinClrLst/>
+    <dgm:txFillClrLst/>
+    <dgm:txEffectClrLst/>
+  </dgm:styleLbl>
+  <dgm:styleLbl name="parChTrans2D1">
+    <dgm:fillClrLst meth="repeat">
+      <a:schemeClr val="accent1">
+        <a:tint val="60000"/>
+      </a:schemeClr>
+    </dgm:fillClrLst>
+    <dgm:linClrLst meth="repeat">
+      <a:schemeClr val="accent1">
+        <a:tint val="60000"/>
+      </a:schemeClr>
+    </dgm:linClrLst>
+    <dgm:effectClrLst/>
+    <dgm:txLinClrLst/>
+    <dgm:txFillClrLst meth="repeat">
+      <a:schemeClr val="lt1"/>
+    </dgm:txFillClrLst>
+    <dgm:txEffectClrLst/>
+  </dgm:styleLbl>
+  <dgm:styleLbl name="parChTrans2D2">
+    <dgm:fillClrLst meth="repeat">
+      <a:schemeClr val="accent1"/>
+    </dgm:fillClrLst>
+    <dgm:linClrLst meth="repeat">
+      <a:schemeClr val="accent1"/>
+    </dgm:linClrLst>
+    <dgm:effectClrLst/>
+    <dgm:txLinClrLst/>
+    <dgm:txFillClrLst meth="repeat">
+      <a:schemeClr val="lt1"/>
+    </dgm:txFillClrLst>
+    <dgm:txEffectClrLst/>
+  </dgm:styleLbl>
+  <dgm:styleLbl name="parChTrans2D3">
+    <dgm:fillClrLst meth="repeat">
+      <a:schemeClr val="accent1"/>
+    </dgm:fillClrLst>
+    <dgm:linClrLst meth="repeat">
+      <a:schemeClr val="accent1"/>
+    </dgm:linClrLst>
+    <dgm:effectClrLst/>
+    <dgm:txLinClrLst/>
+    <dgm:txFillClrLst meth="repeat">
+      <a:schemeClr val="lt1"/>
+    </dgm:txFillClrLst>
+    <dgm:txEffectClrLst/>
+  </dgm:styleLbl>
+  <dgm:styleLbl name="parChTrans2D4">
+    <dgm:fillClrLst meth="repeat">
+      <a:schemeClr val="accent1"/>
+    </dgm:fillClrLst>
+    <dgm:linClrLst meth="repeat">
+      <a:schemeClr val="accent1"/>
+    </dgm:linClrLst>
+    <dgm:effectClrLst/>
+    <dgm:txLinClrLst/>
+    <dgm:txFillClrLst meth="repeat">
+      <a:schemeClr val="lt1"/>
+    </dgm:txFillClrLst>
+    <dgm:txEffectClrLst/>
+  </dgm:styleLbl>
+  <dgm:styleLbl name="parChTrans1D1">
+    <dgm:fillClrLst meth="repeat">
+      <a:schemeClr val="accent1"/>
+    </dgm:fillClrLst>
+    <dgm:linClrLst meth="repeat">
+      <a:schemeClr val="accent1">
+        <a:shade val="60000"/>
+      </a:schemeClr>
+    </dgm:linClrLst>
+    <dgm:effectClrLst/>
+    <dgm:txLinClrLst/>
+    <dgm:txFillClrLst meth="repeat">
+      <a:schemeClr val="tx1"/>
+    </dgm:txFillClrLst>
+    <dgm:txEffectClrLst/>
+  </dgm:styleLbl>
+  <dgm:styleLbl name="parChTrans1D2">
+    <dgm:fillClrLst meth="repeat">
+      <a:schemeClr val="accent1"/>
+    </dgm:fillClrLst>
+    <dgm:linClrLst meth="repeat">
+      <a:schemeClr val="accent1">
+        <a:shade val="60000"/>
+      </a:schemeClr>
+    </dgm:linClrLst>
+    <dgm:effectClrLst/>
+    <dgm:txLinClrLst/>
+    <dgm:txFillClrLst meth="repeat">
+      <a:schemeClr val="tx1"/>
+    </dgm:txFillClrLst>
+    <dgm:txEffectClrLst/>
+  </dgm:styleLbl>
+  <dgm:styleLbl name="parChTrans1D3">
+    <dgm:fillClrLst meth="repeat">
+      <a:schemeClr val="accent1"/>
+    </dgm:fillClrLst>
+    <dgm:linClrLst meth="repeat">
+      <a:schemeClr val="accent1">
+        <a:shade val="80000"/>
+      </a:schemeClr>
+    </dgm:linClrLst>
+    <dgm:effectClrLst/>
+    <dgm:txLinClrLst/>
+    <dgm:txFillClrLst meth="repeat">
+      <a:schemeClr val="tx1"/>
+    </dgm:txFillClrLst>
+    <dgm:txEffectClrLst/>
+  </dgm:styleLbl>
+  <dgm:styleLbl name="parChTrans1D4">
+    <dgm:fillClrLst meth="repeat">
+      <a:schemeClr val="accent1"/>
+    </dgm:fillClrLst>
+    <dgm:linClrLst meth="repeat">
+      <a:schemeClr val="accent1">
+        <a:shade val="80000"/>
+      </a:schemeClr>
+    </dgm:linClrLst>
+    <dgm:effectClrLst/>
+    <dgm:txLinClrLst/>
+    <dgm:txFillClrLst meth="repeat">
+      <a:schemeClr val="tx1"/>
+    </dgm:txFillClrLst>
+    <dgm:txEffectClrLst/>
+  </dgm:styleLbl>
+  <dgm:styleLbl name="fgAcc1">
+    <dgm:fillClrLst meth="repeat">
+      <a:schemeClr val="lt1">
+        <a:alpha val="90000"/>
+      </a:schemeClr>
+    </dgm:fillClrLst>
+    <dgm:linClrLst meth="repeat">
+      <a:schemeClr val="accent1"/>
+    </dgm:linClrLst>
+    <dgm:effectClrLst/>
+    <dgm:txLinClrLst/>
+    <dgm:txFillClrLst meth="repeat">
+      <a:schemeClr val="dk1"/>
+    </dgm:txFillClrLst>
+    <dgm:txEffectClrLst/>
+  </dgm:styleLbl>
+  <dgm:styleLbl name="conFgAcc1">
+    <dgm:fillClrLst meth="repeat">
+      <a:schemeClr val="lt1">
+        <a:alpha val="90000"/>
+      </a:schemeClr>
+    </dgm:fillClrLst>
+    <dgm:linClrLst meth="repeat">
+      <a:schemeClr val="accent1"/>
+    </dgm:linClrLst>
+    <dgm:effectClrLst/>
+    <dgm:txLinClrLst/>
+    <dgm:txFillClrLst meth="repeat">
+      <a:schemeClr val="dk1"/>
+    </dgm:txFillClrLst>
+    <dgm:txEffectClrLst/>
+  </dgm:styleLbl>
+  <dgm:styleLbl name="alignAcc1">
+    <dgm:fillClrLst meth="repeat">
+      <a:schemeClr val="lt1">
+        <a:alpha val="90000"/>
+      </a:schemeClr>
+    </dgm:fillClrLst>
+    <dgm:linClrLst meth="repeat">
+      <a:schemeClr val="accent1"/>
+    </dgm:linClrLst>
+    <dgm:effectClrLst/>
+    <dgm:txLinClrLst/>
+    <dgm:txFillClrLst meth="repeat">
+      <a:schemeClr val="dk1"/>
+    </dgm:txFillClrLst>
+    <dgm:txEffectClrLst/>
+  </dgm:styleLbl>
+  <dgm:styleLbl name="trAlignAcc1">
+    <dgm:fillClrLst meth="repeat">
+      <a:schemeClr val="lt1">
+        <a:alpha val="40000"/>
+      </a:schemeClr>
+    </dgm:fillClrLst>
+    <dgm:linClrLst meth="repeat">
+      <a:schemeClr val="accent1"/>
+    </dgm:linClrLst>
+    <dgm:effectClrLst/>
+    <dgm:txLinClrLst/>
+    <dgm:txFillClrLst meth="repeat">
+      <a:schemeClr val="dk1"/>
+    </dgm:txFillClrLst>
+    <dgm:txEffectClrLst/>
+  </dgm:styleLbl>
+  <dgm:styleLbl name="bgAcc1">
+    <dgm:fillClrLst meth="repeat">
+      <a:schemeClr val="lt1">
+        <a:alpha val="90000"/>
+      </a:schemeClr>
+    </dgm:fillClrLst>
+    <dgm:linClrLst meth="repeat">
+      <a:schemeClr val="accent1"/>
+    </dgm:linClrLst>
+    <dgm:effectClrLst/>
+    <dgm:txLinClrLst/>
+    <dgm:txFillClrLst meth="repeat">
+      <a:schemeClr val="dk1"/>
+    </dgm:txFillClrLst>
+    <dgm:txEffectClrLst/>
+  </dgm:styleLbl>
+  <dgm:styleLbl name="solidFgAcc1">
+    <dgm:fillClrLst meth="repeat">
+      <a:schemeClr val="lt1"/>
+    </dgm:fillClrLst>
+    <dgm:linClrLst meth="repeat">
+      <a:schemeClr val="accent1"/>
+    </dgm:linClrLst>
+    <dgm:effectClrLst/>
+    <dgm:txLinClrLst/>
+    <dgm:txFillClrLst meth="repeat">
+      <a:schemeClr val="dk1"/>
+    </dgm:txFillClrLst>
+    <dgm:txEffectClrLst/>
+  </dgm:styleLbl>
+  <dgm:styleLbl name="solidAlignAcc1">
+    <dgm:fillClrLst meth="repeat">
+      <a:schemeClr val="lt1"/>
+    </dgm:fillClrLst>
+    <dgm:linClrLst meth="repeat">
+      <a:schemeClr val="accent1"/>
+    </dgm:linClrLst>
+    <dgm:effectClrLst/>
+    <dgm:txLinClrLst/>
+    <dgm:txFillClrLst meth="repeat">
+      <a:schemeClr val="dk1"/>
+    </dgm:txFillClrLst>
+    <dgm:txEffectClrLst/>
+  </dgm:styleLbl>
+  <dgm:styleLbl name="solidBgAcc1">
+    <dgm:fillClrLst meth="repeat">
+      <a:schemeClr val="lt1"/>
+    </dgm:fillClrLst>
+    <dgm:linClrLst meth="repeat">
+      <a:schemeClr val="accent1"/>
+    </dgm:linClrLst>
+    <dgm:effectClrLst/>
+    <dgm:txLinClrLst/>
+    <dgm:txFillClrLst meth="repeat">
+      <a:schemeClr val="dk1"/>
+    </dgm:txFillClrLst>
+    <dgm:txEffectClrLst/>
+  </dgm:styleLbl>
+  <dgm:styleLbl name="fgAccFollowNode1">
+    <dgm:fillClrLst meth="repeat">
+      <a:schemeClr val="accent1">
+        <a:alpha val="90000"/>
+        <a:tint val="40000"/>
+      </a:schemeClr>
+    </dgm:fillClrLst>
+    <dgm:linClrLst meth="repeat">
+      <a:schemeClr val="accent1">
+        <a:alpha val="90000"/>
+        <a:tint val="40000"/>
+      </a:schemeClr>
+    </dgm:linClrLst>
+    <dgm:effectClrLst/>
+    <dgm:txLinClrLst/>
+    <dgm:txFillClrLst meth="repeat">
+      <a:schemeClr val="dk1"/>
+    </dgm:txFillClrLst>
+    <dgm:txEffectClrLst/>
+  </dgm:styleLbl>
+  <dgm:styleLbl name="alignAccFollowNode1">
+    <dgm:fillClrLst meth="repeat">
+      <a:schemeClr val="accent1">
+        <a:alpha val="90000"/>
+        <a:tint val="40000"/>
+      </a:schemeClr>
+    </dgm:fillClrLst>
+    <dgm:linClrLst meth="repeat">
+      <a:schemeClr val="accent1">
+        <a:alpha val="90000"/>
+        <a:tint val="40000"/>
+      </a:schemeClr>
+    </dgm:linClrLst>
+    <dgm:effectClrLst/>
+    <dgm:txLinClrLst/>
+    <dgm:txFillClrLst meth="repeat">
+      <a:schemeClr val="dk1"/>
+    </dgm:txFillClrLst>
+    <dgm:txEffectClrLst/>
+  </dgm:styleLbl>
+  <dgm:styleLbl name="bgAccFollowNode1">
+    <dgm:fillClrLst meth="repeat">
+      <a:schemeClr val="accent1">
+        <a:alpha val="90000"/>
+        <a:tint val="40000"/>
+      </a:schemeClr>
+    </dgm:fillClrLst>
+    <dgm:linClrLst meth="repeat">
+      <a:schemeClr val="accent1">
+        <a:alpha val="90000"/>
+        <a:tint val="40000"/>
+      </a:schemeClr>
+    </dgm:linClrLst>
+    <dgm:effectClrLst/>
+    <dgm:txLinClrLst/>
+    <dgm:txFillClrLst meth="repeat">
+      <a:schemeClr val="dk1"/>
+    </dgm:txFillClrLst>
+    <dgm:txEffectClrLst/>
+  </dgm:styleLbl>
+  <dgm:styleLbl name="fgAcc0">
+    <dgm:fillClrLst meth="repeat">
+      <a:schemeClr val="lt1">
+        <a:alpha val="90000"/>
+      </a:schemeClr>
+    </dgm:fillClrLst>
+    <dgm:linClrLst meth="repeat">
+      <a:schemeClr val="accent1"/>
+    </dgm:linClrLst>
+    <dgm:effectClrLst/>
+    <dgm:txLinClrLst/>
+    <dgm:txFillClrLst meth="repeat">
+      <a:schemeClr val="dk1"/>
+    </dgm:txFillClrLst>
+    <dgm:txEffectClrLst/>
+  </dgm:styleLbl>
+  <dgm:styleLbl name="fgAcc2">
+    <dgm:fillClrLst meth="repeat">
+      <a:schemeClr val="lt1">
+        <a:alpha val="90000"/>
+      </a:schemeClr>
+    </dgm:fillClrLst>
+    <dgm:linClrLst meth="repeat">
+      <a:schemeClr val="accent1"/>
+    </dgm:linClrLst>
+    <dgm:effectClrLst/>
+    <dgm:txLinClrLst/>
+    <dgm:txFillClrLst meth="repeat">
+      <a:schemeClr val="dk1"/>
+    </dgm:txFillClrLst>
+    <dgm:txEffectClrLst/>
+  </dgm:styleLbl>
+  <dgm:styleLbl name="fgAcc3">
+    <dgm:fillClrLst meth="repeat">
+      <a:schemeClr val="lt1">
+        <a:alpha val="90000"/>
+      </a:schemeClr>
+    </dgm:fillClrLst>
+    <dgm:linClrLst meth="repeat">
+      <a:schemeClr val="accent1"/>
+    </dgm:linClrLst>
+    <dgm:effectClrLst/>
+    <dgm:txLinClrLst/>
+    <dgm:txFillClrLst meth="repeat">
+      <a:schemeClr val="dk1"/>
+    </dgm:txFillClrLst>
+    <dgm:txEffectClrLst/>
+  </dgm:styleLbl>
+  <dgm:styleLbl name="fgAcc4">
+    <dgm:fillClrLst meth="repeat">
+      <a:schemeClr val="lt1">
+        <a:alpha val="90000"/>
+      </a:schemeClr>
+    </dgm:fillClrLst>
+    <dgm:linClrLst meth="repeat">
+      <a:schemeClr val="accent1"/>
+    </dgm:linClrLst>
+    <dgm:effectClrLst/>
+    <dgm:txLinClrLst/>
+    <dgm:txFillClrLst meth="repeat">
+      <a:schemeClr val="dk1"/>
+    </dgm:txFillClrLst>
+    <dgm:txEffectClrLst/>
+  </dgm:styleLbl>
+  <dgm:styleLbl name="bgShp">
+    <dgm:fillClrLst meth="repeat">
+      <a:schemeClr val="accent1">
+        <a:tint val="40000"/>
+      </a:schemeClr>
+    </dgm:fillClrLst>
+    <dgm:linClrLst meth="repeat">
+      <a:schemeClr val="accent1"/>
+    </dgm:linClrLst>
+    <dgm:effectClrLst/>
+    <dgm:txLinClrLst/>
+    <dgm:txFillClrLst meth="repeat">
+      <a:schemeClr val="dk1"/>
+    </dgm:txFillClrLst>
+    <dgm:txEffectClrLst/>
+  </dgm:styleLbl>
+  <dgm:styleLbl name="dkBgShp">
+    <dgm:fillClrLst meth="repeat">
+      <a:schemeClr val="accent1">
+        <a:shade val="80000"/>
+      </a:schemeClr>
+    </dgm:fillClrLst>
+    <dgm:linClrLst meth="repeat">
+      <a:schemeClr val="accent1"/>
+    </dgm:linClrLst>
+    <dgm:effectClrLst/>
+    <dgm:txLinClrLst/>
+    <dgm:txFillClrLst meth="repeat">
+      <a:schemeClr val="lt1"/>
+    </dgm:txFillClrLst>
+    <dgm:txEffectClrLst/>
+  </dgm:styleLbl>
+  <dgm:styleLbl name="trBgShp">
+    <dgm:fillClrLst meth="repeat">
+      <a:schemeClr val="accent1">
+        <a:tint val="50000"/>
+        <a:alpha val="40000"/>
+      </a:schemeClr>
+    </dgm:fillClrLst>
+    <dgm:linClrLst meth="repeat">
+      <a:schemeClr val="accent1"/>
+    </dgm:linClrLst>
+    <dgm:effectClrLst/>
+    <dgm:txLinClrLst/>
+    <dgm:txFillClrLst meth="repeat">
+      <a:schemeClr val="lt1"/>
+    </dgm:txFillClrLst>
+    <dgm:txEffectClrLst/>
+  </dgm:styleLbl>
+  <dgm:styleLbl name="fgShp">
+    <dgm:fillClrLst meth="repeat">
+      <a:schemeClr val="accent1">
+        <a:tint val="60000"/>
+      </a:schemeClr>
+    </dgm:fillClrLst>
+    <dgm:linClrLst meth="repeat">
+      <a:schemeClr val="lt1"/>
+    </dgm:linClrLst>
+    <dgm:effectClrLst/>
+    <dgm:txLinClrLst/>
+    <dgm:txFillClrLst meth="repeat">
+      <a:schemeClr val="dk1"/>
+    </dgm:txFillClrLst>
+    <dgm:txEffectClrLst/>
+  </dgm:styleLbl>
+  <dgm:styleLbl name="revTx">
+    <dgm:fillClrLst meth="repeat">
+      <a:schemeClr val="lt1">
+        <a:alpha val="0"/>
+      </a:schemeClr>
+    </dgm:fillClrLst>
+    <dgm:linClrLst meth="repeat">
+      <a:schemeClr val="dk1">
+        <a:alpha val="0"/>
+      </a:schemeClr>
+    </dgm:linClrLst>
+    <dgm:effectClrLst/>
+    <dgm:txLinClrLst/>
+    <dgm:txFillClrLst meth="repeat">
+      <a:schemeClr val="tx1"/>
+    </dgm:txFillClrLst>
+    <dgm:txEffectClrLst/>
+  </dgm:styleLbl>
+</dgm:colorsDef>
+</file>
+
+<file path=ppt/diagrams/colors3.xml><?xml version="1.0" encoding="utf-8"?>
+<dgm:colorsDef xmlns:dgm="http://schemas.openxmlformats.org/drawingml/2006/diagram" xmlns:a="http://schemas.openxmlformats.org/drawingml/2006/main" uniqueId="urn:microsoft.com/office/officeart/2005/8/colors/accent1_2">
+  <dgm:title val=""/>
+  <dgm:desc val=""/>
+  <dgm:catLst>
+    <dgm:cat type="accent1" pri="11200"/>
+  </dgm:catLst>
+  <dgm:styleLbl name="node0">
+    <dgm:fillClrLst meth="repeat">
+      <a:schemeClr val="accent1"/>
+    </dgm:fillClrLst>
+    <dgm:linClrLst meth="repeat">
+      <a:schemeClr val="lt1"/>
+    </dgm:linClrLst>
+    <dgm:effectClrLst/>
+    <dgm:txLinClrLst/>
+    <dgm:txFillClrLst/>
+    <dgm:txEffectClrLst/>
+  </dgm:styleLbl>
+  <dgm:styleLbl name="alignNode1">
+    <dgm:fillClrLst meth="repeat">
+      <a:schemeClr val="accent1"/>
+    </dgm:fillClrLst>
+    <dgm:linClrLst meth="repeat">
+      <a:schemeClr val="accent1"/>
+    </dgm:linClrLst>
+    <dgm:effectClrLst/>
+    <dgm:txLinClrLst/>
+    <dgm:txFillClrLst/>
+    <dgm:txEffectClrLst/>
+  </dgm:styleLbl>
+  <dgm:styleLbl name="node1">
+    <dgm:fillClrLst meth="repeat">
+      <a:schemeClr val="accent1"/>
+    </dgm:fillClrLst>
+    <dgm:linClrLst meth="repeat">
+      <a:schemeClr val="lt1"/>
+    </dgm:linClrLst>
+    <dgm:effectClrLst/>
+    <dgm:txLinClrLst/>
+    <dgm:txFillClrLst/>
+    <dgm:txEffectClrLst/>
+  </dgm:styleLbl>
+  <dgm:styleLbl name="lnNode1">
+    <dgm:fillClrLst meth="repeat">
+      <a:schemeClr val="accent1"/>
+    </dgm:fillClrLst>
+    <dgm:linClrLst meth="repeat">
+      <a:schemeClr val="lt1"/>
+    </dgm:linClrLst>
+    <dgm:effectClrLst/>
+    <dgm:txLinClrLst/>
+    <dgm:txFillClrLst/>
+    <dgm:txEffectClrLst/>
+  </dgm:styleLbl>
+  <dgm:styleLbl name="vennNode1">
+    <dgm:fillClrLst meth="repeat">
+      <a:schemeClr val="accent1">
+        <a:alpha val="50000"/>
+      </a:schemeClr>
+    </dgm:fillClrLst>
+    <dgm:linClrLst meth="repeat">
+      <a:schemeClr val="lt1"/>
+    </dgm:linClrLst>
+    <dgm:effectClrLst/>
+    <dgm:txLinClrLst/>
+    <dgm:txFillClrLst/>
+    <dgm:txEffectClrLst/>
+  </dgm:styleLbl>
+  <dgm:styleLbl name="node2">
+    <dgm:fillClrLst meth="repeat">
+      <a:schemeClr val="accent1"/>
+    </dgm:fillClrLst>
+    <dgm:linClrLst meth="repeat">
+      <a:schemeClr val="lt1"/>
+    </dgm:linClrLst>
+    <dgm:effectClrLst/>
+    <dgm:txLinClrLst/>
+    <dgm:txFillClrLst/>
+    <dgm:txEffectClrLst/>
+  </dgm:styleLbl>
+  <dgm:styleLbl name="node3">
+    <dgm:fillClrLst meth="repeat">
+      <a:schemeClr val="accent1"/>
+    </dgm:fillClrLst>
+    <dgm:linClrLst meth="repeat">
+      <a:schemeClr val="lt1"/>
+    </dgm:linClrLst>
+    <dgm:effectClrLst/>
+    <dgm:txLinClrLst/>
+    <dgm:txFillClrLst/>
+    <dgm:txEffectClrLst/>
+  </dgm:styleLbl>
+  <dgm:styleLbl name="node4">
+    <dgm:fillClrLst meth="repeat">
+      <a:schemeClr val="accent1"/>
+    </dgm:fillClrLst>
+    <dgm:linClrLst meth="repeat">
+      <a:schemeClr val="lt1"/>
+    </dgm:linClrLst>
+    <dgm:effectClrLst/>
+    <dgm:txLinClrLst/>
+    <dgm:txFillClrLst/>
+    <dgm:txEffectClrLst/>
+  </dgm:styleLbl>
+  <dgm:styleLbl name="fgImgPlace1">
+    <dgm:fillClrLst meth="repeat">
+      <a:schemeClr val="accent1">
+        <a:tint val="50000"/>
+      </a:schemeClr>
+    </dgm:fillClrLst>
+    <dgm:linClrLst meth="repeat">
+      <a:schemeClr val="lt1"/>
+    </dgm:linClrLst>
+    <dgm:effectClrLst/>
+    <dgm:txLinClrLst/>
+    <dgm:txFillClrLst meth="repeat">
+      <a:schemeClr val="lt1"/>
+    </dgm:txFillClrLst>
+    <dgm:txEffectClrLst/>
+  </dgm:styleLbl>
+  <dgm:styleLbl name="alignImgPlace1">
+    <dgm:fillClrLst meth="repeat">
+      <a:schemeClr val="accent1">
+        <a:tint val="50000"/>
+      </a:schemeClr>
+    </dgm:fillClrLst>
+    <dgm:linClrLst meth="repeat">
+      <a:schemeClr val="lt1"/>
+    </dgm:linClrLst>
+    <dgm:effectClrLst/>
+    <dgm:txLinClrLst/>
+    <dgm:txFillClrLst meth="repeat">
+      <a:schemeClr val="lt1"/>
+    </dgm:txFillClrLst>
+    <dgm:txEffectClrLst/>
+  </dgm:styleLbl>
+  <dgm:styleLbl name="bgImgPlace1">
+    <dgm:fillClrLst meth="repeat">
+      <a:schemeClr val="accent1">
+        <a:tint val="50000"/>
+      </a:schemeClr>
+    </dgm:fillClrLst>
+    <dgm:linClrLst meth="repeat">
+      <a:schemeClr val="lt1"/>
+    </dgm:linClrLst>
+    <dgm:effectClrLst/>
+    <dgm:txLinClrLst/>
+    <dgm:txFillClrLst meth="repeat">
+      <a:schemeClr val="lt1"/>
+    </dgm:txFillClrLst>
+    <dgm:txEffectClrLst/>
+  </dgm:styleLbl>
+  <dgm:styleLbl name="sibTrans2D1">
+    <dgm:fillClrLst meth="repeat">
+      <a:schemeClr val="accent1">
+        <a:tint val="60000"/>
+      </a:schemeClr>
+    </dgm:fillClrLst>
+    <dgm:linClrLst meth="repeat">
+      <a:schemeClr val="accent1">
+        <a:tint val="60000"/>
+      </a:schemeClr>
+    </dgm:linClrLst>
+    <dgm:effectClrLst/>
+    <dgm:txLinClrLst/>
+    <dgm:txFillClrLst/>
+    <dgm:txEffectClrLst/>
+  </dgm:styleLbl>
+  <dgm:styleLbl name="fgSibTrans2D1">
+    <dgm:fillClrLst meth="repeat">
+      <a:schemeClr val="accent1">
+        <a:tint val="60000"/>
+      </a:schemeClr>
+    </dgm:fillClrLst>
+    <dgm:linClrLst meth="repeat">
+      <a:schemeClr val="accent1">
+        <a:tint val="60000"/>
+      </a:schemeClr>
+    </dgm:linClrLst>
+    <dgm:effectClrLst/>
+    <dgm:txLinClrLst/>
+    <dgm:txFillClrLst/>
+    <dgm:txEffectClrLst/>
+  </dgm:styleLbl>
+  <dgm:styleLbl name="bgSibTrans2D1">
+    <dgm:fillClrLst meth="repeat">
+      <a:schemeClr val="accent1">
+        <a:tint val="60000"/>
+      </a:schemeClr>
+    </dgm:fillClrLst>
+    <dgm:linClrLst meth="repeat">
+      <a:schemeClr val="accent1">
+        <a:tint val="60000"/>
+      </a:schemeClr>
+    </dgm:linClrLst>
+    <dgm:effectClrLst/>
+    <dgm:txLinClrLst/>
+    <dgm:txFillClrLst/>
+    <dgm:txEffectClrLst/>
+  </dgm:styleLbl>
+  <dgm:styleLbl name="sibTrans1D1">
+    <dgm:fillClrLst meth="repeat">
+      <a:schemeClr val="accent1"/>
+    </dgm:fillClrLst>
+    <dgm:linClrLst meth="repeat">
+      <a:schemeClr val="accent1"/>
+    </dgm:linClrLst>
+    <dgm:effectClrLst/>
+    <dgm:txLinClrLst/>
+    <dgm:txFillClrLst meth="repeat">
+      <a:schemeClr val="tx1"/>
+    </dgm:txFillClrLst>
+    <dgm:txEffectClrLst/>
+  </dgm:styleLbl>
+  <dgm:styleLbl name="callout">
+    <dgm:fillClrLst meth="repeat">
+      <a:schemeClr val="accent1"/>
+    </dgm:fillClrLst>
+    <dgm:linClrLst meth="repeat">
+      <a:schemeClr val="accent1">
+        <a:tint val="50000"/>
+      </a:schemeClr>
+    </dgm:linClrLst>
+    <dgm:effectClrLst/>
+    <dgm:txLinClrLst/>
+    <dgm:txFillClrLst meth="repeat">
+      <a:schemeClr val="tx1"/>
+    </dgm:txFillClrLst>
+    <dgm:txEffectClrLst/>
+  </dgm:styleLbl>
+  <dgm:styleLbl name="asst0">
+    <dgm:fillClrLst meth="repeat">
+      <a:schemeClr val="accent1"/>
+    </dgm:fillClrLst>
+    <dgm:linClrLst meth="repeat">
+      <a:schemeClr val="lt1"/>
+    </dgm:linClrLst>
+    <dgm:effectClrLst/>
+    <dgm:txLinClrLst/>
+    <dgm:txFillClrLst/>
+    <dgm:txEffectClrLst/>
+  </dgm:styleLbl>
+  <dgm:styleLbl name="asst1">
+    <dgm:fillClrLst meth="repeat">
+      <a:schemeClr val="accent1"/>
+    </dgm:fillClrLst>
+    <dgm:linClrLst meth="repeat">
+      <a:schemeClr val="lt1"/>
+    </dgm:linClrLst>
+    <dgm:effectClrLst/>
+    <dgm:txLinClrLst/>
+    <dgm:txFillClrLst/>
+    <dgm:txEffectClrLst/>
+  </dgm:styleLbl>
+  <dgm:styleLbl name="asst2">
+    <dgm:fillClrLst meth="repeat">
+      <a:schemeClr val="accent1"/>
+    </dgm:fillClrLst>
+    <dgm:linClrLst meth="repeat">
+      <a:schemeClr val="lt1"/>
+    </dgm:linClrLst>
+    <dgm:effectClrLst/>
+    <dgm:txLinClrLst/>
+    <dgm:txFillClrLst/>
+    <dgm:txEffectClrLst/>
+  </dgm:styleLbl>
+  <dgm:styleLbl name="asst3">
+    <dgm:fillClrLst meth="repeat">
+      <a:schemeClr val="accent1"/>
+    </dgm:fillClrLst>
+    <dgm:linClrLst meth="repeat">
+      <a:schemeClr val="lt1"/>
+    </dgm:linClrLst>
+    <dgm:effectClrLst/>
+    <dgm:txLinClrLst/>
+    <dgm:txFillClrLst/>
+    <dgm:txEffectClrLst/>
+  </dgm:styleLbl>
+  <dgm:styleLbl name="asst4">
+    <dgm:fillClrLst meth="repeat">
+      <a:schemeClr val="accent1"/>
+    </dgm:fillClrLst>
+    <dgm:linClrLst meth="repeat">
+      <a:schemeClr val="lt1"/>
+    </dgm:linClrLst>
+    <dgm:effectClrLst/>
+    <dgm:txLinClrLst/>
+    <dgm:txFillClrLst/>
+    <dgm:txEffectClrLst/>
+  </dgm:styleLbl>
+  <dgm:styleLbl name="parChTrans2D1">
+    <dgm:fillClrLst meth="repeat">
+      <a:schemeClr val="accent1">
+        <a:tint val="60000"/>
+      </a:schemeClr>
+    </dgm:fillClrLst>
+    <dgm:linClrLst meth="repeat">
+      <a:schemeClr val="accent1">
+        <a:tint val="60000"/>
+      </a:schemeClr>
+    </dgm:linClrLst>
+    <dgm:effectClrLst/>
+    <dgm:txLinClrLst/>
+    <dgm:txFillClrLst meth="repeat">
+      <a:schemeClr val="lt1"/>
+    </dgm:txFillClrLst>
+    <dgm:txEffectClrLst/>
+  </dgm:styleLbl>
+  <dgm:styleLbl name="parChTrans2D2">
+    <dgm:fillClrLst meth="repeat">
+      <a:schemeClr val="accent1"/>
+    </dgm:fillClrLst>
+    <dgm:linClrLst meth="repeat">
+      <a:schemeClr val="accent1"/>
+    </dgm:linClrLst>
+    <dgm:effectClrLst/>
+    <dgm:txLinClrLst/>
+    <dgm:txFillClrLst meth="repeat">
+      <a:schemeClr val="lt1"/>
+    </dgm:txFillClrLst>
+    <dgm:txEffectClrLst/>
+  </dgm:styleLbl>
+  <dgm:styleLbl name="parChTrans2D3">
+    <dgm:fillClrLst meth="repeat">
+      <a:schemeClr val="accent1"/>
+    </dgm:fillClrLst>
+    <dgm:linClrLst meth="repeat">
+      <a:schemeClr val="accent1"/>
+    </dgm:linClrLst>
+    <dgm:effectClrLst/>
+    <dgm:txLinClrLst/>
+    <dgm:txFillClrLst meth="repeat">
+      <a:schemeClr val="lt1"/>
+    </dgm:txFillClrLst>
+    <dgm:txEffectClrLst/>
+  </dgm:styleLbl>
+  <dgm:styleLbl name="parChTrans2D4">
+    <dgm:fillClrLst meth="repeat">
+      <a:schemeClr val="accent1"/>
+    </dgm:fillClrLst>
+    <dgm:linClrLst meth="repeat">
+      <a:schemeClr val="accent1"/>
+    </dgm:linClrLst>
+    <dgm:effectClrLst/>
+    <dgm:txLinClrLst/>
+    <dgm:txFillClrLst meth="repeat">
+      <a:schemeClr val="lt1"/>
+    </dgm:txFillClrLst>
+    <dgm:txEffectClrLst/>
+  </dgm:styleLbl>
+  <dgm:styleLbl name="parChTrans1D1">
+    <dgm:fillClrLst meth="repeat">
+      <a:schemeClr val="accent1"/>
+    </dgm:fillClrLst>
+    <dgm:linClrLst meth="repeat">
+      <a:schemeClr val="accent1">
+        <a:shade val="60000"/>
+      </a:schemeClr>
+    </dgm:linClrLst>
+    <dgm:effectClrLst/>
+    <dgm:txLinClrLst/>
+    <dgm:txFillClrLst meth="repeat">
+      <a:schemeClr val="tx1"/>
+    </dgm:txFillClrLst>
+    <dgm:txEffectClrLst/>
+  </dgm:styleLbl>
+  <dgm:styleLbl name="parChTrans1D2">
+    <dgm:fillClrLst meth="repeat">
+      <a:schemeClr val="accent1"/>
+    </dgm:fillClrLst>
+    <dgm:linClrLst meth="repeat">
+      <a:schemeClr val="accent1">
+        <a:shade val="60000"/>
+      </a:schemeClr>
+    </dgm:linClrLst>
+    <dgm:effectClrLst/>
+    <dgm:txLinClrLst/>
+    <dgm:txFillClrLst meth="repeat">
+      <a:schemeClr val="tx1"/>
+    </dgm:txFillClrLst>
+    <dgm:txEffectClrLst/>
+  </dgm:styleLbl>
+  <dgm:styleLbl name="parChTrans1D3">
+    <dgm:fillClrLst meth="repeat">
+      <a:schemeClr val="accent1"/>
+    </dgm:fillClrLst>
+    <dgm:linClrLst meth="repeat">
+      <a:schemeClr val="accent1">
+        <a:shade val="80000"/>
+      </a:schemeClr>
+    </dgm:linClrLst>
+    <dgm:effectClrLst/>
+    <dgm:txLinClrLst/>
+    <dgm:txFillClrLst meth="repeat">
+      <a:schemeClr val="tx1"/>
+    </dgm:txFillClrLst>
+    <dgm:txEffectClrLst/>
+  </dgm:styleLbl>
+  <dgm:styleLbl name="parChTrans1D4">
+    <dgm:fillClrLst meth="repeat">
+      <a:schemeClr val="accent1"/>
+    </dgm:fillClrLst>
+    <dgm:linClrLst meth="repeat">
+      <a:schemeClr val="accent1">
+        <a:shade val="80000"/>
+      </a:schemeClr>
+    </dgm:linClrLst>
+    <dgm:effectClrLst/>
+    <dgm:txLinClrLst/>
+    <dgm:txFillClrLst meth="repeat">
+      <a:schemeClr val="tx1"/>
+    </dgm:txFillClrLst>
+    <dgm:txEffectClrLst/>
+  </dgm:styleLbl>
+  <dgm:styleLbl name="fgAcc1">
+    <dgm:fillClrLst meth="repeat">
+      <a:schemeClr val="lt1">
+        <a:alpha val="90000"/>
+      </a:schemeClr>
+    </dgm:fillClrLst>
+    <dgm:linClrLst meth="repeat">
+      <a:schemeClr val="accent1"/>
+    </dgm:linClrLst>
+    <dgm:effectClrLst/>
+    <dgm:txLinClrLst/>
+    <dgm:txFillClrLst meth="repeat">
+      <a:schemeClr val="dk1"/>
+    </dgm:txFillClrLst>
+    <dgm:txEffectClrLst/>
+  </dgm:styleLbl>
+  <dgm:styleLbl name="conFgAcc1">
+    <dgm:fillClrLst meth="repeat">
+      <a:schemeClr val="lt1">
+        <a:alpha val="90000"/>
+      </a:schemeClr>
+    </dgm:fillClrLst>
+    <dgm:linClrLst meth="repeat">
+      <a:schemeClr val="accent1"/>
+    </dgm:linClrLst>
+    <dgm:effectClrLst/>
+    <dgm:txLinClrLst/>
+    <dgm:txFillClrLst meth="repeat">
+      <a:schemeClr val="dk1"/>
+    </dgm:txFillClrLst>
+    <dgm:txEffectClrLst/>
+  </dgm:styleLbl>
+  <dgm:styleLbl name="alignAcc1">
+    <dgm:fillClrLst meth="repeat">
+      <a:schemeClr val="lt1">
+        <a:alpha val="90000"/>
+      </a:schemeClr>
+    </dgm:fillClrLst>
+    <dgm:linClrLst meth="repeat">
+      <a:schemeClr val="accent1"/>
+    </dgm:linClrLst>
+    <dgm:effectClrLst/>
+    <dgm:txLinClrLst/>
+    <dgm:txFillClrLst meth="repeat">
+      <a:schemeClr val="dk1"/>
+    </dgm:txFillClrLst>
+    <dgm:txEffectClrLst/>
+  </dgm:styleLbl>
+  <dgm:styleLbl name="trAlignAcc1">
+    <dgm:fillClrLst meth="repeat">
+      <a:schemeClr val="lt1">
+        <a:alpha val="40000"/>
+      </a:schemeClr>
+    </dgm:fillClrLst>
+    <dgm:linClrLst meth="repeat">
+      <a:schemeClr val="accent1"/>
+    </dgm:linClrLst>
+    <dgm:effectClrLst/>
+    <dgm:txLinClrLst/>
+    <dgm:txFillClrLst meth="repeat">
+      <a:schemeClr val="dk1"/>
+    </dgm:txFillClrLst>
+    <dgm:txEffectClrLst/>
+  </dgm:styleLbl>
+  <dgm:styleLbl name="bgAcc1">
+    <dgm:fillClrLst meth="repeat">
+      <a:schemeClr val="lt1">
+        <a:alpha val="90000"/>
+      </a:schemeClr>
+    </dgm:fillClrLst>
+    <dgm:linClrLst meth="repeat">
+      <a:schemeClr val="accent1"/>
+    </dgm:linClrLst>
+    <dgm:effectClrLst/>
+    <dgm:txLinClrLst/>
+    <dgm:txFillClrLst meth="repeat">
+      <a:schemeClr val="dk1"/>
+    </dgm:txFillClrLst>
+    <dgm:txEffectClrLst/>
+  </dgm:styleLbl>
+  <dgm:styleLbl name="solidFgAcc1">
+    <dgm:fillClrLst meth="repeat">
+      <a:schemeClr val="lt1"/>
+    </dgm:fillClrLst>
+    <dgm:linClrLst meth="repeat">
+      <a:schemeClr val="accent1"/>
+    </dgm:linClrLst>
+    <dgm:effectClrLst/>
+    <dgm:txLinClrLst/>
+    <dgm:txFillClrLst meth="repeat">
+      <a:schemeClr val="dk1"/>
+    </dgm:txFillClrLst>
+    <dgm:txEffectClrLst/>
+  </dgm:styleLbl>
+  <dgm:styleLbl name="solidAlignAcc1">
+    <dgm:fillClrLst meth="repeat">
+      <a:schemeClr val="lt1"/>
+    </dgm:fillClrLst>
+    <dgm:linClrLst meth="repeat">
+      <a:schemeClr val="accent1"/>
+    </dgm:linClrLst>
+    <dgm:effectClrLst/>
+    <dgm:txLinClrLst/>
+    <dgm:txFillClrLst meth="repeat">
+      <a:schemeClr val="dk1"/>
+    </dgm:txFillClrLst>
+    <dgm:txEffectClrLst/>
+  </dgm:styleLbl>
+  <dgm:styleLbl name="solidBgAcc1">
+    <dgm:fillClrLst meth="repeat">
+      <a:schemeClr val="lt1"/>
+    </dgm:fillClrLst>
+    <dgm:linClrLst meth="repeat">
+      <a:schemeClr val="accent1"/>
+    </dgm:linClrLst>
+    <dgm:effectClrLst/>
+    <dgm:txLinClrLst/>
+    <dgm:txFillClrLst meth="repeat">
+      <a:schemeClr val="dk1"/>
+    </dgm:txFillClrLst>
+    <dgm:txEffectClrLst/>
+  </dgm:styleLbl>
+  <dgm:styleLbl name="fgAccFollowNode1">
+    <dgm:fillClrLst meth="repeat">
+      <a:schemeClr val="accent1">
+        <a:alpha val="90000"/>
+        <a:tint val="40000"/>
+      </a:schemeClr>
+    </dgm:fillClrLst>
+    <dgm:linClrLst meth="repeat">
+      <a:schemeClr val="accent1">
+        <a:alpha val="90000"/>
+        <a:tint val="40000"/>
+      </a:schemeClr>
+    </dgm:linClrLst>
+    <dgm:effectClrLst/>
+    <dgm:txLinClrLst/>
+    <dgm:txFillClrLst meth="repeat">
+      <a:schemeClr val="dk1"/>
+    </dgm:txFillClrLst>
+    <dgm:txEffectClrLst/>
+  </dgm:styleLbl>
+  <dgm:styleLbl name="alignAccFollowNode1">
+    <dgm:fillClrLst meth="repeat">
+      <a:schemeClr val="accent1">
+        <a:alpha val="90000"/>
+        <a:tint val="40000"/>
+      </a:schemeClr>
+    </dgm:fillClrLst>
+    <dgm:linClrLst meth="repeat">
+      <a:schemeClr val="accent1">
+        <a:alpha val="90000"/>
+        <a:tint val="40000"/>
+      </a:schemeClr>
+    </dgm:linClrLst>
+    <dgm:effectClrLst/>
+    <dgm:txLinClrLst/>
+    <dgm:txFillClrLst meth="repeat">
+      <a:schemeClr val="dk1"/>
+    </dgm:txFillClrLst>
+    <dgm:txEffectClrLst/>
+  </dgm:styleLbl>
+  <dgm:styleLbl name="bgAccFollowNode1">
+    <dgm:fillClrLst meth="repeat">
+      <a:schemeClr val="accent1">
+        <a:alpha val="90000"/>
+        <a:tint val="40000"/>
+      </a:schemeClr>
+    </dgm:fillClrLst>
+    <dgm:linClrLst meth="repeat">
+      <a:schemeClr val="accent1">
+        <a:alpha val="90000"/>
+        <a:tint val="40000"/>
+      </a:schemeClr>
+    </dgm:linClrLst>
+    <dgm:effectClrLst/>
+    <dgm:txLinClrLst/>
+    <dgm:txFillClrLst meth="repeat">
+      <a:schemeClr val="dk1"/>
+    </dgm:txFillClrLst>
+    <dgm:txEffectClrLst/>
+  </dgm:styleLbl>
+  <dgm:styleLbl name="fgAcc0">
+    <dgm:fillClrLst meth="repeat">
+      <a:schemeClr val="lt1">
+        <a:alpha val="90000"/>
+      </a:schemeClr>
+    </dgm:fillClrLst>
+    <dgm:linClrLst meth="repeat">
+      <a:schemeClr val="accent1"/>
+    </dgm:linClrLst>
+    <dgm:effectClrLst/>
+    <dgm:txLinClrLst/>
+    <dgm:txFillClrLst meth="repeat">
+      <a:schemeClr val="dk1"/>
+    </dgm:txFillClrLst>
+    <dgm:txEffectClrLst/>
+  </dgm:styleLbl>
+  <dgm:styleLbl name="fgAcc2">
+    <dgm:fillClrLst meth="repeat">
+      <a:schemeClr val="lt1">
+        <a:alpha val="90000"/>
+      </a:schemeClr>
+    </dgm:fillClrLst>
+    <dgm:linClrLst meth="repeat">
+      <a:schemeClr val="accent1"/>
+    </dgm:linClrLst>
+    <dgm:effectClrLst/>
+    <dgm:txLinClrLst/>
+    <dgm:txFillClrLst meth="repeat">
+      <a:schemeClr val="dk1"/>
+    </dgm:txFillClrLst>
+    <dgm:txEffectClrLst/>
+  </dgm:styleLbl>
+  <dgm:styleLbl name="fgAcc3">
+    <dgm:fillClrLst meth="repeat">
+      <a:schemeClr val="lt1">
+        <a:alpha val="90000"/>
+      </a:schemeClr>
+    </dgm:fillClrLst>
+    <dgm:linClrLst meth="repeat">
+      <a:schemeClr val="accent1"/>
+    </dgm:linClrLst>
+    <dgm:effectClrLst/>
+    <dgm:txLinClrLst/>
+    <dgm:txFillClrLst meth="repeat">
+      <a:schemeClr val="dk1"/>
+    </dgm:txFillClrLst>
+    <dgm:txEffectClrLst/>
+  </dgm:styleLbl>
+  <dgm:styleLbl name="fgAcc4">
+    <dgm:fillClrLst meth="repeat">
+      <a:schemeClr val="lt1">
+        <a:alpha val="90000"/>
+      </a:schemeClr>
+    </dgm:fillClrLst>
+    <dgm:linClrLst meth="repeat">
+      <a:schemeClr val="accent1"/>
+    </dgm:linClrLst>
+    <dgm:effectClrLst/>
+    <dgm:txLinClrLst/>
+    <dgm:txFillClrLst meth="repeat">
+      <a:schemeClr val="dk1"/>
+    </dgm:txFillClrLst>
+    <dgm:txEffectClrLst/>
+  </dgm:styleLbl>
+  <dgm:styleLbl name="bgShp">
+    <dgm:fillClrLst meth="repeat">
+      <a:schemeClr val="accent1">
+        <a:tint val="40000"/>
+      </a:schemeClr>
+    </dgm:fillClrLst>
+    <dgm:linClrLst meth="repeat">
+      <a:schemeClr val="accent1"/>
+    </dgm:linClrLst>
+    <dgm:effectClrLst/>
+    <dgm:txLinClrLst/>
+    <dgm:txFillClrLst meth="repeat">
+      <a:schemeClr val="dk1"/>
+    </dgm:txFillClrLst>
+    <dgm:txEffectClrLst/>
+  </dgm:styleLbl>
+  <dgm:styleLbl name="dkBgShp">
+    <dgm:fillClrLst meth="repeat">
+      <a:schemeClr val="accent1">
+        <a:shade val="80000"/>
+      </a:schemeClr>
+    </dgm:fillClrLst>
+    <dgm:linClrLst meth="repeat">
+      <a:schemeClr val="accent1"/>
+    </dgm:linClrLst>
+    <dgm:effectClrLst/>
+    <dgm:txLinClrLst/>
+    <dgm:txFillClrLst meth="repeat">
+      <a:schemeClr val="lt1"/>
+    </dgm:txFillClrLst>
+    <dgm:txEffectClrLst/>
+  </dgm:styleLbl>
+  <dgm:styleLbl name="trBgShp">
+    <dgm:fillClrLst meth="repeat">
+      <a:schemeClr val="accent1">
+        <a:tint val="50000"/>
+        <a:alpha val="40000"/>
+      </a:schemeClr>
+    </dgm:fillClrLst>
+    <dgm:linClrLst meth="repeat">
+      <a:schemeClr val="accent1"/>
+    </dgm:linClrLst>
+    <dgm:effectClrLst/>
+    <dgm:txLinClrLst/>
+    <dgm:txFillClrLst meth="repeat">
+      <a:schemeClr val="lt1"/>
+    </dgm:txFillClrLst>
+    <dgm:txEffectClrLst/>
+  </dgm:styleLbl>
+  <dgm:styleLbl name="fgShp">
+    <dgm:fillClrLst meth="repeat">
+      <a:schemeClr val="accent1">
+        <a:tint val="60000"/>
+      </a:schemeClr>
+    </dgm:fillClrLst>
+    <dgm:linClrLst meth="repeat">
+      <a:schemeClr val="lt1"/>
+    </dgm:linClrLst>
+    <dgm:effectClrLst/>
+    <dgm:txLinClrLst/>
+    <dgm:txFillClrLst meth="repeat">
+      <a:schemeClr val="dk1"/>
+    </dgm:txFillClrLst>
+    <dgm:txEffectClrLst/>
+  </dgm:styleLbl>
+  <dgm:styleLbl name="revTx">
+    <dgm:fillClrLst meth="repeat">
+      <a:schemeClr val="lt1">
+        <a:alpha val="0"/>
+      </a:schemeClr>
+    </dgm:fillClrLst>
+    <dgm:linClrLst meth="repeat">
+      <a:schemeClr val="dk1">
+        <a:alpha val="0"/>
+      </a:schemeClr>
+    </dgm:linClrLst>
+    <dgm:effectClrLst/>
+    <dgm:txLinClrLst/>
+    <dgm:txFillClrLst meth="repeat">
+      <a:schemeClr val="tx1"/>
+    </dgm:txFillClrLst>
+    <dgm:txEffectClrLst/>
+  </dgm:styleLbl>
+</dgm:colorsDef>
+</file>
+
+<file path=ppt/diagrams/colors4.xml><?xml version="1.0" encoding="utf-8"?>
 <dgm:colorsDef xmlns:dgm="http://schemas.openxmlformats.org/drawingml/2006/diagram" xmlns:a="http://schemas.openxmlformats.org/drawingml/2006/main" uniqueId="urn:microsoft.com/office/officeart/2005/8/colors/accent1_2">
   <dgm:title val=""/>
   <dgm:desc val=""/>
@@ -2444,7 +3938,7 @@
 <dgm:dataModel xmlns:dgm="http://schemas.openxmlformats.org/drawingml/2006/diagram" xmlns:a="http://schemas.openxmlformats.org/drawingml/2006/main">
   <dgm:ptLst>
     <dgm:pt modelId="{4041D5A6-EFA7-4379-AF69-7023FD9A8951}" type="doc">
-      <dgm:prSet loTypeId="urn:microsoft.com/office/officeart/2009/layout/CircleArrowProcess" loCatId="process" qsTypeId="urn:microsoft.com/office/officeart/2005/8/quickstyle/simple4" qsCatId="simple" csTypeId="urn:microsoft.com/office/officeart/2005/8/colors/accent1_2" csCatId="accent1" phldr="1"/>
+      <dgm:prSet loTypeId="urn:microsoft.com/office/officeart/2009/layout/CircleArrowProcess" loCatId="process" qsTypeId="urn:microsoft.com/office/officeart/2005/8/quickstyle/simple5" qsCatId="simple" csTypeId="urn:microsoft.com/office/officeart/2005/8/colors/accent1_2" csCatId="accent1" phldr="1"/>
       <dgm:spPr/>
       <dgm:t>
         <a:bodyPr/>
@@ -2820,10 +4314,24 @@
     <dgm:pt modelId="{7F889367-D500-4ED1-A577-709A271CEF5F}" type="pres">
       <dgm:prSet presAssocID="{7CD5459F-9B65-41C3-B3F4-3ABA1DD9967B}" presName="Accent1" presStyleCnt="0"/>
       <dgm:spPr/>
+      <dgm:t>
+        <a:bodyPr/>
+        <a:lstStyle/>
+        <a:p>
+          <a:endParaRPr lang="fr-FR"/>
+        </a:p>
+      </dgm:t>
     </dgm:pt>
     <dgm:pt modelId="{6A1FC33C-BD54-48D9-8848-B8051814CA7A}" type="pres">
       <dgm:prSet presAssocID="{7CD5459F-9B65-41C3-B3F4-3ABA1DD9967B}" presName="Accent" presStyleLbl="node1" presStyleIdx="0" presStyleCnt="3" custLinFactNeighborX="1126" custLinFactNeighborY="375"/>
       <dgm:spPr/>
+      <dgm:t>
+        <a:bodyPr/>
+        <a:lstStyle/>
+        <a:p>
+          <a:endParaRPr lang="fr-FR"/>
+        </a:p>
+      </dgm:t>
     </dgm:pt>
     <dgm:pt modelId="{2BC33A24-C019-40DB-B4F8-D236F35960DA}" type="pres">
       <dgm:prSet presAssocID="{7CD5459F-9B65-41C3-B3F4-3ABA1DD9967B}" presName="Child1" presStyleLbl="revTx" presStyleIdx="0" presStyleCnt="6" custScaleX="235296" custLinFactNeighborX="96861" custLinFactNeighborY="-12192">
@@ -2862,10 +4370,24 @@
     <dgm:pt modelId="{6B757FA9-AD12-4C48-9EFF-307AF192F35A}" type="pres">
       <dgm:prSet presAssocID="{1F9CA264-1B86-4BD2-8B9A-84CA313D033D}" presName="Accent2" presStyleCnt="0"/>
       <dgm:spPr/>
+      <dgm:t>
+        <a:bodyPr/>
+        <a:lstStyle/>
+        <a:p>
+          <a:endParaRPr lang="fr-FR"/>
+        </a:p>
+      </dgm:t>
     </dgm:pt>
     <dgm:pt modelId="{1EAF82E5-DF36-4432-8EFB-3660BDEAF403}" type="pres">
-      <dgm:prSet presAssocID="{1F9CA264-1B86-4BD2-8B9A-84CA313D033D}" presName="Accent" presStyleLbl="node1" presStyleIdx="1" presStyleCnt="3"/>
+      <dgm:prSet presAssocID="{1F9CA264-1B86-4BD2-8B9A-84CA313D033D}" presName="Accent" presStyleLbl="node1" presStyleIdx="1" presStyleCnt="3" custLinFactNeighborY="-1822"/>
       <dgm:spPr/>
+      <dgm:t>
+        <a:bodyPr/>
+        <a:lstStyle/>
+        <a:p>
+          <a:endParaRPr lang="fr-FR"/>
+        </a:p>
+      </dgm:t>
     </dgm:pt>
     <dgm:pt modelId="{EED53FE3-01A0-4A4A-B958-999558A60657}" type="pres">
       <dgm:prSet presAssocID="{1F9CA264-1B86-4BD2-8B9A-84CA313D033D}" presName="Child2" presStyleLbl="revTx" presStyleIdx="2" presStyleCnt="6" custScaleX="389896" custLinFactX="56436" custLinFactNeighborX="100000" custLinFactNeighborY="-8533">
@@ -2904,10 +4426,24 @@
     <dgm:pt modelId="{FC9BEDCD-C59D-4CF8-A60B-815EEB58E35D}" type="pres">
       <dgm:prSet presAssocID="{2EA95732-DAA1-4ECB-8F01-6C0A8C021423}" presName="Accent3" presStyleCnt="0"/>
       <dgm:spPr/>
+      <dgm:t>
+        <a:bodyPr/>
+        <a:lstStyle/>
+        <a:p>
+          <a:endParaRPr lang="fr-FR"/>
+        </a:p>
+      </dgm:t>
     </dgm:pt>
     <dgm:pt modelId="{A7590864-E6C3-49D8-9B22-DF9210EFF756}" type="pres">
       <dgm:prSet presAssocID="{2EA95732-DAA1-4ECB-8F01-6C0A8C021423}" presName="Accent" presStyleLbl="node1" presStyleIdx="2" presStyleCnt="3"/>
       <dgm:spPr/>
+      <dgm:t>
+        <a:bodyPr/>
+        <a:lstStyle/>
+        <a:p>
+          <a:endParaRPr lang="fr-FR"/>
+        </a:p>
+      </dgm:t>
     </dgm:pt>
     <dgm:pt modelId="{1EC2A02A-3E8D-473F-97D1-1FB993A4303A}" type="pres">
       <dgm:prSet presAssocID="{2EA95732-DAA1-4ECB-8F01-6C0A8C021423}" presName="Child3" presStyleLbl="revTx" presStyleIdx="4" presStyleCnt="6" custScaleX="313229" custLinFactX="41048" custLinFactNeighborX="100000" custLinFactNeighborY="1563">
@@ -2987,6 +4523,325 @@
 </dgm:dataModel>
 </file>
 
+<file path=ppt/diagrams/data3.xml><?xml version="1.0" encoding="utf-8"?>
+<dgm:dataModel xmlns:dgm="http://schemas.openxmlformats.org/drawingml/2006/diagram" xmlns:a="http://schemas.openxmlformats.org/drawingml/2006/main">
+  <dgm:ptLst>
+    <dgm:pt modelId="{A8E08C9B-FEF1-45AF-B589-624BB0B5FC99}" type="doc">
+      <dgm:prSet loTypeId="urn:microsoft.com/office/officeart/2005/8/layout/funnel1" loCatId="process" qsTypeId="urn:microsoft.com/office/officeart/2005/8/quickstyle/simple5" qsCatId="simple" csTypeId="urn:microsoft.com/office/officeart/2005/8/colors/accent1_2" csCatId="accent1" phldr="1"/>
+      <dgm:spPr/>
+      <dgm:t>
+        <a:bodyPr/>
+        <a:lstStyle/>
+        <a:p>
+          <a:endParaRPr lang="fr-FR"/>
+        </a:p>
+      </dgm:t>
+    </dgm:pt>
+    <dgm:pt modelId="{C94BFFEB-5EFF-4F25-80B9-C0437CAF659D}">
+      <dgm:prSet phldrT="[Texte]"/>
+      <dgm:spPr/>
+      <dgm:t>
+        <a:bodyPr/>
+        <a:lstStyle/>
+        <a:p>
+          <a:r>
+            <a:rPr lang="fr-FR" dirty="0" smtClean="0"/>
+            <a:t>Mise à l’échelle</a:t>
+          </a:r>
+          <a:endParaRPr lang="fr-FR" dirty="0"/>
+        </a:p>
+      </dgm:t>
+    </dgm:pt>
+    <dgm:pt modelId="{AFF9FC31-EA02-49F3-89BF-7E2B78EA26BF}" type="parTrans" cxnId="{C6BDAF2E-F50B-43E1-82D0-A70E0A3A572B}">
+      <dgm:prSet/>
+      <dgm:spPr/>
+      <dgm:t>
+        <a:bodyPr/>
+        <a:lstStyle/>
+        <a:p>
+          <a:endParaRPr lang="fr-FR"/>
+        </a:p>
+      </dgm:t>
+    </dgm:pt>
+    <dgm:pt modelId="{2E53430D-B841-4E39-8AD9-4602262D6F4F}" type="sibTrans" cxnId="{C6BDAF2E-F50B-43E1-82D0-A70E0A3A572B}">
+      <dgm:prSet/>
+      <dgm:spPr/>
+      <dgm:t>
+        <a:bodyPr/>
+        <a:lstStyle/>
+        <a:p>
+          <a:endParaRPr lang="fr-FR"/>
+        </a:p>
+      </dgm:t>
+    </dgm:pt>
+    <dgm:pt modelId="{5642A9AB-4AAF-4879-A06F-9A34D73DEB63}">
+      <dgm:prSet phldrT="[Texte]"/>
+      <dgm:spPr/>
+      <dgm:t>
+        <a:bodyPr/>
+        <a:lstStyle/>
+        <a:p>
+          <a:r>
+            <a:rPr lang="fr-FR" dirty="0" smtClean="0"/>
+            <a:t>Coordonnées Homogènes</a:t>
+          </a:r>
+          <a:endParaRPr lang="fr-FR" dirty="0"/>
+        </a:p>
+      </dgm:t>
+    </dgm:pt>
+    <dgm:pt modelId="{D3698754-A66E-410F-97BC-78F87C0CC20A}" type="parTrans" cxnId="{B4156DF5-E877-4292-BA15-C25581F43507}">
+      <dgm:prSet/>
+      <dgm:spPr/>
+      <dgm:t>
+        <a:bodyPr/>
+        <a:lstStyle/>
+        <a:p>
+          <a:endParaRPr lang="fr-FR"/>
+        </a:p>
+      </dgm:t>
+    </dgm:pt>
+    <dgm:pt modelId="{E16A8C96-AA98-4F16-AD9B-6845EEFD9F87}" type="sibTrans" cxnId="{B4156DF5-E877-4292-BA15-C25581F43507}">
+      <dgm:prSet/>
+      <dgm:spPr/>
+      <dgm:t>
+        <a:bodyPr/>
+        <a:lstStyle/>
+        <a:p>
+          <a:endParaRPr lang="fr-FR"/>
+        </a:p>
+      </dgm:t>
+    </dgm:pt>
+    <dgm:pt modelId="{C3D7DFEB-9E34-4413-B5E4-985F00B6F14B}">
+      <dgm:prSet phldrT="[Texte]"/>
+      <dgm:spPr/>
+      <dgm:t>
+        <a:bodyPr/>
+        <a:lstStyle/>
+        <a:p>
+          <a:r>
+            <a:rPr lang="fr-FR" dirty="0" smtClean="0"/>
+            <a:t>Translation</a:t>
+          </a:r>
+          <a:endParaRPr lang="fr-FR" dirty="0"/>
+        </a:p>
+      </dgm:t>
+    </dgm:pt>
+    <dgm:pt modelId="{8F308510-42C6-4697-8A7F-E88DD5727BEA}" type="parTrans" cxnId="{DA2FBF08-18AD-49B5-BC5C-59EFFA351C2E}">
+      <dgm:prSet/>
+      <dgm:spPr/>
+      <dgm:t>
+        <a:bodyPr/>
+        <a:lstStyle/>
+        <a:p>
+          <a:endParaRPr lang="fr-FR"/>
+        </a:p>
+      </dgm:t>
+    </dgm:pt>
+    <dgm:pt modelId="{522D9819-D7FB-48CE-8BF8-81A037D5B306}" type="sibTrans" cxnId="{DA2FBF08-18AD-49B5-BC5C-59EFFA351C2E}">
+      <dgm:prSet/>
+      <dgm:spPr/>
+      <dgm:t>
+        <a:bodyPr/>
+        <a:lstStyle/>
+        <a:p>
+          <a:endParaRPr lang="fr-FR"/>
+        </a:p>
+      </dgm:t>
+    </dgm:pt>
+    <dgm:pt modelId="{FF7F8DB4-FAAA-47E4-93C5-452D5B41BFBA}" type="pres">
+      <dgm:prSet presAssocID="{A8E08C9B-FEF1-45AF-B589-624BB0B5FC99}" presName="Name0" presStyleCnt="0">
+        <dgm:presLayoutVars>
+          <dgm:chMax val="4"/>
+          <dgm:resizeHandles val="exact"/>
+        </dgm:presLayoutVars>
+      </dgm:prSet>
+      <dgm:spPr/>
+    </dgm:pt>
+    <dgm:pt modelId="{4306EA24-5A55-4C2B-8070-9913B349BC74}" type="pres">
+      <dgm:prSet presAssocID="{A8E08C9B-FEF1-45AF-B589-624BB0B5FC99}" presName="ellipse" presStyleLbl="trBgShp" presStyleIdx="0" presStyleCnt="1"/>
+      <dgm:spPr/>
+    </dgm:pt>
+    <dgm:pt modelId="{633FA22E-A4D4-41FA-940C-3AA6ED7CECFF}" type="pres">
+      <dgm:prSet presAssocID="{A8E08C9B-FEF1-45AF-B589-624BB0B5FC99}" presName="arrow1" presStyleLbl="fgShp" presStyleIdx="0" presStyleCnt="1"/>
+      <dgm:spPr/>
+    </dgm:pt>
+    <dgm:pt modelId="{0E48ABED-5F29-486F-8754-13382A21B90F}" type="pres">
+      <dgm:prSet presAssocID="{A8E08C9B-FEF1-45AF-B589-624BB0B5FC99}" presName="rectangle" presStyleLbl="revTx" presStyleIdx="0" presStyleCnt="1">
+        <dgm:presLayoutVars>
+          <dgm:bulletEnabled val="1"/>
+        </dgm:presLayoutVars>
+      </dgm:prSet>
+      <dgm:spPr/>
+      <dgm:t>
+        <a:bodyPr/>
+        <a:lstStyle/>
+        <a:p>
+          <a:endParaRPr lang="fr-FR"/>
+        </a:p>
+      </dgm:t>
+    </dgm:pt>
+    <dgm:pt modelId="{08BFDE6D-6CEC-4489-9AE6-DDADF0FFCA4B}" type="pres">
+      <dgm:prSet presAssocID="{C94BFFEB-5EFF-4F25-80B9-C0437CAF659D}" presName="item1" presStyleLbl="node1" presStyleIdx="0" presStyleCnt="2">
+        <dgm:presLayoutVars>
+          <dgm:bulletEnabled val="1"/>
+        </dgm:presLayoutVars>
+      </dgm:prSet>
+      <dgm:spPr/>
+      <dgm:t>
+        <a:bodyPr/>
+        <a:lstStyle/>
+        <a:p>
+          <a:endParaRPr lang="fr-FR"/>
+        </a:p>
+      </dgm:t>
+    </dgm:pt>
+    <dgm:pt modelId="{1BCDDEFA-9471-4F87-B59D-F412585B5B21}" type="pres">
+      <dgm:prSet presAssocID="{5642A9AB-4AAF-4879-A06F-9A34D73DEB63}" presName="item2" presStyleLbl="node1" presStyleIdx="1" presStyleCnt="2">
+        <dgm:presLayoutVars>
+          <dgm:bulletEnabled val="1"/>
+        </dgm:presLayoutVars>
+      </dgm:prSet>
+      <dgm:spPr/>
+    </dgm:pt>
+    <dgm:pt modelId="{B5650C03-C8B1-4C14-A7E5-EF285925EFA3}" type="pres">
+      <dgm:prSet presAssocID="{A8E08C9B-FEF1-45AF-B589-624BB0B5FC99}" presName="funnel" presStyleLbl="trAlignAcc1" presStyleIdx="0" presStyleCnt="1"/>
+      <dgm:spPr/>
+    </dgm:pt>
+  </dgm:ptLst>
+  <dgm:cxnLst>
+    <dgm:cxn modelId="{70EC7B7A-06AD-4A6C-B9F6-E83E9184F555}" type="presOf" srcId="{C94BFFEB-5EFF-4F25-80B9-C0437CAF659D}" destId="{08BFDE6D-6CEC-4489-9AE6-DDADF0FFCA4B}" srcOrd="0" destOrd="0" presId="urn:microsoft.com/office/officeart/2005/8/layout/funnel1"/>
+    <dgm:cxn modelId="{C6BDAF2E-F50B-43E1-82D0-A70E0A3A572B}" srcId="{A8E08C9B-FEF1-45AF-B589-624BB0B5FC99}" destId="{C94BFFEB-5EFF-4F25-80B9-C0437CAF659D}" srcOrd="1" destOrd="0" parTransId="{AFF9FC31-EA02-49F3-89BF-7E2B78EA26BF}" sibTransId="{2E53430D-B841-4E39-8AD9-4602262D6F4F}"/>
+    <dgm:cxn modelId="{B4156DF5-E877-4292-BA15-C25581F43507}" srcId="{A8E08C9B-FEF1-45AF-B589-624BB0B5FC99}" destId="{5642A9AB-4AAF-4879-A06F-9A34D73DEB63}" srcOrd="2" destOrd="0" parTransId="{D3698754-A66E-410F-97BC-78F87C0CC20A}" sibTransId="{E16A8C96-AA98-4F16-AD9B-6845EEFD9F87}"/>
+    <dgm:cxn modelId="{DA2FBF08-18AD-49B5-BC5C-59EFFA351C2E}" srcId="{A8E08C9B-FEF1-45AF-B589-624BB0B5FC99}" destId="{C3D7DFEB-9E34-4413-B5E4-985F00B6F14B}" srcOrd="0" destOrd="0" parTransId="{8F308510-42C6-4697-8A7F-E88DD5727BEA}" sibTransId="{522D9819-D7FB-48CE-8BF8-81A037D5B306}"/>
+    <dgm:cxn modelId="{74C39624-7E00-4189-ADA7-021354F7F13D}" type="presOf" srcId="{5642A9AB-4AAF-4879-A06F-9A34D73DEB63}" destId="{0E48ABED-5F29-486F-8754-13382A21B90F}" srcOrd="0" destOrd="0" presId="urn:microsoft.com/office/officeart/2005/8/layout/funnel1"/>
+    <dgm:cxn modelId="{B521F356-9C2E-427F-995E-B2E20986A5B7}" type="presOf" srcId="{C3D7DFEB-9E34-4413-B5E4-985F00B6F14B}" destId="{1BCDDEFA-9471-4F87-B59D-F412585B5B21}" srcOrd="0" destOrd="0" presId="urn:microsoft.com/office/officeart/2005/8/layout/funnel1"/>
+    <dgm:cxn modelId="{219B8224-8075-4BDE-BBDE-6B814EA42C3C}" type="presOf" srcId="{A8E08C9B-FEF1-45AF-B589-624BB0B5FC99}" destId="{FF7F8DB4-FAAA-47E4-93C5-452D5B41BFBA}" srcOrd="0" destOrd="0" presId="urn:microsoft.com/office/officeart/2005/8/layout/funnel1"/>
+    <dgm:cxn modelId="{574041A5-4C0B-4CC0-A968-0A0E312709C6}" type="presParOf" srcId="{FF7F8DB4-FAAA-47E4-93C5-452D5B41BFBA}" destId="{4306EA24-5A55-4C2B-8070-9913B349BC74}" srcOrd="0" destOrd="0" presId="urn:microsoft.com/office/officeart/2005/8/layout/funnel1"/>
+    <dgm:cxn modelId="{36327568-BA2E-4285-9F01-6FC0AA564B7C}" type="presParOf" srcId="{FF7F8DB4-FAAA-47E4-93C5-452D5B41BFBA}" destId="{633FA22E-A4D4-41FA-940C-3AA6ED7CECFF}" srcOrd="1" destOrd="0" presId="urn:microsoft.com/office/officeart/2005/8/layout/funnel1"/>
+    <dgm:cxn modelId="{BA359553-0316-4B4E-A901-0694F0EB7A79}" type="presParOf" srcId="{FF7F8DB4-FAAA-47E4-93C5-452D5B41BFBA}" destId="{0E48ABED-5F29-486F-8754-13382A21B90F}" srcOrd="2" destOrd="0" presId="urn:microsoft.com/office/officeart/2005/8/layout/funnel1"/>
+    <dgm:cxn modelId="{00E2681A-BA52-43E9-B290-1EDD1D8CF7C6}" type="presParOf" srcId="{FF7F8DB4-FAAA-47E4-93C5-452D5B41BFBA}" destId="{08BFDE6D-6CEC-4489-9AE6-DDADF0FFCA4B}" srcOrd="3" destOrd="0" presId="urn:microsoft.com/office/officeart/2005/8/layout/funnel1"/>
+    <dgm:cxn modelId="{59413759-3B96-414C-8B08-AB5167C10E29}" type="presParOf" srcId="{FF7F8DB4-FAAA-47E4-93C5-452D5B41BFBA}" destId="{1BCDDEFA-9471-4F87-B59D-F412585B5B21}" srcOrd="4" destOrd="0" presId="urn:microsoft.com/office/officeart/2005/8/layout/funnel1"/>
+    <dgm:cxn modelId="{C2086DEF-4DA0-43D2-867E-B2D941AFBBD1}" type="presParOf" srcId="{FF7F8DB4-FAAA-47E4-93C5-452D5B41BFBA}" destId="{B5650C03-C8B1-4C14-A7E5-EF285925EFA3}" srcOrd="5" destOrd="0" presId="urn:microsoft.com/office/officeart/2005/8/layout/funnel1"/>
+  </dgm:cxnLst>
+  <dgm:bg/>
+  <dgm:whole/>
+  <dgm:extLst>
+    <a:ext uri="http://schemas.microsoft.com/office/drawing/2008/diagram">
+      <dsp:dataModelExt xmlns:dsp="http://schemas.microsoft.com/office/drawing/2008/diagram" relId="rId6" minVer="http://schemas.openxmlformats.org/drawingml/2006/diagram"/>
+    </a:ext>
+  </dgm:extLst>
+</dgm:dataModel>
+</file>
+
+<file path=ppt/diagrams/data4.xml><?xml version="1.0" encoding="utf-8"?>
+<dgm:dataModel xmlns:dgm="http://schemas.openxmlformats.org/drawingml/2006/diagram" xmlns:a="http://schemas.openxmlformats.org/drawingml/2006/main">
+  <dgm:ptLst>
+    <dgm:pt modelId="{1FF94BD8-607A-4B71-9725-EA5730B08627}" type="doc">
+      <dgm:prSet loTypeId="urn:microsoft.com/office/officeart/2008/layout/BendingPictureCaptionList" loCatId="picture" qsTypeId="urn:microsoft.com/office/officeart/2005/8/quickstyle/simple5" qsCatId="simple" csTypeId="urn:microsoft.com/office/officeart/2005/8/colors/accent1_2" csCatId="accent1" phldr="1"/>
+      <dgm:spPr/>
+      <dgm:t>
+        <a:bodyPr/>
+        <a:lstStyle/>
+        <a:p>
+          <a:endParaRPr lang="fr-FR"/>
+        </a:p>
+      </dgm:t>
+    </dgm:pt>
+    <dgm:pt modelId="{A281DE1D-0B46-4772-98DF-6C4DCB880BA2}">
+      <dgm:prSet phldrT="[Texte]"/>
+      <dgm:spPr/>
+      <dgm:t>
+        <a:bodyPr/>
+        <a:lstStyle/>
+        <a:p>
+          <a:r>
+            <a:rPr lang="fr-FR" dirty="0" smtClean="0"/>
+            <a:t>Infographie: Transformation 2D</a:t>
+          </a:r>
+          <a:endParaRPr lang="fr-FR" dirty="0"/>
+        </a:p>
+      </dgm:t>
+    </dgm:pt>
+    <dgm:pt modelId="{4F225F90-FF94-4C7D-BB17-874216BD2F6F}" type="parTrans" cxnId="{E7EC4BFB-43E4-481D-B3F5-2FE73DB87945}">
+      <dgm:prSet/>
+      <dgm:spPr/>
+      <dgm:t>
+        <a:bodyPr/>
+        <a:lstStyle/>
+        <a:p>
+          <a:endParaRPr lang="fr-FR"/>
+        </a:p>
+      </dgm:t>
+    </dgm:pt>
+    <dgm:pt modelId="{1930F0C6-BF40-40AE-BBB8-5DB8E1C19EC5}" type="sibTrans" cxnId="{E7EC4BFB-43E4-481D-B3F5-2FE73DB87945}">
+      <dgm:prSet/>
+      <dgm:spPr/>
+      <dgm:t>
+        <a:bodyPr/>
+        <a:lstStyle/>
+        <a:p>
+          <a:endParaRPr lang="fr-FR"/>
+        </a:p>
+      </dgm:t>
+    </dgm:pt>
+    <dgm:pt modelId="{4F7BD539-CDE1-4A12-9C2B-33D6E0E43435}" type="pres">
+      <dgm:prSet presAssocID="{1FF94BD8-607A-4B71-9725-EA5730B08627}" presName="Name0" presStyleCnt="0">
+        <dgm:presLayoutVars>
+          <dgm:dir/>
+          <dgm:resizeHandles val="exact"/>
+        </dgm:presLayoutVars>
+      </dgm:prSet>
+      <dgm:spPr/>
+    </dgm:pt>
+    <dgm:pt modelId="{67E7B8EB-AC41-45F9-BA19-0579011811E3}" type="pres">
+      <dgm:prSet presAssocID="{A281DE1D-0B46-4772-98DF-6C4DCB880BA2}" presName="composite" presStyleCnt="0"/>
+      <dgm:spPr/>
+    </dgm:pt>
+    <dgm:pt modelId="{F5E8622B-DE8D-4B9A-BBD3-7C45DD615DB5}" type="pres">
+      <dgm:prSet presAssocID="{A281DE1D-0B46-4772-98DF-6C4DCB880BA2}" presName="rect1" presStyleLbl="bgImgPlace1" presStyleIdx="0" presStyleCnt="1"/>
+      <dgm:spPr>
+        <a:blipFill>
+          <a:blip xmlns:r="http://schemas.openxmlformats.org/officeDocument/2006/relationships" r:embed="rId1">
+            <a:extLst>
+              <a:ext uri="{28A0092B-C50C-407E-A947-70E740481C1C}">
+                <a14:useLocalDpi xmlns:a14="http://schemas.microsoft.com/office/drawing/2010/main" val="0"/>
+              </a:ext>
+            </a:extLst>
+          </a:blip>
+          <a:srcRect/>
+          <a:stretch>
+            <a:fillRect l="-9000" r="-9000"/>
+          </a:stretch>
+        </a:blipFill>
+      </dgm:spPr>
+    </dgm:pt>
+    <dgm:pt modelId="{D0EBE654-10F5-40AF-9D1F-2D1DE308F244}" type="pres">
+      <dgm:prSet presAssocID="{A281DE1D-0B46-4772-98DF-6C4DCB880BA2}" presName="wedgeRectCallout1" presStyleLbl="node1" presStyleIdx="0" presStyleCnt="1">
+        <dgm:presLayoutVars>
+          <dgm:bulletEnabled val="1"/>
+        </dgm:presLayoutVars>
+      </dgm:prSet>
+      <dgm:spPr/>
+    </dgm:pt>
+  </dgm:ptLst>
+  <dgm:cxnLst>
+    <dgm:cxn modelId="{A55CDFB0-7E95-49E7-884B-CE1700AAECA7}" type="presOf" srcId="{1FF94BD8-607A-4B71-9725-EA5730B08627}" destId="{4F7BD539-CDE1-4A12-9C2B-33D6E0E43435}" srcOrd="0" destOrd="0" presId="urn:microsoft.com/office/officeart/2008/layout/BendingPictureCaptionList"/>
+    <dgm:cxn modelId="{E7EC4BFB-43E4-481D-B3F5-2FE73DB87945}" srcId="{1FF94BD8-607A-4B71-9725-EA5730B08627}" destId="{A281DE1D-0B46-4772-98DF-6C4DCB880BA2}" srcOrd="0" destOrd="0" parTransId="{4F225F90-FF94-4C7D-BB17-874216BD2F6F}" sibTransId="{1930F0C6-BF40-40AE-BBB8-5DB8E1C19EC5}"/>
+    <dgm:cxn modelId="{DC34D73E-7E1D-40DA-B8EA-D7258FC6956A}" type="presOf" srcId="{A281DE1D-0B46-4772-98DF-6C4DCB880BA2}" destId="{D0EBE654-10F5-40AF-9D1F-2D1DE308F244}" srcOrd="0" destOrd="0" presId="urn:microsoft.com/office/officeart/2008/layout/BendingPictureCaptionList"/>
+    <dgm:cxn modelId="{0274DB03-AAE9-41A8-B9BB-16F1007F3B9B}" type="presParOf" srcId="{4F7BD539-CDE1-4A12-9C2B-33D6E0E43435}" destId="{67E7B8EB-AC41-45F9-BA19-0579011811E3}" srcOrd="0" destOrd="0" presId="urn:microsoft.com/office/officeart/2008/layout/BendingPictureCaptionList"/>
+    <dgm:cxn modelId="{C711890E-6B9D-4BE9-96D7-D615D5FBDD58}" type="presParOf" srcId="{67E7B8EB-AC41-45F9-BA19-0579011811E3}" destId="{F5E8622B-DE8D-4B9A-BBD3-7C45DD615DB5}" srcOrd="0" destOrd="0" presId="urn:microsoft.com/office/officeart/2008/layout/BendingPictureCaptionList"/>
+    <dgm:cxn modelId="{414C76F3-8DD3-44B9-A0F0-591C2F5042F7}" type="presParOf" srcId="{67E7B8EB-AC41-45F9-BA19-0579011811E3}" destId="{D0EBE654-10F5-40AF-9D1F-2D1DE308F244}" srcOrd="1" destOrd="0" presId="urn:microsoft.com/office/officeart/2008/layout/BendingPictureCaptionList"/>
+  </dgm:cxnLst>
+  <dgm:bg/>
+  <dgm:whole/>
+  <dgm:extLst>
+    <a:ext uri="http://schemas.microsoft.com/office/drawing/2008/diagram">
+      <dsp:dataModelExt xmlns:dsp="http://schemas.microsoft.com/office/drawing/2008/diagram" relId="rId11" minVer="http://schemas.openxmlformats.org/drawingml/2006/diagram"/>
+    </a:ext>
+  </dgm:extLst>
+</dgm:dataModel>
+</file>
+
 <file path=ppt/diagrams/drawing1.xml><?xml version="1.0" encoding="utf-8"?>
 <dsp:drawing xmlns:dgm="http://schemas.openxmlformats.org/drawingml/2006/diagram" xmlns:dsp="http://schemas.microsoft.com/office/drawing/2008/diagram" xmlns:a="http://schemas.openxmlformats.org/drawingml/2006/main">
   <dsp:spTree>
@@ -2995,6 +4850,1084 @@
       <dsp:cNvGrpSpPr/>
     </dsp:nvGrpSpPr>
     <dsp:grpSpPr/>
+    <dsp:sp modelId="{C690D0CD-7211-42BB-BA22-C909A7CA1954}">
+      <dsp:nvSpPr>
+        <dsp:cNvPr id="0" name=""/>
+        <dsp:cNvSpPr/>
+      </dsp:nvSpPr>
+      <dsp:spPr>
+        <a:xfrm>
+          <a:off x="5077836" y="1676507"/>
+          <a:ext cx="3984630" cy="592315"/>
+        </a:xfrm>
+        <a:custGeom>
+          <a:avLst/>
+          <a:gdLst/>
+          <a:ahLst/>
+          <a:cxnLst/>
+          <a:rect l="0" t="0" r="0" b="0"/>
+          <a:pathLst>
+            <a:path>
+              <a:moveTo>
+                <a:pt x="0" y="0"/>
+              </a:moveTo>
+              <a:lnTo>
+                <a:pt x="0" y="353111"/>
+              </a:lnTo>
+              <a:lnTo>
+                <a:pt x="3984630" y="353111"/>
+              </a:lnTo>
+              <a:lnTo>
+                <a:pt x="3984630" y="592315"/>
+              </a:lnTo>
+            </a:path>
+          </a:pathLst>
+        </a:custGeom>
+        <a:noFill/>
+        <a:ln w="9525" cap="rnd" cmpd="sng" algn="ctr">
+          <a:solidFill>
+            <a:schemeClr val="accent1">
+              <a:shade val="60000"/>
+              <a:hueOff val="0"/>
+              <a:satOff val="0"/>
+              <a:lumOff val="0"/>
+              <a:alphaOff val="0"/>
+            </a:schemeClr>
+          </a:solidFill>
+          <a:prstDash val="solid"/>
+        </a:ln>
+        <a:effectLst/>
+      </dsp:spPr>
+      <dsp:style>
+        <a:lnRef idx="1">
+          <a:scrgbClr r="0" g="0" b="0"/>
+        </a:lnRef>
+        <a:fillRef idx="0">
+          <a:scrgbClr r="0" g="0" b="0"/>
+        </a:fillRef>
+        <a:effectRef idx="0">
+          <a:scrgbClr r="0" g="0" b="0"/>
+        </a:effectRef>
+        <a:fontRef idx="minor"/>
+      </dsp:style>
+    </dsp:sp>
+    <dsp:sp modelId="{4A968BB4-BA07-4A5B-A53B-F2957ABC86FB}">
+      <dsp:nvSpPr>
+        <dsp:cNvPr id="0" name=""/>
+        <dsp:cNvSpPr/>
+      </dsp:nvSpPr>
+      <dsp:spPr>
+        <a:xfrm>
+          <a:off x="5077836" y="1676507"/>
+          <a:ext cx="1328210" cy="592315"/>
+        </a:xfrm>
+        <a:custGeom>
+          <a:avLst/>
+          <a:gdLst/>
+          <a:ahLst/>
+          <a:cxnLst/>
+          <a:rect l="0" t="0" r="0" b="0"/>
+          <a:pathLst>
+            <a:path>
+              <a:moveTo>
+                <a:pt x="0" y="0"/>
+              </a:moveTo>
+              <a:lnTo>
+                <a:pt x="0" y="353111"/>
+              </a:lnTo>
+              <a:lnTo>
+                <a:pt x="1328210" y="353111"/>
+              </a:lnTo>
+              <a:lnTo>
+                <a:pt x="1328210" y="592315"/>
+              </a:lnTo>
+            </a:path>
+          </a:pathLst>
+        </a:custGeom>
+        <a:noFill/>
+        <a:ln w="9525" cap="rnd" cmpd="sng" algn="ctr">
+          <a:solidFill>
+            <a:schemeClr val="accent1">
+              <a:shade val="60000"/>
+              <a:hueOff val="0"/>
+              <a:satOff val="0"/>
+              <a:lumOff val="0"/>
+              <a:alphaOff val="0"/>
+            </a:schemeClr>
+          </a:solidFill>
+          <a:prstDash val="solid"/>
+        </a:ln>
+        <a:effectLst/>
+      </dsp:spPr>
+      <dsp:style>
+        <a:lnRef idx="1">
+          <a:scrgbClr r="0" g="0" b="0"/>
+        </a:lnRef>
+        <a:fillRef idx="0">
+          <a:scrgbClr r="0" g="0" b="0"/>
+        </a:fillRef>
+        <a:effectRef idx="0">
+          <a:scrgbClr r="0" g="0" b="0"/>
+        </a:effectRef>
+        <a:fontRef idx="minor"/>
+      </dsp:style>
+    </dsp:sp>
+    <dsp:sp modelId="{31D35D76-771E-4FDE-BA75-EC484194EBC2}">
+      <dsp:nvSpPr>
+        <dsp:cNvPr id="0" name=""/>
+        <dsp:cNvSpPr/>
+      </dsp:nvSpPr>
+      <dsp:spPr>
+        <a:xfrm>
+          <a:off x="3749626" y="1676507"/>
+          <a:ext cx="1328210" cy="592315"/>
+        </a:xfrm>
+        <a:custGeom>
+          <a:avLst/>
+          <a:gdLst/>
+          <a:ahLst/>
+          <a:cxnLst/>
+          <a:rect l="0" t="0" r="0" b="0"/>
+          <a:pathLst>
+            <a:path>
+              <a:moveTo>
+                <a:pt x="1328210" y="0"/>
+              </a:moveTo>
+              <a:lnTo>
+                <a:pt x="1328210" y="353111"/>
+              </a:lnTo>
+              <a:lnTo>
+                <a:pt x="0" y="353111"/>
+              </a:lnTo>
+              <a:lnTo>
+                <a:pt x="0" y="592315"/>
+              </a:lnTo>
+            </a:path>
+          </a:pathLst>
+        </a:custGeom>
+        <a:noFill/>
+        <a:ln w="9525" cap="rnd" cmpd="sng" algn="ctr">
+          <a:solidFill>
+            <a:schemeClr val="accent1">
+              <a:shade val="60000"/>
+              <a:hueOff val="0"/>
+              <a:satOff val="0"/>
+              <a:lumOff val="0"/>
+              <a:alphaOff val="0"/>
+            </a:schemeClr>
+          </a:solidFill>
+          <a:prstDash val="solid"/>
+        </a:ln>
+        <a:effectLst/>
+      </dsp:spPr>
+      <dsp:style>
+        <a:lnRef idx="1">
+          <a:scrgbClr r="0" g="0" b="0"/>
+        </a:lnRef>
+        <a:fillRef idx="0">
+          <a:scrgbClr r="0" g="0" b="0"/>
+        </a:fillRef>
+        <a:effectRef idx="0">
+          <a:scrgbClr r="0" g="0" b="0"/>
+        </a:effectRef>
+        <a:fontRef idx="minor"/>
+      </dsp:style>
+    </dsp:sp>
+    <dsp:sp modelId="{095703D4-98CA-460D-B2F6-CA110B625919}">
+      <dsp:nvSpPr>
+        <dsp:cNvPr id="0" name=""/>
+        <dsp:cNvSpPr/>
+      </dsp:nvSpPr>
+      <dsp:spPr>
+        <a:xfrm>
+          <a:off x="1093206" y="1676507"/>
+          <a:ext cx="3984630" cy="592315"/>
+        </a:xfrm>
+        <a:custGeom>
+          <a:avLst/>
+          <a:gdLst/>
+          <a:ahLst/>
+          <a:cxnLst/>
+          <a:rect l="0" t="0" r="0" b="0"/>
+          <a:pathLst>
+            <a:path>
+              <a:moveTo>
+                <a:pt x="3984630" y="0"/>
+              </a:moveTo>
+              <a:lnTo>
+                <a:pt x="3984630" y="353111"/>
+              </a:lnTo>
+              <a:lnTo>
+                <a:pt x="0" y="353111"/>
+              </a:lnTo>
+              <a:lnTo>
+                <a:pt x="0" y="592315"/>
+              </a:lnTo>
+            </a:path>
+          </a:pathLst>
+        </a:custGeom>
+        <a:noFill/>
+        <a:ln w="9525" cap="rnd" cmpd="sng" algn="ctr">
+          <a:solidFill>
+            <a:schemeClr val="accent1">
+              <a:shade val="60000"/>
+              <a:hueOff val="0"/>
+              <a:satOff val="0"/>
+              <a:lumOff val="0"/>
+              <a:alphaOff val="0"/>
+            </a:schemeClr>
+          </a:solidFill>
+          <a:prstDash val="solid"/>
+        </a:ln>
+        <a:effectLst/>
+      </dsp:spPr>
+      <dsp:style>
+        <a:lnRef idx="1">
+          <a:scrgbClr r="0" g="0" b="0"/>
+        </a:lnRef>
+        <a:fillRef idx="0">
+          <a:scrgbClr r="0" g="0" b="0"/>
+        </a:fillRef>
+        <a:effectRef idx="0">
+          <a:scrgbClr r="0" g="0" b="0"/>
+        </a:effectRef>
+        <a:fontRef idx="minor"/>
+      </dsp:style>
+    </dsp:sp>
+    <dsp:sp modelId="{153DF482-9B63-4F22-A2E6-E0985D657AE7}">
+      <dsp:nvSpPr>
+        <dsp:cNvPr id="0" name=""/>
+        <dsp:cNvSpPr/>
+      </dsp:nvSpPr>
+      <dsp:spPr>
+        <a:xfrm>
+          <a:off x="4087831" y="651345"/>
+          <a:ext cx="1980010" cy="1025161"/>
+        </a:xfrm>
+        <a:prstGeom prst="rect">
+          <a:avLst/>
+        </a:prstGeom>
+        <a:gradFill rotWithShape="0">
+          <a:gsLst>
+            <a:gs pos="0">
+              <a:schemeClr val="accent1">
+                <a:hueOff val="0"/>
+                <a:satOff val="0"/>
+                <a:lumOff val="0"/>
+                <a:alphaOff val="0"/>
+                <a:tint val="96000"/>
+                <a:lumMod val="104000"/>
+              </a:schemeClr>
+            </a:gs>
+            <a:gs pos="100000">
+              <a:schemeClr val="accent1">
+                <a:hueOff val="0"/>
+                <a:satOff val="0"/>
+                <a:lumOff val="0"/>
+                <a:alphaOff val="0"/>
+                <a:shade val="90000"/>
+                <a:lumMod val="90000"/>
+              </a:schemeClr>
+            </a:gs>
+          </a:gsLst>
+          <a:lin ang="5400000" scaled="0"/>
+        </a:gradFill>
+        <a:ln>
+          <a:noFill/>
+        </a:ln>
+        <a:effectLst>
+          <a:outerShdw blurRad="63500" dist="25400" dir="5400000" rotWithShape="0">
+            <a:srgbClr val="000000">
+              <a:alpha val="60000"/>
+            </a:srgbClr>
+          </a:outerShdw>
+        </a:effectLst>
+      </dsp:spPr>
+      <dsp:style>
+        <a:lnRef idx="0">
+          <a:scrgbClr r="0" g="0" b="0"/>
+        </a:lnRef>
+        <a:fillRef idx="3">
+          <a:scrgbClr r="0" g="0" b="0"/>
+        </a:fillRef>
+        <a:effectRef idx="2">
+          <a:scrgbClr r="0" g="0" b="0"/>
+        </a:effectRef>
+        <a:fontRef idx="minor">
+          <a:schemeClr val="lt1"/>
+        </a:fontRef>
+      </dsp:style>
+      <dsp:txBody>
+        <a:bodyPr spcFirstLastPara="0" vert="horz" wrap="square" lIns="13970" tIns="13970" rIns="13970" bIns="144662" numCol="1" spcCol="1270" anchor="ctr" anchorCtr="0">
+          <a:noAutofit/>
+        </a:bodyPr>
+        <a:lstStyle/>
+        <a:p>
+          <a:pPr lvl="0" algn="ctr" defTabSz="977900">
+            <a:lnSpc>
+              <a:spcPct val="90000"/>
+            </a:lnSpc>
+            <a:spcBef>
+              <a:spcPct val="0"/>
+            </a:spcBef>
+            <a:spcAft>
+              <a:spcPct val="35000"/>
+            </a:spcAft>
+          </a:pPr>
+          <a:r>
+            <a:rPr lang="fr-FR" sz="2200" kern="1200"/>
+            <a:t>Chef de Projet</a:t>
+          </a:r>
+        </a:p>
+      </dsp:txBody>
+      <dsp:txXfrm>
+        <a:off x="4087831" y="651345"/>
+        <a:ext cx="1980010" cy="1025161"/>
+      </dsp:txXfrm>
+    </dsp:sp>
+    <dsp:sp modelId="{113EA813-3BA6-403B-BFBC-C6C029177D40}">
+      <dsp:nvSpPr>
+        <dsp:cNvPr id="0" name=""/>
+        <dsp:cNvSpPr/>
+      </dsp:nvSpPr>
+      <dsp:spPr>
+        <a:xfrm>
+          <a:off x="4483833" y="1448693"/>
+          <a:ext cx="1782009" cy="341720"/>
+        </a:xfrm>
+        <a:prstGeom prst="rect">
+          <a:avLst/>
+        </a:prstGeom>
+        <a:solidFill>
+          <a:schemeClr val="lt1">
+            <a:alpha val="90000"/>
+            <a:hueOff val="0"/>
+            <a:satOff val="0"/>
+            <a:lumOff val="0"/>
+            <a:alphaOff val="0"/>
+          </a:schemeClr>
+        </a:solidFill>
+        <a:ln w="9525" cap="rnd" cmpd="sng" algn="ctr">
+          <a:solidFill>
+            <a:schemeClr val="accent1">
+              <a:hueOff val="0"/>
+              <a:satOff val="0"/>
+              <a:lumOff val="0"/>
+              <a:alphaOff val="0"/>
+            </a:schemeClr>
+          </a:solidFill>
+          <a:prstDash val="solid"/>
+        </a:ln>
+        <a:effectLst/>
+      </dsp:spPr>
+      <dsp:style>
+        <a:lnRef idx="1">
+          <a:scrgbClr r="0" g="0" b="0"/>
+        </a:lnRef>
+        <a:fillRef idx="1">
+          <a:scrgbClr r="0" g="0" b="0"/>
+        </a:fillRef>
+        <a:effectRef idx="0">
+          <a:scrgbClr r="0" g="0" b="0"/>
+        </a:effectRef>
+        <a:fontRef idx="minor"/>
+      </dsp:style>
+      <dsp:txBody>
+        <a:bodyPr spcFirstLastPara="0" vert="horz" wrap="square" lIns="38100" tIns="9525" rIns="38100" bIns="9525" numCol="1" spcCol="1270" anchor="ctr" anchorCtr="0">
+          <a:noAutofit/>
+        </a:bodyPr>
+        <a:lstStyle/>
+        <a:p>
+          <a:pPr lvl="0" algn="r" defTabSz="666750">
+            <a:lnSpc>
+              <a:spcPct val="90000"/>
+            </a:lnSpc>
+            <a:spcBef>
+              <a:spcPct val="0"/>
+            </a:spcBef>
+            <a:spcAft>
+              <a:spcPct val="35000"/>
+            </a:spcAft>
+          </a:pPr>
+          <a:r>
+            <a:rPr lang="fr-FR" sz="1500" kern="1200" dirty="0"/>
+            <a:t>Cyril PY</a:t>
+          </a:r>
+        </a:p>
+      </dsp:txBody>
+      <dsp:txXfrm>
+        <a:off x="4483833" y="1448693"/>
+        <a:ext cx="1782009" cy="341720"/>
+      </dsp:txXfrm>
+    </dsp:sp>
+    <dsp:sp modelId="{5676D32F-1CE3-4176-81F2-A39E244B0416}">
+      <dsp:nvSpPr>
+        <dsp:cNvPr id="0" name=""/>
+        <dsp:cNvSpPr/>
+      </dsp:nvSpPr>
+      <dsp:spPr>
+        <a:xfrm>
+          <a:off x="103201" y="2268822"/>
+          <a:ext cx="1980010" cy="1025161"/>
+        </a:xfrm>
+        <a:prstGeom prst="rect">
+          <a:avLst/>
+        </a:prstGeom>
+        <a:gradFill rotWithShape="0">
+          <a:gsLst>
+            <a:gs pos="0">
+              <a:schemeClr val="accent1">
+                <a:hueOff val="0"/>
+                <a:satOff val="0"/>
+                <a:lumOff val="0"/>
+                <a:alphaOff val="0"/>
+                <a:tint val="96000"/>
+                <a:lumMod val="104000"/>
+              </a:schemeClr>
+            </a:gs>
+            <a:gs pos="100000">
+              <a:schemeClr val="accent1">
+                <a:hueOff val="0"/>
+                <a:satOff val="0"/>
+                <a:lumOff val="0"/>
+                <a:alphaOff val="0"/>
+                <a:shade val="90000"/>
+                <a:lumMod val="90000"/>
+              </a:schemeClr>
+            </a:gs>
+          </a:gsLst>
+          <a:lin ang="5400000" scaled="0"/>
+        </a:gradFill>
+        <a:ln>
+          <a:noFill/>
+        </a:ln>
+        <a:effectLst>
+          <a:outerShdw blurRad="63500" dist="25400" dir="5400000" rotWithShape="0">
+            <a:srgbClr val="000000">
+              <a:alpha val="60000"/>
+            </a:srgbClr>
+          </a:outerShdw>
+        </a:effectLst>
+      </dsp:spPr>
+      <dsp:style>
+        <a:lnRef idx="0">
+          <a:scrgbClr r="0" g="0" b="0"/>
+        </a:lnRef>
+        <a:fillRef idx="3">
+          <a:scrgbClr r="0" g="0" b="0"/>
+        </a:fillRef>
+        <a:effectRef idx="2">
+          <a:scrgbClr r="0" g="0" b="0"/>
+        </a:effectRef>
+        <a:fontRef idx="minor">
+          <a:schemeClr val="lt1"/>
+        </a:fontRef>
+      </dsp:style>
+      <dsp:txBody>
+        <a:bodyPr spcFirstLastPara="0" vert="horz" wrap="square" lIns="13970" tIns="13970" rIns="13970" bIns="144662" numCol="1" spcCol="1270" anchor="ctr" anchorCtr="0">
+          <a:noAutofit/>
+        </a:bodyPr>
+        <a:lstStyle/>
+        <a:p>
+          <a:pPr lvl="0" algn="ctr" defTabSz="977900">
+            <a:lnSpc>
+              <a:spcPct val="90000"/>
+            </a:lnSpc>
+            <a:spcBef>
+              <a:spcPct val="0"/>
+            </a:spcBef>
+            <a:spcAft>
+              <a:spcPct val="35000"/>
+            </a:spcAft>
+          </a:pPr>
+          <a:r>
+            <a:rPr lang="fr-FR" sz="2200" kern="1200" dirty="0" smtClean="0"/>
+            <a:t>Odométrie</a:t>
+          </a:r>
+          <a:endParaRPr lang="fr-FR" sz="2200" kern="1200" dirty="0"/>
+        </a:p>
+      </dsp:txBody>
+      <dsp:txXfrm>
+        <a:off x="103201" y="2268822"/>
+        <a:ext cx="1980010" cy="1025161"/>
+      </dsp:txXfrm>
+    </dsp:sp>
+    <dsp:sp modelId="{809562EB-4A18-496D-99D9-E0B60B4EAEA5}">
+      <dsp:nvSpPr>
+        <dsp:cNvPr id="0" name=""/>
+        <dsp:cNvSpPr/>
+      </dsp:nvSpPr>
+      <dsp:spPr>
+        <a:xfrm>
+          <a:off x="578787" y="3066170"/>
+          <a:ext cx="1782009" cy="341720"/>
+        </a:xfrm>
+        <a:prstGeom prst="rect">
+          <a:avLst/>
+        </a:prstGeom>
+        <a:solidFill>
+          <a:schemeClr val="lt1">
+            <a:alpha val="90000"/>
+            <a:hueOff val="0"/>
+            <a:satOff val="0"/>
+            <a:lumOff val="0"/>
+            <a:alphaOff val="0"/>
+          </a:schemeClr>
+        </a:solidFill>
+        <a:ln w="9525" cap="rnd" cmpd="sng" algn="ctr">
+          <a:solidFill>
+            <a:schemeClr val="accent1">
+              <a:hueOff val="0"/>
+              <a:satOff val="0"/>
+              <a:lumOff val="0"/>
+              <a:alphaOff val="0"/>
+            </a:schemeClr>
+          </a:solidFill>
+          <a:prstDash val="solid"/>
+        </a:ln>
+        <a:effectLst/>
+      </dsp:spPr>
+      <dsp:style>
+        <a:lnRef idx="1">
+          <a:scrgbClr r="0" g="0" b="0"/>
+        </a:lnRef>
+        <a:fillRef idx="1">
+          <a:scrgbClr r="0" g="0" b="0"/>
+        </a:fillRef>
+        <a:effectRef idx="0">
+          <a:scrgbClr r="0" g="0" b="0"/>
+        </a:effectRef>
+        <a:fontRef idx="minor"/>
+      </dsp:style>
+      <dsp:txBody>
+        <a:bodyPr spcFirstLastPara="0" vert="horz" wrap="square" lIns="38100" tIns="9525" rIns="38100" bIns="9525" numCol="1" spcCol="1270" anchor="ctr" anchorCtr="0">
+          <a:noAutofit/>
+        </a:bodyPr>
+        <a:lstStyle/>
+        <a:p>
+          <a:pPr lvl="0" algn="r" defTabSz="666750">
+            <a:lnSpc>
+              <a:spcPct val="90000"/>
+            </a:lnSpc>
+            <a:spcBef>
+              <a:spcPct val="0"/>
+            </a:spcBef>
+            <a:spcAft>
+              <a:spcPct val="35000"/>
+            </a:spcAft>
+          </a:pPr>
+          <a:r>
+            <a:rPr lang="fr-FR" sz="1500" kern="1200" dirty="0"/>
+            <a:t>Thomas PRAK</a:t>
+          </a:r>
+        </a:p>
+      </dsp:txBody>
+      <dsp:txXfrm>
+        <a:off x="578787" y="3066170"/>
+        <a:ext cx="1782009" cy="341720"/>
+      </dsp:txXfrm>
+    </dsp:sp>
+    <dsp:sp modelId="{F522147D-7926-4BE8-A844-0FB48C50D80C}">
+      <dsp:nvSpPr>
+        <dsp:cNvPr id="0" name=""/>
+        <dsp:cNvSpPr/>
+      </dsp:nvSpPr>
+      <dsp:spPr>
+        <a:xfrm>
+          <a:off x="2759621" y="2268822"/>
+          <a:ext cx="1980010" cy="1025161"/>
+        </a:xfrm>
+        <a:prstGeom prst="rect">
+          <a:avLst/>
+        </a:prstGeom>
+        <a:gradFill rotWithShape="0">
+          <a:gsLst>
+            <a:gs pos="0">
+              <a:schemeClr val="accent1">
+                <a:hueOff val="0"/>
+                <a:satOff val="0"/>
+                <a:lumOff val="0"/>
+                <a:alphaOff val="0"/>
+                <a:tint val="96000"/>
+                <a:lumMod val="104000"/>
+              </a:schemeClr>
+            </a:gs>
+            <a:gs pos="100000">
+              <a:schemeClr val="accent1">
+                <a:hueOff val="0"/>
+                <a:satOff val="0"/>
+                <a:lumOff val="0"/>
+                <a:alphaOff val="0"/>
+                <a:shade val="90000"/>
+                <a:lumMod val="90000"/>
+              </a:schemeClr>
+            </a:gs>
+          </a:gsLst>
+          <a:lin ang="5400000" scaled="0"/>
+        </a:gradFill>
+        <a:ln>
+          <a:noFill/>
+        </a:ln>
+        <a:effectLst>
+          <a:outerShdw blurRad="63500" dist="25400" dir="5400000" rotWithShape="0">
+            <a:srgbClr val="000000">
+              <a:alpha val="60000"/>
+            </a:srgbClr>
+          </a:outerShdw>
+        </a:effectLst>
+      </dsp:spPr>
+      <dsp:style>
+        <a:lnRef idx="0">
+          <a:scrgbClr r="0" g="0" b="0"/>
+        </a:lnRef>
+        <a:fillRef idx="3">
+          <a:scrgbClr r="0" g="0" b="0"/>
+        </a:fillRef>
+        <a:effectRef idx="2">
+          <a:scrgbClr r="0" g="0" b="0"/>
+        </a:effectRef>
+        <a:fontRef idx="minor">
+          <a:schemeClr val="lt1"/>
+        </a:fontRef>
+      </dsp:style>
+      <dsp:txBody>
+        <a:bodyPr spcFirstLastPara="0" vert="horz" wrap="square" lIns="13970" tIns="13970" rIns="13970" bIns="144662" numCol="1" spcCol="1270" anchor="ctr" anchorCtr="0">
+          <a:noAutofit/>
+        </a:bodyPr>
+        <a:lstStyle/>
+        <a:p>
+          <a:pPr lvl="0" algn="ctr" defTabSz="977900">
+            <a:lnSpc>
+              <a:spcPct val="90000"/>
+            </a:lnSpc>
+            <a:spcBef>
+              <a:spcPct val="0"/>
+            </a:spcBef>
+            <a:spcAft>
+              <a:spcPct val="35000"/>
+            </a:spcAft>
+          </a:pPr>
+          <a:r>
+            <a:rPr lang="fr-FR" sz="2200" kern="1200" dirty="0" smtClean="0"/>
+            <a:t>Client Web</a:t>
+          </a:r>
+          <a:endParaRPr lang="fr-FR" sz="2200" kern="1200" dirty="0"/>
+        </a:p>
+      </dsp:txBody>
+      <dsp:txXfrm>
+        <a:off x="2759621" y="2268822"/>
+        <a:ext cx="1980010" cy="1025161"/>
+      </dsp:txXfrm>
+    </dsp:sp>
+    <dsp:sp modelId="{BDDE5DF6-64AC-499B-A204-5D73CD5189A5}">
+      <dsp:nvSpPr>
+        <dsp:cNvPr id="0" name=""/>
+        <dsp:cNvSpPr/>
+      </dsp:nvSpPr>
+      <dsp:spPr>
+        <a:xfrm>
+          <a:off x="3155623" y="3066170"/>
+          <a:ext cx="1782009" cy="341720"/>
+        </a:xfrm>
+        <a:prstGeom prst="rect">
+          <a:avLst/>
+        </a:prstGeom>
+        <a:solidFill>
+          <a:schemeClr val="lt1">
+            <a:alpha val="90000"/>
+            <a:hueOff val="0"/>
+            <a:satOff val="0"/>
+            <a:lumOff val="0"/>
+            <a:alphaOff val="0"/>
+          </a:schemeClr>
+        </a:solidFill>
+        <a:ln w="9525" cap="rnd" cmpd="sng" algn="ctr">
+          <a:solidFill>
+            <a:schemeClr val="accent1">
+              <a:hueOff val="0"/>
+              <a:satOff val="0"/>
+              <a:lumOff val="0"/>
+              <a:alphaOff val="0"/>
+            </a:schemeClr>
+          </a:solidFill>
+          <a:prstDash val="solid"/>
+        </a:ln>
+        <a:effectLst/>
+      </dsp:spPr>
+      <dsp:style>
+        <a:lnRef idx="1">
+          <a:scrgbClr r="0" g="0" b="0"/>
+        </a:lnRef>
+        <a:fillRef idx="1">
+          <a:scrgbClr r="0" g="0" b="0"/>
+        </a:fillRef>
+        <a:effectRef idx="0">
+          <a:scrgbClr r="0" g="0" b="0"/>
+        </a:effectRef>
+        <a:fontRef idx="minor"/>
+      </dsp:style>
+      <dsp:txBody>
+        <a:bodyPr spcFirstLastPara="0" vert="horz" wrap="square" lIns="38100" tIns="9525" rIns="38100" bIns="9525" numCol="1" spcCol="1270" anchor="ctr" anchorCtr="0">
+          <a:noAutofit/>
+        </a:bodyPr>
+        <a:lstStyle/>
+        <a:p>
+          <a:pPr lvl="0" algn="r" defTabSz="666750">
+            <a:lnSpc>
+              <a:spcPct val="90000"/>
+            </a:lnSpc>
+            <a:spcBef>
+              <a:spcPct val="0"/>
+            </a:spcBef>
+            <a:spcAft>
+              <a:spcPct val="35000"/>
+            </a:spcAft>
+          </a:pPr>
+          <a:r>
+            <a:rPr lang="fr-FR" sz="1500" kern="1200" dirty="0"/>
+            <a:t>Justine SABBATIER</a:t>
+          </a:r>
+        </a:p>
+      </dsp:txBody>
+      <dsp:txXfrm>
+        <a:off x="3155623" y="3066170"/>
+        <a:ext cx="1782009" cy="341720"/>
+      </dsp:txXfrm>
+    </dsp:sp>
+    <dsp:sp modelId="{5662567F-F7A3-40C3-B265-EF28650FB1CC}">
+      <dsp:nvSpPr>
+        <dsp:cNvPr id="0" name=""/>
+        <dsp:cNvSpPr/>
+      </dsp:nvSpPr>
+      <dsp:spPr>
+        <a:xfrm>
+          <a:off x="5416041" y="2268822"/>
+          <a:ext cx="1980010" cy="1025161"/>
+        </a:xfrm>
+        <a:prstGeom prst="rect">
+          <a:avLst/>
+        </a:prstGeom>
+        <a:gradFill rotWithShape="0">
+          <a:gsLst>
+            <a:gs pos="0">
+              <a:schemeClr val="accent1">
+                <a:hueOff val="0"/>
+                <a:satOff val="0"/>
+                <a:lumOff val="0"/>
+                <a:alphaOff val="0"/>
+                <a:tint val="96000"/>
+                <a:lumMod val="104000"/>
+              </a:schemeClr>
+            </a:gs>
+            <a:gs pos="100000">
+              <a:schemeClr val="accent1">
+                <a:hueOff val="0"/>
+                <a:satOff val="0"/>
+                <a:lumOff val="0"/>
+                <a:alphaOff val="0"/>
+                <a:shade val="90000"/>
+                <a:lumMod val="90000"/>
+              </a:schemeClr>
+            </a:gs>
+          </a:gsLst>
+          <a:lin ang="5400000" scaled="0"/>
+        </a:gradFill>
+        <a:ln>
+          <a:noFill/>
+        </a:ln>
+        <a:effectLst>
+          <a:outerShdw blurRad="63500" dist="25400" dir="5400000" rotWithShape="0">
+            <a:srgbClr val="000000">
+              <a:alpha val="60000"/>
+            </a:srgbClr>
+          </a:outerShdw>
+        </a:effectLst>
+      </dsp:spPr>
+      <dsp:style>
+        <a:lnRef idx="0">
+          <a:scrgbClr r="0" g="0" b="0"/>
+        </a:lnRef>
+        <a:fillRef idx="3">
+          <a:scrgbClr r="0" g="0" b="0"/>
+        </a:fillRef>
+        <a:effectRef idx="2">
+          <a:scrgbClr r="0" g="0" b="0"/>
+        </a:effectRef>
+        <a:fontRef idx="minor">
+          <a:schemeClr val="lt1"/>
+        </a:fontRef>
+      </dsp:style>
+      <dsp:txBody>
+        <a:bodyPr spcFirstLastPara="0" vert="horz" wrap="square" lIns="13970" tIns="13970" rIns="13970" bIns="144662" numCol="1" spcCol="1270" anchor="ctr" anchorCtr="0">
+          <a:noAutofit/>
+        </a:bodyPr>
+        <a:lstStyle/>
+        <a:p>
+          <a:pPr lvl="0" algn="ctr" defTabSz="977900">
+            <a:lnSpc>
+              <a:spcPct val="90000"/>
+            </a:lnSpc>
+            <a:spcBef>
+              <a:spcPct val="0"/>
+            </a:spcBef>
+            <a:spcAft>
+              <a:spcPct val="35000"/>
+            </a:spcAft>
+          </a:pPr>
+          <a:r>
+            <a:rPr lang="fr-FR" sz="2200" kern="1200" dirty="0" smtClean="0"/>
+            <a:t>Algorithme</a:t>
+          </a:r>
+          <a:endParaRPr lang="fr-FR" sz="2200" kern="1200" dirty="0"/>
+        </a:p>
+      </dsp:txBody>
+      <dsp:txXfrm>
+        <a:off x="5416041" y="2268822"/>
+        <a:ext cx="1980010" cy="1025161"/>
+      </dsp:txXfrm>
+    </dsp:sp>
+    <dsp:sp modelId="{0E9E0690-608D-4BF4-8CCF-3E5EC47EB681}">
+      <dsp:nvSpPr>
+        <dsp:cNvPr id="0" name=""/>
+        <dsp:cNvSpPr/>
+      </dsp:nvSpPr>
+      <dsp:spPr>
+        <a:xfrm>
+          <a:off x="5812044" y="3066170"/>
+          <a:ext cx="1782009" cy="341720"/>
+        </a:xfrm>
+        <a:prstGeom prst="rect">
+          <a:avLst/>
+        </a:prstGeom>
+        <a:solidFill>
+          <a:schemeClr val="lt1">
+            <a:alpha val="90000"/>
+            <a:hueOff val="0"/>
+            <a:satOff val="0"/>
+            <a:lumOff val="0"/>
+            <a:alphaOff val="0"/>
+          </a:schemeClr>
+        </a:solidFill>
+        <a:ln w="9525" cap="rnd" cmpd="sng" algn="ctr">
+          <a:solidFill>
+            <a:schemeClr val="accent1">
+              <a:hueOff val="0"/>
+              <a:satOff val="0"/>
+              <a:lumOff val="0"/>
+              <a:alphaOff val="0"/>
+            </a:schemeClr>
+          </a:solidFill>
+          <a:prstDash val="solid"/>
+        </a:ln>
+        <a:effectLst/>
+      </dsp:spPr>
+      <dsp:style>
+        <a:lnRef idx="1">
+          <a:scrgbClr r="0" g="0" b="0"/>
+        </a:lnRef>
+        <a:fillRef idx="1">
+          <a:scrgbClr r="0" g="0" b="0"/>
+        </a:fillRef>
+        <a:effectRef idx="0">
+          <a:scrgbClr r="0" g="0" b="0"/>
+        </a:effectRef>
+        <a:fontRef idx="minor"/>
+      </dsp:style>
+      <dsp:txBody>
+        <a:bodyPr spcFirstLastPara="0" vert="horz" wrap="square" lIns="38100" tIns="9525" rIns="38100" bIns="9525" numCol="1" spcCol="1270" anchor="ctr" anchorCtr="0">
+          <a:noAutofit/>
+        </a:bodyPr>
+        <a:lstStyle/>
+        <a:p>
+          <a:pPr lvl="0" algn="r" defTabSz="666750">
+            <a:lnSpc>
+              <a:spcPct val="90000"/>
+            </a:lnSpc>
+            <a:spcBef>
+              <a:spcPct val="0"/>
+            </a:spcBef>
+            <a:spcAft>
+              <a:spcPct val="35000"/>
+            </a:spcAft>
+          </a:pPr>
+          <a:r>
+            <a:rPr lang="fr-FR" sz="1500" kern="1200"/>
+            <a:t>Mathias DA COSTA</a:t>
+          </a:r>
+        </a:p>
+      </dsp:txBody>
+      <dsp:txXfrm>
+        <a:off x="5812044" y="3066170"/>
+        <a:ext cx="1782009" cy="341720"/>
+      </dsp:txXfrm>
+    </dsp:sp>
+    <dsp:sp modelId="{96FA1259-64E4-404F-B34D-D3DE19F6B678}">
+      <dsp:nvSpPr>
+        <dsp:cNvPr id="0" name=""/>
+        <dsp:cNvSpPr/>
+      </dsp:nvSpPr>
+      <dsp:spPr>
+        <a:xfrm>
+          <a:off x="8072462" y="2268822"/>
+          <a:ext cx="1980010" cy="1025161"/>
+        </a:xfrm>
+        <a:prstGeom prst="rect">
+          <a:avLst/>
+        </a:prstGeom>
+        <a:gradFill rotWithShape="0">
+          <a:gsLst>
+            <a:gs pos="0">
+              <a:schemeClr val="accent1">
+                <a:hueOff val="0"/>
+                <a:satOff val="0"/>
+                <a:lumOff val="0"/>
+                <a:alphaOff val="0"/>
+                <a:tint val="96000"/>
+                <a:lumMod val="104000"/>
+              </a:schemeClr>
+            </a:gs>
+            <a:gs pos="100000">
+              <a:schemeClr val="accent1">
+                <a:hueOff val="0"/>
+                <a:satOff val="0"/>
+                <a:lumOff val="0"/>
+                <a:alphaOff val="0"/>
+                <a:shade val="90000"/>
+                <a:lumMod val="90000"/>
+              </a:schemeClr>
+            </a:gs>
+          </a:gsLst>
+          <a:lin ang="5400000" scaled="0"/>
+        </a:gradFill>
+        <a:ln>
+          <a:noFill/>
+        </a:ln>
+        <a:effectLst>
+          <a:outerShdw blurRad="63500" dist="25400" dir="5400000" rotWithShape="0">
+            <a:srgbClr val="000000">
+              <a:alpha val="60000"/>
+            </a:srgbClr>
+          </a:outerShdw>
+        </a:effectLst>
+      </dsp:spPr>
+      <dsp:style>
+        <a:lnRef idx="0">
+          <a:scrgbClr r="0" g="0" b="0"/>
+        </a:lnRef>
+        <a:fillRef idx="3">
+          <a:scrgbClr r="0" g="0" b="0"/>
+        </a:fillRef>
+        <a:effectRef idx="2">
+          <a:scrgbClr r="0" g="0" b="0"/>
+        </a:effectRef>
+        <a:fontRef idx="minor">
+          <a:schemeClr val="lt1"/>
+        </a:fontRef>
+      </dsp:style>
+      <dsp:txBody>
+        <a:bodyPr spcFirstLastPara="0" vert="horz" wrap="square" lIns="13970" tIns="13970" rIns="13970" bIns="144662" numCol="1" spcCol="1270" anchor="ctr" anchorCtr="0">
+          <a:noAutofit/>
+        </a:bodyPr>
+        <a:lstStyle/>
+        <a:p>
+          <a:pPr lvl="0" algn="ctr" defTabSz="977900">
+            <a:lnSpc>
+              <a:spcPct val="90000"/>
+            </a:lnSpc>
+            <a:spcBef>
+              <a:spcPct val="0"/>
+            </a:spcBef>
+            <a:spcAft>
+              <a:spcPct val="35000"/>
+            </a:spcAft>
+          </a:pPr>
+          <a:r>
+            <a:rPr lang="fr-FR" sz="2200" kern="1200" dirty="0" smtClean="0"/>
+            <a:t>Communication</a:t>
+          </a:r>
+          <a:endParaRPr lang="fr-FR" sz="2200" kern="1200" dirty="0"/>
+        </a:p>
+      </dsp:txBody>
+      <dsp:txXfrm>
+        <a:off x="8072462" y="2268822"/>
+        <a:ext cx="1980010" cy="1025161"/>
+      </dsp:txXfrm>
+    </dsp:sp>
+    <dsp:sp modelId="{A8EA838F-3B0C-4F99-BFF0-CFB047931BD1}">
+      <dsp:nvSpPr>
+        <dsp:cNvPr id="0" name=""/>
+        <dsp:cNvSpPr/>
+      </dsp:nvSpPr>
+      <dsp:spPr>
+        <a:xfrm>
+          <a:off x="8468464" y="3066170"/>
+          <a:ext cx="1782009" cy="341720"/>
+        </a:xfrm>
+        <a:prstGeom prst="rect">
+          <a:avLst/>
+        </a:prstGeom>
+        <a:solidFill>
+          <a:schemeClr val="lt1">
+            <a:alpha val="90000"/>
+            <a:hueOff val="0"/>
+            <a:satOff val="0"/>
+            <a:lumOff val="0"/>
+            <a:alphaOff val="0"/>
+          </a:schemeClr>
+        </a:solidFill>
+        <a:ln w="9525" cap="rnd" cmpd="sng" algn="ctr">
+          <a:solidFill>
+            <a:schemeClr val="accent1">
+              <a:hueOff val="0"/>
+              <a:satOff val="0"/>
+              <a:lumOff val="0"/>
+              <a:alphaOff val="0"/>
+            </a:schemeClr>
+          </a:solidFill>
+          <a:prstDash val="solid"/>
+        </a:ln>
+        <a:effectLst/>
+      </dsp:spPr>
+      <dsp:style>
+        <a:lnRef idx="1">
+          <a:scrgbClr r="0" g="0" b="0"/>
+        </a:lnRef>
+        <a:fillRef idx="1">
+          <a:scrgbClr r="0" g="0" b="0"/>
+        </a:fillRef>
+        <a:effectRef idx="0">
+          <a:scrgbClr r="0" g="0" b="0"/>
+        </a:effectRef>
+        <a:fontRef idx="minor"/>
+      </dsp:style>
+      <dsp:txBody>
+        <a:bodyPr spcFirstLastPara="0" vert="horz" wrap="square" lIns="38100" tIns="9525" rIns="38100" bIns="9525" numCol="1" spcCol="1270" anchor="ctr" anchorCtr="0">
+          <a:noAutofit/>
+        </a:bodyPr>
+        <a:lstStyle/>
+        <a:p>
+          <a:pPr lvl="0" algn="r" defTabSz="666750">
+            <a:lnSpc>
+              <a:spcPct val="90000"/>
+            </a:lnSpc>
+            <a:spcBef>
+              <a:spcPct val="0"/>
+            </a:spcBef>
+            <a:spcAft>
+              <a:spcPct val="35000"/>
+            </a:spcAft>
+          </a:pPr>
+          <a:r>
+            <a:rPr lang="fr-FR" sz="1500" kern="1200"/>
+            <a:t>Julien LOEVE</a:t>
+          </a:r>
+        </a:p>
+      </dsp:txBody>
+      <dsp:txXfrm>
+        <a:off x="8468464" y="3066170"/>
+        <a:ext cx="1782009" cy="341720"/>
+      </dsp:txXfrm>
+    </dsp:sp>
   </dsp:spTree>
 </dsp:drawing>
 </file>
@@ -3007,6 +5940,1300 @@
       <dsp:cNvGrpSpPr/>
     </dsp:nvGrpSpPr>
     <dsp:grpSpPr/>
+    <dsp:sp modelId="{6A1FC33C-BD54-48D9-8848-B8051814CA7A}">
+      <dsp:nvSpPr>
+        <dsp:cNvPr id="0" name=""/>
+        <dsp:cNvSpPr/>
+      </dsp:nvSpPr>
+      <dsp:spPr>
+        <a:xfrm>
+          <a:off x="2656565" y="9048"/>
+          <a:ext cx="2412531" cy="2412899"/>
+        </a:xfrm>
+        <a:prstGeom prst="circularArrow">
+          <a:avLst>
+            <a:gd name="adj1" fmla="val 10980"/>
+            <a:gd name="adj2" fmla="val 1142322"/>
+            <a:gd name="adj3" fmla="val 4500000"/>
+            <a:gd name="adj4" fmla="val 10800000"/>
+            <a:gd name="adj5" fmla="val 12500"/>
+          </a:avLst>
+        </a:prstGeom>
+        <a:gradFill rotWithShape="0">
+          <a:gsLst>
+            <a:gs pos="0">
+              <a:schemeClr val="accent1">
+                <a:hueOff val="0"/>
+                <a:satOff val="0"/>
+                <a:lumOff val="0"/>
+                <a:alphaOff val="0"/>
+                <a:tint val="96000"/>
+                <a:lumMod val="104000"/>
+              </a:schemeClr>
+            </a:gs>
+            <a:gs pos="100000">
+              <a:schemeClr val="accent1">
+                <a:hueOff val="0"/>
+                <a:satOff val="0"/>
+                <a:lumOff val="0"/>
+                <a:alphaOff val="0"/>
+                <a:shade val="90000"/>
+                <a:lumMod val="90000"/>
+              </a:schemeClr>
+            </a:gs>
+          </a:gsLst>
+          <a:lin ang="5400000" scaled="0"/>
+        </a:gradFill>
+        <a:ln>
+          <a:noFill/>
+        </a:ln>
+        <a:effectLst>
+          <a:outerShdw blurRad="76200" dist="38100" dir="5400000" rotWithShape="0">
+            <a:srgbClr val="000000">
+              <a:alpha val="75000"/>
+            </a:srgbClr>
+          </a:outerShdw>
+        </a:effectLst>
+        <a:scene3d>
+          <a:camera prst="orthographicFront">
+            <a:rot lat="0" lon="0" rev="0"/>
+          </a:camera>
+          <a:lightRig rig="threePt" dir="t">
+            <a:rot lat="0" lon="0" rev="1200000"/>
+          </a:lightRig>
+        </a:scene3d>
+        <a:sp3d>
+          <a:bevelT w="63500" h="25400" prst="hardEdge"/>
+        </a:sp3d>
+      </dsp:spPr>
+      <dsp:style>
+        <a:lnRef idx="0">
+          <a:scrgbClr r="0" g="0" b="0"/>
+        </a:lnRef>
+        <a:fillRef idx="3">
+          <a:scrgbClr r="0" g="0" b="0"/>
+        </a:fillRef>
+        <a:effectRef idx="3">
+          <a:scrgbClr r="0" g="0" b="0"/>
+        </a:effectRef>
+        <a:fontRef idx="minor">
+          <a:schemeClr val="lt1"/>
+        </a:fontRef>
+      </dsp:style>
+    </dsp:sp>
+    <dsp:sp modelId="{2BC33A24-C019-40DB-B4F8-D236F35960DA}">
+      <dsp:nvSpPr>
+        <dsp:cNvPr id="0" name=""/>
+        <dsp:cNvSpPr/>
+      </dsp:nvSpPr>
+      <dsp:spPr>
+        <a:xfrm>
+          <a:off x="5465248" y="601561"/>
+          <a:ext cx="3405954" cy="965360"/>
+        </a:xfrm>
+        <a:prstGeom prst="rect">
+          <a:avLst/>
+        </a:prstGeom>
+        <a:noFill/>
+        <a:ln>
+          <a:noFill/>
+        </a:ln>
+        <a:effectLst/>
+      </dsp:spPr>
+      <dsp:style>
+        <a:lnRef idx="0">
+          <a:scrgbClr r="0" g="0" b="0"/>
+        </a:lnRef>
+        <a:fillRef idx="0">
+          <a:scrgbClr r="0" g="0" b="0"/>
+        </a:fillRef>
+        <a:effectRef idx="0">
+          <a:scrgbClr r="0" g="0" b="0"/>
+        </a:effectRef>
+        <a:fontRef idx="minor"/>
+      </dsp:style>
+      <dsp:txBody>
+        <a:bodyPr spcFirstLastPara="0" vert="horz" wrap="square" lIns="15240" tIns="15240" rIns="15240" bIns="15240" numCol="1" spcCol="1270" anchor="ctr" anchorCtr="0">
+          <a:noAutofit/>
+        </a:bodyPr>
+        <a:lstStyle/>
+        <a:p>
+          <a:pPr marL="228600" lvl="1" indent="-228600" algn="l" defTabSz="1066800">
+            <a:lnSpc>
+              <a:spcPct val="90000"/>
+            </a:lnSpc>
+            <a:spcBef>
+              <a:spcPct val="0"/>
+            </a:spcBef>
+            <a:spcAft>
+              <a:spcPct val="15000"/>
+            </a:spcAft>
+            <a:buChar char="••"/>
+          </a:pPr>
+          <a:r>
+            <a:rPr lang="fr-FR" sz="2400" b="1" kern="1200" dirty="0" smtClean="0"/>
+            <a:t>Requête GET </a:t>
+          </a:r>
+          <a:endParaRPr lang="fr-FR" sz="2400" b="1" kern="1200" dirty="0"/>
+        </a:p>
+        <a:p>
+          <a:pPr marL="457200" lvl="2" indent="-228600" algn="l" defTabSz="1066800">
+            <a:lnSpc>
+              <a:spcPct val="90000"/>
+            </a:lnSpc>
+            <a:spcBef>
+              <a:spcPct val="0"/>
+            </a:spcBef>
+            <a:spcAft>
+              <a:spcPct val="15000"/>
+            </a:spcAft>
+            <a:buChar char="••"/>
+          </a:pPr>
+          <a:r>
+            <a:rPr lang="fr-FR" sz="2400" kern="1200" dirty="0" smtClean="0"/>
+            <a:t>Récupération du </a:t>
+          </a:r>
+          <a:r>
+            <a:rPr lang="fr-FR" sz="2400" kern="1200" dirty="0" err="1" smtClean="0"/>
+            <a:t>Json</a:t>
+          </a:r>
+          <a:endParaRPr lang="fr-FR" sz="2400" kern="1200" dirty="0"/>
+        </a:p>
+      </dsp:txBody>
+      <dsp:txXfrm>
+        <a:off x="5465248" y="601561"/>
+        <a:ext cx="3405954" cy="965360"/>
+      </dsp:txXfrm>
+    </dsp:sp>
+    <dsp:sp modelId="{41EA7880-1A0E-4CC2-B59F-914DDD351791}">
+      <dsp:nvSpPr>
+        <dsp:cNvPr id="0" name=""/>
+        <dsp:cNvSpPr/>
+      </dsp:nvSpPr>
+      <dsp:spPr>
+        <a:xfrm>
+          <a:off x="3162648" y="871129"/>
+          <a:ext cx="1340597" cy="670138"/>
+        </a:xfrm>
+        <a:prstGeom prst="rect">
+          <a:avLst/>
+        </a:prstGeom>
+        <a:noFill/>
+        <a:ln>
+          <a:noFill/>
+        </a:ln>
+        <a:effectLst/>
+      </dsp:spPr>
+      <dsp:style>
+        <a:lnRef idx="0">
+          <a:scrgbClr r="0" g="0" b="0"/>
+        </a:lnRef>
+        <a:fillRef idx="0">
+          <a:scrgbClr r="0" g="0" b="0"/>
+        </a:fillRef>
+        <a:effectRef idx="0">
+          <a:scrgbClr r="0" g="0" b="0"/>
+        </a:effectRef>
+        <a:fontRef idx="minor"/>
+      </dsp:style>
+      <dsp:txBody>
+        <a:bodyPr spcFirstLastPara="0" vert="horz" wrap="square" lIns="17780" tIns="17780" rIns="17780" bIns="17780" numCol="1" spcCol="1270" anchor="ctr" anchorCtr="0">
+          <a:noAutofit/>
+        </a:bodyPr>
+        <a:lstStyle/>
+        <a:p>
+          <a:pPr lvl="0" algn="ctr" defTabSz="1244600">
+            <a:lnSpc>
+              <a:spcPct val="90000"/>
+            </a:lnSpc>
+            <a:spcBef>
+              <a:spcPct val="0"/>
+            </a:spcBef>
+            <a:spcAft>
+              <a:spcPct val="35000"/>
+            </a:spcAft>
+          </a:pPr>
+          <a:r>
+            <a:rPr lang="fr-FR" sz="2800" kern="1200" dirty="0" smtClean="0"/>
+            <a:t>Ajax</a:t>
+          </a:r>
+          <a:endParaRPr lang="fr-FR" sz="2800" kern="1200" dirty="0"/>
+        </a:p>
+      </dsp:txBody>
+      <dsp:txXfrm>
+        <a:off x="3162648" y="871129"/>
+        <a:ext cx="1340597" cy="670138"/>
+      </dsp:txXfrm>
+    </dsp:sp>
+    <dsp:sp modelId="{1EAF82E5-DF36-4432-8EFB-3660BDEAF403}">
+      <dsp:nvSpPr>
+        <dsp:cNvPr id="0" name=""/>
+        <dsp:cNvSpPr/>
+      </dsp:nvSpPr>
+      <dsp:spPr>
+        <a:xfrm>
+          <a:off x="1959327" y="1342426"/>
+          <a:ext cx="2412531" cy="2412899"/>
+        </a:xfrm>
+        <a:prstGeom prst="leftCircularArrow">
+          <a:avLst>
+            <a:gd name="adj1" fmla="val 10980"/>
+            <a:gd name="adj2" fmla="val 1142322"/>
+            <a:gd name="adj3" fmla="val 6300000"/>
+            <a:gd name="adj4" fmla="val 18900000"/>
+            <a:gd name="adj5" fmla="val 12500"/>
+          </a:avLst>
+        </a:prstGeom>
+        <a:gradFill rotWithShape="0">
+          <a:gsLst>
+            <a:gs pos="0">
+              <a:schemeClr val="accent1">
+                <a:hueOff val="0"/>
+                <a:satOff val="0"/>
+                <a:lumOff val="0"/>
+                <a:alphaOff val="0"/>
+                <a:tint val="96000"/>
+                <a:lumMod val="104000"/>
+              </a:schemeClr>
+            </a:gs>
+            <a:gs pos="100000">
+              <a:schemeClr val="accent1">
+                <a:hueOff val="0"/>
+                <a:satOff val="0"/>
+                <a:lumOff val="0"/>
+                <a:alphaOff val="0"/>
+                <a:shade val="90000"/>
+                <a:lumMod val="90000"/>
+              </a:schemeClr>
+            </a:gs>
+          </a:gsLst>
+          <a:lin ang="5400000" scaled="0"/>
+        </a:gradFill>
+        <a:ln>
+          <a:noFill/>
+        </a:ln>
+        <a:effectLst>
+          <a:outerShdw blurRad="76200" dist="38100" dir="5400000" rotWithShape="0">
+            <a:srgbClr val="000000">
+              <a:alpha val="75000"/>
+            </a:srgbClr>
+          </a:outerShdw>
+        </a:effectLst>
+        <a:scene3d>
+          <a:camera prst="orthographicFront">
+            <a:rot lat="0" lon="0" rev="0"/>
+          </a:camera>
+          <a:lightRig rig="threePt" dir="t">
+            <a:rot lat="0" lon="0" rev="1200000"/>
+          </a:lightRig>
+        </a:scene3d>
+        <a:sp3d>
+          <a:bevelT w="63500" h="25400" prst="hardEdge"/>
+        </a:sp3d>
+      </dsp:spPr>
+      <dsp:style>
+        <a:lnRef idx="0">
+          <a:scrgbClr r="0" g="0" b="0"/>
+        </a:lnRef>
+        <a:fillRef idx="3">
+          <a:scrgbClr r="0" g="0" b="0"/>
+        </a:fillRef>
+        <a:effectRef idx="3">
+          <a:scrgbClr r="0" g="0" b="0"/>
+        </a:effectRef>
+        <a:fontRef idx="minor">
+          <a:schemeClr val="lt1"/>
+        </a:fontRef>
+      </dsp:style>
+    </dsp:sp>
+    <dsp:sp modelId="{EED53FE3-01A0-4A4A-B958-999558A60657}">
+      <dsp:nvSpPr>
+        <dsp:cNvPr id="0" name=""/>
+        <dsp:cNvSpPr/>
+      </dsp:nvSpPr>
+      <dsp:spPr>
+        <a:xfrm>
+          <a:off x="4348677" y="2031293"/>
+          <a:ext cx="5643819" cy="965360"/>
+        </a:xfrm>
+        <a:prstGeom prst="rect">
+          <a:avLst/>
+        </a:prstGeom>
+        <a:noFill/>
+        <a:ln>
+          <a:noFill/>
+        </a:ln>
+        <a:effectLst/>
+      </dsp:spPr>
+      <dsp:style>
+        <a:lnRef idx="0">
+          <a:scrgbClr r="0" g="0" b="0"/>
+        </a:lnRef>
+        <a:fillRef idx="0">
+          <a:scrgbClr r="0" g="0" b="0"/>
+        </a:fillRef>
+        <a:effectRef idx="0">
+          <a:scrgbClr r="0" g="0" b="0"/>
+        </a:effectRef>
+        <a:fontRef idx="minor"/>
+      </dsp:style>
+      <dsp:txBody>
+        <a:bodyPr spcFirstLastPara="0" vert="horz" wrap="squar